--- a/KICS_PT/[KICS] 모델 poster.pptx
+++ b/KICS_PT/[KICS] 모델 poster.pptx
@@ -15,10 +15,10 @@
     <p:sldId id="270" r:id="rId9"/>
     <p:sldId id="277" r:id="rId10"/>
     <p:sldId id="272" r:id="rId11"/>
-    <p:sldId id="273" r:id="rId12"/>
-    <p:sldId id="274" r:id="rId13"/>
-    <p:sldId id="275" r:id="rId14"/>
-    <p:sldId id="276" r:id="rId15"/>
+    <p:sldId id="278" r:id="rId12"/>
+    <p:sldId id="279" r:id="rId13"/>
+    <p:sldId id="280" r:id="rId14"/>
+    <p:sldId id="281" r:id="rId15"/>
   </p:sldIdLst>
   <p:sldSz cx="12192000" cy="6858000"/>
   <p:notesSz cx="6858000" cy="9144000"/>
@@ -3759,12 +3759,83 @@
           <a:chExt cx="0" cy="0"/>
         </a:xfrm>
       </p:grpSpPr>
-      <p:sp>
-        <p:nvSpPr>
-          <p:cNvPr id="15" name="object 2">
-            <a:extLst>
-              <a:ext uri="{FF2B5EF4-FFF2-40B4-BE49-F238E27FC236}">
-                <a16:creationId xmlns:a16="http://schemas.microsoft.com/office/drawing/2014/main" id="{63B42C9C-96BB-4869-81D8-DBA87F4A50BB}"/>
+      <p:pic>
+        <p:nvPicPr>
+          <p:cNvPr id="20" name="그림 19">
+            <a:extLst>
+              <a:ext uri="{FF2B5EF4-FFF2-40B4-BE49-F238E27FC236}">
+                <a16:creationId xmlns:a16="http://schemas.microsoft.com/office/drawing/2014/main" id="{A87EDB79-AE8E-46E3-B956-281C41A7ED3A}"/>
+              </a:ext>
+            </a:extLst>
+          </p:cNvPr>
+          <p:cNvPicPr>
+            <a:picLocks noChangeAspect="1"/>
+          </p:cNvPicPr>
+          <p:nvPr/>
+        </p:nvPicPr>
+        <p:blipFill rotWithShape="1">
+          <a:blip r:embed="rId2">
+            <a:extLst>
+              <a:ext uri="{28A0092B-C50C-407E-A947-70E740481C1C}">
+                <a14:useLocalDpi xmlns:a14="http://schemas.microsoft.com/office/drawing/2010/main" val="0"/>
+              </a:ext>
+            </a:extLst>
+          </a:blip>
+          <a:srcRect l="74535" t="3851" r="5686" b="50143"/>
+          <a:stretch/>
+        </p:blipFill>
+        <p:spPr>
+          <a:xfrm>
+            <a:off x="8473734" y="6091284"/>
+            <a:ext cx="1353669" cy="585664"/>
+          </a:xfrm>
+          <a:prstGeom prst="rect">
+            <a:avLst/>
+          </a:prstGeom>
+        </p:spPr>
+      </p:pic>
+      <p:pic>
+        <p:nvPicPr>
+          <p:cNvPr id="21" name="그림 20">
+            <a:extLst>
+              <a:ext uri="{FF2B5EF4-FFF2-40B4-BE49-F238E27FC236}">
+                <a16:creationId xmlns:a16="http://schemas.microsoft.com/office/drawing/2014/main" id="{25EA5F27-CB8A-4DD7-A41E-73A6B46FF164}"/>
+              </a:ext>
+            </a:extLst>
+          </p:cNvPr>
+          <p:cNvPicPr>
+            <a:picLocks noChangeAspect="1"/>
+          </p:cNvPicPr>
+          <p:nvPr/>
+        </p:nvPicPr>
+        <p:blipFill>
+          <a:blip r:embed="rId3" cstate="hqprint">
+            <a:extLst>
+              <a:ext uri="{28A0092B-C50C-407E-A947-70E740481C1C}">
+                <a14:useLocalDpi xmlns:a14="http://schemas.microsoft.com/office/drawing/2010/main" val="0"/>
+              </a:ext>
+            </a:extLst>
+          </a:blip>
+          <a:stretch>
+            <a:fillRect/>
+          </a:stretch>
+        </p:blipFill>
+        <p:spPr>
+          <a:xfrm>
+            <a:off x="9827403" y="6172124"/>
+            <a:ext cx="2199971" cy="423985"/>
+          </a:xfrm>
+          <a:prstGeom prst="rect">
+            <a:avLst/>
+          </a:prstGeom>
+        </p:spPr>
+      </p:pic>
+      <p:sp>
+        <p:nvSpPr>
+          <p:cNvPr id="9" name="object 2">
+            <a:extLst>
+              <a:ext uri="{FF2B5EF4-FFF2-40B4-BE49-F238E27FC236}">
+                <a16:creationId xmlns:a16="http://schemas.microsoft.com/office/drawing/2014/main" id="{6D7BD600-30F6-4170-B80C-852A785CE1AD}"/>
               </a:ext>
             </a:extLst>
           </p:cNvPr>
@@ -3776,7 +3847,7 @@
         <p:spPr>
           <a:xfrm>
             <a:off x="492575" y="391668"/>
-            <a:ext cx="1793875" cy="513080"/>
+            <a:ext cx="3965125" cy="505267"/>
           </a:xfrm>
           <a:prstGeom prst="rect">
             <a:avLst/>
@@ -3819,20 +3890,22 @@
               <a:defRPr/>
             </a:pPr>
             <a:r>
-              <a:rPr kumimoji="0" lang="en-US" altLang="ko-KR" sz="3200" b="1" i="0" u="none" strike="noStrike" kern="0" cap="none" spc="0" normalizeH="0" baseline="0" noProof="0" dirty="0">
-                <a:ln>
-                  <a:noFill/>
-                </a:ln>
-                <a:solidFill>
-                  <a:sysClr val="windowText" lastClr="000000"/>
-                </a:solidFill>
-                <a:effectLst/>
-                <a:uLnTx/>
-                <a:uFillTx/>
-                <a:latin typeface="Malgun Gothic"/>
+              <a:rPr lang="ko-KR" altLang="en-US" sz="3200" kern="0" spc="-25" dirty="0">
+                <a:solidFill>
+                  <a:srgbClr val="001F60"/>
+                </a:solidFill>
                 <a:ea typeface="맑은 고딕" panose="020B0503020000020004" pitchFamily="50" charset="-127"/>
               </a:rPr>
-              <a:t>Head</a:t>
+              <a:t>일사량 </a:t>
+            </a:r>
+            <a:r>
+              <a:rPr lang="ko-KR" altLang="en-US" sz="3200" kern="0" spc="-25">
+                <a:solidFill>
+                  <a:srgbClr val="001F60"/>
+                </a:solidFill>
+                <a:ea typeface="맑은 고딕" panose="020B0503020000020004" pitchFamily="50" charset="-127"/>
+              </a:rPr>
+              <a:t>예측 모델링</a:t>
             </a:r>
             <a:endParaRPr kumimoji="0" lang="ko-KR" altLang="en-US" sz="3200" b="1" i="0" u="none" strike="noStrike" kern="0" cap="none" spc="0" normalizeH="0" baseline="0" noProof="0" dirty="0">
               <a:ln>
@@ -3852,60 +3925,10 @@
       </p:sp>
       <p:sp>
         <p:nvSpPr>
-          <p:cNvPr id="16" name="object 3">
-            <a:extLst>
-              <a:ext uri="{FF2B5EF4-FFF2-40B4-BE49-F238E27FC236}">
-                <a16:creationId xmlns:a16="http://schemas.microsoft.com/office/drawing/2014/main" id="{A8C33617-DDF9-46C2-AA54-1B67BF5470A7}"/>
-              </a:ext>
-            </a:extLst>
-          </p:cNvPr>
-          <p:cNvSpPr txBox="1"/>
-          <p:nvPr/>
-        </p:nvSpPr>
-        <p:spPr>
-          <a:xfrm>
-            <a:off x="508990" y="1263396"/>
-            <a:ext cx="11014075" cy="425116"/>
-          </a:xfrm>
-          <a:prstGeom prst="rect">
-            <a:avLst/>
-          </a:prstGeom>
-        </p:spPr>
-        <p:txBody>
-          <a:bodyPr vert="horz" wrap="square" lIns="0" tIns="116205" rIns="0" bIns="0" rtlCol="0">
-            <a:spAutoFit/>
-          </a:bodyPr>
-          <a:lstStyle/>
-          <a:p>
-            <a:pPr marL="12700" latinLnBrk="0">
-              <a:spcBef>
-                <a:spcPts val="915"/>
-              </a:spcBef>
-            </a:pPr>
-            <a:r>
-              <a:rPr lang="en-US" sz="2000" b="1" kern="0" dirty="0">
-                <a:solidFill>
-                  <a:sysClr val="windowText" lastClr="000000"/>
-                </a:solidFill>
-                <a:cs typeface="Malgun Gothic"/>
-              </a:rPr>
-              <a:t>Head</a:t>
-            </a:r>
-            <a:endParaRPr sz="2000" b="1" kern="0" dirty="0">
-              <a:solidFill>
-                <a:sysClr val="windowText" lastClr="000000"/>
-              </a:solidFill>
-              <a:cs typeface="Malgun Gothic"/>
-            </a:endParaRPr>
-          </a:p>
-        </p:txBody>
-      </p:sp>
-      <p:sp>
-        <p:nvSpPr>
-          <p:cNvPr id="19" name="object 6">
-            <a:extLst>
-              <a:ext uri="{FF2B5EF4-FFF2-40B4-BE49-F238E27FC236}">
-                <a16:creationId xmlns:a16="http://schemas.microsoft.com/office/drawing/2014/main" id="{C73C25E3-E198-4627-994A-E730949EA465}"/>
+          <p:cNvPr id="10" name="object 6">
+            <a:extLst>
+              <a:ext uri="{FF2B5EF4-FFF2-40B4-BE49-F238E27FC236}">
+                <a16:creationId xmlns:a16="http://schemas.microsoft.com/office/drawing/2014/main" id="{8B966E05-EAAB-445B-8CC8-46645EBDF559}"/>
               </a:ext>
             </a:extLst>
           </p:cNvPr>
@@ -3983,186 +4006,335 @@
           </a:p>
         </p:txBody>
       </p:sp>
-      <p:pic>
-        <p:nvPicPr>
-          <p:cNvPr id="20" name="그림 19">
-            <a:extLst>
-              <a:ext uri="{FF2B5EF4-FFF2-40B4-BE49-F238E27FC236}">
-                <a16:creationId xmlns:a16="http://schemas.microsoft.com/office/drawing/2014/main" id="{A87EDB79-AE8E-46E3-B956-281C41A7ED3A}"/>
-              </a:ext>
-            </a:extLst>
-          </p:cNvPr>
-          <p:cNvPicPr>
-            <a:picLocks noChangeAspect="1"/>
-          </p:cNvPicPr>
+      <p:sp>
+        <p:nvSpPr>
+          <p:cNvPr id="11" name="object 3">
+            <a:extLst>
+              <a:ext uri="{FF2B5EF4-FFF2-40B4-BE49-F238E27FC236}">
+                <a16:creationId xmlns:a16="http://schemas.microsoft.com/office/drawing/2014/main" id="{04B1BFFB-7036-4650-B5BA-6C2A99C6E376}"/>
+              </a:ext>
+            </a:extLst>
+          </p:cNvPr>
+          <p:cNvSpPr txBox="1"/>
           <p:nvPr/>
-        </p:nvPicPr>
-        <p:blipFill rotWithShape="1">
-          <a:blip r:embed="rId2">
-            <a:extLst>
-              <a:ext uri="{28A0092B-C50C-407E-A947-70E740481C1C}">
-                <a14:useLocalDpi xmlns:a14="http://schemas.microsoft.com/office/drawing/2010/main" val="0"/>
-              </a:ext>
-            </a:extLst>
-          </a:blip>
-          <a:srcRect l="74535" t="3851" r="5686" b="50143"/>
-          <a:stretch/>
-        </p:blipFill>
+        </p:nvSpPr>
         <p:spPr>
           <a:xfrm>
-            <a:off x="8473734" y="6091284"/>
-            <a:ext cx="1353669" cy="585664"/>
+            <a:off x="508990" y="1263396"/>
+            <a:ext cx="11275060" cy="1694695"/>
           </a:xfrm>
           <a:prstGeom prst="rect">
             <a:avLst/>
           </a:prstGeom>
         </p:spPr>
-      </p:pic>
-      <p:pic>
-        <p:nvPicPr>
-          <p:cNvPr id="21" name="그림 20">
-            <a:extLst>
-              <a:ext uri="{FF2B5EF4-FFF2-40B4-BE49-F238E27FC236}">
-                <a16:creationId xmlns:a16="http://schemas.microsoft.com/office/drawing/2014/main" id="{25EA5F27-CB8A-4DD7-A41E-73A6B46FF164}"/>
-              </a:ext>
-            </a:extLst>
-          </p:cNvPr>
-          <p:cNvPicPr>
-            <a:picLocks noChangeAspect="1"/>
-          </p:cNvPicPr>
-          <p:nvPr/>
-        </p:nvPicPr>
-        <p:blipFill>
-          <a:blip r:embed="rId3" cstate="hqprint">
-            <a:extLst>
-              <a:ext uri="{28A0092B-C50C-407E-A947-70E740481C1C}">
-                <a14:useLocalDpi xmlns:a14="http://schemas.microsoft.com/office/drawing/2010/main" val="0"/>
-              </a:ext>
-            </a:extLst>
-          </a:blip>
-          <a:stretch>
-            <a:fillRect/>
-          </a:stretch>
-        </p:blipFill>
-        <p:spPr>
-          <a:xfrm>
-            <a:off x="9827403" y="6172124"/>
-            <a:ext cx="2199971" cy="423985"/>
-          </a:xfrm>
-          <a:prstGeom prst="rect">
-            <a:avLst/>
-          </a:prstGeom>
-        </p:spPr>
-      </p:pic>
-      <p:sp>
-        <p:nvSpPr>
-          <p:cNvPr id="4" name="직사각형 3"/>
-          <p:cNvSpPr/>
-          <p:nvPr/>
-        </p:nvSpPr>
-        <p:spPr>
-          <a:xfrm>
-            <a:off x="430250" y="1921127"/>
-            <a:ext cx="10568247" cy="1102866"/>
-          </a:xfrm>
-          <a:prstGeom prst="rect">
-            <a:avLst/>
-          </a:prstGeom>
-        </p:spPr>
-        <p:txBody>
-          <a:bodyPr wrap="square">
+        <p:txBody>
+          <a:bodyPr vert="horz" wrap="square" lIns="0" tIns="116205" rIns="0" bIns="0" rtlCol="0">
             <a:spAutoFit/>
           </a:bodyPr>
           <a:lstStyle/>
           <a:p>
-            <a:pPr marL="298450" indent="-285750" latinLnBrk="0">
+            <a:pPr marL="355600" indent="-342900" latinLnBrk="0">
               <a:spcBef>
-                <a:spcPts val="695"/>
+                <a:spcPts val="915"/>
               </a:spcBef>
-              <a:buFontTx/>
-              <a:buChar char="-"/>
-              <a:tabLst>
-                <a:tab pos="240665" algn="l"/>
-              </a:tabLst>
+              <a:buFont typeface="Wingdings" panose="05000000000000000000" pitchFamily="2" charset="2"/>
+              <a:buChar char="§"/>
             </a:pPr>
             <a:r>
-              <a:rPr lang="ko-KR" altLang="en-US" kern="0" spc="-50" dirty="0" err="1">
-                <a:solidFill>
-                  <a:sysClr val="windowText" lastClr="000000"/>
-                </a:solidFill>
-                <a:latin typeface="Calibri"/>
-                <a:cs typeface="Calibri"/>
-              </a:rPr>
-              <a:t>ㅇㅇ</a:t>
-            </a:r>
-            <a:endParaRPr lang="en-US" altLang="ko-KR" kern="0" spc="-50" dirty="0">
+              <a:rPr lang="en-US" altLang="ko-KR" sz="2000" b="1" kern="0" dirty="0">
+                <a:solidFill>
+                  <a:sysClr val="windowText" lastClr="000000"/>
+                </a:solidFill>
+                <a:cs typeface="Malgun Gothic"/>
+              </a:rPr>
+              <a:t>3</a:t>
+            </a:r>
+            <a:r>
+              <a:rPr lang="ko-KR" altLang="en-US" sz="2000" b="1" kern="0" dirty="0">
+                <a:solidFill>
+                  <a:sysClr val="windowText" lastClr="000000"/>
+                </a:solidFill>
+                <a:cs typeface="Malgun Gothic"/>
+              </a:rPr>
+              <a:t>단계</a:t>
+            </a:r>
+            <a:r>
+              <a:rPr lang="en-US" altLang="ko-KR" sz="2000" b="1" kern="0" dirty="0">
+                <a:solidFill>
+                  <a:sysClr val="windowText" lastClr="000000"/>
+                </a:solidFill>
+                <a:cs typeface="Malgun Gothic"/>
+              </a:rPr>
+              <a:t>) Random Forest </a:t>
+            </a:r>
+            <a:r>
+              <a:rPr lang="ko-KR" altLang="en-US" sz="2000" b="1" kern="0" dirty="0">
+                <a:solidFill>
+                  <a:sysClr val="windowText" lastClr="000000"/>
+                </a:solidFill>
+                <a:cs typeface="Malgun Gothic"/>
+              </a:rPr>
+              <a:t>기반의 일사량 예측 모델링</a:t>
+            </a:r>
+            <a:endParaRPr lang="en-US" altLang="ko-KR" sz="2000" b="1" kern="0" dirty="0">
               <a:solidFill>
                 <a:sysClr val="windowText" lastClr="000000"/>
               </a:solidFill>
-              <a:latin typeface="Calibri"/>
-              <a:cs typeface="Calibri"/>
+              <a:cs typeface="Malgun Gothic"/>
             </a:endParaRPr>
           </a:p>
           <a:p>
-            <a:pPr marL="298450" indent="-285750" latinLnBrk="0">
+            <a:pPr marL="812800" lvl="1" indent="-342900" latinLnBrk="0">
               <a:spcBef>
-                <a:spcPts val="695"/>
+                <a:spcPts val="915"/>
               </a:spcBef>
-              <a:buFontTx/>
-              <a:buChar char="-"/>
-              <a:tabLst>
-                <a:tab pos="240665" algn="l"/>
-              </a:tabLst>
+              <a:buFont typeface="Wingdings" panose="05000000000000000000" pitchFamily="2" charset="2"/>
+              <a:buChar char="§"/>
             </a:pPr>
             <a:r>
-              <a:rPr lang="ko-KR" altLang="en-US" kern="0" spc="-50" dirty="0" err="1">
-                <a:solidFill>
-                  <a:sysClr val="windowText" lastClr="000000"/>
-                </a:solidFill>
-                <a:latin typeface="Calibri"/>
-                <a:cs typeface="Calibri"/>
-              </a:rPr>
-              <a:t>ㅇㅇ</a:t>
-            </a:r>
-            <a:endParaRPr lang="en-US" altLang="ko-KR" kern="0" spc="-50" dirty="0">
+              <a:rPr lang="ko-KR" altLang="en-US" sz="2000" dirty="0" err="1"/>
+              <a:t>초매개변수인</a:t>
+            </a:r>
+            <a:r>
+              <a:rPr lang="ko-KR" altLang="en-US" sz="2000" dirty="0"/>
+              <a:t> 나무의 수는 </a:t>
+            </a:r>
+            <a:r>
+              <a:rPr lang="en-US" altLang="ko-KR" sz="2000" dirty="0"/>
+              <a:t>Oshiro </a:t>
+            </a:r>
+            <a:r>
+              <a:rPr lang="ko-KR" altLang="en-US" sz="2000" dirty="0"/>
+              <a:t>등</a:t>
+            </a:r>
+            <a:r>
+              <a:rPr lang="en-US" altLang="ko-KR" sz="2000" dirty="0"/>
+              <a:t>[5]</a:t>
+            </a:r>
+            <a:r>
+              <a:rPr lang="ko-KR" altLang="en-US" sz="2000" dirty="0"/>
+              <a:t>의 연구에서 제안한 값인 </a:t>
+            </a:r>
+            <a:r>
+              <a:rPr lang="en-US" altLang="ko-KR" sz="2000" dirty="0"/>
+              <a:t>128 </a:t>
+            </a:r>
+            <a:r>
+              <a:rPr lang="ko-KR" altLang="en-US" sz="2000" dirty="0"/>
+              <a:t>사용</a:t>
+            </a:r>
+            <a:endParaRPr lang="en-US" altLang="ko-KR" sz="2000" dirty="0"/>
+          </a:p>
+          <a:p>
+            <a:pPr marL="812800" lvl="1" indent="-342900" latinLnBrk="0">
+              <a:spcBef>
+                <a:spcPts val="915"/>
+              </a:spcBef>
+              <a:buFont typeface="Wingdings" panose="05000000000000000000" pitchFamily="2" charset="2"/>
+              <a:buChar char="§"/>
+            </a:pPr>
+            <a:r>
+              <a:rPr lang="ko-KR" altLang="en-US" sz="2000" kern="0" dirty="0">
+                <a:solidFill>
+                  <a:sysClr val="windowText" lastClr="000000"/>
+                </a:solidFill>
+                <a:cs typeface="Malgun Gothic"/>
+              </a:rPr>
+              <a:t>변수 중요도는 지니 불순도</a:t>
+            </a:r>
+            <a:r>
+              <a:rPr lang="en-US" altLang="ko-KR" sz="2000" kern="0" dirty="0">
+                <a:solidFill>
+                  <a:sysClr val="windowText" lastClr="000000"/>
+                </a:solidFill>
+                <a:cs typeface="Malgun Gothic"/>
+              </a:rPr>
+              <a:t>(impurity) </a:t>
+            </a:r>
+            <a:r>
+              <a:rPr lang="ko-KR" altLang="en-US" sz="2000" kern="0" dirty="0">
+                <a:solidFill>
+                  <a:sysClr val="windowText" lastClr="000000"/>
+                </a:solidFill>
+                <a:cs typeface="Malgun Gothic"/>
+              </a:rPr>
+              <a:t>사용</a:t>
+            </a:r>
+            <a:endParaRPr lang="en-US" altLang="ko-KR" sz="2000" kern="0" dirty="0">
               <a:solidFill>
                 <a:sysClr val="windowText" lastClr="000000"/>
               </a:solidFill>
-              <a:latin typeface="Calibri"/>
-              <a:cs typeface="Calibri"/>
+              <a:cs typeface="Malgun Gothic"/>
             </a:endParaRPr>
           </a:p>
           <a:p>
-            <a:pPr marL="298450" indent="-285750" latinLnBrk="0">
+            <a:pPr marL="812800" lvl="1" indent="-342900" latinLnBrk="0">
               <a:spcBef>
-                <a:spcPts val="695"/>
+                <a:spcPts val="915"/>
               </a:spcBef>
-              <a:buFontTx/>
-              <a:buChar char="-"/>
-              <a:tabLst>
-                <a:tab pos="240665" algn="l"/>
-              </a:tabLst>
+              <a:buFont typeface="Wingdings" panose="05000000000000000000" pitchFamily="2" charset="2"/>
+              <a:buChar char="§"/>
             </a:pPr>
             <a:r>
-              <a:rPr lang="ko-KR" altLang="en-US" kern="0" spc="-50" dirty="0" err="1">
-                <a:solidFill>
-                  <a:sysClr val="windowText" lastClr="000000"/>
-                </a:solidFill>
-                <a:latin typeface="Calibri"/>
-                <a:cs typeface="Calibri"/>
-              </a:rPr>
-              <a:t>ㅇㅇ</a:t>
-            </a:r>
-            <a:endParaRPr lang="en-US" altLang="ko-KR" kern="0" spc="-50" dirty="0">
+              <a:rPr lang="ko-KR" altLang="en-US" sz="2000" kern="0" dirty="0">
+                <a:solidFill>
+                  <a:sysClr val="windowText" lastClr="000000"/>
+                </a:solidFill>
+                <a:cs typeface="Malgun Gothic"/>
+              </a:rPr>
+              <a:t>최근 추세를 반영하기 위해 </a:t>
+            </a:r>
+            <a:r>
+              <a:rPr lang="en-US" altLang="ko-KR" sz="2000" b="1" kern="0" dirty="0">
+                <a:solidFill>
+                  <a:srgbClr val="002060"/>
+                </a:solidFill>
+                <a:cs typeface="Malgun Gothic"/>
+              </a:rPr>
+              <a:t>Sliding Window</a:t>
+            </a:r>
+            <a:r>
+              <a:rPr lang="en-US" altLang="ko-KR" sz="2000" b="1" kern="0" dirty="0">
+                <a:solidFill>
+                  <a:sysClr val="windowText" lastClr="000000"/>
+                </a:solidFill>
+                <a:cs typeface="Malgun Gothic"/>
+              </a:rPr>
+              <a:t> </a:t>
+            </a:r>
+            <a:r>
+              <a:rPr lang="ko-KR" altLang="en-US" sz="2000" kern="0" dirty="0">
+                <a:solidFill>
+                  <a:sysClr val="windowText" lastClr="000000"/>
+                </a:solidFill>
+                <a:cs typeface="Malgun Gothic"/>
+              </a:rPr>
+              <a:t>방식을 사용해 모델링 수행</a:t>
+            </a:r>
+            <a:endParaRPr lang="en-US" altLang="ko-KR" sz="2000" kern="0" dirty="0">
               <a:solidFill>
                 <a:sysClr val="windowText" lastClr="000000"/>
               </a:solidFill>
-              <a:latin typeface="Calibri"/>
-              <a:cs typeface="Calibri"/>
+              <a:cs typeface="Malgun Gothic"/>
             </a:endParaRPr>
           </a:p>
         </p:txBody>
       </p:sp>
+      <p:grpSp>
+        <p:nvGrpSpPr>
+          <p:cNvPr id="5" name="그룹 4">
+            <a:extLst>
+              <a:ext uri="{FF2B5EF4-FFF2-40B4-BE49-F238E27FC236}">
+                <a16:creationId xmlns:a16="http://schemas.microsoft.com/office/drawing/2014/main" id="{F42C4D40-10CE-47F5-B8D5-759B277E3082}"/>
+              </a:ext>
+            </a:extLst>
+          </p:cNvPr>
+          <p:cNvGrpSpPr/>
+          <p:nvPr/>
+        </p:nvGrpSpPr>
+        <p:grpSpPr>
+          <a:xfrm>
+            <a:off x="879512" y="3312188"/>
+            <a:ext cx="10432975" cy="2622566"/>
+            <a:chOff x="956052" y="3252674"/>
+            <a:chExt cx="10432975" cy="2622566"/>
+          </a:xfrm>
+        </p:grpSpPr>
+        <p:pic>
+          <p:nvPicPr>
+            <p:cNvPr id="1026" name="Picture 2" descr="Random Forest Regression. Random Forest Regression is a… | by chaya | Level  Up Coding">
+              <a:extLst>
+                <a:ext uri="{FF2B5EF4-FFF2-40B4-BE49-F238E27FC236}">
+                  <a16:creationId xmlns:a16="http://schemas.microsoft.com/office/drawing/2014/main" id="{C4A2E2C3-031F-4D15-922E-75F2193B5AC6}"/>
+                </a:ext>
+              </a:extLst>
+            </p:cNvPr>
+            <p:cNvPicPr>
+              <a:picLocks noChangeAspect="1" noChangeArrowheads="1"/>
+            </p:cNvPicPr>
+            <p:nvPr/>
+          </p:nvPicPr>
+          <p:blipFill>
+            <a:blip r:embed="rId4">
+              <a:extLst>
+                <a:ext uri="{28A0092B-C50C-407E-A947-70E740481C1C}">
+                  <a14:useLocalDpi xmlns:a14="http://schemas.microsoft.com/office/drawing/2010/main" val="0"/>
+                </a:ext>
+              </a:extLst>
+            </a:blip>
+            <a:srcRect/>
+            <a:stretch>
+              <a:fillRect/>
+            </a:stretch>
+          </p:blipFill>
+          <p:spPr bwMode="auto">
+            <a:xfrm>
+              <a:off x="956052" y="3252674"/>
+              <a:ext cx="4529544" cy="2620265"/>
+            </a:xfrm>
+            <a:prstGeom prst="rect">
+              <a:avLst/>
+            </a:prstGeom>
+            <a:noFill/>
+            <a:extLst>
+              <a:ext uri="{909E8E84-426E-40DD-AFC4-6F175D3DCCD1}">
+                <a14:hiddenFill xmlns:a14="http://schemas.microsoft.com/office/drawing/2010/main">
+                  <a:solidFill>
+                    <a:srgbClr val="FFFFFF"/>
+                  </a:solidFill>
+                </a14:hiddenFill>
+              </a:ext>
+            </a:extLst>
+          </p:spPr>
+        </p:pic>
+        <p:pic>
+          <p:nvPicPr>
+            <p:cNvPr id="12" name="Picture 2" descr="Omphalos, Uber's Parallel and Language-Extensible Time Series Backtesting  Tool - 雷竞技电脑版,raybet雷电竞官网,雷电竞网页">
+              <a:extLst>
+                <a:ext uri="{FF2B5EF4-FFF2-40B4-BE49-F238E27FC236}">
+                  <a16:creationId xmlns:a16="http://schemas.microsoft.com/office/drawing/2014/main" id="{F9D413B2-0613-4B48-BFB8-27C8660BEF97}"/>
+                </a:ext>
+              </a:extLst>
+            </p:cNvPr>
+            <p:cNvPicPr>
+              <a:picLocks noChangeAspect="1" noChangeArrowheads="1"/>
+            </p:cNvPicPr>
+            <p:nvPr/>
+          </p:nvPicPr>
+          <p:blipFill>
+            <a:blip r:embed="rId5">
+              <a:extLst>
+                <a:ext uri="{28A0092B-C50C-407E-A947-70E740481C1C}">
+                  <a14:useLocalDpi xmlns:a14="http://schemas.microsoft.com/office/drawing/2010/main" val="0"/>
+                </a:ext>
+              </a:extLst>
+            </a:blip>
+            <a:srcRect/>
+            <a:stretch>
+              <a:fillRect/>
+            </a:stretch>
+          </p:blipFill>
+          <p:spPr bwMode="auto">
+            <a:xfrm>
+              <a:off x="6365209" y="3254975"/>
+              <a:ext cx="5023818" cy="2620265"/>
+            </a:xfrm>
+            <a:prstGeom prst="rect">
+              <a:avLst/>
+            </a:prstGeom>
+            <a:noFill/>
+            <a:extLst>
+              <a:ext uri="{909E8E84-426E-40DD-AFC4-6F175D3DCCD1}">
+                <a14:hiddenFill xmlns:a14="http://schemas.microsoft.com/office/drawing/2010/main">
+                  <a:solidFill>
+                    <a:srgbClr val="FFFFFF"/>
+                  </a:solidFill>
+                </a14:hiddenFill>
+              </a:ext>
+            </a:extLst>
+          </p:spPr>
+        </p:pic>
+      </p:grpSp>
     </p:spTree>
     <p:extLst>
       <p:ext uri="{BB962C8B-B14F-4D97-AF65-F5344CB8AC3E}">
@@ -4193,12 +4365,83 @@
           <a:chExt cx="0" cy="0"/>
         </a:xfrm>
       </p:grpSpPr>
-      <p:sp>
-        <p:nvSpPr>
-          <p:cNvPr id="15" name="object 2">
-            <a:extLst>
-              <a:ext uri="{FF2B5EF4-FFF2-40B4-BE49-F238E27FC236}">
-                <a16:creationId xmlns:a16="http://schemas.microsoft.com/office/drawing/2014/main" id="{63B42C9C-96BB-4869-81D8-DBA87F4A50BB}"/>
+      <p:pic>
+        <p:nvPicPr>
+          <p:cNvPr id="20" name="그림 19">
+            <a:extLst>
+              <a:ext uri="{FF2B5EF4-FFF2-40B4-BE49-F238E27FC236}">
+                <a16:creationId xmlns:a16="http://schemas.microsoft.com/office/drawing/2014/main" id="{A87EDB79-AE8E-46E3-B956-281C41A7ED3A}"/>
+              </a:ext>
+            </a:extLst>
+          </p:cNvPr>
+          <p:cNvPicPr>
+            <a:picLocks noChangeAspect="1"/>
+          </p:cNvPicPr>
+          <p:nvPr/>
+        </p:nvPicPr>
+        <p:blipFill rotWithShape="1">
+          <a:blip r:embed="rId2">
+            <a:extLst>
+              <a:ext uri="{28A0092B-C50C-407E-A947-70E740481C1C}">
+                <a14:useLocalDpi xmlns:a14="http://schemas.microsoft.com/office/drawing/2010/main" val="0"/>
+              </a:ext>
+            </a:extLst>
+          </a:blip>
+          <a:srcRect l="74535" t="3851" r="5686" b="50143"/>
+          <a:stretch/>
+        </p:blipFill>
+        <p:spPr>
+          <a:xfrm>
+            <a:off x="8473734" y="6091284"/>
+            <a:ext cx="1353669" cy="585664"/>
+          </a:xfrm>
+          <a:prstGeom prst="rect">
+            <a:avLst/>
+          </a:prstGeom>
+        </p:spPr>
+      </p:pic>
+      <p:pic>
+        <p:nvPicPr>
+          <p:cNvPr id="21" name="그림 20">
+            <a:extLst>
+              <a:ext uri="{FF2B5EF4-FFF2-40B4-BE49-F238E27FC236}">
+                <a16:creationId xmlns:a16="http://schemas.microsoft.com/office/drawing/2014/main" id="{25EA5F27-CB8A-4DD7-A41E-73A6B46FF164}"/>
+              </a:ext>
+            </a:extLst>
+          </p:cNvPr>
+          <p:cNvPicPr>
+            <a:picLocks noChangeAspect="1"/>
+          </p:cNvPicPr>
+          <p:nvPr/>
+        </p:nvPicPr>
+        <p:blipFill>
+          <a:blip r:embed="rId3" cstate="hqprint">
+            <a:extLst>
+              <a:ext uri="{28A0092B-C50C-407E-A947-70E740481C1C}">
+                <a14:useLocalDpi xmlns:a14="http://schemas.microsoft.com/office/drawing/2010/main" val="0"/>
+              </a:ext>
+            </a:extLst>
+          </a:blip>
+          <a:stretch>
+            <a:fillRect/>
+          </a:stretch>
+        </p:blipFill>
+        <p:spPr>
+          <a:xfrm>
+            <a:off x="9827403" y="6172124"/>
+            <a:ext cx="2199971" cy="423985"/>
+          </a:xfrm>
+          <a:prstGeom prst="rect">
+            <a:avLst/>
+          </a:prstGeom>
+        </p:spPr>
+      </p:pic>
+      <p:sp>
+        <p:nvSpPr>
+          <p:cNvPr id="9" name="object 2">
+            <a:extLst>
+              <a:ext uri="{FF2B5EF4-FFF2-40B4-BE49-F238E27FC236}">
+                <a16:creationId xmlns:a16="http://schemas.microsoft.com/office/drawing/2014/main" id="{6D7BD600-30F6-4170-B80C-852A785CE1AD}"/>
               </a:ext>
             </a:extLst>
           </p:cNvPr>
@@ -4210,7 +4453,7 @@
         <p:spPr>
           <a:xfrm>
             <a:off x="492575" y="391668"/>
-            <a:ext cx="1793875" cy="513080"/>
+            <a:ext cx="3965125" cy="505267"/>
           </a:xfrm>
           <a:prstGeom prst="rect">
             <a:avLst/>
@@ -4253,20 +4496,20 @@
               <a:defRPr/>
             </a:pPr>
             <a:r>
-              <a:rPr kumimoji="0" lang="en-US" altLang="ko-KR" sz="3200" b="1" i="0" u="none" strike="noStrike" kern="0" cap="none" spc="0" normalizeH="0" baseline="0" noProof="0" dirty="0">
+              <a:rPr kumimoji="0" lang="ko-KR" altLang="en-US" sz="3200" b="1" i="0" u="none" strike="noStrike" kern="0" cap="none" spc="-25" normalizeH="0" baseline="0" noProof="0" dirty="0">
                 <a:ln>
                   <a:noFill/>
                 </a:ln>
                 <a:solidFill>
-                  <a:sysClr val="windowText" lastClr="000000"/>
+                  <a:srgbClr val="001F60"/>
                 </a:solidFill>
                 <a:effectLst/>
                 <a:uLnTx/>
                 <a:uFillTx/>
-                <a:latin typeface="Malgun Gothic"/>
+                <a:latin typeface="맑은 고딕" panose="020B0503020000020004" pitchFamily="50" charset="-127"/>
                 <a:ea typeface="맑은 고딕" panose="020B0503020000020004" pitchFamily="50" charset="-127"/>
               </a:rPr>
-              <a:t>Head</a:t>
+              <a:t>실험 및 결과 </a:t>
             </a:r>
             <a:endParaRPr kumimoji="0" lang="ko-KR" altLang="en-US" sz="3200" b="1" i="0" u="none" strike="noStrike" kern="0" cap="none" spc="0" normalizeH="0" baseline="0" noProof="0" dirty="0">
               <a:ln>
@@ -4286,60 +4529,10 @@
       </p:sp>
       <p:sp>
         <p:nvSpPr>
-          <p:cNvPr id="16" name="object 3">
-            <a:extLst>
-              <a:ext uri="{FF2B5EF4-FFF2-40B4-BE49-F238E27FC236}">
-                <a16:creationId xmlns:a16="http://schemas.microsoft.com/office/drawing/2014/main" id="{A8C33617-DDF9-46C2-AA54-1B67BF5470A7}"/>
-              </a:ext>
-            </a:extLst>
-          </p:cNvPr>
-          <p:cNvSpPr txBox="1"/>
-          <p:nvPr/>
-        </p:nvSpPr>
-        <p:spPr>
-          <a:xfrm>
-            <a:off x="508990" y="1263396"/>
-            <a:ext cx="11014075" cy="425116"/>
-          </a:xfrm>
-          <a:prstGeom prst="rect">
-            <a:avLst/>
-          </a:prstGeom>
-        </p:spPr>
-        <p:txBody>
-          <a:bodyPr vert="horz" wrap="square" lIns="0" tIns="116205" rIns="0" bIns="0" rtlCol="0">
-            <a:spAutoFit/>
-          </a:bodyPr>
-          <a:lstStyle/>
-          <a:p>
-            <a:pPr marL="12700" latinLnBrk="0">
-              <a:spcBef>
-                <a:spcPts val="915"/>
-              </a:spcBef>
-            </a:pPr>
-            <a:r>
-              <a:rPr lang="en-US" sz="2000" b="1" kern="0" dirty="0">
-                <a:solidFill>
-                  <a:sysClr val="windowText" lastClr="000000"/>
-                </a:solidFill>
-                <a:cs typeface="Malgun Gothic"/>
-              </a:rPr>
-              <a:t>Head</a:t>
-            </a:r>
-            <a:endParaRPr sz="2000" b="1" kern="0" dirty="0">
-              <a:solidFill>
-                <a:sysClr val="windowText" lastClr="000000"/>
-              </a:solidFill>
-              <a:cs typeface="Malgun Gothic"/>
-            </a:endParaRPr>
-          </a:p>
-        </p:txBody>
-      </p:sp>
-      <p:sp>
-        <p:nvSpPr>
-          <p:cNvPr id="19" name="object 6">
-            <a:extLst>
-              <a:ext uri="{FF2B5EF4-FFF2-40B4-BE49-F238E27FC236}">
-                <a16:creationId xmlns:a16="http://schemas.microsoft.com/office/drawing/2014/main" id="{C73C25E3-E198-4627-994A-E730949EA465}"/>
+          <p:cNvPr id="10" name="object 6">
+            <a:extLst>
+              <a:ext uri="{FF2B5EF4-FFF2-40B4-BE49-F238E27FC236}">
+                <a16:creationId xmlns:a16="http://schemas.microsoft.com/office/drawing/2014/main" id="{8B966E05-EAAB-445B-8CC8-46645EBDF559}"/>
               </a:ext>
             </a:extLst>
           </p:cNvPr>
@@ -4417,12 +4610,82 @@
           </a:p>
         </p:txBody>
       </p:sp>
+      <p:sp>
+        <p:nvSpPr>
+          <p:cNvPr id="11" name="object 3">
+            <a:extLst>
+              <a:ext uri="{FF2B5EF4-FFF2-40B4-BE49-F238E27FC236}">
+                <a16:creationId xmlns:a16="http://schemas.microsoft.com/office/drawing/2014/main" id="{04B1BFFB-7036-4650-B5BA-6C2A99C6E376}"/>
+              </a:ext>
+            </a:extLst>
+          </p:cNvPr>
+          <p:cNvSpPr txBox="1"/>
+          <p:nvPr/>
+        </p:nvSpPr>
+        <p:spPr>
+          <a:xfrm>
+            <a:off x="508990" y="1263396"/>
+            <a:ext cx="11275060" cy="848309"/>
+          </a:xfrm>
+          <a:prstGeom prst="rect">
+            <a:avLst/>
+          </a:prstGeom>
+        </p:spPr>
+        <p:txBody>
+          <a:bodyPr vert="horz" wrap="square" lIns="0" tIns="116205" rIns="0" bIns="0" rtlCol="0">
+            <a:spAutoFit/>
+          </a:bodyPr>
+          <a:lstStyle/>
+          <a:p>
+            <a:pPr marL="355600" indent="-342900" latinLnBrk="0">
+              <a:spcBef>
+                <a:spcPts val="915"/>
+              </a:spcBef>
+              <a:buFont typeface="Wingdings" panose="05000000000000000000" pitchFamily="2" charset="2"/>
+              <a:buChar char="§"/>
+            </a:pPr>
+            <a:r>
+              <a:rPr lang="en-US" altLang="ko-KR" sz="2000" b="1" kern="0" dirty="0">
+                <a:solidFill>
+                  <a:sysClr val="windowText" lastClr="000000"/>
+                </a:solidFill>
+                <a:cs typeface="Malgun Gothic"/>
+              </a:rPr>
+              <a:t>Head</a:t>
+            </a:r>
+          </a:p>
+          <a:p>
+            <a:pPr marL="812800" lvl="1" indent="-342900" latinLnBrk="0">
+              <a:spcBef>
+                <a:spcPts val="915"/>
+              </a:spcBef>
+              <a:buFont typeface="Wingdings" panose="05000000000000000000" pitchFamily="2" charset="2"/>
+              <a:buChar char="§"/>
+            </a:pPr>
+            <a:r>
+              <a:rPr lang="ko-KR" altLang="en-US" sz="2000" b="1" kern="0" dirty="0" err="1">
+                <a:solidFill>
+                  <a:sysClr val="windowText" lastClr="000000"/>
+                </a:solidFill>
+                <a:cs typeface="Malgun Gothic"/>
+              </a:rPr>
+              <a:t>ㅇㅇ</a:t>
+            </a:r>
+            <a:endParaRPr lang="en-US" altLang="ko-KR" sz="2000" kern="0" dirty="0">
+              <a:solidFill>
+                <a:sysClr val="windowText" lastClr="000000"/>
+              </a:solidFill>
+              <a:cs typeface="Malgun Gothic"/>
+            </a:endParaRPr>
+          </a:p>
+        </p:txBody>
+      </p:sp>
       <p:pic>
         <p:nvPicPr>
-          <p:cNvPr id="20" name="그림 19">
-            <a:extLst>
-              <a:ext uri="{FF2B5EF4-FFF2-40B4-BE49-F238E27FC236}">
-                <a16:creationId xmlns:a16="http://schemas.microsoft.com/office/drawing/2014/main" id="{A87EDB79-AE8E-46E3-B956-281C41A7ED3A}"/>
+          <p:cNvPr id="2" name="그림 1">
+            <a:extLst>
+              <a:ext uri="{FF2B5EF4-FFF2-40B4-BE49-F238E27FC236}">
+                <a16:creationId xmlns:a16="http://schemas.microsoft.com/office/drawing/2014/main" id="{1B7455D9-43A2-4EEB-8BFF-497E80E50479}"/>
               </a:ext>
             </a:extLst>
           </p:cNvPr>
@@ -4431,176 +4694,26 @@
           </p:cNvPicPr>
           <p:nvPr/>
         </p:nvPicPr>
-        <p:blipFill rotWithShape="1">
-          <a:blip r:embed="rId2">
-            <a:extLst>
-              <a:ext uri="{28A0092B-C50C-407E-A947-70E740481C1C}">
-                <a14:useLocalDpi xmlns:a14="http://schemas.microsoft.com/office/drawing/2010/main" val="0"/>
-              </a:ext>
-            </a:extLst>
-          </a:blip>
-          <a:srcRect l="74535" t="3851" r="5686" b="50143"/>
-          <a:stretch/>
+        <p:blipFill>
+          <a:blip r:embed="rId4"/>
+          <a:stretch>
+            <a:fillRect/>
+          </a:stretch>
         </p:blipFill>
         <p:spPr>
           <a:xfrm>
-            <a:off x="8473734" y="6091284"/>
-            <a:ext cx="1353669" cy="585664"/>
+            <a:off x="1232818" y="2254691"/>
+            <a:ext cx="9827403" cy="3038996"/>
           </a:xfrm>
           <a:prstGeom prst="rect">
             <a:avLst/>
           </a:prstGeom>
         </p:spPr>
       </p:pic>
-      <p:pic>
-        <p:nvPicPr>
-          <p:cNvPr id="21" name="그림 20">
-            <a:extLst>
-              <a:ext uri="{FF2B5EF4-FFF2-40B4-BE49-F238E27FC236}">
-                <a16:creationId xmlns:a16="http://schemas.microsoft.com/office/drawing/2014/main" id="{25EA5F27-CB8A-4DD7-A41E-73A6B46FF164}"/>
-              </a:ext>
-            </a:extLst>
-          </p:cNvPr>
-          <p:cNvPicPr>
-            <a:picLocks noChangeAspect="1"/>
-          </p:cNvPicPr>
-          <p:nvPr/>
-        </p:nvPicPr>
-        <p:blipFill>
-          <a:blip r:embed="rId3" cstate="hqprint">
-            <a:extLst>
-              <a:ext uri="{28A0092B-C50C-407E-A947-70E740481C1C}">
-                <a14:useLocalDpi xmlns:a14="http://schemas.microsoft.com/office/drawing/2010/main" val="0"/>
-              </a:ext>
-            </a:extLst>
-          </a:blip>
-          <a:stretch>
-            <a:fillRect/>
-          </a:stretch>
-        </p:blipFill>
-        <p:spPr>
-          <a:xfrm>
-            <a:off x="9827403" y="6172124"/>
-            <a:ext cx="2199971" cy="423985"/>
-          </a:xfrm>
-          <a:prstGeom prst="rect">
-            <a:avLst/>
-          </a:prstGeom>
-        </p:spPr>
-      </p:pic>
-      <p:sp>
-        <p:nvSpPr>
-          <p:cNvPr id="4" name="직사각형 3"/>
-          <p:cNvSpPr/>
-          <p:nvPr/>
-        </p:nvSpPr>
-        <p:spPr>
-          <a:xfrm>
-            <a:off x="430250" y="1921127"/>
-            <a:ext cx="10568247" cy="1102866"/>
-          </a:xfrm>
-          <a:prstGeom prst="rect">
-            <a:avLst/>
-          </a:prstGeom>
-        </p:spPr>
-        <p:txBody>
-          <a:bodyPr wrap="square">
-            <a:spAutoFit/>
-          </a:bodyPr>
-          <a:lstStyle/>
-          <a:p>
-            <a:pPr marL="298450" indent="-285750" latinLnBrk="0">
-              <a:spcBef>
-                <a:spcPts val="695"/>
-              </a:spcBef>
-              <a:buFontTx/>
-              <a:buChar char="-"/>
-              <a:tabLst>
-                <a:tab pos="240665" algn="l"/>
-              </a:tabLst>
-            </a:pPr>
-            <a:r>
-              <a:rPr lang="ko-KR" altLang="en-US" kern="0" spc="-50" dirty="0" err="1">
-                <a:solidFill>
-                  <a:sysClr val="windowText" lastClr="000000"/>
-                </a:solidFill>
-                <a:latin typeface="Calibri"/>
-                <a:cs typeface="Calibri"/>
-              </a:rPr>
-              <a:t>ㅇㅇ</a:t>
-            </a:r>
-            <a:endParaRPr lang="en-US" altLang="ko-KR" kern="0" spc="-50" dirty="0">
-              <a:solidFill>
-                <a:sysClr val="windowText" lastClr="000000"/>
-              </a:solidFill>
-              <a:latin typeface="Calibri"/>
-              <a:cs typeface="Calibri"/>
-            </a:endParaRPr>
-          </a:p>
-          <a:p>
-            <a:pPr marL="298450" indent="-285750" latinLnBrk="0">
-              <a:spcBef>
-                <a:spcPts val="695"/>
-              </a:spcBef>
-              <a:buFontTx/>
-              <a:buChar char="-"/>
-              <a:tabLst>
-                <a:tab pos="240665" algn="l"/>
-              </a:tabLst>
-            </a:pPr>
-            <a:r>
-              <a:rPr lang="ko-KR" altLang="en-US" kern="0" spc="-50" dirty="0" err="1">
-                <a:solidFill>
-                  <a:sysClr val="windowText" lastClr="000000"/>
-                </a:solidFill>
-                <a:latin typeface="Calibri"/>
-                <a:cs typeface="Calibri"/>
-              </a:rPr>
-              <a:t>ㅇㅇ</a:t>
-            </a:r>
-            <a:endParaRPr lang="en-US" altLang="ko-KR" kern="0" spc="-50" dirty="0">
-              <a:solidFill>
-                <a:sysClr val="windowText" lastClr="000000"/>
-              </a:solidFill>
-              <a:latin typeface="Calibri"/>
-              <a:cs typeface="Calibri"/>
-            </a:endParaRPr>
-          </a:p>
-          <a:p>
-            <a:pPr marL="298450" indent="-285750" latinLnBrk="0">
-              <a:spcBef>
-                <a:spcPts val="695"/>
-              </a:spcBef>
-              <a:buFontTx/>
-              <a:buChar char="-"/>
-              <a:tabLst>
-                <a:tab pos="240665" algn="l"/>
-              </a:tabLst>
-            </a:pPr>
-            <a:r>
-              <a:rPr lang="ko-KR" altLang="en-US" kern="0" spc="-50" dirty="0" err="1">
-                <a:solidFill>
-                  <a:sysClr val="windowText" lastClr="000000"/>
-                </a:solidFill>
-                <a:latin typeface="Calibri"/>
-                <a:cs typeface="Calibri"/>
-              </a:rPr>
-              <a:t>ㅇㅇ</a:t>
-            </a:r>
-            <a:endParaRPr lang="en-US" altLang="ko-KR" kern="0" spc="-50" dirty="0">
-              <a:solidFill>
-                <a:sysClr val="windowText" lastClr="000000"/>
-              </a:solidFill>
-              <a:latin typeface="Calibri"/>
-              <a:cs typeface="Calibri"/>
-            </a:endParaRPr>
-          </a:p>
-        </p:txBody>
-      </p:sp>
     </p:spTree>
     <p:extLst>
       <p:ext uri="{BB962C8B-B14F-4D97-AF65-F5344CB8AC3E}">
-        <p14:creationId xmlns:p14="http://schemas.microsoft.com/office/powerpoint/2010/main" val="1117791654"/>
+        <p14:creationId xmlns:p14="http://schemas.microsoft.com/office/powerpoint/2010/main" val="4077995458"/>
       </p:ext>
     </p:extLst>
   </p:cSld>
@@ -4627,12 +4740,83 @@
           <a:chExt cx="0" cy="0"/>
         </a:xfrm>
       </p:grpSpPr>
-      <p:sp>
-        <p:nvSpPr>
-          <p:cNvPr id="15" name="object 2">
-            <a:extLst>
-              <a:ext uri="{FF2B5EF4-FFF2-40B4-BE49-F238E27FC236}">
-                <a16:creationId xmlns:a16="http://schemas.microsoft.com/office/drawing/2014/main" id="{63B42C9C-96BB-4869-81D8-DBA87F4A50BB}"/>
+      <p:pic>
+        <p:nvPicPr>
+          <p:cNvPr id="20" name="그림 19">
+            <a:extLst>
+              <a:ext uri="{FF2B5EF4-FFF2-40B4-BE49-F238E27FC236}">
+                <a16:creationId xmlns:a16="http://schemas.microsoft.com/office/drawing/2014/main" id="{A87EDB79-AE8E-46E3-B956-281C41A7ED3A}"/>
+              </a:ext>
+            </a:extLst>
+          </p:cNvPr>
+          <p:cNvPicPr>
+            <a:picLocks noChangeAspect="1"/>
+          </p:cNvPicPr>
+          <p:nvPr/>
+        </p:nvPicPr>
+        <p:blipFill rotWithShape="1">
+          <a:blip r:embed="rId2">
+            <a:extLst>
+              <a:ext uri="{28A0092B-C50C-407E-A947-70E740481C1C}">
+                <a14:useLocalDpi xmlns:a14="http://schemas.microsoft.com/office/drawing/2010/main" val="0"/>
+              </a:ext>
+            </a:extLst>
+          </a:blip>
+          <a:srcRect l="74535" t="3851" r="5686" b="50143"/>
+          <a:stretch/>
+        </p:blipFill>
+        <p:spPr>
+          <a:xfrm>
+            <a:off x="8473734" y="6091284"/>
+            <a:ext cx="1353669" cy="585664"/>
+          </a:xfrm>
+          <a:prstGeom prst="rect">
+            <a:avLst/>
+          </a:prstGeom>
+        </p:spPr>
+      </p:pic>
+      <p:pic>
+        <p:nvPicPr>
+          <p:cNvPr id="21" name="그림 20">
+            <a:extLst>
+              <a:ext uri="{FF2B5EF4-FFF2-40B4-BE49-F238E27FC236}">
+                <a16:creationId xmlns:a16="http://schemas.microsoft.com/office/drawing/2014/main" id="{25EA5F27-CB8A-4DD7-A41E-73A6B46FF164}"/>
+              </a:ext>
+            </a:extLst>
+          </p:cNvPr>
+          <p:cNvPicPr>
+            <a:picLocks noChangeAspect="1"/>
+          </p:cNvPicPr>
+          <p:nvPr/>
+        </p:nvPicPr>
+        <p:blipFill>
+          <a:blip r:embed="rId3" cstate="hqprint">
+            <a:extLst>
+              <a:ext uri="{28A0092B-C50C-407E-A947-70E740481C1C}">
+                <a14:useLocalDpi xmlns:a14="http://schemas.microsoft.com/office/drawing/2010/main" val="0"/>
+              </a:ext>
+            </a:extLst>
+          </a:blip>
+          <a:stretch>
+            <a:fillRect/>
+          </a:stretch>
+        </p:blipFill>
+        <p:spPr>
+          <a:xfrm>
+            <a:off x="9827403" y="6172124"/>
+            <a:ext cx="2199971" cy="423985"/>
+          </a:xfrm>
+          <a:prstGeom prst="rect">
+            <a:avLst/>
+          </a:prstGeom>
+        </p:spPr>
+      </p:pic>
+      <p:sp>
+        <p:nvSpPr>
+          <p:cNvPr id="9" name="object 2">
+            <a:extLst>
+              <a:ext uri="{FF2B5EF4-FFF2-40B4-BE49-F238E27FC236}">
+                <a16:creationId xmlns:a16="http://schemas.microsoft.com/office/drawing/2014/main" id="{6D7BD600-30F6-4170-B80C-852A785CE1AD}"/>
               </a:ext>
             </a:extLst>
           </p:cNvPr>
@@ -4644,7 +4828,7 @@
         <p:spPr>
           <a:xfrm>
             <a:off x="492575" y="391668"/>
-            <a:ext cx="1793875" cy="513080"/>
+            <a:ext cx="3965125" cy="505267"/>
           </a:xfrm>
           <a:prstGeom prst="rect">
             <a:avLst/>
@@ -4687,20 +4871,20 @@
               <a:defRPr/>
             </a:pPr>
             <a:r>
-              <a:rPr kumimoji="0" lang="en-US" altLang="ko-KR" sz="3200" b="1" i="0" u="none" strike="noStrike" kern="0" cap="none" spc="0" normalizeH="0" baseline="0" noProof="0" dirty="0">
+              <a:rPr kumimoji="0" lang="ko-KR" altLang="en-US" sz="3200" b="1" i="0" u="none" strike="noStrike" kern="0" cap="none" spc="-25" normalizeH="0" baseline="0" noProof="0" dirty="0">
                 <a:ln>
                   <a:noFill/>
                 </a:ln>
                 <a:solidFill>
-                  <a:sysClr val="windowText" lastClr="000000"/>
+                  <a:srgbClr val="001F60"/>
                 </a:solidFill>
                 <a:effectLst/>
                 <a:uLnTx/>
                 <a:uFillTx/>
-                <a:latin typeface="Malgun Gothic"/>
+                <a:latin typeface="맑은 고딕" panose="020B0503020000020004" pitchFamily="50" charset="-127"/>
                 <a:ea typeface="맑은 고딕" panose="020B0503020000020004" pitchFamily="50" charset="-127"/>
               </a:rPr>
-              <a:t>Head</a:t>
+              <a:t>실험 및 결과 </a:t>
             </a:r>
             <a:endParaRPr kumimoji="0" lang="ko-KR" altLang="en-US" sz="3200" b="1" i="0" u="none" strike="noStrike" kern="0" cap="none" spc="0" normalizeH="0" baseline="0" noProof="0" dirty="0">
               <a:ln>
@@ -4720,60 +4904,10 @@
       </p:sp>
       <p:sp>
         <p:nvSpPr>
-          <p:cNvPr id="16" name="object 3">
-            <a:extLst>
-              <a:ext uri="{FF2B5EF4-FFF2-40B4-BE49-F238E27FC236}">
-                <a16:creationId xmlns:a16="http://schemas.microsoft.com/office/drawing/2014/main" id="{A8C33617-DDF9-46C2-AA54-1B67BF5470A7}"/>
-              </a:ext>
-            </a:extLst>
-          </p:cNvPr>
-          <p:cNvSpPr txBox="1"/>
-          <p:nvPr/>
-        </p:nvSpPr>
-        <p:spPr>
-          <a:xfrm>
-            <a:off x="508990" y="1263396"/>
-            <a:ext cx="11014075" cy="425116"/>
-          </a:xfrm>
-          <a:prstGeom prst="rect">
-            <a:avLst/>
-          </a:prstGeom>
-        </p:spPr>
-        <p:txBody>
-          <a:bodyPr vert="horz" wrap="square" lIns="0" tIns="116205" rIns="0" bIns="0" rtlCol="0">
-            <a:spAutoFit/>
-          </a:bodyPr>
-          <a:lstStyle/>
-          <a:p>
-            <a:pPr marL="12700" latinLnBrk="0">
-              <a:spcBef>
-                <a:spcPts val="915"/>
-              </a:spcBef>
-            </a:pPr>
-            <a:r>
-              <a:rPr lang="en-US" sz="2000" b="1" kern="0" dirty="0">
-                <a:solidFill>
-                  <a:sysClr val="windowText" lastClr="000000"/>
-                </a:solidFill>
-                <a:cs typeface="Malgun Gothic"/>
-              </a:rPr>
-              <a:t>Head</a:t>
-            </a:r>
-            <a:endParaRPr sz="2000" b="1" kern="0" dirty="0">
-              <a:solidFill>
-                <a:sysClr val="windowText" lastClr="000000"/>
-              </a:solidFill>
-              <a:cs typeface="Malgun Gothic"/>
-            </a:endParaRPr>
-          </a:p>
-        </p:txBody>
-      </p:sp>
-      <p:sp>
-        <p:nvSpPr>
-          <p:cNvPr id="19" name="object 6">
-            <a:extLst>
-              <a:ext uri="{FF2B5EF4-FFF2-40B4-BE49-F238E27FC236}">
-                <a16:creationId xmlns:a16="http://schemas.microsoft.com/office/drawing/2014/main" id="{C73C25E3-E198-4627-994A-E730949EA465}"/>
+          <p:cNvPr id="10" name="object 6">
+            <a:extLst>
+              <a:ext uri="{FF2B5EF4-FFF2-40B4-BE49-F238E27FC236}">
+                <a16:creationId xmlns:a16="http://schemas.microsoft.com/office/drawing/2014/main" id="{8B966E05-EAAB-445B-8CC8-46645EBDF559}"/>
               </a:ext>
             </a:extLst>
           </p:cNvPr>
@@ -4851,182 +4985,72 @@
           </a:p>
         </p:txBody>
       </p:sp>
-      <p:pic>
-        <p:nvPicPr>
-          <p:cNvPr id="20" name="그림 19">
-            <a:extLst>
-              <a:ext uri="{FF2B5EF4-FFF2-40B4-BE49-F238E27FC236}">
-                <a16:creationId xmlns:a16="http://schemas.microsoft.com/office/drawing/2014/main" id="{A87EDB79-AE8E-46E3-B956-281C41A7ED3A}"/>
-              </a:ext>
-            </a:extLst>
-          </p:cNvPr>
-          <p:cNvPicPr>
-            <a:picLocks noChangeAspect="1"/>
-          </p:cNvPicPr>
+      <p:sp>
+        <p:nvSpPr>
+          <p:cNvPr id="11" name="object 3">
+            <a:extLst>
+              <a:ext uri="{FF2B5EF4-FFF2-40B4-BE49-F238E27FC236}">
+                <a16:creationId xmlns:a16="http://schemas.microsoft.com/office/drawing/2014/main" id="{04B1BFFB-7036-4650-B5BA-6C2A99C6E376}"/>
+              </a:ext>
+            </a:extLst>
+          </p:cNvPr>
+          <p:cNvSpPr txBox="1"/>
           <p:nvPr/>
-        </p:nvPicPr>
-        <p:blipFill rotWithShape="1">
-          <a:blip r:embed="rId2">
-            <a:extLst>
-              <a:ext uri="{28A0092B-C50C-407E-A947-70E740481C1C}">
-                <a14:useLocalDpi xmlns:a14="http://schemas.microsoft.com/office/drawing/2010/main" val="0"/>
-              </a:ext>
-            </a:extLst>
-          </a:blip>
-          <a:srcRect l="74535" t="3851" r="5686" b="50143"/>
-          <a:stretch/>
-        </p:blipFill>
+        </p:nvSpPr>
         <p:spPr>
           <a:xfrm>
-            <a:off x="8473734" y="6091284"/>
-            <a:ext cx="1353669" cy="585664"/>
+            <a:off x="508990" y="1263396"/>
+            <a:ext cx="11275060" cy="425116"/>
           </a:xfrm>
           <a:prstGeom prst="rect">
             <a:avLst/>
           </a:prstGeom>
         </p:spPr>
-      </p:pic>
-      <p:pic>
-        <p:nvPicPr>
-          <p:cNvPr id="21" name="그림 20">
-            <a:extLst>
-              <a:ext uri="{FF2B5EF4-FFF2-40B4-BE49-F238E27FC236}">
-                <a16:creationId xmlns:a16="http://schemas.microsoft.com/office/drawing/2014/main" id="{25EA5F27-CB8A-4DD7-A41E-73A6B46FF164}"/>
-              </a:ext>
-            </a:extLst>
-          </p:cNvPr>
-          <p:cNvPicPr>
-            <a:picLocks noChangeAspect="1"/>
-          </p:cNvPicPr>
-          <p:nvPr/>
-        </p:nvPicPr>
-        <p:blipFill>
-          <a:blip r:embed="rId3" cstate="hqprint">
-            <a:extLst>
-              <a:ext uri="{28A0092B-C50C-407E-A947-70E740481C1C}">
-                <a14:useLocalDpi xmlns:a14="http://schemas.microsoft.com/office/drawing/2010/main" val="0"/>
-              </a:ext>
-            </a:extLst>
-          </a:blip>
-          <a:stretch>
-            <a:fillRect/>
-          </a:stretch>
-        </p:blipFill>
-        <p:spPr>
-          <a:xfrm>
-            <a:off x="9827403" y="6172124"/>
-            <a:ext cx="2199971" cy="423985"/>
-          </a:xfrm>
-          <a:prstGeom prst="rect">
-            <a:avLst/>
-          </a:prstGeom>
-        </p:spPr>
-      </p:pic>
-      <p:sp>
-        <p:nvSpPr>
-          <p:cNvPr id="4" name="직사각형 3"/>
-          <p:cNvSpPr/>
-          <p:nvPr/>
-        </p:nvSpPr>
-        <p:spPr>
-          <a:xfrm>
-            <a:off x="430250" y="1921127"/>
-            <a:ext cx="10568247" cy="1102866"/>
-          </a:xfrm>
-          <a:prstGeom prst="rect">
-            <a:avLst/>
-          </a:prstGeom>
-        </p:spPr>
-        <p:txBody>
-          <a:bodyPr wrap="square">
+        <p:txBody>
+          <a:bodyPr vert="horz" wrap="square" lIns="0" tIns="116205" rIns="0" bIns="0" rtlCol="0">
             <a:spAutoFit/>
           </a:bodyPr>
           <a:lstStyle/>
           <a:p>
-            <a:pPr marL="298450" indent="-285750" latinLnBrk="0">
+            <a:pPr marL="355600" indent="-342900" latinLnBrk="0">
               <a:spcBef>
-                <a:spcPts val="695"/>
+                <a:spcPts val="915"/>
               </a:spcBef>
-              <a:buFontTx/>
-              <a:buChar char="-"/>
-              <a:tabLst>
-                <a:tab pos="240665" algn="l"/>
-              </a:tabLst>
+              <a:buFont typeface="Wingdings" panose="05000000000000000000" pitchFamily="2" charset="2"/>
+              <a:buChar char="§"/>
             </a:pPr>
             <a:r>
-              <a:rPr lang="ko-KR" altLang="en-US" kern="0" spc="-50" dirty="0" err="1">
-                <a:solidFill>
-                  <a:sysClr val="windowText" lastClr="000000"/>
-                </a:solidFill>
-                <a:latin typeface="Calibri"/>
-                <a:cs typeface="Calibri"/>
+              <a:rPr lang="ko-KR" altLang="en-US" sz="2000" b="1" kern="0" dirty="0">
+                <a:solidFill>
+                  <a:sysClr val="windowText" lastClr="000000"/>
+                </a:solidFill>
+                <a:cs typeface="Malgun Gothic"/>
+              </a:rPr>
+              <a:t>예측 정확성 평가 지표 </a:t>
+            </a:r>
+            <a:r>
+              <a:rPr lang="en-US" altLang="ko-KR" sz="2000" b="1" kern="0" dirty="0">
+                <a:solidFill>
+                  <a:sysClr val="windowText" lastClr="000000"/>
+                </a:solidFill>
+                <a:cs typeface="Malgun Gothic"/>
+              </a:rPr>
+              <a:t>: RMSE</a:t>
+            </a:r>
+            <a:r>
+              <a:rPr lang="ko-KR" altLang="en-US" sz="2000" b="1" kern="0" dirty="0" err="1">
+                <a:solidFill>
+                  <a:sysClr val="windowText" lastClr="000000"/>
+                </a:solidFill>
+                <a:cs typeface="Malgun Gothic"/>
               </a:rPr>
               <a:t>ㅇㅇ</a:t>
             </a:r>
-            <a:endParaRPr lang="en-US" altLang="ko-KR" kern="0" spc="-50" dirty="0">
+            <a:endParaRPr lang="en-US" altLang="ko-KR" sz="2000" kern="0" dirty="0">
               <a:solidFill>
                 <a:sysClr val="windowText" lastClr="000000"/>
               </a:solidFill>
-              <a:latin typeface="Calibri"/>
-              <a:cs typeface="Calibri"/>
-            </a:endParaRPr>
-          </a:p>
-          <a:p>
-            <a:pPr marL="298450" indent="-285750" latinLnBrk="0">
-              <a:spcBef>
-                <a:spcPts val="695"/>
-              </a:spcBef>
-              <a:buFontTx/>
-              <a:buChar char="-"/>
-              <a:tabLst>
-                <a:tab pos="240665" algn="l"/>
-              </a:tabLst>
-            </a:pPr>
-            <a:r>
-              <a:rPr lang="ko-KR" altLang="en-US" kern="0" spc="-50" dirty="0" err="1">
-                <a:solidFill>
-                  <a:sysClr val="windowText" lastClr="000000"/>
-                </a:solidFill>
-                <a:latin typeface="Calibri"/>
-                <a:cs typeface="Calibri"/>
-              </a:rPr>
-              <a:t>ㅇㅇ</a:t>
-            </a:r>
-            <a:endParaRPr lang="en-US" altLang="ko-KR" kern="0" spc="-50" dirty="0">
-              <a:solidFill>
-                <a:sysClr val="windowText" lastClr="000000"/>
-              </a:solidFill>
-              <a:latin typeface="Calibri"/>
-              <a:cs typeface="Calibri"/>
-            </a:endParaRPr>
-          </a:p>
-          <a:p>
-            <a:pPr marL="298450" indent="-285750" latinLnBrk="0">
-              <a:spcBef>
-                <a:spcPts val="695"/>
-              </a:spcBef>
-              <a:buFontTx/>
-              <a:buChar char="-"/>
-              <a:tabLst>
-                <a:tab pos="240665" algn="l"/>
-              </a:tabLst>
-            </a:pPr>
-            <a:r>
-              <a:rPr lang="ko-KR" altLang="en-US" kern="0" spc="-50" dirty="0" err="1">
-                <a:solidFill>
-                  <a:sysClr val="windowText" lastClr="000000"/>
-                </a:solidFill>
-                <a:latin typeface="Calibri"/>
-                <a:cs typeface="Calibri"/>
-              </a:rPr>
-              <a:t>ㅇㅇ</a:t>
-            </a:r>
-            <a:endParaRPr lang="en-US" altLang="ko-KR" kern="0" spc="-50" dirty="0">
-              <a:solidFill>
-                <a:sysClr val="windowText" lastClr="000000"/>
-              </a:solidFill>
-              <a:latin typeface="Calibri"/>
-              <a:cs typeface="Calibri"/>
+              <a:cs typeface="Malgun Gothic"/>
             </a:endParaRPr>
           </a:p>
         </p:txBody>
@@ -5034,7 +5058,7 @@
     </p:spTree>
     <p:extLst>
       <p:ext uri="{BB962C8B-B14F-4D97-AF65-F5344CB8AC3E}">
-        <p14:creationId xmlns:p14="http://schemas.microsoft.com/office/powerpoint/2010/main" val="2768100393"/>
+        <p14:creationId xmlns:p14="http://schemas.microsoft.com/office/powerpoint/2010/main" val="3332599095"/>
       </p:ext>
     </p:extLst>
   </p:cSld>
@@ -5061,12 +5085,83 @@
           <a:chExt cx="0" cy="0"/>
         </a:xfrm>
       </p:grpSpPr>
-      <p:sp>
-        <p:nvSpPr>
-          <p:cNvPr id="15" name="object 2">
-            <a:extLst>
-              <a:ext uri="{FF2B5EF4-FFF2-40B4-BE49-F238E27FC236}">
-                <a16:creationId xmlns:a16="http://schemas.microsoft.com/office/drawing/2014/main" id="{63B42C9C-96BB-4869-81D8-DBA87F4A50BB}"/>
+      <p:pic>
+        <p:nvPicPr>
+          <p:cNvPr id="20" name="그림 19">
+            <a:extLst>
+              <a:ext uri="{FF2B5EF4-FFF2-40B4-BE49-F238E27FC236}">
+                <a16:creationId xmlns:a16="http://schemas.microsoft.com/office/drawing/2014/main" id="{A87EDB79-AE8E-46E3-B956-281C41A7ED3A}"/>
+              </a:ext>
+            </a:extLst>
+          </p:cNvPr>
+          <p:cNvPicPr>
+            <a:picLocks noChangeAspect="1"/>
+          </p:cNvPicPr>
+          <p:nvPr/>
+        </p:nvPicPr>
+        <p:blipFill rotWithShape="1">
+          <a:blip r:embed="rId2">
+            <a:extLst>
+              <a:ext uri="{28A0092B-C50C-407E-A947-70E740481C1C}">
+                <a14:useLocalDpi xmlns:a14="http://schemas.microsoft.com/office/drawing/2010/main" val="0"/>
+              </a:ext>
+            </a:extLst>
+          </a:blip>
+          <a:srcRect l="74535" t="3851" r="5686" b="50143"/>
+          <a:stretch/>
+        </p:blipFill>
+        <p:spPr>
+          <a:xfrm>
+            <a:off x="8473734" y="6091284"/>
+            <a:ext cx="1353669" cy="585664"/>
+          </a:xfrm>
+          <a:prstGeom prst="rect">
+            <a:avLst/>
+          </a:prstGeom>
+        </p:spPr>
+      </p:pic>
+      <p:pic>
+        <p:nvPicPr>
+          <p:cNvPr id="21" name="그림 20">
+            <a:extLst>
+              <a:ext uri="{FF2B5EF4-FFF2-40B4-BE49-F238E27FC236}">
+                <a16:creationId xmlns:a16="http://schemas.microsoft.com/office/drawing/2014/main" id="{25EA5F27-CB8A-4DD7-A41E-73A6B46FF164}"/>
+              </a:ext>
+            </a:extLst>
+          </p:cNvPr>
+          <p:cNvPicPr>
+            <a:picLocks noChangeAspect="1"/>
+          </p:cNvPicPr>
+          <p:nvPr/>
+        </p:nvPicPr>
+        <p:blipFill>
+          <a:blip r:embed="rId3" cstate="hqprint">
+            <a:extLst>
+              <a:ext uri="{28A0092B-C50C-407E-A947-70E740481C1C}">
+                <a14:useLocalDpi xmlns:a14="http://schemas.microsoft.com/office/drawing/2010/main" val="0"/>
+              </a:ext>
+            </a:extLst>
+          </a:blip>
+          <a:stretch>
+            <a:fillRect/>
+          </a:stretch>
+        </p:blipFill>
+        <p:spPr>
+          <a:xfrm>
+            <a:off x="9827403" y="6172124"/>
+            <a:ext cx="2199971" cy="423985"/>
+          </a:xfrm>
+          <a:prstGeom prst="rect">
+            <a:avLst/>
+          </a:prstGeom>
+        </p:spPr>
+      </p:pic>
+      <p:sp>
+        <p:nvSpPr>
+          <p:cNvPr id="9" name="object 2">
+            <a:extLst>
+              <a:ext uri="{FF2B5EF4-FFF2-40B4-BE49-F238E27FC236}">
+                <a16:creationId xmlns:a16="http://schemas.microsoft.com/office/drawing/2014/main" id="{6D7BD600-30F6-4170-B80C-852A785CE1AD}"/>
               </a:ext>
             </a:extLst>
           </p:cNvPr>
@@ -5078,7 +5173,7 @@
         <p:spPr>
           <a:xfrm>
             <a:off x="492575" y="391668"/>
-            <a:ext cx="1793875" cy="513080"/>
+            <a:ext cx="3965125" cy="505267"/>
           </a:xfrm>
           <a:prstGeom prst="rect">
             <a:avLst/>
@@ -5121,17 +5216,17 @@
               <a:defRPr/>
             </a:pPr>
             <a:r>
-              <a:rPr kumimoji="0" lang="en-US" altLang="ko-KR" sz="3200" b="1" i="0" u="none" strike="noStrike" kern="0" cap="none" spc="0" normalizeH="0" baseline="0" noProof="0" dirty="0">
+              <a:rPr kumimoji="0" lang="en-US" altLang="ko-KR" sz="3200" b="1" i="0" u="none" strike="noStrike" kern="0" cap="none" spc="-25" normalizeH="0" baseline="0" noProof="0" dirty="0">
                 <a:ln>
                   <a:noFill/>
                 </a:ln>
                 <a:solidFill>
-                  <a:sysClr val="windowText" lastClr="000000"/>
+                  <a:srgbClr val="001F60"/>
                 </a:solidFill>
                 <a:effectLst/>
                 <a:uLnTx/>
                 <a:uFillTx/>
-                <a:latin typeface="Malgun Gothic"/>
+                <a:latin typeface="맑은 고딕" panose="020B0503020000020004" pitchFamily="50" charset="-127"/>
                 <a:ea typeface="맑은 고딕" panose="020B0503020000020004" pitchFamily="50" charset="-127"/>
               </a:rPr>
               <a:t>Head</a:t>
@@ -5154,60 +5249,10 @@
       </p:sp>
       <p:sp>
         <p:nvSpPr>
-          <p:cNvPr id="16" name="object 3">
-            <a:extLst>
-              <a:ext uri="{FF2B5EF4-FFF2-40B4-BE49-F238E27FC236}">
-                <a16:creationId xmlns:a16="http://schemas.microsoft.com/office/drawing/2014/main" id="{A8C33617-DDF9-46C2-AA54-1B67BF5470A7}"/>
-              </a:ext>
-            </a:extLst>
-          </p:cNvPr>
-          <p:cNvSpPr txBox="1"/>
-          <p:nvPr/>
-        </p:nvSpPr>
-        <p:spPr>
-          <a:xfrm>
-            <a:off x="508990" y="1263396"/>
-            <a:ext cx="11014075" cy="425116"/>
-          </a:xfrm>
-          <a:prstGeom prst="rect">
-            <a:avLst/>
-          </a:prstGeom>
-        </p:spPr>
-        <p:txBody>
-          <a:bodyPr vert="horz" wrap="square" lIns="0" tIns="116205" rIns="0" bIns="0" rtlCol="0">
-            <a:spAutoFit/>
-          </a:bodyPr>
-          <a:lstStyle/>
-          <a:p>
-            <a:pPr marL="12700" latinLnBrk="0">
-              <a:spcBef>
-                <a:spcPts val="915"/>
-              </a:spcBef>
-            </a:pPr>
-            <a:r>
-              <a:rPr lang="en-US" sz="2000" b="1" kern="0" dirty="0">
-                <a:solidFill>
-                  <a:sysClr val="windowText" lastClr="000000"/>
-                </a:solidFill>
-                <a:cs typeface="Malgun Gothic"/>
-              </a:rPr>
-              <a:t>Head</a:t>
-            </a:r>
-            <a:endParaRPr sz="2000" b="1" kern="0" dirty="0">
-              <a:solidFill>
-                <a:sysClr val="windowText" lastClr="000000"/>
-              </a:solidFill>
-              <a:cs typeface="Malgun Gothic"/>
-            </a:endParaRPr>
-          </a:p>
-        </p:txBody>
-      </p:sp>
-      <p:sp>
-        <p:nvSpPr>
-          <p:cNvPr id="19" name="object 6">
-            <a:extLst>
-              <a:ext uri="{FF2B5EF4-FFF2-40B4-BE49-F238E27FC236}">
-                <a16:creationId xmlns:a16="http://schemas.microsoft.com/office/drawing/2014/main" id="{C73C25E3-E198-4627-994A-E730949EA465}"/>
+          <p:cNvPr id="10" name="object 6">
+            <a:extLst>
+              <a:ext uri="{FF2B5EF4-FFF2-40B4-BE49-F238E27FC236}">
+                <a16:creationId xmlns:a16="http://schemas.microsoft.com/office/drawing/2014/main" id="{8B966E05-EAAB-445B-8CC8-46645EBDF559}"/>
               </a:ext>
             </a:extLst>
           </p:cNvPr>
@@ -5285,182 +5330,72 @@
           </a:p>
         </p:txBody>
       </p:sp>
-      <p:pic>
-        <p:nvPicPr>
-          <p:cNvPr id="20" name="그림 19">
-            <a:extLst>
-              <a:ext uri="{FF2B5EF4-FFF2-40B4-BE49-F238E27FC236}">
-                <a16:creationId xmlns:a16="http://schemas.microsoft.com/office/drawing/2014/main" id="{A87EDB79-AE8E-46E3-B956-281C41A7ED3A}"/>
-              </a:ext>
-            </a:extLst>
-          </p:cNvPr>
-          <p:cNvPicPr>
-            <a:picLocks noChangeAspect="1"/>
-          </p:cNvPicPr>
+      <p:sp>
+        <p:nvSpPr>
+          <p:cNvPr id="11" name="object 3">
+            <a:extLst>
+              <a:ext uri="{FF2B5EF4-FFF2-40B4-BE49-F238E27FC236}">
+                <a16:creationId xmlns:a16="http://schemas.microsoft.com/office/drawing/2014/main" id="{04B1BFFB-7036-4650-B5BA-6C2A99C6E376}"/>
+              </a:ext>
+            </a:extLst>
+          </p:cNvPr>
+          <p:cNvSpPr txBox="1"/>
           <p:nvPr/>
-        </p:nvPicPr>
-        <p:blipFill rotWithShape="1">
-          <a:blip r:embed="rId2">
-            <a:extLst>
-              <a:ext uri="{28A0092B-C50C-407E-A947-70E740481C1C}">
-                <a14:useLocalDpi xmlns:a14="http://schemas.microsoft.com/office/drawing/2010/main" val="0"/>
-              </a:ext>
-            </a:extLst>
-          </a:blip>
-          <a:srcRect l="74535" t="3851" r="5686" b="50143"/>
-          <a:stretch/>
-        </p:blipFill>
+        </p:nvSpPr>
         <p:spPr>
           <a:xfrm>
-            <a:off x="8473734" y="6091284"/>
-            <a:ext cx="1353669" cy="585664"/>
+            <a:off x="508990" y="1263396"/>
+            <a:ext cx="11275060" cy="848309"/>
           </a:xfrm>
           <a:prstGeom prst="rect">
             <a:avLst/>
           </a:prstGeom>
         </p:spPr>
-      </p:pic>
-      <p:pic>
-        <p:nvPicPr>
-          <p:cNvPr id="21" name="그림 20">
-            <a:extLst>
-              <a:ext uri="{FF2B5EF4-FFF2-40B4-BE49-F238E27FC236}">
-                <a16:creationId xmlns:a16="http://schemas.microsoft.com/office/drawing/2014/main" id="{25EA5F27-CB8A-4DD7-A41E-73A6B46FF164}"/>
-              </a:ext>
-            </a:extLst>
-          </p:cNvPr>
-          <p:cNvPicPr>
-            <a:picLocks noChangeAspect="1"/>
-          </p:cNvPicPr>
-          <p:nvPr/>
-        </p:nvPicPr>
-        <p:blipFill>
-          <a:blip r:embed="rId3" cstate="hqprint">
-            <a:extLst>
-              <a:ext uri="{28A0092B-C50C-407E-A947-70E740481C1C}">
-                <a14:useLocalDpi xmlns:a14="http://schemas.microsoft.com/office/drawing/2010/main" val="0"/>
-              </a:ext>
-            </a:extLst>
-          </a:blip>
-          <a:stretch>
-            <a:fillRect/>
-          </a:stretch>
-        </p:blipFill>
-        <p:spPr>
-          <a:xfrm>
-            <a:off x="9827403" y="6172124"/>
-            <a:ext cx="2199971" cy="423985"/>
-          </a:xfrm>
-          <a:prstGeom prst="rect">
-            <a:avLst/>
-          </a:prstGeom>
-        </p:spPr>
-      </p:pic>
-      <p:sp>
-        <p:nvSpPr>
-          <p:cNvPr id="4" name="직사각형 3"/>
-          <p:cNvSpPr/>
-          <p:nvPr/>
-        </p:nvSpPr>
-        <p:spPr>
-          <a:xfrm>
-            <a:off x="430250" y="1921127"/>
-            <a:ext cx="10568247" cy="1102866"/>
-          </a:xfrm>
-          <a:prstGeom prst="rect">
-            <a:avLst/>
-          </a:prstGeom>
-        </p:spPr>
-        <p:txBody>
-          <a:bodyPr wrap="square">
+        <p:txBody>
+          <a:bodyPr vert="horz" wrap="square" lIns="0" tIns="116205" rIns="0" bIns="0" rtlCol="0">
             <a:spAutoFit/>
           </a:bodyPr>
           <a:lstStyle/>
           <a:p>
-            <a:pPr marL="298450" indent="-285750" latinLnBrk="0">
+            <a:pPr marL="355600" indent="-342900" latinLnBrk="0">
               <a:spcBef>
-                <a:spcPts val="695"/>
+                <a:spcPts val="915"/>
               </a:spcBef>
-              <a:buFontTx/>
-              <a:buChar char="-"/>
-              <a:tabLst>
-                <a:tab pos="240665" algn="l"/>
-              </a:tabLst>
+              <a:buFont typeface="Wingdings" panose="05000000000000000000" pitchFamily="2" charset="2"/>
+              <a:buChar char="§"/>
             </a:pPr>
             <a:r>
-              <a:rPr lang="ko-KR" altLang="en-US" kern="0" spc="-50" dirty="0" err="1">
-                <a:solidFill>
-                  <a:sysClr val="windowText" lastClr="000000"/>
-                </a:solidFill>
-                <a:latin typeface="Calibri"/>
-                <a:cs typeface="Calibri"/>
+              <a:rPr lang="en-US" altLang="ko-KR" sz="2000" b="1" kern="0" dirty="0">
+                <a:solidFill>
+                  <a:sysClr val="windowText" lastClr="000000"/>
+                </a:solidFill>
+                <a:cs typeface="Malgun Gothic"/>
+              </a:rPr>
+              <a:t>Head</a:t>
+            </a:r>
+          </a:p>
+          <a:p>
+            <a:pPr marL="812800" lvl="1" indent="-342900" latinLnBrk="0">
+              <a:spcBef>
+                <a:spcPts val="915"/>
+              </a:spcBef>
+              <a:buFont typeface="Wingdings" panose="05000000000000000000" pitchFamily="2" charset="2"/>
+              <a:buChar char="§"/>
+            </a:pPr>
+            <a:r>
+              <a:rPr lang="ko-KR" altLang="en-US" sz="2000" b="1" kern="0" dirty="0" err="1">
+                <a:solidFill>
+                  <a:sysClr val="windowText" lastClr="000000"/>
+                </a:solidFill>
+                <a:cs typeface="Malgun Gothic"/>
               </a:rPr>
               <a:t>ㅇㅇ</a:t>
             </a:r>
-            <a:endParaRPr lang="en-US" altLang="ko-KR" kern="0" spc="-50" dirty="0">
+            <a:endParaRPr lang="en-US" altLang="ko-KR" sz="2000" kern="0" dirty="0">
               <a:solidFill>
                 <a:sysClr val="windowText" lastClr="000000"/>
               </a:solidFill>
-              <a:latin typeface="Calibri"/>
-              <a:cs typeface="Calibri"/>
-            </a:endParaRPr>
-          </a:p>
-          <a:p>
-            <a:pPr marL="298450" indent="-285750" latinLnBrk="0">
-              <a:spcBef>
-                <a:spcPts val="695"/>
-              </a:spcBef>
-              <a:buFontTx/>
-              <a:buChar char="-"/>
-              <a:tabLst>
-                <a:tab pos="240665" algn="l"/>
-              </a:tabLst>
-            </a:pPr>
-            <a:r>
-              <a:rPr lang="ko-KR" altLang="en-US" kern="0" spc="-50" dirty="0" err="1">
-                <a:solidFill>
-                  <a:sysClr val="windowText" lastClr="000000"/>
-                </a:solidFill>
-                <a:latin typeface="Calibri"/>
-                <a:cs typeface="Calibri"/>
-              </a:rPr>
-              <a:t>ㅇㅇ</a:t>
-            </a:r>
-            <a:endParaRPr lang="en-US" altLang="ko-KR" kern="0" spc="-50" dirty="0">
-              <a:solidFill>
-                <a:sysClr val="windowText" lastClr="000000"/>
-              </a:solidFill>
-              <a:latin typeface="Calibri"/>
-              <a:cs typeface="Calibri"/>
-            </a:endParaRPr>
-          </a:p>
-          <a:p>
-            <a:pPr marL="298450" indent="-285750" latinLnBrk="0">
-              <a:spcBef>
-                <a:spcPts val="695"/>
-              </a:spcBef>
-              <a:buFontTx/>
-              <a:buChar char="-"/>
-              <a:tabLst>
-                <a:tab pos="240665" algn="l"/>
-              </a:tabLst>
-            </a:pPr>
-            <a:r>
-              <a:rPr lang="ko-KR" altLang="en-US" kern="0" spc="-50" dirty="0" err="1">
-                <a:solidFill>
-                  <a:sysClr val="windowText" lastClr="000000"/>
-                </a:solidFill>
-                <a:latin typeface="Calibri"/>
-                <a:cs typeface="Calibri"/>
-              </a:rPr>
-              <a:t>ㅇㅇ</a:t>
-            </a:r>
-            <a:endParaRPr lang="en-US" altLang="ko-KR" kern="0" spc="-50" dirty="0">
-              <a:solidFill>
-                <a:sysClr val="windowText" lastClr="000000"/>
-              </a:solidFill>
-              <a:latin typeface="Calibri"/>
-              <a:cs typeface="Calibri"/>
+              <a:cs typeface="Malgun Gothic"/>
             </a:endParaRPr>
           </a:p>
         </p:txBody>
@@ -5468,7 +5403,7 @@
     </p:spTree>
     <p:extLst>
       <p:ext uri="{BB962C8B-B14F-4D97-AF65-F5344CB8AC3E}">
-        <p14:creationId xmlns:p14="http://schemas.microsoft.com/office/powerpoint/2010/main" val="2501461108"/>
+        <p14:creationId xmlns:p14="http://schemas.microsoft.com/office/powerpoint/2010/main" val="2145955965"/>
       </p:ext>
     </p:extLst>
   </p:cSld>
@@ -5495,12 +5430,83 @@
           <a:chExt cx="0" cy="0"/>
         </a:xfrm>
       </p:grpSpPr>
-      <p:sp>
-        <p:nvSpPr>
-          <p:cNvPr id="15" name="object 2">
-            <a:extLst>
-              <a:ext uri="{FF2B5EF4-FFF2-40B4-BE49-F238E27FC236}">
-                <a16:creationId xmlns:a16="http://schemas.microsoft.com/office/drawing/2014/main" id="{63B42C9C-96BB-4869-81D8-DBA87F4A50BB}"/>
+      <p:pic>
+        <p:nvPicPr>
+          <p:cNvPr id="20" name="그림 19">
+            <a:extLst>
+              <a:ext uri="{FF2B5EF4-FFF2-40B4-BE49-F238E27FC236}">
+                <a16:creationId xmlns:a16="http://schemas.microsoft.com/office/drawing/2014/main" id="{A87EDB79-AE8E-46E3-B956-281C41A7ED3A}"/>
+              </a:ext>
+            </a:extLst>
+          </p:cNvPr>
+          <p:cNvPicPr>
+            <a:picLocks noChangeAspect="1"/>
+          </p:cNvPicPr>
+          <p:nvPr/>
+        </p:nvPicPr>
+        <p:blipFill rotWithShape="1">
+          <a:blip r:embed="rId2">
+            <a:extLst>
+              <a:ext uri="{28A0092B-C50C-407E-A947-70E740481C1C}">
+                <a14:useLocalDpi xmlns:a14="http://schemas.microsoft.com/office/drawing/2010/main" val="0"/>
+              </a:ext>
+            </a:extLst>
+          </a:blip>
+          <a:srcRect l="74535" t="3851" r="5686" b="50143"/>
+          <a:stretch/>
+        </p:blipFill>
+        <p:spPr>
+          <a:xfrm>
+            <a:off x="8473734" y="6091284"/>
+            <a:ext cx="1353669" cy="585664"/>
+          </a:xfrm>
+          <a:prstGeom prst="rect">
+            <a:avLst/>
+          </a:prstGeom>
+        </p:spPr>
+      </p:pic>
+      <p:pic>
+        <p:nvPicPr>
+          <p:cNvPr id="21" name="그림 20">
+            <a:extLst>
+              <a:ext uri="{FF2B5EF4-FFF2-40B4-BE49-F238E27FC236}">
+                <a16:creationId xmlns:a16="http://schemas.microsoft.com/office/drawing/2014/main" id="{25EA5F27-CB8A-4DD7-A41E-73A6B46FF164}"/>
+              </a:ext>
+            </a:extLst>
+          </p:cNvPr>
+          <p:cNvPicPr>
+            <a:picLocks noChangeAspect="1"/>
+          </p:cNvPicPr>
+          <p:nvPr/>
+        </p:nvPicPr>
+        <p:blipFill>
+          <a:blip r:embed="rId3" cstate="hqprint">
+            <a:extLst>
+              <a:ext uri="{28A0092B-C50C-407E-A947-70E740481C1C}">
+                <a14:useLocalDpi xmlns:a14="http://schemas.microsoft.com/office/drawing/2010/main" val="0"/>
+              </a:ext>
+            </a:extLst>
+          </a:blip>
+          <a:stretch>
+            <a:fillRect/>
+          </a:stretch>
+        </p:blipFill>
+        <p:spPr>
+          <a:xfrm>
+            <a:off x="9827403" y="6172124"/>
+            <a:ext cx="2199971" cy="423985"/>
+          </a:xfrm>
+          <a:prstGeom prst="rect">
+            <a:avLst/>
+          </a:prstGeom>
+        </p:spPr>
+      </p:pic>
+      <p:sp>
+        <p:nvSpPr>
+          <p:cNvPr id="9" name="object 2">
+            <a:extLst>
+              <a:ext uri="{FF2B5EF4-FFF2-40B4-BE49-F238E27FC236}">
+                <a16:creationId xmlns:a16="http://schemas.microsoft.com/office/drawing/2014/main" id="{6D7BD600-30F6-4170-B80C-852A785CE1AD}"/>
               </a:ext>
             </a:extLst>
           </p:cNvPr>
@@ -5512,7 +5518,7 @@
         <p:spPr>
           <a:xfrm>
             <a:off x="492575" y="391668"/>
-            <a:ext cx="1793875" cy="513080"/>
+            <a:ext cx="3965125" cy="505267"/>
           </a:xfrm>
           <a:prstGeom prst="rect">
             <a:avLst/>
@@ -5555,17 +5561,17 @@
               <a:defRPr/>
             </a:pPr>
             <a:r>
-              <a:rPr kumimoji="0" lang="en-US" altLang="ko-KR" sz="3200" b="1" i="0" u="none" strike="noStrike" kern="0" cap="none" spc="0" normalizeH="0" baseline="0" noProof="0" dirty="0">
+              <a:rPr kumimoji="0" lang="en-US" altLang="ko-KR" sz="3200" b="1" i="0" u="none" strike="noStrike" kern="0" cap="none" spc="-25" normalizeH="0" baseline="0" noProof="0" dirty="0">
                 <a:ln>
                   <a:noFill/>
                 </a:ln>
                 <a:solidFill>
-                  <a:sysClr val="windowText" lastClr="000000"/>
+                  <a:srgbClr val="001F60"/>
                 </a:solidFill>
                 <a:effectLst/>
                 <a:uLnTx/>
                 <a:uFillTx/>
-                <a:latin typeface="Malgun Gothic"/>
+                <a:latin typeface="맑은 고딕" panose="020B0503020000020004" pitchFamily="50" charset="-127"/>
                 <a:ea typeface="맑은 고딕" panose="020B0503020000020004" pitchFamily="50" charset="-127"/>
               </a:rPr>
               <a:t>Head</a:t>
@@ -5588,60 +5594,10 @@
       </p:sp>
       <p:sp>
         <p:nvSpPr>
-          <p:cNvPr id="16" name="object 3">
-            <a:extLst>
-              <a:ext uri="{FF2B5EF4-FFF2-40B4-BE49-F238E27FC236}">
-                <a16:creationId xmlns:a16="http://schemas.microsoft.com/office/drawing/2014/main" id="{A8C33617-DDF9-46C2-AA54-1B67BF5470A7}"/>
-              </a:ext>
-            </a:extLst>
-          </p:cNvPr>
-          <p:cNvSpPr txBox="1"/>
-          <p:nvPr/>
-        </p:nvSpPr>
-        <p:spPr>
-          <a:xfrm>
-            <a:off x="508990" y="1263396"/>
-            <a:ext cx="11014075" cy="425116"/>
-          </a:xfrm>
-          <a:prstGeom prst="rect">
-            <a:avLst/>
-          </a:prstGeom>
-        </p:spPr>
-        <p:txBody>
-          <a:bodyPr vert="horz" wrap="square" lIns="0" tIns="116205" rIns="0" bIns="0" rtlCol="0">
-            <a:spAutoFit/>
-          </a:bodyPr>
-          <a:lstStyle/>
-          <a:p>
-            <a:pPr marL="12700" latinLnBrk="0">
-              <a:spcBef>
-                <a:spcPts val="915"/>
-              </a:spcBef>
-            </a:pPr>
-            <a:r>
-              <a:rPr lang="en-US" sz="2000" b="1" kern="0" dirty="0">
-                <a:solidFill>
-                  <a:sysClr val="windowText" lastClr="000000"/>
-                </a:solidFill>
-                <a:cs typeface="Malgun Gothic"/>
-              </a:rPr>
-              <a:t>Head</a:t>
-            </a:r>
-            <a:endParaRPr sz="2000" b="1" kern="0" dirty="0">
-              <a:solidFill>
-                <a:sysClr val="windowText" lastClr="000000"/>
-              </a:solidFill>
-              <a:cs typeface="Malgun Gothic"/>
-            </a:endParaRPr>
-          </a:p>
-        </p:txBody>
-      </p:sp>
-      <p:sp>
-        <p:nvSpPr>
-          <p:cNvPr id="19" name="object 6">
-            <a:extLst>
-              <a:ext uri="{FF2B5EF4-FFF2-40B4-BE49-F238E27FC236}">
-                <a16:creationId xmlns:a16="http://schemas.microsoft.com/office/drawing/2014/main" id="{C73C25E3-E198-4627-994A-E730949EA465}"/>
+          <p:cNvPr id="10" name="object 6">
+            <a:extLst>
+              <a:ext uri="{FF2B5EF4-FFF2-40B4-BE49-F238E27FC236}">
+                <a16:creationId xmlns:a16="http://schemas.microsoft.com/office/drawing/2014/main" id="{8B966E05-EAAB-445B-8CC8-46645EBDF559}"/>
               </a:ext>
             </a:extLst>
           </p:cNvPr>
@@ -5719,182 +5675,72 @@
           </a:p>
         </p:txBody>
       </p:sp>
-      <p:pic>
-        <p:nvPicPr>
-          <p:cNvPr id="20" name="그림 19">
-            <a:extLst>
-              <a:ext uri="{FF2B5EF4-FFF2-40B4-BE49-F238E27FC236}">
-                <a16:creationId xmlns:a16="http://schemas.microsoft.com/office/drawing/2014/main" id="{A87EDB79-AE8E-46E3-B956-281C41A7ED3A}"/>
-              </a:ext>
-            </a:extLst>
-          </p:cNvPr>
-          <p:cNvPicPr>
-            <a:picLocks noChangeAspect="1"/>
-          </p:cNvPicPr>
+      <p:sp>
+        <p:nvSpPr>
+          <p:cNvPr id="11" name="object 3">
+            <a:extLst>
+              <a:ext uri="{FF2B5EF4-FFF2-40B4-BE49-F238E27FC236}">
+                <a16:creationId xmlns:a16="http://schemas.microsoft.com/office/drawing/2014/main" id="{04B1BFFB-7036-4650-B5BA-6C2A99C6E376}"/>
+              </a:ext>
+            </a:extLst>
+          </p:cNvPr>
+          <p:cNvSpPr txBox="1"/>
           <p:nvPr/>
-        </p:nvPicPr>
-        <p:blipFill rotWithShape="1">
-          <a:blip r:embed="rId2">
-            <a:extLst>
-              <a:ext uri="{28A0092B-C50C-407E-A947-70E740481C1C}">
-                <a14:useLocalDpi xmlns:a14="http://schemas.microsoft.com/office/drawing/2010/main" val="0"/>
-              </a:ext>
-            </a:extLst>
-          </a:blip>
-          <a:srcRect l="74535" t="3851" r="5686" b="50143"/>
-          <a:stretch/>
-        </p:blipFill>
+        </p:nvSpPr>
         <p:spPr>
           <a:xfrm>
-            <a:off x="8473734" y="6091284"/>
-            <a:ext cx="1353669" cy="585664"/>
+            <a:off x="508990" y="1263396"/>
+            <a:ext cx="11275060" cy="848309"/>
           </a:xfrm>
           <a:prstGeom prst="rect">
             <a:avLst/>
           </a:prstGeom>
         </p:spPr>
-      </p:pic>
-      <p:pic>
-        <p:nvPicPr>
-          <p:cNvPr id="21" name="그림 20">
-            <a:extLst>
-              <a:ext uri="{FF2B5EF4-FFF2-40B4-BE49-F238E27FC236}">
-                <a16:creationId xmlns:a16="http://schemas.microsoft.com/office/drawing/2014/main" id="{25EA5F27-CB8A-4DD7-A41E-73A6B46FF164}"/>
-              </a:ext>
-            </a:extLst>
-          </p:cNvPr>
-          <p:cNvPicPr>
-            <a:picLocks noChangeAspect="1"/>
-          </p:cNvPicPr>
-          <p:nvPr/>
-        </p:nvPicPr>
-        <p:blipFill>
-          <a:blip r:embed="rId3" cstate="hqprint">
-            <a:extLst>
-              <a:ext uri="{28A0092B-C50C-407E-A947-70E740481C1C}">
-                <a14:useLocalDpi xmlns:a14="http://schemas.microsoft.com/office/drawing/2010/main" val="0"/>
-              </a:ext>
-            </a:extLst>
-          </a:blip>
-          <a:stretch>
-            <a:fillRect/>
-          </a:stretch>
-        </p:blipFill>
-        <p:spPr>
-          <a:xfrm>
-            <a:off x="9827403" y="6172124"/>
-            <a:ext cx="2199971" cy="423985"/>
-          </a:xfrm>
-          <a:prstGeom prst="rect">
-            <a:avLst/>
-          </a:prstGeom>
-        </p:spPr>
-      </p:pic>
-      <p:sp>
-        <p:nvSpPr>
-          <p:cNvPr id="4" name="직사각형 3"/>
-          <p:cNvSpPr/>
-          <p:nvPr/>
-        </p:nvSpPr>
-        <p:spPr>
-          <a:xfrm>
-            <a:off x="430250" y="1921127"/>
-            <a:ext cx="10568247" cy="1102866"/>
-          </a:xfrm>
-          <a:prstGeom prst="rect">
-            <a:avLst/>
-          </a:prstGeom>
-        </p:spPr>
-        <p:txBody>
-          <a:bodyPr wrap="square">
+        <p:txBody>
+          <a:bodyPr vert="horz" wrap="square" lIns="0" tIns="116205" rIns="0" bIns="0" rtlCol="0">
             <a:spAutoFit/>
           </a:bodyPr>
           <a:lstStyle/>
           <a:p>
-            <a:pPr marL="298450" indent="-285750" latinLnBrk="0">
+            <a:pPr marL="355600" indent="-342900" latinLnBrk="0">
               <a:spcBef>
-                <a:spcPts val="695"/>
+                <a:spcPts val="915"/>
               </a:spcBef>
-              <a:buFontTx/>
-              <a:buChar char="-"/>
-              <a:tabLst>
-                <a:tab pos="240665" algn="l"/>
-              </a:tabLst>
+              <a:buFont typeface="Wingdings" panose="05000000000000000000" pitchFamily="2" charset="2"/>
+              <a:buChar char="§"/>
             </a:pPr>
             <a:r>
-              <a:rPr lang="ko-KR" altLang="en-US" kern="0" spc="-50" dirty="0" err="1">
-                <a:solidFill>
-                  <a:sysClr val="windowText" lastClr="000000"/>
-                </a:solidFill>
-                <a:latin typeface="Calibri"/>
-                <a:cs typeface="Calibri"/>
+              <a:rPr lang="en-US" altLang="ko-KR" sz="2000" b="1" kern="0" dirty="0">
+                <a:solidFill>
+                  <a:sysClr val="windowText" lastClr="000000"/>
+                </a:solidFill>
+                <a:cs typeface="Malgun Gothic"/>
+              </a:rPr>
+              <a:t>Head</a:t>
+            </a:r>
+          </a:p>
+          <a:p>
+            <a:pPr marL="812800" lvl="1" indent="-342900" latinLnBrk="0">
+              <a:spcBef>
+                <a:spcPts val="915"/>
+              </a:spcBef>
+              <a:buFont typeface="Wingdings" panose="05000000000000000000" pitchFamily="2" charset="2"/>
+              <a:buChar char="§"/>
+            </a:pPr>
+            <a:r>
+              <a:rPr lang="ko-KR" altLang="en-US" sz="2000" b="1" kern="0" dirty="0" err="1">
+                <a:solidFill>
+                  <a:sysClr val="windowText" lastClr="000000"/>
+                </a:solidFill>
+                <a:cs typeface="Malgun Gothic"/>
               </a:rPr>
               <a:t>ㅇㅇ</a:t>
             </a:r>
-            <a:endParaRPr lang="en-US" altLang="ko-KR" kern="0" spc="-50" dirty="0">
+            <a:endParaRPr lang="en-US" altLang="ko-KR" sz="2000" kern="0" dirty="0">
               <a:solidFill>
                 <a:sysClr val="windowText" lastClr="000000"/>
               </a:solidFill>
-              <a:latin typeface="Calibri"/>
-              <a:cs typeface="Calibri"/>
-            </a:endParaRPr>
-          </a:p>
-          <a:p>
-            <a:pPr marL="298450" indent="-285750" latinLnBrk="0">
-              <a:spcBef>
-                <a:spcPts val="695"/>
-              </a:spcBef>
-              <a:buFontTx/>
-              <a:buChar char="-"/>
-              <a:tabLst>
-                <a:tab pos="240665" algn="l"/>
-              </a:tabLst>
-            </a:pPr>
-            <a:r>
-              <a:rPr lang="ko-KR" altLang="en-US" kern="0" spc="-50" dirty="0" err="1">
-                <a:solidFill>
-                  <a:sysClr val="windowText" lastClr="000000"/>
-                </a:solidFill>
-                <a:latin typeface="Calibri"/>
-                <a:cs typeface="Calibri"/>
-              </a:rPr>
-              <a:t>ㅇㅇ</a:t>
-            </a:r>
-            <a:endParaRPr lang="en-US" altLang="ko-KR" kern="0" spc="-50" dirty="0">
-              <a:solidFill>
-                <a:sysClr val="windowText" lastClr="000000"/>
-              </a:solidFill>
-              <a:latin typeface="Calibri"/>
-              <a:cs typeface="Calibri"/>
-            </a:endParaRPr>
-          </a:p>
-          <a:p>
-            <a:pPr marL="298450" indent="-285750" latinLnBrk="0">
-              <a:spcBef>
-                <a:spcPts val="695"/>
-              </a:spcBef>
-              <a:buFontTx/>
-              <a:buChar char="-"/>
-              <a:tabLst>
-                <a:tab pos="240665" algn="l"/>
-              </a:tabLst>
-            </a:pPr>
-            <a:r>
-              <a:rPr lang="ko-KR" altLang="en-US" kern="0" spc="-50" dirty="0" err="1">
-                <a:solidFill>
-                  <a:sysClr val="windowText" lastClr="000000"/>
-                </a:solidFill>
-                <a:latin typeface="Calibri"/>
-                <a:cs typeface="Calibri"/>
-              </a:rPr>
-              <a:t>ㅇㅇ</a:t>
-            </a:r>
-            <a:endParaRPr lang="en-US" altLang="ko-KR" kern="0" spc="-50" dirty="0">
-              <a:solidFill>
-                <a:sysClr val="windowText" lastClr="000000"/>
-              </a:solidFill>
-              <a:latin typeface="Calibri"/>
-              <a:cs typeface="Calibri"/>
+              <a:cs typeface="Malgun Gothic"/>
             </a:endParaRPr>
           </a:p>
         </p:txBody>
@@ -5902,7 +5748,7 @@
     </p:spTree>
     <p:extLst>
       <p:ext uri="{BB962C8B-B14F-4D97-AF65-F5344CB8AC3E}">
-        <p14:creationId xmlns:p14="http://schemas.microsoft.com/office/powerpoint/2010/main" val="1963325520"/>
+        <p14:creationId xmlns:p14="http://schemas.microsoft.com/office/powerpoint/2010/main" val="807241717"/>
       </p:ext>
     </p:extLst>
   </p:cSld>
@@ -6035,7 +5881,7 @@
         <p:spPr>
           <a:xfrm>
             <a:off x="508990" y="1263396"/>
-            <a:ext cx="11014075" cy="2964273"/>
+            <a:ext cx="11014075" cy="3387466"/>
           </a:xfrm>
           <a:prstGeom prst="rect">
             <a:avLst/>
@@ -6047,12 +5893,12 @@
           </a:bodyPr>
           <a:lstStyle/>
           <a:p>
-            <a:pPr marL="469900" indent="-457200" latinLnBrk="0">
+            <a:pPr marL="527050" indent="-514350" latinLnBrk="0">
               <a:spcBef>
                 <a:spcPts val="915"/>
               </a:spcBef>
               <a:buFont typeface="+mj-lt"/>
-              <a:buAutoNum type="arabicParenR"/>
+              <a:buAutoNum type="arabicPeriod"/>
             </a:pPr>
             <a:r>
               <a:rPr lang="ko-KR" altLang="en-US" sz="2000" b="1" kern="0" dirty="0">
@@ -6071,12 +5917,12 @@
             </a:endParaRPr>
           </a:p>
           <a:p>
-            <a:pPr marL="469900" indent="-457200" latinLnBrk="0">
+            <a:pPr marL="527050" indent="-514350" latinLnBrk="0">
               <a:spcBef>
                 <a:spcPts val="915"/>
               </a:spcBef>
               <a:buFont typeface="+mj-lt"/>
-              <a:buAutoNum type="arabicParenR"/>
+              <a:buAutoNum type="arabicPeriod"/>
             </a:pPr>
             <a:r>
               <a:rPr lang="ko-KR" altLang="en-US" sz="2000" b="1" kern="0" dirty="0">
@@ -6095,12 +5941,12 @@
             </a:endParaRPr>
           </a:p>
           <a:p>
-            <a:pPr marL="469900" indent="-457200" latinLnBrk="0">
+            <a:pPr marL="527050" indent="-514350" latinLnBrk="0">
               <a:spcBef>
                 <a:spcPts val="915"/>
               </a:spcBef>
               <a:buFont typeface="+mj-lt"/>
-              <a:buAutoNum type="arabicParenR"/>
+              <a:buAutoNum type="arabicPeriod"/>
             </a:pPr>
             <a:r>
               <a:rPr lang="ko-KR" altLang="en-US" sz="2000" b="1" kern="0" dirty="0">
@@ -6217,12 +6063,61 @@
             </a:endParaRPr>
           </a:p>
           <a:p>
-            <a:pPr marL="469900" indent="-457200" latinLnBrk="0">
+            <a:pPr marL="469900" lvl="1" latinLnBrk="0">
+              <a:spcBef>
+                <a:spcPts val="915"/>
+              </a:spcBef>
+            </a:pPr>
+            <a:r>
+              <a:rPr lang="en-US" altLang="ko-KR" sz="2000" b="1" kern="0" dirty="0">
+                <a:solidFill>
+                  <a:sysClr val="windowText" lastClr="000000"/>
+                </a:solidFill>
+                <a:cs typeface="Malgun Gothic"/>
+              </a:rPr>
+              <a:t>3</a:t>
+            </a:r>
+            <a:r>
+              <a:rPr lang="ko-KR" altLang="en-US" sz="2000" b="1" kern="0" dirty="0">
+                <a:solidFill>
+                  <a:sysClr val="windowText" lastClr="000000"/>
+                </a:solidFill>
+                <a:cs typeface="Malgun Gothic"/>
+              </a:rPr>
+              <a:t>단계 </a:t>
+            </a:r>
+            <a:r>
+              <a:rPr lang="en-US" altLang="ko-KR" sz="2000" b="1" kern="0" dirty="0">
+                <a:solidFill>
+                  <a:sysClr val="windowText" lastClr="000000"/>
+                </a:solidFill>
+                <a:cs typeface="Malgun Gothic"/>
+              </a:rPr>
+              <a:t>) Random Forest </a:t>
+            </a:r>
+            <a:r>
+              <a:rPr lang="ko-KR" altLang="en-US" sz="2000" b="1" kern="0" dirty="0">
+                <a:solidFill>
+                  <a:sysClr val="windowText" lastClr="000000"/>
+                </a:solidFill>
+                <a:cs typeface="Malgun Gothic"/>
+              </a:rPr>
+              <a:t>기반의 일사량 예측 모델링</a:t>
+            </a:r>
+            <a:endParaRPr lang="en-US" altLang="ko-KR" sz="2000" b="1" kern="0" dirty="0">
+              <a:solidFill>
+                <a:sysClr val="windowText" lastClr="000000"/>
+              </a:solidFill>
+              <a:cs typeface="Malgun Gothic"/>
+            </a:endParaRPr>
+          </a:p>
+          <a:p>
+            <a:pPr marL="527050" indent="-514350" latinLnBrk="0">
               <a:spcBef>
                 <a:spcPts val="915"/>
               </a:spcBef>
               <a:buFont typeface="+mj-lt"/>
-              <a:buAutoNum type="arabicParenR"/>
+              <a:buAutoNum type="arabicPeriod"/>
             </a:pPr>
             <a:r>
               <a:rPr lang="ko-KR" altLang="en-US" sz="2000" b="1" kern="0" dirty="0">
@@ -6235,12 +6130,12 @@
             </a:r>
           </a:p>
           <a:p>
-            <a:pPr marL="469900" indent="-457200" latinLnBrk="0">
+            <a:pPr marL="527050" indent="-514350" latinLnBrk="0">
               <a:spcBef>
                 <a:spcPts val="915"/>
               </a:spcBef>
               <a:buFont typeface="+mj-lt"/>
-              <a:buAutoNum type="arabicParenR"/>
+              <a:buAutoNum type="arabicPeriod"/>
             </a:pPr>
             <a:r>
               <a:rPr lang="ko-KR" altLang="en-US" sz="2000" b="1" kern="0" dirty="0">
@@ -8359,7 +8254,7 @@
         <p:spPr>
           <a:xfrm>
             <a:off x="508990" y="1263396"/>
-            <a:ext cx="11275060" cy="2964273"/>
+            <a:ext cx="11275060" cy="3387466"/>
           </a:xfrm>
           <a:prstGeom prst="rect">
             <a:avLst/>
@@ -8370,6 +8265,57 @@
             <a:spAutoFit/>
           </a:bodyPr>
           <a:lstStyle/>
+          <a:p>
+            <a:pPr marL="355600" indent="-342900" latinLnBrk="0">
+              <a:spcBef>
+                <a:spcPts val="915"/>
+              </a:spcBef>
+              <a:buFont typeface="Wingdings" panose="05000000000000000000" pitchFamily="2" charset="2"/>
+              <a:buChar char="§"/>
+            </a:pPr>
+            <a:r>
+              <a:rPr lang="en-US" altLang="ko-KR" sz="2000" b="1" kern="0" dirty="0">
+                <a:solidFill>
+                  <a:sysClr val="windowText" lastClr="000000"/>
+                </a:solidFill>
+                <a:cs typeface="Malgun Gothic"/>
+              </a:rPr>
+              <a:t>1</a:t>
+            </a:r>
+            <a:r>
+              <a:rPr lang="ko-KR" altLang="en-US" sz="2000" b="1" kern="0" dirty="0">
+                <a:solidFill>
+                  <a:sysClr val="windowText" lastClr="000000"/>
+                </a:solidFill>
+                <a:cs typeface="Malgun Gothic"/>
+              </a:rPr>
+              <a:t>단계</a:t>
+            </a:r>
+            <a:r>
+              <a:rPr lang="en-US" altLang="ko-KR" sz="2000" b="1" kern="0" dirty="0">
+                <a:solidFill>
+                  <a:sysClr val="windowText" lastClr="000000"/>
+                </a:solidFill>
+                <a:cs typeface="Malgun Gothic"/>
+              </a:rPr>
+              <a:t>) </a:t>
+            </a:r>
+            <a:r>
+              <a:rPr lang="ko-KR" altLang="en-US" sz="2000" b="1" kern="0" dirty="0">
+                <a:solidFill>
+                  <a:sysClr val="windowText" lastClr="000000"/>
+                </a:solidFill>
+                <a:cs typeface="Malgun Gothic"/>
+              </a:rPr>
+              <a:t>예측 모델 학습을 위한 입력 변수 구성</a:t>
+            </a:r>
+            <a:endParaRPr lang="en-US" altLang="ko-KR" sz="2000" b="1" kern="0" dirty="0">
+              <a:solidFill>
+                <a:sysClr val="windowText" lastClr="000000"/>
+              </a:solidFill>
+              <a:cs typeface="Malgun Gothic"/>
+            </a:endParaRPr>
+          </a:p>
           <a:p>
             <a:pPr marL="355600" indent="-342900" latinLnBrk="0">
               <a:spcBef>
@@ -9056,6 +9002,33 @@
               <a:buChar char="§"/>
             </a:pPr>
             <a:r>
+              <a:rPr lang="en-US" altLang="ko-KR" sz="2000" b="1" kern="0" dirty="0">
+                <a:solidFill>
+                  <a:sysClr val="windowText" lastClr="000000"/>
+                </a:solidFill>
+                <a:cs typeface="Malgun Gothic"/>
+              </a:rPr>
+              <a:t>2</a:t>
+            </a:r>
+            <a:r>
+              <a:rPr lang="ko-KR" altLang="en-US" sz="2000" b="1" kern="0" dirty="0">
+                <a:solidFill>
+                  <a:sysClr val="windowText" lastClr="000000"/>
+                </a:solidFill>
+                <a:cs typeface="Malgun Gothic"/>
+              </a:rPr>
+              <a:t>단계</a:t>
+            </a:r>
+            <a:r>
+              <a:rPr lang="en-US" altLang="ko-KR" sz="2000" b="1" kern="0" dirty="0">
+                <a:solidFill>
+                  <a:sysClr val="windowText" lastClr="000000"/>
+                </a:solidFill>
+                <a:cs typeface="Malgun Gothic"/>
+              </a:rPr>
+              <a:t>) </a:t>
+            </a:r>
+            <a:r>
               <a:rPr lang="ko-KR" altLang="en-US" sz="2000" b="1" kern="0" dirty="0">
                 <a:solidFill>
                   <a:sysClr val="windowText" lastClr="000000"/>
@@ -9259,74 +9232,46 @@
               </a:tabLst>
             </a:pPr>
             <a:r>
-              <a:rPr lang="ko-KR" altLang="en-US" kern="0" spc="-50" dirty="0">
+              <a:rPr lang="en-US" altLang="ko-KR" kern="0" spc="-50" dirty="0">
                 <a:solidFill>
                   <a:sysClr val="windowText" lastClr="000000"/>
                 </a:solidFill>
                 <a:latin typeface="Calibri"/>
                 <a:cs typeface="Calibri"/>
               </a:rPr>
-              <a:t>태양광 발전 시스템은  </a:t>
-            </a:r>
-            <a:r>
-              <a:rPr lang="en-US" altLang="ko-KR" kern="0" spc="-50" dirty="0">
+              <a:t>[</a:t>
+            </a:r>
+            <a:r>
+              <a:rPr lang="ko-KR" altLang="en-US" kern="0" spc="-50" dirty="0">
                 <a:solidFill>
                   <a:sysClr val="windowText" lastClr="000000"/>
                 </a:solidFill>
                 <a:latin typeface="Calibri"/>
                 <a:cs typeface="Calibri"/>
               </a:rPr>
-              <a:t>1 Day </a:t>
-            </a:r>
-            <a:r>
-              <a:rPr lang="ko-KR" altLang="en-US" kern="0" spc="-50" dirty="0">
+              <a:t>가정</a:t>
+            </a:r>
+            <a:r>
+              <a:rPr lang="en-US" altLang="ko-KR" kern="0" spc="-50" dirty="0">
                 <a:solidFill>
                   <a:sysClr val="windowText" lastClr="000000"/>
                 </a:solidFill>
                 <a:latin typeface="Calibri"/>
                 <a:cs typeface="Calibri"/>
               </a:rPr>
-              <a:t>운영</a:t>
-            </a:r>
-            <a:r>
-              <a:rPr lang="en-US" altLang="ko-KR" kern="0" spc="-50" dirty="0">
-                <a:solidFill>
-                  <a:sysClr val="windowText" lastClr="000000"/>
-                </a:solidFill>
-                <a:latin typeface="Calibri"/>
-                <a:cs typeface="Calibri"/>
-              </a:rPr>
-              <a:t>,</a:t>
-            </a:r>
-            <a:r>
-              <a:rPr lang="ko-KR" altLang="en-US" kern="0" spc="-50" dirty="0">
-                <a:solidFill>
-                  <a:sysClr val="windowText" lastClr="000000"/>
-                </a:solidFill>
-                <a:latin typeface="Calibri"/>
-                <a:cs typeface="Calibri"/>
-              </a:rPr>
-              <a:t> 일사량 데이터도 </a:t>
-            </a:r>
-            <a:r>
-              <a:rPr lang="en-US" altLang="ko-KR" kern="0" spc="-50" dirty="0">
-                <a:solidFill>
-                  <a:sysClr val="windowText" lastClr="000000"/>
-                </a:solidFill>
-                <a:latin typeface="Calibri"/>
-                <a:cs typeface="Calibri"/>
-              </a:rPr>
-              <a:t>1 Day </a:t>
-            </a:r>
-            <a:r>
-              <a:rPr lang="ko-KR" altLang="en-US" kern="0" spc="-50" dirty="0">
-                <a:solidFill>
-                  <a:sysClr val="windowText" lastClr="000000"/>
-                </a:solidFill>
-                <a:latin typeface="Calibri"/>
-                <a:cs typeface="Calibri"/>
-              </a:rPr>
-              <a:t>수집 한다고 가정</a:t>
+              <a:t>] </a:t>
+            </a:r>
+            <a:r>
+              <a:rPr lang="ko-KR" altLang="en-US" dirty="0"/>
+              <a:t>태양광 발전 시스템이 하루만 운영되었으며</a:t>
+            </a:r>
+            <a:r>
+              <a:rPr lang="en-US" altLang="ko-KR" dirty="0"/>
+              <a:t>, </a:t>
+            </a:r>
+            <a:r>
+              <a:rPr lang="ko-KR" altLang="en-US" dirty="0"/>
+              <a:t>일사량 데이터도 하루치만 수집되었음</a:t>
             </a:r>
             <a:endParaRPr lang="en-US" altLang="ko-KR" kern="0" spc="-50" dirty="0">
               <a:solidFill>
@@ -9886,6 +9831,33 @@
               <a:buChar char="§"/>
             </a:pPr>
             <a:r>
+              <a:rPr lang="en-US" altLang="ko-KR" sz="2000" b="1" kern="0" dirty="0">
+                <a:solidFill>
+                  <a:sysClr val="windowText" lastClr="000000"/>
+                </a:solidFill>
+                <a:cs typeface="Malgun Gothic"/>
+              </a:rPr>
+              <a:t>2</a:t>
+            </a:r>
+            <a:r>
+              <a:rPr lang="ko-KR" altLang="en-US" sz="2000" b="1" kern="0" dirty="0">
+                <a:solidFill>
+                  <a:sysClr val="windowText" lastClr="000000"/>
+                </a:solidFill>
+                <a:cs typeface="Malgun Gothic"/>
+              </a:rPr>
+              <a:t>단계</a:t>
+            </a:r>
+            <a:r>
+              <a:rPr lang="en-US" altLang="ko-KR" sz="2000" b="1" kern="0" dirty="0">
+                <a:solidFill>
+                  <a:sysClr val="windowText" lastClr="000000"/>
+                </a:solidFill>
+                <a:cs typeface="Malgun Gothic"/>
+              </a:rPr>
+              <a:t>) </a:t>
+            </a:r>
+            <a:r>
               <a:rPr lang="ko-KR" altLang="en-US" sz="2000" b="1" kern="0" dirty="0">
                 <a:solidFill>
                   <a:sysClr val="windowText" lastClr="000000"/>
@@ -10538,6 +10510,91 @@
               <a:t> 데이터를 사용</a:t>
             </a:r>
             <a:endParaRPr lang="en-US" altLang="ko-KR" kern="0" spc="-50" dirty="0">
+              <a:solidFill>
+                <a:sysClr val="windowText" lastClr="000000"/>
+              </a:solidFill>
+              <a:latin typeface="Calibri"/>
+              <a:cs typeface="Calibri"/>
+            </a:endParaRPr>
+          </a:p>
+        </p:txBody>
+      </p:sp>
+      <p:sp>
+        <p:nvSpPr>
+          <p:cNvPr id="9" name="직사각형 8">
+            <a:extLst>
+              <a:ext uri="{FF2B5EF4-FFF2-40B4-BE49-F238E27FC236}">
+                <a16:creationId xmlns:a16="http://schemas.microsoft.com/office/drawing/2014/main" id="{01F9D0B5-0903-456D-905A-778BBFF7C77A}"/>
+              </a:ext>
+            </a:extLst>
+          </p:cNvPr>
+          <p:cNvSpPr/>
+          <p:nvPr/>
+        </p:nvSpPr>
+        <p:spPr>
+          <a:xfrm>
+            <a:off x="10354048" y="644301"/>
+            <a:ext cx="1430002" cy="276999"/>
+          </a:xfrm>
+          <a:prstGeom prst="rect">
+            <a:avLst/>
+          </a:prstGeom>
+        </p:spPr>
+        <p:txBody>
+          <a:bodyPr wrap="square">
+            <a:spAutoFit/>
+          </a:bodyPr>
+          <a:lstStyle/>
+          <a:p>
+            <a:pPr marL="12700" latinLnBrk="0">
+              <a:spcBef>
+                <a:spcPts val="695"/>
+              </a:spcBef>
+              <a:tabLst>
+                <a:tab pos="240665" algn="l"/>
+              </a:tabLst>
+            </a:pPr>
+            <a:r>
+              <a:rPr lang="en-US" altLang="ko-KR" sz="1200" kern="0" spc="-50" dirty="0">
+                <a:solidFill>
+                  <a:sysClr val="windowText" lastClr="000000"/>
+                </a:solidFill>
+                <a:latin typeface="Calibri"/>
+                <a:cs typeface="Calibri"/>
+              </a:rPr>
+              <a:t>* </a:t>
+            </a:r>
+            <a:r>
+              <a:rPr lang="ko-KR" altLang="en-US" sz="1200" kern="0" spc="-50" dirty="0">
+                <a:solidFill>
+                  <a:sysClr val="windowText" lastClr="000000"/>
+                </a:solidFill>
+                <a:latin typeface="Calibri"/>
+                <a:cs typeface="Calibri"/>
+              </a:rPr>
+              <a:t>수집 단위 </a:t>
+            </a:r>
+            <a:r>
+              <a:rPr lang="en-US" altLang="ko-KR" sz="1200" kern="0" spc="-50" dirty="0">
+                <a:solidFill>
+                  <a:sysClr val="windowText" lastClr="000000"/>
+                </a:solidFill>
+                <a:latin typeface="Calibri"/>
+                <a:cs typeface="Calibri"/>
+              </a:rPr>
+              <a:t>: 1</a:t>
+            </a:r>
+            <a:r>
+              <a:rPr lang="ko-KR" altLang="en-US" sz="1200" kern="0" spc="-50" dirty="0">
+                <a:solidFill>
+                  <a:sysClr val="windowText" lastClr="000000"/>
+                </a:solidFill>
+                <a:latin typeface="Calibri"/>
+                <a:cs typeface="Calibri"/>
+              </a:rPr>
+              <a:t>시간 </a:t>
+            </a:r>
+            <a:endParaRPr lang="en-US" altLang="ko-KR" sz="1200" kern="0" spc="-50" dirty="0">
               <a:solidFill>
                 <a:sysClr val="windowText" lastClr="000000"/>
               </a:solidFill>

--- a/KICS_PT/[KICS] 모델 poster.pptx
+++ b/KICS_PT/[KICS] 모델 poster.pptx
@@ -4985,76 +4985,541 @@
           </a:p>
         </p:txBody>
       </p:sp>
-      <p:sp>
-        <p:nvSpPr>
-          <p:cNvPr id="11" name="object 3">
-            <a:extLst>
-              <a:ext uri="{FF2B5EF4-FFF2-40B4-BE49-F238E27FC236}">
-                <a16:creationId xmlns:a16="http://schemas.microsoft.com/office/drawing/2014/main" id="{04B1BFFB-7036-4650-B5BA-6C2A99C6E376}"/>
-              </a:ext>
-            </a:extLst>
-          </p:cNvPr>
-          <p:cNvSpPr txBox="1"/>
-          <p:nvPr/>
-        </p:nvSpPr>
-        <p:spPr>
-          <a:xfrm>
-            <a:off x="508990" y="1263396"/>
-            <a:ext cx="11275060" cy="425116"/>
-          </a:xfrm>
-          <a:prstGeom prst="rect">
-            <a:avLst/>
-          </a:prstGeom>
-        </p:spPr>
-        <p:txBody>
-          <a:bodyPr vert="horz" wrap="square" lIns="0" tIns="116205" rIns="0" bIns="0" rtlCol="0">
-            <a:spAutoFit/>
-          </a:bodyPr>
-          <a:lstStyle/>
-          <a:p>
-            <a:pPr marL="355600" indent="-342900" latinLnBrk="0">
-              <a:spcBef>
-                <a:spcPts val="915"/>
-              </a:spcBef>
-              <a:buFont typeface="Wingdings" panose="05000000000000000000" pitchFamily="2" charset="2"/>
-              <a:buChar char="§"/>
-            </a:pPr>
-            <a:r>
-              <a:rPr lang="ko-KR" altLang="en-US" sz="2000" b="1" kern="0" dirty="0">
-                <a:solidFill>
-                  <a:sysClr val="windowText" lastClr="000000"/>
-                </a:solidFill>
-                <a:cs typeface="Malgun Gothic"/>
-              </a:rPr>
-              <a:t>예측 정확성 평가 지표 </a:t>
-            </a:r>
-            <a:r>
-              <a:rPr lang="en-US" altLang="ko-KR" sz="2000" b="1" kern="0" dirty="0">
-                <a:solidFill>
-                  <a:sysClr val="windowText" lastClr="000000"/>
-                </a:solidFill>
-                <a:cs typeface="Malgun Gothic"/>
-              </a:rPr>
-              <a:t>: RMSE</a:t>
-            </a:r>
-            <a:r>
-              <a:rPr lang="ko-KR" altLang="en-US" sz="2000" b="1" kern="0" dirty="0" err="1">
-                <a:solidFill>
-                  <a:sysClr val="windowText" lastClr="000000"/>
-                </a:solidFill>
-                <a:cs typeface="Malgun Gothic"/>
-              </a:rPr>
-              <a:t>ㅇㅇ</a:t>
-            </a:r>
-            <a:endParaRPr lang="en-US" altLang="ko-KR" sz="2000" kern="0" dirty="0">
-              <a:solidFill>
-                <a:sysClr val="windowText" lastClr="000000"/>
-              </a:solidFill>
-              <a:cs typeface="Malgun Gothic"/>
-            </a:endParaRPr>
-          </a:p>
-        </p:txBody>
-      </p:sp>
+      <mc:AlternateContent xmlns:mc="http://schemas.openxmlformats.org/markup-compatibility/2006">
+        <mc:Choice xmlns:a14="http://schemas.microsoft.com/office/drawing/2010/main" Requires="a14">
+          <p:sp>
+            <p:nvSpPr>
+              <p:cNvPr id="11" name="object 3">
+                <a:extLst>
+                  <a:ext uri="{FF2B5EF4-FFF2-40B4-BE49-F238E27FC236}">
+                    <a16:creationId xmlns:a16="http://schemas.microsoft.com/office/drawing/2014/main" id="{04B1BFFB-7036-4650-B5BA-6C2A99C6E376}"/>
+                  </a:ext>
+                </a:extLst>
+              </p:cNvPr>
+              <p:cNvSpPr txBox="1"/>
+              <p:nvPr/>
+            </p:nvSpPr>
+            <p:spPr>
+              <a:xfrm>
+                <a:off x="508990" y="1263396"/>
+                <a:ext cx="11275060" cy="848309"/>
+              </a:xfrm>
+              <a:prstGeom prst="rect">
+                <a:avLst/>
+              </a:prstGeom>
+            </p:spPr>
+            <p:txBody>
+              <a:bodyPr vert="horz" wrap="square" lIns="0" tIns="116205" rIns="0" bIns="0" rtlCol="0">
+                <a:spAutoFit/>
+              </a:bodyPr>
+              <a:lstStyle/>
+              <a:p>
+                <a:pPr marL="355600" indent="-342900" latinLnBrk="0">
+                  <a:spcBef>
+                    <a:spcPts val="915"/>
+                  </a:spcBef>
+                  <a:buFont typeface="Wingdings" panose="05000000000000000000" pitchFamily="2" charset="2"/>
+                  <a:buChar char="§"/>
+                </a:pPr>
+                <a:r>
+                  <a:rPr lang="ko-KR" altLang="en-US" sz="2000" kern="0" dirty="0">
+                    <a:solidFill>
+                      <a:sysClr val="windowText" lastClr="000000"/>
+                    </a:solidFill>
+                    <a:cs typeface="Malgun Gothic"/>
+                  </a:rPr>
+                  <a:t>예측 정확성 평가 지표 </a:t>
+                </a:r>
+                <a:r>
+                  <a:rPr lang="en-US" altLang="ko-KR" sz="2000" kern="0" dirty="0">
+                    <a:solidFill>
+                      <a:sysClr val="windowText" lastClr="000000"/>
+                    </a:solidFill>
+                    <a:cs typeface="Malgun Gothic"/>
+                  </a:rPr>
+                  <a:t>: RMSE(Root Mean Square Error)</a:t>
+                </a:r>
+              </a:p>
+              <a:p>
+                <a:pPr marL="812800" lvl="1" indent="-342900" latinLnBrk="0">
+                  <a:spcBef>
+                    <a:spcPts val="915"/>
+                  </a:spcBef>
+                  <a:buFont typeface="Wingdings" panose="05000000000000000000" pitchFamily="2" charset="2"/>
+                  <a:buChar char="§"/>
+                </a:pPr>
+                <a14:m>
+                  <m:oMath xmlns:m="http://schemas.openxmlformats.org/officeDocument/2006/math">
+                    <m:sSub>
+                      <m:sSubPr>
+                        <m:ctrlPr>
+                          <a:rPr lang="en-US" altLang="ko-KR" sz="2000" i="1" kern="0" smtClean="0">
+                            <a:solidFill>
+                              <a:sysClr val="windowText" lastClr="000000"/>
+                            </a:solidFill>
+                            <a:latin typeface="Cambria Math" panose="02040503050406030204" pitchFamily="18" charset="0"/>
+                          </a:rPr>
+                        </m:ctrlPr>
+                      </m:sSubPr>
+                      <m:e>
+                        <m:r>
+                          <a:rPr lang="en-US" altLang="ko-KR" sz="2000" b="0" i="1" kern="0" smtClean="0">
+                            <a:solidFill>
+                              <a:sysClr val="windowText" lastClr="000000"/>
+                            </a:solidFill>
+                            <a:latin typeface="Cambria Math" panose="02040503050406030204" pitchFamily="18" charset="0"/>
+                          </a:rPr>
+                          <m:t>𝑦</m:t>
+                        </m:r>
+                      </m:e>
+                      <m:sub>
+                        <m:r>
+                          <a:rPr lang="en-US" altLang="ko-KR" sz="2000" b="0" i="1" kern="0" smtClean="0">
+                            <a:solidFill>
+                              <a:sysClr val="windowText" lastClr="000000"/>
+                            </a:solidFill>
+                            <a:latin typeface="Cambria Math" panose="02040503050406030204" pitchFamily="18" charset="0"/>
+                          </a:rPr>
+                          <m:t>𝑡</m:t>
+                        </m:r>
+                        <m:r>
+                          <a:rPr lang="en-US" altLang="ko-KR" sz="2000" b="0" i="1" kern="0" smtClean="0">
+                            <a:solidFill>
+                              <a:sysClr val="windowText" lastClr="000000"/>
+                            </a:solidFill>
+                            <a:latin typeface="Cambria Math" panose="02040503050406030204" pitchFamily="18" charset="0"/>
+                          </a:rPr>
+                          <m:t> </m:t>
+                        </m:r>
+                      </m:sub>
+                    </m:sSub>
+                  </m:oMath>
+                </a14:m>
+                <a:r>
+                  <a:rPr lang="en-US" altLang="ko-KR" sz="2000" kern="0" dirty="0">
+                    <a:solidFill>
+                      <a:sysClr val="windowText" lastClr="000000"/>
+                    </a:solidFill>
+                    <a:cs typeface="Malgun Gothic"/>
+                  </a:rPr>
+                  <a:t>: </a:t>
+                </a:r>
+                <a14:m>
+                  <m:oMath xmlns:m="http://schemas.openxmlformats.org/officeDocument/2006/math">
+                    <m:r>
+                      <a:rPr lang="en-US" altLang="ko-KR" sz="2000" i="1" kern="0" dirty="0" smtClean="0">
+                        <a:solidFill>
+                          <a:sysClr val="windowText" lastClr="000000"/>
+                        </a:solidFill>
+                        <a:latin typeface="Cambria Math" panose="02040503050406030204" pitchFamily="18" charset="0"/>
+                        <a:cs typeface="Malgun Gothic"/>
+                      </a:rPr>
+                      <m:t>𝑡</m:t>
+                    </m:r>
+                  </m:oMath>
+                </a14:m>
+                <a:r>
+                  <a:rPr lang="en-US" altLang="ko-KR" sz="2000" kern="0" dirty="0">
+                    <a:solidFill>
+                      <a:sysClr val="windowText" lastClr="000000"/>
+                    </a:solidFill>
+                    <a:cs typeface="Malgun Gothic"/>
+                  </a:rPr>
+                  <a:t> </a:t>
+                </a:r>
+                <a:r>
+                  <a:rPr lang="ko-KR" altLang="en-US" sz="2000" kern="0" dirty="0">
+                    <a:solidFill>
+                      <a:sysClr val="windowText" lastClr="000000"/>
+                    </a:solidFill>
+                    <a:cs typeface="Malgun Gothic"/>
+                  </a:rPr>
+                  <a:t>시점의 실제 일사량</a:t>
+                </a:r>
+                <a:r>
+                  <a:rPr lang="en-US" altLang="ko-KR" sz="2000" kern="0" dirty="0">
+                    <a:solidFill>
+                      <a:sysClr val="windowText" lastClr="000000"/>
+                    </a:solidFill>
+                    <a:cs typeface="Malgun Gothic"/>
+                  </a:rPr>
+                  <a:t>, </a:t>
+                </a:r>
+                <a14:m>
+                  <m:oMath xmlns:m="http://schemas.openxmlformats.org/officeDocument/2006/math">
+                    <m:sSub>
+                      <m:sSubPr>
+                        <m:ctrlPr>
+                          <a:rPr lang="en-US" altLang="ko-KR" sz="2000" i="1" kern="0" smtClean="0">
+                            <a:solidFill>
+                              <a:sysClr val="windowText" lastClr="000000"/>
+                            </a:solidFill>
+                            <a:latin typeface="Cambria Math" panose="02040503050406030204" pitchFamily="18" charset="0"/>
+                          </a:rPr>
+                        </m:ctrlPr>
+                      </m:sSubPr>
+                      <m:e>
+                        <m:r>
+                          <a:rPr lang="en-US" altLang="ko-KR" sz="2000" b="0" i="1" kern="0" smtClean="0">
+                            <a:solidFill>
+                              <a:sysClr val="windowText" lastClr="000000"/>
+                            </a:solidFill>
+                            <a:latin typeface="Cambria Math" panose="02040503050406030204" pitchFamily="18" charset="0"/>
+                          </a:rPr>
+                          <m:t>𝑓</m:t>
+                        </m:r>
+                        <m:r>
+                          <a:rPr lang="en-US" altLang="ko-KR" sz="2000" b="0" i="1" kern="0" smtClean="0">
+                            <a:solidFill>
+                              <a:sysClr val="windowText" lastClr="000000"/>
+                            </a:solidFill>
+                            <a:latin typeface="Cambria Math" panose="02040503050406030204" pitchFamily="18" charset="0"/>
+                          </a:rPr>
+                          <m:t>(</m:t>
+                        </m:r>
+                        <m:r>
+                          <a:rPr lang="en-US" altLang="ko-KR" sz="2000" b="0" i="1" kern="0" smtClean="0">
+                            <a:solidFill>
+                              <a:sysClr val="windowText" lastClr="000000"/>
+                            </a:solidFill>
+                            <a:latin typeface="Cambria Math" panose="02040503050406030204" pitchFamily="18" charset="0"/>
+                          </a:rPr>
+                          <m:t>𝑥</m:t>
+                        </m:r>
+                        <m:r>
+                          <a:rPr lang="en-US" altLang="ko-KR" sz="2000" b="0" i="1" kern="0" smtClean="0">
+                            <a:solidFill>
+                              <a:sysClr val="windowText" lastClr="000000"/>
+                            </a:solidFill>
+                            <a:latin typeface="Cambria Math" panose="02040503050406030204" pitchFamily="18" charset="0"/>
+                          </a:rPr>
+                          <m:t>)</m:t>
+                        </m:r>
+                      </m:e>
+                      <m:sub>
+                        <m:r>
+                          <a:rPr lang="en-US" altLang="ko-KR" sz="2000" b="0" i="1" kern="0" smtClean="0">
+                            <a:solidFill>
+                              <a:sysClr val="windowText" lastClr="000000"/>
+                            </a:solidFill>
+                            <a:latin typeface="Cambria Math" panose="02040503050406030204" pitchFamily="18" charset="0"/>
+                          </a:rPr>
+                          <m:t>𝑡</m:t>
+                        </m:r>
+                      </m:sub>
+                    </m:sSub>
+                    <m:r>
+                      <a:rPr lang="en-US" altLang="ko-KR" sz="2000" b="0" i="1" kern="0" smtClean="0">
+                        <a:solidFill>
+                          <a:sysClr val="windowText" lastClr="000000"/>
+                        </a:solidFill>
+                        <a:latin typeface="Cambria Math" panose="02040503050406030204" pitchFamily="18" charset="0"/>
+                      </a:rPr>
+                      <m:t> :</m:t>
+                    </m:r>
+                    <m:r>
+                      <a:rPr lang="en-US" altLang="ko-KR" sz="2000" b="0" i="0" kern="0" smtClean="0">
+                        <a:solidFill>
+                          <a:sysClr val="windowText" lastClr="000000"/>
+                        </a:solidFill>
+                        <a:latin typeface="Cambria Math" panose="02040503050406030204" pitchFamily="18" charset="0"/>
+                      </a:rPr>
+                      <m:t> </m:t>
+                    </m:r>
+                    <m:r>
+                      <a:rPr lang="en-US" altLang="ko-KR" sz="2000" i="1" kern="0" dirty="0" smtClean="0">
+                        <a:solidFill>
+                          <a:sysClr val="windowText" lastClr="000000"/>
+                        </a:solidFill>
+                        <a:latin typeface="Cambria Math" panose="02040503050406030204" pitchFamily="18" charset="0"/>
+                        <a:cs typeface="Malgun Gothic"/>
+                      </a:rPr>
+                      <m:t>𝑡</m:t>
+                    </m:r>
+                  </m:oMath>
+                </a14:m>
+                <a:r>
+                  <a:rPr lang="en-US" altLang="ko-KR" sz="2000" kern="0" dirty="0">
+                    <a:solidFill>
+                      <a:sysClr val="windowText" lastClr="000000"/>
+                    </a:solidFill>
+                    <a:cs typeface="Malgun Gothic"/>
+                  </a:rPr>
+                  <a:t> </a:t>
+                </a:r>
+                <a:r>
+                  <a:rPr lang="ko-KR" altLang="en-US" sz="2000" kern="0" dirty="0">
+                    <a:solidFill>
+                      <a:sysClr val="windowText" lastClr="000000"/>
+                    </a:solidFill>
+                    <a:cs typeface="Malgun Gothic"/>
+                  </a:rPr>
+                  <a:t>시점의 </a:t>
+                </a:r>
+                <a:r>
+                  <a:rPr lang="ko-KR" altLang="en-US" sz="2000" kern="0" dirty="0" err="1">
+                    <a:solidFill>
+                      <a:sysClr val="windowText" lastClr="000000"/>
+                    </a:solidFill>
+                    <a:cs typeface="Malgun Gothic"/>
+                  </a:rPr>
+                  <a:t>예측값</a:t>
+                </a:r>
+                <a:endParaRPr lang="en-US" altLang="ko-KR" sz="2000" kern="0" dirty="0">
+                  <a:solidFill>
+                    <a:sysClr val="windowText" lastClr="000000"/>
+                  </a:solidFill>
+                  <a:cs typeface="Malgun Gothic"/>
+                </a:endParaRPr>
+              </a:p>
+            </p:txBody>
+          </p:sp>
+        </mc:Choice>
+        <mc:Fallback>
+          <p:sp>
+            <p:nvSpPr>
+              <p:cNvPr id="11" name="object 3">
+                <a:extLst>
+                  <a:ext uri="{FF2B5EF4-FFF2-40B4-BE49-F238E27FC236}">
+                    <a16:creationId xmlns:a16="http://schemas.microsoft.com/office/drawing/2014/main" id="{04B1BFFB-7036-4650-B5BA-6C2A99C6E376}"/>
+                  </a:ext>
+                </a:extLst>
+              </p:cNvPr>
+              <p:cNvSpPr txBox="1">
+                <a:spLocks noRot="1" noChangeAspect="1" noMove="1" noResize="1" noEditPoints="1" noAdjustHandles="1" noChangeArrowheads="1" noChangeShapeType="1" noTextEdit="1"/>
+              </p:cNvSpPr>
+              <p:nvPr/>
+            </p:nvSpPr>
+            <p:spPr>
+              <a:xfrm>
+                <a:off x="508990" y="1263396"/>
+                <a:ext cx="11275060" cy="848309"/>
+              </a:xfrm>
+              <a:prstGeom prst="rect">
+                <a:avLst/>
+              </a:prstGeom>
+              <a:blipFill>
+                <a:blip r:embed="rId4"/>
+                <a:stretch>
+                  <a:fillRect l="-1189" b="-17986"/>
+                </a:stretch>
+              </a:blipFill>
+            </p:spPr>
+            <p:txBody>
+              <a:bodyPr/>
+              <a:lstStyle/>
+              <a:p>
+                <a:r>
+                  <a:rPr lang="ko-KR" altLang="en-US">
+                    <a:noFill/>
+                  </a:rPr>
+                  <a:t> </a:t>
+                </a:r>
+              </a:p>
+            </p:txBody>
+          </p:sp>
+        </mc:Fallback>
+      </mc:AlternateContent>
+      <mc:AlternateContent xmlns:mc="http://schemas.openxmlformats.org/markup-compatibility/2006">
+        <mc:Choice xmlns:a14="http://schemas.microsoft.com/office/drawing/2010/main" Requires="a14">
+          <p:sp>
+            <p:nvSpPr>
+              <p:cNvPr id="8" name="object 3">
+                <a:extLst>
+                  <a:ext uri="{FF2B5EF4-FFF2-40B4-BE49-F238E27FC236}">
+                    <a16:creationId xmlns:a16="http://schemas.microsoft.com/office/drawing/2014/main" id="{1605B09A-1A65-42D8-BD43-DFC96EF1C727}"/>
+                  </a:ext>
+                </a:extLst>
+              </p:cNvPr>
+              <p:cNvSpPr txBox="1"/>
+              <p:nvPr/>
+            </p:nvSpPr>
+            <p:spPr>
+              <a:xfrm>
+                <a:off x="430250" y="3897987"/>
+                <a:ext cx="11275060" cy="855427"/>
+              </a:xfrm>
+              <a:prstGeom prst="rect">
+                <a:avLst/>
+              </a:prstGeom>
+            </p:spPr>
+            <p:txBody>
+              <a:bodyPr vert="horz" wrap="square" lIns="0" tIns="116205" rIns="0" bIns="0" rtlCol="0">
+                <a:spAutoFit/>
+              </a:bodyPr>
+              <a:lstStyle/>
+              <a:p>
+                <a:pPr marL="355600" indent="-342900" latinLnBrk="0">
+                  <a:spcBef>
+                    <a:spcPts val="915"/>
+                  </a:spcBef>
+                  <a:buFont typeface="Wingdings" panose="05000000000000000000" pitchFamily="2" charset="2"/>
+                  <a:buChar char="§"/>
+                </a:pPr>
+                <a:r>
+                  <a:rPr lang="ko-KR" altLang="en-US" sz="2000" kern="0" dirty="0">
+                    <a:solidFill>
+                      <a:sysClr val="windowText" lastClr="000000"/>
+                    </a:solidFill>
+                    <a:cs typeface="Malgun Gothic"/>
+                  </a:rPr>
+                  <a:t>기상청에서 제공하는 종관기상관측 데이터</a:t>
+                </a:r>
+                <a14:m>
+                  <m:oMath xmlns:m="http://schemas.openxmlformats.org/officeDocument/2006/math">
+                    <m:r>
+                      <a:rPr lang="ko-KR" altLang="en-US" sz="2000" i="1" kern="0" dirty="0">
+                        <a:solidFill>
+                          <a:sysClr val="windowText" lastClr="000000"/>
+                        </a:solidFill>
+                        <a:latin typeface="Cambria Math" panose="02040503050406030204" pitchFamily="18" charset="0"/>
+                      </a:rPr>
+                      <m:t>를</m:t>
+                    </m:r>
+                    <m:r>
+                      <a:rPr lang="en-US" altLang="ko-KR" sz="2000" b="0" i="1" kern="0" dirty="0" smtClean="0">
+                        <a:solidFill>
+                          <a:sysClr val="windowText" lastClr="000000"/>
+                        </a:solidFill>
+                        <a:latin typeface="Cambria Math" panose="02040503050406030204" pitchFamily="18" charset="0"/>
+                      </a:rPr>
+                      <m:t> </m:t>
+                    </m:r>
+                    <m:r>
+                      <a:rPr lang="ko-KR" altLang="en-US" sz="2000" i="1" kern="0" dirty="0">
+                        <a:solidFill>
+                          <a:sysClr val="windowText" lastClr="000000"/>
+                        </a:solidFill>
+                        <a:latin typeface="Cambria Math" panose="02040503050406030204" pitchFamily="18" charset="0"/>
+                      </a:rPr>
+                      <m:t>사</m:t>
+                    </m:r>
+                    <m:r>
+                      <a:rPr lang="ko-KR" altLang="en-US" sz="2000" i="1" kern="0" dirty="0" smtClean="0">
+                        <a:solidFill>
+                          <a:sysClr val="windowText" lastClr="000000"/>
+                        </a:solidFill>
+                        <a:latin typeface="Cambria Math" panose="02040503050406030204" pitchFamily="18" charset="0"/>
+                      </a:rPr>
+                      <m:t>용</m:t>
+                    </m:r>
+                    <m:r>
+                      <a:rPr lang="ko-KR" altLang="en-US" sz="2000" i="1" kern="0" dirty="0">
+                        <a:solidFill>
+                          <a:sysClr val="windowText" lastClr="000000"/>
+                        </a:solidFill>
+                        <a:latin typeface="Cambria Math" panose="02040503050406030204" pitchFamily="18" charset="0"/>
+                      </a:rPr>
+                      <m:t>함</m:t>
+                    </m:r>
+                  </m:oMath>
+                </a14:m>
+                <a:endParaRPr lang="en-US" altLang="ko-KR" sz="2000" i="1" kern="0" dirty="0">
+                  <a:solidFill>
+                    <a:sysClr val="windowText" lastClr="000000"/>
+                  </a:solidFill>
+                  <a:latin typeface="Cambria Math" panose="02040503050406030204" pitchFamily="18" charset="0"/>
+                </a:endParaRPr>
+              </a:p>
+              <a:p>
+                <a:pPr marL="812800" lvl="1" indent="-342900" latinLnBrk="0">
+                  <a:spcBef>
+                    <a:spcPts val="915"/>
+                  </a:spcBef>
+                  <a:buFont typeface="Wingdings" panose="05000000000000000000" pitchFamily="2" charset="2"/>
+                  <a:buChar char="§"/>
+                </a:pPr>
+                <a:r>
+                  <a:rPr lang="en-US" altLang="ko-KR" sz="2000" kern="0" dirty="0">
+                    <a:solidFill>
+                      <a:sysClr val="windowText" lastClr="000000"/>
+                    </a:solidFill>
+                    <a:cs typeface="Malgun Gothic"/>
+                  </a:rPr>
+                  <a:t>Training Set</a:t>
+                </a:r>
+                <a:r>
+                  <a:rPr lang="ko-KR" altLang="en-US" sz="2000" kern="0" dirty="0">
+                    <a:solidFill>
+                      <a:sysClr val="windowText" lastClr="000000"/>
+                    </a:solidFill>
+                    <a:cs typeface="Malgun Gothic"/>
+                  </a:rPr>
+                  <a:t>과 </a:t>
+                </a:r>
+                <a:r>
+                  <a:rPr lang="en-US" altLang="ko-KR" sz="2000" kern="0" dirty="0">
+                    <a:solidFill>
+                      <a:sysClr val="windowText" lastClr="000000"/>
+                    </a:solidFill>
+                    <a:cs typeface="Malgun Gothic"/>
+                  </a:rPr>
+                  <a:t>Test Set </a:t>
+                </a:r>
+                <a:r>
+                  <a:rPr lang="ko-KR" altLang="en-US" sz="2000" kern="0" dirty="0">
+                    <a:solidFill>
+                      <a:sysClr val="windowText" lastClr="000000"/>
+                    </a:solidFill>
+                    <a:cs typeface="Malgun Gothic"/>
+                  </a:rPr>
+                  <a:t>약 </a:t>
+                </a:r>
+                <a:endParaRPr lang="en-US" altLang="ko-KR" sz="2000" kern="0" dirty="0">
+                  <a:solidFill>
+                    <a:sysClr val="windowText" lastClr="000000"/>
+                  </a:solidFill>
+                  <a:cs typeface="Malgun Gothic"/>
+                </a:endParaRPr>
+              </a:p>
+            </p:txBody>
+          </p:sp>
+        </mc:Choice>
+        <mc:Fallback>
+          <p:sp>
+            <p:nvSpPr>
+              <p:cNvPr id="8" name="object 3">
+                <a:extLst>
+                  <a:ext uri="{FF2B5EF4-FFF2-40B4-BE49-F238E27FC236}">
+                    <a16:creationId xmlns:a16="http://schemas.microsoft.com/office/drawing/2014/main" id="{1605B09A-1A65-42D8-BD43-DFC96EF1C727}"/>
+                  </a:ext>
+                </a:extLst>
+              </p:cNvPr>
+              <p:cNvSpPr txBox="1">
+                <a:spLocks noRot="1" noChangeAspect="1" noMove="1" noResize="1" noEditPoints="1" noAdjustHandles="1" noChangeArrowheads="1" noChangeShapeType="1" noTextEdit="1"/>
+              </p:cNvSpPr>
+              <p:nvPr/>
+            </p:nvSpPr>
+            <p:spPr>
+              <a:xfrm>
+                <a:off x="430250" y="3897987"/>
+                <a:ext cx="11275060" cy="855427"/>
+              </a:xfrm>
+              <a:prstGeom prst="rect">
+                <a:avLst/>
+              </a:prstGeom>
+              <a:blipFill>
+                <a:blip r:embed="rId5"/>
+                <a:stretch>
+                  <a:fillRect l="-1190" b="-17021"/>
+                </a:stretch>
+              </a:blipFill>
+            </p:spPr>
+            <p:txBody>
+              <a:bodyPr/>
+              <a:lstStyle/>
+              <a:p>
+                <a:r>
+                  <a:rPr lang="ko-KR" altLang="en-US">
+                    <a:noFill/>
+                  </a:rPr>
+                  <a:t> </a:t>
+                </a:r>
+              </a:p>
+            </p:txBody>
+          </p:sp>
+        </mc:Fallback>
+      </mc:AlternateContent>
     </p:spTree>
     <p:extLst>
       <p:ext uri="{BB962C8B-B14F-4D97-AF65-F5344CB8AC3E}">

--- a/KICS_PT/[KICS] 모델 poster.pptx
+++ b/KICS_PT/[KICS] 모델 poster.pptx
@@ -3404,12 +3404,20 @@
               </a:rPr>
             </a:br>
             <a:r>
+              <a:rPr lang="ko-KR" altLang="en-US" sz="3600" b="1">
+                <a:solidFill>
+                  <a:srgbClr val="002060"/>
+                </a:solidFill>
+              </a:rPr>
+              <a:t>일사량 예측 </a:t>
+            </a:r>
+            <a:r>
               <a:rPr lang="ko-KR" altLang="en-US" sz="3600" b="1" dirty="0">
                 <a:solidFill>
                   <a:srgbClr val="002060"/>
                 </a:solidFill>
               </a:rPr>
-              <a:t>일사량 예측 기법</a:t>
+              <a:t>기법</a:t>
             </a:r>
             <a:br>
               <a:rPr lang="en-US" altLang="ko-KR" sz="3700" b="1" dirty="0"/>
@@ -4985,8 +4993,8 @@
           </a:p>
         </p:txBody>
       </p:sp>
-      <mc:AlternateContent xmlns:mc="http://schemas.openxmlformats.org/markup-compatibility/2006">
-        <mc:Choice xmlns:a14="http://schemas.microsoft.com/office/drawing/2010/main" Requires="a14">
+      <mc:AlternateContent xmlns:mc="http://schemas.openxmlformats.org/markup-compatibility/2006" xmlns:a14="http://schemas.microsoft.com/office/drawing/2010/main">
+        <mc:Choice Requires="a14">
           <p:sp>
             <p:nvSpPr>
               <p:cNvPr id="11" name="object 3">
@@ -5275,7 +5283,7 @@
             </p:txBody>
           </p:sp>
         </mc:Choice>
-        <mc:Fallback>
+        <mc:Fallback xmlns="">
           <p:sp>
             <p:nvSpPr>
               <p:cNvPr id="11" name="object 3">
@@ -5320,8 +5328,8 @@
           </p:sp>
         </mc:Fallback>
       </mc:AlternateContent>
-      <mc:AlternateContent xmlns:mc="http://schemas.openxmlformats.org/markup-compatibility/2006">
-        <mc:Choice xmlns:a14="http://schemas.microsoft.com/office/drawing/2010/main" Requires="a14">
+      <mc:AlternateContent xmlns:mc="http://schemas.openxmlformats.org/markup-compatibility/2006" xmlns:a14="http://schemas.microsoft.com/office/drawing/2010/main">
+        <mc:Choice Requires="a14">
           <p:sp>
             <p:nvSpPr>
               <p:cNvPr id="8" name="object 3">
@@ -5475,7 +5483,7 @@
             </p:txBody>
           </p:sp>
         </mc:Choice>
-        <mc:Fallback>
+        <mc:Fallback xmlns="">
           <p:sp>
             <p:nvSpPr>
               <p:cNvPr id="8" name="object 3">

--- a/KICS_PT/[KICS] 모델 poster.pptx
+++ b/KICS_PT/[KICS] 모델 poster.pptx
@@ -8,17 +8,18 @@
     <p:sldId id="256" r:id="rId2"/>
     <p:sldId id="257" r:id="rId3"/>
     <p:sldId id="263" r:id="rId4"/>
-    <p:sldId id="266" r:id="rId5"/>
-    <p:sldId id="271" r:id="rId6"/>
-    <p:sldId id="267" r:id="rId7"/>
-    <p:sldId id="269" r:id="rId8"/>
-    <p:sldId id="270" r:id="rId9"/>
-    <p:sldId id="277" r:id="rId10"/>
-    <p:sldId id="272" r:id="rId11"/>
-    <p:sldId id="278" r:id="rId12"/>
+    <p:sldId id="282" r:id="rId5"/>
+    <p:sldId id="266" r:id="rId6"/>
+    <p:sldId id="271" r:id="rId7"/>
+    <p:sldId id="267" r:id="rId8"/>
+    <p:sldId id="269" r:id="rId9"/>
+    <p:sldId id="270" r:id="rId10"/>
+    <p:sldId id="277" r:id="rId11"/>
+    <p:sldId id="272" r:id="rId12"/>
     <p:sldId id="279" r:id="rId13"/>
-    <p:sldId id="280" r:id="rId14"/>
-    <p:sldId id="281" r:id="rId15"/>
+    <p:sldId id="278" r:id="rId14"/>
+    <p:sldId id="280" r:id="rId15"/>
+    <p:sldId id="281" r:id="rId16"/>
   </p:sldIdLst>
   <p:sldSz cx="12192000" cy="6858000"/>
   <p:notesSz cx="6858000" cy="9144000"/>
@@ -3404,20 +3405,12 @@
               </a:rPr>
             </a:br>
             <a:r>
-              <a:rPr lang="ko-KR" altLang="en-US" sz="3600" b="1">
+              <a:rPr lang="ko-KR" altLang="en-US" sz="3600" b="1" dirty="0">
                 <a:solidFill>
                   <a:srgbClr val="002060"/>
                 </a:solidFill>
               </a:rPr>
-              <a:t>일사량 예측 </a:t>
-            </a:r>
-            <a:r>
-              <a:rPr lang="ko-KR" altLang="en-US" sz="3600" b="1" dirty="0">
-                <a:solidFill>
-                  <a:srgbClr val="002060"/>
-                </a:solidFill>
-              </a:rPr>
-              <a:t>기법</a:t>
+              <a:t>일사량 예측 기법</a:t>
             </a:r>
             <a:br>
               <a:rPr lang="en-US" altLang="ko-KR" sz="3700" b="1" dirty="0"/>
@@ -3430,14 +3423,14 @@
               <a:rPr lang="en-US" altLang="ko-KR" sz="4000" b="1" dirty="0"/>
             </a:br>
             <a:r>
-              <a:rPr lang="en-US" altLang="ko-KR" sz="1800" dirty="0"/>
+              <a:rPr lang="en-US" altLang="ko-KR" sz="1800" b="1" dirty="0"/>
               <a:t>A Solar Irradiance Forecasting Method Using</a:t>
             </a:r>
             <a:br>
-              <a:rPr lang="en-US" altLang="ko-KR" sz="1800" dirty="0"/>
+              <a:rPr lang="en-US" altLang="ko-KR" sz="1800" b="1" dirty="0"/>
             </a:br>
             <a:r>
-              <a:rPr lang="en-US" altLang="ko-KR" sz="1800" dirty="0"/>
+              <a:rPr lang="en-US" altLang="ko-KR" sz="1800" b="1" dirty="0"/>
               <a:t>Transfer Learning-Based Random Forests</a:t>
             </a:r>
             <a:br>
@@ -3457,77 +3450,6 @@
           </a:p>
         </p:txBody>
       </p:sp>
-      <p:pic>
-        <p:nvPicPr>
-          <p:cNvPr id="5" name="그림 4">
-            <a:extLst>
-              <a:ext uri="{FF2B5EF4-FFF2-40B4-BE49-F238E27FC236}">
-                <a16:creationId xmlns:a16="http://schemas.microsoft.com/office/drawing/2014/main" id="{535023B2-3FDC-44DE-A33A-F3521C218F14}"/>
-              </a:ext>
-            </a:extLst>
-          </p:cNvPr>
-          <p:cNvPicPr>
-            <a:picLocks noChangeAspect="1"/>
-          </p:cNvPicPr>
-          <p:nvPr/>
-        </p:nvPicPr>
-        <p:blipFill rotWithShape="1">
-          <a:blip r:embed="rId2">
-            <a:extLst>
-              <a:ext uri="{28A0092B-C50C-407E-A947-70E740481C1C}">
-                <a14:useLocalDpi xmlns:a14="http://schemas.microsoft.com/office/drawing/2010/main" val="0"/>
-              </a:ext>
-            </a:extLst>
-          </a:blip>
-          <a:srcRect l="74535" t="3851" r="5686" b="50143"/>
-          <a:stretch/>
-        </p:blipFill>
-        <p:spPr>
-          <a:xfrm>
-            <a:off x="8473734" y="6091284"/>
-            <a:ext cx="1353669" cy="585664"/>
-          </a:xfrm>
-          <a:prstGeom prst="rect">
-            <a:avLst/>
-          </a:prstGeom>
-        </p:spPr>
-      </p:pic>
-      <p:pic>
-        <p:nvPicPr>
-          <p:cNvPr id="7" name="그림 6">
-            <a:extLst>
-              <a:ext uri="{FF2B5EF4-FFF2-40B4-BE49-F238E27FC236}">
-                <a16:creationId xmlns:a16="http://schemas.microsoft.com/office/drawing/2014/main" id="{80E354B1-5E87-4ADB-8B04-66BB9EEC2D0F}"/>
-              </a:ext>
-            </a:extLst>
-          </p:cNvPr>
-          <p:cNvPicPr>
-            <a:picLocks noChangeAspect="1"/>
-          </p:cNvPicPr>
-          <p:nvPr/>
-        </p:nvPicPr>
-        <p:blipFill>
-          <a:blip r:embed="rId3" cstate="hqprint">
-            <a:extLst>
-              <a:ext uri="{28A0092B-C50C-407E-A947-70E740481C1C}">
-                <a14:useLocalDpi xmlns:a14="http://schemas.microsoft.com/office/drawing/2010/main" val="0"/>
-              </a:ext>
-            </a:extLst>
-          </a:blip>
-          <a:stretch>
-            <a:fillRect/>
-          </a:stretch>
-        </p:blipFill>
-        <p:spPr>
-          <a:xfrm>
-            <a:off x="9827403" y="6172124"/>
-            <a:ext cx="2199971" cy="423985"/>
-          </a:xfrm>
-          <a:prstGeom prst="rect">
-            <a:avLst/>
-          </a:prstGeom>
-        </p:spPr>
-      </p:pic>
       <p:sp>
         <p:nvSpPr>
           <p:cNvPr id="9" name="TextBox 8">
@@ -3737,6 +3659,98 @@
           </a:p>
         </p:txBody>
       </p:sp>
+      <p:grpSp>
+        <p:nvGrpSpPr>
+          <p:cNvPr id="6" name="그룹 5">
+            <a:extLst>
+              <a:ext uri="{FF2B5EF4-FFF2-40B4-BE49-F238E27FC236}">
+                <a16:creationId xmlns:a16="http://schemas.microsoft.com/office/drawing/2014/main" id="{41FB9A6A-537F-4C85-8D4B-D783C888B4FD}"/>
+              </a:ext>
+            </a:extLst>
+          </p:cNvPr>
+          <p:cNvGrpSpPr/>
+          <p:nvPr/>
+        </p:nvGrpSpPr>
+        <p:grpSpPr>
+          <a:xfrm>
+            <a:off x="9250532" y="6219306"/>
+            <a:ext cx="2776842" cy="457642"/>
+            <a:chOff x="8473734" y="6091284"/>
+            <a:chExt cx="3553640" cy="585664"/>
+          </a:xfrm>
+        </p:grpSpPr>
+        <p:pic>
+          <p:nvPicPr>
+            <p:cNvPr id="8" name="그림 7">
+              <a:extLst>
+                <a:ext uri="{FF2B5EF4-FFF2-40B4-BE49-F238E27FC236}">
+                  <a16:creationId xmlns:a16="http://schemas.microsoft.com/office/drawing/2014/main" id="{3176B1B9-91BA-4755-B56C-BC69CAD0EC0A}"/>
+                </a:ext>
+              </a:extLst>
+            </p:cNvPr>
+            <p:cNvPicPr>
+              <a:picLocks noChangeAspect="1"/>
+            </p:cNvPicPr>
+            <p:nvPr/>
+          </p:nvPicPr>
+          <p:blipFill rotWithShape="1">
+            <a:blip r:embed="rId2">
+              <a:extLst>
+                <a:ext uri="{28A0092B-C50C-407E-A947-70E740481C1C}">
+                  <a14:useLocalDpi xmlns:a14="http://schemas.microsoft.com/office/drawing/2010/main" val="0"/>
+                </a:ext>
+              </a:extLst>
+            </a:blip>
+            <a:srcRect l="74535" t="3851" r="5686" b="50143"/>
+            <a:stretch/>
+          </p:blipFill>
+          <p:spPr>
+            <a:xfrm>
+              <a:off x="8473734" y="6091284"/>
+              <a:ext cx="1353669" cy="585664"/>
+            </a:xfrm>
+            <a:prstGeom prst="rect">
+              <a:avLst/>
+            </a:prstGeom>
+          </p:spPr>
+        </p:pic>
+        <p:pic>
+          <p:nvPicPr>
+            <p:cNvPr id="10" name="그림 9">
+              <a:extLst>
+                <a:ext uri="{FF2B5EF4-FFF2-40B4-BE49-F238E27FC236}">
+                  <a16:creationId xmlns:a16="http://schemas.microsoft.com/office/drawing/2014/main" id="{1B7D3B8E-D8FD-458E-8DBA-B894C879C5E8}"/>
+                </a:ext>
+              </a:extLst>
+            </p:cNvPr>
+            <p:cNvPicPr>
+              <a:picLocks noChangeAspect="1"/>
+            </p:cNvPicPr>
+            <p:nvPr/>
+          </p:nvPicPr>
+          <p:blipFill>
+            <a:blip r:embed="rId3" cstate="hqprint">
+              <a:extLst>
+                <a:ext uri="{28A0092B-C50C-407E-A947-70E740481C1C}">
+                  <a14:useLocalDpi xmlns:a14="http://schemas.microsoft.com/office/drawing/2010/main" val="0"/>
+                </a:ext>
+              </a:extLst>
+            </a:blip>
+            <a:stretch>
+              <a:fillRect/>
+            </a:stretch>
+          </p:blipFill>
+          <p:spPr>
+            <a:xfrm>
+              <a:off x="9827403" y="6172124"/>
+              <a:ext cx="2199971" cy="423985"/>
+            </a:xfrm>
+            <a:prstGeom prst="rect">
+              <a:avLst/>
+            </a:prstGeom>
+          </p:spPr>
+        </p:pic>
+      </p:grpSp>
     </p:spTree>
     <p:extLst>
       <p:ext uri="{BB962C8B-B14F-4D97-AF65-F5344CB8AC3E}">
@@ -3769,69 +3783,21 @@
       </p:grpSpPr>
       <p:pic>
         <p:nvPicPr>
-          <p:cNvPr id="20" name="그림 19">
-            <a:extLst>
-              <a:ext uri="{FF2B5EF4-FFF2-40B4-BE49-F238E27FC236}">
-                <a16:creationId xmlns:a16="http://schemas.microsoft.com/office/drawing/2014/main" id="{A87EDB79-AE8E-46E3-B956-281C41A7ED3A}"/>
-              </a:ext>
-            </a:extLst>
-          </p:cNvPr>
+          <p:cNvPr id="2" name="그림 1"/>
           <p:cNvPicPr>
             <a:picLocks noChangeAspect="1"/>
           </p:cNvPicPr>
           <p:nvPr/>
         </p:nvPicPr>
         <p:blipFill rotWithShape="1">
-          <a:blip r:embed="rId2">
-            <a:extLst>
-              <a:ext uri="{28A0092B-C50C-407E-A947-70E740481C1C}">
-                <a14:useLocalDpi xmlns:a14="http://schemas.microsoft.com/office/drawing/2010/main" val="0"/>
-              </a:ext>
-            </a:extLst>
-          </a:blip>
-          <a:srcRect l="74535" t="3851" r="5686" b="50143"/>
+          <a:blip r:embed="rId2"/>
+          <a:srcRect b="12612"/>
           <a:stretch/>
         </p:blipFill>
         <p:spPr>
           <a:xfrm>
-            <a:off x="8473734" y="6091284"/>
-            <a:ext cx="1353669" cy="585664"/>
-          </a:xfrm>
-          <a:prstGeom prst="rect">
-            <a:avLst/>
-          </a:prstGeom>
-        </p:spPr>
-      </p:pic>
-      <p:pic>
-        <p:nvPicPr>
-          <p:cNvPr id="21" name="그림 20">
-            <a:extLst>
-              <a:ext uri="{FF2B5EF4-FFF2-40B4-BE49-F238E27FC236}">
-                <a16:creationId xmlns:a16="http://schemas.microsoft.com/office/drawing/2014/main" id="{25EA5F27-CB8A-4DD7-A41E-73A6B46FF164}"/>
-              </a:ext>
-            </a:extLst>
-          </p:cNvPr>
-          <p:cNvPicPr>
-            <a:picLocks noChangeAspect="1"/>
-          </p:cNvPicPr>
-          <p:nvPr/>
-        </p:nvPicPr>
-        <p:blipFill>
-          <a:blip r:embed="rId3" cstate="hqprint">
-            <a:extLst>
-              <a:ext uri="{28A0092B-C50C-407E-A947-70E740481C1C}">
-                <a14:useLocalDpi xmlns:a14="http://schemas.microsoft.com/office/drawing/2010/main" val="0"/>
-              </a:ext>
-            </a:extLst>
-          </a:blip>
-          <a:stretch>
-            <a:fillRect/>
-          </a:stretch>
-        </p:blipFill>
-        <p:spPr>
-          <a:xfrm>
-            <a:off x="9827403" y="6172124"/>
-            <a:ext cx="2199971" cy="423985"/>
+            <a:off x="3105047" y="2586938"/>
+            <a:ext cx="6066529" cy="3504346"/>
           </a:xfrm>
           <a:prstGeom prst="rect">
             <a:avLst/>
@@ -3840,10 +3806,10 @@
       </p:pic>
       <p:sp>
         <p:nvSpPr>
-          <p:cNvPr id="9" name="object 2">
-            <a:extLst>
-              <a:ext uri="{FF2B5EF4-FFF2-40B4-BE49-F238E27FC236}">
-                <a16:creationId xmlns:a16="http://schemas.microsoft.com/office/drawing/2014/main" id="{6D7BD600-30F6-4170-B80C-852A785CE1AD}"/>
+          <p:cNvPr id="15" name="object 2">
+            <a:extLst>
+              <a:ext uri="{FF2B5EF4-FFF2-40B4-BE49-F238E27FC236}">
+                <a16:creationId xmlns:a16="http://schemas.microsoft.com/office/drawing/2014/main" id="{63B42C9C-96BB-4869-81D8-DBA87F4A50BB}"/>
               </a:ext>
             </a:extLst>
           </p:cNvPr>
@@ -3933,10 +3899,89 @@
       </p:sp>
       <p:sp>
         <p:nvSpPr>
-          <p:cNvPr id="10" name="object 6">
-            <a:extLst>
-              <a:ext uri="{FF2B5EF4-FFF2-40B4-BE49-F238E27FC236}">
-                <a16:creationId xmlns:a16="http://schemas.microsoft.com/office/drawing/2014/main" id="{8B966E05-EAAB-445B-8CC8-46645EBDF559}"/>
+          <p:cNvPr id="16" name="object 3">
+            <a:extLst>
+              <a:ext uri="{FF2B5EF4-FFF2-40B4-BE49-F238E27FC236}">
+                <a16:creationId xmlns:a16="http://schemas.microsoft.com/office/drawing/2014/main" id="{A8C33617-DDF9-46C2-AA54-1B67BF5470A7}"/>
+              </a:ext>
+            </a:extLst>
+          </p:cNvPr>
+          <p:cNvSpPr txBox="1"/>
+          <p:nvPr/>
+        </p:nvSpPr>
+        <p:spPr>
+          <a:xfrm>
+            <a:off x="508990" y="1263396"/>
+            <a:ext cx="11014075" cy="425116"/>
+          </a:xfrm>
+          <a:prstGeom prst="rect">
+            <a:avLst/>
+          </a:prstGeom>
+        </p:spPr>
+        <p:txBody>
+          <a:bodyPr vert="horz" wrap="square" lIns="0" tIns="116205" rIns="0" bIns="0" rtlCol="0">
+            <a:spAutoFit/>
+          </a:bodyPr>
+          <a:lstStyle/>
+          <a:p>
+            <a:pPr marL="355600" indent="-342900" latinLnBrk="0">
+              <a:spcBef>
+                <a:spcPts val="915"/>
+              </a:spcBef>
+              <a:buFont typeface="Wingdings" panose="05000000000000000000" pitchFamily="2" charset="2"/>
+              <a:buChar char="§"/>
+            </a:pPr>
+            <a:r>
+              <a:rPr lang="en-US" altLang="ko-KR" sz="2000" b="1" kern="0" dirty="0">
+                <a:solidFill>
+                  <a:sysClr val="windowText" lastClr="000000"/>
+                </a:solidFill>
+                <a:cs typeface="Malgun Gothic"/>
+              </a:rPr>
+              <a:t>2</a:t>
+            </a:r>
+            <a:r>
+              <a:rPr lang="ko-KR" altLang="en-US" sz="2000" b="1" kern="0" dirty="0">
+                <a:solidFill>
+                  <a:sysClr val="windowText" lastClr="000000"/>
+                </a:solidFill>
+                <a:cs typeface="Malgun Gothic"/>
+              </a:rPr>
+              <a:t>단계</a:t>
+            </a:r>
+            <a:r>
+              <a:rPr lang="en-US" altLang="ko-KR" sz="2000" b="1" kern="0" dirty="0">
+                <a:solidFill>
+                  <a:sysClr val="windowText" lastClr="000000"/>
+                </a:solidFill>
+                <a:cs typeface="Malgun Gothic"/>
+              </a:rPr>
+              <a:t>) </a:t>
+            </a:r>
+            <a:r>
+              <a:rPr lang="ko-KR" altLang="en-US" sz="2000" b="1" kern="0" dirty="0">
+                <a:solidFill>
+                  <a:sysClr val="windowText" lastClr="000000"/>
+                </a:solidFill>
+                <a:cs typeface="Malgun Gothic"/>
+              </a:rPr>
+              <a:t>전이 학습을 이용한 다단계 일사량 예측 방식 </a:t>
+            </a:r>
+            <a:endParaRPr sz="2000" kern="0" dirty="0">
+              <a:solidFill>
+                <a:sysClr val="windowText" lastClr="000000"/>
+              </a:solidFill>
+              <a:cs typeface="Malgun Gothic"/>
+            </a:endParaRPr>
+          </a:p>
+        </p:txBody>
+      </p:sp>
+      <p:sp>
+        <p:nvSpPr>
+          <p:cNvPr id="19" name="object 6">
+            <a:extLst>
+              <a:ext uri="{FF2B5EF4-FFF2-40B4-BE49-F238E27FC236}">
+                <a16:creationId xmlns:a16="http://schemas.microsoft.com/office/drawing/2014/main" id="{C73C25E3-E198-4627-994A-E730949EA465}"/>
               </a:ext>
             </a:extLst>
           </p:cNvPr>
@@ -4016,224 +4061,585 @@
       </p:sp>
       <p:sp>
         <p:nvSpPr>
-          <p:cNvPr id="11" name="object 3">
-            <a:extLst>
-              <a:ext uri="{FF2B5EF4-FFF2-40B4-BE49-F238E27FC236}">
-                <a16:creationId xmlns:a16="http://schemas.microsoft.com/office/drawing/2014/main" id="{04B1BFFB-7036-4650-B5BA-6C2A99C6E376}"/>
-              </a:ext>
-            </a:extLst>
-          </p:cNvPr>
-          <p:cNvSpPr txBox="1"/>
+          <p:cNvPr id="8" name="직사각형 7"/>
+          <p:cNvSpPr/>
           <p:nvPr/>
         </p:nvSpPr>
         <p:spPr>
           <a:xfrm>
-            <a:off x="508990" y="1263396"/>
-            <a:ext cx="11275060" cy="1694695"/>
+            <a:off x="492575" y="1769352"/>
+            <a:ext cx="11291475" cy="1013098"/>
           </a:xfrm>
           <a:prstGeom prst="rect">
             <a:avLst/>
           </a:prstGeom>
         </p:spPr>
         <p:txBody>
-          <a:bodyPr vert="horz" wrap="square" lIns="0" tIns="116205" rIns="0" bIns="0" rtlCol="0">
+          <a:bodyPr wrap="square">
             <a:spAutoFit/>
           </a:bodyPr>
           <a:lstStyle/>
           <a:p>
-            <a:pPr marL="355600" indent="-342900" latinLnBrk="0">
+            <a:pPr marL="298450" indent="-285750" latinLnBrk="0">
               <a:spcBef>
-                <a:spcPts val="915"/>
+                <a:spcPts val="695"/>
               </a:spcBef>
-              <a:buFont typeface="Wingdings" panose="05000000000000000000" pitchFamily="2" charset="2"/>
-              <a:buChar char="§"/>
+              <a:buFontTx/>
+              <a:buChar char="-"/>
+              <a:tabLst>
+                <a:tab pos="240665" algn="l"/>
+              </a:tabLst>
             </a:pPr>
             <a:r>
-              <a:rPr lang="en-US" altLang="ko-KR" sz="2000" b="1" kern="0" dirty="0">
-                <a:solidFill>
-                  <a:sysClr val="windowText" lastClr="000000"/>
-                </a:solidFill>
-                <a:cs typeface="Malgun Gothic"/>
+              <a:rPr lang="ko-KR" altLang="en-US" kern="0" spc="-50" dirty="0">
+                <a:solidFill>
+                  <a:sysClr val="windowText" lastClr="000000"/>
+                </a:solidFill>
+                <a:latin typeface="Calibri"/>
+                <a:cs typeface="Calibri"/>
+              </a:rPr>
+              <a:t>예를 들어</a:t>
+            </a:r>
+            <a:r>
+              <a:rPr lang="en-US" altLang="ko-KR" kern="0" spc="-50" dirty="0">
+                <a:solidFill>
+                  <a:sysClr val="windowText" lastClr="000000"/>
+                </a:solidFill>
+                <a:latin typeface="Calibri"/>
+                <a:cs typeface="Calibri"/>
+              </a:rPr>
+              <a:t> 2020</a:t>
+            </a:r>
+            <a:r>
+              <a:rPr lang="ko-KR" altLang="en-US" kern="0" spc="-50" dirty="0">
+                <a:solidFill>
+                  <a:sysClr val="windowText" lastClr="000000"/>
+                </a:solidFill>
+                <a:latin typeface="Calibri"/>
+                <a:cs typeface="Calibri"/>
+              </a:rPr>
+              <a:t>년 </a:t>
+            </a:r>
+            <a:r>
+              <a:rPr lang="en-US" altLang="ko-KR" kern="0" spc="-50" dirty="0">
+                <a:solidFill>
+                  <a:sysClr val="windowText" lastClr="000000"/>
+                </a:solidFill>
+                <a:latin typeface="Calibri"/>
+                <a:cs typeface="Calibri"/>
               </a:rPr>
               <a:t>3</a:t>
             </a:r>
             <a:r>
-              <a:rPr lang="ko-KR" altLang="en-US" sz="2000" b="1" kern="0" dirty="0">
-                <a:solidFill>
-                  <a:sysClr val="windowText" lastClr="000000"/>
-                </a:solidFill>
-                <a:cs typeface="Malgun Gothic"/>
-              </a:rPr>
-              <a:t>단계</a:t>
-            </a:r>
-            <a:r>
-              <a:rPr lang="en-US" altLang="ko-KR" sz="2000" b="1" kern="0" dirty="0">
-                <a:solidFill>
-                  <a:sysClr val="windowText" lastClr="000000"/>
-                </a:solidFill>
-                <a:cs typeface="Malgun Gothic"/>
-              </a:rPr>
-              <a:t>) Random Forest </a:t>
-            </a:r>
-            <a:r>
-              <a:rPr lang="ko-KR" altLang="en-US" sz="2000" b="1" kern="0" dirty="0">
-                <a:solidFill>
-                  <a:sysClr val="windowText" lastClr="000000"/>
-                </a:solidFill>
-                <a:cs typeface="Malgun Gothic"/>
-              </a:rPr>
-              <a:t>기반의 일사량 예측 모델링</a:t>
-            </a:r>
-            <a:endParaRPr lang="en-US" altLang="ko-KR" sz="2000" b="1" kern="0" dirty="0">
+              <a:rPr lang="ko-KR" altLang="en-US" kern="0" spc="-50" dirty="0">
+                <a:solidFill>
+                  <a:sysClr val="windowText" lastClr="000000"/>
+                </a:solidFill>
+                <a:latin typeface="Calibri"/>
+                <a:cs typeface="Calibri"/>
+              </a:rPr>
+              <a:t>월 </a:t>
+            </a:r>
+            <a:r>
+              <a:rPr lang="en-US" altLang="ko-KR" kern="0" spc="-50" dirty="0">
+                <a:solidFill>
+                  <a:sysClr val="windowText" lastClr="000000"/>
+                </a:solidFill>
+                <a:latin typeface="Calibri"/>
+                <a:cs typeface="Calibri"/>
+              </a:rPr>
+              <a:t>1</a:t>
+            </a:r>
+            <a:r>
+              <a:rPr lang="ko-KR" altLang="en-US" kern="0" spc="-50" dirty="0">
+                <a:solidFill>
+                  <a:sysClr val="windowText" lastClr="000000"/>
+                </a:solidFill>
+                <a:latin typeface="Calibri"/>
+                <a:cs typeface="Calibri"/>
+              </a:rPr>
+              <a:t>일 오전 </a:t>
+            </a:r>
+            <a:r>
+              <a:rPr lang="en-US" altLang="ko-KR" kern="0" spc="-50" dirty="0">
+                <a:solidFill>
+                  <a:sysClr val="windowText" lastClr="000000"/>
+                </a:solidFill>
+                <a:latin typeface="Calibri"/>
+                <a:cs typeface="Calibri"/>
+              </a:rPr>
+              <a:t>8</a:t>
+            </a:r>
+            <a:r>
+              <a:rPr lang="ko-KR" altLang="en-US" kern="0" spc="-50" dirty="0">
+                <a:solidFill>
+                  <a:sysClr val="windowText" lastClr="000000"/>
+                </a:solidFill>
+                <a:latin typeface="Calibri"/>
+                <a:cs typeface="Calibri"/>
+              </a:rPr>
+              <a:t>시부터 오후 </a:t>
+            </a:r>
+            <a:r>
+              <a:rPr lang="en-US" altLang="ko-KR" kern="0" spc="-50" dirty="0">
+                <a:solidFill>
+                  <a:sysClr val="windowText" lastClr="000000"/>
+                </a:solidFill>
+                <a:latin typeface="Calibri"/>
+                <a:cs typeface="Calibri"/>
+              </a:rPr>
+              <a:t>6</a:t>
+            </a:r>
+            <a:r>
+              <a:rPr lang="ko-KR" altLang="en-US" kern="0" spc="-50" dirty="0">
+                <a:solidFill>
+                  <a:sysClr val="windowText" lastClr="000000"/>
+                </a:solidFill>
+                <a:latin typeface="Calibri"/>
+                <a:cs typeface="Calibri"/>
+              </a:rPr>
+              <a:t>시까지 일사량을 예측하고 싶음</a:t>
+            </a:r>
+            <a:endParaRPr lang="en-US" altLang="ko-KR" kern="0" spc="-50" dirty="0">
               <a:solidFill>
                 <a:sysClr val="windowText" lastClr="000000"/>
               </a:solidFill>
-              <a:cs typeface="Malgun Gothic"/>
+              <a:latin typeface="Calibri"/>
+              <a:cs typeface="Calibri"/>
             </a:endParaRPr>
           </a:p>
           <a:p>
-            <a:pPr marL="812800" lvl="1" indent="-342900" latinLnBrk="0">
+            <a:pPr marL="298450" indent="-285750" latinLnBrk="0">
               <a:spcBef>
-                <a:spcPts val="915"/>
+                <a:spcPts val="695"/>
               </a:spcBef>
-              <a:buFont typeface="Wingdings" panose="05000000000000000000" pitchFamily="2" charset="2"/>
-              <a:buChar char="§"/>
+              <a:buFontTx/>
+              <a:buChar char="-"/>
+              <a:tabLst>
+                <a:tab pos="240665" algn="l"/>
+              </a:tabLst>
             </a:pPr>
             <a:r>
-              <a:rPr lang="ko-KR" altLang="en-US" sz="2000" dirty="0" err="1"/>
-              <a:t>초매개변수인</a:t>
-            </a:r>
-            <a:r>
-              <a:rPr lang="ko-KR" altLang="en-US" sz="2000" dirty="0"/>
-              <a:t> 나무의 수는 </a:t>
-            </a:r>
-            <a:r>
-              <a:rPr lang="en-US" altLang="ko-KR" sz="2000" dirty="0"/>
-              <a:t>Oshiro </a:t>
-            </a:r>
-            <a:r>
-              <a:rPr lang="ko-KR" altLang="en-US" sz="2000" dirty="0"/>
-              <a:t>등</a:t>
-            </a:r>
-            <a:r>
-              <a:rPr lang="en-US" altLang="ko-KR" sz="2000" dirty="0"/>
-              <a:t>[5]</a:t>
-            </a:r>
-            <a:r>
-              <a:rPr lang="ko-KR" altLang="en-US" sz="2000" dirty="0"/>
-              <a:t>의 연구에서 제안한 값인 </a:t>
-            </a:r>
-            <a:r>
-              <a:rPr lang="en-US" altLang="ko-KR" sz="2000" dirty="0"/>
-              <a:t>128 </a:t>
-            </a:r>
-            <a:r>
-              <a:rPr lang="ko-KR" altLang="en-US" sz="2000" dirty="0"/>
-              <a:t>사용</a:t>
-            </a:r>
-            <a:endParaRPr lang="en-US" altLang="ko-KR" sz="2000" dirty="0"/>
-          </a:p>
-          <a:p>
-            <a:pPr marL="812800" lvl="1" indent="-342900" latinLnBrk="0">
-              <a:spcBef>
-                <a:spcPts val="915"/>
-              </a:spcBef>
-              <a:buFont typeface="Wingdings" panose="05000000000000000000" pitchFamily="2" charset="2"/>
-              <a:buChar char="§"/>
-            </a:pPr>
-            <a:r>
-              <a:rPr lang="ko-KR" altLang="en-US" sz="2000" kern="0" dirty="0">
-                <a:solidFill>
-                  <a:sysClr val="windowText" lastClr="000000"/>
-                </a:solidFill>
-                <a:cs typeface="Malgun Gothic"/>
-              </a:rPr>
-              <a:t>변수 중요도는 지니 불순도</a:t>
-            </a:r>
-            <a:r>
-              <a:rPr lang="en-US" altLang="ko-KR" sz="2000" kern="0" dirty="0">
-                <a:solidFill>
-                  <a:sysClr val="windowText" lastClr="000000"/>
-                </a:solidFill>
-                <a:cs typeface="Malgun Gothic"/>
-              </a:rPr>
-              <a:t>(impurity) </a:t>
-            </a:r>
-            <a:r>
-              <a:rPr lang="ko-KR" altLang="en-US" sz="2000" kern="0" dirty="0">
-                <a:solidFill>
-                  <a:sysClr val="windowText" lastClr="000000"/>
-                </a:solidFill>
-                <a:cs typeface="Malgun Gothic"/>
-              </a:rPr>
-              <a:t>사용</a:t>
-            </a:r>
-            <a:endParaRPr lang="en-US" altLang="ko-KR" sz="2000" kern="0" dirty="0">
+              <a:rPr lang="en-US" altLang="ko-KR" kern="0" spc="-50" dirty="0">
+                <a:solidFill>
+                  <a:sysClr val="windowText" lastClr="000000"/>
+                </a:solidFill>
+                <a:latin typeface="Calibri"/>
+                <a:cs typeface="Calibri"/>
+              </a:rPr>
+              <a:t>2016</a:t>
+            </a:r>
+            <a:r>
+              <a:rPr lang="ko-KR" altLang="en-US" kern="0" spc="-50" dirty="0">
+                <a:solidFill>
+                  <a:sysClr val="windowText" lastClr="000000"/>
+                </a:solidFill>
+                <a:latin typeface="Calibri"/>
+                <a:cs typeface="Calibri"/>
+              </a:rPr>
+              <a:t>년 </a:t>
+            </a:r>
+            <a:r>
+              <a:rPr lang="en-US" altLang="ko-KR" kern="0" spc="-50" dirty="0">
+                <a:solidFill>
+                  <a:sysClr val="windowText" lastClr="000000"/>
+                </a:solidFill>
+                <a:latin typeface="Calibri"/>
+                <a:cs typeface="Calibri"/>
+              </a:rPr>
+              <a:t>~ 2019</a:t>
+            </a:r>
+            <a:r>
+              <a:rPr lang="ko-KR" altLang="en-US" kern="0" spc="-50" dirty="0">
+                <a:solidFill>
+                  <a:sysClr val="windowText" lastClr="000000"/>
+                </a:solidFill>
+                <a:latin typeface="Calibri"/>
+                <a:cs typeface="Calibri"/>
+              </a:rPr>
+              <a:t>년 </a:t>
+            </a:r>
+            <a:r>
+              <a:rPr lang="en-US" altLang="ko-KR" kern="0" spc="-50" dirty="0">
+                <a:solidFill>
+                  <a:sysClr val="windowText" lastClr="000000"/>
+                </a:solidFill>
+                <a:latin typeface="Calibri"/>
+                <a:cs typeface="Calibri"/>
+              </a:rPr>
+              <a:t>(</a:t>
+            </a:r>
+            <a:r>
+              <a:rPr lang="ko-KR" altLang="en-US" kern="0" spc="-50" dirty="0">
+                <a:solidFill>
+                  <a:sysClr val="windowText" lastClr="000000"/>
+                </a:solidFill>
+                <a:latin typeface="Calibri"/>
+                <a:cs typeface="Calibri"/>
+              </a:rPr>
+              <a:t>서울</a:t>
+            </a:r>
+            <a:r>
+              <a:rPr lang="en-US" altLang="ko-KR" kern="0" spc="-50" dirty="0">
+                <a:solidFill>
+                  <a:sysClr val="windowText" lastClr="000000"/>
+                </a:solidFill>
+                <a:latin typeface="Calibri"/>
+                <a:cs typeface="Calibri"/>
+              </a:rPr>
+              <a:t>, </a:t>
+            </a:r>
+            <a:r>
+              <a:rPr lang="ko-KR" altLang="en-US" kern="0" spc="-50" dirty="0">
+                <a:solidFill>
+                  <a:sysClr val="windowText" lastClr="000000"/>
+                </a:solidFill>
+                <a:latin typeface="Calibri"/>
+                <a:cs typeface="Calibri"/>
+              </a:rPr>
+              <a:t>부산</a:t>
+            </a:r>
+            <a:r>
+              <a:rPr lang="en-US" altLang="ko-KR" kern="0" spc="-50" dirty="0">
+                <a:solidFill>
+                  <a:sysClr val="windowText" lastClr="000000"/>
+                </a:solidFill>
+                <a:latin typeface="Calibri"/>
+                <a:cs typeface="Calibri"/>
+              </a:rPr>
+              <a:t>, </a:t>
+            </a:r>
+            <a:r>
+              <a:rPr lang="ko-KR" altLang="en-US" kern="0" spc="-50" dirty="0">
+                <a:solidFill>
+                  <a:sysClr val="windowText" lastClr="000000"/>
+                </a:solidFill>
+                <a:latin typeface="Calibri"/>
+                <a:cs typeface="Calibri"/>
+              </a:rPr>
+              <a:t>대구</a:t>
+            </a:r>
+            <a:r>
+              <a:rPr lang="en-US" altLang="ko-KR" kern="0" spc="-50" dirty="0">
+                <a:solidFill>
+                  <a:sysClr val="windowText" lastClr="000000"/>
+                </a:solidFill>
+                <a:latin typeface="Calibri"/>
+                <a:cs typeface="Calibri"/>
+              </a:rPr>
+              <a:t>, </a:t>
+            </a:r>
+            <a:r>
+              <a:rPr lang="ko-KR" altLang="en-US" kern="0" spc="-50" dirty="0">
+                <a:solidFill>
+                  <a:sysClr val="windowText" lastClr="000000"/>
+                </a:solidFill>
+                <a:latin typeface="Calibri"/>
+                <a:cs typeface="Calibri"/>
+              </a:rPr>
+              <a:t>인천</a:t>
+            </a:r>
+            <a:r>
+              <a:rPr lang="en-US" altLang="ko-KR" kern="0" spc="-50" dirty="0">
+                <a:solidFill>
+                  <a:sysClr val="windowText" lastClr="000000"/>
+                </a:solidFill>
+                <a:latin typeface="Calibri"/>
+                <a:cs typeface="Calibri"/>
+              </a:rPr>
+              <a:t>, </a:t>
+            </a:r>
+            <a:r>
+              <a:rPr lang="ko-KR" altLang="en-US" kern="0" spc="-50" dirty="0">
+                <a:solidFill>
+                  <a:sysClr val="windowText" lastClr="000000"/>
+                </a:solidFill>
+                <a:latin typeface="Calibri"/>
+                <a:cs typeface="Calibri"/>
+              </a:rPr>
+              <a:t>광주</a:t>
+            </a:r>
+            <a:r>
+              <a:rPr lang="en-US" altLang="ko-KR" kern="0" spc="-50" dirty="0">
+                <a:solidFill>
+                  <a:sysClr val="windowText" lastClr="000000"/>
+                </a:solidFill>
+                <a:latin typeface="Calibri"/>
+                <a:cs typeface="Calibri"/>
+              </a:rPr>
+              <a:t>) </a:t>
+            </a:r>
+            <a:r>
+              <a:rPr lang="ko-KR" altLang="en-US" kern="0" spc="-50" dirty="0">
+                <a:solidFill>
+                  <a:sysClr val="windowText" lastClr="000000"/>
+                </a:solidFill>
+                <a:latin typeface="Calibri"/>
+                <a:cs typeface="Calibri"/>
+              </a:rPr>
+              <a:t>데이터 </a:t>
+            </a:r>
+            <a:r>
+              <a:rPr lang="en-US" altLang="ko-KR" kern="0" spc="-50" dirty="0">
+                <a:solidFill>
+                  <a:sysClr val="windowText" lastClr="000000"/>
+                </a:solidFill>
+                <a:latin typeface="Calibri"/>
+                <a:cs typeface="Calibri"/>
+              </a:rPr>
+              <a:t>+ 2020</a:t>
+            </a:r>
+            <a:r>
+              <a:rPr lang="ko-KR" altLang="en-US" kern="0" spc="-50" dirty="0">
+                <a:solidFill>
+                  <a:sysClr val="windowText" lastClr="000000"/>
+                </a:solidFill>
+                <a:latin typeface="Calibri"/>
+                <a:cs typeface="Calibri"/>
+              </a:rPr>
+              <a:t>년 </a:t>
+            </a:r>
+            <a:r>
+              <a:rPr lang="en-US" altLang="ko-KR" kern="0" spc="-50" dirty="0">
+                <a:solidFill>
+                  <a:sysClr val="windowText" lastClr="000000"/>
+                </a:solidFill>
+                <a:latin typeface="Calibri"/>
+                <a:cs typeface="Calibri"/>
+              </a:rPr>
+              <a:t>2</a:t>
+            </a:r>
+            <a:r>
+              <a:rPr lang="ko-KR" altLang="en-US" kern="0" spc="-50" dirty="0">
+                <a:solidFill>
+                  <a:sysClr val="windowText" lastClr="000000"/>
+                </a:solidFill>
+                <a:latin typeface="Calibri"/>
+                <a:cs typeface="Calibri"/>
+              </a:rPr>
+              <a:t>월 </a:t>
+            </a:r>
+            <a:r>
+              <a:rPr lang="en-US" altLang="ko-KR" kern="0" spc="-50" dirty="0">
+                <a:solidFill>
+                  <a:sysClr val="windowText" lastClr="000000"/>
+                </a:solidFill>
+                <a:latin typeface="Calibri"/>
+                <a:cs typeface="Calibri"/>
+              </a:rPr>
+              <a:t>28</a:t>
+            </a:r>
+            <a:r>
+              <a:rPr lang="ko-KR" altLang="en-US" kern="0" spc="-50" dirty="0">
+                <a:solidFill>
+                  <a:sysClr val="windowText" lastClr="000000"/>
+                </a:solidFill>
+                <a:latin typeface="Calibri"/>
+                <a:cs typeface="Calibri"/>
+              </a:rPr>
+              <a:t>일 오전 </a:t>
+            </a:r>
+            <a:r>
+              <a:rPr lang="en-US" altLang="ko-KR" kern="0" spc="-50" dirty="0">
+                <a:solidFill>
+                  <a:sysClr val="windowText" lastClr="000000"/>
+                </a:solidFill>
+                <a:latin typeface="Calibri"/>
+                <a:cs typeface="Calibri"/>
+              </a:rPr>
+              <a:t>8</a:t>
+            </a:r>
+            <a:r>
+              <a:rPr lang="ko-KR" altLang="en-US" kern="0" spc="-50" dirty="0">
+                <a:solidFill>
+                  <a:sysClr val="windowText" lastClr="000000"/>
+                </a:solidFill>
+                <a:latin typeface="Calibri"/>
+                <a:cs typeface="Calibri"/>
+              </a:rPr>
+              <a:t>시</a:t>
+            </a:r>
+            <a:r>
+              <a:rPr lang="en-US" altLang="ko-KR" kern="0" spc="-50" dirty="0">
+                <a:solidFill>
+                  <a:sysClr val="windowText" lastClr="000000"/>
+                </a:solidFill>
+                <a:latin typeface="Calibri"/>
+                <a:cs typeface="Calibri"/>
+              </a:rPr>
+              <a:t>~</a:t>
+            </a:r>
+            <a:r>
+              <a:rPr lang="ko-KR" altLang="en-US" kern="0" spc="-50" dirty="0">
+                <a:solidFill>
+                  <a:sysClr val="windowText" lastClr="000000"/>
+                </a:solidFill>
+                <a:latin typeface="Calibri"/>
+                <a:cs typeface="Calibri"/>
+              </a:rPr>
+              <a:t>오후 </a:t>
+            </a:r>
+            <a:r>
+              <a:rPr lang="en-US" altLang="ko-KR" kern="0" spc="-50" dirty="0">
+                <a:solidFill>
+                  <a:sysClr val="windowText" lastClr="000000"/>
+                </a:solidFill>
+                <a:latin typeface="Calibri"/>
+                <a:cs typeface="Calibri"/>
+              </a:rPr>
+              <a:t>6</a:t>
+            </a:r>
+            <a:r>
+              <a:rPr lang="ko-KR" altLang="en-US" kern="0" spc="-50" dirty="0">
+                <a:solidFill>
+                  <a:sysClr val="windowText" lastClr="000000"/>
+                </a:solidFill>
+                <a:latin typeface="Calibri"/>
+                <a:cs typeface="Calibri"/>
+              </a:rPr>
+              <a:t>시까지 </a:t>
+            </a:r>
+            <a:r>
+              <a:rPr lang="en-US" altLang="ko-KR" kern="0" spc="-50" dirty="0">
+                <a:solidFill>
+                  <a:sysClr val="windowText" lastClr="000000"/>
+                </a:solidFill>
+                <a:latin typeface="Calibri"/>
+                <a:cs typeface="Calibri"/>
+              </a:rPr>
+              <a:t>(</a:t>
+            </a:r>
+            <a:r>
+              <a:rPr lang="ko-KR" altLang="en-US" kern="0" spc="-50" dirty="0">
+                <a:solidFill>
+                  <a:sysClr val="windowText" lastClr="000000"/>
+                </a:solidFill>
+                <a:latin typeface="Calibri"/>
+                <a:cs typeface="Calibri"/>
+              </a:rPr>
+              <a:t>대전</a:t>
+            </a:r>
+            <a:r>
+              <a:rPr lang="en-US" altLang="ko-KR" kern="0" spc="-50" dirty="0">
+                <a:solidFill>
+                  <a:sysClr val="windowText" lastClr="000000"/>
+                </a:solidFill>
+                <a:latin typeface="Calibri"/>
+                <a:cs typeface="Calibri"/>
+              </a:rPr>
+              <a:t>)</a:t>
+            </a:r>
+            <a:r>
+              <a:rPr lang="ko-KR" altLang="en-US" kern="0" spc="-50" dirty="0">
+                <a:solidFill>
+                  <a:sysClr val="windowText" lastClr="000000"/>
+                </a:solidFill>
+                <a:latin typeface="Calibri"/>
+                <a:cs typeface="Calibri"/>
+              </a:rPr>
+              <a:t> 데이터를 사용</a:t>
+            </a:r>
+            <a:endParaRPr lang="en-US" altLang="ko-KR" kern="0" spc="-50" dirty="0">
               <a:solidFill>
                 <a:sysClr val="windowText" lastClr="000000"/>
               </a:solidFill>
-              <a:cs typeface="Malgun Gothic"/>
+              <a:latin typeface="Calibri"/>
+              <a:cs typeface="Calibri"/>
             </a:endParaRPr>
           </a:p>
-          <a:p>
-            <a:pPr marL="812800" lvl="1" indent="-342900" latinLnBrk="0">
+        </p:txBody>
+      </p:sp>
+      <p:sp>
+        <p:nvSpPr>
+          <p:cNvPr id="9" name="직사각형 8">
+            <a:extLst>
+              <a:ext uri="{FF2B5EF4-FFF2-40B4-BE49-F238E27FC236}">
+                <a16:creationId xmlns:a16="http://schemas.microsoft.com/office/drawing/2014/main" id="{01F9D0B5-0903-456D-905A-778BBFF7C77A}"/>
+              </a:ext>
+            </a:extLst>
+          </p:cNvPr>
+          <p:cNvSpPr/>
+          <p:nvPr/>
+        </p:nvSpPr>
+        <p:spPr>
+          <a:xfrm>
+            <a:off x="10354048" y="644301"/>
+            <a:ext cx="1430002" cy="276999"/>
+          </a:xfrm>
+          <a:prstGeom prst="rect">
+            <a:avLst/>
+          </a:prstGeom>
+        </p:spPr>
+        <p:txBody>
+          <a:bodyPr wrap="square">
+            <a:spAutoFit/>
+          </a:bodyPr>
+          <a:lstStyle/>
+          <a:p>
+            <a:pPr marL="12700" latinLnBrk="0">
               <a:spcBef>
-                <a:spcPts val="915"/>
+                <a:spcPts val="695"/>
               </a:spcBef>
-              <a:buFont typeface="Wingdings" panose="05000000000000000000" pitchFamily="2" charset="2"/>
-              <a:buChar char="§"/>
+              <a:tabLst>
+                <a:tab pos="240665" algn="l"/>
+              </a:tabLst>
             </a:pPr>
             <a:r>
-              <a:rPr lang="ko-KR" altLang="en-US" sz="2000" kern="0" dirty="0">
-                <a:solidFill>
-                  <a:sysClr val="windowText" lastClr="000000"/>
-                </a:solidFill>
-                <a:cs typeface="Malgun Gothic"/>
-              </a:rPr>
-              <a:t>최근 추세를 반영하기 위해 </a:t>
-            </a:r>
-            <a:r>
-              <a:rPr lang="en-US" altLang="ko-KR" sz="2000" b="1" kern="0" dirty="0">
-                <a:solidFill>
-                  <a:srgbClr val="002060"/>
-                </a:solidFill>
-                <a:cs typeface="Malgun Gothic"/>
-              </a:rPr>
-              <a:t>Sliding Window</a:t>
-            </a:r>
-            <a:r>
-              <a:rPr lang="en-US" altLang="ko-KR" sz="2000" b="1" kern="0" dirty="0">
-                <a:solidFill>
-                  <a:sysClr val="windowText" lastClr="000000"/>
-                </a:solidFill>
-                <a:cs typeface="Malgun Gothic"/>
-              </a:rPr>
-              <a:t> </a:t>
-            </a:r>
-            <a:r>
-              <a:rPr lang="ko-KR" altLang="en-US" sz="2000" kern="0" dirty="0">
-                <a:solidFill>
-                  <a:sysClr val="windowText" lastClr="000000"/>
-                </a:solidFill>
-                <a:cs typeface="Malgun Gothic"/>
-              </a:rPr>
-              <a:t>방식을 사용해 모델링 수행</a:t>
-            </a:r>
-            <a:endParaRPr lang="en-US" altLang="ko-KR" sz="2000" kern="0" dirty="0">
+              <a:rPr lang="en-US" altLang="ko-KR" sz="1200" kern="0" spc="-50" dirty="0">
+                <a:solidFill>
+                  <a:sysClr val="windowText" lastClr="000000"/>
+                </a:solidFill>
+                <a:latin typeface="Calibri"/>
+                <a:cs typeface="Calibri"/>
+              </a:rPr>
+              <a:t>* </a:t>
+            </a:r>
+            <a:r>
+              <a:rPr lang="ko-KR" altLang="en-US" sz="1200" kern="0" spc="-50" dirty="0">
+                <a:solidFill>
+                  <a:sysClr val="windowText" lastClr="000000"/>
+                </a:solidFill>
+                <a:latin typeface="Calibri"/>
+                <a:cs typeface="Calibri"/>
+              </a:rPr>
+              <a:t>수집 단위 </a:t>
+            </a:r>
+            <a:r>
+              <a:rPr lang="en-US" altLang="ko-KR" sz="1200" kern="0" spc="-50" dirty="0">
+                <a:solidFill>
+                  <a:sysClr val="windowText" lastClr="000000"/>
+                </a:solidFill>
+                <a:latin typeface="Calibri"/>
+                <a:cs typeface="Calibri"/>
+              </a:rPr>
+              <a:t>: 1</a:t>
+            </a:r>
+            <a:r>
+              <a:rPr lang="ko-KR" altLang="en-US" sz="1200" kern="0" spc="-50" dirty="0">
+                <a:solidFill>
+                  <a:sysClr val="windowText" lastClr="000000"/>
+                </a:solidFill>
+                <a:latin typeface="Calibri"/>
+                <a:cs typeface="Calibri"/>
+              </a:rPr>
+              <a:t>시간 </a:t>
+            </a:r>
+            <a:endParaRPr lang="en-US" altLang="ko-KR" sz="1200" kern="0" spc="-50" dirty="0">
               <a:solidFill>
                 <a:sysClr val="windowText" lastClr="000000"/>
               </a:solidFill>
-              <a:cs typeface="Malgun Gothic"/>
+              <a:latin typeface="Calibri"/>
+              <a:cs typeface="Calibri"/>
             </a:endParaRPr>
           </a:p>
         </p:txBody>
       </p:sp>
       <p:grpSp>
         <p:nvGrpSpPr>
-          <p:cNvPr id="5" name="그룹 4">
-            <a:extLst>
-              <a:ext uri="{FF2B5EF4-FFF2-40B4-BE49-F238E27FC236}">
-                <a16:creationId xmlns:a16="http://schemas.microsoft.com/office/drawing/2014/main" id="{F42C4D40-10CE-47F5-B8D5-759B277E3082}"/>
+          <p:cNvPr id="10" name="그룹 9">
+            <a:extLst>
+              <a:ext uri="{FF2B5EF4-FFF2-40B4-BE49-F238E27FC236}">
+                <a16:creationId xmlns:a16="http://schemas.microsoft.com/office/drawing/2014/main" id="{44687AFC-8C0E-4232-8F5E-FC79411B00AC}"/>
               </a:ext>
             </a:extLst>
           </p:cNvPr>
@@ -4242,111 +4648,88 @@
         </p:nvGrpSpPr>
         <p:grpSpPr>
           <a:xfrm>
-            <a:off x="879512" y="3312188"/>
-            <a:ext cx="10432975" cy="2622566"/>
-            <a:chOff x="956052" y="3252674"/>
-            <a:chExt cx="10432975" cy="2622566"/>
+            <a:off x="9250532" y="6219306"/>
+            <a:ext cx="2776842" cy="457642"/>
+            <a:chOff x="8473734" y="6091284"/>
+            <a:chExt cx="3553640" cy="585664"/>
           </a:xfrm>
         </p:grpSpPr>
         <p:pic>
           <p:nvPicPr>
-            <p:cNvPr id="1026" name="Picture 2" descr="Random Forest Regression. Random Forest Regression is a… | by chaya | Level  Up Coding">
+            <p:cNvPr id="11" name="그림 10">
               <a:extLst>
                 <a:ext uri="{FF2B5EF4-FFF2-40B4-BE49-F238E27FC236}">
-                  <a16:creationId xmlns:a16="http://schemas.microsoft.com/office/drawing/2014/main" id="{C4A2E2C3-031F-4D15-922E-75F2193B5AC6}"/>
+                  <a16:creationId xmlns:a16="http://schemas.microsoft.com/office/drawing/2014/main" id="{33992F27-9FF3-4BD4-B717-E666388E2413}"/>
                 </a:ext>
               </a:extLst>
             </p:cNvPr>
             <p:cNvPicPr>
-              <a:picLocks noChangeAspect="1" noChangeArrowheads="1"/>
+              <a:picLocks noChangeAspect="1"/>
             </p:cNvPicPr>
             <p:nvPr/>
           </p:nvPicPr>
-          <p:blipFill>
-            <a:blip r:embed="rId4">
+          <p:blipFill rotWithShape="1">
+            <a:blip r:embed="rId3">
               <a:extLst>
                 <a:ext uri="{28A0092B-C50C-407E-A947-70E740481C1C}">
                   <a14:useLocalDpi xmlns:a14="http://schemas.microsoft.com/office/drawing/2010/main" val="0"/>
                 </a:ext>
               </a:extLst>
             </a:blip>
-            <a:srcRect/>
-            <a:stretch>
-              <a:fillRect/>
-            </a:stretch>
+            <a:srcRect l="74535" t="3851" r="5686" b="50143"/>
+            <a:stretch/>
           </p:blipFill>
-          <p:spPr bwMode="auto">
+          <p:spPr>
             <a:xfrm>
-              <a:off x="956052" y="3252674"/>
-              <a:ext cx="4529544" cy="2620265"/>
+              <a:off x="8473734" y="6091284"/>
+              <a:ext cx="1353669" cy="585664"/>
             </a:xfrm>
             <a:prstGeom prst="rect">
               <a:avLst/>
             </a:prstGeom>
-            <a:noFill/>
-            <a:extLst>
-              <a:ext uri="{909E8E84-426E-40DD-AFC4-6F175D3DCCD1}">
-                <a14:hiddenFill xmlns:a14="http://schemas.microsoft.com/office/drawing/2010/main">
-                  <a:solidFill>
-                    <a:srgbClr val="FFFFFF"/>
-                  </a:solidFill>
-                </a14:hiddenFill>
-              </a:ext>
-            </a:extLst>
           </p:spPr>
         </p:pic>
         <p:pic>
           <p:nvPicPr>
-            <p:cNvPr id="12" name="Picture 2" descr="Omphalos, Uber's Parallel and Language-Extensible Time Series Backtesting  Tool - 雷竞技电脑版,raybet雷电竞官网,雷电竞网页">
+            <p:cNvPr id="12" name="그림 11">
               <a:extLst>
                 <a:ext uri="{FF2B5EF4-FFF2-40B4-BE49-F238E27FC236}">
-                  <a16:creationId xmlns:a16="http://schemas.microsoft.com/office/drawing/2014/main" id="{F9D413B2-0613-4B48-BFB8-27C8660BEF97}"/>
+                  <a16:creationId xmlns:a16="http://schemas.microsoft.com/office/drawing/2014/main" id="{960250D2-431D-4B42-BE6C-DB5F6242BA0F}"/>
                 </a:ext>
               </a:extLst>
             </p:cNvPr>
             <p:cNvPicPr>
-              <a:picLocks noChangeAspect="1" noChangeArrowheads="1"/>
+              <a:picLocks noChangeAspect="1"/>
             </p:cNvPicPr>
             <p:nvPr/>
           </p:nvPicPr>
           <p:blipFill>
-            <a:blip r:embed="rId5">
+            <a:blip r:embed="rId4" cstate="hqprint">
               <a:extLst>
                 <a:ext uri="{28A0092B-C50C-407E-A947-70E740481C1C}">
                   <a14:useLocalDpi xmlns:a14="http://schemas.microsoft.com/office/drawing/2010/main" val="0"/>
                 </a:ext>
               </a:extLst>
             </a:blip>
-            <a:srcRect/>
             <a:stretch>
               <a:fillRect/>
             </a:stretch>
           </p:blipFill>
-          <p:spPr bwMode="auto">
+          <p:spPr>
             <a:xfrm>
-              <a:off x="6365209" y="3254975"/>
-              <a:ext cx="5023818" cy="2620265"/>
+              <a:off x="9827403" y="6172124"/>
+              <a:ext cx="2199971" cy="423985"/>
             </a:xfrm>
             <a:prstGeom prst="rect">
               <a:avLst/>
             </a:prstGeom>
-            <a:noFill/>
-            <a:extLst>
-              <a:ext uri="{909E8E84-426E-40DD-AFC4-6F175D3DCCD1}">
-                <a14:hiddenFill xmlns:a14="http://schemas.microsoft.com/office/drawing/2010/main">
-                  <a:solidFill>
-                    <a:srgbClr val="FFFFFF"/>
-                  </a:solidFill>
-                </a14:hiddenFill>
-              </a:ext>
-            </a:extLst>
           </p:spPr>
         </p:pic>
       </p:grpSp>
     </p:spTree>
     <p:extLst>
       <p:ext uri="{BB962C8B-B14F-4D97-AF65-F5344CB8AC3E}">
-        <p14:creationId xmlns:p14="http://schemas.microsoft.com/office/powerpoint/2010/main" val="2134005768"/>
+        <p14:creationId xmlns:p14="http://schemas.microsoft.com/office/powerpoint/2010/main" val="2646122123"/>
       </p:ext>
     </p:extLst>
   </p:cSld>
@@ -4373,77 +4756,6 @@
           <a:chExt cx="0" cy="0"/>
         </a:xfrm>
       </p:grpSpPr>
-      <p:pic>
-        <p:nvPicPr>
-          <p:cNvPr id="20" name="그림 19">
-            <a:extLst>
-              <a:ext uri="{FF2B5EF4-FFF2-40B4-BE49-F238E27FC236}">
-                <a16:creationId xmlns:a16="http://schemas.microsoft.com/office/drawing/2014/main" id="{A87EDB79-AE8E-46E3-B956-281C41A7ED3A}"/>
-              </a:ext>
-            </a:extLst>
-          </p:cNvPr>
-          <p:cNvPicPr>
-            <a:picLocks noChangeAspect="1"/>
-          </p:cNvPicPr>
-          <p:nvPr/>
-        </p:nvPicPr>
-        <p:blipFill rotWithShape="1">
-          <a:blip r:embed="rId2">
-            <a:extLst>
-              <a:ext uri="{28A0092B-C50C-407E-A947-70E740481C1C}">
-                <a14:useLocalDpi xmlns:a14="http://schemas.microsoft.com/office/drawing/2010/main" val="0"/>
-              </a:ext>
-            </a:extLst>
-          </a:blip>
-          <a:srcRect l="74535" t="3851" r="5686" b="50143"/>
-          <a:stretch/>
-        </p:blipFill>
-        <p:spPr>
-          <a:xfrm>
-            <a:off x="8473734" y="6091284"/>
-            <a:ext cx="1353669" cy="585664"/>
-          </a:xfrm>
-          <a:prstGeom prst="rect">
-            <a:avLst/>
-          </a:prstGeom>
-        </p:spPr>
-      </p:pic>
-      <p:pic>
-        <p:nvPicPr>
-          <p:cNvPr id="21" name="그림 20">
-            <a:extLst>
-              <a:ext uri="{FF2B5EF4-FFF2-40B4-BE49-F238E27FC236}">
-                <a16:creationId xmlns:a16="http://schemas.microsoft.com/office/drawing/2014/main" id="{25EA5F27-CB8A-4DD7-A41E-73A6B46FF164}"/>
-              </a:ext>
-            </a:extLst>
-          </p:cNvPr>
-          <p:cNvPicPr>
-            <a:picLocks noChangeAspect="1"/>
-          </p:cNvPicPr>
-          <p:nvPr/>
-        </p:nvPicPr>
-        <p:blipFill>
-          <a:blip r:embed="rId3" cstate="hqprint">
-            <a:extLst>
-              <a:ext uri="{28A0092B-C50C-407E-A947-70E740481C1C}">
-                <a14:useLocalDpi xmlns:a14="http://schemas.microsoft.com/office/drawing/2010/main" val="0"/>
-              </a:ext>
-            </a:extLst>
-          </a:blip>
-          <a:stretch>
-            <a:fillRect/>
-          </a:stretch>
-        </p:blipFill>
-        <p:spPr>
-          <a:xfrm>
-            <a:off x="9827403" y="6172124"/>
-            <a:ext cx="2199971" cy="423985"/>
-          </a:xfrm>
-          <a:prstGeom prst="rect">
-            <a:avLst/>
-          </a:prstGeom>
-        </p:spPr>
-      </p:pic>
       <p:sp>
         <p:nvSpPr>
           <p:cNvPr id="9" name="object 2">
@@ -4504,20 +4816,22 @@
               <a:defRPr/>
             </a:pPr>
             <a:r>
-              <a:rPr kumimoji="0" lang="ko-KR" altLang="en-US" sz="3200" b="1" i="0" u="none" strike="noStrike" kern="0" cap="none" spc="-25" normalizeH="0" baseline="0" noProof="0" dirty="0">
-                <a:ln>
-                  <a:noFill/>
-                </a:ln>
+              <a:rPr lang="ko-KR" altLang="en-US" sz="3200" kern="0" spc="-25" dirty="0">
                 <a:solidFill>
                   <a:srgbClr val="001F60"/>
                 </a:solidFill>
-                <a:effectLst/>
-                <a:uLnTx/>
-                <a:uFillTx/>
-                <a:latin typeface="맑은 고딕" panose="020B0503020000020004" pitchFamily="50" charset="-127"/>
                 <a:ea typeface="맑은 고딕" panose="020B0503020000020004" pitchFamily="50" charset="-127"/>
               </a:rPr>
-              <a:t>실험 및 결과 </a:t>
+              <a:t>일사량 </a:t>
+            </a:r>
+            <a:r>
+              <a:rPr lang="ko-KR" altLang="en-US" sz="3200" kern="0" spc="-25">
+                <a:solidFill>
+                  <a:srgbClr val="001F60"/>
+                </a:solidFill>
+                <a:ea typeface="맑은 고딕" panose="020B0503020000020004" pitchFamily="50" charset="-127"/>
+              </a:rPr>
+              <a:t>예측 모델링</a:t>
             </a:r>
             <a:endParaRPr kumimoji="0" lang="ko-KR" altLang="en-US" sz="3200" b="1" i="0" u="none" strike="noStrike" kern="0" cap="none" spc="0" normalizeH="0" baseline="0" noProof="0" dirty="0">
               <a:ln>
@@ -4633,7 +4947,7 @@
         <p:spPr>
           <a:xfrm>
             <a:off x="508990" y="1263396"/>
-            <a:ext cx="11275060" cy="848309"/>
+            <a:ext cx="11275060" cy="1694695"/>
           </a:xfrm>
           <a:prstGeom prst="rect">
             <a:avLst/>
@@ -4659,8 +4973,41 @@
                 </a:solidFill>
                 <a:cs typeface="Malgun Gothic"/>
               </a:rPr>
-              <a:t>Head</a:t>
-            </a:r>
+              <a:t>3</a:t>
+            </a:r>
+            <a:r>
+              <a:rPr lang="ko-KR" altLang="en-US" sz="2000" b="1" kern="0" dirty="0">
+                <a:solidFill>
+                  <a:sysClr val="windowText" lastClr="000000"/>
+                </a:solidFill>
+                <a:cs typeface="Malgun Gothic"/>
+              </a:rPr>
+              <a:t>단계</a:t>
+            </a:r>
+            <a:r>
+              <a:rPr lang="en-US" altLang="ko-KR" sz="2000" b="1" kern="0" dirty="0">
+                <a:solidFill>
+                  <a:sysClr val="windowText" lastClr="000000"/>
+                </a:solidFill>
+                <a:cs typeface="Malgun Gothic"/>
+              </a:rPr>
+              <a:t>) Random Forest </a:t>
+            </a:r>
+            <a:r>
+              <a:rPr lang="ko-KR" altLang="en-US" sz="2000" b="1" kern="0" dirty="0">
+                <a:solidFill>
+                  <a:sysClr val="windowText" lastClr="000000"/>
+                </a:solidFill>
+                <a:cs typeface="Malgun Gothic"/>
+              </a:rPr>
+              <a:t>기반의 일사량 예측 모델링</a:t>
+            </a:r>
+            <a:endParaRPr lang="en-US" altLang="ko-KR" sz="2000" b="1" kern="0" dirty="0">
+              <a:solidFill>
+                <a:sysClr val="windowText" lastClr="000000"/>
+              </a:solidFill>
+              <a:cs typeface="Malgun Gothic"/>
+            </a:endParaRPr>
           </a:p>
           <a:p>
             <a:pPr marL="812800" lvl="1" indent="-342900" latinLnBrk="0">
@@ -4671,13 +5018,73 @@
               <a:buChar char="§"/>
             </a:pPr>
             <a:r>
-              <a:rPr lang="ko-KR" altLang="en-US" sz="2000" b="1" kern="0" dirty="0" err="1">
+              <a:rPr lang="ko-KR" altLang="en-US" sz="2000" dirty="0" err="1"/>
+              <a:t>초매개변수인</a:t>
+            </a:r>
+            <a:r>
+              <a:rPr lang="ko-KR" altLang="en-US" sz="2000" dirty="0"/>
+              <a:t> 나무의 수는 </a:t>
+            </a:r>
+            <a:r>
+              <a:rPr lang="en-US" altLang="ko-KR" sz="2000" dirty="0"/>
+              <a:t>Oshiro </a:t>
+            </a:r>
+            <a:r>
+              <a:rPr lang="ko-KR" altLang="en-US" sz="2000" dirty="0"/>
+              <a:t>등</a:t>
+            </a:r>
+            <a:r>
+              <a:rPr lang="en-US" altLang="ko-KR" sz="2000" dirty="0"/>
+              <a:t>[5]</a:t>
+            </a:r>
+            <a:r>
+              <a:rPr lang="ko-KR" altLang="en-US" sz="2000" dirty="0"/>
+              <a:t>의 연구에서 제안한 값인 </a:t>
+            </a:r>
+            <a:r>
+              <a:rPr lang="en-US" altLang="ko-KR" sz="2000" dirty="0"/>
+              <a:t>128 </a:t>
+            </a:r>
+            <a:r>
+              <a:rPr lang="ko-KR" altLang="en-US" sz="2000" dirty="0"/>
+              <a:t>사용</a:t>
+            </a:r>
+            <a:endParaRPr lang="en-US" altLang="ko-KR" sz="2000" dirty="0"/>
+          </a:p>
+          <a:p>
+            <a:pPr marL="812800" lvl="1" indent="-342900" latinLnBrk="0">
+              <a:spcBef>
+                <a:spcPts val="915"/>
+              </a:spcBef>
+              <a:buFont typeface="Wingdings" panose="05000000000000000000" pitchFamily="2" charset="2"/>
+              <a:buChar char="§"/>
+            </a:pPr>
+            <a:r>
+              <a:rPr lang="ko-KR" altLang="en-US" sz="2000" kern="0" dirty="0">
                 <a:solidFill>
                   <a:sysClr val="windowText" lastClr="000000"/>
                 </a:solidFill>
                 <a:cs typeface="Malgun Gothic"/>
               </a:rPr>
-              <a:t>ㅇㅇ</a:t>
+              <a:t>변수 중요도는 지니 불순도</a:t>
+            </a:r>
+            <a:r>
+              <a:rPr lang="en-US" altLang="ko-KR" sz="2000" kern="0" dirty="0">
+                <a:solidFill>
+                  <a:sysClr val="windowText" lastClr="000000"/>
+                </a:solidFill>
+                <a:cs typeface="Malgun Gothic"/>
+              </a:rPr>
+              <a:t>(impurity) </a:t>
+            </a:r>
+            <a:r>
+              <a:rPr lang="ko-KR" altLang="en-US" sz="2000" kern="0" dirty="0">
+                <a:solidFill>
+                  <a:sysClr val="windowText" lastClr="000000"/>
+                </a:solidFill>
+                <a:cs typeface="Malgun Gothic"/>
+              </a:rPr>
+              <a:t>사용</a:t>
             </a:r>
             <a:endParaRPr lang="en-US" altLang="ko-KR" sz="2000" kern="0" dirty="0">
               <a:solidFill>
@@ -4686,42 +5093,270 @@
               <a:cs typeface="Malgun Gothic"/>
             </a:endParaRPr>
           </a:p>
+          <a:p>
+            <a:pPr marL="812800" lvl="1" indent="-342900" latinLnBrk="0">
+              <a:spcBef>
+                <a:spcPts val="915"/>
+              </a:spcBef>
+              <a:buFont typeface="Wingdings" panose="05000000000000000000" pitchFamily="2" charset="2"/>
+              <a:buChar char="§"/>
+            </a:pPr>
+            <a:r>
+              <a:rPr lang="ko-KR" altLang="en-US" sz="2000" kern="0" dirty="0">
+                <a:solidFill>
+                  <a:sysClr val="windowText" lastClr="000000"/>
+                </a:solidFill>
+                <a:cs typeface="Malgun Gothic"/>
+              </a:rPr>
+              <a:t>최근 추세를 반영하기 위해 </a:t>
+            </a:r>
+            <a:r>
+              <a:rPr lang="en-US" altLang="ko-KR" sz="2000" b="1" kern="0" dirty="0">
+                <a:solidFill>
+                  <a:srgbClr val="002060"/>
+                </a:solidFill>
+                <a:cs typeface="Malgun Gothic"/>
+              </a:rPr>
+              <a:t>Sliding Window</a:t>
+            </a:r>
+            <a:r>
+              <a:rPr lang="en-US" altLang="ko-KR" sz="2000" b="1" kern="0" dirty="0">
+                <a:solidFill>
+                  <a:sysClr val="windowText" lastClr="000000"/>
+                </a:solidFill>
+                <a:cs typeface="Malgun Gothic"/>
+              </a:rPr>
+              <a:t> </a:t>
+            </a:r>
+            <a:r>
+              <a:rPr lang="ko-KR" altLang="en-US" sz="2000" kern="0" dirty="0">
+                <a:solidFill>
+                  <a:sysClr val="windowText" lastClr="000000"/>
+                </a:solidFill>
+                <a:cs typeface="Malgun Gothic"/>
+              </a:rPr>
+              <a:t>방식을 사용해 모델링 수행</a:t>
+            </a:r>
+            <a:endParaRPr lang="en-US" altLang="ko-KR" sz="2000" kern="0" dirty="0">
+              <a:solidFill>
+                <a:sysClr val="windowText" lastClr="000000"/>
+              </a:solidFill>
+              <a:cs typeface="Malgun Gothic"/>
+            </a:endParaRPr>
+          </a:p>
         </p:txBody>
       </p:sp>
-      <p:pic>
-        <p:nvPicPr>
-          <p:cNvPr id="2" name="그림 1">
-            <a:extLst>
-              <a:ext uri="{FF2B5EF4-FFF2-40B4-BE49-F238E27FC236}">
-                <a16:creationId xmlns:a16="http://schemas.microsoft.com/office/drawing/2014/main" id="{1B7455D9-43A2-4EEB-8BFF-497E80E50479}"/>
-              </a:ext>
-            </a:extLst>
-          </p:cNvPr>
-          <p:cNvPicPr>
-            <a:picLocks noChangeAspect="1"/>
-          </p:cNvPicPr>
+      <p:grpSp>
+        <p:nvGrpSpPr>
+          <p:cNvPr id="5" name="그룹 4">
+            <a:extLst>
+              <a:ext uri="{FF2B5EF4-FFF2-40B4-BE49-F238E27FC236}">
+                <a16:creationId xmlns:a16="http://schemas.microsoft.com/office/drawing/2014/main" id="{F42C4D40-10CE-47F5-B8D5-759B277E3082}"/>
+              </a:ext>
+            </a:extLst>
+          </p:cNvPr>
+          <p:cNvGrpSpPr/>
           <p:nvPr/>
-        </p:nvPicPr>
-        <p:blipFill>
-          <a:blip r:embed="rId4"/>
-          <a:stretch>
-            <a:fillRect/>
-          </a:stretch>
-        </p:blipFill>
-        <p:spPr>
+        </p:nvGrpSpPr>
+        <p:grpSpPr>
           <a:xfrm>
-            <a:off x="1232818" y="2254691"/>
-            <a:ext cx="9827403" cy="3038996"/>
+            <a:off x="879512" y="3312188"/>
+            <a:ext cx="10432975" cy="2622566"/>
+            <a:chOff x="956052" y="3252674"/>
+            <a:chExt cx="10432975" cy="2622566"/>
           </a:xfrm>
-          <a:prstGeom prst="rect">
-            <a:avLst/>
-          </a:prstGeom>
-        </p:spPr>
-      </p:pic>
+        </p:grpSpPr>
+        <p:pic>
+          <p:nvPicPr>
+            <p:cNvPr id="1026" name="Picture 2" descr="Random Forest Regression. Random Forest Regression is a… | by chaya | Level  Up Coding">
+              <a:extLst>
+                <a:ext uri="{FF2B5EF4-FFF2-40B4-BE49-F238E27FC236}">
+                  <a16:creationId xmlns:a16="http://schemas.microsoft.com/office/drawing/2014/main" id="{C4A2E2C3-031F-4D15-922E-75F2193B5AC6}"/>
+                </a:ext>
+              </a:extLst>
+            </p:cNvPr>
+            <p:cNvPicPr>
+              <a:picLocks noChangeAspect="1" noChangeArrowheads="1"/>
+            </p:cNvPicPr>
+            <p:nvPr/>
+          </p:nvPicPr>
+          <p:blipFill>
+            <a:blip r:embed="rId2">
+              <a:extLst>
+                <a:ext uri="{28A0092B-C50C-407E-A947-70E740481C1C}">
+                  <a14:useLocalDpi xmlns:a14="http://schemas.microsoft.com/office/drawing/2010/main" val="0"/>
+                </a:ext>
+              </a:extLst>
+            </a:blip>
+            <a:srcRect/>
+            <a:stretch>
+              <a:fillRect/>
+            </a:stretch>
+          </p:blipFill>
+          <p:spPr bwMode="auto">
+            <a:xfrm>
+              <a:off x="956052" y="3252674"/>
+              <a:ext cx="4529544" cy="2620265"/>
+            </a:xfrm>
+            <a:prstGeom prst="rect">
+              <a:avLst/>
+            </a:prstGeom>
+            <a:noFill/>
+            <a:extLst>
+              <a:ext uri="{909E8E84-426E-40DD-AFC4-6F175D3DCCD1}">
+                <a14:hiddenFill xmlns:a14="http://schemas.microsoft.com/office/drawing/2010/main">
+                  <a:solidFill>
+                    <a:srgbClr val="FFFFFF"/>
+                  </a:solidFill>
+                </a14:hiddenFill>
+              </a:ext>
+            </a:extLst>
+          </p:spPr>
+        </p:pic>
+        <p:pic>
+          <p:nvPicPr>
+            <p:cNvPr id="12" name="Picture 2" descr="Omphalos, Uber's Parallel and Language-Extensible Time Series Backtesting  Tool - 雷竞技电脑版,raybet雷电竞官网,雷电竞网页">
+              <a:extLst>
+                <a:ext uri="{FF2B5EF4-FFF2-40B4-BE49-F238E27FC236}">
+                  <a16:creationId xmlns:a16="http://schemas.microsoft.com/office/drawing/2014/main" id="{F9D413B2-0613-4B48-BFB8-27C8660BEF97}"/>
+                </a:ext>
+              </a:extLst>
+            </p:cNvPr>
+            <p:cNvPicPr>
+              <a:picLocks noChangeAspect="1" noChangeArrowheads="1"/>
+            </p:cNvPicPr>
+            <p:nvPr/>
+          </p:nvPicPr>
+          <p:blipFill>
+            <a:blip r:embed="rId3">
+              <a:extLst>
+                <a:ext uri="{28A0092B-C50C-407E-A947-70E740481C1C}">
+                  <a14:useLocalDpi xmlns:a14="http://schemas.microsoft.com/office/drawing/2010/main" val="0"/>
+                </a:ext>
+              </a:extLst>
+            </a:blip>
+            <a:srcRect/>
+            <a:stretch>
+              <a:fillRect/>
+            </a:stretch>
+          </p:blipFill>
+          <p:spPr bwMode="auto">
+            <a:xfrm>
+              <a:off x="6365209" y="3254975"/>
+              <a:ext cx="5023818" cy="2620265"/>
+            </a:xfrm>
+            <a:prstGeom prst="rect">
+              <a:avLst/>
+            </a:prstGeom>
+            <a:noFill/>
+            <a:extLst>
+              <a:ext uri="{909E8E84-426E-40DD-AFC4-6F175D3DCCD1}">
+                <a14:hiddenFill xmlns:a14="http://schemas.microsoft.com/office/drawing/2010/main">
+                  <a:solidFill>
+                    <a:srgbClr val="FFFFFF"/>
+                  </a:solidFill>
+                </a14:hiddenFill>
+              </a:ext>
+            </a:extLst>
+          </p:spPr>
+        </p:pic>
+      </p:grpSp>
+      <p:grpSp>
+        <p:nvGrpSpPr>
+          <p:cNvPr id="13" name="그룹 12">
+            <a:extLst>
+              <a:ext uri="{FF2B5EF4-FFF2-40B4-BE49-F238E27FC236}">
+                <a16:creationId xmlns:a16="http://schemas.microsoft.com/office/drawing/2014/main" id="{69C5AA96-16D6-4F35-9749-3DB555C04815}"/>
+              </a:ext>
+            </a:extLst>
+          </p:cNvPr>
+          <p:cNvGrpSpPr/>
+          <p:nvPr/>
+        </p:nvGrpSpPr>
+        <p:grpSpPr>
+          <a:xfrm>
+            <a:off x="9250532" y="6219306"/>
+            <a:ext cx="2776842" cy="457642"/>
+            <a:chOff x="8473734" y="6091284"/>
+            <a:chExt cx="3553640" cy="585664"/>
+          </a:xfrm>
+        </p:grpSpPr>
+        <p:pic>
+          <p:nvPicPr>
+            <p:cNvPr id="14" name="그림 13">
+              <a:extLst>
+                <a:ext uri="{FF2B5EF4-FFF2-40B4-BE49-F238E27FC236}">
+                  <a16:creationId xmlns:a16="http://schemas.microsoft.com/office/drawing/2014/main" id="{DD6C0931-0603-4DD0-91D1-00390C2BA799}"/>
+                </a:ext>
+              </a:extLst>
+            </p:cNvPr>
+            <p:cNvPicPr>
+              <a:picLocks noChangeAspect="1"/>
+            </p:cNvPicPr>
+            <p:nvPr/>
+          </p:nvPicPr>
+          <p:blipFill rotWithShape="1">
+            <a:blip r:embed="rId4">
+              <a:extLst>
+                <a:ext uri="{28A0092B-C50C-407E-A947-70E740481C1C}">
+                  <a14:useLocalDpi xmlns:a14="http://schemas.microsoft.com/office/drawing/2010/main" val="0"/>
+                </a:ext>
+              </a:extLst>
+            </a:blip>
+            <a:srcRect l="74535" t="3851" r="5686" b="50143"/>
+            <a:stretch/>
+          </p:blipFill>
+          <p:spPr>
+            <a:xfrm>
+              <a:off x="8473734" y="6091284"/>
+              <a:ext cx="1353669" cy="585664"/>
+            </a:xfrm>
+            <a:prstGeom prst="rect">
+              <a:avLst/>
+            </a:prstGeom>
+          </p:spPr>
+        </p:pic>
+        <p:pic>
+          <p:nvPicPr>
+            <p:cNvPr id="15" name="그림 14">
+              <a:extLst>
+                <a:ext uri="{FF2B5EF4-FFF2-40B4-BE49-F238E27FC236}">
+                  <a16:creationId xmlns:a16="http://schemas.microsoft.com/office/drawing/2014/main" id="{CC4A85D0-EC16-448D-BDB2-66760B3930E5}"/>
+                </a:ext>
+              </a:extLst>
+            </p:cNvPr>
+            <p:cNvPicPr>
+              <a:picLocks noChangeAspect="1"/>
+            </p:cNvPicPr>
+            <p:nvPr/>
+          </p:nvPicPr>
+          <p:blipFill>
+            <a:blip r:embed="rId5" cstate="hqprint">
+              <a:extLst>
+                <a:ext uri="{28A0092B-C50C-407E-A947-70E740481C1C}">
+                  <a14:useLocalDpi xmlns:a14="http://schemas.microsoft.com/office/drawing/2010/main" val="0"/>
+                </a:ext>
+              </a:extLst>
+            </a:blip>
+            <a:stretch>
+              <a:fillRect/>
+            </a:stretch>
+          </p:blipFill>
+          <p:spPr>
+            <a:xfrm>
+              <a:off x="9827403" y="6172124"/>
+              <a:ext cx="2199971" cy="423985"/>
+            </a:xfrm>
+            <a:prstGeom prst="rect">
+              <a:avLst/>
+            </a:prstGeom>
+          </p:spPr>
+        </p:pic>
+      </p:grpSp>
     </p:spTree>
     <p:extLst>
       <p:ext uri="{BB962C8B-B14F-4D97-AF65-F5344CB8AC3E}">
-        <p14:creationId xmlns:p14="http://schemas.microsoft.com/office/powerpoint/2010/main" val="4077995458"/>
+        <p14:creationId xmlns:p14="http://schemas.microsoft.com/office/powerpoint/2010/main" val="2134005768"/>
       </p:ext>
     </p:extLst>
   </p:cSld>
@@ -4748,77 +5383,6 @@
           <a:chExt cx="0" cy="0"/>
         </a:xfrm>
       </p:grpSpPr>
-      <p:pic>
-        <p:nvPicPr>
-          <p:cNvPr id="20" name="그림 19">
-            <a:extLst>
-              <a:ext uri="{FF2B5EF4-FFF2-40B4-BE49-F238E27FC236}">
-                <a16:creationId xmlns:a16="http://schemas.microsoft.com/office/drawing/2014/main" id="{A87EDB79-AE8E-46E3-B956-281C41A7ED3A}"/>
-              </a:ext>
-            </a:extLst>
-          </p:cNvPr>
-          <p:cNvPicPr>
-            <a:picLocks noChangeAspect="1"/>
-          </p:cNvPicPr>
-          <p:nvPr/>
-        </p:nvPicPr>
-        <p:blipFill rotWithShape="1">
-          <a:blip r:embed="rId2">
-            <a:extLst>
-              <a:ext uri="{28A0092B-C50C-407E-A947-70E740481C1C}">
-                <a14:useLocalDpi xmlns:a14="http://schemas.microsoft.com/office/drawing/2010/main" val="0"/>
-              </a:ext>
-            </a:extLst>
-          </a:blip>
-          <a:srcRect l="74535" t="3851" r="5686" b="50143"/>
-          <a:stretch/>
-        </p:blipFill>
-        <p:spPr>
-          <a:xfrm>
-            <a:off x="8473734" y="6091284"/>
-            <a:ext cx="1353669" cy="585664"/>
-          </a:xfrm>
-          <a:prstGeom prst="rect">
-            <a:avLst/>
-          </a:prstGeom>
-        </p:spPr>
-      </p:pic>
-      <p:pic>
-        <p:nvPicPr>
-          <p:cNvPr id="21" name="그림 20">
-            <a:extLst>
-              <a:ext uri="{FF2B5EF4-FFF2-40B4-BE49-F238E27FC236}">
-                <a16:creationId xmlns:a16="http://schemas.microsoft.com/office/drawing/2014/main" id="{25EA5F27-CB8A-4DD7-A41E-73A6B46FF164}"/>
-              </a:ext>
-            </a:extLst>
-          </p:cNvPr>
-          <p:cNvPicPr>
-            <a:picLocks noChangeAspect="1"/>
-          </p:cNvPicPr>
-          <p:nvPr/>
-        </p:nvPicPr>
-        <p:blipFill>
-          <a:blip r:embed="rId3" cstate="hqprint">
-            <a:extLst>
-              <a:ext uri="{28A0092B-C50C-407E-A947-70E740481C1C}">
-                <a14:useLocalDpi xmlns:a14="http://schemas.microsoft.com/office/drawing/2010/main" val="0"/>
-              </a:ext>
-            </a:extLst>
-          </a:blip>
-          <a:stretch>
-            <a:fillRect/>
-          </a:stretch>
-        </p:blipFill>
-        <p:spPr>
-          <a:xfrm>
-            <a:off x="9827403" y="6172124"/>
-            <a:ext cx="2199971" cy="423985"/>
-          </a:xfrm>
-          <a:prstGeom prst="rect">
-            <a:avLst/>
-          </a:prstGeom>
-        </p:spPr>
-      </p:pic>
       <p:sp>
         <p:nvSpPr>
           <p:cNvPr id="9" name="object 2">
@@ -4892,7 +5456,7 @@
                 <a:latin typeface="맑은 고딕" panose="020B0503020000020004" pitchFamily="50" charset="-127"/>
                 <a:ea typeface="맑은 고딕" panose="020B0503020000020004" pitchFamily="50" charset="-127"/>
               </a:rPr>
-              <a:t>실험 및 결과 </a:t>
+              <a:t>모델링 실험</a:t>
             </a:r>
             <a:endParaRPr kumimoji="0" lang="ko-KR" altLang="en-US" sz="3200" b="1" i="0" u="none" strike="noStrike" kern="0" cap="none" spc="0" normalizeH="0" baseline="0" noProof="0" dirty="0">
               <a:ln>
@@ -4993,8 +5557,8 @@
           </a:p>
         </p:txBody>
       </p:sp>
-      <mc:AlternateContent xmlns:mc="http://schemas.openxmlformats.org/markup-compatibility/2006" xmlns:a14="http://schemas.microsoft.com/office/drawing/2010/main">
-        <mc:Choice Requires="a14">
+      <mc:AlternateContent xmlns:mc="http://schemas.openxmlformats.org/markup-compatibility/2006">
+        <mc:Choice xmlns:a14="http://schemas.microsoft.com/office/drawing/2010/main" Requires="a14">
           <p:sp>
             <p:nvSpPr>
               <p:cNvPr id="11" name="object 3">
@@ -5244,17 +5808,18 @@
                       </a:rPr>
                       <m:t>𝑡</m:t>
                     </m:r>
+                    <m:r>
+                      <a:rPr lang="en-US" altLang="ko-KR" sz="2000" b="0" i="0" kern="0" dirty="0" smtClean="0">
+                        <a:solidFill>
+                          <a:sysClr val="windowText" lastClr="000000"/>
+                        </a:solidFill>
+                        <a:latin typeface="Cambria Math" panose="02040503050406030204" pitchFamily="18" charset="0"/>
+                        <a:cs typeface="Malgun Gothic"/>
+                      </a:rPr>
+                      <m:t> </m:t>
+                    </m:r>
                   </m:oMath>
                 </a14:m>
-                <a:r>
-                  <a:rPr lang="en-US" altLang="ko-KR" sz="2000" kern="0" dirty="0">
-                    <a:solidFill>
-                      <a:sysClr val="windowText" lastClr="000000"/>
-                    </a:solidFill>
-                    <a:cs typeface="Malgun Gothic"/>
-                  </a:rPr>
-                  <a:t> </a:t>
-                </a:r>
                 <a:r>
                   <a:rPr lang="ko-KR" altLang="en-US" sz="2000" kern="0" dirty="0">
                     <a:solidFill>
@@ -5283,7 +5848,7 @@
             </p:txBody>
           </p:sp>
         </mc:Choice>
-        <mc:Fallback xmlns="">
+        <mc:Fallback>
           <p:sp>
             <p:nvSpPr>
               <p:cNvPr id="11" name="object 3">
@@ -5307,7 +5872,7 @@
                 <a:avLst/>
               </a:prstGeom>
               <a:blipFill>
-                <a:blip r:embed="rId4"/>
+                <a:blip r:embed="rId2"/>
                 <a:stretch>
                   <a:fillRect l="-1189" b="-17986"/>
                 </a:stretch>
@@ -5328,8 +5893,8 @@
           </p:sp>
         </mc:Fallback>
       </mc:AlternateContent>
-      <mc:AlternateContent xmlns:mc="http://schemas.openxmlformats.org/markup-compatibility/2006" xmlns:a14="http://schemas.microsoft.com/office/drawing/2010/main">
-        <mc:Choice Requires="a14">
+      <mc:AlternateContent xmlns:mc="http://schemas.openxmlformats.org/markup-compatibility/2006">
+        <mc:Choice xmlns:a14="http://schemas.microsoft.com/office/drawing/2010/main" Requires="a14">
           <p:sp>
             <p:nvSpPr>
               <p:cNvPr id="8" name="object 3">
@@ -5345,7 +5910,7 @@
             <p:spPr>
               <a:xfrm>
                 <a:off x="430250" y="3897987"/>
-                <a:ext cx="11275060" cy="855427"/>
+                <a:ext cx="11275060" cy="856645"/>
               </a:xfrm>
               <a:prstGeom prst="rect">
                 <a:avLst/>
@@ -5394,39 +5959,30 @@
                       <m:t> </m:t>
                     </m:r>
                     <m:r>
-                      <a:rPr lang="ko-KR" altLang="en-US" sz="2000" i="1" kern="0" dirty="0">
+                      <a:rPr lang="ko-KR" altLang="en-US" sz="2000" i="0" kern="0" dirty="0">
                         <a:solidFill>
                           <a:sysClr val="windowText" lastClr="000000"/>
                         </a:solidFill>
-                        <a:latin typeface="Cambria Math" panose="02040503050406030204" pitchFamily="18" charset="0"/>
+                        <a:latin typeface="+mj-lt"/>
                       </a:rPr>
-                      <m:t>사</m:t>
-                    </m:r>
-                    <m:r>
-                      <a:rPr lang="ko-KR" altLang="en-US" sz="2000" i="1" kern="0" dirty="0" smtClean="0">
-                        <a:solidFill>
-                          <a:sysClr val="windowText" lastClr="000000"/>
-                        </a:solidFill>
-                        <a:latin typeface="Cambria Math" panose="02040503050406030204" pitchFamily="18" charset="0"/>
-                      </a:rPr>
-                      <m:t>용</m:t>
-                    </m:r>
-                    <m:r>
-                      <a:rPr lang="ko-KR" altLang="en-US" sz="2000" i="1" kern="0" dirty="0">
-                        <a:solidFill>
-                          <a:sysClr val="windowText" lastClr="000000"/>
-                        </a:solidFill>
-                        <a:latin typeface="Cambria Math" panose="02040503050406030204" pitchFamily="18" charset="0"/>
-                      </a:rPr>
-                      <m:t>함</m:t>
+                      <m:t>활</m:t>
                     </m:r>
                   </m:oMath>
                 </a14:m>
-                <a:endParaRPr lang="en-US" altLang="ko-KR" sz="2000" i="1" kern="0" dirty="0">
+                <a:r>
+                  <a:rPr lang="ko-KR" altLang="en-US" sz="2000" kern="0" dirty="0">
+                    <a:solidFill>
+                      <a:sysClr val="windowText" lastClr="000000"/>
+                    </a:solidFill>
+                    <a:latin typeface="+mj-lt"/>
+                  </a:rPr>
+                  <a:t>용함</a:t>
+                </a:r>
+                <a:endParaRPr lang="en-US" altLang="ko-KR" sz="2000" kern="0" dirty="0">
                   <a:solidFill>
                     <a:sysClr val="windowText" lastClr="000000"/>
                   </a:solidFill>
-                  <a:latin typeface="Cambria Math" panose="02040503050406030204" pitchFamily="18" charset="0"/>
+                  <a:latin typeface="+mj-lt"/>
                 </a:endParaRPr>
               </a:p>
               <a:p>
@@ -5442,48 +5998,15 @@
                     <a:solidFill>
                       <a:sysClr val="windowText" lastClr="000000"/>
                     </a:solidFill>
-                    <a:cs typeface="Malgun Gothic"/>
+                    <a:latin typeface="+mj-lt"/>
                   </a:rPr>
-                  <a:t>Training Set</a:t>
+                  <a:t>Train</a:t>
                 </a:r>
-                <a:r>
-                  <a:rPr lang="ko-KR" altLang="en-US" sz="2000" kern="0" dirty="0">
-                    <a:solidFill>
-                      <a:sysClr val="windowText" lastClr="000000"/>
-                    </a:solidFill>
-                    <a:cs typeface="Malgun Gothic"/>
-                  </a:rPr>
-                  <a:t>과 </a:t>
-                </a:r>
-                <a:r>
-                  <a:rPr lang="en-US" altLang="ko-KR" sz="2000" kern="0" dirty="0">
-                    <a:solidFill>
-                      <a:sysClr val="windowText" lastClr="000000"/>
-                    </a:solidFill>
-                    <a:cs typeface="Malgun Gothic"/>
-                  </a:rPr>
-                  <a:t>Test Set </a:t>
-                </a:r>
-                <a:r>
-                  <a:rPr lang="ko-KR" altLang="en-US" sz="2000" kern="0" dirty="0">
-                    <a:solidFill>
-                      <a:sysClr val="windowText" lastClr="000000"/>
-                    </a:solidFill>
-                    <a:cs typeface="Malgun Gothic"/>
-                  </a:rPr>
-                  <a:t>약 </a:t>
-                </a:r>
-                <a:endParaRPr lang="en-US" altLang="ko-KR" sz="2000" kern="0" dirty="0">
-                  <a:solidFill>
-                    <a:sysClr val="windowText" lastClr="000000"/>
-                  </a:solidFill>
-                  <a:cs typeface="Malgun Gothic"/>
-                </a:endParaRPr>
               </a:p>
             </p:txBody>
           </p:sp>
         </mc:Choice>
-        <mc:Fallback xmlns="">
+        <mc:Fallback>
           <p:sp>
             <p:nvSpPr>
               <p:cNvPr id="8" name="object 3">
@@ -5501,13 +6024,13 @@
             <p:spPr>
               <a:xfrm>
                 <a:off x="430250" y="3897987"/>
-                <a:ext cx="11275060" cy="855427"/>
+                <a:ext cx="11275060" cy="856645"/>
               </a:xfrm>
               <a:prstGeom prst="rect">
                 <a:avLst/>
               </a:prstGeom>
               <a:blipFill>
-                <a:blip r:embed="rId5"/>
+                <a:blip r:embed="rId3"/>
                 <a:stretch>
                   <a:fillRect l="-1190" b="-17021"/>
                 </a:stretch>
@@ -5528,6 +6051,379 @@
           </p:sp>
         </mc:Fallback>
       </mc:AlternateContent>
+      <mc:AlternateContent xmlns:mc="http://schemas.openxmlformats.org/markup-compatibility/2006">
+        <mc:Choice xmlns:a14="http://schemas.microsoft.com/office/drawing/2010/main" Requires="a14">
+          <p:sp>
+            <p:nvSpPr>
+              <p:cNvPr id="12" name="TextBox 11">
+                <a:extLst>
+                  <a:ext uri="{FF2B5EF4-FFF2-40B4-BE49-F238E27FC236}">
+                    <a16:creationId xmlns:a16="http://schemas.microsoft.com/office/drawing/2014/main" id="{F2A6CCE4-A388-4FA1-BFB0-666C17AAF69E}"/>
+                  </a:ext>
+                </a:extLst>
+              </p:cNvPr>
+              <p:cNvSpPr txBox="1"/>
+              <p:nvPr/>
+            </p:nvSpPr>
+            <p:spPr>
+              <a:xfrm>
+                <a:off x="4303955" y="2466044"/>
+                <a:ext cx="3584090" cy="1077603"/>
+              </a:xfrm>
+              <a:prstGeom prst="rect">
+                <a:avLst/>
+              </a:prstGeom>
+              <a:noFill/>
+            </p:spPr>
+            <p:txBody>
+              <a:bodyPr wrap="square" lIns="0" tIns="0" rIns="0" bIns="0" rtlCol="0">
+                <a:spAutoFit/>
+              </a:bodyPr>
+              <a:lstStyle/>
+              <a:p>
+                <a:pPr/>
+                <a14:m>
+                  <m:oMathPara xmlns:m="http://schemas.openxmlformats.org/officeDocument/2006/math">
+                    <m:oMathParaPr>
+                      <m:jc m:val="centerGroup"/>
+                    </m:oMathParaPr>
+                    <m:oMath xmlns:m="http://schemas.openxmlformats.org/officeDocument/2006/math">
+                      <m:r>
+                        <a:rPr lang="en-US" altLang="ko-KR" b="0" i="1" smtClean="0">
+                          <a:latin typeface="Cambria Math" panose="02040503050406030204" pitchFamily="18" charset="0"/>
+                        </a:rPr>
+                        <m:t>𝑅𝑀𝑆𝐸</m:t>
+                      </m:r>
+                      <m:r>
+                        <a:rPr lang="en-US" altLang="ko-KR" b="0" i="1" smtClean="0">
+                          <a:latin typeface="Cambria Math" panose="02040503050406030204" pitchFamily="18" charset="0"/>
+                        </a:rPr>
+                        <m:t>=</m:t>
+                      </m:r>
+                      <m:rad>
+                        <m:radPr>
+                          <m:degHide m:val="on"/>
+                          <m:ctrlPr>
+                            <a:rPr lang="en-US" altLang="ko-KR" b="0" i="1" smtClean="0">
+                              <a:latin typeface="Cambria Math" panose="02040503050406030204" pitchFamily="18" charset="0"/>
+                            </a:rPr>
+                          </m:ctrlPr>
+                        </m:radPr>
+                        <m:deg/>
+                        <m:e>
+                          <m:f>
+                            <m:fPr>
+                              <m:ctrlPr>
+                                <a:rPr lang="en-US" altLang="ko-KR" b="0" i="1" smtClean="0">
+                                  <a:latin typeface="Cambria Math" panose="02040503050406030204" pitchFamily="18" charset="0"/>
+                                </a:rPr>
+                              </m:ctrlPr>
+                            </m:fPr>
+                            <m:num>
+                              <m:r>
+                                <a:rPr lang="en-US" altLang="ko-KR" b="0" i="1" smtClean="0">
+                                  <a:latin typeface="Cambria Math" panose="02040503050406030204" pitchFamily="18" charset="0"/>
+                                </a:rPr>
+                                <m:t>1</m:t>
+                              </m:r>
+                            </m:num>
+                            <m:den>
+                              <m:r>
+                                <a:rPr lang="en-US" altLang="ko-KR" b="0" i="1" smtClean="0">
+                                  <a:latin typeface="Cambria Math" panose="02040503050406030204" pitchFamily="18" charset="0"/>
+                                </a:rPr>
+                                <m:t>𝑛</m:t>
+                              </m:r>
+                            </m:den>
+                          </m:f>
+                          <m:nary>
+                            <m:naryPr>
+                              <m:chr m:val="∑"/>
+                              <m:ctrlPr>
+                                <a:rPr lang="en-US" altLang="ko-KR" b="0" i="1" smtClean="0">
+                                  <a:latin typeface="Cambria Math" panose="02040503050406030204" pitchFamily="18" charset="0"/>
+                                </a:rPr>
+                              </m:ctrlPr>
+                            </m:naryPr>
+                            <m:sub>
+                              <m:r>
+                                <m:rPr>
+                                  <m:brk m:alnAt="23"/>
+                                </m:rPr>
+                                <a:rPr lang="en-US" altLang="ko-KR" b="0" i="1" smtClean="0">
+                                  <a:latin typeface="Cambria Math" panose="02040503050406030204" pitchFamily="18" charset="0"/>
+                                </a:rPr>
+                                <m:t>𝑡</m:t>
+                              </m:r>
+                              <m:r>
+                                <a:rPr lang="en-US" altLang="ko-KR" b="0" i="1" smtClean="0">
+                                  <a:latin typeface="Cambria Math" panose="02040503050406030204" pitchFamily="18" charset="0"/>
+                                </a:rPr>
+                                <m:t>=1</m:t>
+                              </m:r>
+                            </m:sub>
+                            <m:sup>
+                              <m:r>
+                                <a:rPr lang="en-US" altLang="ko-KR" b="0" i="1" smtClean="0">
+                                  <a:latin typeface="Cambria Math" panose="02040503050406030204" pitchFamily="18" charset="0"/>
+                                </a:rPr>
+                                <m:t>𝑛</m:t>
+                              </m:r>
+                            </m:sup>
+                            <m:e>
+                              <m:sSup>
+                                <m:sSupPr>
+                                  <m:ctrlPr>
+                                    <a:rPr lang="en-US" altLang="ko-KR" b="0" i="1" smtClean="0">
+                                      <a:latin typeface="Cambria Math" panose="02040503050406030204" pitchFamily="18" charset="0"/>
+                                    </a:rPr>
+                                  </m:ctrlPr>
+                                </m:sSupPr>
+                                <m:e>
+                                  <m:r>
+                                    <a:rPr lang="en-US" altLang="ko-KR" b="0" i="1" smtClean="0">
+                                      <a:latin typeface="Cambria Math" panose="02040503050406030204" pitchFamily="18" charset="0"/>
+                                    </a:rPr>
+                                    <m:t>(</m:t>
+                                  </m:r>
+                                  <m:sSub>
+                                    <m:sSubPr>
+                                      <m:ctrlPr>
+                                        <a:rPr lang="en-US" altLang="ko-KR" b="0" i="1" smtClean="0">
+                                          <a:latin typeface="Cambria Math" panose="02040503050406030204" pitchFamily="18" charset="0"/>
+                                        </a:rPr>
+                                      </m:ctrlPr>
+                                    </m:sSubPr>
+                                    <m:e>
+                                      <m:r>
+                                        <a:rPr lang="en-US" altLang="ko-KR" b="0" i="1" smtClean="0">
+                                          <a:latin typeface="Cambria Math" panose="02040503050406030204" pitchFamily="18" charset="0"/>
+                                        </a:rPr>
+                                        <m:t>𝑦</m:t>
+                                      </m:r>
+                                    </m:e>
+                                    <m:sub>
+                                      <m:r>
+                                        <a:rPr lang="en-US" altLang="ko-KR" b="0" i="1" smtClean="0">
+                                          <a:latin typeface="Cambria Math" panose="02040503050406030204" pitchFamily="18" charset="0"/>
+                                        </a:rPr>
+                                        <m:t>𝑡</m:t>
+                                      </m:r>
+                                    </m:sub>
+                                  </m:sSub>
+                                  <m:r>
+                                    <a:rPr lang="en-US" altLang="ko-KR" b="0" i="1" smtClean="0">
+                                      <a:latin typeface="Cambria Math" panose="02040503050406030204" pitchFamily="18" charset="0"/>
+                                    </a:rPr>
+                                    <m:t>−</m:t>
+                                  </m:r>
+                                  <m:sSub>
+                                    <m:sSubPr>
+                                      <m:ctrlPr>
+                                        <a:rPr lang="en-US" altLang="ko-KR" b="0" i="1" smtClean="0">
+                                          <a:latin typeface="Cambria Math" panose="02040503050406030204" pitchFamily="18" charset="0"/>
+                                        </a:rPr>
+                                      </m:ctrlPr>
+                                    </m:sSubPr>
+                                    <m:e>
+                                      <m:r>
+                                        <a:rPr lang="en-US" altLang="ko-KR" b="0" i="1" smtClean="0">
+                                          <a:latin typeface="Cambria Math" panose="02040503050406030204" pitchFamily="18" charset="0"/>
+                                        </a:rPr>
+                                        <m:t>𝑓</m:t>
+                                      </m:r>
+                                      <m:d>
+                                        <m:dPr>
+                                          <m:ctrlPr>
+                                            <a:rPr lang="en-US" altLang="ko-KR" b="0" i="1" smtClean="0">
+                                              <a:latin typeface="Cambria Math" panose="02040503050406030204" pitchFamily="18" charset="0"/>
+                                            </a:rPr>
+                                          </m:ctrlPr>
+                                        </m:dPr>
+                                        <m:e>
+                                          <m:r>
+                                            <a:rPr lang="en-US" altLang="ko-KR" b="0" i="1" smtClean="0">
+                                              <a:latin typeface="Cambria Math" panose="02040503050406030204" pitchFamily="18" charset="0"/>
+                                            </a:rPr>
+                                            <m:t>𝑥</m:t>
+                                          </m:r>
+                                        </m:e>
+                                      </m:d>
+                                    </m:e>
+                                    <m:sub>
+                                      <m:r>
+                                        <a:rPr lang="en-US" altLang="ko-KR" b="0" i="1" smtClean="0">
+                                          <a:latin typeface="Cambria Math" panose="02040503050406030204" pitchFamily="18" charset="0"/>
+                                        </a:rPr>
+                                        <m:t>𝑡</m:t>
+                                      </m:r>
+                                    </m:sub>
+                                  </m:sSub>
+                                  <m:r>
+                                    <a:rPr lang="en-US" altLang="ko-KR" b="0" i="1" smtClean="0">
+                                      <a:latin typeface="Cambria Math" panose="02040503050406030204" pitchFamily="18" charset="0"/>
+                                    </a:rPr>
+                                    <m:t>)</m:t>
+                                  </m:r>
+                                </m:e>
+                                <m:sup>
+                                  <m:r>
+                                    <a:rPr lang="en-US" altLang="ko-KR" b="0" i="1" smtClean="0">
+                                      <a:latin typeface="Cambria Math" panose="02040503050406030204" pitchFamily="18" charset="0"/>
+                                    </a:rPr>
+                                    <m:t>2</m:t>
+                                  </m:r>
+                                </m:sup>
+                              </m:sSup>
+                            </m:e>
+                          </m:nary>
+                        </m:e>
+                      </m:rad>
+                    </m:oMath>
+                  </m:oMathPara>
+                </a14:m>
+                <a:endParaRPr lang="ko-KR" altLang="en-US" dirty="0"/>
+              </a:p>
+            </p:txBody>
+          </p:sp>
+        </mc:Choice>
+        <mc:Fallback>
+          <p:sp>
+            <p:nvSpPr>
+              <p:cNvPr id="12" name="TextBox 11">
+                <a:extLst>
+                  <a:ext uri="{FF2B5EF4-FFF2-40B4-BE49-F238E27FC236}">
+                    <a16:creationId xmlns:a16="http://schemas.microsoft.com/office/drawing/2014/main" id="{F2A6CCE4-A388-4FA1-BFB0-666C17AAF69E}"/>
+                  </a:ext>
+                </a:extLst>
+              </p:cNvPr>
+              <p:cNvSpPr txBox="1">
+                <a:spLocks noRot="1" noChangeAspect="1" noMove="1" noResize="1" noEditPoints="1" noAdjustHandles="1" noChangeArrowheads="1" noChangeShapeType="1" noTextEdit="1"/>
+              </p:cNvSpPr>
+              <p:nvPr/>
+            </p:nvSpPr>
+            <p:spPr>
+              <a:xfrm>
+                <a:off x="4303955" y="2466044"/>
+                <a:ext cx="3584090" cy="1077603"/>
+              </a:xfrm>
+              <a:prstGeom prst="rect">
+                <a:avLst/>
+              </a:prstGeom>
+              <a:blipFill>
+                <a:blip r:embed="rId4"/>
+                <a:stretch>
+                  <a:fillRect b="-568"/>
+                </a:stretch>
+              </a:blipFill>
+            </p:spPr>
+            <p:txBody>
+              <a:bodyPr/>
+              <a:lstStyle/>
+              <a:p>
+                <a:r>
+                  <a:rPr lang="ko-KR" altLang="en-US">
+                    <a:noFill/>
+                  </a:rPr>
+                  <a:t> </a:t>
+                </a:r>
+              </a:p>
+            </p:txBody>
+          </p:sp>
+        </mc:Fallback>
+      </mc:AlternateContent>
+      <p:grpSp>
+        <p:nvGrpSpPr>
+          <p:cNvPr id="13" name="그룹 12">
+            <a:extLst>
+              <a:ext uri="{FF2B5EF4-FFF2-40B4-BE49-F238E27FC236}">
+                <a16:creationId xmlns:a16="http://schemas.microsoft.com/office/drawing/2014/main" id="{0809CA87-6DC4-48D6-B475-6DFD6667769B}"/>
+              </a:ext>
+            </a:extLst>
+          </p:cNvPr>
+          <p:cNvGrpSpPr/>
+          <p:nvPr/>
+        </p:nvGrpSpPr>
+        <p:grpSpPr>
+          <a:xfrm>
+            <a:off x="9250532" y="6219306"/>
+            <a:ext cx="2776842" cy="457642"/>
+            <a:chOff x="8473734" y="6091284"/>
+            <a:chExt cx="3553640" cy="585664"/>
+          </a:xfrm>
+        </p:grpSpPr>
+        <p:pic>
+          <p:nvPicPr>
+            <p:cNvPr id="14" name="그림 13">
+              <a:extLst>
+                <a:ext uri="{FF2B5EF4-FFF2-40B4-BE49-F238E27FC236}">
+                  <a16:creationId xmlns:a16="http://schemas.microsoft.com/office/drawing/2014/main" id="{97E92FBF-E735-4F1A-9222-56A3851715B6}"/>
+                </a:ext>
+              </a:extLst>
+            </p:cNvPr>
+            <p:cNvPicPr>
+              <a:picLocks noChangeAspect="1"/>
+            </p:cNvPicPr>
+            <p:nvPr/>
+          </p:nvPicPr>
+          <p:blipFill rotWithShape="1">
+            <a:blip r:embed="rId5">
+              <a:extLst>
+                <a:ext uri="{28A0092B-C50C-407E-A947-70E740481C1C}">
+                  <a14:useLocalDpi xmlns:a14="http://schemas.microsoft.com/office/drawing/2010/main" val="0"/>
+                </a:ext>
+              </a:extLst>
+            </a:blip>
+            <a:srcRect l="74535" t="3851" r="5686" b="50143"/>
+            <a:stretch/>
+          </p:blipFill>
+          <p:spPr>
+            <a:xfrm>
+              <a:off x="8473734" y="6091284"/>
+              <a:ext cx="1353669" cy="585664"/>
+            </a:xfrm>
+            <a:prstGeom prst="rect">
+              <a:avLst/>
+            </a:prstGeom>
+          </p:spPr>
+        </p:pic>
+        <p:pic>
+          <p:nvPicPr>
+            <p:cNvPr id="15" name="그림 14">
+              <a:extLst>
+                <a:ext uri="{FF2B5EF4-FFF2-40B4-BE49-F238E27FC236}">
+                  <a16:creationId xmlns:a16="http://schemas.microsoft.com/office/drawing/2014/main" id="{7AB86DD4-452C-4EDF-85BF-94F16641F497}"/>
+                </a:ext>
+              </a:extLst>
+            </p:cNvPr>
+            <p:cNvPicPr>
+              <a:picLocks noChangeAspect="1"/>
+            </p:cNvPicPr>
+            <p:nvPr/>
+          </p:nvPicPr>
+          <p:blipFill>
+            <a:blip r:embed="rId6" cstate="hqprint">
+              <a:extLst>
+                <a:ext uri="{28A0092B-C50C-407E-A947-70E740481C1C}">
+                  <a14:useLocalDpi xmlns:a14="http://schemas.microsoft.com/office/drawing/2010/main" val="0"/>
+                </a:ext>
+              </a:extLst>
+            </a:blip>
+            <a:stretch>
+              <a:fillRect/>
+            </a:stretch>
+          </p:blipFill>
+          <p:spPr>
+            <a:xfrm>
+              <a:off x="9827403" y="6172124"/>
+              <a:ext cx="2199971" cy="423985"/>
+            </a:xfrm>
+            <a:prstGeom prst="rect">
+              <a:avLst/>
+            </a:prstGeom>
+          </p:spPr>
+        </p:pic>
+      </p:grpSp>
     </p:spTree>
     <p:extLst>
       <p:ext uri="{BB962C8B-B14F-4D97-AF65-F5344CB8AC3E}">
@@ -5558,77 +6454,6 @@
           <a:chExt cx="0" cy="0"/>
         </a:xfrm>
       </p:grpSpPr>
-      <p:pic>
-        <p:nvPicPr>
-          <p:cNvPr id="20" name="그림 19">
-            <a:extLst>
-              <a:ext uri="{FF2B5EF4-FFF2-40B4-BE49-F238E27FC236}">
-                <a16:creationId xmlns:a16="http://schemas.microsoft.com/office/drawing/2014/main" id="{A87EDB79-AE8E-46E3-B956-281C41A7ED3A}"/>
-              </a:ext>
-            </a:extLst>
-          </p:cNvPr>
-          <p:cNvPicPr>
-            <a:picLocks noChangeAspect="1"/>
-          </p:cNvPicPr>
-          <p:nvPr/>
-        </p:nvPicPr>
-        <p:blipFill rotWithShape="1">
-          <a:blip r:embed="rId2">
-            <a:extLst>
-              <a:ext uri="{28A0092B-C50C-407E-A947-70E740481C1C}">
-                <a14:useLocalDpi xmlns:a14="http://schemas.microsoft.com/office/drawing/2010/main" val="0"/>
-              </a:ext>
-            </a:extLst>
-          </a:blip>
-          <a:srcRect l="74535" t="3851" r="5686" b="50143"/>
-          <a:stretch/>
-        </p:blipFill>
-        <p:spPr>
-          <a:xfrm>
-            <a:off x="8473734" y="6091284"/>
-            <a:ext cx="1353669" cy="585664"/>
-          </a:xfrm>
-          <a:prstGeom prst="rect">
-            <a:avLst/>
-          </a:prstGeom>
-        </p:spPr>
-      </p:pic>
-      <p:pic>
-        <p:nvPicPr>
-          <p:cNvPr id="21" name="그림 20">
-            <a:extLst>
-              <a:ext uri="{FF2B5EF4-FFF2-40B4-BE49-F238E27FC236}">
-                <a16:creationId xmlns:a16="http://schemas.microsoft.com/office/drawing/2014/main" id="{25EA5F27-CB8A-4DD7-A41E-73A6B46FF164}"/>
-              </a:ext>
-            </a:extLst>
-          </p:cNvPr>
-          <p:cNvPicPr>
-            <a:picLocks noChangeAspect="1"/>
-          </p:cNvPicPr>
-          <p:nvPr/>
-        </p:nvPicPr>
-        <p:blipFill>
-          <a:blip r:embed="rId3" cstate="hqprint">
-            <a:extLst>
-              <a:ext uri="{28A0092B-C50C-407E-A947-70E740481C1C}">
-                <a14:useLocalDpi xmlns:a14="http://schemas.microsoft.com/office/drawing/2010/main" val="0"/>
-              </a:ext>
-            </a:extLst>
-          </a:blip>
-          <a:stretch>
-            <a:fillRect/>
-          </a:stretch>
-        </p:blipFill>
-        <p:spPr>
-          <a:xfrm>
-            <a:off x="9827403" y="6172124"/>
-            <a:ext cx="2199971" cy="423985"/>
-          </a:xfrm>
-          <a:prstGeom prst="rect">
-            <a:avLst/>
-          </a:prstGeom>
-        </p:spPr>
-      </p:pic>
       <p:sp>
         <p:nvSpPr>
           <p:cNvPr id="9" name="object 2">
@@ -5689,7 +6514,7 @@
               <a:defRPr/>
             </a:pPr>
             <a:r>
-              <a:rPr kumimoji="0" lang="en-US" altLang="ko-KR" sz="3200" b="1" i="0" u="none" strike="noStrike" kern="0" cap="none" spc="-25" normalizeH="0" baseline="0" noProof="0" dirty="0">
+              <a:rPr kumimoji="0" lang="ko-KR" altLang="en-US" sz="3200" b="1" i="0" u="none" strike="noStrike" kern="0" cap="none" spc="-25" normalizeH="0" baseline="0" noProof="0" dirty="0">
                 <a:ln>
                   <a:noFill/>
                 </a:ln>
@@ -5702,7 +6527,7 @@
                 <a:latin typeface="맑은 고딕" panose="020B0503020000020004" pitchFamily="50" charset="-127"/>
                 <a:ea typeface="맑은 고딕" panose="020B0503020000020004" pitchFamily="50" charset="-127"/>
               </a:rPr>
-              <a:t>Head</a:t>
+              <a:t>실험 및 결과 </a:t>
             </a:r>
             <a:endParaRPr kumimoji="0" lang="ko-KR" altLang="en-US" sz="3200" b="1" i="0" u="none" strike="noStrike" kern="0" cap="none" spc="0" normalizeH="0" baseline="0" noProof="0" dirty="0">
               <a:ln>
@@ -5818,7 +6643,7 @@
         <p:spPr>
           <a:xfrm>
             <a:off x="508990" y="1263396"/>
-            <a:ext cx="11275060" cy="848309"/>
+            <a:ext cx="11275060" cy="425116"/>
           </a:xfrm>
           <a:prstGeom prst="rect">
             <a:avLst/>
@@ -5838,31 +6663,13 @@
               <a:buChar char="§"/>
             </a:pPr>
             <a:r>
-              <a:rPr lang="en-US" altLang="ko-KR" sz="2000" b="1" kern="0" dirty="0">
+              <a:rPr lang="ko-KR" altLang="en-US" sz="2000" b="1" kern="0" dirty="0">
                 <a:solidFill>
                   <a:sysClr val="windowText" lastClr="000000"/>
                 </a:solidFill>
                 <a:cs typeface="Malgun Gothic"/>
               </a:rPr>
-              <a:t>Head</a:t>
-            </a:r>
-          </a:p>
-          <a:p>
-            <a:pPr marL="812800" lvl="1" indent="-342900" latinLnBrk="0">
-              <a:spcBef>
-                <a:spcPts val="915"/>
-              </a:spcBef>
-              <a:buFont typeface="Wingdings" panose="05000000000000000000" pitchFamily="2" charset="2"/>
-              <a:buChar char="§"/>
-            </a:pPr>
-            <a:r>
-              <a:rPr lang="ko-KR" altLang="en-US" sz="2000" b="1" kern="0" dirty="0" err="1">
-                <a:solidFill>
-                  <a:sysClr val="windowText" lastClr="000000"/>
-                </a:solidFill>
-                <a:cs typeface="Malgun Gothic"/>
-              </a:rPr>
-              <a:t>ㅇㅇ</a:t>
+              <a:t>기계 학습 기반의 일사량 예측 모델의 예측 정확성 비교</a:t>
             </a:r>
             <a:endParaRPr lang="en-US" altLang="ko-KR" sz="2000" kern="0" dirty="0">
               <a:solidFill>
@@ -5873,10 +6680,132 @@
           </a:p>
         </p:txBody>
       </p:sp>
+      <p:pic>
+        <p:nvPicPr>
+          <p:cNvPr id="2" name="그림 1">
+            <a:extLst>
+              <a:ext uri="{FF2B5EF4-FFF2-40B4-BE49-F238E27FC236}">
+                <a16:creationId xmlns:a16="http://schemas.microsoft.com/office/drawing/2014/main" id="{1B7455D9-43A2-4EEB-8BFF-497E80E50479}"/>
+              </a:ext>
+            </a:extLst>
+          </p:cNvPr>
+          <p:cNvPicPr>
+            <a:picLocks noChangeAspect="1"/>
+          </p:cNvPicPr>
+          <p:nvPr/>
+        </p:nvPicPr>
+        <p:blipFill>
+          <a:blip r:embed="rId2"/>
+          <a:stretch>
+            <a:fillRect/>
+          </a:stretch>
+        </p:blipFill>
+        <p:spPr>
+          <a:xfrm>
+            <a:off x="1232818" y="2254691"/>
+            <a:ext cx="9827403" cy="3038996"/>
+          </a:xfrm>
+          <a:prstGeom prst="rect">
+            <a:avLst/>
+          </a:prstGeom>
+        </p:spPr>
+      </p:pic>
+      <p:grpSp>
+        <p:nvGrpSpPr>
+          <p:cNvPr id="8" name="그룹 7">
+            <a:extLst>
+              <a:ext uri="{FF2B5EF4-FFF2-40B4-BE49-F238E27FC236}">
+                <a16:creationId xmlns:a16="http://schemas.microsoft.com/office/drawing/2014/main" id="{668E7250-425D-4CBF-A95B-0548D9813C21}"/>
+              </a:ext>
+            </a:extLst>
+          </p:cNvPr>
+          <p:cNvGrpSpPr/>
+          <p:nvPr/>
+        </p:nvGrpSpPr>
+        <p:grpSpPr>
+          <a:xfrm>
+            <a:off x="9250532" y="6219306"/>
+            <a:ext cx="2776842" cy="457642"/>
+            <a:chOff x="8473734" y="6091284"/>
+            <a:chExt cx="3553640" cy="585664"/>
+          </a:xfrm>
+        </p:grpSpPr>
+        <p:pic>
+          <p:nvPicPr>
+            <p:cNvPr id="12" name="그림 11">
+              <a:extLst>
+                <a:ext uri="{FF2B5EF4-FFF2-40B4-BE49-F238E27FC236}">
+                  <a16:creationId xmlns:a16="http://schemas.microsoft.com/office/drawing/2014/main" id="{4E57D731-B0D9-425E-8A4F-A0DD4C73FD0C}"/>
+                </a:ext>
+              </a:extLst>
+            </p:cNvPr>
+            <p:cNvPicPr>
+              <a:picLocks noChangeAspect="1"/>
+            </p:cNvPicPr>
+            <p:nvPr/>
+          </p:nvPicPr>
+          <p:blipFill rotWithShape="1">
+            <a:blip r:embed="rId3">
+              <a:extLst>
+                <a:ext uri="{28A0092B-C50C-407E-A947-70E740481C1C}">
+                  <a14:useLocalDpi xmlns:a14="http://schemas.microsoft.com/office/drawing/2010/main" val="0"/>
+                </a:ext>
+              </a:extLst>
+            </a:blip>
+            <a:srcRect l="74535" t="3851" r="5686" b="50143"/>
+            <a:stretch/>
+          </p:blipFill>
+          <p:spPr>
+            <a:xfrm>
+              <a:off x="8473734" y="6091284"/>
+              <a:ext cx="1353669" cy="585664"/>
+            </a:xfrm>
+            <a:prstGeom prst="rect">
+              <a:avLst/>
+            </a:prstGeom>
+          </p:spPr>
+        </p:pic>
+        <p:pic>
+          <p:nvPicPr>
+            <p:cNvPr id="13" name="그림 12">
+              <a:extLst>
+                <a:ext uri="{FF2B5EF4-FFF2-40B4-BE49-F238E27FC236}">
+                  <a16:creationId xmlns:a16="http://schemas.microsoft.com/office/drawing/2014/main" id="{9CC09A94-CBA7-490A-B493-28422FEB0DEC}"/>
+                </a:ext>
+              </a:extLst>
+            </p:cNvPr>
+            <p:cNvPicPr>
+              <a:picLocks noChangeAspect="1"/>
+            </p:cNvPicPr>
+            <p:nvPr/>
+          </p:nvPicPr>
+          <p:blipFill>
+            <a:blip r:embed="rId4" cstate="hqprint">
+              <a:extLst>
+                <a:ext uri="{28A0092B-C50C-407E-A947-70E740481C1C}">
+                  <a14:useLocalDpi xmlns:a14="http://schemas.microsoft.com/office/drawing/2010/main" val="0"/>
+                </a:ext>
+              </a:extLst>
+            </a:blip>
+            <a:stretch>
+              <a:fillRect/>
+            </a:stretch>
+          </p:blipFill>
+          <p:spPr>
+            <a:xfrm>
+              <a:off x="9827403" y="6172124"/>
+              <a:ext cx="2199971" cy="423985"/>
+            </a:xfrm>
+            <a:prstGeom prst="rect">
+              <a:avLst/>
+            </a:prstGeom>
+          </p:spPr>
+        </p:pic>
+      </p:grpSp>
     </p:spTree>
     <p:extLst>
       <p:ext uri="{BB962C8B-B14F-4D97-AF65-F5344CB8AC3E}">
-        <p14:creationId xmlns:p14="http://schemas.microsoft.com/office/powerpoint/2010/main" val="2145955965"/>
+        <p14:creationId xmlns:p14="http://schemas.microsoft.com/office/powerpoint/2010/main" val="4077995458"/>
       </p:ext>
     </p:extLst>
   </p:cSld>
@@ -5903,77 +6832,6 @@
           <a:chExt cx="0" cy="0"/>
         </a:xfrm>
       </p:grpSpPr>
-      <p:pic>
-        <p:nvPicPr>
-          <p:cNvPr id="20" name="그림 19">
-            <a:extLst>
-              <a:ext uri="{FF2B5EF4-FFF2-40B4-BE49-F238E27FC236}">
-                <a16:creationId xmlns:a16="http://schemas.microsoft.com/office/drawing/2014/main" id="{A87EDB79-AE8E-46E3-B956-281C41A7ED3A}"/>
-              </a:ext>
-            </a:extLst>
-          </p:cNvPr>
-          <p:cNvPicPr>
-            <a:picLocks noChangeAspect="1"/>
-          </p:cNvPicPr>
-          <p:nvPr/>
-        </p:nvPicPr>
-        <p:blipFill rotWithShape="1">
-          <a:blip r:embed="rId2">
-            <a:extLst>
-              <a:ext uri="{28A0092B-C50C-407E-A947-70E740481C1C}">
-                <a14:useLocalDpi xmlns:a14="http://schemas.microsoft.com/office/drawing/2010/main" val="0"/>
-              </a:ext>
-            </a:extLst>
-          </a:blip>
-          <a:srcRect l="74535" t="3851" r="5686" b="50143"/>
-          <a:stretch/>
-        </p:blipFill>
-        <p:spPr>
-          <a:xfrm>
-            <a:off x="8473734" y="6091284"/>
-            <a:ext cx="1353669" cy="585664"/>
-          </a:xfrm>
-          <a:prstGeom prst="rect">
-            <a:avLst/>
-          </a:prstGeom>
-        </p:spPr>
-      </p:pic>
-      <p:pic>
-        <p:nvPicPr>
-          <p:cNvPr id="21" name="그림 20">
-            <a:extLst>
-              <a:ext uri="{FF2B5EF4-FFF2-40B4-BE49-F238E27FC236}">
-                <a16:creationId xmlns:a16="http://schemas.microsoft.com/office/drawing/2014/main" id="{25EA5F27-CB8A-4DD7-A41E-73A6B46FF164}"/>
-              </a:ext>
-            </a:extLst>
-          </p:cNvPr>
-          <p:cNvPicPr>
-            <a:picLocks noChangeAspect="1"/>
-          </p:cNvPicPr>
-          <p:nvPr/>
-        </p:nvPicPr>
-        <p:blipFill>
-          <a:blip r:embed="rId3" cstate="hqprint">
-            <a:extLst>
-              <a:ext uri="{28A0092B-C50C-407E-A947-70E740481C1C}">
-                <a14:useLocalDpi xmlns:a14="http://schemas.microsoft.com/office/drawing/2010/main" val="0"/>
-              </a:ext>
-            </a:extLst>
-          </a:blip>
-          <a:stretch>
-            <a:fillRect/>
-          </a:stretch>
-        </p:blipFill>
-        <p:spPr>
-          <a:xfrm>
-            <a:off x="9827403" y="6172124"/>
-            <a:ext cx="2199971" cy="423985"/>
-          </a:xfrm>
-          <a:prstGeom prst="rect">
-            <a:avLst/>
-          </a:prstGeom>
-        </p:spPr>
-      </p:pic>
       <p:sp>
         <p:nvSpPr>
           <p:cNvPr id="9" name="object 2">
@@ -6034,20 +6892,14 @@
               <a:defRPr/>
             </a:pPr>
             <a:r>
-              <a:rPr kumimoji="0" lang="en-US" altLang="ko-KR" sz="3200" b="1" i="0" u="none" strike="noStrike" kern="0" cap="none" spc="-25" normalizeH="0" baseline="0" noProof="0" dirty="0">
-                <a:ln>
-                  <a:noFill/>
-                </a:ln>
+              <a:rPr lang="ko-KR" altLang="en-US" sz="3200" kern="0" spc="-25" dirty="0">
                 <a:solidFill>
                   <a:srgbClr val="001F60"/>
                 </a:solidFill>
-                <a:effectLst/>
-                <a:uLnTx/>
-                <a:uFillTx/>
                 <a:latin typeface="맑은 고딕" panose="020B0503020000020004" pitchFamily="50" charset="-127"/>
                 <a:ea typeface="맑은 고딕" panose="020B0503020000020004" pitchFamily="50" charset="-127"/>
               </a:rPr>
-              <a:t>Head</a:t>
+              <a:t>실험 결과 </a:t>
             </a:r>
             <a:endParaRPr kumimoji="0" lang="ko-KR" altLang="en-US" sz="3200" b="1" i="0" u="none" strike="noStrike" kern="0" cap="none" spc="0" normalizeH="0" baseline="0" noProof="0" dirty="0">
               <a:ln>
@@ -6218,10 +7070,132 @@
           </a:p>
         </p:txBody>
       </p:sp>
+      <p:pic>
+        <p:nvPicPr>
+          <p:cNvPr id="2" name="그림 1">
+            <a:extLst>
+              <a:ext uri="{FF2B5EF4-FFF2-40B4-BE49-F238E27FC236}">
+                <a16:creationId xmlns:a16="http://schemas.microsoft.com/office/drawing/2014/main" id="{9457AEE3-4E9F-47F3-A3D1-3FEB31958D77}"/>
+              </a:ext>
+            </a:extLst>
+          </p:cNvPr>
+          <p:cNvPicPr>
+            <a:picLocks noChangeAspect="1"/>
+          </p:cNvPicPr>
+          <p:nvPr/>
+        </p:nvPicPr>
+        <p:blipFill>
+          <a:blip r:embed="rId2"/>
+          <a:stretch>
+            <a:fillRect/>
+          </a:stretch>
+        </p:blipFill>
+        <p:spPr>
+          <a:xfrm>
+            <a:off x="3143108" y="1935668"/>
+            <a:ext cx="6006824" cy="2986664"/>
+          </a:xfrm>
+          <a:prstGeom prst="rect">
+            <a:avLst/>
+          </a:prstGeom>
+        </p:spPr>
+      </p:pic>
+      <p:grpSp>
+        <p:nvGrpSpPr>
+          <p:cNvPr id="8" name="그룹 7">
+            <a:extLst>
+              <a:ext uri="{FF2B5EF4-FFF2-40B4-BE49-F238E27FC236}">
+                <a16:creationId xmlns:a16="http://schemas.microsoft.com/office/drawing/2014/main" id="{ACAFEF32-EC46-4F6A-9570-8F95B95EFC44}"/>
+              </a:ext>
+            </a:extLst>
+          </p:cNvPr>
+          <p:cNvGrpSpPr/>
+          <p:nvPr/>
+        </p:nvGrpSpPr>
+        <p:grpSpPr>
+          <a:xfrm>
+            <a:off x="9250532" y="6219306"/>
+            <a:ext cx="2776842" cy="457642"/>
+            <a:chOff x="8473734" y="6091284"/>
+            <a:chExt cx="3553640" cy="585664"/>
+          </a:xfrm>
+        </p:grpSpPr>
+        <p:pic>
+          <p:nvPicPr>
+            <p:cNvPr id="12" name="그림 11">
+              <a:extLst>
+                <a:ext uri="{FF2B5EF4-FFF2-40B4-BE49-F238E27FC236}">
+                  <a16:creationId xmlns:a16="http://schemas.microsoft.com/office/drawing/2014/main" id="{00437743-CF8E-4B25-B065-A9A2FFC882A7}"/>
+                </a:ext>
+              </a:extLst>
+            </p:cNvPr>
+            <p:cNvPicPr>
+              <a:picLocks noChangeAspect="1"/>
+            </p:cNvPicPr>
+            <p:nvPr/>
+          </p:nvPicPr>
+          <p:blipFill rotWithShape="1">
+            <a:blip r:embed="rId3">
+              <a:extLst>
+                <a:ext uri="{28A0092B-C50C-407E-A947-70E740481C1C}">
+                  <a14:useLocalDpi xmlns:a14="http://schemas.microsoft.com/office/drawing/2010/main" val="0"/>
+                </a:ext>
+              </a:extLst>
+            </a:blip>
+            <a:srcRect l="74535" t="3851" r="5686" b="50143"/>
+            <a:stretch/>
+          </p:blipFill>
+          <p:spPr>
+            <a:xfrm>
+              <a:off x="8473734" y="6091284"/>
+              <a:ext cx="1353669" cy="585664"/>
+            </a:xfrm>
+            <a:prstGeom prst="rect">
+              <a:avLst/>
+            </a:prstGeom>
+          </p:spPr>
+        </p:pic>
+        <p:pic>
+          <p:nvPicPr>
+            <p:cNvPr id="13" name="그림 12">
+              <a:extLst>
+                <a:ext uri="{FF2B5EF4-FFF2-40B4-BE49-F238E27FC236}">
+                  <a16:creationId xmlns:a16="http://schemas.microsoft.com/office/drawing/2014/main" id="{D9D39514-CA34-446B-A975-A398D47628E1}"/>
+                </a:ext>
+              </a:extLst>
+            </p:cNvPr>
+            <p:cNvPicPr>
+              <a:picLocks noChangeAspect="1"/>
+            </p:cNvPicPr>
+            <p:nvPr/>
+          </p:nvPicPr>
+          <p:blipFill>
+            <a:blip r:embed="rId4" cstate="hqprint">
+              <a:extLst>
+                <a:ext uri="{28A0092B-C50C-407E-A947-70E740481C1C}">
+                  <a14:useLocalDpi xmlns:a14="http://schemas.microsoft.com/office/drawing/2010/main" val="0"/>
+                </a:ext>
+              </a:extLst>
+            </a:blip>
+            <a:stretch>
+              <a:fillRect/>
+            </a:stretch>
+          </p:blipFill>
+          <p:spPr>
+            <a:xfrm>
+              <a:off x="9827403" y="6172124"/>
+              <a:ext cx="2199971" cy="423985"/>
+            </a:xfrm>
+            <a:prstGeom prst="rect">
+              <a:avLst/>
+            </a:prstGeom>
+          </p:spPr>
+        </p:pic>
+      </p:grpSp>
     </p:spTree>
     <p:extLst>
       <p:ext uri="{BB962C8B-B14F-4D97-AF65-F5344CB8AC3E}">
-        <p14:creationId xmlns:p14="http://schemas.microsoft.com/office/powerpoint/2010/main" val="807241717"/>
+        <p14:creationId xmlns:p14="http://schemas.microsoft.com/office/powerpoint/2010/main" val="2145955965"/>
       </p:ext>
     </p:extLst>
   </p:cSld>
@@ -6231,7 +7205,7 @@
 </p:sld>
 </file>
 
-<file path=ppt/slides/slide2.xml><?xml version="1.0" encoding="utf-8"?>
+<file path=ppt/slides/slide15.xml><?xml version="1.0" encoding="utf-8"?>
 <p:sld xmlns:a="http://schemas.openxmlformats.org/drawingml/2006/main" xmlns:r="http://schemas.openxmlformats.org/officeDocument/2006/relationships" xmlns:p="http://schemas.openxmlformats.org/presentationml/2006/main">
   <p:cSld>
     <p:spTree>
@@ -6250,10 +7224,10 @@
       </p:grpSpPr>
       <p:sp>
         <p:nvSpPr>
-          <p:cNvPr id="15" name="object 2">
-            <a:extLst>
-              <a:ext uri="{FF2B5EF4-FFF2-40B4-BE49-F238E27FC236}">
-                <a16:creationId xmlns:a16="http://schemas.microsoft.com/office/drawing/2014/main" id="{63B42C9C-96BB-4869-81D8-DBA87F4A50BB}"/>
+          <p:cNvPr id="9" name="object 2">
+            <a:extLst>
+              <a:ext uri="{FF2B5EF4-FFF2-40B4-BE49-F238E27FC236}">
+                <a16:creationId xmlns:a16="http://schemas.microsoft.com/office/drawing/2014/main" id="{6D7BD600-30F6-4170-B80C-852A785CE1AD}"/>
               </a:ext>
             </a:extLst>
           </p:cNvPr>
@@ -6265,7 +7239,7 @@
         <p:spPr>
           <a:xfrm>
             <a:off x="492575" y="391668"/>
-            <a:ext cx="1793875" cy="513080"/>
+            <a:ext cx="3965125" cy="505267"/>
           </a:xfrm>
           <a:prstGeom prst="rect">
             <a:avLst/>
@@ -6308,7 +7282,7 @@
               <a:defRPr/>
             </a:pPr>
             <a:r>
-              <a:rPr kumimoji="0" lang="ko-KR" altLang="en-US" sz="3200" b="1" i="0" u="none" strike="noStrike" kern="0" cap="none" spc="-25" normalizeH="0" baseline="0" noProof="0" dirty="0">
+              <a:rPr kumimoji="0" lang="en-US" altLang="ko-KR" sz="3200" b="1" i="0" u="none" strike="noStrike" kern="0" cap="none" spc="-25" normalizeH="0" baseline="0" noProof="0" dirty="0">
                 <a:ln>
                   <a:noFill/>
                 </a:ln>
@@ -6318,10 +7292,10 @@
                 <a:effectLst/>
                 <a:uLnTx/>
                 <a:uFillTx/>
-                <a:latin typeface="Malgun Gothic"/>
+                <a:latin typeface="맑은 고딕" panose="020B0503020000020004" pitchFamily="50" charset="-127"/>
                 <a:ea typeface="맑은 고딕" panose="020B0503020000020004" pitchFamily="50" charset="-127"/>
               </a:rPr>
-              <a:t>목차</a:t>
+              <a:t>Head</a:t>
             </a:r>
             <a:endParaRPr kumimoji="0" lang="ko-KR" altLang="en-US" sz="3200" b="1" i="0" u="none" strike="noStrike" kern="0" cap="none" spc="0" normalizeH="0" baseline="0" noProof="0" dirty="0">
               <a:ln>
@@ -6341,293 +7315,10 @@
       </p:sp>
       <p:sp>
         <p:nvSpPr>
-          <p:cNvPr id="16" name="object 3">
-            <a:extLst>
-              <a:ext uri="{FF2B5EF4-FFF2-40B4-BE49-F238E27FC236}">
-                <a16:creationId xmlns:a16="http://schemas.microsoft.com/office/drawing/2014/main" id="{A8C33617-DDF9-46C2-AA54-1B67BF5470A7}"/>
-              </a:ext>
-            </a:extLst>
-          </p:cNvPr>
-          <p:cNvSpPr txBox="1"/>
-          <p:nvPr/>
-        </p:nvSpPr>
-        <p:spPr>
-          <a:xfrm>
-            <a:off x="508990" y="1263396"/>
-            <a:ext cx="11014075" cy="3387466"/>
-          </a:xfrm>
-          <a:prstGeom prst="rect">
-            <a:avLst/>
-          </a:prstGeom>
-        </p:spPr>
-        <p:txBody>
-          <a:bodyPr vert="horz" wrap="square" lIns="0" tIns="116205" rIns="0" bIns="0" rtlCol="0">
-            <a:spAutoFit/>
-          </a:bodyPr>
-          <a:lstStyle/>
-          <a:p>
-            <a:pPr marL="527050" indent="-514350" latinLnBrk="0">
-              <a:spcBef>
-                <a:spcPts val="915"/>
-              </a:spcBef>
-              <a:buFont typeface="+mj-lt"/>
-              <a:buAutoNum type="arabicPeriod"/>
-            </a:pPr>
-            <a:r>
-              <a:rPr lang="ko-KR" altLang="en-US" sz="2000" b="1" kern="0" dirty="0">
-                <a:solidFill>
-                  <a:sysClr val="windowText" lastClr="000000"/>
-                </a:solidFill>
-                <a:cs typeface="Malgun Gothic"/>
-              </a:rPr>
-              <a:t>연구 배경</a:t>
-            </a:r>
-            <a:endParaRPr lang="en-US" altLang="ko-KR" sz="2000" b="1" kern="0" dirty="0">
-              <a:solidFill>
-                <a:sysClr val="windowText" lastClr="000000"/>
-              </a:solidFill>
-              <a:cs typeface="Malgun Gothic"/>
-            </a:endParaRPr>
-          </a:p>
-          <a:p>
-            <a:pPr marL="527050" indent="-514350" latinLnBrk="0">
-              <a:spcBef>
-                <a:spcPts val="915"/>
-              </a:spcBef>
-              <a:buFont typeface="+mj-lt"/>
-              <a:buAutoNum type="arabicPeriod"/>
-            </a:pPr>
-            <a:r>
-              <a:rPr lang="ko-KR" altLang="en-US" sz="2000" b="1" kern="0" dirty="0">
-                <a:solidFill>
-                  <a:sysClr val="windowText" lastClr="000000"/>
-                </a:solidFill>
-                <a:cs typeface="Malgun Gothic"/>
-              </a:rPr>
-              <a:t>연구 목적</a:t>
-            </a:r>
-            <a:endParaRPr lang="en-US" altLang="ko-KR" sz="2000" b="1" kern="0" dirty="0">
-              <a:solidFill>
-                <a:sysClr val="windowText" lastClr="000000"/>
-              </a:solidFill>
-              <a:cs typeface="Malgun Gothic"/>
-            </a:endParaRPr>
-          </a:p>
-          <a:p>
-            <a:pPr marL="527050" indent="-514350" latinLnBrk="0">
-              <a:spcBef>
-                <a:spcPts val="915"/>
-              </a:spcBef>
-              <a:buFont typeface="+mj-lt"/>
-              <a:buAutoNum type="arabicPeriod"/>
-            </a:pPr>
-            <a:r>
-              <a:rPr lang="ko-KR" altLang="en-US" sz="2000" b="1" kern="0" dirty="0">
-                <a:solidFill>
-                  <a:sysClr val="windowText" lastClr="000000"/>
-                </a:solidFill>
-                <a:cs typeface="Malgun Gothic"/>
-              </a:rPr>
-              <a:t>일사량 예측 모델링</a:t>
-            </a:r>
-            <a:endParaRPr lang="en-US" altLang="ko-KR" sz="2000" b="1" kern="0" dirty="0">
-              <a:solidFill>
-                <a:sysClr val="windowText" lastClr="000000"/>
-              </a:solidFill>
-              <a:cs typeface="Malgun Gothic"/>
-            </a:endParaRPr>
-          </a:p>
-          <a:p>
-            <a:pPr marL="469900" lvl="1" latinLnBrk="0">
-              <a:spcBef>
-                <a:spcPts val="915"/>
-              </a:spcBef>
-            </a:pPr>
-            <a:r>
-              <a:rPr lang="en-US" altLang="ko-KR" sz="2000" b="1" kern="0" dirty="0">
-                <a:solidFill>
-                  <a:sysClr val="windowText" lastClr="000000"/>
-                </a:solidFill>
-                <a:cs typeface="Malgun Gothic"/>
-              </a:rPr>
-              <a:t>1</a:t>
-            </a:r>
-            <a:r>
-              <a:rPr lang="ko-KR" altLang="en-US" sz="2000" b="1" kern="0" dirty="0">
-                <a:solidFill>
-                  <a:sysClr val="windowText" lastClr="000000"/>
-                </a:solidFill>
-                <a:cs typeface="Malgun Gothic"/>
-              </a:rPr>
-              <a:t>단계</a:t>
-            </a:r>
-            <a:r>
-              <a:rPr lang="en-US" altLang="ko-KR" sz="2000" b="1" kern="0" dirty="0">
-                <a:solidFill>
-                  <a:sysClr val="windowText" lastClr="000000"/>
-                </a:solidFill>
-                <a:cs typeface="Malgun Gothic"/>
-              </a:rPr>
-              <a:t>) </a:t>
-            </a:r>
-            <a:r>
-              <a:rPr lang="ko-KR" altLang="en-US" sz="2000" b="1" kern="0" dirty="0">
-                <a:solidFill>
-                  <a:sysClr val="windowText" lastClr="000000"/>
-                </a:solidFill>
-                <a:cs typeface="Malgun Gothic"/>
-              </a:rPr>
-              <a:t>예측 모델 학습을 위한 입력 변수 구성</a:t>
-            </a:r>
-            <a:endParaRPr lang="en-US" altLang="ko-KR" sz="2000" b="1" kern="0" dirty="0">
-              <a:solidFill>
-                <a:sysClr val="windowText" lastClr="000000"/>
-              </a:solidFill>
-              <a:cs typeface="Malgun Gothic"/>
-            </a:endParaRPr>
-          </a:p>
-          <a:p>
-            <a:pPr marL="469900" lvl="1" latinLnBrk="0">
-              <a:spcBef>
-                <a:spcPts val="915"/>
-              </a:spcBef>
-            </a:pPr>
-            <a:r>
-              <a:rPr lang="en-US" altLang="ko-KR" sz="2000" b="1" kern="0" dirty="0">
-                <a:solidFill>
-                  <a:sysClr val="windowText" lastClr="000000"/>
-                </a:solidFill>
-                <a:cs typeface="Malgun Gothic"/>
-              </a:rPr>
-              <a:t>2</a:t>
-            </a:r>
-            <a:r>
-              <a:rPr lang="ko-KR" altLang="en-US" sz="2000" b="1" kern="0" dirty="0">
-                <a:solidFill>
-                  <a:sysClr val="windowText" lastClr="000000"/>
-                </a:solidFill>
-                <a:cs typeface="Malgun Gothic"/>
-              </a:rPr>
-              <a:t>단계</a:t>
-            </a:r>
-            <a:r>
-              <a:rPr lang="en-US" altLang="ko-KR" sz="2000" b="1" kern="0" dirty="0">
-                <a:solidFill>
-                  <a:sysClr val="windowText" lastClr="000000"/>
-                </a:solidFill>
-                <a:cs typeface="Malgun Gothic"/>
-              </a:rPr>
-              <a:t>) </a:t>
-            </a:r>
-            <a:r>
-              <a:rPr lang="ko-KR" altLang="en-US" sz="2000" b="1" kern="0" dirty="0">
-                <a:solidFill>
-                  <a:sysClr val="windowText" lastClr="000000"/>
-                </a:solidFill>
-                <a:cs typeface="Malgun Gothic"/>
-              </a:rPr>
-              <a:t>전이 학습을 이용한 다단계 일사량 예측 방식</a:t>
-            </a:r>
-            <a:endParaRPr lang="en-US" altLang="ko-KR" sz="2000" b="1" kern="0" dirty="0">
-              <a:solidFill>
-                <a:sysClr val="windowText" lastClr="000000"/>
-              </a:solidFill>
-              <a:cs typeface="Malgun Gothic"/>
-            </a:endParaRPr>
-          </a:p>
-          <a:p>
-            <a:pPr marL="469900" lvl="1" latinLnBrk="0">
-              <a:spcBef>
-                <a:spcPts val="915"/>
-              </a:spcBef>
-            </a:pPr>
-            <a:r>
-              <a:rPr lang="en-US" altLang="ko-KR" sz="2000" b="1" kern="0" dirty="0">
-                <a:solidFill>
-                  <a:sysClr val="windowText" lastClr="000000"/>
-                </a:solidFill>
-                <a:cs typeface="Malgun Gothic"/>
-              </a:rPr>
-              <a:t>3</a:t>
-            </a:r>
-            <a:r>
-              <a:rPr lang="ko-KR" altLang="en-US" sz="2000" b="1" kern="0" dirty="0">
-                <a:solidFill>
-                  <a:sysClr val="windowText" lastClr="000000"/>
-                </a:solidFill>
-                <a:cs typeface="Malgun Gothic"/>
-              </a:rPr>
-              <a:t>단계 </a:t>
-            </a:r>
-            <a:r>
-              <a:rPr lang="en-US" altLang="ko-KR" sz="2000" b="1" kern="0" dirty="0">
-                <a:solidFill>
-                  <a:sysClr val="windowText" lastClr="000000"/>
-                </a:solidFill>
-                <a:cs typeface="Malgun Gothic"/>
-              </a:rPr>
-              <a:t>) Random Forest </a:t>
-            </a:r>
-            <a:r>
-              <a:rPr lang="ko-KR" altLang="en-US" sz="2000" b="1" kern="0" dirty="0">
-                <a:solidFill>
-                  <a:sysClr val="windowText" lastClr="000000"/>
-                </a:solidFill>
-                <a:cs typeface="Malgun Gothic"/>
-              </a:rPr>
-              <a:t>기반의 일사량 예측 모델링</a:t>
-            </a:r>
-            <a:endParaRPr lang="en-US" altLang="ko-KR" sz="2000" b="1" kern="0" dirty="0">
-              <a:solidFill>
-                <a:sysClr val="windowText" lastClr="000000"/>
-              </a:solidFill>
-              <a:cs typeface="Malgun Gothic"/>
-            </a:endParaRPr>
-          </a:p>
-          <a:p>
-            <a:pPr marL="527050" indent="-514350" latinLnBrk="0">
-              <a:spcBef>
-                <a:spcPts val="915"/>
-              </a:spcBef>
-              <a:buFont typeface="+mj-lt"/>
-              <a:buAutoNum type="arabicPeriod"/>
-            </a:pPr>
-            <a:r>
-              <a:rPr lang="ko-KR" altLang="en-US" sz="2000" b="1" kern="0" dirty="0">
-                <a:solidFill>
-                  <a:sysClr val="windowText" lastClr="000000"/>
-                </a:solidFill>
-                <a:cs typeface="Malgun Gothic"/>
-              </a:rPr>
-              <a:t>실험 및 결과 </a:t>
-            </a:r>
-          </a:p>
-          <a:p>
-            <a:pPr marL="527050" indent="-514350" latinLnBrk="0">
-              <a:spcBef>
-                <a:spcPts val="915"/>
-              </a:spcBef>
-              <a:buFont typeface="+mj-lt"/>
-              <a:buAutoNum type="arabicPeriod"/>
-            </a:pPr>
-            <a:r>
-              <a:rPr lang="ko-KR" altLang="en-US" sz="2000" b="1" kern="0" dirty="0">
-                <a:solidFill>
-                  <a:sysClr val="windowText" lastClr="000000"/>
-                </a:solidFill>
-                <a:cs typeface="Malgun Gothic"/>
-              </a:rPr>
-              <a:t>결론 및 향후 연구</a:t>
-            </a:r>
-          </a:p>
-        </p:txBody>
-      </p:sp>
-      <p:sp>
-        <p:nvSpPr>
-          <p:cNvPr id="19" name="object 6">
-            <a:extLst>
-              <a:ext uri="{FF2B5EF4-FFF2-40B4-BE49-F238E27FC236}">
-                <a16:creationId xmlns:a16="http://schemas.microsoft.com/office/drawing/2014/main" id="{C73C25E3-E198-4627-994A-E730949EA465}"/>
+          <p:cNvPr id="10" name="object 6">
+            <a:extLst>
+              <a:ext uri="{FF2B5EF4-FFF2-40B4-BE49-F238E27FC236}">
+                <a16:creationId xmlns:a16="http://schemas.microsoft.com/office/drawing/2014/main" id="{8B966E05-EAAB-445B-8CC8-46645EBDF559}"/>
               </a:ext>
             </a:extLst>
           </p:cNvPr>
@@ -6705,81 +7396,172 @@
           </a:p>
         </p:txBody>
       </p:sp>
-      <p:pic>
-        <p:nvPicPr>
-          <p:cNvPr id="20" name="그림 19">
-            <a:extLst>
-              <a:ext uri="{FF2B5EF4-FFF2-40B4-BE49-F238E27FC236}">
-                <a16:creationId xmlns:a16="http://schemas.microsoft.com/office/drawing/2014/main" id="{A87EDB79-AE8E-46E3-B956-281C41A7ED3A}"/>
-              </a:ext>
-            </a:extLst>
-          </p:cNvPr>
-          <p:cNvPicPr>
-            <a:picLocks noChangeAspect="1"/>
-          </p:cNvPicPr>
+      <p:sp>
+        <p:nvSpPr>
+          <p:cNvPr id="11" name="object 3">
+            <a:extLst>
+              <a:ext uri="{FF2B5EF4-FFF2-40B4-BE49-F238E27FC236}">
+                <a16:creationId xmlns:a16="http://schemas.microsoft.com/office/drawing/2014/main" id="{04B1BFFB-7036-4650-B5BA-6C2A99C6E376}"/>
+              </a:ext>
+            </a:extLst>
+          </p:cNvPr>
+          <p:cNvSpPr txBox="1"/>
           <p:nvPr/>
-        </p:nvPicPr>
-        <p:blipFill rotWithShape="1">
-          <a:blip r:embed="rId2">
-            <a:extLst>
-              <a:ext uri="{28A0092B-C50C-407E-A947-70E740481C1C}">
-                <a14:useLocalDpi xmlns:a14="http://schemas.microsoft.com/office/drawing/2010/main" val="0"/>
-              </a:ext>
-            </a:extLst>
-          </a:blip>
-          <a:srcRect l="74535" t="3851" r="5686" b="50143"/>
-          <a:stretch/>
-        </p:blipFill>
+        </p:nvSpPr>
         <p:spPr>
           <a:xfrm>
-            <a:off x="8473734" y="6091284"/>
-            <a:ext cx="1353669" cy="585664"/>
+            <a:off x="508990" y="1263396"/>
+            <a:ext cx="11275060" cy="848309"/>
           </a:xfrm>
           <a:prstGeom prst="rect">
             <a:avLst/>
           </a:prstGeom>
         </p:spPr>
-      </p:pic>
-      <p:pic>
-        <p:nvPicPr>
-          <p:cNvPr id="21" name="그림 20">
-            <a:extLst>
-              <a:ext uri="{FF2B5EF4-FFF2-40B4-BE49-F238E27FC236}">
-                <a16:creationId xmlns:a16="http://schemas.microsoft.com/office/drawing/2014/main" id="{25EA5F27-CB8A-4DD7-A41E-73A6B46FF164}"/>
-              </a:ext>
-            </a:extLst>
-          </p:cNvPr>
-          <p:cNvPicPr>
-            <a:picLocks noChangeAspect="1"/>
-          </p:cNvPicPr>
+        <p:txBody>
+          <a:bodyPr vert="horz" wrap="square" lIns="0" tIns="116205" rIns="0" bIns="0" rtlCol="0">
+            <a:spAutoFit/>
+          </a:bodyPr>
+          <a:lstStyle/>
+          <a:p>
+            <a:pPr marL="355600" indent="-342900" latinLnBrk="0">
+              <a:spcBef>
+                <a:spcPts val="915"/>
+              </a:spcBef>
+              <a:buFont typeface="Wingdings" panose="05000000000000000000" pitchFamily="2" charset="2"/>
+              <a:buChar char="§"/>
+            </a:pPr>
+            <a:r>
+              <a:rPr lang="en-US" altLang="ko-KR" sz="2000" b="1" kern="0" dirty="0">
+                <a:solidFill>
+                  <a:sysClr val="windowText" lastClr="000000"/>
+                </a:solidFill>
+                <a:cs typeface="Malgun Gothic"/>
+              </a:rPr>
+              <a:t>Head</a:t>
+            </a:r>
+          </a:p>
+          <a:p>
+            <a:pPr marL="812800" lvl="1" indent="-342900" latinLnBrk="0">
+              <a:spcBef>
+                <a:spcPts val="915"/>
+              </a:spcBef>
+              <a:buFont typeface="Wingdings" panose="05000000000000000000" pitchFamily="2" charset="2"/>
+              <a:buChar char="§"/>
+            </a:pPr>
+            <a:r>
+              <a:rPr lang="ko-KR" altLang="en-US" sz="2000" b="1" kern="0" dirty="0" err="1">
+                <a:solidFill>
+                  <a:sysClr val="windowText" lastClr="000000"/>
+                </a:solidFill>
+                <a:cs typeface="Malgun Gothic"/>
+              </a:rPr>
+              <a:t>ㅇㅇ</a:t>
+            </a:r>
+            <a:endParaRPr lang="en-US" altLang="ko-KR" sz="2000" kern="0" dirty="0">
+              <a:solidFill>
+                <a:sysClr val="windowText" lastClr="000000"/>
+              </a:solidFill>
+              <a:cs typeface="Malgun Gothic"/>
+            </a:endParaRPr>
+          </a:p>
+        </p:txBody>
+      </p:sp>
+      <p:grpSp>
+        <p:nvGrpSpPr>
+          <p:cNvPr id="7" name="그룹 6">
+            <a:extLst>
+              <a:ext uri="{FF2B5EF4-FFF2-40B4-BE49-F238E27FC236}">
+                <a16:creationId xmlns:a16="http://schemas.microsoft.com/office/drawing/2014/main" id="{03FB5660-E702-46AE-AC53-7686FDB5B395}"/>
+              </a:ext>
+            </a:extLst>
+          </p:cNvPr>
+          <p:cNvGrpSpPr/>
           <p:nvPr/>
-        </p:nvPicPr>
-        <p:blipFill>
-          <a:blip r:embed="rId3" cstate="hqprint">
-            <a:extLst>
-              <a:ext uri="{28A0092B-C50C-407E-A947-70E740481C1C}">
-                <a14:useLocalDpi xmlns:a14="http://schemas.microsoft.com/office/drawing/2010/main" val="0"/>
-              </a:ext>
-            </a:extLst>
-          </a:blip>
-          <a:stretch>
-            <a:fillRect/>
-          </a:stretch>
-        </p:blipFill>
-        <p:spPr>
+        </p:nvGrpSpPr>
+        <p:grpSpPr>
           <a:xfrm>
-            <a:off x="9827403" y="6172124"/>
-            <a:ext cx="2199971" cy="423985"/>
+            <a:off x="9250532" y="6219306"/>
+            <a:ext cx="2776842" cy="457642"/>
+            <a:chOff x="8473734" y="6091284"/>
+            <a:chExt cx="3553640" cy="585664"/>
           </a:xfrm>
-          <a:prstGeom prst="rect">
-            <a:avLst/>
-          </a:prstGeom>
-        </p:spPr>
-      </p:pic>
+        </p:grpSpPr>
+        <p:pic>
+          <p:nvPicPr>
+            <p:cNvPr id="8" name="그림 7">
+              <a:extLst>
+                <a:ext uri="{FF2B5EF4-FFF2-40B4-BE49-F238E27FC236}">
+                  <a16:creationId xmlns:a16="http://schemas.microsoft.com/office/drawing/2014/main" id="{8A3DE8C6-951E-4895-9FE3-F76999926364}"/>
+                </a:ext>
+              </a:extLst>
+            </p:cNvPr>
+            <p:cNvPicPr>
+              <a:picLocks noChangeAspect="1"/>
+            </p:cNvPicPr>
+            <p:nvPr/>
+          </p:nvPicPr>
+          <p:blipFill rotWithShape="1">
+            <a:blip r:embed="rId2">
+              <a:extLst>
+                <a:ext uri="{28A0092B-C50C-407E-A947-70E740481C1C}">
+                  <a14:useLocalDpi xmlns:a14="http://schemas.microsoft.com/office/drawing/2010/main" val="0"/>
+                </a:ext>
+              </a:extLst>
+            </a:blip>
+            <a:srcRect l="74535" t="3851" r="5686" b="50143"/>
+            <a:stretch/>
+          </p:blipFill>
+          <p:spPr>
+            <a:xfrm>
+              <a:off x="8473734" y="6091284"/>
+              <a:ext cx="1353669" cy="585664"/>
+            </a:xfrm>
+            <a:prstGeom prst="rect">
+              <a:avLst/>
+            </a:prstGeom>
+          </p:spPr>
+        </p:pic>
+        <p:pic>
+          <p:nvPicPr>
+            <p:cNvPr id="12" name="그림 11">
+              <a:extLst>
+                <a:ext uri="{FF2B5EF4-FFF2-40B4-BE49-F238E27FC236}">
+                  <a16:creationId xmlns:a16="http://schemas.microsoft.com/office/drawing/2014/main" id="{F3A5AC1D-1FE2-43B5-8A82-0256447A07A5}"/>
+                </a:ext>
+              </a:extLst>
+            </p:cNvPr>
+            <p:cNvPicPr>
+              <a:picLocks noChangeAspect="1"/>
+            </p:cNvPicPr>
+            <p:nvPr/>
+          </p:nvPicPr>
+          <p:blipFill>
+            <a:blip r:embed="rId3" cstate="hqprint">
+              <a:extLst>
+                <a:ext uri="{28A0092B-C50C-407E-A947-70E740481C1C}">
+                  <a14:useLocalDpi xmlns:a14="http://schemas.microsoft.com/office/drawing/2010/main" val="0"/>
+                </a:ext>
+              </a:extLst>
+            </a:blip>
+            <a:stretch>
+              <a:fillRect/>
+            </a:stretch>
+          </p:blipFill>
+          <p:spPr>
+            <a:xfrm>
+              <a:off x="9827403" y="6172124"/>
+              <a:ext cx="2199971" cy="423985"/>
+            </a:xfrm>
+            <a:prstGeom prst="rect">
+              <a:avLst/>
+            </a:prstGeom>
+          </p:spPr>
+        </p:pic>
+      </p:grpSp>
     </p:spTree>
     <p:extLst>
       <p:ext uri="{BB962C8B-B14F-4D97-AF65-F5344CB8AC3E}">
-        <p14:creationId xmlns:p14="http://schemas.microsoft.com/office/powerpoint/2010/main" val="250787861"/>
+        <p14:creationId xmlns:p14="http://schemas.microsoft.com/office/powerpoint/2010/main" val="807241717"/>
       </p:ext>
     </p:extLst>
   </p:cSld>
@@ -6789,7 +7571,7 @@
 </p:sld>
 </file>
 
-<file path=ppt/slides/slide3.xml><?xml version="1.0" encoding="utf-8"?>
+<file path=ppt/slides/slide2.xml><?xml version="1.0" encoding="utf-8"?>
 <p:sld xmlns:a="http://schemas.openxmlformats.org/drawingml/2006/main" xmlns:r="http://schemas.openxmlformats.org/officeDocument/2006/relationships" xmlns:p="http://schemas.openxmlformats.org/presentationml/2006/main">
   <p:cSld>
     <p:spTree>
@@ -6879,39 +7661,7 @@
                 <a:latin typeface="Malgun Gothic"/>
                 <a:ea typeface="맑은 고딕" panose="020B0503020000020004" pitchFamily="50" charset="-127"/>
               </a:rPr>
-              <a:t>연구</a:t>
-            </a:r>
-            <a:r>
-              <a:rPr kumimoji="0" lang="ko-KR" altLang="en-US" sz="3200" b="1" i="0" u="none" strike="noStrike" kern="0" cap="none" spc="0" normalizeH="0" baseline="0" noProof="0" dirty="0">
-                <a:ln>
-                  <a:noFill/>
-                </a:ln>
-                <a:solidFill>
-                  <a:srgbClr val="001F60"/>
-                </a:solidFill>
-                <a:effectLst/>
-                <a:uLnTx/>
-                <a:uFillTx/>
-                <a:latin typeface="Malgun Gothic"/>
-                <a:ea typeface="맑은 고딕" panose="020B0503020000020004" pitchFamily="50" charset="-127"/>
-              </a:rPr>
-              <a:t>	</a:t>
-            </a:r>
-            <a:r>
-              <a:rPr kumimoji="0" lang="ko-KR" altLang="en-US" sz="3200" b="1" i="0" u="none" strike="noStrike" kern="0" cap="none" spc="-25" normalizeH="0" baseline="0" noProof="0" dirty="0">
-                <a:ln>
-                  <a:noFill/>
-                </a:ln>
-                <a:solidFill>
-                  <a:srgbClr val="001F60"/>
-                </a:solidFill>
-                <a:effectLst/>
-                <a:uLnTx/>
-                <a:uFillTx/>
-                <a:latin typeface="Malgun Gothic"/>
-                <a:ea typeface="맑은 고딕" panose="020B0503020000020004" pitchFamily="50" charset="-127"/>
-              </a:rPr>
-              <a:t>배경</a:t>
+              <a:t>목차</a:t>
             </a:r>
             <a:endParaRPr kumimoji="0" lang="ko-KR" altLang="en-US" sz="3200" b="1" i="0" u="none" strike="noStrike" kern="0" cap="none" spc="0" normalizeH="0" baseline="0" noProof="0" dirty="0">
               <a:ln>
@@ -6944,7 +7694,7 @@
         <p:spPr>
           <a:xfrm>
             <a:off x="508990" y="1263396"/>
-            <a:ext cx="11014075" cy="425116"/>
+            <a:ext cx="11014075" cy="3387466"/>
           </a:xfrm>
           <a:prstGeom prst="rect">
             <a:avLst/>
@@ -6956,12 +7706,12 @@
           </a:bodyPr>
           <a:lstStyle/>
           <a:p>
-            <a:pPr marL="355600" indent="-342900" latinLnBrk="0">
+            <a:pPr marL="527050" indent="-514350" latinLnBrk="0">
               <a:spcBef>
                 <a:spcPts val="915"/>
               </a:spcBef>
-              <a:buFont typeface="Wingdings" panose="05000000000000000000" pitchFamily="2" charset="2"/>
-              <a:buChar char="§"/>
+              <a:buFont typeface="+mj-lt"/>
+              <a:buAutoNum type="arabicPeriod"/>
             </a:pPr>
             <a:r>
               <a:rPr lang="ko-KR" altLang="en-US" sz="2000" b="1" kern="0" dirty="0">
@@ -6970,32 +7720,245 @@
                 </a:solidFill>
                 <a:cs typeface="Malgun Gothic"/>
               </a:rPr>
-              <a:t>화석 연료 고갈</a:t>
-            </a:r>
-            <a:r>
-              <a:rPr lang="en-US" altLang="ko-KR" sz="2000" b="1" kern="0" dirty="0">
-                <a:solidFill>
-                  <a:sysClr val="windowText" lastClr="000000"/>
-                </a:solidFill>
-                <a:cs typeface="Malgun Gothic"/>
-              </a:rPr>
-              <a:t>, </a:t>
-            </a:r>
-            <a:r>
-              <a:rPr lang="ko-KR" altLang="en-US" sz="2000" b="1" kern="0" dirty="0">
-                <a:solidFill>
-                  <a:sysClr val="windowText" lastClr="000000"/>
-                </a:solidFill>
-                <a:cs typeface="Malgun Gothic"/>
-              </a:rPr>
-              <a:t>친환경 에너지 발전 이슈로 스마트 그리드 기술의 관심이 커지고 있음</a:t>
-            </a:r>
-            <a:endParaRPr sz="2000" b="1" kern="0" dirty="0">
+              <a:t>연구 배경</a:t>
+            </a:r>
+            <a:endParaRPr lang="en-US" altLang="ko-KR" sz="2000" b="1" kern="0" dirty="0">
               <a:solidFill>
                 <a:sysClr val="windowText" lastClr="000000"/>
               </a:solidFill>
               <a:cs typeface="Malgun Gothic"/>
             </a:endParaRPr>
+          </a:p>
+          <a:p>
+            <a:pPr marL="527050" indent="-514350" latinLnBrk="0">
+              <a:spcBef>
+                <a:spcPts val="915"/>
+              </a:spcBef>
+              <a:buFont typeface="+mj-lt"/>
+              <a:buAutoNum type="arabicPeriod"/>
+            </a:pPr>
+            <a:r>
+              <a:rPr lang="ko-KR" altLang="en-US" sz="2000" b="1" kern="0" dirty="0">
+                <a:solidFill>
+                  <a:sysClr val="windowText" lastClr="000000"/>
+                </a:solidFill>
+                <a:cs typeface="Malgun Gothic"/>
+              </a:rPr>
+              <a:t>연구 목적</a:t>
+            </a:r>
+            <a:endParaRPr lang="en-US" altLang="ko-KR" sz="2000" b="1" kern="0" dirty="0">
+              <a:solidFill>
+                <a:sysClr val="windowText" lastClr="000000"/>
+              </a:solidFill>
+              <a:cs typeface="Malgun Gothic"/>
+            </a:endParaRPr>
+          </a:p>
+          <a:p>
+            <a:pPr marL="527050" indent="-514350" latinLnBrk="0">
+              <a:spcBef>
+                <a:spcPts val="915"/>
+              </a:spcBef>
+              <a:buFont typeface="+mj-lt"/>
+              <a:buAutoNum type="arabicPeriod"/>
+            </a:pPr>
+            <a:r>
+              <a:rPr lang="ko-KR" altLang="en-US" sz="2000" b="1" kern="0" dirty="0">
+                <a:solidFill>
+                  <a:sysClr val="windowText" lastClr="000000"/>
+                </a:solidFill>
+                <a:cs typeface="Malgun Gothic"/>
+              </a:rPr>
+              <a:t>일사량 예측 모델링</a:t>
+            </a:r>
+            <a:endParaRPr lang="en-US" altLang="ko-KR" sz="2000" b="1" kern="0" dirty="0">
+              <a:solidFill>
+                <a:sysClr val="windowText" lastClr="000000"/>
+              </a:solidFill>
+              <a:cs typeface="Malgun Gothic"/>
+            </a:endParaRPr>
+          </a:p>
+          <a:p>
+            <a:pPr marL="469900" lvl="1" latinLnBrk="0">
+              <a:spcBef>
+                <a:spcPts val="915"/>
+              </a:spcBef>
+            </a:pPr>
+            <a:r>
+              <a:rPr lang="en-US" altLang="ko-KR" sz="2000" b="1" kern="0" dirty="0">
+                <a:solidFill>
+                  <a:sysClr val="windowText" lastClr="000000"/>
+                </a:solidFill>
+                <a:cs typeface="Malgun Gothic"/>
+              </a:rPr>
+              <a:t>1</a:t>
+            </a:r>
+            <a:r>
+              <a:rPr lang="ko-KR" altLang="en-US" sz="2000" b="1" kern="0" dirty="0">
+                <a:solidFill>
+                  <a:sysClr val="windowText" lastClr="000000"/>
+                </a:solidFill>
+                <a:cs typeface="Malgun Gothic"/>
+              </a:rPr>
+              <a:t>단계</a:t>
+            </a:r>
+            <a:r>
+              <a:rPr lang="en-US" altLang="ko-KR" sz="2000" b="1" kern="0" dirty="0">
+                <a:solidFill>
+                  <a:sysClr val="windowText" lastClr="000000"/>
+                </a:solidFill>
+                <a:cs typeface="Malgun Gothic"/>
+              </a:rPr>
+              <a:t>) </a:t>
+            </a:r>
+            <a:r>
+              <a:rPr lang="ko-KR" altLang="en-US" sz="2000" b="1" kern="0" dirty="0">
+                <a:solidFill>
+                  <a:sysClr val="windowText" lastClr="000000"/>
+                </a:solidFill>
+                <a:cs typeface="Malgun Gothic"/>
+              </a:rPr>
+              <a:t>예측 모델 학습을 위한 입력 변수 구성</a:t>
+            </a:r>
+            <a:endParaRPr lang="en-US" altLang="ko-KR" sz="2000" b="1" kern="0" dirty="0">
+              <a:solidFill>
+                <a:sysClr val="windowText" lastClr="000000"/>
+              </a:solidFill>
+              <a:cs typeface="Malgun Gothic"/>
+            </a:endParaRPr>
+          </a:p>
+          <a:p>
+            <a:pPr marL="469900" lvl="1" latinLnBrk="0">
+              <a:spcBef>
+                <a:spcPts val="915"/>
+              </a:spcBef>
+            </a:pPr>
+            <a:r>
+              <a:rPr lang="en-US" altLang="ko-KR" sz="2000" b="1" kern="0" dirty="0">
+                <a:solidFill>
+                  <a:sysClr val="windowText" lastClr="000000"/>
+                </a:solidFill>
+                <a:cs typeface="Malgun Gothic"/>
+              </a:rPr>
+              <a:t>2</a:t>
+            </a:r>
+            <a:r>
+              <a:rPr lang="ko-KR" altLang="en-US" sz="2000" b="1" kern="0" dirty="0">
+                <a:solidFill>
+                  <a:sysClr val="windowText" lastClr="000000"/>
+                </a:solidFill>
+                <a:cs typeface="Malgun Gothic"/>
+              </a:rPr>
+              <a:t>단계</a:t>
+            </a:r>
+            <a:r>
+              <a:rPr lang="en-US" altLang="ko-KR" sz="2000" b="1" kern="0" dirty="0">
+                <a:solidFill>
+                  <a:sysClr val="windowText" lastClr="000000"/>
+                </a:solidFill>
+                <a:cs typeface="Malgun Gothic"/>
+              </a:rPr>
+              <a:t>) </a:t>
+            </a:r>
+            <a:r>
+              <a:rPr lang="ko-KR" altLang="en-US" sz="2000" b="1" kern="0" dirty="0">
+                <a:solidFill>
+                  <a:sysClr val="windowText" lastClr="000000"/>
+                </a:solidFill>
+                <a:cs typeface="Malgun Gothic"/>
+              </a:rPr>
+              <a:t>전이 학습을 이용한 다단계 일사량 예측 방식</a:t>
+            </a:r>
+            <a:endParaRPr lang="en-US" altLang="ko-KR" sz="2000" b="1" kern="0" dirty="0">
+              <a:solidFill>
+                <a:sysClr val="windowText" lastClr="000000"/>
+              </a:solidFill>
+              <a:cs typeface="Malgun Gothic"/>
+            </a:endParaRPr>
+          </a:p>
+          <a:p>
+            <a:pPr marL="469900" lvl="1" latinLnBrk="0">
+              <a:spcBef>
+                <a:spcPts val="915"/>
+              </a:spcBef>
+            </a:pPr>
+            <a:r>
+              <a:rPr lang="en-US" altLang="ko-KR" sz="2000" b="1" kern="0" dirty="0">
+                <a:solidFill>
+                  <a:sysClr val="windowText" lastClr="000000"/>
+                </a:solidFill>
+                <a:cs typeface="Malgun Gothic"/>
+              </a:rPr>
+              <a:t>3</a:t>
+            </a:r>
+            <a:r>
+              <a:rPr lang="ko-KR" altLang="en-US" sz="2000" b="1" kern="0" dirty="0">
+                <a:solidFill>
+                  <a:sysClr val="windowText" lastClr="000000"/>
+                </a:solidFill>
+                <a:cs typeface="Malgun Gothic"/>
+              </a:rPr>
+              <a:t>단계 </a:t>
+            </a:r>
+            <a:r>
+              <a:rPr lang="en-US" altLang="ko-KR" sz="2000" b="1" kern="0" dirty="0">
+                <a:solidFill>
+                  <a:sysClr val="windowText" lastClr="000000"/>
+                </a:solidFill>
+                <a:cs typeface="Malgun Gothic"/>
+              </a:rPr>
+              <a:t>) Random Forest </a:t>
+            </a:r>
+            <a:r>
+              <a:rPr lang="ko-KR" altLang="en-US" sz="2000" b="1" kern="0" dirty="0">
+                <a:solidFill>
+                  <a:sysClr val="windowText" lastClr="000000"/>
+                </a:solidFill>
+                <a:cs typeface="Malgun Gothic"/>
+              </a:rPr>
+              <a:t>기반의 일사량 예측 모델링</a:t>
+            </a:r>
+            <a:endParaRPr lang="en-US" altLang="ko-KR" sz="2000" b="1" kern="0" dirty="0">
+              <a:solidFill>
+                <a:sysClr val="windowText" lastClr="000000"/>
+              </a:solidFill>
+              <a:cs typeface="Malgun Gothic"/>
+            </a:endParaRPr>
+          </a:p>
+          <a:p>
+            <a:pPr marL="527050" indent="-514350" latinLnBrk="0">
+              <a:spcBef>
+                <a:spcPts val="915"/>
+              </a:spcBef>
+              <a:buFont typeface="+mj-lt"/>
+              <a:buAutoNum type="arabicPeriod"/>
+            </a:pPr>
+            <a:r>
+              <a:rPr lang="ko-KR" altLang="en-US" sz="2000" b="1" kern="0" dirty="0">
+                <a:solidFill>
+                  <a:sysClr val="windowText" lastClr="000000"/>
+                </a:solidFill>
+                <a:cs typeface="Malgun Gothic"/>
+              </a:rPr>
+              <a:t>실험 및 결과 </a:t>
+            </a:r>
+          </a:p>
+          <a:p>
+            <a:pPr marL="527050" indent="-514350" latinLnBrk="0">
+              <a:spcBef>
+                <a:spcPts val="915"/>
+              </a:spcBef>
+              <a:buFont typeface="+mj-lt"/>
+              <a:buAutoNum type="arabicPeriod"/>
+            </a:pPr>
+            <a:r>
+              <a:rPr lang="ko-KR" altLang="en-US" sz="2000" b="1" kern="0" dirty="0">
+                <a:solidFill>
+                  <a:sysClr val="windowText" lastClr="000000"/>
+                </a:solidFill>
+                <a:cs typeface="Malgun Gothic"/>
+              </a:rPr>
+              <a:t>결론 및 향후 연구</a:t>
+            </a:r>
           </a:p>
         </p:txBody>
       </p:sp>
@@ -7082,229 +8045,102 @@
           </a:p>
         </p:txBody>
       </p:sp>
-      <p:pic>
-        <p:nvPicPr>
-          <p:cNvPr id="20" name="그림 19">
-            <a:extLst>
-              <a:ext uri="{FF2B5EF4-FFF2-40B4-BE49-F238E27FC236}">
-                <a16:creationId xmlns:a16="http://schemas.microsoft.com/office/drawing/2014/main" id="{A87EDB79-AE8E-46E3-B956-281C41A7ED3A}"/>
-              </a:ext>
-            </a:extLst>
-          </p:cNvPr>
-          <p:cNvPicPr>
-            <a:picLocks noChangeAspect="1"/>
-          </p:cNvPicPr>
+      <p:grpSp>
+        <p:nvGrpSpPr>
+          <p:cNvPr id="2" name="그룹 1">
+            <a:extLst>
+              <a:ext uri="{FF2B5EF4-FFF2-40B4-BE49-F238E27FC236}">
+                <a16:creationId xmlns:a16="http://schemas.microsoft.com/office/drawing/2014/main" id="{CA90253E-188B-4F98-ACE0-521AAD106344}"/>
+              </a:ext>
+            </a:extLst>
+          </p:cNvPr>
+          <p:cNvGrpSpPr/>
           <p:nvPr/>
-        </p:nvPicPr>
-        <p:blipFill rotWithShape="1">
-          <a:blip r:embed="rId2">
-            <a:extLst>
-              <a:ext uri="{28A0092B-C50C-407E-A947-70E740481C1C}">
-                <a14:useLocalDpi xmlns:a14="http://schemas.microsoft.com/office/drawing/2010/main" val="0"/>
-              </a:ext>
-            </a:extLst>
-          </a:blip>
-          <a:srcRect l="74535" t="3851" r="5686" b="50143"/>
-          <a:stretch/>
-        </p:blipFill>
-        <p:spPr>
+        </p:nvGrpSpPr>
+        <p:grpSpPr>
           <a:xfrm>
-            <a:off x="8473734" y="6091284"/>
-            <a:ext cx="1353669" cy="585664"/>
+            <a:off x="9250532" y="6219306"/>
+            <a:ext cx="2776842" cy="457642"/>
+            <a:chOff x="8473734" y="6091284"/>
+            <a:chExt cx="3553640" cy="585664"/>
           </a:xfrm>
-          <a:prstGeom prst="rect">
-            <a:avLst/>
-          </a:prstGeom>
-        </p:spPr>
-      </p:pic>
-      <p:pic>
-        <p:nvPicPr>
-          <p:cNvPr id="21" name="그림 20">
-            <a:extLst>
-              <a:ext uri="{FF2B5EF4-FFF2-40B4-BE49-F238E27FC236}">
-                <a16:creationId xmlns:a16="http://schemas.microsoft.com/office/drawing/2014/main" id="{25EA5F27-CB8A-4DD7-A41E-73A6B46FF164}"/>
-              </a:ext>
-            </a:extLst>
-          </p:cNvPr>
-          <p:cNvPicPr>
-            <a:picLocks noChangeAspect="1"/>
-          </p:cNvPicPr>
-          <p:nvPr/>
-        </p:nvPicPr>
-        <p:blipFill>
-          <a:blip r:embed="rId3" cstate="hqprint">
-            <a:extLst>
-              <a:ext uri="{28A0092B-C50C-407E-A947-70E740481C1C}">
-                <a14:useLocalDpi xmlns:a14="http://schemas.microsoft.com/office/drawing/2010/main" val="0"/>
-              </a:ext>
-            </a:extLst>
-          </a:blip>
-          <a:stretch>
-            <a:fillRect/>
-          </a:stretch>
-        </p:blipFill>
-        <p:spPr>
-          <a:xfrm>
-            <a:off x="9827403" y="6172124"/>
-            <a:ext cx="2199971" cy="423985"/>
-          </a:xfrm>
-          <a:prstGeom prst="rect">
-            <a:avLst/>
-          </a:prstGeom>
-        </p:spPr>
-      </p:pic>
-      <p:pic>
-        <p:nvPicPr>
-          <p:cNvPr id="1028" name="Picture 4" descr="http://www.econovill.com/news/photo/201902/356028_242269_3354.png"/>
-          <p:cNvPicPr>
-            <a:picLocks noChangeAspect="1" noChangeArrowheads="1"/>
-          </p:cNvPicPr>
-          <p:nvPr/>
-        </p:nvPicPr>
-        <p:blipFill rotWithShape="1">
-          <a:blip r:embed="rId4">
-            <a:extLst>
-              <a:ext uri="{28A0092B-C50C-407E-A947-70E740481C1C}">
-                <a14:useLocalDpi xmlns:a14="http://schemas.microsoft.com/office/drawing/2010/main" val="0"/>
-              </a:ext>
-            </a:extLst>
-          </a:blip>
-          <a:srcRect t="2751"/>
-          <a:stretch/>
-        </p:blipFill>
-        <p:spPr bwMode="auto">
-          <a:xfrm>
-            <a:off x="3301608" y="2128107"/>
-            <a:ext cx="5428837" cy="3572463"/>
-          </a:xfrm>
-          <a:prstGeom prst="rect">
-            <a:avLst/>
-          </a:prstGeom>
-          <a:noFill/>
-          <a:extLst>
-            <a:ext uri="{909E8E84-426E-40DD-AFC4-6F175D3DCCD1}">
-              <a14:hiddenFill xmlns:a14="http://schemas.microsoft.com/office/drawing/2010/main">
-                <a:solidFill>
-                  <a:srgbClr val="FFFFFF"/>
-                </a:solidFill>
-              </a14:hiddenFill>
-            </a:ext>
-          </a:extLst>
-        </p:spPr>
-      </p:pic>
-      <p:sp>
-        <p:nvSpPr>
-          <p:cNvPr id="4" name="직사각형 3"/>
-          <p:cNvSpPr/>
-          <p:nvPr/>
-        </p:nvSpPr>
-        <p:spPr>
-          <a:xfrm>
-            <a:off x="430250" y="1921127"/>
-            <a:ext cx="10568247" cy="1102866"/>
-          </a:xfrm>
-          <a:prstGeom prst="rect">
-            <a:avLst/>
-          </a:prstGeom>
-        </p:spPr>
-        <p:txBody>
-          <a:bodyPr wrap="square">
-            <a:spAutoFit/>
-          </a:bodyPr>
-          <a:lstStyle/>
-          <a:p>
-            <a:pPr marL="298450" indent="-285750" latinLnBrk="0">
-              <a:spcBef>
-                <a:spcPts val="695"/>
-              </a:spcBef>
-              <a:buFontTx/>
-              <a:buChar char="-"/>
-              <a:tabLst>
-                <a:tab pos="240665" algn="l"/>
-              </a:tabLst>
-            </a:pPr>
-            <a:r>
-              <a:rPr lang="ko-KR" altLang="en-US" kern="0" spc="-50" dirty="0" err="1">
-                <a:solidFill>
-                  <a:sysClr val="windowText" lastClr="000000"/>
-                </a:solidFill>
-                <a:latin typeface="Calibri"/>
-                <a:cs typeface="Calibri"/>
-              </a:rPr>
-              <a:t>ㅇㅇ</a:t>
-            </a:r>
-            <a:endParaRPr lang="en-US" altLang="ko-KR" kern="0" spc="-50" dirty="0">
-              <a:solidFill>
-                <a:sysClr val="windowText" lastClr="000000"/>
-              </a:solidFill>
-              <a:latin typeface="Calibri"/>
-              <a:cs typeface="Calibri"/>
-            </a:endParaRPr>
-          </a:p>
-          <a:p>
-            <a:pPr marL="298450" indent="-285750" latinLnBrk="0">
-              <a:spcBef>
-                <a:spcPts val="695"/>
-              </a:spcBef>
-              <a:buFontTx/>
-              <a:buChar char="-"/>
-              <a:tabLst>
-                <a:tab pos="240665" algn="l"/>
-              </a:tabLst>
-            </a:pPr>
-            <a:r>
-              <a:rPr lang="ko-KR" altLang="en-US" kern="0" spc="-50" dirty="0" err="1">
-                <a:solidFill>
-                  <a:sysClr val="windowText" lastClr="000000"/>
-                </a:solidFill>
-                <a:latin typeface="Calibri"/>
-                <a:cs typeface="Calibri"/>
-              </a:rPr>
-              <a:t>ㅇㅇ</a:t>
-            </a:r>
-            <a:endParaRPr lang="en-US" altLang="ko-KR" kern="0" spc="-50" dirty="0">
-              <a:solidFill>
-                <a:sysClr val="windowText" lastClr="000000"/>
-              </a:solidFill>
-              <a:latin typeface="Calibri"/>
-              <a:cs typeface="Calibri"/>
-            </a:endParaRPr>
-          </a:p>
-          <a:p>
-            <a:pPr marL="298450" indent="-285750" latinLnBrk="0">
-              <a:spcBef>
-                <a:spcPts val="695"/>
-              </a:spcBef>
-              <a:buFontTx/>
-              <a:buChar char="-"/>
-              <a:tabLst>
-                <a:tab pos="240665" algn="l"/>
-              </a:tabLst>
-            </a:pPr>
-            <a:r>
-              <a:rPr lang="ko-KR" altLang="en-US" kern="0" spc="-50" dirty="0" err="1">
-                <a:solidFill>
-                  <a:sysClr val="windowText" lastClr="000000"/>
-                </a:solidFill>
-                <a:latin typeface="Calibri"/>
-                <a:cs typeface="Calibri"/>
-              </a:rPr>
-              <a:t>ㅇㅇ</a:t>
-            </a:r>
-            <a:endParaRPr lang="en-US" altLang="ko-KR" kern="0" spc="-50" dirty="0">
-              <a:solidFill>
-                <a:sysClr val="windowText" lastClr="000000"/>
-              </a:solidFill>
-              <a:latin typeface="Calibri"/>
-              <a:cs typeface="Calibri"/>
-            </a:endParaRPr>
-          </a:p>
-        </p:txBody>
-      </p:sp>
+        </p:grpSpPr>
+        <p:pic>
+          <p:nvPicPr>
+            <p:cNvPr id="20" name="그림 19">
+              <a:extLst>
+                <a:ext uri="{FF2B5EF4-FFF2-40B4-BE49-F238E27FC236}">
+                  <a16:creationId xmlns:a16="http://schemas.microsoft.com/office/drawing/2014/main" id="{A87EDB79-AE8E-46E3-B956-281C41A7ED3A}"/>
+                </a:ext>
+              </a:extLst>
+            </p:cNvPr>
+            <p:cNvPicPr>
+              <a:picLocks noChangeAspect="1"/>
+            </p:cNvPicPr>
+            <p:nvPr/>
+          </p:nvPicPr>
+          <p:blipFill rotWithShape="1">
+            <a:blip r:embed="rId2">
+              <a:extLst>
+                <a:ext uri="{28A0092B-C50C-407E-A947-70E740481C1C}">
+                  <a14:useLocalDpi xmlns:a14="http://schemas.microsoft.com/office/drawing/2010/main" val="0"/>
+                </a:ext>
+              </a:extLst>
+            </a:blip>
+            <a:srcRect l="74535" t="3851" r="5686" b="50143"/>
+            <a:stretch/>
+          </p:blipFill>
+          <p:spPr>
+            <a:xfrm>
+              <a:off x="8473734" y="6091284"/>
+              <a:ext cx="1353669" cy="585664"/>
+            </a:xfrm>
+            <a:prstGeom prst="rect">
+              <a:avLst/>
+            </a:prstGeom>
+          </p:spPr>
+        </p:pic>
+        <p:pic>
+          <p:nvPicPr>
+            <p:cNvPr id="21" name="그림 20">
+              <a:extLst>
+                <a:ext uri="{FF2B5EF4-FFF2-40B4-BE49-F238E27FC236}">
+                  <a16:creationId xmlns:a16="http://schemas.microsoft.com/office/drawing/2014/main" id="{25EA5F27-CB8A-4DD7-A41E-73A6B46FF164}"/>
+                </a:ext>
+              </a:extLst>
+            </p:cNvPr>
+            <p:cNvPicPr>
+              <a:picLocks noChangeAspect="1"/>
+            </p:cNvPicPr>
+            <p:nvPr/>
+          </p:nvPicPr>
+          <p:blipFill>
+            <a:blip r:embed="rId3" cstate="hqprint">
+              <a:extLst>
+                <a:ext uri="{28A0092B-C50C-407E-A947-70E740481C1C}">
+                  <a14:useLocalDpi xmlns:a14="http://schemas.microsoft.com/office/drawing/2010/main" val="0"/>
+                </a:ext>
+              </a:extLst>
+            </a:blip>
+            <a:stretch>
+              <a:fillRect/>
+            </a:stretch>
+          </p:blipFill>
+          <p:spPr>
+            <a:xfrm>
+              <a:off x="9827403" y="6172124"/>
+              <a:ext cx="2199971" cy="423985"/>
+            </a:xfrm>
+            <a:prstGeom prst="rect">
+              <a:avLst/>
+            </a:prstGeom>
+          </p:spPr>
+        </p:pic>
+      </p:grpSp>
     </p:spTree>
     <p:extLst>
       <p:ext uri="{BB962C8B-B14F-4D97-AF65-F5344CB8AC3E}">
-        <p14:creationId xmlns:p14="http://schemas.microsoft.com/office/powerpoint/2010/main" val="1613239254"/>
+        <p14:creationId xmlns:p14="http://schemas.microsoft.com/office/powerpoint/2010/main" val="250787861"/>
       </p:ext>
     </p:extLst>
   </p:cSld>
@@ -7314,7 +8150,7 @@
 </p:sld>
 </file>
 
-<file path=ppt/slides/slide4.xml><?xml version="1.0" encoding="utf-8"?>
+<file path=ppt/slides/slide3.xml><?xml version="1.0" encoding="utf-8"?>
 <p:sld xmlns:a="http://schemas.openxmlformats.org/drawingml/2006/main" xmlns:r="http://schemas.openxmlformats.org/officeDocument/2006/relationships" xmlns:p="http://schemas.openxmlformats.org/presentationml/2006/main">
   <p:cSld>
     <p:spTree>
@@ -7331,6 +8167,53 @@
           <a:chExt cx="0" cy="0"/>
         </a:xfrm>
       </p:grpSpPr>
+      <p:pic>
+        <p:nvPicPr>
+          <p:cNvPr id="1030" name="Picture 6" descr="http://www.epj.co.kr/news/photo/202012/26775_37628_1025.jpg">
+            <a:extLst>
+              <a:ext uri="{FF2B5EF4-FFF2-40B4-BE49-F238E27FC236}">
+                <a16:creationId xmlns:a16="http://schemas.microsoft.com/office/drawing/2014/main" id="{FC3DE6BB-8A22-4AC4-AC45-6F6ED66F58BA}"/>
+              </a:ext>
+            </a:extLst>
+          </p:cNvPr>
+          <p:cNvPicPr>
+            <a:picLocks noChangeAspect="1" noChangeArrowheads="1"/>
+          </p:cNvPicPr>
+          <p:nvPr/>
+        </p:nvPicPr>
+        <p:blipFill>
+          <a:blip r:embed="rId2">
+            <a:extLst>
+              <a:ext uri="{28A0092B-C50C-407E-A947-70E740481C1C}">
+                <a14:useLocalDpi xmlns:a14="http://schemas.microsoft.com/office/drawing/2010/main" val="0"/>
+              </a:ext>
+            </a:extLst>
+          </a:blip>
+          <a:srcRect/>
+          <a:stretch>
+            <a:fillRect/>
+          </a:stretch>
+        </p:blipFill>
+        <p:spPr bwMode="auto">
+          <a:xfrm>
+            <a:off x="2410468" y="2399332"/>
+            <a:ext cx="7472104" cy="3416931"/>
+          </a:xfrm>
+          <a:prstGeom prst="rect">
+            <a:avLst/>
+          </a:prstGeom>
+          <a:noFill/>
+          <a:extLst>
+            <a:ext uri="{909E8E84-426E-40DD-AFC4-6F175D3DCCD1}">
+              <a14:hiddenFill xmlns:a14="http://schemas.microsoft.com/office/drawing/2010/main">
+                <a:solidFill>
+                  <a:srgbClr val="FFFFFF"/>
+                </a:solidFill>
+              </a14:hiddenFill>
+            </a:ext>
+          </a:extLst>
+        </p:spPr>
+      </p:pic>
       <p:sp>
         <p:nvSpPr>
           <p:cNvPr id="15" name="object 2">
@@ -7469,7 +8352,7 @@
         <p:spPr>
           <a:xfrm>
             <a:off x="508990" y="1263396"/>
-            <a:ext cx="11014075" cy="848309"/>
+            <a:ext cx="11275060" cy="732893"/>
           </a:xfrm>
           <a:prstGeom prst="rect">
             <a:avLst/>
@@ -7495,7 +8378,7 @@
                 </a:solidFill>
                 <a:cs typeface="Malgun Gothic"/>
               </a:rPr>
-              <a:t>태양광 발전의 주 에너지원은 </a:t>
+              <a:t>최근 정부에서는 온실가스 배출량을 줄이기 위해 신재생 에너지 발전의 중요성을 강조하면서 에너지원별 발전 비중을 점차 늘리고 있음</a:t>
             </a:r>
             <a:r>
               <a:rPr lang="en-US" altLang="ko-KR" sz="2000" b="1" kern="0" dirty="0">
@@ -7504,45 +8387,9 @@
                 </a:solidFill>
                 <a:cs typeface="Malgun Gothic"/>
               </a:rPr>
-              <a:t>“</a:t>
-            </a:r>
-            <a:r>
-              <a:rPr lang="ko-KR" altLang="en-US" sz="2000" b="1" kern="0" dirty="0">
-                <a:solidFill>
-                  <a:sysClr val="windowText" lastClr="000000"/>
-                </a:solidFill>
-                <a:cs typeface="Malgun Gothic"/>
-              </a:rPr>
-              <a:t>일사량</a:t>
-            </a:r>
-            <a:r>
-              <a:rPr lang="en-US" altLang="ko-KR" sz="2000" b="1" kern="0" dirty="0">
-                <a:solidFill>
-                  <a:sysClr val="windowText" lastClr="000000"/>
-                </a:solidFill>
-                <a:cs typeface="Malgun Gothic"/>
-              </a:rPr>
-              <a:t>” </a:t>
-            </a:r>
-          </a:p>
-          <a:p>
-            <a:pPr marL="469900" indent="-457200" latinLnBrk="0">
-              <a:spcBef>
-                <a:spcPts val="915"/>
-              </a:spcBef>
-              <a:buFont typeface="Wingdings" panose="05000000000000000000" pitchFamily="2" charset="2"/>
-              <a:buChar char="§"/>
-            </a:pPr>
-            <a:r>
-              <a:rPr lang="ko-KR" altLang="en-US" sz="2000" b="1" kern="0" dirty="0">
-                <a:solidFill>
-                  <a:sysClr val="windowText" lastClr="000000"/>
-                </a:solidFill>
-                <a:cs typeface="Malgun Gothic"/>
-              </a:rPr>
-              <a:t>태양광 발전원을 효율적으로 운영하기 위해 일사량을 예측하기 위한 연구가 활발하게 진행중 </a:t>
-            </a:r>
-            <a:endParaRPr lang="en-US" altLang="ko-KR" sz="2000" b="1" kern="0" dirty="0">
+              <a:t> </a:t>
+            </a:r>
+            <a:endParaRPr sz="2000" b="1" kern="0" dirty="0">
               <a:solidFill>
                 <a:sysClr val="windowText" lastClr="000000"/>
               </a:solidFill>
@@ -7634,190 +8481,102 @@
           </a:p>
         </p:txBody>
       </p:sp>
-      <p:pic>
-        <p:nvPicPr>
-          <p:cNvPr id="20" name="그림 19">
-            <a:extLst>
-              <a:ext uri="{FF2B5EF4-FFF2-40B4-BE49-F238E27FC236}">
-                <a16:creationId xmlns:a16="http://schemas.microsoft.com/office/drawing/2014/main" id="{A87EDB79-AE8E-46E3-B956-281C41A7ED3A}"/>
-              </a:ext>
-            </a:extLst>
-          </p:cNvPr>
-          <p:cNvPicPr>
-            <a:picLocks noChangeAspect="1"/>
-          </p:cNvPicPr>
+      <p:grpSp>
+        <p:nvGrpSpPr>
+          <p:cNvPr id="9" name="그룹 8">
+            <a:extLst>
+              <a:ext uri="{FF2B5EF4-FFF2-40B4-BE49-F238E27FC236}">
+                <a16:creationId xmlns:a16="http://schemas.microsoft.com/office/drawing/2014/main" id="{11E4152E-20A9-481E-980D-6839B0FB11B6}"/>
+              </a:ext>
+            </a:extLst>
+          </p:cNvPr>
+          <p:cNvGrpSpPr/>
           <p:nvPr/>
-        </p:nvPicPr>
-        <p:blipFill rotWithShape="1">
-          <a:blip r:embed="rId2">
-            <a:extLst>
-              <a:ext uri="{28A0092B-C50C-407E-A947-70E740481C1C}">
-                <a14:useLocalDpi xmlns:a14="http://schemas.microsoft.com/office/drawing/2010/main" val="0"/>
-              </a:ext>
-            </a:extLst>
-          </a:blip>
-          <a:srcRect l="74535" t="3851" r="5686" b="50143"/>
-          <a:stretch/>
-        </p:blipFill>
-        <p:spPr>
+        </p:nvGrpSpPr>
+        <p:grpSpPr>
           <a:xfrm>
-            <a:off x="8473734" y="6091284"/>
-            <a:ext cx="1353669" cy="585664"/>
+            <a:off x="9250532" y="6219306"/>
+            <a:ext cx="2776842" cy="457642"/>
+            <a:chOff x="8473734" y="6091284"/>
+            <a:chExt cx="3553640" cy="585664"/>
           </a:xfrm>
-          <a:prstGeom prst="rect">
-            <a:avLst/>
-          </a:prstGeom>
-        </p:spPr>
-      </p:pic>
-      <p:pic>
-        <p:nvPicPr>
-          <p:cNvPr id="21" name="그림 20">
-            <a:extLst>
-              <a:ext uri="{FF2B5EF4-FFF2-40B4-BE49-F238E27FC236}">
-                <a16:creationId xmlns:a16="http://schemas.microsoft.com/office/drawing/2014/main" id="{25EA5F27-CB8A-4DD7-A41E-73A6B46FF164}"/>
-              </a:ext>
-            </a:extLst>
-          </p:cNvPr>
-          <p:cNvPicPr>
-            <a:picLocks noChangeAspect="1"/>
-          </p:cNvPicPr>
-          <p:nvPr/>
-        </p:nvPicPr>
-        <p:blipFill>
-          <a:blip r:embed="rId3" cstate="hqprint">
-            <a:extLst>
-              <a:ext uri="{28A0092B-C50C-407E-A947-70E740481C1C}">
-                <a14:useLocalDpi xmlns:a14="http://schemas.microsoft.com/office/drawing/2010/main" val="0"/>
-              </a:ext>
-            </a:extLst>
-          </a:blip>
-          <a:stretch>
-            <a:fillRect/>
-          </a:stretch>
-        </p:blipFill>
-        <p:spPr>
-          <a:xfrm>
-            <a:off x="9827403" y="6172124"/>
-            <a:ext cx="2199971" cy="423985"/>
-          </a:xfrm>
-          <a:prstGeom prst="rect">
-            <a:avLst/>
-          </a:prstGeom>
-        </p:spPr>
-      </p:pic>
-      <p:sp>
-        <p:nvSpPr>
-          <p:cNvPr id="4" name="직사각형 3"/>
-          <p:cNvSpPr/>
-          <p:nvPr/>
-        </p:nvSpPr>
-        <p:spPr>
-          <a:xfrm>
-            <a:off x="430250" y="2187447"/>
-            <a:ext cx="10568247" cy="1102866"/>
-          </a:xfrm>
-          <a:prstGeom prst="rect">
-            <a:avLst/>
-          </a:prstGeom>
-        </p:spPr>
-        <p:txBody>
-          <a:bodyPr wrap="square">
-            <a:spAutoFit/>
-          </a:bodyPr>
-          <a:lstStyle/>
-          <a:p>
-            <a:pPr marL="298450" indent="-285750" latinLnBrk="0">
-              <a:spcBef>
-                <a:spcPts val="695"/>
-              </a:spcBef>
-              <a:buFontTx/>
-              <a:buChar char="-"/>
-              <a:tabLst>
-                <a:tab pos="240665" algn="l"/>
-              </a:tabLst>
-            </a:pPr>
-            <a:r>
-              <a:rPr lang="ko-KR" altLang="en-US" kern="0" spc="-50" dirty="0" err="1">
-                <a:solidFill>
-                  <a:sysClr val="windowText" lastClr="000000"/>
-                </a:solidFill>
-                <a:latin typeface="Calibri"/>
-                <a:cs typeface="Calibri"/>
-              </a:rPr>
-              <a:t>ㅇㅇ</a:t>
-            </a:r>
-            <a:endParaRPr lang="en-US" altLang="ko-KR" kern="0" spc="-50" dirty="0">
-              <a:solidFill>
-                <a:sysClr val="windowText" lastClr="000000"/>
-              </a:solidFill>
-              <a:latin typeface="Calibri"/>
-              <a:cs typeface="Calibri"/>
-            </a:endParaRPr>
-          </a:p>
-          <a:p>
-            <a:pPr marL="298450" indent="-285750" latinLnBrk="0">
-              <a:spcBef>
-                <a:spcPts val="695"/>
-              </a:spcBef>
-              <a:buFontTx/>
-              <a:buChar char="-"/>
-              <a:tabLst>
-                <a:tab pos="240665" algn="l"/>
-              </a:tabLst>
-            </a:pPr>
-            <a:r>
-              <a:rPr lang="ko-KR" altLang="en-US" kern="0" spc="-50" dirty="0" err="1">
-                <a:solidFill>
-                  <a:sysClr val="windowText" lastClr="000000"/>
-                </a:solidFill>
-                <a:latin typeface="Calibri"/>
-                <a:cs typeface="Calibri"/>
-              </a:rPr>
-              <a:t>ㅇㅇ</a:t>
-            </a:r>
-            <a:endParaRPr lang="en-US" altLang="ko-KR" kern="0" spc="-50" dirty="0">
-              <a:solidFill>
-                <a:sysClr val="windowText" lastClr="000000"/>
-              </a:solidFill>
-              <a:latin typeface="Calibri"/>
-              <a:cs typeface="Calibri"/>
-            </a:endParaRPr>
-          </a:p>
-          <a:p>
-            <a:pPr marL="298450" indent="-285750" latinLnBrk="0">
-              <a:spcBef>
-                <a:spcPts val="695"/>
-              </a:spcBef>
-              <a:buFontTx/>
-              <a:buChar char="-"/>
-              <a:tabLst>
-                <a:tab pos="240665" algn="l"/>
-              </a:tabLst>
-            </a:pPr>
-            <a:r>
-              <a:rPr lang="ko-KR" altLang="en-US" kern="0" spc="-50" dirty="0" err="1">
-                <a:solidFill>
-                  <a:sysClr val="windowText" lastClr="000000"/>
-                </a:solidFill>
-                <a:latin typeface="Calibri"/>
-                <a:cs typeface="Calibri"/>
-              </a:rPr>
-              <a:t>ㅇㅇ</a:t>
-            </a:r>
-            <a:endParaRPr lang="en-US" altLang="ko-KR" kern="0" spc="-50" dirty="0">
-              <a:solidFill>
-                <a:sysClr val="windowText" lastClr="000000"/>
-              </a:solidFill>
-              <a:latin typeface="Calibri"/>
-              <a:cs typeface="Calibri"/>
-            </a:endParaRPr>
-          </a:p>
-        </p:txBody>
-      </p:sp>
+        </p:grpSpPr>
+        <p:pic>
+          <p:nvPicPr>
+            <p:cNvPr id="10" name="그림 9">
+              <a:extLst>
+                <a:ext uri="{FF2B5EF4-FFF2-40B4-BE49-F238E27FC236}">
+                  <a16:creationId xmlns:a16="http://schemas.microsoft.com/office/drawing/2014/main" id="{EC23857E-A1F0-4072-923B-4AA3924E7994}"/>
+                </a:ext>
+              </a:extLst>
+            </p:cNvPr>
+            <p:cNvPicPr>
+              <a:picLocks noChangeAspect="1"/>
+            </p:cNvPicPr>
+            <p:nvPr/>
+          </p:nvPicPr>
+          <p:blipFill rotWithShape="1">
+            <a:blip r:embed="rId3">
+              <a:extLst>
+                <a:ext uri="{28A0092B-C50C-407E-A947-70E740481C1C}">
+                  <a14:useLocalDpi xmlns:a14="http://schemas.microsoft.com/office/drawing/2010/main" val="0"/>
+                </a:ext>
+              </a:extLst>
+            </a:blip>
+            <a:srcRect l="74535" t="3851" r="5686" b="50143"/>
+            <a:stretch/>
+          </p:blipFill>
+          <p:spPr>
+            <a:xfrm>
+              <a:off x="8473734" y="6091284"/>
+              <a:ext cx="1353669" cy="585664"/>
+            </a:xfrm>
+            <a:prstGeom prst="rect">
+              <a:avLst/>
+            </a:prstGeom>
+          </p:spPr>
+        </p:pic>
+        <p:pic>
+          <p:nvPicPr>
+            <p:cNvPr id="11" name="그림 10">
+              <a:extLst>
+                <a:ext uri="{FF2B5EF4-FFF2-40B4-BE49-F238E27FC236}">
+                  <a16:creationId xmlns:a16="http://schemas.microsoft.com/office/drawing/2014/main" id="{10779464-688C-4EBA-BA1C-984E804D893C}"/>
+                </a:ext>
+              </a:extLst>
+            </p:cNvPr>
+            <p:cNvPicPr>
+              <a:picLocks noChangeAspect="1"/>
+            </p:cNvPicPr>
+            <p:nvPr/>
+          </p:nvPicPr>
+          <p:blipFill>
+            <a:blip r:embed="rId4" cstate="hqprint">
+              <a:extLst>
+                <a:ext uri="{28A0092B-C50C-407E-A947-70E740481C1C}">
+                  <a14:useLocalDpi xmlns:a14="http://schemas.microsoft.com/office/drawing/2010/main" val="0"/>
+                </a:ext>
+              </a:extLst>
+            </a:blip>
+            <a:stretch>
+              <a:fillRect/>
+            </a:stretch>
+          </p:blipFill>
+          <p:spPr>
+            <a:xfrm>
+              <a:off x="9827403" y="6172124"/>
+              <a:ext cx="2199971" cy="423985"/>
+            </a:xfrm>
+            <a:prstGeom prst="rect">
+              <a:avLst/>
+            </a:prstGeom>
+          </p:spPr>
+        </p:pic>
+      </p:grpSp>
     </p:spTree>
     <p:extLst>
       <p:ext uri="{BB962C8B-B14F-4D97-AF65-F5344CB8AC3E}">
-        <p14:creationId xmlns:p14="http://schemas.microsoft.com/office/powerpoint/2010/main" val="3937443861"/>
+        <p14:creationId xmlns:p14="http://schemas.microsoft.com/office/powerpoint/2010/main" val="1613239254"/>
       </p:ext>
     </p:extLst>
   </p:cSld>
@@ -7827,7 +8586,7 @@
 </p:sld>
 </file>
 
-<file path=ppt/slides/slide5.xml><?xml version="1.0" encoding="utf-8"?>
+<file path=ppt/slides/slide4.xml><?xml version="1.0" encoding="utf-8"?>
 <p:sld xmlns:a="http://schemas.openxmlformats.org/drawingml/2006/main" xmlns:r="http://schemas.openxmlformats.org/officeDocument/2006/relationships" xmlns:p="http://schemas.openxmlformats.org/presentationml/2006/main">
   <p:cSld>
     <p:spTree>
@@ -7844,6 +8603,36 @@
           <a:chExt cx="0" cy="0"/>
         </a:xfrm>
       </p:grpSpPr>
+      <p:pic>
+        <p:nvPicPr>
+          <p:cNvPr id="6" name="그림 5">
+            <a:extLst>
+              <a:ext uri="{FF2B5EF4-FFF2-40B4-BE49-F238E27FC236}">
+                <a16:creationId xmlns:a16="http://schemas.microsoft.com/office/drawing/2014/main" id="{2B7E3058-AF88-4790-9FFF-1F6633E22A60}"/>
+              </a:ext>
+            </a:extLst>
+          </p:cNvPr>
+          <p:cNvPicPr>
+            <a:picLocks noChangeAspect="1"/>
+          </p:cNvPicPr>
+          <p:nvPr/>
+        </p:nvPicPr>
+        <p:blipFill>
+          <a:blip r:embed="rId2"/>
+          <a:stretch>
+            <a:fillRect/>
+          </a:stretch>
+        </p:blipFill>
+        <p:spPr>
+          <a:xfrm>
+            <a:off x="3064972" y="2274624"/>
+            <a:ext cx="6062056" cy="4145377"/>
+          </a:xfrm>
+          <a:prstGeom prst="rect">
+            <a:avLst/>
+          </a:prstGeom>
+        </p:spPr>
+      </p:pic>
       <p:sp>
         <p:nvSpPr>
           <p:cNvPr id="15" name="object 2">
@@ -7920,22 +8709,36 @@
               <a:t>연구</a:t>
             </a:r>
             <a:r>
-              <a:rPr lang="ko-KR" altLang="en-US" sz="3200" kern="0" dirty="0">
+              <a:rPr kumimoji="0" lang="ko-KR" altLang="en-US" sz="3200" b="1" i="0" u="none" strike="noStrike" kern="0" cap="none" spc="0" normalizeH="0" baseline="0" noProof="0" dirty="0">
+                <a:ln>
+                  <a:noFill/>
+                </a:ln>
                 <a:solidFill>
                   <a:srgbClr val="001F60"/>
                 </a:solidFill>
+                <a:effectLst/>
+                <a:uLnTx/>
+                <a:uFillTx/>
+                <a:latin typeface="Malgun Gothic"/>
                 <a:ea typeface="맑은 고딕" panose="020B0503020000020004" pitchFamily="50" charset="-127"/>
               </a:rPr>
-              <a:t> </a:t>
-            </a:r>
-            <a:r>
-              <a:rPr lang="ko-KR" altLang="en-US" sz="3200" kern="0" spc="-25" dirty="0">
+              <a:t>	</a:t>
+            </a:r>
+            <a:r>
+              <a:rPr kumimoji="0" lang="ko-KR" altLang="en-US" sz="3200" b="1" i="0" u="none" strike="noStrike" kern="0" cap="none" spc="-25" normalizeH="0" baseline="0" noProof="0" dirty="0">
+                <a:ln>
+                  <a:noFill/>
+                </a:ln>
                 <a:solidFill>
                   <a:srgbClr val="001F60"/>
                 </a:solidFill>
+                <a:effectLst/>
+                <a:uLnTx/>
+                <a:uFillTx/>
+                <a:latin typeface="Malgun Gothic"/>
                 <a:ea typeface="맑은 고딕" panose="020B0503020000020004" pitchFamily="50" charset="-127"/>
               </a:rPr>
-              <a:t>목적</a:t>
+              <a:t>배경</a:t>
             </a:r>
             <a:endParaRPr kumimoji="0" lang="ko-KR" altLang="en-US" sz="3200" b="1" i="0" u="none" strike="noStrike" kern="0" cap="none" spc="0" normalizeH="0" baseline="0" noProof="0" dirty="0">
               <a:ln>
@@ -7968,7 +8771,7 @@
         <p:spPr>
           <a:xfrm>
             <a:off x="508990" y="1263396"/>
-            <a:ext cx="11014075" cy="425116"/>
+            <a:ext cx="11275060" cy="732893"/>
           </a:xfrm>
           <a:prstGeom prst="rect">
             <a:avLst/>
@@ -7980,10 +8783,12 @@
           </a:bodyPr>
           <a:lstStyle/>
           <a:p>
-            <a:pPr marL="12700" latinLnBrk="0">
+            <a:pPr marL="469900" indent="-457200" latinLnBrk="0">
               <a:spcBef>
                 <a:spcPts val="915"/>
               </a:spcBef>
+              <a:buFont typeface="Wingdings" panose="05000000000000000000" pitchFamily="2" charset="2"/>
+              <a:buChar char="§"/>
             </a:pPr>
             <a:r>
               <a:rPr lang="ko-KR" altLang="en-US" sz="2000" b="1" kern="0" dirty="0">
@@ -7992,9 +8797,36 @@
                 </a:solidFill>
                 <a:cs typeface="Malgun Gothic"/>
               </a:rPr>
-              <a:t>일사량 정보가 부족한 지역에서 초기 태양광 발전 시스템의 효율적인 운영을 돕기 위해</a:t>
-            </a:r>
-            <a:endParaRPr lang="en-US" altLang="ko-KR" sz="2000" b="1" kern="0" dirty="0">
+              <a:t>특히 신재생 에너지 중에서도 태양광 발전 시스템은 </a:t>
+            </a:r>
+            <a:r>
+              <a:rPr lang="ko-KR" altLang="en-US" sz="2000" b="1" kern="0" dirty="0" err="1">
+                <a:solidFill>
+                  <a:sysClr val="windowText" lastClr="000000"/>
+                </a:solidFill>
+                <a:cs typeface="Malgun Gothic"/>
+              </a:rPr>
+              <a:t>자연친화적이며</a:t>
+            </a:r>
+            <a:r>
+              <a:rPr lang="en-US" altLang="ko-KR" sz="2000" b="1" kern="0" dirty="0">
+                <a:solidFill>
+                  <a:sysClr val="windowText" lastClr="000000"/>
+                </a:solidFill>
+                <a:cs typeface="Malgun Gothic"/>
+              </a:rPr>
+              <a:t>, </a:t>
+            </a:r>
+            <a:r>
+              <a:rPr lang="ko-KR" altLang="en-US" sz="2000" b="1" kern="0" dirty="0">
+                <a:solidFill>
+                  <a:sysClr val="windowText" lastClr="000000"/>
+                </a:solidFill>
+                <a:cs typeface="Malgun Gothic"/>
+              </a:rPr>
+              <a:t>재생 가능한 에너지로 세계적으로 태양광 발전 시스템 설치가 증가되고 있음</a:t>
+            </a:r>
+            <a:endParaRPr sz="2000" b="1" kern="0" dirty="0">
               <a:solidFill>
                 <a:sysClr val="windowText" lastClr="000000"/>
               </a:solidFill>
@@ -8086,196 +8918,102 @@
           </a:p>
         </p:txBody>
       </p:sp>
-      <p:pic>
-        <p:nvPicPr>
-          <p:cNvPr id="20" name="그림 19">
-            <a:extLst>
-              <a:ext uri="{FF2B5EF4-FFF2-40B4-BE49-F238E27FC236}">
-                <a16:creationId xmlns:a16="http://schemas.microsoft.com/office/drawing/2014/main" id="{A87EDB79-AE8E-46E3-B956-281C41A7ED3A}"/>
-              </a:ext>
-            </a:extLst>
-          </p:cNvPr>
-          <p:cNvPicPr>
-            <a:picLocks noChangeAspect="1"/>
-          </p:cNvPicPr>
+      <p:grpSp>
+        <p:nvGrpSpPr>
+          <p:cNvPr id="9" name="그룹 8">
+            <a:extLst>
+              <a:ext uri="{FF2B5EF4-FFF2-40B4-BE49-F238E27FC236}">
+                <a16:creationId xmlns:a16="http://schemas.microsoft.com/office/drawing/2014/main" id="{11E4152E-20A9-481E-980D-6839B0FB11B6}"/>
+              </a:ext>
+            </a:extLst>
+          </p:cNvPr>
+          <p:cNvGrpSpPr/>
           <p:nvPr/>
-        </p:nvPicPr>
-        <p:blipFill rotWithShape="1">
-          <a:blip r:embed="rId2">
-            <a:extLst>
-              <a:ext uri="{28A0092B-C50C-407E-A947-70E740481C1C}">
-                <a14:useLocalDpi xmlns:a14="http://schemas.microsoft.com/office/drawing/2010/main" val="0"/>
-              </a:ext>
-            </a:extLst>
-          </a:blip>
-          <a:srcRect l="74535" t="3851" r="5686" b="50143"/>
-          <a:stretch/>
-        </p:blipFill>
-        <p:spPr>
+        </p:nvGrpSpPr>
+        <p:grpSpPr>
           <a:xfrm>
-            <a:off x="8473734" y="6091284"/>
-            <a:ext cx="1353669" cy="585664"/>
+            <a:off x="9250532" y="6219306"/>
+            <a:ext cx="2776842" cy="457642"/>
+            <a:chOff x="8473734" y="6091284"/>
+            <a:chExt cx="3553640" cy="585664"/>
           </a:xfrm>
-          <a:prstGeom prst="rect">
-            <a:avLst/>
-          </a:prstGeom>
-        </p:spPr>
-      </p:pic>
-      <p:pic>
-        <p:nvPicPr>
-          <p:cNvPr id="21" name="그림 20">
-            <a:extLst>
-              <a:ext uri="{FF2B5EF4-FFF2-40B4-BE49-F238E27FC236}">
-                <a16:creationId xmlns:a16="http://schemas.microsoft.com/office/drawing/2014/main" id="{25EA5F27-CB8A-4DD7-A41E-73A6B46FF164}"/>
-              </a:ext>
-            </a:extLst>
-          </p:cNvPr>
-          <p:cNvPicPr>
-            <a:picLocks noChangeAspect="1"/>
-          </p:cNvPicPr>
-          <p:nvPr/>
-        </p:nvPicPr>
-        <p:blipFill>
-          <a:blip r:embed="rId3" cstate="hqprint">
-            <a:extLst>
-              <a:ext uri="{28A0092B-C50C-407E-A947-70E740481C1C}">
-                <a14:useLocalDpi xmlns:a14="http://schemas.microsoft.com/office/drawing/2010/main" val="0"/>
-              </a:ext>
-            </a:extLst>
-          </a:blip>
-          <a:stretch>
-            <a:fillRect/>
-          </a:stretch>
-        </p:blipFill>
-        <p:spPr>
-          <a:xfrm>
-            <a:off x="9827403" y="6172124"/>
-            <a:ext cx="2199971" cy="423985"/>
-          </a:xfrm>
-          <a:prstGeom prst="rect">
-            <a:avLst/>
-          </a:prstGeom>
-        </p:spPr>
-      </p:pic>
-      <p:sp>
-        <p:nvSpPr>
-          <p:cNvPr id="4" name="직사각형 3"/>
-          <p:cNvSpPr/>
-          <p:nvPr/>
-        </p:nvSpPr>
-        <p:spPr>
-          <a:xfrm>
-            <a:off x="430250" y="1852301"/>
-            <a:ext cx="11353800" cy="1413207"/>
-          </a:xfrm>
-          <a:prstGeom prst="rect">
-            <a:avLst/>
-          </a:prstGeom>
-        </p:spPr>
-        <p:txBody>
-          <a:bodyPr wrap="square">
-            <a:spAutoFit/>
-          </a:bodyPr>
-          <a:lstStyle/>
-          <a:p>
-            <a:pPr marL="469900" indent="-457200" latinLnBrk="0">
-              <a:spcBef>
-                <a:spcPts val="695"/>
-              </a:spcBef>
-              <a:buFont typeface="+mj-ea"/>
-              <a:buAutoNum type="circleNumDbPlain"/>
-              <a:tabLst>
-                <a:tab pos="240665" algn="l"/>
-              </a:tabLst>
-            </a:pPr>
-            <a:r>
-              <a:rPr lang="ko-KR" altLang="en-US" sz="2000" kern="0" dirty="0">
-                <a:solidFill>
-                  <a:sysClr val="windowText" lastClr="000000"/>
-                </a:solidFill>
-                <a:cs typeface="Malgun Gothic"/>
-              </a:rPr>
-              <a:t>태양광 발전 시스템을 구축하기 이전</a:t>
-            </a:r>
-            <a:r>
-              <a:rPr lang="en-US" altLang="ko-KR" sz="2000" kern="0" dirty="0">
-                <a:solidFill>
-                  <a:sysClr val="windowText" lastClr="000000"/>
-                </a:solidFill>
-                <a:cs typeface="Malgun Gothic"/>
-              </a:rPr>
-              <a:t>, </a:t>
-            </a:r>
-            <a:r>
-              <a:rPr lang="ko-KR" altLang="en-US" sz="2000" kern="0" dirty="0">
-                <a:solidFill>
-                  <a:sysClr val="windowText" lastClr="000000"/>
-                </a:solidFill>
-                <a:cs typeface="Malgun Gothic"/>
-              </a:rPr>
-              <a:t>설치하고자 하는 지역의 일사량을 예측해</a:t>
-            </a:r>
-            <a:r>
-              <a:rPr lang="en-US" altLang="ko-KR" sz="2000" kern="0" dirty="0">
-                <a:solidFill>
-                  <a:sysClr val="windowText" lastClr="000000"/>
-                </a:solidFill>
-                <a:cs typeface="Malgun Gothic"/>
-              </a:rPr>
-              <a:t>,</a:t>
-            </a:r>
-            <a:r>
-              <a:rPr lang="ko-KR" altLang="en-US" sz="2000" kern="0" dirty="0">
-                <a:solidFill>
-                  <a:sysClr val="windowText" lastClr="000000"/>
-                </a:solidFill>
-                <a:cs typeface="Malgun Gothic"/>
-              </a:rPr>
-              <a:t> 태양광 발전 시스템으로 생산할 수 있는 에너지를 예측하기 위함</a:t>
-            </a:r>
-            <a:endParaRPr lang="en-US" altLang="ko-KR" sz="2000" kern="0" spc="-50" dirty="0">
-              <a:solidFill>
-                <a:sysClr val="windowText" lastClr="000000"/>
-              </a:solidFill>
-              <a:latin typeface="Calibri"/>
-              <a:cs typeface="Calibri"/>
-            </a:endParaRPr>
-          </a:p>
-          <a:p>
-            <a:pPr marL="469900" indent="-457200" latinLnBrk="0">
-              <a:spcBef>
-                <a:spcPts val="695"/>
-              </a:spcBef>
-              <a:buFont typeface="+mj-ea"/>
-              <a:buAutoNum type="circleNumDbPlain"/>
-              <a:tabLst>
-                <a:tab pos="240665" algn="l"/>
-              </a:tabLst>
-            </a:pPr>
-            <a:r>
-              <a:rPr lang="ko-KR" altLang="en-US" sz="2000" kern="0" spc="-50" dirty="0">
-                <a:solidFill>
-                  <a:sysClr val="windowText" lastClr="000000"/>
-                </a:solidFill>
-                <a:latin typeface="Calibri"/>
-                <a:cs typeface="Calibri"/>
-              </a:rPr>
-              <a:t>예측 대상에서 하루치의 일사량만 수집되었더라도 타 지역의 충분한 일사량 데이터를 활용하여 일사량과 기상 요인 관계를 학습하기 위함</a:t>
-            </a:r>
-            <a:endParaRPr lang="en-US" altLang="ko-KR" sz="2000" kern="0" spc="-50" dirty="0">
-              <a:solidFill>
-                <a:sysClr val="windowText" lastClr="000000"/>
-              </a:solidFill>
-              <a:latin typeface="Calibri"/>
-              <a:cs typeface="Calibri"/>
-            </a:endParaRPr>
-          </a:p>
-        </p:txBody>
-      </p:sp>
+        </p:grpSpPr>
+        <p:pic>
+          <p:nvPicPr>
+            <p:cNvPr id="10" name="그림 9">
+              <a:extLst>
+                <a:ext uri="{FF2B5EF4-FFF2-40B4-BE49-F238E27FC236}">
+                  <a16:creationId xmlns:a16="http://schemas.microsoft.com/office/drawing/2014/main" id="{EC23857E-A1F0-4072-923B-4AA3924E7994}"/>
+                </a:ext>
+              </a:extLst>
+            </p:cNvPr>
+            <p:cNvPicPr>
+              <a:picLocks noChangeAspect="1"/>
+            </p:cNvPicPr>
+            <p:nvPr/>
+          </p:nvPicPr>
+          <p:blipFill rotWithShape="1">
+            <a:blip r:embed="rId3">
+              <a:extLst>
+                <a:ext uri="{28A0092B-C50C-407E-A947-70E740481C1C}">
+                  <a14:useLocalDpi xmlns:a14="http://schemas.microsoft.com/office/drawing/2010/main" val="0"/>
+                </a:ext>
+              </a:extLst>
+            </a:blip>
+            <a:srcRect l="74535" t="3851" r="5686" b="50143"/>
+            <a:stretch/>
+          </p:blipFill>
+          <p:spPr>
+            <a:xfrm>
+              <a:off x="8473734" y="6091284"/>
+              <a:ext cx="1353669" cy="585664"/>
+            </a:xfrm>
+            <a:prstGeom prst="rect">
+              <a:avLst/>
+            </a:prstGeom>
+          </p:spPr>
+        </p:pic>
+        <p:pic>
+          <p:nvPicPr>
+            <p:cNvPr id="11" name="그림 10">
+              <a:extLst>
+                <a:ext uri="{FF2B5EF4-FFF2-40B4-BE49-F238E27FC236}">
+                  <a16:creationId xmlns:a16="http://schemas.microsoft.com/office/drawing/2014/main" id="{10779464-688C-4EBA-BA1C-984E804D893C}"/>
+                </a:ext>
+              </a:extLst>
+            </p:cNvPr>
+            <p:cNvPicPr>
+              <a:picLocks noChangeAspect="1"/>
+            </p:cNvPicPr>
+            <p:nvPr/>
+          </p:nvPicPr>
+          <p:blipFill>
+            <a:blip r:embed="rId4" cstate="hqprint">
+              <a:extLst>
+                <a:ext uri="{28A0092B-C50C-407E-A947-70E740481C1C}">
+                  <a14:useLocalDpi xmlns:a14="http://schemas.microsoft.com/office/drawing/2010/main" val="0"/>
+                </a:ext>
+              </a:extLst>
+            </a:blip>
+            <a:stretch>
+              <a:fillRect/>
+            </a:stretch>
+          </p:blipFill>
+          <p:spPr>
+            <a:xfrm>
+              <a:off x="9827403" y="6172124"/>
+              <a:ext cx="2199971" cy="423985"/>
+            </a:xfrm>
+            <a:prstGeom prst="rect">
+              <a:avLst/>
+            </a:prstGeom>
+          </p:spPr>
+        </p:pic>
+      </p:grpSp>
     </p:spTree>
     <p:extLst>
       <p:ext uri="{BB962C8B-B14F-4D97-AF65-F5344CB8AC3E}">
-        <p14:creationId xmlns:p14="http://schemas.microsoft.com/office/powerpoint/2010/main" val="717666800"/>
+        <p14:creationId xmlns:p14="http://schemas.microsoft.com/office/powerpoint/2010/main" val="1500358301"/>
       </p:ext>
     </p:extLst>
   </p:cSld>
@@ -8285,7 +9023,7 @@
 </p:sld>
 </file>
 
-<file path=ppt/slides/slide6.xml><?xml version="1.0" encoding="utf-8"?>
+<file path=ppt/slides/slide5.xml><?xml version="1.0" encoding="utf-8"?>
 <p:sld xmlns:a="http://schemas.openxmlformats.org/drawingml/2006/main" xmlns:r="http://schemas.openxmlformats.org/officeDocument/2006/relationships" xmlns:p="http://schemas.openxmlformats.org/presentationml/2006/main">
   <p:cSld>
     <p:spTree>
@@ -8319,7 +9057,7 @@
         <p:spPr>
           <a:xfrm>
             <a:off x="492575" y="391668"/>
-            <a:ext cx="3927025" cy="505267"/>
+            <a:ext cx="1793875" cy="513080"/>
           </a:xfrm>
           <a:prstGeom prst="rect">
             <a:avLst/>
@@ -8342,23 +9080,86 @@
             </a:lvl1pPr>
           </a:lstStyle>
           <a:p>
-            <a:pPr marL="12700" lvl="0" latinLnBrk="0">
+            <a:pPr marL="12700" marR="0" lvl="0" indent="0" defTabSz="914400" eaLnBrk="1" fontAlgn="auto" latinLnBrk="0" hangingPunct="1">
+              <a:lnSpc>
+                <a:spcPct val="100000"/>
+              </a:lnSpc>
               <a:spcBef>
                 <a:spcPts val="100"/>
               </a:spcBef>
+              <a:spcAft>
+                <a:spcPts val="0"/>
+              </a:spcAft>
+              <a:buClrTx/>
+              <a:buSzTx/>
+              <a:buFontTx/>
+              <a:buNone/>
               <a:tabLst>
                 <a:tab pos="967740" algn="l"/>
               </a:tabLst>
               <a:defRPr/>
             </a:pPr>
             <a:r>
-              <a:rPr lang="ko-KR" altLang="en-US" sz="3200" kern="0" spc="-25" dirty="0">
+              <a:rPr kumimoji="0" lang="ko-KR" altLang="en-US" sz="3200" b="1" i="0" u="none" strike="noStrike" kern="0" cap="none" spc="-25" normalizeH="0" baseline="0" noProof="0" dirty="0">
+                <a:ln>
+                  <a:noFill/>
+                </a:ln>
                 <a:solidFill>
                   <a:srgbClr val="001F60"/>
                 </a:solidFill>
-              </a:rPr>
-              <a:t>연구 목적</a:t>
-            </a:r>
+                <a:effectLst/>
+                <a:uLnTx/>
+                <a:uFillTx/>
+                <a:latin typeface="Malgun Gothic"/>
+                <a:ea typeface="맑은 고딕" panose="020B0503020000020004" pitchFamily="50" charset="-127"/>
+              </a:rPr>
+              <a:t>연구</a:t>
+            </a:r>
+            <a:r>
+              <a:rPr kumimoji="0" lang="ko-KR" altLang="en-US" sz="3200" b="1" i="0" u="none" strike="noStrike" kern="0" cap="none" spc="0" normalizeH="0" baseline="0" noProof="0" dirty="0">
+                <a:ln>
+                  <a:noFill/>
+                </a:ln>
+                <a:solidFill>
+                  <a:srgbClr val="001F60"/>
+                </a:solidFill>
+                <a:effectLst/>
+                <a:uLnTx/>
+                <a:uFillTx/>
+                <a:latin typeface="Malgun Gothic"/>
+                <a:ea typeface="맑은 고딕" panose="020B0503020000020004" pitchFamily="50" charset="-127"/>
+              </a:rPr>
+              <a:t>	</a:t>
+            </a:r>
+            <a:r>
+              <a:rPr kumimoji="0" lang="ko-KR" altLang="en-US" sz="3200" b="1" i="0" u="none" strike="noStrike" kern="0" cap="none" spc="-25" normalizeH="0" baseline="0" noProof="0" dirty="0">
+                <a:ln>
+                  <a:noFill/>
+                </a:ln>
+                <a:solidFill>
+                  <a:srgbClr val="001F60"/>
+                </a:solidFill>
+                <a:effectLst/>
+                <a:uLnTx/>
+                <a:uFillTx/>
+                <a:latin typeface="Malgun Gothic"/>
+                <a:ea typeface="맑은 고딕" panose="020B0503020000020004" pitchFamily="50" charset="-127"/>
+              </a:rPr>
+              <a:t>배경</a:t>
+            </a:r>
+            <a:endParaRPr kumimoji="0" lang="ko-KR" altLang="en-US" sz="3200" b="1" i="0" u="none" strike="noStrike" kern="0" cap="none" spc="0" normalizeH="0" baseline="0" noProof="0" dirty="0">
+              <a:ln>
+                <a:noFill/>
+              </a:ln>
+              <a:solidFill>
+                <a:sysClr val="windowText" lastClr="000000"/>
+              </a:solidFill>
+              <a:effectLst/>
+              <a:uLnTx/>
+              <a:uFillTx/>
+              <a:latin typeface="Malgun Gothic"/>
+              <a:ea typeface="맑은 고딕" panose="020B0503020000020004" pitchFamily="50" charset="-127"/>
+            </a:endParaRPr>
           </a:p>
         </p:txBody>
       </p:sp>
@@ -8377,7 +9178,7 @@
         <p:spPr>
           <a:xfrm>
             <a:off x="508990" y="1263396"/>
-            <a:ext cx="11275060" cy="1694695"/>
+            <a:ext cx="11014075" cy="848309"/>
           </a:xfrm>
           <a:prstGeom prst="rect">
             <a:avLst/>
@@ -8389,7 +9190,7 @@
           </a:bodyPr>
           <a:lstStyle/>
           <a:p>
-            <a:pPr marL="355600" indent="-342900" latinLnBrk="0">
+            <a:pPr marL="469900" indent="-457200" latinLnBrk="0">
               <a:spcBef>
                 <a:spcPts val="915"/>
               </a:spcBef>
@@ -8403,17 +9204,38 @@
                 </a:solidFill>
                 <a:cs typeface="Malgun Gothic"/>
               </a:rPr>
-              <a:t>일사량 정보가 없는 지역을 대상으로 일사량 데이터가 충분한 지역을 학습</a:t>
-            </a:r>
-            <a:endParaRPr lang="en-US" altLang="ko-KR" sz="2000" b="1" kern="0" dirty="0">
-              <a:solidFill>
-                <a:sysClr val="windowText" lastClr="000000"/>
-              </a:solidFill>
-              <a:cs typeface="Malgun Gothic"/>
-            </a:endParaRPr>
-          </a:p>
-          <a:p>
-            <a:pPr marL="355600" indent="-342900" latinLnBrk="0">
+              <a:t>태양광 발전의 주 에너지원은 </a:t>
+            </a:r>
+            <a:r>
+              <a:rPr lang="en-US" altLang="ko-KR" sz="2000" b="1" kern="0" dirty="0">
+                <a:solidFill>
+                  <a:sysClr val="windowText" lastClr="000000"/>
+                </a:solidFill>
+                <a:cs typeface="Malgun Gothic"/>
+              </a:rPr>
+              <a:t>“</a:t>
+            </a:r>
+            <a:r>
+              <a:rPr lang="ko-KR" altLang="en-US" sz="2000" b="1" kern="0" dirty="0">
+                <a:solidFill>
+                  <a:sysClr val="windowText" lastClr="000000"/>
+                </a:solidFill>
+                <a:cs typeface="Malgun Gothic"/>
+              </a:rPr>
+              <a:t>일사량</a:t>
+            </a:r>
+            <a:r>
+              <a:rPr lang="en-US" altLang="ko-KR" sz="2000" b="1" kern="0" dirty="0">
+                <a:solidFill>
+                  <a:sysClr val="windowText" lastClr="000000"/>
+                </a:solidFill>
+                <a:cs typeface="Malgun Gothic"/>
+              </a:rPr>
+              <a:t>” </a:t>
+            </a:r>
+          </a:p>
+          <a:p>
+            <a:pPr marL="469900" indent="-457200" latinLnBrk="0">
               <a:spcBef>
                 <a:spcPts val="915"/>
               </a:spcBef>
@@ -8427,39 +9249,9 @@
                 </a:solidFill>
                 <a:cs typeface="Malgun Gothic"/>
               </a:rPr>
-              <a:t>전이 학습 기반의 다단계 일사량 예측 방식을 제안 </a:t>
+              <a:t>태양광 발전원을 효율적으로 운영하기 위해 일사량을 예측하기 위한 연구가 활발하게 진행중 </a:t>
             </a:r>
             <a:endParaRPr lang="en-US" altLang="ko-KR" sz="2000" b="1" kern="0" dirty="0">
-              <a:solidFill>
-                <a:sysClr val="windowText" lastClr="000000"/>
-              </a:solidFill>
-              <a:cs typeface="Malgun Gothic"/>
-            </a:endParaRPr>
-          </a:p>
-          <a:p>
-            <a:pPr marL="355600" indent="-342900" latinLnBrk="0">
-              <a:spcBef>
-                <a:spcPts val="915"/>
-              </a:spcBef>
-              <a:buFont typeface="Wingdings" panose="05000000000000000000" pitchFamily="2" charset="2"/>
-              <a:buChar char="§"/>
-            </a:pPr>
-            <a:endParaRPr lang="en-US" sz="2000" b="1" kern="0" dirty="0">
-              <a:solidFill>
-                <a:sysClr val="windowText" lastClr="000000"/>
-              </a:solidFill>
-              <a:cs typeface="Malgun Gothic"/>
-            </a:endParaRPr>
-          </a:p>
-          <a:p>
-            <a:pPr marL="355600" indent="-342900" latinLnBrk="0">
-              <a:spcBef>
-                <a:spcPts val="915"/>
-              </a:spcBef>
-              <a:buFont typeface="Wingdings" panose="05000000000000000000" pitchFamily="2" charset="2"/>
-              <a:buChar char="§"/>
-            </a:pPr>
-            <a:endParaRPr lang="en-US" sz="2000" b="1" kern="0" dirty="0">
               <a:solidFill>
                 <a:sysClr val="windowText" lastClr="000000"/>
               </a:solidFill>
@@ -8551,81 +9343,211 @@
           </a:p>
         </p:txBody>
       </p:sp>
-      <p:pic>
-        <p:nvPicPr>
-          <p:cNvPr id="20" name="그림 19">
-            <a:extLst>
-              <a:ext uri="{FF2B5EF4-FFF2-40B4-BE49-F238E27FC236}">
-                <a16:creationId xmlns:a16="http://schemas.microsoft.com/office/drawing/2014/main" id="{A87EDB79-AE8E-46E3-B956-281C41A7ED3A}"/>
-              </a:ext>
-            </a:extLst>
-          </p:cNvPr>
-          <p:cNvPicPr>
-            <a:picLocks noChangeAspect="1"/>
-          </p:cNvPicPr>
+      <p:sp>
+        <p:nvSpPr>
+          <p:cNvPr id="4" name="직사각형 3"/>
+          <p:cNvSpPr/>
           <p:nvPr/>
-        </p:nvPicPr>
-        <p:blipFill rotWithShape="1">
-          <a:blip r:embed="rId2">
-            <a:extLst>
-              <a:ext uri="{28A0092B-C50C-407E-A947-70E740481C1C}">
-                <a14:useLocalDpi xmlns:a14="http://schemas.microsoft.com/office/drawing/2010/main" val="0"/>
-              </a:ext>
-            </a:extLst>
-          </a:blip>
-          <a:srcRect l="74535" t="3851" r="5686" b="50143"/>
-          <a:stretch/>
-        </p:blipFill>
+        </p:nvSpPr>
         <p:spPr>
           <a:xfrm>
-            <a:off x="8473734" y="6091284"/>
-            <a:ext cx="1353669" cy="585664"/>
+            <a:off x="430250" y="2187447"/>
+            <a:ext cx="10568247" cy="1102866"/>
           </a:xfrm>
           <a:prstGeom prst="rect">
             <a:avLst/>
           </a:prstGeom>
         </p:spPr>
-      </p:pic>
-      <p:pic>
-        <p:nvPicPr>
-          <p:cNvPr id="21" name="그림 20">
-            <a:extLst>
-              <a:ext uri="{FF2B5EF4-FFF2-40B4-BE49-F238E27FC236}">
-                <a16:creationId xmlns:a16="http://schemas.microsoft.com/office/drawing/2014/main" id="{25EA5F27-CB8A-4DD7-A41E-73A6B46FF164}"/>
-              </a:ext>
-            </a:extLst>
-          </p:cNvPr>
-          <p:cNvPicPr>
-            <a:picLocks noChangeAspect="1"/>
-          </p:cNvPicPr>
+        <p:txBody>
+          <a:bodyPr wrap="square">
+            <a:spAutoFit/>
+          </a:bodyPr>
+          <a:lstStyle/>
+          <a:p>
+            <a:pPr marL="298450" indent="-285750" latinLnBrk="0">
+              <a:spcBef>
+                <a:spcPts val="695"/>
+              </a:spcBef>
+              <a:buFontTx/>
+              <a:buChar char="-"/>
+              <a:tabLst>
+                <a:tab pos="240665" algn="l"/>
+              </a:tabLst>
+            </a:pPr>
+            <a:r>
+              <a:rPr lang="ko-KR" altLang="en-US" kern="0" spc="-50" dirty="0" err="1">
+                <a:solidFill>
+                  <a:sysClr val="windowText" lastClr="000000"/>
+                </a:solidFill>
+                <a:latin typeface="Calibri"/>
+                <a:cs typeface="Calibri"/>
+              </a:rPr>
+              <a:t>ㅇㅇ</a:t>
+            </a:r>
+            <a:endParaRPr lang="en-US" altLang="ko-KR" kern="0" spc="-50" dirty="0">
+              <a:solidFill>
+                <a:sysClr val="windowText" lastClr="000000"/>
+              </a:solidFill>
+              <a:latin typeface="Calibri"/>
+              <a:cs typeface="Calibri"/>
+            </a:endParaRPr>
+          </a:p>
+          <a:p>
+            <a:pPr marL="298450" indent="-285750" latinLnBrk="0">
+              <a:spcBef>
+                <a:spcPts val="695"/>
+              </a:spcBef>
+              <a:buFontTx/>
+              <a:buChar char="-"/>
+              <a:tabLst>
+                <a:tab pos="240665" algn="l"/>
+              </a:tabLst>
+            </a:pPr>
+            <a:r>
+              <a:rPr lang="ko-KR" altLang="en-US" kern="0" spc="-50" dirty="0" err="1">
+                <a:solidFill>
+                  <a:sysClr val="windowText" lastClr="000000"/>
+                </a:solidFill>
+                <a:latin typeface="Calibri"/>
+                <a:cs typeface="Calibri"/>
+              </a:rPr>
+              <a:t>ㅇㅇ</a:t>
+            </a:r>
+            <a:endParaRPr lang="en-US" altLang="ko-KR" kern="0" spc="-50" dirty="0">
+              <a:solidFill>
+                <a:sysClr val="windowText" lastClr="000000"/>
+              </a:solidFill>
+              <a:latin typeface="Calibri"/>
+              <a:cs typeface="Calibri"/>
+            </a:endParaRPr>
+          </a:p>
+          <a:p>
+            <a:pPr marL="298450" indent="-285750" latinLnBrk="0">
+              <a:spcBef>
+                <a:spcPts val="695"/>
+              </a:spcBef>
+              <a:buFontTx/>
+              <a:buChar char="-"/>
+              <a:tabLst>
+                <a:tab pos="240665" algn="l"/>
+              </a:tabLst>
+            </a:pPr>
+            <a:r>
+              <a:rPr lang="ko-KR" altLang="en-US" kern="0" spc="-50" dirty="0" err="1">
+                <a:solidFill>
+                  <a:sysClr val="windowText" lastClr="000000"/>
+                </a:solidFill>
+                <a:latin typeface="Calibri"/>
+                <a:cs typeface="Calibri"/>
+              </a:rPr>
+              <a:t>ㅇㅇ</a:t>
+            </a:r>
+            <a:endParaRPr lang="en-US" altLang="ko-KR" kern="0" spc="-50" dirty="0">
+              <a:solidFill>
+                <a:sysClr val="windowText" lastClr="000000"/>
+              </a:solidFill>
+              <a:latin typeface="Calibri"/>
+              <a:cs typeface="Calibri"/>
+            </a:endParaRPr>
+          </a:p>
+        </p:txBody>
+      </p:sp>
+      <p:grpSp>
+        <p:nvGrpSpPr>
+          <p:cNvPr id="8" name="그룹 7">
+            <a:extLst>
+              <a:ext uri="{FF2B5EF4-FFF2-40B4-BE49-F238E27FC236}">
+                <a16:creationId xmlns:a16="http://schemas.microsoft.com/office/drawing/2014/main" id="{805C8B75-0277-4711-8BD5-46D252D91661}"/>
+              </a:ext>
+            </a:extLst>
+          </p:cNvPr>
+          <p:cNvGrpSpPr/>
           <p:nvPr/>
-        </p:nvPicPr>
-        <p:blipFill>
-          <a:blip r:embed="rId3" cstate="hqprint">
-            <a:extLst>
-              <a:ext uri="{28A0092B-C50C-407E-A947-70E740481C1C}">
-                <a14:useLocalDpi xmlns:a14="http://schemas.microsoft.com/office/drawing/2010/main" val="0"/>
-              </a:ext>
-            </a:extLst>
-          </a:blip>
-          <a:stretch>
-            <a:fillRect/>
-          </a:stretch>
-        </p:blipFill>
-        <p:spPr>
+        </p:nvGrpSpPr>
+        <p:grpSpPr>
           <a:xfrm>
-            <a:off x="9827403" y="6172124"/>
-            <a:ext cx="2199971" cy="423985"/>
+            <a:off x="9250532" y="6219306"/>
+            <a:ext cx="2776842" cy="457642"/>
+            <a:chOff x="8473734" y="6091284"/>
+            <a:chExt cx="3553640" cy="585664"/>
           </a:xfrm>
-          <a:prstGeom prst="rect">
-            <a:avLst/>
-          </a:prstGeom>
-        </p:spPr>
-      </p:pic>
+        </p:grpSpPr>
+        <p:pic>
+          <p:nvPicPr>
+            <p:cNvPr id="9" name="그림 8">
+              <a:extLst>
+                <a:ext uri="{FF2B5EF4-FFF2-40B4-BE49-F238E27FC236}">
+                  <a16:creationId xmlns:a16="http://schemas.microsoft.com/office/drawing/2014/main" id="{6A98FBBB-1C7D-4E7B-92DE-EE6C5EBC55D1}"/>
+                </a:ext>
+              </a:extLst>
+            </p:cNvPr>
+            <p:cNvPicPr>
+              <a:picLocks noChangeAspect="1"/>
+            </p:cNvPicPr>
+            <p:nvPr/>
+          </p:nvPicPr>
+          <p:blipFill rotWithShape="1">
+            <a:blip r:embed="rId2">
+              <a:extLst>
+                <a:ext uri="{28A0092B-C50C-407E-A947-70E740481C1C}">
+                  <a14:useLocalDpi xmlns:a14="http://schemas.microsoft.com/office/drawing/2010/main" val="0"/>
+                </a:ext>
+              </a:extLst>
+            </a:blip>
+            <a:srcRect l="74535" t="3851" r="5686" b="50143"/>
+            <a:stretch/>
+          </p:blipFill>
+          <p:spPr>
+            <a:xfrm>
+              <a:off x="8473734" y="6091284"/>
+              <a:ext cx="1353669" cy="585664"/>
+            </a:xfrm>
+            <a:prstGeom prst="rect">
+              <a:avLst/>
+            </a:prstGeom>
+          </p:spPr>
+        </p:pic>
+        <p:pic>
+          <p:nvPicPr>
+            <p:cNvPr id="10" name="그림 9">
+              <a:extLst>
+                <a:ext uri="{FF2B5EF4-FFF2-40B4-BE49-F238E27FC236}">
+                  <a16:creationId xmlns:a16="http://schemas.microsoft.com/office/drawing/2014/main" id="{A8635494-DF36-4B9B-BA98-17DD7B6C5DCB}"/>
+                </a:ext>
+              </a:extLst>
+            </p:cNvPr>
+            <p:cNvPicPr>
+              <a:picLocks noChangeAspect="1"/>
+            </p:cNvPicPr>
+            <p:nvPr/>
+          </p:nvPicPr>
+          <p:blipFill>
+            <a:blip r:embed="rId3" cstate="hqprint">
+              <a:extLst>
+                <a:ext uri="{28A0092B-C50C-407E-A947-70E740481C1C}">
+                  <a14:useLocalDpi xmlns:a14="http://schemas.microsoft.com/office/drawing/2010/main" val="0"/>
+                </a:ext>
+              </a:extLst>
+            </a:blip>
+            <a:stretch>
+              <a:fillRect/>
+            </a:stretch>
+          </p:blipFill>
+          <p:spPr>
+            <a:xfrm>
+              <a:off x="9827403" y="6172124"/>
+              <a:ext cx="2199971" cy="423985"/>
+            </a:xfrm>
+            <a:prstGeom prst="rect">
+              <a:avLst/>
+            </a:prstGeom>
+          </p:spPr>
+        </p:pic>
+      </p:grpSp>
     </p:spTree>
     <p:extLst>
       <p:ext uri="{BB962C8B-B14F-4D97-AF65-F5344CB8AC3E}">
-        <p14:creationId xmlns:p14="http://schemas.microsoft.com/office/powerpoint/2010/main" val="4026929259"/>
+        <p14:creationId xmlns:p14="http://schemas.microsoft.com/office/powerpoint/2010/main" val="3937443861"/>
       </p:ext>
     </p:extLst>
   </p:cSld>
@@ -8635,7 +9557,7 @@
 </p:sld>
 </file>
 
-<file path=ppt/slides/slide7.xml><?xml version="1.0" encoding="utf-8"?>
+<file path=ppt/slides/slide6.xml><?xml version="1.0" encoding="utf-8"?>
 <p:sld xmlns:a="http://schemas.openxmlformats.org/drawingml/2006/main" xmlns:r="http://schemas.openxmlformats.org/officeDocument/2006/relationships" xmlns:p="http://schemas.openxmlformats.org/presentationml/2006/main">
   <p:cSld>
     <p:spTree>
@@ -8669,7 +9591,7 @@
         <p:spPr>
           <a:xfrm>
             <a:off x="492575" y="391668"/>
-            <a:ext cx="3927025" cy="505267"/>
+            <a:ext cx="1793875" cy="513080"/>
           </a:xfrm>
           <a:prstGeom prst="rect">
             <a:avLst/>
@@ -8692,23 +9614,72 @@
             </a:lvl1pPr>
           </a:lstStyle>
           <a:p>
-            <a:pPr marL="12700" lvl="0" latinLnBrk="0">
+            <a:pPr marL="12700" marR="0" lvl="0" indent="0" defTabSz="914400" eaLnBrk="1" fontAlgn="auto" latinLnBrk="0" hangingPunct="1">
+              <a:lnSpc>
+                <a:spcPct val="100000"/>
+              </a:lnSpc>
               <a:spcBef>
                 <a:spcPts val="100"/>
               </a:spcBef>
+              <a:spcAft>
+                <a:spcPts val="0"/>
+              </a:spcAft>
+              <a:buClrTx/>
+              <a:buSzTx/>
+              <a:buFontTx/>
+              <a:buNone/>
               <a:tabLst>
                 <a:tab pos="967740" algn="l"/>
               </a:tabLst>
               <a:defRPr/>
             </a:pPr>
             <a:r>
+              <a:rPr kumimoji="0" lang="ko-KR" altLang="en-US" sz="3200" b="1" i="0" u="none" strike="noStrike" kern="0" cap="none" spc="-25" normalizeH="0" baseline="0" noProof="0" dirty="0">
+                <a:ln>
+                  <a:noFill/>
+                </a:ln>
+                <a:solidFill>
+                  <a:srgbClr val="001F60"/>
+                </a:solidFill>
+                <a:effectLst/>
+                <a:uLnTx/>
+                <a:uFillTx/>
+                <a:latin typeface="Malgun Gothic"/>
+                <a:ea typeface="맑은 고딕" panose="020B0503020000020004" pitchFamily="50" charset="-127"/>
+              </a:rPr>
+              <a:t>연구</a:t>
+            </a:r>
+            <a:r>
+              <a:rPr lang="ko-KR" altLang="en-US" sz="3200" kern="0" dirty="0">
+                <a:solidFill>
+                  <a:srgbClr val="001F60"/>
+                </a:solidFill>
+                <a:ea typeface="맑은 고딕" panose="020B0503020000020004" pitchFamily="50" charset="-127"/>
+              </a:rPr>
+              <a:t> </a:t>
+            </a:r>
+            <a:r>
               <a:rPr lang="ko-KR" altLang="en-US" sz="3200" kern="0" spc="-25" dirty="0">
                 <a:solidFill>
                   <a:srgbClr val="001F60"/>
                 </a:solidFill>
-              </a:rPr>
-              <a:t>일사량 예측 모델링</a:t>
-            </a:r>
+                <a:ea typeface="맑은 고딕" panose="020B0503020000020004" pitchFamily="50" charset="-127"/>
+              </a:rPr>
+              <a:t>목적</a:t>
+            </a:r>
+            <a:endParaRPr kumimoji="0" lang="ko-KR" altLang="en-US" sz="3200" b="1" i="0" u="none" strike="noStrike" kern="0" cap="none" spc="0" normalizeH="0" baseline="0" noProof="0" dirty="0">
+              <a:ln>
+                <a:noFill/>
+              </a:ln>
+              <a:solidFill>
+                <a:sysClr val="windowText" lastClr="000000"/>
+              </a:solidFill>
+              <a:effectLst/>
+              <a:uLnTx/>
+              <a:uFillTx/>
+              <a:latin typeface="Malgun Gothic"/>
+              <a:ea typeface="맑은 고딕" panose="020B0503020000020004" pitchFamily="50" charset="-127"/>
+            </a:endParaRPr>
           </a:p>
         </p:txBody>
       </p:sp>
@@ -8727,7 +9698,7 @@
         <p:spPr>
           <a:xfrm>
             <a:off x="508990" y="1263396"/>
-            <a:ext cx="11275060" cy="3387466"/>
+            <a:ext cx="11014075" cy="425116"/>
           </a:xfrm>
           <a:prstGeom prst="rect">
             <a:avLst/>
@@ -8739,422 +9710,21 @@
           </a:bodyPr>
           <a:lstStyle/>
           <a:p>
-            <a:pPr marL="355600" indent="-342900" latinLnBrk="0">
+            <a:pPr marL="12700" latinLnBrk="0">
               <a:spcBef>
                 <a:spcPts val="915"/>
               </a:spcBef>
-              <a:buFont typeface="Wingdings" panose="05000000000000000000" pitchFamily="2" charset="2"/>
-              <a:buChar char="§"/>
             </a:pPr>
             <a:r>
-              <a:rPr lang="en-US" altLang="ko-KR" sz="2000" b="1" kern="0" dirty="0">
+              <a:rPr lang="ko-KR" altLang="en-US" sz="2000" b="1" kern="0" dirty="0">
                 <a:solidFill>
                   <a:sysClr val="windowText" lastClr="000000"/>
                 </a:solidFill>
                 <a:cs typeface="Malgun Gothic"/>
               </a:rPr>
-              <a:t>1</a:t>
-            </a:r>
-            <a:r>
-              <a:rPr lang="ko-KR" altLang="en-US" sz="2000" b="1" kern="0" dirty="0">
-                <a:solidFill>
-                  <a:sysClr val="windowText" lastClr="000000"/>
-                </a:solidFill>
-                <a:cs typeface="Malgun Gothic"/>
-              </a:rPr>
-              <a:t>단계</a:t>
-            </a:r>
-            <a:r>
-              <a:rPr lang="en-US" altLang="ko-KR" sz="2000" b="1" kern="0" dirty="0">
-                <a:solidFill>
-                  <a:sysClr val="windowText" lastClr="000000"/>
-                </a:solidFill>
-                <a:cs typeface="Malgun Gothic"/>
-              </a:rPr>
-              <a:t>) </a:t>
-            </a:r>
-            <a:r>
-              <a:rPr lang="ko-KR" altLang="en-US" sz="2000" b="1" kern="0" dirty="0">
-                <a:solidFill>
-                  <a:sysClr val="windowText" lastClr="000000"/>
-                </a:solidFill>
-                <a:cs typeface="Malgun Gothic"/>
-              </a:rPr>
-              <a:t>예측 모델 학습을 위한 입력 변수 구성</a:t>
+              <a:t>일사량 정보가 부족한 지역에서 초기 태양광 발전 시스템의 효율적인 운영을 돕기 위해</a:t>
             </a:r>
             <a:endParaRPr lang="en-US" altLang="ko-KR" sz="2000" b="1" kern="0" dirty="0">
-              <a:solidFill>
-                <a:sysClr val="windowText" lastClr="000000"/>
-              </a:solidFill>
-              <a:cs typeface="Malgun Gothic"/>
-            </a:endParaRPr>
-          </a:p>
-          <a:p>
-            <a:pPr marL="355600" indent="-342900" latinLnBrk="0">
-              <a:spcBef>
-                <a:spcPts val="915"/>
-              </a:spcBef>
-              <a:buFont typeface="Wingdings" panose="05000000000000000000" pitchFamily="2" charset="2"/>
-              <a:buChar char="§"/>
-            </a:pPr>
-            <a:r>
-              <a:rPr lang="ko-KR" altLang="en-US" sz="2000" b="1" kern="0" dirty="0">
-                <a:solidFill>
-                  <a:sysClr val="windowText" lastClr="000000"/>
-                </a:solidFill>
-                <a:cs typeface="Malgun Gothic"/>
-              </a:rPr>
-              <a:t>데이터 </a:t>
-            </a:r>
-            <a:r>
-              <a:rPr lang="en-US" altLang="ko-KR" sz="2000" b="1" kern="0" dirty="0">
-                <a:solidFill>
-                  <a:sysClr val="windowText" lastClr="000000"/>
-                </a:solidFill>
-                <a:cs typeface="Malgun Gothic"/>
-              </a:rPr>
-              <a:t>: </a:t>
-            </a:r>
-            <a:r>
-              <a:rPr lang="ko-KR" altLang="en-US" sz="2000" b="1" kern="0" dirty="0">
-                <a:solidFill>
-                  <a:sysClr val="windowText" lastClr="000000"/>
-                </a:solidFill>
-                <a:cs typeface="Malgun Gothic"/>
-              </a:rPr>
-              <a:t>기상청에서 제공하는 종관기상관측 데이터 </a:t>
-            </a:r>
-            <a:r>
-              <a:rPr lang="en-US" altLang="ko-KR" sz="2000" b="1" kern="0" dirty="0">
-                <a:solidFill>
-                  <a:sysClr val="windowText" lastClr="000000"/>
-                </a:solidFill>
-                <a:cs typeface="Malgun Gothic"/>
-              </a:rPr>
-              <a:t>(2016</a:t>
-            </a:r>
-            <a:r>
-              <a:rPr lang="ko-KR" altLang="en-US" sz="2000" b="1" kern="0" dirty="0">
-                <a:solidFill>
-                  <a:sysClr val="windowText" lastClr="000000"/>
-                </a:solidFill>
-                <a:cs typeface="Malgun Gothic"/>
-              </a:rPr>
-              <a:t>년 </a:t>
-            </a:r>
-            <a:r>
-              <a:rPr lang="en-US" altLang="ko-KR" sz="2000" b="1" kern="0" dirty="0">
-                <a:solidFill>
-                  <a:sysClr val="windowText" lastClr="000000"/>
-                </a:solidFill>
-                <a:cs typeface="Malgun Gothic"/>
-              </a:rPr>
-              <a:t>1</a:t>
-            </a:r>
-            <a:r>
-              <a:rPr lang="ko-KR" altLang="en-US" sz="2000" b="1" kern="0" dirty="0">
-                <a:solidFill>
-                  <a:sysClr val="windowText" lastClr="000000"/>
-                </a:solidFill>
-                <a:cs typeface="Malgun Gothic"/>
-              </a:rPr>
-              <a:t>월 </a:t>
-            </a:r>
-            <a:r>
-              <a:rPr lang="en-US" altLang="ko-KR" sz="2000" b="1" kern="0" dirty="0">
-                <a:solidFill>
-                  <a:sysClr val="windowText" lastClr="000000"/>
-                </a:solidFill>
-                <a:cs typeface="Malgun Gothic"/>
-              </a:rPr>
-              <a:t>1</a:t>
-            </a:r>
-            <a:r>
-              <a:rPr lang="ko-KR" altLang="en-US" sz="2000" b="1" kern="0" dirty="0">
-                <a:solidFill>
-                  <a:sysClr val="windowText" lastClr="000000"/>
-                </a:solidFill>
-                <a:cs typeface="Malgun Gothic"/>
-              </a:rPr>
-              <a:t>일 </a:t>
-            </a:r>
-            <a:r>
-              <a:rPr lang="en-US" altLang="ko-KR" sz="2000" b="1" kern="0" dirty="0">
-                <a:solidFill>
-                  <a:sysClr val="windowText" lastClr="000000"/>
-                </a:solidFill>
-                <a:cs typeface="Malgun Gothic"/>
-              </a:rPr>
-              <a:t>~ 2019</a:t>
-            </a:r>
-            <a:r>
-              <a:rPr lang="ko-KR" altLang="en-US" sz="2000" b="1" kern="0" dirty="0">
-                <a:solidFill>
-                  <a:sysClr val="windowText" lastClr="000000"/>
-                </a:solidFill>
-                <a:cs typeface="Malgun Gothic"/>
-              </a:rPr>
-              <a:t>년 </a:t>
-            </a:r>
-            <a:r>
-              <a:rPr lang="en-US" altLang="ko-KR" sz="2000" b="1" kern="0" dirty="0">
-                <a:solidFill>
-                  <a:sysClr val="windowText" lastClr="000000"/>
-                </a:solidFill>
-                <a:cs typeface="Malgun Gothic"/>
-              </a:rPr>
-              <a:t>12</a:t>
-            </a:r>
-            <a:r>
-              <a:rPr lang="ko-KR" altLang="en-US" sz="2000" b="1" kern="0" dirty="0">
-                <a:solidFill>
-                  <a:sysClr val="windowText" lastClr="000000"/>
-                </a:solidFill>
-                <a:cs typeface="Malgun Gothic"/>
-              </a:rPr>
-              <a:t>월 </a:t>
-            </a:r>
-            <a:r>
-              <a:rPr lang="en-US" altLang="ko-KR" sz="2000" b="1" kern="0" dirty="0">
-                <a:solidFill>
-                  <a:sysClr val="windowText" lastClr="000000"/>
-                </a:solidFill>
-                <a:cs typeface="Malgun Gothic"/>
-              </a:rPr>
-              <a:t>31</a:t>
-            </a:r>
-            <a:r>
-              <a:rPr lang="ko-KR" altLang="en-US" sz="2000" b="1" kern="0" dirty="0">
-                <a:solidFill>
-                  <a:sysClr val="windowText" lastClr="000000"/>
-                </a:solidFill>
-                <a:cs typeface="Malgun Gothic"/>
-              </a:rPr>
-              <a:t>일</a:t>
-            </a:r>
-            <a:r>
-              <a:rPr lang="en-US" altLang="ko-KR" sz="2000" b="1" kern="0" dirty="0">
-                <a:solidFill>
-                  <a:sysClr val="windowText" lastClr="000000"/>
-                </a:solidFill>
-                <a:cs typeface="Malgun Gothic"/>
-              </a:rPr>
-              <a:t>)</a:t>
-            </a:r>
-          </a:p>
-          <a:p>
-            <a:pPr marL="355600" indent="-342900" latinLnBrk="0">
-              <a:spcBef>
-                <a:spcPts val="915"/>
-              </a:spcBef>
-              <a:buFont typeface="Wingdings" panose="05000000000000000000" pitchFamily="2" charset="2"/>
-              <a:buChar char="§"/>
-            </a:pPr>
-            <a:r>
-              <a:rPr lang="ko-KR" altLang="en-US" sz="2000" b="1" kern="0" dirty="0">
-                <a:solidFill>
-                  <a:sysClr val="windowText" lastClr="000000"/>
-                </a:solidFill>
-                <a:cs typeface="Malgun Gothic"/>
-              </a:rPr>
-              <a:t>입력 변수 </a:t>
-            </a:r>
-            <a:r>
-              <a:rPr lang="en-US" altLang="ko-KR" sz="2000" b="1" kern="0" dirty="0">
-                <a:solidFill>
-                  <a:sysClr val="windowText" lastClr="000000"/>
-                </a:solidFill>
-                <a:cs typeface="Malgun Gothic"/>
-              </a:rPr>
-              <a:t>: 7</a:t>
-            </a:r>
-            <a:r>
-              <a:rPr lang="ko-KR" altLang="en-US" sz="2000" b="1" kern="0" dirty="0">
-                <a:solidFill>
-                  <a:sysClr val="windowText" lastClr="000000"/>
-                </a:solidFill>
-                <a:cs typeface="Malgun Gothic"/>
-              </a:rPr>
-              <a:t>개</a:t>
-            </a:r>
-            <a:endParaRPr lang="en-US" altLang="ko-KR" sz="2000" b="1" kern="0" dirty="0">
-              <a:solidFill>
-                <a:sysClr val="windowText" lastClr="000000"/>
-              </a:solidFill>
-              <a:cs typeface="Malgun Gothic"/>
-            </a:endParaRPr>
-          </a:p>
-          <a:p>
-            <a:pPr marL="812800" lvl="1" indent="-342900" latinLnBrk="0">
-              <a:spcBef>
-                <a:spcPts val="915"/>
-              </a:spcBef>
-              <a:buFont typeface="Wingdings" panose="05000000000000000000" pitchFamily="2" charset="2"/>
-              <a:buChar char="§"/>
-            </a:pPr>
-            <a:r>
-              <a:rPr lang="ko-KR" altLang="en-US" sz="2000" kern="0" dirty="0">
-                <a:solidFill>
-                  <a:sysClr val="windowText" lastClr="000000"/>
-                </a:solidFill>
-                <a:cs typeface="Malgun Gothic"/>
-              </a:rPr>
-              <a:t>날짜</a:t>
-            </a:r>
-            <a:r>
-              <a:rPr lang="en-US" altLang="ko-KR" sz="2000" kern="0" dirty="0">
-                <a:solidFill>
-                  <a:sysClr val="windowText" lastClr="000000"/>
-                </a:solidFill>
-                <a:cs typeface="Malgun Gothic"/>
-              </a:rPr>
-              <a:t>(</a:t>
-            </a:r>
-            <a:r>
-              <a:rPr lang="ko-KR" altLang="en-US" sz="2000" kern="0" dirty="0">
-                <a:solidFill>
-                  <a:sysClr val="windowText" lastClr="000000"/>
-                </a:solidFill>
-                <a:cs typeface="Malgun Gothic"/>
-              </a:rPr>
-              <a:t>월</a:t>
-            </a:r>
-            <a:r>
-              <a:rPr lang="en-US" altLang="ko-KR" sz="2000" kern="0" dirty="0">
-                <a:solidFill>
-                  <a:sysClr val="windowText" lastClr="000000"/>
-                </a:solidFill>
-                <a:cs typeface="Malgun Gothic"/>
-              </a:rPr>
-              <a:t>, </a:t>
-            </a:r>
-            <a:r>
-              <a:rPr lang="ko-KR" altLang="en-US" sz="2000" kern="0" dirty="0">
-                <a:solidFill>
-                  <a:sysClr val="windowText" lastClr="000000"/>
-                </a:solidFill>
-                <a:cs typeface="Malgun Gothic"/>
-              </a:rPr>
-              <a:t>일</a:t>
-            </a:r>
-            <a:r>
-              <a:rPr lang="en-US" altLang="ko-KR" sz="2000" kern="0" dirty="0">
-                <a:solidFill>
-                  <a:sysClr val="windowText" lastClr="000000"/>
-                </a:solidFill>
-                <a:cs typeface="Malgun Gothic"/>
-              </a:rPr>
-              <a:t>, </a:t>
-            </a:r>
-            <a:r>
-              <a:rPr lang="ko-KR" altLang="en-US" sz="2000" kern="0" dirty="0">
-                <a:solidFill>
-                  <a:sysClr val="windowText" lastClr="000000"/>
-                </a:solidFill>
-                <a:cs typeface="Malgun Gothic"/>
-              </a:rPr>
-              <a:t>시간</a:t>
-            </a:r>
-            <a:r>
-              <a:rPr lang="en-US" altLang="ko-KR" sz="2000" kern="0" dirty="0">
-                <a:solidFill>
-                  <a:sysClr val="windowText" lastClr="000000"/>
-                </a:solidFill>
-                <a:cs typeface="Malgun Gothic"/>
-              </a:rPr>
-              <a:t>)  </a:t>
-            </a:r>
-          </a:p>
-          <a:p>
-            <a:pPr marL="812800" lvl="1" indent="-342900" latinLnBrk="0">
-              <a:spcBef>
-                <a:spcPts val="915"/>
-              </a:spcBef>
-              <a:buFont typeface="Wingdings" panose="05000000000000000000" pitchFamily="2" charset="2"/>
-              <a:buChar char="§"/>
-            </a:pPr>
-            <a:r>
-              <a:rPr lang="ko-KR" altLang="en-US" sz="2000" kern="0" dirty="0">
-                <a:solidFill>
-                  <a:sysClr val="windowText" lastClr="000000"/>
-                </a:solidFill>
-                <a:cs typeface="Malgun Gothic"/>
-              </a:rPr>
-              <a:t>기온</a:t>
-            </a:r>
-            <a:endParaRPr lang="en-US" altLang="ko-KR" sz="2000" kern="0" dirty="0">
-              <a:solidFill>
-                <a:sysClr val="windowText" lastClr="000000"/>
-              </a:solidFill>
-              <a:cs typeface="Malgun Gothic"/>
-            </a:endParaRPr>
-          </a:p>
-          <a:p>
-            <a:pPr marL="812800" lvl="1" indent="-342900" latinLnBrk="0">
-              <a:spcBef>
-                <a:spcPts val="915"/>
-              </a:spcBef>
-              <a:buFont typeface="Wingdings" panose="05000000000000000000" pitchFamily="2" charset="2"/>
-              <a:buChar char="§"/>
-            </a:pPr>
-            <a:r>
-              <a:rPr lang="ko-KR" altLang="en-US" sz="2000" kern="0" dirty="0">
-                <a:solidFill>
-                  <a:sysClr val="windowText" lastClr="000000"/>
-                </a:solidFill>
-                <a:cs typeface="Malgun Gothic"/>
-              </a:rPr>
-              <a:t>습도</a:t>
-            </a:r>
-            <a:endParaRPr lang="en-US" altLang="ko-KR" sz="2000" kern="0" dirty="0">
-              <a:solidFill>
-                <a:sysClr val="windowText" lastClr="000000"/>
-              </a:solidFill>
-              <a:cs typeface="Malgun Gothic"/>
-            </a:endParaRPr>
-          </a:p>
-          <a:p>
-            <a:pPr marL="812800" lvl="1" indent="-342900" latinLnBrk="0">
-              <a:spcBef>
-                <a:spcPts val="915"/>
-              </a:spcBef>
-              <a:buFont typeface="Wingdings" panose="05000000000000000000" pitchFamily="2" charset="2"/>
-              <a:buChar char="§"/>
-            </a:pPr>
-            <a:r>
-              <a:rPr lang="ko-KR" altLang="en-US" sz="2000" kern="0" dirty="0">
-                <a:solidFill>
-                  <a:sysClr val="windowText" lastClr="000000"/>
-                </a:solidFill>
-                <a:cs typeface="Malgun Gothic"/>
-              </a:rPr>
-              <a:t>풍속</a:t>
-            </a:r>
-            <a:endParaRPr lang="en-US" altLang="ko-KR" sz="2000" kern="0" dirty="0">
-              <a:solidFill>
-                <a:sysClr val="windowText" lastClr="000000"/>
-              </a:solidFill>
-              <a:cs typeface="Malgun Gothic"/>
-            </a:endParaRPr>
-          </a:p>
-          <a:p>
-            <a:pPr marL="812800" lvl="1" indent="-342900" latinLnBrk="0">
-              <a:spcBef>
-                <a:spcPts val="915"/>
-              </a:spcBef>
-              <a:buFont typeface="Wingdings" panose="05000000000000000000" pitchFamily="2" charset="2"/>
-              <a:buChar char="§"/>
-            </a:pPr>
-            <a:r>
-              <a:rPr lang="ko-KR" altLang="en-US" sz="2000" kern="0" dirty="0">
-                <a:solidFill>
-                  <a:sysClr val="windowText" lastClr="000000"/>
-                </a:solidFill>
-                <a:cs typeface="Malgun Gothic"/>
-              </a:rPr>
-              <a:t>풍향</a:t>
-            </a:r>
-            <a:endParaRPr lang="en-US" altLang="ko-KR" sz="2000" kern="0" dirty="0">
               <a:solidFill>
                 <a:sysClr val="windowText" lastClr="000000"/>
               </a:solidFill>
@@ -9246,81 +9816,217 @@
           </a:p>
         </p:txBody>
       </p:sp>
-      <p:pic>
-        <p:nvPicPr>
-          <p:cNvPr id="20" name="그림 19">
-            <a:extLst>
-              <a:ext uri="{FF2B5EF4-FFF2-40B4-BE49-F238E27FC236}">
-                <a16:creationId xmlns:a16="http://schemas.microsoft.com/office/drawing/2014/main" id="{A87EDB79-AE8E-46E3-B956-281C41A7ED3A}"/>
-              </a:ext>
-            </a:extLst>
-          </p:cNvPr>
-          <p:cNvPicPr>
-            <a:picLocks noChangeAspect="1"/>
-          </p:cNvPicPr>
+      <p:sp>
+        <p:nvSpPr>
+          <p:cNvPr id="4" name="직사각형 3"/>
+          <p:cNvSpPr/>
           <p:nvPr/>
-        </p:nvPicPr>
-        <p:blipFill rotWithShape="1">
-          <a:blip r:embed="rId2">
-            <a:extLst>
-              <a:ext uri="{28A0092B-C50C-407E-A947-70E740481C1C}">
-                <a14:useLocalDpi xmlns:a14="http://schemas.microsoft.com/office/drawing/2010/main" val="0"/>
-              </a:ext>
-            </a:extLst>
-          </a:blip>
-          <a:srcRect l="74535" t="3851" r="5686" b="50143"/>
-          <a:stretch/>
-        </p:blipFill>
+        </p:nvSpPr>
         <p:spPr>
           <a:xfrm>
-            <a:off x="8473734" y="6091284"/>
-            <a:ext cx="1353669" cy="585664"/>
+            <a:off x="430250" y="1852301"/>
+            <a:ext cx="11353800" cy="1413207"/>
           </a:xfrm>
           <a:prstGeom prst="rect">
             <a:avLst/>
           </a:prstGeom>
         </p:spPr>
-      </p:pic>
-      <p:pic>
-        <p:nvPicPr>
-          <p:cNvPr id="21" name="그림 20">
-            <a:extLst>
-              <a:ext uri="{FF2B5EF4-FFF2-40B4-BE49-F238E27FC236}">
-                <a16:creationId xmlns:a16="http://schemas.microsoft.com/office/drawing/2014/main" id="{25EA5F27-CB8A-4DD7-A41E-73A6B46FF164}"/>
-              </a:ext>
-            </a:extLst>
-          </p:cNvPr>
-          <p:cNvPicPr>
-            <a:picLocks noChangeAspect="1"/>
-          </p:cNvPicPr>
+        <p:txBody>
+          <a:bodyPr wrap="square">
+            <a:spAutoFit/>
+          </a:bodyPr>
+          <a:lstStyle/>
+          <a:p>
+            <a:pPr marL="469900" indent="-457200" latinLnBrk="0">
+              <a:spcBef>
+                <a:spcPts val="695"/>
+              </a:spcBef>
+              <a:buFont typeface="+mj-ea"/>
+              <a:buAutoNum type="circleNumDbPlain"/>
+              <a:tabLst>
+                <a:tab pos="240665" algn="l"/>
+              </a:tabLst>
+            </a:pPr>
+            <a:r>
+              <a:rPr lang="ko-KR" altLang="en-US" sz="2000" kern="0" dirty="0">
+                <a:solidFill>
+                  <a:sysClr val="windowText" lastClr="000000"/>
+                </a:solidFill>
+                <a:cs typeface="Malgun Gothic"/>
+              </a:rPr>
+              <a:t>태양광 발전 시스템을 구축하기 이전</a:t>
+            </a:r>
+            <a:r>
+              <a:rPr lang="en-US" altLang="ko-KR" sz="2000" kern="0" dirty="0">
+                <a:solidFill>
+                  <a:sysClr val="windowText" lastClr="000000"/>
+                </a:solidFill>
+                <a:cs typeface="Malgun Gothic"/>
+              </a:rPr>
+              <a:t>, </a:t>
+            </a:r>
+            <a:r>
+              <a:rPr lang="ko-KR" altLang="en-US" sz="2000" kern="0" dirty="0">
+                <a:solidFill>
+                  <a:sysClr val="windowText" lastClr="000000"/>
+                </a:solidFill>
+                <a:cs typeface="Malgun Gothic"/>
+              </a:rPr>
+              <a:t>설치하고자 하는 지역의 일사량을 예측해</a:t>
+            </a:r>
+            <a:r>
+              <a:rPr lang="en-US" altLang="ko-KR" sz="2000" kern="0" dirty="0">
+                <a:solidFill>
+                  <a:sysClr val="windowText" lastClr="000000"/>
+                </a:solidFill>
+                <a:cs typeface="Malgun Gothic"/>
+              </a:rPr>
+              <a:t>,</a:t>
+            </a:r>
+            <a:r>
+              <a:rPr lang="ko-KR" altLang="en-US" sz="2000" kern="0" dirty="0">
+                <a:solidFill>
+                  <a:sysClr val="windowText" lastClr="000000"/>
+                </a:solidFill>
+                <a:cs typeface="Malgun Gothic"/>
+              </a:rPr>
+              <a:t> 태양광 발전 시스템으로 생산할 수 있는 에너지를 예측하기 위함</a:t>
+            </a:r>
+            <a:endParaRPr lang="en-US" altLang="ko-KR" sz="2000" kern="0" spc="-50" dirty="0">
+              <a:solidFill>
+                <a:sysClr val="windowText" lastClr="000000"/>
+              </a:solidFill>
+              <a:latin typeface="Calibri"/>
+              <a:cs typeface="Calibri"/>
+            </a:endParaRPr>
+          </a:p>
+          <a:p>
+            <a:pPr marL="469900" indent="-457200" latinLnBrk="0">
+              <a:spcBef>
+                <a:spcPts val="695"/>
+              </a:spcBef>
+              <a:buFont typeface="+mj-ea"/>
+              <a:buAutoNum type="circleNumDbPlain"/>
+              <a:tabLst>
+                <a:tab pos="240665" algn="l"/>
+              </a:tabLst>
+            </a:pPr>
+            <a:r>
+              <a:rPr lang="ko-KR" altLang="en-US" sz="2000" kern="0" spc="-50" dirty="0">
+                <a:solidFill>
+                  <a:sysClr val="windowText" lastClr="000000"/>
+                </a:solidFill>
+                <a:latin typeface="Calibri"/>
+                <a:cs typeface="Calibri"/>
+              </a:rPr>
+              <a:t>예측 대상에서 하루치의 일사량만 수집되었더라도 타 지역의 충분한 일사량 데이터를 활용하여 일사량과 기상 요인 관계를 학습하기 위함</a:t>
+            </a:r>
+            <a:endParaRPr lang="en-US" altLang="ko-KR" sz="2000" kern="0" spc="-50" dirty="0">
+              <a:solidFill>
+                <a:sysClr val="windowText" lastClr="000000"/>
+              </a:solidFill>
+              <a:latin typeface="Calibri"/>
+              <a:cs typeface="Calibri"/>
+            </a:endParaRPr>
+          </a:p>
+        </p:txBody>
+      </p:sp>
+      <p:grpSp>
+        <p:nvGrpSpPr>
+          <p:cNvPr id="8" name="그룹 7">
+            <a:extLst>
+              <a:ext uri="{FF2B5EF4-FFF2-40B4-BE49-F238E27FC236}">
+                <a16:creationId xmlns:a16="http://schemas.microsoft.com/office/drawing/2014/main" id="{D4B0F442-2EC1-47CB-9198-FCDFDF330FE7}"/>
+              </a:ext>
+            </a:extLst>
+          </p:cNvPr>
+          <p:cNvGrpSpPr/>
           <p:nvPr/>
-        </p:nvPicPr>
-        <p:blipFill>
-          <a:blip r:embed="rId3" cstate="hqprint">
-            <a:extLst>
-              <a:ext uri="{28A0092B-C50C-407E-A947-70E740481C1C}">
-                <a14:useLocalDpi xmlns:a14="http://schemas.microsoft.com/office/drawing/2010/main" val="0"/>
-              </a:ext>
-            </a:extLst>
-          </a:blip>
-          <a:stretch>
-            <a:fillRect/>
-          </a:stretch>
-        </p:blipFill>
-        <p:spPr>
+        </p:nvGrpSpPr>
+        <p:grpSpPr>
           <a:xfrm>
-            <a:off x="9827403" y="6172124"/>
-            <a:ext cx="2199971" cy="423985"/>
+            <a:off x="9250532" y="6219306"/>
+            <a:ext cx="2776842" cy="457642"/>
+            <a:chOff x="8473734" y="6091284"/>
+            <a:chExt cx="3553640" cy="585664"/>
           </a:xfrm>
-          <a:prstGeom prst="rect">
-            <a:avLst/>
-          </a:prstGeom>
-        </p:spPr>
-      </p:pic>
+        </p:grpSpPr>
+        <p:pic>
+          <p:nvPicPr>
+            <p:cNvPr id="9" name="그림 8">
+              <a:extLst>
+                <a:ext uri="{FF2B5EF4-FFF2-40B4-BE49-F238E27FC236}">
+                  <a16:creationId xmlns:a16="http://schemas.microsoft.com/office/drawing/2014/main" id="{653C9ACE-11A3-4B66-A059-D760A7C4C5BB}"/>
+                </a:ext>
+              </a:extLst>
+            </p:cNvPr>
+            <p:cNvPicPr>
+              <a:picLocks noChangeAspect="1"/>
+            </p:cNvPicPr>
+            <p:nvPr/>
+          </p:nvPicPr>
+          <p:blipFill rotWithShape="1">
+            <a:blip r:embed="rId2">
+              <a:extLst>
+                <a:ext uri="{28A0092B-C50C-407E-A947-70E740481C1C}">
+                  <a14:useLocalDpi xmlns:a14="http://schemas.microsoft.com/office/drawing/2010/main" val="0"/>
+                </a:ext>
+              </a:extLst>
+            </a:blip>
+            <a:srcRect l="74535" t="3851" r="5686" b="50143"/>
+            <a:stretch/>
+          </p:blipFill>
+          <p:spPr>
+            <a:xfrm>
+              <a:off x="8473734" y="6091284"/>
+              <a:ext cx="1353669" cy="585664"/>
+            </a:xfrm>
+            <a:prstGeom prst="rect">
+              <a:avLst/>
+            </a:prstGeom>
+          </p:spPr>
+        </p:pic>
+        <p:pic>
+          <p:nvPicPr>
+            <p:cNvPr id="10" name="그림 9">
+              <a:extLst>
+                <a:ext uri="{FF2B5EF4-FFF2-40B4-BE49-F238E27FC236}">
+                  <a16:creationId xmlns:a16="http://schemas.microsoft.com/office/drawing/2014/main" id="{6881A1EF-A009-4217-A520-3A74000D4A27}"/>
+                </a:ext>
+              </a:extLst>
+            </p:cNvPr>
+            <p:cNvPicPr>
+              <a:picLocks noChangeAspect="1"/>
+            </p:cNvPicPr>
+            <p:nvPr/>
+          </p:nvPicPr>
+          <p:blipFill>
+            <a:blip r:embed="rId3" cstate="hqprint">
+              <a:extLst>
+                <a:ext uri="{28A0092B-C50C-407E-A947-70E740481C1C}">
+                  <a14:useLocalDpi xmlns:a14="http://schemas.microsoft.com/office/drawing/2010/main" val="0"/>
+                </a:ext>
+              </a:extLst>
+            </a:blip>
+            <a:stretch>
+              <a:fillRect/>
+            </a:stretch>
+          </p:blipFill>
+          <p:spPr>
+            <a:xfrm>
+              <a:off x="9827403" y="6172124"/>
+              <a:ext cx="2199971" cy="423985"/>
+            </a:xfrm>
+            <a:prstGeom prst="rect">
+              <a:avLst/>
+            </a:prstGeom>
+          </p:spPr>
+        </p:pic>
+      </p:grpSp>
     </p:spTree>
     <p:extLst>
       <p:ext uri="{BB962C8B-B14F-4D97-AF65-F5344CB8AC3E}">
-        <p14:creationId xmlns:p14="http://schemas.microsoft.com/office/powerpoint/2010/main" val="227608455"/>
+        <p14:creationId xmlns:p14="http://schemas.microsoft.com/office/powerpoint/2010/main" val="717666800"/>
       </p:ext>
     </p:extLst>
   </p:cSld>
@@ -9330,7 +10036,7 @@
 </p:sld>
 </file>
 
-<file path=ppt/slides/slide8.xml><?xml version="1.0" encoding="utf-8"?>
+<file path=ppt/slides/slide7.xml><?xml version="1.0" encoding="utf-8"?>
 <p:sld xmlns:a="http://schemas.openxmlformats.org/drawingml/2006/main" xmlns:r="http://schemas.openxmlformats.org/officeDocument/2006/relationships" xmlns:p="http://schemas.openxmlformats.org/presentationml/2006/main">
   <p:cSld>
     <p:spTree>
@@ -9364,7 +10070,7 @@
         <p:spPr>
           <a:xfrm>
             <a:off x="492575" y="391668"/>
-            <a:ext cx="3965125" cy="505267"/>
+            <a:ext cx="3927025" cy="505267"/>
           </a:xfrm>
           <a:prstGeom prst="rect">
             <a:avLst/>
@@ -9387,20 +10093,10 @@
             </a:lvl1pPr>
           </a:lstStyle>
           <a:p>
-            <a:pPr marL="12700" marR="0" lvl="0" indent="0" defTabSz="914400" eaLnBrk="1" fontAlgn="auto" latinLnBrk="0" hangingPunct="1">
-              <a:lnSpc>
-                <a:spcPct val="100000"/>
-              </a:lnSpc>
+            <a:pPr marL="12700" lvl="0" latinLnBrk="0">
               <a:spcBef>
                 <a:spcPts val="100"/>
               </a:spcBef>
-              <a:spcAft>
-                <a:spcPts val="0"/>
-              </a:spcAft>
-              <a:buClrTx/>
-              <a:buSzTx/>
-              <a:buFontTx/>
-              <a:buNone/>
               <a:tabLst>
                 <a:tab pos="967740" algn="l"/>
               </a:tabLst>
@@ -9411,32 +10107,9 @@
                 <a:solidFill>
                   <a:srgbClr val="001F60"/>
                 </a:solidFill>
-                <a:ea typeface="맑은 고딕" panose="020B0503020000020004" pitchFamily="50" charset="-127"/>
-              </a:rPr>
-              <a:t>일사량 </a:t>
-            </a:r>
-            <a:r>
-              <a:rPr lang="ko-KR" altLang="en-US" sz="3200" kern="0" spc="-25">
-                <a:solidFill>
-                  <a:srgbClr val="001F60"/>
-                </a:solidFill>
-                <a:ea typeface="맑은 고딕" panose="020B0503020000020004" pitchFamily="50" charset="-127"/>
-              </a:rPr>
-              <a:t>예측 모델링</a:t>
-            </a:r>
-            <a:endParaRPr kumimoji="0" lang="ko-KR" altLang="en-US" sz="3200" b="1" i="0" u="none" strike="noStrike" kern="0" cap="none" spc="0" normalizeH="0" baseline="0" noProof="0" dirty="0">
-              <a:ln>
-                <a:noFill/>
-              </a:ln>
-              <a:solidFill>
-                <a:sysClr val="windowText" lastClr="000000"/>
-              </a:solidFill>
-              <a:effectLst/>
-              <a:uLnTx/>
-              <a:uFillTx/>
-              <a:latin typeface="Malgun Gothic"/>
-              <a:ea typeface="맑은 고딕" panose="020B0503020000020004" pitchFamily="50" charset="-127"/>
-            </a:endParaRPr>
+              </a:rPr>
+              <a:t>연구 목적</a:t>
+            </a:r>
           </a:p>
         </p:txBody>
       </p:sp>
@@ -9455,7 +10128,7 @@
         <p:spPr>
           <a:xfrm>
             <a:off x="508990" y="1263396"/>
-            <a:ext cx="11014075" cy="425116"/>
+            <a:ext cx="11275060" cy="1694695"/>
           </a:xfrm>
           <a:prstGeom prst="rect">
             <a:avLst/>
@@ -9475,14 +10148,29 @@
               <a:buChar char="§"/>
             </a:pPr>
             <a:r>
-              <a:rPr lang="en-US" altLang="ko-KR" sz="2000" b="1" kern="0" dirty="0">
+              <a:rPr lang="ko-KR" altLang="en-US" sz="2000" b="1" kern="0" dirty="0">
                 <a:solidFill>
                   <a:sysClr val="windowText" lastClr="000000"/>
                 </a:solidFill>
                 <a:cs typeface="Malgun Gothic"/>
               </a:rPr>
-              <a:t>2</a:t>
-            </a:r>
+              <a:t>일사량 정보가 없는 지역을 대상으로 일사량 데이터가 충분한 지역을 학습</a:t>
+            </a:r>
+            <a:endParaRPr lang="en-US" altLang="ko-KR" sz="2000" b="1" kern="0" dirty="0">
+              <a:solidFill>
+                <a:sysClr val="windowText" lastClr="000000"/>
+              </a:solidFill>
+              <a:cs typeface="Malgun Gothic"/>
+            </a:endParaRPr>
+          </a:p>
+          <a:p>
+            <a:pPr marL="355600" indent="-342900" latinLnBrk="0">
+              <a:spcBef>
+                <a:spcPts val="915"/>
+              </a:spcBef>
+              <a:buFont typeface="Wingdings" panose="05000000000000000000" pitchFamily="2" charset="2"/>
+              <a:buChar char="§"/>
+            </a:pPr>
             <a:r>
               <a:rPr lang="ko-KR" altLang="en-US" sz="2000" b="1" kern="0" dirty="0">
                 <a:solidFill>
@@ -9490,27 +10178,39 @@
                 </a:solidFill>
                 <a:cs typeface="Malgun Gothic"/>
               </a:rPr>
-              <a:t>단계</a:t>
-            </a:r>
-            <a:r>
-              <a:rPr lang="en-US" altLang="ko-KR" sz="2000" b="1" kern="0" dirty="0">
-                <a:solidFill>
-                  <a:sysClr val="windowText" lastClr="000000"/>
-                </a:solidFill>
-                <a:cs typeface="Malgun Gothic"/>
-              </a:rPr>
-              <a:t>) </a:t>
-            </a:r>
-            <a:r>
-              <a:rPr lang="ko-KR" altLang="en-US" sz="2000" b="1" kern="0" dirty="0">
-                <a:solidFill>
-                  <a:sysClr val="windowText" lastClr="000000"/>
-                </a:solidFill>
-                <a:cs typeface="Malgun Gothic"/>
-              </a:rPr>
-              <a:t>전이 학습을 이용한 다단계 일사량 예측 방식 </a:t>
-            </a:r>
-            <a:endParaRPr sz="2000" kern="0" dirty="0">
+              <a:t>전이 학습 기반의 다단계 일사량 예측 방식을 제안 </a:t>
+            </a:r>
+            <a:endParaRPr lang="en-US" altLang="ko-KR" sz="2000" b="1" kern="0" dirty="0">
+              <a:solidFill>
+                <a:sysClr val="windowText" lastClr="000000"/>
+              </a:solidFill>
+              <a:cs typeface="Malgun Gothic"/>
+            </a:endParaRPr>
+          </a:p>
+          <a:p>
+            <a:pPr marL="355600" indent="-342900" latinLnBrk="0">
+              <a:spcBef>
+                <a:spcPts val="915"/>
+              </a:spcBef>
+              <a:buFont typeface="Wingdings" panose="05000000000000000000" pitchFamily="2" charset="2"/>
+              <a:buChar char="§"/>
+            </a:pPr>
+            <a:endParaRPr lang="en-US" sz="2000" b="1" kern="0" dirty="0">
+              <a:solidFill>
+                <a:sysClr val="windowText" lastClr="000000"/>
+              </a:solidFill>
+              <a:cs typeface="Malgun Gothic"/>
+            </a:endParaRPr>
+          </a:p>
+          <a:p>
+            <a:pPr marL="355600" indent="-342900" latinLnBrk="0">
+              <a:spcBef>
+                <a:spcPts val="915"/>
+              </a:spcBef>
+              <a:buFont typeface="Wingdings" panose="05000000000000000000" pitchFamily="2" charset="2"/>
+              <a:buChar char="§"/>
+            </a:pPr>
+            <a:endParaRPr lang="en-US" sz="2000" b="1" kern="0" dirty="0">
               <a:solidFill>
                 <a:sysClr val="windowText" lastClr="000000"/>
               </a:solidFill>
@@ -9602,531 +10302,102 @@
           </a:p>
         </p:txBody>
       </p:sp>
-      <p:pic>
-        <p:nvPicPr>
-          <p:cNvPr id="20" name="그림 19">
-            <a:extLst>
-              <a:ext uri="{FF2B5EF4-FFF2-40B4-BE49-F238E27FC236}">
-                <a16:creationId xmlns:a16="http://schemas.microsoft.com/office/drawing/2014/main" id="{A87EDB79-AE8E-46E3-B956-281C41A7ED3A}"/>
-              </a:ext>
-            </a:extLst>
-          </p:cNvPr>
-          <p:cNvPicPr>
-            <a:picLocks noChangeAspect="1"/>
-          </p:cNvPicPr>
+      <p:grpSp>
+        <p:nvGrpSpPr>
+          <p:cNvPr id="7" name="그룹 6">
+            <a:extLst>
+              <a:ext uri="{FF2B5EF4-FFF2-40B4-BE49-F238E27FC236}">
+                <a16:creationId xmlns:a16="http://schemas.microsoft.com/office/drawing/2014/main" id="{F1DD6621-B9A5-4731-98E8-4755A8C8B117}"/>
+              </a:ext>
+            </a:extLst>
+          </p:cNvPr>
+          <p:cNvGrpSpPr/>
           <p:nvPr/>
-        </p:nvPicPr>
-        <p:blipFill rotWithShape="1">
-          <a:blip r:embed="rId2">
-            <a:extLst>
-              <a:ext uri="{28A0092B-C50C-407E-A947-70E740481C1C}">
-                <a14:useLocalDpi xmlns:a14="http://schemas.microsoft.com/office/drawing/2010/main" val="0"/>
-              </a:ext>
-            </a:extLst>
-          </a:blip>
-          <a:srcRect l="74535" t="3851" r="5686" b="50143"/>
-          <a:stretch/>
-        </p:blipFill>
-        <p:spPr>
+        </p:nvGrpSpPr>
+        <p:grpSpPr>
           <a:xfrm>
-            <a:off x="8473734" y="6091284"/>
-            <a:ext cx="1353669" cy="585664"/>
+            <a:off x="9250532" y="6219306"/>
+            <a:ext cx="2776842" cy="457642"/>
+            <a:chOff x="8473734" y="6091284"/>
+            <a:chExt cx="3553640" cy="585664"/>
           </a:xfrm>
-          <a:prstGeom prst="rect">
-            <a:avLst/>
-          </a:prstGeom>
-        </p:spPr>
-      </p:pic>
-      <p:pic>
-        <p:nvPicPr>
-          <p:cNvPr id="21" name="그림 20">
-            <a:extLst>
-              <a:ext uri="{FF2B5EF4-FFF2-40B4-BE49-F238E27FC236}">
-                <a16:creationId xmlns:a16="http://schemas.microsoft.com/office/drawing/2014/main" id="{25EA5F27-CB8A-4DD7-A41E-73A6B46FF164}"/>
-              </a:ext>
-            </a:extLst>
-          </p:cNvPr>
-          <p:cNvPicPr>
-            <a:picLocks noChangeAspect="1"/>
-          </p:cNvPicPr>
-          <p:nvPr/>
-        </p:nvPicPr>
-        <p:blipFill>
-          <a:blip r:embed="rId3" cstate="hqprint">
-            <a:extLst>
-              <a:ext uri="{28A0092B-C50C-407E-A947-70E740481C1C}">
-                <a14:useLocalDpi xmlns:a14="http://schemas.microsoft.com/office/drawing/2010/main" val="0"/>
-              </a:ext>
-            </a:extLst>
-          </a:blip>
-          <a:stretch>
-            <a:fillRect/>
-          </a:stretch>
-        </p:blipFill>
-        <p:spPr>
-          <a:xfrm>
-            <a:off x="9827403" y="6172124"/>
-            <a:ext cx="2199971" cy="423985"/>
-          </a:xfrm>
-          <a:prstGeom prst="rect">
-            <a:avLst/>
-          </a:prstGeom>
-        </p:spPr>
-      </p:pic>
-      <p:sp>
-        <p:nvSpPr>
-          <p:cNvPr id="8" name="직사각형 7"/>
-          <p:cNvSpPr/>
-          <p:nvPr/>
-        </p:nvSpPr>
-        <p:spPr>
-          <a:xfrm>
-            <a:off x="492575" y="1769352"/>
-            <a:ext cx="11291475" cy="1102866"/>
-          </a:xfrm>
-          <a:prstGeom prst="rect">
-            <a:avLst/>
-          </a:prstGeom>
-        </p:spPr>
-        <p:txBody>
-          <a:bodyPr wrap="square">
-            <a:spAutoFit/>
-          </a:bodyPr>
-          <a:lstStyle/>
-          <a:p>
-            <a:pPr marL="298450" indent="-285750" latinLnBrk="0">
-              <a:spcBef>
-                <a:spcPts val="695"/>
-              </a:spcBef>
-              <a:buFontTx/>
-              <a:buChar char="-"/>
-              <a:tabLst>
-                <a:tab pos="240665" algn="l"/>
-              </a:tabLst>
-            </a:pPr>
-            <a:r>
-              <a:rPr lang="en-US" altLang="ko-KR" kern="0" spc="-50" dirty="0">
-                <a:solidFill>
-                  <a:sysClr val="windowText" lastClr="000000"/>
-                </a:solidFill>
-                <a:latin typeface="Calibri"/>
-                <a:cs typeface="Calibri"/>
-              </a:rPr>
-              <a:t>[</a:t>
-            </a:r>
-            <a:r>
-              <a:rPr lang="ko-KR" altLang="en-US" kern="0" spc="-50" dirty="0">
-                <a:solidFill>
-                  <a:sysClr val="windowText" lastClr="000000"/>
-                </a:solidFill>
-                <a:latin typeface="Calibri"/>
-                <a:cs typeface="Calibri"/>
-              </a:rPr>
-              <a:t>가정</a:t>
-            </a:r>
-            <a:r>
-              <a:rPr lang="en-US" altLang="ko-KR" kern="0" spc="-50" dirty="0">
-                <a:solidFill>
-                  <a:sysClr val="windowText" lastClr="000000"/>
-                </a:solidFill>
-                <a:latin typeface="Calibri"/>
-                <a:cs typeface="Calibri"/>
-              </a:rPr>
-              <a:t>] </a:t>
-            </a:r>
-            <a:r>
-              <a:rPr lang="ko-KR" altLang="en-US" dirty="0"/>
-              <a:t>태양광 발전 시스템이 하루만 운영되었으며</a:t>
-            </a:r>
-            <a:r>
-              <a:rPr lang="en-US" altLang="ko-KR" dirty="0"/>
-              <a:t>, </a:t>
-            </a:r>
-            <a:r>
-              <a:rPr lang="ko-KR" altLang="en-US" dirty="0"/>
-              <a:t>일사량 데이터도 하루치만 수집되었음</a:t>
-            </a:r>
-            <a:endParaRPr lang="en-US" altLang="ko-KR" kern="0" spc="-50" dirty="0">
-              <a:solidFill>
-                <a:sysClr val="windowText" lastClr="000000"/>
-              </a:solidFill>
-              <a:latin typeface="Calibri"/>
-              <a:cs typeface="Calibri"/>
-            </a:endParaRPr>
-          </a:p>
-          <a:p>
-            <a:pPr marL="298450" indent="-285750" latinLnBrk="0">
-              <a:spcBef>
-                <a:spcPts val="695"/>
-              </a:spcBef>
-              <a:buFontTx/>
-              <a:buChar char="-"/>
-              <a:tabLst>
-                <a:tab pos="240665" algn="l"/>
-              </a:tabLst>
-            </a:pPr>
-            <a:r>
-              <a:rPr lang="ko-KR" altLang="en-US" kern="0" spc="-50" dirty="0">
-                <a:solidFill>
-                  <a:sysClr val="windowText" lastClr="000000"/>
-                </a:solidFill>
-                <a:latin typeface="Calibri"/>
-                <a:cs typeface="Calibri"/>
-              </a:rPr>
-              <a:t>다섯 군데 지역의 </a:t>
-            </a:r>
-            <a:r>
-              <a:rPr lang="en-US" altLang="ko-KR" kern="0" spc="-50" dirty="0">
-                <a:solidFill>
-                  <a:sysClr val="windowText" lastClr="000000"/>
-                </a:solidFill>
-                <a:latin typeface="Calibri"/>
-                <a:cs typeface="Calibri"/>
-              </a:rPr>
-              <a:t>4 </a:t>
-            </a:r>
-            <a:r>
-              <a:rPr lang="ko-KR" altLang="en-US" kern="0" spc="-50" dirty="0">
-                <a:solidFill>
-                  <a:sysClr val="windowText" lastClr="000000"/>
-                </a:solidFill>
-                <a:latin typeface="Calibri"/>
-                <a:cs typeface="Calibri"/>
-              </a:rPr>
-              <a:t>년치 데이터 셋 </a:t>
-            </a:r>
-            <a:r>
-              <a:rPr lang="en-US" altLang="ko-KR" kern="0" spc="-50" dirty="0">
-                <a:solidFill>
-                  <a:sysClr val="windowText" lastClr="000000"/>
-                </a:solidFill>
-                <a:latin typeface="Calibri"/>
-                <a:cs typeface="Calibri"/>
-              </a:rPr>
-              <a:t>+ </a:t>
-            </a:r>
-            <a:r>
-              <a:rPr lang="ko-KR" altLang="en-US" kern="0" spc="-50" dirty="0">
-                <a:solidFill>
-                  <a:sysClr val="windowText" lastClr="000000"/>
-                </a:solidFill>
-                <a:latin typeface="Calibri"/>
-                <a:cs typeface="Calibri"/>
-              </a:rPr>
-              <a:t>예측 대상 지역의 </a:t>
-            </a:r>
-            <a:r>
-              <a:rPr lang="en-US" altLang="ko-KR" kern="0" spc="-50" dirty="0">
-                <a:solidFill>
-                  <a:sysClr val="windowText" lastClr="000000"/>
-                </a:solidFill>
-                <a:latin typeface="Calibri"/>
-                <a:cs typeface="Calibri"/>
-              </a:rPr>
-              <a:t>1</a:t>
-            </a:r>
-            <a:r>
-              <a:rPr lang="ko-KR" altLang="en-US" kern="0" spc="-50" dirty="0">
-                <a:solidFill>
-                  <a:sysClr val="windowText" lastClr="000000"/>
-                </a:solidFill>
-                <a:latin typeface="Calibri"/>
-                <a:cs typeface="Calibri"/>
-              </a:rPr>
-              <a:t> 년치 데이터 셋을 결합해 학습 데이터 셋을 구성</a:t>
-            </a:r>
-            <a:endParaRPr lang="en-US" altLang="ko-KR" kern="0" spc="-50" dirty="0">
-              <a:solidFill>
-                <a:sysClr val="windowText" lastClr="000000"/>
-              </a:solidFill>
-              <a:latin typeface="Calibri"/>
-              <a:cs typeface="Calibri"/>
-            </a:endParaRPr>
-          </a:p>
-          <a:p>
-            <a:pPr marL="12700" latinLnBrk="0">
-              <a:spcBef>
-                <a:spcPts val="695"/>
-              </a:spcBef>
-              <a:tabLst>
-                <a:tab pos="240665" algn="l"/>
-              </a:tabLst>
-            </a:pPr>
-            <a:r>
-              <a:rPr lang="ko-KR" altLang="en-US" kern="0" spc="-50" dirty="0">
-                <a:solidFill>
-                  <a:sysClr val="windowText" lastClr="000000"/>
-                </a:solidFill>
-                <a:latin typeface="Calibri"/>
-                <a:cs typeface="Calibri"/>
-              </a:rPr>
-              <a:t> </a:t>
-            </a:r>
-            <a:endParaRPr lang="en-US" altLang="ko-KR" kern="0" spc="-50" dirty="0">
-              <a:solidFill>
-                <a:sysClr val="windowText" lastClr="000000"/>
-              </a:solidFill>
-              <a:latin typeface="Calibri"/>
-              <a:cs typeface="Calibri"/>
-            </a:endParaRPr>
-          </a:p>
-        </p:txBody>
-      </p:sp>
-      <p:pic>
-        <p:nvPicPr>
-          <p:cNvPr id="10" name="그림 9">
-            <a:extLst>
-              <a:ext uri="{FF2B5EF4-FFF2-40B4-BE49-F238E27FC236}">
-                <a16:creationId xmlns:a16="http://schemas.microsoft.com/office/drawing/2014/main" id="{F01F0147-7E99-430A-BE8A-08C8C8B5C47B}"/>
-              </a:ext>
-            </a:extLst>
-          </p:cNvPr>
-          <p:cNvPicPr>
-            <a:picLocks noChangeAspect="1"/>
-          </p:cNvPicPr>
-          <p:nvPr/>
-        </p:nvPicPr>
-        <p:blipFill rotWithShape="1">
-          <a:blip r:embed="rId4"/>
-          <a:srcRect b="12612"/>
-          <a:stretch/>
-        </p:blipFill>
-        <p:spPr>
-          <a:xfrm>
-            <a:off x="3105047" y="2586938"/>
-            <a:ext cx="6066529" cy="3504346"/>
-          </a:xfrm>
-          <a:prstGeom prst="rect">
-            <a:avLst/>
-          </a:prstGeom>
-        </p:spPr>
-      </p:pic>
-      <p:sp>
-        <p:nvSpPr>
-          <p:cNvPr id="11" name="직사각형 10">
-            <a:extLst>
-              <a:ext uri="{FF2B5EF4-FFF2-40B4-BE49-F238E27FC236}">
-                <a16:creationId xmlns:a16="http://schemas.microsoft.com/office/drawing/2014/main" id="{335F2A5E-66AF-49FF-B6C0-2C81B4E1E460}"/>
-              </a:ext>
-            </a:extLst>
-          </p:cNvPr>
-          <p:cNvSpPr/>
-          <p:nvPr/>
-        </p:nvSpPr>
-        <p:spPr>
-          <a:xfrm>
-            <a:off x="9036771" y="401503"/>
-            <a:ext cx="2947481" cy="551433"/>
-          </a:xfrm>
-          <a:prstGeom prst="rect">
-            <a:avLst/>
-          </a:prstGeom>
-        </p:spPr>
-        <p:txBody>
-          <a:bodyPr wrap="square">
-            <a:spAutoFit/>
-          </a:bodyPr>
-          <a:lstStyle/>
-          <a:p>
-            <a:pPr marL="12700" latinLnBrk="0">
-              <a:spcBef>
-                <a:spcPts val="695"/>
-              </a:spcBef>
-              <a:tabLst>
-                <a:tab pos="240665" algn="l"/>
-              </a:tabLst>
-            </a:pPr>
-            <a:r>
-              <a:rPr lang="en-US" altLang="ko-KR" sz="1200" kern="0" spc="-50" dirty="0">
-                <a:solidFill>
-                  <a:sysClr val="windowText" lastClr="000000"/>
-                </a:solidFill>
-                <a:latin typeface="Calibri"/>
-                <a:cs typeface="Calibri"/>
-              </a:rPr>
-              <a:t>* </a:t>
-            </a:r>
-            <a:r>
-              <a:rPr lang="ko-KR" altLang="en-US" sz="1200" kern="0" spc="-50" dirty="0">
-                <a:solidFill>
-                  <a:sysClr val="windowText" lastClr="000000"/>
-                </a:solidFill>
-                <a:latin typeface="Calibri"/>
-                <a:cs typeface="Calibri"/>
-              </a:rPr>
-              <a:t>학습 지역</a:t>
-            </a:r>
-            <a:r>
-              <a:rPr lang="en-US" altLang="ko-KR" sz="1200" kern="0" spc="-50" dirty="0">
-                <a:solidFill>
-                  <a:sysClr val="windowText" lastClr="000000"/>
-                </a:solidFill>
-                <a:latin typeface="Calibri"/>
-                <a:cs typeface="Calibri"/>
-              </a:rPr>
-              <a:t>:  </a:t>
-            </a:r>
-            <a:r>
-              <a:rPr lang="ko-KR" altLang="en-US" sz="1200" kern="0" spc="-50" dirty="0">
-                <a:solidFill>
-                  <a:sysClr val="windowText" lastClr="000000"/>
-                </a:solidFill>
-                <a:latin typeface="Calibri"/>
-                <a:cs typeface="Calibri"/>
-              </a:rPr>
-              <a:t>서울</a:t>
-            </a:r>
-            <a:r>
-              <a:rPr lang="en-US" altLang="ko-KR" sz="1200" kern="0" spc="-50" dirty="0">
-                <a:solidFill>
-                  <a:sysClr val="windowText" lastClr="000000"/>
-                </a:solidFill>
-                <a:latin typeface="Calibri"/>
-                <a:cs typeface="Calibri"/>
-              </a:rPr>
-              <a:t>, </a:t>
-            </a:r>
-            <a:r>
-              <a:rPr lang="ko-KR" altLang="en-US" sz="1200" kern="0" spc="-50" dirty="0">
-                <a:solidFill>
-                  <a:sysClr val="windowText" lastClr="000000"/>
-                </a:solidFill>
-                <a:latin typeface="Calibri"/>
-                <a:cs typeface="Calibri"/>
-              </a:rPr>
-              <a:t>부산</a:t>
-            </a:r>
-            <a:r>
-              <a:rPr lang="en-US" altLang="ko-KR" sz="1200" kern="0" spc="-50" dirty="0">
-                <a:solidFill>
-                  <a:sysClr val="windowText" lastClr="000000"/>
-                </a:solidFill>
-                <a:latin typeface="Calibri"/>
-                <a:cs typeface="Calibri"/>
-              </a:rPr>
-              <a:t>, </a:t>
-            </a:r>
-            <a:r>
-              <a:rPr lang="ko-KR" altLang="en-US" sz="1200" kern="0" spc="-50" dirty="0">
-                <a:solidFill>
-                  <a:sysClr val="windowText" lastClr="000000"/>
-                </a:solidFill>
-                <a:latin typeface="Calibri"/>
-                <a:cs typeface="Calibri"/>
-              </a:rPr>
-              <a:t>대구</a:t>
-            </a:r>
-            <a:r>
-              <a:rPr lang="en-US" altLang="ko-KR" sz="1200" kern="0" spc="-50" dirty="0">
-                <a:solidFill>
-                  <a:sysClr val="windowText" lastClr="000000"/>
-                </a:solidFill>
-                <a:latin typeface="Calibri"/>
-                <a:cs typeface="Calibri"/>
-              </a:rPr>
-              <a:t>, </a:t>
-            </a:r>
-            <a:r>
-              <a:rPr lang="ko-KR" altLang="en-US" sz="1200" kern="0" spc="-50" dirty="0">
-                <a:solidFill>
-                  <a:sysClr val="windowText" lastClr="000000"/>
-                </a:solidFill>
-                <a:latin typeface="Calibri"/>
-                <a:cs typeface="Calibri"/>
-              </a:rPr>
-              <a:t>인천</a:t>
-            </a:r>
-            <a:r>
-              <a:rPr lang="en-US" altLang="ko-KR" sz="1200" kern="0" spc="-50" dirty="0">
-                <a:solidFill>
-                  <a:sysClr val="windowText" lastClr="000000"/>
-                </a:solidFill>
-                <a:latin typeface="Calibri"/>
-                <a:cs typeface="Calibri"/>
-              </a:rPr>
-              <a:t>, </a:t>
-            </a:r>
-            <a:r>
-              <a:rPr lang="ko-KR" altLang="en-US" sz="1200" kern="0" spc="-50" dirty="0">
-                <a:solidFill>
-                  <a:sysClr val="windowText" lastClr="000000"/>
-                </a:solidFill>
-                <a:latin typeface="Calibri"/>
-                <a:cs typeface="Calibri"/>
-              </a:rPr>
-              <a:t>광주</a:t>
-            </a:r>
-            <a:endParaRPr lang="en-US" altLang="ko-KR" sz="1200" kern="0" spc="-50" dirty="0">
-              <a:solidFill>
-                <a:sysClr val="windowText" lastClr="000000"/>
-              </a:solidFill>
-              <a:latin typeface="Calibri"/>
-              <a:cs typeface="Calibri"/>
-            </a:endParaRPr>
-          </a:p>
-          <a:p>
-            <a:pPr marL="12700" latinLnBrk="0">
-              <a:spcBef>
-                <a:spcPts val="695"/>
-              </a:spcBef>
-              <a:tabLst>
-                <a:tab pos="240665" algn="l"/>
-              </a:tabLst>
-            </a:pPr>
-            <a:r>
-              <a:rPr lang="en-US" altLang="ko-KR" sz="1200" kern="0" spc="-50" dirty="0">
-                <a:solidFill>
-                  <a:sysClr val="windowText" lastClr="000000"/>
-                </a:solidFill>
-                <a:latin typeface="Calibri"/>
-                <a:cs typeface="Calibri"/>
-              </a:rPr>
-              <a:t>* </a:t>
-            </a:r>
-            <a:r>
-              <a:rPr lang="ko-KR" altLang="en-US" sz="1200" kern="0" spc="-50" dirty="0">
-                <a:solidFill>
-                  <a:sysClr val="windowText" lastClr="000000"/>
-                </a:solidFill>
-                <a:latin typeface="Calibri"/>
-                <a:cs typeface="Calibri"/>
-              </a:rPr>
-              <a:t>예측 지역 </a:t>
-            </a:r>
-            <a:r>
-              <a:rPr lang="en-US" altLang="ko-KR" sz="1200" kern="0" spc="-50" dirty="0">
-                <a:solidFill>
-                  <a:sysClr val="windowText" lastClr="000000"/>
-                </a:solidFill>
-                <a:latin typeface="Calibri"/>
-                <a:cs typeface="Calibri"/>
-              </a:rPr>
-              <a:t>: </a:t>
-            </a:r>
-            <a:r>
-              <a:rPr lang="ko-KR" altLang="en-US" sz="1200" kern="0" spc="-50" dirty="0">
-                <a:solidFill>
-                  <a:sysClr val="windowText" lastClr="000000"/>
-                </a:solidFill>
-                <a:latin typeface="Calibri"/>
-                <a:cs typeface="Calibri"/>
-              </a:rPr>
-              <a:t>대전</a:t>
-            </a:r>
-            <a:endParaRPr lang="en-US" altLang="ko-KR" sz="1200" kern="0" spc="-50" dirty="0">
-              <a:solidFill>
-                <a:sysClr val="windowText" lastClr="000000"/>
-              </a:solidFill>
-              <a:latin typeface="Calibri"/>
-              <a:cs typeface="Calibri"/>
-            </a:endParaRPr>
-          </a:p>
-        </p:txBody>
-      </p:sp>
+        </p:grpSpPr>
+        <p:pic>
+          <p:nvPicPr>
+            <p:cNvPr id="8" name="그림 7">
+              <a:extLst>
+                <a:ext uri="{FF2B5EF4-FFF2-40B4-BE49-F238E27FC236}">
+                  <a16:creationId xmlns:a16="http://schemas.microsoft.com/office/drawing/2014/main" id="{0FC29E61-9F1E-408A-9BFC-2D93C28F985E}"/>
+                </a:ext>
+              </a:extLst>
+            </p:cNvPr>
+            <p:cNvPicPr>
+              <a:picLocks noChangeAspect="1"/>
+            </p:cNvPicPr>
+            <p:nvPr/>
+          </p:nvPicPr>
+          <p:blipFill rotWithShape="1">
+            <a:blip r:embed="rId2">
+              <a:extLst>
+                <a:ext uri="{28A0092B-C50C-407E-A947-70E740481C1C}">
+                  <a14:useLocalDpi xmlns:a14="http://schemas.microsoft.com/office/drawing/2010/main" val="0"/>
+                </a:ext>
+              </a:extLst>
+            </a:blip>
+            <a:srcRect l="74535" t="3851" r="5686" b="50143"/>
+            <a:stretch/>
+          </p:blipFill>
+          <p:spPr>
+            <a:xfrm>
+              <a:off x="8473734" y="6091284"/>
+              <a:ext cx="1353669" cy="585664"/>
+            </a:xfrm>
+            <a:prstGeom prst="rect">
+              <a:avLst/>
+            </a:prstGeom>
+          </p:spPr>
+        </p:pic>
+        <p:pic>
+          <p:nvPicPr>
+            <p:cNvPr id="9" name="그림 8">
+              <a:extLst>
+                <a:ext uri="{FF2B5EF4-FFF2-40B4-BE49-F238E27FC236}">
+                  <a16:creationId xmlns:a16="http://schemas.microsoft.com/office/drawing/2014/main" id="{06EF536C-0C14-4FED-B594-471A701EA897}"/>
+                </a:ext>
+              </a:extLst>
+            </p:cNvPr>
+            <p:cNvPicPr>
+              <a:picLocks noChangeAspect="1"/>
+            </p:cNvPicPr>
+            <p:nvPr/>
+          </p:nvPicPr>
+          <p:blipFill>
+            <a:blip r:embed="rId3" cstate="hqprint">
+              <a:extLst>
+                <a:ext uri="{28A0092B-C50C-407E-A947-70E740481C1C}">
+                  <a14:useLocalDpi xmlns:a14="http://schemas.microsoft.com/office/drawing/2010/main" val="0"/>
+                </a:ext>
+              </a:extLst>
+            </a:blip>
+            <a:stretch>
+              <a:fillRect/>
+            </a:stretch>
+          </p:blipFill>
+          <p:spPr>
+            <a:xfrm>
+              <a:off x="9827403" y="6172124"/>
+              <a:ext cx="2199971" cy="423985"/>
+            </a:xfrm>
+            <a:prstGeom prst="rect">
+              <a:avLst/>
+            </a:prstGeom>
+          </p:spPr>
+        </p:pic>
+      </p:grpSp>
     </p:spTree>
     <p:extLst>
       <p:ext uri="{BB962C8B-B14F-4D97-AF65-F5344CB8AC3E}">
-        <p14:creationId xmlns:p14="http://schemas.microsoft.com/office/powerpoint/2010/main" val="2953433111"/>
+        <p14:creationId xmlns:p14="http://schemas.microsoft.com/office/powerpoint/2010/main" val="4026929259"/>
       </p:ext>
     </p:extLst>
   </p:cSld>
@@ -10136,7 +10407,7 @@
 </p:sld>
 </file>
 
-<file path=ppt/slides/slide9.xml><?xml version="1.0" encoding="utf-8"?>
+<file path=ppt/slides/slide8.xml><?xml version="1.0" encoding="utf-8"?>
 <p:sld xmlns:a="http://schemas.openxmlformats.org/drawingml/2006/main" xmlns:r="http://schemas.openxmlformats.org/officeDocument/2006/relationships" xmlns:p="http://schemas.openxmlformats.org/presentationml/2006/main">
   <p:cSld>
     <p:spTree>
@@ -10153,29 +10424,6 @@
           <a:chExt cx="0" cy="0"/>
         </a:xfrm>
       </p:grpSpPr>
-      <p:pic>
-        <p:nvPicPr>
-          <p:cNvPr id="2" name="그림 1"/>
-          <p:cNvPicPr>
-            <a:picLocks noChangeAspect="1"/>
-          </p:cNvPicPr>
-          <p:nvPr/>
-        </p:nvPicPr>
-        <p:blipFill rotWithShape="1">
-          <a:blip r:embed="rId2"/>
-          <a:srcRect b="12612"/>
-          <a:stretch/>
-        </p:blipFill>
-        <p:spPr>
-          <a:xfrm>
-            <a:off x="3105047" y="2586938"/>
-            <a:ext cx="6066529" cy="3504346"/>
-          </a:xfrm>
-          <a:prstGeom prst="rect">
-            <a:avLst/>
-          </a:prstGeom>
-        </p:spPr>
-      </p:pic>
       <p:sp>
         <p:nvSpPr>
           <p:cNvPr id="15" name="object 2">
@@ -10193,7 +10441,7 @@
         <p:spPr>
           <a:xfrm>
             <a:off x="492575" y="391668"/>
-            <a:ext cx="3965125" cy="505267"/>
+            <a:ext cx="3927025" cy="505267"/>
           </a:xfrm>
           <a:prstGeom prst="rect">
             <a:avLst/>
@@ -10216,20 +10464,10 @@
             </a:lvl1pPr>
           </a:lstStyle>
           <a:p>
-            <a:pPr marL="12700" marR="0" lvl="0" indent="0" defTabSz="914400" eaLnBrk="1" fontAlgn="auto" latinLnBrk="0" hangingPunct="1">
-              <a:lnSpc>
-                <a:spcPct val="100000"/>
-              </a:lnSpc>
+            <a:pPr marL="12700" lvl="0" latinLnBrk="0">
               <a:spcBef>
                 <a:spcPts val="100"/>
               </a:spcBef>
-              <a:spcAft>
-                <a:spcPts val="0"/>
-              </a:spcAft>
-              <a:buClrTx/>
-              <a:buSzTx/>
-              <a:buFontTx/>
-              <a:buNone/>
               <a:tabLst>
                 <a:tab pos="967740" algn="l"/>
               </a:tabLst>
@@ -10240,32 +10478,9 @@
                 <a:solidFill>
                   <a:srgbClr val="001F60"/>
                 </a:solidFill>
-                <a:ea typeface="맑은 고딕" panose="020B0503020000020004" pitchFamily="50" charset="-127"/>
-              </a:rPr>
-              <a:t>일사량 </a:t>
-            </a:r>
-            <a:r>
-              <a:rPr lang="ko-KR" altLang="en-US" sz="3200" kern="0" spc="-25">
-                <a:solidFill>
-                  <a:srgbClr val="001F60"/>
-                </a:solidFill>
-                <a:ea typeface="맑은 고딕" panose="020B0503020000020004" pitchFamily="50" charset="-127"/>
-              </a:rPr>
-              <a:t>예측 모델링</a:t>
-            </a:r>
-            <a:endParaRPr kumimoji="0" lang="ko-KR" altLang="en-US" sz="3200" b="1" i="0" u="none" strike="noStrike" kern="0" cap="none" spc="0" normalizeH="0" baseline="0" noProof="0" dirty="0">
-              <a:ln>
-                <a:noFill/>
-              </a:ln>
-              <a:solidFill>
-                <a:sysClr val="windowText" lastClr="000000"/>
-              </a:solidFill>
-              <a:effectLst/>
-              <a:uLnTx/>
-              <a:uFillTx/>
-              <a:latin typeface="Malgun Gothic"/>
-              <a:ea typeface="맑은 고딕" panose="020B0503020000020004" pitchFamily="50" charset="-127"/>
-            </a:endParaRPr>
+              </a:rPr>
+              <a:t>일사량 예측 모델링</a:t>
+            </a:r>
           </a:p>
         </p:txBody>
       </p:sp>
@@ -10284,7 +10499,7 @@
         <p:spPr>
           <a:xfrm>
             <a:off x="508990" y="1263396"/>
-            <a:ext cx="11014075" cy="425116"/>
+            <a:ext cx="11275060" cy="3387466"/>
           </a:xfrm>
           <a:prstGeom prst="rect">
             <a:avLst/>
@@ -10310,7 +10525,7 @@
                 </a:solidFill>
                 <a:cs typeface="Malgun Gothic"/>
               </a:rPr>
-              <a:t>2</a:t>
+              <a:t>1</a:t>
             </a:r>
             <a:r>
               <a:rPr lang="ko-KR" altLang="en-US" sz="2000" b="1" kern="0" dirty="0">
@@ -10337,9 +10552,381 @@
                 </a:solidFill>
                 <a:cs typeface="Malgun Gothic"/>
               </a:rPr>
-              <a:t>전이 학습을 이용한 다단계 일사량 예측 방식 </a:t>
-            </a:r>
-            <a:endParaRPr sz="2000" kern="0" dirty="0">
+              <a:t>예측 모델 학습을 위한 입력 변수 구성</a:t>
+            </a:r>
+            <a:endParaRPr lang="en-US" altLang="ko-KR" sz="2000" b="1" kern="0" dirty="0">
+              <a:solidFill>
+                <a:sysClr val="windowText" lastClr="000000"/>
+              </a:solidFill>
+              <a:cs typeface="Malgun Gothic"/>
+            </a:endParaRPr>
+          </a:p>
+          <a:p>
+            <a:pPr marL="355600" indent="-342900" latinLnBrk="0">
+              <a:spcBef>
+                <a:spcPts val="915"/>
+              </a:spcBef>
+              <a:buFont typeface="Wingdings" panose="05000000000000000000" pitchFamily="2" charset="2"/>
+              <a:buChar char="§"/>
+            </a:pPr>
+            <a:r>
+              <a:rPr lang="ko-KR" altLang="en-US" sz="2000" b="1" kern="0" dirty="0">
+                <a:solidFill>
+                  <a:sysClr val="windowText" lastClr="000000"/>
+                </a:solidFill>
+                <a:cs typeface="Malgun Gothic"/>
+              </a:rPr>
+              <a:t>데이터 </a:t>
+            </a:r>
+            <a:r>
+              <a:rPr lang="en-US" altLang="ko-KR" sz="2000" b="1" kern="0" dirty="0">
+                <a:solidFill>
+                  <a:sysClr val="windowText" lastClr="000000"/>
+                </a:solidFill>
+                <a:cs typeface="Malgun Gothic"/>
+              </a:rPr>
+              <a:t>: </a:t>
+            </a:r>
+            <a:r>
+              <a:rPr lang="ko-KR" altLang="en-US" sz="2000" b="1" kern="0" dirty="0">
+                <a:solidFill>
+                  <a:sysClr val="windowText" lastClr="000000"/>
+                </a:solidFill>
+                <a:cs typeface="Malgun Gothic"/>
+              </a:rPr>
+              <a:t>기상청에서 제공하는 종관기상관측 데이터 </a:t>
+            </a:r>
+            <a:r>
+              <a:rPr lang="en-US" altLang="ko-KR" sz="2000" b="1" kern="0" dirty="0">
+                <a:solidFill>
+                  <a:sysClr val="windowText" lastClr="000000"/>
+                </a:solidFill>
+                <a:cs typeface="Malgun Gothic"/>
+              </a:rPr>
+              <a:t>(2016</a:t>
+            </a:r>
+            <a:r>
+              <a:rPr lang="ko-KR" altLang="en-US" sz="2000" b="1" kern="0" dirty="0">
+                <a:solidFill>
+                  <a:sysClr val="windowText" lastClr="000000"/>
+                </a:solidFill>
+                <a:cs typeface="Malgun Gothic"/>
+              </a:rPr>
+              <a:t>년 </a:t>
+            </a:r>
+            <a:r>
+              <a:rPr lang="en-US" altLang="ko-KR" sz="2000" b="1" kern="0" dirty="0">
+                <a:solidFill>
+                  <a:sysClr val="windowText" lastClr="000000"/>
+                </a:solidFill>
+                <a:cs typeface="Malgun Gothic"/>
+              </a:rPr>
+              <a:t>1</a:t>
+            </a:r>
+            <a:r>
+              <a:rPr lang="ko-KR" altLang="en-US" sz="2000" b="1" kern="0" dirty="0">
+                <a:solidFill>
+                  <a:sysClr val="windowText" lastClr="000000"/>
+                </a:solidFill>
+                <a:cs typeface="Malgun Gothic"/>
+              </a:rPr>
+              <a:t>월 </a:t>
+            </a:r>
+            <a:r>
+              <a:rPr lang="en-US" altLang="ko-KR" sz="2000" b="1" kern="0" dirty="0">
+                <a:solidFill>
+                  <a:sysClr val="windowText" lastClr="000000"/>
+                </a:solidFill>
+                <a:cs typeface="Malgun Gothic"/>
+              </a:rPr>
+              <a:t>1</a:t>
+            </a:r>
+            <a:r>
+              <a:rPr lang="ko-KR" altLang="en-US" sz="2000" b="1" kern="0" dirty="0">
+                <a:solidFill>
+                  <a:sysClr val="windowText" lastClr="000000"/>
+                </a:solidFill>
+                <a:cs typeface="Malgun Gothic"/>
+              </a:rPr>
+              <a:t>일 </a:t>
+            </a:r>
+            <a:r>
+              <a:rPr lang="en-US" altLang="ko-KR" sz="2000" b="1" kern="0" dirty="0">
+                <a:solidFill>
+                  <a:sysClr val="windowText" lastClr="000000"/>
+                </a:solidFill>
+                <a:cs typeface="Malgun Gothic"/>
+              </a:rPr>
+              <a:t>~ 2019</a:t>
+            </a:r>
+            <a:r>
+              <a:rPr lang="ko-KR" altLang="en-US" sz="2000" b="1" kern="0" dirty="0">
+                <a:solidFill>
+                  <a:sysClr val="windowText" lastClr="000000"/>
+                </a:solidFill>
+                <a:cs typeface="Malgun Gothic"/>
+              </a:rPr>
+              <a:t>년 </a:t>
+            </a:r>
+            <a:r>
+              <a:rPr lang="en-US" altLang="ko-KR" sz="2000" b="1" kern="0" dirty="0">
+                <a:solidFill>
+                  <a:sysClr val="windowText" lastClr="000000"/>
+                </a:solidFill>
+                <a:cs typeface="Malgun Gothic"/>
+              </a:rPr>
+              <a:t>12</a:t>
+            </a:r>
+            <a:r>
+              <a:rPr lang="ko-KR" altLang="en-US" sz="2000" b="1" kern="0" dirty="0">
+                <a:solidFill>
+                  <a:sysClr val="windowText" lastClr="000000"/>
+                </a:solidFill>
+                <a:cs typeface="Malgun Gothic"/>
+              </a:rPr>
+              <a:t>월 </a:t>
+            </a:r>
+            <a:r>
+              <a:rPr lang="en-US" altLang="ko-KR" sz="2000" b="1" kern="0" dirty="0">
+                <a:solidFill>
+                  <a:sysClr val="windowText" lastClr="000000"/>
+                </a:solidFill>
+                <a:cs typeface="Malgun Gothic"/>
+              </a:rPr>
+              <a:t>31</a:t>
+            </a:r>
+            <a:r>
+              <a:rPr lang="ko-KR" altLang="en-US" sz="2000" b="1" kern="0" dirty="0">
+                <a:solidFill>
+                  <a:sysClr val="windowText" lastClr="000000"/>
+                </a:solidFill>
+                <a:cs typeface="Malgun Gothic"/>
+              </a:rPr>
+              <a:t>일</a:t>
+            </a:r>
+            <a:r>
+              <a:rPr lang="en-US" altLang="ko-KR" sz="2000" b="1" kern="0" dirty="0">
+                <a:solidFill>
+                  <a:sysClr val="windowText" lastClr="000000"/>
+                </a:solidFill>
+                <a:cs typeface="Malgun Gothic"/>
+              </a:rPr>
+              <a:t>)</a:t>
+            </a:r>
+          </a:p>
+          <a:p>
+            <a:pPr marL="355600" indent="-342900" latinLnBrk="0">
+              <a:spcBef>
+                <a:spcPts val="915"/>
+              </a:spcBef>
+              <a:buFont typeface="Wingdings" panose="05000000000000000000" pitchFamily="2" charset="2"/>
+              <a:buChar char="§"/>
+            </a:pPr>
+            <a:r>
+              <a:rPr lang="ko-KR" altLang="en-US" sz="2000" b="1" kern="0" dirty="0">
+                <a:solidFill>
+                  <a:sysClr val="windowText" lastClr="000000"/>
+                </a:solidFill>
+                <a:cs typeface="Malgun Gothic"/>
+              </a:rPr>
+              <a:t>입력 변수 </a:t>
+            </a:r>
+            <a:r>
+              <a:rPr lang="en-US" altLang="ko-KR" sz="2000" b="1" kern="0" dirty="0">
+                <a:solidFill>
+                  <a:sysClr val="windowText" lastClr="000000"/>
+                </a:solidFill>
+                <a:cs typeface="Malgun Gothic"/>
+              </a:rPr>
+              <a:t>: 7</a:t>
+            </a:r>
+            <a:r>
+              <a:rPr lang="ko-KR" altLang="en-US" sz="2000" b="1" kern="0" dirty="0">
+                <a:solidFill>
+                  <a:sysClr val="windowText" lastClr="000000"/>
+                </a:solidFill>
+                <a:cs typeface="Malgun Gothic"/>
+              </a:rPr>
+              <a:t>개</a:t>
+            </a:r>
+            <a:endParaRPr lang="en-US" altLang="ko-KR" sz="2000" b="1" kern="0" dirty="0">
+              <a:solidFill>
+                <a:sysClr val="windowText" lastClr="000000"/>
+              </a:solidFill>
+              <a:cs typeface="Malgun Gothic"/>
+            </a:endParaRPr>
+          </a:p>
+          <a:p>
+            <a:pPr marL="812800" lvl="1" indent="-342900" latinLnBrk="0">
+              <a:spcBef>
+                <a:spcPts val="915"/>
+              </a:spcBef>
+              <a:buFont typeface="Wingdings" panose="05000000000000000000" pitchFamily="2" charset="2"/>
+              <a:buChar char="§"/>
+            </a:pPr>
+            <a:r>
+              <a:rPr lang="ko-KR" altLang="en-US" sz="2000" kern="0" dirty="0">
+                <a:solidFill>
+                  <a:sysClr val="windowText" lastClr="000000"/>
+                </a:solidFill>
+                <a:cs typeface="Malgun Gothic"/>
+              </a:rPr>
+              <a:t>날짜</a:t>
+            </a:r>
+            <a:r>
+              <a:rPr lang="en-US" altLang="ko-KR" sz="2000" kern="0" dirty="0">
+                <a:solidFill>
+                  <a:sysClr val="windowText" lastClr="000000"/>
+                </a:solidFill>
+                <a:cs typeface="Malgun Gothic"/>
+              </a:rPr>
+              <a:t>(</a:t>
+            </a:r>
+            <a:r>
+              <a:rPr lang="ko-KR" altLang="en-US" sz="2000" kern="0" dirty="0">
+                <a:solidFill>
+                  <a:sysClr val="windowText" lastClr="000000"/>
+                </a:solidFill>
+                <a:cs typeface="Malgun Gothic"/>
+              </a:rPr>
+              <a:t>월</a:t>
+            </a:r>
+            <a:r>
+              <a:rPr lang="en-US" altLang="ko-KR" sz="2000" kern="0" dirty="0">
+                <a:solidFill>
+                  <a:sysClr val="windowText" lastClr="000000"/>
+                </a:solidFill>
+                <a:cs typeface="Malgun Gothic"/>
+              </a:rPr>
+              <a:t>, </a:t>
+            </a:r>
+            <a:r>
+              <a:rPr lang="ko-KR" altLang="en-US" sz="2000" kern="0" dirty="0">
+                <a:solidFill>
+                  <a:sysClr val="windowText" lastClr="000000"/>
+                </a:solidFill>
+                <a:cs typeface="Malgun Gothic"/>
+              </a:rPr>
+              <a:t>일</a:t>
+            </a:r>
+            <a:r>
+              <a:rPr lang="en-US" altLang="ko-KR" sz="2000" kern="0" dirty="0">
+                <a:solidFill>
+                  <a:sysClr val="windowText" lastClr="000000"/>
+                </a:solidFill>
+                <a:cs typeface="Malgun Gothic"/>
+              </a:rPr>
+              <a:t>, </a:t>
+            </a:r>
+            <a:r>
+              <a:rPr lang="ko-KR" altLang="en-US" sz="2000" kern="0" dirty="0">
+                <a:solidFill>
+                  <a:sysClr val="windowText" lastClr="000000"/>
+                </a:solidFill>
+                <a:cs typeface="Malgun Gothic"/>
+              </a:rPr>
+              <a:t>시간</a:t>
+            </a:r>
+            <a:r>
+              <a:rPr lang="en-US" altLang="ko-KR" sz="2000" kern="0" dirty="0">
+                <a:solidFill>
+                  <a:sysClr val="windowText" lastClr="000000"/>
+                </a:solidFill>
+                <a:cs typeface="Malgun Gothic"/>
+              </a:rPr>
+              <a:t>)  </a:t>
+            </a:r>
+          </a:p>
+          <a:p>
+            <a:pPr marL="812800" lvl="1" indent="-342900" latinLnBrk="0">
+              <a:spcBef>
+                <a:spcPts val="915"/>
+              </a:spcBef>
+              <a:buFont typeface="Wingdings" panose="05000000000000000000" pitchFamily="2" charset="2"/>
+              <a:buChar char="§"/>
+            </a:pPr>
+            <a:r>
+              <a:rPr lang="ko-KR" altLang="en-US" sz="2000" kern="0" dirty="0">
+                <a:solidFill>
+                  <a:sysClr val="windowText" lastClr="000000"/>
+                </a:solidFill>
+                <a:cs typeface="Malgun Gothic"/>
+              </a:rPr>
+              <a:t>기온</a:t>
+            </a:r>
+            <a:endParaRPr lang="en-US" altLang="ko-KR" sz="2000" kern="0" dirty="0">
+              <a:solidFill>
+                <a:sysClr val="windowText" lastClr="000000"/>
+              </a:solidFill>
+              <a:cs typeface="Malgun Gothic"/>
+            </a:endParaRPr>
+          </a:p>
+          <a:p>
+            <a:pPr marL="812800" lvl="1" indent="-342900" latinLnBrk="0">
+              <a:spcBef>
+                <a:spcPts val="915"/>
+              </a:spcBef>
+              <a:buFont typeface="Wingdings" panose="05000000000000000000" pitchFamily="2" charset="2"/>
+              <a:buChar char="§"/>
+            </a:pPr>
+            <a:r>
+              <a:rPr lang="ko-KR" altLang="en-US" sz="2000" kern="0" dirty="0">
+                <a:solidFill>
+                  <a:sysClr val="windowText" lastClr="000000"/>
+                </a:solidFill>
+                <a:cs typeface="Malgun Gothic"/>
+              </a:rPr>
+              <a:t>습도</a:t>
+            </a:r>
+            <a:endParaRPr lang="en-US" altLang="ko-KR" sz="2000" kern="0" dirty="0">
+              <a:solidFill>
+                <a:sysClr val="windowText" lastClr="000000"/>
+              </a:solidFill>
+              <a:cs typeface="Malgun Gothic"/>
+            </a:endParaRPr>
+          </a:p>
+          <a:p>
+            <a:pPr marL="812800" lvl="1" indent="-342900" latinLnBrk="0">
+              <a:spcBef>
+                <a:spcPts val="915"/>
+              </a:spcBef>
+              <a:buFont typeface="Wingdings" panose="05000000000000000000" pitchFamily="2" charset="2"/>
+              <a:buChar char="§"/>
+            </a:pPr>
+            <a:r>
+              <a:rPr lang="ko-KR" altLang="en-US" sz="2000" kern="0" dirty="0">
+                <a:solidFill>
+                  <a:sysClr val="windowText" lastClr="000000"/>
+                </a:solidFill>
+                <a:cs typeface="Malgun Gothic"/>
+              </a:rPr>
+              <a:t>풍속</a:t>
+            </a:r>
+            <a:endParaRPr lang="en-US" altLang="ko-KR" sz="2000" kern="0" dirty="0">
+              <a:solidFill>
+                <a:sysClr val="windowText" lastClr="000000"/>
+              </a:solidFill>
+              <a:cs typeface="Malgun Gothic"/>
+            </a:endParaRPr>
+          </a:p>
+          <a:p>
+            <a:pPr marL="812800" lvl="1" indent="-342900" latinLnBrk="0">
+              <a:spcBef>
+                <a:spcPts val="915"/>
+              </a:spcBef>
+              <a:buFont typeface="Wingdings" panose="05000000000000000000" pitchFamily="2" charset="2"/>
+              <a:buChar char="§"/>
+            </a:pPr>
+            <a:r>
+              <a:rPr lang="ko-KR" altLang="en-US" sz="2000" kern="0" dirty="0">
+                <a:solidFill>
+                  <a:sysClr val="windowText" lastClr="000000"/>
+                </a:solidFill>
+                <a:cs typeface="Malgun Gothic"/>
+              </a:rPr>
+              <a:t>풍향</a:t>
+            </a:r>
+            <a:endParaRPr lang="en-US" altLang="ko-KR" sz="2000" kern="0" dirty="0">
               <a:solidFill>
                 <a:sysClr val="windowText" lastClr="000000"/>
               </a:solidFill>
@@ -10431,77 +11018,383 @@
           </a:p>
         </p:txBody>
       </p:sp>
-      <p:pic>
-        <p:nvPicPr>
-          <p:cNvPr id="20" name="그림 19">
-            <a:extLst>
-              <a:ext uri="{FF2B5EF4-FFF2-40B4-BE49-F238E27FC236}">
-                <a16:creationId xmlns:a16="http://schemas.microsoft.com/office/drawing/2014/main" id="{A87EDB79-AE8E-46E3-B956-281C41A7ED3A}"/>
-              </a:ext>
-            </a:extLst>
-          </p:cNvPr>
-          <p:cNvPicPr>
-            <a:picLocks noChangeAspect="1"/>
-          </p:cNvPicPr>
+      <p:grpSp>
+        <p:nvGrpSpPr>
+          <p:cNvPr id="7" name="그룹 6">
+            <a:extLst>
+              <a:ext uri="{FF2B5EF4-FFF2-40B4-BE49-F238E27FC236}">
+                <a16:creationId xmlns:a16="http://schemas.microsoft.com/office/drawing/2014/main" id="{57FE92FB-9586-4E1A-BE8B-52DDA84D027A}"/>
+              </a:ext>
+            </a:extLst>
+          </p:cNvPr>
+          <p:cNvGrpSpPr/>
           <p:nvPr/>
-        </p:nvPicPr>
-        <p:blipFill rotWithShape="1">
-          <a:blip r:embed="rId3">
-            <a:extLst>
-              <a:ext uri="{28A0092B-C50C-407E-A947-70E740481C1C}">
-                <a14:useLocalDpi xmlns:a14="http://schemas.microsoft.com/office/drawing/2010/main" val="0"/>
-              </a:ext>
-            </a:extLst>
-          </a:blip>
-          <a:srcRect l="74535" t="3851" r="5686" b="50143"/>
-          <a:stretch/>
-        </p:blipFill>
+        </p:nvGrpSpPr>
+        <p:grpSpPr>
+          <a:xfrm>
+            <a:off x="9250532" y="6219306"/>
+            <a:ext cx="2776842" cy="457642"/>
+            <a:chOff x="8473734" y="6091284"/>
+            <a:chExt cx="3553640" cy="585664"/>
+          </a:xfrm>
+        </p:grpSpPr>
+        <p:pic>
+          <p:nvPicPr>
+            <p:cNvPr id="8" name="그림 7">
+              <a:extLst>
+                <a:ext uri="{FF2B5EF4-FFF2-40B4-BE49-F238E27FC236}">
+                  <a16:creationId xmlns:a16="http://schemas.microsoft.com/office/drawing/2014/main" id="{29DCE215-67EA-43B9-8581-2614C41349BB}"/>
+                </a:ext>
+              </a:extLst>
+            </p:cNvPr>
+            <p:cNvPicPr>
+              <a:picLocks noChangeAspect="1"/>
+            </p:cNvPicPr>
+            <p:nvPr/>
+          </p:nvPicPr>
+          <p:blipFill rotWithShape="1">
+            <a:blip r:embed="rId2">
+              <a:extLst>
+                <a:ext uri="{28A0092B-C50C-407E-A947-70E740481C1C}">
+                  <a14:useLocalDpi xmlns:a14="http://schemas.microsoft.com/office/drawing/2010/main" val="0"/>
+                </a:ext>
+              </a:extLst>
+            </a:blip>
+            <a:srcRect l="74535" t="3851" r="5686" b="50143"/>
+            <a:stretch/>
+          </p:blipFill>
+          <p:spPr>
+            <a:xfrm>
+              <a:off x="8473734" y="6091284"/>
+              <a:ext cx="1353669" cy="585664"/>
+            </a:xfrm>
+            <a:prstGeom prst="rect">
+              <a:avLst/>
+            </a:prstGeom>
+          </p:spPr>
+        </p:pic>
+        <p:pic>
+          <p:nvPicPr>
+            <p:cNvPr id="9" name="그림 8">
+              <a:extLst>
+                <a:ext uri="{FF2B5EF4-FFF2-40B4-BE49-F238E27FC236}">
+                  <a16:creationId xmlns:a16="http://schemas.microsoft.com/office/drawing/2014/main" id="{D739ACA8-4783-4963-86D3-339AD33C22FD}"/>
+                </a:ext>
+              </a:extLst>
+            </p:cNvPr>
+            <p:cNvPicPr>
+              <a:picLocks noChangeAspect="1"/>
+            </p:cNvPicPr>
+            <p:nvPr/>
+          </p:nvPicPr>
+          <p:blipFill>
+            <a:blip r:embed="rId3" cstate="hqprint">
+              <a:extLst>
+                <a:ext uri="{28A0092B-C50C-407E-A947-70E740481C1C}">
+                  <a14:useLocalDpi xmlns:a14="http://schemas.microsoft.com/office/drawing/2010/main" val="0"/>
+                </a:ext>
+              </a:extLst>
+            </a:blip>
+            <a:stretch>
+              <a:fillRect/>
+            </a:stretch>
+          </p:blipFill>
+          <p:spPr>
+            <a:xfrm>
+              <a:off x="9827403" y="6172124"/>
+              <a:ext cx="2199971" cy="423985"/>
+            </a:xfrm>
+            <a:prstGeom prst="rect">
+              <a:avLst/>
+            </a:prstGeom>
+          </p:spPr>
+        </p:pic>
+      </p:grpSp>
+    </p:spTree>
+    <p:extLst>
+      <p:ext uri="{BB962C8B-B14F-4D97-AF65-F5344CB8AC3E}">
+        <p14:creationId xmlns:p14="http://schemas.microsoft.com/office/powerpoint/2010/main" val="227608455"/>
+      </p:ext>
+    </p:extLst>
+  </p:cSld>
+  <p:clrMapOvr>
+    <a:masterClrMapping/>
+  </p:clrMapOvr>
+</p:sld>
+</file>
+
+<file path=ppt/slides/slide9.xml><?xml version="1.0" encoding="utf-8"?>
+<p:sld xmlns:a="http://schemas.openxmlformats.org/drawingml/2006/main" xmlns:r="http://schemas.openxmlformats.org/officeDocument/2006/relationships" xmlns:p="http://schemas.openxmlformats.org/presentationml/2006/main">
+  <p:cSld>
+    <p:spTree>
+      <p:nvGrpSpPr>
+        <p:cNvPr id="1" name=""/>
+        <p:cNvGrpSpPr/>
+        <p:nvPr/>
+      </p:nvGrpSpPr>
+      <p:grpSpPr>
+        <a:xfrm>
+          <a:off x="0" y="0"/>
+          <a:ext cx="0" cy="0"/>
+          <a:chOff x="0" y="0"/>
+          <a:chExt cx="0" cy="0"/>
+        </a:xfrm>
+      </p:grpSpPr>
+      <p:sp>
+        <p:nvSpPr>
+          <p:cNvPr id="15" name="object 2">
+            <a:extLst>
+              <a:ext uri="{FF2B5EF4-FFF2-40B4-BE49-F238E27FC236}">
+                <a16:creationId xmlns:a16="http://schemas.microsoft.com/office/drawing/2014/main" id="{63B42C9C-96BB-4869-81D8-DBA87F4A50BB}"/>
+              </a:ext>
+            </a:extLst>
+          </p:cNvPr>
+          <p:cNvSpPr txBox="1">
+            <a:spLocks/>
+          </p:cNvSpPr>
+          <p:nvPr/>
+        </p:nvSpPr>
         <p:spPr>
           <a:xfrm>
-            <a:off x="8473734" y="6091284"/>
-            <a:ext cx="1353669" cy="585664"/>
+            <a:off x="492575" y="391668"/>
+            <a:ext cx="3965125" cy="505267"/>
           </a:xfrm>
           <a:prstGeom prst="rect">
             <a:avLst/>
           </a:prstGeom>
         </p:spPr>
-      </p:pic>
-      <p:pic>
-        <p:nvPicPr>
-          <p:cNvPr id="21" name="그림 20">
-            <a:extLst>
-              <a:ext uri="{FF2B5EF4-FFF2-40B4-BE49-F238E27FC236}">
-                <a16:creationId xmlns:a16="http://schemas.microsoft.com/office/drawing/2014/main" id="{25EA5F27-CB8A-4DD7-A41E-73A6B46FF164}"/>
-              </a:ext>
-            </a:extLst>
-          </p:cNvPr>
-          <p:cNvPicPr>
-            <a:picLocks noChangeAspect="1"/>
-          </p:cNvPicPr>
+        <p:txBody>
+          <a:bodyPr vert="horz" wrap="square" lIns="0" tIns="12700" rIns="0" bIns="0" rtlCol="0">
+            <a:spAutoFit/>
+          </a:bodyPr>
+          <a:lstStyle>
+            <a:lvl1pPr>
+              <a:defRPr sz="3600" b="1" i="0">
+                <a:solidFill>
+                  <a:schemeClr val="tx1"/>
+                </a:solidFill>
+                <a:latin typeface="Malgun Gothic"/>
+                <a:ea typeface="+mj-ea"/>
+                <a:cs typeface="Malgun Gothic"/>
+              </a:defRPr>
+            </a:lvl1pPr>
+          </a:lstStyle>
+          <a:p>
+            <a:pPr marL="12700" marR="0" lvl="0" indent="0" defTabSz="914400" eaLnBrk="1" fontAlgn="auto" latinLnBrk="0" hangingPunct="1">
+              <a:lnSpc>
+                <a:spcPct val="100000"/>
+              </a:lnSpc>
+              <a:spcBef>
+                <a:spcPts val="100"/>
+              </a:spcBef>
+              <a:spcAft>
+                <a:spcPts val="0"/>
+              </a:spcAft>
+              <a:buClrTx/>
+              <a:buSzTx/>
+              <a:buFontTx/>
+              <a:buNone/>
+              <a:tabLst>
+                <a:tab pos="967740" algn="l"/>
+              </a:tabLst>
+              <a:defRPr/>
+            </a:pPr>
+            <a:r>
+              <a:rPr lang="ko-KR" altLang="en-US" sz="3200" kern="0" spc="-25" dirty="0">
+                <a:solidFill>
+                  <a:srgbClr val="001F60"/>
+                </a:solidFill>
+                <a:ea typeface="맑은 고딕" panose="020B0503020000020004" pitchFamily="50" charset="-127"/>
+              </a:rPr>
+              <a:t>일사량 </a:t>
+            </a:r>
+            <a:r>
+              <a:rPr lang="ko-KR" altLang="en-US" sz="3200" kern="0" spc="-25">
+                <a:solidFill>
+                  <a:srgbClr val="001F60"/>
+                </a:solidFill>
+                <a:ea typeface="맑은 고딕" panose="020B0503020000020004" pitchFamily="50" charset="-127"/>
+              </a:rPr>
+              <a:t>예측 모델링</a:t>
+            </a:r>
+            <a:endParaRPr kumimoji="0" lang="ko-KR" altLang="en-US" sz="3200" b="1" i="0" u="none" strike="noStrike" kern="0" cap="none" spc="0" normalizeH="0" baseline="0" noProof="0" dirty="0">
+              <a:ln>
+                <a:noFill/>
+              </a:ln>
+              <a:solidFill>
+                <a:sysClr val="windowText" lastClr="000000"/>
+              </a:solidFill>
+              <a:effectLst/>
+              <a:uLnTx/>
+              <a:uFillTx/>
+              <a:latin typeface="Malgun Gothic"/>
+              <a:ea typeface="맑은 고딕" panose="020B0503020000020004" pitchFamily="50" charset="-127"/>
+            </a:endParaRPr>
+          </a:p>
+        </p:txBody>
+      </p:sp>
+      <p:sp>
+        <p:nvSpPr>
+          <p:cNvPr id="16" name="object 3">
+            <a:extLst>
+              <a:ext uri="{FF2B5EF4-FFF2-40B4-BE49-F238E27FC236}">
+                <a16:creationId xmlns:a16="http://schemas.microsoft.com/office/drawing/2014/main" id="{A8C33617-DDF9-46C2-AA54-1B67BF5470A7}"/>
+              </a:ext>
+            </a:extLst>
+          </p:cNvPr>
+          <p:cNvSpPr txBox="1"/>
           <p:nvPr/>
-        </p:nvPicPr>
-        <p:blipFill>
-          <a:blip r:embed="rId4" cstate="hqprint">
-            <a:extLst>
-              <a:ext uri="{28A0092B-C50C-407E-A947-70E740481C1C}">
-                <a14:useLocalDpi xmlns:a14="http://schemas.microsoft.com/office/drawing/2010/main" val="0"/>
-              </a:ext>
-            </a:extLst>
-          </a:blip>
-          <a:stretch>
-            <a:fillRect/>
-          </a:stretch>
-        </p:blipFill>
+        </p:nvSpPr>
         <p:spPr>
           <a:xfrm>
-            <a:off x="9827403" y="6172124"/>
-            <a:ext cx="2199971" cy="423985"/>
+            <a:off x="508990" y="1263396"/>
+            <a:ext cx="11014075" cy="425116"/>
           </a:xfrm>
           <a:prstGeom prst="rect">
             <a:avLst/>
           </a:prstGeom>
         </p:spPr>
-      </p:pic>
+        <p:txBody>
+          <a:bodyPr vert="horz" wrap="square" lIns="0" tIns="116205" rIns="0" bIns="0" rtlCol="0">
+            <a:spAutoFit/>
+          </a:bodyPr>
+          <a:lstStyle/>
+          <a:p>
+            <a:pPr marL="355600" indent="-342900" latinLnBrk="0">
+              <a:spcBef>
+                <a:spcPts val="915"/>
+              </a:spcBef>
+              <a:buFont typeface="Wingdings" panose="05000000000000000000" pitchFamily="2" charset="2"/>
+              <a:buChar char="§"/>
+            </a:pPr>
+            <a:r>
+              <a:rPr lang="en-US" altLang="ko-KR" sz="2000" b="1" kern="0" dirty="0">
+                <a:solidFill>
+                  <a:sysClr val="windowText" lastClr="000000"/>
+                </a:solidFill>
+                <a:cs typeface="Malgun Gothic"/>
+              </a:rPr>
+              <a:t>2</a:t>
+            </a:r>
+            <a:r>
+              <a:rPr lang="ko-KR" altLang="en-US" sz="2000" b="1" kern="0" dirty="0">
+                <a:solidFill>
+                  <a:sysClr val="windowText" lastClr="000000"/>
+                </a:solidFill>
+                <a:cs typeface="Malgun Gothic"/>
+              </a:rPr>
+              <a:t>단계</a:t>
+            </a:r>
+            <a:r>
+              <a:rPr lang="en-US" altLang="ko-KR" sz="2000" b="1" kern="0" dirty="0">
+                <a:solidFill>
+                  <a:sysClr val="windowText" lastClr="000000"/>
+                </a:solidFill>
+                <a:cs typeface="Malgun Gothic"/>
+              </a:rPr>
+              <a:t>) </a:t>
+            </a:r>
+            <a:r>
+              <a:rPr lang="ko-KR" altLang="en-US" sz="2000" b="1" kern="0" dirty="0">
+                <a:solidFill>
+                  <a:sysClr val="windowText" lastClr="000000"/>
+                </a:solidFill>
+                <a:cs typeface="Malgun Gothic"/>
+              </a:rPr>
+              <a:t>전이 학습을 이용한 다단계 일사량 예측 방식 </a:t>
+            </a:r>
+            <a:endParaRPr sz="2000" kern="0" dirty="0">
+              <a:solidFill>
+                <a:sysClr val="windowText" lastClr="000000"/>
+              </a:solidFill>
+              <a:cs typeface="Malgun Gothic"/>
+            </a:endParaRPr>
+          </a:p>
+        </p:txBody>
+      </p:sp>
+      <p:sp>
+        <p:nvSpPr>
+          <p:cNvPr id="19" name="object 6">
+            <a:extLst>
+              <a:ext uri="{FF2B5EF4-FFF2-40B4-BE49-F238E27FC236}">
+                <a16:creationId xmlns:a16="http://schemas.microsoft.com/office/drawing/2014/main" id="{C73C25E3-E198-4627-994A-E730949EA465}"/>
+              </a:ext>
+            </a:extLst>
+          </p:cNvPr>
+          <p:cNvSpPr/>
+          <p:nvPr/>
+        </p:nvSpPr>
+        <p:spPr>
+          <a:xfrm>
+            <a:off x="430250" y="985061"/>
+            <a:ext cx="11353800" cy="45720"/>
+          </a:xfrm>
+          <a:custGeom>
+            <a:avLst/>
+            <a:gdLst/>
+            <a:ahLst/>
+            <a:cxnLst/>
+            <a:rect l="l" t="t" r="r" b="b"/>
+            <a:pathLst>
+              <a:path w="11353800" h="45719">
+                <a:moveTo>
+                  <a:pt x="11353800" y="0"/>
+                </a:moveTo>
+                <a:lnTo>
+                  <a:pt x="0" y="0"/>
+                </a:lnTo>
+                <a:lnTo>
+                  <a:pt x="0" y="45718"/>
+                </a:lnTo>
+                <a:lnTo>
+                  <a:pt x="11353800" y="45718"/>
+                </a:lnTo>
+                <a:lnTo>
+                  <a:pt x="11353800" y="0"/>
+                </a:lnTo>
+                <a:close/>
+              </a:path>
+            </a:pathLst>
+          </a:custGeom>
+          <a:solidFill>
+            <a:srgbClr val="0C3F8B"/>
+          </a:solidFill>
+        </p:spPr>
+        <p:txBody>
+          <a:bodyPr wrap="square" lIns="0" tIns="0" rIns="0" bIns="0" rtlCol="0"/>
+          <a:lstStyle/>
+          <a:p>
+            <a:pPr marL="0" marR="0" lvl="0" indent="0" defTabSz="914400" eaLnBrk="1" fontAlgn="auto" latinLnBrk="0" hangingPunct="1">
+              <a:lnSpc>
+                <a:spcPct val="100000"/>
+              </a:lnSpc>
+              <a:spcBef>
+                <a:spcPts val="0"/>
+              </a:spcBef>
+              <a:spcAft>
+                <a:spcPts val="0"/>
+              </a:spcAft>
+              <a:buClrTx/>
+              <a:buSzTx/>
+              <a:buFontTx/>
+              <a:buNone/>
+              <a:tabLst/>
+              <a:defRPr/>
+            </a:pPr>
+            <a:endParaRPr kumimoji="0" sz="1800" b="0" i="0" u="none" strike="noStrike" kern="0" cap="none" spc="0" normalizeH="0" baseline="0" noProof="0">
+              <a:ln>
+                <a:noFill/>
+              </a:ln>
+              <a:solidFill>
+                <a:sysClr val="windowText" lastClr="000000"/>
+              </a:solidFill>
+              <a:effectLst/>
+              <a:uLnTx/>
+              <a:uFillTx/>
+            </a:endParaRPr>
+          </a:p>
+        </p:txBody>
+      </p:sp>
       <p:sp>
         <p:nvSpPr>
           <p:cNvPr id="8" name="직사각형 7"/>
@@ -10511,7 +11404,7 @@
         <p:spPr>
           <a:xfrm>
             <a:off x="492575" y="1769352"/>
-            <a:ext cx="11291475" cy="1013098"/>
+            <a:ext cx="11291475" cy="1102866"/>
           </a:xfrm>
           <a:prstGeom prst="rect">
             <a:avLst/>
@@ -10534,114 +11427,46 @@
               </a:tabLst>
             </a:pPr>
             <a:r>
-              <a:rPr lang="ko-KR" altLang="en-US" kern="0" spc="-50" dirty="0">
+              <a:rPr lang="en-US" altLang="ko-KR" kern="0" spc="-50" dirty="0">
                 <a:solidFill>
                   <a:sysClr val="windowText" lastClr="000000"/>
                 </a:solidFill>
                 <a:latin typeface="Calibri"/>
                 <a:cs typeface="Calibri"/>
               </a:rPr>
-              <a:t>예를 들어</a:t>
-            </a:r>
-            <a:r>
-              <a:rPr lang="en-US" altLang="ko-KR" kern="0" spc="-50" dirty="0">
+              <a:t>[</a:t>
+            </a:r>
+            <a:r>
+              <a:rPr lang="ko-KR" altLang="en-US" kern="0" spc="-50" dirty="0">
                 <a:solidFill>
                   <a:sysClr val="windowText" lastClr="000000"/>
                 </a:solidFill>
                 <a:latin typeface="Calibri"/>
                 <a:cs typeface="Calibri"/>
               </a:rPr>
-              <a:t> 2020</a:t>
-            </a:r>
-            <a:r>
-              <a:rPr lang="ko-KR" altLang="en-US" kern="0" spc="-50" dirty="0">
+              <a:t>가정</a:t>
+            </a:r>
+            <a:r>
+              <a:rPr lang="en-US" altLang="ko-KR" kern="0" spc="-50" dirty="0">
                 <a:solidFill>
                   <a:sysClr val="windowText" lastClr="000000"/>
                 </a:solidFill>
                 <a:latin typeface="Calibri"/>
                 <a:cs typeface="Calibri"/>
               </a:rPr>
-              <a:t>년 </a:t>
-            </a:r>
-            <a:r>
-              <a:rPr lang="en-US" altLang="ko-KR" kern="0" spc="-50" dirty="0">
-                <a:solidFill>
-                  <a:sysClr val="windowText" lastClr="000000"/>
-                </a:solidFill>
-                <a:latin typeface="Calibri"/>
-                <a:cs typeface="Calibri"/>
-              </a:rPr>
-              <a:t>3</a:t>
-            </a:r>
-            <a:r>
-              <a:rPr lang="ko-KR" altLang="en-US" kern="0" spc="-50" dirty="0">
-                <a:solidFill>
-                  <a:sysClr val="windowText" lastClr="000000"/>
-                </a:solidFill>
-                <a:latin typeface="Calibri"/>
-                <a:cs typeface="Calibri"/>
-              </a:rPr>
-              <a:t>월 </a:t>
-            </a:r>
-            <a:r>
-              <a:rPr lang="en-US" altLang="ko-KR" kern="0" spc="-50" dirty="0">
-                <a:solidFill>
-                  <a:sysClr val="windowText" lastClr="000000"/>
-                </a:solidFill>
-                <a:latin typeface="Calibri"/>
-                <a:cs typeface="Calibri"/>
-              </a:rPr>
-              <a:t>1</a:t>
-            </a:r>
-            <a:r>
-              <a:rPr lang="ko-KR" altLang="en-US" kern="0" spc="-50" dirty="0">
-                <a:solidFill>
-                  <a:sysClr val="windowText" lastClr="000000"/>
-                </a:solidFill>
-                <a:latin typeface="Calibri"/>
-                <a:cs typeface="Calibri"/>
-              </a:rPr>
-              <a:t>일 오전 </a:t>
-            </a:r>
-            <a:r>
-              <a:rPr lang="en-US" altLang="ko-KR" kern="0" spc="-50" dirty="0">
-                <a:solidFill>
-                  <a:sysClr val="windowText" lastClr="000000"/>
-                </a:solidFill>
-                <a:latin typeface="Calibri"/>
-                <a:cs typeface="Calibri"/>
-              </a:rPr>
-              <a:t>8</a:t>
-            </a:r>
-            <a:r>
-              <a:rPr lang="ko-KR" altLang="en-US" kern="0" spc="-50" dirty="0">
-                <a:solidFill>
-                  <a:sysClr val="windowText" lastClr="000000"/>
-                </a:solidFill>
-                <a:latin typeface="Calibri"/>
-                <a:cs typeface="Calibri"/>
-              </a:rPr>
-              <a:t>시부터 오후 </a:t>
-            </a:r>
-            <a:r>
-              <a:rPr lang="en-US" altLang="ko-KR" kern="0" spc="-50" dirty="0">
-                <a:solidFill>
-                  <a:sysClr val="windowText" lastClr="000000"/>
-                </a:solidFill>
-                <a:latin typeface="Calibri"/>
-                <a:cs typeface="Calibri"/>
-              </a:rPr>
-              <a:t>6</a:t>
-            </a:r>
-            <a:r>
-              <a:rPr lang="ko-KR" altLang="en-US" kern="0" spc="-50" dirty="0">
-                <a:solidFill>
-                  <a:sysClr val="windowText" lastClr="000000"/>
-                </a:solidFill>
-                <a:latin typeface="Calibri"/>
-                <a:cs typeface="Calibri"/>
-              </a:rPr>
-              <a:t>시까지 일사량을 예측하고 싶음</a:t>
+              <a:t>] </a:t>
+            </a:r>
+            <a:r>
+              <a:rPr lang="ko-KR" altLang="en-US" dirty="0"/>
+              <a:t>태양광 발전 시스템이 하루만 운영되었으며</a:t>
+            </a:r>
+            <a:r>
+              <a:rPr lang="en-US" altLang="ko-KR" dirty="0"/>
+              <a:t>, </a:t>
+            </a:r>
+            <a:r>
+              <a:rPr lang="ko-KR" altLang="en-US" dirty="0"/>
+              <a:t>일사량 데이터도 하루치만 수집되었음</a:t>
             </a:r>
             <a:endParaRPr lang="en-US" altLang="ko-KR" kern="0" spc="-50" dirty="0">
               <a:solidFill>
@@ -10663,324 +11488,74 @@
               </a:tabLst>
             </a:pPr>
             <a:r>
-              <a:rPr lang="en-US" altLang="ko-KR" kern="0" spc="-50" dirty="0">
+              <a:rPr lang="ko-KR" altLang="en-US" kern="0" spc="-50" dirty="0">
                 <a:solidFill>
                   <a:sysClr val="windowText" lastClr="000000"/>
                 </a:solidFill>
                 <a:latin typeface="Calibri"/>
                 <a:cs typeface="Calibri"/>
               </a:rPr>
-              <a:t>2016</a:t>
-            </a:r>
-            <a:r>
-              <a:rPr lang="ko-KR" altLang="en-US" kern="0" spc="-50" dirty="0">
+              <a:t>다섯 군데 지역의 </a:t>
+            </a:r>
+            <a:r>
+              <a:rPr lang="en-US" altLang="ko-KR" kern="0" spc="-50" dirty="0">
                 <a:solidFill>
                   <a:sysClr val="windowText" lastClr="000000"/>
                 </a:solidFill>
                 <a:latin typeface="Calibri"/>
                 <a:cs typeface="Calibri"/>
               </a:rPr>
-              <a:t>년 </a:t>
-            </a:r>
-            <a:r>
-              <a:rPr lang="en-US" altLang="ko-KR" kern="0" spc="-50" dirty="0">
+              <a:t>4 </a:t>
+            </a:r>
+            <a:r>
+              <a:rPr lang="ko-KR" altLang="en-US" kern="0" spc="-50" dirty="0">
                 <a:solidFill>
                   <a:sysClr val="windowText" lastClr="000000"/>
                 </a:solidFill>
                 <a:latin typeface="Calibri"/>
                 <a:cs typeface="Calibri"/>
               </a:rPr>
-              <a:t>~ 2019</a:t>
-            </a:r>
-            <a:r>
-              <a:rPr lang="ko-KR" altLang="en-US" kern="0" spc="-50" dirty="0">
+              <a:t>년치 데이터 셋 </a:t>
+            </a:r>
+            <a:r>
+              <a:rPr lang="en-US" altLang="ko-KR" kern="0" spc="-50" dirty="0">
                 <a:solidFill>
                   <a:sysClr val="windowText" lastClr="000000"/>
                 </a:solidFill>
                 <a:latin typeface="Calibri"/>
                 <a:cs typeface="Calibri"/>
               </a:rPr>
-              <a:t>년 </a:t>
-            </a:r>
-            <a:r>
-              <a:rPr lang="en-US" altLang="ko-KR" kern="0" spc="-50" dirty="0">
+              <a:t>+ </a:t>
+            </a:r>
+            <a:r>
+              <a:rPr lang="ko-KR" altLang="en-US" kern="0" spc="-50" dirty="0">
                 <a:solidFill>
                   <a:sysClr val="windowText" lastClr="000000"/>
                 </a:solidFill>
                 <a:latin typeface="Calibri"/>
                 <a:cs typeface="Calibri"/>
               </a:rPr>
-              <a:t>(</a:t>
-            </a:r>
-            <a:r>
-              <a:rPr lang="ko-KR" altLang="en-US" kern="0" spc="-50" dirty="0">
+              <a:t>예측 대상 지역의 </a:t>
+            </a:r>
+            <a:r>
+              <a:rPr lang="en-US" altLang="ko-KR" kern="0" spc="-50" dirty="0">
                 <a:solidFill>
                   <a:sysClr val="windowText" lastClr="000000"/>
                 </a:solidFill>
                 <a:latin typeface="Calibri"/>
                 <a:cs typeface="Calibri"/>
               </a:rPr>
-              <a:t>서울</a:t>
-            </a:r>
-            <a:r>
-              <a:rPr lang="en-US" altLang="ko-KR" kern="0" spc="-50" dirty="0">
+              <a:t>1</a:t>
+            </a:r>
+            <a:r>
+              <a:rPr lang="ko-KR" altLang="en-US" kern="0" spc="-50" dirty="0">
                 <a:solidFill>
                   <a:sysClr val="windowText" lastClr="000000"/>
                 </a:solidFill>
                 <a:latin typeface="Calibri"/>
                 <a:cs typeface="Calibri"/>
               </a:rPr>
-              <a:t>, </a:t>
-            </a:r>
-            <a:r>
-              <a:rPr lang="ko-KR" altLang="en-US" kern="0" spc="-50" dirty="0">
-                <a:solidFill>
-                  <a:sysClr val="windowText" lastClr="000000"/>
-                </a:solidFill>
-                <a:latin typeface="Calibri"/>
-                <a:cs typeface="Calibri"/>
-              </a:rPr>
-              <a:t>부산</a:t>
-            </a:r>
-            <a:r>
-              <a:rPr lang="en-US" altLang="ko-KR" kern="0" spc="-50" dirty="0">
-                <a:solidFill>
-                  <a:sysClr val="windowText" lastClr="000000"/>
-                </a:solidFill>
-                <a:latin typeface="Calibri"/>
-                <a:cs typeface="Calibri"/>
-              </a:rPr>
-              <a:t>, </a:t>
-            </a:r>
-            <a:r>
-              <a:rPr lang="ko-KR" altLang="en-US" kern="0" spc="-50" dirty="0">
-                <a:solidFill>
-                  <a:sysClr val="windowText" lastClr="000000"/>
-                </a:solidFill>
-                <a:latin typeface="Calibri"/>
-                <a:cs typeface="Calibri"/>
-              </a:rPr>
-              <a:t>대구</a:t>
-            </a:r>
-            <a:r>
-              <a:rPr lang="en-US" altLang="ko-KR" kern="0" spc="-50" dirty="0">
-                <a:solidFill>
-                  <a:sysClr val="windowText" lastClr="000000"/>
-                </a:solidFill>
-                <a:latin typeface="Calibri"/>
-                <a:cs typeface="Calibri"/>
-              </a:rPr>
-              <a:t>, </a:t>
-            </a:r>
-            <a:r>
-              <a:rPr lang="ko-KR" altLang="en-US" kern="0" spc="-50" dirty="0">
-                <a:solidFill>
-                  <a:sysClr val="windowText" lastClr="000000"/>
-                </a:solidFill>
-                <a:latin typeface="Calibri"/>
-                <a:cs typeface="Calibri"/>
-              </a:rPr>
-              <a:t>인천</a:t>
-            </a:r>
-            <a:r>
-              <a:rPr lang="en-US" altLang="ko-KR" kern="0" spc="-50" dirty="0">
-                <a:solidFill>
-                  <a:sysClr val="windowText" lastClr="000000"/>
-                </a:solidFill>
-                <a:latin typeface="Calibri"/>
-                <a:cs typeface="Calibri"/>
-              </a:rPr>
-              <a:t>, </a:t>
-            </a:r>
-            <a:r>
-              <a:rPr lang="ko-KR" altLang="en-US" kern="0" spc="-50" dirty="0">
-                <a:solidFill>
-                  <a:sysClr val="windowText" lastClr="000000"/>
-                </a:solidFill>
-                <a:latin typeface="Calibri"/>
-                <a:cs typeface="Calibri"/>
-              </a:rPr>
-              <a:t>광주</a:t>
-            </a:r>
-            <a:r>
-              <a:rPr lang="en-US" altLang="ko-KR" kern="0" spc="-50" dirty="0">
-                <a:solidFill>
-                  <a:sysClr val="windowText" lastClr="000000"/>
-                </a:solidFill>
-                <a:latin typeface="Calibri"/>
-                <a:cs typeface="Calibri"/>
-              </a:rPr>
-              <a:t>) </a:t>
-            </a:r>
-            <a:r>
-              <a:rPr lang="ko-KR" altLang="en-US" kern="0" spc="-50" dirty="0">
-                <a:solidFill>
-                  <a:sysClr val="windowText" lastClr="000000"/>
-                </a:solidFill>
-                <a:latin typeface="Calibri"/>
-                <a:cs typeface="Calibri"/>
-              </a:rPr>
-              <a:t>데이터 </a:t>
-            </a:r>
-            <a:r>
-              <a:rPr lang="en-US" altLang="ko-KR" kern="0" spc="-50" dirty="0">
-                <a:solidFill>
-                  <a:sysClr val="windowText" lastClr="000000"/>
-                </a:solidFill>
-                <a:latin typeface="Calibri"/>
-                <a:cs typeface="Calibri"/>
-              </a:rPr>
-              <a:t>+ 2020</a:t>
-            </a:r>
-            <a:r>
-              <a:rPr lang="ko-KR" altLang="en-US" kern="0" spc="-50" dirty="0">
-                <a:solidFill>
-                  <a:sysClr val="windowText" lastClr="000000"/>
-                </a:solidFill>
-                <a:latin typeface="Calibri"/>
-                <a:cs typeface="Calibri"/>
-              </a:rPr>
-              <a:t>년 </a:t>
-            </a:r>
-            <a:r>
-              <a:rPr lang="en-US" altLang="ko-KR" kern="0" spc="-50" dirty="0">
-                <a:solidFill>
-                  <a:sysClr val="windowText" lastClr="000000"/>
-                </a:solidFill>
-                <a:latin typeface="Calibri"/>
-                <a:cs typeface="Calibri"/>
-              </a:rPr>
-              <a:t>2</a:t>
-            </a:r>
-            <a:r>
-              <a:rPr lang="ko-KR" altLang="en-US" kern="0" spc="-50" dirty="0">
-                <a:solidFill>
-                  <a:sysClr val="windowText" lastClr="000000"/>
-                </a:solidFill>
-                <a:latin typeface="Calibri"/>
-                <a:cs typeface="Calibri"/>
-              </a:rPr>
-              <a:t>월 </a:t>
-            </a:r>
-            <a:r>
-              <a:rPr lang="en-US" altLang="ko-KR" kern="0" spc="-50" dirty="0">
-                <a:solidFill>
-                  <a:sysClr val="windowText" lastClr="000000"/>
-                </a:solidFill>
-                <a:latin typeface="Calibri"/>
-                <a:cs typeface="Calibri"/>
-              </a:rPr>
-              <a:t>28</a:t>
-            </a:r>
-            <a:r>
-              <a:rPr lang="ko-KR" altLang="en-US" kern="0" spc="-50" dirty="0">
-                <a:solidFill>
-                  <a:sysClr val="windowText" lastClr="000000"/>
-                </a:solidFill>
-                <a:latin typeface="Calibri"/>
-                <a:cs typeface="Calibri"/>
-              </a:rPr>
-              <a:t>일 오전 </a:t>
-            </a:r>
-            <a:r>
-              <a:rPr lang="en-US" altLang="ko-KR" kern="0" spc="-50" dirty="0">
-                <a:solidFill>
-                  <a:sysClr val="windowText" lastClr="000000"/>
-                </a:solidFill>
-                <a:latin typeface="Calibri"/>
-                <a:cs typeface="Calibri"/>
-              </a:rPr>
-              <a:t>8</a:t>
-            </a:r>
-            <a:r>
-              <a:rPr lang="ko-KR" altLang="en-US" kern="0" spc="-50" dirty="0">
-                <a:solidFill>
-                  <a:sysClr val="windowText" lastClr="000000"/>
-                </a:solidFill>
-                <a:latin typeface="Calibri"/>
-                <a:cs typeface="Calibri"/>
-              </a:rPr>
-              <a:t>시</a:t>
-            </a:r>
-            <a:r>
-              <a:rPr lang="en-US" altLang="ko-KR" kern="0" spc="-50" dirty="0">
-                <a:solidFill>
-                  <a:sysClr val="windowText" lastClr="000000"/>
-                </a:solidFill>
-                <a:latin typeface="Calibri"/>
-                <a:cs typeface="Calibri"/>
-              </a:rPr>
-              <a:t>~</a:t>
-            </a:r>
-            <a:r>
-              <a:rPr lang="ko-KR" altLang="en-US" kern="0" spc="-50" dirty="0">
-                <a:solidFill>
-                  <a:sysClr val="windowText" lastClr="000000"/>
-                </a:solidFill>
-                <a:latin typeface="Calibri"/>
-                <a:cs typeface="Calibri"/>
-              </a:rPr>
-              <a:t>오후 </a:t>
-            </a:r>
-            <a:r>
-              <a:rPr lang="en-US" altLang="ko-KR" kern="0" spc="-50" dirty="0">
-                <a:solidFill>
-                  <a:sysClr val="windowText" lastClr="000000"/>
-                </a:solidFill>
-                <a:latin typeface="Calibri"/>
-                <a:cs typeface="Calibri"/>
-              </a:rPr>
-              <a:t>6</a:t>
-            </a:r>
-            <a:r>
-              <a:rPr lang="ko-KR" altLang="en-US" kern="0" spc="-50" dirty="0">
-                <a:solidFill>
-                  <a:sysClr val="windowText" lastClr="000000"/>
-                </a:solidFill>
-                <a:latin typeface="Calibri"/>
-                <a:cs typeface="Calibri"/>
-              </a:rPr>
-              <a:t>시까지 </a:t>
-            </a:r>
-            <a:r>
-              <a:rPr lang="en-US" altLang="ko-KR" kern="0" spc="-50" dirty="0">
-                <a:solidFill>
-                  <a:sysClr val="windowText" lastClr="000000"/>
-                </a:solidFill>
-                <a:latin typeface="Calibri"/>
-                <a:cs typeface="Calibri"/>
-              </a:rPr>
-              <a:t>(</a:t>
-            </a:r>
-            <a:r>
-              <a:rPr lang="ko-KR" altLang="en-US" kern="0" spc="-50" dirty="0">
-                <a:solidFill>
-                  <a:sysClr val="windowText" lastClr="000000"/>
-                </a:solidFill>
-                <a:latin typeface="Calibri"/>
-                <a:cs typeface="Calibri"/>
-              </a:rPr>
-              <a:t>대전</a:t>
-            </a:r>
-            <a:r>
-              <a:rPr lang="en-US" altLang="ko-KR" kern="0" spc="-50" dirty="0">
-                <a:solidFill>
-                  <a:sysClr val="windowText" lastClr="000000"/>
-                </a:solidFill>
-                <a:latin typeface="Calibri"/>
-                <a:cs typeface="Calibri"/>
-              </a:rPr>
-              <a:t>)</a:t>
-            </a:r>
-            <a:r>
-              <a:rPr lang="ko-KR" altLang="en-US" kern="0" spc="-50" dirty="0">
-                <a:solidFill>
-                  <a:sysClr val="windowText" lastClr="000000"/>
-                </a:solidFill>
-                <a:latin typeface="Calibri"/>
-                <a:cs typeface="Calibri"/>
-              </a:rPr>
-              <a:t> 데이터를 사용</a:t>
+              <a:t> 년치 데이터 셋을 결합해 학습 데이터 셋을 구성</a:t>
             </a:r>
             <a:endParaRPr lang="en-US" altLang="ko-KR" kern="0" spc="-50" dirty="0">
               <a:solidFill>
@@ -10990,14 +11565,70 @@
               <a:cs typeface="Calibri"/>
             </a:endParaRPr>
           </a:p>
+          <a:p>
+            <a:pPr marL="12700" latinLnBrk="0">
+              <a:spcBef>
+                <a:spcPts val="695"/>
+              </a:spcBef>
+              <a:tabLst>
+                <a:tab pos="240665" algn="l"/>
+              </a:tabLst>
+            </a:pPr>
+            <a:r>
+              <a:rPr lang="ko-KR" altLang="en-US" kern="0" spc="-50" dirty="0">
+                <a:solidFill>
+                  <a:sysClr val="windowText" lastClr="000000"/>
+                </a:solidFill>
+                <a:latin typeface="Calibri"/>
+                <a:cs typeface="Calibri"/>
+              </a:rPr>
+              <a:t> </a:t>
+            </a:r>
+            <a:endParaRPr lang="en-US" altLang="ko-KR" kern="0" spc="-50" dirty="0">
+              <a:solidFill>
+                <a:sysClr val="windowText" lastClr="000000"/>
+              </a:solidFill>
+              <a:latin typeface="Calibri"/>
+              <a:cs typeface="Calibri"/>
+            </a:endParaRPr>
+          </a:p>
         </p:txBody>
       </p:sp>
+      <p:pic>
+        <p:nvPicPr>
+          <p:cNvPr id="10" name="그림 9">
+            <a:extLst>
+              <a:ext uri="{FF2B5EF4-FFF2-40B4-BE49-F238E27FC236}">
+                <a16:creationId xmlns:a16="http://schemas.microsoft.com/office/drawing/2014/main" id="{F01F0147-7E99-430A-BE8A-08C8C8B5C47B}"/>
+              </a:ext>
+            </a:extLst>
+          </p:cNvPr>
+          <p:cNvPicPr>
+            <a:picLocks noChangeAspect="1"/>
+          </p:cNvPicPr>
+          <p:nvPr/>
+        </p:nvPicPr>
+        <p:blipFill rotWithShape="1">
+          <a:blip r:embed="rId2"/>
+          <a:srcRect b="12612"/>
+          <a:stretch/>
+        </p:blipFill>
+        <p:spPr>
+          <a:xfrm>
+            <a:off x="3105047" y="2586938"/>
+            <a:ext cx="6066529" cy="3504346"/>
+          </a:xfrm>
+          <a:prstGeom prst="rect">
+            <a:avLst/>
+          </a:prstGeom>
+        </p:spPr>
+      </p:pic>
       <p:sp>
         <p:nvSpPr>
-          <p:cNvPr id="9" name="직사각형 8">
-            <a:extLst>
-              <a:ext uri="{FF2B5EF4-FFF2-40B4-BE49-F238E27FC236}">
-                <a16:creationId xmlns:a16="http://schemas.microsoft.com/office/drawing/2014/main" id="{01F9D0B5-0903-456D-905A-778BBFF7C77A}"/>
+          <p:cNvPr id="11" name="직사각형 10">
+            <a:extLst>
+              <a:ext uri="{FF2B5EF4-FFF2-40B4-BE49-F238E27FC236}">
+                <a16:creationId xmlns:a16="http://schemas.microsoft.com/office/drawing/2014/main" id="{335F2A5E-66AF-49FF-B6C0-2C81B4E1E460}"/>
               </a:ext>
             </a:extLst>
           </p:cNvPr>
@@ -11006,8 +11637,8 @@
         </p:nvSpPr>
         <p:spPr>
           <a:xfrm>
-            <a:off x="10354048" y="644301"/>
-            <a:ext cx="1430002" cy="276999"/>
+            <a:off x="9036771" y="401503"/>
+            <a:ext cx="2947481" cy="551433"/>
           </a:xfrm>
           <a:prstGeom prst="rect">
             <a:avLst/>
@@ -11045,7 +11676,7 @@
                 <a:latin typeface="Calibri"/>
                 <a:cs typeface="Calibri"/>
               </a:rPr>
-              <a:t>수집 단위 </a:t>
+              <a:t>학습 지역</a:t>
             </a:r>
             <a:r>
               <a:rPr lang="en-US" altLang="ko-KR" sz="1200" kern="0" spc="-50" dirty="0">
@@ -11055,7 +11686,7 @@
                 <a:latin typeface="Calibri"/>
                 <a:cs typeface="Calibri"/>
               </a:rPr>
-              <a:t>: 1</a:t>
+              <a:t>:  </a:t>
             </a:r>
             <a:r>
               <a:rPr lang="ko-KR" altLang="en-US" sz="1200" kern="0" spc="-50" dirty="0">
@@ -11065,7 +11696,87 @@
                 <a:latin typeface="Calibri"/>
                 <a:cs typeface="Calibri"/>
               </a:rPr>
-              <a:t>시간 </a:t>
+              <a:t>서울</a:t>
+            </a:r>
+            <a:r>
+              <a:rPr lang="en-US" altLang="ko-KR" sz="1200" kern="0" spc="-50" dirty="0">
+                <a:solidFill>
+                  <a:sysClr val="windowText" lastClr="000000"/>
+                </a:solidFill>
+                <a:latin typeface="Calibri"/>
+                <a:cs typeface="Calibri"/>
+              </a:rPr>
+              <a:t>, </a:t>
+            </a:r>
+            <a:r>
+              <a:rPr lang="ko-KR" altLang="en-US" sz="1200" kern="0" spc="-50" dirty="0">
+                <a:solidFill>
+                  <a:sysClr val="windowText" lastClr="000000"/>
+                </a:solidFill>
+                <a:latin typeface="Calibri"/>
+                <a:cs typeface="Calibri"/>
+              </a:rPr>
+              <a:t>부산</a:t>
+            </a:r>
+            <a:r>
+              <a:rPr lang="en-US" altLang="ko-KR" sz="1200" kern="0" spc="-50" dirty="0">
+                <a:solidFill>
+                  <a:sysClr val="windowText" lastClr="000000"/>
+                </a:solidFill>
+                <a:latin typeface="Calibri"/>
+                <a:cs typeface="Calibri"/>
+              </a:rPr>
+              <a:t>, </a:t>
+            </a:r>
+            <a:r>
+              <a:rPr lang="ko-KR" altLang="en-US" sz="1200" kern="0" spc="-50" dirty="0">
+                <a:solidFill>
+                  <a:sysClr val="windowText" lastClr="000000"/>
+                </a:solidFill>
+                <a:latin typeface="Calibri"/>
+                <a:cs typeface="Calibri"/>
+              </a:rPr>
+              <a:t>대구</a:t>
+            </a:r>
+            <a:r>
+              <a:rPr lang="en-US" altLang="ko-KR" sz="1200" kern="0" spc="-50" dirty="0">
+                <a:solidFill>
+                  <a:sysClr val="windowText" lastClr="000000"/>
+                </a:solidFill>
+                <a:latin typeface="Calibri"/>
+                <a:cs typeface="Calibri"/>
+              </a:rPr>
+              <a:t>, </a:t>
+            </a:r>
+            <a:r>
+              <a:rPr lang="ko-KR" altLang="en-US" sz="1200" kern="0" spc="-50" dirty="0">
+                <a:solidFill>
+                  <a:sysClr val="windowText" lastClr="000000"/>
+                </a:solidFill>
+                <a:latin typeface="Calibri"/>
+                <a:cs typeface="Calibri"/>
+              </a:rPr>
+              <a:t>인천</a:t>
+            </a:r>
+            <a:r>
+              <a:rPr lang="en-US" altLang="ko-KR" sz="1200" kern="0" spc="-50" dirty="0">
+                <a:solidFill>
+                  <a:sysClr val="windowText" lastClr="000000"/>
+                </a:solidFill>
+                <a:latin typeface="Calibri"/>
+                <a:cs typeface="Calibri"/>
+              </a:rPr>
+              <a:t>, </a:t>
+            </a:r>
+            <a:r>
+              <a:rPr lang="ko-KR" altLang="en-US" sz="1200" kern="0" spc="-50" dirty="0">
+                <a:solidFill>
+                  <a:sysClr val="windowText" lastClr="000000"/>
+                </a:solidFill>
+                <a:latin typeface="Calibri"/>
+                <a:cs typeface="Calibri"/>
+              </a:rPr>
+              <a:t>광주</a:t>
             </a:r>
             <a:endParaRPr lang="en-US" altLang="ko-KR" sz="1200" kern="0" spc="-50" dirty="0">
               <a:solidFill>
@@ -11075,12 +11786,161 @@
               <a:cs typeface="Calibri"/>
             </a:endParaRPr>
           </a:p>
+          <a:p>
+            <a:pPr marL="12700" latinLnBrk="0">
+              <a:spcBef>
+                <a:spcPts val="695"/>
+              </a:spcBef>
+              <a:tabLst>
+                <a:tab pos="240665" algn="l"/>
+              </a:tabLst>
+            </a:pPr>
+            <a:r>
+              <a:rPr lang="en-US" altLang="ko-KR" sz="1200" kern="0" spc="-50" dirty="0">
+                <a:solidFill>
+                  <a:sysClr val="windowText" lastClr="000000"/>
+                </a:solidFill>
+                <a:latin typeface="Calibri"/>
+                <a:cs typeface="Calibri"/>
+              </a:rPr>
+              <a:t>* </a:t>
+            </a:r>
+            <a:r>
+              <a:rPr lang="ko-KR" altLang="en-US" sz="1200" kern="0" spc="-50" dirty="0">
+                <a:solidFill>
+                  <a:sysClr val="windowText" lastClr="000000"/>
+                </a:solidFill>
+                <a:latin typeface="Calibri"/>
+                <a:cs typeface="Calibri"/>
+              </a:rPr>
+              <a:t>예측 지역 </a:t>
+            </a:r>
+            <a:r>
+              <a:rPr lang="en-US" altLang="ko-KR" sz="1200" kern="0" spc="-50" dirty="0">
+                <a:solidFill>
+                  <a:sysClr val="windowText" lastClr="000000"/>
+                </a:solidFill>
+                <a:latin typeface="Calibri"/>
+                <a:cs typeface="Calibri"/>
+              </a:rPr>
+              <a:t>: </a:t>
+            </a:r>
+            <a:r>
+              <a:rPr lang="ko-KR" altLang="en-US" sz="1200" kern="0" spc="-50" dirty="0">
+                <a:solidFill>
+                  <a:sysClr val="windowText" lastClr="000000"/>
+                </a:solidFill>
+                <a:latin typeface="Calibri"/>
+                <a:cs typeface="Calibri"/>
+              </a:rPr>
+              <a:t>대전</a:t>
+            </a:r>
+            <a:endParaRPr lang="en-US" altLang="ko-KR" sz="1200" kern="0" spc="-50" dirty="0">
+              <a:solidFill>
+                <a:sysClr val="windowText" lastClr="000000"/>
+              </a:solidFill>
+              <a:latin typeface="Calibri"/>
+              <a:cs typeface="Calibri"/>
+            </a:endParaRPr>
+          </a:p>
         </p:txBody>
       </p:sp>
+      <p:grpSp>
+        <p:nvGrpSpPr>
+          <p:cNvPr id="12" name="그룹 11">
+            <a:extLst>
+              <a:ext uri="{FF2B5EF4-FFF2-40B4-BE49-F238E27FC236}">
+                <a16:creationId xmlns:a16="http://schemas.microsoft.com/office/drawing/2014/main" id="{69A03454-59BD-4D91-98B6-E4A07A575B96}"/>
+              </a:ext>
+            </a:extLst>
+          </p:cNvPr>
+          <p:cNvGrpSpPr/>
+          <p:nvPr/>
+        </p:nvGrpSpPr>
+        <p:grpSpPr>
+          <a:xfrm>
+            <a:off x="9250532" y="6219306"/>
+            <a:ext cx="2776842" cy="457642"/>
+            <a:chOff x="8473734" y="6091284"/>
+            <a:chExt cx="3553640" cy="585664"/>
+          </a:xfrm>
+        </p:grpSpPr>
+        <p:pic>
+          <p:nvPicPr>
+            <p:cNvPr id="13" name="그림 12">
+              <a:extLst>
+                <a:ext uri="{FF2B5EF4-FFF2-40B4-BE49-F238E27FC236}">
+                  <a16:creationId xmlns:a16="http://schemas.microsoft.com/office/drawing/2014/main" id="{2A944B4D-367A-4D10-A6B4-49EBC050AA29}"/>
+                </a:ext>
+              </a:extLst>
+            </p:cNvPr>
+            <p:cNvPicPr>
+              <a:picLocks noChangeAspect="1"/>
+            </p:cNvPicPr>
+            <p:nvPr/>
+          </p:nvPicPr>
+          <p:blipFill rotWithShape="1">
+            <a:blip r:embed="rId3">
+              <a:extLst>
+                <a:ext uri="{28A0092B-C50C-407E-A947-70E740481C1C}">
+                  <a14:useLocalDpi xmlns:a14="http://schemas.microsoft.com/office/drawing/2010/main" val="0"/>
+                </a:ext>
+              </a:extLst>
+            </a:blip>
+            <a:srcRect l="74535" t="3851" r="5686" b="50143"/>
+            <a:stretch/>
+          </p:blipFill>
+          <p:spPr>
+            <a:xfrm>
+              <a:off x="8473734" y="6091284"/>
+              <a:ext cx="1353669" cy="585664"/>
+            </a:xfrm>
+            <a:prstGeom prst="rect">
+              <a:avLst/>
+            </a:prstGeom>
+          </p:spPr>
+        </p:pic>
+        <p:pic>
+          <p:nvPicPr>
+            <p:cNvPr id="14" name="그림 13">
+              <a:extLst>
+                <a:ext uri="{FF2B5EF4-FFF2-40B4-BE49-F238E27FC236}">
+                  <a16:creationId xmlns:a16="http://schemas.microsoft.com/office/drawing/2014/main" id="{FC4B0508-80C0-4FFE-90B4-7E66E11A74B4}"/>
+                </a:ext>
+              </a:extLst>
+            </p:cNvPr>
+            <p:cNvPicPr>
+              <a:picLocks noChangeAspect="1"/>
+            </p:cNvPicPr>
+            <p:nvPr/>
+          </p:nvPicPr>
+          <p:blipFill>
+            <a:blip r:embed="rId4" cstate="hqprint">
+              <a:extLst>
+                <a:ext uri="{28A0092B-C50C-407E-A947-70E740481C1C}">
+                  <a14:useLocalDpi xmlns:a14="http://schemas.microsoft.com/office/drawing/2010/main" val="0"/>
+                </a:ext>
+              </a:extLst>
+            </a:blip>
+            <a:stretch>
+              <a:fillRect/>
+            </a:stretch>
+          </p:blipFill>
+          <p:spPr>
+            <a:xfrm>
+              <a:off x="9827403" y="6172124"/>
+              <a:ext cx="2199971" cy="423985"/>
+            </a:xfrm>
+            <a:prstGeom prst="rect">
+              <a:avLst/>
+            </a:prstGeom>
+          </p:spPr>
+        </p:pic>
+      </p:grpSp>
     </p:spTree>
     <p:extLst>
       <p:ext uri="{BB962C8B-B14F-4D97-AF65-F5344CB8AC3E}">
-        <p14:creationId xmlns:p14="http://schemas.microsoft.com/office/powerpoint/2010/main" val="2646122123"/>
+        <p14:creationId xmlns:p14="http://schemas.microsoft.com/office/powerpoint/2010/main" val="2953433111"/>
       </p:ext>
     </p:extLst>
   </p:cSld>

--- a/KICS_PT/[KICS] 모델 poster.pptx
+++ b/KICS_PT/[KICS] 모델 poster.pptx
@@ -4,6 +4,9 @@
   <p:sldMasterIdLst>
     <p:sldMasterId id="2147483648" r:id="rId1"/>
   </p:sldMasterIdLst>
+  <p:notesMasterIdLst>
+    <p:notesMasterId r:id="rId18"/>
+  </p:notesMasterIdLst>
   <p:sldIdLst>
     <p:sldId id="256" r:id="rId2"/>
     <p:sldId id="257" r:id="rId3"/>
@@ -12,14 +15,15 @@
     <p:sldId id="266" r:id="rId6"/>
     <p:sldId id="271" r:id="rId7"/>
     <p:sldId id="267" r:id="rId8"/>
-    <p:sldId id="269" r:id="rId9"/>
-    <p:sldId id="270" r:id="rId10"/>
-    <p:sldId id="277" r:id="rId11"/>
-    <p:sldId id="272" r:id="rId12"/>
-    <p:sldId id="279" r:id="rId13"/>
-    <p:sldId id="278" r:id="rId14"/>
-    <p:sldId id="280" r:id="rId15"/>
-    <p:sldId id="281" r:id="rId16"/>
+    <p:sldId id="283" r:id="rId9"/>
+    <p:sldId id="269" r:id="rId10"/>
+    <p:sldId id="270" r:id="rId11"/>
+    <p:sldId id="277" r:id="rId12"/>
+    <p:sldId id="272" r:id="rId13"/>
+    <p:sldId id="279" r:id="rId14"/>
+    <p:sldId id="278" r:id="rId15"/>
+    <p:sldId id="280" r:id="rId16"/>
+    <p:sldId id="281" r:id="rId17"/>
   </p:sldIdLst>
   <p:sldSz cx="12192000" cy="6858000"/>
   <p:notesSz cx="6858000" cy="9144000"/>
@@ -124,6 +128,457 @@
     </p:ext>
   </p:extLst>
 </p:presentation>
+</file>
+
+<file path=ppt/notesMasters/notesMaster1.xml><?xml version="1.0" encoding="utf-8"?>
+<p:notesMaster xmlns:a="http://schemas.openxmlformats.org/drawingml/2006/main" xmlns:r="http://schemas.openxmlformats.org/officeDocument/2006/relationships" xmlns:p="http://schemas.openxmlformats.org/presentationml/2006/main">
+  <p:cSld>
+    <p:bg>
+      <p:bgRef idx="1001">
+        <a:schemeClr val="bg1"/>
+      </p:bgRef>
+    </p:bg>
+    <p:spTree>
+      <p:nvGrpSpPr>
+        <p:cNvPr id="1" name=""/>
+        <p:cNvGrpSpPr/>
+        <p:nvPr/>
+      </p:nvGrpSpPr>
+      <p:grpSpPr>
+        <a:xfrm>
+          <a:off x="0" y="0"/>
+          <a:ext cx="0" cy="0"/>
+          <a:chOff x="0" y="0"/>
+          <a:chExt cx="0" cy="0"/>
+        </a:xfrm>
+      </p:grpSpPr>
+      <p:sp>
+        <p:nvSpPr>
+          <p:cNvPr id="2" name="머리글 개체 틀 1"/>
+          <p:cNvSpPr>
+            <a:spLocks noGrp="1"/>
+          </p:cNvSpPr>
+          <p:nvPr>
+            <p:ph type="hdr" sz="quarter"/>
+          </p:nvPr>
+        </p:nvSpPr>
+        <p:spPr>
+          <a:xfrm>
+            <a:off x="0" y="0"/>
+            <a:ext cx="2971800" cy="458788"/>
+          </a:xfrm>
+          <a:prstGeom prst="rect">
+            <a:avLst/>
+          </a:prstGeom>
+        </p:spPr>
+        <p:txBody>
+          <a:bodyPr vert="horz" lIns="91440" tIns="45720" rIns="91440" bIns="45720" rtlCol="0"/>
+          <a:lstStyle>
+            <a:lvl1pPr algn="l">
+              <a:defRPr sz="1200"/>
+            </a:lvl1pPr>
+          </a:lstStyle>
+          <a:p>
+            <a:endParaRPr lang="ko-KR" altLang="en-US"/>
+          </a:p>
+        </p:txBody>
+      </p:sp>
+      <p:sp>
+        <p:nvSpPr>
+          <p:cNvPr id="3" name="날짜 개체 틀 2"/>
+          <p:cNvSpPr>
+            <a:spLocks noGrp="1"/>
+          </p:cNvSpPr>
+          <p:nvPr>
+            <p:ph type="dt" idx="1"/>
+          </p:nvPr>
+        </p:nvSpPr>
+        <p:spPr>
+          <a:xfrm>
+            <a:off x="3884613" y="0"/>
+            <a:ext cx="2971800" cy="458788"/>
+          </a:xfrm>
+          <a:prstGeom prst="rect">
+            <a:avLst/>
+          </a:prstGeom>
+        </p:spPr>
+        <p:txBody>
+          <a:bodyPr vert="horz" lIns="91440" tIns="45720" rIns="91440" bIns="45720" rtlCol="0"/>
+          <a:lstStyle>
+            <a:lvl1pPr algn="r">
+              <a:defRPr sz="1200"/>
+            </a:lvl1pPr>
+          </a:lstStyle>
+          <a:p>
+            <a:fld id="{6F87F997-1D79-4E07-87A6-34279F62842B}" type="datetimeFigureOut">
+              <a:rPr lang="ko-KR" altLang="en-US" smtClean="0"/>
+              <a:t>2022-11-08</a:t>
+            </a:fld>
+            <a:endParaRPr lang="ko-KR" altLang="en-US"/>
+          </a:p>
+        </p:txBody>
+      </p:sp>
+      <p:sp>
+        <p:nvSpPr>
+          <p:cNvPr id="4" name="슬라이드 이미지 개체 틀 3"/>
+          <p:cNvSpPr>
+            <a:spLocks noGrp="1" noRot="1" noChangeAspect="1"/>
+          </p:cNvSpPr>
+          <p:nvPr>
+            <p:ph type="sldImg" idx="2"/>
+          </p:nvPr>
+        </p:nvSpPr>
+        <p:spPr>
+          <a:xfrm>
+            <a:off x="685800" y="1143000"/>
+            <a:ext cx="5486400" cy="3086100"/>
+          </a:xfrm>
+          <a:prstGeom prst="rect">
+            <a:avLst/>
+          </a:prstGeom>
+          <a:noFill/>
+          <a:ln w="12700">
+            <a:solidFill>
+              <a:prstClr val="black"/>
+            </a:solidFill>
+          </a:ln>
+        </p:spPr>
+        <p:txBody>
+          <a:bodyPr vert="horz" lIns="91440" tIns="45720" rIns="91440" bIns="45720" rtlCol="0" anchor="ctr"/>
+          <a:lstStyle/>
+          <a:p>
+            <a:endParaRPr lang="ko-KR" altLang="en-US"/>
+          </a:p>
+        </p:txBody>
+      </p:sp>
+      <p:sp>
+        <p:nvSpPr>
+          <p:cNvPr id="5" name="슬라이드 노트 개체 틀 4"/>
+          <p:cNvSpPr>
+            <a:spLocks noGrp="1"/>
+          </p:cNvSpPr>
+          <p:nvPr>
+            <p:ph type="body" sz="quarter" idx="3"/>
+          </p:nvPr>
+        </p:nvSpPr>
+        <p:spPr>
+          <a:xfrm>
+            <a:off x="685800" y="4400550"/>
+            <a:ext cx="5486400" cy="3600450"/>
+          </a:xfrm>
+          <a:prstGeom prst="rect">
+            <a:avLst/>
+          </a:prstGeom>
+        </p:spPr>
+        <p:txBody>
+          <a:bodyPr vert="horz" lIns="91440" tIns="45720" rIns="91440" bIns="45720" rtlCol="0"/>
+          <a:lstStyle/>
+          <a:p>
+            <a:pPr lvl="0"/>
+            <a:r>
+              <a:rPr lang="ko-KR" altLang="en-US"/>
+              <a:t>마스터 텍스트 스타일 편집</a:t>
+            </a:r>
+          </a:p>
+          <a:p>
+            <a:pPr lvl="1"/>
+            <a:r>
+              <a:rPr lang="ko-KR" altLang="en-US"/>
+              <a:t>둘째 수준</a:t>
+            </a:r>
+          </a:p>
+          <a:p>
+            <a:pPr lvl="2"/>
+            <a:r>
+              <a:rPr lang="ko-KR" altLang="en-US"/>
+              <a:t>셋째 수준</a:t>
+            </a:r>
+          </a:p>
+          <a:p>
+            <a:pPr lvl="3"/>
+            <a:r>
+              <a:rPr lang="ko-KR" altLang="en-US"/>
+              <a:t>넷째 수준</a:t>
+            </a:r>
+          </a:p>
+          <a:p>
+            <a:pPr lvl="4"/>
+            <a:r>
+              <a:rPr lang="ko-KR" altLang="en-US"/>
+              <a:t>다섯째 수준</a:t>
+            </a:r>
+          </a:p>
+        </p:txBody>
+      </p:sp>
+      <p:sp>
+        <p:nvSpPr>
+          <p:cNvPr id="6" name="바닥글 개체 틀 5"/>
+          <p:cNvSpPr>
+            <a:spLocks noGrp="1"/>
+          </p:cNvSpPr>
+          <p:nvPr>
+            <p:ph type="ftr" sz="quarter" idx="4"/>
+          </p:nvPr>
+        </p:nvSpPr>
+        <p:spPr>
+          <a:xfrm>
+            <a:off x="0" y="8685213"/>
+            <a:ext cx="2971800" cy="458787"/>
+          </a:xfrm>
+          <a:prstGeom prst="rect">
+            <a:avLst/>
+          </a:prstGeom>
+        </p:spPr>
+        <p:txBody>
+          <a:bodyPr vert="horz" lIns="91440" tIns="45720" rIns="91440" bIns="45720" rtlCol="0" anchor="b"/>
+          <a:lstStyle>
+            <a:lvl1pPr algn="l">
+              <a:defRPr sz="1200"/>
+            </a:lvl1pPr>
+          </a:lstStyle>
+          <a:p>
+            <a:endParaRPr lang="ko-KR" altLang="en-US"/>
+          </a:p>
+        </p:txBody>
+      </p:sp>
+      <p:sp>
+        <p:nvSpPr>
+          <p:cNvPr id="7" name="슬라이드 번호 개체 틀 6"/>
+          <p:cNvSpPr>
+            <a:spLocks noGrp="1"/>
+          </p:cNvSpPr>
+          <p:nvPr>
+            <p:ph type="sldNum" sz="quarter" idx="5"/>
+          </p:nvPr>
+        </p:nvSpPr>
+        <p:spPr>
+          <a:xfrm>
+            <a:off x="3884613" y="8685213"/>
+            <a:ext cx="2971800" cy="458787"/>
+          </a:xfrm>
+          <a:prstGeom prst="rect">
+            <a:avLst/>
+          </a:prstGeom>
+        </p:spPr>
+        <p:txBody>
+          <a:bodyPr vert="horz" lIns="91440" tIns="45720" rIns="91440" bIns="45720" rtlCol="0" anchor="b"/>
+          <a:lstStyle>
+            <a:lvl1pPr algn="r">
+              <a:defRPr sz="1200"/>
+            </a:lvl1pPr>
+          </a:lstStyle>
+          <a:p>
+            <a:fld id="{3DA20865-045B-45A9-AC7A-AC77C3641144}" type="slidenum">
+              <a:rPr lang="ko-KR" altLang="en-US" smtClean="0"/>
+              <a:t>‹#›</a:t>
+            </a:fld>
+            <a:endParaRPr lang="ko-KR" altLang="en-US"/>
+          </a:p>
+        </p:txBody>
+      </p:sp>
+    </p:spTree>
+    <p:extLst>
+      <p:ext uri="{BB962C8B-B14F-4D97-AF65-F5344CB8AC3E}">
+        <p14:creationId xmlns:p14="http://schemas.microsoft.com/office/powerpoint/2010/main" val="2658998647"/>
+      </p:ext>
+    </p:extLst>
+  </p:cSld>
+  <p:clrMap bg1="lt1" tx1="dk1" bg2="lt2" tx2="dk2" accent1="accent1" accent2="accent2" accent3="accent3" accent4="accent4" accent5="accent5" accent6="accent6" hlink="hlink" folHlink="folHlink"/>
+  <p:notesStyle>
+    <a:lvl1pPr marL="0" algn="l" defTabSz="914400" rtl="0" eaLnBrk="1" latinLnBrk="1" hangingPunct="1">
+      <a:defRPr sz="1200" kern="1200">
+        <a:solidFill>
+          <a:schemeClr val="tx1"/>
+        </a:solidFill>
+        <a:latin typeface="+mn-lt"/>
+        <a:ea typeface="+mn-ea"/>
+        <a:cs typeface="+mn-cs"/>
+      </a:defRPr>
+    </a:lvl1pPr>
+    <a:lvl2pPr marL="457200" algn="l" defTabSz="914400" rtl="0" eaLnBrk="1" latinLnBrk="1" hangingPunct="1">
+      <a:defRPr sz="1200" kern="1200">
+        <a:solidFill>
+          <a:schemeClr val="tx1"/>
+        </a:solidFill>
+        <a:latin typeface="+mn-lt"/>
+        <a:ea typeface="+mn-ea"/>
+        <a:cs typeface="+mn-cs"/>
+      </a:defRPr>
+    </a:lvl2pPr>
+    <a:lvl3pPr marL="914400" algn="l" defTabSz="914400" rtl="0" eaLnBrk="1" latinLnBrk="1" hangingPunct="1">
+      <a:defRPr sz="1200" kern="1200">
+        <a:solidFill>
+          <a:schemeClr val="tx1"/>
+        </a:solidFill>
+        <a:latin typeface="+mn-lt"/>
+        <a:ea typeface="+mn-ea"/>
+        <a:cs typeface="+mn-cs"/>
+      </a:defRPr>
+    </a:lvl3pPr>
+    <a:lvl4pPr marL="1371600" algn="l" defTabSz="914400" rtl="0" eaLnBrk="1" latinLnBrk="1" hangingPunct="1">
+      <a:defRPr sz="1200" kern="1200">
+        <a:solidFill>
+          <a:schemeClr val="tx1"/>
+        </a:solidFill>
+        <a:latin typeface="+mn-lt"/>
+        <a:ea typeface="+mn-ea"/>
+        <a:cs typeface="+mn-cs"/>
+      </a:defRPr>
+    </a:lvl4pPr>
+    <a:lvl5pPr marL="1828800" algn="l" defTabSz="914400" rtl="0" eaLnBrk="1" latinLnBrk="1" hangingPunct="1">
+      <a:defRPr sz="1200" kern="1200">
+        <a:solidFill>
+          <a:schemeClr val="tx1"/>
+        </a:solidFill>
+        <a:latin typeface="+mn-lt"/>
+        <a:ea typeface="+mn-ea"/>
+        <a:cs typeface="+mn-cs"/>
+      </a:defRPr>
+    </a:lvl5pPr>
+    <a:lvl6pPr marL="2286000" algn="l" defTabSz="914400" rtl="0" eaLnBrk="1" latinLnBrk="1" hangingPunct="1">
+      <a:defRPr sz="1200" kern="1200">
+        <a:solidFill>
+          <a:schemeClr val="tx1"/>
+        </a:solidFill>
+        <a:latin typeface="+mn-lt"/>
+        <a:ea typeface="+mn-ea"/>
+        <a:cs typeface="+mn-cs"/>
+      </a:defRPr>
+    </a:lvl6pPr>
+    <a:lvl7pPr marL="2743200" algn="l" defTabSz="914400" rtl="0" eaLnBrk="1" latinLnBrk="1" hangingPunct="1">
+      <a:defRPr sz="1200" kern="1200">
+        <a:solidFill>
+          <a:schemeClr val="tx1"/>
+        </a:solidFill>
+        <a:latin typeface="+mn-lt"/>
+        <a:ea typeface="+mn-ea"/>
+        <a:cs typeface="+mn-cs"/>
+      </a:defRPr>
+    </a:lvl7pPr>
+    <a:lvl8pPr marL="3200400" algn="l" defTabSz="914400" rtl="0" eaLnBrk="1" latinLnBrk="1" hangingPunct="1">
+      <a:defRPr sz="1200" kern="1200">
+        <a:solidFill>
+          <a:schemeClr val="tx1"/>
+        </a:solidFill>
+        <a:latin typeface="+mn-lt"/>
+        <a:ea typeface="+mn-ea"/>
+        <a:cs typeface="+mn-cs"/>
+      </a:defRPr>
+    </a:lvl8pPr>
+    <a:lvl9pPr marL="3657600" algn="l" defTabSz="914400" rtl="0" eaLnBrk="1" latinLnBrk="1" hangingPunct="1">
+      <a:defRPr sz="1200" kern="1200">
+        <a:solidFill>
+          <a:schemeClr val="tx1"/>
+        </a:solidFill>
+        <a:latin typeface="+mn-lt"/>
+        <a:ea typeface="+mn-ea"/>
+        <a:cs typeface="+mn-cs"/>
+      </a:defRPr>
+    </a:lvl9pPr>
+  </p:notesStyle>
+</p:notesMaster>
+</file>
+
+<file path=ppt/notesSlides/notesSlide1.xml><?xml version="1.0" encoding="utf-8"?>
+<p:notes xmlns:a="http://schemas.openxmlformats.org/drawingml/2006/main" xmlns:r="http://schemas.openxmlformats.org/officeDocument/2006/relationships" xmlns:p="http://schemas.openxmlformats.org/presentationml/2006/main">
+  <p:cSld>
+    <p:spTree>
+      <p:nvGrpSpPr>
+        <p:cNvPr id="1" name=""/>
+        <p:cNvGrpSpPr/>
+        <p:nvPr/>
+      </p:nvGrpSpPr>
+      <p:grpSpPr>
+        <a:xfrm>
+          <a:off x="0" y="0"/>
+          <a:ext cx="0" cy="0"/>
+          <a:chOff x="0" y="0"/>
+          <a:chExt cx="0" cy="0"/>
+        </a:xfrm>
+      </p:grpSpPr>
+      <p:sp>
+        <p:nvSpPr>
+          <p:cNvPr id="2" name="슬라이드 이미지 개체 틀 1"/>
+          <p:cNvSpPr>
+            <a:spLocks noGrp="1" noRot="1" noChangeAspect="1"/>
+          </p:cNvSpPr>
+          <p:nvPr>
+            <p:ph type="sldImg"/>
+          </p:nvPr>
+        </p:nvSpPr>
+        <p:spPr/>
+      </p:sp>
+      <p:sp>
+        <p:nvSpPr>
+          <p:cNvPr id="3" name="슬라이드 노트 개체 틀 2"/>
+          <p:cNvSpPr>
+            <a:spLocks noGrp="1"/>
+          </p:cNvSpPr>
+          <p:nvPr>
+            <p:ph type="body" idx="1"/>
+          </p:nvPr>
+        </p:nvSpPr>
+        <p:spPr/>
+        <p:txBody>
+          <a:bodyPr/>
+          <a:lstStyle/>
+          <a:p>
+            <a:r>
+              <a:rPr lang="ko-KR" altLang="en-US" kern="0">
+                <a:solidFill>
+                  <a:sysClr val="windowText" lastClr="000000"/>
+                </a:solidFill>
+                <a:cs typeface="Malgun Gothic"/>
+              </a:rPr>
+              <a:t>태양광 발전 시스템을 구축하기 이전에</a:t>
+            </a:r>
+            <a:r>
+              <a:rPr lang="en-US" altLang="ko-KR" kern="0">
+                <a:solidFill>
+                  <a:sysClr val="windowText" lastClr="000000"/>
+                </a:solidFill>
+                <a:cs typeface="Malgun Gothic"/>
+              </a:rPr>
+              <a:t>, </a:t>
+            </a:r>
+            <a:endParaRPr lang="ko-KR" altLang="en-US" dirty="0"/>
+          </a:p>
+        </p:txBody>
+      </p:sp>
+      <p:sp>
+        <p:nvSpPr>
+          <p:cNvPr id="4" name="슬라이드 번호 개체 틀 3"/>
+          <p:cNvSpPr>
+            <a:spLocks noGrp="1"/>
+          </p:cNvSpPr>
+          <p:nvPr>
+            <p:ph type="sldNum" sz="quarter" idx="5"/>
+          </p:nvPr>
+        </p:nvSpPr>
+        <p:spPr/>
+        <p:txBody>
+          <a:bodyPr/>
+          <a:lstStyle/>
+          <a:p>
+            <a:fld id="{3DA20865-045B-45A9-AC7A-AC77C3641144}" type="slidenum">
+              <a:rPr lang="ko-KR" altLang="en-US" smtClean="0"/>
+              <a:t>6</a:t>
+            </a:fld>
+            <a:endParaRPr lang="ko-KR" altLang="en-US"/>
+          </a:p>
+        </p:txBody>
+      </p:sp>
+    </p:spTree>
+    <p:extLst>
+      <p:ext uri="{BB962C8B-B14F-4D97-AF65-F5344CB8AC3E}">
+        <p14:creationId xmlns:p14="http://schemas.microsoft.com/office/powerpoint/2010/main" val="1321639438"/>
+      </p:ext>
+    </p:extLst>
+  </p:cSld>
+  <p:clrMapOvr>
+    <a:masterClrMapping/>
+  </p:clrMapOvr>
+</p:notes>
 </file>
 
 <file path=ppt/slideLayouts/slideLayout1.xml><?xml version="1.0" encoding="utf-8"?>
@@ -3673,8 +4128,8 @@
         </p:nvGrpSpPr>
         <p:grpSpPr>
           <a:xfrm>
-            <a:off x="9250532" y="6219306"/>
-            <a:ext cx="2776842" cy="457642"/>
+            <a:off x="8433848" y="6084711"/>
+            <a:ext cx="3593526" cy="592237"/>
             <a:chOff x="8473734" y="6091284"/>
             <a:chExt cx="3553640" cy="585664"/>
           </a:xfrm>
@@ -3781,29 +4236,6 @@
           <a:chExt cx="0" cy="0"/>
         </a:xfrm>
       </p:grpSpPr>
-      <p:pic>
-        <p:nvPicPr>
-          <p:cNvPr id="2" name="그림 1"/>
-          <p:cNvPicPr>
-            <a:picLocks noChangeAspect="1"/>
-          </p:cNvPicPr>
-          <p:nvPr/>
-        </p:nvPicPr>
-        <p:blipFill rotWithShape="1">
-          <a:blip r:embed="rId2"/>
-          <a:srcRect b="12612"/>
-          <a:stretch/>
-        </p:blipFill>
-        <p:spPr>
-          <a:xfrm>
-            <a:off x="3105047" y="2586938"/>
-            <a:ext cx="6066529" cy="3504346"/>
-          </a:xfrm>
-          <a:prstGeom prst="rect">
-            <a:avLst/>
-          </a:prstGeom>
-        </p:spPr>
-      </p:pic>
       <p:sp>
         <p:nvSpPr>
           <p:cNvPr id="15" name="object 2">
@@ -3924,12 +4356,10 @@
           </a:bodyPr>
           <a:lstStyle/>
           <a:p>
-            <a:pPr marL="355600" indent="-342900" latinLnBrk="0">
+            <a:pPr marL="12700" latinLnBrk="0">
               <a:spcBef>
                 <a:spcPts val="915"/>
               </a:spcBef>
-              <a:buFont typeface="Wingdings" panose="05000000000000000000" pitchFamily="2" charset="2"/>
-              <a:buChar char="§"/>
             </a:pPr>
             <a:r>
               <a:rPr lang="en-US" altLang="ko-KR" sz="2000" b="1" kern="0" dirty="0">
@@ -3938,7 +4368,7 @@
                 </a:solidFill>
                 <a:cs typeface="Malgun Gothic"/>
               </a:rPr>
-              <a:t>2</a:t>
+              <a:t>[2</a:t>
             </a:r>
             <a:r>
               <a:rPr lang="ko-KR" altLang="en-US" sz="2000" b="1" kern="0" dirty="0">
@@ -3956,7 +4386,7 @@
                 </a:solidFill>
                 <a:cs typeface="Malgun Gothic"/>
               </a:rPr>
-              <a:t>) </a:t>
+              <a:t>] </a:t>
             </a:r>
             <a:r>
               <a:rPr lang="ko-KR" altLang="en-US" sz="2000" b="1" kern="0" dirty="0">
@@ -4068,7 +4498,7 @@
         <p:spPr>
           <a:xfrm>
             <a:off x="492575" y="1769352"/>
-            <a:ext cx="11291475" cy="1013098"/>
+            <a:ext cx="11291475" cy="1102866"/>
           </a:xfrm>
           <a:prstGeom prst="rect">
             <a:avLst/>
@@ -4091,114 +4521,46 @@
               </a:tabLst>
             </a:pPr>
             <a:r>
-              <a:rPr lang="ko-KR" altLang="en-US" kern="0" spc="-50" dirty="0">
+              <a:rPr lang="en-US" altLang="ko-KR" kern="0" spc="-50" dirty="0">
                 <a:solidFill>
                   <a:sysClr val="windowText" lastClr="000000"/>
                 </a:solidFill>
                 <a:latin typeface="Calibri"/>
                 <a:cs typeface="Calibri"/>
               </a:rPr>
-              <a:t>예를 들어</a:t>
-            </a:r>
-            <a:r>
-              <a:rPr lang="en-US" altLang="ko-KR" kern="0" spc="-50" dirty="0">
+              <a:t>[</a:t>
+            </a:r>
+            <a:r>
+              <a:rPr lang="ko-KR" altLang="en-US" kern="0" spc="-50" dirty="0">
                 <a:solidFill>
                   <a:sysClr val="windowText" lastClr="000000"/>
                 </a:solidFill>
                 <a:latin typeface="Calibri"/>
                 <a:cs typeface="Calibri"/>
               </a:rPr>
-              <a:t> 2020</a:t>
-            </a:r>
-            <a:r>
-              <a:rPr lang="ko-KR" altLang="en-US" kern="0" spc="-50" dirty="0">
+              <a:t>가정</a:t>
+            </a:r>
+            <a:r>
+              <a:rPr lang="en-US" altLang="ko-KR" kern="0" spc="-50" dirty="0">
                 <a:solidFill>
                   <a:sysClr val="windowText" lastClr="000000"/>
                 </a:solidFill>
                 <a:latin typeface="Calibri"/>
                 <a:cs typeface="Calibri"/>
               </a:rPr>
-              <a:t>년 </a:t>
-            </a:r>
-            <a:r>
-              <a:rPr lang="en-US" altLang="ko-KR" kern="0" spc="-50" dirty="0">
-                <a:solidFill>
-                  <a:sysClr val="windowText" lastClr="000000"/>
-                </a:solidFill>
-                <a:latin typeface="Calibri"/>
-                <a:cs typeface="Calibri"/>
-              </a:rPr>
-              <a:t>3</a:t>
-            </a:r>
-            <a:r>
-              <a:rPr lang="ko-KR" altLang="en-US" kern="0" spc="-50" dirty="0">
-                <a:solidFill>
-                  <a:sysClr val="windowText" lastClr="000000"/>
-                </a:solidFill>
-                <a:latin typeface="Calibri"/>
-                <a:cs typeface="Calibri"/>
-              </a:rPr>
-              <a:t>월 </a:t>
-            </a:r>
-            <a:r>
-              <a:rPr lang="en-US" altLang="ko-KR" kern="0" spc="-50" dirty="0">
-                <a:solidFill>
-                  <a:sysClr val="windowText" lastClr="000000"/>
-                </a:solidFill>
-                <a:latin typeface="Calibri"/>
-                <a:cs typeface="Calibri"/>
-              </a:rPr>
-              <a:t>1</a:t>
-            </a:r>
-            <a:r>
-              <a:rPr lang="ko-KR" altLang="en-US" kern="0" spc="-50" dirty="0">
-                <a:solidFill>
-                  <a:sysClr val="windowText" lastClr="000000"/>
-                </a:solidFill>
-                <a:latin typeface="Calibri"/>
-                <a:cs typeface="Calibri"/>
-              </a:rPr>
-              <a:t>일 오전 </a:t>
-            </a:r>
-            <a:r>
-              <a:rPr lang="en-US" altLang="ko-KR" kern="0" spc="-50" dirty="0">
-                <a:solidFill>
-                  <a:sysClr val="windowText" lastClr="000000"/>
-                </a:solidFill>
-                <a:latin typeface="Calibri"/>
-                <a:cs typeface="Calibri"/>
-              </a:rPr>
-              <a:t>8</a:t>
-            </a:r>
-            <a:r>
-              <a:rPr lang="ko-KR" altLang="en-US" kern="0" spc="-50" dirty="0">
-                <a:solidFill>
-                  <a:sysClr val="windowText" lastClr="000000"/>
-                </a:solidFill>
-                <a:latin typeface="Calibri"/>
-                <a:cs typeface="Calibri"/>
-              </a:rPr>
-              <a:t>시부터 오후 </a:t>
-            </a:r>
-            <a:r>
-              <a:rPr lang="en-US" altLang="ko-KR" kern="0" spc="-50" dirty="0">
-                <a:solidFill>
-                  <a:sysClr val="windowText" lastClr="000000"/>
-                </a:solidFill>
-                <a:latin typeface="Calibri"/>
-                <a:cs typeface="Calibri"/>
-              </a:rPr>
-              <a:t>6</a:t>
-            </a:r>
-            <a:r>
-              <a:rPr lang="ko-KR" altLang="en-US" kern="0" spc="-50" dirty="0">
-                <a:solidFill>
-                  <a:sysClr val="windowText" lastClr="000000"/>
-                </a:solidFill>
-                <a:latin typeface="Calibri"/>
-                <a:cs typeface="Calibri"/>
-              </a:rPr>
-              <a:t>시까지 일사량을 예측하고 싶음</a:t>
+              <a:t>] </a:t>
+            </a:r>
+            <a:r>
+              <a:rPr lang="ko-KR" altLang="en-US" dirty="0"/>
+              <a:t>태양광 발전 시스템이 하루만 운영되었으며</a:t>
+            </a:r>
+            <a:r>
+              <a:rPr lang="en-US" altLang="ko-KR" dirty="0"/>
+              <a:t>, </a:t>
+            </a:r>
+            <a:r>
+              <a:rPr lang="ko-KR" altLang="en-US" dirty="0"/>
+              <a:t>일사량 데이터도 하루치만 수집되었음</a:t>
             </a:r>
             <a:endParaRPr lang="en-US" altLang="ko-KR" kern="0" spc="-50" dirty="0">
               <a:solidFill>
@@ -4220,324 +4582,74 @@
               </a:tabLst>
             </a:pPr>
             <a:r>
-              <a:rPr lang="en-US" altLang="ko-KR" kern="0" spc="-50" dirty="0">
+              <a:rPr lang="ko-KR" altLang="en-US" kern="0" spc="-50" dirty="0">
                 <a:solidFill>
                   <a:sysClr val="windowText" lastClr="000000"/>
                 </a:solidFill>
                 <a:latin typeface="Calibri"/>
                 <a:cs typeface="Calibri"/>
               </a:rPr>
-              <a:t>2016</a:t>
-            </a:r>
-            <a:r>
-              <a:rPr lang="ko-KR" altLang="en-US" kern="0" spc="-50" dirty="0">
+              <a:t>다섯 군데 지역의 </a:t>
+            </a:r>
+            <a:r>
+              <a:rPr lang="en-US" altLang="ko-KR" kern="0" spc="-50" dirty="0">
                 <a:solidFill>
                   <a:sysClr val="windowText" lastClr="000000"/>
                 </a:solidFill>
                 <a:latin typeface="Calibri"/>
                 <a:cs typeface="Calibri"/>
               </a:rPr>
-              <a:t>년 </a:t>
-            </a:r>
-            <a:r>
-              <a:rPr lang="en-US" altLang="ko-KR" kern="0" spc="-50" dirty="0">
+              <a:t>4 </a:t>
+            </a:r>
+            <a:r>
+              <a:rPr lang="ko-KR" altLang="en-US" kern="0" spc="-50" dirty="0">
                 <a:solidFill>
                   <a:sysClr val="windowText" lastClr="000000"/>
                 </a:solidFill>
                 <a:latin typeface="Calibri"/>
                 <a:cs typeface="Calibri"/>
               </a:rPr>
-              <a:t>~ 2019</a:t>
-            </a:r>
-            <a:r>
-              <a:rPr lang="ko-KR" altLang="en-US" kern="0" spc="-50" dirty="0">
+              <a:t>년치 데이터 셋 </a:t>
+            </a:r>
+            <a:r>
+              <a:rPr lang="en-US" altLang="ko-KR" kern="0" spc="-50" dirty="0">
                 <a:solidFill>
                   <a:sysClr val="windowText" lastClr="000000"/>
                 </a:solidFill>
                 <a:latin typeface="Calibri"/>
                 <a:cs typeface="Calibri"/>
               </a:rPr>
-              <a:t>년 </a:t>
-            </a:r>
-            <a:r>
-              <a:rPr lang="en-US" altLang="ko-KR" kern="0" spc="-50" dirty="0">
+              <a:t>+ </a:t>
+            </a:r>
+            <a:r>
+              <a:rPr lang="ko-KR" altLang="en-US" kern="0" spc="-50" dirty="0">
                 <a:solidFill>
                   <a:sysClr val="windowText" lastClr="000000"/>
                 </a:solidFill>
                 <a:latin typeface="Calibri"/>
                 <a:cs typeface="Calibri"/>
               </a:rPr>
-              <a:t>(</a:t>
-            </a:r>
-            <a:r>
-              <a:rPr lang="ko-KR" altLang="en-US" kern="0" spc="-50" dirty="0">
+              <a:t>예측 대상 지역의 </a:t>
+            </a:r>
+            <a:r>
+              <a:rPr lang="en-US" altLang="ko-KR" kern="0" spc="-50" dirty="0">
                 <a:solidFill>
                   <a:sysClr val="windowText" lastClr="000000"/>
                 </a:solidFill>
                 <a:latin typeface="Calibri"/>
                 <a:cs typeface="Calibri"/>
               </a:rPr>
-              <a:t>서울</a:t>
-            </a:r>
-            <a:r>
-              <a:rPr lang="en-US" altLang="ko-KR" kern="0" spc="-50" dirty="0">
+              <a:t>1</a:t>
+            </a:r>
+            <a:r>
+              <a:rPr lang="ko-KR" altLang="en-US" kern="0" spc="-50" dirty="0">
                 <a:solidFill>
                   <a:sysClr val="windowText" lastClr="000000"/>
                 </a:solidFill>
                 <a:latin typeface="Calibri"/>
                 <a:cs typeface="Calibri"/>
               </a:rPr>
-              <a:t>, </a:t>
-            </a:r>
-            <a:r>
-              <a:rPr lang="ko-KR" altLang="en-US" kern="0" spc="-50" dirty="0">
-                <a:solidFill>
-                  <a:sysClr val="windowText" lastClr="000000"/>
-                </a:solidFill>
-                <a:latin typeface="Calibri"/>
-                <a:cs typeface="Calibri"/>
-              </a:rPr>
-              <a:t>부산</a:t>
-            </a:r>
-            <a:r>
-              <a:rPr lang="en-US" altLang="ko-KR" kern="0" spc="-50" dirty="0">
-                <a:solidFill>
-                  <a:sysClr val="windowText" lastClr="000000"/>
-                </a:solidFill>
-                <a:latin typeface="Calibri"/>
-                <a:cs typeface="Calibri"/>
-              </a:rPr>
-              <a:t>, </a:t>
-            </a:r>
-            <a:r>
-              <a:rPr lang="ko-KR" altLang="en-US" kern="0" spc="-50" dirty="0">
-                <a:solidFill>
-                  <a:sysClr val="windowText" lastClr="000000"/>
-                </a:solidFill>
-                <a:latin typeface="Calibri"/>
-                <a:cs typeface="Calibri"/>
-              </a:rPr>
-              <a:t>대구</a:t>
-            </a:r>
-            <a:r>
-              <a:rPr lang="en-US" altLang="ko-KR" kern="0" spc="-50" dirty="0">
-                <a:solidFill>
-                  <a:sysClr val="windowText" lastClr="000000"/>
-                </a:solidFill>
-                <a:latin typeface="Calibri"/>
-                <a:cs typeface="Calibri"/>
-              </a:rPr>
-              <a:t>, </a:t>
-            </a:r>
-            <a:r>
-              <a:rPr lang="ko-KR" altLang="en-US" kern="0" spc="-50" dirty="0">
-                <a:solidFill>
-                  <a:sysClr val="windowText" lastClr="000000"/>
-                </a:solidFill>
-                <a:latin typeface="Calibri"/>
-                <a:cs typeface="Calibri"/>
-              </a:rPr>
-              <a:t>인천</a:t>
-            </a:r>
-            <a:r>
-              <a:rPr lang="en-US" altLang="ko-KR" kern="0" spc="-50" dirty="0">
-                <a:solidFill>
-                  <a:sysClr val="windowText" lastClr="000000"/>
-                </a:solidFill>
-                <a:latin typeface="Calibri"/>
-                <a:cs typeface="Calibri"/>
-              </a:rPr>
-              <a:t>, </a:t>
-            </a:r>
-            <a:r>
-              <a:rPr lang="ko-KR" altLang="en-US" kern="0" spc="-50" dirty="0">
-                <a:solidFill>
-                  <a:sysClr val="windowText" lastClr="000000"/>
-                </a:solidFill>
-                <a:latin typeface="Calibri"/>
-                <a:cs typeface="Calibri"/>
-              </a:rPr>
-              <a:t>광주</a:t>
-            </a:r>
-            <a:r>
-              <a:rPr lang="en-US" altLang="ko-KR" kern="0" spc="-50" dirty="0">
-                <a:solidFill>
-                  <a:sysClr val="windowText" lastClr="000000"/>
-                </a:solidFill>
-                <a:latin typeface="Calibri"/>
-                <a:cs typeface="Calibri"/>
-              </a:rPr>
-              <a:t>) </a:t>
-            </a:r>
-            <a:r>
-              <a:rPr lang="ko-KR" altLang="en-US" kern="0" spc="-50" dirty="0">
-                <a:solidFill>
-                  <a:sysClr val="windowText" lastClr="000000"/>
-                </a:solidFill>
-                <a:latin typeface="Calibri"/>
-                <a:cs typeface="Calibri"/>
-              </a:rPr>
-              <a:t>데이터 </a:t>
-            </a:r>
-            <a:r>
-              <a:rPr lang="en-US" altLang="ko-KR" kern="0" spc="-50" dirty="0">
-                <a:solidFill>
-                  <a:sysClr val="windowText" lastClr="000000"/>
-                </a:solidFill>
-                <a:latin typeface="Calibri"/>
-                <a:cs typeface="Calibri"/>
-              </a:rPr>
-              <a:t>+ 2020</a:t>
-            </a:r>
-            <a:r>
-              <a:rPr lang="ko-KR" altLang="en-US" kern="0" spc="-50" dirty="0">
-                <a:solidFill>
-                  <a:sysClr val="windowText" lastClr="000000"/>
-                </a:solidFill>
-                <a:latin typeface="Calibri"/>
-                <a:cs typeface="Calibri"/>
-              </a:rPr>
-              <a:t>년 </a:t>
-            </a:r>
-            <a:r>
-              <a:rPr lang="en-US" altLang="ko-KR" kern="0" spc="-50" dirty="0">
-                <a:solidFill>
-                  <a:sysClr val="windowText" lastClr="000000"/>
-                </a:solidFill>
-                <a:latin typeface="Calibri"/>
-                <a:cs typeface="Calibri"/>
-              </a:rPr>
-              <a:t>2</a:t>
-            </a:r>
-            <a:r>
-              <a:rPr lang="ko-KR" altLang="en-US" kern="0" spc="-50" dirty="0">
-                <a:solidFill>
-                  <a:sysClr val="windowText" lastClr="000000"/>
-                </a:solidFill>
-                <a:latin typeface="Calibri"/>
-                <a:cs typeface="Calibri"/>
-              </a:rPr>
-              <a:t>월 </a:t>
-            </a:r>
-            <a:r>
-              <a:rPr lang="en-US" altLang="ko-KR" kern="0" spc="-50" dirty="0">
-                <a:solidFill>
-                  <a:sysClr val="windowText" lastClr="000000"/>
-                </a:solidFill>
-                <a:latin typeface="Calibri"/>
-                <a:cs typeface="Calibri"/>
-              </a:rPr>
-              <a:t>28</a:t>
-            </a:r>
-            <a:r>
-              <a:rPr lang="ko-KR" altLang="en-US" kern="0" spc="-50" dirty="0">
-                <a:solidFill>
-                  <a:sysClr val="windowText" lastClr="000000"/>
-                </a:solidFill>
-                <a:latin typeface="Calibri"/>
-                <a:cs typeface="Calibri"/>
-              </a:rPr>
-              <a:t>일 오전 </a:t>
-            </a:r>
-            <a:r>
-              <a:rPr lang="en-US" altLang="ko-KR" kern="0" spc="-50" dirty="0">
-                <a:solidFill>
-                  <a:sysClr val="windowText" lastClr="000000"/>
-                </a:solidFill>
-                <a:latin typeface="Calibri"/>
-                <a:cs typeface="Calibri"/>
-              </a:rPr>
-              <a:t>8</a:t>
-            </a:r>
-            <a:r>
-              <a:rPr lang="ko-KR" altLang="en-US" kern="0" spc="-50" dirty="0">
-                <a:solidFill>
-                  <a:sysClr val="windowText" lastClr="000000"/>
-                </a:solidFill>
-                <a:latin typeface="Calibri"/>
-                <a:cs typeface="Calibri"/>
-              </a:rPr>
-              <a:t>시</a:t>
-            </a:r>
-            <a:r>
-              <a:rPr lang="en-US" altLang="ko-KR" kern="0" spc="-50" dirty="0">
-                <a:solidFill>
-                  <a:sysClr val="windowText" lastClr="000000"/>
-                </a:solidFill>
-                <a:latin typeface="Calibri"/>
-                <a:cs typeface="Calibri"/>
-              </a:rPr>
-              <a:t>~</a:t>
-            </a:r>
-            <a:r>
-              <a:rPr lang="ko-KR" altLang="en-US" kern="0" spc="-50" dirty="0">
-                <a:solidFill>
-                  <a:sysClr val="windowText" lastClr="000000"/>
-                </a:solidFill>
-                <a:latin typeface="Calibri"/>
-                <a:cs typeface="Calibri"/>
-              </a:rPr>
-              <a:t>오후 </a:t>
-            </a:r>
-            <a:r>
-              <a:rPr lang="en-US" altLang="ko-KR" kern="0" spc="-50" dirty="0">
-                <a:solidFill>
-                  <a:sysClr val="windowText" lastClr="000000"/>
-                </a:solidFill>
-                <a:latin typeface="Calibri"/>
-                <a:cs typeface="Calibri"/>
-              </a:rPr>
-              <a:t>6</a:t>
-            </a:r>
-            <a:r>
-              <a:rPr lang="ko-KR" altLang="en-US" kern="0" spc="-50" dirty="0">
-                <a:solidFill>
-                  <a:sysClr val="windowText" lastClr="000000"/>
-                </a:solidFill>
-                <a:latin typeface="Calibri"/>
-                <a:cs typeface="Calibri"/>
-              </a:rPr>
-              <a:t>시까지 </a:t>
-            </a:r>
-            <a:r>
-              <a:rPr lang="en-US" altLang="ko-KR" kern="0" spc="-50" dirty="0">
-                <a:solidFill>
-                  <a:sysClr val="windowText" lastClr="000000"/>
-                </a:solidFill>
-                <a:latin typeface="Calibri"/>
-                <a:cs typeface="Calibri"/>
-              </a:rPr>
-              <a:t>(</a:t>
-            </a:r>
-            <a:r>
-              <a:rPr lang="ko-KR" altLang="en-US" kern="0" spc="-50" dirty="0">
-                <a:solidFill>
-                  <a:sysClr val="windowText" lastClr="000000"/>
-                </a:solidFill>
-                <a:latin typeface="Calibri"/>
-                <a:cs typeface="Calibri"/>
-              </a:rPr>
-              <a:t>대전</a:t>
-            </a:r>
-            <a:r>
-              <a:rPr lang="en-US" altLang="ko-KR" kern="0" spc="-50" dirty="0">
-                <a:solidFill>
-                  <a:sysClr val="windowText" lastClr="000000"/>
-                </a:solidFill>
-                <a:latin typeface="Calibri"/>
-                <a:cs typeface="Calibri"/>
-              </a:rPr>
-              <a:t>)</a:t>
-            </a:r>
-            <a:r>
-              <a:rPr lang="ko-KR" altLang="en-US" kern="0" spc="-50" dirty="0">
-                <a:solidFill>
-                  <a:sysClr val="windowText" lastClr="000000"/>
-                </a:solidFill>
-                <a:latin typeface="Calibri"/>
-                <a:cs typeface="Calibri"/>
-              </a:rPr>
-              <a:t> 데이터를 사용</a:t>
+              <a:t> 년치 데이터 셋을 결합해 학습 데이터 셋을 구성</a:t>
             </a:r>
             <a:endParaRPr lang="en-US" altLang="ko-KR" kern="0" spc="-50" dirty="0">
               <a:solidFill>
@@ -4547,14 +4659,70 @@
               <a:cs typeface="Calibri"/>
             </a:endParaRPr>
           </a:p>
+          <a:p>
+            <a:pPr marL="12700" latinLnBrk="0">
+              <a:spcBef>
+                <a:spcPts val="695"/>
+              </a:spcBef>
+              <a:tabLst>
+                <a:tab pos="240665" algn="l"/>
+              </a:tabLst>
+            </a:pPr>
+            <a:r>
+              <a:rPr lang="ko-KR" altLang="en-US" kern="0" spc="-50" dirty="0">
+                <a:solidFill>
+                  <a:sysClr val="windowText" lastClr="000000"/>
+                </a:solidFill>
+                <a:latin typeface="Calibri"/>
+                <a:cs typeface="Calibri"/>
+              </a:rPr>
+              <a:t> </a:t>
+            </a:r>
+            <a:endParaRPr lang="en-US" altLang="ko-KR" kern="0" spc="-50" dirty="0">
+              <a:solidFill>
+                <a:sysClr val="windowText" lastClr="000000"/>
+              </a:solidFill>
+              <a:latin typeface="Calibri"/>
+              <a:cs typeface="Calibri"/>
+            </a:endParaRPr>
+          </a:p>
         </p:txBody>
       </p:sp>
+      <p:pic>
+        <p:nvPicPr>
+          <p:cNvPr id="10" name="그림 9">
+            <a:extLst>
+              <a:ext uri="{FF2B5EF4-FFF2-40B4-BE49-F238E27FC236}">
+                <a16:creationId xmlns:a16="http://schemas.microsoft.com/office/drawing/2014/main" id="{F01F0147-7E99-430A-BE8A-08C8C8B5C47B}"/>
+              </a:ext>
+            </a:extLst>
+          </p:cNvPr>
+          <p:cNvPicPr>
+            <a:picLocks noChangeAspect="1"/>
+          </p:cNvPicPr>
+          <p:nvPr/>
+        </p:nvPicPr>
+        <p:blipFill rotWithShape="1">
+          <a:blip r:embed="rId2"/>
+          <a:srcRect b="12612"/>
+          <a:stretch/>
+        </p:blipFill>
+        <p:spPr>
+          <a:xfrm>
+            <a:off x="3105047" y="2608710"/>
+            <a:ext cx="6066529" cy="3504346"/>
+          </a:xfrm>
+          <a:prstGeom prst="rect">
+            <a:avLst/>
+          </a:prstGeom>
+        </p:spPr>
+      </p:pic>
       <p:sp>
         <p:nvSpPr>
-          <p:cNvPr id="9" name="직사각형 8">
-            <a:extLst>
-              <a:ext uri="{FF2B5EF4-FFF2-40B4-BE49-F238E27FC236}">
-                <a16:creationId xmlns:a16="http://schemas.microsoft.com/office/drawing/2014/main" id="{01F9D0B5-0903-456D-905A-778BBFF7C77A}"/>
+          <p:cNvPr id="11" name="직사각형 10">
+            <a:extLst>
+              <a:ext uri="{FF2B5EF4-FFF2-40B4-BE49-F238E27FC236}">
+                <a16:creationId xmlns:a16="http://schemas.microsoft.com/office/drawing/2014/main" id="{335F2A5E-66AF-49FF-B6C0-2C81B4E1E460}"/>
               </a:ext>
             </a:extLst>
           </p:cNvPr>
@@ -4563,8 +4731,8 @@
         </p:nvSpPr>
         <p:spPr>
           <a:xfrm>
-            <a:off x="10354048" y="644301"/>
-            <a:ext cx="1430002" cy="276999"/>
+            <a:off x="9036771" y="401503"/>
+            <a:ext cx="2947481" cy="551433"/>
           </a:xfrm>
           <a:prstGeom prst="rect">
             <a:avLst/>
@@ -4602,7 +4770,7 @@
                 <a:latin typeface="Calibri"/>
                 <a:cs typeface="Calibri"/>
               </a:rPr>
-              <a:t>수집 단위 </a:t>
+              <a:t>학습 지역</a:t>
             </a:r>
             <a:r>
               <a:rPr lang="en-US" altLang="ko-KR" sz="1200" kern="0" spc="-50" dirty="0">
@@ -4612,7 +4780,7 @@
                 <a:latin typeface="Calibri"/>
                 <a:cs typeface="Calibri"/>
               </a:rPr>
-              <a:t>: 1</a:t>
+              <a:t>:  </a:t>
             </a:r>
             <a:r>
               <a:rPr lang="ko-KR" altLang="en-US" sz="1200" kern="0" spc="-50" dirty="0">
@@ -4622,7 +4790,87 @@
                 <a:latin typeface="Calibri"/>
                 <a:cs typeface="Calibri"/>
               </a:rPr>
-              <a:t>시간 </a:t>
+              <a:t>서울</a:t>
+            </a:r>
+            <a:r>
+              <a:rPr lang="en-US" altLang="ko-KR" sz="1200" kern="0" spc="-50" dirty="0">
+                <a:solidFill>
+                  <a:sysClr val="windowText" lastClr="000000"/>
+                </a:solidFill>
+                <a:latin typeface="Calibri"/>
+                <a:cs typeface="Calibri"/>
+              </a:rPr>
+              <a:t>, </a:t>
+            </a:r>
+            <a:r>
+              <a:rPr lang="ko-KR" altLang="en-US" sz="1200" kern="0" spc="-50" dirty="0">
+                <a:solidFill>
+                  <a:sysClr val="windowText" lastClr="000000"/>
+                </a:solidFill>
+                <a:latin typeface="Calibri"/>
+                <a:cs typeface="Calibri"/>
+              </a:rPr>
+              <a:t>부산</a:t>
+            </a:r>
+            <a:r>
+              <a:rPr lang="en-US" altLang="ko-KR" sz="1200" kern="0" spc="-50" dirty="0">
+                <a:solidFill>
+                  <a:sysClr val="windowText" lastClr="000000"/>
+                </a:solidFill>
+                <a:latin typeface="Calibri"/>
+                <a:cs typeface="Calibri"/>
+              </a:rPr>
+              <a:t>, </a:t>
+            </a:r>
+            <a:r>
+              <a:rPr lang="ko-KR" altLang="en-US" sz="1200" kern="0" spc="-50" dirty="0">
+                <a:solidFill>
+                  <a:sysClr val="windowText" lastClr="000000"/>
+                </a:solidFill>
+                <a:latin typeface="Calibri"/>
+                <a:cs typeface="Calibri"/>
+              </a:rPr>
+              <a:t>대구</a:t>
+            </a:r>
+            <a:r>
+              <a:rPr lang="en-US" altLang="ko-KR" sz="1200" kern="0" spc="-50" dirty="0">
+                <a:solidFill>
+                  <a:sysClr val="windowText" lastClr="000000"/>
+                </a:solidFill>
+                <a:latin typeface="Calibri"/>
+                <a:cs typeface="Calibri"/>
+              </a:rPr>
+              <a:t>, </a:t>
+            </a:r>
+            <a:r>
+              <a:rPr lang="ko-KR" altLang="en-US" sz="1200" kern="0" spc="-50" dirty="0">
+                <a:solidFill>
+                  <a:sysClr val="windowText" lastClr="000000"/>
+                </a:solidFill>
+                <a:latin typeface="Calibri"/>
+                <a:cs typeface="Calibri"/>
+              </a:rPr>
+              <a:t>인천</a:t>
+            </a:r>
+            <a:r>
+              <a:rPr lang="en-US" altLang="ko-KR" sz="1200" kern="0" spc="-50" dirty="0">
+                <a:solidFill>
+                  <a:sysClr val="windowText" lastClr="000000"/>
+                </a:solidFill>
+                <a:latin typeface="Calibri"/>
+                <a:cs typeface="Calibri"/>
+              </a:rPr>
+              <a:t>, </a:t>
+            </a:r>
+            <a:r>
+              <a:rPr lang="ko-KR" altLang="en-US" sz="1200" kern="0" spc="-50" dirty="0">
+                <a:solidFill>
+                  <a:sysClr val="windowText" lastClr="000000"/>
+                </a:solidFill>
+                <a:latin typeface="Calibri"/>
+                <a:cs typeface="Calibri"/>
+              </a:rPr>
+              <a:t>광주</a:t>
             </a:r>
             <a:endParaRPr lang="en-US" altLang="ko-KR" sz="1200" kern="0" spc="-50" dirty="0">
               <a:solidFill>
@@ -4632,14 +4880,71 @@
               <a:cs typeface="Calibri"/>
             </a:endParaRPr>
           </a:p>
+          <a:p>
+            <a:pPr marL="12700" latinLnBrk="0">
+              <a:spcBef>
+                <a:spcPts val="695"/>
+              </a:spcBef>
+              <a:tabLst>
+                <a:tab pos="240665" algn="l"/>
+              </a:tabLst>
+            </a:pPr>
+            <a:r>
+              <a:rPr lang="en-US" altLang="ko-KR" sz="1200" kern="0" spc="-50" dirty="0">
+                <a:solidFill>
+                  <a:sysClr val="windowText" lastClr="000000"/>
+                </a:solidFill>
+                <a:latin typeface="Calibri"/>
+                <a:cs typeface="Calibri"/>
+              </a:rPr>
+              <a:t>* </a:t>
+            </a:r>
+            <a:r>
+              <a:rPr lang="ko-KR" altLang="en-US" sz="1200" kern="0" spc="-50" dirty="0">
+                <a:solidFill>
+                  <a:sysClr val="windowText" lastClr="000000"/>
+                </a:solidFill>
+                <a:latin typeface="Calibri"/>
+                <a:cs typeface="Calibri"/>
+              </a:rPr>
+              <a:t>예측 지역 </a:t>
+            </a:r>
+            <a:r>
+              <a:rPr lang="en-US" altLang="ko-KR" sz="1200" kern="0" spc="-50" dirty="0">
+                <a:solidFill>
+                  <a:sysClr val="windowText" lastClr="000000"/>
+                </a:solidFill>
+                <a:latin typeface="Calibri"/>
+                <a:cs typeface="Calibri"/>
+              </a:rPr>
+              <a:t>: </a:t>
+            </a:r>
+            <a:r>
+              <a:rPr lang="ko-KR" altLang="en-US" sz="1200" kern="0" spc="-50" dirty="0">
+                <a:solidFill>
+                  <a:sysClr val="windowText" lastClr="000000"/>
+                </a:solidFill>
+                <a:latin typeface="Calibri"/>
+                <a:cs typeface="Calibri"/>
+              </a:rPr>
+              <a:t>대전</a:t>
+            </a:r>
+            <a:endParaRPr lang="en-US" altLang="ko-KR" sz="1200" kern="0" spc="-50" dirty="0">
+              <a:solidFill>
+                <a:sysClr val="windowText" lastClr="000000"/>
+              </a:solidFill>
+              <a:latin typeface="Calibri"/>
+              <a:cs typeface="Calibri"/>
+            </a:endParaRPr>
+          </a:p>
         </p:txBody>
       </p:sp>
       <p:grpSp>
         <p:nvGrpSpPr>
-          <p:cNvPr id="10" name="그룹 9">
-            <a:extLst>
-              <a:ext uri="{FF2B5EF4-FFF2-40B4-BE49-F238E27FC236}">
-                <a16:creationId xmlns:a16="http://schemas.microsoft.com/office/drawing/2014/main" id="{44687AFC-8C0E-4232-8F5E-FC79411B00AC}"/>
+          <p:cNvPr id="12" name="그룹 11">
+            <a:extLst>
+              <a:ext uri="{FF2B5EF4-FFF2-40B4-BE49-F238E27FC236}">
+                <a16:creationId xmlns:a16="http://schemas.microsoft.com/office/drawing/2014/main" id="{69A03454-59BD-4D91-98B6-E4A07A575B96}"/>
               </a:ext>
             </a:extLst>
           </p:cNvPr>
@@ -4656,10 +4961,10 @@
         </p:grpSpPr>
         <p:pic>
           <p:nvPicPr>
-            <p:cNvPr id="11" name="그림 10">
+            <p:cNvPr id="13" name="그림 12">
               <a:extLst>
                 <a:ext uri="{FF2B5EF4-FFF2-40B4-BE49-F238E27FC236}">
-                  <a16:creationId xmlns:a16="http://schemas.microsoft.com/office/drawing/2014/main" id="{33992F27-9FF3-4BD4-B717-E666388E2413}"/>
+                  <a16:creationId xmlns:a16="http://schemas.microsoft.com/office/drawing/2014/main" id="{2A944B4D-367A-4D10-A6B4-49EBC050AA29}"/>
                 </a:ext>
               </a:extLst>
             </p:cNvPr>
@@ -4691,10 +4996,10 @@
         </p:pic>
         <p:pic>
           <p:nvPicPr>
-            <p:cNvPr id="12" name="그림 11">
+            <p:cNvPr id="14" name="그림 13">
               <a:extLst>
                 <a:ext uri="{FF2B5EF4-FFF2-40B4-BE49-F238E27FC236}">
-                  <a16:creationId xmlns:a16="http://schemas.microsoft.com/office/drawing/2014/main" id="{960250D2-431D-4B42-BE6C-DB5F6242BA0F}"/>
+                  <a16:creationId xmlns:a16="http://schemas.microsoft.com/office/drawing/2014/main" id="{FC4B0508-80C0-4FFE-90B4-7E66E11A74B4}"/>
                 </a:ext>
               </a:extLst>
             </p:cNvPr>
@@ -4729,7 +5034,7 @@
     </p:spTree>
     <p:extLst>
       <p:ext uri="{BB962C8B-B14F-4D97-AF65-F5344CB8AC3E}">
-        <p14:creationId xmlns:p14="http://schemas.microsoft.com/office/powerpoint/2010/main" val="2646122123"/>
+        <p14:creationId xmlns:p14="http://schemas.microsoft.com/office/powerpoint/2010/main" val="2953433111"/>
       </p:ext>
     </p:extLst>
   </p:cSld>
@@ -4758,10 +5063,10 @@
       </p:grpSpPr>
       <p:sp>
         <p:nvSpPr>
-          <p:cNvPr id="9" name="object 2">
-            <a:extLst>
-              <a:ext uri="{FF2B5EF4-FFF2-40B4-BE49-F238E27FC236}">
-                <a16:creationId xmlns:a16="http://schemas.microsoft.com/office/drawing/2014/main" id="{6D7BD600-30F6-4170-B80C-852A785CE1AD}"/>
+          <p:cNvPr id="15" name="object 2">
+            <a:extLst>
+              <a:ext uri="{FF2B5EF4-FFF2-40B4-BE49-F238E27FC236}">
+                <a16:creationId xmlns:a16="http://schemas.microsoft.com/office/drawing/2014/main" id="{63B42C9C-96BB-4869-81D8-DBA87F4A50BB}"/>
               </a:ext>
             </a:extLst>
           </p:cNvPr>
@@ -4851,10 +5156,87 @@
       </p:sp>
       <p:sp>
         <p:nvSpPr>
-          <p:cNvPr id="10" name="object 6">
-            <a:extLst>
-              <a:ext uri="{FF2B5EF4-FFF2-40B4-BE49-F238E27FC236}">
-                <a16:creationId xmlns:a16="http://schemas.microsoft.com/office/drawing/2014/main" id="{8B966E05-EAAB-445B-8CC8-46645EBDF559}"/>
+          <p:cNvPr id="16" name="object 3">
+            <a:extLst>
+              <a:ext uri="{FF2B5EF4-FFF2-40B4-BE49-F238E27FC236}">
+                <a16:creationId xmlns:a16="http://schemas.microsoft.com/office/drawing/2014/main" id="{A8C33617-DDF9-46C2-AA54-1B67BF5470A7}"/>
+              </a:ext>
+            </a:extLst>
+          </p:cNvPr>
+          <p:cNvSpPr txBox="1"/>
+          <p:nvPr/>
+        </p:nvSpPr>
+        <p:spPr>
+          <a:xfrm>
+            <a:off x="508990" y="1263396"/>
+            <a:ext cx="11014075" cy="425116"/>
+          </a:xfrm>
+          <a:prstGeom prst="rect">
+            <a:avLst/>
+          </a:prstGeom>
+        </p:spPr>
+        <p:txBody>
+          <a:bodyPr vert="horz" wrap="square" lIns="0" tIns="116205" rIns="0" bIns="0" rtlCol="0">
+            <a:spAutoFit/>
+          </a:bodyPr>
+          <a:lstStyle/>
+          <a:p>
+            <a:pPr marL="12700" latinLnBrk="0">
+              <a:spcBef>
+                <a:spcPts val="915"/>
+              </a:spcBef>
+            </a:pPr>
+            <a:r>
+              <a:rPr lang="en-US" altLang="ko-KR" sz="2000" b="1" kern="0" dirty="0">
+                <a:solidFill>
+                  <a:sysClr val="windowText" lastClr="000000"/>
+                </a:solidFill>
+                <a:cs typeface="Malgun Gothic"/>
+              </a:rPr>
+              <a:t>[2</a:t>
+            </a:r>
+            <a:r>
+              <a:rPr lang="ko-KR" altLang="en-US" sz="2000" b="1" kern="0" dirty="0">
+                <a:solidFill>
+                  <a:sysClr val="windowText" lastClr="000000"/>
+                </a:solidFill>
+                <a:cs typeface="Malgun Gothic"/>
+              </a:rPr>
+              <a:t>단계</a:t>
+            </a:r>
+            <a:r>
+              <a:rPr lang="en-US" altLang="ko-KR" sz="2000" b="1" kern="0" dirty="0">
+                <a:solidFill>
+                  <a:sysClr val="windowText" lastClr="000000"/>
+                </a:solidFill>
+                <a:cs typeface="Malgun Gothic"/>
+              </a:rPr>
+              <a:t>] </a:t>
+            </a:r>
+            <a:r>
+              <a:rPr lang="ko-KR" altLang="en-US" sz="2000" b="1" kern="0" dirty="0">
+                <a:solidFill>
+                  <a:sysClr val="windowText" lastClr="000000"/>
+                </a:solidFill>
+                <a:cs typeface="Malgun Gothic"/>
+              </a:rPr>
+              <a:t>전이 학습을 이용한 다단계 일사량 예측 방식 </a:t>
+            </a:r>
+            <a:endParaRPr sz="2000" kern="0" dirty="0">
+              <a:solidFill>
+                <a:sysClr val="windowText" lastClr="000000"/>
+              </a:solidFill>
+              <a:cs typeface="Malgun Gothic"/>
+            </a:endParaRPr>
+          </a:p>
+        </p:txBody>
+      </p:sp>
+      <p:sp>
+        <p:nvSpPr>
+          <p:cNvPr id="19" name="object 6">
+            <a:extLst>
+              <a:ext uri="{FF2B5EF4-FFF2-40B4-BE49-F238E27FC236}">
+                <a16:creationId xmlns:a16="http://schemas.microsoft.com/office/drawing/2014/main" id="{C73C25E3-E198-4627-994A-E730949EA465}"/>
               </a:ext>
             </a:extLst>
           </p:cNvPr>
@@ -4934,6 +5316,908 @@
       </p:sp>
       <p:sp>
         <p:nvSpPr>
+          <p:cNvPr id="8" name="직사각형 7"/>
+          <p:cNvSpPr/>
+          <p:nvPr/>
+        </p:nvSpPr>
+        <p:spPr>
+          <a:xfrm>
+            <a:off x="492575" y="1769352"/>
+            <a:ext cx="11291475" cy="1013098"/>
+          </a:xfrm>
+          <a:prstGeom prst="rect">
+            <a:avLst/>
+          </a:prstGeom>
+        </p:spPr>
+        <p:txBody>
+          <a:bodyPr wrap="square">
+            <a:spAutoFit/>
+          </a:bodyPr>
+          <a:lstStyle/>
+          <a:p>
+            <a:pPr marL="298450" indent="-285750" latinLnBrk="0">
+              <a:spcBef>
+                <a:spcPts val="695"/>
+              </a:spcBef>
+              <a:buFontTx/>
+              <a:buChar char="-"/>
+              <a:tabLst>
+                <a:tab pos="240665" algn="l"/>
+              </a:tabLst>
+            </a:pPr>
+            <a:r>
+              <a:rPr lang="ko-KR" altLang="en-US" kern="0" spc="-50" dirty="0">
+                <a:solidFill>
+                  <a:sysClr val="windowText" lastClr="000000"/>
+                </a:solidFill>
+                <a:latin typeface="Calibri"/>
+                <a:cs typeface="Calibri"/>
+              </a:rPr>
+              <a:t>예를 들어</a:t>
+            </a:r>
+            <a:r>
+              <a:rPr lang="en-US" altLang="ko-KR" kern="0" spc="-50" dirty="0">
+                <a:solidFill>
+                  <a:sysClr val="windowText" lastClr="000000"/>
+                </a:solidFill>
+                <a:latin typeface="Calibri"/>
+                <a:cs typeface="Calibri"/>
+              </a:rPr>
+              <a:t> 2020</a:t>
+            </a:r>
+            <a:r>
+              <a:rPr lang="ko-KR" altLang="en-US" kern="0" spc="-50" dirty="0">
+                <a:solidFill>
+                  <a:sysClr val="windowText" lastClr="000000"/>
+                </a:solidFill>
+                <a:latin typeface="Calibri"/>
+                <a:cs typeface="Calibri"/>
+              </a:rPr>
+              <a:t>년 </a:t>
+            </a:r>
+            <a:r>
+              <a:rPr lang="en-US" altLang="ko-KR" kern="0" spc="-50" dirty="0">
+                <a:solidFill>
+                  <a:sysClr val="windowText" lastClr="000000"/>
+                </a:solidFill>
+                <a:latin typeface="Calibri"/>
+                <a:cs typeface="Calibri"/>
+              </a:rPr>
+              <a:t>3</a:t>
+            </a:r>
+            <a:r>
+              <a:rPr lang="ko-KR" altLang="en-US" kern="0" spc="-50" dirty="0">
+                <a:solidFill>
+                  <a:sysClr val="windowText" lastClr="000000"/>
+                </a:solidFill>
+                <a:latin typeface="Calibri"/>
+                <a:cs typeface="Calibri"/>
+              </a:rPr>
+              <a:t>월 </a:t>
+            </a:r>
+            <a:r>
+              <a:rPr lang="en-US" altLang="ko-KR" kern="0" spc="-50" dirty="0">
+                <a:solidFill>
+                  <a:sysClr val="windowText" lastClr="000000"/>
+                </a:solidFill>
+                <a:latin typeface="Calibri"/>
+                <a:cs typeface="Calibri"/>
+              </a:rPr>
+              <a:t>1</a:t>
+            </a:r>
+            <a:r>
+              <a:rPr lang="ko-KR" altLang="en-US" kern="0" spc="-50" dirty="0">
+                <a:solidFill>
+                  <a:sysClr val="windowText" lastClr="000000"/>
+                </a:solidFill>
+                <a:latin typeface="Calibri"/>
+                <a:cs typeface="Calibri"/>
+              </a:rPr>
+              <a:t>일 오전 </a:t>
+            </a:r>
+            <a:r>
+              <a:rPr lang="en-US" altLang="ko-KR" kern="0" spc="-50" dirty="0">
+                <a:solidFill>
+                  <a:sysClr val="windowText" lastClr="000000"/>
+                </a:solidFill>
+                <a:latin typeface="Calibri"/>
+                <a:cs typeface="Calibri"/>
+              </a:rPr>
+              <a:t>8</a:t>
+            </a:r>
+            <a:r>
+              <a:rPr lang="ko-KR" altLang="en-US" kern="0" spc="-50" dirty="0">
+                <a:solidFill>
+                  <a:sysClr val="windowText" lastClr="000000"/>
+                </a:solidFill>
+                <a:latin typeface="Calibri"/>
+                <a:cs typeface="Calibri"/>
+              </a:rPr>
+              <a:t>시부터 오후 </a:t>
+            </a:r>
+            <a:r>
+              <a:rPr lang="en-US" altLang="ko-KR" kern="0" spc="-50" dirty="0">
+                <a:solidFill>
+                  <a:sysClr val="windowText" lastClr="000000"/>
+                </a:solidFill>
+                <a:latin typeface="Calibri"/>
+                <a:cs typeface="Calibri"/>
+              </a:rPr>
+              <a:t>6</a:t>
+            </a:r>
+            <a:r>
+              <a:rPr lang="ko-KR" altLang="en-US" kern="0" spc="-50" dirty="0">
+                <a:solidFill>
+                  <a:sysClr val="windowText" lastClr="000000"/>
+                </a:solidFill>
+                <a:latin typeface="Calibri"/>
+                <a:cs typeface="Calibri"/>
+              </a:rPr>
+              <a:t>시까지 일사량을 예측하고 싶음</a:t>
+            </a:r>
+            <a:endParaRPr lang="en-US" altLang="ko-KR" kern="0" spc="-50" dirty="0">
+              <a:solidFill>
+                <a:sysClr val="windowText" lastClr="000000"/>
+              </a:solidFill>
+              <a:latin typeface="Calibri"/>
+              <a:cs typeface="Calibri"/>
+            </a:endParaRPr>
+          </a:p>
+          <a:p>
+            <a:pPr marL="298450" indent="-285750" latinLnBrk="0">
+              <a:spcBef>
+                <a:spcPts val="695"/>
+              </a:spcBef>
+              <a:buFontTx/>
+              <a:buChar char="-"/>
+              <a:tabLst>
+                <a:tab pos="240665" algn="l"/>
+              </a:tabLst>
+            </a:pPr>
+            <a:r>
+              <a:rPr lang="en-US" altLang="ko-KR" kern="0" spc="-50" dirty="0">
+                <a:solidFill>
+                  <a:sysClr val="windowText" lastClr="000000"/>
+                </a:solidFill>
+                <a:latin typeface="Calibri"/>
+                <a:cs typeface="Calibri"/>
+              </a:rPr>
+              <a:t>2016</a:t>
+            </a:r>
+            <a:r>
+              <a:rPr lang="ko-KR" altLang="en-US" kern="0" spc="-50" dirty="0">
+                <a:solidFill>
+                  <a:sysClr val="windowText" lastClr="000000"/>
+                </a:solidFill>
+                <a:latin typeface="Calibri"/>
+                <a:cs typeface="Calibri"/>
+              </a:rPr>
+              <a:t>년 </a:t>
+            </a:r>
+            <a:r>
+              <a:rPr lang="en-US" altLang="ko-KR" kern="0" spc="-50" dirty="0">
+                <a:solidFill>
+                  <a:sysClr val="windowText" lastClr="000000"/>
+                </a:solidFill>
+                <a:latin typeface="Calibri"/>
+                <a:cs typeface="Calibri"/>
+              </a:rPr>
+              <a:t>~ 2019</a:t>
+            </a:r>
+            <a:r>
+              <a:rPr lang="ko-KR" altLang="en-US" kern="0" spc="-50" dirty="0">
+                <a:solidFill>
+                  <a:sysClr val="windowText" lastClr="000000"/>
+                </a:solidFill>
+                <a:latin typeface="Calibri"/>
+                <a:cs typeface="Calibri"/>
+              </a:rPr>
+              <a:t>년 </a:t>
+            </a:r>
+            <a:r>
+              <a:rPr lang="en-US" altLang="ko-KR" kern="0" spc="-50" dirty="0">
+                <a:solidFill>
+                  <a:sysClr val="windowText" lastClr="000000"/>
+                </a:solidFill>
+                <a:latin typeface="Calibri"/>
+                <a:cs typeface="Calibri"/>
+              </a:rPr>
+              <a:t>(</a:t>
+            </a:r>
+            <a:r>
+              <a:rPr lang="ko-KR" altLang="en-US" kern="0" spc="-50" dirty="0">
+                <a:solidFill>
+                  <a:sysClr val="windowText" lastClr="000000"/>
+                </a:solidFill>
+                <a:latin typeface="Calibri"/>
+                <a:cs typeface="Calibri"/>
+              </a:rPr>
+              <a:t>서울</a:t>
+            </a:r>
+            <a:r>
+              <a:rPr lang="en-US" altLang="ko-KR" kern="0" spc="-50" dirty="0">
+                <a:solidFill>
+                  <a:sysClr val="windowText" lastClr="000000"/>
+                </a:solidFill>
+                <a:latin typeface="Calibri"/>
+                <a:cs typeface="Calibri"/>
+              </a:rPr>
+              <a:t>, </a:t>
+            </a:r>
+            <a:r>
+              <a:rPr lang="ko-KR" altLang="en-US" kern="0" spc="-50" dirty="0">
+                <a:solidFill>
+                  <a:sysClr val="windowText" lastClr="000000"/>
+                </a:solidFill>
+                <a:latin typeface="Calibri"/>
+                <a:cs typeface="Calibri"/>
+              </a:rPr>
+              <a:t>부산</a:t>
+            </a:r>
+            <a:r>
+              <a:rPr lang="en-US" altLang="ko-KR" kern="0" spc="-50" dirty="0">
+                <a:solidFill>
+                  <a:sysClr val="windowText" lastClr="000000"/>
+                </a:solidFill>
+                <a:latin typeface="Calibri"/>
+                <a:cs typeface="Calibri"/>
+              </a:rPr>
+              <a:t>, </a:t>
+            </a:r>
+            <a:r>
+              <a:rPr lang="ko-KR" altLang="en-US" kern="0" spc="-50" dirty="0">
+                <a:solidFill>
+                  <a:sysClr val="windowText" lastClr="000000"/>
+                </a:solidFill>
+                <a:latin typeface="Calibri"/>
+                <a:cs typeface="Calibri"/>
+              </a:rPr>
+              <a:t>대구</a:t>
+            </a:r>
+            <a:r>
+              <a:rPr lang="en-US" altLang="ko-KR" kern="0" spc="-50" dirty="0">
+                <a:solidFill>
+                  <a:sysClr val="windowText" lastClr="000000"/>
+                </a:solidFill>
+                <a:latin typeface="Calibri"/>
+                <a:cs typeface="Calibri"/>
+              </a:rPr>
+              <a:t>, </a:t>
+            </a:r>
+            <a:r>
+              <a:rPr lang="ko-KR" altLang="en-US" kern="0" spc="-50" dirty="0">
+                <a:solidFill>
+                  <a:sysClr val="windowText" lastClr="000000"/>
+                </a:solidFill>
+                <a:latin typeface="Calibri"/>
+                <a:cs typeface="Calibri"/>
+              </a:rPr>
+              <a:t>인천</a:t>
+            </a:r>
+            <a:r>
+              <a:rPr lang="en-US" altLang="ko-KR" kern="0" spc="-50" dirty="0">
+                <a:solidFill>
+                  <a:sysClr val="windowText" lastClr="000000"/>
+                </a:solidFill>
+                <a:latin typeface="Calibri"/>
+                <a:cs typeface="Calibri"/>
+              </a:rPr>
+              <a:t>, </a:t>
+            </a:r>
+            <a:r>
+              <a:rPr lang="ko-KR" altLang="en-US" kern="0" spc="-50" dirty="0">
+                <a:solidFill>
+                  <a:sysClr val="windowText" lastClr="000000"/>
+                </a:solidFill>
+                <a:latin typeface="Calibri"/>
+                <a:cs typeface="Calibri"/>
+              </a:rPr>
+              <a:t>광주</a:t>
+            </a:r>
+            <a:r>
+              <a:rPr lang="en-US" altLang="ko-KR" kern="0" spc="-50" dirty="0">
+                <a:solidFill>
+                  <a:sysClr val="windowText" lastClr="000000"/>
+                </a:solidFill>
+                <a:latin typeface="Calibri"/>
+                <a:cs typeface="Calibri"/>
+              </a:rPr>
+              <a:t>) </a:t>
+            </a:r>
+            <a:r>
+              <a:rPr lang="ko-KR" altLang="en-US" kern="0" spc="-50" dirty="0">
+                <a:solidFill>
+                  <a:sysClr val="windowText" lastClr="000000"/>
+                </a:solidFill>
+                <a:latin typeface="Calibri"/>
+                <a:cs typeface="Calibri"/>
+              </a:rPr>
+              <a:t>데이터 </a:t>
+            </a:r>
+            <a:r>
+              <a:rPr lang="en-US" altLang="ko-KR" kern="0" spc="-50" dirty="0">
+                <a:solidFill>
+                  <a:sysClr val="windowText" lastClr="000000"/>
+                </a:solidFill>
+                <a:latin typeface="Calibri"/>
+                <a:cs typeface="Calibri"/>
+              </a:rPr>
+              <a:t>+ 2020</a:t>
+            </a:r>
+            <a:r>
+              <a:rPr lang="ko-KR" altLang="en-US" kern="0" spc="-50" dirty="0">
+                <a:solidFill>
+                  <a:sysClr val="windowText" lastClr="000000"/>
+                </a:solidFill>
+                <a:latin typeface="Calibri"/>
+                <a:cs typeface="Calibri"/>
+              </a:rPr>
+              <a:t>년 </a:t>
+            </a:r>
+            <a:r>
+              <a:rPr lang="en-US" altLang="ko-KR" kern="0" spc="-50" dirty="0">
+                <a:solidFill>
+                  <a:sysClr val="windowText" lastClr="000000"/>
+                </a:solidFill>
+                <a:latin typeface="Calibri"/>
+                <a:cs typeface="Calibri"/>
+              </a:rPr>
+              <a:t>2</a:t>
+            </a:r>
+            <a:r>
+              <a:rPr lang="ko-KR" altLang="en-US" kern="0" spc="-50" dirty="0">
+                <a:solidFill>
+                  <a:sysClr val="windowText" lastClr="000000"/>
+                </a:solidFill>
+                <a:latin typeface="Calibri"/>
+                <a:cs typeface="Calibri"/>
+              </a:rPr>
+              <a:t>월 </a:t>
+            </a:r>
+            <a:r>
+              <a:rPr lang="en-US" altLang="ko-KR" kern="0" spc="-50" dirty="0">
+                <a:solidFill>
+                  <a:sysClr val="windowText" lastClr="000000"/>
+                </a:solidFill>
+                <a:latin typeface="Calibri"/>
+                <a:cs typeface="Calibri"/>
+              </a:rPr>
+              <a:t>28</a:t>
+            </a:r>
+            <a:r>
+              <a:rPr lang="ko-KR" altLang="en-US" kern="0" spc="-50" dirty="0">
+                <a:solidFill>
+                  <a:sysClr val="windowText" lastClr="000000"/>
+                </a:solidFill>
+                <a:latin typeface="Calibri"/>
+                <a:cs typeface="Calibri"/>
+              </a:rPr>
+              <a:t>일 오전 </a:t>
+            </a:r>
+            <a:r>
+              <a:rPr lang="en-US" altLang="ko-KR" kern="0" spc="-50" dirty="0">
+                <a:solidFill>
+                  <a:sysClr val="windowText" lastClr="000000"/>
+                </a:solidFill>
+                <a:latin typeface="Calibri"/>
+                <a:cs typeface="Calibri"/>
+              </a:rPr>
+              <a:t>8</a:t>
+            </a:r>
+            <a:r>
+              <a:rPr lang="ko-KR" altLang="en-US" kern="0" spc="-50" dirty="0">
+                <a:solidFill>
+                  <a:sysClr val="windowText" lastClr="000000"/>
+                </a:solidFill>
+                <a:latin typeface="Calibri"/>
+                <a:cs typeface="Calibri"/>
+              </a:rPr>
+              <a:t>시</a:t>
+            </a:r>
+            <a:r>
+              <a:rPr lang="en-US" altLang="ko-KR" kern="0" spc="-50" dirty="0">
+                <a:solidFill>
+                  <a:sysClr val="windowText" lastClr="000000"/>
+                </a:solidFill>
+                <a:latin typeface="Calibri"/>
+                <a:cs typeface="Calibri"/>
+              </a:rPr>
+              <a:t>~</a:t>
+            </a:r>
+            <a:r>
+              <a:rPr lang="ko-KR" altLang="en-US" kern="0" spc="-50" dirty="0">
+                <a:solidFill>
+                  <a:sysClr val="windowText" lastClr="000000"/>
+                </a:solidFill>
+                <a:latin typeface="Calibri"/>
+                <a:cs typeface="Calibri"/>
+              </a:rPr>
+              <a:t>오후 </a:t>
+            </a:r>
+            <a:r>
+              <a:rPr lang="en-US" altLang="ko-KR" kern="0" spc="-50" dirty="0">
+                <a:solidFill>
+                  <a:sysClr val="windowText" lastClr="000000"/>
+                </a:solidFill>
+                <a:latin typeface="Calibri"/>
+                <a:cs typeface="Calibri"/>
+              </a:rPr>
+              <a:t>6</a:t>
+            </a:r>
+            <a:r>
+              <a:rPr lang="ko-KR" altLang="en-US" kern="0" spc="-50" dirty="0">
+                <a:solidFill>
+                  <a:sysClr val="windowText" lastClr="000000"/>
+                </a:solidFill>
+                <a:latin typeface="Calibri"/>
+                <a:cs typeface="Calibri"/>
+              </a:rPr>
+              <a:t>시까지 </a:t>
+            </a:r>
+            <a:r>
+              <a:rPr lang="en-US" altLang="ko-KR" kern="0" spc="-50" dirty="0">
+                <a:solidFill>
+                  <a:sysClr val="windowText" lastClr="000000"/>
+                </a:solidFill>
+                <a:latin typeface="Calibri"/>
+                <a:cs typeface="Calibri"/>
+              </a:rPr>
+              <a:t>(</a:t>
+            </a:r>
+            <a:r>
+              <a:rPr lang="ko-KR" altLang="en-US" kern="0" spc="-50" dirty="0">
+                <a:solidFill>
+                  <a:sysClr val="windowText" lastClr="000000"/>
+                </a:solidFill>
+                <a:latin typeface="Calibri"/>
+                <a:cs typeface="Calibri"/>
+              </a:rPr>
+              <a:t>대전</a:t>
+            </a:r>
+            <a:r>
+              <a:rPr lang="en-US" altLang="ko-KR" kern="0" spc="-50" dirty="0">
+                <a:solidFill>
+                  <a:sysClr val="windowText" lastClr="000000"/>
+                </a:solidFill>
+                <a:latin typeface="Calibri"/>
+                <a:cs typeface="Calibri"/>
+              </a:rPr>
+              <a:t>)</a:t>
+            </a:r>
+            <a:r>
+              <a:rPr lang="ko-KR" altLang="en-US" kern="0" spc="-50" dirty="0">
+                <a:solidFill>
+                  <a:sysClr val="windowText" lastClr="000000"/>
+                </a:solidFill>
+                <a:latin typeface="Calibri"/>
+                <a:cs typeface="Calibri"/>
+              </a:rPr>
+              <a:t> 데이터를 사용</a:t>
+            </a:r>
+            <a:endParaRPr lang="en-US" altLang="ko-KR" kern="0" spc="-50" dirty="0">
+              <a:solidFill>
+                <a:sysClr val="windowText" lastClr="000000"/>
+              </a:solidFill>
+              <a:latin typeface="Calibri"/>
+              <a:cs typeface="Calibri"/>
+            </a:endParaRPr>
+          </a:p>
+        </p:txBody>
+      </p:sp>
+      <p:sp>
+        <p:nvSpPr>
+          <p:cNvPr id="9" name="직사각형 8">
+            <a:extLst>
+              <a:ext uri="{FF2B5EF4-FFF2-40B4-BE49-F238E27FC236}">
+                <a16:creationId xmlns:a16="http://schemas.microsoft.com/office/drawing/2014/main" id="{01F9D0B5-0903-456D-905A-778BBFF7C77A}"/>
+              </a:ext>
+            </a:extLst>
+          </p:cNvPr>
+          <p:cNvSpPr/>
+          <p:nvPr/>
+        </p:nvSpPr>
+        <p:spPr>
+          <a:xfrm>
+            <a:off x="10354048" y="644301"/>
+            <a:ext cx="1430002" cy="276999"/>
+          </a:xfrm>
+          <a:prstGeom prst="rect">
+            <a:avLst/>
+          </a:prstGeom>
+        </p:spPr>
+        <p:txBody>
+          <a:bodyPr wrap="square">
+            <a:spAutoFit/>
+          </a:bodyPr>
+          <a:lstStyle/>
+          <a:p>
+            <a:pPr marL="12700" latinLnBrk="0">
+              <a:spcBef>
+                <a:spcPts val="695"/>
+              </a:spcBef>
+              <a:tabLst>
+                <a:tab pos="240665" algn="l"/>
+              </a:tabLst>
+            </a:pPr>
+            <a:r>
+              <a:rPr lang="en-US" altLang="ko-KR" sz="1200" kern="0" spc="-50" dirty="0">
+                <a:solidFill>
+                  <a:sysClr val="windowText" lastClr="000000"/>
+                </a:solidFill>
+                <a:latin typeface="Calibri"/>
+                <a:cs typeface="Calibri"/>
+              </a:rPr>
+              <a:t>* </a:t>
+            </a:r>
+            <a:r>
+              <a:rPr lang="ko-KR" altLang="en-US" sz="1200" kern="0" spc="-50" dirty="0">
+                <a:solidFill>
+                  <a:sysClr val="windowText" lastClr="000000"/>
+                </a:solidFill>
+                <a:latin typeface="Calibri"/>
+                <a:cs typeface="Calibri"/>
+              </a:rPr>
+              <a:t>수집 단위 </a:t>
+            </a:r>
+            <a:r>
+              <a:rPr lang="en-US" altLang="ko-KR" sz="1200" kern="0" spc="-50" dirty="0">
+                <a:solidFill>
+                  <a:sysClr val="windowText" lastClr="000000"/>
+                </a:solidFill>
+                <a:latin typeface="Calibri"/>
+                <a:cs typeface="Calibri"/>
+              </a:rPr>
+              <a:t>: 1</a:t>
+            </a:r>
+            <a:r>
+              <a:rPr lang="ko-KR" altLang="en-US" sz="1200" kern="0" spc="-50" dirty="0">
+                <a:solidFill>
+                  <a:sysClr val="windowText" lastClr="000000"/>
+                </a:solidFill>
+                <a:latin typeface="Calibri"/>
+                <a:cs typeface="Calibri"/>
+              </a:rPr>
+              <a:t>시간 </a:t>
+            </a:r>
+            <a:endParaRPr lang="en-US" altLang="ko-KR" sz="1200" kern="0" spc="-50" dirty="0">
+              <a:solidFill>
+                <a:sysClr val="windowText" lastClr="000000"/>
+              </a:solidFill>
+              <a:latin typeface="Calibri"/>
+              <a:cs typeface="Calibri"/>
+            </a:endParaRPr>
+          </a:p>
+        </p:txBody>
+      </p:sp>
+      <p:grpSp>
+        <p:nvGrpSpPr>
+          <p:cNvPr id="10" name="그룹 9">
+            <a:extLst>
+              <a:ext uri="{FF2B5EF4-FFF2-40B4-BE49-F238E27FC236}">
+                <a16:creationId xmlns:a16="http://schemas.microsoft.com/office/drawing/2014/main" id="{44687AFC-8C0E-4232-8F5E-FC79411B00AC}"/>
+              </a:ext>
+            </a:extLst>
+          </p:cNvPr>
+          <p:cNvGrpSpPr/>
+          <p:nvPr/>
+        </p:nvGrpSpPr>
+        <p:grpSpPr>
+          <a:xfrm>
+            <a:off x="9250532" y="6219306"/>
+            <a:ext cx="2776842" cy="457642"/>
+            <a:chOff x="8473734" y="6091284"/>
+            <a:chExt cx="3553640" cy="585664"/>
+          </a:xfrm>
+        </p:grpSpPr>
+        <p:pic>
+          <p:nvPicPr>
+            <p:cNvPr id="11" name="그림 10">
+              <a:extLst>
+                <a:ext uri="{FF2B5EF4-FFF2-40B4-BE49-F238E27FC236}">
+                  <a16:creationId xmlns:a16="http://schemas.microsoft.com/office/drawing/2014/main" id="{33992F27-9FF3-4BD4-B717-E666388E2413}"/>
+                </a:ext>
+              </a:extLst>
+            </p:cNvPr>
+            <p:cNvPicPr>
+              <a:picLocks noChangeAspect="1"/>
+            </p:cNvPicPr>
+            <p:nvPr/>
+          </p:nvPicPr>
+          <p:blipFill rotWithShape="1">
+            <a:blip r:embed="rId2">
+              <a:extLst>
+                <a:ext uri="{28A0092B-C50C-407E-A947-70E740481C1C}">
+                  <a14:useLocalDpi xmlns:a14="http://schemas.microsoft.com/office/drawing/2010/main" val="0"/>
+                </a:ext>
+              </a:extLst>
+            </a:blip>
+            <a:srcRect l="74535" t="3851" r="5686" b="50143"/>
+            <a:stretch/>
+          </p:blipFill>
+          <p:spPr>
+            <a:xfrm>
+              <a:off x="8473734" y="6091284"/>
+              <a:ext cx="1353669" cy="585664"/>
+            </a:xfrm>
+            <a:prstGeom prst="rect">
+              <a:avLst/>
+            </a:prstGeom>
+          </p:spPr>
+        </p:pic>
+        <p:pic>
+          <p:nvPicPr>
+            <p:cNvPr id="12" name="그림 11">
+              <a:extLst>
+                <a:ext uri="{FF2B5EF4-FFF2-40B4-BE49-F238E27FC236}">
+                  <a16:creationId xmlns:a16="http://schemas.microsoft.com/office/drawing/2014/main" id="{960250D2-431D-4B42-BE6C-DB5F6242BA0F}"/>
+                </a:ext>
+              </a:extLst>
+            </p:cNvPr>
+            <p:cNvPicPr>
+              <a:picLocks noChangeAspect="1"/>
+            </p:cNvPicPr>
+            <p:nvPr/>
+          </p:nvPicPr>
+          <p:blipFill>
+            <a:blip r:embed="rId3" cstate="hqprint">
+              <a:extLst>
+                <a:ext uri="{28A0092B-C50C-407E-A947-70E740481C1C}">
+                  <a14:useLocalDpi xmlns:a14="http://schemas.microsoft.com/office/drawing/2010/main" val="0"/>
+                </a:ext>
+              </a:extLst>
+            </a:blip>
+            <a:stretch>
+              <a:fillRect/>
+            </a:stretch>
+          </p:blipFill>
+          <p:spPr>
+            <a:xfrm>
+              <a:off x="9827403" y="6172124"/>
+              <a:ext cx="2199971" cy="423985"/>
+            </a:xfrm>
+            <a:prstGeom prst="rect">
+              <a:avLst/>
+            </a:prstGeom>
+          </p:spPr>
+        </p:pic>
+      </p:grpSp>
+      <p:pic>
+        <p:nvPicPr>
+          <p:cNvPr id="13" name="그림 12">
+            <a:extLst>
+              <a:ext uri="{FF2B5EF4-FFF2-40B4-BE49-F238E27FC236}">
+                <a16:creationId xmlns:a16="http://schemas.microsoft.com/office/drawing/2014/main" id="{E435B2D4-3A9E-426B-BBAC-17A5EA8A097F}"/>
+              </a:ext>
+            </a:extLst>
+          </p:cNvPr>
+          <p:cNvPicPr>
+            <a:picLocks noChangeAspect="1"/>
+          </p:cNvPicPr>
+          <p:nvPr/>
+        </p:nvPicPr>
+        <p:blipFill rotWithShape="1">
+          <a:blip r:embed="rId4"/>
+          <a:srcRect b="12612"/>
+          <a:stretch/>
+        </p:blipFill>
+        <p:spPr>
+          <a:xfrm>
+            <a:off x="3105047" y="2608710"/>
+            <a:ext cx="6066529" cy="3504346"/>
+          </a:xfrm>
+          <a:prstGeom prst="rect">
+            <a:avLst/>
+          </a:prstGeom>
+        </p:spPr>
+      </p:pic>
+    </p:spTree>
+    <p:extLst>
+      <p:ext uri="{BB962C8B-B14F-4D97-AF65-F5344CB8AC3E}">
+        <p14:creationId xmlns:p14="http://schemas.microsoft.com/office/powerpoint/2010/main" val="2646122123"/>
+      </p:ext>
+    </p:extLst>
+  </p:cSld>
+  <p:clrMapOvr>
+    <a:masterClrMapping/>
+  </p:clrMapOvr>
+</p:sld>
+</file>
+
+<file path=ppt/slides/slide12.xml><?xml version="1.0" encoding="utf-8"?>
+<p:sld xmlns:a="http://schemas.openxmlformats.org/drawingml/2006/main" xmlns:r="http://schemas.openxmlformats.org/officeDocument/2006/relationships" xmlns:p="http://schemas.openxmlformats.org/presentationml/2006/main">
+  <p:cSld>
+    <p:spTree>
+      <p:nvGrpSpPr>
+        <p:cNvPr id="1" name=""/>
+        <p:cNvGrpSpPr/>
+        <p:nvPr/>
+      </p:nvGrpSpPr>
+      <p:grpSpPr>
+        <a:xfrm>
+          <a:off x="0" y="0"/>
+          <a:ext cx="0" cy="0"/>
+          <a:chOff x="0" y="0"/>
+          <a:chExt cx="0" cy="0"/>
+        </a:xfrm>
+      </p:grpSpPr>
+      <p:sp>
+        <p:nvSpPr>
+          <p:cNvPr id="9" name="object 2">
+            <a:extLst>
+              <a:ext uri="{FF2B5EF4-FFF2-40B4-BE49-F238E27FC236}">
+                <a16:creationId xmlns:a16="http://schemas.microsoft.com/office/drawing/2014/main" id="{6D7BD600-30F6-4170-B80C-852A785CE1AD}"/>
+              </a:ext>
+            </a:extLst>
+          </p:cNvPr>
+          <p:cNvSpPr txBox="1">
+            <a:spLocks/>
+          </p:cNvSpPr>
+          <p:nvPr/>
+        </p:nvSpPr>
+        <p:spPr>
+          <a:xfrm>
+            <a:off x="492575" y="391668"/>
+            <a:ext cx="3965125" cy="505267"/>
+          </a:xfrm>
+          <a:prstGeom prst="rect">
+            <a:avLst/>
+          </a:prstGeom>
+        </p:spPr>
+        <p:txBody>
+          <a:bodyPr vert="horz" wrap="square" lIns="0" tIns="12700" rIns="0" bIns="0" rtlCol="0">
+            <a:spAutoFit/>
+          </a:bodyPr>
+          <a:lstStyle>
+            <a:lvl1pPr>
+              <a:defRPr sz="3600" b="1" i="0">
+                <a:solidFill>
+                  <a:schemeClr val="tx1"/>
+                </a:solidFill>
+                <a:latin typeface="Malgun Gothic"/>
+                <a:ea typeface="+mj-ea"/>
+                <a:cs typeface="Malgun Gothic"/>
+              </a:defRPr>
+            </a:lvl1pPr>
+          </a:lstStyle>
+          <a:p>
+            <a:pPr marL="12700" marR="0" lvl="0" indent="0" defTabSz="914400" eaLnBrk="1" fontAlgn="auto" latinLnBrk="0" hangingPunct="1">
+              <a:lnSpc>
+                <a:spcPct val="100000"/>
+              </a:lnSpc>
+              <a:spcBef>
+                <a:spcPts val="100"/>
+              </a:spcBef>
+              <a:spcAft>
+                <a:spcPts val="0"/>
+              </a:spcAft>
+              <a:buClrTx/>
+              <a:buSzTx/>
+              <a:buFontTx/>
+              <a:buNone/>
+              <a:tabLst>
+                <a:tab pos="967740" algn="l"/>
+              </a:tabLst>
+              <a:defRPr/>
+            </a:pPr>
+            <a:r>
+              <a:rPr lang="ko-KR" altLang="en-US" sz="3200" kern="0" spc="-25" dirty="0">
+                <a:solidFill>
+                  <a:srgbClr val="001F60"/>
+                </a:solidFill>
+                <a:ea typeface="맑은 고딕" panose="020B0503020000020004" pitchFamily="50" charset="-127"/>
+              </a:rPr>
+              <a:t>일사량 </a:t>
+            </a:r>
+            <a:r>
+              <a:rPr lang="ko-KR" altLang="en-US" sz="3200" kern="0" spc="-25">
+                <a:solidFill>
+                  <a:srgbClr val="001F60"/>
+                </a:solidFill>
+                <a:ea typeface="맑은 고딕" panose="020B0503020000020004" pitchFamily="50" charset="-127"/>
+              </a:rPr>
+              <a:t>예측 모델링</a:t>
+            </a:r>
+            <a:endParaRPr kumimoji="0" lang="ko-KR" altLang="en-US" sz="3200" b="1" i="0" u="none" strike="noStrike" kern="0" cap="none" spc="0" normalizeH="0" baseline="0" noProof="0" dirty="0">
+              <a:ln>
+                <a:noFill/>
+              </a:ln>
+              <a:solidFill>
+                <a:sysClr val="windowText" lastClr="000000"/>
+              </a:solidFill>
+              <a:effectLst/>
+              <a:uLnTx/>
+              <a:uFillTx/>
+              <a:latin typeface="Malgun Gothic"/>
+              <a:ea typeface="맑은 고딕" panose="020B0503020000020004" pitchFamily="50" charset="-127"/>
+            </a:endParaRPr>
+          </a:p>
+        </p:txBody>
+      </p:sp>
+      <p:sp>
+        <p:nvSpPr>
+          <p:cNvPr id="10" name="object 6">
+            <a:extLst>
+              <a:ext uri="{FF2B5EF4-FFF2-40B4-BE49-F238E27FC236}">
+                <a16:creationId xmlns:a16="http://schemas.microsoft.com/office/drawing/2014/main" id="{8B966E05-EAAB-445B-8CC8-46645EBDF559}"/>
+              </a:ext>
+            </a:extLst>
+          </p:cNvPr>
+          <p:cNvSpPr/>
+          <p:nvPr/>
+        </p:nvSpPr>
+        <p:spPr>
+          <a:xfrm>
+            <a:off x="430250" y="985061"/>
+            <a:ext cx="11353800" cy="45720"/>
+          </a:xfrm>
+          <a:custGeom>
+            <a:avLst/>
+            <a:gdLst/>
+            <a:ahLst/>
+            <a:cxnLst/>
+            <a:rect l="l" t="t" r="r" b="b"/>
+            <a:pathLst>
+              <a:path w="11353800" h="45719">
+                <a:moveTo>
+                  <a:pt x="11353800" y="0"/>
+                </a:moveTo>
+                <a:lnTo>
+                  <a:pt x="0" y="0"/>
+                </a:lnTo>
+                <a:lnTo>
+                  <a:pt x="0" y="45718"/>
+                </a:lnTo>
+                <a:lnTo>
+                  <a:pt x="11353800" y="45718"/>
+                </a:lnTo>
+                <a:lnTo>
+                  <a:pt x="11353800" y="0"/>
+                </a:lnTo>
+                <a:close/>
+              </a:path>
+            </a:pathLst>
+          </a:custGeom>
+          <a:solidFill>
+            <a:srgbClr val="0C3F8B"/>
+          </a:solidFill>
+        </p:spPr>
+        <p:txBody>
+          <a:bodyPr wrap="square" lIns="0" tIns="0" rIns="0" bIns="0" rtlCol="0"/>
+          <a:lstStyle/>
+          <a:p>
+            <a:pPr marL="0" marR="0" lvl="0" indent="0" defTabSz="914400" eaLnBrk="1" fontAlgn="auto" latinLnBrk="0" hangingPunct="1">
+              <a:lnSpc>
+                <a:spcPct val="100000"/>
+              </a:lnSpc>
+              <a:spcBef>
+                <a:spcPts val="0"/>
+              </a:spcBef>
+              <a:spcAft>
+                <a:spcPts val="0"/>
+              </a:spcAft>
+              <a:buClrTx/>
+              <a:buSzTx/>
+              <a:buFontTx/>
+              <a:buNone/>
+              <a:tabLst/>
+              <a:defRPr/>
+            </a:pPr>
+            <a:endParaRPr kumimoji="0" sz="1800" b="0" i="0" u="none" strike="noStrike" kern="0" cap="none" spc="0" normalizeH="0" baseline="0" noProof="0">
+              <a:ln>
+                <a:noFill/>
+              </a:ln>
+              <a:solidFill>
+                <a:sysClr val="windowText" lastClr="000000"/>
+              </a:solidFill>
+              <a:effectLst/>
+              <a:uLnTx/>
+              <a:uFillTx/>
+            </a:endParaRPr>
+          </a:p>
+        </p:txBody>
+      </p:sp>
+      <p:sp>
+        <p:nvSpPr>
           <p:cNvPr id="11" name="object 3">
             <a:extLst>
               <a:ext uri="{FF2B5EF4-FFF2-40B4-BE49-F238E27FC236}">
@@ -4959,12 +6243,10 @@
           </a:bodyPr>
           <a:lstStyle/>
           <a:p>
-            <a:pPr marL="355600" indent="-342900" latinLnBrk="0">
+            <a:pPr marL="12700" latinLnBrk="0">
               <a:spcBef>
                 <a:spcPts val="915"/>
               </a:spcBef>
-              <a:buFont typeface="Wingdings" panose="05000000000000000000" pitchFamily="2" charset="2"/>
-              <a:buChar char="§"/>
             </a:pPr>
             <a:r>
               <a:rPr lang="en-US" altLang="ko-KR" sz="2000" b="1" kern="0" dirty="0">
@@ -4973,7 +6255,7 @@
                 </a:solidFill>
                 <a:cs typeface="Malgun Gothic"/>
               </a:rPr>
-              <a:t>3</a:t>
+              <a:t>[3</a:t>
             </a:r>
             <a:r>
               <a:rPr lang="ko-KR" altLang="en-US" sz="2000" b="1" kern="0" dirty="0">
@@ -4991,7 +6273,7 @@
                 </a:solidFill>
                 <a:cs typeface="Malgun Gothic"/>
               </a:rPr>
-              <a:t>) Random Forest </a:t>
+              <a:t>] Random Forest </a:t>
             </a:r>
             <a:r>
               <a:rPr lang="ko-KR" altLang="en-US" sz="2000" b="1" kern="0" dirty="0">
@@ -5160,7 +6442,7 @@
         </p:nvGrpSpPr>
         <p:grpSpPr>
           <a:xfrm>
-            <a:off x="879512" y="3312188"/>
+            <a:off x="879512" y="3381130"/>
             <a:ext cx="10432975" cy="2622566"/>
             <a:chOff x="956052" y="3252674"/>
             <a:chExt cx="10432975" cy="2622566"/>
@@ -5366,7 +6648,7 @@
 </p:sld>
 </file>
 
-<file path=ppt/slides/slide12.xml><?xml version="1.0" encoding="utf-8"?>
+<file path=ppt/slides/slide13.xml><?xml version="1.0" encoding="utf-8"?>
 <p:sld xmlns:a="http://schemas.openxmlformats.org/drawingml/2006/main" xmlns:r="http://schemas.openxmlformats.org/officeDocument/2006/relationships" xmlns:p="http://schemas.openxmlformats.org/presentationml/2006/main">
   <p:cSld>
     <p:spTree>
@@ -5594,22 +6876,42 @@
                   <a:buChar char="§"/>
                 </a:pPr>
                 <a:r>
+                  <a:rPr lang="ko-KR" altLang="en-US" sz="2000" b="1" kern="0" dirty="0">
+                    <a:solidFill>
+                      <a:sysClr val="windowText" lastClr="000000"/>
+                    </a:solidFill>
+                    <a:cs typeface="Malgun Gothic"/>
+                  </a:rPr>
+                  <a:t>예측 정확성 평가 지표</a:t>
+                </a:r>
+                <a:r>
                   <a:rPr lang="ko-KR" altLang="en-US" sz="2000" kern="0" dirty="0">
                     <a:solidFill>
                       <a:sysClr val="windowText" lastClr="000000"/>
                     </a:solidFill>
                     <a:cs typeface="Malgun Gothic"/>
                   </a:rPr>
-                  <a:t>예측 정확성 평가 지표 </a:t>
+                  <a:t> </a:t>
                 </a:r>
                 <a:r>
-                  <a:rPr lang="en-US" altLang="ko-KR" sz="2000" kern="0" dirty="0">
+                  <a:rPr lang="en-US" altLang="ko-KR" sz="2000" b="1" kern="0" dirty="0">
                     <a:solidFill>
                       <a:sysClr val="windowText" lastClr="000000"/>
                     </a:solidFill>
                     <a:cs typeface="Malgun Gothic"/>
                   </a:rPr>
-                  <a:t>: RMSE(Root Mean Square Error)</a:t>
+                  <a:t>: </a:t>
+                </a:r>
+                <a:r>
+                  <a:rPr lang="en-US" altLang="ko-KR" sz="2000" b="1" kern="0" dirty="0">
+                    <a:solidFill>
+                      <a:sysClr val="windowText" lastClr="000000"/>
+                    </a:solidFill>
+                    <a:latin typeface="Cambria Math" panose="02040503050406030204" pitchFamily="18" charset="0"/>
+                    <a:ea typeface="Cambria Math" panose="02040503050406030204" pitchFamily="18" charset="0"/>
+                    <a:cs typeface="Malgun Gothic"/>
+                  </a:rPr>
+                  <a:t>RMSE(Root Mean Square Error)</a:t>
                 </a:r>
               </a:p>
               <a:p>
@@ -5625,7 +6927,7 @@
                     <m:sSub>
                       <m:sSubPr>
                         <m:ctrlPr>
-                          <a:rPr lang="en-US" altLang="ko-KR" sz="2000" i="1" kern="0" smtClean="0">
+                          <a:rPr lang="en-US" altLang="ko-KR" sz="2000" b="1" i="1" kern="0" smtClean="0">
                             <a:solidFill>
                               <a:sysClr val="windowText" lastClr="000000"/>
                             </a:solidFill>
@@ -5635,27 +6937,27 @@
                       </m:sSubPr>
                       <m:e>
                         <m:r>
-                          <a:rPr lang="en-US" altLang="ko-KR" sz="2000" b="0" i="1" kern="0" smtClean="0">
+                          <a:rPr lang="en-US" altLang="ko-KR" sz="2000" b="1" i="1" kern="0" smtClean="0">
                             <a:solidFill>
                               <a:sysClr val="windowText" lastClr="000000"/>
                             </a:solidFill>
                             <a:latin typeface="Cambria Math" panose="02040503050406030204" pitchFamily="18" charset="0"/>
                           </a:rPr>
-                          <m:t>𝑦</m:t>
+                          <m:t>𝒚</m:t>
                         </m:r>
                       </m:e>
                       <m:sub>
                         <m:r>
-                          <a:rPr lang="en-US" altLang="ko-KR" sz="2000" b="0" i="1" kern="0" smtClean="0">
+                          <a:rPr lang="en-US" altLang="ko-KR" sz="2000" b="1" i="1" kern="0" smtClean="0">
                             <a:solidFill>
                               <a:sysClr val="windowText" lastClr="000000"/>
                             </a:solidFill>
                             <a:latin typeface="Cambria Math" panose="02040503050406030204" pitchFamily="18" charset="0"/>
                           </a:rPr>
-                          <m:t>𝑡</m:t>
+                          <m:t>𝒕</m:t>
                         </m:r>
                         <m:r>
-                          <a:rPr lang="en-US" altLang="ko-KR" sz="2000" b="0" i="1" kern="0" smtClean="0">
+                          <a:rPr lang="en-US" altLang="ko-KR" sz="2000" b="1" i="1" kern="0" smtClean="0">
                             <a:solidFill>
                               <a:sysClr val="windowText" lastClr="000000"/>
                             </a:solidFill>
@@ -5722,7 +7024,7 @@
                     <m:sSub>
                       <m:sSubPr>
                         <m:ctrlPr>
-                          <a:rPr lang="en-US" altLang="ko-KR" sz="2000" i="1" kern="0" smtClean="0">
+                          <a:rPr lang="en-US" altLang="ko-KR" sz="2000" b="1" i="1" kern="0" smtClean="0">
                             <a:solidFill>
                               <a:sysClr val="windowText" lastClr="000000"/>
                             </a:solidFill>
@@ -5732,16 +7034,16 @@
                       </m:sSubPr>
                       <m:e>
                         <m:r>
-                          <a:rPr lang="en-US" altLang="ko-KR" sz="2000" b="0" i="1" kern="0" smtClean="0">
+                          <a:rPr lang="en-US" altLang="ko-KR" sz="2000" b="1" i="1" kern="0" smtClean="0">
                             <a:solidFill>
                               <a:sysClr val="windowText" lastClr="000000"/>
                             </a:solidFill>
                             <a:latin typeface="Cambria Math" panose="02040503050406030204" pitchFamily="18" charset="0"/>
                           </a:rPr>
-                          <m:t>𝑓</m:t>
+                          <m:t>𝒇</m:t>
                         </m:r>
                         <m:r>
-                          <a:rPr lang="en-US" altLang="ko-KR" sz="2000" b="0" i="1" kern="0" smtClean="0">
+                          <a:rPr lang="en-US" altLang="ko-KR" sz="2000" b="1" i="1" kern="0" smtClean="0">
                             <a:solidFill>
                               <a:sysClr val="windowText" lastClr="000000"/>
                             </a:solidFill>
@@ -5750,16 +7052,16 @@
                           <m:t>(</m:t>
                         </m:r>
                         <m:r>
-                          <a:rPr lang="en-US" altLang="ko-KR" sz="2000" b="0" i="1" kern="0" smtClean="0">
+                          <a:rPr lang="en-US" altLang="ko-KR" sz="2000" b="1" i="1" kern="0" smtClean="0">
                             <a:solidFill>
                               <a:sysClr val="windowText" lastClr="000000"/>
                             </a:solidFill>
                             <a:latin typeface="Cambria Math" panose="02040503050406030204" pitchFamily="18" charset="0"/>
                           </a:rPr>
-                          <m:t>𝑥</m:t>
+                          <m:t>𝒙</m:t>
                         </m:r>
                         <m:r>
-                          <a:rPr lang="en-US" altLang="ko-KR" sz="2000" b="0" i="1" kern="0" smtClean="0">
+                          <a:rPr lang="en-US" altLang="ko-KR" sz="2000" b="1" i="1" kern="0" smtClean="0">
                             <a:solidFill>
                               <a:sysClr val="windowText" lastClr="000000"/>
                             </a:solidFill>
@@ -5770,13 +7072,13 @@
                       </m:e>
                       <m:sub>
                         <m:r>
-                          <a:rPr lang="en-US" altLang="ko-KR" sz="2000" b="0" i="1" kern="0" smtClean="0">
+                          <a:rPr lang="en-US" altLang="ko-KR" sz="2000" b="1" i="1" kern="0" smtClean="0">
                             <a:solidFill>
                               <a:sysClr val="windowText" lastClr="000000"/>
                             </a:solidFill>
                             <a:latin typeface="Cambria Math" panose="02040503050406030204" pitchFamily="18" charset="0"/>
                           </a:rPr>
-                          <m:t>𝑡</m:t>
+                          <m:t>𝒕</m:t>
                         </m:r>
                       </m:sub>
                     </m:sSub>
@@ -5893,8 +7195,8 @@
           </p:sp>
         </mc:Fallback>
       </mc:AlternateContent>
-      <mc:AlternateContent xmlns:mc="http://schemas.openxmlformats.org/markup-compatibility/2006">
-        <mc:Choice xmlns:a14="http://schemas.microsoft.com/office/drawing/2010/main" Requires="a14">
+      <mc:AlternateContent xmlns:mc="http://schemas.openxmlformats.org/markup-compatibility/2006" xmlns:a14="http://schemas.microsoft.com/office/drawing/2010/main">
+        <mc:Choice Requires="a14">
           <p:sp>
             <p:nvSpPr>
               <p:cNvPr id="8" name="object 3">
@@ -5963,7 +7265,7 @@
                         <a:solidFill>
                           <a:sysClr val="windowText" lastClr="000000"/>
                         </a:solidFill>
-                        <a:latin typeface="+mj-lt"/>
+                        <a:latin typeface="Cambria Math" panose="02040503050406030204" pitchFamily="18" charset="0"/>
                       </a:rPr>
                       <m:t>활</m:t>
                     </m:r>
@@ -6006,7 +7308,7 @@
             </p:txBody>
           </p:sp>
         </mc:Choice>
-        <mc:Fallback>
+        <mc:Fallback xmlns="">
           <p:sp>
             <p:nvSpPr>
               <p:cNvPr id="8" name="object 3">
@@ -6051,8 +7353,8 @@
           </p:sp>
         </mc:Fallback>
       </mc:AlternateContent>
-      <mc:AlternateContent xmlns:mc="http://schemas.openxmlformats.org/markup-compatibility/2006">
-        <mc:Choice xmlns:a14="http://schemas.microsoft.com/office/drawing/2010/main" Requires="a14">
+      <mc:AlternateContent xmlns:mc="http://schemas.openxmlformats.org/markup-compatibility/2006" xmlns:a14="http://schemas.microsoft.com/office/drawing/2010/main">
+        <mc:Choice Requires="a14">
           <p:sp>
             <p:nvSpPr>
               <p:cNvPr id="12" name="TextBox 11">
@@ -6287,7 +7589,7 @@
             </p:txBody>
           </p:sp>
         </mc:Choice>
-        <mc:Fallback>
+        <mc:Fallback xmlns="">
           <p:sp>
             <p:nvSpPr>
               <p:cNvPr id="12" name="TextBox 11">
@@ -6437,7 +7739,7 @@
 </p:sld>
 </file>
 
-<file path=ppt/slides/slide13.xml><?xml version="1.0" encoding="utf-8"?>
+<file path=ppt/slides/slide14.xml><?xml version="1.0" encoding="utf-8"?>
 <p:sld xmlns:a="http://schemas.openxmlformats.org/drawingml/2006/main" xmlns:r="http://schemas.openxmlformats.org/officeDocument/2006/relationships" xmlns:p="http://schemas.openxmlformats.org/presentationml/2006/main">
   <p:cSld>
     <p:spTree>
@@ -6815,7 +8117,7 @@
 </p:sld>
 </file>
 
-<file path=ppt/slides/slide14.xml><?xml version="1.0" encoding="utf-8"?>
+<file path=ppt/slides/slide15.xml><?xml version="1.0" encoding="utf-8"?>
 <p:sld xmlns:a="http://schemas.openxmlformats.org/drawingml/2006/main" xmlns:r="http://schemas.openxmlformats.org/officeDocument/2006/relationships" xmlns:p="http://schemas.openxmlformats.org/presentationml/2006/main">
   <p:cSld>
     <p:spTree>
@@ -7205,7 +8507,7 @@
 </p:sld>
 </file>
 
-<file path=ppt/slides/slide15.xml><?xml version="1.0" encoding="utf-8"?>
+<file path=ppt/slides/slide16.xml><?xml version="1.0" encoding="utf-8"?>
 <p:sld xmlns:a="http://schemas.openxmlformats.org/drawingml/2006/main" xmlns:r="http://schemas.openxmlformats.org/officeDocument/2006/relationships" xmlns:p="http://schemas.openxmlformats.org/presentationml/2006/main">
   <p:cSld>
     <p:spTree>
@@ -7714,7 +9016,7 @@
               <a:buAutoNum type="arabicPeriod"/>
             </a:pPr>
             <a:r>
-              <a:rPr lang="ko-KR" altLang="en-US" sz="2000" b="1" kern="0" dirty="0">
+              <a:rPr lang="ko-KR" altLang="en-US" sz="2000" kern="0" dirty="0">
                 <a:solidFill>
                   <a:sysClr val="windowText" lastClr="000000"/>
                 </a:solidFill>
@@ -7722,7 +9024,7 @@
               </a:rPr>
               <a:t>연구 배경</a:t>
             </a:r>
-            <a:endParaRPr lang="en-US" altLang="ko-KR" sz="2000" b="1" kern="0" dirty="0">
+            <a:endParaRPr lang="en-US" altLang="ko-KR" sz="2000" kern="0" dirty="0">
               <a:solidFill>
                 <a:sysClr val="windowText" lastClr="000000"/>
               </a:solidFill>
@@ -7738,7 +9040,7 @@
               <a:buAutoNum type="arabicPeriod"/>
             </a:pPr>
             <a:r>
-              <a:rPr lang="ko-KR" altLang="en-US" sz="2000" b="1" kern="0" dirty="0">
+              <a:rPr lang="ko-KR" altLang="en-US" sz="2000" kern="0" dirty="0">
                 <a:solidFill>
                   <a:sysClr val="windowText" lastClr="000000"/>
                 </a:solidFill>
@@ -7746,7 +9048,7 @@
               </a:rPr>
               <a:t>연구 목적</a:t>
             </a:r>
-            <a:endParaRPr lang="en-US" altLang="ko-KR" sz="2000" b="1" kern="0" dirty="0">
+            <a:endParaRPr lang="en-US" altLang="ko-KR" sz="2000" kern="0" dirty="0">
               <a:solidFill>
                 <a:sysClr val="windowText" lastClr="000000"/>
               </a:solidFill>
@@ -7762,7 +9064,7 @@
               <a:buAutoNum type="arabicPeriod"/>
             </a:pPr>
             <a:r>
-              <a:rPr lang="ko-KR" altLang="en-US" sz="2000" b="1" kern="0" dirty="0">
+              <a:rPr lang="ko-KR" altLang="en-US" sz="2000" kern="0" dirty="0">
                 <a:solidFill>
                   <a:sysClr val="windowText" lastClr="000000"/>
                 </a:solidFill>
@@ -7770,7 +9072,7 @@
               </a:rPr>
               <a:t>일사량 예측 모델링</a:t>
             </a:r>
-            <a:endParaRPr lang="en-US" altLang="ko-KR" sz="2000" b="1" kern="0" dirty="0">
+            <a:endParaRPr lang="en-US" altLang="ko-KR" sz="2000" kern="0" dirty="0">
               <a:solidFill>
                 <a:sysClr val="windowText" lastClr="000000"/>
               </a:solidFill>
@@ -7784,16 +9086,16 @@
               </a:spcBef>
             </a:pPr>
             <a:r>
-              <a:rPr lang="en-US" altLang="ko-KR" sz="2000" b="1" kern="0" dirty="0">
+              <a:rPr lang="en-US" altLang="ko-KR" sz="2000" kern="0" dirty="0">
                 <a:solidFill>
                   <a:sysClr val="windowText" lastClr="000000"/>
                 </a:solidFill>
                 <a:cs typeface="Malgun Gothic"/>
               </a:rPr>
-              <a:t>1</a:t>
-            </a:r>
-            <a:r>
-              <a:rPr lang="ko-KR" altLang="en-US" sz="2000" b="1" kern="0" dirty="0">
+              <a:t>[1</a:t>
+            </a:r>
+            <a:r>
+              <a:rPr lang="ko-KR" altLang="en-US" sz="2000" kern="0" dirty="0">
                 <a:solidFill>
                   <a:sysClr val="windowText" lastClr="000000"/>
                 </a:solidFill>
@@ -7802,16 +9104,16 @@
               <a:t>단계</a:t>
             </a:r>
             <a:r>
-              <a:rPr lang="en-US" altLang="ko-KR" sz="2000" b="1" kern="0" dirty="0">
+              <a:rPr lang="en-US" altLang="ko-KR" sz="2000" kern="0" dirty="0">
                 <a:solidFill>
                   <a:sysClr val="windowText" lastClr="000000"/>
                 </a:solidFill>
                 <a:cs typeface="Malgun Gothic"/>
               </a:rPr>
-              <a:t>) </a:t>
-            </a:r>
-            <a:r>
-              <a:rPr lang="ko-KR" altLang="en-US" sz="2000" b="1" kern="0" dirty="0">
+              <a:t>] </a:t>
+            </a:r>
+            <a:r>
+              <a:rPr lang="ko-KR" altLang="en-US" sz="2000" kern="0" dirty="0">
                 <a:solidFill>
                   <a:sysClr val="windowText" lastClr="000000"/>
                 </a:solidFill>
@@ -7819,7 +9121,7 @@
               </a:rPr>
               <a:t>예측 모델 학습을 위한 입력 변수 구성</a:t>
             </a:r>
-            <a:endParaRPr lang="en-US" altLang="ko-KR" sz="2000" b="1" kern="0" dirty="0">
+            <a:endParaRPr lang="en-US" altLang="ko-KR" sz="2000" kern="0" dirty="0">
               <a:solidFill>
                 <a:sysClr val="windowText" lastClr="000000"/>
               </a:solidFill>
@@ -7833,16 +9135,16 @@
               </a:spcBef>
             </a:pPr>
             <a:r>
-              <a:rPr lang="en-US" altLang="ko-KR" sz="2000" b="1" kern="0" dirty="0">
+              <a:rPr lang="en-US" altLang="ko-KR" sz="2000" kern="0" dirty="0">
                 <a:solidFill>
                   <a:sysClr val="windowText" lastClr="000000"/>
                 </a:solidFill>
                 <a:cs typeface="Malgun Gothic"/>
               </a:rPr>
-              <a:t>2</a:t>
-            </a:r>
-            <a:r>
-              <a:rPr lang="ko-KR" altLang="en-US" sz="2000" b="1" kern="0" dirty="0">
+              <a:t>[2</a:t>
+            </a:r>
+            <a:r>
+              <a:rPr lang="ko-KR" altLang="en-US" sz="2000" kern="0" dirty="0">
                 <a:solidFill>
                   <a:sysClr val="windowText" lastClr="000000"/>
                 </a:solidFill>
@@ -7851,16 +9153,16 @@
               <a:t>단계</a:t>
             </a:r>
             <a:r>
-              <a:rPr lang="en-US" altLang="ko-KR" sz="2000" b="1" kern="0" dirty="0">
+              <a:rPr lang="en-US" altLang="ko-KR" sz="2000" kern="0" dirty="0">
                 <a:solidFill>
                   <a:sysClr val="windowText" lastClr="000000"/>
                 </a:solidFill>
                 <a:cs typeface="Malgun Gothic"/>
               </a:rPr>
-              <a:t>) </a:t>
-            </a:r>
-            <a:r>
-              <a:rPr lang="ko-KR" altLang="en-US" sz="2000" b="1" kern="0" dirty="0">
+              <a:t>] </a:t>
+            </a:r>
+            <a:r>
+              <a:rPr lang="ko-KR" altLang="en-US" sz="2000" kern="0" dirty="0">
                 <a:solidFill>
                   <a:sysClr val="windowText" lastClr="000000"/>
                 </a:solidFill>
@@ -7868,7 +9170,7 @@
               </a:rPr>
               <a:t>전이 학습을 이용한 다단계 일사량 예측 방식</a:t>
             </a:r>
-            <a:endParaRPr lang="en-US" altLang="ko-KR" sz="2000" b="1" kern="0" dirty="0">
+            <a:endParaRPr lang="en-US" altLang="ko-KR" sz="2000" kern="0" dirty="0">
               <a:solidFill>
                 <a:sysClr val="windowText" lastClr="000000"/>
               </a:solidFill>
@@ -7882,34 +9184,34 @@
               </a:spcBef>
             </a:pPr>
             <a:r>
-              <a:rPr lang="en-US" altLang="ko-KR" sz="2000" b="1" kern="0" dirty="0">
+              <a:rPr lang="en-US" altLang="ko-KR" sz="2000" kern="0" dirty="0">
                 <a:solidFill>
                   <a:sysClr val="windowText" lastClr="000000"/>
                 </a:solidFill>
                 <a:cs typeface="Malgun Gothic"/>
               </a:rPr>
-              <a:t>3</a:t>
-            </a:r>
-            <a:r>
-              <a:rPr lang="ko-KR" altLang="en-US" sz="2000" b="1" kern="0" dirty="0">
+              <a:t>[3</a:t>
+            </a:r>
+            <a:r>
+              <a:rPr lang="ko-KR" altLang="en-US" sz="2000" kern="0" dirty="0">
                 <a:solidFill>
                   <a:sysClr val="windowText" lastClr="000000"/>
                 </a:solidFill>
                 <a:cs typeface="Malgun Gothic"/>
               </a:rPr>
-              <a:t>단계 </a:t>
-            </a:r>
-            <a:r>
-              <a:rPr lang="en-US" altLang="ko-KR" sz="2000" b="1" kern="0" dirty="0">
+              <a:t>단계</a:t>
+            </a:r>
+            <a:r>
+              <a:rPr lang="en-US" altLang="ko-KR" sz="2000" kern="0" dirty="0">
                 <a:solidFill>
                   <a:sysClr val="windowText" lastClr="000000"/>
                 </a:solidFill>
                 <a:cs typeface="Malgun Gothic"/>
               </a:rPr>
-              <a:t>) Random Forest </a:t>
-            </a:r>
-            <a:r>
-              <a:rPr lang="ko-KR" altLang="en-US" sz="2000" b="1" kern="0" dirty="0">
+              <a:t>] Random Forest </a:t>
+            </a:r>
+            <a:r>
+              <a:rPr lang="ko-KR" altLang="en-US" sz="2000" kern="0" dirty="0">
                 <a:solidFill>
                   <a:sysClr val="windowText" lastClr="000000"/>
                 </a:solidFill>
@@ -7917,7 +9219,7 @@
               </a:rPr>
               <a:t>기반의 일사량 예측 모델링</a:t>
             </a:r>
-            <a:endParaRPr lang="en-US" altLang="ko-KR" sz="2000" b="1" kern="0" dirty="0">
+            <a:endParaRPr lang="en-US" altLang="ko-KR" sz="2000" kern="0" dirty="0">
               <a:solidFill>
                 <a:sysClr val="windowText" lastClr="000000"/>
               </a:solidFill>
@@ -7933,7 +9235,7 @@
               <a:buAutoNum type="arabicPeriod"/>
             </a:pPr>
             <a:r>
-              <a:rPr lang="ko-KR" altLang="en-US" sz="2000" b="1" kern="0" dirty="0">
+              <a:rPr lang="ko-KR" altLang="en-US" sz="2000" kern="0" dirty="0">
                 <a:solidFill>
                   <a:sysClr val="windowText" lastClr="000000"/>
                 </a:solidFill>
@@ -7951,7 +9253,7 @@
               <a:buAutoNum type="arabicPeriod"/>
             </a:pPr>
             <a:r>
-              <a:rPr lang="ko-KR" altLang="en-US" sz="2000" b="1" kern="0" dirty="0">
+              <a:rPr lang="ko-KR" altLang="en-US" sz="2000" kern="0" dirty="0">
                 <a:solidFill>
                   <a:sysClr val="windowText" lastClr="000000"/>
                 </a:solidFill>
@@ -8372,7 +9674,7 @@
               <a:buChar char="§"/>
             </a:pPr>
             <a:r>
-              <a:rPr lang="ko-KR" altLang="en-US" sz="2000" b="1" kern="0" dirty="0">
+              <a:rPr lang="ko-KR" altLang="en-US" sz="2000" kern="0" dirty="0">
                 <a:solidFill>
                   <a:sysClr val="windowText" lastClr="000000"/>
                 </a:solidFill>
@@ -8381,7 +9683,7 @@
               <a:t>최근 정부에서는 온실가스 배출량을 줄이기 위해 신재생 에너지 발전의 중요성을 강조하면서 에너지원별 발전 비중을 점차 늘리고 있음</a:t>
             </a:r>
             <a:r>
-              <a:rPr lang="en-US" altLang="ko-KR" sz="2000" b="1" kern="0" dirty="0">
+              <a:rPr lang="en-US" altLang="ko-KR" sz="2000" kern="0" dirty="0">
                 <a:solidFill>
                   <a:sysClr val="windowText" lastClr="000000"/>
                 </a:solidFill>
@@ -8389,7 +9691,7 @@
               </a:rPr>
               <a:t> </a:t>
             </a:r>
-            <a:endParaRPr sz="2000" b="1" kern="0" dirty="0">
+            <a:endParaRPr sz="2000" kern="0" dirty="0">
               <a:solidFill>
                 <a:sysClr val="windowText" lastClr="000000"/>
               </a:solidFill>
@@ -8791,7 +10093,7 @@
               <a:buChar char="§"/>
             </a:pPr>
             <a:r>
-              <a:rPr lang="ko-KR" altLang="en-US" sz="2000" b="1" kern="0" dirty="0">
+              <a:rPr lang="ko-KR" altLang="en-US" sz="2000" kern="0" dirty="0">
                 <a:solidFill>
                   <a:sysClr val="windowText" lastClr="000000"/>
                 </a:solidFill>
@@ -8800,7 +10102,7 @@
               <a:t>특히 신재생 에너지 중에서도 태양광 발전 시스템은 </a:t>
             </a:r>
             <a:r>
-              <a:rPr lang="ko-KR" altLang="en-US" sz="2000" b="1" kern="0" dirty="0" err="1">
+              <a:rPr lang="ko-KR" altLang="en-US" sz="2000" kern="0" dirty="0" err="1">
                 <a:solidFill>
                   <a:sysClr val="windowText" lastClr="000000"/>
                 </a:solidFill>
@@ -8809,7 +10111,7 @@
               <a:t>자연친화적이며</a:t>
             </a:r>
             <a:r>
-              <a:rPr lang="en-US" altLang="ko-KR" sz="2000" b="1" kern="0" dirty="0">
+              <a:rPr lang="en-US" altLang="ko-KR" sz="2000" kern="0" dirty="0">
                 <a:solidFill>
                   <a:sysClr val="windowText" lastClr="000000"/>
                 </a:solidFill>
@@ -8818,7 +10120,7 @@
               <a:t>, </a:t>
             </a:r>
             <a:r>
-              <a:rPr lang="ko-KR" altLang="en-US" sz="2000" b="1" kern="0" dirty="0">
+              <a:rPr lang="ko-KR" altLang="en-US" sz="2000" kern="0" dirty="0">
                 <a:solidFill>
                   <a:sysClr val="windowText" lastClr="000000"/>
                 </a:solidFill>
@@ -8826,7 +10128,7 @@
               </a:rPr>
               <a:t>재생 가능한 에너지로 세계적으로 태양광 발전 시스템 설치가 증가되고 있음</a:t>
             </a:r>
-            <a:endParaRPr sz="2000" b="1" kern="0" dirty="0">
+            <a:endParaRPr sz="2000" kern="0" dirty="0">
               <a:solidFill>
                 <a:sysClr val="windowText" lastClr="000000"/>
               </a:solidFill>
@@ -9178,7 +10480,7 @@
         <p:spPr>
           <a:xfrm>
             <a:off x="508990" y="1263396"/>
-            <a:ext cx="11014075" cy="848309"/>
+            <a:ext cx="11275060" cy="1879361"/>
           </a:xfrm>
           <a:prstGeom prst="rect">
             <a:avLst/>
@@ -9190,6 +10492,40 @@
           </a:bodyPr>
           <a:lstStyle/>
           <a:p>
+            <a:pPr marL="12700" latinLnBrk="0">
+              <a:spcBef>
+                <a:spcPts val="915"/>
+              </a:spcBef>
+            </a:pPr>
+            <a:r>
+              <a:rPr lang="ko-KR" altLang="en-US" sz="2000" b="1" kern="0" dirty="0">
+                <a:solidFill>
+                  <a:sysClr val="windowText" lastClr="000000"/>
+                </a:solidFill>
+                <a:cs typeface="Malgun Gothic"/>
+              </a:rPr>
+              <a:t>태양광 발전의 주 에너지원은 </a:t>
+            </a:r>
+            <a:r>
+              <a:rPr lang="ko-KR" altLang="en-US" sz="2000" b="1" kern="0" dirty="0">
+                <a:solidFill>
+                  <a:srgbClr val="002060"/>
+                </a:solidFill>
+                <a:cs typeface="Malgun Gothic"/>
+              </a:rPr>
+              <a:t>일사량</a:t>
+            </a:r>
+            <a:r>
+              <a:rPr lang="en-US" altLang="ko-KR" sz="2000" b="1" kern="0" dirty="0">
+                <a:solidFill>
+                  <a:srgbClr val="002060"/>
+                </a:solidFill>
+                <a:cs typeface="Malgun Gothic"/>
+              </a:rPr>
+              <a:t>!</a:t>
+            </a:r>
+          </a:p>
+          <a:p>
             <a:pPr marL="469900" indent="-457200" latinLnBrk="0">
               <a:spcBef>
                 <a:spcPts val="915"/>
@@ -9198,41 +10534,20 @@
               <a:buChar char="§"/>
             </a:pPr>
             <a:r>
-              <a:rPr lang="ko-KR" altLang="en-US" sz="2000" b="1" kern="0" dirty="0">
+              <a:rPr lang="ko-KR" altLang="en-US" kern="0" dirty="0">
                 <a:solidFill>
                   <a:sysClr val="windowText" lastClr="000000"/>
                 </a:solidFill>
                 <a:cs typeface="Malgun Gothic"/>
               </a:rPr>
-              <a:t>태양광 발전의 주 에너지원은 </a:t>
-            </a:r>
-            <a:r>
-              <a:rPr lang="en-US" altLang="ko-KR" sz="2000" b="1" kern="0" dirty="0">
-                <a:solidFill>
-                  <a:sysClr val="windowText" lastClr="000000"/>
-                </a:solidFill>
-                <a:cs typeface="Malgun Gothic"/>
-              </a:rPr>
-              <a:t>“</a:t>
-            </a:r>
-            <a:r>
-              <a:rPr lang="ko-KR" altLang="en-US" sz="2000" b="1" kern="0" dirty="0">
-                <a:solidFill>
-                  <a:sysClr val="windowText" lastClr="000000"/>
-                </a:solidFill>
-                <a:cs typeface="Malgun Gothic"/>
-              </a:rPr>
-              <a:t>일사량</a:t>
-            </a:r>
-            <a:r>
-              <a:rPr lang="en-US" altLang="ko-KR" sz="2000" b="1" kern="0" dirty="0">
-                <a:solidFill>
-                  <a:sysClr val="windowText" lastClr="000000"/>
-                </a:solidFill>
-                <a:cs typeface="Malgun Gothic"/>
-              </a:rPr>
-              <a:t>” </a:t>
-            </a:r>
+              <a:t>태양광 발전 시스템을 효율적으로 운영하기 위해 사전에 정확한 일사량을 예측하는 것이 중요</a:t>
+            </a:r>
+            <a:endParaRPr lang="en-US" altLang="ko-KR" kern="0" dirty="0">
+              <a:solidFill>
+                <a:sysClr val="windowText" lastClr="000000"/>
+              </a:solidFill>
+              <a:cs typeface="Malgun Gothic"/>
+            </a:endParaRPr>
           </a:p>
           <a:p>
             <a:pPr marL="469900" indent="-457200" latinLnBrk="0">
@@ -9243,15 +10558,75 @@
               <a:buChar char="§"/>
             </a:pPr>
             <a:r>
-              <a:rPr lang="ko-KR" altLang="en-US" sz="2000" b="1" kern="0" dirty="0">
+              <a:rPr lang="ko-KR" altLang="en-US" kern="0" dirty="0">
                 <a:solidFill>
                   <a:sysClr val="windowText" lastClr="000000"/>
                 </a:solidFill>
                 <a:cs typeface="Malgun Gothic"/>
               </a:rPr>
-              <a:t>태양광 발전원을 효율적으로 운영하기 위해 일사량을 예측하기 위한 연구가 활발하게 진행중 </a:t>
-            </a:r>
-            <a:endParaRPr lang="en-US" altLang="ko-KR" sz="2000" b="1" kern="0" dirty="0">
+              <a:t>하지만 기상청의 동네예보는 기온</a:t>
+            </a:r>
+            <a:r>
+              <a:rPr lang="en-US" altLang="ko-KR" kern="0" dirty="0">
+                <a:solidFill>
+                  <a:sysClr val="windowText" lastClr="000000"/>
+                </a:solidFill>
+                <a:cs typeface="Malgun Gothic"/>
+              </a:rPr>
+              <a:t>, </a:t>
+            </a:r>
+            <a:r>
+              <a:rPr lang="ko-KR" altLang="en-US" kern="0" dirty="0">
+                <a:solidFill>
+                  <a:sysClr val="windowText" lastClr="000000"/>
+                </a:solidFill>
+                <a:cs typeface="Malgun Gothic"/>
+              </a:rPr>
+              <a:t>습도와 같은 요인의 예측 값은 제공하나</a:t>
+            </a:r>
+            <a:r>
+              <a:rPr lang="en-US" altLang="ko-KR" kern="0" dirty="0">
+                <a:solidFill>
+                  <a:sysClr val="windowText" lastClr="000000"/>
+                </a:solidFill>
+                <a:cs typeface="Malgun Gothic"/>
+              </a:rPr>
+              <a:t>, </a:t>
+            </a:r>
+            <a:r>
+              <a:rPr lang="ko-KR" altLang="en-US" kern="0" dirty="0">
+                <a:solidFill>
+                  <a:sysClr val="windowText" lastClr="000000"/>
+                </a:solidFill>
+                <a:cs typeface="Malgun Gothic"/>
+              </a:rPr>
+              <a:t>일사량 예측 값은 제공하지 않음</a:t>
+            </a:r>
+            <a:endParaRPr lang="en-US" altLang="ko-KR" kern="0" dirty="0">
+              <a:solidFill>
+                <a:sysClr val="windowText" lastClr="000000"/>
+              </a:solidFill>
+              <a:cs typeface="Malgun Gothic"/>
+            </a:endParaRPr>
+          </a:p>
+          <a:p>
+            <a:pPr marL="469900" indent="-457200" latinLnBrk="0">
+              <a:spcBef>
+                <a:spcPts val="915"/>
+              </a:spcBef>
+              <a:buFont typeface="Wingdings" panose="05000000000000000000" pitchFamily="2" charset="2"/>
+              <a:buChar char="§"/>
+            </a:pPr>
+            <a:r>
+              <a:rPr lang="ko-KR" altLang="en-US" kern="0" dirty="0">
+                <a:solidFill>
+                  <a:sysClr val="windowText" lastClr="000000"/>
+                </a:solidFill>
+                <a:cs typeface="Malgun Gothic"/>
+              </a:rPr>
+              <a:t>따라서 기계학습을 기반으로 일사량 예측하는 연구가 활발하게 진행중</a:t>
+            </a:r>
+            <a:endParaRPr lang="en-US" altLang="ko-KR" kern="0" dirty="0">
               <a:solidFill>
                 <a:sysClr val="windowText" lastClr="000000"/>
               </a:solidFill>
@@ -9339,115 +10714,6 @@
               <a:effectLst/>
               <a:uLnTx/>
               <a:uFillTx/>
-            </a:endParaRPr>
-          </a:p>
-        </p:txBody>
-      </p:sp>
-      <p:sp>
-        <p:nvSpPr>
-          <p:cNvPr id="4" name="직사각형 3"/>
-          <p:cNvSpPr/>
-          <p:nvPr/>
-        </p:nvSpPr>
-        <p:spPr>
-          <a:xfrm>
-            <a:off x="430250" y="2187447"/>
-            <a:ext cx="10568247" cy="1102866"/>
-          </a:xfrm>
-          <a:prstGeom prst="rect">
-            <a:avLst/>
-          </a:prstGeom>
-        </p:spPr>
-        <p:txBody>
-          <a:bodyPr wrap="square">
-            <a:spAutoFit/>
-          </a:bodyPr>
-          <a:lstStyle/>
-          <a:p>
-            <a:pPr marL="298450" indent="-285750" latinLnBrk="0">
-              <a:spcBef>
-                <a:spcPts val="695"/>
-              </a:spcBef>
-              <a:buFontTx/>
-              <a:buChar char="-"/>
-              <a:tabLst>
-                <a:tab pos="240665" algn="l"/>
-              </a:tabLst>
-            </a:pPr>
-            <a:r>
-              <a:rPr lang="ko-KR" altLang="en-US" kern="0" spc="-50" dirty="0" err="1">
-                <a:solidFill>
-                  <a:sysClr val="windowText" lastClr="000000"/>
-                </a:solidFill>
-                <a:latin typeface="Calibri"/>
-                <a:cs typeface="Calibri"/>
-              </a:rPr>
-              <a:t>ㅇㅇ</a:t>
-            </a:r>
-            <a:endParaRPr lang="en-US" altLang="ko-KR" kern="0" spc="-50" dirty="0">
-              <a:solidFill>
-                <a:sysClr val="windowText" lastClr="000000"/>
-              </a:solidFill>
-              <a:latin typeface="Calibri"/>
-              <a:cs typeface="Calibri"/>
-            </a:endParaRPr>
-          </a:p>
-          <a:p>
-            <a:pPr marL="298450" indent="-285750" latinLnBrk="0">
-              <a:spcBef>
-                <a:spcPts val="695"/>
-              </a:spcBef>
-              <a:buFontTx/>
-              <a:buChar char="-"/>
-              <a:tabLst>
-                <a:tab pos="240665" algn="l"/>
-              </a:tabLst>
-            </a:pPr>
-            <a:r>
-              <a:rPr lang="ko-KR" altLang="en-US" kern="0" spc="-50" dirty="0" err="1">
-                <a:solidFill>
-                  <a:sysClr val="windowText" lastClr="000000"/>
-                </a:solidFill>
-                <a:latin typeface="Calibri"/>
-                <a:cs typeface="Calibri"/>
-              </a:rPr>
-              <a:t>ㅇㅇ</a:t>
-            </a:r>
-            <a:endParaRPr lang="en-US" altLang="ko-KR" kern="0" spc="-50" dirty="0">
-              <a:solidFill>
-                <a:sysClr val="windowText" lastClr="000000"/>
-              </a:solidFill>
-              <a:latin typeface="Calibri"/>
-              <a:cs typeface="Calibri"/>
-            </a:endParaRPr>
-          </a:p>
-          <a:p>
-            <a:pPr marL="298450" indent="-285750" latinLnBrk="0">
-              <a:spcBef>
-                <a:spcPts val="695"/>
-              </a:spcBef>
-              <a:buFontTx/>
-              <a:buChar char="-"/>
-              <a:tabLst>
-                <a:tab pos="240665" algn="l"/>
-              </a:tabLst>
-            </a:pPr>
-            <a:r>
-              <a:rPr lang="ko-KR" altLang="en-US" kern="0" spc="-50" dirty="0" err="1">
-                <a:solidFill>
-                  <a:sysClr val="windowText" lastClr="000000"/>
-                </a:solidFill>
-                <a:latin typeface="Calibri"/>
-                <a:cs typeface="Calibri"/>
-              </a:rPr>
-              <a:t>ㅇㅇ</a:t>
-            </a:r>
-            <a:endParaRPr lang="en-US" altLang="ko-KR" kern="0" spc="-50" dirty="0">
-              <a:solidFill>
-                <a:sysClr val="windowText" lastClr="000000"/>
-              </a:solidFill>
-              <a:latin typeface="Calibri"/>
-              <a:cs typeface="Calibri"/>
             </a:endParaRPr>
           </a:p>
         </p:txBody>
@@ -9544,6 +10810,53 @@
           </p:spPr>
         </p:pic>
       </p:grpSp>
+      <p:pic>
+        <p:nvPicPr>
+          <p:cNvPr id="1026" name="Picture 2" descr="태양광 발전">
+            <a:extLst>
+              <a:ext uri="{FF2B5EF4-FFF2-40B4-BE49-F238E27FC236}">
+                <a16:creationId xmlns:a16="http://schemas.microsoft.com/office/drawing/2014/main" id="{4BE16BD1-12CE-4E7D-8694-5EDC8768C227}"/>
+              </a:ext>
+            </a:extLst>
+          </p:cNvPr>
+          <p:cNvPicPr>
+            <a:picLocks noChangeAspect="1" noChangeArrowheads="1"/>
+          </p:cNvPicPr>
+          <p:nvPr/>
+        </p:nvPicPr>
+        <p:blipFill>
+          <a:blip r:embed="rId4">
+            <a:extLst>
+              <a:ext uri="{28A0092B-C50C-407E-A947-70E740481C1C}">
+                <a14:useLocalDpi xmlns:a14="http://schemas.microsoft.com/office/drawing/2010/main" val="0"/>
+              </a:ext>
+            </a:extLst>
+          </a:blip>
+          <a:srcRect/>
+          <a:stretch>
+            <a:fillRect/>
+          </a:stretch>
+        </p:blipFill>
+        <p:spPr bwMode="auto">
+          <a:xfrm>
+            <a:off x="3659787" y="3429000"/>
+            <a:ext cx="4872426" cy="3126473"/>
+          </a:xfrm>
+          <a:prstGeom prst="rect">
+            <a:avLst/>
+          </a:prstGeom>
+          <a:noFill/>
+          <a:extLst>
+            <a:ext uri="{909E8E84-426E-40DD-AFC4-6F175D3DCCD1}">
+              <a14:hiddenFill xmlns:a14="http://schemas.microsoft.com/office/drawing/2010/main">
+                <a:solidFill>
+                  <a:srgbClr val="FFFFFF"/>
+                </a:solidFill>
+              </a14:hiddenFill>
+            </a:ext>
+          </a:extLst>
+        </p:spPr>
+      </p:pic>
     </p:spTree>
     <p:extLst>
       <p:ext uri="{BB962C8B-B14F-4D97-AF65-F5344CB8AC3E}">
@@ -9825,7 +11138,7 @@
         <p:spPr>
           <a:xfrm>
             <a:off x="430250" y="1852301"/>
-            <a:ext cx="11353800" cy="1413207"/>
+            <a:ext cx="11597124" cy="1290097"/>
           </a:xfrm>
           <a:prstGeom prst="rect">
             <a:avLst/>
@@ -9841,58 +11154,40 @@
               <a:spcBef>
                 <a:spcPts val="695"/>
               </a:spcBef>
-              <a:buFont typeface="+mj-ea"/>
-              <a:buAutoNum type="circleNumDbPlain"/>
+              <a:buFont typeface="Wingdings" panose="05000000000000000000" pitchFamily="2" charset="2"/>
+              <a:buChar char="§"/>
               <a:tabLst>
                 <a:tab pos="240665" algn="l"/>
               </a:tabLst>
             </a:pPr>
             <a:r>
-              <a:rPr lang="ko-KR" altLang="en-US" sz="2000" kern="0" dirty="0">
+              <a:rPr lang="ko-KR" altLang="en-US" kern="0" dirty="0">
                 <a:solidFill>
                   <a:sysClr val="windowText" lastClr="000000"/>
                 </a:solidFill>
                 <a:cs typeface="Malgun Gothic"/>
               </a:rPr>
-              <a:t>태양광 발전 시스템을 구축하기 이전</a:t>
-            </a:r>
-            <a:r>
-              <a:rPr lang="en-US" altLang="ko-KR" sz="2000" kern="0" dirty="0">
+              <a:t>태양광 발전 시스템을 설치하고자 하는 지역의 일사량을 예측해</a:t>
+            </a:r>
+            <a:r>
+              <a:rPr lang="en-US" altLang="ko-KR" kern="0" dirty="0">
                 <a:solidFill>
                   <a:sysClr val="windowText" lastClr="000000"/>
                 </a:solidFill>
                 <a:cs typeface="Malgun Gothic"/>
               </a:rPr>
-              <a:t>, </a:t>
-            </a:r>
-            <a:r>
-              <a:rPr lang="ko-KR" altLang="en-US" sz="2000" kern="0" dirty="0">
+              <a:t> </a:t>
+            </a:r>
+            <a:r>
+              <a:rPr lang="ko-KR" altLang="en-US" kern="0" dirty="0">
                 <a:solidFill>
                   <a:sysClr val="windowText" lastClr="000000"/>
                 </a:solidFill>
                 <a:cs typeface="Malgun Gothic"/>
               </a:rPr>
-              <a:t>설치하고자 하는 지역의 일사량을 예측해</a:t>
-            </a:r>
-            <a:r>
-              <a:rPr lang="en-US" altLang="ko-KR" sz="2000" kern="0" dirty="0">
-                <a:solidFill>
-                  <a:sysClr val="windowText" lastClr="000000"/>
-                </a:solidFill>
-                <a:cs typeface="Malgun Gothic"/>
-              </a:rPr>
-              <a:t>,</a:t>
-            </a:r>
-            <a:r>
-              <a:rPr lang="ko-KR" altLang="en-US" sz="2000" kern="0" dirty="0">
-                <a:solidFill>
-                  <a:sysClr val="windowText" lastClr="000000"/>
-                </a:solidFill>
-                <a:cs typeface="Malgun Gothic"/>
-              </a:rPr>
-              <a:t> 태양광 발전 시스템으로 생산할 수 있는 에너지를 예측하기 위함</a:t>
-            </a:r>
-            <a:endParaRPr lang="en-US" altLang="ko-KR" sz="2000" kern="0" spc="-50" dirty="0">
+              <a:t>태양광 발전 시스템으로 생산할 수 있는 에너지를 예측하기 위함</a:t>
+            </a:r>
+            <a:endParaRPr lang="en-US" altLang="ko-KR" kern="0" spc="-50" dirty="0">
               <a:solidFill>
                 <a:sysClr val="windowText" lastClr="000000"/>
               </a:solidFill>
@@ -9905,23 +11200,23 @@
               <a:spcBef>
                 <a:spcPts val="695"/>
               </a:spcBef>
-              <a:buFont typeface="+mj-ea"/>
-              <a:buAutoNum type="circleNumDbPlain"/>
+              <a:buFont typeface="Wingdings" panose="05000000000000000000" pitchFamily="2" charset="2"/>
+              <a:buChar char="§"/>
               <a:tabLst>
                 <a:tab pos="240665" algn="l"/>
               </a:tabLst>
             </a:pPr>
             <a:r>
-              <a:rPr lang="ko-KR" altLang="en-US" sz="2000" kern="0" spc="-50" dirty="0">
+              <a:rPr lang="ko-KR" altLang="en-US" kern="0" spc="-50" dirty="0">
                 <a:solidFill>
                   <a:sysClr val="windowText" lastClr="000000"/>
                 </a:solidFill>
                 <a:latin typeface="Calibri"/>
                 <a:cs typeface="Calibri"/>
               </a:rPr>
-              <a:t>예측 대상에서 하루치의 일사량만 수집되었더라도 타 지역의 충분한 일사량 데이터를 활용하여 일사량과 기상 요인 관계를 학습하기 위함</a:t>
-            </a:r>
-            <a:endParaRPr lang="en-US" altLang="ko-KR" sz="2000" kern="0" spc="-50" dirty="0">
+              <a:t>예측 대상 지역에서 하루치의 일사량만 수집되었더라도 타 지역의 충분한 일사량 데이터를 활용하여 일사량과 기상 요인 관계를 학습하기 위함</a:t>
+            </a:r>
+            <a:endParaRPr lang="en-US" altLang="ko-KR" kern="0" spc="-50" dirty="0">
               <a:solidFill>
                 <a:sysClr val="windowText" lastClr="000000"/>
               </a:solidFill>
@@ -9966,7 +11261,7 @@
             <p:nvPr/>
           </p:nvPicPr>
           <p:blipFill rotWithShape="1">
-            <a:blip r:embed="rId2">
+            <a:blip r:embed="rId3">
               <a:extLst>
                 <a:ext uri="{28A0092B-C50C-407E-A947-70E740481C1C}">
                   <a14:useLocalDpi xmlns:a14="http://schemas.microsoft.com/office/drawing/2010/main" val="0"/>
@@ -10001,7 +11296,7 @@
             <p:nvPr/>
           </p:nvPicPr>
           <p:blipFill>
-            <a:blip r:embed="rId3" cstate="hqprint">
+            <a:blip r:embed="rId4" cstate="hqprint">
               <a:extLst>
                 <a:ext uri="{28A0092B-C50C-407E-A947-70E740481C1C}">
                   <a14:useLocalDpi xmlns:a14="http://schemas.microsoft.com/office/drawing/2010/main" val="0"/>
@@ -10128,6 +11423,374 @@
         <p:spPr>
           <a:xfrm>
             <a:off x="508990" y="1263396"/>
+            <a:ext cx="11275060" cy="848309"/>
+          </a:xfrm>
+          <a:prstGeom prst="rect">
+            <a:avLst/>
+          </a:prstGeom>
+        </p:spPr>
+        <p:txBody>
+          <a:bodyPr vert="horz" wrap="square" lIns="0" tIns="116205" rIns="0" bIns="0" rtlCol="0">
+            <a:spAutoFit/>
+          </a:bodyPr>
+          <a:lstStyle/>
+          <a:p>
+            <a:pPr marL="355600" indent="-342900" latinLnBrk="0">
+              <a:spcBef>
+                <a:spcPts val="915"/>
+              </a:spcBef>
+              <a:buFont typeface="Wingdings" panose="05000000000000000000" pitchFamily="2" charset="2"/>
+              <a:buChar char="§"/>
+            </a:pPr>
+            <a:r>
+              <a:rPr lang="ko-KR" altLang="en-US" sz="2000" kern="0" dirty="0">
+                <a:solidFill>
+                  <a:sysClr val="windowText" lastClr="000000"/>
+                </a:solidFill>
+                <a:cs typeface="Malgun Gothic"/>
+              </a:rPr>
+              <a:t>정확한 단기 일사량을 예측하기 위한 연구들이 활발하게 진행되고 있음 </a:t>
+            </a:r>
+            <a:endParaRPr lang="en-US" sz="2000" kern="0" dirty="0">
+              <a:solidFill>
+                <a:sysClr val="windowText" lastClr="000000"/>
+              </a:solidFill>
+              <a:cs typeface="Malgun Gothic"/>
+            </a:endParaRPr>
+          </a:p>
+          <a:p>
+            <a:pPr marL="355600" indent="-342900" latinLnBrk="0">
+              <a:spcBef>
+                <a:spcPts val="915"/>
+              </a:spcBef>
+              <a:buFont typeface="Wingdings" panose="05000000000000000000" pitchFamily="2" charset="2"/>
+              <a:buChar char="§"/>
+            </a:pPr>
+            <a:endParaRPr lang="en-US" sz="2000" kern="0" dirty="0">
+              <a:solidFill>
+                <a:sysClr val="windowText" lastClr="000000"/>
+              </a:solidFill>
+              <a:cs typeface="Malgun Gothic"/>
+            </a:endParaRPr>
+          </a:p>
+        </p:txBody>
+      </p:sp>
+      <p:sp>
+        <p:nvSpPr>
+          <p:cNvPr id="19" name="object 6">
+            <a:extLst>
+              <a:ext uri="{FF2B5EF4-FFF2-40B4-BE49-F238E27FC236}">
+                <a16:creationId xmlns:a16="http://schemas.microsoft.com/office/drawing/2014/main" id="{C73C25E3-E198-4627-994A-E730949EA465}"/>
+              </a:ext>
+            </a:extLst>
+          </p:cNvPr>
+          <p:cNvSpPr/>
+          <p:nvPr/>
+        </p:nvSpPr>
+        <p:spPr>
+          <a:xfrm>
+            <a:off x="430250" y="985061"/>
+            <a:ext cx="11353800" cy="45720"/>
+          </a:xfrm>
+          <a:custGeom>
+            <a:avLst/>
+            <a:gdLst/>
+            <a:ahLst/>
+            <a:cxnLst/>
+            <a:rect l="l" t="t" r="r" b="b"/>
+            <a:pathLst>
+              <a:path w="11353800" h="45719">
+                <a:moveTo>
+                  <a:pt x="11353800" y="0"/>
+                </a:moveTo>
+                <a:lnTo>
+                  <a:pt x="0" y="0"/>
+                </a:lnTo>
+                <a:lnTo>
+                  <a:pt x="0" y="45718"/>
+                </a:lnTo>
+                <a:lnTo>
+                  <a:pt x="11353800" y="45718"/>
+                </a:lnTo>
+                <a:lnTo>
+                  <a:pt x="11353800" y="0"/>
+                </a:lnTo>
+                <a:close/>
+              </a:path>
+            </a:pathLst>
+          </a:custGeom>
+          <a:solidFill>
+            <a:srgbClr val="0C3F8B"/>
+          </a:solidFill>
+        </p:spPr>
+        <p:txBody>
+          <a:bodyPr wrap="square" lIns="0" tIns="0" rIns="0" bIns="0" rtlCol="0"/>
+          <a:lstStyle/>
+          <a:p>
+            <a:pPr marL="0" marR="0" lvl="0" indent="0" defTabSz="914400" eaLnBrk="1" fontAlgn="auto" latinLnBrk="0" hangingPunct="1">
+              <a:lnSpc>
+                <a:spcPct val="100000"/>
+              </a:lnSpc>
+              <a:spcBef>
+                <a:spcPts val="0"/>
+              </a:spcBef>
+              <a:spcAft>
+                <a:spcPts val="0"/>
+              </a:spcAft>
+              <a:buClrTx/>
+              <a:buSzTx/>
+              <a:buFontTx/>
+              <a:buNone/>
+              <a:tabLst/>
+              <a:defRPr/>
+            </a:pPr>
+            <a:endParaRPr kumimoji="0" sz="1800" b="0" i="0" u="none" strike="noStrike" kern="0" cap="none" spc="0" normalizeH="0" baseline="0" noProof="0">
+              <a:ln>
+                <a:noFill/>
+              </a:ln>
+              <a:solidFill>
+                <a:sysClr val="windowText" lastClr="000000"/>
+              </a:solidFill>
+              <a:effectLst/>
+              <a:uLnTx/>
+              <a:uFillTx/>
+            </a:endParaRPr>
+          </a:p>
+        </p:txBody>
+      </p:sp>
+      <p:grpSp>
+        <p:nvGrpSpPr>
+          <p:cNvPr id="7" name="그룹 6">
+            <a:extLst>
+              <a:ext uri="{FF2B5EF4-FFF2-40B4-BE49-F238E27FC236}">
+                <a16:creationId xmlns:a16="http://schemas.microsoft.com/office/drawing/2014/main" id="{F1DD6621-B9A5-4731-98E8-4755A8C8B117}"/>
+              </a:ext>
+            </a:extLst>
+          </p:cNvPr>
+          <p:cNvGrpSpPr/>
+          <p:nvPr/>
+        </p:nvGrpSpPr>
+        <p:grpSpPr>
+          <a:xfrm>
+            <a:off x="9250532" y="6219306"/>
+            <a:ext cx="2776842" cy="457642"/>
+            <a:chOff x="8473734" y="6091284"/>
+            <a:chExt cx="3553640" cy="585664"/>
+          </a:xfrm>
+        </p:grpSpPr>
+        <p:pic>
+          <p:nvPicPr>
+            <p:cNvPr id="8" name="그림 7">
+              <a:extLst>
+                <a:ext uri="{FF2B5EF4-FFF2-40B4-BE49-F238E27FC236}">
+                  <a16:creationId xmlns:a16="http://schemas.microsoft.com/office/drawing/2014/main" id="{0FC29E61-9F1E-408A-9BFC-2D93C28F985E}"/>
+                </a:ext>
+              </a:extLst>
+            </p:cNvPr>
+            <p:cNvPicPr>
+              <a:picLocks noChangeAspect="1"/>
+            </p:cNvPicPr>
+            <p:nvPr/>
+          </p:nvPicPr>
+          <p:blipFill rotWithShape="1">
+            <a:blip r:embed="rId2">
+              <a:extLst>
+                <a:ext uri="{28A0092B-C50C-407E-A947-70E740481C1C}">
+                  <a14:useLocalDpi xmlns:a14="http://schemas.microsoft.com/office/drawing/2010/main" val="0"/>
+                </a:ext>
+              </a:extLst>
+            </a:blip>
+            <a:srcRect l="74535" t="3851" r="5686" b="50143"/>
+            <a:stretch/>
+          </p:blipFill>
+          <p:spPr>
+            <a:xfrm>
+              <a:off x="8473734" y="6091284"/>
+              <a:ext cx="1353669" cy="585664"/>
+            </a:xfrm>
+            <a:prstGeom prst="rect">
+              <a:avLst/>
+            </a:prstGeom>
+          </p:spPr>
+        </p:pic>
+        <p:pic>
+          <p:nvPicPr>
+            <p:cNvPr id="9" name="그림 8">
+              <a:extLst>
+                <a:ext uri="{FF2B5EF4-FFF2-40B4-BE49-F238E27FC236}">
+                  <a16:creationId xmlns:a16="http://schemas.microsoft.com/office/drawing/2014/main" id="{06EF536C-0C14-4FED-B594-471A701EA897}"/>
+                </a:ext>
+              </a:extLst>
+            </p:cNvPr>
+            <p:cNvPicPr>
+              <a:picLocks noChangeAspect="1"/>
+            </p:cNvPicPr>
+            <p:nvPr/>
+          </p:nvPicPr>
+          <p:blipFill>
+            <a:blip r:embed="rId3" cstate="hqprint">
+              <a:extLst>
+                <a:ext uri="{28A0092B-C50C-407E-A947-70E740481C1C}">
+                  <a14:useLocalDpi xmlns:a14="http://schemas.microsoft.com/office/drawing/2010/main" val="0"/>
+                </a:ext>
+              </a:extLst>
+            </a:blip>
+            <a:stretch>
+              <a:fillRect/>
+            </a:stretch>
+          </p:blipFill>
+          <p:spPr>
+            <a:xfrm>
+              <a:off x="9827403" y="6172124"/>
+              <a:ext cx="2199971" cy="423985"/>
+            </a:xfrm>
+            <a:prstGeom prst="rect">
+              <a:avLst/>
+            </a:prstGeom>
+          </p:spPr>
+        </p:pic>
+      </p:grpSp>
+      <p:sp>
+        <p:nvSpPr>
+          <p:cNvPr id="2" name="TextBox 1">
+            <a:extLst>
+              <a:ext uri="{FF2B5EF4-FFF2-40B4-BE49-F238E27FC236}">
+                <a16:creationId xmlns:a16="http://schemas.microsoft.com/office/drawing/2014/main" id="{3F2146E5-2142-4635-9155-E7AEBE85CA0C}"/>
+              </a:ext>
+            </a:extLst>
+          </p:cNvPr>
+          <p:cNvSpPr txBox="1"/>
+          <p:nvPr/>
+        </p:nvSpPr>
+        <p:spPr>
+          <a:xfrm>
+            <a:off x="4907503" y="2828835"/>
+            <a:ext cx="2376994" cy="1200329"/>
+          </a:xfrm>
+          <a:prstGeom prst="rect">
+            <a:avLst/>
+          </a:prstGeom>
+          <a:noFill/>
+        </p:spPr>
+        <p:txBody>
+          <a:bodyPr wrap="square" rtlCol="0">
+            <a:spAutoFit/>
+          </a:bodyPr>
+          <a:lstStyle/>
+          <a:p>
+            <a:r>
+              <a:rPr lang="en-US" altLang="ko-KR" sz="7200" dirty="0"/>
+              <a:t>Table</a:t>
+            </a:r>
+            <a:endParaRPr lang="ko-KR" altLang="en-US" sz="7200" dirty="0"/>
+          </a:p>
+        </p:txBody>
+      </p:sp>
+    </p:spTree>
+    <p:extLst>
+      <p:ext uri="{BB962C8B-B14F-4D97-AF65-F5344CB8AC3E}">
+        <p14:creationId xmlns:p14="http://schemas.microsoft.com/office/powerpoint/2010/main" val="4026929259"/>
+      </p:ext>
+    </p:extLst>
+  </p:cSld>
+  <p:clrMapOvr>
+    <a:masterClrMapping/>
+  </p:clrMapOvr>
+</p:sld>
+</file>
+
+<file path=ppt/slides/slide8.xml><?xml version="1.0" encoding="utf-8"?>
+<p:sld xmlns:a="http://schemas.openxmlformats.org/drawingml/2006/main" xmlns:r="http://schemas.openxmlformats.org/officeDocument/2006/relationships" xmlns:p="http://schemas.openxmlformats.org/presentationml/2006/main">
+  <p:cSld>
+    <p:spTree>
+      <p:nvGrpSpPr>
+        <p:cNvPr id="1" name=""/>
+        <p:cNvGrpSpPr/>
+        <p:nvPr/>
+      </p:nvGrpSpPr>
+      <p:grpSpPr>
+        <a:xfrm>
+          <a:off x="0" y="0"/>
+          <a:ext cx="0" cy="0"/>
+          <a:chOff x="0" y="0"/>
+          <a:chExt cx="0" cy="0"/>
+        </a:xfrm>
+      </p:grpSpPr>
+      <p:sp>
+        <p:nvSpPr>
+          <p:cNvPr id="15" name="object 2">
+            <a:extLst>
+              <a:ext uri="{FF2B5EF4-FFF2-40B4-BE49-F238E27FC236}">
+                <a16:creationId xmlns:a16="http://schemas.microsoft.com/office/drawing/2014/main" id="{63B42C9C-96BB-4869-81D8-DBA87F4A50BB}"/>
+              </a:ext>
+            </a:extLst>
+          </p:cNvPr>
+          <p:cNvSpPr txBox="1">
+            <a:spLocks/>
+          </p:cNvSpPr>
+          <p:nvPr/>
+        </p:nvSpPr>
+        <p:spPr>
+          <a:xfrm>
+            <a:off x="492575" y="391668"/>
+            <a:ext cx="3927025" cy="505267"/>
+          </a:xfrm>
+          <a:prstGeom prst="rect">
+            <a:avLst/>
+          </a:prstGeom>
+        </p:spPr>
+        <p:txBody>
+          <a:bodyPr vert="horz" wrap="square" lIns="0" tIns="12700" rIns="0" bIns="0" rtlCol="0">
+            <a:spAutoFit/>
+          </a:bodyPr>
+          <a:lstStyle>
+            <a:lvl1pPr>
+              <a:defRPr sz="3600" b="1" i="0">
+                <a:solidFill>
+                  <a:schemeClr val="tx1"/>
+                </a:solidFill>
+                <a:latin typeface="Malgun Gothic"/>
+                <a:ea typeface="+mj-ea"/>
+                <a:cs typeface="Malgun Gothic"/>
+              </a:defRPr>
+            </a:lvl1pPr>
+          </a:lstStyle>
+          <a:p>
+            <a:pPr marL="12700" lvl="0" latinLnBrk="0">
+              <a:spcBef>
+                <a:spcPts val="100"/>
+              </a:spcBef>
+              <a:tabLst>
+                <a:tab pos="967740" algn="l"/>
+              </a:tabLst>
+              <a:defRPr/>
+            </a:pPr>
+            <a:r>
+              <a:rPr lang="ko-KR" altLang="en-US" sz="3200" kern="0" spc="-25" dirty="0">
+                <a:solidFill>
+                  <a:srgbClr val="001F60"/>
+                </a:solidFill>
+              </a:rPr>
+              <a:t>연구 목적</a:t>
+            </a:r>
+          </a:p>
+        </p:txBody>
+      </p:sp>
+      <p:sp>
+        <p:nvSpPr>
+          <p:cNvPr id="16" name="object 3">
+            <a:extLst>
+              <a:ext uri="{FF2B5EF4-FFF2-40B4-BE49-F238E27FC236}">
+                <a16:creationId xmlns:a16="http://schemas.microsoft.com/office/drawing/2014/main" id="{A8C33617-DDF9-46C2-AA54-1B67BF5470A7}"/>
+              </a:ext>
+            </a:extLst>
+          </p:cNvPr>
+          <p:cNvSpPr txBox="1"/>
+          <p:nvPr/>
+        </p:nvSpPr>
+        <p:spPr>
+          <a:xfrm>
+            <a:off x="508990" y="1263396"/>
             <a:ext cx="11275060" cy="1694695"/>
           </a:xfrm>
           <a:prstGeom prst="rect">
@@ -10148,7 +11811,7 @@
               <a:buChar char="§"/>
             </a:pPr>
             <a:r>
-              <a:rPr lang="ko-KR" altLang="en-US" sz="2000" b="1" kern="0" dirty="0">
+              <a:rPr lang="ko-KR" altLang="en-US" sz="2000" kern="0" dirty="0">
                 <a:solidFill>
                   <a:sysClr val="windowText" lastClr="000000"/>
                 </a:solidFill>
@@ -10156,7 +11819,7 @@
               </a:rPr>
               <a:t>일사량 정보가 없는 지역을 대상으로 일사량 데이터가 충분한 지역을 학습</a:t>
             </a:r>
-            <a:endParaRPr lang="en-US" altLang="ko-KR" sz="2000" b="1" kern="0" dirty="0">
+            <a:endParaRPr lang="en-US" altLang="ko-KR" sz="2000" kern="0" dirty="0">
               <a:solidFill>
                 <a:sysClr val="windowText" lastClr="000000"/>
               </a:solidFill>
@@ -10172,7 +11835,7 @@
               <a:buChar char="§"/>
             </a:pPr>
             <a:r>
-              <a:rPr lang="ko-KR" altLang="en-US" sz="2000" b="1" kern="0" dirty="0">
+              <a:rPr lang="ko-KR" altLang="en-US" sz="2000" kern="0" dirty="0">
                 <a:solidFill>
                   <a:sysClr val="windowText" lastClr="000000"/>
                 </a:solidFill>
@@ -10180,7 +11843,7 @@
               </a:rPr>
               <a:t>전이 학습 기반의 다단계 일사량 예측 방식을 제안 </a:t>
             </a:r>
-            <a:endParaRPr lang="en-US" altLang="ko-KR" sz="2000" b="1" kern="0" dirty="0">
+            <a:endParaRPr lang="en-US" altLang="ko-KR" sz="2000" kern="0" dirty="0">
               <a:solidFill>
                 <a:sysClr val="windowText" lastClr="000000"/>
               </a:solidFill>
@@ -10195,7 +11858,7 @@
               <a:buFont typeface="Wingdings" panose="05000000000000000000" pitchFamily="2" charset="2"/>
               <a:buChar char="§"/>
             </a:pPr>
-            <a:endParaRPr lang="en-US" sz="2000" b="1" kern="0" dirty="0">
+            <a:endParaRPr lang="en-US" sz="2000" kern="0" dirty="0">
               <a:solidFill>
                 <a:sysClr val="windowText" lastClr="000000"/>
               </a:solidFill>
@@ -10210,7 +11873,7 @@
               <a:buFont typeface="Wingdings" panose="05000000000000000000" pitchFamily="2" charset="2"/>
               <a:buChar char="§"/>
             </a:pPr>
-            <a:endParaRPr lang="en-US" sz="2000" b="1" kern="0" dirty="0">
+            <a:endParaRPr lang="en-US" sz="2000" kern="0" dirty="0">
               <a:solidFill>
                 <a:sysClr val="windowText" lastClr="000000"/>
               </a:solidFill>
@@ -10397,7 +12060,7 @@
     </p:spTree>
     <p:extLst>
       <p:ext uri="{BB962C8B-B14F-4D97-AF65-F5344CB8AC3E}">
-        <p14:creationId xmlns:p14="http://schemas.microsoft.com/office/powerpoint/2010/main" val="4026929259"/>
+        <p14:creationId xmlns:p14="http://schemas.microsoft.com/office/powerpoint/2010/main" val="585117107"/>
       </p:ext>
     </p:extLst>
   </p:cSld>
@@ -10407,7 +12070,7 @@
 </p:sld>
 </file>
 
-<file path=ppt/slides/slide8.xml><?xml version="1.0" encoding="utf-8"?>
+<file path=ppt/slides/slide9.xml><?xml version="1.0" encoding="utf-8"?>
 <p:sld xmlns:a="http://schemas.openxmlformats.org/drawingml/2006/main" xmlns:r="http://schemas.openxmlformats.org/officeDocument/2006/relationships" xmlns:p="http://schemas.openxmlformats.org/presentationml/2006/main">
   <p:cSld>
     <p:spTree>
@@ -10511,6 +12174,55 @@
           </a:bodyPr>
           <a:lstStyle/>
           <a:p>
+            <a:pPr marL="12700" latinLnBrk="0">
+              <a:spcBef>
+                <a:spcPts val="915"/>
+              </a:spcBef>
+            </a:pPr>
+            <a:r>
+              <a:rPr lang="en-US" altLang="ko-KR" sz="2000" b="1" kern="0" dirty="0">
+                <a:solidFill>
+                  <a:sysClr val="windowText" lastClr="000000"/>
+                </a:solidFill>
+                <a:cs typeface="Malgun Gothic"/>
+              </a:rPr>
+              <a:t>[1</a:t>
+            </a:r>
+            <a:r>
+              <a:rPr lang="ko-KR" altLang="en-US" sz="2000" b="1" kern="0" dirty="0">
+                <a:solidFill>
+                  <a:sysClr val="windowText" lastClr="000000"/>
+                </a:solidFill>
+                <a:cs typeface="Malgun Gothic"/>
+              </a:rPr>
+              <a:t>단계</a:t>
+            </a:r>
+            <a:r>
+              <a:rPr lang="en-US" altLang="ko-KR" sz="2000" b="1" kern="0" dirty="0">
+                <a:solidFill>
+                  <a:sysClr val="windowText" lastClr="000000"/>
+                </a:solidFill>
+                <a:cs typeface="Malgun Gothic"/>
+              </a:rPr>
+              <a:t>] </a:t>
+            </a:r>
+            <a:r>
+              <a:rPr lang="ko-KR" altLang="en-US" sz="2000" b="1" kern="0" dirty="0">
+                <a:solidFill>
+                  <a:sysClr val="windowText" lastClr="000000"/>
+                </a:solidFill>
+                <a:cs typeface="Malgun Gothic"/>
+              </a:rPr>
+              <a:t>예측 모델 학습을 위한 입력 변수 구성</a:t>
+            </a:r>
+            <a:endParaRPr lang="en-US" altLang="ko-KR" sz="2000" b="1" kern="0" dirty="0">
+              <a:solidFill>
+                <a:sysClr val="windowText" lastClr="000000"/>
+              </a:solidFill>
+              <a:cs typeface="Malgun Gothic"/>
+            </a:endParaRPr>
+          </a:p>
+          <a:p>
             <a:pPr marL="355600" indent="-342900" latinLnBrk="0">
               <a:spcBef>
                 <a:spcPts val="915"/>
@@ -10519,47 +12231,149 @@
               <a:buChar char="§"/>
             </a:pPr>
             <a:r>
-              <a:rPr lang="en-US" altLang="ko-KR" sz="2000" b="1" kern="0" dirty="0">
+              <a:rPr lang="ko-KR" altLang="en-US" sz="2000" kern="0" dirty="0">
                 <a:solidFill>
                   <a:sysClr val="windowText" lastClr="000000"/>
                 </a:solidFill>
                 <a:cs typeface="Malgun Gothic"/>
               </a:rPr>
+              <a:t>데이터 </a:t>
+            </a:r>
+            <a:r>
+              <a:rPr lang="en-US" altLang="ko-KR" sz="2000" kern="0" dirty="0">
+                <a:solidFill>
+                  <a:sysClr val="windowText" lastClr="000000"/>
+                </a:solidFill>
+                <a:cs typeface="Malgun Gothic"/>
+              </a:rPr>
+              <a:t>: </a:t>
+            </a:r>
+            <a:r>
+              <a:rPr lang="ko-KR" altLang="en-US" sz="2000" kern="0" dirty="0">
+                <a:solidFill>
+                  <a:sysClr val="windowText" lastClr="000000"/>
+                </a:solidFill>
+                <a:cs typeface="Malgun Gothic"/>
+              </a:rPr>
+              <a:t>기상청에서 제공하는 종관기상관측 데이터 </a:t>
+            </a:r>
+            <a:r>
+              <a:rPr lang="en-US" altLang="ko-KR" sz="2000" kern="0" dirty="0">
+                <a:solidFill>
+                  <a:sysClr val="windowText" lastClr="000000"/>
+                </a:solidFill>
+                <a:cs typeface="Malgun Gothic"/>
+              </a:rPr>
+              <a:t>(2016</a:t>
+            </a:r>
+            <a:r>
+              <a:rPr lang="ko-KR" altLang="en-US" sz="2000" kern="0" dirty="0">
+                <a:solidFill>
+                  <a:sysClr val="windowText" lastClr="000000"/>
+                </a:solidFill>
+                <a:cs typeface="Malgun Gothic"/>
+              </a:rPr>
+              <a:t>년 </a:t>
+            </a:r>
+            <a:r>
+              <a:rPr lang="en-US" altLang="ko-KR" sz="2000" kern="0" dirty="0">
+                <a:solidFill>
+                  <a:sysClr val="windowText" lastClr="000000"/>
+                </a:solidFill>
+                <a:cs typeface="Malgun Gothic"/>
+              </a:rPr>
               <a:t>1</a:t>
             </a:r>
             <a:r>
-              <a:rPr lang="ko-KR" altLang="en-US" sz="2000" b="1" kern="0" dirty="0">
+              <a:rPr lang="ko-KR" altLang="en-US" sz="2000" kern="0" dirty="0">
                 <a:solidFill>
                   <a:sysClr val="windowText" lastClr="000000"/>
                 </a:solidFill>
                 <a:cs typeface="Malgun Gothic"/>
               </a:rPr>
-              <a:t>단계</a:t>
-            </a:r>
-            <a:r>
-              <a:rPr lang="en-US" altLang="ko-KR" sz="2000" b="1" kern="0" dirty="0">
+              <a:t>월 </a:t>
+            </a:r>
+            <a:r>
+              <a:rPr lang="en-US" altLang="ko-KR" sz="2000" kern="0" dirty="0">
                 <a:solidFill>
                   <a:sysClr val="windowText" lastClr="000000"/>
                 </a:solidFill>
                 <a:cs typeface="Malgun Gothic"/>
               </a:rPr>
-              <a:t>) </a:t>
-            </a:r>
-            <a:r>
-              <a:rPr lang="ko-KR" altLang="en-US" sz="2000" b="1" kern="0" dirty="0">
+              <a:t>1</a:t>
+            </a:r>
+            <a:r>
+              <a:rPr lang="ko-KR" altLang="en-US" sz="2000" kern="0" dirty="0">
                 <a:solidFill>
                   <a:sysClr val="windowText" lastClr="000000"/>
                 </a:solidFill>
                 <a:cs typeface="Malgun Gothic"/>
               </a:rPr>
-              <a:t>예측 모델 학습을 위한 입력 변수 구성</a:t>
-            </a:r>
-            <a:endParaRPr lang="en-US" altLang="ko-KR" sz="2000" b="1" kern="0" dirty="0">
-              <a:solidFill>
-                <a:sysClr val="windowText" lastClr="000000"/>
-              </a:solidFill>
-              <a:cs typeface="Malgun Gothic"/>
-            </a:endParaRPr>
+              <a:t>일 </a:t>
+            </a:r>
+            <a:r>
+              <a:rPr lang="en-US" altLang="ko-KR" sz="2000" kern="0" dirty="0">
+                <a:solidFill>
+                  <a:sysClr val="windowText" lastClr="000000"/>
+                </a:solidFill>
+                <a:cs typeface="Malgun Gothic"/>
+              </a:rPr>
+              <a:t>~ 2019</a:t>
+            </a:r>
+            <a:r>
+              <a:rPr lang="ko-KR" altLang="en-US" sz="2000" kern="0" dirty="0">
+                <a:solidFill>
+                  <a:sysClr val="windowText" lastClr="000000"/>
+                </a:solidFill>
+                <a:cs typeface="Malgun Gothic"/>
+              </a:rPr>
+              <a:t>년 </a:t>
+            </a:r>
+            <a:r>
+              <a:rPr lang="en-US" altLang="ko-KR" sz="2000" kern="0" dirty="0">
+                <a:solidFill>
+                  <a:sysClr val="windowText" lastClr="000000"/>
+                </a:solidFill>
+                <a:cs typeface="Malgun Gothic"/>
+              </a:rPr>
+              <a:t>12</a:t>
+            </a:r>
+            <a:r>
+              <a:rPr lang="ko-KR" altLang="en-US" sz="2000" kern="0" dirty="0">
+                <a:solidFill>
+                  <a:sysClr val="windowText" lastClr="000000"/>
+                </a:solidFill>
+                <a:cs typeface="Malgun Gothic"/>
+              </a:rPr>
+              <a:t>월 </a:t>
+            </a:r>
+            <a:r>
+              <a:rPr lang="en-US" altLang="ko-KR" sz="2000" kern="0" dirty="0">
+                <a:solidFill>
+                  <a:sysClr val="windowText" lastClr="000000"/>
+                </a:solidFill>
+                <a:cs typeface="Malgun Gothic"/>
+              </a:rPr>
+              <a:t>31</a:t>
+            </a:r>
+            <a:r>
+              <a:rPr lang="ko-KR" altLang="en-US" sz="2000" kern="0" dirty="0">
+                <a:solidFill>
+                  <a:sysClr val="windowText" lastClr="000000"/>
+                </a:solidFill>
+                <a:cs typeface="Malgun Gothic"/>
+              </a:rPr>
+              <a:t>일</a:t>
+            </a:r>
+            <a:r>
+              <a:rPr lang="en-US" altLang="ko-KR" sz="2000" kern="0" dirty="0">
+                <a:solidFill>
+                  <a:sysClr val="windowText" lastClr="000000"/>
+                </a:solidFill>
+                <a:cs typeface="Malgun Gothic"/>
+              </a:rPr>
+              <a:t>)</a:t>
+            </a:r>
           </a:p>
           <a:p>
             <a:pPr marL="355600" indent="-342900" latinLnBrk="0">
@@ -10570,186 +12384,33 @@
               <a:buChar char="§"/>
             </a:pPr>
             <a:r>
-              <a:rPr lang="ko-KR" altLang="en-US" sz="2000" b="1" kern="0" dirty="0">
+              <a:rPr lang="ko-KR" altLang="en-US" sz="2000" kern="0" dirty="0">
                 <a:solidFill>
                   <a:sysClr val="windowText" lastClr="000000"/>
                 </a:solidFill>
                 <a:cs typeface="Malgun Gothic"/>
               </a:rPr>
-              <a:t>데이터 </a:t>
-            </a:r>
-            <a:r>
-              <a:rPr lang="en-US" altLang="ko-KR" sz="2000" b="1" kern="0" dirty="0">
+              <a:t>입력 변수 </a:t>
+            </a:r>
+            <a:r>
+              <a:rPr lang="en-US" altLang="ko-KR" sz="2000" kern="0" dirty="0">
                 <a:solidFill>
                   <a:sysClr val="windowText" lastClr="000000"/>
                 </a:solidFill>
                 <a:cs typeface="Malgun Gothic"/>
               </a:rPr>
-              <a:t>: </a:t>
-            </a:r>
-            <a:r>
-              <a:rPr lang="ko-KR" altLang="en-US" sz="2000" b="1" kern="0" dirty="0">
+              <a:t>: 7</a:t>
+            </a:r>
+            <a:r>
+              <a:rPr lang="ko-KR" altLang="en-US" sz="2000" kern="0" dirty="0">
                 <a:solidFill>
                   <a:sysClr val="windowText" lastClr="000000"/>
                 </a:solidFill>
                 <a:cs typeface="Malgun Gothic"/>
               </a:rPr>
-              <a:t>기상청에서 제공하는 종관기상관측 데이터 </a:t>
-            </a:r>
-            <a:r>
-              <a:rPr lang="en-US" altLang="ko-KR" sz="2000" b="1" kern="0" dirty="0">
-                <a:solidFill>
-                  <a:sysClr val="windowText" lastClr="000000"/>
-                </a:solidFill>
-                <a:cs typeface="Malgun Gothic"/>
-              </a:rPr>
-              <a:t>(2016</a:t>
-            </a:r>
-            <a:r>
-              <a:rPr lang="ko-KR" altLang="en-US" sz="2000" b="1" kern="0" dirty="0">
-                <a:solidFill>
-                  <a:sysClr val="windowText" lastClr="000000"/>
-                </a:solidFill>
-                <a:cs typeface="Malgun Gothic"/>
-              </a:rPr>
-              <a:t>년 </a:t>
-            </a:r>
-            <a:r>
-              <a:rPr lang="en-US" altLang="ko-KR" sz="2000" b="1" kern="0" dirty="0">
-                <a:solidFill>
-                  <a:sysClr val="windowText" lastClr="000000"/>
-                </a:solidFill>
-                <a:cs typeface="Malgun Gothic"/>
-              </a:rPr>
-              <a:t>1</a:t>
-            </a:r>
-            <a:r>
-              <a:rPr lang="ko-KR" altLang="en-US" sz="2000" b="1" kern="0" dirty="0">
-                <a:solidFill>
-                  <a:sysClr val="windowText" lastClr="000000"/>
-                </a:solidFill>
-                <a:cs typeface="Malgun Gothic"/>
-              </a:rPr>
-              <a:t>월 </a:t>
-            </a:r>
-            <a:r>
-              <a:rPr lang="en-US" altLang="ko-KR" sz="2000" b="1" kern="0" dirty="0">
-                <a:solidFill>
-                  <a:sysClr val="windowText" lastClr="000000"/>
-                </a:solidFill>
-                <a:cs typeface="Malgun Gothic"/>
-              </a:rPr>
-              <a:t>1</a:t>
-            </a:r>
-            <a:r>
-              <a:rPr lang="ko-KR" altLang="en-US" sz="2000" b="1" kern="0" dirty="0">
-                <a:solidFill>
-                  <a:sysClr val="windowText" lastClr="000000"/>
-                </a:solidFill>
-                <a:cs typeface="Malgun Gothic"/>
-              </a:rPr>
-              <a:t>일 </a:t>
-            </a:r>
-            <a:r>
-              <a:rPr lang="en-US" altLang="ko-KR" sz="2000" b="1" kern="0" dirty="0">
-                <a:solidFill>
-                  <a:sysClr val="windowText" lastClr="000000"/>
-                </a:solidFill>
-                <a:cs typeface="Malgun Gothic"/>
-              </a:rPr>
-              <a:t>~ 2019</a:t>
-            </a:r>
-            <a:r>
-              <a:rPr lang="ko-KR" altLang="en-US" sz="2000" b="1" kern="0" dirty="0">
-                <a:solidFill>
-                  <a:sysClr val="windowText" lastClr="000000"/>
-                </a:solidFill>
-                <a:cs typeface="Malgun Gothic"/>
-              </a:rPr>
-              <a:t>년 </a:t>
-            </a:r>
-            <a:r>
-              <a:rPr lang="en-US" altLang="ko-KR" sz="2000" b="1" kern="0" dirty="0">
-                <a:solidFill>
-                  <a:sysClr val="windowText" lastClr="000000"/>
-                </a:solidFill>
-                <a:cs typeface="Malgun Gothic"/>
-              </a:rPr>
-              <a:t>12</a:t>
-            </a:r>
-            <a:r>
-              <a:rPr lang="ko-KR" altLang="en-US" sz="2000" b="1" kern="0" dirty="0">
-                <a:solidFill>
-                  <a:sysClr val="windowText" lastClr="000000"/>
-                </a:solidFill>
-                <a:cs typeface="Malgun Gothic"/>
-              </a:rPr>
-              <a:t>월 </a:t>
-            </a:r>
-            <a:r>
-              <a:rPr lang="en-US" altLang="ko-KR" sz="2000" b="1" kern="0" dirty="0">
-                <a:solidFill>
-                  <a:sysClr val="windowText" lastClr="000000"/>
-                </a:solidFill>
-                <a:cs typeface="Malgun Gothic"/>
-              </a:rPr>
-              <a:t>31</a:t>
-            </a:r>
-            <a:r>
-              <a:rPr lang="ko-KR" altLang="en-US" sz="2000" b="1" kern="0" dirty="0">
-                <a:solidFill>
-                  <a:sysClr val="windowText" lastClr="000000"/>
-                </a:solidFill>
-                <a:cs typeface="Malgun Gothic"/>
-              </a:rPr>
-              <a:t>일</a:t>
-            </a:r>
-            <a:r>
-              <a:rPr lang="en-US" altLang="ko-KR" sz="2000" b="1" kern="0" dirty="0">
-                <a:solidFill>
-                  <a:sysClr val="windowText" lastClr="000000"/>
-                </a:solidFill>
-                <a:cs typeface="Malgun Gothic"/>
-              </a:rPr>
-              <a:t>)</a:t>
-            </a:r>
-          </a:p>
-          <a:p>
-            <a:pPr marL="355600" indent="-342900" latinLnBrk="0">
-              <a:spcBef>
-                <a:spcPts val="915"/>
-              </a:spcBef>
-              <a:buFont typeface="Wingdings" panose="05000000000000000000" pitchFamily="2" charset="2"/>
-              <a:buChar char="§"/>
-            </a:pPr>
-            <a:r>
-              <a:rPr lang="ko-KR" altLang="en-US" sz="2000" b="1" kern="0" dirty="0">
-                <a:solidFill>
-                  <a:sysClr val="windowText" lastClr="000000"/>
-                </a:solidFill>
-                <a:cs typeface="Malgun Gothic"/>
-              </a:rPr>
-              <a:t>입력 변수 </a:t>
-            </a:r>
-            <a:r>
-              <a:rPr lang="en-US" altLang="ko-KR" sz="2000" b="1" kern="0" dirty="0">
-                <a:solidFill>
-                  <a:sysClr val="windowText" lastClr="000000"/>
-                </a:solidFill>
-                <a:cs typeface="Malgun Gothic"/>
-              </a:rPr>
-              <a:t>: 7</a:t>
-            </a:r>
-            <a:r>
-              <a:rPr lang="ko-KR" altLang="en-US" sz="2000" b="1" kern="0" dirty="0">
-                <a:solidFill>
-                  <a:sysClr val="windowText" lastClr="000000"/>
-                </a:solidFill>
-                <a:cs typeface="Malgun Gothic"/>
-              </a:rPr>
               <a:t>개</a:t>
             </a:r>
-            <a:endParaRPr lang="en-US" altLang="ko-KR" sz="2000" b="1" kern="0" dirty="0">
+            <a:endParaRPr lang="en-US" altLang="ko-KR" sz="2000" kern="0" dirty="0">
               <a:solidFill>
                 <a:sysClr val="windowText" lastClr="000000"/>
               </a:solidFill>
@@ -11114,833 +12775,6 @@
     <p:extLst>
       <p:ext uri="{BB962C8B-B14F-4D97-AF65-F5344CB8AC3E}">
         <p14:creationId xmlns:p14="http://schemas.microsoft.com/office/powerpoint/2010/main" val="227608455"/>
-      </p:ext>
-    </p:extLst>
-  </p:cSld>
-  <p:clrMapOvr>
-    <a:masterClrMapping/>
-  </p:clrMapOvr>
-</p:sld>
-</file>
-
-<file path=ppt/slides/slide9.xml><?xml version="1.0" encoding="utf-8"?>
-<p:sld xmlns:a="http://schemas.openxmlformats.org/drawingml/2006/main" xmlns:r="http://schemas.openxmlformats.org/officeDocument/2006/relationships" xmlns:p="http://schemas.openxmlformats.org/presentationml/2006/main">
-  <p:cSld>
-    <p:spTree>
-      <p:nvGrpSpPr>
-        <p:cNvPr id="1" name=""/>
-        <p:cNvGrpSpPr/>
-        <p:nvPr/>
-      </p:nvGrpSpPr>
-      <p:grpSpPr>
-        <a:xfrm>
-          <a:off x="0" y="0"/>
-          <a:ext cx="0" cy="0"/>
-          <a:chOff x="0" y="0"/>
-          <a:chExt cx="0" cy="0"/>
-        </a:xfrm>
-      </p:grpSpPr>
-      <p:sp>
-        <p:nvSpPr>
-          <p:cNvPr id="15" name="object 2">
-            <a:extLst>
-              <a:ext uri="{FF2B5EF4-FFF2-40B4-BE49-F238E27FC236}">
-                <a16:creationId xmlns:a16="http://schemas.microsoft.com/office/drawing/2014/main" id="{63B42C9C-96BB-4869-81D8-DBA87F4A50BB}"/>
-              </a:ext>
-            </a:extLst>
-          </p:cNvPr>
-          <p:cNvSpPr txBox="1">
-            <a:spLocks/>
-          </p:cNvSpPr>
-          <p:nvPr/>
-        </p:nvSpPr>
-        <p:spPr>
-          <a:xfrm>
-            <a:off x="492575" y="391668"/>
-            <a:ext cx="3965125" cy="505267"/>
-          </a:xfrm>
-          <a:prstGeom prst="rect">
-            <a:avLst/>
-          </a:prstGeom>
-        </p:spPr>
-        <p:txBody>
-          <a:bodyPr vert="horz" wrap="square" lIns="0" tIns="12700" rIns="0" bIns="0" rtlCol="0">
-            <a:spAutoFit/>
-          </a:bodyPr>
-          <a:lstStyle>
-            <a:lvl1pPr>
-              <a:defRPr sz="3600" b="1" i="0">
-                <a:solidFill>
-                  <a:schemeClr val="tx1"/>
-                </a:solidFill>
-                <a:latin typeface="Malgun Gothic"/>
-                <a:ea typeface="+mj-ea"/>
-                <a:cs typeface="Malgun Gothic"/>
-              </a:defRPr>
-            </a:lvl1pPr>
-          </a:lstStyle>
-          <a:p>
-            <a:pPr marL="12700" marR="0" lvl="0" indent="0" defTabSz="914400" eaLnBrk="1" fontAlgn="auto" latinLnBrk="0" hangingPunct="1">
-              <a:lnSpc>
-                <a:spcPct val="100000"/>
-              </a:lnSpc>
-              <a:spcBef>
-                <a:spcPts val="100"/>
-              </a:spcBef>
-              <a:spcAft>
-                <a:spcPts val="0"/>
-              </a:spcAft>
-              <a:buClrTx/>
-              <a:buSzTx/>
-              <a:buFontTx/>
-              <a:buNone/>
-              <a:tabLst>
-                <a:tab pos="967740" algn="l"/>
-              </a:tabLst>
-              <a:defRPr/>
-            </a:pPr>
-            <a:r>
-              <a:rPr lang="ko-KR" altLang="en-US" sz="3200" kern="0" spc="-25" dirty="0">
-                <a:solidFill>
-                  <a:srgbClr val="001F60"/>
-                </a:solidFill>
-                <a:ea typeface="맑은 고딕" panose="020B0503020000020004" pitchFamily="50" charset="-127"/>
-              </a:rPr>
-              <a:t>일사량 </a:t>
-            </a:r>
-            <a:r>
-              <a:rPr lang="ko-KR" altLang="en-US" sz="3200" kern="0" spc="-25">
-                <a:solidFill>
-                  <a:srgbClr val="001F60"/>
-                </a:solidFill>
-                <a:ea typeface="맑은 고딕" panose="020B0503020000020004" pitchFamily="50" charset="-127"/>
-              </a:rPr>
-              <a:t>예측 모델링</a:t>
-            </a:r>
-            <a:endParaRPr kumimoji="0" lang="ko-KR" altLang="en-US" sz="3200" b="1" i="0" u="none" strike="noStrike" kern="0" cap="none" spc="0" normalizeH="0" baseline="0" noProof="0" dirty="0">
-              <a:ln>
-                <a:noFill/>
-              </a:ln>
-              <a:solidFill>
-                <a:sysClr val="windowText" lastClr="000000"/>
-              </a:solidFill>
-              <a:effectLst/>
-              <a:uLnTx/>
-              <a:uFillTx/>
-              <a:latin typeface="Malgun Gothic"/>
-              <a:ea typeface="맑은 고딕" panose="020B0503020000020004" pitchFamily="50" charset="-127"/>
-            </a:endParaRPr>
-          </a:p>
-        </p:txBody>
-      </p:sp>
-      <p:sp>
-        <p:nvSpPr>
-          <p:cNvPr id="16" name="object 3">
-            <a:extLst>
-              <a:ext uri="{FF2B5EF4-FFF2-40B4-BE49-F238E27FC236}">
-                <a16:creationId xmlns:a16="http://schemas.microsoft.com/office/drawing/2014/main" id="{A8C33617-DDF9-46C2-AA54-1B67BF5470A7}"/>
-              </a:ext>
-            </a:extLst>
-          </p:cNvPr>
-          <p:cNvSpPr txBox="1"/>
-          <p:nvPr/>
-        </p:nvSpPr>
-        <p:spPr>
-          <a:xfrm>
-            <a:off x="508990" y="1263396"/>
-            <a:ext cx="11014075" cy="425116"/>
-          </a:xfrm>
-          <a:prstGeom prst="rect">
-            <a:avLst/>
-          </a:prstGeom>
-        </p:spPr>
-        <p:txBody>
-          <a:bodyPr vert="horz" wrap="square" lIns="0" tIns="116205" rIns="0" bIns="0" rtlCol="0">
-            <a:spAutoFit/>
-          </a:bodyPr>
-          <a:lstStyle/>
-          <a:p>
-            <a:pPr marL="355600" indent="-342900" latinLnBrk="0">
-              <a:spcBef>
-                <a:spcPts val="915"/>
-              </a:spcBef>
-              <a:buFont typeface="Wingdings" panose="05000000000000000000" pitchFamily="2" charset="2"/>
-              <a:buChar char="§"/>
-            </a:pPr>
-            <a:r>
-              <a:rPr lang="en-US" altLang="ko-KR" sz="2000" b="1" kern="0" dirty="0">
-                <a:solidFill>
-                  <a:sysClr val="windowText" lastClr="000000"/>
-                </a:solidFill>
-                <a:cs typeface="Malgun Gothic"/>
-              </a:rPr>
-              <a:t>2</a:t>
-            </a:r>
-            <a:r>
-              <a:rPr lang="ko-KR" altLang="en-US" sz="2000" b="1" kern="0" dirty="0">
-                <a:solidFill>
-                  <a:sysClr val="windowText" lastClr="000000"/>
-                </a:solidFill>
-                <a:cs typeface="Malgun Gothic"/>
-              </a:rPr>
-              <a:t>단계</a:t>
-            </a:r>
-            <a:r>
-              <a:rPr lang="en-US" altLang="ko-KR" sz="2000" b="1" kern="0" dirty="0">
-                <a:solidFill>
-                  <a:sysClr val="windowText" lastClr="000000"/>
-                </a:solidFill>
-                <a:cs typeface="Malgun Gothic"/>
-              </a:rPr>
-              <a:t>) </a:t>
-            </a:r>
-            <a:r>
-              <a:rPr lang="ko-KR" altLang="en-US" sz="2000" b="1" kern="0" dirty="0">
-                <a:solidFill>
-                  <a:sysClr val="windowText" lastClr="000000"/>
-                </a:solidFill>
-                <a:cs typeface="Malgun Gothic"/>
-              </a:rPr>
-              <a:t>전이 학습을 이용한 다단계 일사량 예측 방식 </a:t>
-            </a:r>
-            <a:endParaRPr sz="2000" kern="0" dirty="0">
-              <a:solidFill>
-                <a:sysClr val="windowText" lastClr="000000"/>
-              </a:solidFill>
-              <a:cs typeface="Malgun Gothic"/>
-            </a:endParaRPr>
-          </a:p>
-        </p:txBody>
-      </p:sp>
-      <p:sp>
-        <p:nvSpPr>
-          <p:cNvPr id="19" name="object 6">
-            <a:extLst>
-              <a:ext uri="{FF2B5EF4-FFF2-40B4-BE49-F238E27FC236}">
-                <a16:creationId xmlns:a16="http://schemas.microsoft.com/office/drawing/2014/main" id="{C73C25E3-E198-4627-994A-E730949EA465}"/>
-              </a:ext>
-            </a:extLst>
-          </p:cNvPr>
-          <p:cNvSpPr/>
-          <p:nvPr/>
-        </p:nvSpPr>
-        <p:spPr>
-          <a:xfrm>
-            <a:off x="430250" y="985061"/>
-            <a:ext cx="11353800" cy="45720"/>
-          </a:xfrm>
-          <a:custGeom>
-            <a:avLst/>
-            <a:gdLst/>
-            <a:ahLst/>
-            <a:cxnLst/>
-            <a:rect l="l" t="t" r="r" b="b"/>
-            <a:pathLst>
-              <a:path w="11353800" h="45719">
-                <a:moveTo>
-                  <a:pt x="11353800" y="0"/>
-                </a:moveTo>
-                <a:lnTo>
-                  <a:pt x="0" y="0"/>
-                </a:lnTo>
-                <a:lnTo>
-                  <a:pt x="0" y="45718"/>
-                </a:lnTo>
-                <a:lnTo>
-                  <a:pt x="11353800" y="45718"/>
-                </a:lnTo>
-                <a:lnTo>
-                  <a:pt x="11353800" y="0"/>
-                </a:lnTo>
-                <a:close/>
-              </a:path>
-            </a:pathLst>
-          </a:custGeom>
-          <a:solidFill>
-            <a:srgbClr val="0C3F8B"/>
-          </a:solidFill>
-        </p:spPr>
-        <p:txBody>
-          <a:bodyPr wrap="square" lIns="0" tIns="0" rIns="0" bIns="0" rtlCol="0"/>
-          <a:lstStyle/>
-          <a:p>
-            <a:pPr marL="0" marR="0" lvl="0" indent="0" defTabSz="914400" eaLnBrk="1" fontAlgn="auto" latinLnBrk="0" hangingPunct="1">
-              <a:lnSpc>
-                <a:spcPct val="100000"/>
-              </a:lnSpc>
-              <a:spcBef>
-                <a:spcPts val="0"/>
-              </a:spcBef>
-              <a:spcAft>
-                <a:spcPts val="0"/>
-              </a:spcAft>
-              <a:buClrTx/>
-              <a:buSzTx/>
-              <a:buFontTx/>
-              <a:buNone/>
-              <a:tabLst/>
-              <a:defRPr/>
-            </a:pPr>
-            <a:endParaRPr kumimoji="0" sz="1800" b="0" i="0" u="none" strike="noStrike" kern="0" cap="none" spc="0" normalizeH="0" baseline="0" noProof="0">
-              <a:ln>
-                <a:noFill/>
-              </a:ln>
-              <a:solidFill>
-                <a:sysClr val="windowText" lastClr="000000"/>
-              </a:solidFill>
-              <a:effectLst/>
-              <a:uLnTx/>
-              <a:uFillTx/>
-            </a:endParaRPr>
-          </a:p>
-        </p:txBody>
-      </p:sp>
-      <p:sp>
-        <p:nvSpPr>
-          <p:cNvPr id="8" name="직사각형 7"/>
-          <p:cNvSpPr/>
-          <p:nvPr/>
-        </p:nvSpPr>
-        <p:spPr>
-          <a:xfrm>
-            <a:off x="492575" y="1769352"/>
-            <a:ext cx="11291475" cy="1102866"/>
-          </a:xfrm>
-          <a:prstGeom prst="rect">
-            <a:avLst/>
-          </a:prstGeom>
-        </p:spPr>
-        <p:txBody>
-          <a:bodyPr wrap="square">
-            <a:spAutoFit/>
-          </a:bodyPr>
-          <a:lstStyle/>
-          <a:p>
-            <a:pPr marL="298450" indent="-285750" latinLnBrk="0">
-              <a:spcBef>
-                <a:spcPts val="695"/>
-              </a:spcBef>
-              <a:buFontTx/>
-              <a:buChar char="-"/>
-              <a:tabLst>
-                <a:tab pos="240665" algn="l"/>
-              </a:tabLst>
-            </a:pPr>
-            <a:r>
-              <a:rPr lang="en-US" altLang="ko-KR" kern="0" spc="-50" dirty="0">
-                <a:solidFill>
-                  <a:sysClr val="windowText" lastClr="000000"/>
-                </a:solidFill>
-                <a:latin typeface="Calibri"/>
-                <a:cs typeface="Calibri"/>
-              </a:rPr>
-              <a:t>[</a:t>
-            </a:r>
-            <a:r>
-              <a:rPr lang="ko-KR" altLang="en-US" kern="0" spc="-50" dirty="0">
-                <a:solidFill>
-                  <a:sysClr val="windowText" lastClr="000000"/>
-                </a:solidFill>
-                <a:latin typeface="Calibri"/>
-                <a:cs typeface="Calibri"/>
-              </a:rPr>
-              <a:t>가정</a:t>
-            </a:r>
-            <a:r>
-              <a:rPr lang="en-US" altLang="ko-KR" kern="0" spc="-50" dirty="0">
-                <a:solidFill>
-                  <a:sysClr val="windowText" lastClr="000000"/>
-                </a:solidFill>
-                <a:latin typeface="Calibri"/>
-                <a:cs typeface="Calibri"/>
-              </a:rPr>
-              <a:t>] </a:t>
-            </a:r>
-            <a:r>
-              <a:rPr lang="ko-KR" altLang="en-US" dirty="0"/>
-              <a:t>태양광 발전 시스템이 하루만 운영되었으며</a:t>
-            </a:r>
-            <a:r>
-              <a:rPr lang="en-US" altLang="ko-KR" dirty="0"/>
-              <a:t>, </a:t>
-            </a:r>
-            <a:r>
-              <a:rPr lang="ko-KR" altLang="en-US" dirty="0"/>
-              <a:t>일사량 데이터도 하루치만 수집되었음</a:t>
-            </a:r>
-            <a:endParaRPr lang="en-US" altLang="ko-KR" kern="0" spc="-50" dirty="0">
-              <a:solidFill>
-                <a:sysClr val="windowText" lastClr="000000"/>
-              </a:solidFill>
-              <a:latin typeface="Calibri"/>
-              <a:cs typeface="Calibri"/>
-            </a:endParaRPr>
-          </a:p>
-          <a:p>
-            <a:pPr marL="298450" indent="-285750" latinLnBrk="0">
-              <a:spcBef>
-                <a:spcPts val="695"/>
-              </a:spcBef>
-              <a:buFontTx/>
-              <a:buChar char="-"/>
-              <a:tabLst>
-                <a:tab pos="240665" algn="l"/>
-              </a:tabLst>
-            </a:pPr>
-            <a:r>
-              <a:rPr lang="ko-KR" altLang="en-US" kern="0" spc="-50" dirty="0">
-                <a:solidFill>
-                  <a:sysClr val="windowText" lastClr="000000"/>
-                </a:solidFill>
-                <a:latin typeface="Calibri"/>
-                <a:cs typeface="Calibri"/>
-              </a:rPr>
-              <a:t>다섯 군데 지역의 </a:t>
-            </a:r>
-            <a:r>
-              <a:rPr lang="en-US" altLang="ko-KR" kern="0" spc="-50" dirty="0">
-                <a:solidFill>
-                  <a:sysClr val="windowText" lastClr="000000"/>
-                </a:solidFill>
-                <a:latin typeface="Calibri"/>
-                <a:cs typeface="Calibri"/>
-              </a:rPr>
-              <a:t>4 </a:t>
-            </a:r>
-            <a:r>
-              <a:rPr lang="ko-KR" altLang="en-US" kern="0" spc="-50" dirty="0">
-                <a:solidFill>
-                  <a:sysClr val="windowText" lastClr="000000"/>
-                </a:solidFill>
-                <a:latin typeface="Calibri"/>
-                <a:cs typeface="Calibri"/>
-              </a:rPr>
-              <a:t>년치 데이터 셋 </a:t>
-            </a:r>
-            <a:r>
-              <a:rPr lang="en-US" altLang="ko-KR" kern="0" spc="-50" dirty="0">
-                <a:solidFill>
-                  <a:sysClr val="windowText" lastClr="000000"/>
-                </a:solidFill>
-                <a:latin typeface="Calibri"/>
-                <a:cs typeface="Calibri"/>
-              </a:rPr>
-              <a:t>+ </a:t>
-            </a:r>
-            <a:r>
-              <a:rPr lang="ko-KR" altLang="en-US" kern="0" spc="-50" dirty="0">
-                <a:solidFill>
-                  <a:sysClr val="windowText" lastClr="000000"/>
-                </a:solidFill>
-                <a:latin typeface="Calibri"/>
-                <a:cs typeface="Calibri"/>
-              </a:rPr>
-              <a:t>예측 대상 지역의 </a:t>
-            </a:r>
-            <a:r>
-              <a:rPr lang="en-US" altLang="ko-KR" kern="0" spc="-50" dirty="0">
-                <a:solidFill>
-                  <a:sysClr val="windowText" lastClr="000000"/>
-                </a:solidFill>
-                <a:latin typeface="Calibri"/>
-                <a:cs typeface="Calibri"/>
-              </a:rPr>
-              <a:t>1</a:t>
-            </a:r>
-            <a:r>
-              <a:rPr lang="ko-KR" altLang="en-US" kern="0" spc="-50" dirty="0">
-                <a:solidFill>
-                  <a:sysClr val="windowText" lastClr="000000"/>
-                </a:solidFill>
-                <a:latin typeface="Calibri"/>
-                <a:cs typeface="Calibri"/>
-              </a:rPr>
-              <a:t> 년치 데이터 셋을 결합해 학습 데이터 셋을 구성</a:t>
-            </a:r>
-            <a:endParaRPr lang="en-US" altLang="ko-KR" kern="0" spc="-50" dirty="0">
-              <a:solidFill>
-                <a:sysClr val="windowText" lastClr="000000"/>
-              </a:solidFill>
-              <a:latin typeface="Calibri"/>
-              <a:cs typeface="Calibri"/>
-            </a:endParaRPr>
-          </a:p>
-          <a:p>
-            <a:pPr marL="12700" latinLnBrk="0">
-              <a:spcBef>
-                <a:spcPts val="695"/>
-              </a:spcBef>
-              <a:tabLst>
-                <a:tab pos="240665" algn="l"/>
-              </a:tabLst>
-            </a:pPr>
-            <a:r>
-              <a:rPr lang="ko-KR" altLang="en-US" kern="0" spc="-50" dirty="0">
-                <a:solidFill>
-                  <a:sysClr val="windowText" lastClr="000000"/>
-                </a:solidFill>
-                <a:latin typeface="Calibri"/>
-                <a:cs typeface="Calibri"/>
-              </a:rPr>
-              <a:t> </a:t>
-            </a:r>
-            <a:endParaRPr lang="en-US" altLang="ko-KR" kern="0" spc="-50" dirty="0">
-              <a:solidFill>
-                <a:sysClr val="windowText" lastClr="000000"/>
-              </a:solidFill>
-              <a:latin typeface="Calibri"/>
-              <a:cs typeface="Calibri"/>
-            </a:endParaRPr>
-          </a:p>
-        </p:txBody>
-      </p:sp>
-      <p:pic>
-        <p:nvPicPr>
-          <p:cNvPr id="10" name="그림 9">
-            <a:extLst>
-              <a:ext uri="{FF2B5EF4-FFF2-40B4-BE49-F238E27FC236}">
-                <a16:creationId xmlns:a16="http://schemas.microsoft.com/office/drawing/2014/main" id="{F01F0147-7E99-430A-BE8A-08C8C8B5C47B}"/>
-              </a:ext>
-            </a:extLst>
-          </p:cNvPr>
-          <p:cNvPicPr>
-            <a:picLocks noChangeAspect="1"/>
-          </p:cNvPicPr>
-          <p:nvPr/>
-        </p:nvPicPr>
-        <p:blipFill rotWithShape="1">
-          <a:blip r:embed="rId2"/>
-          <a:srcRect b="12612"/>
-          <a:stretch/>
-        </p:blipFill>
-        <p:spPr>
-          <a:xfrm>
-            <a:off x="3105047" y="2586938"/>
-            <a:ext cx="6066529" cy="3504346"/>
-          </a:xfrm>
-          <a:prstGeom prst="rect">
-            <a:avLst/>
-          </a:prstGeom>
-        </p:spPr>
-      </p:pic>
-      <p:sp>
-        <p:nvSpPr>
-          <p:cNvPr id="11" name="직사각형 10">
-            <a:extLst>
-              <a:ext uri="{FF2B5EF4-FFF2-40B4-BE49-F238E27FC236}">
-                <a16:creationId xmlns:a16="http://schemas.microsoft.com/office/drawing/2014/main" id="{335F2A5E-66AF-49FF-B6C0-2C81B4E1E460}"/>
-              </a:ext>
-            </a:extLst>
-          </p:cNvPr>
-          <p:cNvSpPr/>
-          <p:nvPr/>
-        </p:nvSpPr>
-        <p:spPr>
-          <a:xfrm>
-            <a:off x="9036771" y="401503"/>
-            <a:ext cx="2947481" cy="551433"/>
-          </a:xfrm>
-          <a:prstGeom prst="rect">
-            <a:avLst/>
-          </a:prstGeom>
-        </p:spPr>
-        <p:txBody>
-          <a:bodyPr wrap="square">
-            <a:spAutoFit/>
-          </a:bodyPr>
-          <a:lstStyle/>
-          <a:p>
-            <a:pPr marL="12700" latinLnBrk="0">
-              <a:spcBef>
-                <a:spcPts val="695"/>
-              </a:spcBef>
-              <a:tabLst>
-                <a:tab pos="240665" algn="l"/>
-              </a:tabLst>
-            </a:pPr>
-            <a:r>
-              <a:rPr lang="en-US" altLang="ko-KR" sz="1200" kern="0" spc="-50" dirty="0">
-                <a:solidFill>
-                  <a:sysClr val="windowText" lastClr="000000"/>
-                </a:solidFill>
-                <a:latin typeface="Calibri"/>
-                <a:cs typeface="Calibri"/>
-              </a:rPr>
-              <a:t>* </a:t>
-            </a:r>
-            <a:r>
-              <a:rPr lang="ko-KR" altLang="en-US" sz="1200" kern="0" spc="-50" dirty="0">
-                <a:solidFill>
-                  <a:sysClr val="windowText" lastClr="000000"/>
-                </a:solidFill>
-                <a:latin typeface="Calibri"/>
-                <a:cs typeface="Calibri"/>
-              </a:rPr>
-              <a:t>학습 지역</a:t>
-            </a:r>
-            <a:r>
-              <a:rPr lang="en-US" altLang="ko-KR" sz="1200" kern="0" spc="-50" dirty="0">
-                <a:solidFill>
-                  <a:sysClr val="windowText" lastClr="000000"/>
-                </a:solidFill>
-                <a:latin typeface="Calibri"/>
-                <a:cs typeface="Calibri"/>
-              </a:rPr>
-              <a:t>:  </a:t>
-            </a:r>
-            <a:r>
-              <a:rPr lang="ko-KR" altLang="en-US" sz="1200" kern="0" spc="-50" dirty="0">
-                <a:solidFill>
-                  <a:sysClr val="windowText" lastClr="000000"/>
-                </a:solidFill>
-                <a:latin typeface="Calibri"/>
-                <a:cs typeface="Calibri"/>
-              </a:rPr>
-              <a:t>서울</a:t>
-            </a:r>
-            <a:r>
-              <a:rPr lang="en-US" altLang="ko-KR" sz="1200" kern="0" spc="-50" dirty="0">
-                <a:solidFill>
-                  <a:sysClr val="windowText" lastClr="000000"/>
-                </a:solidFill>
-                <a:latin typeface="Calibri"/>
-                <a:cs typeface="Calibri"/>
-              </a:rPr>
-              <a:t>, </a:t>
-            </a:r>
-            <a:r>
-              <a:rPr lang="ko-KR" altLang="en-US" sz="1200" kern="0" spc="-50" dirty="0">
-                <a:solidFill>
-                  <a:sysClr val="windowText" lastClr="000000"/>
-                </a:solidFill>
-                <a:latin typeface="Calibri"/>
-                <a:cs typeface="Calibri"/>
-              </a:rPr>
-              <a:t>부산</a:t>
-            </a:r>
-            <a:r>
-              <a:rPr lang="en-US" altLang="ko-KR" sz="1200" kern="0" spc="-50" dirty="0">
-                <a:solidFill>
-                  <a:sysClr val="windowText" lastClr="000000"/>
-                </a:solidFill>
-                <a:latin typeface="Calibri"/>
-                <a:cs typeface="Calibri"/>
-              </a:rPr>
-              <a:t>, </a:t>
-            </a:r>
-            <a:r>
-              <a:rPr lang="ko-KR" altLang="en-US" sz="1200" kern="0" spc="-50" dirty="0">
-                <a:solidFill>
-                  <a:sysClr val="windowText" lastClr="000000"/>
-                </a:solidFill>
-                <a:latin typeface="Calibri"/>
-                <a:cs typeface="Calibri"/>
-              </a:rPr>
-              <a:t>대구</a:t>
-            </a:r>
-            <a:r>
-              <a:rPr lang="en-US" altLang="ko-KR" sz="1200" kern="0" spc="-50" dirty="0">
-                <a:solidFill>
-                  <a:sysClr val="windowText" lastClr="000000"/>
-                </a:solidFill>
-                <a:latin typeface="Calibri"/>
-                <a:cs typeface="Calibri"/>
-              </a:rPr>
-              <a:t>, </a:t>
-            </a:r>
-            <a:r>
-              <a:rPr lang="ko-KR" altLang="en-US" sz="1200" kern="0" spc="-50" dirty="0">
-                <a:solidFill>
-                  <a:sysClr val="windowText" lastClr="000000"/>
-                </a:solidFill>
-                <a:latin typeface="Calibri"/>
-                <a:cs typeface="Calibri"/>
-              </a:rPr>
-              <a:t>인천</a:t>
-            </a:r>
-            <a:r>
-              <a:rPr lang="en-US" altLang="ko-KR" sz="1200" kern="0" spc="-50" dirty="0">
-                <a:solidFill>
-                  <a:sysClr val="windowText" lastClr="000000"/>
-                </a:solidFill>
-                <a:latin typeface="Calibri"/>
-                <a:cs typeface="Calibri"/>
-              </a:rPr>
-              <a:t>, </a:t>
-            </a:r>
-            <a:r>
-              <a:rPr lang="ko-KR" altLang="en-US" sz="1200" kern="0" spc="-50" dirty="0">
-                <a:solidFill>
-                  <a:sysClr val="windowText" lastClr="000000"/>
-                </a:solidFill>
-                <a:latin typeface="Calibri"/>
-                <a:cs typeface="Calibri"/>
-              </a:rPr>
-              <a:t>광주</a:t>
-            </a:r>
-            <a:endParaRPr lang="en-US" altLang="ko-KR" sz="1200" kern="0" spc="-50" dirty="0">
-              <a:solidFill>
-                <a:sysClr val="windowText" lastClr="000000"/>
-              </a:solidFill>
-              <a:latin typeface="Calibri"/>
-              <a:cs typeface="Calibri"/>
-            </a:endParaRPr>
-          </a:p>
-          <a:p>
-            <a:pPr marL="12700" latinLnBrk="0">
-              <a:spcBef>
-                <a:spcPts val="695"/>
-              </a:spcBef>
-              <a:tabLst>
-                <a:tab pos="240665" algn="l"/>
-              </a:tabLst>
-            </a:pPr>
-            <a:r>
-              <a:rPr lang="en-US" altLang="ko-KR" sz="1200" kern="0" spc="-50" dirty="0">
-                <a:solidFill>
-                  <a:sysClr val="windowText" lastClr="000000"/>
-                </a:solidFill>
-                <a:latin typeface="Calibri"/>
-                <a:cs typeface="Calibri"/>
-              </a:rPr>
-              <a:t>* </a:t>
-            </a:r>
-            <a:r>
-              <a:rPr lang="ko-KR" altLang="en-US" sz="1200" kern="0" spc="-50" dirty="0">
-                <a:solidFill>
-                  <a:sysClr val="windowText" lastClr="000000"/>
-                </a:solidFill>
-                <a:latin typeface="Calibri"/>
-                <a:cs typeface="Calibri"/>
-              </a:rPr>
-              <a:t>예측 지역 </a:t>
-            </a:r>
-            <a:r>
-              <a:rPr lang="en-US" altLang="ko-KR" sz="1200" kern="0" spc="-50" dirty="0">
-                <a:solidFill>
-                  <a:sysClr val="windowText" lastClr="000000"/>
-                </a:solidFill>
-                <a:latin typeface="Calibri"/>
-                <a:cs typeface="Calibri"/>
-              </a:rPr>
-              <a:t>: </a:t>
-            </a:r>
-            <a:r>
-              <a:rPr lang="ko-KR" altLang="en-US" sz="1200" kern="0" spc="-50" dirty="0">
-                <a:solidFill>
-                  <a:sysClr val="windowText" lastClr="000000"/>
-                </a:solidFill>
-                <a:latin typeface="Calibri"/>
-                <a:cs typeface="Calibri"/>
-              </a:rPr>
-              <a:t>대전</a:t>
-            </a:r>
-            <a:endParaRPr lang="en-US" altLang="ko-KR" sz="1200" kern="0" spc="-50" dirty="0">
-              <a:solidFill>
-                <a:sysClr val="windowText" lastClr="000000"/>
-              </a:solidFill>
-              <a:latin typeface="Calibri"/>
-              <a:cs typeface="Calibri"/>
-            </a:endParaRPr>
-          </a:p>
-        </p:txBody>
-      </p:sp>
-      <p:grpSp>
-        <p:nvGrpSpPr>
-          <p:cNvPr id="12" name="그룹 11">
-            <a:extLst>
-              <a:ext uri="{FF2B5EF4-FFF2-40B4-BE49-F238E27FC236}">
-                <a16:creationId xmlns:a16="http://schemas.microsoft.com/office/drawing/2014/main" id="{69A03454-59BD-4D91-98B6-E4A07A575B96}"/>
-              </a:ext>
-            </a:extLst>
-          </p:cNvPr>
-          <p:cNvGrpSpPr/>
-          <p:nvPr/>
-        </p:nvGrpSpPr>
-        <p:grpSpPr>
-          <a:xfrm>
-            <a:off x="9250532" y="6219306"/>
-            <a:ext cx="2776842" cy="457642"/>
-            <a:chOff x="8473734" y="6091284"/>
-            <a:chExt cx="3553640" cy="585664"/>
-          </a:xfrm>
-        </p:grpSpPr>
-        <p:pic>
-          <p:nvPicPr>
-            <p:cNvPr id="13" name="그림 12">
-              <a:extLst>
-                <a:ext uri="{FF2B5EF4-FFF2-40B4-BE49-F238E27FC236}">
-                  <a16:creationId xmlns:a16="http://schemas.microsoft.com/office/drawing/2014/main" id="{2A944B4D-367A-4D10-A6B4-49EBC050AA29}"/>
-                </a:ext>
-              </a:extLst>
-            </p:cNvPr>
-            <p:cNvPicPr>
-              <a:picLocks noChangeAspect="1"/>
-            </p:cNvPicPr>
-            <p:nvPr/>
-          </p:nvPicPr>
-          <p:blipFill rotWithShape="1">
-            <a:blip r:embed="rId3">
-              <a:extLst>
-                <a:ext uri="{28A0092B-C50C-407E-A947-70E740481C1C}">
-                  <a14:useLocalDpi xmlns:a14="http://schemas.microsoft.com/office/drawing/2010/main" val="0"/>
-                </a:ext>
-              </a:extLst>
-            </a:blip>
-            <a:srcRect l="74535" t="3851" r="5686" b="50143"/>
-            <a:stretch/>
-          </p:blipFill>
-          <p:spPr>
-            <a:xfrm>
-              <a:off x="8473734" y="6091284"/>
-              <a:ext cx="1353669" cy="585664"/>
-            </a:xfrm>
-            <a:prstGeom prst="rect">
-              <a:avLst/>
-            </a:prstGeom>
-          </p:spPr>
-        </p:pic>
-        <p:pic>
-          <p:nvPicPr>
-            <p:cNvPr id="14" name="그림 13">
-              <a:extLst>
-                <a:ext uri="{FF2B5EF4-FFF2-40B4-BE49-F238E27FC236}">
-                  <a16:creationId xmlns:a16="http://schemas.microsoft.com/office/drawing/2014/main" id="{FC4B0508-80C0-4FFE-90B4-7E66E11A74B4}"/>
-                </a:ext>
-              </a:extLst>
-            </p:cNvPr>
-            <p:cNvPicPr>
-              <a:picLocks noChangeAspect="1"/>
-            </p:cNvPicPr>
-            <p:nvPr/>
-          </p:nvPicPr>
-          <p:blipFill>
-            <a:blip r:embed="rId4" cstate="hqprint">
-              <a:extLst>
-                <a:ext uri="{28A0092B-C50C-407E-A947-70E740481C1C}">
-                  <a14:useLocalDpi xmlns:a14="http://schemas.microsoft.com/office/drawing/2010/main" val="0"/>
-                </a:ext>
-              </a:extLst>
-            </a:blip>
-            <a:stretch>
-              <a:fillRect/>
-            </a:stretch>
-          </p:blipFill>
-          <p:spPr>
-            <a:xfrm>
-              <a:off x="9827403" y="6172124"/>
-              <a:ext cx="2199971" cy="423985"/>
-            </a:xfrm>
-            <a:prstGeom prst="rect">
-              <a:avLst/>
-            </a:prstGeom>
-          </p:spPr>
-        </p:pic>
-      </p:grpSp>
-    </p:spTree>
-    <p:extLst>
-      <p:ext uri="{BB962C8B-B14F-4D97-AF65-F5344CB8AC3E}">
-        <p14:creationId xmlns:p14="http://schemas.microsoft.com/office/powerpoint/2010/main" val="2953433111"/>
       </p:ext>
     </p:extLst>
   </p:cSld>
@@ -12243,4 +13077,299 @@
     </a:ext>
   </a:extLst>
 </a:theme>
+</file>
+
+<file path=ppt/theme/theme2.xml><?xml version="1.0" encoding="utf-8"?>
+<a:theme xmlns:a="http://schemas.openxmlformats.org/drawingml/2006/main" name="Office 테마">
+  <a:themeElements>
+    <a:clrScheme name="Office">
+      <a:dk1>
+        <a:sysClr val="windowText" lastClr="000000"/>
+      </a:dk1>
+      <a:lt1>
+        <a:sysClr val="window" lastClr="FFFFFF"/>
+      </a:lt1>
+      <a:dk2>
+        <a:srgbClr val="44546A"/>
+      </a:dk2>
+      <a:lt2>
+        <a:srgbClr val="E7E6E6"/>
+      </a:lt2>
+      <a:accent1>
+        <a:srgbClr val="4472C4"/>
+      </a:accent1>
+      <a:accent2>
+        <a:srgbClr val="ED7D31"/>
+      </a:accent2>
+      <a:accent3>
+        <a:srgbClr val="A5A5A5"/>
+      </a:accent3>
+      <a:accent4>
+        <a:srgbClr val="FFC000"/>
+      </a:accent4>
+      <a:accent5>
+        <a:srgbClr val="5B9BD5"/>
+      </a:accent5>
+      <a:accent6>
+        <a:srgbClr val="70AD47"/>
+      </a:accent6>
+      <a:hlink>
+        <a:srgbClr val="0563C1"/>
+      </a:hlink>
+      <a:folHlink>
+        <a:srgbClr val="954F72"/>
+      </a:folHlink>
+    </a:clrScheme>
+    <a:fontScheme name="Office">
+      <a:majorFont>
+        <a:latin typeface="맑은 고딕" panose="020F0302020204030204"/>
+        <a:ea typeface=""/>
+        <a:cs typeface=""/>
+        <a:font script="Jpan" typeface="游ゴシック Light"/>
+        <a:font script="Hang" typeface="맑은 고딕"/>
+        <a:font script="Hans" typeface="等线 Light"/>
+        <a:font script="Hant" typeface="新細明體"/>
+        <a:font script="Arab" typeface="Times New Roman"/>
+        <a:font script="Hebr" typeface="Times New Roman"/>
+        <a:font script="Thai" typeface="Angsana New"/>
+        <a:font script="Ethi" typeface="Nyala"/>
+        <a:font script="Beng" typeface="Vrinda"/>
+        <a:font script="Gujr" typeface="Shruti"/>
+        <a:font script="Khmr" typeface="MoolBoran"/>
+        <a:font script="Knda" typeface="Tunga"/>
+        <a:font script="Guru" typeface="Raavi"/>
+        <a:font script="Cans" typeface="Euphemia"/>
+        <a:font script="Cher" typeface="Plantagenet Cherokee"/>
+        <a:font script="Yiii" typeface="Microsoft Yi Baiti"/>
+        <a:font script="Tibt" typeface="Microsoft Himalaya"/>
+        <a:font script="Thaa" typeface="MV Boli"/>
+        <a:font script="Deva" typeface="Mangal"/>
+        <a:font script="Telu" typeface="Gautami"/>
+        <a:font script="Taml" typeface="Latha"/>
+        <a:font script="Syrc" typeface="Estrangelo Edessa"/>
+        <a:font script="Orya" typeface="Kalinga"/>
+        <a:font script="Mlym" typeface="Kartika"/>
+        <a:font script="Laoo" typeface="DokChampa"/>
+        <a:font script="Sinh" typeface="Iskoola Pota"/>
+        <a:font script="Mong" typeface="Mongolian Baiti"/>
+        <a:font script="Viet" typeface="Times New Roman"/>
+        <a:font script="Uigh" typeface="Microsoft Uighur"/>
+        <a:font script="Geor" typeface="Sylfaen"/>
+        <a:font script="Armn" typeface="Arial"/>
+        <a:font script="Bugi" typeface="Leelawadee UI"/>
+        <a:font script="Bopo" typeface="Microsoft JhengHei"/>
+        <a:font script="Java" typeface="Javanese Text"/>
+        <a:font script="Lisu" typeface="Segoe UI"/>
+        <a:font script="Mymr" typeface="Myanmar Text"/>
+        <a:font script="Nkoo" typeface="Ebrima"/>
+        <a:font script="Olck" typeface="Nirmala UI"/>
+        <a:font script="Osma" typeface="Ebrima"/>
+        <a:font script="Phag" typeface="Phagspa"/>
+        <a:font script="Syrn" typeface="Estrangelo Edessa"/>
+        <a:font script="Syrj" typeface="Estrangelo Edessa"/>
+        <a:font script="Syre" typeface="Estrangelo Edessa"/>
+        <a:font script="Sora" typeface="Nirmala UI"/>
+        <a:font script="Tale" typeface="Microsoft Tai Le"/>
+        <a:font script="Talu" typeface="Microsoft New Tai Lue"/>
+        <a:font script="Tfng" typeface="Ebrima"/>
+      </a:majorFont>
+      <a:minorFont>
+        <a:latin typeface="맑은 고딕" panose="020F0502020204030204"/>
+        <a:ea typeface=""/>
+        <a:cs typeface=""/>
+        <a:font script="Jpan" typeface="游ゴシック"/>
+        <a:font script="Hang" typeface="맑은 고딕"/>
+        <a:font script="Hans" typeface="等线"/>
+        <a:font script="Hant" typeface="新細明體"/>
+        <a:font script="Arab" typeface="Arial"/>
+        <a:font script="Hebr" typeface="Arial"/>
+        <a:font script="Thai" typeface="Cordia New"/>
+        <a:font script="Ethi" typeface="Nyala"/>
+        <a:font script="Beng" typeface="Vrinda"/>
+        <a:font script="Gujr" typeface="Shruti"/>
+        <a:font script="Khmr" typeface="DaunPenh"/>
+        <a:font script="Knda" typeface="Tunga"/>
+        <a:font script="Guru" typeface="Raavi"/>
+        <a:font script="Cans" typeface="Euphemia"/>
+        <a:font script="Cher" typeface="Plantagenet Cherokee"/>
+        <a:font script="Yiii" typeface="Microsoft Yi Baiti"/>
+        <a:font script="Tibt" typeface="Microsoft Himalaya"/>
+        <a:font script="Thaa" typeface="MV Boli"/>
+        <a:font script="Deva" typeface="Mangal"/>
+        <a:font script="Telu" typeface="Gautami"/>
+        <a:font script="Taml" typeface="Latha"/>
+        <a:font script="Syrc" typeface="Estrangelo Edessa"/>
+        <a:font script="Orya" typeface="Kalinga"/>
+        <a:font script="Mlym" typeface="Kartika"/>
+        <a:font script="Laoo" typeface="DokChampa"/>
+        <a:font script="Sinh" typeface="Iskoola Pota"/>
+        <a:font script="Mong" typeface="Mongolian Baiti"/>
+        <a:font script="Viet" typeface="Arial"/>
+        <a:font script="Uigh" typeface="Microsoft Uighur"/>
+        <a:font script="Geor" typeface="Sylfaen"/>
+        <a:font script="Armn" typeface="Arial"/>
+        <a:font script="Bugi" typeface="Leelawadee UI"/>
+        <a:font script="Bopo" typeface="Microsoft JhengHei"/>
+        <a:font script="Java" typeface="Javanese Text"/>
+        <a:font script="Lisu" typeface="Segoe UI"/>
+        <a:font script="Mymr" typeface="Myanmar Text"/>
+        <a:font script="Nkoo" typeface="Ebrima"/>
+        <a:font script="Olck" typeface="Nirmala UI"/>
+        <a:font script="Osma" typeface="Ebrima"/>
+        <a:font script="Phag" typeface="Phagspa"/>
+        <a:font script="Syrn" typeface="Estrangelo Edessa"/>
+        <a:font script="Syrj" typeface="Estrangelo Edessa"/>
+        <a:font script="Syre" typeface="Estrangelo Edessa"/>
+        <a:font script="Sora" typeface="Nirmala UI"/>
+        <a:font script="Tale" typeface="Microsoft Tai Le"/>
+        <a:font script="Talu" typeface="Microsoft New Tai Lue"/>
+        <a:font script="Tfng" typeface="Ebrima"/>
+      </a:minorFont>
+    </a:fontScheme>
+    <a:fmtScheme name="Office">
+      <a:fillStyleLst>
+        <a:solidFill>
+          <a:schemeClr val="phClr"/>
+        </a:solidFill>
+        <a:gradFill rotWithShape="1">
+          <a:gsLst>
+            <a:gs pos="0">
+              <a:schemeClr val="phClr">
+                <a:lumMod val="110000"/>
+                <a:satMod val="105000"/>
+                <a:tint val="67000"/>
+              </a:schemeClr>
+            </a:gs>
+            <a:gs pos="50000">
+              <a:schemeClr val="phClr">
+                <a:lumMod val="105000"/>
+                <a:satMod val="103000"/>
+                <a:tint val="73000"/>
+              </a:schemeClr>
+            </a:gs>
+            <a:gs pos="100000">
+              <a:schemeClr val="phClr">
+                <a:lumMod val="105000"/>
+                <a:satMod val="109000"/>
+                <a:tint val="81000"/>
+              </a:schemeClr>
+            </a:gs>
+          </a:gsLst>
+          <a:lin ang="5400000" scaled="0"/>
+        </a:gradFill>
+        <a:gradFill rotWithShape="1">
+          <a:gsLst>
+            <a:gs pos="0">
+              <a:schemeClr val="phClr">
+                <a:satMod val="103000"/>
+                <a:lumMod val="102000"/>
+                <a:tint val="94000"/>
+              </a:schemeClr>
+            </a:gs>
+            <a:gs pos="50000">
+              <a:schemeClr val="phClr">
+                <a:satMod val="110000"/>
+                <a:lumMod val="100000"/>
+                <a:shade val="100000"/>
+              </a:schemeClr>
+            </a:gs>
+            <a:gs pos="100000">
+              <a:schemeClr val="phClr">
+                <a:lumMod val="99000"/>
+                <a:satMod val="120000"/>
+                <a:shade val="78000"/>
+              </a:schemeClr>
+            </a:gs>
+          </a:gsLst>
+          <a:lin ang="5400000" scaled="0"/>
+        </a:gradFill>
+      </a:fillStyleLst>
+      <a:lnStyleLst>
+        <a:ln w="6350" cap="flat" cmpd="sng" algn="ctr">
+          <a:solidFill>
+            <a:schemeClr val="phClr"/>
+          </a:solidFill>
+          <a:prstDash val="solid"/>
+          <a:miter lim="800000"/>
+        </a:ln>
+        <a:ln w="12700" cap="flat" cmpd="sng" algn="ctr">
+          <a:solidFill>
+            <a:schemeClr val="phClr"/>
+          </a:solidFill>
+          <a:prstDash val="solid"/>
+          <a:miter lim="800000"/>
+        </a:ln>
+        <a:ln w="19050" cap="flat" cmpd="sng" algn="ctr">
+          <a:solidFill>
+            <a:schemeClr val="phClr"/>
+          </a:solidFill>
+          <a:prstDash val="solid"/>
+          <a:miter lim="800000"/>
+        </a:ln>
+      </a:lnStyleLst>
+      <a:effectStyleLst>
+        <a:effectStyle>
+          <a:effectLst/>
+        </a:effectStyle>
+        <a:effectStyle>
+          <a:effectLst/>
+        </a:effectStyle>
+        <a:effectStyle>
+          <a:effectLst>
+            <a:outerShdw blurRad="57150" dist="19050" dir="5400000" algn="ctr" rotWithShape="0">
+              <a:srgbClr val="000000">
+                <a:alpha val="63000"/>
+              </a:srgbClr>
+            </a:outerShdw>
+          </a:effectLst>
+        </a:effectStyle>
+      </a:effectStyleLst>
+      <a:bgFillStyleLst>
+        <a:solidFill>
+          <a:schemeClr val="phClr"/>
+        </a:solidFill>
+        <a:solidFill>
+          <a:schemeClr val="phClr">
+            <a:tint val="95000"/>
+            <a:satMod val="170000"/>
+          </a:schemeClr>
+        </a:solidFill>
+        <a:gradFill rotWithShape="1">
+          <a:gsLst>
+            <a:gs pos="0">
+              <a:schemeClr val="phClr">
+                <a:tint val="93000"/>
+                <a:satMod val="150000"/>
+                <a:shade val="98000"/>
+                <a:lumMod val="102000"/>
+              </a:schemeClr>
+            </a:gs>
+            <a:gs pos="50000">
+              <a:schemeClr val="phClr">
+                <a:tint val="98000"/>
+                <a:satMod val="130000"/>
+                <a:shade val="90000"/>
+                <a:lumMod val="103000"/>
+              </a:schemeClr>
+            </a:gs>
+            <a:gs pos="100000">
+              <a:schemeClr val="phClr">
+                <a:shade val="63000"/>
+                <a:satMod val="120000"/>
+              </a:schemeClr>
+            </a:gs>
+          </a:gsLst>
+          <a:lin ang="5400000" scaled="0"/>
+        </a:gradFill>
+      </a:bgFillStyleLst>
+    </a:fmtScheme>
+  </a:themeElements>
+  <a:objectDefaults/>
+  <a:extraClrSchemeLst/>
+  <a:extLst>
+    <a:ext uri="{05A4C25C-085E-4340-85A3-A5531E510DB2}">
+      <thm15:themeFamily xmlns:thm15="http://schemas.microsoft.com/office/thememl/2012/main" name="Office Theme" id="{62F939B6-93AF-4DB8-9C6B-D6C7DFDC589F}" vid="{4A3C46E8-61CC-4603-A589-7422A47A8E4A}"/>
+    </a:ext>
+  </a:extLst>
+</a:theme>
 </file>
--- a/KICS_PT/[KICS] 모델 poster.pptx
+++ b/KICS_PT/[KICS] 모델 poster.pptx
@@ -5,17 +5,17 @@
     <p:sldMasterId id="2147483648" r:id="rId1"/>
   </p:sldMasterIdLst>
   <p:notesMasterIdLst>
-    <p:notesMasterId r:id="rId18"/>
+    <p:notesMasterId r:id="rId19"/>
   </p:notesMasterIdLst>
   <p:sldIdLst>
     <p:sldId id="256" r:id="rId2"/>
-    <p:sldId id="257" r:id="rId3"/>
-    <p:sldId id="263" r:id="rId4"/>
-    <p:sldId id="282" r:id="rId5"/>
-    <p:sldId id="266" r:id="rId6"/>
-    <p:sldId id="271" r:id="rId7"/>
-    <p:sldId id="267" r:id="rId8"/>
-    <p:sldId id="283" r:id="rId9"/>
+    <p:sldId id="284" r:id="rId3"/>
+    <p:sldId id="257" r:id="rId4"/>
+    <p:sldId id="263" r:id="rId5"/>
+    <p:sldId id="282" r:id="rId6"/>
+    <p:sldId id="266" r:id="rId7"/>
+    <p:sldId id="271" r:id="rId8"/>
+    <p:sldId id="267" r:id="rId9"/>
     <p:sldId id="269" r:id="rId10"/>
     <p:sldId id="270" r:id="rId11"/>
     <p:sldId id="277" r:id="rId12"/>
@@ -24,6 +24,7 @@
     <p:sldId id="278" r:id="rId15"/>
     <p:sldId id="280" r:id="rId16"/>
     <p:sldId id="281" r:id="rId17"/>
+    <p:sldId id="285" r:id="rId18"/>
   </p:sldIdLst>
   <p:sldSz cx="12192000" cy="6858000"/>
   <p:notesSz cx="6858000" cy="9144000"/>
@@ -562,7 +563,7 @@
           <a:p>
             <a:fld id="{3DA20865-045B-45A9-AC7A-AC77C3641144}" type="slidenum">
               <a:rPr lang="ko-KR" altLang="en-US" smtClean="0"/>
-              <a:t>6</a:t>
+              <a:t>7</a:t>
             </a:fld>
             <a:endParaRPr lang="ko-KR" altLang="en-US"/>
           </a:p>
@@ -572,6 +573,90 @@
     <p:extLst>
       <p:ext uri="{BB962C8B-B14F-4D97-AF65-F5344CB8AC3E}">
         <p14:creationId xmlns:p14="http://schemas.microsoft.com/office/powerpoint/2010/main" val="1321639438"/>
+      </p:ext>
+    </p:extLst>
+  </p:cSld>
+  <p:clrMapOvr>
+    <a:masterClrMapping/>
+  </p:clrMapOvr>
+</p:notes>
+</file>
+
+<file path=ppt/notesSlides/notesSlide2.xml><?xml version="1.0" encoding="utf-8"?>
+<p:notes xmlns:a="http://schemas.openxmlformats.org/drawingml/2006/main" xmlns:r="http://schemas.openxmlformats.org/officeDocument/2006/relationships" xmlns:p="http://schemas.openxmlformats.org/presentationml/2006/main">
+  <p:cSld>
+    <p:spTree>
+      <p:nvGrpSpPr>
+        <p:cNvPr id="1" name=""/>
+        <p:cNvGrpSpPr/>
+        <p:nvPr/>
+      </p:nvGrpSpPr>
+      <p:grpSpPr>
+        <a:xfrm>
+          <a:off x="0" y="0"/>
+          <a:ext cx="0" cy="0"/>
+          <a:chOff x="0" y="0"/>
+          <a:chExt cx="0" cy="0"/>
+        </a:xfrm>
+      </p:grpSpPr>
+      <p:sp>
+        <p:nvSpPr>
+          <p:cNvPr id="2" name="슬라이드 이미지 개체 틀 1"/>
+          <p:cNvSpPr>
+            <a:spLocks noGrp="1" noRot="1" noChangeAspect="1"/>
+          </p:cNvSpPr>
+          <p:nvPr>
+            <p:ph type="sldImg"/>
+          </p:nvPr>
+        </p:nvSpPr>
+        <p:spPr/>
+      </p:sp>
+      <p:sp>
+        <p:nvSpPr>
+          <p:cNvPr id="3" name="슬라이드 노트 개체 틀 2"/>
+          <p:cNvSpPr>
+            <a:spLocks noGrp="1"/>
+          </p:cNvSpPr>
+          <p:nvPr>
+            <p:ph type="body" idx="1"/>
+          </p:nvPr>
+        </p:nvSpPr>
+        <p:spPr/>
+        <p:txBody>
+          <a:bodyPr/>
+          <a:lstStyle/>
+          <a:p>
+            <a:endParaRPr lang="ko-KR" altLang="en-US" dirty="0"/>
+          </a:p>
+        </p:txBody>
+      </p:sp>
+      <p:sp>
+        <p:nvSpPr>
+          <p:cNvPr id="4" name="슬라이드 번호 개체 틀 3"/>
+          <p:cNvSpPr>
+            <a:spLocks noGrp="1"/>
+          </p:cNvSpPr>
+          <p:nvPr>
+            <p:ph type="sldNum" sz="quarter" idx="5"/>
+          </p:nvPr>
+        </p:nvSpPr>
+        <p:spPr/>
+        <p:txBody>
+          <a:bodyPr/>
+          <a:lstStyle/>
+          <a:p>
+            <a:fld id="{3DA20865-045B-45A9-AC7A-AC77C3641144}" type="slidenum">
+              <a:rPr lang="ko-KR" altLang="en-US" smtClean="0"/>
+              <a:t>12</a:t>
+            </a:fld>
+            <a:endParaRPr lang="ko-KR" altLang="en-US"/>
+          </a:p>
+        </p:txBody>
+      </p:sp>
+    </p:spTree>
+    <p:extLst>
+      <p:ext uri="{BB962C8B-B14F-4D97-AF65-F5344CB8AC3E}">
+        <p14:creationId xmlns:p14="http://schemas.microsoft.com/office/powerpoint/2010/main" val="85920766"/>
       </p:ext>
     </p:extLst>
   </p:cSld>
@@ -4528,7 +4613,7 @@
                 <a:latin typeface="Calibri"/>
                 <a:cs typeface="Calibri"/>
               </a:rPr>
-              <a:t>[</a:t>
+              <a:t>(</a:t>
             </a:r>
             <a:r>
               <a:rPr lang="ko-KR" altLang="en-US" kern="0" spc="-50" dirty="0">
@@ -4548,7 +4633,7 @@
                 <a:latin typeface="Calibri"/>
                 <a:cs typeface="Calibri"/>
               </a:rPr>
-              <a:t>] </a:t>
+              <a:t>) </a:t>
             </a:r>
             <a:r>
               <a:rPr lang="ko-KR" altLang="en-US" dirty="0"/>
@@ -4753,7 +4838,7 @@
               </a:tabLst>
             </a:pPr>
             <a:r>
-              <a:rPr lang="en-US" altLang="ko-KR" sz="1200" kern="0" spc="-50" dirty="0">
+              <a:rPr lang="en-US" altLang="ko-KR" sz="1200" b="1" kern="0" spc="-50" dirty="0">
                 <a:solidFill>
                   <a:sysClr val="windowText" lastClr="000000"/>
                 </a:solidFill>
@@ -4763,7 +4848,7 @@
               <a:t>* </a:t>
             </a:r>
             <a:r>
-              <a:rPr lang="ko-KR" altLang="en-US" sz="1200" kern="0" spc="-50" dirty="0">
+              <a:rPr lang="ko-KR" altLang="en-US" sz="1200" b="1" kern="0" spc="-50" dirty="0">
                 <a:solidFill>
                   <a:sysClr val="windowText" lastClr="000000"/>
                 </a:solidFill>
@@ -4773,7 +4858,7 @@
               <a:t>학습 지역</a:t>
             </a:r>
             <a:r>
-              <a:rPr lang="en-US" altLang="ko-KR" sz="1200" kern="0" spc="-50" dirty="0">
+              <a:rPr lang="en-US" altLang="ko-KR" sz="1200" b="1" kern="0" spc="-50" dirty="0">
                 <a:solidFill>
                   <a:sysClr val="windowText" lastClr="000000"/>
                 </a:solidFill>
@@ -4783,7 +4868,7 @@
               <a:t>:  </a:t>
             </a:r>
             <a:r>
-              <a:rPr lang="ko-KR" altLang="en-US" sz="1200" kern="0" spc="-50" dirty="0">
+              <a:rPr lang="ko-KR" altLang="en-US" sz="1200" b="1" kern="0" spc="-50" dirty="0">
                 <a:solidFill>
                   <a:sysClr val="windowText" lastClr="000000"/>
                 </a:solidFill>
@@ -4793,7 +4878,7 @@
               <a:t>서울</a:t>
             </a:r>
             <a:r>
-              <a:rPr lang="en-US" altLang="ko-KR" sz="1200" kern="0" spc="-50" dirty="0">
+              <a:rPr lang="en-US" altLang="ko-KR" sz="1200" b="1" kern="0" spc="-50" dirty="0">
                 <a:solidFill>
                   <a:sysClr val="windowText" lastClr="000000"/>
                 </a:solidFill>
@@ -4803,7 +4888,7 @@
               <a:t>, </a:t>
             </a:r>
             <a:r>
-              <a:rPr lang="ko-KR" altLang="en-US" sz="1200" kern="0" spc="-50" dirty="0">
+              <a:rPr lang="ko-KR" altLang="en-US" sz="1200" b="1" kern="0" spc="-50" dirty="0">
                 <a:solidFill>
                   <a:sysClr val="windowText" lastClr="000000"/>
                 </a:solidFill>
@@ -4813,7 +4898,7 @@
               <a:t>부산</a:t>
             </a:r>
             <a:r>
-              <a:rPr lang="en-US" altLang="ko-KR" sz="1200" kern="0" spc="-50" dirty="0">
+              <a:rPr lang="en-US" altLang="ko-KR" sz="1200" b="1" kern="0" spc="-50" dirty="0">
                 <a:solidFill>
                   <a:sysClr val="windowText" lastClr="000000"/>
                 </a:solidFill>
@@ -4823,7 +4908,7 @@
               <a:t>, </a:t>
             </a:r>
             <a:r>
-              <a:rPr lang="ko-KR" altLang="en-US" sz="1200" kern="0" spc="-50" dirty="0">
+              <a:rPr lang="ko-KR" altLang="en-US" sz="1200" b="1" kern="0" spc="-50" dirty="0">
                 <a:solidFill>
                   <a:sysClr val="windowText" lastClr="000000"/>
                 </a:solidFill>
@@ -4833,7 +4918,7 @@
               <a:t>대구</a:t>
             </a:r>
             <a:r>
-              <a:rPr lang="en-US" altLang="ko-KR" sz="1200" kern="0" spc="-50" dirty="0">
+              <a:rPr lang="en-US" altLang="ko-KR" sz="1200" b="1" kern="0" spc="-50" dirty="0">
                 <a:solidFill>
                   <a:sysClr val="windowText" lastClr="000000"/>
                 </a:solidFill>
@@ -4843,7 +4928,7 @@
               <a:t>, </a:t>
             </a:r>
             <a:r>
-              <a:rPr lang="ko-KR" altLang="en-US" sz="1200" kern="0" spc="-50" dirty="0">
+              <a:rPr lang="ko-KR" altLang="en-US" sz="1200" b="1" kern="0" spc="-50" dirty="0">
                 <a:solidFill>
                   <a:sysClr val="windowText" lastClr="000000"/>
                 </a:solidFill>
@@ -4853,7 +4938,7 @@
               <a:t>인천</a:t>
             </a:r>
             <a:r>
-              <a:rPr lang="en-US" altLang="ko-KR" sz="1200" kern="0" spc="-50" dirty="0">
+              <a:rPr lang="en-US" altLang="ko-KR" sz="1200" b="1" kern="0" spc="-50" dirty="0">
                 <a:solidFill>
                   <a:sysClr val="windowText" lastClr="000000"/>
                 </a:solidFill>
@@ -4863,7 +4948,7 @@
               <a:t>, </a:t>
             </a:r>
             <a:r>
-              <a:rPr lang="ko-KR" altLang="en-US" sz="1200" kern="0" spc="-50" dirty="0">
+              <a:rPr lang="ko-KR" altLang="en-US" sz="1200" b="1" kern="0" spc="-50" dirty="0">
                 <a:solidFill>
                   <a:sysClr val="windowText" lastClr="000000"/>
                 </a:solidFill>
@@ -4872,7 +4957,7 @@
               </a:rPr>
               <a:t>광주</a:t>
             </a:r>
-            <a:endParaRPr lang="en-US" altLang="ko-KR" sz="1200" kern="0" spc="-50" dirty="0">
+            <a:endParaRPr lang="en-US" altLang="ko-KR" sz="1200" b="1" kern="0" spc="-50" dirty="0">
               <a:solidFill>
                 <a:sysClr val="windowText" lastClr="000000"/>
               </a:solidFill>
@@ -4890,7 +4975,7 @@
               </a:tabLst>
             </a:pPr>
             <a:r>
-              <a:rPr lang="en-US" altLang="ko-KR" sz="1200" kern="0" spc="-50" dirty="0">
+              <a:rPr lang="en-US" altLang="ko-KR" sz="1200" b="1" kern="0" spc="-50" dirty="0">
                 <a:solidFill>
                   <a:sysClr val="windowText" lastClr="000000"/>
                 </a:solidFill>
@@ -4900,7 +4985,7 @@
               <a:t>* </a:t>
             </a:r>
             <a:r>
-              <a:rPr lang="ko-KR" altLang="en-US" sz="1200" kern="0" spc="-50" dirty="0">
+              <a:rPr lang="ko-KR" altLang="en-US" sz="1200" b="1" kern="0" spc="-50" dirty="0">
                 <a:solidFill>
                   <a:sysClr val="windowText" lastClr="000000"/>
                 </a:solidFill>
@@ -4910,7 +4995,7 @@
               <a:t>예측 지역 </a:t>
             </a:r>
             <a:r>
-              <a:rPr lang="en-US" altLang="ko-KR" sz="1200" kern="0" spc="-50" dirty="0">
+              <a:rPr lang="en-US" altLang="ko-KR" sz="1200" b="1" kern="0" spc="-50" dirty="0">
                 <a:solidFill>
                   <a:sysClr val="windowText" lastClr="000000"/>
                 </a:solidFill>
@@ -4920,7 +5005,7 @@
               <a:t>: </a:t>
             </a:r>
             <a:r>
-              <a:rPr lang="ko-KR" altLang="en-US" sz="1200" kern="0" spc="-50" dirty="0">
+              <a:rPr lang="ko-KR" altLang="en-US" sz="1200" b="1" kern="0" spc="-50" dirty="0">
                 <a:solidFill>
                   <a:sysClr val="windowText" lastClr="000000"/>
                 </a:solidFill>
@@ -4929,7 +5014,7 @@
               </a:rPr>
               <a:t>대전</a:t>
             </a:r>
-            <a:endParaRPr lang="en-US" altLang="ko-KR" sz="1200" kern="0" spc="-50" dirty="0">
+            <a:endParaRPr lang="en-US" altLang="ko-KR" sz="1200" b="1" kern="0" spc="-50" dirty="0">
               <a:solidFill>
                 <a:sysClr val="windowText" lastClr="000000"/>
               </a:solidFill>
@@ -5840,7 +5925,7 @@
               </a:tabLst>
             </a:pPr>
             <a:r>
-              <a:rPr lang="en-US" altLang="ko-KR" sz="1200" kern="0" spc="-50" dirty="0">
+              <a:rPr lang="en-US" altLang="ko-KR" sz="1200" b="1" kern="0" spc="-50" dirty="0">
                 <a:solidFill>
                   <a:sysClr val="windowText" lastClr="000000"/>
                 </a:solidFill>
@@ -5850,7 +5935,7 @@
               <a:t>* </a:t>
             </a:r>
             <a:r>
-              <a:rPr lang="ko-KR" altLang="en-US" sz="1200" kern="0" spc="-50" dirty="0">
+              <a:rPr lang="ko-KR" altLang="en-US" sz="1200" b="1" kern="0" spc="-50" dirty="0">
                 <a:solidFill>
                   <a:sysClr val="windowText" lastClr="000000"/>
                 </a:solidFill>
@@ -5860,7 +5945,7 @@
               <a:t>수집 단위 </a:t>
             </a:r>
             <a:r>
-              <a:rPr lang="en-US" altLang="ko-KR" sz="1200" kern="0" spc="-50" dirty="0">
+              <a:rPr lang="en-US" altLang="ko-KR" sz="1200" b="1" kern="0" spc="-50" dirty="0">
                 <a:solidFill>
                   <a:sysClr val="windowText" lastClr="000000"/>
                 </a:solidFill>
@@ -5870,7 +5955,7 @@
               <a:t>: 1</a:t>
             </a:r>
             <a:r>
-              <a:rPr lang="ko-KR" altLang="en-US" sz="1200" kern="0" spc="-50" dirty="0">
+              <a:rPr lang="ko-KR" altLang="en-US" sz="1200" b="1" kern="0" spc="-50" dirty="0">
                 <a:solidFill>
                   <a:sysClr val="windowText" lastClr="000000"/>
                 </a:solidFill>
@@ -5879,7 +5964,7 @@
               </a:rPr>
               <a:t>시간 </a:t>
             </a:r>
-            <a:endParaRPr lang="en-US" altLang="ko-KR" sz="1200" kern="0" spc="-50" dirty="0">
+            <a:endParaRPr lang="en-US" altLang="ko-KR" sz="1200" b="1" kern="0" spc="-50" dirty="0">
               <a:solidFill>
                 <a:sysClr val="windowText" lastClr="000000"/>
               </a:solidFill>
@@ -6463,7 +6548,7 @@
             <p:nvPr/>
           </p:nvPicPr>
           <p:blipFill>
-            <a:blip r:embed="rId2">
+            <a:blip r:embed="rId3">
               <a:extLst>
                 <a:ext uri="{28A0092B-C50C-407E-A947-70E740481C1C}">
                   <a14:useLocalDpi xmlns:a14="http://schemas.microsoft.com/office/drawing/2010/main" val="0"/>
@@ -6510,7 +6595,7 @@
             <p:nvPr/>
           </p:nvPicPr>
           <p:blipFill>
-            <a:blip r:embed="rId3">
+            <a:blip r:embed="rId4">
               <a:extLst>
                 <a:ext uri="{28A0092B-C50C-407E-A947-70E740481C1C}">
                   <a14:useLocalDpi xmlns:a14="http://schemas.microsoft.com/office/drawing/2010/main" val="0"/>
@@ -6578,7 +6663,7 @@
             <p:nvPr/>
           </p:nvPicPr>
           <p:blipFill rotWithShape="1">
-            <a:blip r:embed="rId4">
+            <a:blip r:embed="rId5">
               <a:extLst>
                 <a:ext uri="{28A0092B-C50C-407E-A947-70E740481C1C}">
                   <a14:useLocalDpi xmlns:a14="http://schemas.microsoft.com/office/drawing/2010/main" val="0"/>
@@ -6613,7 +6698,7 @@
             <p:nvPr/>
           </p:nvPicPr>
           <p:blipFill>
-            <a:blip r:embed="rId5" cstate="hqprint">
+            <a:blip r:embed="rId6" cstate="hqprint">
               <a:extLst>
                 <a:ext uri="{28A0092B-C50C-407E-A947-70E740481C1C}">
                   <a14:useLocalDpi xmlns:a14="http://schemas.microsoft.com/office/drawing/2010/main" val="0"/>
@@ -6635,6 +6720,50 @@
           </p:spPr>
         </p:pic>
       </p:grpSp>
+      <p:sp>
+        <p:nvSpPr>
+          <p:cNvPr id="2" name="TextBox 1">
+            <a:extLst>
+              <a:ext uri="{FF2B5EF4-FFF2-40B4-BE49-F238E27FC236}">
+                <a16:creationId xmlns:a16="http://schemas.microsoft.com/office/drawing/2014/main" id="{79C17FF3-2232-46A5-B77F-A455FA0C21FA}"/>
+              </a:ext>
+            </a:extLst>
+          </p:cNvPr>
+          <p:cNvSpPr txBox="1"/>
+          <p:nvPr/>
+        </p:nvSpPr>
+        <p:spPr>
+          <a:xfrm>
+            <a:off x="6651883" y="639258"/>
+            <a:ext cx="5197297" cy="338554"/>
+          </a:xfrm>
+          <a:prstGeom prst="rect">
+            <a:avLst/>
+          </a:prstGeom>
+          <a:noFill/>
+        </p:spPr>
+        <p:txBody>
+          <a:bodyPr wrap="square" rtlCol="0">
+            <a:spAutoFit/>
+          </a:bodyPr>
+          <a:lstStyle/>
+          <a:p>
+            <a:r>
+              <a:rPr lang="en-US" altLang="ko-KR" sz="800" dirty="0"/>
+              <a:t>[5] T. M. Oshiro, P. S. Perez, and J. A. </a:t>
+            </a:r>
+            <a:r>
+              <a:rPr lang="en-US" altLang="ko-KR" sz="800" dirty="0" err="1"/>
+              <a:t>Baranauskas</a:t>
+            </a:r>
+            <a:r>
+              <a:rPr lang="en-US" altLang="ko-KR" sz="800" dirty="0"/>
+              <a:t>, “How Many Trees in a Random Forest?” In Proc. of the International Workshop on Machine Learning and Data Mining in Pattern Recognition, pp. 154-168, 2012. </a:t>
+            </a:r>
+            <a:endParaRPr lang="ko-KR" altLang="en-US" sz="800" dirty="0"/>
+          </a:p>
+        </p:txBody>
+      </p:sp>
     </p:spTree>
     <p:extLst>
       <p:ext uri="{BB962C8B-B14F-4D97-AF65-F5344CB8AC3E}">
@@ -6839,8 +6968,8 @@
           </a:p>
         </p:txBody>
       </p:sp>
-      <mc:AlternateContent xmlns:mc="http://schemas.openxmlformats.org/markup-compatibility/2006">
-        <mc:Choice xmlns:a14="http://schemas.microsoft.com/office/drawing/2010/main" Requires="a14">
+      <mc:AlternateContent xmlns:mc="http://schemas.openxmlformats.org/markup-compatibility/2006" xmlns:a14="http://schemas.microsoft.com/office/drawing/2010/main">
+        <mc:Choice Requires="a14">
           <p:sp>
             <p:nvSpPr>
               <p:cNvPr id="11" name="object 3">
@@ -7150,7 +7279,7 @@
             </p:txBody>
           </p:sp>
         </mc:Choice>
-        <mc:Fallback>
+        <mc:Fallback xmlns="">
           <p:sp>
             <p:nvSpPr>
               <p:cNvPr id="11" name="object 3">
@@ -7195,8 +7324,8 @@
           </p:sp>
         </mc:Fallback>
       </mc:AlternateContent>
-      <mc:AlternateContent xmlns:mc="http://schemas.openxmlformats.org/markup-compatibility/2006" xmlns:a14="http://schemas.microsoft.com/office/drawing/2010/main">
-        <mc:Choice Requires="a14">
+      <mc:AlternateContent xmlns:mc="http://schemas.openxmlformats.org/markup-compatibility/2006">
+        <mc:Choice xmlns:a14="http://schemas.microsoft.com/office/drawing/2010/main" Requires="a14">
           <p:sp>
             <p:nvSpPr>
               <p:cNvPr id="8" name="object 3">
@@ -7302,13 +7431,13 @@
                     </a:solidFill>
                     <a:latin typeface="+mj-lt"/>
                   </a:rPr>
-                  <a:t>Train</a:t>
+                  <a:t>Table</a:t>
                 </a:r>
               </a:p>
             </p:txBody>
           </p:sp>
         </mc:Choice>
-        <mc:Fallback xmlns="">
+        <mc:Fallback>
           <p:sp>
             <p:nvSpPr>
               <p:cNvPr id="8" name="object 3">
@@ -8584,20 +8713,14 @@
               <a:defRPr/>
             </a:pPr>
             <a:r>
-              <a:rPr kumimoji="0" lang="en-US" altLang="ko-KR" sz="3200" b="1" i="0" u="none" strike="noStrike" kern="0" cap="none" spc="-25" normalizeH="0" baseline="0" noProof="0" dirty="0">
-                <a:ln>
-                  <a:noFill/>
-                </a:ln>
+              <a:rPr lang="ko-KR" altLang="en-US" sz="3200" kern="0" spc="-25" dirty="0">
                 <a:solidFill>
                   <a:srgbClr val="001F60"/>
                 </a:solidFill>
-                <a:effectLst/>
-                <a:uLnTx/>
-                <a:uFillTx/>
                 <a:latin typeface="맑은 고딕" panose="020B0503020000020004" pitchFamily="50" charset="-127"/>
                 <a:ea typeface="맑은 고딕" panose="020B0503020000020004" pitchFamily="50" charset="-127"/>
               </a:rPr>
-              <a:t>Head</a:t>
+              <a:t>결론</a:t>
             </a:r>
             <a:endParaRPr kumimoji="0" lang="ko-KR" altLang="en-US" sz="3200" b="1" i="0" u="none" strike="noStrike" kern="0" cap="none" spc="0" normalizeH="0" baseline="0" noProof="0" dirty="0">
               <a:ln>
@@ -8873,7 +8996,746 @@
 </p:sld>
 </file>
 
+<file path=ppt/slides/slide17.xml><?xml version="1.0" encoding="utf-8"?>
+<p:sld xmlns:a="http://schemas.openxmlformats.org/drawingml/2006/main" xmlns:r="http://schemas.openxmlformats.org/officeDocument/2006/relationships" xmlns:p="http://schemas.openxmlformats.org/presentationml/2006/main">
+  <p:cSld>
+    <p:spTree>
+      <p:nvGrpSpPr>
+        <p:cNvPr id="1" name=""/>
+        <p:cNvGrpSpPr/>
+        <p:nvPr/>
+      </p:nvGrpSpPr>
+      <p:grpSpPr>
+        <a:xfrm>
+          <a:off x="0" y="0"/>
+          <a:ext cx="0" cy="0"/>
+          <a:chOff x="0" y="0"/>
+          <a:chExt cx="0" cy="0"/>
+        </a:xfrm>
+      </p:grpSpPr>
+      <p:sp>
+        <p:nvSpPr>
+          <p:cNvPr id="3" name="직사각형 2">
+            <a:extLst>
+              <a:ext uri="{FF2B5EF4-FFF2-40B4-BE49-F238E27FC236}">
+                <a16:creationId xmlns:a16="http://schemas.microsoft.com/office/drawing/2014/main" id="{753444D1-C8AF-4282-949A-3A5C6226CB43}"/>
+              </a:ext>
+            </a:extLst>
+          </p:cNvPr>
+          <p:cNvSpPr/>
+          <p:nvPr/>
+        </p:nvSpPr>
+        <p:spPr>
+          <a:xfrm>
+            <a:off x="-2" y="1994992"/>
+            <a:ext cx="12191999" cy="2039467"/>
+          </a:xfrm>
+          <a:prstGeom prst="rect">
+            <a:avLst/>
+          </a:prstGeom>
+          <a:solidFill>
+            <a:srgbClr val="002060"/>
+          </a:solidFill>
+          <a:ln>
+            <a:noFill/>
+          </a:ln>
+        </p:spPr>
+        <p:style>
+          <a:lnRef idx="2">
+            <a:schemeClr val="accent1">
+              <a:shade val="50000"/>
+            </a:schemeClr>
+          </a:lnRef>
+          <a:fillRef idx="1">
+            <a:schemeClr val="accent1"/>
+          </a:fillRef>
+          <a:effectRef idx="0">
+            <a:schemeClr val="accent1"/>
+          </a:effectRef>
+          <a:fontRef idx="minor">
+            <a:schemeClr val="lt1"/>
+          </a:fontRef>
+        </p:style>
+        <p:txBody>
+          <a:bodyPr rtlCol="0" anchor="ctr"/>
+          <a:lstStyle/>
+          <a:p>
+            <a:pPr algn="ctr"/>
+            <a:endParaRPr lang="ko-KR" altLang="en-US"/>
+          </a:p>
+        </p:txBody>
+      </p:sp>
+      <p:sp>
+        <p:nvSpPr>
+          <p:cNvPr id="2" name="제목 1">
+            <a:extLst>
+              <a:ext uri="{FF2B5EF4-FFF2-40B4-BE49-F238E27FC236}">
+                <a16:creationId xmlns:a16="http://schemas.microsoft.com/office/drawing/2014/main" id="{0B0696DC-B7BA-4CDC-A60C-0425727AC2BC}"/>
+              </a:ext>
+            </a:extLst>
+          </p:cNvPr>
+          <p:cNvSpPr>
+            <a:spLocks noGrp="1"/>
+          </p:cNvSpPr>
+          <p:nvPr>
+            <p:ph type="ctrTitle"/>
+          </p:nvPr>
+        </p:nvSpPr>
+        <p:spPr>
+          <a:xfrm>
+            <a:off x="1628593" y="2467945"/>
+            <a:ext cx="8934807" cy="961992"/>
+          </a:xfrm>
+        </p:spPr>
+        <p:txBody>
+          <a:bodyPr>
+            <a:normAutofit/>
+          </a:bodyPr>
+          <a:lstStyle/>
+          <a:p>
+            <a:pPr>
+              <a:lnSpc>
+                <a:spcPct val="100000"/>
+              </a:lnSpc>
+            </a:pPr>
+            <a:r>
+              <a:rPr lang="ko-KR" altLang="en-US" sz="3600" b="1" dirty="0">
+                <a:solidFill>
+                  <a:schemeClr val="bg1"/>
+                </a:solidFill>
+              </a:rPr>
+              <a:t>감사합니다</a:t>
+            </a:r>
+            <a:r>
+              <a:rPr lang="en-US" altLang="ko-KR" sz="3600" b="1" dirty="0">
+                <a:solidFill>
+                  <a:schemeClr val="bg1"/>
+                </a:solidFill>
+              </a:rPr>
+              <a:t>. </a:t>
+            </a:r>
+            <a:endParaRPr lang="ko-KR" altLang="en-US" sz="4000" b="1" dirty="0">
+              <a:solidFill>
+                <a:schemeClr val="bg1"/>
+              </a:solidFill>
+            </a:endParaRPr>
+          </a:p>
+        </p:txBody>
+      </p:sp>
+      <p:grpSp>
+        <p:nvGrpSpPr>
+          <p:cNvPr id="6" name="그룹 5">
+            <a:extLst>
+              <a:ext uri="{FF2B5EF4-FFF2-40B4-BE49-F238E27FC236}">
+                <a16:creationId xmlns:a16="http://schemas.microsoft.com/office/drawing/2014/main" id="{41FB9A6A-537F-4C85-8D4B-D783C888B4FD}"/>
+              </a:ext>
+            </a:extLst>
+          </p:cNvPr>
+          <p:cNvGrpSpPr/>
+          <p:nvPr/>
+        </p:nvGrpSpPr>
+        <p:grpSpPr>
+          <a:xfrm>
+            <a:off x="8433848" y="6084711"/>
+            <a:ext cx="3593526" cy="592237"/>
+            <a:chOff x="8473734" y="6091284"/>
+            <a:chExt cx="3553640" cy="585664"/>
+          </a:xfrm>
+        </p:grpSpPr>
+        <p:pic>
+          <p:nvPicPr>
+            <p:cNvPr id="8" name="그림 7">
+              <a:extLst>
+                <a:ext uri="{FF2B5EF4-FFF2-40B4-BE49-F238E27FC236}">
+                  <a16:creationId xmlns:a16="http://schemas.microsoft.com/office/drawing/2014/main" id="{3176B1B9-91BA-4755-B56C-BC69CAD0EC0A}"/>
+                </a:ext>
+              </a:extLst>
+            </p:cNvPr>
+            <p:cNvPicPr>
+              <a:picLocks noChangeAspect="1"/>
+            </p:cNvPicPr>
+            <p:nvPr/>
+          </p:nvPicPr>
+          <p:blipFill rotWithShape="1">
+            <a:blip r:embed="rId2">
+              <a:extLst>
+                <a:ext uri="{28A0092B-C50C-407E-A947-70E740481C1C}">
+                  <a14:useLocalDpi xmlns:a14="http://schemas.microsoft.com/office/drawing/2010/main" val="0"/>
+                </a:ext>
+              </a:extLst>
+            </a:blip>
+            <a:srcRect l="74535" t="3851" r="5686" b="50143"/>
+            <a:stretch/>
+          </p:blipFill>
+          <p:spPr>
+            <a:xfrm>
+              <a:off x="8473734" y="6091284"/>
+              <a:ext cx="1353669" cy="585664"/>
+            </a:xfrm>
+            <a:prstGeom prst="rect">
+              <a:avLst/>
+            </a:prstGeom>
+          </p:spPr>
+        </p:pic>
+        <p:pic>
+          <p:nvPicPr>
+            <p:cNvPr id="10" name="그림 9">
+              <a:extLst>
+                <a:ext uri="{FF2B5EF4-FFF2-40B4-BE49-F238E27FC236}">
+                  <a16:creationId xmlns:a16="http://schemas.microsoft.com/office/drawing/2014/main" id="{1B7D3B8E-D8FD-458E-8DBA-B894C879C5E8}"/>
+                </a:ext>
+              </a:extLst>
+            </p:cNvPr>
+            <p:cNvPicPr>
+              <a:picLocks noChangeAspect="1"/>
+            </p:cNvPicPr>
+            <p:nvPr/>
+          </p:nvPicPr>
+          <p:blipFill>
+            <a:blip r:embed="rId3" cstate="hqprint">
+              <a:extLst>
+                <a:ext uri="{28A0092B-C50C-407E-A947-70E740481C1C}">
+                  <a14:useLocalDpi xmlns:a14="http://schemas.microsoft.com/office/drawing/2010/main" val="0"/>
+                </a:ext>
+              </a:extLst>
+            </a:blip>
+            <a:stretch>
+              <a:fillRect/>
+            </a:stretch>
+          </p:blipFill>
+          <p:spPr>
+            <a:xfrm>
+              <a:off x="9827403" y="6172124"/>
+              <a:ext cx="2199971" cy="423985"/>
+            </a:xfrm>
+            <a:prstGeom prst="rect">
+              <a:avLst/>
+            </a:prstGeom>
+          </p:spPr>
+        </p:pic>
+      </p:grpSp>
+    </p:spTree>
+    <p:extLst>
+      <p:ext uri="{BB962C8B-B14F-4D97-AF65-F5344CB8AC3E}">
+        <p14:creationId xmlns:p14="http://schemas.microsoft.com/office/powerpoint/2010/main" val="1016105533"/>
+      </p:ext>
+    </p:extLst>
+  </p:cSld>
+  <p:clrMapOvr>
+    <a:masterClrMapping/>
+  </p:clrMapOvr>
+</p:sld>
+</file>
+
 <file path=ppt/slides/slide2.xml><?xml version="1.0" encoding="utf-8"?>
+<p:sld xmlns:a="http://schemas.openxmlformats.org/drawingml/2006/main" xmlns:r="http://schemas.openxmlformats.org/officeDocument/2006/relationships" xmlns:p="http://schemas.openxmlformats.org/presentationml/2006/main">
+  <p:cSld>
+    <p:spTree>
+      <p:nvGrpSpPr>
+        <p:cNvPr id="1" name=""/>
+        <p:cNvGrpSpPr/>
+        <p:nvPr/>
+      </p:nvGrpSpPr>
+      <p:grpSpPr>
+        <a:xfrm>
+          <a:off x="0" y="0"/>
+          <a:ext cx="0" cy="0"/>
+          <a:chOff x="0" y="0"/>
+          <a:chExt cx="0" cy="0"/>
+        </a:xfrm>
+      </p:grpSpPr>
+      <p:sp>
+        <p:nvSpPr>
+          <p:cNvPr id="3" name="직사각형 2">
+            <a:extLst>
+              <a:ext uri="{FF2B5EF4-FFF2-40B4-BE49-F238E27FC236}">
+                <a16:creationId xmlns:a16="http://schemas.microsoft.com/office/drawing/2014/main" id="{753444D1-C8AF-4282-949A-3A5C6226CB43}"/>
+              </a:ext>
+            </a:extLst>
+          </p:cNvPr>
+          <p:cNvSpPr/>
+          <p:nvPr/>
+        </p:nvSpPr>
+        <p:spPr>
+          <a:xfrm>
+            <a:off x="0" y="1368552"/>
+            <a:ext cx="12192000" cy="2644408"/>
+          </a:xfrm>
+          <a:prstGeom prst="rect">
+            <a:avLst/>
+          </a:prstGeom>
+          <a:solidFill>
+            <a:srgbClr val="002060"/>
+          </a:solidFill>
+          <a:ln>
+            <a:noFill/>
+          </a:ln>
+        </p:spPr>
+        <p:style>
+          <a:lnRef idx="2">
+            <a:schemeClr val="accent1">
+              <a:shade val="50000"/>
+            </a:schemeClr>
+          </a:lnRef>
+          <a:fillRef idx="1">
+            <a:schemeClr val="accent1"/>
+          </a:fillRef>
+          <a:effectRef idx="0">
+            <a:schemeClr val="accent1"/>
+          </a:effectRef>
+          <a:fontRef idx="minor">
+            <a:schemeClr val="lt1"/>
+          </a:fontRef>
+        </p:style>
+        <p:txBody>
+          <a:bodyPr rtlCol="0" anchor="ctr"/>
+          <a:lstStyle/>
+          <a:p>
+            <a:pPr algn="ctr"/>
+            <a:endParaRPr lang="ko-KR" altLang="en-US"/>
+          </a:p>
+        </p:txBody>
+      </p:sp>
+      <p:sp>
+        <p:nvSpPr>
+          <p:cNvPr id="2" name="제목 1">
+            <a:extLst>
+              <a:ext uri="{FF2B5EF4-FFF2-40B4-BE49-F238E27FC236}">
+                <a16:creationId xmlns:a16="http://schemas.microsoft.com/office/drawing/2014/main" id="{0B0696DC-B7BA-4CDC-A60C-0425727AC2BC}"/>
+              </a:ext>
+            </a:extLst>
+          </p:cNvPr>
+          <p:cNvSpPr>
+            <a:spLocks noGrp="1"/>
+          </p:cNvSpPr>
+          <p:nvPr>
+            <p:ph type="ctrTitle"/>
+          </p:nvPr>
+        </p:nvSpPr>
+        <p:spPr>
+          <a:xfrm>
+            <a:off x="1712348" y="1706312"/>
+            <a:ext cx="8934807" cy="2059898"/>
+          </a:xfrm>
+        </p:spPr>
+        <p:txBody>
+          <a:bodyPr>
+            <a:normAutofit/>
+          </a:bodyPr>
+          <a:lstStyle/>
+          <a:p>
+            <a:pPr>
+              <a:lnSpc>
+                <a:spcPct val="100000"/>
+              </a:lnSpc>
+            </a:pPr>
+            <a:r>
+              <a:rPr lang="ko-KR" altLang="en-US" sz="3600" b="1" dirty="0">
+                <a:solidFill>
+                  <a:schemeClr val="bg1"/>
+                </a:solidFill>
+              </a:rPr>
+              <a:t>전이 학습 기반의 랜덤 </a:t>
+            </a:r>
+            <a:r>
+              <a:rPr lang="ko-KR" altLang="en-US" sz="3600" b="1" dirty="0" err="1">
+                <a:solidFill>
+                  <a:schemeClr val="bg1"/>
+                </a:solidFill>
+              </a:rPr>
+              <a:t>포레스트를</a:t>
+            </a:r>
+            <a:r>
+              <a:rPr lang="ko-KR" altLang="en-US" sz="3600" b="1" dirty="0">
+                <a:solidFill>
+                  <a:schemeClr val="bg1"/>
+                </a:solidFill>
+              </a:rPr>
+              <a:t> 이용한 </a:t>
+            </a:r>
+            <a:br>
+              <a:rPr lang="en-US" altLang="ko-KR" sz="3600" b="1" dirty="0">
+                <a:solidFill>
+                  <a:schemeClr val="bg1"/>
+                </a:solidFill>
+              </a:rPr>
+            </a:br>
+            <a:r>
+              <a:rPr lang="ko-KR" altLang="en-US" sz="3600" b="1" dirty="0">
+                <a:solidFill>
+                  <a:schemeClr val="bg1"/>
+                </a:solidFill>
+              </a:rPr>
+              <a:t>일사량 예측 기법</a:t>
+            </a:r>
+            <a:br>
+              <a:rPr lang="en-US" altLang="ko-KR" sz="3700" b="1" dirty="0">
+                <a:solidFill>
+                  <a:schemeClr val="bg1"/>
+                </a:solidFill>
+              </a:rPr>
+            </a:br>
+            <a:r>
+              <a:rPr lang="ko-KR" altLang="en-US" sz="1200" dirty="0">
+                <a:solidFill>
+                  <a:schemeClr val="bg1"/>
+                </a:solidFill>
+              </a:rPr>
+              <a:t>    </a:t>
+            </a:r>
+            <a:br>
+              <a:rPr lang="en-US" altLang="ko-KR" sz="4000" b="1" dirty="0">
+                <a:solidFill>
+                  <a:schemeClr val="bg1"/>
+                </a:solidFill>
+              </a:rPr>
+            </a:br>
+            <a:r>
+              <a:rPr lang="en-US" altLang="ko-KR" sz="1800" b="1" dirty="0">
+                <a:solidFill>
+                  <a:schemeClr val="bg1"/>
+                </a:solidFill>
+              </a:rPr>
+              <a:t>A Solar Irradiance Forecasting Method Using</a:t>
+            </a:r>
+            <a:br>
+              <a:rPr lang="en-US" altLang="ko-KR" sz="1800" b="1" dirty="0">
+                <a:solidFill>
+                  <a:schemeClr val="bg1"/>
+                </a:solidFill>
+              </a:rPr>
+            </a:br>
+            <a:r>
+              <a:rPr lang="en-US" altLang="ko-KR" sz="1800" b="1" dirty="0">
+                <a:solidFill>
+                  <a:schemeClr val="bg1"/>
+                </a:solidFill>
+              </a:rPr>
+              <a:t>Transfer Learning-Based Random Forests</a:t>
+            </a:r>
+            <a:endParaRPr lang="ko-KR" altLang="en-US" sz="4000" b="1" dirty="0">
+              <a:solidFill>
+                <a:schemeClr val="bg1"/>
+              </a:solidFill>
+            </a:endParaRPr>
+          </a:p>
+        </p:txBody>
+      </p:sp>
+      <p:sp>
+        <p:nvSpPr>
+          <p:cNvPr id="9" name="TextBox 8">
+            <a:extLst>
+              <a:ext uri="{FF2B5EF4-FFF2-40B4-BE49-F238E27FC236}">
+                <a16:creationId xmlns:a16="http://schemas.microsoft.com/office/drawing/2014/main" id="{3891FD4D-AF49-40AE-B356-99B511DA47B1}"/>
+              </a:ext>
+            </a:extLst>
+          </p:cNvPr>
+          <p:cNvSpPr txBox="1"/>
+          <p:nvPr/>
+        </p:nvSpPr>
+        <p:spPr>
+          <a:xfrm>
+            <a:off x="2655502" y="4181991"/>
+            <a:ext cx="7048500" cy="1446550"/>
+          </a:xfrm>
+          <a:prstGeom prst="rect">
+            <a:avLst/>
+          </a:prstGeom>
+          <a:noFill/>
+        </p:spPr>
+        <p:txBody>
+          <a:bodyPr wrap="square" rtlCol="0">
+            <a:spAutoFit/>
+          </a:bodyPr>
+          <a:lstStyle/>
+          <a:p>
+            <a:pPr algn="ctr">
+              <a:lnSpc>
+                <a:spcPct val="150000"/>
+              </a:lnSpc>
+            </a:pPr>
+            <a:r>
+              <a:rPr lang="ko-KR" altLang="en-US" sz="1600" dirty="0">
+                <a:latin typeface="+mn-ea"/>
+              </a:rPr>
+              <a:t>소다영</a:t>
+            </a:r>
+            <a:r>
+              <a:rPr lang="en-US" altLang="ko-KR" sz="1600" baseline="30000" dirty="0">
+                <a:latin typeface="+mn-ea"/>
+              </a:rPr>
+              <a:t>1</a:t>
+            </a:r>
+            <a:r>
+              <a:rPr lang="en-US" altLang="ko-KR" sz="1600" dirty="0">
+                <a:latin typeface="+mn-ea"/>
+              </a:rPr>
+              <a:t>,</a:t>
+            </a:r>
+            <a:r>
+              <a:rPr lang="ko-KR" altLang="en-US" sz="1600" baseline="30000" dirty="0">
+                <a:latin typeface="+mn-ea"/>
+              </a:rPr>
+              <a:t> </a:t>
+            </a:r>
+            <a:r>
+              <a:rPr lang="ko-KR" altLang="en-US" sz="1600" dirty="0" err="1">
+                <a:latin typeface="+mn-ea"/>
+              </a:rPr>
+              <a:t>김의년</a:t>
+            </a:r>
+            <a:r>
+              <a:rPr lang="en-US" altLang="ko-KR" sz="1600" baseline="30000" dirty="0">
+                <a:latin typeface="+mn-ea"/>
+              </a:rPr>
+              <a:t>1</a:t>
+            </a:r>
+            <a:r>
+              <a:rPr lang="en-US" altLang="ko-KR" sz="1600" dirty="0">
+                <a:latin typeface="+mn-ea"/>
+              </a:rPr>
+              <a:t>,</a:t>
+            </a:r>
+            <a:r>
+              <a:rPr lang="ko-KR" altLang="en-US" sz="1600" dirty="0">
+                <a:latin typeface="+mn-ea"/>
+              </a:rPr>
+              <a:t> </a:t>
+            </a:r>
+            <a:r>
+              <a:rPr lang="ko-KR" altLang="en-US" sz="1600" dirty="0" err="1">
+                <a:latin typeface="+mn-ea"/>
+              </a:rPr>
+              <a:t>한태규</a:t>
+            </a:r>
+            <a:r>
+              <a:rPr lang="en-US" altLang="ko-KR" sz="1600" baseline="30000" dirty="0">
+                <a:latin typeface="+mn-ea"/>
+              </a:rPr>
+              <a:t>1</a:t>
+            </a:r>
+            <a:r>
+              <a:rPr lang="en-US" altLang="ko-KR" sz="1600" dirty="0">
+                <a:latin typeface="+mn-ea"/>
+              </a:rPr>
+              <a:t>,</a:t>
+            </a:r>
+            <a:r>
+              <a:rPr lang="ko-KR" altLang="en-US" sz="1600" dirty="0">
+                <a:latin typeface="+mn-ea"/>
+              </a:rPr>
+              <a:t> </a:t>
+            </a:r>
+            <a:r>
+              <a:rPr lang="ko-KR" altLang="en-US" sz="1600" dirty="0" err="1">
+                <a:latin typeface="+mn-ea"/>
+              </a:rPr>
+              <a:t>하휘명</a:t>
+            </a:r>
+            <a:r>
+              <a:rPr lang="en-US" altLang="ko-KR" sz="1600" baseline="30000" dirty="0">
+                <a:latin typeface="+mn-ea"/>
+              </a:rPr>
+              <a:t>2</a:t>
+            </a:r>
+            <a:r>
+              <a:rPr lang="en-US" altLang="ko-KR" sz="1600" dirty="0">
+                <a:latin typeface="+mn-ea"/>
+              </a:rPr>
+              <a:t>,</a:t>
+            </a:r>
+            <a:r>
+              <a:rPr lang="ko-KR" altLang="en-US" sz="1600" dirty="0">
+                <a:latin typeface="+mn-ea"/>
+              </a:rPr>
+              <a:t> 문지훈</a:t>
+            </a:r>
+            <a:r>
+              <a:rPr lang="en-US" altLang="ko-KR" sz="1600" baseline="30000" dirty="0">
+                <a:latin typeface="+mn-ea"/>
+              </a:rPr>
+              <a:t>1</a:t>
+            </a:r>
+          </a:p>
+          <a:p>
+            <a:pPr algn="ctr">
+              <a:lnSpc>
+                <a:spcPct val="150000"/>
+              </a:lnSpc>
+            </a:pPr>
+            <a:r>
+              <a:rPr lang="en-US" altLang="ko-KR" sz="1600" baseline="30000" dirty="0">
+                <a:latin typeface="+mn-ea"/>
+              </a:rPr>
+              <a:t>1</a:t>
+            </a:r>
+            <a:r>
+              <a:rPr lang="ko-KR" altLang="en-US" sz="1600" dirty="0">
+                <a:latin typeface="+mn-ea"/>
+              </a:rPr>
+              <a:t>순천향대학교 빅데이터공학과</a:t>
+            </a:r>
+            <a:endParaRPr lang="en-US" altLang="ko-KR" sz="1600" dirty="0">
+              <a:latin typeface="+mn-ea"/>
+            </a:endParaRPr>
+          </a:p>
+          <a:p>
+            <a:pPr algn="ctr"/>
+            <a:r>
+              <a:rPr lang="en-US" altLang="ko-KR" sz="1600" baseline="30000" dirty="0">
+                <a:latin typeface="+mn-ea"/>
+              </a:rPr>
+              <a:t>2</a:t>
+            </a:r>
+            <a:r>
+              <a:rPr lang="en-US" altLang="ko-KR" sz="1600" dirty="0">
+                <a:latin typeface="+mn-ea"/>
+              </a:rPr>
+              <a:t>LG </a:t>
+            </a:r>
+            <a:r>
+              <a:rPr lang="ko-KR" altLang="en-US" sz="1600" dirty="0">
+                <a:latin typeface="+mn-ea"/>
+              </a:rPr>
+              <a:t>에너지솔루션</a:t>
+            </a:r>
+            <a:endParaRPr lang="en-US" altLang="ko-KR" sz="1600" dirty="0">
+              <a:latin typeface="+mn-ea"/>
+            </a:endParaRPr>
+          </a:p>
+          <a:p>
+            <a:pPr algn="ctr">
+              <a:lnSpc>
+                <a:spcPct val="150000"/>
+              </a:lnSpc>
+            </a:pPr>
+            <a:r>
+              <a:rPr lang="en-US" altLang="ko-KR" sz="1600" dirty="0">
+                <a:latin typeface="+mn-ea"/>
+              </a:rPr>
+              <a:t>{</a:t>
+            </a:r>
+            <a:r>
+              <a:rPr lang="en-US" altLang="ko-KR" sz="1600" dirty="0" err="1">
+                <a:latin typeface="+mn-ea"/>
+              </a:rPr>
+              <a:t>dayeong</a:t>
+            </a:r>
+            <a:r>
+              <a:rPr lang="en-US" altLang="ko-KR" sz="1600" dirty="0">
+                <a:latin typeface="+mn-ea"/>
+              </a:rPr>
+              <a:t>, eui20n, gksxorb159, jmoon22}@sch.ac.kr, hwmhkr@lgnsol.com</a:t>
+            </a:r>
+          </a:p>
+        </p:txBody>
+      </p:sp>
+      <p:grpSp>
+        <p:nvGrpSpPr>
+          <p:cNvPr id="6" name="그룹 5">
+            <a:extLst>
+              <a:ext uri="{FF2B5EF4-FFF2-40B4-BE49-F238E27FC236}">
+                <a16:creationId xmlns:a16="http://schemas.microsoft.com/office/drawing/2014/main" id="{41FB9A6A-537F-4C85-8D4B-D783C888B4FD}"/>
+              </a:ext>
+            </a:extLst>
+          </p:cNvPr>
+          <p:cNvGrpSpPr/>
+          <p:nvPr/>
+        </p:nvGrpSpPr>
+        <p:grpSpPr>
+          <a:xfrm>
+            <a:off x="8433848" y="6084711"/>
+            <a:ext cx="3593526" cy="592237"/>
+            <a:chOff x="8473734" y="6091284"/>
+            <a:chExt cx="3553640" cy="585664"/>
+          </a:xfrm>
+        </p:grpSpPr>
+        <p:pic>
+          <p:nvPicPr>
+            <p:cNvPr id="8" name="그림 7">
+              <a:extLst>
+                <a:ext uri="{FF2B5EF4-FFF2-40B4-BE49-F238E27FC236}">
+                  <a16:creationId xmlns:a16="http://schemas.microsoft.com/office/drawing/2014/main" id="{3176B1B9-91BA-4755-B56C-BC69CAD0EC0A}"/>
+                </a:ext>
+              </a:extLst>
+            </p:cNvPr>
+            <p:cNvPicPr>
+              <a:picLocks noChangeAspect="1"/>
+            </p:cNvPicPr>
+            <p:nvPr/>
+          </p:nvPicPr>
+          <p:blipFill rotWithShape="1">
+            <a:blip r:embed="rId2">
+              <a:extLst>
+                <a:ext uri="{28A0092B-C50C-407E-A947-70E740481C1C}">
+                  <a14:useLocalDpi xmlns:a14="http://schemas.microsoft.com/office/drawing/2010/main" val="0"/>
+                </a:ext>
+              </a:extLst>
+            </a:blip>
+            <a:srcRect l="74535" t="3851" r="5686" b="50143"/>
+            <a:stretch/>
+          </p:blipFill>
+          <p:spPr>
+            <a:xfrm>
+              <a:off x="8473734" y="6091284"/>
+              <a:ext cx="1353669" cy="585664"/>
+            </a:xfrm>
+            <a:prstGeom prst="rect">
+              <a:avLst/>
+            </a:prstGeom>
+          </p:spPr>
+        </p:pic>
+        <p:pic>
+          <p:nvPicPr>
+            <p:cNvPr id="10" name="그림 9">
+              <a:extLst>
+                <a:ext uri="{FF2B5EF4-FFF2-40B4-BE49-F238E27FC236}">
+                  <a16:creationId xmlns:a16="http://schemas.microsoft.com/office/drawing/2014/main" id="{1B7D3B8E-D8FD-458E-8DBA-B894C879C5E8}"/>
+                </a:ext>
+              </a:extLst>
+            </p:cNvPr>
+            <p:cNvPicPr>
+              <a:picLocks noChangeAspect="1"/>
+            </p:cNvPicPr>
+            <p:nvPr/>
+          </p:nvPicPr>
+          <p:blipFill>
+            <a:blip r:embed="rId3" cstate="hqprint">
+              <a:extLst>
+                <a:ext uri="{28A0092B-C50C-407E-A947-70E740481C1C}">
+                  <a14:useLocalDpi xmlns:a14="http://schemas.microsoft.com/office/drawing/2010/main" val="0"/>
+                </a:ext>
+              </a:extLst>
+            </a:blip>
+            <a:stretch>
+              <a:fillRect/>
+            </a:stretch>
+          </p:blipFill>
+          <p:spPr>
+            <a:xfrm>
+              <a:off x="9827403" y="6172124"/>
+              <a:ext cx="2199971" cy="423985"/>
+            </a:xfrm>
+            <a:prstGeom prst="rect">
+              <a:avLst/>
+            </a:prstGeom>
+          </p:spPr>
+        </p:pic>
+      </p:grpSp>
+    </p:spTree>
+    <p:extLst>
+      <p:ext uri="{BB962C8B-B14F-4D97-AF65-F5344CB8AC3E}">
+        <p14:creationId xmlns:p14="http://schemas.microsoft.com/office/powerpoint/2010/main" val="1737860915"/>
+      </p:ext>
+    </p:extLst>
+  </p:cSld>
+  <p:clrMapOvr>
+    <a:masterClrMapping/>
+  </p:clrMapOvr>
+</p:sld>
+</file>
+
+<file path=ppt/slides/slide3.xml><?xml version="1.0" encoding="utf-8"?>
 <p:sld xmlns:a="http://schemas.openxmlformats.org/drawingml/2006/main" xmlns:r="http://schemas.openxmlformats.org/officeDocument/2006/relationships" xmlns:p="http://schemas.openxmlformats.org/presentationml/2006/main">
   <p:cSld>
     <p:spTree>
@@ -9452,7 +10314,7 @@
 </p:sld>
 </file>
 
-<file path=ppt/slides/slide3.xml><?xml version="1.0" encoding="utf-8"?>
+<file path=ppt/slides/slide4.xml><?xml version="1.0" encoding="utf-8"?>
 <p:sld xmlns:a="http://schemas.openxmlformats.org/drawingml/2006/main" xmlns:r="http://schemas.openxmlformats.org/officeDocument/2006/relationships" xmlns:p="http://schemas.openxmlformats.org/presentationml/2006/main">
   <p:cSld>
     <p:spTree>
@@ -9680,7 +10542,7 @@
                 </a:solidFill>
                 <a:cs typeface="Malgun Gothic"/>
               </a:rPr>
-              <a:t>최근 정부에서는 온실가스 배출량을 줄이기 위해 신재생 에너지 발전의 중요성을 강조하면서 에너지원별 발전 비중을 점차 늘리고 있음</a:t>
+              <a:t>최근 정부에서는 온실가스 배출량을 줄이기 위해 신재생 에너지 발전의 중요성을 강조하며 에너지원별 발전 비중을 점차 늘리고 있음</a:t>
             </a:r>
             <a:r>
               <a:rPr lang="en-US" altLang="ko-KR" sz="2000" kern="0" dirty="0">
@@ -9888,7 +10750,7 @@
 </p:sld>
 </file>
 
-<file path=ppt/slides/slide4.xml><?xml version="1.0" encoding="utf-8"?>
+<file path=ppt/slides/slide5.xml><?xml version="1.0" encoding="utf-8"?>
 <p:sld xmlns:a="http://schemas.openxmlformats.org/drawingml/2006/main" xmlns:r="http://schemas.openxmlformats.org/officeDocument/2006/relationships" xmlns:p="http://schemas.openxmlformats.org/presentationml/2006/main">
   <p:cSld>
     <p:spTree>
@@ -10099,34 +10961,25 @@
                 </a:solidFill>
                 <a:cs typeface="Malgun Gothic"/>
               </a:rPr>
-              <a:t>특히 신재생 에너지 중에서도 태양광 발전 시스템은 </a:t>
-            </a:r>
-            <a:r>
-              <a:rPr lang="ko-KR" altLang="en-US" sz="2000" kern="0" dirty="0" err="1">
+              <a:t>특히 신재생 에너지 중에서도 태양광 발전 시스템은 자연 친화적이며</a:t>
+            </a:r>
+            <a:r>
+              <a:rPr lang="en-US" altLang="ko-KR" sz="2000" kern="0" dirty="0">
                 <a:solidFill>
                   <a:sysClr val="windowText" lastClr="000000"/>
                 </a:solidFill>
                 <a:cs typeface="Malgun Gothic"/>
               </a:rPr>
-              <a:t>자연친화적이며</a:t>
-            </a:r>
-            <a:r>
-              <a:rPr lang="en-US" altLang="ko-KR" sz="2000" kern="0" dirty="0">
+              <a:t>, </a:t>
+            </a:r>
+            <a:r>
+              <a:rPr lang="ko-KR" altLang="en-US" sz="2000" kern="0" dirty="0">
                 <a:solidFill>
                   <a:sysClr val="windowText" lastClr="000000"/>
                 </a:solidFill>
                 <a:cs typeface="Malgun Gothic"/>
               </a:rPr>
-              <a:t>, </a:t>
-            </a:r>
-            <a:r>
-              <a:rPr lang="ko-KR" altLang="en-US" sz="2000" kern="0" dirty="0">
-                <a:solidFill>
-                  <a:sysClr val="windowText" lastClr="000000"/>
-                </a:solidFill>
-                <a:cs typeface="Malgun Gothic"/>
-              </a:rPr>
-              <a:t>재생 가능한 에너지로 세계적으로 태양광 발전 시스템 설치가 증가되고 있음</a:t>
+              <a:t>재생 가능한 에너지로 알려지면서 세계적으로 태양광 발전 시스템 설치가 증가되고 있음</a:t>
             </a:r>
             <a:endParaRPr sz="2000" kern="0" dirty="0">
               <a:solidFill>
@@ -10325,7 +11178,7 @@
 </p:sld>
 </file>
 
-<file path=ppt/slides/slide5.xml><?xml version="1.0" encoding="utf-8"?>
+<file path=ppt/slides/slide6.xml><?xml version="1.0" encoding="utf-8"?>
 <p:sld xmlns:a="http://schemas.openxmlformats.org/drawingml/2006/main" xmlns:r="http://schemas.openxmlformats.org/officeDocument/2006/relationships" xmlns:p="http://schemas.openxmlformats.org/presentationml/2006/main">
   <p:cSld>
     <p:spTree>
@@ -10480,7 +11333,7 @@
         <p:spPr>
           <a:xfrm>
             <a:off x="508990" y="1263396"/>
-            <a:ext cx="11275060" cy="1879361"/>
+            <a:ext cx="11124210" cy="2002471"/>
           </a:xfrm>
           <a:prstGeom prst="rect">
             <a:avLst/>
@@ -10507,7 +11360,7 @@
               <a:t>태양광 발전의 주 에너지원은 </a:t>
             </a:r>
             <a:r>
-              <a:rPr lang="ko-KR" altLang="en-US" sz="2000" b="1" kern="0" dirty="0">
+              <a:rPr lang="ko-KR" altLang="en-US" sz="2000" b="1" u="sng" kern="0" dirty="0">
                 <a:solidFill>
                   <a:srgbClr val="002060"/>
                 </a:solidFill>
@@ -10515,15 +11368,12 @@
               </a:rPr>
               <a:t>일사량</a:t>
             </a:r>
-            <a:r>
-              <a:rPr lang="en-US" altLang="ko-KR" sz="2000" b="1" kern="0" dirty="0">
-                <a:solidFill>
-                  <a:srgbClr val="002060"/>
-                </a:solidFill>
-                <a:cs typeface="Malgun Gothic"/>
-              </a:rPr>
-              <a:t>!</a:t>
-            </a:r>
+            <a:endParaRPr lang="en-US" altLang="ko-KR" sz="2000" b="1" kern="0" dirty="0">
+              <a:solidFill>
+                <a:srgbClr val="002060"/>
+              </a:solidFill>
+              <a:cs typeface="Malgun Gothic"/>
+            </a:endParaRPr>
           </a:p>
           <a:p>
             <a:pPr marL="469900" indent="-457200" latinLnBrk="0">
@@ -10534,7 +11384,7 @@
               <a:buChar char="§"/>
             </a:pPr>
             <a:r>
-              <a:rPr lang="ko-KR" altLang="en-US" kern="0" dirty="0">
+              <a:rPr lang="ko-KR" altLang="en-US" sz="2000" kern="0" dirty="0">
                 <a:solidFill>
                   <a:sysClr val="windowText" lastClr="000000"/>
                 </a:solidFill>
@@ -10542,7 +11392,7 @@
               </a:rPr>
               <a:t>태양광 발전 시스템을 효율적으로 운영하기 위해 사전에 정확한 일사량을 예측하는 것이 중요</a:t>
             </a:r>
-            <a:endParaRPr lang="en-US" altLang="ko-KR" kern="0" dirty="0">
+            <a:endParaRPr lang="en-US" altLang="ko-KR" sz="2000" kern="0" dirty="0">
               <a:solidFill>
                 <a:sysClr val="windowText" lastClr="000000"/>
               </a:solidFill>
@@ -10558,7 +11408,7 @@
               <a:buChar char="§"/>
             </a:pPr>
             <a:r>
-              <a:rPr lang="ko-KR" altLang="en-US" kern="0" dirty="0">
+              <a:rPr lang="ko-KR" altLang="en-US" sz="2000" kern="0" dirty="0">
                 <a:solidFill>
                   <a:sysClr val="windowText" lastClr="000000"/>
                 </a:solidFill>
@@ -10567,7 +11417,7 @@
               <a:t>하지만 기상청의 동네예보는 기온</a:t>
             </a:r>
             <a:r>
-              <a:rPr lang="en-US" altLang="ko-KR" kern="0" dirty="0">
+              <a:rPr lang="en-US" altLang="ko-KR" sz="2000" kern="0" dirty="0">
                 <a:solidFill>
                   <a:sysClr val="windowText" lastClr="000000"/>
                 </a:solidFill>
@@ -10576,7 +11426,7 @@
               <a:t>, </a:t>
             </a:r>
             <a:r>
-              <a:rPr lang="ko-KR" altLang="en-US" kern="0" dirty="0">
+              <a:rPr lang="ko-KR" altLang="en-US" sz="2000" kern="0" dirty="0">
                 <a:solidFill>
                   <a:sysClr val="windowText" lastClr="000000"/>
                 </a:solidFill>
@@ -10585,7 +11435,7 @@
               <a:t>습도와 같은 요인의 예측 값은 제공하나</a:t>
             </a:r>
             <a:r>
-              <a:rPr lang="en-US" altLang="ko-KR" kern="0" dirty="0">
+              <a:rPr lang="en-US" altLang="ko-KR" sz="2000" kern="0" dirty="0">
                 <a:solidFill>
                   <a:sysClr val="windowText" lastClr="000000"/>
                 </a:solidFill>
@@ -10594,7 +11444,7 @@
               <a:t>, </a:t>
             </a:r>
             <a:r>
-              <a:rPr lang="ko-KR" altLang="en-US" kern="0" dirty="0">
+              <a:rPr lang="ko-KR" altLang="en-US" sz="2000" kern="0" dirty="0">
                 <a:solidFill>
                   <a:sysClr val="windowText" lastClr="000000"/>
                 </a:solidFill>
@@ -10602,7 +11452,7 @@
               </a:rPr>
               <a:t>일사량 예측 값은 제공하지 않음</a:t>
             </a:r>
-            <a:endParaRPr lang="en-US" altLang="ko-KR" kern="0" dirty="0">
+            <a:endParaRPr lang="en-US" altLang="ko-KR" sz="2000" kern="0" dirty="0">
               <a:solidFill>
                 <a:sysClr val="windowText" lastClr="000000"/>
               </a:solidFill>
@@ -10618,7 +11468,7 @@
               <a:buChar char="§"/>
             </a:pPr>
             <a:r>
-              <a:rPr lang="ko-KR" altLang="en-US" kern="0" dirty="0">
+              <a:rPr lang="ko-KR" altLang="en-US" sz="2000" kern="0" dirty="0">
                 <a:solidFill>
                   <a:sysClr val="windowText" lastClr="000000"/>
                 </a:solidFill>
@@ -10626,7 +11476,7 @@
               </a:rPr>
               <a:t>따라서 기계학습을 기반으로 일사량 예측하는 연구가 활발하게 진행중</a:t>
             </a:r>
-            <a:endParaRPr lang="en-US" altLang="ko-KR" kern="0" dirty="0">
+            <a:endParaRPr lang="en-US" altLang="ko-KR" sz="2000" kern="0" dirty="0">
               <a:solidFill>
                 <a:sysClr val="windowText" lastClr="000000"/>
               </a:solidFill>
@@ -10870,7 +11720,7 @@
 </p:sld>
 </file>
 
-<file path=ppt/slides/slide6.xml><?xml version="1.0" encoding="utf-8"?>
+<file path=ppt/slides/slide7.xml><?xml version="1.0" encoding="utf-8"?>
 <p:sld xmlns:a="http://schemas.openxmlformats.org/drawingml/2006/main" xmlns:r="http://schemas.openxmlformats.org/officeDocument/2006/relationships" xmlns:p="http://schemas.openxmlformats.org/presentationml/2006/main">
   <p:cSld>
     <p:spTree>
@@ -10992,56 +11842,6 @@
               <a:uFillTx/>
               <a:latin typeface="Malgun Gothic"/>
               <a:ea typeface="맑은 고딕" panose="020B0503020000020004" pitchFamily="50" charset="-127"/>
-            </a:endParaRPr>
-          </a:p>
-        </p:txBody>
-      </p:sp>
-      <p:sp>
-        <p:nvSpPr>
-          <p:cNvPr id="16" name="object 3">
-            <a:extLst>
-              <a:ext uri="{FF2B5EF4-FFF2-40B4-BE49-F238E27FC236}">
-                <a16:creationId xmlns:a16="http://schemas.microsoft.com/office/drawing/2014/main" id="{A8C33617-DDF9-46C2-AA54-1B67BF5470A7}"/>
-              </a:ext>
-            </a:extLst>
-          </p:cNvPr>
-          <p:cNvSpPr txBox="1"/>
-          <p:nvPr/>
-        </p:nvSpPr>
-        <p:spPr>
-          <a:xfrm>
-            <a:off x="508990" y="1263396"/>
-            <a:ext cx="11014075" cy="425116"/>
-          </a:xfrm>
-          <a:prstGeom prst="rect">
-            <a:avLst/>
-          </a:prstGeom>
-        </p:spPr>
-        <p:txBody>
-          <a:bodyPr vert="horz" wrap="square" lIns="0" tIns="116205" rIns="0" bIns="0" rtlCol="0">
-            <a:spAutoFit/>
-          </a:bodyPr>
-          <a:lstStyle/>
-          <a:p>
-            <a:pPr marL="12700" latinLnBrk="0">
-              <a:spcBef>
-                <a:spcPts val="915"/>
-              </a:spcBef>
-            </a:pPr>
-            <a:r>
-              <a:rPr lang="ko-KR" altLang="en-US" sz="2000" b="1" kern="0" dirty="0">
-                <a:solidFill>
-                  <a:sysClr val="windowText" lastClr="000000"/>
-                </a:solidFill>
-                <a:cs typeface="Malgun Gothic"/>
-              </a:rPr>
-              <a:t>일사량 정보가 부족한 지역에서 초기 태양광 발전 시스템의 효율적인 운영을 돕기 위해</a:t>
-            </a:r>
-            <a:endParaRPr lang="en-US" altLang="ko-KR" sz="2000" b="1" kern="0" dirty="0">
-              <a:solidFill>
-                <a:sysClr val="windowText" lastClr="000000"/>
-              </a:solidFill>
-              <a:cs typeface="Malgun Gothic"/>
             </a:endParaRPr>
           </a:p>
         </p:txBody>
@@ -11125,103 +11925,6 @@
               <a:effectLst/>
               <a:uLnTx/>
               <a:uFillTx/>
-            </a:endParaRPr>
-          </a:p>
-        </p:txBody>
-      </p:sp>
-      <p:sp>
-        <p:nvSpPr>
-          <p:cNvPr id="4" name="직사각형 3"/>
-          <p:cNvSpPr/>
-          <p:nvPr/>
-        </p:nvSpPr>
-        <p:spPr>
-          <a:xfrm>
-            <a:off x="430250" y="1852301"/>
-            <a:ext cx="11597124" cy="1290097"/>
-          </a:xfrm>
-          <a:prstGeom prst="rect">
-            <a:avLst/>
-          </a:prstGeom>
-        </p:spPr>
-        <p:txBody>
-          <a:bodyPr wrap="square">
-            <a:spAutoFit/>
-          </a:bodyPr>
-          <a:lstStyle/>
-          <a:p>
-            <a:pPr marL="469900" indent="-457200" latinLnBrk="0">
-              <a:spcBef>
-                <a:spcPts val="695"/>
-              </a:spcBef>
-              <a:buFont typeface="Wingdings" panose="05000000000000000000" pitchFamily="2" charset="2"/>
-              <a:buChar char="§"/>
-              <a:tabLst>
-                <a:tab pos="240665" algn="l"/>
-              </a:tabLst>
-            </a:pPr>
-            <a:r>
-              <a:rPr lang="ko-KR" altLang="en-US" kern="0" dirty="0">
-                <a:solidFill>
-                  <a:sysClr val="windowText" lastClr="000000"/>
-                </a:solidFill>
-                <a:cs typeface="Malgun Gothic"/>
-              </a:rPr>
-              <a:t>태양광 발전 시스템을 설치하고자 하는 지역의 일사량을 예측해</a:t>
-            </a:r>
-            <a:r>
-              <a:rPr lang="en-US" altLang="ko-KR" kern="0" dirty="0">
-                <a:solidFill>
-                  <a:sysClr val="windowText" lastClr="000000"/>
-                </a:solidFill>
-                <a:cs typeface="Malgun Gothic"/>
-              </a:rPr>
-              <a:t> </a:t>
-            </a:r>
-            <a:r>
-              <a:rPr lang="ko-KR" altLang="en-US" kern="0" dirty="0">
-                <a:solidFill>
-                  <a:sysClr val="windowText" lastClr="000000"/>
-                </a:solidFill>
-                <a:cs typeface="Malgun Gothic"/>
-              </a:rPr>
-              <a:t>태양광 발전 시스템으로 생산할 수 있는 에너지를 예측하기 위함</a:t>
-            </a:r>
-            <a:endParaRPr lang="en-US" altLang="ko-KR" kern="0" spc="-50" dirty="0">
-              <a:solidFill>
-                <a:sysClr val="windowText" lastClr="000000"/>
-              </a:solidFill>
-              <a:latin typeface="Calibri"/>
-              <a:cs typeface="Calibri"/>
-            </a:endParaRPr>
-          </a:p>
-          <a:p>
-            <a:pPr marL="469900" indent="-457200" latinLnBrk="0">
-              <a:spcBef>
-                <a:spcPts val="695"/>
-              </a:spcBef>
-              <a:buFont typeface="Wingdings" panose="05000000000000000000" pitchFamily="2" charset="2"/>
-              <a:buChar char="§"/>
-              <a:tabLst>
-                <a:tab pos="240665" algn="l"/>
-              </a:tabLst>
-            </a:pPr>
-            <a:r>
-              <a:rPr lang="ko-KR" altLang="en-US" kern="0" spc="-50" dirty="0">
-                <a:solidFill>
-                  <a:sysClr val="windowText" lastClr="000000"/>
-                </a:solidFill>
-                <a:latin typeface="Calibri"/>
-                <a:cs typeface="Calibri"/>
-              </a:rPr>
-              <a:t>예측 대상 지역에서 하루치의 일사량만 수집되었더라도 타 지역의 충분한 일사량 데이터를 활용하여 일사량과 기상 요인 관계를 학습하기 위함</a:t>
-            </a:r>
-            <a:endParaRPr lang="en-US" altLang="ko-KR" kern="0" spc="-50" dirty="0">
-              <a:solidFill>
-                <a:sysClr val="windowText" lastClr="000000"/>
-              </a:solidFill>
-              <a:latin typeface="Calibri"/>
-              <a:cs typeface="Calibri"/>
             </a:endParaRPr>
           </a:p>
         </p:txBody>
@@ -11318,6 +12021,126 @@
           </p:spPr>
         </p:pic>
       </p:grpSp>
+      <p:sp>
+        <p:nvSpPr>
+          <p:cNvPr id="12" name="object 3">
+            <a:extLst>
+              <a:ext uri="{FF2B5EF4-FFF2-40B4-BE49-F238E27FC236}">
+                <a16:creationId xmlns:a16="http://schemas.microsoft.com/office/drawing/2014/main" id="{A5B36F99-427B-4B54-BD8A-879C36920055}"/>
+              </a:ext>
+            </a:extLst>
+          </p:cNvPr>
+          <p:cNvSpPr txBox="1"/>
+          <p:nvPr/>
+        </p:nvSpPr>
+        <p:spPr>
+          <a:xfrm>
+            <a:off x="508990" y="1263396"/>
+            <a:ext cx="11195330" cy="2002471"/>
+          </a:xfrm>
+          <a:prstGeom prst="rect">
+            <a:avLst/>
+          </a:prstGeom>
+        </p:spPr>
+        <p:txBody>
+          <a:bodyPr vert="horz" wrap="square" lIns="0" tIns="116205" rIns="0" bIns="0" rtlCol="0">
+            <a:spAutoFit/>
+          </a:bodyPr>
+          <a:lstStyle/>
+          <a:p>
+            <a:pPr marL="12700" latinLnBrk="0">
+              <a:spcBef>
+                <a:spcPts val="915"/>
+              </a:spcBef>
+            </a:pPr>
+            <a:r>
+              <a:rPr lang="ko-KR" altLang="en-US" sz="2000" b="1" kern="0" dirty="0">
+                <a:solidFill>
+                  <a:sysClr val="windowText" lastClr="000000"/>
+                </a:solidFill>
+                <a:cs typeface="Malgun Gothic"/>
+              </a:rPr>
+              <a:t>초기 태양광 발전 시스템을 도입하는 지역에서 일사량 정보가 부족하다면</a:t>
+            </a:r>
+            <a:r>
+              <a:rPr lang="en-US" altLang="ko-KR" sz="2000" b="1" kern="0" dirty="0">
+                <a:solidFill>
+                  <a:sysClr val="windowText" lastClr="000000"/>
+                </a:solidFill>
+                <a:cs typeface="Malgun Gothic"/>
+              </a:rPr>
+              <a:t>?</a:t>
+            </a:r>
+            <a:endParaRPr lang="en-US" altLang="ko-KR" sz="2000" kern="0" dirty="0">
+              <a:solidFill>
+                <a:sysClr val="windowText" lastClr="000000"/>
+              </a:solidFill>
+              <a:cs typeface="Malgun Gothic"/>
+            </a:endParaRPr>
+          </a:p>
+          <a:p>
+            <a:pPr marL="355600" indent="-342900" latinLnBrk="0">
+              <a:spcBef>
+                <a:spcPts val="915"/>
+              </a:spcBef>
+              <a:buFont typeface="Wingdings" panose="05000000000000000000" pitchFamily="2" charset="2"/>
+              <a:buChar char="§"/>
+            </a:pPr>
+            <a:r>
+              <a:rPr lang="ko-KR" altLang="en-US" sz="2000" kern="0" dirty="0">
+                <a:solidFill>
+                  <a:sysClr val="windowText" lastClr="000000"/>
+                </a:solidFill>
+                <a:cs typeface="Malgun Gothic"/>
+              </a:rPr>
+              <a:t>태양광 발전 시스템을 운영 계획을 효율적으로 세울 수 없음</a:t>
+            </a:r>
+            <a:endParaRPr lang="en-US" altLang="ko-KR" sz="2000" kern="0" dirty="0">
+              <a:solidFill>
+                <a:sysClr val="windowText" lastClr="000000"/>
+              </a:solidFill>
+              <a:cs typeface="Malgun Gothic"/>
+            </a:endParaRPr>
+          </a:p>
+          <a:p>
+            <a:pPr marL="355600" indent="-342900" latinLnBrk="0">
+              <a:spcBef>
+                <a:spcPts val="915"/>
+              </a:spcBef>
+              <a:buFont typeface="Wingdings" panose="05000000000000000000" pitchFamily="2" charset="2"/>
+              <a:buChar char="§"/>
+            </a:pPr>
+            <a:r>
+              <a:rPr lang="ko-KR" altLang="en-US" sz="2000" kern="0" dirty="0">
+                <a:solidFill>
+                  <a:sysClr val="windowText" lastClr="000000"/>
+                </a:solidFill>
+                <a:cs typeface="Malgun Gothic"/>
+              </a:rPr>
+              <a:t>본 연구에서는 예측 대상 지역에서 하루치의 일사량만 수집되었더라도 타 지역의 충분한 일사량 데이터를 활용해 전이학습 기반의 다단계 일사량 예측 기법을 제안함</a:t>
+            </a:r>
+            <a:endParaRPr lang="en-US" altLang="ko-KR" sz="2000" kern="0" dirty="0">
+              <a:solidFill>
+                <a:sysClr val="windowText" lastClr="000000"/>
+              </a:solidFill>
+              <a:cs typeface="Malgun Gothic"/>
+            </a:endParaRPr>
+          </a:p>
+          <a:p>
+            <a:pPr marL="12700" latinLnBrk="0">
+              <a:spcBef>
+                <a:spcPts val="915"/>
+              </a:spcBef>
+            </a:pPr>
+            <a:endParaRPr lang="en-US" altLang="ko-KR" sz="2000" kern="0" dirty="0">
+              <a:solidFill>
+                <a:sysClr val="windowText" lastClr="000000"/>
+              </a:solidFill>
+              <a:cs typeface="Malgun Gothic"/>
+            </a:endParaRPr>
+          </a:p>
+        </p:txBody>
+      </p:sp>
     </p:spTree>
     <p:extLst>
       <p:ext uri="{BB962C8B-B14F-4D97-AF65-F5344CB8AC3E}">
@@ -11331,7 +12154,7 @@
 </p:sld>
 </file>
 
-<file path=ppt/slides/slide7.xml><?xml version="1.0" encoding="utf-8"?>
+<file path=ppt/slides/slide8.xml><?xml version="1.0" encoding="utf-8"?>
 <p:sld xmlns:a="http://schemas.openxmlformats.org/drawingml/2006/main" xmlns:r="http://schemas.openxmlformats.org/officeDocument/2006/relationships" xmlns:p="http://schemas.openxmlformats.org/presentationml/2006/main">
   <p:cSld>
     <p:spTree>
@@ -11348,66 +12171,6 @@
           <a:chExt cx="0" cy="0"/>
         </a:xfrm>
       </p:grpSpPr>
-      <p:sp>
-        <p:nvSpPr>
-          <p:cNvPr id="15" name="object 2">
-            <a:extLst>
-              <a:ext uri="{FF2B5EF4-FFF2-40B4-BE49-F238E27FC236}">
-                <a16:creationId xmlns:a16="http://schemas.microsoft.com/office/drawing/2014/main" id="{63B42C9C-96BB-4869-81D8-DBA87F4A50BB}"/>
-              </a:ext>
-            </a:extLst>
-          </p:cNvPr>
-          <p:cNvSpPr txBox="1">
-            <a:spLocks/>
-          </p:cNvSpPr>
-          <p:nvPr/>
-        </p:nvSpPr>
-        <p:spPr>
-          <a:xfrm>
-            <a:off x="492575" y="391668"/>
-            <a:ext cx="3927025" cy="505267"/>
-          </a:xfrm>
-          <a:prstGeom prst="rect">
-            <a:avLst/>
-          </a:prstGeom>
-        </p:spPr>
-        <p:txBody>
-          <a:bodyPr vert="horz" wrap="square" lIns="0" tIns="12700" rIns="0" bIns="0" rtlCol="0">
-            <a:spAutoFit/>
-          </a:bodyPr>
-          <a:lstStyle>
-            <a:lvl1pPr>
-              <a:defRPr sz="3600" b="1" i="0">
-                <a:solidFill>
-                  <a:schemeClr val="tx1"/>
-                </a:solidFill>
-                <a:latin typeface="Malgun Gothic"/>
-                <a:ea typeface="+mj-ea"/>
-                <a:cs typeface="Malgun Gothic"/>
-              </a:defRPr>
-            </a:lvl1pPr>
-          </a:lstStyle>
-          <a:p>
-            <a:pPr marL="12700" lvl="0" latinLnBrk="0">
-              <a:spcBef>
-                <a:spcPts val="100"/>
-              </a:spcBef>
-              <a:tabLst>
-                <a:tab pos="967740" algn="l"/>
-              </a:tabLst>
-              <a:defRPr/>
-            </a:pPr>
-            <a:r>
-              <a:rPr lang="ko-KR" altLang="en-US" sz="3200" kern="0" spc="-25" dirty="0">
-                <a:solidFill>
-                  <a:srgbClr val="001F60"/>
-                </a:solidFill>
-              </a:rPr>
-              <a:t>연구 목적</a:t>
-            </a:r>
-          </a:p>
-        </p:txBody>
-      </p:sp>
       <p:sp>
         <p:nvSpPr>
           <p:cNvPr id="16" name="object 3">
@@ -11686,42 +12449,12 @@
           </a:p>
         </p:txBody>
       </p:sp>
-    </p:spTree>
-    <p:extLst>
-      <p:ext uri="{BB962C8B-B14F-4D97-AF65-F5344CB8AC3E}">
-        <p14:creationId xmlns:p14="http://schemas.microsoft.com/office/powerpoint/2010/main" val="4026929259"/>
-      </p:ext>
-    </p:extLst>
-  </p:cSld>
-  <p:clrMapOvr>
-    <a:masterClrMapping/>
-  </p:clrMapOvr>
-</p:sld>
-</file>
-
-<file path=ppt/slides/slide8.xml><?xml version="1.0" encoding="utf-8"?>
-<p:sld xmlns:a="http://schemas.openxmlformats.org/drawingml/2006/main" xmlns:r="http://schemas.openxmlformats.org/officeDocument/2006/relationships" xmlns:p="http://schemas.openxmlformats.org/presentationml/2006/main">
-  <p:cSld>
-    <p:spTree>
-      <p:nvGrpSpPr>
-        <p:cNvPr id="1" name=""/>
-        <p:cNvGrpSpPr/>
-        <p:nvPr/>
-      </p:nvGrpSpPr>
-      <p:grpSpPr>
-        <a:xfrm>
-          <a:off x="0" y="0"/>
-          <a:ext cx="0" cy="0"/>
-          <a:chOff x="0" y="0"/>
-          <a:chExt cx="0" cy="0"/>
-        </a:xfrm>
-      </p:grpSpPr>
       <p:sp>
         <p:nvSpPr>
-          <p:cNvPr id="15" name="object 2">
-            <a:extLst>
-              <a:ext uri="{FF2B5EF4-FFF2-40B4-BE49-F238E27FC236}">
-                <a16:creationId xmlns:a16="http://schemas.microsoft.com/office/drawing/2014/main" id="{63B42C9C-96BB-4869-81D8-DBA87F4A50BB}"/>
+          <p:cNvPr id="10" name="object 2">
+            <a:extLst>
+              <a:ext uri="{FF2B5EF4-FFF2-40B4-BE49-F238E27FC236}">
+                <a16:creationId xmlns:a16="http://schemas.microsoft.com/office/drawing/2014/main" id="{8CB99A9A-91C2-4C3A-9F5F-B2BD257A0303}"/>
               </a:ext>
             </a:extLst>
           </p:cNvPr>
@@ -11733,7 +12466,7 @@
         <p:spPr>
           <a:xfrm>
             <a:off x="492575" y="391668"/>
-            <a:ext cx="3927025" cy="505267"/>
+            <a:ext cx="1793875" cy="513080"/>
           </a:xfrm>
           <a:prstGeom prst="rect">
             <a:avLst/>
@@ -11756,190 +12489,12 @@
             </a:lvl1pPr>
           </a:lstStyle>
           <a:p>
-            <a:pPr marL="12700" lvl="0" latinLnBrk="0">
-              <a:spcBef>
-                <a:spcPts val="100"/>
-              </a:spcBef>
-              <a:tabLst>
-                <a:tab pos="967740" algn="l"/>
-              </a:tabLst>
-              <a:defRPr/>
-            </a:pPr>
-            <a:r>
-              <a:rPr lang="ko-KR" altLang="en-US" sz="3200" kern="0" spc="-25" dirty="0">
-                <a:solidFill>
-                  <a:srgbClr val="001F60"/>
-                </a:solidFill>
-              </a:rPr>
-              <a:t>연구 목적</a:t>
-            </a:r>
-          </a:p>
-        </p:txBody>
-      </p:sp>
-      <p:sp>
-        <p:nvSpPr>
-          <p:cNvPr id="16" name="object 3">
-            <a:extLst>
-              <a:ext uri="{FF2B5EF4-FFF2-40B4-BE49-F238E27FC236}">
-                <a16:creationId xmlns:a16="http://schemas.microsoft.com/office/drawing/2014/main" id="{A8C33617-DDF9-46C2-AA54-1B67BF5470A7}"/>
-              </a:ext>
-            </a:extLst>
-          </p:cNvPr>
-          <p:cNvSpPr txBox="1"/>
-          <p:nvPr/>
-        </p:nvSpPr>
-        <p:spPr>
-          <a:xfrm>
-            <a:off x="508990" y="1263396"/>
-            <a:ext cx="11275060" cy="1694695"/>
-          </a:xfrm>
-          <a:prstGeom prst="rect">
-            <a:avLst/>
-          </a:prstGeom>
-        </p:spPr>
-        <p:txBody>
-          <a:bodyPr vert="horz" wrap="square" lIns="0" tIns="116205" rIns="0" bIns="0" rtlCol="0">
-            <a:spAutoFit/>
-          </a:bodyPr>
-          <a:lstStyle/>
-          <a:p>
-            <a:pPr marL="355600" indent="-342900" latinLnBrk="0">
-              <a:spcBef>
-                <a:spcPts val="915"/>
-              </a:spcBef>
-              <a:buFont typeface="Wingdings" panose="05000000000000000000" pitchFamily="2" charset="2"/>
-              <a:buChar char="§"/>
-            </a:pPr>
-            <a:r>
-              <a:rPr lang="ko-KR" altLang="en-US" sz="2000" kern="0" dirty="0">
-                <a:solidFill>
-                  <a:sysClr val="windowText" lastClr="000000"/>
-                </a:solidFill>
-                <a:cs typeface="Malgun Gothic"/>
-              </a:rPr>
-              <a:t>일사량 정보가 없는 지역을 대상으로 일사량 데이터가 충분한 지역을 학습</a:t>
-            </a:r>
-            <a:endParaRPr lang="en-US" altLang="ko-KR" sz="2000" kern="0" dirty="0">
-              <a:solidFill>
-                <a:sysClr val="windowText" lastClr="000000"/>
-              </a:solidFill>
-              <a:cs typeface="Malgun Gothic"/>
-            </a:endParaRPr>
-          </a:p>
-          <a:p>
-            <a:pPr marL="355600" indent="-342900" latinLnBrk="0">
-              <a:spcBef>
-                <a:spcPts val="915"/>
-              </a:spcBef>
-              <a:buFont typeface="Wingdings" panose="05000000000000000000" pitchFamily="2" charset="2"/>
-              <a:buChar char="§"/>
-            </a:pPr>
-            <a:r>
-              <a:rPr lang="ko-KR" altLang="en-US" sz="2000" kern="0" dirty="0">
-                <a:solidFill>
-                  <a:sysClr val="windowText" lastClr="000000"/>
-                </a:solidFill>
-                <a:cs typeface="Malgun Gothic"/>
-              </a:rPr>
-              <a:t>전이 학습 기반의 다단계 일사량 예측 방식을 제안 </a:t>
-            </a:r>
-            <a:endParaRPr lang="en-US" altLang="ko-KR" sz="2000" kern="0" dirty="0">
-              <a:solidFill>
-                <a:sysClr val="windowText" lastClr="000000"/>
-              </a:solidFill>
-              <a:cs typeface="Malgun Gothic"/>
-            </a:endParaRPr>
-          </a:p>
-          <a:p>
-            <a:pPr marL="355600" indent="-342900" latinLnBrk="0">
-              <a:spcBef>
-                <a:spcPts val="915"/>
-              </a:spcBef>
-              <a:buFont typeface="Wingdings" panose="05000000000000000000" pitchFamily="2" charset="2"/>
-              <a:buChar char="§"/>
-            </a:pPr>
-            <a:endParaRPr lang="en-US" sz="2000" kern="0" dirty="0">
-              <a:solidFill>
-                <a:sysClr val="windowText" lastClr="000000"/>
-              </a:solidFill>
-              <a:cs typeface="Malgun Gothic"/>
-            </a:endParaRPr>
-          </a:p>
-          <a:p>
-            <a:pPr marL="355600" indent="-342900" latinLnBrk="0">
-              <a:spcBef>
-                <a:spcPts val="915"/>
-              </a:spcBef>
-              <a:buFont typeface="Wingdings" panose="05000000000000000000" pitchFamily="2" charset="2"/>
-              <a:buChar char="§"/>
-            </a:pPr>
-            <a:endParaRPr lang="en-US" sz="2000" kern="0" dirty="0">
-              <a:solidFill>
-                <a:sysClr val="windowText" lastClr="000000"/>
-              </a:solidFill>
-              <a:cs typeface="Malgun Gothic"/>
-            </a:endParaRPr>
-          </a:p>
-        </p:txBody>
-      </p:sp>
-      <p:sp>
-        <p:nvSpPr>
-          <p:cNvPr id="19" name="object 6">
-            <a:extLst>
-              <a:ext uri="{FF2B5EF4-FFF2-40B4-BE49-F238E27FC236}">
-                <a16:creationId xmlns:a16="http://schemas.microsoft.com/office/drawing/2014/main" id="{C73C25E3-E198-4627-994A-E730949EA465}"/>
-              </a:ext>
-            </a:extLst>
-          </p:cNvPr>
-          <p:cNvSpPr/>
-          <p:nvPr/>
-        </p:nvSpPr>
-        <p:spPr>
-          <a:xfrm>
-            <a:off x="430250" y="985061"/>
-            <a:ext cx="11353800" cy="45720"/>
-          </a:xfrm>
-          <a:custGeom>
-            <a:avLst/>
-            <a:gdLst/>
-            <a:ahLst/>
-            <a:cxnLst/>
-            <a:rect l="l" t="t" r="r" b="b"/>
-            <a:pathLst>
-              <a:path w="11353800" h="45719">
-                <a:moveTo>
-                  <a:pt x="11353800" y="0"/>
-                </a:moveTo>
-                <a:lnTo>
-                  <a:pt x="0" y="0"/>
-                </a:lnTo>
-                <a:lnTo>
-                  <a:pt x="0" y="45718"/>
-                </a:lnTo>
-                <a:lnTo>
-                  <a:pt x="11353800" y="45718"/>
-                </a:lnTo>
-                <a:lnTo>
-                  <a:pt x="11353800" y="0"/>
-                </a:lnTo>
-                <a:close/>
-              </a:path>
-            </a:pathLst>
-          </a:custGeom>
-          <a:solidFill>
-            <a:srgbClr val="0C3F8B"/>
-          </a:solidFill>
-        </p:spPr>
-        <p:txBody>
-          <a:bodyPr wrap="square" lIns="0" tIns="0" rIns="0" bIns="0" rtlCol="0"/>
-          <a:lstStyle/>
-          <a:p>
-            <a:pPr marL="0" marR="0" lvl="0" indent="0" defTabSz="914400" eaLnBrk="1" fontAlgn="auto" latinLnBrk="0" hangingPunct="1">
+            <a:pPr marL="12700" marR="0" lvl="0" indent="0" defTabSz="914400" eaLnBrk="1" fontAlgn="auto" latinLnBrk="0" hangingPunct="1">
               <a:lnSpc>
                 <a:spcPct val="100000"/>
               </a:lnSpc>
               <a:spcBef>
-                <a:spcPts val="0"/>
+                <a:spcPts val="100"/>
               </a:spcBef>
               <a:spcAft>
                 <a:spcPts val="0"/>
@@ -11948,10 +12503,46 @@
               <a:buSzTx/>
               <a:buFontTx/>
               <a:buNone/>
-              <a:tabLst/>
+              <a:tabLst>
+                <a:tab pos="967740" algn="l"/>
+              </a:tabLst>
               <a:defRPr/>
             </a:pPr>
-            <a:endParaRPr kumimoji="0" sz="1800" b="0" i="0" u="none" strike="noStrike" kern="0" cap="none" spc="0" normalizeH="0" baseline="0" noProof="0">
+            <a:r>
+              <a:rPr kumimoji="0" lang="ko-KR" altLang="en-US" sz="3200" b="1" i="0" u="none" strike="noStrike" kern="0" cap="none" spc="-25" normalizeH="0" baseline="0" noProof="0" dirty="0">
+                <a:ln>
+                  <a:noFill/>
+                </a:ln>
+                <a:solidFill>
+                  <a:srgbClr val="001F60"/>
+                </a:solidFill>
+                <a:effectLst/>
+                <a:uLnTx/>
+                <a:uFillTx/>
+                <a:latin typeface="Malgun Gothic"/>
+                <a:ea typeface="맑은 고딕" panose="020B0503020000020004" pitchFamily="50" charset="-127"/>
+              </a:rPr>
+              <a:t>연구</a:t>
+            </a:r>
+            <a:r>
+              <a:rPr lang="ko-KR" altLang="en-US" sz="3200" kern="0" dirty="0">
+                <a:solidFill>
+                  <a:srgbClr val="001F60"/>
+                </a:solidFill>
+                <a:ea typeface="맑은 고딕" panose="020B0503020000020004" pitchFamily="50" charset="-127"/>
+              </a:rPr>
+              <a:t> </a:t>
+            </a:r>
+            <a:r>
+              <a:rPr lang="ko-KR" altLang="en-US" sz="3200" kern="0" spc="-25" dirty="0">
+                <a:solidFill>
+                  <a:srgbClr val="001F60"/>
+                </a:solidFill>
+                <a:ea typeface="맑은 고딕" panose="020B0503020000020004" pitchFamily="50" charset="-127"/>
+              </a:rPr>
+              <a:t>목적</a:t>
+            </a:r>
+            <a:endParaRPr kumimoji="0" lang="ko-KR" altLang="en-US" sz="3200" b="1" i="0" u="none" strike="noStrike" kern="0" cap="none" spc="0" normalizeH="0" baseline="0" noProof="0" dirty="0">
               <a:ln>
                 <a:noFill/>
               </a:ln>
@@ -11961,106 +12552,16 @@
               <a:effectLst/>
               <a:uLnTx/>
               <a:uFillTx/>
+              <a:latin typeface="Malgun Gothic"/>
+              <a:ea typeface="맑은 고딕" panose="020B0503020000020004" pitchFamily="50" charset="-127"/>
             </a:endParaRPr>
           </a:p>
         </p:txBody>
       </p:sp>
-      <p:grpSp>
-        <p:nvGrpSpPr>
-          <p:cNvPr id="7" name="그룹 6">
-            <a:extLst>
-              <a:ext uri="{FF2B5EF4-FFF2-40B4-BE49-F238E27FC236}">
-                <a16:creationId xmlns:a16="http://schemas.microsoft.com/office/drawing/2014/main" id="{F1DD6621-B9A5-4731-98E8-4755A8C8B117}"/>
-              </a:ext>
-            </a:extLst>
-          </p:cNvPr>
-          <p:cNvGrpSpPr/>
-          <p:nvPr/>
-        </p:nvGrpSpPr>
-        <p:grpSpPr>
-          <a:xfrm>
-            <a:off x="9250532" y="6219306"/>
-            <a:ext cx="2776842" cy="457642"/>
-            <a:chOff x="8473734" y="6091284"/>
-            <a:chExt cx="3553640" cy="585664"/>
-          </a:xfrm>
-        </p:grpSpPr>
-        <p:pic>
-          <p:nvPicPr>
-            <p:cNvPr id="8" name="그림 7">
-              <a:extLst>
-                <a:ext uri="{FF2B5EF4-FFF2-40B4-BE49-F238E27FC236}">
-                  <a16:creationId xmlns:a16="http://schemas.microsoft.com/office/drawing/2014/main" id="{0FC29E61-9F1E-408A-9BFC-2D93C28F985E}"/>
-                </a:ext>
-              </a:extLst>
-            </p:cNvPr>
-            <p:cNvPicPr>
-              <a:picLocks noChangeAspect="1"/>
-            </p:cNvPicPr>
-            <p:nvPr/>
-          </p:nvPicPr>
-          <p:blipFill rotWithShape="1">
-            <a:blip r:embed="rId2">
-              <a:extLst>
-                <a:ext uri="{28A0092B-C50C-407E-A947-70E740481C1C}">
-                  <a14:useLocalDpi xmlns:a14="http://schemas.microsoft.com/office/drawing/2010/main" val="0"/>
-                </a:ext>
-              </a:extLst>
-            </a:blip>
-            <a:srcRect l="74535" t="3851" r="5686" b="50143"/>
-            <a:stretch/>
-          </p:blipFill>
-          <p:spPr>
-            <a:xfrm>
-              <a:off x="8473734" y="6091284"/>
-              <a:ext cx="1353669" cy="585664"/>
-            </a:xfrm>
-            <a:prstGeom prst="rect">
-              <a:avLst/>
-            </a:prstGeom>
-          </p:spPr>
-        </p:pic>
-        <p:pic>
-          <p:nvPicPr>
-            <p:cNvPr id="9" name="그림 8">
-              <a:extLst>
-                <a:ext uri="{FF2B5EF4-FFF2-40B4-BE49-F238E27FC236}">
-                  <a16:creationId xmlns:a16="http://schemas.microsoft.com/office/drawing/2014/main" id="{06EF536C-0C14-4FED-B594-471A701EA897}"/>
-                </a:ext>
-              </a:extLst>
-            </p:cNvPr>
-            <p:cNvPicPr>
-              <a:picLocks noChangeAspect="1"/>
-            </p:cNvPicPr>
-            <p:nvPr/>
-          </p:nvPicPr>
-          <p:blipFill>
-            <a:blip r:embed="rId3" cstate="hqprint">
-              <a:extLst>
-                <a:ext uri="{28A0092B-C50C-407E-A947-70E740481C1C}">
-                  <a14:useLocalDpi xmlns:a14="http://schemas.microsoft.com/office/drawing/2010/main" val="0"/>
-                </a:ext>
-              </a:extLst>
-            </a:blip>
-            <a:stretch>
-              <a:fillRect/>
-            </a:stretch>
-          </p:blipFill>
-          <p:spPr>
-            <a:xfrm>
-              <a:off x="9827403" y="6172124"/>
-              <a:ext cx="2199971" cy="423985"/>
-            </a:xfrm>
-            <a:prstGeom prst="rect">
-              <a:avLst/>
-            </a:prstGeom>
-          </p:spPr>
-        </p:pic>
-      </p:grpSp>
     </p:spTree>
     <p:extLst>
       <p:ext uri="{BB962C8B-B14F-4D97-AF65-F5344CB8AC3E}">
-        <p14:creationId xmlns:p14="http://schemas.microsoft.com/office/powerpoint/2010/main" val="585117107"/>
+        <p14:creationId xmlns:p14="http://schemas.microsoft.com/office/powerpoint/2010/main" val="4026929259"/>
       </p:ext>
     </p:extLst>
   </p:cSld>

--- a/KICS_PT/[KICS] 모델 poster.pptx
+++ b/KICS_PT/[KICS] 모델 poster.pptx
@@ -5,26 +5,24 @@
     <p:sldMasterId id="2147483648" r:id="rId1"/>
   </p:sldMasterIdLst>
   <p:notesMasterIdLst>
-    <p:notesMasterId r:id="rId19"/>
+    <p:notesMasterId r:id="rId17"/>
   </p:notesMasterIdLst>
   <p:sldIdLst>
-    <p:sldId id="256" r:id="rId2"/>
-    <p:sldId id="284" r:id="rId3"/>
-    <p:sldId id="257" r:id="rId4"/>
-    <p:sldId id="263" r:id="rId5"/>
-    <p:sldId id="282" r:id="rId6"/>
-    <p:sldId id="266" r:id="rId7"/>
+    <p:sldId id="284" r:id="rId2"/>
+    <p:sldId id="257" r:id="rId3"/>
+    <p:sldId id="263" r:id="rId4"/>
+    <p:sldId id="282" r:id="rId5"/>
+    <p:sldId id="266" r:id="rId6"/>
+    <p:sldId id="267" r:id="rId7"/>
     <p:sldId id="271" r:id="rId8"/>
-    <p:sldId id="267" r:id="rId9"/>
-    <p:sldId id="269" r:id="rId10"/>
-    <p:sldId id="270" r:id="rId11"/>
-    <p:sldId id="277" r:id="rId12"/>
-    <p:sldId id="272" r:id="rId13"/>
-    <p:sldId id="279" r:id="rId14"/>
-    <p:sldId id="278" r:id="rId15"/>
-    <p:sldId id="280" r:id="rId16"/>
-    <p:sldId id="281" r:id="rId17"/>
-    <p:sldId id="285" r:id="rId18"/>
+    <p:sldId id="269" r:id="rId9"/>
+    <p:sldId id="270" r:id="rId10"/>
+    <p:sldId id="277" r:id="rId11"/>
+    <p:sldId id="272" r:id="rId12"/>
+    <p:sldId id="279" r:id="rId13"/>
+    <p:sldId id="278" r:id="rId14"/>
+    <p:sldId id="281" r:id="rId15"/>
+    <p:sldId id="285" r:id="rId16"/>
   </p:sldIdLst>
   <p:sldSz cx="12192000" cy="6858000"/>
   <p:notesSz cx="6858000" cy="9144000"/>
@@ -524,24 +522,6 @@
           <a:bodyPr/>
           <a:lstStyle/>
           <a:p>
-            <a:r>
-              <a:rPr lang="ko-KR" altLang="en-US" kern="0">
-                <a:solidFill>
-                  <a:sysClr val="windowText" lastClr="000000"/>
-                </a:solidFill>
-                <a:cs typeface="Malgun Gothic"/>
-              </a:rPr>
-              <a:t>태양광 발전 시스템을 구축하기 이전에</a:t>
-            </a:r>
-            <a:r>
-              <a:rPr lang="en-US" altLang="ko-KR" kern="0">
-                <a:solidFill>
-                  <a:sysClr val="windowText" lastClr="000000"/>
-                </a:solidFill>
-                <a:cs typeface="Malgun Gothic"/>
-              </a:rPr>
-              <a:t>, </a:t>
-            </a:r>
             <a:endParaRPr lang="ko-KR" altLang="en-US" dirty="0"/>
           </a:p>
         </p:txBody>
@@ -563,7 +543,7 @@
           <a:p>
             <a:fld id="{3DA20865-045B-45A9-AC7A-AC77C3641144}" type="slidenum">
               <a:rPr lang="ko-KR" altLang="en-US" smtClean="0"/>
-              <a:t>7</a:t>
+              <a:t>1</a:t>
             </a:fld>
             <a:endParaRPr lang="ko-KR" altLang="en-US"/>
           </a:p>
@@ -572,7 +552,7 @@
     </p:spTree>
     <p:extLst>
       <p:ext uri="{BB962C8B-B14F-4D97-AF65-F5344CB8AC3E}">
-        <p14:creationId xmlns:p14="http://schemas.microsoft.com/office/powerpoint/2010/main" val="1321639438"/>
+        <p14:creationId xmlns:p14="http://schemas.microsoft.com/office/powerpoint/2010/main" val="883350903"/>
       </p:ext>
     </p:extLst>
   </p:cSld>
@@ -626,6 +606,24 @@
           <a:bodyPr/>
           <a:lstStyle/>
           <a:p>
+            <a:r>
+              <a:rPr lang="ko-KR" altLang="en-US" kern="0">
+                <a:solidFill>
+                  <a:sysClr val="windowText" lastClr="000000"/>
+                </a:solidFill>
+                <a:cs typeface="Malgun Gothic"/>
+              </a:rPr>
+              <a:t>태양광 발전 시스템을 구축하기 이전에</a:t>
+            </a:r>
+            <a:r>
+              <a:rPr lang="en-US" altLang="ko-KR" kern="0">
+                <a:solidFill>
+                  <a:sysClr val="windowText" lastClr="000000"/>
+                </a:solidFill>
+                <a:cs typeface="Malgun Gothic"/>
+              </a:rPr>
+              <a:t>, </a:t>
+            </a:r>
             <a:endParaRPr lang="ko-KR" altLang="en-US" dirty="0"/>
           </a:p>
         </p:txBody>
@@ -647,7 +645,91 @@
           <a:p>
             <a:fld id="{3DA20865-045B-45A9-AC7A-AC77C3641144}" type="slidenum">
               <a:rPr lang="ko-KR" altLang="en-US" smtClean="0"/>
-              <a:t>12</a:t>
+              <a:t>7</a:t>
+            </a:fld>
+            <a:endParaRPr lang="ko-KR" altLang="en-US"/>
+          </a:p>
+        </p:txBody>
+      </p:sp>
+    </p:spTree>
+    <p:extLst>
+      <p:ext uri="{BB962C8B-B14F-4D97-AF65-F5344CB8AC3E}">
+        <p14:creationId xmlns:p14="http://schemas.microsoft.com/office/powerpoint/2010/main" val="1321639438"/>
+      </p:ext>
+    </p:extLst>
+  </p:cSld>
+  <p:clrMapOvr>
+    <a:masterClrMapping/>
+  </p:clrMapOvr>
+</p:notes>
+</file>
+
+<file path=ppt/notesSlides/notesSlide3.xml><?xml version="1.0" encoding="utf-8"?>
+<p:notes xmlns:a="http://schemas.openxmlformats.org/drawingml/2006/main" xmlns:r="http://schemas.openxmlformats.org/officeDocument/2006/relationships" xmlns:p="http://schemas.openxmlformats.org/presentationml/2006/main">
+  <p:cSld>
+    <p:spTree>
+      <p:nvGrpSpPr>
+        <p:cNvPr id="1" name=""/>
+        <p:cNvGrpSpPr/>
+        <p:nvPr/>
+      </p:nvGrpSpPr>
+      <p:grpSpPr>
+        <a:xfrm>
+          <a:off x="0" y="0"/>
+          <a:ext cx="0" cy="0"/>
+          <a:chOff x="0" y="0"/>
+          <a:chExt cx="0" cy="0"/>
+        </a:xfrm>
+      </p:grpSpPr>
+      <p:sp>
+        <p:nvSpPr>
+          <p:cNvPr id="2" name="슬라이드 이미지 개체 틀 1"/>
+          <p:cNvSpPr>
+            <a:spLocks noGrp="1" noRot="1" noChangeAspect="1"/>
+          </p:cNvSpPr>
+          <p:nvPr>
+            <p:ph type="sldImg"/>
+          </p:nvPr>
+        </p:nvSpPr>
+        <p:spPr/>
+      </p:sp>
+      <p:sp>
+        <p:nvSpPr>
+          <p:cNvPr id="3" name="슬라이드 노트 개체 틀 2"/>
+          <p:cNvSpPr>
+            <a:spLocks noGrp="1"/>
+          </p:cNvSpPr>
+          <p:nvPr>
+            <p:ph type="body" idx="1"/>
+          </p:nvPr>
+        </p:nvSpPr>
+        <p:spPr/>
+        <p:txBody>
+          <a:bodyPr/>
+          <a:lstStyle/>
+          <a:p>
+            <a:endParaRPr lang="ko-KR" altLang="en-US" dirty="0"/>
+          </a:p>
+        </p:txBody>
+      </p:sp>
+      <p:sp>
+        <p:nvSpPr>
+          <p:cNvPr id="4" name="슬라이드 번호 개체 틀 3"/>
+          <p:cNvSpPr>
+            <a:spLocks noGrp="1"/>
+          </p:cNvSpPr>
+          <p:nvPr>
+            <p:ph type="sldNum" sz="quarter" idx="5"/>
+          </p:nvPr>
+        </p:nvSpPr>
+        <p:spPr/>
+        <p:txBody>
+          <a:bodyPr/>
+          <a:lstStyle/>
+          <a:p>
+            <a:fld id="{3DA20865-045B-45A9-AC7A-AC77C3641144}" type="slidenum">
+              <a:rPr lang="ko-KR" altLang="en-US" smtClean="0"/>
+              <a:t>11</a:t>
             </a:fld>
             <a:endParaRPr lang="ko-KR" altLang="en-US"/>
           </a:p>
@@ -3882,6 +3964,58 @@
       </p:grpSpPr>
       <p:sp>
         <p:nvSpPr>
+          <p:cNvPr id="3" name="직사각형 2">
+            <a:extLst>
+              <a:ext uri="{FF2B5EF4-FFF2-40B4-BE49-F238E27FC236}">
+                <a16:creationId xmlns:a16="http://schemas.microsoft.com/office/drawing/2014/main" id="{753444D1-C8AF-4282-949A-3A5C6226CB43}"/>
+              </a:ext>
+            </a:extLst>
+          </p:cNvPr>
+          <p:cNvSpPr/>
+          <p:nvPr/>
+        </p:nvSpPr>
+        <p:spPr>
+          <a:xfrm>
+            <a:off x="0" y="1368552"/>
+            <a:ext cx="12192000" cy="2644408"/>
+          </a:xfrm>
+          <a:prstGeom prst="rect">
+            <a:avLst/>
+          </a:prstGeom>
+          <a:solidFill>
+            <a:srgbClr val="002060"/>
+          </a:solidFill>
+          <a:ln>
+            <a:noFill/>
+          </a:ln>
+        </p:spPr>
+        <p:style>
+          <a:lnRef idx="2">
+            <a:schemeClr val="accent1">
+              <a:shade val="50000"/>
+            </a:schemeClr>
+          </a:lnRef>
+          <a:fillRef idx="1">
+            <a:schemeClr val="accent1"/>
+          </a:fillRef>
+          <a:effectRef idx="0">
+            <a:schemeClr val="accent1"/>
+          </a:effectRef>
+          <a:fontRef idx="minor">
+            <a:schemeClr val="lt1"/>
+          </a:fontRef>
+        </p:style>
+        <p:txBody>
+          <a:bodyPr rtlCol="0" anchor="ctr"/>
+          <a:lstStyle/>
+          <a:p>
+            <a:pPr algn="ctr"/>
+            <a:endParaRPr lang="ko-KR" altLang="en-US"/>
+          </a:p>
+        </p:txBody>
+      </p:sp>
+      <p:sp>
+        <p:nvSpPr>
           <p:cNvPr id="2" name="제목 1">
             <a:extLst>
               <a:ext uri="{FF2B5EF4-FFF2-40B4-BE49-F238E27FC236}">
@@ -3898,8 +4032,8 @@
         </p:nvSpPr>
         <p:spPr>
           <a:xfrm>
-            <a:off x="1795396" y="1444164"/>
-            <a:ext cx="8768711" cy="3683109"/>
+            <a:off x="1712348" y="1706312"/>
+            <a:ext cx="8934807" cy="2059898"/>
           </a:xfrm>
         </p:spPr>
         <p:txBody>
@@ -3916,7 +4050,7 @@
             <a:r>
               <a:rPr lang="ko-KR" altLang="en-US" sz="3600" b="1" dirty="0">
                 <a:solidFill>
-                  <a:srgbClr val="002060"/>
+                  <a:schemeClr val="bg1"/>
                 </a:solidFill>
               </a:rPr>
               <a:t>전이 학습 기반의 랜덤 </a:t>
@@ -3924,7 +4058,7 @@
             <a:r>
               <a:rPr lang="ko-KR" altLang="en-US" sz="3600" b="1" dirty="0" err="1">
                 <a:solidFill>
-                  <a:srgbClr val="002060"/>
+                  <a:schemeClr val="bg1"/>
                 </a:solidFill>
               </a:rPr>
               <a:t>포레스트를</a:t>
@@ -3932,7 +4066,7 @@
             <a:r>
               <a:rPr lang="ko-KR" altLang="en-US" sz="3600" b="1" dirty="0">
                 <a:solidFill>
-                  <a:srgbClr val="002060"/>
+                  <a:schemeClr val="bg1"/>
                 </a:solidFill>
               </a:rPr>
               <a:t> 이용한 </a:t>
@@ -3940,53 +4074,68 @@
             <a:br>
               <a:rPr lang="en-US" altLang="ko-KR" sz="3600" b="1" dirty="0">
                 <a:solidFill>
-                  <a:srgbClr val="002060"/>
+                  <a:schemeClr val="bg1"/>
                 </a:solidFill>
               </a:rPr>
             </a:br>
             <a:r>
               <a:rPr lang="ko-KR" altLang="en-US" sz="3600" b="1" dirty="0">
                 <a:solidFill>
-                  <a:srgbClr val="002060"/>
+                  <a:schemeClr val="bg1"/>
                 </a:solidFill>
               </a:rPr>
               <a:t>일사량 예측 기법</a:t>
             </a:r>
             <a:br>
-              <a:rPr lang="en-US" altLang="ko-KR" sz="3700" b="1" dirty="0"/>
+              <a:rPr lang="en-US" altLang="ko-KR" sz="3700" b="1" dirty="0">
+                <a:solidFill>
+                  <a:schemeClr val="bg1"/>
+                </a:solidFill>
+              </a:rPr>
             </a:br>
             <a:r>
-              <a:rPr lang="ko-KR" altLang="en-US" sz="1200" dirty="0"/>
+              <a:rPr lang="ko-KR" altLang="en-US" sz="1200" dirty="0">
+                <a:solidFill>
+                  <a:schemeClr val="bg1"/>
+                </a:solidFill>
+              </a:rPr>
               <a:t>    </a:t>
             </a:r>
             <a:br>
-              <a:rPr lang="en-US" altLang="ko-KR" sz="4000" b="1" dirty="0"/>
+              <a:rPr lang="en-US" altLang="ko-KR" sz="4000" b="1" dirty="0">
+                <a:solidFill>
+                  <a:schemeClr val="bg1"/>
+                </a:solidFill>
+              </a:rPr>
             </a:br>
             <a:r>
-              <a:rPr lang="en-US" altLang="ko-KR" sz="1800" b="1" dirty="0"/>
+              <a:rPr lang="en-US" altLang="ko-KR" sz="1800" b="1" dirty="0">
+                <a:solidFill>
+                  <a:schemeClr val="bg1"/>
+                </a:solidFill>
+              </a:rPr>
               <a:t>A Solar Irradiance Forecasting Method Using</a:t>
             </a:r>
             <a:br>
-              <a:rPr lang="en-US" altLang="ko-KR" sz="1800" b="1" dirty="0"/>
+              <a:rPr lang="en-US" altLang="ko-KR" sz="1800" b="1" dirty="0">
+                <a:solidFill>
+                  <a:schemeClr val="bg1"/>
+                </a:solidFill>
+              </a:rPr>
             </a:br>
             <a:r>
-              <a:rPr lang="en-US" altLang="ko-KR" sz="1800" b="1" dirty="0"/>
+              <a:rPr lang="en-US" altLang="ko-KR" sz="1800" b="1" dirty="0">
+                <a:solidFill>
+                  <a:schemeClr val="bg1"/>
+                </a:solidFill>
+              </a:rPr>
               <a:t>Transfer Learning-Based Random Forests</a:t>
             </a:r>
-            <a:br>
-              <a:rPr lang="en-US" altLang="ko-KR" sz="1800" dirty="0"/>
-            </a:br>
-            <a:br>
-              <a:rPr lang="en-US" altLang="ko-KR" sz="1800" b="1" dirty="0"/>
-            </a:br>
-            <a:r>
-              <a:rPr lang="en-US" altLang="ko-KR" sz="3000" b="1" dirty="0"/>
-              <a:t>  </a:t>
-            </a:r>
-            <a:br>
-              <a:rPr lang="en-US" altLang="ko-KR" sz="4000" b="1" dirty="0"/>
-            </a:br>
-            <a:endParaRPr lang="ko-KR" altLang="en-US" sz="4000" b="1" dirty="0"/>
+            <a:endParaRPr lang="ko-KR" altLang="en-US" sz="4000" b="1" dirty="0">
+              <a:solidFill>
+                <a:schemeClr val="bg1"/>
+              </a:solidFill>
+            </a:endParaRPr>
           </a:p>
         </p:txBody>
       </p:sp>
@@ -4234,7 +4383,7 @@
             <p:nvPr/>
           </p:nvPicPr>
           <p:blipFill rotWithShape="1">
-            <a:blip r:embed="rId2">
+            <a:blip r:embed="rId3">
               <a:extLst>
                 <a:ext uri="{28A0092B-C50C-407E-A947-70E740481C1C}">
                   <a14:useLocalDpi xmlns:a14="http://schemas.microsoft.com/office/drawing/2010/main" val="0"/>
@@ -4269,831 +4418,6 @@
             <p:nvPr/>
           </p:nvPicPr>
           <p:blipFill>
-            <a:blip r:embed="rId3" cstate="hqprint">
-              <a:extLst>
-                <a:ext uri="{28A0092B-C50C-407E-A947-70E740481C1C}">
-                  <a14:useLocalDpi xmlns:a14="http://schemas.microsoft.com/office/drawing/2010/main" val="0"/>
-                </a:ext>
-              </a:extLst>
-            </a:blip>
-            <a:stretch>
-              <a:fillRect/>
-            </a:stretch>
-          </p:blipFill>
-          <p:spPr>
-            <a:xfrm>
-              <a:off x="9827403" y="6172124"/>
-              <a:ext cx="2199971" cy="423985"/>
-            </a:xfrm>
-            <a:prstGeom prst="rect">
-              <a:avLst/>
-            </a:prstGeom>
-          </p:spPr>
-        </p:pic>
-      </p:grpSp>
-    </p:spTree>
-    <p:extLst>
-      <p:ext uri="{BB962C8B-B14F-4D97-AF65-F5344CB8AC3E}">
-        <p14:creationId xmlns:p14="http://schemas.microsoft.com/office/powerpoint/2010/main" val="3842319170"/>
-      </p:ext>
-    </p:extLst>
-  </p:cSld>
-  <p:clrMapOvr>
-    <a:masterClrMapping/>
-  </p:clrMapOvr>
-</p:sld>
-</file>
-
-<file path=ppt/slides/slide10.xml><?xml version="1.0" encoding="utf-8"?>
-<p:sld xmlns:a="http://schemas.openxmlformats.org/drawingml/2006/main" xmlns:r="http://schemas.openxmlformats.org/officeDocument/2006/relationships" xmlns:p="http://schemas.openxmlformats.org/presentationml/2006/main">
-  <p:cSld>
-    <p:spTree>
-      <p:nvGrpSpPr>
-        <p:cNvPr id="1" name=""/>
-        <p:cNvGrpSpPr/>
-        <p:nvPr/>
-      </p:nvGrpSpPr>
-      <p:grpSpPr>
-        <a:xfrm>
-          <a:off x="0" y="0"/>
-          <a:ext cx="0" cy="0"/>
-          <a:chOff x="0" y="0"/>
-          <a:chExt cx="0" cy="0"/>
-        </a:xfrm>
-      </p:grpSpPr>
-      <p:sp>
-        <p:nvSpPr>
-          <p:cNvPr id="15" name="object 2">
-            <a:extLst>
-              <a:ext uri="{FF2B5EF4-FFF2-40B4-BE49-F238E27FC236}">
-                <a16:creationId xmlns:a16="http://schemas.microsoft.com/office/drawing/2014/main" id="{63B42C9C-96BB-4869-81D8-DBA87F4A50BB}"/>
-              </a:ext>
-            </a:extLst>
-          </p:cNvPr>
-          <p:cNvSpPr txBox="1">
-            <a:spLocks/>
-          </p:cNvSpPr>
-          <p:nvPr/>
-        </p:nvSpPr>
-        <p:spPr>
-          <a:xfrm>
-            <a:off x="492575" y="391668"/>
-            <a:ext cx="3965125" cy="505267"/>
-          </a:xfrm>
-          <a:prstGeom prst="rect">
-            <a:avLst/>
-          </a:prstGeom>
-        </p:spPr>
-        <p:txBody>
-          <a:bodyPr vert="horz" wrap="square" lIns="0" tIns="12700" rIns="0" bIns="0" rtlCol="0">
-            <a:spAutoFit/>
-          </a:bodyPr>
-          <a:lstStyle>
-            <a:lvl1pPr>
-              <a:defRPr sz="3600" b="1" i="0">
-                <a:solidFill>
-                  <a:schemeClr val="tx1"/>
-                </a:solidFill>
-                <a:latin typeface="Malgun Gothic"/>
-                <a:ea typeface="+mj-ea"/>
-                <a:cs typeface="Malgun Gothic"/>
-              </a:defRPr>
-            </a:lvl1pPr>
-          </a:lstStyle>
-          <a:p>
-            <a:pPr marL="12700" marR="0" lvl="0" indent="0" defTabSz="914400" eaLnBrk="1" fontAlgn="auto" latinLnBrk="0" hangingPunct="1">
-              <a:lnSpc>
-                <a:spcPct val="100000"/>
-              </a:lnSpc>
-              <a:spcBef>
-                <a:spcPts val="100"/>
-              </a:spcBef>
-              <a:spcAft>
-                <a:spcPts val="0"/>
-              </a:spcAft>
-              <a:buClrTx/>
-              <a:buSzTx/>
-              <a:buFontTx/>
-              <a:buNone/>
-              <a:tabLst>
-                <a:tab pos="967740" algn="l"/>
-              </a:tabLst>
-              <a:defRPr/>
-            </a:pPr>
-            <a:r>
-              <a:rPr lang="ko-KR" altLang="en-US" sz="3200" kern="0" spc="-25" dirty="0">
-                <a:solidFill>
-                  <a:srgbClr val="001F60"/>
-                </a:solidFill>
-                <a:ea typeface="맑은 고딕" panose="020B0503020000020004" pitchFamily="50" charset="-127"/>
-              </a:rPr>
-              <a:t>일사량 </a:t>
-            </a:r>
-            <a:r>
-              <a:rPr lang="ko-KR" altLang="en-US" sz="3200" kern="0" spc="-25">
-                <a:solidFill>
-                  <a:srgbClr val="001F60"/>
-                </a:solidFill>
-                <a:ea typeface="맑은 고딕" panose="020B0503020000020004" pitchFamily="50" charset="-127"/>
-              </a:rPr>
-              <a:t>예측 모델링</a:t>
-            </a:r>
-            <a:endParaRPr kumimoji="0" lang="ko-KR" altLang="en-US" sz="3200" b="1" i="0" u="none" strike="noStrike" kern="0" cap="none" spc="0" normalizeH="0" baseline="0" noProof="0" dirty="0">
-              <a:ln>
-                <a:noFill/>
-              </a:ln>
-              <a:solidFill>
-                <a:sysClr val="windowText" lastClr="000000"/>
-              </a:solidFill>
-              <a:effectLst/>
-              <a:uLnTx/>
-              <a:uFillTx/>
-              <a:latin typeface="Malgun Gothic"/>
-              <a:ea typeface="맑은 고딕" panose="020B0503020000020004" pitchFamily="50" charset="-127"/>
-            </a:endParaRPr>
-          </a:p>
-        </p:txBody>
-      </p:sp>
-      <p:sp>
-        <p:nvSpPr>
-          <p:cNvPr id="16" name="object 3">
-            <a:extLst>
-              <a:ext uri="{FF2B5EF4-FFF2-40B4-BE49-F238E27FC236}">
-                <a16:creationId xmlns:a16="http://schemas.microsoft.com/office/drawing/2014/main" id="{A8C33617-DDF9-46C2-AA54-1B67BF5470A7}"/>
-              </a:ext>
-            </a:extLst>
-          </p:cNvPr>
-          <p:cNvSpPr txBox="1"/>
-          <p:nvPr/>
-        </p:nvSpPr>
-        <p:spPr>
-          <a:xfrm>
-            <a:off x="508990" y="1263396"/>
-            <a:ext cx="11014075" cy="425116"/>
-          </a:xfrm>
-          <a:prstGeom prst="rect">
-            <a:avLst/>
-          </a:prstGeom>
-        </p:spPr>
-        <p:txBody>
-          <a:bodyPr vert="horz" wrap="square" lIns="0" tIns="116205" rIns="0" bIns="0" rtlCol="0">
-            <a:spAutoFit/>
-          </a:bodyPr>
-          <a:lstStyle/>
-          <a:p>
-            <a:pPr marL="12700" latinLnBrk="0">
-              <a:spcBef>
-                <a:spcPts val="915"/>
-              </a:spcBef>
-            </a:pPr>
-            <a:r>
-              <a:rPr lang="en-US" altLang="ko-KR" sz="2000" b="1" kern="0" dirty="0">
-                <a:solidFill>
-                  <a:sysClr val="windowText" lastClr="000000"/>
-                </a:solidFill>
-                <a:cs typeface="Malgun Gothic"/>
-              </a:rPr>
-              <a:t>[2</a:t>
-            </a:r>
-            <a:r>
-              <a:rPr lang="ko-KR" altLang="en-US" sz="2000" b="1" kern="0" dirty="0">
-                <a:solidFill>
-                  <a:sysClr val="windowText" lastClr="000000"/>
-                </a:solidFill>
-                <a:cs typeface="Malgun Gothic"/>
-              </a:rPr>
-              <a:t>단계</a:t>
-            </a:r>
-            <a:r>
-              <a:rPr lang="en-US" altLang="ko-KR" sz="2000" b="1" kern="0" dirty="0">
-                <a:solidFill>
-                  <a:sysClr val="windowText" lastClr="000000"/>
-                </a:solidFill>
-                <a:cs typeface="Malgun Gothic"/>
-              </a:rPr>
-              <a:t>] </a:t>
-            </a:r>
-            <a:r>
-              <a:rPr lang="ko-KR" altLang="en-US" sz="2000" b="1" kern="0" dirty="0">
-                <a:solidFill>
-                  <a:sysClr val="windowText" lastClr="000000"/>
-                </a:solidFill>
-                <a:cs typeface="Malgun Gothic"/>
-              </a:rPr>
-              <a:t>전이 학습을 이용한 다단계 일사량 예측 방식 </a:t>
-            </a:r>
-            <a:endParaRPr sz="2000" kern="0" dirty="0">
-              <a:solidFill>
-                <a:sysClr val="windowText" lastClr="000000"/>
-              </a:solidFill>
-              <a:cs typeface="Malgun Gothic"/>
-            </a:endParaRPr>
-          </a:p>
-        </p:txBody>
-      </p:sp>
-      <p:sp>
-        <p:nvSpPr>
-          <p:cNvPr id="19" name="object 6">
-            <a:extLst>
-              <a:ext uri="{FF2B5EF4-FFF2-40B4-BE49-F238E27FC236}">
-                <a16:creationId xmlns:a16="http://schemas.microsoft.com/office/drawing/2014/main" id="{C73C25E3-E198-4627-994A-E730949EA465}"/>
-              </a:ext>
-            </a:extLst>
-          </p:cNvPr>
-          <p:cNvSpPr/>
-          <p:nvPr/>
-        </p:nvSpPr>
-        <p:spPr>
-          <a:xfrm>
-            <a:off x="430250" y="985061"/>
-            <a:ext cx="11353800" cy="45720"/>
-          </a:xfrm>
-          <a:custGeom>
-            <a:avLst/>
-            <a:gdLst/>
-            <a:ahLst/>
-            <a:cxnLst/>
-            <a:rect l="l" t="t" r="r" b="b"/>
-            <a:pathLst>
-              <a:path w="11353800" h="45719">
-                <a:moveTo>
-                  <a:pt x="11353800" y="0"/>
-                </a:moveTo>
-                <a:lnTo>
-                  <a:pt x="0" y="0"/>
-                </a:lnTo>
-                <a:lnTo>
-                  <a:pt x="0" y="45718"/>
-                </a:lnTo>
-                <a:lnTo>
-                  <a:pt x="11353800" y="45718"/>
-                </a:lnTo>
-                <a:lnTo>
-                  <a:pt x="11353800" y="0"/>
-                </a:lnTo>
-                <a:close/>
-              </a:path>
-            </a:pathLst>
-          </a:custGeom>
-          <a:solidFill>
-            <a:srgbClr val="0C3F8B"/>
-          </a:solidFill>
-        </p:spPr>
-        <p:txBody>
-          <a:bodyPr wrap="square" lIns="0" tIns="0" rIns="0" bIns="0" rtlCol="0"/>
-          <a:lstStyle/>
-          <a:p>
-            <a:pPr marL="0" marR="0" lvl="0" indent="0" defTabSz="914400" eaLnBrk="1" fontAlgn="auto" latinLnBrk="0" hangingPunct="1">
-              <a:lnSpc>
-                <a:spcPct val="100000"/>
-              </a:lnSpc>
-              <a:spcBef>
-                <a:spcPts val="0"/>
-              </a:spcBef>
-              <a:spcAft>
-                <a:spcPts val="0"/>
-              </a:spcAft>
-              <a:buClrTx/>
-              <a:buSzTx/>
-              <a:buFontTx/>
-              <a:buNone/>
-              <a:tabLst/>
-              <a:defRPr/>
-            </a:pPr>
-            <a:endParaRPr kumimoji="0" sz="1800" b="0" i="0" u="none" strike="noStrike" kern="0" cap="none" spc="0" normalizeH="0" baseline="0" noProof="0">
-              <a:ln>
-                <a:noFill/>
-              </a:ln>
-              <a:solidFill>
-                <a:sysClr val="windowText" lastClr="000000"/>
-              </a:solidFill>
-              <a:effectLst/>
-              <a:uLnTx/>
-              <a:uFillTx/>
-            </a:endParaRPr>
-          </a:p>
-        </p:txBody>
-      </p:sp>
-      <p:sp>
-        <p:nvSpPr>
-          <p:cNvPr id="8" name="직사각형 7"/>
-          <p:cNvSpPr/>
-          <p:nvPr/>
-        </p:nvSpPr>
-        <p:spPr>
-          <a:xfrm>
-            <a:off x="492575" y="1769352"/>
-            <a:ext cx="11291475" cy="1102866"/>
-          </a:xfrm>
-          <a:prstGeom prst="rect">
-            <a:avLst/>
-          </a:prstGeom>
-        </p:spPr>
-        <p:txBody>
-          <a:bodyPr wrap="square">
-            <a:spAutoFit/>
-          </a:bodyPr>
-          <a:lstStyle/>
-          <a:p>
-            <a:pPr marL="298450" indent="-285750" latinLnBrk="0">
-              <a:spcBef>
-                <a:spcPts val="695"/>
-              </a:spcBef>
-              <a:buFontTx/>
-              <a:buChar char="-"/>
-              <a:tabLst>
-                <a:tab pos="240665" algn="l"/>
-              </a:tabLst>
-            </a:pPr>
-            <a:r>
-              <a:rPr lang="en-US" altLang="ko-KR" kern="0" spc="-50" dirty="0">
-                <a:solidFill>
-                  <a:sysClr val="windowText" lastClr="000000"/>
-                </a:solidFill>
-                <a:latin typeface="Calibri"/>
-                <a:cs typeface="Calibri"/>
-              </a:rPr>
-              <a:t>(</a:t>
-            </a:r>
-            <a:r>
-              <a:rPr lang="ko-KR" altLang="en-US" kern="0" spc="-50" dirty="0">
-                <a:solidFill>
-                  <a:sysClr val="windowText" lastClr="000000"/>
-                </a:solidFill>
-                <a:latin typeface="Calibri"/>
-                <a:cs typeface="Calibri"/>
-              </a:rPr>
-              <a:t>가정</a:t>
-            </a:r>
-            <a:r>
-              <a:rPr lang="en-US" altLang="ko-KR" kern="0" spc="-50" dirty="0">
-                <a:solidFill>
-                  <a:sysClr val="windowText" lastClr="000000"/>
-                </a:solidFill>
-                <a:latin typeface="Calibri"/>
-                <a:cs typeface="Calibri"/>
-              </a:rPr>
-              <a:t>) </a:t>
-            </a:r>
-            <a:r>
-              <a:rPr lang="ko-KR" altLang="en-US" dirty="0"/>
-              <a:t>태양광 발전 시스템이 하루만 운영되었으며</a:t>
-            </a:r>
-            <a:r>
-              <a:rPr lang="en-US" altLang="ko-KR" dirty="0"/>
-              <a:t>, </a:t>
-            </a:r>
-            <a:r>
-              <a:rPr lang="ko-KR" altLang="en-US" dirty="0"/>
-              <a:t>일사량 데이터도 하루치만 수집되었음</a:t>
-            </a:r>
-            <a:endParaRPr lang="en-US" altLang="ko-KR" kern="0" spc="-50" dirty="0">
-              <a:solidFill>
-                <a:sysClr val="windowText" lastClr="000000"/>
-              </a:solidFill>
-              <a:latin typeface="Calibri"/>
-              <a:cs typeface="Calibri"/>
-            </a:endParaRPr>
-          </a:p>
-          <a:p>
-            <a:pPr marL="298450" indent="-285750" latinLnBrk="0">
-              <a:spcBef>
-                <a:spcPts val="695"/>
-              </a:spcBef>
-              <a:buFontTx/>
-              <a:buChar char="-"/>
-              <a:tabLst>
-                <a:tab pos="240665" algn="l"/>
-              </a:tabLst>
-            </a:pPr>
-            <a:r>
-              <a:rPr lang="ko-KR" altLang="en-US" kern="0" spc="-50" dirty="0">
-                <a:solidFill>
-                  <a:sysClr val="windowText" lastClr="000000"/>
-                </a:solidFill>
-                <a:latin typeface="Calibri"/>
-                <a:cs typeface="Calibri"/>
-              </a:rPr>
-              <a:t>다섯 군데 지역의 </a:t>
-            </a:r>
-            <a:r>
-              <a:rPr lang="en-US" altLang="ko-KR" kern="0" spc="-50" dirty="0">
-                <a:solidFill>
-                  <a:sysClr val="windowText" lastClr="000000"/>
-                </a:solidFill>
-                <a:latin typeface="Calibri"/>
-                <a:cs typeface="Calibri"/>
-              </a:rPr>
-              <a:t>4 </a:t>
-            </a:r>
-            <a:r>
-              <a:rPr lang="ko-KR" altLang="en-US" kern="0" spc="-50" dirty="0">
-                <a:solidFill>
-                  <a:sysClr val="windowText" lastClr="000000"/>
-                </a:solidFill>
-                <a:latin typeface="Calibri"/>
-                <a:cs typeface="Calibri"/>
-              </a:rPr>
-              <a:t>년치 데이터 셋 </a:t>
-            </a:r>
-            <a:r>
-              <a:rPr lang="en-US" altLang="ko-KR" kern="0" spc="-50" dirty="0">
-                <a:solidFill>
-                  <a:sysClr val="windowText" lastClr="000000"/>
-                </a:solidFill>
-                <a:latin typeface="Calibri"/>
-                <a:cs typeface="Calibri"/>
-              </a:rPr>
-              <a:t>+ </a:t>
-            </a:r>
-            <a:r>
-              <a:rPr lang="ko-KR" altLang="en-US" kern="0" spc="-50" dirty="0">
-                <a:solidFill>
-                  <a:sysClr val="windowText" lastClr="000000"/>
-                </a:solidFill>
-                <a:latin typeface="Calibri"/>
-                <a:cs typeface="Calibri"/>
-              </a:rPr>
-              <a:t>예측 대상 지역의 </a:t>
-            </a:r>
-            <a:r>
-              <a:rPr lang="en-US" altLang="ko-KR" kern="0" spc="-50" dirty="0">
-                <a:solidFill>
-                  <a:sysClr val="windowText" lastClr="000000"/>
-                </a:solidFill>
-                <a:latin typeface="Calibri"/>
-                <a:cs typeface="Calibri"/>
-              </a:rPr>
-              <a:t>1</a:t>
-            </a:r>
-            <a:r>
-              <a:rPr lang="ko-KR" altLang="en-US" kern="0" spc="-50" dirty="0">
-                <a:solidFill>
-                  <a:sysClr val="windowText" lastClr="000000"/>
-                </a:solidFill>
-                <a:latin typeface="Calibri"/>
-                <a:cs typeface="Calibri"/>
-              </a:rPr>
-              <a:t> 년치 데이터 셋을 결합해 학습 데이터 셋을 구성</a:t>
-            </a:r>
-            <a:endParaRPr lang="en-US" altLang="ko-KR" kern="0" spc="-50" dirty="0">
-              <a:solidFill>
-                <a:sysClr val="windowText" lastClr="000000"/>
-              </a:solidFill>
-              <a:latin typeface="Calibri"/>
-              <a:cs typeface="Calibri"/>
-            </a:endParaRPr>
-          </a:p>
-          <a:p>
-            <a:pPr marL="12700" latinLnBrk="0">
-              <a:spcBef>
-                <a:spcPts val="695"/>
-              </a:spcBef>
-              <a:tabLst>
-                <a:tab pos="240665" algn="l"/>
-              </a:tabLst>
-            </a:pPr>
-            <a:r>
-              <a:rPr lang="ko-KR" altLang="en-US" kern="0" spc="-50" dirty="0">
-                <a:solidFill>
-                  <a:sysClr val="windowText" lastClr="000000"/>
-                </a:solidFill>
-                <a:latin typeface="Calibri"/>
-                <a:cs typeface="Calibri"/>
-              </a:rPr>
-              <a:t> </a:t>
-            </a:r>
-            <a:endParaRPr lang="en-US" altLang="ko-KR" kern="0" spc="-50" dirty="0">
-              <a:solidFill>
-                <a:sysClr val="windowText" lastClr="000000"/>
-              </a:solidFill>
-              <a:latin typeface="Calibri"/>
-              <a:cs typeface="Calibri"/>
-            </a:endParaRPr>
-          </a:p>
-        </p:txBody>
-      </p:sp>
-      <p:pic>
-        <p:nvPicPr>
-          <p:cNvPr id="10" name="그림 9">
-            <a:extLst>
-              <a:ext uri="{FF2B5EF4-FFF2-40B4-BE49-F238E27FC236}">
-                <a16:creationId xmlns:a16="http://schemas.microsoft.com/office/drawing/2014/main" id="{F01F0147-7E99-430A-BE8A-08C8C8B5C47B}"/>
-              </a:ext>
-            </a:extLst>
-          </p:cNvPr>
-          <p:cNvPicPr>
-            <a:picLocks noChangeAspect="1"/>
-          </p:cNvPicPr>
-          <p:nvPr/>
-        </p:nvPicPr>
-        <p:blipFill rotWithShape="1">
-          <a:blip r:embed="rId2"/>
-          <a:srcRect b="12612"/>
-          <a:stretch/>
-        </p:blipFill>
-        <p:spPr>
-          <a:xfrm>
-            <a:off x="3105047" y="2608710"/>
-            <a:ext cx="6066529" cy="3504346"/>
-          </a:xfrm>
-          <a:prstGeom prst="rect">
-            <a:avLst/>
-          </a:prstGeom>
-        </p:spPr>
-      </p:pic>
-      <p:sp>
-        <p:nvSpPr>
-          <p:cNvPr id="11" name="직사각형 10">
-            <a:extLst>
-              <a:ext uri="{FF2B5EF4-FFF2-40B4-BE49-F238E27FC236}">
-                <a16:creationId xmlns:a16="http://schemas.microsoft.com/office/drawing/2014/main" id="{335F2A5E-66AF-49FF-B6C0-2C81B4E1E460}"/>
-              </a:ext>
-            </a:extLst>
-          </p:cNvPr>
-          <p:cNvSpPr/>
-          <p:nvPr/>
-        </p:nvSpPr>
-        <p:spPr>
-          <a:xfrm>
-            <a:off x="9036771" y="401503"/>
-            <a:ext cx="2947481" cy="551433"/>
-          </a:xfrm>
-          <a:prstGeom prst="rect">
-            <a:avLst/>
-          </a:prstGeom>
-        </p:spPr>
-        <p:txBody>
-          <a:bodyPr wrap="square">
-            <a:spAutoFit/>
-          </a:bodyPr>
-          <a:lstStyle/>
-          <a:p>
-            <a:pPr marL="12700" latinLnBrk="0">
-              <a:spcBef>
-                <a:spcPts val="695"/>
-              </a:spcBef>
-              <a:tabLst>
-                <a:tab pos="240665" algn="l"/>
-              </a:tabLst>
-            </a:pPr>
-            <a:r>
-              <a:rPr lang="en-US" altLang="ko-KR" sz="1200" b="1" kern="0" spc="-50" dirty="0">
-                <a:solidFill>
-                  <a:sysClr val="windowText" lastClr="000000"/>
-                </a:solidFill>
-                <a:latin typeface="Calibri"/>
-                <a:cs typeface="Calibri"/>
-              </a:rPr>
-              <a:t>* </a:t>
-            </a:r>
-            <a:r>
-              <a:rPr lang="ko-KR" altLang="en-US" sz="1200" b="1" kern="0" spc="-50" dirty="0">
-                <a:solidFill>
-                  <a:sysClr val="windowText" lastClr="000000"/>
-                </a:solidFill>
-                <a:latin typeface="Calibri"/>
-                <a:cs typeface="Calibri"/>
-              </a:rPr>
-              <a:t>학습 지역</a:t>
-            </a:r>
-            <a:r>
-              <a:rPr lang="en-US" altLang="ko-KR" sz="1200" b="1" kern="0" spc="-50" dirty="0">
-                <a:solidFill>
-                  <a:sysClr val="windowText" lastClr="000000"/>
-                </a:solidFill>
-                <a:latin typeface="Calibri"/>
-                <a:cs typeface="Calibri"/>
-              </a:rPr>
-              <a:t>:  </a:t>
-            </a:r>
-            <a:r>
-              <a:rPr lang="ko-KR" altLang="en-US" sz="1200" b="1" kern="0" spc="-50" dirty="0">
-                <a:solidFill>
-                  <a:sysClr val="windowText" lastClr="000000"/>
-                </a:solidFill>
-                <a:latin typeface="Calibri"/>
-                <a:cs typeface="Calibri"/>
-              </a:rPr>
-              <a:t>서울</a:t>
-            </a:r>
-            <a:r>
-              <a:rPr lang="en-US" altLang="ko-KR" sz="1200" b="1" kern="0" spc="-50" dirty="0">
-                <a:solidFill>
-                  <a:sysClr val="windowText" lastClr="000000"/>
-                </a:solidFill>
-                <a:latin typeface="Calibri"/>
-                <a:cs typeface="Calibri"/>
-              </a:rPr>
-              <a:t>, </a:t>
-            </a:r>
-            <a:r>
-              <a:rPr lang="ko-KR" altLang="en-US" sz="1200" b="1" kern="0" spc="-50" dirty="0">
-                <a:solidFill>
-                  <a:sysClr val="windowText" lastClr="000000"/>
-                </a:solidFill>
-                <a:latin typeface="Calibri"/>
-                <a:cs typeface="Calibri"/>
-              </a:rPr>
-              <a:t>부산</a:t>
-            </a:r>
-            <a:r>
-              <a:rPr lang="en-US" altLang="ko-KR" sz="1200" b="1" kern="0" spc="-50" dirty="0">
-                <a:solidFill>
-                  <a:sysClr val="windowText" lastClr="000000"/>
-                </a:solidFill>
-                <a:latin typeface="Calibri"/>
-                <a:cs typeface="Calibri"/>
-              </a:rPr>
-              <a:t>, </a:t>
-            </a:r>
-            <a:r>
-              <a:rPr lang="ko-KR" altLang="en-US" sz="1200" b="1" kern="0" spc="-50" dirty="0">
-                <a:solidFill>
-                  <a:sysClr val="windowText" lastClr="000000"/>
-                </a:solidFill>
-                <a:latin typeface="Calibri"/>
-                <a:cs typeface="Calibri"/>
-              </a:rPr>
-              <a:t>대구</a:t>
-            </a:r>
-            <a:r>
-              <a:rPr lang="en-US" altLang="ko-KR" sz="1200" b="1" kern="0" spc="-50" dirty="0">
-                <a:solidFill>
-                  <a:sysClr val="windowText" lastClr="000000"/>
-                </a:solidFill>
-                <a:latin typeface="Calibri"/>
-                <a:cs typeface="Calibri"/>
-              </a:rPr>
-              <a:t>, </a:t>
-            </a:r>
-            <a:r>
-              <a:rPr lang="ko-KR" altLang="en-US" sz="1200" b="1" kern="0" spc="-50" dirty="0">
-                <a:solidFill>
-                  <a:sysClr val="windowText" lastClr="000000"/>
-                </a:solidFill>
-                <a:latin typeface="Calibri"/>
-                <a:cs typeface="Calibri"/>
-              </a:rPr>
-              <a:t>인천</a:t>
-            </a:r>
-            <a:r>
-              <a:rPr lang="en-US" altLang="ko-KR" sz="1200" b="1" kern="0" spc="-50" dirty="0">
-                <a:solidFill>
-                  <a:sysClr val="windowText" lastClr="000000"/>
-                </a:solidFill>
-                <a:latin typeface="Calibri"/>
-                <a:cs typeface="Calibri"/>
-              </a:rPr>
-              <a:t>, </a:t>
-            </a:r>
-            <a:r>
-              <a:rPr lang="ko-KR" altLang="en-US" sz="1200" b="1" kern="0" spc="-50" dirty="0">
-                <a:solidFill>
-                  <a:sysClr val="windowText" lastClr="000000"/>
-                </a:solidFill>
-                <a:latin typeface="Calibri"/>
-                <a:cs typeface="Calibri"/>
-              </a:rPr>
-              <a:t>광주</a:t>
-            </a:r>
-            <a:endParaRPr lang="en-US" altLang="ko-KR" sz="1200" b="1" kern="0" spc="-50" dirty="0">
-              <a:solidFill>
-                <a:sysClr val="windowText" lastClr="000000"/>
-              </a:solidFill>
-              <a:latin typeface="Calibri"/>
-              <a:cs typeface="Calibri"/>
-            </a:endParaRPr>
-          </a:p>
-          <a:p>
-            <a:pPr marL="12700" latinLnBrk="0">
-              <a:spcBef>
-                <a:spcPts val="695"/>
-              </a:spcBef>
-              <a:tabLst>
-                <a:tab pos="240665" algn="l"/>
-              </a:tabLst>
-            </a:pPr>
-            <a:r>
-              <a:rPr lang="en-US" altLang="ko-KR" sz="1200" b="1" kern="0" spc="-50" dirty="0">
-                <a:solidFill>
-                  <a:sysClr val="windowText" lastClr="000000"/>
-                </a:solidFill>
-                <a:latin typeface="Calibri"/>
-                <a:cs typeface="Calibri"/>
-              </a:rPr>
-              <a:t>* </a:t>
-            </a:r>
-            <a:r>
-              <a:rPr lang="ko-KR" altLang="en-US" sz="1200" b="1" kern="0" spc="-50" dirty="0">
-                <a:solidFill>
-                  <a:sysClr val="windowText" lastClr="000000"/>
-                </a:solidFill>
-                <a:latin typeface="Calibri"/>
-                <a:cs typeface="Calibri"/>
-              </a:rPr>
-              <a:t>예측 지역 </a:t>
-            </a:r>
-            <a:r>
-              <a:rPr lang="en-US" altLang="ko-KR" sz="1200" b="1" kern="0" spc="-50" dirty="0">
-                <a:solidFill>
-                  <a:sysClr val="windowText" lastClr="000000"/>
-                </a:solidFill>
-                <a:latin typeface="Calibri"/>
-                <a:cs typeface="Calibri"/>
-              </a:rPr>
-              <a:t>: </a:t>
-            </a:r>
-            <a:r>
-              <a:rPr lang="ko-KR" altLang="en-US" sz="1200" b="1" kern="0" spc="-50" dirty="0">
-                <a:solidFill>
-                  <a:sysClr val="windowText" lastClr="000000"/>
-                </a:solidFill>
-                <a:latin typeface="Calibri"/>
-                <a:cs typeface="Calibri"/>
-              </a:rPr>
-              <a:t>대전</a:t>
-            </a:r>
-            <a:endParaRPr lang="en-US" altLang="ko-KR" sz="1200" b="1" kern="0" spc="-50" dirty="0">
-              <a:solidFill>
-                <a:sysClr val="windowText" lastClr="000000"/>
-              </a:solidFill>
-              <a:latin typeface="Calibri"/>
-              <a:cs typeface="Calibri"/>
-            </a:endParaRPr>
-          </a:p>
-        </p:txBody>
-      </p:sp>
-      <p:grpSp>
-        <p:nvGrpSpPr>
-          <p:cNvPr id="12" name="그룹 11">
-            <a:extLst>
-              <a:ext uri="{FF2B5EF4-FFF2-40B4-BE49-F238E27FC236}">
-                <a16:creationId xmlns:a16="http://schemas.microsoft.com/office/drawing/2014/main" id="{69A03454-59BD-4D91-98B6-E4A07A575B96}"/>
-              </a:ext>
-            </a:extLst>
-          </p:cNvPr>
-          <p:cNvGrpSpPr/>
-          <p:nvPr/>
-        </p:nvGrpSpPr>
-        <p:grpSpPr>
-          <a:xfrm>
-            <a:off x="9250532" y="6219306"/>
-            <a:ext cx="2776842" cy="457642"/>
-            <a:chOff x="8473734" y="6091284"/>
-            <a:chExt cx="3553640" cy="585664"/>
-          </a:xfrm>
-        </p:grpSpPr>
-        <p:pic>
-          <p:nvPicPr>
-            <p:cNvPr id="13" name="그림 12">
-              <a:extLst>
-                <a:ext uri="{FF2B5EF4-FFF2-40B4-BE49-F238E27FC236}">
-                  <a16:creationId xmlns:a16="http://schemas.microsoft.com/office/drawing/2014/main" id="{2A944B4D-367A-4D10-A6B4-49EBC050AA29}"/>
-                </a:ext>
-              </a:extLst>
-            </p:cNvPr>
-            <p:cNvPicPr>
-              <a:picLocks noChangeAspect="1"/>
-            </p:cNvPicPr>
-            <p:nvPr/>
-          </p:nvPicPr>
-          <p:blipFill rotWithShape="1">
-            <a:blip r:embed="rId3">
-              <a:extLst>
-                <a:ext uri="{28A0092B-C50C-407E-A947-70E740481C1C}">
-                  <a14:useLocalDpi xmlns:a14="http://schemas.microsoft.com/office/drawing/2010/main" val="0"/>
-                </a:ext>
-              </a:extLst>
-            </a:blip>
-            <a:srcRect l="74535" t="3851" r="5686" b="50143"/>
-            <a:stretch/>
-          </p:blipFill>
-          <p:spPr>
-            <a:xfrm>
-              <a:off x="8473734" y="6091284"/>
-              <a:ext cx="1353669" cy="585664"/>
-            </a:xfrm>
-            <a:prstGeom prst="rect">
-              <a:avLst/>
-            </a:prstGeom>
-          </p:spPr>
-        </p:pic>
-        <p:pic>
-          <p:nvPicPr>
-            <p:cNvPr id="14" name="그림 13">
-              <a:extLst>
-                <a:ext uri="{FF2B5EF4-FFF2-40B4-BE49-F238E27FC236}">
-                  <a16:creationId xmlns:a16="http://schemas.microsoft.com/office/drawing/2014/main" id="{FC4B0508-80C0-4FFE-90B4-7E66E11A74B4}"/>
-                </a:ext>
-              </a:extLst>
-            </p:cNvPr>
-            <p:cNvPicPr>
-              <a:picLocks noChangeAspect="1"/>
-            </p:cNvPicPr>
-            <p:nvPr/>
-          </p:nvPicPr>
-          <p:blipFill>
             <a:blip r:embed="rId4" cstate="hqprint">
               <a:extLst>
                 <a:ext uri="{28A0092B-C50C-407E-A947-70E740481C1C}">
@@ -5119,7 +4443,7 @@
     </p:spTree>
     <p:extLst>
       <p:ext uri="{BB962C8B-B14F-4D97-AF65-F5344CB8AC3E}">
-        <p14:creationId xmlns:p14="http://schemas.microsoft.com/office/powerpoint/2010/main" val="2953433111"/>
+        <p14:creationId xmlns:p14="http://schemas.microsoft.com/office/powerpoint/2010/main" val="1737860915"/>
       </p:ext>
     </p:extLst>
   </p:cSld>
@@ -5129,7 +4453,7 @@
 </p:sld>
 </file>
 
-<file path=ppt/slides/slide11.xml><?xml version="1.0" encoding="utf-8"?>
+<file path=ppt/slides/slide10.xml><?xml version="1.0" encoding="utf-8"?>
 <p:sld xmlns:a="http://schemas.openxmlformats.org/drawingml/2006/main" xmlns:r="http://schemas.openxmlformats.org/officeDocument/2006/relationships" xmlns:p="http://schemas.openxmlformats.org/presentationml/2006/main">
   <p:cSld>
     <p:spTree>
@@ -6108,7 +5432,7 @@
 </p:sld>
 </file>
 
-<file path=ppt/slides/slide12.xml><?xml version="1.0" encoding="utf-8"?>
+<file path=ppt/slides/slide11.xml><?xml version="1.0" encoding="utf-8"?>
 <p:sld xmlns:a="http://schemas.openxmlformats.org/drawingml/2006/main" xmlns:r="http://schemas.openxmlformats.org/officeDocument/2006/relationships" xmlns:p="http://schemas.openxmlformats.org/presentationml/2006/main">
   <p:cSld>
     <p:spTree>
@@ -6777,7 +6101,7 @@
 </p:sld>
 </file>
 
-<file path=ppt/slides/slide13.xml><?xml version="1.0" encoding="utf-8"?>
+<file path=ppt/slides/slide12.xml><?xml version="1.0" encoding="utf-8"?>
 <p:sld xmlns:a="http://schemas.openxmlformats.org/drawingml/2006/main" xmlns:r="http://schemas.openxmlformats.org/officeDocument/2006/relationships" xmlns:p="http://schemas.openxmlformats.org/presentationml/2006/main">
   <p:cSld>
     <p:spTree>
@@ -6867,7 +6191,7 @@
                 <a:latin typeface="맑은 고딕" panose="020B0503020000020004" pitchFamily="50" charset="-127"/>
                 <a:ea typeface="맑은 고딕" panose="020B0503020000020004" pitchFamily="50" charset="-127"/>
               </a:rPr>
-              <a:t>모델링 실험</a:t>
+              <a:t>실험 및 결과</a:t>
             </a:r>
             <a:endParaRPr kumimoji="0" lang="ko-KR" altLang="en-US" sz="3200" b="1" i="0" u="none" strike="noStrike" kern="0" cap="none" spc="0" normalizeH="0" baseline="0" noProof="0" dirty="0">
               <a:ln>
@@ -6968,8 +6292,8 @@
           </a:p>
         </p:txBody>
       </p:sp>
-      <mc:AlternateContent xmlns:mc="http://schemas.openxmlformats.org/markup-compatibility/2006" xmlns:a14="http://schemas.microsoft.com/office/drawing/2010/main">
-        <mc:Choice Requires="a14">
+      <mc:AlternateContent xmlns:mc="http://schemas.openxmlformats.org/markup-compatibility/2006">
+        <mc:Choice xmlns:a14="http://schemas.microsoft.com/office/drawing/2010/main" Requires="a14">
           <p:sp>
             <p:nvSpPr>
               <p:cNvPr id="11" name="object 3">
@@ -6985,7 +6309,7 @@
             <p:spPr>
               <a:xfrm>
                 <a:off x="508990" y="1263396"/>
-                <a:ext cx="11275060" cy="848309"/>
+                <a:ext cx="11275060" cy="786754"/>
               </a:xfrm>
               <a:prstGeom prst="rect">
                 <a:avLst/>
@@ -7005,7 +6329,7 @@
                   <a:buChar char="§"/>
                 </a:pPr>
                 <a:r>
-                  <a:rPr lang="ko-KR" altLang="en-US" sz="2000" b="1" kern="0" dirty="0">
+                  <a:rPr lang="ko-KR" altLang="en-US" b="1" kern="0" dirty="0">
                     <a:solidFill>
                       <a:sysClr val="windowText" lastClr="000000"/>
                     </a:solidFill>
@@ -7014,7 +6338,7 @@
                   <a:t>예측 정확성 평가 지표</a:t>
                 </a:r>
                 <a:r>
-                  <a:rPr lang="ko-KR" altLang="en-US" sz="2000" kern="0" dirty="0">
+                  <a:rPr lang="ko-KR" altLang="en-US" kern="0" dirty="0">
                     <a:solidFill>
                       <a:sysClr val="windowText" lastClr="000000"/>
                     </a:solidFill>
@@ -7023,7 +6347,7 @@
                   <a:t> </a:t>
                 </a:r>
                 <a:r>
-                  <a:rPr lang="en-US" altLang="ko-KR" sz="2000" b="1" kern="0" dirty="0">
+                  <a:rPr lang="en-US" altLang="ko-KR" b="1" kern="0" dirty="0">
                     <a:solidFill>
                       <a:sysClr val="windowText" lastClr="000000"/>
                     </a:solidFill>
@@ -7032,7 +6356,7 @@
                   <a:t>: </a:t>
                 </a:r>
                 <a:r>
-                  <a:rPr lang="en-US" altLang="ko-KR" sz="2000" b="1" kern="0" dirty="0">
+                  <a:rPr lang="en-US" altLang="ko-KR" b="1" kern="0" dirty="0">
                     <a:solidFill>
                       <a:sysClr val="windowText" lastClr="000000"/>
                     </a:solidFill>
@@ -7056,7 +6380,7 @@
                     <m:sSub>
                       <m:sSubPr>
                         <m:ctrlPr>
-                          <a:rPr lang="en-US" altLang="ko-KR" sz="2000" b="1" i="1" kern="0" smtClean="0">
+                          <a:rPr lang="en-US" altLang="ko-KR" b="1" i="1" kern="0" smtClean="0">
                             <a:solidFill>
                               <a:sysClr val="windowText" lastClr="000000"/>
                             </a:solidFill>
@@ -7066,7 +6390,7 @@
                       </m:sSubPr>
                       <m:e>
                         <m:r>
-                          <a:rPr lang="en-US" altLang="ko-KR" sz="2000" b="1" i="1" kern="0" smtClean="0">
+                          <a:rPr lang="en-US" altLang="ko-KR" b="1" i="1" kern="0" smtClean="0">
                             <a:solidFill>
                               <a:sysClr val="windowText" lastClr="000000"/>
                             </a:solidFill>
@@ -7077,7 +6401,7 @@
                       </m:e>
                       <m:sub>
                         <m:r>
-                          <a:rPr lang="en-US" altLang="ko-KR" sz="2000" b="1" i="1" kern="0" smtClean="0">
+                          <a:rPr lang="en-US" altLang="ko-KR" b="1" i="1" kern="0" smtClean="0">
                             <a:solidFill>
                               <a:sysClr val="windowText" lastClr="000000"/>
                             </a:solidFill>
@@ -7086,7 +6410,7 @@
                           <m:t>𝒕</m:t>
                         </m:r>
                         <m:r>
-                          <a:rPr lang="en-US" altLang="ko-KR" sz="2000" b="1" i="1" kern="0" smtClean="0">
+                          <a:rPr lang="en-US" altLang="ko-KR" b="1" i="1" kern="0" smtClean="0">
                             <a:solidFill>
                               <a:sysClr val="windowText" lastClr="000000"/>
                             </a:solidFill>
@@ -7099,7 +6423,7 @@
                   </m:oMath>
                 </a14:m>
                 <a:r>
-                  <a:rPr lang="en-US" altLang="ko-KR" sz="2000" kern="0" dirty="0">
+                  <a:rPr lang="en-US" altLang="ko-KR" kern="0" dirty="0">
                     <a:solidFill>
                       <a:sysClr val="windowText" lastClr="000000"/>
                     </a:solidFill>
@@ -7110,7 +6434,7 @@
                 <a14:m>
                   <m:oMath xmlns:m="http://schemas.openxmlformats.org/officeDocument/2006/math">
                     <m:r>
-                      <a:rPr lang="en-US" altLang="ko-KR" sz="2000" i="1" kern="0" dirty="0" smtClean="0">
+                      <a:rPr lang="en-US" altLang="ko-KR" i="1" kern="0" dirty="0" smtClean="0">
                         <a:solidFill>
                           <a:sysClr val="windowText" lastClr="000000"/>
                         </a:solidFill>
@@ -7122,7 +6446,7 @@
                   </m:oMath>
                 </a14:m>
                 <a:r>
-                  <a:rPr lang="en-US" altLang="ko-KR" sz="2000" kern="0" dirty="0">
+                  <a:rPr lang="en-US" altLang="ko-KR" kern="0" dirty="0">
                     <a:solidFill>
                       <a:sysClr val="windowText" lastClr="000000"/>
                     </a:solidFill>
@@ -7131,7 +6455,7 @@
                   <a:t> </a:t>
                 </a:r>
                 <a:r>
-                  <a:rPr lang="ko-KR" altLang="en-US" sz="2000" kern="0" dirty="0">
+                  <a:rPr lang="ko-KR" altLang="en-US" kern="0" dirty="0">
                     <a:solidFill>
                       <a:sysClr val="windowText" lastClr="000000"/>
                     </a:solidFill>
@@ -7140,7 +6464,7 @@
                   <a:t>시점의 실제 일사량</a:t>
                 </a:r>
                 <a:r>
-                  <a:rPr lang="en-US" altLang="ko-KR" sz="2000" kern="0" dirty="0">
+                  <a:rPr lang="en-US" altLang="ko-KR" kern="0" dirty="0">
                     <a:solidFill>
                       <a:sysClr val="windowText" lastClr="000000"/>
                     </a:solidFill>
@@ -7153,7 +6477,7 @@
                     <m:sSub>
                       <m:sSubPr>
                         <m:ctrlPr>
-                          <a:rPr lang="en-US" altLang="ko-KR" sz="2000" b="1" i="1" kern="0" smtClean="0">
+                          <a:rPr lang="en-US" altLang="ko-KR" b="1" i="1" kern="0" smtClean="0">
                             <a:solidFill>
                               <a:sysClr val="windowText" lastClr="000000"/>
                             </a:solidFill>
@@ -7163,7 +6487,7 @@
                       </m:sSubPr>
                       <m:e>
                         <m:r>
-                          <a:rPr lang="en-US" altLang="ko-KR" sz="2000" b="1" i="1" kern="0" smtClean="0">
+                          <a:rPr lang="en-US" altLang="ko-KR" b="1" i="1" kern="0" smtClean="0">
                             <a:solidFill>
                               <a:sysClr val="windowText" lastClr="000000"/>
                             </a:solidFill>
@@ -7172,7 +6496,7 @@
                           <m:t>𝒇</m:t>
                         </m:r>
                         <m:r>
-                          <a:rPr lang="en-US" altLang="ko-KR" sz="2000" b="1" i="1" kern="0" smtClean="0">
+                          <a:rPr lang="en-US" altLang="ko-KR" b="1" i="1" kern="0" smtClean="0">
                             <a:solidFill>
                               <a:sysClr val="windowText" lastClr="000000"/>
                             </a:solidFill>
@@ -7181,7 +6505,7 @@
                           <m:t>(</m:t>
                         </m:r>
                         <m:r>
-                          <a:rPr lang="en-US" altLang="ko-KR" sz="2000" b="1" i="1" kern="0" smtClean="0">
+                          <a:rPr lang="en-US" altLang="ko-KR" b="1" i="1" kern="0" smtClean="0">
                             <a:solidFill>
                               <a:sysClr val="windowText" lastClr="000000"/>
                             </a:solidFill>
@@ -7190,7 +6514,7 @@
                           <m:t>𝒙</m:t>
                         </m:r>
                         <m:r>
-                          <a:rPr lang="en-US" altLang="ko-KR" sz="2000" b="1" i="1" kern="0" smtClean="0">
+                          <a:rPr lang="en-US" altLang="ko-KR" b="1" i="1" kern="0" smtClean="0">
                             <a:solidFill>
                               <a:sysClr val="windowText" lastClr="000000"/>
                             </a:solidFill>
@@ -7201,7 +6525,7 @@
                       </m:e>
                       <m:sub>
                         <m:r>
-                          <a:rPr lang="en-US" altLang="ko-KR" sz="2000" b="1" i="1" kern="0" smtClean="0">
+                          <a:rPr lang="en-US" altLang="ko-KR" b="1" i="1" kern="0" smtClean="0">
                             <a:solidFill>
                               <a:sysClr val="windowText" lastClr="000000"/>
                             </a:solidFill>
@@ -7212,7 +6536,7 @@
                       </m:sub>
                     </m:sSub>
                     <m:r>
-                      <a:rPr lang="en-US" altLang="ko-KR" sz="2000" b="0" i="1" kern="0" smtClean="0">
+                      <a:rPr lang="en-US" altLang="ko-KR" b="0" i="1" kern="0" smtClean="0">
                         <a:solidFill>
                           <a:sysClr val="windowText" lastClr="000000"/>
                         </a:solidFill>
@@ -7221,7 +6545,7 @@
                       <m:t> :</m:t>
                     </m:r>
                     <m:r>
-                      <a:rPr lang="en-US" altLang="ko-KR" sz="2000" b="0" i="0" kern="0" smtClean="0">
+                      <a:rPr lang="en-US" altLang="ko-KR" b="0" i="0" kern="0" smtClean="0">
                         <a:solidFill>
                           <a:sysClr val="windowText" lastClr="000000"/>
                         </a:solidFill>
@@ -7230,7 +6554,7 @@
                       <m:t> </m:t>
                     </m:r>
                     <m:r>
-                      <a:rPr lang="en-US" altLang="ko-KR" sz="2000" i="1" kern="0" dirty="0" smtClean="0">
+                      <a:rPr lang="en-US" altLang="ko-KR" i="1" kern="0" dirty="0" smtClean="0">
                         <a:solidFill>
                           <a:sysClr val="windowText" lastClr="000000"/>
                         </a:solidFill>
@@ -7240,7 +6564,7 @@
                       <m:t>𝑡</m:t>
                     </m:r>
                     <m:r>
-                      <a:rPr lang="en-US" altLang="ko-KR" sz="2000" b="0" i="0" kern="0" dirty="0" smtClean="0">
+                      <a:rPr lang="en-US" altLang="ko-KR" b="0" i="0" kern="0" dirty="0" smtClean="0">
                         <a:solidFill>
                           <a:sysClr val="windowText" lastClr="000000"/>
                         </a:solidFill>
@@ -7252,7 +6576,7 @@
                   </m:oMath>
                 </a14:m>
                 <a:r>
-                  <a:rPr lang="ko-KR" altLang="en-US" sz="2000" kern="0" dirty="0">
+                  <a:rPr lang="ko-KR" altLang="en-US" kern="0" dirty="0">
                     <a:solidFill>
                       <a:sysClr val="windowText" lastClr="000000"/>
                     </a:solidFill>
@@ -7261,7 +6585,7 @@
                   <a:t>시점의 </a:t>
                 </a:r>
                 <a:r>
-                  <a:rPr lang="ko-KR" altLang="en-US" sz="2000" kern="0" dirty="0" err="1">
+                  <a:rPr lang="ko-KR" altLang="en-US" kern="0" dirty="0" err="1">
                     <a:solidFill>
                       <a:sysClr val="windowText" lastClr="000000"/>
                     </a:solidFill>
@@ -7269,7 +6593,7 @@
                   </a:rPr>
                   <a:t>예측값</a:t>
                 </a:r>
-                <a:endParaRPr lang="en-US" altLang="ko-KR" sz="2000" kern="0" dirty="0">
+                <a:endParaRPr lang="en-US" altLang="ko-KR" kern="0" dirty="0">
                   <a:solidFill>
                     <a:sysClr val="windowText" lastClr="000000"/>
                   </a:solidFill>
@@ -7279,7 +6603,7 @@
             </p:txBody>
           </p:sp>
         </mc:Choice>
-        <mc:Fallback xmlns="">
+        <mc:Fallback>
           <p:sp>
             <p:nvSpPr>
               <p:cNvPr id="11" name="object 3">
@@ -7297,7 +6621,7 @@
             <p:spPr>
               <a:xfrm>
                 <a:off x="508990" y="1263396"/>
-                <a:ext cx="11275060" cy="848309"/>
+                <a:ext cx="11275060" cy="786754"/>
               </a:xfrm>
               <a:prstGeom prst="rect">
                 <a:avLst/>
@@ -7305,7 +6629,7 @@
               <a:blipFill>
                 <a:blip r:embed="rId2"/>
                 <a:stretch>
-                  <a:fillRect l="-1189" b="-17986"/>
+                  <a:fillRect l="-1027" b="-17054"/>
                 </a:stretch>
               </a:blipFill>
             </p:spPr>
@@ -7324,166 +6648,168 @@
           </p:sp>
         </mc:Fallback>
       </mc:AlternateContent>
+      <p:sp>
+        <p:nvSpPr>
+          <p:cNvPr id="8" name="object 3">
+            <a:extLst>
+              <a:ext uri="{FF2B5EF4-FFF2-40B4-BE49-F238E27FC236}">
+                <a16:creationId xmlns:a16="http://schemas.microsoft.com/office/drawing/2014/main" id="{1605B09A-1A65-42D8-BD43-DFC96EF1C727}"/>
+              </a:ext>
+            </a:extLst>
+          </p:cNvPr>
+          <p:cNvSpPr txBox="1"/>
+          <p:nvPr/>
+        </p:nvSpPr>
+        <p:spPr>
+          <a:xfrm>
+            <a:off x="492575" y="3310475"/>
+            <a:ext cx="11275060" cy="786754"/>
+          </a:xfrm>
+          <a:prstGeom prst="rect">
+            <a:avLst/>
+          </a:prstGeom>
+        </p:spPr>
+        <p:txBody>
+          <a:bodyPr vert="horz" wrap="square" lIns="0" tIns="116205" rIns="0" bIns="0" rtlCol="0">
+            <a:spAutoFit/>
+          </a:bodyPr>
+          <a:lstStyle/>
+          <a:p>
+            <a:pPr marL="355600" indent="-342900" latinLnBrk="0">
+              <a:spcBef>
+                <a:spcPts val="915"/>
+              </a:spcBef>
+              <a:buFont typeface="Wingdings" panose="05000000000000000000" pitchFamily="2" charset="2"/>
+              <a:buChar char="§"/>
+            </a:pPr>
+            <a:r>
+              <a:rPr lang="ko-KR" altLang="en-US" b="1" kern="0" dirty="0">
+                <a:solidFill>
+                  <a:sysClr val="windowText" lastClr="000000"/>
+                </a:solidFill>
+                <a:ea typeface="+mj-ea"/>
+              </a:rPr>
+              <a:t>기상청에서 제공하는 종관기상관측 데이터를 사용함</a:t>
+            </a:r>
+            <a:endParaRPr lang="en-US" altLang="ko-KR" b="1" kern="0" dirty="0">
+              <a:solidFill>
+                <a:sysClr val="windowText" lastClr="000000"/>
+              </a:solidFill>
+              <a:ea typeface="+mj-ea"/>
+            </a:endParaRPr>
+          </a:p>
+          <a:p>
+            <a:pPr marL="812800" lvl="1" indent="-342900" latinLnBrk="0">
+              <a:spcBef>
+                <a:spcPts val="915"/>
+              </a:spcBef>
+              <a:buFont typeface="Wingdings" panose="05000000000000000000" pitchFamily="2" charset="2"/>
+              <a:buChar char="§"/>
+            </a:pPr>
+            <a:r>
+              <a:rPr lang="en-US" altLang="ko-KR" kern="0" dirty="0">
+                <a:solidFill>
+                  <a:sysClr val="windowText" lastClr="000000"/>
+                </a:solidFill>
+                <a:latin typeface="+mj-lt"/>
+              </a:rPr>
+              <a:t>Training Set : 5</a:t>
+            </a:r>
+            <a:r>
+              <a:rPr lang="ko-KR" altLang="en-US" kern="0" dirty="0">
+                <a:solidFill>
+                  <a:sysClr val="windowText" lastClr="000000"/>
+                </a:solidFill>
+                <a:latin typeface="+mj-lt"/>
+              </a:rPr>
+              <a:t>개 지역의 </a:t>
+            </a:r>
+            <a:r>
+              <a:rPr lang="en-US" altLang="ko-KR" kern="0" dirty="0">
+                <a:solidFill>
+                  <a:sysClr val="windowText" lastClr="000000"/>
+                </a:solidFill>
+                <a:latin typeface="+mj-lt"/>
+              </a:rPr>
+              <a:t>4</a:t>
+            </a:r>
+            <a:r>
+              <a:rPr lang="ko-KR" altLang="en-US" kern="0" dirty="0">
+                <a:solidFill>
+                  <a:sysClr val="windowText" lastClr="000000"/>
+                </a:solidFill>
+                <a:latin typeface="+mj-lt"/>
+              </a:rPr>
+              <a:t>년치 </a:t>
+            </a:r>
+            <a:r>
+              <a:rPr lang="en-US" altLang="ko-KR" kern="0" dirty="0">
+                <a:solidFill>
+                  <a:sysClr val="windowText" lastClr="000000"/>
+                </a:solidFill>
+                <a:latin typeface="+mj-lt"/>
+              </a:rPr>
+              <a:t>+ </a:t>
+            </a:r>
+            <a:r>
+              <a:rPr lang="ko-KR" altLang="en-US" kern="0" dirty="0">
+                <a:solidFill>
+                  <a:sysClr val="windowText" lastClr="000000"/>
+                </a:solidFill>
+                <a:latin typeface="+mj-lt"/>
+              </a:rPr>
+              <a:t>타겟 지역의 </a:t>
+            </a:r>
+            <a:r>
+              <a:rPr lang="en-US" altLang="ko-KR" kern="0" dirty="0">
+                <a:solidFill>
+                  <a:sysClr val="windowText" lastClr="000000"/>
+                </a:solidFill>
+                <a:latin typeface="+mj-lt"/>
+              </a:rPr>
+              <a:t>1</a:t>
+            </a:r>
+            <a:r>
+              <a:rPr lang="ko-KR" altLang="en-US" kern="0" dirty="0">
+                <a:solidFill>
+                  <a:sysClr val="windowText" lastClr="000000"/>
+                </a:solidFill>
+                <a:latin typeface="+mj-lt"/>
+              </a:rPr>
+              <a:t>년치</a:t>
+            </a:r>
+            <a:r>
+              <a:rPr lang="en-US" altLang="ko-KR" kern="0" dirty="0">
+                <a:solidFill>
+                  <a:sysClr val="windowText" lastClr="000000"/>
+                </a:solidFill>
+                <a:latin typeface="+mj-lt"/>
+              </a:rPr>
+              <a:t> / Test Set : </a:t>
+            </a:r>
+            <a:r>
+              <a:rPr lang="ko-KR" altLang="en-US" kern="0" dirty="0">
+                <a:solidFill>
+                  <a:sysClr val="windowText" lastClr="000000"/>
+                </a:solidFill>
+                <a:latin typeface="+mj-lt"/>
+              </a:rPr>
+              <a:t>대전시 </a:t>
+            </a:r>
+            <a:r>
+              <a:rPr lang="en-US" altLang="ko-KR" kern="0" dirty="0">
+                <a:solidFill>
+                  <a:sysClr val="windowText" lastClr="000000"/>
+                </a:solidFill>
+                <a:latin typeface="+mj-lt"/>
+              </a:rPr>
+              <a:t>1 Day </a:t>
+            </a:r>
+          </a:p>
+        </p:txBody>
+      </p:sp>
       <mc:AlternateContent xmlns:mc="http://schemas.openxmlformats.org/markup-compatibility/2006">
         <mc:Choice xmlns:a14="http://schemas.microsoft.com/office/drawing/2010/main" Requires="a14">
-          <p:sp>
-            <p:nvSpPr>
-              <p:cNvPr id="8" name="object 3">
-                <a:extLst>
-                  <a:ext uri="{FF2B5EF4-FFF2-40B4-BE49-F238E27FC236}">
-                    <a16:creationId xmlns:a16="http://schemas.microsoft.com/office/drawing/2014/main" id="{1605B09A-1A65-42D8-BD43-DFC96EF1C727}"/>
-                  </a:ext>
-                </a:extLst>
-              </p:cNvPr>
-              <p:cNvSpPr txBox="1"/>
-              <p:nvPr/>
-            </p:nvSpPr>
-            <p:spPr>
-              <a:xfrm>
-                <a:off x="430250" y="3897987"/>
-                <a:ext cx="11275060" cy="856645"/>
-              </a:xfrm>
-              <a:prstGeom prst="rect">
-                <a:avLst/>
-              </a:prstGeom>
-            </p:spPr>
-            <p:txBody>
-              <a:bodyPr vert="horz" wrap="square" lIns="0" tIns="116205" rIns="0" bIns="0" rtlCol="0">
-                <a:spAutoFit/>
-              </a:bodyPr>
-              <a:lstStyle/>
-              <a:p>
-                <a:pPr marL="355600" indent="-342900" latinLnBrk="0">
-                  <a:spcBef>
-                    <a:spcPts val="915"/>
-                  </a:spcBef>
-                  <a:buFont typeface="Wingdings" panose="05000000000000000000" pitchFamily="2" charset="2"/>
-                  <a:buChar char="§"/>
-                </a:pPr>
-                <a:r>
-                  <a:rPr lang="ko-KR" altLang="en-US" sz="2000" kern="0" dirty="0">
-                    <a:solidFill>
-                      <a:sysClr val="windowText" lastClr="000000"/>
-                    </a:solidFill>
-                    <a:cs typeface="Malgun Gothic"/>
-                  </a:rPr>
-                  <a:t>기상청에서 제공하는 종관기상관측 데이터</a:t>
-                </a:r>
-                <a14:m>
-                  <m:oMath xmlns:m="http://schemas.openxmlformats.org/officeDocument/2006/math">
-                    <m:r>
-                      <a:rPr lang="ko-KR" altLang="en-US" sz="2000" i="1" kern="0" dirty="0">
-                        <a:solidFill>
-                          <a:sysClr val="windowText" lastClr="000000"/>
-                        </a:solidFill>
-                        <a:latin typeface="Cambria Math" panose="02040503050406030204" pitchFamily="18" charset="0"/>
-                      </a:rPr>
-                      <m:t>를</m:t>
-                    </m:r>
-                    <m:r>
-                      <a:rPr lang="en-US" altLang="ko-KR" sz="2000" b="0" i="1" kern="0" dirty="0" smtClean="0">
-                        <a:solidFill>
-                          <a:sysClr val="windowText" lastClr="000000"/>
-                        </a:solidFill>
-                        <a:latin typeface="Cambria Math" panose="02040503050406030204" pitchFamily="18" charset="0"/>
-                      </a:rPr>
-                      <m:t> </m:t>
-                    </m:r>
-                    <m:r>
-                      <a:rPr lang="ko-KR" altLang="en-US" sz="2000" i="0" kern="0" dirty="0">
-                        <a:solidFill>
-                          <a:sysClr val="windowText" lastClr="000000"/>
-                        </a:solidFill>
-                        <a:latin typeface="Cambria Math" panose="02040503050406030204" pitchFamily="18" charset="0"/>
-                      </a:rPr>
-                      <m:t>활</m:t>
-                    </m:r>
-                  </m:oMath>
-                </a14:m>
-                <a:r>
-                  <a:rPr lang="ko-KR" altLang="en-US" sz="2000" kern="0" dirty="0">
-                    <a:solidFill>
-                      <a:sysClr val="windowText" lastClr="000000"/>
-                    </a:solidFill>
-                    <a:latin typeface="+mj-lt"/>
-                  </a:rPr>
-                  <a:t>용함</a:t>
-                </a:r>
-                <a:endParaRPr lang="en-US" altLang="ko-KR" sz="2000" kern="0" dirty="0">
-                  <a:solidFill>
-                    <a:sysClr val="windowText" lastClr="000000"/>
-                  </a:solidFill>
-                  <a:latin typeface="+mj-lt"/>
-                </a:endParaRPr>
-              </a:p>
-              <a:p>
-                <a:pPr marL="812800" lvl="1" indent="-342900" latinLnBrk="0">
-                  <a:spcBef>
-                    <a:spcPts val="915"/>
-                  </a:spcBef>
-                  <a:buFont typeface="Wingdings" panose="05000000000000000000" pitchFamily="2" charset="2"/>
-                  <a:buChar char="§"/>
-                </a:pPr>
-                <a:r>
-                  <a:rPr lang="en-US" altLang="ko-KR" sz="2000" kern="0" dirty="0">
-                    <a:solidFill>
-                      <a:sysClr val="windowText" lastClr="000000"/>
-                    </a:solidFill>
-                    <a:latin typeface="+mj-lt"/>
-                  </a:rPr>
-                  <a:t>Table</a:t>
-                </a:r>
-              </a:p>
-            </p:txBody>
-          </p:sp>
-        </mc:Choice>
-        <mc:Fallback>
-          <p:sp>
-            <p:nvSpPr>
-              <p:cNvPr id="8" name="object 3">
-                <a:extLst>
-                  <a:ext uri="{FF2B5EF4-FFF2-40B4-BE49-F238E27FC236}">
-                    <a16:creationId xmlns:a16="http://schemas.microsoft.com/office/drawing/2014/main" id="{1605B09A-1A65-42D8-BD43-DFC96EF1C727}"/>
-                  </a:ext>
-                </a:extLst>
-              </p:cNvPr>
-              <p:cNvSpPr txBox="1">
-                <a:spLocks noRot="1" noChangeAspect="1" noMove="1" noResize="1" noEditPoints="1" noAdjustHandles="1" noChangeArrowheads="1" noChangeShapeType="1" noTextEdit="1"/>
-              </p:cNvSpPr>
-              <p:nvPr/>
-            </p:nvSpPr>
-            <p:spPr>
-              <a:xfrm>
-                <a:off x="430250" y="3897987"/>
-                <a:ext cx="11275060" cy="856645"/>
-              </a:xfrm>
-              <a:prstGeom prst="rect">
-                <a:avLst/>
-              </a:prstGeom>
-              <a:blipFill>
-                <a:blip r:embed="rId3"/>
-                <a:stretch>
-                  <a:fillRect l="-1190" b="-17021"/>
-                </a:stretch>
-              </a:blipFill>
-            </p:spPr>
-            <p:txBody>
-              <a:bodyPr/>
-              <a:lstStyle/>
-              <a:p>
-                <a:r>
-                  <a:rPr lang="ko-KR" altLang="en-US">
-                    <a:noFill/>
-                  </a:rPr>
-                  <a:t> </a:t>
-                </a:r>
-              </a:p>
-            </p:txBody>
-          </p:sp>
-        </mc:Fallback>
-      </mc:AlternateContent>
-      <mc:AlternateContent xmlns:mc="http://schemas.openxmlformats.org/markup-compatibility/2006" xmlns:a14="http://schemas.microsoft.com/office/drawing/2010/main">
-        <mc:Choice Requires="a14">
           <p:sp>
             <p:nvSpPr>
               <p:cNvPr id="12" name="TextBox 11">
@@ -7498,7 +6824,7 @@
             </p:nvSpPr>
             <p:spPr>
               <a:xfrm>
-                <a:off x="4303955" y="2466044"/>
+                <a:off x="4303955" y="2215151"/>
                 <a:ext cx="3584090" cy="1077603"/>
               </a:xfrm>
               <a:prstGeom prst="rect">
@@ -7718,7 +7044,7 @@
             </p:txBody>
           </p:sp>
         </mc:Choice>
-        <mc:Fallback xmlns="">
+        <mc:Fallback>
           <p:sp>
             <p:nvSpPr>
               <p:cNvPr id="12" name="TextBox 11">
@@ -7735,16 +7061,16 @@
             </p:nvSpPr>
             <p:spPr>
               <a:xfrm>
-                <a:off x="4303955" y="2466044"/>
+                <a:off x="4303955" y="2215151"/>
                 <a:ext cx="3584090" cy="1077603"/>
               </a:xfrm>
               <a:prstGeom prst="rect">
                 <a:avLst/>
               </a:prstGeom>
               <a:blipFill>
-                <a:blip r:embed="rId4"/>
+                <a:blip r:embed="rId3"/>
                 <a:stretch>
-                  <a:fillRect b="-568"/>
+                  <a:fillRect b="-565"/>
                 </a:stretch>
               </a:blipFill>
             </p:spPr>
@@ -7798,7 +7124,7 @@
             <p:nvPr/>
           </p:nvPicPr>
           <p:blipFill rotWithShape="1">
-            <a:blip r:embed="rId5">
+            <a:blip r:embed="rId4">
               <a:extLst>
                 <a:ext uri="{28A0092B-C50C-407E-A947-70E740481C1C}">
                   <a14:useLocalDpi xmlns:a14="http://schemas.microsoft.com/office/drawing/2010/main" val="0"/>
@@ -7833,7 +7159,7 @@
             <p:nvPr/>
           </p:nvPicPr>
           <p:blipFill>
-            <a:blip r:embed="rId6" cstate="hqprint">
+            <a:blip r:embed="rId5" cstate="hqprint">
               <a:extLst>
                 <a:ext uri="{28A0092B-C50C-407E-A947-70E740481C1C}">
                   <a14:useLocalDpi xmlns:a14="http://schemas.microsoft.com/office/drawing/2010/main" val="0"/>
@@ -7855,10 +7181,2757 @@
           </p:spPr>
         </p:pic>
       </p:grpSp>
+      <p:graphicFrame>
+        <p:nvGraphicFramePr>
+          <p:cNvPr id="17" name="표 4">
+            <a:extLst>
+              <a:ext uri="{FF2B5EF4-FFF2-40B4-BE49-F238E27FC236}">
+                <a16:creationId xmlns:a16="http://schemas.microsoft.com/office/drawing/2014/main" id="{58E646CB-738F-40B8-9E45-C5A375872EEB}"/>
+              </a:ext>
+            </a:extLst>
+          </p:cNvPr>
+          <p:cNvGraphicFramePr>
+            <a:graphicFrameLocks noGrp="1"/>
+          </p:cNvGraphicFramePr>
+          <p:nvPr>
+            <p:extLst>
+              <p:ext uri="{D42A27DB-BD31-4B8C-83A1-F6EECF244321}">
+                <p14:modId xmlns:p14="http://schemas.microsoft.com/office/powerpoint/2010/main" val="4232183508"/>
+              </p:ext>
+            </p:extLst>
+          </p:nvPr>
+        </p:nvGraphicFramePr>
+        <p:xfrm>
+          <a:off x="2258556" y="4302353"/>
+          <a:ext cx="7775928" cy="1913969"/>
+        </p:xfrm>
+        <a:graphic>
+          <a:graphicData uri="http://schemas.openxmlformats.org/drawingml/2006/table">
+            <a:tbl>
+              <a:tblPr firstRow="1" bandRow="1">
+                <a:tableStyleId>{2D5ABB26-0587-4C30-8999-92F81FD0307C}</a:tableStyleId>
+              </a:tblPr>
+              <a:tblGrid>
+                <a:gridCol w="2591976">
+                  <a:extLst>
+                    <a:ext uri="{9D8B030D-6E8A-4147-A177-3AD203B41FA5}">
+                      <a16:colId xmlns:a16="http://schemas.microsoft.com/office/drawing/2014/main" val="2908245944"/>
+                    </a:ext>
+                  </a:extLst>
+                </a:gridCol>
+                <a:gridCol w="2591976">
+                  <a:extLst>
+                    <a:ext uri="{9D8B030D-6E8A-4147-A177-3AD203B41FA5}">
+                      <a16:colId xmlns:a16="http://schemas.microsoft.com/office/drawing/2014/main" val="2815417324"/>
+                    </a:ext>
+                  </a:extLst>
+                </a:gridCol>
+                <a:gridCol w="2591976">
+                  <a:extLst>
+                    <a:ext uri="{9D8B030D-6E8A-4147-A177-3AD203B41FA5}">
+                      <a16:colId xmlns:a16="http://schemas.microsoft.com/office/drawing/2014/main" val="3850742786"/>
+                    </a:ext>
+                  </a:extLst>
+                </a:gridCol>
+              </a:tblGrid>
+              <a:tr h="322215">
+                <a:tc>
+                  <a:txBody>
+                    <a:bodyPr/>
+                    <a:lstStyle/>
+                    <a:p>
+                      <a:pPr algn="ctr" latinLnBrk="1"/>
+                      <a:r>
+                        <a:rPr lang="en-US" altLang="ko-KR" sz="1400" b="1" dirty="0">
+                          <a:latin typeface="+mj-ea"/>
+                          <a:ea typeface="+mj-ea"/>
+                        </a:rPr>
+                        <a:t>Area</a:t>
+                      </a:r>
+                      <a:endParaRPr lang="ko-KR" altLang="en-US" sz="1400" b="1" dirty="0">
+                        <a:latin typeface="+mj-ea"/>
+                        <a:ea typeface="+mj-ea"/>
+                      </a:endParaRPr>
+                    </a:p>
+                  </a:txBody>
+                  <a:tcPr>
+                    <a:lnL w="12700" cap="flat" cmpd="sng" algn="ctr">
+                      <a:noFill/>
+                      <a:prstDash val="solid"/>
+                      <a:round/>
+                      <a:headEnd type="none" w="med" len="med"/>
+                      <a:tailEnd type="none" w="med" len="med"/>
+                    </a:lnL>
+                    <a:lnR w="12700" cap="flat" cmpd="sng" algn="ctr">
+                      <a:noFill/>
+                      <a:prstDash val="solid"/>
+                      <a:round/>
+                      <a:headEnd type="none" w="med" len="med"/>
+                      <a:tailEnd type="none" w="med" len="med"/>
+                    </a:lnR>
+                    <a:lnT w="12700" cap="flat" cmpd="sng" algn="ctr">
+                      <a:solidFill>
+                        <a:schemeClr val="tx1"/>
+                      </a:solidFill>
+                      <a:prstDash val="solid"/>
+                      <a:round/>
+                      <a:headEnd type="none" w="med" len="med"/>
+                      <a:tailEnd type="none" w="med" len="med"/>
+                    </a:lnT>
+                    <a:lnB w="12700" cap="flat" cmpd="sng" algn="ctr">
+                      <a:noFill/>
+                      <a:prstDash val="solid"/>
+                      <a:round/>
+                      <a:headEnd type="none" w="med" len="med"/>
+                      <a:tailEnd type="none" w="med" len="med"/>
+                    </a:lnB>
+                    <a:lnTlToBr w="12700" cmpd="sng">
+                      <a:noFill/>
+                      <a:prstDash val="solid"/>
+                    </a:lnTlToBr>
+                    <a:lnBlToTr w="12700" cmpd="sng">
+                      <a:noFill/>
+                      <a:prstDash val="solid"/>
+                    </a:lnBlToTr>
+                  </a:tcPr>
+                </a:tc>
+                <a:tc>
+                  <a:txBody>
+                    <a:bodyPr/>
+                    <a:lstStyle/>
+                    <a:p>
+                      <a:pPr algn="ctr" latinLnBrk="1"/>
+                      <a:r>
+                        <a:rPr lang="en-US" altLang="ko-KR" sz="1400" b="1" dirty="0">
+                          <a:latin typeface="+mj-ea"/>
+                          <a:ea typeface="+mj-ea"/>
+                        </a:rPr>
+                        <a:t>Training Set (Day)</a:t>
+                      </a:r>
+                      <a:endParaRPr lang="ko-KR" altLang="en-US" sz="1400" b="1" dirty="0">
+                        <a:latin typeface="+mj-ea"/>
+                        <a:ea typeface="+mj-ea"/>
+                      </a:endParaRPr>
+                    </a:p>
+                  </a:txBody>
+                  <a:tcPr>
+                    <a:lnL w="12700" cap="flat" cmpd="sng" algn="ctr">
+                      <a:noFill/>
+                      <a:prstDash val="solid"/>
+                      <a:round/>
+                      <a:headEnd type="none" w="med" len="med"/>
+                      <a:tailEnd type="none" w="med" len="med"/>
+                    </a:lnL>
+                    <a:lnR w="12700" cap="flat" cmpd="sng" algn="ctr">
+                      <a:noFill/>
+                      <a:prstDash val="solid"/>
+                      <a:round/>
+                      <a:headEnd type="none" w="med" len="med"/>
+                      <a:tailEnd type="none" w="med" len="med"/>
+                    </a:lnR>
+                    <a:lnT w="12700" cap="flat" cmpd="sng" algn="ctr">
+                      <a:solidFill>
+                        <a:schemeClr val="tx1"/>
+                      </a:solidFill>
+                      <a:prstDash val="solid"/>
+                      <a:round/>
+                      <a:headEnd type="none" w="med" len="med"/>
+                      <a:tailEnd type="none" w="med" len="med"/>
+                    </a:lnT>
+                    <a:lnB w="12700" cap="flat" cmpd="sng" algn="ctr">
+                      <a:noFill/>
+                      <a:prstDash val="solid"/>
+                      <a:round/>
+                      <a:headEnd type="none" w="med" len="med"/>
+                      <a:tailEnd type="none" w="med" len="med"/>
+                    </a:lnB>
+                    <a:lnTlToBr w="12700" cmpd="sng">
+                      <a:noFill/>
+                      <a:prstDash val="solid"/>
+                    </a:lnTlToBr>
+                    <a:lnBlToTr w="12700" cmpd="sng">
+                      <a:noFill/>
+                      <a:prstDash val="solid"/>
+                    </a:lnBlToTr>
+                  </a:tcPr>
+                </a:tc>
+                <a:tc>
+                  <a:txBody>
+                    <a:bodyPr/>
+                    <a:lstStyle/>
+                    <a:p>
+                      <a:pPr algn="ctr" latinLnBrk="1"/>
+                      <a:r>
+                        <a:rPr lang="en-US" altLang="ko-KR" sz="1400" b="1" dirty="0">
+                          <a:latin typeface="+mj-ea"/>
+                          <a:ea typeface="+mj-ea"/>
+                        </a:rPr>
+                        <a:t>Test Set (Day)</a:t>
+                      </a:r>
+                      <a:endParaRPr lang="ko-KR" altLang="en-US" sz="1400" b="1" dirty="0">
+                        <a:latin typeface="+mj-ea"/>
+                        <a:ea typeface="+mj-ea"/>
+                      </a:endParaRPr>
+                    </a:p>
+                  </a:txBody>
+                  <a:tcPr>
+                    <a:lnL w="12700" cap="flat" cmpd="sng" algn="ctr">
+                      <a:noFill/>
+                      <a:prstDash val="solid"/>
+                      <a:round/>
+                      <a:headEnd type="none" w="med" len="med"/>
+                      <a:tailEnd type="none" w="med" len="med"/>
+                    </a:lnL>
+                    <a:lnR w="12700" cap="flat" cmpd="sng" algn="ctr">
+                      <a:noFill/>
+                      <a:prstDash val="solid"/>
+                      <a:round/>
+                      <a:headEnd type="none" w="med" len="med"/>
+                      <a:tailEnd type="none" w="med" len="med"/>
+                    </a:lnR>
+                    <a:lnT w="12700" cap="flat" cmpd="sng" algn="ctr">
+                      <a:solidFill>
+                        <a:schemeClr val="tx1"/>
+                      </a:solidFill>
+                      <a:prstDash val="solid"/>
+                      <a:round/>
+                      <a:headEnd type="none" w="med" len="med"/>
+                      <a:tailEnd type="none" w="med" len="med"/>
+                    </a:lnT>
+                    <a:lnB w="12700" cap="flat" cmpd="sng" algn="ctr">
+                      <a:noFill/>
+                      <a:prstDash val="solid"/>
+                      <a:round/>
+                      <a:headEnd type="none" w="med" len="med"/>
+                      <a:tailEnd type="none" w="med" len="med"/>
+                    </a:lnB>
+                    <a:lnTlToBr w="12700" cmpd="sng">
+                      <a:noFill/>
+                      <a:prstDash val="solid"/>
+                    </a:lnTlToBr>
+                    <a:lnBlToTr w="12700" cmpd="sng">
+                      <a:noFill/>
+                      <a:prstDash val="solid"/>
+                    </a:lnBlToTr>
+                  </a:tcPr>
+                </a:tc>
+                <a:extLst>
+                  <a:ext uri="{0D108BD9-81ED-4DB2-BD59-A6C34878D82A}">
+                    <a16:rowId xmlns:a16="http://schemas.microsoft.com/office/drawing/2014/main" val="2251931345"/>
+                  </a:ext>
+                </a:extLst>
+              </a:tr>
+              <a:tr h="818438">
+                <a:tc>
+                  <a:txBody>
+                    <a:bodyPr/>
+                    <a:lstStyle/>
+                    <a:p>
+                      <a:pPr algn="ctr" latinLnBrk="1"/>
+                      <a:r>
+                        <a:rPr lang="ko-KR" altLang="en-US" sz="1400" b="0" dirty="0">
+                          <a:latin typeface="+mj-ea"/>
+                          <a:ea typeface="+mj-ea"/>
+                        </a:rPr>
+                        <a:t>서울</a:t>
+                      </a:r>
+                      <a:r>
+                        <a:rPr lang="en-US" altLang="ko-KR" sz="1400" b="0" dirty="0">
+                          <a:latin typeface="+mj-ea"/>
+                          <a:ea typeface="+mj-ea"/>
+                        </a:rPr>
+                        <a:t>, </a:t>
+                      </a:r>
+                      <a:r>
+                        <a:rPr lang="ko-KR" altLang="en-US" sz="1400" b="0" dirty="0">
+                          <a:latin typeface="+mj-ea"/>
+                          <a:ea typeface="+mj-ea"/>
+                        </a:rPr>
+                        <a:t>인천</a:t>
+                      </a:r>
+                      <a:r>
+                        <a:rPr lang="en-US" altLang="ko-KR" sz="1400" b="0" dirty="0">
+                          <a:latin typeface="+mj-ea"/>
+                          <a:ea typeface="+mj-ea"/>
+                        </a:rPr>
+                        <a:t>, </a:t>
+                      </a:r>
+                      <a:r>
+                        <a:rPr lang="ko-KR" altLang="en-US" sz="1400" b="0" dirty="0">
+                          <a:latin typeface="+mj-ea"/>
+                          <a:ea typeface="+mj-ea"/>
+                        </a:rPr>
+                        <a:t>광주</a:t>
+                      </a:r>
+                      <a:r>
+                        <a:rPr lang="en-US" altLang="ko-KR" sz="1400" b="0" dirty="0">
+                          <a:latin typeface="+mj-ea"/>
+                          <a:ea typeface="+mj-ea"/>
+                        </a:rPr>
+                        <a:t>, </a:t>
+                      </a:r>
+                      <a:r>
+                        <a:rPr lang="ko-KR" altLang="en-US" sz="1400" b="0" dirty="0">
+                          <a:latin typeface="+mj-ea"/>
+                          <a:ea typeface="+mj-ea"/>
+                        </a:rPr>
+                        <a:t>대구</a:t>
+                      </a:r>
+                      <a:r>
+                        <a:rPr lang="en-US" altLang="ko-KR" sz="1400" b="0" dirty="0">
+                          <a:latin typeface="+mj-ea"/>
+                          <a:ea typeface="+mj-ea"/>
+                        </a:rPr>
+                        <a:t>, </a:t>
+                      </a:r>
+                      <a:r>
+                        <a:rPr lang="ko-KR" altLang="en-US" sz="1400" b="0" dirty="0">
+                          <a:latin typeface="+mj-ea"/>
+                          <a:ea typeface="+mj-ea"/>
+                        </a:rPr>
+                        <a:t>부산</a:t>
+                      </a:r>
+                    </a:p>
+                  </a:txBody>
+                  <a:tcPr anchor="ctr" anchorCtr="1">
+                    <a:lnL w="12700" cap="flat" cmpd="sng" algn="ctr">
+                      <a:noFill/>
+                      <a:prstDash val="solid"/>
+                      <a:round/>
+                      <a:headEnd type="none" w="med" len="med"/>
+                      <a:tailEnd type="none" w="med" len="med"/>
+                    </a:lnL>
+                    <a:lnR w="12700" cap="flat" cmpd="sng" algn="ctr">
+                      <a:noFill/>
+                      <a:prstDash val="solid"/>
+                      <a:round/>
+                      <a:headEnd type="none" w="med" len="med"/>
+                      <a:tailEnd type="none" w="med" len="med"/>
+                    </a:lnR>
+                    <a:lnT w="12700" cap="flat" cmpd="sng" algn="ctr">
+                      <a:noFill/>
+                      <a:prstDash val="solid"/>
+                      <a:round/>
+                      <a:headEnd type="none" w="med" len="med"/>
+                      <a:tailEnd type="none" w="med" len="med"/>
+                    </a:lnT>
+                    <a:lnB w="12700" cap="flat" cmpd="sng" algn="ctr">
+                      <a:noFill/>
+                      <a:prstDash val="solid"/>
+                      <a:round/>
+                      <a:headEnd type="none" w="med" len="med"/>
+                      <a:tailEnd type="none" w="med" len="med"/>
+                    </a:lnB>
+                    <a:lnTlToBr w="12700" cmpd="sng">
+                      <a:noFill/>
+                      <a:prstDash val="solid"/>
+                    </a:lnTlToBr>
+                    <a:lnBlToTr w="12700" cmpd="sng">
+                      <a:noFill/>
+                      <a:prstDash val="solid"/>
+                    </a:lnBlToTr>
+                  </a:tcPr>
+                </a:tc>
+                <a:tc>
+                  <a:txBody>
+                    <a:bodyPr/>
+                    <a:lstStyle/>
+                    <a:p>
+                      <a:pPr algn="ctr" latinLnBrk="1"/>
+                      <a:r>
+                        <a:rPr lang="en-US" altLang="ko-KR" sz="1400" dirty="0">
+                          <a:latin typeface="+mj-ea"/>
+                          <a:ea typeface="+mj-ea"/>
+                        </a:rPr>
+                        <a:t>2016. 01. 01. 08:00 ~</a:t>
+                      </a:r>
+                    </a:p>
+                    <a:p>
+                      <a:pPr algn="ctr" latinLnBrk="1"/>
+                      <a:r>
+                        <a:rPr lang="en-US" altLang="ko-KR" sz="1400" dirty="0">
+                          <a:latin typeface="+mj-ea"/>
+                          <a:ea typeface="+mj-ea"/>
+                        </a:rPr>
+                        <a:t>2019. 12. 31. 18:00</a:t>
+                      </a:r>
+                    </a:p>
+                  </a:txBody>
+                  <a:tcPr anchor="ctr" anchorCtr="1">
+                    <a:lnL w="12700" cap="flat" cmpd="sng" algn="ctr">
+                      <a:noFill/>
+                      <a:prstDash val="solid"/>
+                      <a:round/>
+                      <a:headEnd type="none" w="med" len="med"/>
+                      <a:tailEnd type="none" w="med" len="med"/>
+                    </a:lnL>
+                    <a:lnR w="12700" cap="flat" cmpd="sng" algn="ctr">
+                      <a:noFill/>
+                      <a:prstDash val="solid"/>
+                      <a:round/>
+                      <a:headEnd type="none" w="med" len="med"/>
+                      <a:tailEnd type="none" w="med" len="med"/>
+                    </a:lnR>
+                    <a:lnT w="12700" cap="flat" cmpd="sng" algn="ctr">
+                      <a:noFill/>
+                      <a:prstDash val="solid"/>
+                      <a:round/>
+                      <a:headEnd type="none" w="med" len="med"/>
+                      <a:tailEnd type="none" w="med" len="med"/>
+                    </a:lnT>
+                    <a:lnB w="12700" cap="flat" cmpd="sng" algn="ctr">
+                      <a:noFill/>
+                      <a:prstDash val="solid"/>
+                      <a:round/>
+                      <a:headEnd type="none" w="med" len="med"/>
+                      <a:tailEnd type="none" w="med" len="med"/>
+                    </a:lnB>
+                    <a:lnTlToBr w="12700" cmpd="sng">
+                      <a:noFill/>
+                      <a:prstDash val="solid"/>
+                    </a:lnTlToBr>
+                    <a:lnBlToTr w="12700" cmpd="sng">
+                      <a:noFill/>
+                      <a:prstDash val="solid"/>
+                    </a:lnBlToTr>
+                  </a:tcPr>
+                </a:tc>
+                <a:tc>
+                  <a:txBody>
+                    <a:bodyPr/>
+                    <a:lstStyle/>
+                    <a:p>
+                      <a:pPr algn="ctr" latinLnBrk="1"/>
+                      <a:r>
+                        <a:rPr lang="en-US" altLang="ko-KR" sz="1400" dirty="0">
+                          <a:latin typeface="+mj-ea"/>
+                          <a:ea typeface="+mj-ea"/>
+                        </a:rPr>
+                        <a:t>-</a:t>
+                      </a:r>
+                      <a:endParaRPr lang="ko-KR" altLang="en-US" sz="1400" dirty="0">
+                        <a:latin typeface="+mj-ea"/>
+                        <a:ea typeface="+mj-ea"/>
+                      </a:endParaRPr>
+                    </a:p>
+                  </a:txBody>
+                  <a:tcPr anchor="ctr" anchorCtr="1">
+                    <a:lnL w="12700" cap="flat" cmpd="sng" algn="ctr">
+                      <a:noFill/>
+                      <a:prstDash val="solid"/>
+                      <a:round/>
+                      <a:headEnd type="none" w="med" len="med"/>
+                      <a:tailEnd type="none" w="med" len="med"/>
+                    </a:lnL>
+                    <a:lnR w="12700" cap="flat" cmpd="sng" algn="ctr">
+                      <a:noFill/>
+                      <a:prstDash val="solid"/>
+                      <a:round/>
+                      <a:headEnd type="none" w="med" len="med"/>
+                      <a:tailEnd type="none" w="med" len="med"/>
+                    </a:lnR>
+                    <a:lnT w="12700" cap="flat" cmpd="sng" algn="ctr">
+                      <a:noFill/>
+                      <a:prstDash val="solid"/>
+                      <a:round/>
+                      <a:headEnd type="none" w="med" len="med"/>
+                      <a:tailEnd type="none" w="med" len="med"/>
+                    </a:lnT>
+                    <a:lnB w="12700" cap="flat" cmpd="sng" algn="ctr">
+                      <a:noFill/>
+                      <a:prstDash val="solid"/>
+                      <a:round/>
+                      <a:headEnd type="none" w="med" len="med"/>
+                      <a:tailEnd type="none" w="med" len="med"/>
+                    </a:lnB>
+                    <a:lnTlToBr w="12700" cmpd="sng">
+                      <a:noFill/>
+                      <a:prstDash val="solid"/>
+                    </a:lnTlToBr>
+                    <a:lnBlToTr w="12700" cmpd="sng">
+                      <a:noFill/>
+                      <a:prstDash val="solid"/>
+                    </a:lnBlToTr>
+                  </a:tcPr>
+                </a:tc>
+                <a:extLst>
+                  <a:ext uri="{0D108BD9-81ED-4DB2-BD59-A6C34878D82A}">
+                    <a16:rowId xmlns:a16="http://schemas.microsoft.com/office/drawing/2014/main" val="3747585420"/>
+                  </a:ext>
+                </a:extLst>
+              </a:tr>
+              <a:tr h="773316">
+                <a:tc>
+                  <a:txBody>
+                    <a:bodyPr/>
+                    <a:lstStyle/>
+                    <a:p>
+                      <a:pPr algn="ctr" latinLnBrk="1"/>
+                      <a:endParaRPr lang="en-US" altLang="ko-KR" sz="1400" b="0" dirty="0">
+                        <a:latin typeface="+mj-ea"/>
+                        <a:ea typeface="+mj-ea"/>
+                      </a:endParaRPr>
+                    </a:p>
+                    <a:p>
+                      <a:pPr algn="ctr" latinLnBrk="1"/>
+                      <a:r>
+                        <a:rPr lang="ko-KR" altLang="en-US" sz="1400" b="0" dirty="0">
+                          <a:latin typeface="+mj-ea"/>
+                          <a:ea typeface="+mj-ea"/>
+                        </a:rPr>
+                        <a:t>대전</a:t>
+                      </a:r>
+                      <a:endParaRPr lang="en-US" altLang="ko-KR" sz="1400" b="0" dirty="0">
+                        <a:latin typeface="+mj-ea"/>
+                        <a:ea typeface="+mj-ea"/>
+                      </a:endParaRPr>
+                    </a:p>
+                    <a:p>
+                      <a:pPr algn="ctr" latinLnBrk="1"/>
+                      <a:endParaRPr lang="ko-KR" altLang="en-US" sz="1400" b="0" dirty="0">
+                        <a:latin typeface="+mj-ea"/>
+                        <a:ea typeface="+mj-ea"/>
+                      </a:endParaRPr>
+                    </a:p>
+                  </a:txBody>
+                  <a:tcPr anchor="ctr" anchorCtr="1">
+                    <a:lnL w="12700" cap="flat" cmpd="sng" algn="ctr">
+                      <a:noFill/>
+                      <a:prstDash val="solid"/>
+                      <a:round/>
+                      <a:headEnd type="none" w="med" len="med"/>
+                      <a:tailEnd type="none" w="med" len="med"/>
+                    </a:lnL>
+                    <a:lnR w="12700" cap="flat" cmpd="sng" algn="ctr">
+                      <a:noFill/>
+                      <a:prstDash val="solid"/>
+                      <a:round/>
+                      <a:headEnd type="none" w="med" len="med"/>
+                      <a:tailEnd type="none" w="med" len="med"/>
+                    </a:lnR>
+                    <a:lnT w="12700" cap="flat" cmpd="sng" algn="ctr">
+                      <a:noFill/>
+                      <a:prstDash val="solid"/>
+                      <a:round/>
+                      <a:headEnd type="none" w="med" len="med"/>
+                      <a:tailEnd type="none" w="med" len="med"/>
+                    </a:lnT>
+                    <a:lnB w="12700" cap="flat" cmpd="sng" algn="ctr">
+                      <a:solidFill>
+                        <a:schemeClr val="tx1"/>
+                      </a:solidFill>
+                      <a:prstDash val="solid"/>
+                      <a:round/>
+                      <a:headEnd type="none" w="med" len="med"/>
+                      <a:tailEnd type="none" w="med" len="med"/>
+                    </a:lnB>
+                    <a:lnTlToBr w="12700" cmpd="sng">
+                      <a:noFill/>
+                      <a:prstDash val="solid"/>
+                    </a:lnTlToBr>
+                    <a:lnBlToTr w="12700" cmpd="sng">
+                      <a:noFill/>
+                      <a:prstDash val="solid"/>
+                    </a:lnBlToTr>
+                  </a:tcPr>
+                </a:tc>
+                <a:tc>
+                  <a:txBody>
+                    <a:bodyPr/>
+                    <a:lstStyle/>
+                    <a:p>
+                      <a:pPr algn="ctr" latinLnBrk="1"/>
+                      <a:r>
+                        <a:rPr lang="en-US" altLang="ko-KR" sz="1400" dirty="0">
+                          <a:latin typeface="+mj-ea"/>
+                          <a:ea typeface="+mj-ea"/>
+                        </a:rPr>
+                        <a:t>2020. 01. 01. 08:00 ~</a:t>
+                      </a:r>
+                    </a:p>
+                    <a:p>
+                      <a:pPr algn="ctr" latinLnBrk="1"/>
+                      <a:r>
+                        <a:rPr lang="en-US" altLang="ko-KR" sz="1400" dirty="0">
+                          <a:latin typeface="+mj-ea"/>
+                          <a:ea typeface="+mj-ea"/>
+                        </a:rPr>
+                        <a:t>2020. 12. 31. 18:00</a:t>
+                      </a:r>
+                      <a:endParaRPr lang="ko-KR" altLang="en-US" sz="1400" dirty="0">
+                        <a:latin typeface="+mj-ea"/>
+                        <a:ea typeface="+mj-ea"/>
+                      </a:endParaRPr>
+                    </a:p>
+                  </a:txBody>
+                  <a:tcPr anchor="ctr" anchorCtr="1">
+                    <a:lnL w="12700" cap="flat" cmpd="sng" algn="ctr">
+                      <a:noFill/>
+                      <a:prstDash val="solid"/>
+                      <a:round/>
+                      <a:headEnd type="none" w="med" len="med"/>
+                      <a:tailEnd type="none" w="med" len="med"/>
+                    </a:lnL>
+                    <a:lnR w="12700" cap="flat" cmpd="sng" algn="ctr">
+                      <a:noFill/>
+                      <a:prstDash val="solid"/>
+                      <a:round/>
+                      <a:headEnd type="none" w="med" len="med"/>
+                      <a:tailEnd type="none" w="med" len="med"/>
+                    </a:lnR>
+                    <a:lnT w="12700" cap="flat" cmpd="sng" algn="ctr">
+                      <a:noFill/>
+                      <a:prstDash val="solid"/>
+                      <a:round/>
+                      <a:headEnd type="none" w="med" len="med"/>
+                      <a:tailEnd type="none" w="med" len="med"/>
+                    </a:lnT>
+                    <a:lnB w="12700" cap="flat" cmpd="sng" algn="ctr">
+                      <a:solidFill>
+                        <a:schemeClr val="tx1"/>
+                      </a:solidFill>
+                      <a:prstDash val="solid"/>
+                      <a:round/>
+                      <a:headEnd type="none" w="med" len="med"/>
+                      <a:tailEnd type="none" w="med" len="med"/>
+                    </a:lnB>
+                    <a:lnTlToBr w="12700" cmpd="sng">
+                      <a:noFill/>
+                      <a:prstDash val="solid"/>
+                    </a:lnTlToBr>
+                    <a:lnBlToTr w="12700" cmpd="sng">
+                      <a:noFill/>
+                      <a:prstDash val="solid"/>
+                    </a:lnBlToTr>
+                  </a:tcPr>
+                </a:tc>
+                <a:tc>
+                  <a:txBody>
+                    <a:bodyPr/>
+                    <a:lstStyle/>
+                    <a:p>
+                      <a:pPr algn="ctr" latinLnBrk="1"/>
+                      <a:r>
+                        <a:rPr lang="ko-KR" altLang="en-US" sz="1400" dirty="0">
+                          <a:latin typeface="+mj-ea"/>
+                          <a:ea typeface="+mj-ea"/>
+                        </a:rPr>
+                        <a:t>각각의 하루치 데이터</a:t>
+                      </a:r>
+                    </a:p>
+                  </a:txBody>
+                  <a:tcPr anchor="ctr" anchorCtr="1">
+                    <a:lnL w="12700" cap="flat" cmpd="sng" algn="ctr">
+                      <a:noFill/>
+                      <a:prstDash val="solid"/>
+                      <a:round/>
+                      <a:headEnd type="none" w="med" len="med"/>
+                      <a:tailEnd type="none" w="med" len="med"/>
+                    </a:lnL>
+                    <a:lnR w="12700" cap="flat" cmpd="sng" algn="ctr">
+                      <a:noFill/>
+                      <a:prstDash val="solid"/>
+                      <a:round/>
+                      <a:headEnd type="none" w="med" len="med"/>
+                      <a:tailEnd type="none" w="med" len="med"/>
+                    </a:lnR>
+                    <a:lnT w="12700" cap="flat" cmpd="sng" algn="ctr">
+                      <a:noFill/>
+                      <a:prstDash val="solid"/>
+                      <a:round/>
+                      <a:headEnd type="none" w="med" len="med"/>
+                      <a:tailEnd type="none" w="med" len="med"/>
+                    </a:lnT>
+                    <a:lnB w="12700" cap="flat" cmpd="sng" algn="ctr">
+                      <a:solidFill>
+                        <a:schemeClr val="tx1"/>
+                      </a:solidFill>
+                      <a:prstDash val="solid"/>
+                      <a:round/>
+                      <a:headEnd type="none" w="med" len="med"/>
+                      <a:tailEnd type="none" w="med" len="med"/>
+                    </a:lnB>
+                    <a:lnTlToBr w="12700" cmpd="sng">
+                      <a:noFill/>
+                      <a:prstDash val="solid"/>
+                    </a:lnTlToBr>
+                    <a:lnBlToTr w="12700" cmpd="sng">
+                      <a:noFill/>
+                      <a:prstDash val="solid"/>
+                    </a:lnBlToTr>
+                  </a:tcPr>
+                </a:tc>
+                <a:extLst>
+                  <a:ext uri="{0D108BD9-81ED-4DB2-BD59-A6C34878D82A}">
+                    <a16:rowId xmlns:a16="http://schemas.microsoft.com/office/drawing/2014/main" val="2512852862"/>
+                  </a:ext>
+                </a:extLst>
+              </a:tr>
+            </a:tbl>
+          </a:graphicData>
+        </a:graphic>
+      </p:graphicFrame>
     </p:spTree>
     <p:extLst>
       <p:ext uri="{BB962C8B-B14F-4D97-AF65-F5344CB8AC3E}">
         <p14:creationId xmlns:p14="http://schemas.microsoft.com/office/powerpoint/2010/main" val="3332599095"/>
+      </p:ext>
+    </p:extLst>
+  </p:cSld>
+  <p:clrMapOvr>
+    <a:masterClrMapping/>
+  </p:clrMapOvr>
+</p:sld>
+</file>
+
+<file path=ppt/slides/slide13.xml><?xml version="1.0" encoding="utf-8"?>
+<p:sld xmlns:a="http://schemas.openxmlformats.org/drawingml/2006/main" xmlns:r="http://schemas.openxmlformats.org/officeDocument/2006/relationships" xmlns:p="http://schemas.openxmlformats.org/presentationml/2006/main">
+  <p:cSld>
+    <p:spTree>
+      <p:nvGrpSpPr>
+        <p:cNvPr id="1" name=""/>
+        <p:cNvGrpSpPr/>
+        <p:nvPr/>
+      </p:nvGrpSpPr>
+      <p:grpSpPr>
+        <a:xfrm>
+          <a:off x="0" y="0"/>
+          <a:ext cx="0" cy="0"/>
+          <a:chOff x="0" y="0"/>
+          <a:chExt cx="0" cy="0"/>
+        </a:xfrm>
+      </p:grpSpPr>
+      <p:sp>
+        <p:nvSpPr>
+          <p:cNvPr id="9" name="object 2">
+            <a:extLst>
+              <a:ext uri="{FF2B5EF4-FFF2-40B4-BE49-F238E27FC236}">
+                <a16:creationId xmlns:a16="http://schemas.microsoft.com/office/drawing/2014/main" id="{6D7BD600-30F6-4170-B80C-852A785CE1AD}"/>
+              </a:ext>
+            </a:extLst>
+          </p:cNvPr>
+          <p:cNvSpPr txBox="1">
+            <a:spLocks/>
+          </p:cNvSpPr>
+          <p:nvPr/>
+        </p:nvSpPr>
+        <p:spPr>
+          <a:xfrm>
+            <a:off x="492575" y="391668"/>
+            <a:ext cx="3965125" cy="505267"/>
+          </a:xfrm>
+          <a:prstGeom prst="rect">
+            <a:avLst/>
+          </a:prstGeom>
+        </p:spPr>
+        <p:txBody>
+          <a:bodyPr vert="horz" wrap="square" lIns="0" tIns="12700" rIns="0" bIns="0" rtlCol="0">
+            <a:spAutoFit/>
+          </a:bodyPr>
+          <a:lstStyle>
+            <a:lvl1pPr>
+              <a:defRPr sz="3600" b="1" i="0">
+                <a:solidFill>
+                  <a:schemeClr val="tx1"/>
+                </a:solidFill>
+                <a:latin typeface="Malgun Gothic"/>
+                <a:ea typeface="+mj-ea"/>
+                <a:cs typeface="Malgun Gothic"/>
+              </a:defRPr>
+            </a:lvl1pPr>
+          </a:lstStyle>
+          <a:p>
+            <a:pPr marL="12700" lvl="0" latinLnBrk="0">
+              <a:spcBef>
+                <a:spcPts val="100"/>
+              </a:spcBef>
+              <a:tabLst>
+                <a:tab pos="967740" algn="l"/>
+              </a:tabLst>
+              <a:defRPr/>
+            </a:pPr>
+            <a:r>
+              <a:rPr lang="ko-KR" altLang="en-US" sz="3200" kern="0" spc="-25" dirty="0">
+                <a:solidFill>
+                  <a:srgbClr val="001F60"/>
+                </a:solidFill>
+                <a:latin typeface="맑은 고딕" panose="020B0503020000020004" pitchFamily="50" charset="-127"/>
+              </a:rPr>
+              <a:t>실험 및 결과</a:t>
+            </a:r>
+            <a:endParaRPr lang="ko-KR" altLang="en-US" sz="3200" kern="0" dirty="0">
+              <a:solidFill>
+                <a:sysClr val="windowText" lastClr="000000"/>
+              </a:solidFill>
+            </a:endParaRPr>
+          </a:p>
+        </p:txBody>
+      </p:sp>
+      <p:sp>
+        <p:nvSpPr>
+          <p:cNvPr id="10" name="object 6">
+            <a:extLst>
+              <a:ext uri="{FF2B5EF4-FFF2-40B4-BE49-F238E27FC236}">
+                <a16:creationId xmlns:a16="http://schemas.microsoft.com/office/drawing/2014/main" id="{8B966E05-EAAB-445B-8CC8-46645EBDF559}"/>
+              </a:ext>
+            </a:extLst>
+          </p:cNvPr>
+          <p:cNvSpPr/>
+          <p:nvPr/>
+        </p:nvSpPr>
+        <p:spPr>
+          <a:xfrm>
+            <a:off x="430250" y="985061"/>
+            <a:ext cx="11353800" cy="45720"/>
+          </a:xfrm>
+          <a:custGeom>
+            <a:avLst/>
+            <a:gdLst/>
+            <a:ahLst/>
+            <a:cxnLst/>
+            <a:rect l="l" t="t" r="r" b="b"/>
+            <a:pathLst>
+              <a:path w="11353800" h="45719">
+                <a:moveTo>
+                  <a:pt x="11353800" y="0"/>
+                </a:moveTo>
+                <a:lnTo>
+                  <a:pt x="0" y="0"/>
+                </a:lnTo>
+                <a:lnTo>
+                  <a:pt x="0" y="45718"/>
+                </a:lnTo>
+                <a:lnTo>
+                  <a:pt x="11353800" y="45718"/>
+                </a:lnTo>
+                <a:lnTo>
+                  <a:pt x="11353800" y="0"/>
+                </a:lnTo>
+                <a:close/>
+              </a:path>
+            </a:pathLst>
+          </a:custGeom>
+          <a:solidFill>
+            <a:srgbClr val="0C3F8B"/>
+          </a:solidFill>
+        </p:spPr>
+        <p:txBody>
+          <a:bodyPr wrap="square" lIns="0" tIns="0" rIns="0" bIns="0" rtlCol="0"/>
+          <a:lstStyle/>
+          <a:p>
+            <a:pPr marL="0" marR="0" lvl="0" indent="0" defTabSz="914400" eaLnBrk="1" fontAlgn="auto" latinLnBrk="0" hangingPunct="1">
+              <a:lnSpc>
+                <a:spcPct val="100000"/>
+              </a:lnSpc>
+              <a:spcBef>
+                <a:spcPts val="0"/>
+              </a:spcBef>
+              <a:spcAft>
+                <a:spcPts val="0"/>
+              </a:spcAft>
+              <a:buClrTx/>
+              <a:buSzTx/>
+              <a:buFontTx/>
+              <a:buNone/>
+              <a:tabLst/>
+              <a:defRPr/>
+            </a:pPr>
+            <a:endParaRPr kumimoji="0" sz="1800" b="0" i="0" u="none" strike="noStrike" kern="0" cap="none" spc="0" normalizeH="0" baseline="0" noProof="0">
+              <a:ln>
+                <a:noFill/>
+              </a:ln>
+              <a:solidFill>
+                <a:sysClr val="windowText" lastClr="000000"/>
+              </a:solidFill>
+              <a:effectLst/>
+              <a:uLnTx/>
+              <a:uFillTx/>
+            </a:endParaRPr>
+          </a:p>
+        </p:txBody>
+      </p:sp>
+      <p:sp>
+        <p:nvSpPr>
+          <p:cNvPr id="11" name="object 3">
+            <a:extLst>
+              <a:ext uri="{FF2B5EF4-FFF2-40B4-BE49-F238E27FC236}">
+                <a16:creationId xmlns:a16="http://schemas.microsoft.com/office/drawing/2014/main" id="{04B1BFFB-7036-4650-B5BA-6C2A99C6E376}"/>
+              </a:ext>
+            </a:extLst>
+          </p:cNvPr>
+          <p:cNvSpPr txBox="1"/>
+          <p:nvPr/>
+        </p:nvSpPr>
+        <p:spPr>
+          <a:xfrm>
+            <a:off x="508990" y="1263396"/>
+            <a:ext cx="11275060" cy="425116"/>
+          </a:xfrm>
+          <a:prstGeom prst="rect">
+            <a:avLst/>
+          </a:prstGeom>
+        </p:spPr>
+        <p:txBody>
+          <a:bodyPr vert="horz" wrap="square" lIns="0" tIns="116205" rIns="0" bIns="0" rtlCol="0">
+            <a:spAutoFit/>
+          </a:bodyPr>
+          <a:lstStyle/>
+          <a:p>
+            <a:pPr marL="355600" indent="-342900" latinLnBrk="0">
+              <a:spcBef>
+                <a:spcPts val="915"/>
+              </a:spcBef>
+              <a:buFont typeface="Wingdings" panose="05000000000000000000" pitchFamily="2" charset="2"/>
+              <a:buChar char="§"/>
+            </a:pPr>
+            <a:r>
+              <a:rPr lang="ko-KR" altLang="en-US" sz="2000" kern="0" dirty="0">
+                <a:solidFill>
+                  <a:sysClr val="windowText" lastClr="000000"/>
+                </a:solidFill>
+                <a:cs typeface="Malgun Gothic"/>
+              </a:rPr>
+              <a:t>기계 학습 기반의 일사량 예측 모델의 예측 정확성 비교</a:t>
+            </a:r>
+            <a:endParaRPr lang="en-US" altLang="ko-KR" sz="2000" kern="0" dirty="0">
+              <a:solidFill>
+                <a:sysClr val="windowText" lastClr="000000"/>
+              </a:solidFill>
+              <a:cs typeface="Malgun Gothic"/>
+            </a:endParaRPr>
+          </a:p>
+        </p:txBody>
+      </p:sp>
+      <p:grpSp>
+        <p:nvGrpSpPr>
+          <p:cNvPr id="8" name="그룹 7">
+            <a:extLst>
+              <a:ext uri="{FF2B5EF4-FFF2-40B4-BE49-F238E27FC236}">
+                <a16:creationId xmlns:a16="http://schemas.microsoft.com/office/drawing/2014/main" id="{668E7250-425D-4CBF-A95B-0548D9813C21}"/>
+              </a:ext>
+            </a:extLst>
+          </p:cNvPr>
+          <p:cNvGrpSpPr/>
+          <p:nvPr/>
+        </p:nvGrpSpPr>
+        <p:grpSpPr>
+          <a:xfrm>
+            <a:off x="9250532" y="6219306"/>
+            <a:ext cx="2776842" cy="457642"/>
+            <a:chOff x="8473734" y="6091284"/>
+            <a:chExt cx="3553640" cy="585664"/>
+          </a:xfrm>
+        </p:grpSpPr>
+        <p:pic>
+          <p:nvPicPr>
+            <p:cNvPr id="12" name="그림 11">
+              <a:extLst>
+                <a:ext uri="{FF2B5EF4-FFF2-40B4-BE49-F238E27FC236}">
+                  <a16:creationId xmlns:a16="http://schemas.microsoft.com/office/drawing/2014/main" id="{4E57D731-B0D9-425E-8A4F-A0DD4C73FD0C}"/>
+                </a:ext>
+              </a:extLst>
+            </p:cNvPr>
+            <p:cNvPicPr>
+              <a:picLocks noChangeAspect="1"/>
+            </p:cNvPicPr>
+            <p:nvPr/>
+          </p:nvPicPr>
+          <p:blipFill rotWithShape="1">
+            <a:blip r:embed="rId2">
+              <a:extLst>
+                <a:ext uri="{28A0092B-C50C-407E-A947-70E740481C1C}">
+                  <a14:useLocalDpi xmlns:a14="http://schemas.microsoft.com/office/drawing/2010/main" val="0"/>
+                </a:ext>
+              </a:extLst>
+            </a:blip>
+            <a:srcRect l="74535" t="3851" r="5686" b="50143"/>
+            <a:stretch/>
+          </p:blipFill>
+          <p:spPr>
+            <a:xfrm>
+              <a:off x="8473734" y="6091284"/>
+              <a:ext cx="1353669" cy="585664"/>
+            </a:xfrm>
+            <a:prstGeom prst="rect">
+              <a:avLst/>
+            </a:prstGeom>
+          </p:spPr>
+        </p:pic>
+        <p:pic>
+          <p:nvPicPr>
+            <p:cNvPr id="13" name="그림 12">
+              <a:extLst>
+                <a:ext uri="{FF2B5EF4-FFF2-40B4-BE49-F238E27FC236}">
+                  <a16:creationId xmlns:a16="http://schemas.microsoft.com/office/drawing/2014/main" id="{9CC09A94-CBA7-490A-B493-28422FEB0DEC}"/>
+                </a:ext>
+              </a:extLst>
+            </p:cNvPr>
+            <p:cNvPicPr>
+              <a:picLocks noChangeAspect="1"/>
+            </p:cNvPicPr>
+            <p:nvPr/>
+          </p:nvPicPr>
+          <p:blipFill>
+            <a:blip r:embed="rId3" cstate="hqprint">
+              <a:extLst>
+                <a:ext uri="{28A0092B-C50C-407E-A947-70E740481C1C}">
+                  <a14:useLocalDpi xmlns:a14="http://schemas.microsoft.com/office/drawing/2010/main" val="0"/>
+                </a:ext>
+              </a:extLst>
+            </a:blip>
+            <a:stretch>
+              <a:fillRect/>
+            </a:stretch>
+          </p:blipFill>
+          <p:spPr>
+            <a:xfrm>
+              <a:off x="9827403" y="6172124"/>
+              <a:ext cx="2199971" cy="423985"/>
+            </a:xfrm>
+            <a:prstGeom prst="rect">
+              <a:avLst/>
+            </a:prstGeom>
+          </p:spPr>
+        </p:pic>
+      </p:grpSp>
+      <p:pic>
+        <p:nvPicPr>
+          <p:cNvPr id="17" name="그림 16">
+            <a:extLst>
+              <a:ext uri="{FF2B5EF4-FFF2-40B4-BE49-F238E27FC236}">
+                <a16:creationId xmlns:a16="http://schemas.microsoft.com/office/drawing/2014/main" id="{79AC04AA-E7CF-45BA-8710-0B384253F2DD}"/>
+              </a:ext>
+            </a:extLst>
+          </p:cNvPr>
+          <p:cNvPicPr>
+            <a:picLocks noChangeAspect="1"/>
+          </p:cNvPicPr>
+          <p:nvPr/>
+        </p:nvPicPr>
+        <p:blipFill>
+          <a:blip r:embed="rId4"/>
+          <a:stretch>
+            <a:fillRect/>
+          </a:stretch>
+        </p:blipFill>
+        <p:spPr>
+          <a:xfrm>
+            <a:off x="703047" y="2285385"/>
+            <a:ext cx="5841892" cy="3608726"/>
+          </a:xfrm>
+          <a:prstGeom prst="rect">
+            <a:avLst/>
+          </a:prstGeom>
+        </p:spPr>
+      </p:pic>
+      <p:graphicFrame>
+        <p:nvGraphicFramePr>
+          <p:cNvPr id="22" name="표 4">
+            <a:extLst>
+              <a:ext uri="{FF2B5EF4-FFF2-40B4-BE49-F238E27FC236}">
+                <a16:creationId xmlns:a16="http://schemas.microsoft.com/office/drawing/2014/main" id="{1AA2E4D7-7F1A-42E1-B251-6197FD7BE1D0}"/>
+              </a:ext>
+            </a:extLst>
+          </p:cNvPr>
+          <p:cNvGraphicFramePr>
+            <a:graphicFrameLocks noGrp="1"/>
+          </p:cNvGraphicFramePr>
+          <p:nvPr>
+            <p:extLst>
+              <p:ext uri="{D42A27DB-BD31-4B8C-83A1-F6EECF244321}">
+                <p14:modId xmlns:p14="http://schemas.microsoft.com/office/powerpoint/2010/main" val="2440270476"/>
+              </p:ext>
+            </p:extLst>
+          </p:nvPr>
+        </p:nvGraphicFramePr>
+        <p:xfrm>
+          <a:off x="6933051" y="2915248"/>
+          <a:ext cx="2361306" cy="2195764"/>
+        </p:xfrm>
+        <a:graphic>
+          <a:graphicData uri="http://schemas.openxmlformats.org/drawingml/2006/table">
+            <a:tbl>
+              <a:tblPr firstRow="1" bandRow="1">
+                <a:tableStyleId>{2D5ABB26-0587-4C30-8999-92F81FD0307C}</a:tableStyleId>
+              </a:tblPr>
+              <a:tblGrid>
+                <a:gridCol w="1180653">
+                  <a:extLst>
+                    <a:ext uri="{9D8B030D-6E8A-4147-A177-3AD203B41FA5}">
+                      <a16:colId xmlns:a16="http://schemas.microsoft.com/office/drawing/2014/main" val="2908245944"/>
+                    </a:ext>
+                  </a:extLst>
+                </a:gridCol>
+                <a:gridCol w="1180653">
+                  <a:extLst>
+                    <a:ext uri="{9D8B030D-6E8A-4147-A177-3AD203B41FA5}">
+                      <a16:colId xmlns:a16="http://schemas.microsoft.com/office/drawing/2014/main" val="2815417324"/>
+                    </a:ext>
+                  </a:extLst>
+                </a:gridCol>
+              </a:tblGrid>
+              <a:tr h="299798">
+                <a:tc>
+                  <a:txBody>
+                    <a:bodyPr/>
+                    <a:lstStyle/>
+                    <a:p>
+                      <a:pPr algn="ctr" latinLnBrk="1"/>
+                      <a:r>
+                        <a:rPr lang="en-US" altLang="ko-KR" sz="1200" b="1" dirty="0"/>
+                        <a:t>Time Step</a:t>
+                      </a:r>
+                      <a:endParaRPr lang="ko-KR" altLang="en-US" sz="1200" b="1" dirty="0"/>
+                    </a:p>
+                  </a:txBody>
+                  <a:tcPr marL="81636" marR="81636" marT="40818" marB="40818">
+                    <a:lnL w="12700" cap="flat" cmpd="sng" algn="ctr">
+                      <a:noFill/>
+                      <a:prstDash val="solid"/>
+                      <a:round/>
+                      <a:headEnd type="none" w="med" len="med"/>
+                      <a:tailEnd type="none" w="med" len="med"/>
+                    </a:lnL>
+                    <a:lnR w="12700" cap="flat" cmpd="sng" algn="ctr">
+                      <a:noFill/>
+                      <a:prstDash val="solid"/>
+                      <a:round/>
+                      <a:headEnd type="none" w="med" len="med"/>
+                      <a:tailEnd type="none" w="med" len="med"/>
+                    </a:lnR>
+                    <a:lnT w="12700" cap="flat" cmpd="sng" algn="ctr">
+                      <a:solidFill>
+                        <a:schemeClr val="tx1"/>
+                      </a:solidFill>
+                      <a:prstDash val="solid"/>
+                      <a:round/>
+                      <a:headEnd type="none" w="med" len="med"/>
+                      <a:tailEnd type="none" w="med" len="med"/>
+                    </a:lnT>
+                    <a:lnB w="12700" cap="flat" cmpd="sng" algn="ctr">
+                      <a:noFill/>
+                      <a:prstDash val="solid"/>
+                      <a:round/>
+                      <a:headEnd type="none" w="med" len="med"/>
+                      <a:tailEnd type="none" w="med" len="med"/>
+                    </a:lnB>
+                    <a:lnTlToBr w="12700" cmpd="sng">
+                      <a:noFill/>
+                      <a:prstDash val="solid"/>
+                    </a:lnTlToBr>
+                    <a:lnBlToTr w="12700" cmpd="sng">
+                      <a:noFill/>
+                      <a:prstDash val="solid"/>
+                    </a:lnBlToTr>
+                  </a:tcPr>
+                </a:tc>
+                <a:tc>
+                  <a:txBody>
+                    <a:bodyPr/>
+                    <a:lstStyle/>
+                    <a:p>
+                      <a:pPr algn="ctr" latinLnBrk="1"/>
+                      <a:r>
+                        <a:rPr lang="en-US" altLang="ko-KR" sz="1200" b="1" dirty="0"/>
+                        <a:t>Solar</a:t>
+                      </a:r>
+                      <a:endParaRPr lang="ko-KR" altLang="en-US" sz="1200" b="1" dirty="0"/>
+                    </a:p>
+                  </a:txBody>
+                  <a:tcPr marL="81636" marR="81636" marT="40818" marB="40818">
+                    <a:lnL w="12700" cap="flat" cmpd="sng" algn="ctr">
+                      <a:noFill/>
+                      <a:prstDash val="solid"/>
+                      <a:round/>
+                      <a:headEnd type="none" w="med" len="med"/>
+                      <a:tailEnd type="none" w="med" len="med"/>
+                    </a:lnL>
+                    <a:lnR w="12700" cap="flat" cmpd="sng" algn="ctr">
+                      <a:noFill/>
+                      <a:prstDash val="solid"/>
+                      <a:round/>
+                      <a:headEnd type="none" w="med" len="med"/>
+                      <a:tailEnd type="none" w="med" len="med"/>
+                    </a:lnR>
+                    <a:lnT w="12700" cap="flat" cmpd="sng" algn="ctr">
+                      <a:solidFill>
+                        <a:schemeClr val="tx1"/>
+                      </a:solidFill>
+                      <a:prstDash val="solid"/>
+                      <a:round/>
+                      <a:headEnd type="none" w="med" len="med"/>
+                      <a:tailEnd type="none" w="med" len="med"/>
+                    </a:lnT>
+                    <a:lnB w="12700" cap="flat" cmpd="sng" algn="ctr">
+                      <a:noFill/>
+                      <a:prstDash val="solid"/>
+                      <a:round/>
+                      <a:headEnd type="none" w="med" len="med"/>
+                      <a:tailEnd type="none" w="med" len="med"/>
+                    </a:lnB>
+                    <a:lnTlToBr w="12700" cmpd="sng">
+                      <a:noFill/>
+                      <a:prstDash val="solid"/>
+                    </a:lnTlToBr>
+                    <a:lnBlToTr w="12700" cmpd="sng">
+                      <a:noFill/>
+                      <a:prstDash val="solid"/>
+                    </a:lnBlToTr>
+                  </a:tcPr>
+                </a:tc>
+                <a:extLst>
+                  <a:ext uri="{0D108BD9-81ED-4DB2-BD59-A6C34878D82A}">
+                    <a16:rowId xmlns:a16="http://schemas.microsoft.com/office/drawing/2014/main" val="2251931345"/>
+                  </a:ext>
+                </a:extLst>
+              </a:tr>
+              <a:tr h="299798">
+                <a:tc>
+                  <a:txBody>
+                    <a:bodyPr/>
+                    <a:lstStyle/>
+                    <a:p>
+                      <a:pPr algn="ctr" latinLnBrk="1"/>
+                      <a:r>
+                        <a:rPr lang="en-US" altLang="ko-KR" sz="1200" b="1" dirty="0"/>
+                        <a:t>1</a:t>
+                      </a:r>
+                    </a:p>
+                  </a:txBody>
+                  <a:tcPr marL="81636" marR="81636" marT="40818" marB="40818" anchor="ctr" anchorCtr="1">
+                    <a:lnL w="12700" cap="flat" cmpd="sng" algn="ctr">
+                      <a:noFill/>
+                      <a:prstDash val="solid"/>
+                      <a:round/>
+                      <a:headEnd type="none" w="med" len="med"/>
+                      <a:tailEnd type="none" w="med" len="med"/>
+                    </a:lnL>
+                    <a:lnR w="12700" cap="flat" cmpd="sng" algn="ctr">
+                      <a:noFill/>
+                      <a:prstDash val="solid"/>
+                      <a:round/>
+                      <a:headEnd type="none" w="med" len="med"/>
+                      <a:tailEnd type="none" w="med" len="med"/>
+                    </a:lnR>
+                    <a:lnT w="12700" cap="flat" cmpd="sng" algn="ctr">
+                      <a:noFill/>
+                      <a:prstDash val="solid"/>
+                      <a:round/>
+                      <a:headEnd type="none" w="med" len="med"/>
+                      <a:tailEnd type="none" w="med" len="med"/>
+                    </a:lnT>
+                    <a:lnB w="12700" cap="flat" cmpd="sng" algn="ctr">
+                      <a:noFill/>
+                      <a:prstDash val="solid"/>
+                      <a:round/>
+                      <a:headEnd type="none" w="med" len="med"/>
+                      <a:tailEnd type="none" w="med" len="med"/>
+                    </a:lnB>
+                    <a:lnTlToBr w="12700" cmpd="sng">
+                      <a:noFill/>
+                      <a:prstDash val="solid"/>
+                    </a:lnTlToBr>
+                    <a:lnBlToTr w="12700" cmpd="sng">
+                      <a:noFill/>
+                      <a:prstDash val="solid"/>
+                    </a:lnBlToTr>
+                  </a:tcPr>
+                </a:tc>
+                <a:tc>
+                  <a:txBody>
+                    <a:bodyPr/>
+                    <a:lstStyle/>
+                    <a:p>
+                      <a:pPr algn="ctr" latinLnBrk="1"/>
+                      <a:r>
+                        <a:rPr lang="en-US" altLang="ko-KR" sz="1200" dirty="0"/>
+                        <a:t>n</a:t>
+                      </a:r>
+                      <a:endParaRPr lang="ko-KR" altLang="en-US" sz="1200" dirty="0"/>
+                    </a:p>
+                  </a:txBody>
+                  <a:tcPr marL="81636" marR="81636" marT="40818" marB="40818" anchor="ctr" anchorCtr="1">
+                    <a:lnL w="12700" cap="flat" cmpd="sng" algn="ctr">
+                      <a:noFill/>
+                      <a:prstDash val="solid"/>
+                      <a:round/>
+                      <a:headEnd type="none" w="med" len="med"/>
+                      <a:tailEnd type="none" w="med" len="med"/>
+                    </a:lnL>
+                    <a:lnR w="12700" cap="flat" cmpd="sng" algn="ctr">
+                      <a:noFill/>
+                      <a:prstDash val="solid"/>
+                      <a:round/>
+                      <a:headEnd type="none" w="med" len="med"/>
+                      <a:tailEnd type="none" w="med" len="med"/>
+                    </a:lnR>
+                    <a:lnT w="12700" cap="flat" cmpd="sng" algn="ctr">
+                      <a:noFill/>
+                      <a:prstDash val="solid"/>
+                      <a:round/>
+                      <a:headEnd type="none" w="med" len="med"/>
+                      <a:tailEnd type="none" w="med" len="med"/>
+                    </a:lnT>
+                    <a:lnB w="12700" cap="flat" cmpd="sng" algn="ctr">
+                      <a:noFill/>
+                      <a:prstDash val="solid"/>
+                      <a:round/>
+                      <a:headEnd type="none" w="med" len="med"/>
+                      <a:tailEnd type="none" w="med" len="med"/>
+                    </a:lnB>
+                    <a:lnTlToBr w="12700" cmpd="sng">
+                      <a:noFill/>
+                      <a:prstDash val="solid"/>
+                    </a:lnTlToBr>
+                    <a:lnBlToTr w="12700" cmpd="sng">
+                      <a:noFill/>
+                      <a:prstDash val="solid"/>
+                    </a:lnBlToTr>
+                  </a:tcPr>
+                </a:tc>
+                <a:extLst>
+                  <a:ext uri="{0D108BD9-81ED-4DB2-BD59-A6C34878D82A}">
+                    <a16:rowId xmlns:a16="http://schemas.microsoft.com/office/drawing/2014/main" val="3747585420"/>
+                  </a:ext>
+                </a:extLst>
+              </a:tr>
+              <a:tr h="299798">
+                <a:tc>
+                  <a:txBody>
+                    <a:bodyPr/>
+                    <a:lstStyle/>
+                    <a:p>
+                      <a:pPr algn="ctr" latinLnBrk="1"/>
+                      <a:r>
+                        <a:rPr lang="en-US" altLang="ko-KR" sz="1200" b="1" dirty="0"/>
+                        <a:t>2</a:t>
+                      </a:r>
+                    </a:p>
+                  </a:txBody>
+                  <a:tcPr marL="81636" marR="81636" marT="40818" marB="40818" anchor="ctr" anchorCtr="1">
+                    <a:lnL w="12700" cap="flat" cmpd="sng" algn="ctr">
+                      <a:noFill/>
+                      <a:prstDash val="solid"/>
+                      <a:round/>
+                      <a:headEnd type="none" w="med" len="med"/>
+                      <a:tailEnd type="none" w="med" len="med"/>
+                    </a:lnL>
+                    <a:lnR w="12700" cap="flat" cmpd="sng" algn="ctr">
+                      <a:noFill/>
+                      <a:prstDash val="solid"/>
+                      <a:round/>
+                      <a:headEnd type="none" w="med" len="med"/>
+                      <a:tailEnd type="none" w="med" len="med"/>
+                    </a:lnR>
+                    <a:lnT w="12700" cap="flat" cmpd="sng" algn="ctr">
+                      <a:noFill/>
+                      <a:prstDash val="solid"/>
+                      <a:round/>
+                      <a:headEnd type="none" w="med" len="med"/>
+                      <a:tailEnd type="none" w="med" len="med"/>
+                    </a:lnT>
+                    <a:lnB w="12700" cap="flat" cmpd="sng" algn="ctr">
+                      <a:noFill/>
+                      <a:prstDash val="solid"/>
+                      <a:round/>
+                      <a:headEnd type="none" w="med" len="med"/>
+                      <a:tailEnd type="none" w="med" len="med"/>
+                    </a:lnB>
+                    <a:lnTlToBr w="12700" cmpd="sng">
+                      <a:noFill/>
+                      <a:prstDash val="solid"/>
+                    </a:lnTlToBr>
+                    <a:lnBlToTr w="12700" cmpd="sng">
+                      <a:noFill/>
+                      <a:prstDash val="solid"/>
+                    </a:lnBlToTr>
+                  </a:tcPr>
+                </a:tc>
+                <a:tc>
+                  <a:txBody>
+                    <a:bodyPr/>
+                    <a:lstStyle/>
+                    <a:p>
+                      <a:pPr algn="ctr" latinLnBrk="1"/>
+                      <a:r>
+                        <a:rPr lang="en-US" altLang="ko-KR" sz="1200" dirty="0"/>
+                        <a:t>n</a:t>
+                      </a:r>
+                      <a:endParaRPr lang="ko-KR" altLang="en-US" sz="1200" dirty="0"/>
+                    </a:p>
+                  </a:txBody>
+                  <a:tcPr marL="81636" marR="81636" marT="40818" marB="40818" anchor="ctr" anchorCtr="1">
+                    <a:lnL w="12700" cap="flat" cmpd="sng" algn="ctr">
+                      <a:noFill/>
+                      <a:prstDash val="solid"/>
+                      <a:round/>
+                      <a:headEnd type="none" w="med" len="med"/>
+                      <a:tailEnd type="none" w="med" len="med"/>
+                    </a:lnL>
+                    <a:lnR w="12700" cap="flat" cmpd="sng" algn="ctr">
+                      <a:noFill/>
+                      <a:prstDash val="solid"/>
+                      <a:round/>
+                      <a:headEnd type="none" w="med" len="med"/>
+                      <a:tailEnd type="none" w="med" len="med"/>
+                    </a:lnR>
+                    <a:lnT w="12700" cap="flat" cmpd="sng" algn="ctr">
+                      <a:noFill/>
+                      <a:prstDash val="solid"/>
+                      <a:round/>
+                      <a:headEnd type="none" w="med" len="med"/>
+                      <a:tailEnd type="none" w="med" len="med"/>
+                    </a:lnT>
+                    <a:lnB w="12700" cap="flat" cmpd="sng" algn="ctr">
+                      <a:noFill/>
+                      <a:prstDash val="solid"/>
+                      <a:round/>
+                      <a:headEnd type="none" w="med" len="med"/>
+                      <a:tailEnd type="none" w="med" len="med"/>
+                    </a:lnB>
+                    <a:lnTlToBr w="12700" cmpd="sng">
+                      <a:noFill/>
+                      <a:prstDash val="solid"/>
+                    </a:lnTlToBr>
+                    <a:lnBlToTr w="12700" cmpd="sng">
+                      <a:noFill/>
+                      <a:prstDash val="solid"/>
+                    </a:lnBlToTr>
+                  </a:tcPr>
+                </a:tc>
+                <a:extLst>
+                  <a:ext uri="{0D108BD9-81ED-4DB2-BD59-A6C34878D82A}">
+                    <a16:rowId xmlns:a16="http://schemas.microsoft.com/office/drawing/2014/main" val="4075925882"/>
+                  </a:ext>
+                </a:extLst>
+              </a:tr>
+              <a:tr h="299798">
+                <a:tc>
+                  <a:txBody>
+                    <a:bodyPr/>
+                    <a:lstStyle/>
+                    <a:p>
+                      <a:pPr algn="ctr" latinLnBrk="1"/>
+                      <a:r>
+                        <a:rPr lang="en-US" altLang="ko-KR" sz="1200" b="1" dirty="0"/>
+                        <a:t>3</a:t>
+                      </a:r>
+                    </a:p>
+                  </a:txBody>
+                  <a:tcPr marL="81636" marR="81636" marT="40818" marB="40818" anchor="ctr" anchorCtr="1">
+                    <a:lnL w="12700" cap="flat" cmpd="sng" algn="ctr">
+                      <a:noFill/>
+                      <a:prstDash val="solid"/>
+                      <a:round/>
+                      <a:headEnd type="none" w="med" len="med"/>
+                      <a:tailEnd type="none" w="med" len="med"/>
+                    </a:lnL>
+                    <a:lnR w="12700" cap="flat" cmpd="sng" algn="ctr">
+                      <a:noFill/>
+                      <a:prstDash val="solid"/>
+                      <a:round/>
+                      <a:headEnd type="none" w="med" len="med"/>
+                      <a:tailEnd type="none" w="med" len="med"/>
+                    </a:lnR>
+                    <a:lnT w="12700" cap="flat" cmpd="sng" algn="ctr">
+                      <a:noFill/>
+                      <a:prstDash val="solid"/>
+                      <a:round/>
+                      <a:headEnd type="none" w="med" len="med"/>
+                      <a:tailEnd type="none" w="med" len="med"/>
+                    </a:lnT>
+                    <a:lnB w="12700" cap="flat" cmpd="sng" algn="ctr">
+                      <a:noFill/>
+                      <a:prstDash val="solid"/>
+                      <a:round/>
+                      <a:headEnd type="none" w="med" len="med"/>
+                      <a:tailEnd type="none" w="med" len="med"/>
+                    </a:lnB>
+                    <a:lnTlToBr w="12700" cmpd="sng">
+                      <a:noFill/>
+                      <a:prstDash val="solid"/>
+                    </a:lnTlToBr>
+                    <a:lnBlToTr w="12700" cmpd="sng">
+                      <a:noFill/>
+                      <a:prstDash val="solid"/>
+                    </a:lnBlToTr>
+                  </a:tcPr>
+                </a:tc>
+                <a:tc>
+                  <a:txBody>
+                    <a:bodyPr/>
+                    <a:lstStyle/>
+                    <a:p>
+                      <a:pPr algn="ctr" latinLnBrk="1"/>
+                      <a:r>
+                        <a:rPr lang="en-US" altLang="ko-KR" sz="1200" dirty="0"/>
+                        <a:t>n</a:t>
+                      </a:r>
+                      <a:endParaRPr lang="ko-KR" altLang="en-US" sz="1200" dirty="0"/>
+                    </a:p>
+                  </a:txBody>
+                  <a:tcPr marL="81636" marR="81636" marT="40818" marB="40818" anchor="ctr" anchorCtr="1">
+                    <a:lnL w="12700" cap="flat" cmpd="sng" algn="ctr">
+                      <a:noFill/>
+                      <a:prstDash val="solid"/>
+                      <a:round/>
+                      <a:headEnd type="none" w="med" len="med"/>
+                      <a:tailEnd type="none" w="med" len="med"/>
+                    </a:lnL>
+                    <a:lnR w="12700" cap="flat" cmpd="sng" algn="ctr">
+                      <a:noFill/>
+                      <a:prstDash val="solid"/>
+                      <a:round/>
+                      <a:headEnd type="none" w="med" len="med"/>
+                      <a:tailEnd type="none" w="med" len="med"/>
+                    </a:lnR>
+                    <a:lnT w="12700" cap="flat" cmpd="sng" algn="ctr">
+                      <a:noFill/>
+                      <a:prstDash val="solid"/>
+                      <a:round/>
+                      <a:headEnd type="none" w="med" len="med"/>
+                      <a:tailEnd type="none" w="med" len="med"/>
+                    </a:lnT>
+                    <a:lnB w="12700" cap="flat" cmpd="sng" algn="ctr">
+                      <a:noFill/>
+                      <a:prstDash val="solid"/>
+                      <a:round/>
+                      <a:headEnd type="none" w="med" len="med"/>
+                      <a:tailEnd type="none" w="med" len="med"/>
+                    </a:lnB>
+                    <a:lnTlToBr w="12700" cmpd="sng">
+                      <a:noFill/>
+                      <a:prstDash val="solid"/>
+                    </a:lnTlToBr>
+                    <a:lnBlToTr w="12700" cmpd="sng">
+                      <a:noFill/>
+                      <a:prstDash val="solid"/>
+                    </a:lnBlToTr>
+                  </a:tcPr>
+                </a:tc>
+                <a:extLst>
+                  <a:ext uri="{0D108BD9-81ED-4DB2-BD59-A6C34878D82A}">
+                    <a16:rowId xmlns:a16="http://schemas.microsoft.com/office/drawing/2014/main" val="2091766870"/>
+                  </a:ext>
+                </a:extLst>
+              </a:tr>
+              <a:tr h="299798">
+                <a:tc>
+                  <a:txBody>
+                    <a:bodyPr/>
+                    <a:lstStyle/>
+                    <a:p>
+                      <a:pPr algn="ctr" latinLnBrk="1"/>
+                      <a:r>
+                        <a:rPr lang="en-US" altLang="ko-KR" sz="1200" b="1" dirty="0"/>
+                        <a:t>4</a:t>
+                      </a:r>
+                    </a:p>
+                  </a:txBody>
+                  <a:tcPr marL="81636" marR="81636" marT="40818" marB="40818" anchor="ctr" anchorCtr="1">
+                    <a:lnL w="12700" cap="flat" cmpd="sng" algn="ctr">
+                      <a:noFill/>
+                      <a:prstDash val="solid"/>
+                      <a:round/>
+                      <a:headEnd type="none" w="med" len="med"/>
+                      <a:tailEnd type="none" w="med" len="med"/>
+                    </a:lnL>
+                    <a:lnR w="12700" cap="flat" cmpd="sng" algn="ctr">
+                      <a:noFill/>
+                      <a:prstDash val="solid"/>
+                      <a:round/>
+                      <a:headEnd type="none" w="med" len="med"/>
+                      <a:tailEnd type="none" w="med" len="med"/>
+                    </a:lnR>
+                    <a:lnT w="12700" cap="flat" cmpd="sng" algn="ctr">
+                      <a:noFill/>
+                      <a:prstDash val="solid"/>
+                      <a:round/>
+                      <a:headEnd type="none" w="med" len="med"/>
+                      <a:tailEnd type="none" w="med" len="med"/>
+                    </a:lnT>
+                    <a:lnB w="12700" cap="flat" cmpd="sng" algn="ctr">
+                      <a:noFill/>
+                      <a:prstDash val="solid"/>
+                      <a:round/>
+                      <a:headEnd type="none" w="med" len="med"/>
+                      <a:tailEnd type="none" w="med" len="med"/>
+                    </a:lnB>
+                    <a:lnTlToBr w="12700" cmpd="sng">
+                      <a:noFill/>
+                      <a:prstDash val="solid"/>
+                    </a:lnTlToBr>
+                    <a:lnBlToTr w="12700" cmpd="sng">
+                      <a:noFill/>
+                      <a:prstDash val="solid"/>
+                    </a:lnBlToTr>
+                  </a:tcPr>
+                </a:tc>
+                <a:tc>
+                  <a:txBody>
+                    <a:bodyPr/>
+                    <a:lstStyle/>
+                    <a:p>
+                      <a:pPr algn="ctr" latinLnBrk="1"/>
+                      <a:r>
+                        <a:rPr lang="en-US" altLang="ko-KR" sz="1200" dirty="0"/>
+                        <a:t>n</a:t>
+                      </a:r>
+                      <a:endParaRPr lang="ko-KR" altLang="en-US" sz="1200" dirty="0"/>
+                    </a:p>
+                  </a:txBody>
+                  <a:tcPr marL="81636" marR="81636" marT="40818" marB="40818" anchor="ctr" anchorCtr="1">
+                    <a:lnL w="12700" cap="flat" cmpd="sng" algn="ctr">
+                      <a:noFill/>
+                      <a:prstDash val="solid"/>
+                      <a:round/>
+                      <a:headEnd type="none" w="med" len="med"/>
+                      <a:tailEnd type="none" w="med" len="med"/>
+                    </a:lnL>
+                    <a:lnR w="12700" cap="flat" cmpd="sng" algn="ctr">
+                      <a:noFill/>
+                      <a:prstDash val="solid"/>
+                      <a:round/>
+                      <a:headEnd type="none" w="med" len="med"/>
+                      <a:tailEnd type="none" w="med" len="med"/>
+                    </a:lnR>
+                    <a:lnT w="12700" cap="flat" cmpd="sng" algn="ctr">
+                      <a:noFill/>
+                      <a:prstDash val="solid"/>
+                      <a:round/>
+                      <a:headEnd type="none" w="med" len="med"/>
+                      <a:tailEnd type="none" w="med" len="med"/>
+                    </a:lnT>
+                    <a:lnB w="12700" cap="flat" cmpd="sng" algn="ctr">
+                      <a:noFill/>
+                      <a:prstDash val="solid"/>
+                      <a:round/>
+                      <a:headEnd type="none" w="med" len="med"/>
+                      <a:tailEnd type="none" w="med" len="med"/>
+                    </a:lnB>
+                    <a:lnTlToBr w="12700" cmpd="sng">
+                      <a:noFill/>
+                      <a:prstDash val="solid"/>
+                    </a:lnTlToBr>
+                    <a:lnBlToTr w="12700" cmpd="sng">
+                      <a:noFill/>
+                      <a:prstDash val="solid"/>
+                    </a:lnBlToTr>
+                    <a:noFill/>
+                  </a:tcPr>
+                </a:tc>
+                <a:extLst>
+                  <a:ext uri="{0D108BD9-81ED-4DB2-BD59-A6C34878D82A}">
+                    <a16:rowId xmlns:a16="http://schemas.microsoft.com/office/drawing/2014/main" val="177731844"/>
+                  </a:ext>
+                </a:extLst>
+              </a:tr>
+              <a:tr h="299798">
+                <a:tc>
+                  <a:txBody>
+                    <a:bodyPr/>
+                    <a:lstStyle/>
+                    <a:p>
+                      <a:pPr algn="ctr" latinLnBrk="1"/>
+                      <a:r>
+                        <a:rPr lang="en-US" altLang="ko-KR" sz="1200" b="1" dirty="0"/>
+                        <a:t>5</a:t>
+                      </a:r>
+                      <a:endParaRPr lang="ko-KR" altLang="en-US" sz="1200" b="1" dirty="0"/>
+                    </a:p>
+                  </a:txBody>
+                  <a:tcPr marL="81636" marR="81636" marT="40818" marB="40818" anchor="ctr" anchorCtr="1">
+                    <a:lnL w="12700" cap="flat" cmpd="sng" algn="ctr">
+                      <a:noFill/>
+                      <a:prstDash val="solid"/>
+                      <a:round/>
+                      <a:headEnd type="none" w="med" len="med"/>
+                      <a:tailEnd type="none" w="med" len="med"/>
+                    </a:lnL>
+                    <a:lnR w="12700" cap="flat" cmpd="sng" algn="ctr">
+                      <a:noFill/>
+                      <a:prstDash val="solid"/>
+                      <a:round/>
+                      <a:headEnd type="none" w="med" len="med"/>
+                      <a:tailEnd type="none" w="med" len="med"/>
+                    </a:lnR>
+                    <a:lnT w="12700" cap="flat" cmpd="sng" algn="ctr">
+                      <a:noFill/>
+                      <a:prstDash val="solid"/>
+                      <a:round/>
+                      <a:headEnd type="none" w="med" len="med"/>
+                      <a:tailEnd type="none" w="med" len="med"/>
+                    </a:lnT>
+                    <a:lnB w="12700" cap="flat" cmpd="sng" algn="ctr">
+                      <a:noFill/>
+                      <a:prstDash val="solid"/>
+                      <a:round/>
+                      <a:headEnd type="none" w="med" len="med"/>
+                      <a:tailEnd type="none" w="med" len="med"/>
+                    </a:lnB>
+                    <a:lnTlToBr w="12700" cmpd="sng">
+                      <a:noFill/>
+                      <a:prstDash val="solid"/>
+                    </a:lnTlToBr>
+                    <a:lnBlToTr w="12700" cmpd="sng">
+                      <a:noFill/>
+                      <a:prstDash val="solid"/>
+                    </a:lnBlToTr>
+                  </a:tcPr>
+                </a:tc>
+                <a:tc>
+                  <a:txBody>
+                    <a:bodyPr/>
+                    <a:lstStyle/>
+                    <a:p>
+                      <a:pPr algn="ctr" latinLnBrk="1"/>
+                      <a:r>
+                        <a:rPr lang="en-US" altLang="ko-KR" sz="1200" dirty="0"/>
+                        <a:t>n</a:t>
+                      </a:r>
+                      <a:endParaRPr lang="ko-KR" altLang="en-US" sz="1200" dirty="0"/>
+                    </a:p>
+                  </a:txBody>
+                  <a:tcPr marL="81636" marR="81636" marT="40818" marB="40818" anchor="ctr" anchorCtr="1">
+                    <a:lnL w="12700" cap="flat" cmpd="sng" algn="ctr">
+                      <a:noFill/>
+                      <a:prstDash val="solid"/>
+                      <a:round/>
+                      <a:headEnd type="none" w="med" len="med"/>
+                      <a:tailEnd type="none" w="med" len="med"/>
+                    </a:lnL>
+                    <a:lnR w="12700" cap="flat" cmpd="sng" algn="ctr">
+                      <a:noFill/>
+                      <a:prstDash val="solid"/>
+                      <a:round/>
+                      <a:headEnd type="none" w="med" len="med"/>
+                      <a:tailEnd type="none" w="med" len="med"/>
+                    </a:lnR>
+                    <a:lnT w="12700" cap="flat" cmpd="sng" algn="ctr">
+                      <a:noFill/>
+                      <a:prstDash val="solid"/>
+                      <a:round/>
+                      <a:headEnd type="none" w="med" len="med"/>
+                      <a:tailEnd type="none" w="med" len="med"/>
+                    </a:lnT>
+                    <a:lnB w="12700" cap="flat" cmpd="sng" algn="ctr">
+                      <a:noFill/>
+                      <a:prstDash val="solid"/>
+                      <a:round/>
+                      <a:headEnd type="none" w="med" len="med"/>
+                      <a:tailEnd type="none" w="med" len="med"/>
+                    </a:lnB>
+                    <a:lnTlToBr w="12700" cmpd="sng">
+                      <a:noFill/>
+                      <a:prstDash val="solid"/>
+                    </a:lnTlToBr>
+                    <a:lnBlToTr w="12700" cmpd="sng">
+                      <a:noFill/>
+                      <a:prstDash val="solid"/>
+                    </a:lnBlToTr>
+                  </a:tcPr>
+                </a:tc>
+                <a:extLst>
+                  <a:ext uri="{0D108BD9-81ED-4DB2-BD59-A6C34878D82A}">
+                    <a16:rowId xmlns:a16="http://schemas.microsoft.com/office/drawing/2014/main" val="1492617219"/>
+                  </a:ext>
+                </a:extLst>
+              </a:tr>
+              <a:tr h="396976">
+                <a:tc>
+                  <a:txBody>
+                    <a:bodyPr/>
+                    <a:lstStyle/>
+                    <a:p>
+                      <a:pPr algn="ctr" latinLnBrk="1"/>
+                      <a:r>
+                        <a:rPr lang="en-US" altLang="ko-KR" sz="1200" b="1" dirty="0"/>
+                        <a:t>6</a:t>
+                      </a:r>
+                    </a:p>
+                  </a:txBody>
+                  <a:tcPr marL="81636" marR="81636" marT="40818" marB="40818" anchor="ctr" anchorCtr="1">
+                    <a:lnL w="12700" cap="flat" cmpd="sng" algn="ctr">
+                      <a:noFill/>
+                      <a:prstDash val="solid"/>
+                      <a:round/>
+                      <a:headEnd type="none" w="med" len="med"/>
+                      <a:tailEnd type="none" w="med" len="med"/>
+                    </a:lnL>
+                    <a:lnR w="12700" cap="flat" cmpd="sng" algn="ctr">
+                      <a:noFill/>
+                      <a:prstDash val="solid"/>
+                      <a:round/>
+                      <a:headEnd type="none" w="med" len="med"/>
+                      <a:tailEnd type="none" w="med" len="med"/>
+                    </a:lnR>
+                    <a:lnT w="12700" cap="flat" cmpd="sng" algn="ctr">
+                      <a:noFill/>
+                      <a:prstDash val="solid"/>
+                      <a:round/>
+                      <a:headEnd type="none" w="med" len="med"/>
+                      <a:tailEnd type="none" w="med" len="med"/>
+                    </a:lnT>
+                    <a:lnB w="12700" cap="flat" cmpd="sng" algn="ctr">
+                      <a:solidFill>
+                        <a:schemeClr val="tx1"/>
+                      </a:solidFill>
+                      <a:prstDash val="solid"/>
+                      <a:round/>
+                      <a:headEnd type="none" w="med" len="med"/>
+                      <a:tailEnd type="none" w="med" len="med"/>
+                    </a:lnB>
+                    <a:lnTlToBr w="12700" cmpd="sng">
+                      <a:noFill/>
+                      <a:prstDash val="solid"/>
+                    </a:lnTlToBr>
+                    <a:lnBlToTr w="12700" cmpd="sng">
+                      <a:noFill/>
+                      <a:prstDash val="solid"/>
+                    </a:lnBlToTr>
+                  </a:tcPr>
+                </a:tc>
+                <a:tc>
+                  <a:txBody>
+                    <a:bodyPr/>
+                    <a:lstStyle/>
+                    <a:p>
+                      <a:pPr algn="ctr" latinLnBrk="1"/>
+                      <a:r>
+                        <a:rPr lang="en-US" altLang="ko-KR" sz="1200" dirty="0"/>
+                        <a:t>n</a:t>
+                      </a:r>
+                      <a:endParaRPr lang="ko-KR" altLang="en-US" sz="1200" dirty="0"/>
+                    </a:p>
+                  </a:txBody>
+                  <a:tcPr marL="81636" marR="81636" marT="40818" marB="40818" anchor="ctr" anchorCtr="1">
+                    <a:lnL w="12700" cap="flat" cmpd="sng" algn="ctr">
+                      <a:noFill/>
+                      <a:prstDash val="solid"/>
+                      <a:round/>
+                      <a:headEnd type="none" w="med" len="med"/>
+                      <a:tailEnd type="none" w="med" len="med"/>
+                    </a:lnL>
+                    <a:lnR w="12700" cap="flat" cmpd="sng" algn="ctr">
+                      <a:noFill/>
+                      <a:prstDash val="solid"/>
+                      <a:round/>
+                      <a:headEnd type="none" w="med" len="med"/>
+                      <a:tailEnd type="none" w="med" len="med"/>
+                    </a:lnR>
+                    <a:lnT w="12700" cap="flat" cmpd="sng" algn="ctr">
+                      <a:noFill/>
+                      <a:prstDash val="solid"/>
+                      <a:round/>
+                      <a:headEnd type="none" w="med" len="med"/>
+                      <a:tailEnd type="none" w="med" len="med"/>
+                    </a:lnT>
+                    <a:lnB w="12700" cap="flat" cmpd="sng" algn="ctr">
+                      <a:solidFill>
+                        <a:schemeClr val="tx1"/>
+                      </a:solidFill>
+                      <a:prstDash val="solid"/>
+                      <a:round/>
+                      <a:headEnd type="none" w="med" len="med"/>
+                      <a:tailEnd type="none" w="med" len="med"/>
+                    </a:lnB>
+                    <a:lnTlToBr w="12700" cmpd="sng">
+                      <a:noFill/>
+                      <a:prstDash val="solid"/>
+                    </a:lnTlToBr>
+                    <a:lnBlToTr w="12700" cmpd="sng">
+                      <a:noFill/>
+                      <a:prstDash val="solid"/>
+                    </a:lnBlToTr>
+                  </a:tcPr>
+                </a:tc>
+                <a:extLst>
+                  <a:ext uri="{0D108BD9-81ED-4DB2-BD59-A6C34878D82A}">
+                    <a16:rowId xmlns:a16="http://schemas.microsoft.com/office/drawing/2014/main" val="2512852862"/>
+                  </a:ext>
+                </a:extLst>
+              </a:tr>
+            </a:tbl>
+          </a:graphicData>
+        </a:graphic>
+      </p:graphicFrame>
+      <p:graphicFrame>
+        <p:nvGraphicFramePr>
+          <p:cNvPr id="23" name="표 4">
+            <a:extLst>
+              <a:ext uri="{FF2B5EF4-FFF2-40B4-BE49-F238E27FC236}">
+                <a16:creationId xmlns:a16="http://schemas.microsoft.com/office/drawing/2014/main" id="{BFA78D39-2953-47EF-A280-E56578AE77A7}"/>
+              </a:ext>
+            </a:extLst>
+          </p:cNvPr>
+          <p:cNvGraphicFramePr>
+            <a:graphicFrameLocks noGrp="1"/>
+          </p:cNvGraphicFramePr>
+          <p:nvPr>
+            <p:extLst>
+              <p:ext uri="{D42A27DB-BD31-4B8C-83A1-F6EECF244321}">
+                <p14:modId xmlns:p14="http://schemas.microsoft.com/office/powerpoint/2010/main" val="1773651963"/>
+              </p:ext>
+            </p:extLst>
+          </p:nvPr>
+        </p:nvGraphicFramePr>
+        <p:xfrm>
+          <a:off x="9127647" y="2915248"/>
+          <a:ext cx="2361306" cy="2195764"/>
+        </p:xfrm>
+        <a:graphic>
+          <a:graphicData uri="http://schemas.openxmlformats.org/drawingml/2006/table">
+            <a:tbl>
+              <a:tblPr firstRow="1" bandRow="1">
+                <a:tableStyleId>{2D5ABB26-0587-4C30-8999-92F81FD0307C}</a:tableStyleId>
+              </a:tblPr>
+              <a:tblGrid>
+                <a:gridCol w="1180653">
+                  <a:extLst>
+                    <a:ext uri="{9D8B030D-6E8A-4147-A177-3AD203B41FA5}">
+                      <a16:colId xmlns:a16="http://schemas.microsoft.com/office/drawing/2014/main" val="2908245944"/>
+                    </a:ext>
+                  </a:extLst>
+                </a:gridCol>
+                <a:gridCol w="1180653">
+                  <a:extLst>
+                    <a:ext uri="{9D8B030D-6E8A-4147-A177-3AD203B41FA5}">
+                      <a16:colId xmlns:a16="http://schemas.microsoft.com/office/drawing/2014/main" val="2815417324"/>
+                    </a:ext>
+                  </a:extLst>
+                </a:gridCol>
+              </a:tblGrid>
+              <a:tr h="299798">
+                <a:tc>
+                  <a:txBody>
+                    <a:bodyPr/>
+                    <a:lstStyle/>
+                    <a:p>
+                      <a:pPr algn="ctr" latinLnBrk="1"/>
+                      <a:r>
+                        <a:rPr lang="en-US" altLang="ko-KR" sz="1200" b="1" dirty="0"/>
+                        <a:t>Time Step</a:t>
+                      </a:r>
+                      <a:endParaRPr lang="ko-KR" altLang="en-US" sz="1200" b="1" dirty="0"/>
+                    </a:p>
+                  </a:txBody>
+                  <a:tcPr marL="81636" marR="81636" marT="40818" marB="40818">
+                    <a:lnL w="12700" cap="flat" cmpd="sng" algn="ctr">
+                      <a:noFill/>
+                      <a:prstDash val="solid"/>
+                      <a:round/>
+                      <a:headEnd type="none" w="med" len="med"/>
+                      <a:tailEnd type="none" w="med" len="med"/>
+                    </a:lnL>
+                    <a:lnR w="12700" cap="flat" cmpd="sng" algn="ctr">
+                      <a:noFill/>
+                      <a:prstDash val="solid"/>
+                      <a:round/>
+                      <a:headEnd type="none" w="med" len="med"/>
+                      <a:tailEnd type="none" w="med" len="med"/>
+                    </a:lnR>
+                    <a:lnT w="12700" cap="flat" cmpd="sng" algn="ctr">
+                      <a:solidFill>
+                        <a:schemeClr val="tx1"/>
+                      </a:solidFill>
+                      <a:prstDash val="solid"/>
+                      <a:round/>
+                      <a:headEnd type="none" w="med" len="med"/>
+                      <a:tailEnd type="none" w="med" len="med"/>
+                    </a:lnT>
+                    <a:lnB w="12700" cap="flat" cmpd="sng" algn="ctr">
+                      <a:noFill/>
+                      <a:prstDash val="solid"/>
+                      <a:round/>
+                      <a:headEnd type="none" w="med" len="med"/>
+                      <a:tailEnd type="none" w="med" len="med"/>
+                    </a:lnB>
+                    <a:lnTlToBr w="12700" cmpd="sng">
+                      <a:noFill/>
+                      <a:prstDash val="solid"/>
+                    </a:lnTlToBr>
+                    <a:lnBlToTr w="12700" cmpd="sng">
+                      <a:noFill/>
+                      <a:prstDash val="solid"/>
+                    </a:lnBlToTr>
+                  </a:tcPr>
+                </a:tc>
+                <a:tc>
+                  <a:txBody>
+                    <a:bodyPr/>
+                    <a:lstStyle/>
+                    <a:p>
+                      <a:pPr algn="ctr" latinLnBrk="1"/>
+                      <a:r>
+                        <a:rPr lang="en-US" altLang="ko-KR" sz="1200" b="1" dirty="0"/>
+                        <a:t>Solar</a:t>
+                      </a:r>
+                      <a:endParaRPr lang="ko-KR" altLang="en-US" sz="1200" b="1" dirty="0"/>
+                    </a:p>
+                  </a:txBody>
+                  <a:tcPr marL="81636" marR="81636" marT="40818" marB="40818">
+                    <a:lnL w="12700" cap="flat" cmpd="sng" algn="ctr">
+                      <a:noFill/>
+                      <a:prstDash val="solid"/>
+                      <a:round/>
+                      <a:headEnd type="none" w="med" len="med"/>
+                      <a:tailEnd type="none" w="med" len="med"/>
+                    </a:lnL>
+                    <a:lnR w="12700" cap="flat" cmpd="sng" algn="ctr">
+                      <a:noFill/>
+                      <a:prstDash val="solid"/>
+                      <a:round/>
+                      <a:headEnd type="none" w="med" len="med"/>
+                      <a:tailEnd type="none" w="med" len="med"/>
+                    </a:lnR>
+                    <a:lnT w="12700" cap="flat" cmpd="sng" algn="ctr">
+                      <a:solidFill>
+                        <a:schemeClr val="tx1"/>
+                      </a:solidFill>
+                      <a:prstDash val="solid"/>
+                      <a:round/>
+                      <a:headEnd type="none" w="med" len="med"/>
+                      <a:tailEnd type="none" w="med" len="med"/>
+                    </a:lnT>
+                    <a:lnB w="12700" cap="flat" cmpd="sng" algn="ctr">
+                      <a:noFill/>
+                      <a:prstDash val="solid"/>
+                      <a:round/>
+                      <a:headEnd type="none" w="med" len="med"/>
+                      <a:tailEnd type="none" w="med" len="med"/>
+                    </a:lnB>
+                    <a:lnTlToBr w="12700" cmpd="sng">
+                      <a:noFill/>
+                      <a:prstDash val="solid"/>
+                    </a:lnTlToBr>
+                    <a:lnBlToTr w="12700" cmpd="sng">
+                      <a:noFill/>
+                      <a:prstDash val="solid"/>
+                    </a:lnBlToTr>
+                  </a:tcPr>
+                </a:tc>
+                <a:extLst>
+                  <a:ext uri="{0D108BD9-81ED-4DB2-BD59-A6C34878D82A}">
+                    <a16:rowId xmlns:a16="http://schemas.microsoft.com/office/drawing/2014/main" val="2251931345"/>
+                  </a:ext>
+                </a:extLst>
+              </a:tr>
+              <a:tr h="299798">
+                <a:tc>
+                  <a:txBody>
+                    <a:bodyPr/>
+                    <a:lstStyle/>
+                    <a:p>
+                      <a:pPr algn="ctr" latinLnBrk="1"/>
+                      <a:r>
+                        <a:rPr lang="en-US" altLang="ko-KR" sz="1200" b="1" dirty="0"/>
+                        <a:t>7</a:t>
+                      </a:r>
+                      <a:endParaRPr lang="ko-KR" altLang="en-US" sz="1200" b="1" dirty="0"/>
+                    </a:p>
+                  </a:txBody>
+                  <a:tcPr marL="81636" marR="81636" marT="40818" marB="40818" anchor="ctr" anchorCtr="1">
+                    <a:lnL w="12700" cap="flat" cmpd="sng" algn="ctr">
+                      <a:noFill/>
+                      <a:prstDash val="solid"/>
+                      <a:round/>
+                      <a:headEnd type="none" w="med" len="med"/>
+                      <a:tailEnd type="none" w="med" len="med"/>
+                    </a:lnL>
+                    <a:lnR w="12700" cap="flat" cmpd="sng" algn="ctr">
+                      <a:noFill/>
+                      <a:prstDash val="solid"/>
+                      <a:round/>
+                      <a:headEnd type="none" w="med" len="med"/>
+                      <a:tailEnd type="none" w="med" len="med"/>
+                    </a:lnR>
+                    <a:lnT w="12700" cap="flat" cmpd="sng" algn="ctr">
+                      <a:noFill/>
+                      <a:prstDash val="solid"/>
+                      <a:round/>
+                      <a:headEnd type="none" w="med" len="med"/>
+                      <a:tailEnd type="none" w="med" len="med"/>
+                    </a:lnT>
+                    <a:lnB w="12700" cap="flat" cmpd="sng" algn="ctr">
+                      <a:noFill/>
+                      <a:prstDash val="solid"/>
+                      <a:round/>
+                      <a:headEnd type="none" w="med" len="med"/>
+                      <a:tailEnd type="none" w="med" len="med"/>
+                    </a:lnB>
+                    <a:lnTlToBr w="12700" cmpd="sng">
+                      <a:noFill/>
+                      <a:prstDash val="solid"/>
+                    </a:lnTlToBr>
+                    <a:lnBlToTr w="12700" cmpd="sng">
+                      <a:noFill/>
+                      <a:prstDash val="solid"/>
+                    </a:lnBlToTr>
+                  </a:tcPr>
+                </a:tc>
+                <a:tc>
+                  <a:txBody>
+                    <a:bodyPr/>
+                    <a:lstStyle/>
+                    <a:p>
+                      <a:pPr algn="ctr" latinLnBrk="1"/>
+                      <a:r>
+                        <a:rPr lang="en-US" altLang="ko-KR" sz="1200" dirty="0"/>
+                        <a:t>n</a:t>
+                      </a:r>
+                      <a:endParaRPr lang="ko-KR" altLang="en-US" sz="1200" dirty="0"/>
+                    </a:p>
+                  </a:txBody>
+                  <a:tcPr marL="81636" marR="81636" marT="40818" marB="40818" anchor="ctr" anchorCtr="1">
+                    <a:lnL w="12700" cap="flat" cmpd="sng" algn="ctr">
+                      <a:noFill/>
+                      <a:prstDash val="solid"/>
+                      <a:round/>
+                      <a:headEnd type="none" w="med" len="med"/>
+                      <a:tailEnd type="none" w="med" len="med"/>
+                    </a:lnL>
+                    <a:lnR w="12700" cap="flat" cmpd="sng" algn="ctr">
+                      <a:noFill/>
+                      <a:prstDash val="solid"/>
+                      <a:round/>
+                      <a:headEnd type="none" w="med" len="med"/>
+                      <a:tailEnd type="none" w="med" len="med"/>
+                    </a:lnR>
+                    <a:lnT w="12700" cap="flat" cmpd="sng" algn="ctr">
+                      <a:noFill/>
+                      <a:prstDash val="solid"/>
+                      <a:round/>
+                      <a:headEnd type="none" w="med" len="med"/>
+                      <a:tailEnd type="none" w="med" len="med"/>
+                    </a:lnT>
+                    <a:lnB w="12700" cap="flat" cmpd="sng" algn="ctr">
+                      <a:noFill/>
+                      <a:prstDash val="solid"/>
+                      <a:round/>
+                      <a:headEnd type="none" w="med" len="med"/>
+                      <a:tailEnd type="none" w="med" len="med"/>
+                    </a:lnB>
+                    <a:lnTlToBr w="12700" cmpd="sng">
+                      <a:noFill/>
+                      <a:prstDash val="solid"/>
+                    </a:lnTlToBr>
+                    <a:lnBlToTr w="12700" cmpd="sng">
+                      <a:noFill/>
+                      <a:prstDash val="solid"/>
+                    </a:lnBlToTr>
+                  </a:tcPr>
+                </a:tc>
+                <a:extLst>
+                  <a:ext uri="{0D108BD9-81ED-4DB2-BD59-A6C34878D82A}">
+                    <a16:rowId xmlns:a16="http://schemas.microsoft.com/office/drawing/2014/main" val="3747585420"/>
+                  </a:ext>
+                </a:extLst>
+              </a:tr>
+              <a:tr h="299798">
+                <a:tc>
+                  <a:txBody>
+                    <a:bodyPr/>
+                    <a:lstStyle/>
+                    <a:p>
+                      <a:pPr algn="ctr" latinLnBrk="1"/>
+                      <a:r>
+                        <a:rPr lang="en-US" altLang="ko-KR" sz="1200" b="1" dirty="0"/>
+                        <a:t>8</a:t>
+                      </a:r>
+                      <a:endParaRPr lang="ko-KR" altLang="en-US" sz="1200" b="1" dirty="0"/>
+                    </a:p>
+                  </a:txBody>
+                  <a:tcPr marL="81636" marR="81636" marT="40818" marB="40818" anchor="ctr" anchorCtr="1">
+                    <a:lnL w="12700" cap="flat" cmpd="sng" algn="ctr">
+                      <a:noFill/>
+                      <a:prstDash val="solid"/>
+                      <a:round/>
+                      <a:headEnd type="none" w="med" len="med"/>
+                      <a:tailEnd type="none" w="med" len="med"/>
+                    </a:lnL>
+                    <a:lnR w="12700" cap="flat" cmpd="sng" algn="ctr">
+                      <a:noFill/>
+                      <a:prstDash val="solid"/>
+                      <a:round/>
+                      <a:headEnd type="none" w="med" len="med"/>
+                      <a:tailEnd type="none" w="med" len="med"/>
+                    </a:lnR>
+                    <a:lnT w="12700" cap="flat" cmpd="sng" algn="ctr">
+                      <a:noFill/>
+                      <a:prstDash val="solid"/>
+                      <a:round/>
+                      <a:headEnd type="none" w="med" len="med"/>
+                      <a:tailEnd type="none" w="med" len="med"/>
+                    </a:lnT>
+                    <a:lnB w="12700" cap="flat" cmpd="sng" algn="ctr">
+                      <a:noFill/>
+                      <a:prstDash val="solid"/>
+                      <a:round/>
+                      <a:headEnd type="none" w="med" len="med"/>
+                      <a:tailEnd type="none" w="med" len="med"/>
+                    </a:lnB>
+                    <a:lnTlToBr w="12700" cmpd="sng">
+                      <a:noFill/>
+                      <a:prstDash val="solid"/>
+                    </a:lnTlToBr>
+                    <a:lnBlToTr w="12700" cmpd="sng">
+                      <a:noFill/>
+                      <a:prstDash val="solid"/>
+                    </a:lnBlToTr>
+                  </a:tcPr>
+                </a:tc>
+                <a:tc>
+                  <a:txBody>
+                    <a:bodyPr/>
+                    <a:lstStyle/>
+                    <a:p>
+                      <a:pPr algn="ctr" latinLnBrk="1"/>
+                      <a:r>
+                        <a:rPr lang="en-US" altLang="ko-KR" sz="1200" dirty="0"/>
+                        <a:t>n</a:t>
+                      </a:r>
+                      <a:endParaRPr lang="ko-KR" altLang="en-US" sz="1200" dirty="0"/>
+                    </a:p>
+                  </a:txBody>
+                  <a:tcPr marL="81636" marR="81636" marT="40818" marB="40818" anchor="ctr" anchorCtr="1">
+                    <a:lnL w="12700" cap="flat" cmpd="sng" algn="ctr">
+                      <a:noFill/>
+                      <a:prstDash val="solid"/>
+                      <a:round/>
+                      <a:headEnd type="none" w="med" len="med"/>
+                      <a:tailEnd type="none" w="med" len="med"/>
+                    </a:lnL>
+                    <a:lnR w="12700" cap="flat" cmpd="sng" algn="ctr">
+                      <a:noFill/>
+                      <a:prstDash val="solid"/>
+                      <a:round/>
+                      <a:headEnd type="none" w="med" len="med"/>
+                      <a:tailEnd type="none" w="med" len="med"/>
+                    </a:lnR>
+                    <a:lnT w="12700" cap="flat" cmpd="sng" algn="ctr">
+                      <a:noFill/>
+                      <a:prstDash val="solid"/>
+                      <a:round/>
+                      <a:headEnd type="none" w="med" len="med"/>
+                      <a:tailEnd type="none" w="med" len="med"/>
+                    </a:lnT>
+                    <a:lnB w="12700" cap="flat" cmpd="sng" algn="ctr">
+                      <a:noFill/>
+                      <a:prstDash val="solid"/>
+                      <a:round/>
+                      <a:headEnd type="none" w="med" len="med"/>
+                      <a:tailEnd type="none" w="med" len="med"/>
+                    </a:lnB>
+                    <a:lnTlToBr w="12700" cmpd="sng">
+                      <a:noFill/>
+                      <a:prstDash val="solid"/>
+                    </a:lnTlToBr>
+                    <a:lnBlToTr w="12700" cmpd="sng">
+                      <a:noFill/>
+                      <a:prstDash val="solid"/>
+                    </a:lnBlToTr>
+                  </a:tcPr>
+                </a:tc>
+                <a:extLst>
+                  <a:ext uri="{0D108BD9-81ED-4DB2-BD59-A6C34878D82A}">
+                    <a16:rowId xmlns:a16="http://schemas.microsoft.com/office/drawing/2014/main" val="4075925882"/>
+                  </a:ext>
+                </a:extLst>
+              </a:tr>
+              <a:tr h="299798">
+                <a:tc>
+                  <a:txBody>
+                    <a:bodyPr/>
+                    <a:lstStyle/>
+                    <a:p>
+                      <a:pPr algn="ctr" latinLnBrk="1"/>
+                      <a:r>
+                        <a:rPr lang="en-US" altLang="ko-KR" sz="1200" b="1" dirty="0"/>
+                        <a:t>9</a:t>
+                      </a:r>
+                    </a:p>
+                  </a:txBody>
+                  <a:tcPr marL="81636" marR="81636" marT="40818" marB="40818" anchor="ctr" anchorCtr="1">
+                    <a:lnL w="12700" cap="flat" cmpd="sng" algn="ctr">
+                      <a:noFill/>
+                      <a:prstDash val="solid"/>
+                      <a:round/>
+                      <a:headEnd type="none" w="med" len="med"/>
+                      <a:tailEnd type="none" w="med" len="med"/>
+                    </a:lnL>
+                    <a:lnR w="12700" cap="flat" cmpd="sng" algn="ctr">
+                      <a:noFill/>
+                      <a:prstDash val="solid"/>
+                      <a:round/>
+                      <a:headEnd type="none" w="med" len="med"/>
+                      <a:tailEnd type="none" w="med" len="med"/>
+                    </a:lnR>
+                    <a:lnT w="12700" cap="flat" cmpd="sng" algn="ctr">
+                      <a:noFill/>
+                      <a:prstDash val="solid"/>
+                      <a:round/>
+                      <a:headEnd type="none" w="med" len="med"/>
+                      <a:tailEnd type="none" w="med" len="med"/>
+                    </a:lnT>
+                    <a:lnB w="12700" cap="flat" cmpd="sng" algn="ctr">
+                      <a:noFill/>
+                      <a:prstDash val="solid"/>
+                      <a:round/>
+                      <a:headEnd type="none" w="med" len="med"/>
+                      <a:tailEnd type="none" w="med" len="med"/>
+                    </a:lnB>
+                    <a:lnTlToBr w="12700" cmpd="sng">
+                      <a:noFill/>
+                      <a:prstDash val="solid"/>
+                    </a:lnTlToBr>
+                    <a:lnBlToTr w="12700" cmpd="sng">
+                      <a:noFill/>
+                      <a:prstDash val="solid"/>
+                    </a:lnBlToTr>
+                  </a:tcPr>
+                </a:tc>
+                <a:tc>
+                  <a:txBody>
+                    <a:bodyPr/>
+                    <a:lstStyle/>
+                    <a:p>
+                      <a:pPr algn="ctr" latinLnBrk="1"/>
+                      <a:r>
+                        <a:rPr lang="en-US" altLang="ko-KR" sz="1200" dirty="0"/>
+                        <a:t>n</a:t>
+                      </a:r>
+                      <a:endParaRPr lang="ko-KR" altLang="en-US" sz="1200" dirty="0"/>
+                    </a:p>
+                  </a:txBody>
+                  <a:tcPr marL="81636" marR="81636" marT="40818" marB="40818" anchor="ctr" anchorCtr="1">
+                    <a:lnL w="12700" cap="flat" cmpd="sng" algn="ctr">
+                      <a:noFill/>
+                      <a:prstDash val="solid"/>
+                      <a:round/>
+                      <a:headEnd type="none" w="med" len="med"/>
+                      <a:tailEnd type="none" w="med" len="med"/>
+                    </a:lnL>
+                    <a:lnR w="12700" cap="flat" cmpd="sng" algn="ctr">
+                      <a:noFill/>
+                      <a:prstDash val="solid"/>
+                      <a:round/>
+                      <a:headEnd type="none" w="med" len="med"/>
+                      <a:tailEnd type="none" w="med" len="med"/>
+                    </a:lnR>
+                    <a:lnT w="12700" cap="flat" cmpd="sng" algn="ctr">
+                      <a:noFill/>
+                      <a:prstDash val="solid"/>
+                      <a:round/>
+                      <a:headEnd type="none" w="med" len="med"/>
+                      <a:tailEnd type="none" w="med" len="med"/>
+                    </a:lnT>
+                    <a:lnB w="12700" cap="flat" cmpd="sng" algn="ctr">
+                      <a:noFill/>
+                      <a:prstDash val="solid"/>
+                      <a:round/>
+                      <a:headEnd type="none" w="med" len="med"/>
+                      <a:tailEnd type="none" w="med" len="med"/>
+                    </a:lnB>
+                    <a:lnTlToBr w="12700" cmpd="sng">
+                      <a:noFill/>
+                      <a:prstDash val="solid"/>
+                    </a:lnTlToBr>
+                    <a:lnBlToTr w="12700" cmpd="sng">
+                      <a:noFill/>
+                      <a:prstDash val="solid"/>
+                    </a:lnBlToTr>
+                  </a:tcPr>
+                </a:tc>
+                <a:extLst>
+                  <a:ext uri="{0D108BD9-81ED-4DB2-BD59-A6C34878D82A}">
+                    <a16:rowId xmlns:a16="http://schemas.microsoft.com/office/drawing/2014/main" val="2091766870"/>
+                  </a:ext>
+                </a:extLst>
+              </a:tr>
+              <a:tr h="299798">
+                <a:tc>
+                  <a:txBody>
+                    <a:bodyPr/>
+                    <a:lstStyle/>
+                    <a:p>
+                      <a:pPr algn="ctr" latinLnBrk="1"/>
+                      <a:r>
+                        <a:rPr lang="en-US" altLang="ko-KR" sz="1200" b="1" dirty="0"/>
+                        <a:t>10</a:t>
+                      </a:r>
+                      <a:endParaRPr lang="ko-KR" altLang="en-US" sz="1200" b="1" dirty="0"/>
+                    </a:p>
+                  </a:txBody>
+                  <a:tcPr marL="81636" marR="81636" marT="40818" marB="40818" anchor="ctr" anchorCtr="1">
+                    <a:lnL w="12700" cap="flat" cmpd="sng" algn="ctr">
+                      <a:noFill/>
+                      <a:prstDash val="solid"/>
+                      <a:round/>
+                      <a:headEnd type="none" w="med" len="med"/>
+                      <a:tailEnd type="none" w="med" len="med"/>
+                    </a:lnL>
+                    <a:lnR w="12700" cap="flat" cmpd="sng" algn="ctr">
+                      <a:noFill/>
+                      <a:prstDash val="solid"/>
+                      <a:round/>
+                      <a:headEnd type="none" w="med" len="med"/>
+                      <a:tailEnd type="none" w="med" len="med"/>
+                    </a:lnR>
+                    <a:lnT w="12700" cap="flat" cmpd="sng" algn="ctr">
+                      <a:noFill/>
+                      <a:prstDash val="solid"/>
+                      <a:round/>
+                      <a:headEnd type="none" w="med" len="med"/>
+                      <a:tailEnd type="none" w="med" len="med"/>
+                    </a:lnT>
+                    <a:lnB w="12700" cap="flat" cmpd="sng" algn="ctr">
+                      <a:noFill/>
+                      <a:prstDash val="solid"/>
+                      <a:round/>
+                      <a:headEnd type="none" w="med" len="med"/>
+                      <a:tailEnd type="none" w="med" len="med"/>
+                    </a:lnB>
+                    <a:lnTlToBr w="12700" cmpd="sng">
+                      <a:noFill/>
+                      <a:prstDash val="solid"/>
+                    </a:lnTlToBr>
+                    <a:lnBlToTr w="12700" cmpd="sng">
+                      <a:noFill/>
+                      <a:prstDash val="solid"/>
+                    </a:lnBlToTr>
+                  </a:tcPr>
+                </a:tc>
+                <a:tc>
+                  <a:txBody>
+                    <a:bodyPr/>
+                    <a:lstStyle/>
+                    <a:p>
+                      <a:pPr algn="ctr" latinLnBrk="1"/>
+                      <a:r>
+                        <a:rPr lang="en-US" altLang="ko-KR" sz="1200" dirty="0"/>
+                        <a:t>n</a:t>
+                      </a:r>
+                      <a:endParaRPr lang="ko-KR" altLang="en-US" sz="1200" dirty="0"/>
+                    </a:p>
+                  </a:txBody>
+                  <a:tcPr marL="81636" marR="81636" marT="40818" marB="40818" anchor="ctr" anchorCtr="1">
+                    <a:lnL w="12700" cap="flat" cmpd="sng" algn="ctr">
+                      <a:noFill/>
+                      <a:prstDash val="solid"/>
+                      <a:round/>
+                      <a:headEnd type="none" w="med" len="med"/>
+                      <a:tailEnd type="none" w="med" len="med"/>
+                    </a:lnL>
+                    <a:lnR w="12700" cap="flat" cmpd="sng" algn="ctr">
+                      <a:noFill/>
+                      <a:prstDash val="solid"/>
+                      <a:round/>
+                      <a:headEnd type="none" w="med" len="med"/>
+                      <a:tailEnd type="none" w="med" len="med"/>
+                    </a:lnR>
+                    <a:lnT w="12700" cap="flat" cmpd="sng" algn="ctr">
+                      <a:noFill/>
+                      <a:prstDash val="solid"/>
+                      <a:round/>
+                      <a:headEnd type="none" w="med" len="med"/>
+                      <a:tailEnd type="none" w="med" len="med"/>
+                    </a:lnT>
+                    <a:lnB w="12700" cap="flat" cmpd="sng" algn="ctr">
+                      <a:noFill/>
+                      <a:prstDash val="solid"/>
+                      <a:round/>
+                      <a:headEnd type="none" w="med" len="med"/>
+                      <a:tailEnd type="none" w="med" len="med"/>
+                    </a:lnB>
+                    <a:lnTlToBr w="12700" cmpd="sng">
+                      <a:noFill/>
+                      <a:prstDash val="solid"/>
+                    </a:lnTlToBr>
+                    <a:lnBlToTr w="12700" cmpd="sng">
+                      <a:noFill/>
+                      <a:prstDash val="solid"/>
+                    </a:lnBlToTr>
+                  </a:tcPr>
+                </a:tc>
+                <a:extLst>
+                  <a:ext uri="{0D108BD9-81ED-4DB2-BD59-A6C34878D82A}">
+                    <a16:rowId xmlns:a16="http://schemas.microsoft.com/office/drawing/2014/main" val="177731844"/>
+                  </a:ext>
+                </a:extLst>
+              </a:tr>
+              <a:tr h="299798">
+                <a:tc>
+                  <a:txBody>
+                    <a:bodyPr/>
+                    <a:lstStyle/>
+                    <a:p>
+                      <a:pPr algn="ctr" latinLnBrk="1"/>
+                      <a:r>
+                        <a:rPr lang="en-US" altLang="ko-KR" sz="1200" b="1" dirty="0"/>
+                        <a:t>11</a:t>
+                      </a:r>
+                      <a:endParaRPr lang="ko-KR" altLang="en-US" sz="1200" b="1" dirty="0"/>
+                    </a:p>
+                  </a:txBody>
+                  <a:tcPr marL="81636" marR="81636" marT="40818" marB="40818" anchor="ctr" anchorCtr="1">
+                    <a:lnL w="12700" cap="flat" cmpd="sng" algn="ctr">
+                      <a:noFill/>
+                      <a:prstDash val="solid"/>
+                      <a:round/>
+                      <a:headEnd type="none" w="med" len="med"/>
+                      <a:tailEnd type="none" w="med" len="med"/>
+                    </a:lnL>
+                    <a:lnR w="12700" cap="flat" cmpd="sng" algn="ctr">
+                      <a:noFill/>
+                      <a:prstDash val="solid"/>
+                      <a:round/>
+                      <a:headEnd type="none" w="med" len="med"/>
+                      <a:tailEnd type="none" w="med" len="med"/>
+                    </a:lnR>
+                    <a:lnT w="12700" cap="flat" cmpd="sng" algn="ctr">
+                      <a:noFill/>
+                      <a:prstDash val="solid"/>
+                      <a:round/>
+                      <a:headEnd type="none" w="med" len="med"/>
+                      <a:tailEnd type="none" w="med" len="med"/>
+                    </a:lnT>
+                    <a:lnB w="12700" cap="flat" cmpd="sng" algn="ctr">
+                      <a:noFill/>
+                      <a:prstDash val="solid"/>
+                      <a:round/>
+                      <a:headEnd type="none" w="med" len="med"/>
+                      <a:tailEnd type="none" w="med" len="med"/>
+                    </a:lnB>
+                    <a:lnTlToBr w="12700" cmpd="sng">
+                      <a:noFill/>
+                      <a:prstDash val="solid"/>
+                    </a:lnTlToBr>
+                    <a:lnBlToTr w="12700" cmpd="sng">
+                      <a:noFill/>
+                      <a:prstDash val="solid"/>
+                    </a:lnBlToTr>
+                  </a:tcPr>
+                </a:tc>
+                <a:tc>
+                  <a:txBody>
+                    <a:bodyPr/>
+                    <a:lstStyle/>
+                    <a:p>
+                      <a:pPr algn="ctr" latinLnBrk="1"/>
+                      <a:r>
+                        <a:rPr lang="en-US" altLang="ko-KR" sz="1200" dirty="0"/>
+                        <a:t>n</a:t>
+                      </a:r>
+                      <a:endParaRPr lang="ko-KR" altLang="en-US" sz="1200" dirty="0"/>
+                    </a:p>
+                  </a:txBody>
+                  <a:tcPr marL="81636" marR="81636" marT="40818" marB="40818" anchor="ctr" anchorCtr="1">
+                    <a:lnL w="12700" cap="flat" cmpd="sng" algn="ctr">
+                      <a:noFill/>
+                      <a:prstDash val="solid"/>
+                      <a:round/>
+                      <a:headEnd type="none" w="med" len="med"/>
+                      <a:tailEnd type="none" w="med" len="med"/>
+                    </a:lnL>
+                    <a:lnR w="12700" cap="flat" cmpd="sng" algn="ctr">
+                      <a:noFill/>
+                      <a:prstDash val="solid"/>
+                      <a:round/>
+                      <a:headEnd type="none" w="med" len="med"/>
+                      <a:tailEnd type="none" w="med" len="med"/>
+                    </a:lnR>
+                    <a:lnT w="12700" cap="flat" cmpd="sng" algn="ctr">
+                      <a:noFill/>
+                      <a:prstDash val="solid"/>
+                      <a:round/>
+                      <a:headEnd type="none" w="med" len="med"/>
+                      <a:tailEnd type="none" w="med" len="med"/>
+                    </a:lnT>
+                    <a:lnB w="12700" cap="flat" cmpd="sng" algn="ctr">
+                      <a:noFill/>
+                      <a:prstDash val="solid"/>
+                      <a:round/>
+                      <a:headEnd type="none" w="med" len="med"/>
+                      <a:tailEnd type="none" w="med" len="med"/>
+                    </a:lnB>
+                    <a:lnTlToBr w="12700" cmpd="sng">
+                      <a:noFill/>
+                      <a:prstDash val="solid"/>
+                    </a:lnTlToBr>
+                    <a:lnBlToTr w="12700" cmpd="sng">
+                      <a:noFill/>
+                      <a:prstDash val="solid"/>
+                    </a:lnBlToTr>
+                  </a:tcPr>
+                </a:tc>
+                <a:extLst>
+                  <a:ext uri="{0D108BD9-81ED-4DB2-BD59-A6C34878D82A}">
+                    <a16:rowId xmlns:a16="http://schemas.microsoft.com/office/drawing/2014/main" val="1492617219"/>
+                  </a:ext>
+                </a:extLst>
+              </a:tr>
+              <a:tr h="396976">
+                <a:tc>
+                  <a:txBody>
+                    <a:bodyPr/>
+                    <a:lstStyle/>
+                    <a:p>
+                      <a:pPr algn="ctr" latinLnBrk="1"/>
+                      <a:endParaRPr lang="en-US" altLang="ko-KR" sz="1200" dirty="0"/>
+                    </a:p>
+                  </a:txBody>
+                  <a:tcPr marL="81636" marR="81636" marT="40818" marB="40818" anchor="ctr" anchorCtr="1">
+                    <a:lnL w="12700" cap="flat" cmpd="sng" algn="ctr">
+                      <a:noFill/>
+                      <a:prstDash val="solid"/>
+                      <a:round/>
+                      <a:headEnd type="none" w="med" len="med"/>
+                      <a:tailEnd type="none" w="med" len="med"/>
+                    </a:lnL>
+                    <a:lnR w="12700" cap="flat" cmpd="sng" algn="ctr">
+                      <a:noFill/>
+                      <a:prstDash val="solid"/>
+                      <a:round/>
+                      <a:headEnd type="none" w="med" len="med"/>
+                      <a:tailEnd type="none" w="med" len="med"/>
+                    </a:lnR>
+                    <a:lnT w="12700" cap="flat" cmpd="sng" algn="ctr">
+                      <a:noFill/>
+                      <a:prstDash val="solid"/>
+                      <a:round/>
+                      <a:headEnd type="none" w="med" len="med"/>
+                      <a:tailEnd type="none" w="med" len="med"/>
+                    </a:lnT>
+                    <a:lnB w="12700" cap="flat" cmpd="sng" algn="ctr">
+                      <a:solidFill>
+                        <a:schemeClr val="tx1"/>
+                      </a:solidFill>
+                      <a:prstDash val="solid"/>
+                      <a:round/>
+                      <a:headEnd type="none" w="med" len="med"/>
+                      <a:tailEnd type="none" w="med" len="med"/>
+                    </a:lnB>
+                    <a:lnTlToBr w="12700" cmpd="sng">
+                      <a:noFill/>
+                      <a:prstDash val="solid"/>
+                    </a:lnTlToBr>
+                    <a:lnBlToTr w="12700" cmpd="sng">
+                      <a:noFill/>
+                      <a:prstDash val="solid"/>
+                    </a:lnBlToTr>
+                  </a:tcPr>
+                </a:tc>
+                <a:tc>
+                  <a:txBody>
+                    <a:bodyPr/>
+                    <a:lstStyle/>
+                    <a:p>
+                      <a:pPr algn="ctr" latinLnBrk="1"/>
+                      <a:endParaRPr lang="ko-KR" altLang="en-US" sz="1200" dirty="0"/>
+                    </a:p>
+                  </a:txBody>
+                  <a:tcPr marL="81636" marR="81636" marT="40818" marB="40818" anchor="ctr" anchorCtr="1">
+                    <a:lnL w="12700" cap="flat" cmpd="sng" algn="ctr">
+                      <a:noFill/>
+                      <a:prstDash val="solid"/>
+                      <a:round/>
+                      <a:headEnd type="none" w="med" len="med"/>
+                      <a:tailEnd type="none" w="med" len="med"/>
+                    </a:lnL>
+                    <a:lnR w="12700" cap="flat" cmpd="sng" algn="ctr">
+                      <a:noFill/>
+                      <a:prstDash val="solid"/>
+                      <a:round/>
+                      <a:headEnd type="none" w="med" len="med"/>
+                      <a:tailEnd type="none" w="med" len="med"/>
+                    </a:lnR>
+                    <a:lnT w="12700" cap="flat" cmpd="sng" algn="ctr">
+                      <a:noFill/>
+                      <a:prstDash val="solid"/>
+                      <a:round/>
+                      <a:headEnd type="none" w="med" len="med"/>
+                      <a:tailEnd type="none" w="med" len="med"/>
+                    </a:lnT>
+                    <a:lnB w="12700" cap="flat" cmpd="sng" algn="ctr">
+                      <a:solidFill>
+                        <a:schemeClr val="tx1"/>
+                      </a:solidFill>
+                      <a:prstDash val="solid"/>
+                      <a:round/>
+                      <a:headEnd type="none" w="med" len="med"/>
+                      <a:tailEnd type="none" w="med" len="med"/>
+                    </a:lnB>
+                    <a:lnTlToBr w="12700" cmpd="sng">
+                      <a:noFill/>
+                      <a:prstDash val="solid"/>
+                    </a:lnTlToBr>
+                    <a:lnBlToTr w="12700" cmpd="sng">
+                      <a:noFill/>
+                      <a:prstDash val="solid"/>
+                    </a:lnBlToTr>
+                  </a:tcPr>
+                </a:tc>
+                <a:extLst>
+                  <a:ext uri="{0D108BD9-81ED-4DB2-BD59-A6C34878D82A}">
+                    <a16:rowId xmlns:a16="http://schemas.microsoft.com/office/drawing/2014/main" val="2512852862"/>
+                  </a:ext>
+                </a:extLst>
+              </a:tr>
+            </a:tbl>
+          </a:graphicData>
+        </a:graphic>
+      </p:graphicFrame>
+      <p:sp>
+        <p:nvSpPr>
+          <p:cNvPr id="27" name="TextBox 26">
+            <a:extLst>
+              <a:ext uri="{FF2B5EF4-FFF2-40B4-BE49-F238E27FC236}">
+                <a16:creationId xmlns:a16="http://schemas.microsoft.com/office/drawing/2014/main" id="{CF203CCC-AE98-46CF-9FD1-33B93452DA8C}"/>
+              </a:ext>
+            </a:extLst>
+          </p:cNvPr>
+          <p:cNvSpPr txBox="1"/>
+          <p:nvPr/>
+        </p:nvSpPr>
+        <p:spPr>
+          <a:xfrm>
+            <a:off x="8208204" y="2458252"/>
+            <a:ext cx="2361306" cy="338554"/>
+          </a:xfrm>
+          <a:prstGeom prst="rect">
+            <a:avLst/>
+          </a:prstGeom>
+          <a:noFill/>
+        </p:spPr>
+        <p:txBody>
+          <a:bodyPr wrap="square" rtlCol="0">
+            <a:spAutoFit/>
+          </a:bodyPr>
+          <a:lstStyle/>
+          <a:p>
+            <a:r>
+              <a:rPr lang="ko-KR" altLang="en-US" sz="1600" b="1" dirty="0" err="1"/>
+              <a:t>실제값과</a:t>
+            </a:r>
+            <a:r>
+              <a:rPr lang="ko-KR" altLang="en-US" sz="1600" b="1" dirty="0"/>
+              <a:t> </a:t>
+            </a:r>
+            <a:r>
+              <a:rPr lang="ko-KR" altLang="en-US" sz="1600" b="1" dirty="0" err="1"/>
+              <a:t>예측값의</a:t>
+            </a:r>
+            <a:r>
+              <a:rPr lang="ko-KR" altLang="en-US" sz="1600" b="1" dirty="0"/>
+              <a:t> 차이</a:t>
+            </a:r>
+          </a:p>
+        </p:txBody>
+      </p:sp>
+    </p:spTree>
+    <p:extLst>
+      <p:ext uri="{BB962C8B-B14F-4D97-AF65-F5344CB8AC3E}">
+        <p14:creationId xmlns:p14="http://schemas.microsoft.com/office/powerpoint/2010/main" val="4077995458"/>
       </p:ext>
     </p:extLst>
   </p:cSld>
@@ -7945,20 +10018,14 @@
               <a:defRPr/>
             </a:pPr>
             <a:r>
-              <a:rPr kumimoji="0" lang="ko-KR" altLang="en-US" sz="3200" b="1" i="0" u="none" strike="noStrike" kern="0" cap="none" spc="-25" normalizeH="0" baseline="0" noProof="0" dirty="0">
-                <a:ln>
-                  <a:noFill/>
-                </a:ln>
+              <a:rPr lang="ko-KR" altLang="en-US" sz="3200" kern="0" spc="-25" dirty="0">
                 <a:solidFill>
                   <a:srgbClr val="001F60"/>
                 </a:solidFill>
-                <a:effectLst/>
-                <a:uLnTx/>
-                <a:uFillTx/>
                 <a:latin typeface="맑은 고딕" panose="020B0503020000020004" pitchFamily="50" charset="-127"/>
                 <a:ea typeface="맑은 고딕" panose="020B0503020000020004" pitchFamily="50" charset="-127"/>
               </a:rPr>
-              <a:t>실험 및 결과 </a:t>
+              <a:t>결론 및 향후 연구</a:t>
             </a:r>
             <a:endParaRPr kumimoji="0" lang="ko-KR" altLang="en-US" sz="3200" b="1" i="0" u="none" strike="noStrike" kern="0" cap="none" spc="0" normalizeH="0" baseline="0" noProof="0" dirty="0">
               <a:ln>
@@ -8074,7 +10141,7 @@
         <p:spPr>
           <a:xfrm>
             <a:off x="508990" y="1263396"/>
-            <a:ext cx="11275060" cy="425116"/>
+            <a:ext cx="11275060" cy="3318537"/>
           </a:xfrm>
           <a:prstGeom prst="rect">
             <a:avLst/>
@@ -8087,6 +10154,9 @@
           <a:lstStyle/>
           <a:p>
             <a:pPr marL="355600" indent="-342900" latinLnBrk="0">
+              <a:lnSpc>
+                <a:spcPct val="150000"/>
+              </a:lnSpc>
               <a:spcBef>
                 <a:spcPts val="915"/>
               </a:spcBef>
@@ -8094,371 +10164,26 @@
               <a:buChar char="§"/>
             </a:pPr>
             <a:r>
-              <a:rPr lang="ko-KR" altLang="en-US" sz="2000" b="1" kern="0" dirty="0">
+              <a:rPr lang="ko-KR" altLang="en-US" kern="0" dirty="0">
                 <a:solidFill>
                   <a:sysClr val="windowText" lastClr="000000"/>
                 </a:solidFill>
                 <a:cs typeface="Malgun Gothic"/>
               </a:rPr>
-              <a:t>기계 학습 기반의 일사량 예측 모델의 예측 정확성 비교</a:t>
-            </a:r>
-            <a:endParaRPr lang="en-US" altLang="ko-KR" sz="2000" kern="0" dirty="0">
+              <a:t>본 논문은 예측하고자 하는 지역의 일사량 정보가 부족할지라도 이를 보완할 수 있는 전이학습 기반의 다단계 일사량 예측 모델을 제안함</a:t>
+            </a:r>
+            <a:endParaRPr lang="en-US" altLang="ko-KR" kern="0" dirty="0">
               <a:solidFill>
                 <a:sysClr val="windowText" lastClr="000000"/>
               </a:solidFill>
               <a:cs typeface="Malgun Gothic"/>
             </a:endParaRPr>
           </a:p>
-        </p:txBody>
-      </p:sp>
-      <p:pic>
-        <p:nvPicPr>
-          <p:cNvPr id="2" name="그림 1">
-            <a:extLst>
-              <a:ext uri="{FF2B5EF4-FFF2-40B4-BE49-F238E27FC236}">
-                <a16:creationId xmlns:a16="http://schemas.microsoft.com/office/drawing/2014/main" id="{1B7455D9-43A2-4EEB-8BFF-497E80E50479}"/>
-              </a:ext>
-            </a:extLst>
-          </p:cNvPr>
-          <p:cNvPicPr>
-            <a:picLocks noChangeAspect="1"/>
-          </p:cNvPicPr>
-          <p:nvPr/>
-        </p:nvPicPr>
-        <p:blipFill>
-          <a:blip r:embed="rId2"/>
-          <a:stretch>
-            <a:fillRect/>
-          </a:stretch>
-        </p:blipFill>
-        <p:spPr>
-          <a:xfrm>
-            <a:off x="1232818" y="2254691"/>
-            <a:ext cx="9827403" cy="3038996"/>
-          </a:xfrm>
-          <a:prstGeom prst="rect">
-            <a:avLst/>
-          </a:prstGeom>
-        </p:spPr>
-      </p:pic>
-      <p:grpSp>
-        <p:nvGrpSpPr>
-          <p:cNvPr id="8" name="그룹 7">
-            <a:extLst>
-              <a:ext uri="{FF2B5EF4-FFF2-40B4-BE49-F238E27FC236}">
-                <a16:creationId xmlns:a16="http://schemas.microsoft.com/office/drawing/2014/main" id="{668E7250-425D-4CBF-A95B-0548D9813C21}"/>
-              </a:ext>
-            </a:extLst>
-          </p:cNvPr>
-          <p:cNvGrpSpPr/>
-          <p:nvPr/>
-        </p:nvGrpSpPr>
-        <p:grpSpPr>
-          <a:xfrm>
-            <a:off x="9250532" y="6219306"/>
-            <a:ext cx="2776842" cy="457642"/>
-            <a:chOff x="8473734" y="6091284"/>
-            <a:chExt cx="3553640" cy="585664"/>
-          </a:xfrm>
-        </p:grpSpPr>
-        <p:pic>
-          <p:nvPicPr>
-            <p:cNvPr id="12" name="그림 11">
-              <a:extLst>
-                <a:ext uri="{FF2B5EF4-FFF2-40B4-BE49-F238E27FC236}">
-                  <a16:creationId xmlns:a16="http://schemas.microsoft.com/office/drawing/2014/main" id="{4E57D731-B0D9-425E-8A4F-A0DD4C73FD0C}"/>
-                </a:ext>
-              </a:extLst>
-            </p:cNvPr>
-            <p:cNvPicPr>
-              <a:picLocks noChangeAspect="1"/>
-            </p:cNvPicPr>
-            <p:nvPr/>
-          </p:nvPicPr>
-          <p:blipFill rotWithShape="1">
-            <a:blip r:embed="rId3">
-              <a:extLst>
-                <a:ext uri="{28A0092B-C50C-407E-A947-70E740481C1C}">
-                  <a14:useLocalDpi xmlns:a14="http://schemas.microsoft.com/office/drawing/2010/main" val="0"/>
-                </a:ext>
-              </a:extLst>
-            </a:blip>
-            <a:srcRect l="74535" t="3851" r="5686" b="50143"/>
-            <a:stretch/>
-          </p:blipFill>
-          <p:spPr>
-            <a:xfrm>
-              <a:off x="8473734" y="6091284"/>
-              <a:ext cx="1353669" cy="585664"/>
-            </a:xfrm>
-            <a:prstGeom prst="rect">
-              <a:avLst/>
-            </a:prstGeom>
-          </p:spPr>
-        </p:pic>
-        <p:pic>
-          <p:nvPicPr>
-            <p:cNvPr id="13" name="그림 12">
-              <a:extLst>
-                <a:ext uri="{FF2B5EF4-FFF2-40B4-BE49-F238E27FC236}">
-                  <a16:creationId xmlns:a16="http://schemas.microsoft.com/office/drawing/2014/main" id="{9CC09A94-CBA7-490A-B493-28422FEB0DEC}"/>
-                </a:ext>
-              </a:extLst>
-            </p:cNvPr>
-            <p:cNvPicPr>
-              <a:picLocks noChangeAspect="1"/>
-            </p:cNvPicPr>
-            <p:nvPr/>
-          </p:nvPicPr>
-          <p:blipFill>
-            <a:blip r:embed="rId4" cstate="hqprint">
-              <a:extLst>
-                <a:ext uri="{28A0092B-C50C-407E-A947-70E740481C1C}">
-                  <a14:useLocalDpi xmlns:a14="http://schemas.microsoft.com/office/drawing/2010/main" val="0"/>
-                </a:ext>
-              </a:extLst>
-            </a:blip>
-            <a:stretch>
-              <a:fillRect/>
-            </a:stretch>
-          </p:blipFill>
-          <p:spPr>
-            <a:xfrm>
-              <a:off x="9827403" y="6172124"/>
-              <a:ext cx="2199971" cy="423985"/>
-            </a:xfrm>
-            <a:prstGeom prst="rect">
-              <a:avLst/>
-            </a:prstGeom>
-          </p:spPr>
-        </p:pic>
-      </p:grpSp>
-    </p:spTree>
-    <p:extLst>
-      <p:ext uri="{BB962C8B-B14F-4D97-AF65-F5344CB8AC3E}">
-        <p14:creationId xmlns:p14="http://schemas.microsoft.com/office/powerpoint/2010/main" val="4077995458"/>
-      </p:ext>
-    </p:extLst>
-  </p:cSld>
-  <p:clrMapOvr>
-    <a:masterClrMapping/>
-  </p:clrMapOvr>
-</p:sld>
-</file>
-
-<file path=ppt/slides/slide15.xml><?xml version="1.0" encoding="utf-8"?>
-<p:sld xmlns:a="http://schemas.openxmlformats.org/drawingml/2006/main" xmlns:r="http://schemas.openxmlformats.org/officeDocument/2006/relationships" xmlns:p="http://schemas.openxmlformats.org/presentationml/2006/main">
-  <p:cSld>
-    <p:spTree>
-      <p:nvGrpSpPr>
-        <p:cNvPr id="1" name=""/>
-        <p:cNvGrpSpPr/>
-        <p:nvPr/>
-      </p:nvGrpSpPr>
-      <p:grpSpPr>
-        <a:xfrm>
-          <a:off x="0" y="0"/>
-          <a:ext cx="0" cy="0"/>
-          <a:chOff x="0" y="0"/>
-          <a:chExt cx="0" cy="0"/>
-        </a:xfrm>
-      </p:grpSpPr>
-      <p:sp>
-        <p:nvSpPr>
-          <p:cNvPr id="9" name="object 2">
-            <a:extLst>
-              <a:ext uri="{FF2B5EF4-FFF2-40B4-BE49-F238E27FC236}">
-                <a16:creationId xmlns:a16="http://schemas.microsoft.com/office/drawing/2014/main" id="{6D7BD600-30F6-4170-B80C-852A785CE1AD}"/>
-              </a:ext>
-            </a:extLst>
-          </p:cNvPr>
-          <p:cNvSpPr txBox="1">
-            <a:spLocks/>
-          </p:cNvSpPr>
-          <p:nvPr/>
-        </p:nvSpPr>
-        <p:spPr>
-          <a:xfrm>
-            <a:off x="492575" y="391668"/>
-            <a:ext cx="3965125" cy="505267"/>
-          </a:xfrm>
-          <a:prstGeom prst="rect">
-            <a:avLst/>
-          </a:prstGeom>
-        </p:spPr>
-        <p:txBody>
-          <a:bodyPr vert="horz" wrap="square" lIns="0" tIns="12700" rIns="0" bIns="0" rtlCol="0">
-            <a:spAutoFit/>
-          </a:bodyPr>
-          <a:lstStyle>
-            <a:lvl1pPr>
-              <a:defRPr sz="3600" b="1" i="0">
-                <a:solidFill>
-                  <a:schemeClr val="tx1"/>
-                </a:solidFill>
-                <a:latin typeface="Malgun Gothic"/>
-                <a:ea typeface="+mj-ea"/>
-                <a:cs typeface="Malgun Gothic"/>
-              </a:defRPr>
-            </a:lvl1pPr>
-          </a:lstStyle>
-          <a:p>
-            <a:pPr marL="12700" marR="0" lvl="0" indent="0" defTabSz="914400" eaLnBrk="1" fontAlgn="auto" latinLnBrk="0" hangingPunct="1">
+          <a:p>
+            <a:pPr marL="355600" indent="-342900" latinLnBrk="0">
               <a:lnSpc>
-                <a:spcPct val="100000"/>
+                <a:spcPct val="150000"/>
               </a:lnSpc>
-              <a:spcBef>
-                <a:spcPts val="100"/>
-              </a:spcBef>
-              <a:spcAft>
-                <a:spcPts val="0"/>
-              </a:spcAft>
-              <a:buClrTx/>
-              <a:buSzTx/>
-              <a:buFontTx/>
-              <a:buNone/>
-              <a:tabLst>
-                <a:tab pos="967740" algn="l"/>
-              </a:tabLst>
-              <a:defRPr/>
-            </a:pPr>
-            <a:r>
-              <a:rPr lang="ko-KR" altLang="en-US" sz="3200" kern="0" spc="-25" dirty="0">
-                <a:solidFill>
-                  <a:srgbClr val="001F60"/>
-                </a:solidFill>
-                <a:latin typeface="맑은 고딕" panose="020B0503020000020004" pitchFamily="50" charset="-127"/>
-                <a:ea typeface="맑은 고딕" panose="020B0503020000020004" pitchFamily="50" charset="-127"/>
-              </a:rPr>
-              <a:t>실험 결과 </a:t>
-            </a:r>
-            <a:endParaRPr kumimoji="0" lang="ko-KR" altLang="en-US" sz="3200" b="1" i="0" u="none" strike="noStrike" kern="0" cap="none" spc="0" normalizeH="0" baseline="0" noProof="0" dirty="0">
-              <a:ln>
-                <a:noFill/>
-              </a:ln>
-              <a:solidFill>
-                <a:sysClr val="windowText" lastClr="000000"/>
-              </a:solidFill>
-              <a:effectLst/>
-              <a:uLnTx/>
-              <a:uFillTx/>
-              <a:latin typeface="Malgun Gothic"/>
-              <a:ea typeface="맑은 고딕" panose="020B0503020000020004" pitchFamily="50" charset="-127"/>
-            </a:endParaRPr>
-          </a:p>
-        </p:txBody>
-      </p:sp>
-      <p:sp>
-        <p:nvSpPr>
-          <p:cNvPr id="10" name="object 6">
-            <a:extLst>
-              <a:ext uri="{FF2B5EF4-FFF2-40B4-BE49-F238E27FC236}">
-                <a16:creationId xmlns:a16="http://schemas.microsoft.com/office/drawing/2014/main" id="{8B966E05-EAAB-445B-8CC8-46645EBDF559}"/>
-              </a:ext>
-            </a:extLst>
-          </p:cNvPr>
-          <p:cNvSpPr/>
-          <p:nvPr/>
-        </p:nvSpPr>
-        <p:spPr>
-          <a:xfrm>
-            <a:off x="430250" y="985061"/>
-            <a:ext cx="11353800" cy="45720"/>
-          </a:xfrm>
-          <a:custGeom>
-            <a:avLst/>
-            <a:gdLst/>
-            <a:ahLst/>
-            <a:cxnLst/>
-            <a:rect l="l" t="t" r="r" b="b"/>
-            <a:pathLst>
-              <a:path w="11353800" h="45719">
-                <a:moveTo>
-                  <a:pt x="11353800" y="0"/>
-                </a:moveTo>
-                <a:lnTo>
-                  <a:pt x="0" y="0"/>
-                </a:lnTo>
-                <a:lnTo>
-                  <a:pt x="0" y="45718"/>
-                </a:lnTo>
-                <a:lnTo>
-                  <a:pt x="11353800" y="45718"/>
-                </a:lnTo>
-                <a:lnTo>
-                  <a:pt x="11353800" y="0"/>
-                </a:lnTo>
-                <a:close/>
-              </a:path>
-            </a:pathLst>
-          </a:custGeom>
-          <a:solidFill>
-            <a:srgbClr val="0C3F8B"/>
-          </a:solidFill>
-        </p:spPr>
-        <p:txBody>
-          <a:bodyPr wrap="square" lIns="0" tIns="0" rIns="0" bIns="0" rtlCol="0"/>
-          <a:lstStyle/>
-          <a:p>
-            <a:pPr marL="0" marR="0" lvl="0" indent="0" defTabSz="914400" eaLnBrk="1" fontAlgn="auto" latinLnBrk="0" hangingPunct="1">
-              <a:lnSpc>
-                <a:spcPct val="100000"/>
-              </a:lnSpc>
-              <a:spcBef>
-                <a:spcPts val="0"/>
-              </a:spcBef>
-              <a:spcAft>
-                <a:spcPts val="0"/>
-              </a:spcAft>
-              <a:buClrTx/>
-              <a:buSzTx/>
-              <a:buFontTx/>
-              <a:buNone/>
-              <a:tabLst/>
-              <a:defRPr/>
-            </a:pPr>
-            <a:endParaRPr kumimoji="0" sz="1800" b="0" i="0" u="none" strike="noStrike" kern="0" cap="none" spc="0" normalizeH="0" baseline="0" noProof="0">
-              <a:ln>
-                <a:noFill/>
-              </a:ln>
-              <a:solidFill>
-                <a:sysClr val="windowText" lastClr="000000"/>
-              </a:solidFill>
-              <a:effectLst/>
-              <a:uLnTx/>
-              <a:uFillTx/>
-            </a:endParaRPr>
-          </a:p>
-        </p:txBody>
-      </p:sp>
-      <p:sp>
-        <p:nvSpPr>
-          <p:cNvPr id="11" name="object 3">
-            <a:extLst>
-              <a:ext uri="{FF2B5EF4-FFF2-40B4-BE49-F238E27FC236}">
-                <a16:creationId xmlns:a16="http://schemas.microsoft.com/office/drawing/2014/main" id="{04B1BFFB-7036-4650-B5BA-6C2A99C6E376}"/>
-              </a:ext>
-            </a:extLst>
-          </p:cNvPr>
-          <p:cNvSpPr txBox="1"/>
-          <p:nvPr/>
-        </p:nvSpPr>
-        <p:spPr>
-          <a:xfrm>
-            <a:off x="508990" y="1263396"/>
-            <a:ext cx="11275060" cy="848309"/>
-          </a:xfrm>
-          <a:prstGeom prst="rect">
-            <a:avLst/>
-          </a:prstGeom>
-        </p:spPr>
-        <p:txBody>
-          <a:bodyPr vert="horz" wrap="square" lIns="0" tIns="116205" rIns="0" bIns="0" rtlCol="0">
-            <a:spAutoFit/>
-          </a:bodyPr>
-          <a:lstStyle/>
-          <a:p>
-            <a:pPr marL="355600" indent="-342900" latinLnBrk="0">
               <a:spcBef>
                 <a:spcPts val="915"/>
               </a:spcBef>
@@ -8466,17 +10191,89 @@
               <a:buChar char="§"/>
             </a:pPr>
             <a:r>
-              <a:rPr lang="en-US" altLang="ko-KR" sz="2000" b="1" kern="0" dirty="0">
+              <a:rPr lang="en-US" altLang="ko-KR" kern="0" dirty="0">
                 <a:solidFill>
                   <a:sysClr val="windowText" lastClr="000000"/>
                 </a:solidFill>
                 <a:cs typeface="Malgun Gothic"/>
               </a:rPr>
-              <a:t>Head</a:t>
-            </a:r>
-          </a:p>
-          <a:p>
-            <a:pPr marL="812800" lvl="1" indent="-342900" latinLnBrk="0">
+              <a:t>1</a:t>
+            </a:r>
+            <a:r>
+              <a:rPr lang="ko-KR" altLang="en-US" kern="0" dirty="0">
+                <a:solidFill>
+                  <a:sysClr val="windowText" lastClr="000000"/>
+                </a:solidFill>
+                <a:cs typeface="Malgun Gothic"/>
+              </a:rPr>
+              <a:t>단계로 예측 모델을 학습하기 위한 기상 정보를 입력 변수로 구성하고</a:t>
+            </a:r>
+            <a:r>
+              <a:rPr lang="en-US" altLang="ko-KR" kern="0" dirty="0">
+                <a:solidFill>
+                  <a:sysClr val="windowText" lastClr="000000"/>
+                </a:solidFill>
+                <a:cs typeface="Malgun Gothic"/>
+              </a:rPr>
+              <a:t>, 2</a:t>
+            </a:r>
+            <a:r>
+              <a:rPr lang="ko-KR" altLang="en-US" kern="0" dirty="0">
+                <a:solidFill>
+                  <a:sysClr val="windowText" lastClr="000000"/>
+                </a:solidFill>
+                <a:cs typeface="Malgun Gothic"/>
+              </a:rPr>
+              <a:t>단계 전이 학습 기반의 다단계 일사량 예측을 수행하기 위하여 </a:t>
+            </a:r>
+            <a:r>
+              <a:rPr lang="en-US" altLang="ko-KR" kern="0" dirty="0">
+                <a:solidFill>
+                  <a:sysClr val="windowText" lastClr="000000"/>
+                </a:solidFill>
+                <a:cs typeface="Malgun Gothic"/>
+              </a:rPr>
+              <a:t>3</a:t>
+            </a:r>
+            <a:r>
+              <a:rPr lang="ko-KR" altLang="en-US" kern="0" dirty="0">
+                <a:solidFill>
+                  <a:sysClr val="windowText" lastClr="000000"/>
+                </a:solidFill>
+                <a:cs typeface="Malgun Gothic"/>
+              </a:rPr>
+              <a:t>단계 </a:t>
+            </a:r>
+            <a:r>
+              <a:rPr lang="en-US" altLang="ko-KR" kern="0" dirty="0">
+                <a:solidFill>
+                  <a:sysClr val="windowText" lastClr="000000"/>
+                </a:solidFill>
+                <a:cs typeface="Malgun Gothic"/>
+              </a:rPr>
+              <a:t>Random Forest </a:t>
+            </a:r>
+            <a:r>
+              <a:rPr lang="ko-KR" altLang="en-US" kern="0" dirty="0">
+                <a:solidFill>
+                  <a:sysClr val="windowText" lastClr="000000"/>
+                </a:solidFill>
+                <a:cs typeface="Malgun Gothic"/>
+              </a:rPr>
+              <a:t>일사량 예측 모델을 구성함</a:t>
+            </a:r>
+            <a:endParaRPr lang="en-US" altLang="ko-KR" kern="0" dirty="0">
+              <a:solidFill>
+                <a:sysClr val="windowText" lastClr="000000"/>
+              </a:solidFill>
+              <a:cs typeface="Malgun Gothic"/>
+            </a:endParaRPr>
+          </a:p>
+          <a:p>
+            <a:pPr marL="355600" indent="-342900" latinLnBrk="0">
+              <a:lnSpc>
+                <a:spcPct val="150000"/>
+              </a:lnSpc>
               <a:spcBef>
                 <a:spcPts val="915"/>
               </a:spcBef>
@@ -8484,371 +10281,44 @@
               <a:buChar char="§"/>
             </a:pPr>
             <a:r>
-              <a:rPr lang="ko-KR" altLang="en-US" sz="2000" b="1" kern="0" dirty="0" err="1">
+              <a:rPr lang="ko-KR" altLang="en-US" kern="0" dirty="0">
                 <a:solidFill>
                   <a:sysClr val="windowText" lastClr="000000"/>
                 </a:solidFill>
                 <a:cs typeface="Malgun Gothic"/>
               </a:rPr>
-              <a:t>ㅇㅇ</a:t>
-            </a:r>
-            <a:endParaRPr lang="en-US" altLang="ko-KR" sz="2000" kern="0" dirty="0">
+              <a:t>실험 결과</a:t>
+            </a:r>
+            <a:r>
+              <a:rPr lang="en-US" altLang="ko-KR" kern="0" dirty="0">
+                <a:solidFill>
+                  <a:sysClr val="windowText" lastClr="000000"/>
+                </a:solidFill>
+                <a:cs typeface="Malgun Gothic"/>
+              </a:rPr>
+              <a:t>, </a:t>
+            </a:r>
+            <a:r>
+              <a:rPr lang="ko-KR" altLang="en-US" kern="0" dirty="0">
+                <a:solidFill>
+                  <a:sysClr val="windowText" lastClr="000000"/>
+                </a:solidFill>
+                <a:cs typeface="Malgun Gothic"/>
+              </a:rPr>
+              <a:t>본 연구에서 제안한 전이학습 기반의 다단계 일사량 예측 모델이 다른 지역의 충분한 데이터를 통해 초기 태양광 발전 시스템에서 제안한 모델의 적용 가능성을 확인할 수 있었음</a:t>
+            </a:r>
+            <a:endParaRPr lang="en-US" altLang="ko-KR" kern="0" dirty="0">
               <a:solidFill>
                 <a:sysClr val="windowText" lastClr="000000"/>
               </a:solidFill>
               <a:cs typeface="Malgun Gothic"/>
             </a:endParaRPr>
           </a:p>
-        </p:txBody>
-      </p:sp>
-      <p:pic>
-        <p:nvPicPr>
-          <p:cNvPr id="2" name="그림 1">
-            <a:extLst>
-              <a:ext uri="{FF2B5EF4-FFF2-40B4-BE49-F238E27FC236}">
-                <a16:creationId xmlns:a16="http://schemas.microsoft.com/office/drawing/2014/main" id="{9457AEE3-4E9F-47F3-A3D1-3FEB31958D77}"/>
-              </a:ext>
-            </a:extLst>
-          </p:cNvPr>
-          <p:cNvPicPr>
-            <a:picLocks noChangeAspect="1"/>
-          </p:cNvPicPr>
-          <p:nvPr/>
-        </p:nvPicPr>
-        <p:blipFill>
-          <a:blip r:embed="rId2"/>
-          <a:stretch>
-            <a:fillRect/>
-          </a:stretch>
-        </p:blipFill>
-        <p:spPr>
-          <a:xfrm>
-            <a:off x="3143108" y="1935668"/>
-            <a:ext cx="6006824" cy="2986664"/>
-          </a:xfrm>
-          <a:prstGeom prst="rect">
-            <a:avLst/>
-          </a:prstGeom>
-        </p:spPr>
-      </p:pic>
-      <p:grpSp>
-        <p:nvGrpSpPr>
-          <p:cNvPr id="8" name="그룹 7">
-            <a:extLst>
-              <a:ext uri="{FF2B5EF4-FFF2-40B4-BE49-F238E27FC236}">
-                <a16:creationId xmlns:a16="http://schemas.microsoft.com/office/drawing/2014/main" id="{ACAFEF32-EC46-4F6A-9570-8F95B95EFC44}"/>
-              </a:ext>
-            </a:extLst>
-          </p:cNvPr>
-          <p:cNvGrpSpPr/>
-          <p:nvPr/>
-        </p:nvGrpSpPr>
-        <p:grpSpPr>
-          <a:xfrm>
-            <a:off x="9250532" y="6219306"/>
-            <a:ext cx="2776842" cy="457642"/>
-            <a:chOff x="8473734" y="6091284"/>
-            <a:chExt cx="3553640" cy="585664"/>
-          </a:xfrm>
-        </p:grpSpPr>
-        <p:pic>
-          <p:nvPicPr>
-            <p:cNvPr id="12" name="그림 11">
-              <a:extLst>
-                <a:ext uri="{FF2B5EF4-FFF2-40B4-BE49-F238E27FC236}">
-                  <a16:creationId xmlns:a16="http://schemas.microsoft.com/office/drawing/2014/main" id="{00437743-CF8E-4B25-B065-A9A2FFC882A7}"/>
-                </a:ext>
-              </a:extLst>
-            </p:cNvPr>
-            <p:cNvPicPr>
-              <a:picLocks noChangeAspect="1"/>
-            </p:cNvPicPr>
-            <p:nvPr/>
-          </p:nvPicPr>
-          <p:blipFill rotWithShape="1">
-            <a:blip r:embed="rId3">
-              <a:extLst>
-                <a:ext uri="{28A0092B-C50C-407E-A947-70E740481C1C}">
-                  <a14:useLocalDpi xmlns:a14="http://schemas.microsoft.com/office/drawing/2010/main" val="0"/>
-                </a:ext>
-              </a:extLst>
-            </a:blip>
-            <a:srcRect l="74535" t="3851" r="5686" b="50143"/>
-            <a:stretch/>
-          </p:blipFill>
-          <p:spPr>
-            <a:xfrm>
-              <a:off x="8473734" y="6091284"/>
-              <a:ext cx="1353669" cy="585664"/>
-            </a:xfrm>
-            <a:prstGeom prst="rect">
-              <a:avLst/>
-            </a:prstGeom>
-          </p:spPr>
-        </p:pic>
-        <p:pic>
-          <p:nvPicPr>
-            <p:cNvPr id="13" name="그림 12">
-              <a:extLst>
-                <a:ext uri="{FF2B5EF4-FFF2-40B4-BE49-F238E27FC236}">
-                  <a16:creationId xmlns:a16="http://schemas.microsoft.com/office/drawing/2014/main" id="{D9D39514-CA34-446B-A975-A398D47628E1}"/>
-                </a:ext>
-              </a:extLst>
-            </p:cNvPr>
-            <p:cNvPicPr>
-              <a:picLocks noChangeAspect="1"/>
-            </p:cNvPicPr>
-            <p:nvPr/>
-          </p:nvPicPr>
-          <p:blipFill>
-            <a:blip r:embed="rId4" cstate="hqprint">
-              <a:extLst>
-                <a:ext uri="{28A0092B-C50C-407E-A947-70E740481C1C}">
-                  <a14:useLocalDpi xmlns:a14="http://schemas.microsoft.com/office/drawing/2010/main" val="0"/>
-                </a:ext>
-              </a:extLst>
-            </a:blip>
-            <a:stretch>
-              <a:fillRect/>
-            </a:stretch>
-          </p:blipFill>
-          <p:spPr>
-            <a:xfrm>
-              <a:off x="9827403" y="6172124"/>
-              <a:ext cx="2199971" cy="423985"/>
-            </a:xfrm>
-            <a:prstGeom prst="rect">
-              <a:avLst/>
-            </a:prstGeom>
-          </p:spPr>
-        </p:pic>
-      </p:grpSp>
-    </p:spTree>
-    <p:extLst>
-      <p:ext uri="{BB962C8B-B14F-4D97-AF65-F5344CB8AC3E}">
-        <p14:creationId xmlns:p14="http://schemas.microsoft.com/office/powerpoint/2010/main" val="2145955965"/>
-      </p:ext>
-    </p:extLst>
-  </p:cSld>
-  <p:clrMapOvr>
-    <a:masterClrMapping/>
-  </p:clrMapOvr>
-</p:sld>
-</file>
-
-<file path=ppt/slides/slide16.xml><?xml version="1.0" encoding="utf-8"?>
-<p:sld xmlns:a="http://schemas.openxmlformats.org/drawingml/2006/main" xmlns:r="http://schemas.openxmlformats.org/officeDocument/2006/relationships" xmlns:p="http://schemas.openxmlformats.org/presentationml/2006/main">
-  <p:cSld>
-    <p:spTree>
-      <p:nvGrpSpPr>
-        <p:cNvPr id="1" name=""/>
-        <p:cNvGrpSpPr/>
-        <p:nvPr/>
-      </p:nvGrpSpPr>
-      <p:grpSpPr>
-        <a:xfrm>
-          <a:off x="0" y="0"/>
-          <a:ext cx="0" cy="0"/>
-          <a:chOff x="0" y="0"/>
-          <a:chExt cx="0" cy="0"/>
-        </a:xfrm>
-      </p:grpSpPr>
-      <p:sp>
-        <p:nvSpPr>
-          <p:cNvPr id="9" name="object 2">
-            <a:extLst>
-              <a:ext uri="{FF2B5EF4-FFF2-40B4-BE49-F238E27FC236}">
-                <a16:creationId xmlns:a16="http://schemas.microsoft.com/office/drawing/2014/main" id="{6D7BD600-30F6-4170-B80C-852A785CE1AD}"/>
-              </a:ext>
-            </a:extLst>
-          </p:cNvPr>
-          <p:cNvSpPr txBox="1">
-            <a:spLocks/>
-          </p:cNvSpPr>
-          <p:nvPr/>
-        </p:nvSpPr>
-        <p:spPr>
-          <a:xfrm>
-            <a:off x="492575" y="391668"/>
-            <a:ext cx="3965125" cy="505267"/>
-          </a:xfrm>
-          <a:prstGeom prst="rect">
-            <a:avLst/>
-          </a:prstGeom>
-        </p:spPr>
-        <p:txBody>
-          <a:bodyPr vert="horz" wrap="square" lIns="0" tIns="12700" rIns="0" bIns="0" rtlCol="0">
-            <a:spAutoFit/>
-          </a:bodyPr>
-          <a:lstStyle>
-            <a:lvl1pPr>
-              <a:defRPr sz="3600" b="1" i="0">
-                <a:solidFill>
-                  <a:schemeClr val="tx1"/>
-                </a:solidFill>
-                <a:latin typeface="Malgun Gothic"/>
-                <a:ea typeface="+mj-ea"/>
-                <a:cs typeface="Malgun Gothic"/>
-              </a:defRPr>
-            </a:lvl1pPr>
-          </a:lstStyle>
-          <a:p>
-            <a:pPr marL="12700" marR="0" lvl="0" indent="0" defTabSz="914400" eaLnBrk="1" fontAlgn="auto" latinLnBrk="0" hangingPunct="1">
+          <a:p>
+            <a:pPr marL="355600" indent="-342900" latinLnBrk="0">
               <a:lnSpc>
-                <a:spcPct val="100000"/>
+                <a:spcPct val="150000"/>
               </a:lnSpc>
-              <a:spcBef>
-                <a:spcPts val="100"/>
-              </a:spcBef>
-              <a:spcAft>
-                <a:spcPts val="0"/>
-              </a:spcAft>
-              <a:buClrTx/>
-              <a:buSzTx/>
-              <a:buFontTx/>
-              <a:buNone/>
-              <a:tabLst>
-                <a:tab pos="967740" algn="l"/>
-              </a:tabLst>
-              <a:defRPr/>
-            </a:pPr>
-            <a:r>
-              <a:rPr lang="ko-KR" altLang="en-US" sz="3200" kern="0" spc="-25" dirty="0">
-                <a:solidFill>
-                  <a:srgbClr val="001F60"/>
-                </a:solidFill>
-                <a:latin typeface="맑은 고딕" panose="020B0503020000020004" pitchFamily="50" charset="-127"/>
-                <a:ea typeface="맑은 고딕" panose="020B0503020000020004" pitchFamily="50" charset="-127"/>
-              </a:rPr>
-              <a:t>결론</a:t>
-            </a:r>
-            <a:endParaRPr kumimoji="0" lang="ko-KR" altLang="en-US" sz="3200" b="1" i="0" u="none" strike="noStrike" kern="0" cap="none" spc="0" normalizeH="0" baseline="0" noProof="0" dirty="0">
-              <a:ln>
-                <a:noFill/>
-              </a:ln>
-              <a:solidFill>
-                <a:sysClr val="windowText" lastClr="000000"/>
-              </a:solidFill>
-              <a:effectLst/>
-              <a:uLnTx/>
-              <a:uFillTx/>
-              <a:latin typeface="Malgun Gothic"/>
-              <a:ea typeface="맑은 고딕" panose="020B0503020000020004" pitchFamily="50" charset="-127"/>
-            </a:endParaRPr>
-          </a:p>
-        </p:txBody>
-      </p:sp>
-      <p:sp>
-        <p:nvSpPr>
-          <p:cNvPr id="10" name="object 6">
-            <a:extLst>
-              <a:ext uri="{FF2B5EF4-FFF2-40B4-BE49-F238E27FC236}">
-                <a16:creationId xmlns:a16="http://schemas.microsoft.com/office/drawing/2014/main" id="{8B966E05-EAAB-445B-8CC8-46645EBDF559}"/>
-              </a:ext>
-            </a:extLst>
-          </p:cNvPr>
-          <p:cNvSpPr/>
-          <p:nvPr/>
-        </p:nvSpPr>
-        <p:spPr>
-          <a:xfrm>
-            <a:off x="430250" y="985061"/>
-            <a:ext cx="11353800" cy="45720"/>
-          </a:xfrm>
-          <a:custGeom>
-            <a:avLst/>
-            <a:gdLst/>
-            <a:ahLst/>
-            <a:cxnLst/>
-            <a:rect l="l" t="t" r="r" b="b"/>
-            <a:pathLst>
-              <a:path w="11353800" h="45719">
-                <a:moveTo>
-                  <a:pt x="11353800" y="0"/>
-                </a:moveTo>
-                <a:lnTo>
-                  <a:pt x="0" y="0"/>
-                </a:lnTo>
-                <a:lnTo>
-                  <a:pt x="0" y="45718"/>
-                </a:lnTo>
-                <a:lnTo>
-                  <a:pt x="11353800" y="45718"/>
-                </a:lnTo>
-                <a:lnTo>
-                  <a:pt x="11353800" y="0"/>
-                </a:lnTo>
-                <a:close/>
-              </a:path>
-            </a:pathLst>
-          </a:custGeom>
-          <a:solidFill>
-            <a:srgbClr val="0C3F8B"/>
-          </a:solidFill>
-        </p:spPr>
-        <p:txBody>
-          <a:bodyPr wrap="square" lIns="0" tIns="0" rIns="0" bIns="0" rtlCol="0"/>
-          <a:lstStyle/>
-          <a:p>
-            <a:pPr marL="0" marR="0" lvl="0" indent="0" defTabSz="914400" eaLnBrk="1" fontAlgn="auto" latinLnBrk="0" hangingPunct="1">
-              <a:lnSpc>
-                <a:spcPct val="100000"/>
-              </a:lnSpc>
-              <a:spcBef>
-                <a:spcPts val="0"/>
-              </a:spcBef>
-              <a:spcAft>
-                <a:spcPts val="0"/>
-              </a:spcAft>
-              <a:buClrTx/>
-              <a:buSzTx/>
-              <a:buFontTx/>
-              <a:buNone/>
-              <a:tabLst/>
-              <a:defRPr/>
-            </a:pPr>
-            <a:endParaRPr kumimoji="0" sz="1800" b="0" i="0" u="none" strike="noStrike" kern="0" cap="none" spc="0" normalizeH="0" baseline="0" noProof="0">
-              <a:ln>
-                <a:noFill/>
-              </a:ln>
-              <a:solidFill>
-                <a:sysClr val="windowText" lastClr="000000"/>
-              </a:solidFill>
-              <a:effectLst/>
-              <a:uLnTx/>
-              <a:uFillTx/>
-            </a:endParaRPr>
-          </a:p>
-        </p:txBody>
-      </p:sp>
-      <p:sp>
-        <p:nvSpPr>
-          <p:cNvPr id="11" name="object 3">
-            <a:extLst>
-              <a:ext uri="{FF2B5EF4-FFF2-40B4-BE49-F238E27FC236}">
-                <a16:creationId xmlns:a16="http://schemas.microsoft.com/office/drawing/2014/main" id="{04B1BFFB-7036-4650-B5BA-6C2A99C6E376}"/>
-              </a:ext>
-            </a:extLst>
-          </p:cNvPr>
-          <p:cNvSpPr txBox="1"/>
-          <p:nvPr/>
-        </p:nvSpPr>
-        <p:spPr>
-          <a:xfrm>
-            <a:off x="508990" y="1263396"/>
-            <a:ext cx="11275060" cy="848309"/>
-          </a:xfrm>
-          <a:prstGeom prst="rect">
-            <a:avLst/>
-          </a:prstGeom>
-        </p:spPr>
-        <p:txBody>
-          <a:bodyPr vert="horz" wrap="square" lIns="0" tIns="116205" rIns="0" bIns="0" rtlCol="0">
-            <a:spAutoFit/>
-          </a:bodyPr>
-          <a:lstStyle/>
-          <a:p>
-            <a:pPr marL="355600" indent="-342900" latinLnBrk="0">
               <a:spcBef>
                 <a:spcPts val="915"/>
               </a:spcBef>
@@ -8856,33 +10326,69 @@
               <a:buChar char="§"/>
             </a:pPr>
             <a:r>
-              <a:rPr lang="en-US" altLang="ko-KR" sz="2000" b="1" kern="0" dirty="0">
+              <a:rPr lang="ko-KR" altLang="en-US" kern="0" dirty="0">
                 <a:solidFill>
                   <a:sysClr val="windowText" lastClr="000000"/>
                 </a:solidFill>
                 <a:cs typeface="Malgun Gothic"/>
               </a:rPr>
-              <a:t>Head</a:t>
-            </a:r>
-          </a:p>
-          <a:p>
-            <a:pPr marL="812800" lvl="1" indent="-342900" latinLnBrk="0">
-              <a:spcBef>
-                <a:spcPts val="915"/>
-              </a:spcBef>
-              <a:buFont typeface="Wingdings" panose="05000000000000000000" pitchFamily="2" charset="2"/>
-              <a:buChar char="§"/>
-            </a:pPr>
-            <a:r>
-              <a:rPr lang="ko-KR" altLang="en-US" sz="2000" b="1" kern="0" dirty="0" err="1">
+              <a:t>향후</a:t>
+            </a:r>
+            <a:r>
+              <a:rPr lang="en-US" altLang="ko-KR" kern="0" dirty="0">
                 <a:solidFill>
                   <a:sysClr val="windowText" lastClr="000000"/>
                 </a:solidFill>
                 <a:cs typeface="Malgun Gothic"/>
               </a:rPr>
-              <a:t>ㅇㅇ</a:t>
-            </a:r>
-            <a:endParaRPr lang="en-US" altLang="ko-KR" sz="2000" kern="0" dirty="0">
+              <a:t> </a:t>
+            </a:r>
+            <a:r>
+              <a:rPr lang="ko-KR" altLang="en-US" kern="0" dirty="0">
+                <a:solidFill>
+                  <a:sysClr val="windowText" lastClr="000000"/>
+                </a:solidFill>
+                <a:cs typeface="Malgun Gothic"/>
+              </a:rPr>
+              <a:t>연구로는 </a:t>
+            </a:r>
+            <a:r>
+              <a:rPr lang="ko-KR" altLang="en-US" dirty="0"/>
+              <a:t>서울</a:t>
+            </a:r>
+            <a:r>
+              <a:rPr lang="en-US" altLang="ko-KR" dirty="0"/>
+              <a:t>, </a:t>
+            </a:r>
+            <a:r>
+              <a:rPr lang="ko-KR" altLang="en-US" dirty="0"/>
+              <a:t>부산</a:t>
+            </a:r>
+            <a:r>
+              <a:rPr lang="en-US" altLang="ko-KR" dirty="0"/>
+              <a:t>, </a:t>
+            </a:r>
+            <a:r>
+              <a:rPr lang="ko-KR" altLang="en-US" dirty="0"/>
+              <a:t>대구</a:t>
+            </a:r>
+            <a:r>
+              <a:rPr lang="en-US" altLang="ko-KR" dirty="0"/>
+              <a:t>, </a:t>
+            </a:r>
+            <a:r>
+              <a:rPr lang="ko-KR" altLang="en-US" dirty="0"/>
+              <a:t>인천</a:t>
+            </a:r>
+            <a:r>
+              <a:rPr lang="en-US" altLang="ko-KR" dirty="0"/>
+              <a:t>, </a:t>
+            </a:r>
+            <a:r>
+              <a:rPr lang="ko-KR" altLang="en-US" dirty="0"/>
+              <a:t>광주 등 다양한 지역을 대상으로 본 연구의 범용성을 확인할 예정임</a:t>
+            </a:r>
+            <a:endParaRPr lang="en-US" altLang="ko-KR" kern="0" dirty="0">
               <a:solidFill>
                 <a:sysClr val="windowText" lastClr="000000"/>
               </a:solidFill>
@@ -8996,7 +10502,7 @@
 </p:sld>
 </file>
 
-<file path=ppt/slides/slide17.xml><?xml version="1.0" encoding="utf-8"?>
+<file path=ppt/slides/slide15.xml><?xml version="1.0" encoding="utf-8"?>
 <p:sld xmlns:a="http://schemas.openxmlformats.org/drawingml/2006/main" xmlns:r="http://schemas.openxmlformats.org/officeDocument/2006/relationships" xmlns:p="http://schemas.openxmlformats.org/presentationml/2006/main">
   <p:cSld>
     <p:spTree>
@@ -9083,8 +10589,8 @@
         </p:nvSpPr>
         <p:spPr>
           <a:xfrm>
-            <a:off x="1628593" y="2467945"/>
-            <a:ext cx="8934807" cy="961992"/>
+            <a:off x="1535857" y="2348460"/>
+            <a:ext cx="9120279" cy="1332530"/>
           </a:xfrm>
         </p:spPr>
         <p:txBody>
@@ -9113,6 +10619,21 @@
                 </a:solidFill>
               </a:rPr>
               <a:t>. </a:t>
+            </a:r>
+            <a:br>
+              <a:rPr lang="en-US" altLang="ko-KR" sz="3600" b="1" dirty="0">
+                <a:solidFill>
+                  <a:schemeClr val="bg1"/>
+                </a:solidFill>
+              </a:rPr>
+            </a:br>
+            <a:r>
+              <a:rPr lang="en-US" altLang="ko-KR" sz="3600" b="1" dirty="0">
+                <a:solidFill>
+                  <a:schemeClr val="bg1"/>
+                </a:solidFill>
+              </a:rPr>
+              <a:t>Q &amp; A</a:t>
             </a:r>
             <a:endParaRPr lang="ko-KR" altLang="en-US" sz="4000" b="1" dirty="0">
               <a:solidFill>
@@ -9246,514 +10767,6 @@
       </p:grpSpPr>
       <p:sp>
         <p:nvSpPr>
-          <p:cNvPr id="3" name="직사각형 2">
-            <a:extLst>
-              <a:ext uri="{FF2B5EF4-FFF2-40B4-BE49-F238E27FC236}">
-                <a16:creationId xmlns:a16="http://schemas.microsoft.com/office/drawing/2014/main" id="{753444D1-C8AF-4282-949A-3A5C6226CB43}"/>
-              </a:ext>
-            </a:extLst>
-          </p:cNvPr>
-          <p:cNvSpPr/>
-          <p:nvPr/>
-        </p:nvSpPr>
-        <p:spPr>
-          <a:xfrm>
-            <a:off x="0" y="1368552"/>
-            <a:ext cx="12192000" cy="2644408"/>
-          </a:xfrm>
-          <a:prstGeom prst="rect">
-            <a:avLst/>
-          </a:prstGeom>
-          <a:solidFill>
-            <a:srgbClr val="002060"/>
-          </a:solidFill>
-          <a:ln>
-            <a:noFill/>
-          </a:ln>
-        </p:spPr>
-        <p:style>
-          <a:lnRef idx="2">
-            <a:schemeClr val="accent1">
-              <a:shade val="50000"/>
-            </a:schemeClr>
-          </a:lnRef>
-          <a:fillRef idx="1">
-            <a:schemeClr val="accent1"/>
-          </a:fillRef>
-          <a:effectRef idx="0">
-            <a:schemeClr val="accent1"/>
-          </a:effectRef>
-          <a:fontRef idx="minor">
-            <a:schemeClr val="lt1"/>
-          </a:fontRef>
-        </p:style>
-        <p:txBody>
-          <a:bodyPr rtlCol="0" anchor="ctr"/>
-          <a:lstStyle/>
-          <a:p>
-            <a:pPr algn="ctr"/>
-            <a:endParaRPr lang="ko-KR" altLang="en-US"/>
-          </a:p>
-        </p:txBody>
-      </p:sp>
-      <p:sp>
-        <p:nvSpPr>
-          <p:cNvPr id="2" name="제목 1">
-            <a:extLst>
-              <a:ext uri="{FF2B5EF4-FFF2-40B4-BE49-F238E27FC236}">
-                <a16:creationId xmlns:a16="http://schemas.microsoft.com/office/drawing/2014/main" id="{0B0696DC-B7BA-4CDC-A60C-0425727AC2BC}"/>
-              </a:ext>
-            </a:extLst>
-          </p:cNvPr>
-          <p:cNvSpPr>
-            <a:spLocks noGrp="1"/>
-          </p:cNvSpPr>
-          <p:nvPr>
-            <p:ph type="ctrTitle"/>
-          </p:nvPr>
-        </p:nvSpPr>
-        <p:spPr>
-          <a:xfrm>
-            <a:off x="1712348" y="1706312"/>
-            <a:ext cx="8934807" cy="2059898"/>
-          </a:xfrm>
-        </p:spPr>
-        <p:txBody>
-          <a:bodyPr>
-            <a:normAutofit/>
-          </a:bodyPr>
-          <a:lstStyle/>
-          <a:p>
-            <a:pPr>
-              <a:lnSpc>
-                <a:spcPct val="100000"/>
-              </a:lnSpc>
-            </a:pPr>
-            <a:r>
-              <a:rPr lang="ko-KR" altLang="en-US" sz="3600" b="1" dirty="0">
-                <a:solidFill>
-                  <a:schemeClr val="bg1"/>
-                </a:solidFill>
-              </a:rPr>
-              <a:t>전이 학습 기반의 랜덤 </a:t>
-            </a:r>
-            <a:r>
-              <a:rPr lang="ko-KR" altLang="en-US" sz="3600" b="1" dirty="0" err="1">
-                <a:solidFill>
-                  <a:schemeClr val="bg1"/>
-                </a:solidFill>
-              </a:rPr>
-              <a:t>포레스트를</a:t>
-            </a:r>
-            <a:r>
-              <a:rPr lang="ko-KR" altLang="en-US" sz="3600" b="1" dirty="0">
-                <a:solidFill>
-                  <a:schemeClr val="bg1"/>
-                </a:solidFill>
-              </a:rPr>
-              <a:t> 이용한 </a:t>
-            </a:r>
-            <a:br>
-              <a:rPr lang="en-US" altLang="ko-KR" sz="3600" b="1" dirty="0">
-                <a:solidFill>
-                  <a:schemeClr val="bg1"/>
-                </a:solidFill>
-              </a:rPr>
-            </a:br>
-            <a:r>
-              <a:rPr lang="ko-KR" altLang="en-US" sz="3600" b="1" dirty="0">
-                <a:solidFill>
-                  <a:schemeClr val="bg1"/>
-                </a:solidFill>
-              </a:rPr>
-              <a:t>일사량 예측 기법</a:t>
-            </a:r>
-            <a:br>
-              <a:rPr lang="en-US" altLang="ko-KR" sz="3700" b="1" dirty="0">
-                <a:solidFill>
-                  <a:schemeClr val="bg1"/>
-                </a:solidFill>
-              </a:rPr>
-            </a:br>
-            <a:r>
-              <a:rPr lang="ko-KR" altLang="en-US" sz="1200" dirty="0">
-                <a:solidFill>
-                  <a:schemeClr val="bg1"/>
-                </a:solidFill>
-              </a:rPr>
-              <a:t>    </a:t>
-            </a:r>
-            <a:br>
-              <a:rPr lang="en-US" altLang="ko-KR" sz="4000" b="1" dirty="0">
-                <a:solidFill>
-                  <a:schemeClr val="bg1"/>
-                </a:solidFill>
-              </a:rPr>
-            </a:br>
-            <a:r>
-              <a:rPr lang="en-US" altLang="ko-KR" sz="1800" b="1" dirty="0">
-                <a:solidFill>
-                  <a:schemeClr val="bg1"/>
-                </a:solidFill>
-              </a:rPr>
-              <a:t>A Solar Irradiance Forecasting Method Using</a:t>
-            </a:r>
-            <a:br>
-              <a:rPr lang="en-US" altLang="ko-KR" sz="1800" b="1" dirty="0">
-                <a:solidFill>
-                  <a:schemeClr val="bg1"/>
-                </a:solidFill>
-              </a:rPr>
-            </a:br>
-            <a:r>
-              <a:rPr lang="en-US" altLang="ko-KR" sz="1800" b="1" dirty="0">
-                <a:solidFill>
-                  <a:schemeClr val="bg1"/>
-                </a:solidFill>
-              </a:rPr>
-              <a:t>Transfer Learning-Based Random Forests</a:t>
-            </a:r>
-            <a:endParaRPr lang="ko-KR" altLang="en-US" sz="4000" b="1" dirty="0">
-              <a:solidFill>
-                <a:schemeClr val="bg1"/>
-              </a:solidFill>
-            </a:endParaRPr>
-          </a:p>
-        </p:txBody>
-      </p:sp>
-      <p:sp>
-        <p:nvSpPr>
-          <p:cNvPr id="9" name="TextBox 8">
-            <a:extLst>
-              <a:ext uri="{FF2B5EF4-FFF2-40B4-BE49-F238E27FC236}">
-                <a16:creationId xmlns:a16="http://schemas.microsoft.com/office/drawing/2014/main" id="{3891FD4D-AF49-40AE-B356-99B511DA47B1}"/>
-              </a:ext>
-            </a:extLst>
-          </p:cNvPr>
-          <p:cNvSpPr txBox="1"/>
-          <p:nvPr/>
-        </p:nvSpPr>
-        <p:spPr>
-          <a:xfrm>
-            <a:off x="2655502" y="4181991"/>
-            <a:ext cx="7048500" cy="1446550"/>
-          </a:xfrm>
-          <a:prstGeom prst="rect">
-            <a:avLst/>
-          </a:prstGeom>
-          <a:noFill/>
-        </p:spPr>
-        <p:txBody>
-          <a:bodyPr wrap="square" rtlCol="0">
-            <a:spAutoFit/>
-          </a:bodyPr>
-          <a:lstStyle/>
-          <a:p>
-            <a:pPr algn="ctr">
-              <a:lnSpc>
-                <a:spcPct val="150000"/>
-              </a:lnSpc>
-            </a:pPr>
-            <a:r>
-              <a:rPr lang="ko-KR" altLang="en-US" sz="1600" dirty="0">
-                <a:latin typeface="+mn-ea"/>
-              </a:rPr>
-              <a:t>소다영</a:t>
-            </a:r>
-            <a:r>
-              <a:rPr lang="en-US" altLang="ko-KR" sz="1600" baseline="30000" dirty="0">
-                <a:latin typeface="+mn-ea"/>
-              </a:rPr>
-              <a:t>1</a:t>
-            </a:r>
-            <a:r>
-              <a:rPr lang="en-US" altLang="ko-KR" sz="1600" dirty="0">
-                <a:latin typeface="+mn-ea"/>
-              </a:rPr>
-              <a:t>,</a:t>
-            </a:r>
-            <a:r>
-              <a:rPr lang="ko-KR" altLang="en-US" sz="1600" baseline="30000" dirty="0">
-                <a:latin typeface="+mn-ea"/>
-              </a:rPr>
-              <a:t> </a:t>
-            </a:r>
-            <a:r>
-              <a:rPr lang="ko-KR" altLang="en-US" sz="1600" dirty="0" err="1">
-                <a:latin typeface="+mn-ea"/>
-              </a:rPr>
-              <a:t>김의년</a:t>
-            </a:r>
-            <a:r>
-              <a:rPr lang="en-US" altLang="ko-KR" sz="1600" baseline="30000" dirty="0">
-                <a:latin typeface="+mn-ea"/>
-              </a:rPr>
-              <a:t>1</a:t>
-            </a:r>
-            <a:r>
-              <a:rPr lang="en-US" altLang="ko-KR" sz="1600" dirty="0">
-                <a:latin typeface="+mn-ea"/>
-              </a:rPr>
-              <a:t>,</a:t>
-            </a:r>
-            <a:r>
-              <a:rPr lang="ko-KR" altLang="en-US" sz="1600" dirty="0">
-                <a:latin typeface="+mn-ea"/>
-              </a:rPr>
-              <a:t> </a:t>
-            </a:r>
-            <a:r>
-              <a:rPr lang="ko-KR" altLang="en-US" sz="1600" dirty="0" err="1">
-                <a:latin typeface="+mn-ea"/>
-              </a:rPr>
-              <a:t>한태규</a:t>
-            </a:r>
-            <a:r>
-              <a:rPr lang="en-US" altLang="ko-KR" sz="1600" baseline="30000" dirty="0">
-                <a:latin typeface="+mn-ea"/>
-              </a:rPr>
-              <a:t>1</a:t>
-            </a:r>
-            <a:r>
-              <a:rPr lang="en-US" altLang="ko-KR" sz="1600" dirty="0">
-                <a:latin typeface="+mn-ea"/>
-              </a:rPr>
-              <a:t>,</a:t>
-            </a:r>
-            <a:r>
-              <a:rPr lang="ko-KR" altLang="en-US" sz="1600" dirty="0">
-                <a:latin typeface="+mn-ea"/>
-              </a:rPr>
-              <a:t> </a:t>
-            </a:r>
-            <a:r>
-              <a:rPr lang="ko-KR" altLang="en-US" sz="1600" dirty="0" err="1">
-                <a:latin typeface="+mn-ea"/>
-              </a:rPr>
-              <a:t>하휘명</a:t>
-            </a:r>
-            <a:r>
-              <a:rPr lang="en-US" altLang="ko-KR" sz="1600" baseline="30000" dirty="0">
-                <a:latin typeface="+mn-ea"/>
-              </a:rPr>
-              <a:t>2</a:t>
-            </a:r>
-            <a:r>
-              <a:rPr lang="en-US" altLang="ko-KR" sz="1600" dirty="0">
-                <a:latin typeface="+mn-ea"/>
-              </a:rPr>
-              <a:t>,</a:t>
-            </a:r>
-            <a:r>
-              <a:rPr lang="ko-KR" altLang="en-US" sz="1600" dirty="0">
-                <a:latin typeface="+mn-ea"/>
-              </a:rPr>
-              <a:t> 문지훈</a:t>
-            </a:r>
-            <a:r>
-              <a:rPr lang="en-US" altLang="ko-KR" sz="1600" baseline="30000" dirty="0">
-                <a:latin typeface="+mn-ea"/>
-              </a:rPr>
-              <a:t>1</a:t>
-            </a:r>
-          </a:p>
-          <a:p>
-            <a:pPr algn="ctr">
-              <a:lnSpc>
-                <a:spcPct val="150000"/>
-              </a:lnSpc>
-            </a:pPr>
-            <a:r>
-              <a:rPr lang="en-US" altLang="ko-KR" sz="1600" baseline="30000" dirty="0">
-                <a:latin typeface="+mn-ea"/>
-              </a:rPr>
-              <a:t>1</a:t>
-            </a:r>
-            <a:r>
-              <a:rPr lang="ko-KR" altLang="en-US" sz="1600" dirty="0">
-                <a:latin typeface="+mn-ea"/>
-              </a:rPr>
-              <a:t>순천향대학교 빅데이터공학과</a:t>
-            </a:r>
-            <a:endParaRPr lang="en-US" altLang="ko-KR" sz="1600" dirty="0">
-              <a:latin typeface="+mn-ea"/>
-            </a:endParaRPr>
-          </a:p>
-          <a:p>
-            <a:pPr algn="ctr"/>
-            <a:r>
-              <a:rPr lang="en-US" altLang="ko-KR" sz="1600" baseline="30000" dirty="0">
-                <a:latin typeface="+mn-ea"/>
-              </a:rPr>
-              <a:t>2</a:t>
-            </a:r>
-            <a:r>
-              <a:rPr lang="en-US" altLang="ko-KR" sz="1600" dirty="0">
-                <a:latin typeface="+mn-ea"/>
-              </a:rPr>
-              <a:t>LG </a:t>
-            </a:r>
-            <a:r>
-              <a:rPr lang="ko-KR" altLang="en-US" sz="1600" dirty="0">
-                <a:latin typeface="+mn-ea"/>
-              </a:rPr>
-              <a:t>에너지솔루션</a:t>
-            </a:r>
-            <a:endParaRPr lang="en-US" altLang="ko-KR" sz="1600" dirty="0">
-              <a:latin typeface="+mn-ea"/>
-            </a:endParaRPr>
-          </a:p>
-          <a:p>
-            <a:pPr algn="ctr">
-              <a:lnSpc>
-                <a:spcPct val="150000"/>
-              </a:lnSpc>
-            </a:pPr>
-            <a:r>
-              <a:rPr lang="en-US" altLang="ko-KR" sz="1600" dirty="0">
-                <a:latin typeface="+mn-ea"/>
-              </a:rPr>
-              <a:t>{</a:t>
-            </a:r>
-            <a:r>
-              <a:rPr lang="en-US" altLang="ko-KR" sz="1600" dirty="0" err="1">
-                <a:latin typeface="+mn-ea"/>
-              </a:rPr>
-              <a:t>dayeong</a:t>
-            </a:r>
-            <a:r>
-              <a:rPr lang="en-US" altLang="ko-KR" sz="1600" dirty="0">
-                <a:latin typeface="+mn-ea"/>
-              </a:rPr>
-              <a:t>, eui20n, gksxorb159, jmoon22}@sch.ac.kr, hwmhkr@lgnsol.com</a:t>
-            </a:r>
-          </a:p>
-        </p:txBody>
-      </p:sp>
-      <p:grpSp>
-        <p:nvGrpSpPr>
-          <p:cNvPr id="6" name="그룹 5">
-            <a:extLst>
-              <a:ext uri="{FF2B5EF4-FFF2-40B4-BE49-F238E27FC236}">
-                <a16:creationId xmlns:a16="http://schemas.microsoft.com/office/drawing/2014/main" id="{41FB9A6A-537F-4C85-8D4B-D783C888B4FD}"/>
-              </a:ext>
-            </a:extLst>
-          </p:cNvPr>
-          <p:cNvGrpSpPr/>
-          <p:nvPr/>
-        </p:nvGrpSpPr>
-        <p:grpSpPr>
-          <a:xfrm>
-            <a:off x="8433848" y="6084711"/>
-            <a:ext cx="3593526" cy="592237"/>
-            <a:chOff x="8473734" y="6091284"/>
-            <a:chExt cx="3553640" cy="585664"/>
-          </a:xfrm>
-        </p:grpSpPr>
-        <p:pic>
-          <p:nvPicPr>
-            <p:cNvPr id="8" name="그림 7">
-              <a:extLst>
-                <a:ext uri="{FF2B5EF4-FFF2-40B4-BE49-F238E27FC236}">
-                  <a16:creationId xmlns:a16="http://schemas.microsoft.com/office/drawing/2014/main" id="{3176B1B9-91BA-4755-B56C-BC69CAD0EC0A}"/>
-                </a:ext>
-              </a:extLst>
-            </p:cNvPr>
-            <p:cNvPicPr>
-              <a:picLocks noChangeAspect="1"/>
-            </p:cNvPicPr>
-            <p:nvPr/>
-          </p:nvPicPr>
-          <p:blipFill rotWithShape="1">
-            <a:blip r:embed="rId2">
-              <a:extLst>
-                <a:ext uri="{28A0092B-C50C-407E-A947-70E740481C1C}">
-                  <a14:useLocalDpi xmlns:a14="http://schemas.microsoft.com/office/drawing/2010/main" val="0"/>
-                </a:ext>
-              </a:extLst>
-            </a:blip>
-            <a:srcRect l="74535" t="3851" r="5686" b="50143"/>
-            <a:stretch/>
-          </p:blipFill>
-          <p:spPr>
-            <a:xfrm>
-              <a:off x="8473734" y="6091284"/>
-              <a:ext cx="1353669" cy="585664"/>
-            </a:xfrm>
-            <a:prstGeom prst="rect">
-              <a:avLst/>
-            </a:prstGeom>
-          </p:spPr>
-        </p:pic>
-        <p:pic>
-          <p:nvPicPr>
-            <p:cNvPr id="10" name="그림 9">
-              <a:extLst>
-                <a:ext uri="{FF2B5EF4-FFF2-40B4-BE49-F238E27FC236}">
-                  <a16:creationId xmlns:a16="http://schemas.microsoft.com/office/drawing/2014/main" id="{1B7D3B8E-D8FD-458E-8DBA-B894C879C5E8}"/>
-                </a:ext>
-              </a:extLst>
-            </p:cNvPr>
-            <p:cNvPicPr>
-              <a:picLocks noChangeAspect="1"/>
-            </p:cNvPicPr>
-            <p:nvPr/>
-          </p:nvPicPr>
-          <p:blipFill>
-            <a:blip r:embed="rId3" cstate="hqprint">
-              <a:extLst>
-                <a:ext uri="{28A0092B-C50C-407E-A947-70E740481C1C}">
-                  <a14:useLocalDpi xmlns:a14="http://schemas.microsoft.com/office/drawing/2010/main" val="0"/>
-                </a:ext>
-              </a:extLst>
-            </a:blip>
-            <a:stretch>
-              <a:fillRect/>
-            </a:stretch>
-          </p:blipFill>
-          <p:spPr>
-            <a:xfrm>
-              <a:off x="9827403" y="6172124"/>
-              <a:ext cx="2199971" cy="423985"/>
-            </a:xfrm>
-            <a:prstGeom prst="rect">
-              <a:avLst/>
-            </a:prstGeom>
-          </p:spPr>
-        </p:pic>
-      </p:grpSp>
-    </p:spTree>
-    <p:extLst>
-      <p:ext uri="{BB962C8B-B14F-4D97-AF65-F5344CB8AC3E}">
-        <p14:creationId xmlns:p14="http://schemas.microsoft.com/office/powerpoint/2010/main" val="1737860915"/>
-      </p:ext>
-    </p:extLst>
-  </p:cSld>
-  <p:clrMapOvr>
-    <a:masterClrMapping/>
-  </p:clrMapOvr>
-</p:sld>
-</file>
-
-<file path=ppt/slides/slide3.xml><?xml version="1.0" encoding="utf-8"?>
-<p:sld xmlns:a="http://schemas.openxmlformats.org/drawingml/2006/main" xmlns:r="http://schemas.openxmlformats.org/officeDocument/2006/relationships" xmlns:p="http://schemas.openxmlformats.org/presentationml/2006/main">
-  <p:cSld>
-    <p:spTree>
-      <p:nvGrpSpPr>
-        <p:cNvPr id="1" name=""/>
-        <p:cNvGrpSpPr/>
-        <p:nvPr/>
-      </p:nvGrpSpPr>
-      <p:grpSpPr>
-        <a:xfrm>
-          <a:off x="0" y="0"/>
-          <a:ext cx="0" cy="0"/>
-          <a:chOff x="0" y="0"/>
-          <a:chExt cx="0" cy="0"/>
-        </a:xfrm>
-      </p:grpSpPr>
-      <p:sp>
-        <p:nvSpPr>
           <p:cNvPr id="15" name="object 2">
             <a:extLst>
               <a:ext uri="{FF2B5EF4-FFF2-40B4-BE49-F238E27FC236}">
@@ -10314,7 +11327,7 @@
 </p:sld>
 </file>
 
-<file path=ppt/slides/slide4.xml><?xml version="1.0" encoding="utf-8"?>
+<file path=ppt/slides/slide3.xml><?xml version="1.0" encoding="utf-8"?>
 <p:sld xmlns:a="http://schemas.openxmlformats.org/drawingml/2006/main" xmlns:r="http://schemas.openxmlformats.org/officeDocument/2006/relationships" xmlns:p="http://schemas.openxmlformats.org/presentationml/2006/main">
   <p:cSld>
     <p:spTree>
@@ -10750,7 +11763,7 @@
 </p:sld>
 </file>
 
-<file path=ppt/slides/slide5.xml><?xml version="1.0" encoding="utf-8"?>
+<file path=ppt/slides/slide4.xml><?xml version="1.0" encoding="utf-8"?>
 <p:sld xmlns:a="http://schemas.openxmlformats.org/drawingml/2006/main" xmlns:r="http://schemas.openxmlformats.org/officeDocument/2006/relationships" xmlns:p="http://schemas.openxmlformats.org/presentationml/2006/main">
   <p:cSld>
     <p:spTree>
@@ -11178,7 +12191,7 @@
 </p:sld>
 </file>
 
-<file path=ppt/slides/slide6.xml><?xml version="1.0" encoding="utf-8"?>
+<file path=ppt/slides/slide5.xml><?xml version="1.0" encoding="utf-8"?>
 <p:sld xmlns:a="http://schemas.openxmlformats.org/drawingml/2006/main" xmlns:r="http://schemas.openxmlformats.org/officeDocument/2006/relationships" xmlns:p="http://schemas.openxmlformats.org/presentationml/2006/main">
   <p:cSld>
     <p:spTree>
@@ -11333,7 +12346,7 @@
         <p:spPr>
           <a:xfrm>
             <a:off x="508990" y="1263396"/>
-            <a:ext cx="11124210" cy="2002471"/>
+            <a:ext cx="11044835" cy="1879361"/>
           </a:xfrm>
           <a:prstGeom prst="rect">
             <a:avLst/>
@@ -11352,17 +12365,14 @@
             </a:pPr>
             <a:r>
               <a:rPr lang="ko-KR" altLang="en-US" sz="2000" b="1" kern="0" dirty="0">
-                <a:solidFill>
-                  <a:sysClr val="windowText" lastClr="000000"/>
-                </a:solidFill>
                 <a:cs typeface="Malgun Gothic"/>
               </a:rPr>
               <a:t>태양광 발전의 주 에너지원은 </a:t>
             </a:r>
             <a:r>
-              <a:rPr lang="ko-KR" altLang="en-US" sz="2000" b="1" u="sng" kern="0" dirty="0">
-                <a:solidFill>
-                  <a:srgbClr val="002060"/>
+              <a:rPr lang="ko-KR" altLang="en-US" sz="2000" b="1" kern="0" dirty="0">
+                <a:solidFill>
+                  <a:srgbClr val="FF0000"/>
                 </a:solidFill>
                 <a:cs typeface="Malgun Gothic"/>
               </a:rPr>
@@ -11370,7 +12380,7 @@
             </a:r>
             <a:endParaRPr lang="en-US" altLang="ko-KR" sz="2000" b="1" kern="0" dirty="0">
               <a:solidFill>
-                <a:srgbClr val="002060"/>
+                <a:srgbClr val="FF0000"/>
               </a:solidFill>
               <a:cs typeface="Malgun Gothic"/>
             </a:endParaRPr>
@@ -11384,7 +12394,7 @@
               <a:buChar char="§"/>
             </a:pPr>
             <a:r>
-              <a:rPr lang="ko-KR" altLang="en-US" sz="2000" kern="0" dirty="0">
+              <a:rPr lang="ko-KR" altLang="en-US" kern="0" dirty="0">
                 <a:solidFill>
                   <a:sysClr val="windowText" lastClr="000000"/>
                 </a:solidFill>
@@ -11392,7 +12402,7 @@
               </a:rPr>
               <a:t>태양광 발전 시스템을 효율적으로 운영하기 위해 사전에 정확한 일사량을 예측하는 것이 중요</a:t>
             </a:r>
-            <a:endParaRPr lang="en-US" altLang="ko-KR" sz="2000" kern="0" dirty="0">
+            <a:endParaRPr lang="en-US" altLang="ko-KR" kern="0" dirty="0">
               <a:solidFill>
                 <a:sysClr val="windowText" lastClr="000000"/>
               </a:solidFill>
@@ -11408,7 +12418,7 @@
               <a:buChar char="§"/>
             </a:pPr>
             <a:r>
-              <a:rPr lang="ko-KR" altLang="en-US" sz="2000" kern="0" dirty="0">
+              <a:rPr lang="ko-KR" altLang="en-US" kern="0" dirty="0">
                 <a:solidFill>
                   <a:sysClr val="windowText" lastClr="000000"/>
                 </a:solidFill>
@@ -11417,7 +12427,7 @@
               <a:t>하지만 기상청의 동네예보는 기온</a:t>
             </a:r>
             <a:r>
-              <a:rPr lang="en-US" altLang="ko-KR" sz="2000" kern="0" dirty="0">
+              <a:rPr lang="en-US" altLang="ko-KR" kern="0" dirty="0">
                 <a:solidFill>
                   <a:sysClr val="windowText" lastClr="000000"/>
                 </a:solidFill>
@@ -11426,7 +12436,7 @@
               <a:t>, </a:t>
             </a:r>
             <a:r>
-              <a:rPr lang="ko-KR" altLang="en-US" sz="2000" kern="0" dirty="0">
+              <a:rPr lang="ko-KR" altLang="en-US" kern="0" dirty="0">
                 <a:solidFill>
                   <a:sysClr val="windowText" lastClr="000000"/>
                 </a:solidFill>
@@ -11435,7 +12445,7 @@
               <a:t>습도와 같은 요인의 예측 값은 제공하나</a:t>
             </a:r>
             <a:r>
-              <a:rPr lang="en-US" altLang="ko-KR" sz="2000" kern="0" dirty="0">
+              <a:rPr lang="en-US" altLang="ko-KR" kern="0" dirty="0">
                 <a:solidFill>
                   <a:sysClr val="windowText" lastClr="000000"/>
                 </a:solidFill>
@@ -11444,7 +12454,7 @@
               <a:t>, </a:t>
             </a:r>
             <a:r>
-              <a:rPr lang="ko-KR" altLang="en-US" sz="2000" kern="0" dirty="0">
+              <a:rPr lang="ko-KR" altLang="en-US" kern="0" dirty="0">
                 <a:solidFill>
                   <a:sysClr val="windowText" lastClr="000000"/>
                 </a:solidFill>
@@ -11452,7 +12462,7 @@
               </a:rPr>
               <a:t>일사량 예측 값은 제공하지 않음</a:t>
             </a:r>
-            <a:endParaRPr lang="en-US" altLang="ko-KR" sz="2000" kern="0" dirty="0">
+            <a:endParaRPr lang="en-US" altLang="ko-KR" kern="0" dirty="0">
               <a:solidFill>
                 <a:sysClr val="windowText" lastClr="000000"/>
               </a:solidFill>
@@ -11468,7 +12478,7 @@
               <a:buChar char="§"/>
             </a:pPr>
             <a:r>
-              <a:rPr lang="ko-KR" altLang="en-US" sz="2000" kern="0" dirty="0">
+              <a:rPr lang="ko-KR" altLang="en-US" kern="0" dirty="0">
                 <a:solidFill>
                   <a:sysClr val="windowText" lastClr="000000"/>
                 </a:solidFill>
@@ -11476,7 +12486,7 @@
               </a:rPr>
               <a:t>따라서 기계학습을 기반으로 일사량 예측하는 연구가 활발하게 진행중</a:t>
             </a:r>
-            <a:endParaRPr lang="en-US" altLang="ko-KR" sz="2000" kern="0" dirty="0">
+            <a:endParaRPr lang="en-US" altLang="ko-KR" kern="0" dirty="0">
               <a:solidFill>
                 <a:sysClr val="windowText" lastClr="000000"/>
               </a:solidFill>
@@ -11720,6 +12730,1902 @@
 </p:sld>
 </file>
 
+<file path=ppt/slides/slide6.xml><?xml version="1.0" encoding="utf-8"?>
+<p:sld xmlns:a="http://schemas.openxmlformats.org/drawingml/2006/main" xmlns:r="http://schemas.openxmlformats.org/officeDocument/2006/relationships" xmlns:p="http://schemas.openxmlformats.org/presentationml/2006/main">
+  <p:cSld>
+    <p:spTree>
+      <p:nvGrpSpPr>
+        <p:cNvPr id="1" name=""/>
+        <p:cNvGrpSpPr/>
+        <p:nvPr/>
+      </p:nvGrpSpPr>
+      <p:grpSpPr>
+        <a:xfrm>
+          <a:off x="0" y="0"/>
+          <a:ext cx="0" cy="0"/>
+          <a:chOff x="0" y="0"/>
+          <a:chExt cx="0" cy="0"/>
+        </a:xfrm>
+      </p:grpSpPr>
+      <p:sp>
+        <p:nvSpPr>
+          <p:cNvPr id="16" name="object 3">
+            <a:extLst>
+              <a:ext uri="{FF2B5EF4-FFF2-40B4-BE49-F238E27FC236}">
+                <a16:creationId xmlns:a16="http://schemas.microsoft.com/office/drawing/2014/main" id="{A8C33617-DDF9-46C2-AA54-1B67BF5470A7}"/>
+              </a:ext>
+            </a:extLst>
+          </p:cNvPr>
+          <p:cNvSpPr txBox="1"/>
+          <p:nvPr/>
+        </p:nvSpPr>
+        <p:spPr>
+          <a:xfrm>
+            <a:off x="508990" y="1263396"/>
+            <a:ext cx="11275060" cy="425116"/>
+          </a:xfrm>
+          <a:prstGeom prst="rect">
+            <a:avLst/>
+          </a:prstGeom>
+        </p:spPr>
+        <p:txBody>
+          <a:bodyPr vert="horz" wrap="square" lIns="0" tIns="116205" rIns="0" bIns="0" rtlCol="0">
+            <a:spAutoFit/>
+          </a:bodyPr>
+          <a:lstStyle/>
+          <a:p>
+            <a:pPr marL="355600" indent="-342900" latinLnBrk="0">
+              <a:spcBef>
+                <a:spcPts val="915"/>
+              </a:spcBef>
+              <a:buFont typeface="Wingdings" panose="05000000000000000000" pitchFamily="2" charset="2"/>
+              <a:buChar char="§"/>
+            </a:pPr>
+            <a:r>
+              <a:rPr lang="ko-KR" altLang="en-US" sz="2000" kern="0" dirty="0">
+                <a:solidFill>
+                  <a:sysClr val="windowText" lastClr="000000"/>
+                </a:solidFill>
+                <a:cs typeface="Malgun Gothic"/>
+              </a:rPr>
+              <a:t>정확한 단기 일사량을 예측하기 위한 연구들이 활발하게 진행되고 있음 </a:t>
+            </a:r>
+            <a:endParaRPr lang="en-US" sz="2000" kern="0" dirty="0">
+              <a:solidFill>
+                <a:sysClr val="windowText" lastClr="000000"/>
+              </a:solidFill>
+              <a:cs typeface="Malgun Gothic"/>
+            </a:endParaRPr>
+          </a:p>
+        </p:txBody>
+      </p:sp>
+      <p:sp>
+        <p:nvSpPr>
+          <p:cNvPr id="19" name="object 6">
+            <a:extLst>
+              <a:ext uri="{FF2B5EF4-FFF2-40B4-BE49-F238E27FC236}">
+                <a16:creationId xmlns:a16="http://schemas.microsoft.com/office/drawing/2014/main" id="{C73C25E3-E198-4627-994A-E730949EA465}"/>
+              </a:ext>
+            </a:extLst>
+          </p:cNvPr>
+          <p:cNvSpPr/>
+          <p:nvPr/>
+        </p:nvSpPr>
+        <p:spPr>
+          <a:xfrm>
+            <a:off x="430250" y="985061"/>
+            <a:ext cx="11353800" cy="45720"/>
+          </a:xfrm>
+          <a:custGeom>
+            <a:avLst/>
+            <a:gdLst/>
+            <a:ahLst/>
+            <a:cxnLst/>
+            <a:rect l="l" t="t" r="r" b="b"/>
+            <a:pathLst>
+              <a:path w="11353800" h="45719">
+                <a:moveTo>
+                  <a:pt x="11353800" y="0"/>
+                </a:moveTo>
+                <a:lnTo>
+                  <a:pt x="0" y="0"/>
+                </a:lnTo>
+                <a:lnTo>
+                  <a:pt x="0" y="45718"/>
+                </a:lnTo>
+                <a:lnTo>
+                  <a:pt x="11353800" y="45718"/>
+                </a:lnTo>
+                <a:lnTo>
+                  <a:pt x="11353800" y="0"/>
+                </a:lnTo>
+                <a:close/>
+              </a:path>
+            </a:pathLst>
+          </a:custGeom>
+          <a:solidFill>
+            <a:srgbClr val="0C3F8B"/>
+          </a:solidFill>
+        </p:spPr>
+        <p:txBody>
+          <a:bodyPr wrap="square" lIns="0" tIns="0" rIns="0" bIns="0" rtlCol="0"/>
+          <a:lstStyle/>
+          <a:p>
+            <a:pPr marL="0" marR="0" lvl="0" indent="0" defTabSz="914400" eaLnBrk="1" fontAlgn="auto" latinLnBrk="0" hangingPunct="1">
+              <a:lnSpc>
+                <a:spcPct val="100000"/>
+              </a:lnSpc>
+              <a:spcBef>
+                <a:spcPts val="0"/>
+              </a:spcBef>
+              <a:spcAft>
+                <a:spcPts val="0"/>
+              </a:spcAft>
+              <a:buClrTx/>
+              <a:buSzTx/>
+              <a:buFontTx/>
+              <a:buNone/>
+              <a:tabLst/>
+              <a:defRPr/>
+            </a:pPr>
+            <a:endParaRPr kumimoji="0" sz="1800" b="0" i="0" u="none" strike="noStrike" kern="0" cap="none" spc="0" normalizeH="0" baseline="0" noProof="0">
+              <a:ln>
+                <a:noFill/>
+              </a:ln>
+              <a:solidFill>
+                <a:sysClr val="windowText" lastClr="000000"/>
+              </a:solidFill>
+              <a:effectLst/>
+              <a:uLnTx/>
+              <a:uFillTx/>
+            </a:endParaRPr>
+          </a:p>
+        </p:txBody>
+      </p:sp>
+      <p:grpSp>
+        <p:nvGrpSpPr>
+          <p:cNvPr id="7" name="그룹 6">
+            <a:extLst>
+              <a:ext uri="{FF2B5EF4-FFF2-40B4-BE49-F238E27FC236}">
+                <a16:creationId xmlns:a16="http://schemas.microsoft.com/office/drawing/2014/main" id="{F1DD6621-B9A5-4731-98E8-4755A8C8B117}"/>
+              </a:ext>
+            </a:extLst>
+          </p:cNvPr>
+          <p:cNvGrpSpPr/>
+          <p:nvPr/>
+        </p:nvGrpSpPr>
+        <p:grpSpPr>
+          <a:xfrm>
+            <a:off x="9250532" y="6219306"/>
+            <a:ext cx="2776842" cy="457642"/>
+            <a:chOff x="8473734" y="6091284"/>
+            <a:chExt cx="3553640" cy="585664"/>
+          </a:xfrm>
+        </p:grpSpPr>
+        <p:pic>
+          <p:nvPicPr>
+            <p:cNvPr id="8" name="그림 7">
+              <a:extLst>
+                <a:ext uri="{FF2B5EF4-FFF2-40B4-BE49-F238E27FC236}">
+                  <a16:creationId xmlns:a16="http://schemas.microsoft.com/office/drawing/2014/main" id="{0FC29E61-9F1E-408A-9BFC-2D93C28F985E}"/>
+                </a:ext>
+              </a:extLst>
+            </p:cNvPr>
+            <p:cNvPicPr>
+              <a:picLocks noChangeAspect="1"/>
+            </p:cNvPicPr>
+            <p:nvPr/>
+          </p:nvPicPr>
+          <p:blipFill rotWithShape="1">
+            <a:blip r:embed="rId2">
+              <a:extLst>
+                <a:ext uri="{28A0092B-C50C-407E-A947-70E740481C1C}">
+                  <a14:useLocalDpi xmlns:a14="http://schemas.microsoft.com/office/drawing/2010/main" val="0"/>
+                </a:ext>
+              </a:extLst>
+            </a:blip>
+            <a:srcRect l="74535" t="3851" r="5686" b="50143"/>
+            <a:stretch/>
+          </p:blipFill>
+          <p:spPr>
+            <a:xfrm>
+              <a:off x="8473734" y="6091284"/>
+              <a:ext cx="1353669" cy="585664"/>
+            </a:xfrm>
+            <a:prstGeom prst="rect">
+              <a:avLst/>
+            </a:prstGeom>
+          </p:spPr>
+        </p:pic>
+        <p:pic>
+          <p:nvPicPr>
+            <p:cNvPr id="9" name="그림 8">
+              <a:extLst>
+                <a:ext uri="{FF2B5EF4-FFF2-40B4-BE49-F238E27FC236}">
+                  <a16:creationId xmlns:a16="http://schemas.microsoft.com/office/drawing/2014/main" id="{06EF536C-0C14-4FED-B594-471A701EA897}"/>
+                </a:ext>
+              </a:extLst>
+            </p:cNvPr>
+            <p:cNvPicPr>
+              <a:picLocks noChangeAspect="1"/>
+            </p:cNvPicPr>
+            <p:nvPr/>
+          </p:nvPicPr>
+          <p:blipFill>
+            <a:blip r:embed="rId3" cstate="hqprint">
+              <a:extLst>
+                <a:ext uri="{28A0092B-C50C-407E-A947-70E740481C1C}">
+                  <a14:useLocalDpi xmlns:a14="http://schemas.microsoft.com/office/drawing/2010/main" val="0"/>
+                </a:ext>
+              </a:extLst>
+            </a:blip>
+            <a:stretch>
+              <a:fillRect/>
+            </a:stretch>
+          </p:blipFill>
+          <p:spPr>
+            <a:xfrm>
+              <a:off x="9827403" y="6172124"/>
+              <a:ext cx="2199971" cy="423985"/>
+            </a:xfrm>
+            <a:prstGeom prst="rect">
+              <a:avLst/>
+            </a:prstGeom>
+          </p:spPr>
+        </p:pic>
+      </p:grpSp>
+      <p:sp>
+        <p:nvSpPr>
+          <p:cNvPr id="10" name="object 2">
+            <a:extLst>
+              <a:ext uri="{FF2B5EF4-FFF2-40B4-BE49-F238E27FC236}">
+                <a16:creationId xmlns:a16="http://schemas.microsoft.com/office/drawing/2014/main" id="{8CB99A9A-91C2-4C3A-9F5F-B2BD257A0303}"/>
+              </a:ext>
+            </a:extLst>
+          </p:cNvPr>
+          <p:cNvSpPr txBox="1">
+            <a:spLocks/>
+          </p:cNvSpPr>
+          <p:nvPr/>
+        </p:nvSpPr>
+        <p:spPr>
+          <a:xfrm>
+            <a:off x="492575" y="391668"/>
+            <a:ext cx="1793875" cy="513080"/>
+          </a:xfrm>
+          <a:prstGeom prst="rect">
+            <a:avLst/>
+          </a:prstGeom>
+        </p:spPr>
+        <p:txBody>
+          <a:bodyPr vert="horz" wrap="square" lIns="0" tIns="12700" rIns="0" bIns="0" rtlCol="0">
+            <a:spAutoFit/>
+          </a:bodyPr>
+          <a:lstStyle>
+            <a:lvl1pPr>
+              <a:defRPr sz="3600" b="1" i="0">
+                <a:solidFill>
+                  <a:schemeClr val="tx1"/>
+                </a:solidFill>
+                <a:latin typeface="Malgun Gothic"/>
+                <a:ea typeface="+mj-ea"/>
+                <a:cs typeface="Malgun Gothic"/>
+              </a:defRPr>
+            </a:lvl1pPr>
+          </a:lstStyle>
+          <a:p>
+            <a:pPr marL="12700" marR="0" lvl="0" indent="0" defTabSz="914400" eaLnBrk="1" fontAlgn="auto" latinLnBrk="0" hangingPunct="1">
+              <a:lnSpc>
+                <a:spcPct val="100000"/>
+              </a:lnSpc>
+              <a:spcBef>
+                <a:spcPts val="100"/>
+              </a:spcBef>
+              <a:spcAft>
+                <a:spcPts val="0"/>
+              </a:spcAft>
+              <a:buClrTx/>
+              <a:buSzTx/>
+              <a:buFontTx/>
+              <a:buNone/>
+              <a:tabLst>
+                <a:tab pos="967740" algn="l"/>
+              </a:tabLst>
+              <a:defRPr/>
+            </a:pPr>
+            <a:r>
+              <a:rPr kumimoji="0" lang="ko-KR" altLang="en-US" sz="3200" b="1" i="0" u="none" strike="noStrike" kern="0" cap="none" spc="-25" normalizeH="0" baseline="0" noProof="0" dirty="0">
+                <a:ln>
+                  <a:noFill/>
+                </a:ln>
+                <a:solidFill>
+                  <a:srgbClr val="001F60"/>
+                </a:solidFill>
+                <a:effectLst/>
+                <a:uLnTx/>
+                <a:uFillTx/>
+                <a:latin typeface="Malgun Gothic"/>
+                <a:ea typeface="맑은 고딕" panose="020B0503020000020004" pitchFamily="50" charset="-127"/>
+              </a:rPr>
+              <a:t>연구</a:t>
+            </a:r>
+            <a:r>
+              <a:rPr lang="ko-KR" altLang="en-US" sz="3200" kern="0" dirty="0">
+                <a:solidFill>
+                  <a:srgbClr val="001F60"/>
+                </a:solidFill>
+                <a:ea typeface="맑은 고딕" panose="020B0503020000020004" pitchFamily="50" charset="-127"/>
+              </a:rPr>
+              <a:t> </a:t>
+            </a:r>
+            <a:r>
+              <a:rPr lang="ko-KR" altLang="en-US" sz="3200" kern="0" spc="-25" dirty="0">
+                <a:solidFill>
+                  <a:srgbClr val="001F60"/>
+                </a:solidFill>
+                <a:ea typeface="맑은 고딕" panose="020B0503020000020004" pitchFamily="50" charset="-127"/>
+              </a:rPr>
+              <a:t>목적</a:t>
+            </a:r>
+            <a:endParaRPr kumimoji="0" lang="ko-KR" altLang="en-US" sz="3200" b="1" i="0" u="none" strike="noStrike" kern="0" cap="none" spc="0" normalizeH="0" baseline="0" noProof="0" dirty="0">
+              <a:ln>
+                <a:noFill/>
+              </a:ln>
+              <a:solidFill>
+                <a:sysClr val="windowText" lastClr="000000"/>
+              </a:solidFill>
+              <a:effectLst/>
+              <a:uLnTx/>
+              <a:uFillTx/>
+              <a:latin typeface="Malgun Gothic"/>
+              <a:ea typeface="맑은 고딕" panose="020B0503020000020004" pitchFamily="50" charset="-127"/>
+            </a:endParaRPr>
+          </a:p>
+        </p:txBody>
+      </p:sp>
+      <p:graphicFrame>
+        <p:nvGraphicFramePr>
+          <p:cNvPr id="11" name="표 4">
+            <a:extLst>
+              <a:ext uri="{FF2B5EF4-FFF2-40B4-BE49-F238E27FC236}">
+                <a16:creationId xmlns:a16="http://schemas.microsoft.com/office/drawing/2014/main" id="{79A07AA6-5A6C-450D-B332-BAD160FB4D19}"/>
+              </a:ext>
+            </a:extLst>
+          </p:cNvPr>
+          <p:cNvGraphicFramePr>
+            <a:graphicFrameLocks noGrp="1"/>
+          </p:cNvGraphicFramePr>
+          <p:nvPr>
+            <p:extLst>
+              <p:ext uri="{D42A27DB-BD31-4B8C-83A1-F6EECF244321}">
+                <p14:modId xmlns:p14="http://schemas.microsoft.com/office/powerpoint/2010/main" val="3356491054"/>
+              </p:ext>
+            </p:extLst>
+          </p:nvPr>
+        </p:nvGraphicFramePr>
+        <p:xfrm>
+          <a:off x="1098261" y="2027379"/>
+          <a:ext cx="9995478" cy="3845560"/>
+        </p:xfrm>
+        <a:graphic>
+          <a:graphicData uri="http://schemas.openxmlformats.org/drawingml/2006/table">
+            <a:tbl>
+              <a:tblPr firstRow="1" bandRow="1">
+                <a:tableStyleId>{2D5ABB26-0587-4C30-8999-92F81FD0307C}</a:tableStyleId>
+              </a:tblPr>
+              <a:tblGrid>
+                <a:gridCol w="3613698">
+                  <a:extLst>
+                    <a:ext uri="{9D8B030D-6E8A-4147-A177-3AD203B41FA5}">
+                      <a16:colId xmlns:a16="http://schemas.microsoft.com/office/drawing/2014/main" val="217998940"/>
+                    </a:ext>
+                  </a:extLst>
+                </a:gridCol>
+                <a:gridCol w="3924329">
+                  <a:extLst>
+                    <a:ext uri="{9D8B030D-6E8A-4147-A177-3AD203B41FA5}">
+                      <a16:colId xmlns:a16="http://schemas.microsoft.com/office/drawing/2014/main" val="2127612294"/>
+                    </a:ext>
+                  </a:extLst>
+                </a:gridCol>
+                <a:gridCol w="2457451">
+                  <a:extLst>
+                    <a:ext uri="{9D8B030D-6E8A-4147-A177-3AD203B41FA5}">
+                      <a16:colId xmlns:a16="http://schemas.microsoft.com/office/drawing/2014/main" val="3856871532"/>
+                    </a:ext>
+                  </a:extLst>
+                </a:gridCol>
+              </a:tblGrid>
+              <a:tr h="370840">
+                <a:tc>
+                  <a:txBody>
+                    <a:bodyPr/>
+                    <a:lstStyle/>
+                    <a:p>
+                      <a:pPr latinLnBrk="1"/>
+                      <a:r>
+                        <a:rPr lang="en-US" altLang="ko-KR" sz="1200" b="1" dirty="0"/>
+                        <a:t>Authors(Year)</a:t>
+                      </a:r>
+                      <a:endParaRPr lang="ko-KR" altLang="en-US" sz="1200" b="1" dirty="0"/>
+                    </a:p>
+                  </a:txBody>
+                  <a:tcPr anchor="ctr" anchorCtr="1">
+                    <a:lnL w="12700" cap="flat" cmpd="sng" algn="ctr">
+                      <a:noFill/>
+                      <a:prstDash val="solid"/>
+                      <a:round/>
+                      <a:headEnd type="none" w="med" len="med"/>
+                      <a:tailEnd type="none" w="med" len="med"/>
+                    </a:lnL>
+                    <a:lnR w="12700" cap="flat" cmpd="sng" algn="ctr">
+                      <a:solidFill>
+                        <a:schemeClr val="tx1"/>
+                      </a:solidFill>
+                      <a:prstDash val="solid"/>
+                      <a:round/>
+                      <a:headEnd type="none" w="med" len="med"/>
+                      <a:tailEnd type="none" w="med" len="med"/>
+                    </a:lnR>
+                    <a:lnT w="12700" cap="flat" cmpd="sng" algn="ctr">
+                      <a:solidFill>
+                        <a:schemeClr val="tx1"/>
+                      </a:solidFill>
+                      <a:prstDash val="solid"/>
+                      <a:round/>
+                      <a:headEnd type="none" w="med" len="med"/>
+                      <a:tailEnd type="none" w="med" len="med"/>
+                    </a:lnT>
+                    <a:lnB w="12700" cap="flat" cmpd="sng" algn="ctr">
+                      <a:solidFill>
+                        <a:schemeClr val="tx1"/>
+                      </a:solidFill>
+                      <a:prstDash val="solid"/>
+                      <a:round/>
+                      <a:headEnd type="none" w="med" len="med"/>
+                      <a:tailEnd type="none" w="med" len="med"/>
+                    </a:lnB>
+                    <a:lnTlToBr w="12700" cmpd="sng">
+                      <a:noFill/>
+                      <a:prstDash val="solid"/>
+                    </a:lnTlToBr>
+                    <a:lnBlToTr w="12700" cmpd="sng">
+                      <a:noFill/>
+                      <a:prstDash val="solid"/>
+                    </a:lnBlToTr>
+                  </a:tcPr>
+                </a:tc>
+                <a:tc>
+                  <a:txBody>
+                    <a:bodyPr/>
+                    <a:lstStyle/>
+                    <a:p>
+                      <a:pPr latinLnBrk="1"/>
+                      <a:r>
+                        <a:rPr lang="en-US" altLang="ko-KR" sz="1200" b="1" dirty="0"/>
+                        <a:t>Title</a:t>
+                      </a:r>
+                      <a:endParaRPr lang="ko-KR" altLang="en-US" sz="1200" b="1" dirty="0"/>
+                    </a:p>
+                  </a:txBody>
+                  <a:tcPr anchor="ctr" anchorCtr="1">
+                    <a:lnL w="12700" cap="flat" cmpd="sng" algn="ctr">
+                      <a:solidFill>
+                        <a:schemeClr val="tx1"/>
+                      </a:solidFill>
+                      <a:prstDash val="solid"/>
+                      <a:round/>
+                      <a:headEnd type="none" w="med" len="med"/>
+                      <a:tailEnd type="none" w="med" len="med"/>
+                    </a:lnL>
+                    <a:lnR w="12700" cap="flat" cmpd="sng" algn="ctr">
+                      <a:solidFill>
+                        <a:schemeClr val="tx1"/>
+                      </a:solidFill>
+                      <a:prstDash val="solid"/>
+                      <a:round/>
+                      <a:headEnd type="none" w="med" len="med"/>
+                      <a:tailEnd type="none" w="med" len="med"/>
+                    </a:lnR>
+                    <a:lnT w="12700" cap="flat" cmpd="sng" algn="ctr">
+                      <a:solidFill>
+                        <a:schemeClr val="tx1"/>
+                      </a:solidFill>
+                      <a:prstDash val="solid"/>
+                      <a:round/>
+                      <a:headEnd type="none" w="med" len="med"/>
+                      <a:tailEnd type="none" w="med" len="med"/>
+                    </a:lnT>
+                    <a:lnB w="12700" cap="flat" cmpd="sng" algn="ctr">
+                      <a:solidFill>
+                        <a:schemeClr val="tx1"/>
+                      </a:solidFill>
+                      <a:prstDash val="solid"/>
+                      <a:round/>
+                      <a:headEnd type="none" w="med" len="med"/>
+                      <a:tailEnd type="none" w="med" len="med"/>
+                    </a:lnB>
+                    <a:lnTlToBr w="12700" cmpd="sng">
+                      <a:noFill/>
+                      <a:prstDash val="solid"/>
+                    </a:lnTlToBr>
+                    <a:lnBlToTr w="12700" cmpd="sng">
+                      <a:noFill/>
+                      <a:prstDash val="solid"/>
+                    </a:lnBlToTr>
+                  </a:tcPr>
+                </a:tc>
+                <a:tc>
+                  <a:txBody>
+                    <a:bodyPr/>
+                    <a:lstStyle/>
+                    <a:p>
+                      <a:pPr latinLnBrk="1"/>
+                      <a:r>
+                        <a:rPr lang="en-US" altLang="ko-KR" sz="1200" b="1" dirty="0"/>
+                        <a:t>Forecasting Method</a:t>
+                      </a:r>
+                      <a:endParaRPr lang="ko-KR" altLang="en-US" sz="1200" b="1" dirty="0"/>
+                    </a:p>
+                  </a:txBody>
+                  <a:tcPr anchor="ctr" anchorCtr="1">
+                    <a:lnL w="12700" cap="flat" cmpd="sng" algn="ctr">
+                      <a:solidFill>
+                        <a:schemeClr val="tx1"/>
+                      </a:solidFill>
+                      <a:prstDash val="solid"/>
+                      <a:round/>
+                      <a:headEnd type="none" w="med" len="med"/>
+                      <a:tailEnd type="none" w="med" len="med"/>
+                    </a:lnL>
+                    <a:lnR w="12700" cap="flat" cmpd="sng" algn="ctr">
+                      <a:noFill/>
+                      <a:prstDash val="solid"/>
+                      <a:round/>
+                      <a:headEnd type="none" w="med" len="med"/>
+                      <a:tailEnd type="none" w="med" len="med"/>
+                    </a:lnR>
+                    <a:lnT w="12700" cap="flat" cmpd="sng" algn="ctr">
+                      <a:solidFill>
+                        <a:schemeClr val="tx1"/>
+                      </a:solidFill>
+                      <a:prstDash val="solid"/>
+                      <a:round/>
+                      <a:headEnd type="none" w="med" len="med"/>
+                      <a:tailEnd type="none" w="med" len="med"/>
+                    </a:lnT>
+                    <a:lnB w="12700" cap="flat" cmpd="sng" algn="ctr">
+                      <a:solidFill>
+                        <a:schemeClr val="tx1"/>
+                      </a:solidFill>
+                      <a:prstDash val="solid"/>
+                      <a:round/>
+                      <a:headEnd type="none" w="med" len="med"/>
+                      <a:tailEnd type="none" w="med" len="med"/>
+                    </a:lnB>
+                    <a:lnTlToBr w="12700" cmpd="sng">
+                      <a:noFill/>
+                      <a:prstDash val="solid"/>
+                    </a:lnTlToBr>
+                    <a:lnBlToTr w="12700" cmpd="sng">
+                      <a:noFill/>
+                      <a:prstDash val="solid"/>
+                    </a:lnBlToTr>
+                  </a:tcPr>
+                </a:tc>
+                <a:extLst>
+                  <a:ext uri="{0D108BD9-81ED-4DB2-BD59-A6C34878D82A}">
+                    <a16:rowId xmlns:a16="http://schemas.microsoft.com/office/drawing/2014/main" val="927346212"/>
+                  </a:ext>
+                </a:extLst>
+              </a:tr>
+              <a:tr h="370840">
+                <a:tc>
+                  <a:txBody>
+                    <a:bodyPr/>
+                    <a:lstStyle/>
+                    <a:p>
+                      <a:pPr latinLnBrk="1"/>
+                      <a:r>
+                        <a:rPr lang="en-US" altLang="ko-KR" sz="1200" dirty="0"/>
+                        <a:t>I. Kim &amp; S. Lee(2019)</a:t>
+                      </a:r>
+                      <a:endParaRPr lang="ko-KR" altLang="en-US" sz="1200" dirty="0"/>
+                    </a:p>
+                  </a:txBody>
+                  <a:tcPr anchor="ctr" anchorCtr="1">
+                    <a:lnL w="12700" cap="flat" cmpd="sng" algn="ctr">
+                      <a:noFill/>
+                      <a:prstDash val="solid"/>
+                      <a:round/>
+                      <a:headEnd type="none" w="med" len="med"/>
+                      <a:tailEnd type="none" w="med" len="med"/>
+                    </a:lnL>
+                    <a:lnR w="12700" cap="flat" cmpd="sng" algn="ctr">
+                      <a:solidFill>
+                        <a:schemeClr val="tx1"/>
+                      </a:solidFill>
+                      <a:prstDash val="solid"/>
+                      <a:round/>
+                      <a:headEnd type="none" w="med" len="med"/>
+                      <a:tailEnd type="none" w="med" len="med"/>
+                    </a:lnR>
+                    <a:lnT w="12700" cap="flat" cmpd="sng" algn="ctr">
+                      <a:solidFill>
+                        <a:schemeClr val="tx1"/>
+                      </a:solidFill>
+                      <a:prstDash val="solid"/>
+                      <a:round/>
+                      <a:headEnd type="none" w="med" len="med"/>
+                      <a:tailEnd type="none" w="med" len="med"/>
+                    </a:lnT>
+                    <a:lnB w="12700" cap="flat" cmpd="sng" algn="ctr">
+                      <a:solidFill>
+                        <a:schemeClr val="tx1"/>
+                      </a:solidFill>
+                      <a:prstDash val="solid"/>
+                      <a:round/>
+                      <a:headEnd type="none" w="med" len="med"/>
+                      <a:tailEnd type="none" w="med" len="med"/>
+                    </a:lnB>
+                    <a:lnTlToBr w="12700" cmpd="sng">
+                      <a:noFill/>
+                      <a:prstDash val="solid"/>
+                    </a:lnTlToBr>
+                    <a:lnBlToTr w="12700" cmpd="sng">
+                      <a:noFill/>
+                      <a:prstDash val="solid"/>
+                    </a:lnBlToTr>
+                  </a:tcPr>
+                </a:tc>
+                <a:tc>
+                  <a:txBody>
+                    <a:bodyPr/>
+                    <a:lstStyle/>
+                    <a:p>
+                      <a:pPr latinLnBrk="1"/>
+                      <a:r>
+                        <a:rPr lang="en-US" altLang="ko-KR" sz="1200" dirty="0"/>
+                        <a:t>A Study on the Design of Testable CAM using MTA code</a:t>
+                      </a:r>
+                      <a:endParaRPr lang="ko-KR" altLang="en-US" sz="1200" dirty="0"/>
+                    </a:p>
+                  </a:txBody>
+                  <a:tcPr anchor="ctr" anchorCtr="1">
+                    <a:lnL w="12700" cap="flat" cmpd="sng" algn="ctr">
+                      <a:solidFill>
+                        <a:schemeClr val="tx1"/>
+                      </a:solidFill>
+                      <a:prstDash val="solid"/>
+                      <a:round/>
+                      <a:headEnd type="none" w="med" len="med"/>
+                      <a:tailEnd type="none" w="med" len="med"/>
+                    </a:lnL>
+                    <a:lnR w="12700" cap="flat" cmpd="sng" algn="ctr">
+                      <a:solidFill>
+                        <a:schemeClr val="tx1"/>
+                      </a:solidFill>
+                      <a:prstDash val="solid"/>
+                      <a:round/>
+                      <a:headEnd type="none" w="med" len="med"/>
+                      <a:tailEnd type="none" w="med" len="med"/>
+                    </a:lnR>
+                    <a:lnT w="12700" cap="flat" cmpd="sng" algn="ctr">
+                      <a:solidFill>
+                        <a:schemeClr val="tx1"/>
+                      </a:solidFill>
+                      <a:prstDash val="solid"/>
+                      <a:round/>
+                      <a:headEnd type="none" w="med" len="med"/>
+                      <a:tailEnd type="none" w="med" len="med"/>
+                    </a:lnT>
+                    <a:lnB w="12700" cap="flat" cmpd="sng" algn="ctr">
+                      <a:solidFill>
+                        <a:schemeClr val="tx1"/>
+                      </a:solidFill>
+                      <a:prstDash val="solid"/>
+                      <a:round/>
+                      <a:headEnd type="none" w="med" len="med"/>
+                      <a:tailEnd type="none" w="med" len="med"/>
+                    </a:lnB>
+                    <a:lnTlToBr w="12700" cmpd="sng">
+                      <a:noFill/>
+                      <a:prstDash val="solid"/>
+                    </a:lnTlToBr>
+                    <a:lnBlToTr w="12700" cmpd="sng">
+                      <a:noFill/>
+                      <a:prstDash val="solid"/>
+                    </a:lnBlToTr>
+                  </a:tcPr>
+                </a:tc>
+                <a:tc>
+                  <a:txBody>
+                    <a:bodyPr/>
+                    <a:lstStyle/>
+                    <a:p>
+                      <a:pPr latinLnBrk="1"/>
+                      <a:r>
+                        <a:rPr lang="en-US" altLang="ko-KR" sz="1200" dirty="0"/>
+                        <a:t>CNN</a:t>
+                      </a:r>
+                      <a:endParaRPr lang="ko-KR" altLang="en-US" sz="1200" dirty="0"/>
+                    </a:p>
+                  </a:txBody>
+                  <a:tcPr anchor="ctr" anchorCtr="1">
+                    <a:lnL w="12700" cap="flat" cmpd="sng" algn="ctr">
+                      <a:solidFill>
+                        <a:schemeClr val="tx1"/>
+                      </a:solidFill>
+                      <a:prstDash val="solid"/>
+                      <a:round/>
+                      <a:headEnd type="none" w="med" len="med"/>
+                      <a:tailEnd type="none" w="med" len="med"/>
+                    </a:lnL>
+                    <a:lnR w="12700" cap="flat" cmpd="sng" algn="ctr">
+                      <a:noFill/>
+                      <a:prstDash val="solid"/>
+                      <a:round/>
+                      <a:headEnd type="none" w="med" len="med"/>
+                      <a:tailEnd type="none" w="med" len="med"/>
+                    </a:lnR>
+                    <a:lnT w="12700" cap="flat" cmpd="sng" algn="ctr">
+                      <a:solidFill>
+                        <a:schemeClr val="tx1"/>
+                      </a:solidFill>
+                      <a:prstDash val="solid"/>
+                      <a:round/>
+                      <a:headEnd type="none" w="med" len="med"/>
+                      <a:tailEnd type="none" w="med" len="med"/>
+                    </a:lnT>
+                    <a:lnB w="12700" cap="flat" cmpd="sng" algn="ctr">
+                      <a:solidFill>
+                        <a:schemeClr val="tx1"/>
+                      </a:solidFill>
+                      <a:prstDash val="solid"/>
+                      <a:round/>
+                      <a:headEnd type="none" w="med" len="med"/>
+                      <a:tailEnd type="none" w="med" len="med"/>
+                    </a:lnB>
+                    <a:lnTlToBr w="12700" cmpd="sng">
+                      <a:noFill/>
+                      <a:prstDash val="solid"/>
+                    </a:lnTlToBr>
+                    <a:lnBlToTr w="12700" cmpd="sng">
+                      <a:noFill/>
+                      <a:prstDash val="solid"/>
+                    </a:lnBlToTr>
+                  </a:tcPr>
+                </a:tc>
+                <a:extLst>
+                  <a:ext uri="{0D108BD9-81ED-4DB2-BD59-A6C34878D82A}">
+                    <a16:rowId xmlns:a16="http://schemas.microsoft.com/office/drawing/2014/main" val="2337102662"/>
+                  </a:ext>
+                </a:extLst>
+              </a:tr>
+              <a:tr h="370840">
+                <a:tc>
+                  <a:txBody>
+                    <a:bodyPr/>
+                    <a:lstStyle/>
+                    <a:p>
+                      <a:pPr marL="0" marR="0" lvl="0" indent="0" algn="l" defTabSz="914400" rtl="0" eaLnBrk="1" fontAlgn="auto" latinLnBrk="1" hangingPunct="1">
+                        <a:lnSpc>
+                          <a:spcPct val="100000"/>
+                        </a:lnSpc>
+                        <a:spcBef>
+                          <a:spcPts val="0"/>
+                        </a:spcBef>
+                        <a:spcAft>
+                          <a:spcPts val="0"/>
+                        </a:spcAft>
+                        <a:buClrTx/>
+                        <a:buSzTx/>
+                        <a:buFontTx/>
+                        <a:buNone/>
+                        <a:tabLst/>
+                        <a:defRPr/>
+                      </a:pPr>
+                      <a:r>
+                        <a:rPr lang="en-US" altLang="ko-KR" sz="1200" dirty="0"/>
+                        <a:t>S. Jung, J. Moon, S. Park &amp; E. Hwang (2019)</a:t>
+                      </a:r>
+                      <a:endParaRPr lang="ko-KR" altLang="en-US" sz="1200" dirty="0"/>
+                    </a:p>
+                  </a:txBody>
+                  <a:tcPr anchor="ctr" anchorCtr="1">
+                    <a:lnL w="12700" cap="flat" cmpd="sng" algn="ctr">
+                      <a:noFill/>
+                      <a:prstDash val="solid"/>
+                      <a:round/>
+                      <a:headEnd type="none" w="med" len="med"/>
+                      <a:tailEnd type="none" w="med" len="med"/>
+                    </a:lnL>
+                    <a:lnR w="12700" cap="flat" cmpd="sng" algn="ctr">
+                      <a:solidFill>
+                        <a:schemeClr val="tx1"/>
+                      </a:solidFill>
+                      <a:prstDash val="solid"/>
+                      <a:round/>
+                      <a:headEnd type="none" w="med" len="med"/>
+                      <a:tailEnd type="none" w="med" len="med"/>
+                    </a:lnR>
+                    <a:lnT w="12700" cap="flat" cmpd="sng" algn="ctr">
+                      <a:solidFill>
+                        <a:schemeClr val="tx1"/>
+                      </a:solidFill>
+                      <a:prstDash val="solid"/>
+                      <a:round/>
+                      <a:headEnd type="none" w="med" len="med"/>
+                      <a:tailEnd type="none" w="med" len="med"/>
+                    </a:lnT>
+                    <a:lnB w="12700" cap="flat" cmpd="sng" algn="ctr">
+                      <a:solidFill>
+                        <a:schemeClr val="tx1"/>
+                      </a:solidFill>
+                      <a:prstDash val="solid"/>
+                      <a:round/>
+                      <a:headEnd type="none" w="med" len="med"/>
+                      <a:tailEnd type="none" w="med" len="med"/>
+                    </a:lnB>
+                    <a:lnTlToBr w="12700" cmpd="sng">
+                      <a:noFill/>
+                      <a:prstDash val="solid"/>
+                    </a:lnTlToBr>
+                    <a:lnBlToTr w="12700" cmpd="sng">
+                      <a:noFill/>
+                      <a:prstDash val="solid"/>
+                    </a:lnBlToTr>
+                  </a:tcPr>
+                </a:tc>
+                <a:tc>
+                  <a:txBody>
+                    <a:bodyPr/>
+                    <a:lstStyle/>
+                    <a:p>
+                      <a:pPr latinLnBrk="1"/>
+                      <a:r>
+                        <a:rPr lang="en-US" altLang="ko-KR" sz="1200" dirty="0"/>
+                        <a:t>A Probabilistic Short-Term Solar Radiation Prediction Scheme Based on Attention Mechanism for Smart Island</a:t>
+                      </a:r>
+                      <a:endParaRPr lang="ko-KR" altLang="en-US" sz="1200" dirty="0"/>
+                    </a:p>
+                  </a:txBody>
+                  <a:tcPr anchor="ctr" anchorCtr="1">
+                    <a:lnL w="12700" cap="flat" cmpd="sng" algn="ctr">
+                      <a:solidFill>
+                        <a:schemeClr val="tx1"/>
+                      </a:solidFill>
+                      <a:prstDash val="solid"/>
+                      <a:round/>
+                      <a:headEnd type="none" w="med" len="med"/>
+                      <a:tailEnd type="none" w="med" len="med"/>
+                    </a:lnL>
+                    <a:lnR w="12700" cap="flat" cmpd="sng" algn="ctr">
+                      <a:solidFill>
+                        <a:schemeClr val="tx1"/>
+                      </a:solidFill>
+                      <a:prstDash val="solid"/>
+                      <a:round/>
+                      <a:headEnd type="none" w="med" len="med"/>
+                      <a:tailEnd type="none" w="med" len="med"/>
+                    </a:lnR>
+                    <a:lnT w="12700" cap="flat" cmpd="sng" algn="ctr">
+                      <a:solidFill>
+                        <a:schemeClr val="tx1"/>
+                      </a:solidFill>
+                      <a:prstDash val="solid"/>
+                      <a:round/>
+                      <a:headEnd type="none" w="med" len="med"/>
+                      <a:tailEnd type="none" w="med" len="med"/>
+                    </a:lnT>
+                    <a:lnB w="12700" cap="flat" cmpd="sng" algn="ctr">
+                      <a:solidFill>
+                        <a:schemeClr val="tx1"/>
+                      </a:solidFill>
+                      <a:prstDash val="solid"/>
+                      <a:round/>
+                      <a:headEnd type="none" w="med" len="med"/>
+                      <a:tailEnd type="none" w="med" len="med"/>
+                    </a:lnB>
+                    <a:lnTlToBr w="12700" cmpd="sng">
+                      <a:noFill/>
+                      <a:prstDash val="solid"/>
+                    </a:lnTlToBr>
+                    <a:lnBlToTr w="12700" cmpd="sng">
+                      <a:noFill/>
+                      <a:prstDash val="solid"/>
+                    </a:lnBlToTr>
+                  </a:tcPr>
+                </a:tc>
+                <a:tc>
+                  <a:txBody>
+                    <a:bodyPr/>
+                    <a:lstStyle/>
+                    <a:p>
+                      <a:pPr marL="0" marR="0" lvl="0" indent="0" algn="l" defTabSz="914400" rtl="0" eaLnBrk="1" fontAlgn="auto" latinLnBrk="1" hangingPunct="1">
+                        <a:lnSpc>
+                          <a:spcPct val="100000"/>
+                        </a:lnSpc>
+                        <a:spcBef>
+                          <a:spcPts val="0"/>
+                        </a:spcBef>
+                        <a:spcAft>
+                          <a:spcPts val="0"/>
+                        </a:spcAft>
+                        <a:buClrTx/>
+                        <a:buSzTx/>
+                        <a:buFontTx/>
+                        <a:buNone/>
+                        <a:tabLst/>
+                        <a:defRPr/>
+                      </a:pPr>
+                      <a:r>
+                        <a:rPr lang="en-US" altLang="ko-KR" sz="1200" dirty="0"/>
+                        <a:t>SNN,</a:t>
+                      </a:r>
+                      <a:r>
+                        <a:rPr lang="ko-KR" altLang="en-US" sz="1200" dirty="0"/>
+                        <a:t> </a:t>
+                      </a:r>
+                      <a:r>
+                        <a:rPr lang="en-US" altLang="ko-KR" sz="1200" dirty="0"/>
+                        <a:t>DNN,</a:t>
+                      </a:r>
+                      <a:r>
+                        <a:rPr lang="ko-KR" altLang="en-US" sz="1200" dirty="0"/>
+                        <a:t> </a:t>
+                      </a:r>
+                      <a:r>
+                        <a:rPr lang="en-US" altLang="ko-KR" sz="1200" dirty="0"/>
+                        <a:t>LSTM,</a:t>
+                      </a:r>
+                      <a:r>
+                        <a:rPr lang="ko-KR" altLang="en-US" sz="1200" dirty="0"/>
+                        <a:t> </a:t>
+                      </a:r>
+                      <a:r>
+                        <a:rPr lang="en-US" altLang="ko-KR" sz="1200" dirty="0"/>
+                        <a:t>ATT-LSTM</a:t>
+                      </a:r>
+                      <a:endParaRPr lang="ko-KR" altLang="en-US" sz="1200" dirty="0"/>
+                    </a:p>
+                  </a:txBody>
+                  <a:tcPr anchor="ctr" anchorCtr="1">
+                    <a:lnL w="12700" cap="flat" cmpd="sng" algn="ctr">
+                      <a:solidFill>
+                        <a:schemeClr val="tx1"/>
+                      </a:solidFill>
+                      <a:prstDash val="solid"/>
+                      <a:round/>
+                      <a:headEnd type="none" w="med" len="med"/>
+                      <a:tailEnd type="none" w="med" len="med"/>
+                    </a:lnL>
+                    <a:lnR w="12700" cap="flat" cmpd="sng" algn="ctr">
+                      <a:noFill/>
+                      <a:prstDash val="solid"/>
+                      <a:round/>
+                      <a:headEnd type="none" w="med" len="med"/>
+                      <a:tailEnd type="none" w="med" len="med"/>
+                    </a:lnR>
+                    <a:lnT w="12700" cap="flat" cmpd="sng" algn="ctr">
+                      <a:solidFill>
+                        <a:schemeClr val="tx1"/>
+                      </a:solidFill>
+                      <a:prstDash val="solid"/>
+                      <a:round/>
+                      <a:headEnd type="none" w="med" len="med"/>
+                      <a:tailEnd type="none" w="med" len="med"/>
+                    </a:lnT>
+                    <a:lnB w="12700" cap="flat" cmpd="sng" algn="ctr">
+                      <a:solidFill>
+                        <a:schemeClr val="tx1"/>
+                      </a:solidFill>
+                      <a:prstDash val="solid"/>
+                      <a:round/>
+                      <a:headEnd type="none" w="med" len="med"/>
+                      <a:tailEnd type="none" w="med" len="med"/>
+                    </a:lnB>
+                    <a:lnTlToBr w="12700" cmpd="sng">
+                      <a:noFill/>
+                      <a:prstDash val="solid"/>
+                    </a:lnTlToBr>
+                    <a:lnBlToTr w="12700" cmpd="sng">
+                      <a:noFill/>
+                      <a:prstDash val="solid"/>
+                    </a:lnBlToTr>
+                  </a:tcPr>
+                </a:tc>
+                <a:extLst>
+                  <a:ext uri="{0D108BD9-81ED-4DB2-BD59-A6C34878D82A}">
+                    <a16:rowId xmlns:a16="http://schemas.microsoft.com/office/drawing/2014/main" val="4279957020"/>
+                  </a:ext>
+                </a:extLst>
+              </a:tr>
+              <a:tr h="370840">
+                <a:tc>
+                  <a:txBody>
+                    <a:bodyPr/>
+                    <a:lstStyle/>
+                    <a:p>
+                      <a:pPr marL="0" marR="0" lvl="0" indent="0" algn="l" defTabSz="914400" rtl="0" eaLnBrk="1" fontAlgn="auto" latinLnBrk="1" hangingPunct="1">
+                        <a:lnSpc>
+                          <a:spcPct val="100000"/>
+                        </a:lnSpc>
+                        <a:spcBef>
+                          <a:spcPts val="0"/>
+                        </a:spcBef>
+                        <a:spcAft>
+                          <a:spcPts val="0"/>
+                        </a:spcAft>
+                        <a:buClrTx/>
+                        <a:buSzTx/>
+                        <a:buFontTx/>
+                        <a:buNone/>
+                        <a:tabLst/>
+                        <a:defRPr/>
+                      </a:pPr>
+                      <a:r>
+                        <a:rPr lang="en-US" altLang="ko-KR" sz="1200" dirty="0"/>
+                        <a:t>M. Kim et al. (2019)</a:t>
+                      </a:r>
+                      <a:endParaRPr lang="ko-KR" altLang="en-US" sz="1200" dirty="0"/>
+                    </a:p>
+                  </a:txBody>
+                  <a:tcPr anchor="ctr" anchorCtr="1">
+                    <a:lnL w="12700" cap="flat" cmpd="sng" algn="ctr">
+                      <a:noFill/>
+                      <a:prstDash val="solid"/>
+                      <a:round/>
+                      <a:headEnd type="none" w="med" len="med"/>
+                      <a:tailEnd type="none" w="med" len="med"/>
+                    </a:lnL>
+                    <a:lnR w="12700" cap="flat" cmpd="sng" algn="ctr">
+                      <a:solidFill>
+                        <a:schemeClr val="tx1"/>
+                      </a:solidFill>
+                      <a:prstDash val="solid"/>
+                      <a:round/>
+                      <a:headEnd type="none" w="med" len="med"/>
+                      <a:tailEnd type="none" w="med" len="med"/>
+                    </a:lnR>
+                    <a:lnT w="12700" cap="flat" cmpd="sng" algn="ctr">
+                      <a:solidFill>
+                        <a:schemeClr val="tx1"/>
+                      </a:solidFill>
+                      <a:prstDash val="solid"/>
+                      <a:round/>
+                      <a:headEnd type="none" w="med" len="med"/>
+                      <a:tailEnd type="none" w="med" len="med"/>
+                    </a:lnT>
+                    <a:lnB w="12700" cap="flat" cmpd="sng" algn="ctr">
+                      <a:solidFill>
+                        <a:schemeClr val="tx1"/>
+                      </a:solidFill>
+                      <a:prstDash val="solid"/>
+                      <a:round/>
+                      <a:headEnd type="none" w="med" len="med"/>
+                      <a:tailEnd type="none" w="med" len="med"/>
+                    </a:lnB>
+                    <a:lnTlToBr w="12700" cmpd="sng">
+                      <a:noFill/>
+                      <a:prstDash val="solid"/>
+                    </a:lnTlToBr>
+                    <a:lnBlToTr w="12700" cmpd="sng">
+                      <a:noFill/>
+                      <a:prstDash val="solid"/>
+                    </a:lnBlToTr>
+                  </a:tcPr>
+                </a:tc>
+                <a:tc>
+                  <a:txBody>
+                    <a:bodyPr/>
+                    <a:lstStyle/>
+                    <a:p>
+                      <a:pPr latinLnBrk="1"/>
+                      <a:r>
+                        <a:rPr lang="en-US" altLang="ko-KR" sz="1200" dirty="0"/>
+                        <a:t>A Study on Artificial Neural Network-based Solar Radiation Forecasting for Efficient Solar Photovoltaic System</a:t>
+                      </a:r>
+                      <a:endParaRPr lang="ko-KR" altLang="en-US" sz="1200" dirty="0"/>
+                    </a:p>
+                  </a:txBody>
+                  <a:tcPr anchor="ctr" anchorCtr="1">
+                    <a:lnL w="12700" cap="flat" cmpd="sng" algn="ctr">
+                      <a:solidFill>
+                        <a:schemeClr val="tx1"/>
+                      </a:solidFill>
+                      <a:prstDash val="solid"/>
+                      <a:round/>
+                      <a:headEnd type="none" w="med" len="med"/>
+                      <a:tailEnd type="none" w="med" len="med"/>
+                    </a:lnL>
+                    <a:lnR w="12700" cap="flat" cmpd="sng" algn="ctr">
+                      <a:solidFill>
+                        <a:schemeClr val="tx1"/>
+                      </a:solidFill>
+                      <a:prstDash val="solid"/>
+                      <a:round/>
+                      <a:headEnd type="none" w="med" len="med"/>
+                      <a:tailEnd type="none" w="med" len="med"/>
+                    </a:lnR>
+                    <a:lnT w="12700" cap="flat" cmpd="sng" algn="ctr">
+                      <a:solidFill>
+                        <a:schemeClr val="tx1"/>
+                      </a:solidFill>
+                      <a:prstDash val="solid"/>
+                      <a:round/>
+                      <a:headEnd type="none" w="med" len="med"/>
+                      <a:tailEnd type="none" w="med" len="med"/>
+                    </a:lnT>
+                    <a:lnB w="12700" cap="flat" cmpd="sng" algn="ctr">
+                      <a:solidFill>
+                        <a:schemeClr val="tx1"/>
+                      </a:solidFill>
+                      <a:prstDash val="solid"/>
+                      <a:round/>
+                      <a:headEnd type="none" w="med" len="med"/>
+                      <a:tailEnd type="none" w="med" len="med"/>
+                    </a:lnB>
+                    <a:lnTlToBr w="12700" cmpd="sng">
+                      <a:noFill/>
+                      <a:prstDash val="solid"/>
+                    </a:lnTlToBr>
+                    <a:lnBlToTr w="12700" cmpd="sng">
+                      <a:noFill/>
+                      <a:prstDash val="solid"/>
+                    </a:lnBlToTr>
+                  </a:tcPr>
+                </a:tc>
+                <a:tc>
+                  <a:txBody>
+                    <a:bodyPr/>
+                    <a:lstStyle/>
+                    <a:p>
+                      <a:pPr marL="0" marR="0" lvl="0" indent="0" algn="l" defTabSz="914400" rtl="0" eaLnBrk="1" fontAlgn="auto" latinLnBrk="1" hangingPunct="1">
+                        <a:lnSpc>
+                          <a:spcPct val="100000"/>
+                        </a:lnSpc>
+                        <a:spcBef>
+                          <a:spcPts val="0"/>
+                        </a:spcBef>
+                        <a:spcAft>
+                          <a:spcPts val="0"/>
+                        </a:spcAft>
+                        <a:buClrTx/>
+                        <a:buSzTx/>
+                        <a:buFontTx/>
+                        <a:buNone/>
+                        <a:tabLst/>
+                        <a:defRPr/>
+                      </a:pPr>
+                      <a:r>
+                        <a:rPr lang="en-US" altLang="ko-KR" sz="1200" dirty="0"/>
+                        <a:t>ANN, WD-ANN</a:t>
+                      </a:r>
+                      <a:endParaRPr lang="ko-KR" altLang="en-US" sz="1200" dirty="0"/>
+                    </a:p>
+                  </a:txBody>
+                  <a:tcPr anchor="ctr" anchorCtr="1">
+                    <a:lnL w="12700" cap="flat" cmpd="sng" algn="ctr">
+                      <a:solidFill>
+                        <a:schemeClr val="tx1"/>
+                      </a:solidFill>
+                      <a:prstDash val="solid"/>
+                      <a:round/>
+                      <a:headEnd type="none" w="med" len="med"/>
+                      <a:tailEnd type="none" w="med" len="med"/>
+                    </a:lnL>
+                    <a:lnR w="12700" cap="flat" cmpd="sng" algn="ctr">
+                      <a:noFill/>
+                      <a:prstDash val="solid"/>
+                      <a:round/>
+                      <a:headEnd type="none" w="med" len="med"/>
+                      <a:tailEnd type="none" w="med" len="med"/>
+                    </a:lnR>
+                    <a:lnT w="12700" cap="flat" cmpd="sng" algn="ctr">
+                      <a:solidFill>
+                        <a:schemeClr val="tx1"/>
+                      </a:solidFill>
+                      <a:prstDash val="solid"/>
+                      <a:round/>
+                      <a:headEnd type="none" w="med" len="med"/>
+                      <a:tailEnd type="none" w="med" len="med"/>
+                    </a:lnT>
+                    <a:lnB w="12700" cap="flat" cmpd="sng" algn="ctr">
+                      <a:solidFill>
+                        <a:schemeClr val="tx1"/>
+                      </a:solidFill>
+                      <a:prstDash val="solid"/>
+                      <a:round/>
+                      <a:headEnd type="none" w="med" len="med"/>
+                      <a:tailEnd type="none" w="med" len="med"/>
+                    </a:lnB>
+                    <a:lnTlToBr w="12700" cmpd="sng">
+                      <a:noFill/>
+                      <a:prstDash val="solid"/>
+                    </a:lnTlToBr>
+                    <a:lnBlToTr w="12700" cmpd="sng">
+                      <a:noFill/>
+                      <a:prstDash val="solid"/>
+                    </a:lnBlToTr>
+                  </a:tcPr>
+                </a:tc>
+                <a:extLst>
+                  <a:ext uri="{0D108BD9-81ED-4DB2-BD59-A6C34878D82A}">
+                    <a16:rowId xmlns:a16="http://schemas.microsoft.com/office/drawing/2014/main" val="3796140152"/>
+                  </a:ext>
+                </a:extLst>
+              </a:tr>
+              <a:tr h="370840">
+                <a:tc>
+                  <a:txBody>
+                    <a:bodyPr/>
+                    <a:lstStyle/>
+                    <a:p>
+                      <a:pPr marL="0" marR="0" lvl="0" indent="0" algn="l" defTabSz="914400" rtl="0" eaLnBrk="1" fontAlgn="auto" latinLnBrk="1" hangingPunct="1">
+                        <a:lnSpc>
+                          <a:spcPct val="100000"/>
+                        </a:lnSpc>
+                        <a:spcBef>
+                          <a:spcPts val="0"/>
+                        </a:spcBef>
+                        <a:spcAft>
+                          <a:spcPts val="0"/>
+                        </a:spcAft>
+                        <a:buClrTx/>
+                        <a:buSzTx/>
+                        <a:buFontTx/>
+                        <a:buNone/>
+                        <a:tabLst/>
+                        <a:defRPr/>
+                      </a:pPr>
+                      <a:r>
+                        <a:rPr lang="en-US" altLang="ko-KR" sz="1200" dirty="0"/>
+                        <a:t>J. Moon &amp; E. Hwang(2020)</a:t>
+                      </a:r>
+                      <a:endParaRPr lang="ko-KR" altLang="en-US" sz="1200" dirty="0"/>
+                    </a:p>
+                  </a:txBody>
+                  <a:tcPr anchor="ctr" anchorCtr="1">
+                    <a:lnL w="12700" cap="flat" cmpd="sng" algn="ctr">
+                      <a:noFill/>
+                      <a:prstDash val="solid"/>
+                      <a:round/>
+                      <a:headEnd type="none" w="med" len="med"/>
+                      <a:tailEnd type="none" w="med" len="med"/>
+                    </a:lnL>
+                    <a:lnR w="12700" cap="flat" cmpd="sng" algn="ctr">
+                      <a:solidFill>
+                        <a:schemeClr val="tx1"/>
+                      </a:solidFill>
+                      <a:prstDash val="solid"/>
+                      <a:round/>
+                      <a:headEnd type="none" w="med" len="med"/>
+                      <a:tailEnd type="none" w="med" len="med"/>
+                    </a:lnR>
+                    <a:lnT w="12700" cap="flat" cmpd="sng" algn="ctr">
+                      <a:solidFill>
+                        <a:schemeClr val="tx1"/>
+                      </a:solidFill>
+                      <a:prstDash val="solid"/>
+                      <a:round/>
+                      <a:headEnd type="none" w="med" len="med"/>
+                      <a:tailEnd type="none" w="med" len="med"/>
+                    </a:lnT>
+                    <a:lnB w="12700" cap="flat" cmpd="sng" algn="ctr">
+                      <a:solidFill>
+                        <a:schemeClr val="tx1"/>
+                      </a:solidFill>
+                      <a:prstDash val="solid"/>
+                      <a:round/>
+                      <a:headEnd type="none" w="med" len="med"/>
+                      <a:tailEnd type="none" w="med" len="med"/>
+                    </a:lnB>
+                    <a:lnTlToBr w="12700" cmpd="sng">
+                      <a:noFill/>
+                      <a:prstDash val="solid"/>
+                    </a:lnTlToBr>
+                    <a:lnBlToTr w="12700" cmpd="sng">
+                      <a:noFill/>
+                      <a:prstDash val="solid"/>
+                    </a:lnBlToTr>
+                  </a:tcPr>
+                </a:tc>
+                <a:tc>
+                  <a:txBody>
+                    <a:bodyPr/>
+                    <a:lstStyle/>
+                    <a:p>
+                      <a:pPr latinLnBrk="1"/>
+                      <a:r>
+                        <a:rPr lang="en-US" altLang="ko-KR" sz="1200" dirty="0"/>
+                        <a:t>Explainable Solar Irradiation Forecasting Based on Conditional Random Forests </a:t>
+                      </a:r>
+                      <a:endParaRPr lang="ko-KR" altLang="en-US" sz="1200" dirty="0"/>
+                    </a:p>
+                  </a:txBody>
+                  <a:tcPr anchor="ctr" anchorCtr="1">
+                    <a:lnL w="12700" cap="flat" cmpd="sng" algn="ctr">
+                      <a:solidFill>
+                        <a:schemeClr val="tx1"/>
+                      </a:solidFill>
+                      <a:prstDash val="solid"/>
+                      <a:round/>
+                      <a:headEnd type="none" w="med" len="med"/>
+                      <a:tailEnd type="none" w="med" len="med"/>
+                    </a:lnL>
+                    <a:lnR w="12700" cap="flat" cmpd="sng" algn="ctr">
+                      <a:solidFill>
+                        <a:schemeClr val="tx1"/>
+                      </a:solidFill>
+                      <a:prstDash val="solid"/>
+                      <a:round/>
+                      <a:headEnd type="none" w="med" len="med"/>
+                      <a:tailEnd type="none" w="med" len="med"/>
+                    </a:lnR>
+                    <a:lnT w="12700" cap="flat" cmpd="sng" algn="ctr">
+                      <a:solidFill>
+                        <a:schemeClr val="tx1"/>
+                      </a:solidFill>
+                      <a:prstDash val="solid"/>
+                      <a:round/>
+                      <a:headEnd type="none" w="med" len="med"/>
+                      <a:tailEnd type="none" w="med" len="med"/>
+                    </a:lnT>
+                    <a:lnB w="12700" cap="flat" cmpd="sng" algn="ctr">
+                      <a:solidFill>
+                        <a:schemeClr val="tx1"/>
+                      </a:solidFill>
+                      <a:prstDash val="solid"/>
+                      <a:round/>
+                      <a:headEnd type="none" w="med" len="med"/>
+                      <a:tailEnd type="none" w="med" len="med"/>
+                    </a:lnB>
+                    <a:lnTlToBr w="12700" cmpd="sng">
+                      <a:noFill/>
+                      <a:prstDash val="solid"/>
+                    </a:lnTlToBr>
+                    <a:lnBlToTr w="12700" cmpd="sng">
+                      <a:noFill/>
+                      <a:prstDash val="solid"/>
+                    </a:lnBlToTr>
+                  </a:tcPr>
+                </a:tc>
+                <a:tc>
+                  <a:txBody>
+                    <a:bodyPr/>
+                    <a:lstStyle/>
+                    <a:p>
+                      <a:pPr marL="0" marR="0" lvl="0" indent="0" algn="l" defTabSz="914400" rtl="0" eaLnBrk="1" fontAlgn="auto" latinLnBrk="1" hangingPunct="1">
+                        <a:lnSpc>
+                          <a:spcPct val="100000"/>
+                        </a:lnSpc>
+                        <a:spcBef>
+                          <a:spcPts val="0"/>
+                        </a:spcBef>
+                        <a:spcAft>
+                          <a:spcPts val="0"/>
+                        </a:spcAft>
+                        <a:buClrTx/>
+                        <a:buSzTx/>
+                        <a:buFontTx/>
+                        <a:buNone/>
+                        <a:tabLst/>
+                        <a:defRPr/>
+                      </a:pPr>
+                      <a:r>
+                        <a:rPr lang="en-US" altLang="ko-KR" sz="1200" dirty="0"/>
+                        <a:t>GBM, Random Forest, CRF</a:t>
+                      </a:r>
+                      <a:endParaRPr lang="ko-KR" altLang="en-US" sz="1200" dirty="0"/>
+                    </a:p>
+                  </a:txBody>
+                  <a:tcPr anchor="ctr" anchorCtr="1">
+                    <a:lnL w="12700" cap="flat" cmpd="sng" algn="ctr">
+                      <a:solidFill>
+                        <a:schemeClr val="tx1"/>
+                      </a:solidFill>
+                      <a:prstDash val="solid"/>
+                      <a:round/>
+                      <a:headEnd type="none" w="med" len="med"/>
+                      <a:tailEnd type="none" w="med" len="med"/>
+                    </a:lnL>
+                    <a:lnR w="12700" cap="flat" cmpd="sng" algn="ctr">
+                      <a:noFill/>
+                      <a:prstDash val="solid"/>
+                      <a:round/>
+                      <a:headEnd type="none" w="med" len="med"/>
+                      <a:tailEnd type="none" w="med" len="med"/>
+                    </a:lnR>
+                    <a:lnT w="12700" cap="flat" cmpd="sng" algn="ctr">
+                      <a:solidFill>
+                        <a:schemeClr val="tx1"/>
+                      </a:solidFill>
+                      <a:prstDash val="solid"/>
+                      <a:round/>
+                      <a:headEnd type="none" w="med" len="med"/>
+                      <a:tailEnd type="none" w="med" len="med"/>
+                    </a:lnT>
+                    <a:lnB w="12700" cap="flat" cmpd="sng" algn="ctr">
+                      <a:solidFill>
+                        <a:schemeClr val="tx1"/>
+                      </a:solidFill>
+                      <a:prstDash val="solid"/>
+                      <a:round/>
+                      <a:headEnd type="none" w="med" len="med"/>
+                      <a:tailEnd type="none" w="med" len="med"/>
+                    </a:lnB>
+                    <a:lnTlToBr w="12700" cmpd="sng">
+                      <a:noFill/>
+                      <a:prstDash val="solid"/>
+                    </a:lnTlToBr>
+                    <a:lnBlToTr w="12700" cmpd="sng">
+                      <a:noFill/>
+                      <a:prstDash val="solid"/>
+                    </a:lnBlToTr>
+                  </a:tcPr>
+                </a:tc>
+                <a:extLst>
+                  <a:ext uri="{0D108BD9-81ED-4DB2-BD59-A6C34878D82A}">
+                    <a16:rowId xmlns:a16="http://schemas.microsoft.com/office/drawing/2014/main" val="243687818"/>
+                  </a:ext>
+                </a:extLst>
+              </a:tr>
+              <a:tr h="370840">
+                <a:tc>
+                  <a:txBody>
+                    <a:bodyPr/>
+                    <a:lstStyle/>
+                    <a:p>
+                      <a:pPr marL="0" marR="0" lvl="0" indent="0" algn="l" defTabSz="914400" rtl="0" eaLnBrk="1" fontAlgn="auto" latinLnBrk="1" hangingPunct="1">
+                        <a:lnSpc>
+                          <a:spcPct val="100000"/>
+                        </a:lnSpc>
+                        <a:spcBef>
+                          <a:spcPts val="0"/>
+                        </a:spcBef>
+                        <a:spcAft>
+                          <a:spcPts val="0"/>
+                        </a:spcAft>
+                        <a:buClrTx/>
+                        <a:buSzTx/>
+                        <a:buFontTx/>
+                        <a:buNone/>
+                        <a:tabLst/>
+                        <a:defRPr/>
+                      </a:pPr>
+                      <a:r>
+                        <a:rPr lang="en-US" altLang="ko-KR" sz="1200" dirty="0"/>
+                        <a:t>Y. Lee et al. (2021)</a:t>
+                      </a:r>
+                      <a:endParaRPr lang="ko-KR" altLang="en-US" sz="1200" dirty="0"/>
+                    </a:p>
+                  </a:txBody>
+                  <a:tcPr anchor="ctr" anchorCtr="1">
+                    <a:lnL w="12700" cap="flat" cmpd="sng" algn="ctr">
+                      <a:noFill/>
+                      <a:prstDash val="solid"/>
+                      <a:round/>
+                      <a:headEnd type="none" w="med" len="med"/>
+                      <a:tailEnd type="none" w="med" len="med"/>
+                    </a:lnL>
+                    <a:lnR w="12700" cap="flat" cmpd="sng" algn="ctr">
+                      <a:solidFill>
+                        <a:schemeClr val="tx1"/>
+                      </a:solidFill>
+                      <a:prstDash val="solid"/>
+                      <a:round/>
+                      <a:headEnd type="none" w="med" len="med"/>
+                      <a:tailEnd type="none" w="med" len="med"/>
+                    </a:lnR>
+                    <a:lnT w="12700" cap="flat" cmpd="sng" algn="ctr">
+                      <a:solidFill>
+                        <a:schemeClr val="tx1"/>
+                      </a:solidFill>
+                      <a:prstDash val="solid"/>
+                      <a:round/>
+                      <a:headEnd type="none" w="med" len="med"/>
+                      <a:tailEnd type="none" w="med" len="med"/>
+                    </a:lnT>
+                    <a:lnB w="12700" cap="flat" cmpd="sng" algn="ctr">
+                      <a:solidFill>
+                        <a:schemeClr val="tx1"/>
+                      </a:solidFill>
+                      <a:prstDash val="solid"/>
+                      <a:round/>
+                      <a:headEnd type="none" w="med" len="med"/>
+                      <a:tailEnd type="none" w="med" len="med"/>
+                    </a:lnB>
+                    <a:lnTlToBr w="12700" cmpd="sng">
+                      <a:noFill/>
+                      <a:prstDash val="solid"/>
+                    </a:lnTlToBr>
+                    <a:lnBlToTr w="12700" cmpd="sng">
+                      <a:noFill/>
+                      <a:prstDash val="solid"/>
+                    </a:lnBlToTr>
+                  </a:tcPr>
+                </a:tc>
+                <a:tc>
+                  <a:txBody>
+                    <a:bodyPr/>
+                    <a:lstStyle/>
+                    <a:p>
+                      <a:pPr latinLnBrk="1"/>
+                      <a:r>
+                        <a:rPr lang="en-US" altLang="ko-KR" sz="1200" dirty="0"/>
+                        <a:t>A Comparison of Machine Learning Models in Photovoltaic Power Generation Forecasting</a:t>
+                      </a:r>
+                      <a:endParaRPr lang="ko-KR" altLang="en-US" sz="1200" dirty="0"/>
+                    </a:p>
+                  </a:txBody>
+                  <a:tcPr anchor="ctr" anchorCtr="1">
+                    <a:lnL w="12700" cap="flat" cmpd="sng" algn="ctr">
+                      <a:solidFill>
+                        <a:schemeClr val="tx1"/>
+                      </a:solidFill>
+                      <a:prstDash val="solid"/>
+                      <a:round/>
+                      <a:headEnd type="none" w="med" len="med"/>
+                      <a:tailEnd type="none" w="med" len="med"/>
+                    </a:lnL>
+                    <a:lnR w="12700" cap="flat" cmpd="sng" algn="ctr">
+                      <a:solidFill>
+                        <a:schemeClr val="tx1"/>
+                      </a:solidFill>
+                      <a:prstDash val="solid"/>
+                      <a:round/>
+                      <a:headEnd type="none" w="med" len="med"/>
+                      <a:tailEnd type="none" w="med" len="med"/>
+                    </a:lnR>
+                    <a:lnT w="12700" cap="flat" cmpd="sng" algn="ctr">
+                      <a:solidFill>
+                        <a:schemeClr val="tx1"/>
+                      </a:solidFill>
+                      <a:prstDash val="solid"/>
+                      <a:round/>
+                      <a:headEnd type="none" w="med" len="med"/>
+                      <a:tailEnd type="none" w="med" len="med"/>
+                    </a:lnT>
+                    <a:lnB w="12700" cap="flat" cmpd="sng" algn="ctr">
+                      <a:solidFill>
+                        <a:schemeClr val="tx1"/>
+                      </a:solidFill>
+                      <a:prstDash val="solid"/>
+                      <a:round/>
+                      <a:headEnd type="none" w="med" len="med"/>
+                      <a:tailEnd type="none" w="med" len="med"/>
+                    </a:lnB>
+                    <a:lnTlToBr w="12700" cmpd="sng">
+                      <a:noFill/>
+                      <a:prstDash val="solid"/>
+                    </a:lnTlToBr>
+                    <a:lnBlToTr w="12700" cmpd="sng">
+                      <a:noFill/>
+                      <a:prstDash val="solid"/>
+                    </a:lnBlToTr>
+                  </a:tcPr>
+                </a:tc>
+                <a:tc>
+                  <a:txBody>
+                    <a:bodyPr/>
+                    <a:lstStyle/>
+                    <a:p>
+                      <a:pPr marL="0" marR="0" lvl="0" indent="0" algn="l" defTabSz="914400" rtl="0" eaLnBrk="1" fontAlgn="auto" latinLnBrk="1" hangingPunct="1">
+                        <a:lnSpc>
+                          <a:spcPct val="100000"/>
+                        </a:lnSpc>
+                        <a:spcBef>
+                          <a:spcPts val="0"/>
+                        </a:spcBef>
+                        <a:spcAft>
+                          <a:spcPts val="0"/>
+                        </a:spcAft>
+                        <a:buClrTx/>
+                        <a:buSzTx/>
+                        <a:buFontTx/>
+                        <a:buNone/>
+                        <a:tabLst/>
+                        <a:defRPr/>
+                      </a:pPr>
+                      <a:r>
+                        <a:rPr lang="en-US" altLang="ko-KR" sz="1200" dirty="0"/>
+                        <a:t>KNN, SVM, Random Forest, </a:t>
+                      </a:r>
+                      <a:r>
+                        <a:rPr lang="en-US" altLang="ko-KR" sz="1200" dirty="0" err="1"/>
+                        <a:t>XGBoost</a:t>
+                      </a:r>
+                      <a:r>
+                        <a:rPr lang="en-US" altLang="ko-KR" sz="1200" dirty="0"/>
+                        <a:t>, 7-Block ANN, CNN, S2S</a:t>
+                      </a:r>
+                      <a:endParaRPr lang="ko-KR" altLang="en-US" sz="1200" dirty="0"/>
+                    </a:p>
+                  </a:txBody>
+                  <a:tcPr anchor="ctr" anchorCtr="1">
+                    <a:lnL w="12700" cap="flat" cmpd="sng" algn="ctr">
+                      <a:solidFill>
+                        <a:schemeClr val="tx1"/>
+                      </a:solidFill>
+                      <a:prstDash val="solid"/>
+                      <a:round/>
+                      <a:headEnd type="none" w="med" len="med"/>
+                      <a:tailEnd type="none" w="med" len="med"/>
+                    </a:lnL>
+                    <a:lnR w="12700" cap="flat" cmpd="sng" algn="ctr">
+                      <a:noFill/>
+                      <a:prstDash val="solid"/>
+                      <a:round/>
+                      <a:headEnd type="none" w="med" len="med"/>
+                      <a:tailEnd type="none" w="med" len="med"/>
+                    </a:lnR>
+                    <a:lnT w="12700" cap="flat" cmpd="sng" algn="ctr">
+                      <a:solidFill>
+                        <a:schemeClr val="tx1"/>
+                      </a:solidFill>
+                      <a:prstDash val="solid"/>
+                      <a:round/>
+                      <a:headEnd type="none" w="med" len="med"/>
+                      <a:tailEnd type="none" w="med" len="med"/>
+                    </a:lnT>
+                    <a:lnB w="12700" cap="flat" cmpd="sng" algn="ctr">
+                      <a:solidFill>
+                        <a:schemeClr val="tx1"/>
+                      </a:solidFill>
+                      <a:prstDash val="solid"/>
+                      <a:round/>
+                      <a:headEnd type="none" w="med" len="med"/>
+                      <a:tailEnd type="none" w="med" len="med"/>
+                    </a:lnB>
+                    <a:lnTlToBr w="12700" cmpd="sng">
+                      <a:noFill/>
+                      <a:prstDash val="solid"/>
+                    </a:lnTlToBr>
+                    <a:lnBlToTr w="12700" cmpd="sng">
+                      <a:noFill/>
+                      <a:prstDash val="solid"/>
+                    </a:lnBlToTr>
+                  </a:tcPr>
+                </a:tc>
+                <a:extLst>
+                  <a:ext uri="{0D108BD9-81ED-4DB2-BD59-A6C34878D82A}">
+                    <a16:rowId xmlns:a16="http://schemas.microsoft.com/office/drawing/2014/main" val="967016513"/>
+                  </a:ext>
+                </a:extLst>
+              </a:tr>
+              <a:tr h="370840">
+                <a:tc>
+                  <a:txBody>
+                    <a:bodyPr/>
+                    <a:lstStyle/>
+                    <a:p>
+                      <a:pPr marL="0" marR="0" lvl="0" indent="0" algn="l" defTabSz="914400" rtl="0" eaLnBrk="1" fontAlgn="auto" latinLnBrk="1" hangingPunct="1">
+                        <a:lnSpc>
+                          <a:spcPct val="100000"/>
+                        </a:lnSpc>
+                        <a:spcBef>
+                          <a:spcPts val="0"/>
+                        </a:spcBef>
+                        <a:spcAft>
+                          <a:spcPts val="0"/>
+                        </a:spcAft>
+                        <a:buClrTx/>
+                        <a:buSzTx/>
+                        <a:buFontTx/>
+                        <a:buNone/>
+                        <a:tabLst/>
+                        <a:defRPr/>
+                      </a:pPr>
+                      <a:r>
+                        <a:rPr lang="en-US" altLang="ko-KR" sz="1200" dirty="0"/>
+                        <a:t>M. Kim, S. Jung, J. Kim, H. Lee &amp; S. Kim (2021)</a:t>
+                      </a:r>
+                      <a:endParaRPr lang="ko-KR" altLang="en-US" sz="1200" dirty="0"/>
+                    </a:p>
+                  </a:txBody>
+                  <a:tcPr anchor="ctr" anchorCtr="1">
+                    <a:lnL w="12700" cap="flat" cmpd="sng" algn="ctr">
+                      <a:noFill/>
+                      <a:prstDash val="solid"/>
+                      <a:round/>
+                      <a:headEnd type="none" w="med" len="med"/>
+                      <a:tailEnd type="none" w="med" len="med"/>
+                    </a:lnL>
+                    <a:lnR w="12700" cap="flat" cmpd="sng" algn="ctr">
+                      <a:solidFill>
+                        <a:schemeClr val="tx1"/>
+                      </a:solidFill>
+                      <a:prstDash val="solid"/>
+                      <a:round/>
+                      <a:headEnd type="none" w="med" len="med"/>
+                      <a:tailEnd type="none" w="med" len="med"/>
+                    </a:lnR>
+                    <a:lnT w="12700" cap="flat" cmpd="sng" algn="ctr">
+                      <a:solidFill>
+                        <a:schemeClr val="tx1"/>
+                      </a:solidFill>
+                      <a:prstDash val="solid"/>
+                      <a:round/>
+                      <a:headEnd type="none" w="med" len="med"/>
+                      <a:tailEnd type="none" w="med" len="med"/>
+                    </a:lnT>
+                    <a:lnB w="12700" cap="flat" cmpd="sng" algn="ctr">
+                      <a:solidFill>
+                        <a:schemeClr val="tx1"/>
+                      </a:solidFill>
+                      <a:prstDash val="solid"/>
+                      <a:round/>
+                      <a:headEnd type="none" w="med" len="med"/>
+                      <a:tailEnd type="none" w="med" len="med"/>
+                    </a:lnB>
+                    <a:lnTlToBr w="12700" cmpd="sng">
+                      <a:noFill/>
+                      <a:prstDash val="solid"/>
+                    </a:lnTlToBr>
+                    <a:lnBlToTr w="12700" cmpd="sng">
+                      <a:noFill/>
+                      <a:prstDash val="solid"/>
+                    </a:lnBlToTr>
+                  </a:tcPr>
+                </a:tc>
+                <a:tc>
+                  <a:txBody>
+                    <a:bodyPr/>
+                    <a:lstStyle/>
+                    <a:p>
+                      <a:pPr latinLnBrk="1"/>
+                      <a:r>
+                        <a:rPr lang="en-US" altLang="ko-KR" sz="1200" dirty="0"/>
+                        <a:t>A Study on Solar Radiation Forecasting Based on Long Short-term Memory Considering Hourly Weather Changes</a:t>
+                      </a:r>
+                      <a:endParaRPr lang="ko-KR" altLang="en-US" sz="1200" b="1" dirty="0"/>
+                    </a:p>
+                  </a:txBody>
+                  <a:tcPr anchor="ctr" anchorCtr="1">
+                    <a:lnL w="12700" cap="flat" cmpd="sng" algn="ctr">
+                      <a:solidFill>
+                        <a:schemeClr val="tx1"/>
+                      </a:solidFill>
+                      <a:prstDash val="solid"/>
+                      <a:round/>
+                      <a:headEnd type="none" w="med" len="med"/>
+                      <a:tailEnd type="none" w="med" len="med"/>
+                    </a:lnL>
+                    <a:lnR w="12700" cap="flat" cmpd="sng" algn="ctr">
+                      <a:solidFill>
+                        <a:schemeClr val="tx1"/>
+                      </a:solidFill>
+                      <a:prstDash val="solid"/>
+                      <a:round/>
+                      <a:headEnd type="none" w="med" len="med"/>
+                      <a:tailEnd type="none" w="med" len="med"/>
+                    </a:lnR>
+                    <a:lnT w="12700" cap="flat" cmpd="sng" algn="ctr">
+                      <a:solidFill>
+                        <a:schemeClr val="tx1"/>
+                      </a:solidFill>
+                      <a:prstDash val="solid"/>
+                      <a:round/>
+                      <a:headEnd type="none" w="med" len="med"/>
+                      <a:tailEnd type="none" w="med" len="med"/>
+                    </a:lnT>
+                    <a:lnB w="12700" cap="flat" cmpd="sng" algn="ctr">
+                      <a:solidFill>
+                        <a:schemeClr val="tx1"/>
+                      </a:solidFill>
+                      <a:prstDash val="solid"/>
+                      <a:round/>
+                      <a:headEnd type="none" w="med" len="med"/>
+                      <a:tailEnd type="none" w="med" len="med"/>
+                    </a:lnB>
+                    <a:lnTlToBr w="12700" cmpd="sng">
+                      <a:noFill/>
+                      <a:prstDash val="solid"/>
+                    </a:lnTlToBr>
+                    <a:lnBlToTr w="12700" cmpd="sng">
+                      <a:noFill/>
+                      <a:prstDash val="solid"/>
+                    </a:lnBlToTr>
+                  </a:tcPr>
+                </a:tc>
+                <a:tc>
+                  <a:txBody>
+                    <a:bodyPr/>
+                    <a:lstStyle/>
+                    <a:p>
+                      <a:pPr marL="0" marR="0" lvl="0" indent="0" algn="l" defTabSz="914400" rtl="0" eaLnBrk="1" fontAlgn="auto" latinLnBrk="1" hangingPunct="1">
+                        <a:lnSpc>
+                          <a:spcPct val="100000"/>
+                        </a:lnSpc>
+                        <a:spcBef>
+                          <a:spcPts val="0"/>
+                        </a:spcBef>
+                        <a:spcAft>
+                          <a:spcPts val="0"/>
+                        </a:spcAft>
+                        <a:buClrTx/>
+                        <a:buSzTx/>
+                        <a:buFontTx/>
+                        <a:buNone/>
+                        <a:tabLst/>
+                        <a:defRPr/>
+                      </a:pPr>
+                      <a:r>
+                        <a:rPr lang="en-US" altLang="ko-KR" sz="1200" dirty="0"/>
+                        <a:t>LSTM, FFNN</a:t>
+                      </a:r>
+                      <a:endParaRPr lang="ko-KR" altLang="en-US" sz="1200" dirty="0"/>
+                    </a:p>
+                  </a:txBody>
+                  <a:tcPr anchor="ctr" anchorCtr="1">
+                    <a:lnL w="12700" cap="flat" cmpd="sng" algn="ctr">
+                      <a:solidFill>
+                        <a:schemeClr val="tx1"/>
+                      </a:solidFill>
+                      <a:prstDash val="solid"/>
+                      <a:round/>
+                      <a:headEnd type="none" w="med" len="med"/>
+                      <a:tailEnd type="none" w="med" len="med"/>
+                    </a:lnL>
+                    <a:lnR w="12700" cap="flat" cmpd="sng" algn="ctr">
+                      <a:noFill/>
+                      <a:prstDash val="solid"/>
+                      <a:round/>
+                      <a:headEnd type="none" w="med" len="med"/>
+                      <a:tailEnd type="none" w="med" len="med"/>
+                    </a:lnR>
+                    <a:lnT w="12700" cap="flat" cmpd="sng" algn="ctr">
+                      <a:solidFill>
+                        <a:schemeClr val="tx1"/>
+                      </a:solidFill>
+                      <a:prstDash val="solid"/>
+                      <a:round/>
+                      <a:headEnd type="none" w="med" len="med"/>
+                      <a:tailEnd type="none" w="med" len="med"/>
+                    </a:lnT>
+                    <a:lnB w="12700" cap="flat" cmpd="sng" algn="ctr">
+                      <a:solidFill>
+                        <a:schemeClr val="tx1"/>
+                      </a:solidFill>
+                      <a:prstDash val="solid"/>
+                      <a:round/>
+                      <a:headEnd type="none" w="med" len="med"/>
+                      <a:tailEnd type="none" w="med" len="med"/>
+                    </a:lnB>
+                    <a:lnTlToBr w="12700" cmpd="sng">
+                      <a:noFill/>
+                      <a:prstDash val="solid"/>
+                    </a:lnTlToBr>
+                    <a:lnBlToTr w="12700" cmpd="sng">
+                      <a:noFill/>
+                      <a:prstDash val="solid"/>
+                    </a:lnBlToTr>
+                  </a:tcPr>
+                </a:tc>
+                <a:extLst>
+                  <a:ext uri="{0D108BD9-81ED-4DB2-BD59-A6C34878D82A}">
+                    <a16:rowId xmlns:a16="http://schemas.microsoft.com/office/drawing/2014/main" val="1428959402"/>
+                  </a:ext>
+                </a:extLst>
+              </a:tr>
+            </a:tbl>
+          </a:graphicData>
+        </a:graphic>
+      </p:graphicFrame>
+    </p:spTree>
+    <p:extLst>
+      <p:ext uri="{BB962C8B-B14F-4D97-AF65-F5344CB8AC3E}">
+        <p14:creationId xmlns:p14="http://schemas.microsoft.com/office/powerpoint/2010/main" val="4026929259"/>
+      </p:ext>
+    </p:extLst>
+  </p:cSld>
+  <p:clrMapOvr>
+    <a:masterClrMapping/>
+  </p:clrMapOvr>
+</p:sld>
+</file>
+
 <file path=ppt/slides/slide7.xml><?xml version="1.0" encoding="utf-8"?>
 <p:sld xmlns:a="http://schemas.openxmlformats.org/drawingml/2006/main" xmlns:r="http://schemas.openxmlformats.org/officeDocument/2006/relationships" xmlns:p="http://schemas.openxmlformats.org/presentationml/2006/main">
   <p:cSld>
@@ -12117,7 +15023,7 @@
                 </a:solidFill>
                 <a:cs typeface="Malgun Gothic"/>
               </a:rPr>
-              <a:t>본 연구에서는 예측 대상 지역에서 하루치의 일사량만 수집되었더라도 타 지역의 충분한 일사량 데이터를 활용해 전이학습 기반의 다단계 일사량 예측 기법을 제안함</a:t>
+              <a:t>본 논문은 예측 대상 지역에서 하루치의 일사량만 수집되었더라도 타 지역의 충분한 일사량 데이터를 활용해 전이학습 기반의 다단계 일사량 예측 모델을 제안함</a:t>
             </a:r>
             <a:endParaRPr lang="en-US" altLang="ko-KR" sz="2000" kern="0" dirty="0">
               <a:solidFill>
@@ -12155,423 +15061,6 @@
 </file>
 
 <file path=ppt/slides/slide8.xml><?xml version="1.0" encoding="utf-8"?>
-<p:sld xmlns:a="http://schemas.openxmlformats.org/drawingml/2006/main" xmlns:r="http://schemas.openxmlformats.org/officeDocument/2006/relationships" xmlns:p="http://schemas.openxmlformats.org/presentationml/2006/main">
-  <p:cSld>
-    <p:spTree>
-      <p:nvGrpSpPr>
-        <p:cNvPr id="1" name=""/>
-        <p:cNvGrpSpPr/>
-        <p:nvPr/>
-      </p:nvGrpSpPr>
-      <p:grpSpPr>
-        <a:xfrm>
-          <a:off x="0" y="0"/>
-          <a:ext cx="0" cy="0"/>
-          <a:chOff x="0" y="0"/>
-          <a:chExt cx="0" cy="0"/>
-        </a:xfrm>
-      </p:grpSpPr>
-      <p:sp>
-        <p:nvSpPr>
-          <p:cNvPr id="16" name="object 3">
-            <a:extLst>
-              <a:ext uri="{FF2B5EF4-FFF2-40B4-BE49-F238E27FC236}">
-                <a16:creationId xmlns:a16="http://schemas.microsoft.com/office/drawing/2014/main" id="{A8C33617-DDF9-46C2-AA54-1B67BF5470A7}"/>
-              </a:ext>
-            </a:extLst>
-          </p:cNvPr>
-          <p:cNvSpPr txBox="1"/>
-          <p:nvPr/>
-        </p:nvSpPr>
-        <p:spPr>
-          <a:xfrm>
-            <a:off x="508990" y="1263396"/>
-            <a:ext cx="11275060" cy="848309"/>
-          </a:xfrm>
-          <a:prstGeom prst="rect">
-            <a:avLst/>
-          </a:prstGeom>
-        </p:spPr>
-        <p:txBody>
-          <a:bodyPr vert="horz" wrap="square" lIns="0" tIns="116205" rIns="0" bIns="0" rtlCol="0">
-            <a:spAutoFit/>
-          </a:bodyPr>
-          <a:lstStyle/>
-          <a:p>
-            <a:pPr marL="355600" indent="-342900" latinLnBrk="0">
-              <a:spcBef>
-                <a:spcPts val="915"/>
-              </a:spcBef>
-              <a:buFont typeface="Wingdings" panose="05000000000000000000" pitchFamily="2" charset="2"/>
-              <a:buChar char="§"/>
-            </a:pPr>
-            <a:r>
-              <a:rPr lang="ko-KR" altLang="en-US" sz="2000" kern="0" dirty="0">
-                <a:solidFill>
-                  <a:sysClr val="windowText" lastClr="000000"/>
-                </a:solidFill>
-                <a:cs typeface="Malgun Gothic"/>
-              </a:rPr>
-              <a:t>정확한 단기 일사량을 예측하기 위한 연구들이 활발하게 진행되고 있음 </a:t>
-            </a:r>
-            <a:endParaRPr lang="en-US" sz="2000" kern="0" dirty="0">
-              <a:solidFill>
-                <a:sysClr val="windowText" lastClr="000000"/>
-              </a:solidFill>
-              <a:cs typeface="Malgun Gothic"/>
-            </a:endParaRPr>
-          </a:p>
-          <a:p>
-            <a:pPr marL="355600" indent="-342900" latinLnBrk="0">
-              <a:spcBef>
-                <a:spcPts val="915"/>
-              </a:spcBef>
-              <a:buFont typeface="Wingdings" panose="05000000000000000000" pitchFamily="2" charset="2"/>
-              <a:buChar char="§"/>
-            </a:pPr>
-            <a:endParaRPr lang="en-US" sz="2000" kern="0" dirty="0">
-              <a:solidFill>
-                <a:sysClr val="windowText" lastClr="000000"/>
-              </a:solidFill>
-              <a:cs typeface="Malgun Gothic"/>
-            </a:endParaRPr>
-          </a:p>
-        </p:txBody>
-      </p:sp>
-      <p:sp>
-        <p:nvSpPr>
-          <p:cNvPr id="19" name="object 6">
-            <a:extLst>
-              <a:ext uri="{FF2B5EF4-FFF2-40B4-BE49-F238E27FC236}">
-                <a16:creationId xmlns:a16="http://schemas.microsoft.com/office/drawing/2014/main" id="{C73C25E3-E198-4627-994A-E730949EA465}"/>
-              </a:ext>
-            </a:extLst>
-          </p:cNvPr>
-          <p:cNvSpPr/>
-          <p:nvPr/>
-        </p:nvSpPr>
-        <p:spPr>
-          <a:xfrm>
-            <a:off x="430250" y="985061"/>
-            <a:ext cx="11353800" cy="45720"/>
-          </a:xfrm>
-          <a:custGeom>
-            <a:avLst/>
-            <a:gdLst/>
-            <a:ahLst/>
-            <a:cxnLst/>
-            <a:rect l="l" t="t" r="r" b="b"/>
-            <a:pathLst>
-              <a:path w="11353800" h="45719">
-                <a:moveTo>
-                  <a:pt x="11353800" y="0"/>
-                </a:moveTo>
-                <a:lnTo>
-                  <a:pt x="0" y="0"/>
-                </a:lnTo>
-                <a:lnTo>
-                  <a:pt x="0" y="45718"/>
-                </a:lnTo>
-                <a:lnTo>
-                  <a:pt x="11353800" y="45718"/>
-                </a:lnTo>
-                <a:lnTo>
-                  <a:pt x="11353800" y="0"/>
-                </a:lnTo>
-                <a:close/>
-              </a:path>
-            </a:pathLst>
-          </a:custGeom>
-          <a:solidFill>
-            <a:srgbClr val="0C3F8B"/>
-          </a:solidFill>
-        </p:spPr>
-        <p:txBody>
-          <a:bodyPr wrap="square" lIns="0" tIns="0" rIns="0" bIns="0" rtlCol="0"/>
-          <a:lstStyle/>
-          <a:p>
-            <a:pPr marL="0" marR="0" lvl="0" indent="0" defTabSz="914400" eaLnBrk="1" fontAlgn="auto" latinLnBrk="0" hangingPunct="1">
-              <a:lnSpc>
-                <a:spcPct val="100000"/>
-              </a:lnSpc>
-              <a:spcBef>
-                <a:spcPts val="0"/>
-              </a:spcBef>
-              <a:spcAft>
-                <a:spcPts val="0"/>
-              </a:spcAft>
-              <a:buClrTx/>
-              <a:buSzTx/>
-              <a:buFontTx/>
-              <a:buNone/>
-              <a:tabLst/>
-              <a:defRPr/>
-            </a:pPr>
-            <a:endParaRPr kumimoji="0" sz="1800" b="0" i="0" u="none" strike="noStrike" kern="0" cap="none" spc="0" normalizeH="0" baseline="0" noProof="0">
-              <a:ln>
-                <a:noFill/>
-              </a:ln>
-              <a:solidFill>
-                <a:sysClr val="windowText" lastClr="000000"/>
-              </a:solidFill>
-              <a:effectLst/>
-              <a:uLnTx/>
-              <a:uFillTx/>
-            </a:endParaRPr>
-          </a:p>
-        </p:txBody>
-      </p:sp>
-      <p:grpSp>
-        <p:nvGrpSpPr>
-          <p:cNvPr id="7" name="그룹 6">
-            <a:extLst>
-              <a:ext uri="{FF2B5EF4-FFF2-40B4-BE49-F238E27FC236}">
-                <a16:creationId xmlns:a16="http://schemas.microsoft.com/office/drawing/2014/main" id="{F1DD6621-B9A5-4731-98E8-4755A8C8B117}"/>
-              </a:ext>
-            </a:extLst>
-          </p:cNvPr>
-          <p:cNvGrpSpPr/>
-          <p:nvPr/>
-        </p:nvGrpSpPr>
-        <p:grpSpPr>
-          <a:xfrm>
-            <a:off x="9250532" y="6219306"/>
-            <a:ext cx="2776842" cy="457642"/>
-            <a:chOff x="8473734" y="6091284"/>
-            <a:chExt cx="3553640" cy="585664"/>
-          </a:xfrm>
-        </p:grpSpPr>
-        <p:pic>
-          <p:nvPicPr>
-            <p:cNvPr id="8" name="그림 7">
-              <a:extLst>
-                <a:ext uri="{FF2B5EF4-FFF2-40B4-BE49-F238E27FC236}">
-                  <a16:creationId xmlns:a16="http://schemas.microsoft.com/office/drawing/2014/main" id="{0FC29E61-9F1E-408A-9BFC-2D93C28F985E}"/>
-                </a:ext>
-              </a:extLst>
-            </p:cNvPr>
-            <p:cNvPicPr>
-              <a:picLocks noChangeAspect="1"/>
-            </p:cNvPicPr>
-            <p:nvPr/>
-          </p:nvPicPr>
-          <p:blipFill rotWithShape="1">
-            <a:blip r:embed="rId2">
-              <a:extLst>
-                <a:ext uri="{28A0092B-C50C-407E-A947-70E740481C1C}">
-                  <a14:useLocalDpi xmlns:a14="http://schemas.microsoft.com/office/drawing/2010/main" val="0"/>
-                </a:ext>
-              </a:extLst>
-            </a:blip>
-            <a:srcRect l="74535" t="3851" r="5686" b="50143"/>
-            <a:stretch/>
-          </p:blipFill>
-          <p:spPr>
-            <a:xfrm>
-              <a:off x="8473734" y="6091284"/>
-              <a:ext cx="1353669" cy="585664"/>
-            </a:xfrm>
-            <a:prstGeom prst="rect">
-              <a:avLst/>
-            </a:prstGeom>
-          </p:spPr>
-        </p:pic>
-        <p:pic>
-          <p:nvPicPr>
-            <p:cNvPr id="9" name="그림 8">
-              <a:extLst>
-                <a:ext uri="{FF2B5EF4-FFF2-40B4-BE49-F238E27FC236}">
-                  <a16:creationId xmlns:a16="http://schemas.microsoft.com/office/drawing/2014/main" id="{06EF536C-0C14-4FED-B594-471A701EA897}"/>
-                </a:ext>
-              </a:extLst>
-            </p:cNvPr>
-            <p:cNvPicPr>
-              <a:picLocks noChangeAspect="1"/>
-            </p:cNvPicPr>
-            <p:nvPr/>
-          </p:nvPicPr>
-          <p:blipFill>
-            <a:blip r:embed="rId3" cstate="hqprint">
-              <a:extLst>
-                <a:ext uri="{28A0092B-C50C-407E-A947-70E740481C1C}">
-                  <a14:useLocalDpi xmlns:a14="http://schemas.microsoft.com/office/drawing/2010/main" val="0"/>
-                </a:ext>
-              </a:extLst>
-            </a:blip>
-            <a:stretch>
-              <a:fillRect/>
-            </a:stretch>
-          </p:blipFill>
-          <p:spPr>
-            <a:xfrm>
-              <a:off x="9827403" y="6172124"/>
-              <a:ext cx="2199971" cy="423985"/>
-            </a:xfrm>
-            <a:prstGeom prst="rect">
-              <a:avLst/>
-            </a:prstGeom>
-          </p:spPr>
-        </p:pic>
-      </p:grpSp>
-      <p:sp>
-        <p:nvSpPr>
-          <p:cNvPr id="2" name="TextBox 1">
-            <a:extLst>
-              <a:ext uri="{FF2B5EF4-FFF2-40B4-BE49-F238E27FC236}">
-                <a16:creationId xmlns:a16="http://schemas.microsoft.com/office/drawing/2014/main" id="{3F2146E5-2142-4635-9155-E7AEBE85CA0C}"/>
-              </a:ext>
-            </a:extLst>
-          </p:cNvPr>
-          <p:cNvSpPr txBox="1"/>
-          <p:nvPr/>
-        </p:nvSpPr>
-        <p:spPr>
-          <a:xfrm>
-            <a:off x="4907503" y="2828835"/>
-            <a:ext cx="2376994" cy="1200329"/>
-          </a:xfrm>
-          <a:prstGeom prst="rect">
-            <a:avLst/>
-          </a:prstGeom>
-          <a:noFill/>
-        </p:spPr>
-        <p:txBody>
-          <a:bodyPr wrap="square" rtlCol="0">
-            <a:spAutoFit/>
-          </a:bodyPr>
-          <a:lstStyle/>
-          <a:p>
-            <a:r>
-              <a:rPr lang="en-US" altLang="ko-KR" sz="7200" dirty="0"/>
-              <a:t>Table</a:t>
-            </a:r>
-            <a:endParaRPr lang="ko-KR" altLang="en-US" sz="7200" dirty="0"/>
-          </a:p>
-        </p:txBody>
-      </p:sp>
-      <p:sp>
-        <p:nvSpPr>
-          <p:cNvPr id="10" name="object 2">
-            <a:extLst>
-              <a:ext uri="{FF2B5EF4-FFF2-40B4-BE49-F238E27FC236}">
-                <a16:creationId xmlns:a16="http://schemas.microsoft.com/office/drawing/2014/main" id="{8CB99A9A-91C2-4C3A-9F5F-B2BD257A0303}"/>
-              </a:ext>
-            </a:extLst>
-          </p:cNvPr>
-          <p:cNvSpPr txBox="1">
-            <a:spLocks/>
-          </p:cNvSpPr>
-          <p:nvPr/>
-        </p:nvSpPr>
-        <p:spPr>
-          <a:xfrm>
-            <a:off x="492575" y="391668"/>
-            <a:ext cx="1793875" cy="513080"/>
-          </a:xfrm>
-          <a:prstGeom prst="rect">
-            <a:avLst/>
-          </a:prstGeom>
-        </p:spPr>
-        <p:txBody>
-          <a:bodyPr vert="horz" wrap="square" lIns="0" tIns="12700" rIns="0" bIns="0" rtlCol="0">
-            <a:spAutoFit/>
-          </a:bodyPr>
-          <a:lstStyle>
-            <a:lvl1pPr>
-              <a:defRPr sz="3600" b="1" i="0">
-                <a:solidFill>
-                  <a:schemeClr val="tx1"/>
-                </a:solidFill>
-                <a:latin typeface="Malgun Gothic"/>
-                <a:ea typeface="+mj-ea"/>
-                <a:cs typeface="Malgun Gothic"/>
-              </a:defRPr>
-            </a:lvl1pPr>
-          </a:lstStyle>
-          <a:p>
-            <a:pPr marL="12700" marR="0" lvl="0" indent="0" defTabSz="914400" eaLnBrk="1" fontAlgn="auto" latinLnBrk="0" hangingPunct="1">
-              <a:lnSpc>
-                <a:spcPct val="100000"/>
-              </a:lnSpc>
-              <a:spcBef>
-                <a:spcPts val="100"/>
-              </a:spcBef>
-              <a:spcAft>
-                <a:spcPts val="0"/>
-              </a:spcAft>
-              <a:buClrTx/>
-              <a:buSzTx/>
-              <a:buFontTx/>
-              <a:buNone/>
-              <a:tabLst>
-                <a:tab pos="967740" algn="l"/>
-              </a:tabLst>
-              <a:defRPr/>
-            </a:pPr>
-            <a:r>
-              <a:rPr kumimoji="0" lang="ko-KR" altLang="en-US" sz="3200" b="1" i="0" u="none" strike="noStrike" kern="0" cap="none" spc="-25" normalizeH="0" baseline="0" noProof="0" dirty="0">
-                <a:ln>
-                  <a:noFill/>
-                </a:ln>
-                <a:solidFill>
-                  <a:srgbClr val="001F60"/>
-                </a:solidFill>
-                <a:effectLst/>
-                <a:uLnTx/>
-                <a:uFillTx/>
-                <a:latin typeface="Malgun Gothic"/>
-                <a:ea typeface="맑은 고딕" panose="020B0503020000020004" pitchFamily="50" charset="-127"/>
-              </a:rPr>
-              <a:t>연구</a:t>
-            </a:r>
-            <a:r>
-              <a:rPr lang="ko-KR" altLang="en-US" sz="3200" kern="0" dirty="0">
-                <a:solidFill>
-                  <a:srgbClr val="001F60"/>
-                </a:solidFill>
-                <a:ea typeface="맑은 고딕" panose="020B0503020000020004" pitchFamily="50" charset="-127"/>
-              </a:rPr>
-              <a:t> </a:t>
-            </a:r>
-            <a:r>
-              <a:rPr lang="ko-KR" altLang="en-US" sz="3200" kern="0" spc="-25" dirty="0">
-                <a:solidFill>
-                  <a:srgbClr val="001F60"/>
-                </a:solidFill>
-                <a:ea typeface="맑은 고딕" panose="020B0503020000020004" pitchFamily="50" charset="-127"/>
-              </a:rPr>
-              <a:t>목적</a:t>
-            </a:r>
-            <a:endParaRPr kumimoji="0" lang="ko-KR" altLang="en-US" sz="3200" b="1" i="0" u="none" strike="noStrike" kern="0" cap="none" spc="0" normalizeH="0" baseline="0" noProof="0" dirty="0">
-              <a:ln>
-                <a:noFill/>
-              </a:ln>
-              <a:solidFill>
-                <a:sysClr val="windowText" lastClr="000000"/>
-              </a:solidFill>
-              <a:effectLst/>
-              <a:uLnTx/>
-              <a:uFillTx/>
-              <a:latin typeface="Malgun Gothic"/>
-              <a:ea typeface="맑은 고딕" panose="020B0503020000020004" pitchFamily="50" charset="-127"/>
-            </a:endParaRPr>
-          </a:p>
-        </p:txBody>
-      </p:sp>
-    </p:spTree>
-    <p:extLst>
-      <p:ext uri="{BB962C8B-B14F-4D97-AF65-F5344CB8AC3E}">
-        <p14:creationId xmlns:p14="http://schemas.microsoft.com/office/powerpoint/2010/main" val="4026929259"/>
-      </p:ext>
-    </p:extLst>
-  </p:cSld>
-  <p:clrMapOvr>
-    <a:masterClrMapping/>
-  </p:clrMapOvr>
-</p:sld>
-</file>
-
-<file path=ppt/slides/slide9.xml><?xml version="1.0" encoding="utf-8"?>
 <p:sld xmlns:a="http://schemas.openxmlformats.org/drawingml/2006/main" xmlns:r="http://schemas.openxmlformats.org/officeDocument/2006/relationships" xmlns:p="http://schemas.openxmlformats.org/presentationml/2006/main">
   <p:cSld>
     <p:spTree>
@@ -13276,6 +15765,831 @@
     <p:extLst>
       <p:ext uri="{BB962C8B-B14F-4D97-AF65-F5344CB8AC3E}">
         <p14:creationId xmlns:p14="http://schemas.microsoft.com/office/powerpoint/2010/main" val="227608455"/>
+      </p:ext>
+    </p:extLst>
+  </p:cSld>
+  <p:clrMapOvr>
+    <a:masterClrMapping/>
+  </p:clrMapOvr>
+</p:sld>
+</file>
+
+<file path=ppt/slides/slide9.xml><?xml version="1.0" encoding="utf-8"?>
+<p:sld xmlns:a="http://schemas.openxmlformats.org/drawingml/2006/main" xmlns:r="http://schemas.openxmlformats.org/officeDocument/2006/relationships" xmlns:p="http://schemas.openxmlformats.org/presentationml/2006/main">
+  <p:cSld>
+    <p:spTree>
+      <p:nvGrpSpPr>
+        <p:cNvPr id="1" name=""/>
+        <p:cNvGrpSpPr/>
+        <p:nvPr/>
+      </p:nvGrpSpPr>
+      <p:grpSpPr>
+        <a:xfrm>
+          <a:off x="0" y="0"/>
+          <a:ext cx="0" cy="0"/>
+          <a:chOff x="0" y="0"/>
+          <a:chExt cx="0" cy="0"/>
+        </a:xfrm>
+      </p:grpSpPr>
+      <p:sp>
+        <p:nvSpPr>
+          <p:cNvPr id="15" name="object 2">
+            <a:extLst>
+              <a:ext uri="{FF2B5EF4-FFF2-40B4-BE49-F238E27FC236}">
+                <a16:creationId xmlns:a16="http://schemas.microsoft.com/office/drawing/2014/main" id="{63B42C9C-96BB-4869-81D8-DBA87F4A50BB}"/>
+              </a:ext>
+            </a:extLst>
+          </p:cNvPr>
+          <p:cNvSpPr txBox="1">
+            <a:spLocks/>
+          </p:cNvSpPr>
+          <p:nvPr/>
+        </p:nvSpPr>
+        <p:spPr>
+          <a:xfrm>
+            <a:off x="492575" y="391668"/>
+            <a:ext cx="3965125" cy="505267"/>
+          </a:xfrm>
+          <a:prstGeom prst="rect">
+            <a:avLst/>
+          </a:prstGeom>
+        </p:spPr>
+        <p:txBody>
+          <a:bodyPr vert="horz" wrap="square" lIns="0" tIns="12700" rIns="0" bIns="0" rtlCol="0">
+            <a:spAutoFit/>
+          </a:bodyPr>
+          <a:lstStyle>
+            <a:lvl1pPr>
+              <a:defRPr sz="3600" b="1" i="0">
+                <a:solidFill>
+                  <a:schemeClr val="tx1"/>
+                </a:solidFill>
+                <a:latin typeface="Malgun Gothic"/>
+                <a:ea typeface="+mj-ea"/>
+                <a:cs typeface="Malgun Gothic"/>
+              </a:defRPr>
+            </a:lvl1pPr>
+          </a:lstStyle>
+          <a:p>
+            <a:pPr marL="12700" marR="0" lvl="0" indent="0" defTabSz="914400" eaLnBrk="1" fontAlgn="auto" latinLnBrk="0" hangingPunct="1">
+              <a:lnSpc>
+                <a:spcPct val="100000"/>
+              </a:lnSpc>
+              <a:spcBef>
+                <a:spcPts val="100"/>
+              </a:spcBef>
+              <a:spcAft>
+                <a:spcPts val="0"/>
+              </a:spcAft>
+              <a:buClrTx/>
+              <a:buSzTx/>
+              <a:buFontTx/>
+              <a:buNone/>
+              <a:tabLst>
+                <a:tab pos="967740" algn="l"/>
+              </a:tabLst>
+              <a:defRPr/>
+            </a:pPr>
+            <a:r>
+              <a:rPr lang="ko-KR" altLang="en-US" sz="3200" kern="0" spc="-25" dirty="0">
+                <a:solidFill>
+                  <a:srgbClr val="001F60"/>
+                </a:solidFill>
+                <a:ea typeface="맑은 고딕" panose="020B0503020000020004" pitchFamily="50" charset="-127"/>
+              </a:rPr>
+              <a:t>일사량 </a:t>
+            </a:r>
+            <a:r>
+              <a:rPr lang="ko-KR" altLang="en-US" sz="3200" kern="0" spc="-25">
+                <a:solidFill>
+                  <a:srgbClr val="001F60"/>
+                </a:solidFill>
+                <a:ea typeface="맑은 고딕" panose="020B0503020000020004" pitchFamily="50" charset="-127"/>
+              </a:rPr>
+              <a:t>예측 모델링</a:t>
+            </a:r>
+            <a:endParaRPr kumimoji="0" lang="ko-KR" altLang="en-US" sz="3200" b="1" i="0" u="none" strike="noStrike" kern="0" cap="none" spc="0" normalizeH="0" baseline="0" noProof="0" dirty="0">
+              <a:ln>
+                <a:noFill/>
+              </a:ln>
+              <a:solidFill>
+                <a:sysClr val="windowText" lastClr="000000"/>
+              </a:solidFill>
+              <a:effectLst/>
+              <a:uLnTx/>
+              <a:uFillTx/>
+              <a:latin typeface="Malgun Gothic"/>
+              <a:ea typeface="맑은 고딕" panose="020B0503020000020004" pitchFamily="50" charset="-127"/>
+            </a:endParaRPr>
+          </a:p>
+        </p:txBody>
+      </p:sp>
+      <p:sp>
+        <p:nvSpPr>
+          <p:cNvPr id="16" name="object 3">
+            <a:extLst>
+              <a:ext uri="{FF2B5EF4-FFF2-40B4-BE49-F238E27FC236}">
+                <a16:creationId xmlns:a16="http://schemas.microsoft.com/office/drawing/2014/main" id="{A8C33617-DDF9-46C2-AA54-1B67BF5470A7}"/>
+              </a:ext>
+            </a:extLst>
+          </p:cNvPr>
+          <p:cNvSpPr txBox="1"/>
+          <p:nvPr/>
+        </p:nvSpPr>
+        <p:spPr>
+          <a:xfrm>
+            <a:off x="508990" y="1263396"/>
+            <a:ext cx="11014075" cy="425116"/>
+          </a:xfrm>
+          <a:prstGeom prst="rect">
+            <a:avLst/>
+          </a:prstGeom>
+        </p:spPr>
+        <p:txBody>
+          <a:bodyPr vert="horz" wrap="square" lIns="0" tIns="116205" rIns="0" bIns="0" rtlCol="0">
+            <a:spAutoFit/>
+          </a:bodyPr>
+          <a:lstStyle/>
+          <a:p>
+            <a:pPr marL="12700" latinLnBrk="0">
+              <a:spcBef>
+                <a:spcPts val="915"/>
+              </a:spcBef>
+            </a:pPr>
+            <a:r>
+              <a:rPr lang="en-US" altLang="ko-KR" sz="2000" b="1" kern="0" dirty="0">
+                <a:solidFill>
+                  <a:sysClr val="windowText" lastClr="000000"/>
+                </a:solidFill>
+                <a:cs typeface="Malgun Gothic"/>
+              </a:rPr>
+              <a:t>[2</a:t>
+            </a:r>
+            <a:r>
+              <a:rPr lang="ko-KR" altLang="en-US" sz="2000" b="1" kern="0" dirty="0">
+                <a:solidFill>
+                  <a:sysClr val="windowText" lastClr="000000"/>
+                </a:solidFill>
+                <a:cs typeface="Malgun Gothic"/>
+              </a:rPr>
+              <a:t>단계</a:t>
+            </a:r>
+            <a:r>
+              <a:rPr lang="en-US" altLang="ko-KR" sz="2000" b="1" kern="0" dirty="0">
+                <a:solidFill>
+                  <a:sysClr val="windowText" lastClr="000000"/>
+                </a:solidFill>
+                <a:cs typeface="Malgun Gothic"/>
+              </a:rPr>
+              <a:t>] </a:t>
+            </a:r>
+            <a:r>
+              <a:rPr lang="ko-KR" altLang="en-US" sz="2000" b="1" kern="0" dirty="0">
+                <a:solidFill>
+                  <a:sysClr val="windowText" lastClr="000000"/>
+                </a:solidFill>
+                <a:cs typeface="Malgun Gothic"/>
+              </a:rPr>
+              <a:t>전이 학습을 이용한 다단계 일사량 예측 방식 </a:t>
+            </a:r>
+            <a:endParaRPr sz="2000" kern="0" dirty="0">
+              <a:solidFill>
+                <a:sysClr val="windowText" lastClr="000000"/>
+              </a:solidFill>
+              <a:cs typeface="Malgun Gothic"/>
+            </a:endParaRPr>
+          </a:p>
+        </p:txBody>
+      </p:sp>
+      <p:sp>
+        <p:nvSpPr>
+          <p:cNvPr id="19" name="object 6">
+            <a:extLst>
+              <a:ext uri="{FF2B5EF4-FFF2-40B4-BE49-F238E27FC236}">
+                <a16:creationId xmlns:a16="http://schemas.microsoft.com/office/drawing/2014/main" id="{C73C25E3-E198-4627-994A-E730949EA465}"/>
+              </a:ext>
+            </a:extLst>
+          </p:cNvPr>
+          <p:cNvSpPr/>
+          <p:nvPr/>
+        </p:nvSpPr>
+        <p:spPr>
+          <a:xfrm>
+            <a:off x="430250" y="985061"/>
+            <a:ext cx="11353800" cy="45720"/>
+          </a:xfrm>
+          <a:custGeom>
+            <a:avLst/>
+            <a:gdLst/>
+            <a:ahLst/>
+            <a:cxnLst/>
+            <a:rect l="l" t="t" r="r" b="b"/>
+            <a:pathLst>
+              <a:path w="11353800" h="45719">
+                <a:moveTo>
+                  <a:pt x="11353800" y="0"/>
+                </a:moveTo>
+                <a:lnTo>
+                  <a:pt x="0" y="0"/>
+                </a:lnTo>
+                <a:lnTo>
+                  <a:pt x="0" y="45718"/>
+                </a:lnTo>
+                <a:lnTo>
+                  <a:pt x="11353800" y="45718"/>
+                </a:lnTo>
+                <a:lnTo>
+                  <a:pt x="11353800" y="0"/>
+                </a:lnTo>
+                <a:close/>
+              </a:path>
+            </a:pathLst>
+          </a:custGeom>
+          <a:solidFill>
+            <a:srgbClr val="0C3F8B"/>
+          </a:solidFill>
+        </p:spPr>
+        <p:txBody>
+          <a:bodyPr wrap="square" lIns="0" tIns="0" rIns="0" bIns="0" rtlCol="0"/>
+          <a:lstStyle/>
+          <a:p>
+            <a:pPr marL="0" marR="0" lvl="0" indent="0" defTabSz="914400" eaLnBrk="1" fontAlgn="auto" latinLnBrk="0" hangingPunct="1">
+              <a:lnSpc>
+                <a:spcPct val="100000"/>
+              </a:lnSpc>
+              <a:spcBef>
+                <a:spcPts val="0"/>
+              </a:spcBef>
+              <a:spcAft>
+                <a:spcPts val="0"/>
+              </a:spcAft>
+              <a:buClrTx/>
+              <a:buSzTx/>
+              <a:buFontTx/>
+              <a:buNone/>
+              <a:tabLst/>
+              <a:defRPr/>
+            </a:pPr>
+            <a:endParaRPr kumimoji="0" sz="1800" b="0" i="0" u="none" strike="noStrike" kern="0" cap="none" spc="0" normalizeH="0" baseline="0" noProof="0">
+              <a:ln>
+                <a:noFill/>
+              </a:ln>
+              <a:solidFill>
+                <a:sysClr val="windowText" lastClr="000000"/>
+              </a:solidFill>
+              <a:effectLst/>
+              <a:uLnTx/>
+              <a:uFillTx/>
+            </a:endParaRPr>
+          </a:p>
+        </p:txBody>
+      </p:sp>
+      <p:sp>
+        <p:nvSpPr>
+          <p:cNvPr id="8" name="직사각형 7"/>
+          <p:cNvSpPr/>
+          <p:nvPr/>
+        </p:nvSpPr>
+        <p:spPr>
+          <a:xfrm>
+            <a:off x="492575" y="1769352"/>
+            <a:ext cx="11291475" cy="1102866"/>
+          </a:xfrm>
+          <a:prstGeom prst="rect">
+            <a:avLst/>
+          </a:prstGeom>
+        </p:spPr>
+        <p:txBody>
+          <a:bodyPr wrap="square">
+            <a:spAutoFit/>
+          </a:bodyPr>
+          <a:lstStyle/>
+          <a:p>
+            <a:pPr marL="298450" indent="-285750" latinLnBrk="0">
+              <a:spcBef>
+                <a:spcPts val="695"/>
+              </a:spcBef>
+              <a:buFontTx/>
+              <a:buChar char="-"/>
+              <a:tabLst>
+                <a:tab pos="240665" algn="l"/>
+              </a:tabLst>
+            </a:pPr>
+            <a:r>
+              <a:rPr lang="en-US" altLang="ko-KR" kern="0" spc="-50" dirty="0">
+                <a:solidFill>
+                  <a:sysClr val="windowText" lastClr="000000"/>
+                </a:solidFill>
+                <a:latin typeface="Calibri"/>
+                <a:cs typeface="Calibri"/>
+              </a:rPr>
+              <a:t>(</a:t>
+            </a:r>
+            <a:r>
+              <a:rPr lang="ko-KR" altLang="en-US" kern="0" spc="-50" dirty="0">
+                <a:solidFill>
+                  <a:sysClr val="windowText" lastClr="000000"/>
+                </a:solidFill>
+                <a:latin typeface="Calibri"/>
+                <a:cs typeface="Calibri"/>
+              </a:rPr>
+              <a:t>가정</a:t>
+            </a:r>
+            <a:r>
+              <a:rPr lang="en-US" altLang="ko-KR" kern="0" spc="-50" dirty="0">
+                <a:solidFill>
+                  <a:sysClr val="windowText" lastClr="000000"/>
+                </a:solidFill>
+                <a:latin typeface="Calibri"/>
+                <a:cs typeface="Calibri"/>
+              </a:rPr>
+              <a:t>) </a:t>
+            </a:r>
+            <a:r>
+              <a:rPr lang="ko-KR" altLang="en-US" dirty="0"/>
+              <a:t>태양광 발전 시스템이 하루만 운영되었으며</a:t>
+            </a:r>
+            <a:r>
+              <a:rPr lang="en-US" altLang="ko-KR" dirty="0"/>
+              <a:t>, </a:t>
+            </a:r>
+            <a:r>
+              <a:rPr lang="ko-KR" altLang="en-US" dirty="0"/>
+              <a:t>일사량 데이터도 하루치만 수집되었음</a:t>
+            </a:r>
+            <a:endParaRPr lang="en-US" altLang="ko-KR" kern="0" spc="-50" dirty="0">
+              <a:solidFill>
+                <a:sysClr val="windowText" lastClr="000000"/>
+              </a:solidFill>
+              <a:latin typeface="Calibri"/>
+              <a:cs typeface="Calibri"/>
+            </a:endParaRPr>
+          </a:p>
+          <a:p>
+            <a:pPr marL="298450" indent="-285750" latinLnBrk="0">
+              <a:spcBef>
+                <a:spcPts val="695"/>
+              </a:spcBef>
+              <a:buFontTx/>
+              <a:buChar char="-"/>
+              <a:tabLst>
+                <a:tab pos="240665" algn="l"/>
+              </a:tabLst>
+            </a:pPr>
+            <a:r>
+              <a:rPr lang="ko-KR" altLang="en-US" kern="0" spc="-50" dirty="0">
+                <a:solidFill>
+                  <a:sysClr val="windowText" lastClr="000000"/>
+                </a:solidFill>
+                <a:latin typeface="Calibri"/>
+                <a:cs typeface="Calibri"/>
+              </a:rPr>
+              <a:t>다섯 군데 지역의 </a:t>
+            </a:r>
+            <a:r>
+              <a:rPr lang="en-US" altLang="ko-KR" kern="0" spc="-50" dirty="0">
+                <a:solidFill>
+                  <a:sysClr val="windowText" lastClr="000000"/>
+                </a:solidFill>
+                <a:latin typeface="Calibri"/>
+                <a:cs typeface="Calibri"/>
+              </a:rPr>
+              <a:t>4 </a:t>
+            </a:r>
+            <a:r>
+              <a:rPr lang="ko-KR" altLang="en-US" kern="0" spc="-50" dirty="0">
+                <a:solidFill>
+                  <a:sysClr val="windowText" lastClr="000000"/>
+                </a:solidFill>
+                <a:latin typeface="Calibri"/>
+                <a:cs typeface="Calibri"/>
+              </a:rPr>
+              <a:t>년치 데이터 셋 </a:t>
+            </a:r>
+            <a:r>
+              <a:rPr lang="en-US" altLang="ko-KR" kern="0" spc="-50" dirty="0">
+                <a:solidFill>
+                  <a:sysClr val="windowText" lastClr="000000"/>
+                </a:solidFill>
+                <a:latin typeface="Calibri"/>
+                <a:cs typeface="Calibri"/>
+              </a:rPr>
+              <a:t>+ </a:t>
+            </a:r>
+            <a:r>
+              <a:rPr lang="ko-KR" altLang="en-US" kern="0" spc="-50" dirty="0">
+                <a:solidFill>
+                  <a:sysClr val="windowText" lastClr="000000"/>
+                </a:solidFill>
+                <a:latin typeface="Calibri"/>
+                <a:cs typeface="Calibri"/>
+              </a:rPr>
+              <a:t>예측 대상 지역의 </a:t>
+            </a:r>
+            <a:r>
+              <a:rPr lang="en-US" altLang="ko-KR" kern="0" spc="-50" dirty="0">
+                <a:solidFill>
+                  <a:sysClr val="windowText" lastClr="000000"/>
+                </a:solidFill>
+                <a:latin typeface="Calibri"/>
+                <a:cs typeface="Calibri"/>
+              </a:rPr>
+              <a:t>1</a:t>
+            </a:r>
+            <a:r>
+              <a:rPr lang="ko-KR" altLang="en-US" kern="0" spc="-50" dirty="0">
+                <a:solidFill>
+                  <a:sysClr val="windowText" lastClr="000000"/>
+                </a:solidFill>
+                <a:latin typeface="Calibri"/>
+                <a:cs typeface="Calibri"/>
+              </a:rPr>
+              <a:t> 년치 데이터 셋을 결합해 학습 데이터 셋을 구성</a:t>
+            </a:r>
+            <a:endParaRPr lang="en-US" altLang="ko-KR" kern="0" spc="-50" dirty="0">
+              <a:solidFill>
+                <a:sysClr val="windowText" lastClr="000000"/>
+              </a:solidFill>
+              <a:latin typeface="Calibri"/>
+              <a:cs typeface="Calibri"/>
+            </a:endParaRPr>
+          </a:p>
+          <a:p>
+            <a:pPr marL="12700" latinLnBrk="0">
+              <a:spcBef>
+                <a:spcPts val="695"/>
+              </a:spcBef>
+              <a:tabLst>
+                <a:tab pos="240665" algn="l"/>
+              </a:tabLst>
+            </a:pPr>
+            <a:r>
+              <a:rPr lang="ko-KR" altLang="en-US" kern="0" spc="-50" dirty="0">
+                <a:solidFill>
+                  <a:sysClr val="windowText" lastClr="000000"/>
+                </a:solidFill>
+                <a:latin typeface="Calibri"/>
+                <a:cs typeface="Calibri"/>
+              </a:rPr>
+              <a:t> </a:t>
+            </a:r>
+            <a:endParaRPr lang="en-US" altLang="ko-KR" kern="0" spc="-50" dirty="0">
+              <a:solidFill>
+                <a:sysClr val="windowText" lastClr="000000"/>
+              </a:solidFill>
+              <a:latin typeface="Calibri"/>
+              <a:cs typeface="Calibri"/>
+            </a:endParaRPr>
+          </a:p>
+        </p:txBody>
+      </p:sp>
+      <p:pic>
+        <p:nvPicPr>
+          <p:cNvPr id="10" name="그림 9">
+            <a:extLst>
+              <a:ext uri="{FF2B5EF4-FFF2-40B4-BE49-F238E27FC236}">
+                <a16:creationId xmlns:a16="http://schemas.microsoft.com/office/drawing/2014/main" id="{F01F0147-7E99-430A-BE8A-08C8C8B5C47B}"/>
+              </a:ext>
+            </a:extLst>
+          </p:cNvPr>
+          <p:cNvPicPr>
+            <a:picLocks noChangeAspect="1"/>
+          </p:cNvPicPr>
+          <p:nvPr/>
+        </p:nvPicPr>
+        <p:blipFill rotWithShape="1">
+          <a:blip r:embed="rId2"/>
+          <a:srcRect b="12612"/>
+          <a:stretch/>
+        </p:blipFill>
+        <p:spPr>
+          <a:xfrm>
+            <a:off x="3105047" y="2608710"/>
+            <a:ext cx="6066529" cy="3504346"/>
+          </a:xfrm>
+          <a:prstGeom prst="rect">
+            <a:avLst/>
+          </a:prstGeom>
+        </p:spPr>
+      </p:pic>
+      <p:sp>
+        <p:nvSpPr>
+          <p:cNvPr id="11" name="직사각형 10">
+            <a:extLst>
+              <a:ext uri="{FF2B5EF4-FFF2-40B4-BE49-F238E27FC236}">
+                <a16:creationId xmlns:a16="http://schemas.microsoft.com/office/drawing/2014/main" id="{335F2A5E-66AF-49FF-B6C0-2C81B4E1E460}"/>
+              </a:ext>
+            </a:extLst>
+          </p:cNvPr>
+          <p:cNvSpPr/>
+          <p:nvPr/>
+        </p:nvSpPr>
+        <p:spPr>
+          <a:xfrm>
+            <a:off x="9036771" y="401503"/>
+            <a:ext cx="2947481" cy="551433"/>
+          </a:xfrm>
+          <a:prstGeom prst="rect">
+            <a:avLst/>
+          </a:prstGeom>
+        </p:spPr>
+        <p:txBody>
+          <a:bodyPr wrap="square">
+            <a:spAutoFit/>
+          </a:bodyPr>
+          <a:lstStyle/>
+          <a:p>
+            <a:pPr marL="12700" latinLnBrk="0">
+              <a:spcBef>
+                <a:spcPts val="695"/>
+              </a:spcBef>
+              <a:tabLst>
+                <a:tab pos="240665" algn="l"/>
+              </a:tabLst>
+            </a:pPr>
+            <a:r>
+              <a:rPr lang="en-US" altLang="ko-KR" sz="1200" b="1" kern="0" spc="-50" dirty="0">
+                <a:solidFill>
+                  <a:sysClr val="windowText" lastClr="000000"/>
+                </a:solidFill>
+                <a:latin typeface="Calibri"/>
+                <a:cs typeface="Calibri"/>
+              </a:rPr>
+              <a:t>* </a:t>
+            </a:r>
+            <a:r>
+              <a:rPr lang="ko-KR" altLang="en-US" sz="1200" b="1" kern="0" spc="-50" dirty="0">
+                <a:solidFill>
+                  <a:sysClr val="windowText" lastClr="000000"/>
+                </a:solidFill>
+                <a:latin typeface="Calibri"/>
+                <a:cs typeface="Calibri"/>
+              </a:rPr>
+              <a:t>학습 지역</a:t>
+            </a:r>
+            <a:r>
+              <a:rPr lang="en-US" altLang="ko-KR" sz="1200" b="1" kern="0" spc="-50" dirty="0">
+                <a:solidFill>
+                  <a:sysClr val="windowText" lastClr="000000"/>
+                </a:solidFill>
+                <a:latin typeface="Calibri"/>
+                <a:cs typeface="Calibri"/>
+              </a:rPr>
+              <a:t>:  </a:t>
+            </a:r>
+            <a:r>
+              <a:rPr lang="ko-KR" altLang="en-US" sz="1200" b="1" kern="0" spc="-50" dirty="0">
+                <a:solidFill>
+                  <a:sysClr val="windowText" lastClr="000000"/>
+                </a:solidFill>
+                <a:latin typeface="Calibri"/>
+                <a:cs typeface="Calibri"/>
+              </a:rPr>
+              <a:t>서울</a:t>
+            </a:r>
+            <a:r>
+              <a:rPr lang="en-US" altLang="ko-KR" sz="1200" b="1" kern="0" spc="-50" dirty="0">
+                <a:solidFill>
+                  <a:sysClr val="windowText" lastClr="000000"/>
+                </a:solidFill>
+                <a:latin typeface="Calibri"/>
+                <a:cs typeface="Calibri"/>
+              </a:rPr>
+              <a:t>, </a:t>
+            </a:r>
+            <a:r>
+              <a:rPr lang="ko-KR" altLang="en-US" sz="1200" b="1" kern="0" spc="-50" dirty="0">
+                <a:solidFill>
+                  <a:sysClr val="windowText" lastClr="000000"/>
+                </a:solidFill>
+                <a:latin typeface="Calibri"/>
+                <a:cs typeface="Calibri"/>
+              </a:rPr>
+              <a:t>부산</a:t>
+            </a:r>
+            <a:r>
+              <a:rPr lang="en-US" altLang="ko-KR" sz="1200" b="1" kern="0" spc="-50" dirty="0">
+                <a:solidFill>
+                  <a:sysClr val="windowText" lastClr="000000"/>
+                </a:solidFill>
+                <a:latin typeface="Calibri"/>
+                <a:cs typeface="Calibri"/>
+              </a:rPr>
+              <a:t>, </a:t>
+            </a:r>
+            <a:r>
+              <a:rPr lang="ko-KR" altLang="en-US" sz="1200" b="1" kern="0" spc="-50" dirty="0">
+                <a:solidFill>
+                  <a:sysClr val="windowText" lastClr="000000"/>
+                </a:solidFill>
+                <a:latin typeface="Calibri"/>
+                <a:cs typeface="Calibri"/>
+              </a:rPr>
+              <a:t>대구</a:t>
+            </a:r>
+            <a:r>
+              <a:rPr lang="en-US" altLang="ko-KR" sz="1200" b="1" kern="0" spc="-50" dirty="0">
+                <a:solidFill>
+                  <a:sysClr val="windowText" lastClr="000000"/>
+                </a:solidFill>
+                <a:latin typeface="Calibri"/>
+                <a:cs typeface="Calibri"/>
+              </a:rPr>
+              <a:t>, </a:t>
+            </a:r>
+            <a:r>
+              <a:rPr lang="ko-KR" altLang="en-US" sz="1200" b="1" kern="0" spc="-50" dirty="0">
+                <a:solidFill>
+                  <a:sysClr val="windowText" lastClr="000000"/>
+                </a:solidFill>
+                <a:latin typeface="Calibri"/>
+                <a:cs typeface="Calibri"/>
+              </a:rPr>
+              <a:t>인천</a:t>
+            </a:r>
+            <a:r>
+              <a:rPr lang="en-US" altLang="ko-KR" sz="1200" b="1" kern="0" spc="-50" dirty="0">
+                <a:solidFill>
+                  <a:sysClr val="windowText" lastClr="000000"/>
+                </a:solidFill>
+                <a:latin typeface="Calibri"/>
+                <a:cs typeface="Calibri"/>
+              </a:rPr>
+              <a:t>, </a:t>
+            </a:r>
+            <a:r>
+              <a:rPr lang="ko-KR" altLang="en-US" sz="1200" b="1" kern="0" spc="-50" dirty="0">
+                <a:solidFill>
+                  <a:sysClr val="windowText" lastClr="000000"/>
+                </a:solidFill>
+                <a:latin typeface="Calibri"/>
+                <a:cs typeface="Calibri"/>
+              </a:rPr>
+              <a:t>광주</a:t>
+            </a:r>
+            <a:endParaRPr lang="en-US" altLang="ko-KR" sz="1200" b="1" kern="0" spc="-50" dirty="0">
+              <a:solidFill>
+                <a:sysClr val="windowText" lastClr="000000"/>
+              </a:solidFill>
+              <a:latin typeface="Calibri"/>
+              <a:cs typeface="Calibri"/>
+            </a:endParaRPr>
+          </a:p>
+          <a:p>
+            <a:pPr marL="12700" latinLnBrk="0">
+              <a:spcBef>
+                <a:spcPts val="695"/>
+              </a:spcBef>
+              <a:tabLst>
+                <a:tab pos="240665" algn="l"/>
+              </a:tabLst>
+            </a:pPr>
+            <a:r>
+              <a:rPr lang="en-US" altLang="ko-KR" sz="1200" b="1" kern="0" spc="-50" dirty="0">
+                <a:solidFill>
+                  <a:sysClr val="windowText" lastClr="000000"/>
+                </a:solidFill>
+                <a:latin typeface="Calibri"/>
+                <a:cs typeface="Calibri"/>
+              </a:rPr>
+              <a:t>* </a:t>
+            </a:r>
+            <a:r>
+              <a:rPr lang="ko-KR" altLang="en-US" sz="1200" b="1" kern="0" spc="-50" dirty="0">
+                <a:solidFill>
+                  <a:sysClr val="windowText" lastClr="000000"/>
+                </a:solidFill>
+                <a:latin typeface="Calibri"/>
+                <a:cs typeface="Calibri"/>
+              </a:rPr>
+              <a:t>예측 지역 </a:t>
+            </a:r>
+            <a:r>
+              <a:rPr lang="en-US" altLang="ko-KR" sz="1200" b="1" kern="0" spc="-50" dirty="0">
+                <a:solidFill>
+                  <a:sysClr val="windowText" lastClr="000000"/>
+                </a:solidFill>
+                <a:latin typeface="Calibri"/>
+                <a:cs typeface="Calibri"/>
+              </a:rPr>
+              <a:t>: </a:t>
+            </a:r>
+            <a:r>
+              <a:rPr lang="ko-KR" altLang="en-US" sz="1200" b="1" kern="0" spc="-50" dirty="0">
+                <a:solidFill>
+                  <a:sysClr val="windowText" lastClr="000000"/>
+                </a:solidFill>
+                <a:latin typeface="Calibri"/>
+                <a:cs typeface="Calibri"/>
+              </a:rPr>
+              <a:t>대전</a:t>
+            </a:r>
+            <a:endParaRPr lang="en-US" altLang="ko-KR" sz="1200" b="1" kern="0" spc="-50" dirty="0">
+              <a:solidFill>
+                <a:sysClr val="windowText" lastClr="000000"/>
+              </a:solidFill>
+              <a:latin typeface="Calibri"/>
+              <a:cs typeface="Calibri"/>
+            </a:endParaRPr>
+          </a:p>
+        </p:txBody>
+      </p:sp>
+      <p:grpSp>
+        <p:nvGrpSpPr>
+          <p:cNvPr id="12" name="그룹 11">
+            <a:extLst>
+              <a:ext uri="{FF2B5EF4-FFF2-40B4-BE49-F238E27FC236}">
+                <a16:creationId xmlns:a16="http://schemas.microsoft.com/office/drawing/2014/main" id="{69A03454-59BD-4D91-98B6-E4A07A575B96}"/>
+              </a:ext>
+            </a:extLst>
+          </p:cNvPr>
+          <p:cNvGrpSpPr/>
+          <p:nvPr/>
+        </p:nvGrpSpPr>
+        <p:grpSpPr>
+          <a:xfrm>
+            <a:off x="9250532" y="6219306"/>
+            <a:ext cx="2776842" cy="457642"/>
+            <a:chOff x="8473734" y="6091284"/>
+            <a:chExt cx="3553640" cy="585664"/>
+          </a:xfrm>
+        </p:grpSpPr>
+        <p:pic>
+          <p:nvPicPr>
+            <p:cNvPr id="13" name="그림 12">
+              <a:extLst>
+                <a:ext uri="{FF2B5EF4-FFF2-40B4-BE49-F238E27FC236}">
+                  <a16:creationId xmlns:a16="http://schemas.microsoft.com/office/drawing/2014/main" id="{2A944B4D-367A-4D10-A6B4-49EBC050AA29}"/>
+                </a:ext>
+              </a:extLst>
+            </p:cNvPr>
+            <p:cNvPicPr>
+              <a:picLocks noChangeAspect="1"/>
+            </p:cNvPicPr>
+            <p:nvPr/>
+          </p:nvPicPr>
+          <p:blipFill rotWithShape="1">
+            <a:blip r:embed="rId3">
+              <a:extLst>
+                <a:ext uri="{28A0092B-C50C-407E-A947-70E740481C1C}">
+                  <a14:useLocalDpi xmlns:a14="http://schemas.microsoft.com/office/drawing/2010/main" val="0"/>
+                </a:ext>
+              </a:extLst>
+            </a:blip>
+            <a:srcRect l="74535" t="3851" r="5686" b="50143"/>
+            <a:stretch/>
+          </p:blipFill>
+          <p:spPr>
+            <a:xfrm>
+              <a:off x="8473734" y="6091284"/>
+              <a:ext cx="1353669" cy="585664"/>
+            </a:xfrm>
+            <a:prstGeom prst="rect">
+              <a:avLst/>
+            </a:prstGeom>
+          </p:spPr>
+        </p:pic>
+        <p:pic>
+          <p:nvPicPr>
+            <p:cNvPr id="14" name="그림 13">
+              <a:extLst>
+                <a:ext uri="{FF2B5EF4-FFF2-40B4-BE49-F238E27FC236}">
+                  <a16:creationId xmlns:a16="http://schemas.microsoft.com/office/drawing/2014/main" id="{FC4B0508-80C0-4FFE-90B4-7E66E11A74B4}"/>
+                </a:ext>
+              </a:extLst>
+            </p:cNvPr>
+            <p:cNvPicPr>
+              <a:picLocks noChangeAspect="1"/>
+            </p:cNvPicPr>
+            <p:nvPr/>
+          </p:nvPicPr>
+          <p:blipFill>
+            <a:blip r:embed="rId4" cstate="hqprint">
+              <a:extLst>
+                <a:ext uri="{28A0092B-C50C-407E-A947-70E740481C1C}">
+                  <a14:useLocalDpi xmlns:a14="http://schemas.microsoft.com/office/drawing/2010/main" val="0"/>
+                </a:ext>
+              </a:extLst>
+            </a:blip>
+            <a:stretch>
+              <a:fillRect/>
+            </a:stretch>
+          </p:blipFill>
+          <p:spPr>
+            <a:xfrm>
+              <a:off x="9827403" y="6172124"/>
+              <a:ext cx="2199971" cy="423985"/>
+            </a:xfrm>
+            <a:prstGeom prst="rect">
+              <a:avLst/>
+            </a:prstGeom>
+          </p:spPr>
+        </p:pic>
+      </p:grpSp>
+    </p:spTree>
+    <p:extLst>
+      <p:ext uri="{BB962C8B-B14F-4D97-AF65-F5344CB8AC3E}">
+        <p14:creationId xmlns:p14="http://schemas.microsoft.com/office/powerpoint/2010/main" val="2953433111"/>
       </p:ext>
     </p:extLst>
   </p:cSld>

--- a/KICS_PT/[KICS] 모델 poster.pptx
+++ b/KICS_PT/[KICS] 모델 poster.pptx
@@ -211,7 +211,7 @@
           <a:p>
             <a:fld id="{6F87F997-1D79-4E07-87A6-34279F62842B}" type="datetimeFigureOut">
               <a:rPr lang="ko-KR" altLang="en-US" smtClean="0"/>
-              <a:t>2022-11-08</a:t>
+              <a:t>2022-11-09</a:t>
             </a:fld>
             <a:endParaRPr lang="ko-KR" altLang="en-US"/>
           </a:p>
@@ -895,7 +895,7 @@
           <a:p>
             <a:fld id="{B1A85668-658F-4FC8-8F81-563F46575ADE}" type="datetimeFigureOut">
               <a:rPr lang="ko-KR" altLang="en-US" smtClean="0"/>
-              <a:t>2022-11-08</a:t>
+              <a:t>2022-11-09</a:t>
             </a:fld>
             <a:endParaRPr lang="ko-KR" altLang="en-US"/>
           </a:p>
@@ -1093,7 +1093,7 @@
           <a:p>
             <a:fld id="{B1A85668-658F-4FC8-8F81-563F46575ADE}" type="datetimeFigureOut">
               <a:rPr lang="ko-KR" altLang="en-US" smtClean="0"/>
-              <a:t>2022-11-08</a:t>
+              <a:t>2022-11-09</a:t>
             </a:fld>
             <a:endParaRPr lang="ko-KR" altLang="en-US"/>
           </a:p>
@@ -1301,7 +1301,7 @@
           <a:p>
             <a:fld id="{B1A85668-658F-4FC8-8F81-563F46575ADE}" type="datetimeFigureOut">
               <a:rPr lang="ko-KR" altLang="en-US" smtClean="0"/>
-              <a:t>2022-11-08</a:t>
+              <a:t>2022-11-09</a:t>
             </a:fld>
             <a:endParaRPr lang="ko-KR" altLang="en-US"/>
           </a:p>
@@ -1499,7 +1499,7 @@
           <a:p>
             <a:fld id="{B1A85668-658F-4FC8-8F81-563F46575ADE}" type="datetimeFigureOut">
               <a:rPr lang="ko-KR" altLang="en-US" smtClean="0"/>
-              <a:t>2022-11-08</a:t>
+              <a:t>2022-11-09</a:t>
             </a:fld>
             <a:endParaRPr lang="ko-KR" altLang="en-US"/>
           </a:p>
@@ -1774,7 +1774,7 @@
           <a:p>
             <a:fld id="{B1A85668-658F-4FC8-8F81-563F46575ADE}" type="datetimeFigureOut">
               <a:rPr lang="ko-KR" altLang="en-US" smtClean="0"/>
-              <a:t>2022-11-08</a:t>
+              <a:t>2022-11-09</a:t>
             </a:fld>
             <a:endParaRPr lang="ko-KR" altLang="en-US"/>
           </a:p>
@@ -2039,7 +2039,7 @@
           <a:p>
             <a:fld id="{B1A85668-658F-4FC8-8F81-563F46575ADE}" type="datetimeFigureOut">
               <a:rPr lang="ko-KR" altLang="en-US" smtClean="0"/>
-              <a:t>2022-11-08</a:t>
+              <a:t>2022-11-09</a:t>
             </a:fld>
             <a:endParaRPr lang="ko-KR" altLang="en-US"/>
           </a:p>
@@ -2451,7 +2451,7 @@
           <a:p>
             <a:fld id="{B1A85668-658F-4FC8-8F81-563F46575ADE}" type="datetimeFigureOut">
               <a:rPr lang="ko-KR" altLang="en-US" smtClean="0"/>
-              <a:t>2022-11-08</a:t>
+              <a:t>2022-11-09</a:t>
             </a:fld>
             <a:endParaRPr lang="ko-KR" altLang="en-US"/>
           </a:p>
@@ -2592,7 +2592,7 @@
           <a:p>
             <a:fld id="{B1A85668-658F-4FC8-8F81-563F46575ADE}" type="datetimeFigureOut">
               <a:rPr lang="ko-KR" altLang="en-US" smtClean="0"/>
-              <a:t>2022-11-08</a:t>
+              <a:t>2022-11-09</a:t>
             </a:fld>
             <a:endParaRPr lang="ko-KR" altLang="en-US"/>
           </a:p>
@@ -2705,7 +2705,7 @@
           <a:p>
             <a:fld id="{B1A85668-658F-4FC8-8F81-563F46575ADE}" type="datetimeFigureOut">
               <a:rPr lang="ko-KR" altLang="en-US" smtClean="0"/>
-              <a:t>2022-11-08</a:t>
+              <a:t>2022-11-09</a:t>
             </a:fld>
             <a:endParaRPr lang="ko-KR" altLang="en-US"/>
           </a:p>
@@ -3016,7 +3016,7 @@
           <a:p>
             <a:fld id="{B1A85668-658F-4FC8-8F81-563F46575ADE}" type="datetimeFigureOut">
               <a:rPr lang="ko-KR" altLang="en-US" smtClean="0"/>
-              <a:t>2022-11-08</a:t>
+              <a:t>2022-11-09</a:t>
             </a:fld>
             <a:endParaRPr lang="ko-KR" altLang="en-US"/>
           </a:p>
@@ -3304,7 +3304,7 @@
           <a:p>
             <a:fld id="{B1A85668-658F-4FC8-8F81-563F46575ADE}" type="datetimeFigureOut">
               <a:rPr lang="ko-KR" altLang="en-US" smtClean="0"/>
-              <a:t>2022-11-08</a:t>
+              <a:t>2022-11-09</a:t>
             </a:fld>
             <a:endParaRPr lang="ko-KR" altLang="en-US"/>
           </a:p>
@@ -3545,7 +3545,7 @@
           <a:p>
             <a:fld id="{B1A85668-658F-4FC8-8F81-563F46575ADE}" type="datetimeFigureOut">
               <a:rPr lang="ko-KR" altLang="en-US" smtClean="0"/>
-              <a:t>2022-11-08</a:t>
+              <a:t>2022-11-09</a:t>
             </a:fld>
             <a:endParaRPr lang="ko-KR" altLang="en-US"/>
           </a:p>
@@ -6292,8 +6292,8 @@
           </a:p>
         </p:txBody>
       </p:sp>
-      <mc:AlternateContent xmlns:mc="http://schemas.openxmlformats.org/markup-compatibility/2006">
-        <mc:Choice xmlns:a14="http://schemas.microsoft.com/office/drawing/2010/main" Requires="a14">
+      <mc:AlternateContent xmlns:mc="http://schemas.openxmlformats.org/markup-compatibility/2006" xmlns:a14="http://schemas.microsoft.com/office/drawing/2010/main">
+        <mc:Choice Requires="a14">
           <p:sp>
             <p:nvSpPr>
               <p:cNvPr id="11" name="object 3">
@@ -6603,7 +6603,7 @@
             </p:txBody>
           </p:sp>
         </mc:Choice>
-        <mc:Fallback>
+        <mc:Fallback xmlns="">
           <p:sp>
             <p:nvSpPr>
               <p:cNvPr id="11" name="object 3">
@@ -6808,8 +6808,8 @@
           </a:p>
         </p:txBody>
       </p:sp>
-      <mc:AlternateContent xmlns:mc="http://schemas.openxmlformats.org/markup-compatibility/2006">
-        <mc:Choice xmlns:a14="http://schemas.microsoft.com/office/drawing/2010/main" Requires="a14">
+      <mc:AlternateContent xmlns:mc="http://schemas.openxmlformats.org/markup-compatibility/2006" xmlns:a14="http://schemas.microsoft.com/office/drawing/2010/main">
+        <mc:Choice Requires="a14">
           <p:sp>
             <p:nvSpPr>
               <p:cNvPr id="12" name="TextBox 11">
@@ -7044,7 +7044,7 @@
             </p:txBody>
           </p:sp>
         </mc:Choice>
-        <mc:Fallback>
+        <mc:Fallback xmlns="">
           <p:sp>
             <p:nvSpPr>
               <p:cNvPr id="12" name="TextBox 11">
@@ -11555,16 +11555,16 @@
                 </a:solidFill>
                 <a:cs typeface="Malgun Gothic"/>
               </a:rPr>
-              <a:t>최근 정부에서는 온실가스 배출량을 줄이기 위해 신재생 에너지 발전의 중요성을 강조하며 에너지원별 발전 비중을 점차 늘리고 있음</a:t>
-            </a:r>
-            <a:r>
-              <a:rPr lang="en-US" altLang="ko-KR" sz="2000" kern="0" dirty="0">
+              <a:t>최근 정부에서는 온실가스 배출량을 줄이기 위해 신재생 에너지 발전의 중요성을 강조하며 에너지원별 발전 비중을 점차 </a:t>
+            </a:r>
+            <a:r>
+              <a:rPr lang="ko-KR" altLang="en-US" sz="2000" kern="0">
                 <a:solidFill>
                   <a:sysClr val="windowText" lastClr="000000"/>
                 </a:solidFill>
                 <a:cs typeface="Malgun Gothic"/>
               </a:rPr>
-              <a:t> </a:t>
+              <a:t>늘리고 있음</a:t>
             </a:r>
             <a:endParaRPr sz="2000" kern="0" dirty="0">
               <a:solidFill>

--- a/KICS_PT/[KICS] 모델 poster.pptx
+++ b/KICS_PT/[KICS] 모델 poster.pptx
@@ -4084,7 +4084,15 @@
                   <a:schemeClr val="bg1"/>
                 </a:solidFill>
               </a:rPr>
-              <a:t>일사량 예측 기법</a:t>
+              <a:t>일사량 </a:t>
+            </a:r>
+            <a:r>
+              <a:rPr lang="ko-KR" altLang="en-US" sz="3600" b="1">
+                <a:solidFill>
+                  <a:schemeClr val="bg1"/>
+                </a:solidFill>
+              </a:rPr>
+              <a:t>예측 기법</a:t>
             </a:r>
             <a:br>
               <a:rPr lang="en-US" altLang="ko-KR" sz="3700" b="1" dirty="0">

--- a/KICS_PT/[KICS] 모델 poster.pptx
+++ b/KICS_PT/[KICS] 모델 poster.pptx
@@ -4071,6 +4071,14 @@
               </a:rPr>
               <a:t> 이용한 </a:t>
             </a:r>
+            <a:r>
+              <a:rPr lang="en-US" altLang="ko-KR" sz="3600" b="1" dirty="0">
+                <a:solidFill>
+                  <a:schemeClr val="bg1"/>
+                </a:solidFill>
+              </a:rPr>
+              <a:t/>
+            </a:r>
             <a:br>
               <a:rPr lang="en-US" altLang="ko-KR" sz="3600" b="1" dirty="0">
                 <a:solidFill>
@@ -4094,6 +4102,14 @@
               </a:rPr>
               <a:t>예측 기법</a:t>
             </a:r>
+            <a:r>
+              <a:rPr lang="en-US" altLang="ko-KR" sz="3700" b="1" dirty="0">
+                <a:solidFill>
+                  <a:schemeClr val="bg1"/>
+                </a:solidFill>
+              </a:rPr>
+              <a:t/>
+            </a:r>
             <a:br>
               <a:rPr lang="en-US" altLang="ko-KR" sz="3700" b="1" dirty="0">
                 <a:solidFill>
@@ -4108,6 +4124,14 @@
                 </a:solidFill>
               </a:rPr>
               <a:t>    </a:t>
+            </a:r>
+            <a:r>
+              <a:rPr lang="en-US" altLang="ko-KR" sz="4000" b="1" dirty="0">
+                <a:solidFill>
+                  <a:schemeClr val="bg1"/>
+                </a:solidFill>
+              </a:rPr>
+              <a:t/>
             </a:r>
             <a:br>
               <a:rPr lang="en-US" altLang="ko-KR" sz="4000" b="1" dirty="0">
@@ -8073,7 +8097,7 @@
         <p:spPr>
           <a:xfrm>
             <a:off x="508990" y="1263396"/>
-            <a:ext cx="11275060" cy="425116"/>
+            <a:ext cx="11275060" cy="1579278"/>
           </a:xfrm>
           <a:prstGeom prst="rect">
             <a:avLst/>
@@ -8085,6 +8109,28 @@
           </a:bodyPr>
           <a:lstStyle/>
           <a:p>
+            <a:pPr marL="12700" latinLnBrk="0">
+              <a:spcBef>
+                <a:spcPts val="915"/>
+              </a:spcBef>
+            </a:pPr>
+            <a:r>
+              <a:rPr lang="ko-KR" altLang="en-US" sz="2000" b="1" kern="0" dirty="0" smtClean="0">
+                <a:solidFill>
+                  <a:sysClr val="windowText" lastClr="000000"/>
+                </a:solidFill>
+                <a:cs typeface="Malgun Gothic"/>
+              </a:rPr>
+              <a:t>기계 학습 기반의 일사량 예측 모델의 예측 정확성 비교</a:t>
+            </a:r>
+            <a:endParaRPr lang="en-US" altLang="ko-KR" sz="2000" b="1" kern="0" dirty="0">
+              <a:solidFill>
+                <a:sysClr val="windowText" lastClr="000000"/>
+              </a:solidFill>
+              <a:cs typeface="Malgun Gothic"/>
+            </a:endParaRPr>
+          </a:p>
+          <a:p>
             <a:pPr marL="355600" indent="-342900" latinLnBrk="0">
               <a:spcBef>
                 <a:spcPts val="915"/>
@@ -8093,14 +8139,77 @@
               <a:buChar char="§"/>
             </a:pPr>
             <a:r>
+              <a:rPr lang="ko-KR" altLang="en-US" sz="2000" kern="0" dirty="0" smtClean="0">
+                <a:solidFill>
+                  <a:sysClr val="windowText" lastClr="000000"/>
+                </a:solidFill>
+                <a:cs typeface="Malgun Gothic"/>
+              </a:rPr>
+              <a:t>본 </a:t>
+            </a:r>
+            <a:r>
               <a:rPr lang="ko-KR" altLang="en-US" sz="2000" kern="0" dirty="0">
                 <a:solidFill>
                   <a:sysClr val="windowText" lastClr="000000"/>
                 </a:solidFill>
                 <a:cs typeface="Malgun Gothic"/>
               </a:rPr>
-              <a:t>기계 학습 기반의 일사량 예측 모델의 예측 정확성 비교</a:t>
-            </a:r>
+              <a:t>논문에서 제시한 </a:t>
+            </a:r>
+            <a:r>
+              <a:rPr lang="ko-KR" altLang="en-US" sz="2000" kern="0" dirty="0" err="1">
+                <a:solidFill>
+                  <a:sysClr val="windowText" lastClr="000000"/>
+                </a:solidFill>
+                <a:cs typeface="Malgun Gothic"/>
+              </a:rPr>
+              <a:t>전이학습</a:t>
+            </a:r>
+            <a:r>
+              <a:rPr lang="ko-KR" altLang="en-US" sz="2000" kern="0" dirty="0">
+                <a:solidFill>
+                  <a:sysClr val="windowText" lastClr="000000"/>
+                </a:solidFill>
+                <a:cs typeface="Malgun Gothic"/>
+              </a:rPr>
+              <a:t> 기반의 모델 성능을 비교한 결과</a:t>
+            </a:r>
+            <a:r>
+              <a:rPr lang="en-US" altLang="ko-KR" sz="2000" kern="0" dirty="0" smtClean="0">
+                <a:solidFill>
+                  <a:sysClr val="windowText" lastClr="000000"/>
+                </a:solidFill>
+                <a:cs typeface="Malgun Gothic"/>
+              </a:rPr>
+              <a:t>, </a:t>
+            </a:r>
+            <a:r>
+              <a:rPr lang="ko-KR" altLang="en-US" sz="2000" kern="0" dirty="0" smtClean="0">
+                <a:solidFill>
+                  <a:sysClr val="windowText" lastClr="000000"/>
+                </a:solidFill>
+                <a:cs typeface="Malgun Gothic"/>
+              </a:rPr>
+              <a:t>기존 </a:t>
+            </a:r>
+            <a:r>
+              <a:rPr lang="ko-KR" altLang="en-US" sz="2000" kern="0" dirty="0">
+                <a:solidFill>
+                  <a:sysClr val="windowText" lastClr="000000"/>
+                </a:solidFill>
+                <a:cs typeface="Malgun Gothic"/>
+              </a:rPr>
+              <a:t>모델보다 오차율이 감소한 것을 확인</a:t>
+            </a:r>
+          </a:p>
+          <a:p>
+            <a:pPr marL="812800" lvl="1" indent="-342900" latinLnBrk="0">
+              <a:spcBef>
+                <a:spcPts val="915"/>
+              </a:spcBef>
+              <a:buFont typeface="Wingdings" panose="05000000000000000000" pitchFamily="2" charset="2"/>
+              <a:buChar char="§"/>
+            </a:pPr>
             <a:endParaRPr lang="en-US" altLang="ko-KR" sz="2000" kern="0" dirty="0">
               <a:solidFill>
                 <a:sysClr val="windowText" lastClr="000000"/>
@@ -8224,7 +8333,7 @@
         </p:blipFill>
         <p:spPr>
           <a:xfrm>
-            <a:off x="703047" y="2285385"/>
+            <a:off x="891677" y="1694705"/>
             <a:ext cx="5841892" cy="3608726"/>
           </a:xfrm>
           <a:prstGeom prst="rect">
@@ -8232,1710 +8341,6 @@
           </a:prstGeom>
         </p:spPr>
       </p:pic>
-      <p:graphicFrame>
-        <p:nvGraphicFramePr>
-          <p:cNvPr id="22" name="표 4">
-            <a:extLst>
-              <a:ext uri="{FF2B5EF4-FFF2-40B4-BE49-F238E27FC236}">
-                <a16:creationId xmlns:a16="http://schemas.microsoft.com/office/drawing/2014/main" id="{1AA2E4D7-7F1A-42E1-B251-6197FD7BE1D0}"/>
-              </a:ext>
-            </a:extLst>
-          </p:cNvPr>
-          <p:cNvGraphicFramePr>
-            <a:graphicFrameLocks noGrp="1"/>
-          </p:cNvGraphicFramePr>
-          <p:nvPr>
-            <p:extLst>
-              <p:ext uri="{D42A27DB-BD31-4B8C-83A1-F6EECF244321}">
-                <p14:modId xmlns:p14="http://schemas.microsoft.com/office/powerpoint/2010/main" val="2440270476"/>
-              </p:ext>
-            </p:extLst>
-          </p:nvPr>
-        </p:nvGraphicFramePr>
-        <p:xfrm>
-          <a:off x="6933051" y="2915248"/>
-          <a:ext cx="2361306" cy="2195764"/>
-        </p:xfrm>
-        <a:graphic>
-          <a:graphicData uri="http://schemas.openxmlformats.org/drawingml/2006/table">
-            <a:tbl>
-              <a:tblPr firstRow="1" bandRow="1">
-                <a:tableStyleId>{2D5ABB26-0587-4C30-8999-92F81FD0307C}</a:tableStyleId>
-              </a:tblPr>
-              <a:tblGrid>
-                <a:gridCol w="1180653">
-                  <a:extLst>
-                    <a:ext uri="{9D8B030D-6E8A-4147-A177-3AD203B41FA5}">
-                      <a16:colId xmlns:a16="http://schemas.microsoft.com/office/drawing/2014/main" val="2908245944"/>
-                    </a:ext>
-                  </a:extLst>
-                </a:gridCol>
-                <a:gridCol w="1180653">
-                  <a:extLst>
-                    <a:ext uri="{9D8B030D-6E8A-4147-A177-3AD203B41FA5}">
-                      <a16:colId xmlns:a16="http://schemas.microsoft.com/office/drawing/2014/main" val="2815417324"/>
-                    </a:ext>
-                  </a:extLst>
-                </a:gridCol>
-              </a:tblGrid>
-              <a:tr h="299798">
-                <a:tc>
-                  <a:txBody>
-                    <a:bodyPr/>
-                    <a:lstStyle/>
-                    <a:p>
-                      <a:pPr algn="ctr" latinLnBrk="1"/>
-                      <a:r>
-                        <a:rPr lang="en-US" altLang="ko-KR" sz="1200" b="1" dirty="0"/>
-                        <a:t>Time Step</a:t>
-                      </a:r>
-                      <a:endParaRPr lang="ko-KR" altLang="en-US" sz="1200" b="1" dirty="0"/>
-                    </a:p>
-                  </a:txBody>
-                  <a:tcPr marL="81636" marR="81636" marT="40818" marB="40818">
-                    <a:lnL w="12700" cap="flat" cmpd="sng" algn="ctr">
-                      <a:noFill/>
-                      <a:prstDash val="solid"/>
-                      <a:round/>
-                      <a:headEnd type="none" w="med" len="med"/>
-                      <a:tailEnd type="none" w="med" len="med"/>
-                    </a:lnL>
-                    <a:lnR w="12700" cap="flat" cmpd="sng" algn="ctr">
-                      <a:noFill/>
-                      <a:prstDash val="solid"/>
-                      <a:round/>
-                      <a:headEnd type="none" w="med" len="med"/>
-                      <a:tailEnd type="none" w="med" len="med"/>
-                    </a:lnR>
-                    <a:lnT w="12700" cap="flat" cmpd="sng" algn="ctr">
-                      <a:solidFill>
-                        <a:schemeClr val="tx1"/>
-                      </a:solidFill>
-                      <a:prstDash val="solid"/>
-                      <a:round/>
-                      <a:headEnd type="none" w="med" len="med"/>
-                      <a:tailEnd type="none" w="med" len="med"/>
-                    </a:lnT>
-                    <a:lnB w="12700" cap="flat" cmpd="sng" algn="ctr">
-                      <a:noFill/>
-                      <a:prstDash val="solid"/>
-                      <a:round/>
-                      <a:headEnd type="none" w="med" len="med"/>
-                      <a:tailEnd type="none" w="med" len="med"/>
-                    </a:lnB>
-                    <a:lnTlToBr w="12700" cmpd="sng">
-                      <a:noFill/>
-                      <a:prstDash val="solid"/>
-                    </a:lnTlToBr>
-                    <a:lnBlToTr w="12700" cmpd="sng">
-                      <a:noFill/>
-                      <a:prstDash val="solid"/>
-                    </a:lnBlToTr>
-                  </a:tcPr>
-                </a:tc>
-                <a:tc>
-                  <a:txBody>
-                    <a:bodyPr/>
-                    <a:lstStyle/>
-                    <a:p>
-                      <a:pPr algn="ctr" latinLnBrk="1"/>
-                      <a:r>
-                        <a:rPr lang="en-US" altLang="ko-KR" sz="1200" b="1" dirty="0"/>
-                        <a:t>Solar</a:t>
-                      </a:r>
-                      <a:endParaRPr lang="ko-KR" altLang="en-US" sz="1200" b="1" dirty="0"/>
-                    </a:p>
-                  </a:txBody>
-                  <a:tcPr marL="81636" marR="81636" marT="40818" marB="40818">
-                    <a:lnL w="12700" cap="flat" cmpd="sng" algn="ctr">
-                      <a:noFill/>
-                      <a:prstDash val="solid"/>
-                      <a:round/>
-                      <a:headEnd type="none" w="med" len="med"/>
-                      <a:tailEnd type="none" w="med" len="med"/>
-                    </a:lnL>
-                    <a:lnR w="12700" cap="flat" cmpd="sng" algn="ctr">
-                      <a:noFill/>
-                      <a:prstDash val="solid"/>
-                      <a:round/>
-                      <a:headEnd type="none" w="med" len="med"/>
-                      <a:tailEnd type="none" w="med" len="med"/>
-                    </a:lnR>
-                    <a:lnT w="12700" cap="flat" cmpd="sng" algn="ctr">
-                      <a:solidFill>
-                        <a:schemeClr val="tx1"/>
-                      </a:solidFill>
-                      <a:prstDash val="solid"/>
-                      <a:round/>
-                      <a:headEnd type="none" w="med" len="med"/>
-                      <a:tailEnd type="none" w="med" len="med"/>
-                    </a:lnT>
-                    <a:lnB w="12700" cap="flat" cmpd="sng" algn="ctr">
-                      <a:noFill/>
-                      <a:prstDash val="solid"/>
-                      <a:round/>
-                      <a:headEnd type="none" w="med" len="med"/>
-                      <a:tailEnd type="none" w="med" len="med"/>
-                    </a:lnB>
-                    <a:lnTlToBr w="12700" cmpd="sng">
-                      <a:noFill/>
-                      <a:prstDash val="solid"/>
-                    </a:lnTlToBr>
-                    <a:lnBlToTr w="12700" cmpd="sng">
-                      <a:noFill/>
-                      <a:prstDash val="solid"/>
-                    </a:lnBlToTr>
-                  </a:tcPr>
-                </a:tc>
-                <a:extLst>
-                  <a:ext uri="{0D108BD9-81ED-4DB2-BD59-A6C34878D82A}">
-                    <a16:rowId xmlns:a16="http://schemas.microsoft.com/office/drawing/2014/main" val="2251931345"/>
-                  </a:ext>
-                </a:extLst>
-              </a:tr>
-              <a:tr h="299798">
-                <a:tc>
-                  <a:txBody>
-                    <a:bodyPr/>
-                    <a:lstStyle/>
-                    <a:p>
-                      <a:pPr algn="ctr" latinLnBrk="1"/>
-                      <a:r>
-                        <a:rPr lang="en-US" altLang="ko-KR" sz="1200" b="1" dirty="0"/>
-                        <a:t>1</a:t>
-                      </a:r>
-                    </a:p>
-                  </a:txBody>
-                  <a:tcPr marL="81636" marR="81636" marT="40818" marB="40818" anchor="ctr" anchorCtr="1">
-                    <a:lnL w="12700" cap="flat" cmpd="sng" algn="ctr">
-                      <a:noFill/>
-                      <a:prstDash val="solid"/>
-                      <a:round/>
-                      <a:headEnd type="none" w="med" len="med"/>
-                      <a:tailEnd type="none" w="med" len="med"/>
-                    </a:lnL>
-                    <a:lnR w="12700" cap="flat" cmpd="sng" algn="ctr">
-                      <a:noFill/>
-                      <a:prstDash val="solid"/>
-                      <a:round/>
-                      <a:headEnd type="none" w="med" len="med"/>
-                      <a:tailEnd type="none" w="med" len="med"/>
-                    </a:lnR>
-                    <a:lnT w="12700" cap="flat" cmpd="sng" algn="ctr">
-                      <a:noFill/>
-                      <a:prstDash val="solid"/>
-                      <a:round/>
-                      <a:headEnd type="none" w="med" len="med"/>
-                      <a:tailEnd type="none" w="med" len="med"/>
-                    </a:lnT>
-                    <a:lnB w="12700" cap="flat" cmpd="sng" algn="ctr">
-                      <a:noFill/>
-                      <a:prstDash val="solid"/>
-                      <a:round/>
-                      <a:headEnd type="none" w="med" len="med"/>
-                      <a:tailEnd type="none" w="med" len="med"/>
-                    </a:lnB>
-                    <a:lnTlToBr w="12700" cmpd="sng">
-                      <a:noFill/>
-                      <a:prstDash val="solid"/>
-                    </a:lnTlToBr>
-                    <a:lnBlToTr w="12700" cmpd="sng">
-                      <a:noFill/>
-                      <a:prstDash val="solid"/>
-                    </a:lnBlToTr>
-                  </a:tcPr>
-                </a:tc>
-                <a:tc>
-                  <a:txBody>
-                    <a:bodyPr/>
-                    <a:lstStyle/>
-                    <a:p>
-                      <a:pPr algn="ctr" latinLnBrk="1"/>
-                      <a:r>
-                        <a:rPr lang="en-US" altLang="ko-KR" sz="1200" dirty="0"/>
-                        <a:t>n</a:t>
-                      </a:r>
-                      <a:endParaRPr lang="ko-KR" altLang="en-US" sz="1200" dirty="0"/>
-                    </a:p>
-                  </a:txBody>
-                  <a:tcPr marL="81636" marR="81636" marT="40818" marB="40818" anchor="ctr" anchorCtr="1">
-                    <a:lnL w="12700" cap="flat" cmpd="sng" algn="ctr">
-                      <a:noFill/>
-                      <a:prstDash val="solid"/>
-                      <a:round/>
-                      <a:headEnd type="none" w="med" len="med"/>
-                      <a:tailEnd type="none" w="med" len="med"/>
-                    </a:lnL>
-                    <a:lnR w="12700" cap="flat" cmpd="sng" algn="ctr">
-                      <a:noFill/>
-                      <a:prstDash val="solid"/>
-                      <a:round/>
-                      <a:headEnd type="none" w="med" len="med"/>
-                      <a:tailEnd type="none" w="med" len="med"/>
-                    </a:lnR>
-                    <a:lnT w="12700" cap="flat" cmpd="sng" algn="ctr">
-                      <a:noFill/>
-                      <a:prstDash val="solid"/>
-                      <a:round/>
-                      <a:headEnd type="none" w="med" len="med"/>
-                      <a:tailEnd type="none" w="med" len="med"/>
-                    </a:lnT>
-                    <a:lnB w="12700" cap="flat" cmpd="sng" algn="ctr">
-                      <a:noFill/>
-                      <a:prstDash val="solid"/>
-                      <a:round/>
-                      <a:headEnd type="none" w="med" len="med"/>
-                      <a:tailEnd type="none" w="med" len="med"/>
-                    </a:lnB>
-                    <a:lnTlToBr w="12700" cmpd="sng">
-                      <a:noFill/>
-                      <a:prstDash val="solid"/>
-                    </a:lnTlToBr>
-                    <a:lnBlToTr w="12700" cmpd="sng">
-                      <a:noFill/>
-                      <a:prstDash val="solid"/>
-                    </a:lnBlToTr>
-                  </a:tcPr>
-                </a:tc>
-                <a:extLst>
-                  <a:ext uri="{0D108BD9-81ED-4DB2-BD59-A6C34878D82A}">
-                    <a16:rowId xmlns:a16="http://schemas.microsoft.com/office/drawing/2014/main" val="3747585420"/>
-                  </a:ext>
-                </a:extLst>
-              </a:tr>
-              <a:tr h="299798">
-                <a:tc>
-                  <a:txBody>
-                    <a:bodyPr/>
-                    <a:lstStyle/>
-                    <a:p>
-                      <a:pPr algn="ctr" latinLnBrk="1"/>
-                      <a:r>
-                        <a:rPr lang="en-US" altLang="ko-KR" sz="1200" b="1" dirty="0"/>
-                        <a:t>2</a:t>
-                      </a:r>
-                    </a:p>
-                  </a:txBody>
-                  <a:tcPr marL="81636" marR="81636" marT="40818" marB="40818" anchor="ctr" anchorCtr="1">
-                    <a:lnL w="12700" cap="flat" cmpd="sng" algn="ctr">
-                      <a:noFill/>
-                      <a:prstDash val="solid"/>
-                      <a:round/>
-                      <a:headEnd type="none" w="med" len="med"/>
-                      <a:tailEnd type="none" w="med" len="med"/>
-                    </a:lnL>
-                    <a:lnR w="12700" cap="flat" cmpd="sng" algn="ctr">
-                      <a:noFill/>
-                      <a:prstDash val="solid"/>
-                      <a:round/>
-                      <a:headEnd type="none" w="med" len="med"/>
-                      <a:tailEnd type="none" w="med" len="med"/>
-                    </a:lnR>
-                    <a:lnT w="12700" cap="flat" cmpd="sng" algn="ctr">
-                      <a:noFill/>
-                      <a:prstDash val="solid"/>
-                      <a:round/>
-                      <a:headEnd type="none" w="med" len="med"/>
-                      <a:tailEnd type="none" w="med" len="med"/>
-                    </a:lnT>
-                    <a:lnB w="12700" cap="flat" cmpd="sng" algn="ctr">
-                      <a:noFill/>
-                      <a:prstDash val="solid"/>
-                      <a:round/>
-                      <a:headEnd type="none" w="med" len="med"/>
-                      <a:tailEnd type="none" w="med" len="med"/>
-                    </a:lnB>
-                    <a:lnTlToBr w="12700" cmpd="sng">
-                      <a:noFill/>
-                      <a:prstDash val="solid"/>
-                    </a:lnTlToBr>
-                    <a:lnBlToTr w="12700" cmpd="sng">
-                      <a:noFill/>
-                      <a:prstDash val="solid"/>
-                    </a:lnBlToTr>
-                  </a:tcPr>
-                </a:tc>
-                <a:tc>
-                  <a:txBody>
-                    <a:bodyPr/>
-                    <a:lstStyle/>
-                    <a:p>
-                      <a:pPr algn="ctr" latinLnBrk="1"/>
-                      <a:r>
-                        <a:rPr lang="en-US" altLang="ko-KR" sz="1200" dirty="0"/>
-                        <a:t>n</a:t>
-                      </a:r>
-                      <a:endParaRPr lang="ko-KR" altLang="en-US" sz="1200" dirty="0"/>
-                    </a:p>
-                  </a:txBody>
-                  <a:tcPr marL="81636" marR="81636" marT="40818" marB="40818" anchor="ctr" anchorCtr="1">
-                    <a:lnL w="12700" cap="flat" cmpd="sng" algn="ctr">
-                      <a:noFill/>
-                      <a:prstDash val="solid"/>
-                      <a:round/>
-                      <a:headEnd type="none" w="med" len="med"/>
-                      <a:tailEnd type="none" w="med" len="med"/>
-                    </a:lnL>
-                    <a:lnR w="12700" cap="flat" cmpd="sng" algn="ctr">
-                      <a:noFill/>
-                      <a:prstDash val="solid"/>
-                      <a:round/>
-                      <a:headEnd type="none" w="med" len="med"/>
-                      <a:tailEnd type="none" w="med" len="med"/>
-                    </a:lnR>
-                    <a:lnT w="12700" cap="flat" cmpd="sng" algn="ctr">
-                      <a:noFill/>
-                      <a:prstDash val="solid"/>
-                      <a:round/>
-                      <a:headEnd type="none" w="med" len="med"/>
-                      <a:tailEnd type="none" w="med" len="med"/>
-                    </a:lnT>
-                    <a:lnB w="12700" cap="flat" cmpd="sng" algn="ctr">
-                      <a:noFill/>
-                      <a:prstDash val="solid"/>
-                      <a:round/>
-                      <a:headEnd type="none" w="med" len="med"/>
-                      <a:tailEnd type="none" w="med" len="med"/>
-                    </a:lnB>
-                    <a:lnTlToBr w="12700" cmpd="sng">
-                      <a:noFill/>
-                      <a:prstDash val="solid"/>
-                    </a:lnTlToBr>
-                    <a:lnBlToTr w="12700" cmpd="sng">
-                      <a:noFill/>
-                      <a:prstDash val="solid"/>
-                    </a:lnBlToTr>
-                  </a:tcPr>
-                </a:tc>
-                <a:extLst>
-                  <a:ext uri="{0D108BD9-81ED-4DB2-BD59-A6C34878D82A}">
-                    <a16:rowId xmlns:a16="http://schemas.microsoft.com/office/drawing/2014/main" val="4075925882"/>
-                  </a:ext>
-                </a:extLst>
-              </a:tr>
-              <a:tr h="299798">
-                <a:tc>
-                  <a:txBody>
-                    <a:bodyPr/>
-                    <a:lstStyle/>
-                    <a:p>
-                      <a:pPr algn="ctr" latinLnBrk="1"/>
-                      <a:r>
-                        <a:rPr lang="en-US" altLang="ko-KR" sz="1200" b="1" dirty="0"/>
-                        <a:t>3</a:t>
-                      </a:r>
-                    </a:p>
-                  </a:txBody>
-                  <a:tcPr marL="81636" marR="81636" marT="40818" marB="40818" anchor="ctr" anchorCtr="1">
-                    <a:lnL w="12700" cap="flat" cmpd="sng" algn="ctr">
-                      <a:noFill/>
-                      <a:prstDash val="solid"/>
-                      <a:round/>
-                      <a:headEnd type="none" w="med" len="med"/>
-                      <a:tailEnd type="none" w="med" len="med"/>
-                    </a:lnL>
-                    <a:lnR w="12700" cap="flat" cmpd="sng" algn="ctr">
-                      <a:noFill/>
-                      <a:prstDash val="solid"/>
-                      <a:round/>
-                      <a:headEnd type="none" w="med" len="med"/>
-                      <a:tailEnd type="none" w="med" len="med"/>
-                    </a:lnR>
-                    <a:lnT w="12700" cap="flat" cmpd="sng" algn="ctr">
-                      <a:noFill/>
-                      <a:prstDash val="solid"/>
-                      <a:round/>
-                      <a:headEnd type="none" w="med" len="med"/>
-                      <a:tailEnd type="none" w="med" len="med"/>
-                    </a:lnT>
-                    <a:lnB w="12700" cap="flat" cmpd="sng" algn="ctr">
-                      <a:noFill/>
-                      <a:prstDash val="solid"/>
-                      <a:round/>
-                      <a:headEnd type="none" w="med" len="med"/>
-                      <a:tailEnd type="none" w="med" len="med"/>
-                    </a:lnB>
-                    <a:lnTlToBr w="12700" cmpd="sng">
-                      <a:noFill/>
-                      <a:prstDash val="solid"/>
-                    </a:lnTlToBr>
-                    <a:lnBlToTr w="12700" cmpd="sng">
-                      <a:noFill/>
-                      <a:prstDash val="solid"/>
-                    </a:lnBlToTr>
-                  </a:tcPr>
-                </a:tc>
-                <a:tc>
-                  <a:txBody>
-                    <a:bodyPr/>
-                    <a:lstStyle/>
-                    <a:p>
-                      <a:pPr algn="ctr" latinLnBrk="1"/>
-                      <a:r>
-                        <a:rPr lang="en-US" altLang="ko-KR" sz="1200" dirty="0"/>
-                        <a:t>n</a:t>
-                      </a:r>
-                      <a:endParaRPr lang="ko-KR" altLang="en-US" sz="1200" dirty="0"/>
-                    </a:p>
-                  </a:txBody>
-                  <a:tcPr marL="81636" marR="81636" marT="40818" marB="40818" anchor="ctr" anchorCtr="1">
-                    <a:lnL w="12700" cap="flat" cmpd="sng" algn="ctr">
-                      <a:noFill/>
-                      <a:prstDash val="solid"/>
-                      <a:round/>
-                      <a:headEnd type="none" w="med" len="med"/>
-                      <a:tailEnd type="none" w="med" len="med"/>
-                    </a:lnL>
-                    <a:lnR w="12700" cap="flat" cmpd="sng" algn="ctr">
-                      <a:noFill/>
-                      <a:prstDash val="solid"/>
-                      <a:round/>
-                      <a:headEnd type="none" w="med" len="med"/>
-                      <a:tailEnd type="none" w="med" len="med"/>
-                    </a:lnR>
-                    <a:lnT w="12700" cap="flat" cmpd="sng" algn="ctr">
-                      <a:noFill/>
-                      <a:prstDash val="solid"/>
-                      <a:round/>
-                      <a:headEnd type="none" w="med" len="med"/>
-                      <a:tailEnd type="none" w="med" len="med"/>
-                    </a:lnT>
-                    <a:lnB w="12700" cap="flat" cmpd="sng" algn="ctr">
-                      <a:noFill/>
-                      <a:prstDash val="solid"/>
-                      <a:round/>
-                      <a:headEnd type="none" w="med" len="med"/>
-                      <a:tailEnd type="none" w="med" len="med"/>
-                    </a:lnB>
-                    <a:lnTlToBr w="12700" cmpd="sng">
-                      <a:noFill/>
-                      <a:prstDash val="solid"/>
-                    </a:lnTlToBr>
-                    <a:lnBlToTr w="12700" cmpd="sng">
-                      <a:noFill/>
-                      <a:prstDash val="solid"/>
-                    </a:lnBlToTr>
-                  </a:tcPr>
-                </a:tc>
-                <a:extLst>
-                  <a:ext uri="{0D108BD9-81ED-4DB2-BD59-A6C34878D82A}">
-                    <a16:rowId xmlns:a16="http://schemas.microsoft.com/office/drawing/2014/main" val="2091766870"/>
-                  </a:ext>
-                </a:extLst>
-              </a:tr>
-              <a:tr h="299798">
-                <a:tc>
-                  <a:txBody>
-                    <a:bodyPr/>
-                    <a:lstStyle/>
-                    <a:p>
-                      <a:pPr algn="ctr" latinLnBrk="1"/>
-                      <a:r>
-                        <a:rPr lang="en-US" altLang="ko-KR" sz="1200" b="1" dirty="0"/>
-                        <a:t>4</a:t>
-                      </a:r>
-                    </a:p>
-                  </a:txBody>
-                  <a:tcPr marL="81636" marR="81636" marT="40818" marB="40818" anchor="ctr" anchorCtr="1">
-                    <a:lnL w="12700" cap="flat" cmpd="sng" algn="ctr">
-                      <a:noFill/>
-                      <a:prstDash val="solid"/>
-                      <a:round/>
-                      <a:headEnd type="none" w="med" len="med"/>
-                      <a:tailEnd type="none" w="med" len="med"/>
-                    </a:lnL>
-                    <a:lnR w="12700" cap="flat" cmpd="sng" algn="ctr">
-                      <a:noFill/>
-                      <a:prstDash val="solid"/>
-                      <a:round/>
-                      <a:headEnd type="none" w="med" len="med"/>
-                      <a:tailEnd type="none" w="med" len="med"/>
-                    </a:lnR>
-                    <a:lnT w="12700" cap="flat" cmpd="sng" algn="ctr">
-                      <a:noFill/>
-                      <a:prstDash val="solid"/>
-                      <a:round/>
-                      <a:headEnd type="none" w="med" len="med"/>
-                      <a:tailEnd type="none" w="med" len="med"/>
-                    </a:lnT>
-                    <a:lnB w="12700" cap="flat" cmpd="sng" algn="ctr">
-                      <a:noFill/>
-                      <a:prstDash val="solid"/>
-                      <a:round/>
-                      <a:headEnd type="none" w="med" len="med"/>
-                      <a:tailEnd type="none" w="med" len="med"/>
-                    </a:lnB>
-                    <a:lnTlToBr w="12700" cmpd="sng">
-                      <a:noFill/>
-                      <a:prstDash val="solid"/>
-                    </a:lnTlToBr>
-                    <a:lnBlToTr w="12700" cmpd="sng">
-                      <a:noFill/>
-                      <a:prstDash val="solid"/>
-                    </a:lnBlToTr>
-                  </a:tcPr>
-                </a:tc>
-                <a:tc>
-                  <a:txBody>
-                    <a:bodyPr/>
-                    <a:lstStyle/>
-                    <a:p>
-                      <a:pPr algn="ctr" latinLnBrk="1"/>
-                      <a:r>
-                        <a:rPr lang="en-US" altLang="ko-KR" sz="1200" dirty="0"/>
-                        <a:t>n</a:t>
-                      </a:r>
-                      <a:endParaRPr lang="ko-KR" altLang="en-US" sz="1200" dirty="0"/>
-                    </a:p>
-                  </a:txBody>
-                  <a:tcPr marL="81636" marR="81636" marT="40818" marB="40818" anchor="ctr" anchorCtr="1">
-                    <a:lnL w="12700" cap="flat" cmpd="sng" algn="ctr">
-                      <a:noFill/>
-                      <a:prstDash val="solid"/>
-                      <a:round/>
-                      <a:headEnd type="none" w="med" len="med"/>
-                      <a:tailEnd type="none" w="med" len="med"/>
-                    </a:lnL>
-                    <a:lnR w="12700" cap="flat" cmpd="sng" algn="ctr">
-                      <a:noFill/>
-                      <a:prstDash val="solid"/>
-                      <a:round/>
-                      <a:headEnd type="none" w="med" len="med"/>
-                      <a:tailEnd type="none" w="med" len="med"/>
-                    </a:lnR>
-                    <a:lnT w="12700" cap="flat" cmpd="sng" algn="ctr">
-                      <a:noFill/>
-                      <a:prstDash val="solid"/>
-                      <a:round/>
-                      <a:headEnd type="none" w="med" len="med"/>
-                      <a:tailEnd type="none" w="med" len="med"/>
-                    </a:lnT>
-                    <a:lnB w="12700" cap="flat" cmpd="sng" algn="ctr">
-                      <a:noFill/>
-                      <a:prstDash val="solid"/>
-                      <a:round/>
-                      <a:headEnd type="none" w="med" len="med"/>
-                      <a:tailEnd type="none" w="med" len="med"/>
-                    </a:lnB>
-                    <a:lnTlToBr w="12700" cmpd="sng">
-                      <a:noFill/>
-                      <a:prstDash val="solid"/>
-                    </a:lnTlToBr>
-                    <a:lnBlToTr w="12700" cmpd="sng">
-                      <a:noFill/>
-                      <a:prstDash val="solid"/>
-                    </a:lnBlToTr>
-                    <a:noFill/>
-                  </a:tcPr>
-                </a:tc>
-                <a:extLst>
-                  <a:ext uri="{0D108BD9-81ED-4DB2-BD59-A6C34878D82A}">
-                    <a16:rowId xmlns:a16="http://schemas.microsoft.com/office/drawing/2014/main" val="177731844"/>
-                  </a:ext>
-                </a:extLst>
-              </a:tr>
-              <a:tr h="299798">
-                <a:tc>
-                  <a:txBody>
-                    <a:bodyPr/>
-                    <a:lstStyle/>
-                    <a:p>
-                      <a:pPr algn="ctr" latinLnBrk="1"/>
-                      <a:r>
-                        <a:rPr lang="en-US" altLang="ko-KR" sz="1200" b="1" dirty="0"/>
-                        <a:t>5</a:t>
-                      </a:r>
-                      <a:endParaRPr lang="ko-KR" altLang="en-US" sz="1200" b="1" dirty="0"/>
-                    </a:p>
-                  </a:txBody>
-                  <a:tcPr marL="81636" marR="81636" marT="40818" marB="40818" anchor="ctr" anchorCtr="1">
-                    <a:lnL w="12700" cap="flat" cmpd="sng" algn="ctr">
-                      <a:noFill/>
-                      <a:prstDash val="solid"/>
-                      <a:round/>
-                      <a:headEnd type="none" w="med" len="med"/>
-                      <a:tailEnd type="none" w="med" len="med"/>
-                    </a:lnL>
-                    <a:lnR w="12700" cap="flat" cmpd="sng" algn="ctr">
-                      <a:noFill/>
-                      <a:prstDash val="solid"/>
-                      <a:round/>
-                      <a:headEnd type="none" w="med" len="med"/>
-                      <a:tailEnd type="none" w="med" len="med"/>
-                    </a:lnR>
-                    <a:lnT w="12700" cap="flat" cmpd="sng" algn="ctr">
-                      <a:noFill/>
-                      <a:prstDash val="solid"/>
-                      <a:round/>
-                      <a:headEnd type="none" w="med" len="med"/>
-                      <a:tailEnd type="none" w="med" len="med"/>
-                    </a:lnT>
-                    <a:lnB w="12700" cap="flat" cmpd="sng" algn="ctr">
-                      <a:noFill/>
-                      <a:prstDash val="solid"/>
-                      <a:round/>
-                      <a:headEnd type="none" w="med" len="med"/>
-                      <a:tailEnd type="none" w="med" len="med"/>
-                    </a:lnB>
-                    <a:lnTlToBr w="12700" cmpd="sng">
-                      <a:noFill/>
-                      <a:prstDash val="solid"/>
-                    </a:lnTlToBr>
-                    <a:lnBlToTr w="12700" cmpd="sng">
-                      <a:noFill/>
-                      <a:prstDash val="solid"/>
-                    </a:lnBlToTr>
-                  </a:tcPr>
-                </a:tc>
-                <a:tc>
-                  <a:txBody>
-                    <a:bodyPr/>
-                    <a:lstStyle/>
-                    <a:p>
-                      <a:pPr algn="ctr" latinLnBrk="1"/>
-                      <a:r>
-                        <a:rPr lang="en-US" altLang="ko-KR" sz="1200" dirty="0"/>
-                        <a:t>n</a:t>
-                      </a:r>
-                      <a:endParaRPr lang="ko-KR" altLang="en-US" sz="1200" dirty="0"/>
-                    </a:p>
-                  </a:txBody>
-                  <a:tcPr marL="81636" marR="81636" marT="40818" marB="40818" anchor="ctr" anchorCtr="1">
-                    <a:lnL w="12700" cap="flat" cmpd="sng" algn="ctr">
-                      <a:noFill/>
-                      <a:prstDash val="solid"/>
-                      <a:round/>
-                      <a:headEnd type="none" w="med" len="med"/>
-                      <a:tailEnd type="none" w="med" len="med"/>
-                    </a:lnL>
-                    <a:lnR w="12700" cap="flat" cmpd="sng" algn="ctr">
-                      <a:noFill/>
-                      <a:prstDash val="solid"/>
-                      <a:round/>
-                      <a:headEnd type="none" w="med" len="med"/>
-                      <a:tailEnd type="none" w="med" len="med"/>
-                    </a:lnR>
-                    <a:lnT w="12700" cap="flat" cmpd="sng" algn="ctr">
-                      <a:noFill/>
-                      <a:prstDash val="solid"/>
-                      <a:round/>
-                      <a:headEnd type="none" w="med" len="med"/>
-                      <a:tailEnd type="none" w="med" len="med"/>
-                    </a:lnT>
-                    <a:lnB w="12700" cap="flat" cmpd="sng" algn="ctr">
-                      <a:noFill/>
-                      <a:prstDash val="solid"/>
-                      <a:round/>
-                      <a:headEnd type="none" w="med" len="med"/>
-                      <a:tailEnd type="none" w="med" len="med"/>
-                    </a:lnB>
-                    <a:lnTlToBr w="12700" cmpd="sng">
-                      <a:noFill/>
-                      <a:prstDash val="solid"/>
-                    </a:lnTlToBr>
-                    <a:lnBlToTr w="12700" cmpd="sng">
-                      <a:noFill/>
-                      <a:prstDash val="solid"/>
-                    </a:lnBlToTr>
-                  </a:tcPr>
-                </a:tc>
-                <a:extLst>
-                  <a:ext uri="{0D108BD9-81ED-4DB2-BD59-A6C34878D82A}">
-                    <a16:rowId xmlns:a16="http://schemas.microsoft.com/office/drawing/2014/main" val="1492617219"/>
-                  </a:ext>
-                </a:extLst>
-              </a:tr>
-              <a:tr h="396976">
-                <a:tc>
-                  <a:txBody>
-                    <a:bodyPr/>
-                    <a:lstStyle/>
-                    <a:p>
-                      <a:pPr algn="ctr" latinLnBrk="1"/>
-                      <a:r>
-                        <a:rPr lang="en-US" altLang="ko-KR" sz="1200" b="1" dirty="0"/>
-                        <a:t>6</a:t>
-                      </a:r>
-                    </a:p>
-                  </a:txBody>
-                  <a:tcPr marL="81636" marR="81636" marT="40818" marB="40818" anchor="ctr" anchorCtr="1">
-                    <a:lnL w="12700" cap="flat" cmpd="sng" algn="ctr">
-                      <a:noFill/>
-                      <a:prstDash val="solid"/>
-                      <a:round/>
-                      <a:headEnd type="none" w="med" len="med"/>
-                      <a:tailEnd type="none" w="med" len="med"/>
-                    </a:lnL>
-                    <a:lnR w="12700" cap="flat" cmpd="sng" algn="ctr">
-                      <a:noFill/>
-                      <a:prstDash val="solid"/>
-                      <a:round/>
-                      <a:headEnd type="none" w="med" len="med"/>
-                      <a:tailEnd type="none" w="med" len="med"/>
-                    </a:lnR>
-                    <a:lnT w="12700" cap="flat" cmpd="sng" algn="ctr">
-                      <a:noFill/>
-                      <a:prstDash val="solid"/>
-                      <a:round/>
-                      <a:headEnd type="none" w="med" len="med"/>
-                      <a:tailEnd type="none" w="med" len="med"/>
-                    </a:lnT>
-                    <a:lnB w="12700" cap="flat" cmpd="sng" algn="ctr">
-                      <a:solidFill>
-                        <a:schemeClr val="tx1"/>
-                      </a:solidFill>
-                      <a:prstDash val="solid"/>
-                      <a:round/>
-                      <a:headEnd type="none" w="med" len="med"/>
-                      <a:tailEnd type="none" w="med" len="med"/>
-                    </a:lnB>
-                    <a:lnTlToBr w="12700" cmpd="sng">
-                      <a:noFill/>
-                      <a:prstDash val="solid"/>
-                    </a:lnTlToBr>
-                    <a:lnBlToTr w="12700" cmpd="sng">
-                      <a:noFill/>
-                      <a:prstDash val="solid"/>
-                    </a:lnBlToTr>
-                  </a:tcPr>
-                </a:tc>
-                <a:tc>
-                  <a:txBody>
-                    <a:bodyPr/>
-                    <a:lstStyle/>
-                    <a:p>
-                      <a:pPr algn="ctr" latinLnBrk="1"/>
-                      <a:r>
-                        <a:rPr lang="en-US" altLang="ko-KR" sz="1200" dirty="0"/>
-                        <a:t>n</a:t>
-                      </a:r>
-                      <a:endParaRPr lang="ko-KR" altLang="en-US" sz="1200" dirty="0"/>
-                    </a:p>
-                  </a:txBody>
-                  <a:tcPr marL="81636" marR="81636" marT="40818" marB="40818" anchor="ctr" anchorCtr="1">
-                    <a:lnL w="12700" cap="flat" cmpd="sng" algn="ctr">
-                      <a:noFill/>
-                      <a:prstDash val="solid"/>
-                      <a:round/>
-                      <a:headEnd type="none" w="med" len="med"/>
-                      <a:tailEnd type="none" w="med" len="med"/>
-                    </a:lnL>
-                    <a:lnR w="12700" cap="flat" cmpd="sng" algn="ctr">
-                      <a:noFill/>
-                      <a:prstDash val="solid"/>
-                      <a:round/>
-                      <a:headEnd type="none" w="med" len="med"/>
-                      <a:tailEnd type="none" w="med" len="med"/>
-                    </a:lnR>
-                    <a:lnT w="12700" cap="flat" cmpd="sng" algn="ctr">
-                      <a:noFill/>
-                      <a:prstDash val="solid"/>
-                      <a:round/>
-                      <a:headEnd type="none" w="med" len="med"/>
-                      <a:tailEnd type="none" w="med" len="med"/>
-                    </a:lnT>
-                    <a:lnB w="12700" cap="flat" cmpd="sng" algn="ctr">
-                      <a:solidFill>
-                        <a:schemeClr val="tx1"/>
-                      </a:solidFill>
-                      <a:prstDash val="solid"/>
-                      <a:round/>
-                      <a:headEnd type="none" w="med" len="med"/>
-                      <a:tailEnd type="none" w="med" len="med"/>
-                    </a:lnB>
-                    <a:lnTlToBr w="12700" cmpd="sng">
-                      <a:noFill/>
-                      <a:prstDash val="solid"/>
-                    </a:lnTlToBr>
-                    <a:lnBlToTr w="12700" cmpd="sng">
-                      <a:noFill/>
-                      <a:prstDash val="solid"/>
-                    </a:lnBlToTr>
-                  </a:tcPr>
-                </a:tc>
-                <a:extLst>
-                  <a:ext uri="{0D108BD9-81ED-4DB2-BD59-A6C34878D82A}">
-                    <a16:rowId xmlns:a16="http://schemas.microsoft.com/office/drawing/2014/main" val="2512852862"/>
-                  </a:ext>
-                </a:extLst>
-              </a:tr>
-            </a:tbl>
-          </a:graphicData>
-        </a:graphic>
-      </p:graphicFrame>
-      <p:graphicFrame>
-        <p:nvGraphicFramePr>
-          <p:cNvPr id="23" name="표 4">
-            <a:extLst>
-              <a:ext uri="{FF2B5EF4-FFF2-40B4-BE49-F238E27FC236}">
-                <a16:creationId xmlns:a16="http://schemas.microsoft.com/office/drawing/2014/main" id="{BFA78D39-2953-47EF-A280-E56578AE77A7}"/>
-              </a:ext>
-            </a:extLst>
-          </p:cNvPr>
-          <p:cNvGraphicFramePr>
-            <a:graphicFrameLocks noGrp="1"/>
-          </p:cNvGraphicFramePr>
-          <p:nvPr>
-            <p:extLst>
-              <p:ext uri="{D42A27DB-BD31-4B8C-83A1-F6EECF244321}">
-                <p14:modId xmlns:p14="http://schemas.microsoft.com/office/powerpoint/2010/main" val="1773651963"/>
-              </p:ext>
-            </p:extLst>
-          </p:nvPr>
-        </p:nvGraphicFramePr>
-        <p:xfrm>
-          <a:off x="9127647" y="2915248"/>
-          <a:ext cx="2361306" cy="2195764"/>
-        </p:xfrm>
-        <a:graphic>
-          <a:graphicData uri="http://schemas.openxmlformats.org/drawingml/2006/table">
-            <a:tbl>
-              <a:tblPr firstRow="1" bandRow="1">
-                <a:tableStyleId>{2D5ABB26-0587-4C30-8999-92F81FD0307C}</a:tableStyleId>
-              </a:tblPr>
-              <a:tblGrid>
-                <a:gridCol w="1180653">
-                  <a:extLst>
-                    <a:ext uri="{9D8B030D-6E8A-4147-A177-3AD203B41FA5}">
-                      <a16:colId xmlns:a16="http://schemas.microsoft.com/office/drawing/2014/main" val="2908245944"/>
-                    </a:ext>
-                  </a:extLst>
-                </a:gridCol>
-                <a:gridCol w="1180653">
-                  <a:extLst>
-                    <a:ext uri="{9D8B030D-6E8A-4147-A177-3AD203B41FA5}">
-                      <a16:colId xmlns:a16="http://schemas.microsoft.com/office/drawing/2014/main" val="2815417324"/>
-                    </a:ext>
-                  </a:extLst>
-                </a:gridCol>
-              </a:tblGrid>
-              <a:tr h="299798">
-                <a:tc>
-                  <a:txBody>
-                    <a:bodyPr/>
-                    <a:lstStyle/>
-                    <a:p>
-                      <a:pPr algn="ctr" latinLnBrk="1"/>
-                      <a:r>
-                        <a:rPr lang="en-US" altLang="ko-KR" sz="1200" b="1" dirty="0"/>
-                        <a:t>Time Step</a:t>
-                      </a:r>
-                      <a:endParaRPr lang="ko-KR" altLang="en-US" sz="1200" b="1" dirty="0"/>
-                    </a:p>
-                  </a:txBody>
-                  <a:tcPr marL="81636" marR="81636" marT="40818" marB="40818">
-                    <a:lnL w="12700" cap="flat" cmpd="sng" algn="ctr">
-                      <a:noFill/>
-                      <a:prstDash val="solid"/>
-                      <a:round/>
-                      <a:headEnd type="none" w="med" len="med"/>
-                      <a:tailEnd type="none" w="med" len="med"/>
-                    </a:lnL>
-                    <a:lnR w="12700" cap="flat" cmpd="sng" algn="ctr">
-                      <a:noFill/>
-                      <a:prstDash val="solid"/>
-                      <a:round/>
-                      <a:headEnd type="none" w="med" len="med"/>
-                      <a:tailEnd type="none" w="med" len="med"/>
-                    </a:lnR>
-                    <a:lnT w="12700" cap="flat" cmpd="sng" algn="ctr">
-                      <a:solidFill>
-                        <a:schemeClr val="tx1"/>
-                      </a:solidFill>
-                      <a:prstDash val="solid"/>
-                      <a:round/>
-                      <a:headEnd type="none" w="med" len="med"/>
-                      <a:tailEnd type="none" w="med" len="med"/>
-                    </a:lnT>
-                    <a:lnB w="12700" cap="flat" cmpd="sng" algn="ctr">
-                      <a:noFill/>
-                      <a:prstDash val="solid"/>
-                      <a:round/>
-                      <a:headEnd type="none" w="med" len="med"/>
-                      <a:tailEnd type="none" w="med" len="med"/>
-                    </a:lnB>
-                    <a:lnTlToBr w="12700" cmpd="sng">
-                      <a:noFill/>
-                      <a:prstDash val="solid"/>
-                    </a:lnTlToBr>
-                    <a:lnBlToTr w="12700" cmpd="sng">
-                      <a:noFill/>
-                      <a:prstDash val="solid"/>
-                    </a:lnBlToTr>
-                  </a:tcPr>
-                </a:tc>
-                <a:tc>
-                  <a:txBody>
-                    <a:bodyPr/>
-                    <a:lstStyle/>
-                    <a:p>
-                      <a:pPr algn="ctr" latinLnBrk="1"/>
-                      <a:r>
-                        <a:rPr lang="en-US" altLang="ko-KR" sz="1200" b="1" dirty="0"/>
-                        <a:t>Solar</a:t>
-                      </a:r>
-                      <a:endParaRPr lang="ko-KR" altLang="en-US" sz="1200" b="1" dirty="0"/>
-                    </a:p>
-                  </a:txBody>
-                  <a:tcPr marL="81636" marR="81636" marT="40818" marB="40818">
-                    <a:lnL w="12700" cap="flat" cmpd="sng" algn="ctr">
-                      <a:noFill/>
-                      <a:prstDash val="solid"/>
-                      <a:round/>
-                      <a:headEnd type="none" w="med" len="med"/>
-                      <a:tailEnd type="none" w="med" len="med"/>
-                    </a:lnL>
-                    <a:lnR w="12700" cap="flat" cmpd="sng" algn="ctr">
-                      <a:noFill/>
-                      <a:prstDash val="solid"/>
-                      <a:round/>
-                      <a:headEnd type="none" w="med" len="med"/>
-                      <a:tailEnd type="none" w="med" len="med"/>
-                    </a:lnR>
-                    <a:lnT w="12700" cap="flat" cmpd="sng" algn="ctr">
-                      <a:solidFill>
-                        <a:schemeClr val="tx1"/>
-                      </a:solidFill>
-                      <a:prstDash val="solid"/>
-                      <a:round/>
-                      <a:headEnd type="none" w="med" len="med"/>
-                      <a:tailEnd type="none" w="med" len="med"/>
-                    </a:lnT>
-                    <a:lnB w="12700" cap="flat" cmpd="sng" algn="ctr">
-                      <a:noFill/>
-                      <a:prstDash val="solid"/>
-                      <a:round/>
-                      <a:headEnd type="none" w="med" len="med"/>
-                      <a:tailEnd type="none" w="med" len="med"/>
-                    </a:lnB>
-                    <a:lnTlToBr w="12700" cmpd="sng">
-                      <a:noFill/>
-                      <a:prstDash val="solid"/>
-                    </a:lnTlToBr>
-                    <a:lnBlToTr w="12700" cmpd="sng">
-                      <a:noFill/>
-                      <a:prstDash val="solid"/>
-                    </a:lnBlToTr>
-                  </a:tcPr>
-                </a:tc>
-                <a:extLst>
-                  <a:ext uri="{0D108BD9-81ED-4DB2-BD59-A6C34878D82A}">
-                    <a16:rowId xmlns:a16="http://schemas.microsoft.com/office/drawing/2014/main" val="2251931345"/>
-                  </a:ext>
-                </a:extLst>
-              </a:tr>
-              <a:tr h="299798">
-                <a:tc>
-                  <a:txBody>
-                    <a:bodyPr/>
-                    <a:lstStyle/>
-                    <a:p>
-                      <a:pPr algn="ctr" latinLnBrk="1"/>
-                      <a:r>
-                        <a:rPr lang="en-US" altLang="ko-KR" sz="1200" b="1" dirty="0"/>
-                        <a:t>7</a:t>
-                      </a:r>
-                      <a:endParaRPr lang="ko-KR" altLang="en-US" sz="1200" b="1" dirty="0"/>
-                    </a:p>
-                  </a:txBody>
-                  <a:tcPr marL="81636" marR="81636" marT="40818" marB="40818" anchor="ctr" anchorCtr="1">
-                    <a:lnL w="12700" cap="flat" cmpd="sng" algn="ctr">
-                      <a:noFill/>
-                      <a:prstDash val="solid"/>
-                      <a:round/>
-                      <a:headEnd type="none" w="med" len="med"/>
-                      <a:tailEnd type="none" w="med" len="med"/>
-                    </a:lnL>
-                    <a:lnR w="12700" cap="flat" cmpd="sng" algn="ctr">
-                      <a:noFill/>
-                      <a:prstDash val="solid"/>
-                      <a:round/>
-                      <a:headEnd type="none" w="med" len="med"/>
-                      <a:tailEnd type="none" w="med" len="med"/>
-                    </a:lnR>
-                    <a:lnT w="12700" cap="flat" cmpd="sng" algn="ctr">
-                      <a:noFill/>
-                      <a:prstDash val="solid"/>
-                      <a:round/>
-                      <a:headEnd type="none" w="med" len="med"/>
-                      <a:tailEnd type="none" w="med" len="med"/>
-                    </a:lnT>
-                    <a:lnB w="12700" cap="flat" cmpd="sng" algn="ctr">
-                      <a:noFill/>
-                      <a:prstDash val="solid"/>
-                      <a:round/>
-                      <a:headEnd type="none" w="med" len="med"/>
-                      <a:tailEnd type="none" w="med" len="med"/>
-                    </a:lnB>
-                    <a:lnTlToBr w="12700" cmpd="sng">
-                      <a:noFill/>
-                      <a:prstDash val="solid"/>
-                    </a:lnTlToBr>
-                    <a:lnBlToTr w="12700" cmpd="sng">
-                      <a:noFill/>
-                      <a:prstDash val="solid"/>
-                    </a:lnBlToTr>
-                  </a:tcPr>
-                </a:tc>
-                <a:tc>
-                  <a:txBody>
-                    <a:bodyPr/>
-                    <a:lstStyle/>
-                    <a:p>
-                      <a:pPr algn="ctr" latinLnBrk="1"/>
-                      <a:r>
-                        <a:rPr lang="en-US" altLang="ko-KR" sz="1200" dirty="0"/>
-                        <a:t>n</a:t>
-                      </a:r>
-                      <a:endParaRPr lang="ko-KR" altLang="en-US" sz="1200" dirty="0"/>
-                    </a:p>
-                  </a:txBody>
-                  <a:tcPr marL="81636" marR="81636" marT="40818" marB="40818" anchor="ctr" anchorCtr="1">
-                    <a:lnL w="12700" cap="flat" cmpd="sng" algn="ctr">
-                      <a:noFill/>
-                      <a:prstDash val="solid"/>
-                      <a:round/>
-                      <a:headEnd type="none" w="med" len="med"/>
-                      <a:tailEnd type="none" w="med" len="med"/>
-                    </a:lnL>
-                    <a:lnR w="12700" cap="flat" cmpd="sng" algn="ctr">
-                      <a:noFill/>
-                      <a:prstDash val="solid"/>
-                      <a:round/>
-                      <a:headEnd type="none" w="med" len="med"/>
-                      <a:tailEnd type="none" w="med" len="med"/>
-                    </a:lnR>
-                    <a:lnT w="12700" cap="flat" cmpd="sng" algn="ctr">
-                      <a:noFill/>
-                      <a:prstDash val="solid"/>
-                      <a:round/>
-                      <a:headEnd type="none" w="med" len="med"/>
-                      <a:tailEnd type="none" w="med" len="med"/>
-                    </a:lnT>
-                    <a:lnB w="12700" cap="flat" cmpd="sng" algn="ctr">
-                      <a:noFill/>
-                      <a:prstDash val="solid"/>
-                      <a:round/>
-                      <a:headEnd type="none" w="med" len="med"/>
-                      <a:tailEnd type="none" w="med" len="med"/>
-                    </a:lnB>
-                    <a:lnTlToBr w="12700" cmpd="sng">
-                      <a:noFill/>
-                      <a:prstDash val="solid"/>
-                    </a:lnTlToBr>
-                    <a:lnBlToTr w="12700" cmpd="sng">
-                      <a:noFill/>
-                      <a:prstDash val="solid"/>
-                    </a:lnBlToTr>
-                  </a:tcPr>
-                </a:tc>
-                <a:extLst>
-                  <a:ext uri="{0D108BD9-81ED-4DB2-BD59-A6C34878D82A}">
-                    <a16:rowId xmlns:a16="http://schemas.microsoft.com/office/drawing/2014/main" val="3747585420"/>
-                  </a:ext>
-                </a:extLst>
-              </a:tr>
-              <a:tr h="299798">
-                <a:tc>
-                  <a:txBody>
-                    <a:bodyPr/>
-                    <a:lstStyle/>
-                    <a:p>
-                      <a:pPr algn="ctr" latinLnBrk="1"/>
-                      <a:r>
-                        <a:rPr lang="en-US" altLang="ko-KR" sz="1200" b="1" dirty="0"/>
-                        <a:t>8</a:t>
-                      </a:r>
-                      <a:endParaRPr lang="ko-KR" altLang="en-US" sz="1200" b="1" dirty="0"/>
-                    </a:p>
-                  </a:txBody>
-                  <a:tcPr marL="81636" marR="81636" marT="40818" marB="40818" anchor="ctr" anchorCtr="1">
-                    <a:lnL w="12700" cap="flat" cmpd="sng" algn="ctr">
-                      <a:noFill/>
-                      <a:prstDash val="solid"/>
-                      <a:round/>
-                      <a:headEnd type="none" w="med" len="med"/>
-                      <a:tailEnd type="none" w="med" len="med"/>
-                    </a:lnL>
-                    <a:lnR w="12700" cap="flat" cmpd="sng" algn="ctr">
-                      <a:noFill/>
-                      <a:prstDash val="solid"/>
-                      <a:round/>
-                      <a:headEnd type="none" w="med" len="med"/>
-                      <a:tailEnd type="none" w="med" len="med"/>
-                    </a:lnR>
-                    <a:lnT w="12700" cap="flat" cmpd="sng" algn="ctr">
-                      <a:noFill/>
-                      <a:prstDash val="solid"/>
-                      <a:round/>
-                      <a:headEnd type="none" w="med" len="med"/>
-                      <a:tailEnd type="none" w="med" len="med"/>
-                    </a:lnT>
-                    <a:lnB w="12700" cap="flat" cmpd="sng" algn="ctr">
-                      <a:noFill/>
-                      <a:prstDash val="solid"/>
-                      <a:round/>
-                      <a:headEnd type="none" w="med" len="med"/>
-                      <a:tailEnd type="none" w="med" len="med"/>
-                    </a:lnB>
-                    <a:lnTlToBr w="12700" cmpd="sng">
-                      <a:noFill/>
-                      <a:prstDash val="solid"/>
-                    </a:lnTlToBr>
-                    <a:lnBlToTr w="12700" cmpd="sng">
-                      <a:noFill/>
-                      <a:prstDash val="solid"/>
-                    </a:lnBlToTr>
-                  </a:tcPr>
-                </a:tc>
-                <a:tc>
-                  <a:txBody>
-                    <a:bodyPr/>
-                    <a:lstStyle/>
-                    <a:p>
-                      <a:pPr algn="ctr" latinLnBrk="1"/>
-                      <a:r>
-                        <a:rPr lang="en-US" altLang="ko-KR" sz="1200" dirty="0"/>
-                        <a:t>n</a:t>
-                      </a:r>
-                      <a:endParaRPr lang="ko-KR" altLang="en-US" sz="1200" dirty="0"/>
-                    </a:p>
-                  </a:txBody>
-                  <a:tcPr marL="81636" marR="81636" marT="40818" marB="40818" anchor="ctr" anchorCtr="1">
-                    <a:lnL w="12700" cap="flat" cmpd="sng" algn="ctr">
-                      <a:noFill/>
-                      <a:prstDash val="solid"/>
-                      <a:round/>
-                      <a:headEnd type="none" w="med" len="med"/>
-                      <a:tailEnd type="none" w="med" len="med"/>
-                    </a:lnL>
-                    <a:lnR w="12700" cap="flat" cmpd="sng" algn="ctr">
-                      <a:noFill/>
-                      <a:prstDash val="solid"/>
-                      <a:round/>
-                      <a:headEnd type="none" w="med" len="med"/>
-                      <a:tailEnd type="none" w="med" len="med"/>
-                    </a:lnR>
-                    <a:lnT w="12700" cap="flat" cmpd="sng" algn="ctr">
-                      <a:noFill/>
-                      <a:prstDash val="solid"/>
-                      <a:round/>
-                      <a:headEnd type="none" w="med" len="med"/>
-                      <a:tailEnd type="none" w="med" len="med"/>
-                    </a:lnT>
-                    <a:lnB w="12700" cap="flat" cmpd="sng" algn="ctr">
-                      <a:noFill/>
-                      <a:prstDash val="solid"/>
-                      <a:round/>
-                      <a:headEnd type="none" w="med" len="med"/>
-                      <a:tailEnd type="none" w="med" len="med"/>
-                    </a:lnB>
-                    <a:lnTlToBr w="12700" cmpd="sng">
-                      <a:noFill/>
-                      <a:prstDash val="solid"/>
-                    </a:lnTlToBr>
-                    <a:lnBlToTr w="12700" cmpd="sng">
-                      <a:noFill/>
-                      <a:prstDash val="solid"/>
-                    </a:lnBlToTr>
-                  </a:tcPr>
-                </a:tc>
-                <a:extLst>
-                  <a:ext uri="{0D108BD9-81ED-4DB2-BD59-A6C34878D82A}">
-                    <a16:rowId xmlns:a16="http://schemas.microsoft.com/office/drawing/2014/main" val="4075925882"/>
-                  </a:ext>
-                </a:extLst>
-              </a:tr>
-              <a:tr h="299798">
-                <a:tc>
-                  <a:txBody>
-                    <a:bodyPr/>
-                    <a:lstStyle/>
-                    <a:p>
-                      <a:pPr algn="ctr" latinLnBrk="1"/>
-                      <a:r>
-                        <a:rPr lang="en-US" altLang="ko-KR" sz="1200" b="1" dirty="0"/>
-                        <a:t>9</a:t>
-                      </a:r>
-                    </a:p>
-                  </a:txBody>
-                  <a:tcPr marL="81636" marR="81636" marT="40818" marB="40818" anchor="ctr" anchorCtr="1">
-                    <a:lnL w="12700" cap="flat" cmpd="sng" algn="ctr">
-                      <a:noFill/>
-                      <a:prstDash val="solid"/>
-                      <a:round/>
-                      <a:headEnd type="none" w="med" len="med"/>
-                      <a:tailEnd type="none" w="med" len="med"/>
-                    </a:lnL>
-                    <a:lnR w="12700" cap="flat" cmpd="sng" algn="ctr">
-                      <a:noFill/>
-                      <a:prstDash val="solid"/>
-                      <a:round/>
-                      <a:headEnd type="none" w="med" len="med"/>
-                      <a:tailEnd type="none" w="med" len="med"/>
-                    </a:lnR>
-                    <a:lnT w="12700" cap="flat" cmpd="sng" algn="ctr">
-                      <a:noFill/>
-                      <a:prstDash val="solid"/>
-                      <a:round/>
-                      <a:headEnd type="none" w="med" len="med"/>
-                      <a:tailEnd type="none" w="med" len="med"/>
-                    </a:lnT>
-                    <a:lnB w="12700" cap="flat" cmpd="sng" algn="ctr">
-                      <a:noFill/>
-                      <a:prstDash val="solid"/>
-                      <a:round/>
-                      <a:headEnd type="none" w="med" len="med"/>
-                      <a:tailEnd type="none" w="med" len="med"/>
-                    </a:lnB>
-                    <a:lnTlToBr w="12700" cmpd="sng">
-                      <a:noFill/>
-                      <a:prstDash val="solid"/>
-                    </a:lnTlToBr>
-                    <a:lnBlToTr w="12700" cmpd="sng">
-                      <a:noFill/>
-                      <a:prstDash val="solid"/>
-                    </a:lnBlToTr>
-                  </a:tcPr>
-                </a:tc>
-                <a:tc>
-                  <a:txBody>
-                    <a:bodyPr/>
-                    <a:lstStyle/>
-                    <a:p>
-                      <a:pPr algn="ctr" latinLnBrk="1"/>
-                      <a:r>
-                        <a:rPr lang="en-US" altLang="ko-KR" sz="1200" dirty="0"/>
-                        <a:t>n</a:t>
-                      </a:r>
-                      <a:endParaRPr lang="ko-KR" altLang="en-US" sz="1200" dirty="0"/>
-                    </a:p>
-                  </a:txBody>
-                  <a:tcPr marL="81636" marR="81636" marT="40818" marB="40818" anchor="ctr" anchorCtr="1">
-                    <a:lnL w="12700" cap="flat" cmpd="sng" algn="ctr">
-                      <a:noFill/>
-                      <a:prstDash val="solid"/>
-                      <a:round/>
-                      <a:headEnd type="none" w="med" len="med"/>
-                      <a:tailEnd type="none" w="med" len="med"/>
-                    </a:lnL>
-                    <a:lnR w="12700" cap="flat" cmpd="sng" algn="ctr">
-                      <a:noFill/>
-                      <a:prstDash val="solid"/>
-                      <a:round/>
-                      <a:headEnd type="none" w="med" len="med"/>
-                      <a:tailEnd type="none" w="med" len="med"/>
-                    </a:lnR>
-                    <a:lnT w="12700" cap="flat" cmpd="sng" algn="ctr">
-                      <a:noFill/>
-                      <a:prstDash val="solid"/>
-                      <a:round/>
-                      <a:headEnd type="none" w="med" len="med"/>
-                      <a:tailEnd type="none" w="med" len="med"/>
-                    </a:lnT>
-                    <a:lnB w="12700" cap="flat" cmpd="sng" algn="ctr">
-                      <a:noFill/>
-                      <a:prstDash val="solid"/>
-                      <a:round/>
-                      <a:headEnd type="none" w="med" len="med"/>
-                      <a:tailEnd type="none" w="med" len="med"/>
-                    </a:lnB>
-                    <a:lnTlToBr w="12700" cmpd="sng">
-                      <a:noFill/>
-                      <a:prstDash val="solid"/>
-                    </a:lnTlToBr>
-                    <a:lnBlToTr w="12700" cmpd="sng">
-                      <a:noFill/>
-                      <a:prstDash val="solid"/>
-                    </a:lnBlToTr>
-                  </a:tcPr>
-                </a:tc>
-                <a:extLst>
-                  <a:ext uri="{0D108BD9-81ED-4DB2-BD59-A6C34878D82A}">
-                    <a16:rowId xmlns:a16="http://schemas.microsoft.com/office/drawing/2014/main" val="2091766870"/>
-                  </a:ext>
-                </a:extLst>
-              </a:tr>
-              <a:tr h="299798">
-                <a:tc>
-                  <a:txBody>
-                    <a:bodyPr/>
-                    <a:lstStyle/>
-                    <a:p>
-                      <a:pPr algn="ctr" latinLnBrk="1"/>
-                      <a:r>
-                        <a:rPr lang="en-US" altLang="ko-KR" sz="1200" b="1" dirty="0"/>
-                        <a:t>10</a:t>
-                      </a:r>
-                      <a:endParaRPr lang="ko-KR" altLang="en-US" sz="1200" b="1" dirty="0"/>
-                    </a:p>
-                  </a:txBody>
-                  <a:tcPr marL="81636" marR="81636" marT="40818" marB="40818" anchor="ctr" anchorCtr="1">
-                    <a:lnL w="12700" cap="flat" cmpd="sng" algn="ctr">
-                      <a:noFill/>
-                      <a:prstDash val="solid"/>
-                      <a:round/>
-                      <a:headEnd type="none" w="med" len="med"/>
-                      <a:tailEnd type="none" w="med" len="med"/>
-                    </a:lnL>
-                    <a:lnR w="12700" cap="flat" cmpd="sng" algn="ctr">
-                      <a:noFill/>
-                      <a:prstDash val="solid"/>
-                      <a:round/>
-                      <a:headEnd type="none" w="med" len="med"/>
-                      <a:tailEnd type="none" w="med" len="med"/>
-                    </a:lnR>
-                    <a:lnT w="12700" cap="flat" cmpd="sng" algn="ctr">
-                      <a:noFill/>
-                      <a:prstDash val="solid"/>
-                      <a:round/>
-                      <a:headEnd type="none" w="med" len="med"/>
-                      <a:tailEnd type="none" w="med" len="med"/>
-                    </a:lnT>
-                    <a:lnB w="12700" cap="flat" cmpd="sng" algn="ctr">
-                      <a:noFill/>
-                      <a:prstDash val="solid"/>
-                      <a:round/>
-                      <a:headEnd type="none" w="med" len="med"/>
-                      <a:tailEnd type="none" w="med" len="med"/>
-                    </a:lnB>
-                    <a:lnTlToBr w="12700" cmpd="sng">
-                      <a:noFill/>
-                      <a:prstDash val="solid"/>
-                    </a:lnTlToBr>
-                    <a:lnBlToTr w="12700" cmpd="sng">
-                      <a:noFill/>
-                      <a:prstDash val="solid"/>
-                    </a:lnBlToTr>
-                  </a:tcPr>
-                </a:tc>
-                <a:tc>
-                  <a:txBody>
-                    <a:bodyPr/>
-                    <a:lstStyle/>
-                    <a:p>
-                      <a:pPr algn="ctr" latinLnBrk="1"/>
-                      <a:r>
-                        <a:rPr lang="en-US" altLang="ko-KR" sz="1200" dirty="0"/>
-                        <a:t>n</a:t>
-                      </a:r>
-                      <a:endParaRPr lang="ko-KR" altLang="en-US" sz="1200" dirty="0"/>
-                    </a:p>
-                  </a:txBody>
-                  <a:tcPr marL="81636" marR="81636" marT="40818" marB="40818" anchor="ctr" anchorCtr="1">
-                    <a:lnL w="12700" cap="flat" cmpd="sng" algn="ctr">
-                      <a:noFill/>
-                      <a:prstDash val="solid"/>
-                      <a:round/>
-                      <a:headEnd type="none" w="med" len="med"/>
-                      <a:tailEnd type="none" w="med" len="med"/>
-                    </a:lnL>
-                    <a:lnR w="12700" cap="flat" cmpd="sng" algn="ctr">
-                      <a:noFill/>
-                      <a:prstDash val="solid"/>
-                      <a:round/>
-                      <a:headEnd type="none" w="med" len="med"/>
-                      <a:tailEnd type="none" w="med" len="med"/>
-                    </a:lnR>
-                    <a:lnT w="12700" cap="flat" cmpd="sng" algn="ctr">
-                      <a:noFill/>
-                      <a:prstDash val="solid"/>
-                      <a:round/>
-                      <a:headEnd type="none" w="med" len="med"/>
-                      <a:tailEnd type="none" w="med" len="med"/>
-                    </a:lnT>
-                    <a:lnB w="12700" cap="flat" cmpd="sng" algn="ctr">
-                      <a:noFill/>
-                      <a:prstDash val="solid"/>
-                      <a:round/>
-                      <a:headEnd type="none" w="med" len="med"/>
-                      <a:tailEnd type="none" w="med" len="med"/>
-                    </a:lnB>
-                    <a:lnTlToBr w="12700" cmpd="sng">
-                      <a:noFill/>
-                      <a:prstDash val="solid"/>
-                    </a:lnTlToBr>
-                    <a:lnBlToTr w="12700" cmpd="sng">
-                      <a:noFill/>
-                      <a:prstDash val="solid"/>
-                    </a:lnBlToTr>
-                  </a:tcPr>
-                </a:tc>
-                <a:extLst>
-                  <a:ext uri="{0D108BD9-81ED-4DB2-BD59-A6C34878D82A}">
-                    <a16:rowId xmlns:a16="http://schemas.microsoft.com/office/drawing/2014/main" val="177731844"/>
-                  </a:ext>
-                </a:extLst>
-              </a:tr>
-              <a:tr h="299798">
-                <a:tc>
-                  <a:txBody>
-                    <a:bodyPr/>
-                    <a:lstStyle/>
-                    <a:p>
-                      <a:pPr algn="ctr" latinLnBrk="1"/>
-                      <a:r>
-                        <a:rPr lang="en-US" altLang="ko-KR" sz="1200" b="1" dirty="0"/>
-                        <a:t>11</a:t>
-                      </a:r>
-                      <a:endParaRPr lang="ko-KR" altLang="en-US" sz="1200" b="1" dirty="0"/>
-                    </a:p>
-                  </a:txBody>
-                  <a:tcPr marL="81636" marR="81636" marT="40818" marB="40818" anchor="ctr" anchorCtr="1">
-                    <a:lnL w="12700" cap="flat" cmpd="sng" algn="ctr">
-                      <a:noFill/>
-                      <a:prstDash val="solid"/>
-                      <a:round/>
-                      <a:headEnd type="none" w="med" len="med"/>
-                      <a:tailEnd type="none" w="med" len="med"/>
-                    </a:lnL>
-                    <a:lnR w="12700" cap="flat" cmpd="sng" algn="ctr">
-                      <a:noFill/>
-                      <a:prstDash val="solid"/>
-                      <a:round/>
-                      <a:headEnd type="none" w="med" len="med"/>
-                      <a:tailEnd type="none" w="med" len="med"/>
-                    </a:lnR>
-                    <a:lnT w="12700" cap="flat" cmpd="sng" algn="ctr">
-                      <a:noFill/>
-                      <a:prstDash val="solid"/>
-                      <a:round/>
-                      <a:headEnd type="none" w="med" len="med"/>
-                      <a:tailEnd type="none" w="med" len="med"/>
-                    </a:lnT>
-                    <a:lnB w="12700" cap="flat" cmpd="sng" algn="ctr">
-                      <a:noFill/>
-                      <a:prstDash val="solid"/>
-                      <a:round/>
-                      <a:headEnd type="none" w="med" len="med"/>
-                      <a:tailEnd type="none" w="med" len="med"/>
-                    </a:lnB>
-                    <a:lnTlToBr w="12700" cmpd="sng">
-                      <a:noFill/>
-                      <a:prstDash val="solid"/>
-                    </a:lnTlToBr>
-                    <a:lnBlToTr w="12700" cmpd="sng">
-                      <a:noFill/>
-                      <a:prstDash val="solid"/>
-                    </a:lnBlToTr>
-                  </a:tcPr>
-                </a:tc>
-                <a:tc>
-                  <a:txBody>
-                    <a:bodyPr/>
-                    <a:lstStyle/>
-                    <a:p>
-                      <a:pPr algn="ctr" latinLnBrk="1"/>
-                      <a:r>
-                        <a:rPr lang="en-US" altLang="ko-KR" sz="1200" dirty="0"/>
-                        <a:t>n</a:t>
-                      </a:r>
-                      <a:endParaRPr lang="ko-KR" altLang="en-US" sz="1200" dirty="0"/>
-                    </a:p>
-                  </a:txBody>
-                  <a:tcPr marL="81636" marR="81636" marT="40818" marB="40818" anchor="ctr" anchorCtr="1">
-                    <a:lnL w="12700" cap="flat" cmpd="sng" algn="ctr">
-                      <a:noFill/>
-                      <a:prstDash val="solid"/>
-                      <a:round/>
-                      <a:headEnd type="none" w="med" len="med"/>
-                      <a:tailEnd type="none" w="med" len="med"/>
-                    </a:lnL>
-                    <a:lnR w="12700" cap="flat" cmpd="sng" algn="ctr">
-                      <a:noFill/>
-                      <a:prstDash val="solid"/>
-                      <a:round/>
-                      <a:headEnd type="none" w="med" len="med"/>
-                      <a:tailEnd type="none" w="med" len="med"/>
-                    </a:lnR>
-                    <a:lnT w="12700" cap="flat" cmpd="sng" algn="ctr">
-                      <a:noFill/>
-                      <a:prstDash val="solid"/>
-                      <a:round/>
-                      <a:headEnd type="none" w="med" len="med"/>
-                      <a:tailEnd type="none" w="med" len="med"/>
-                    </a:lnT>
-                    <a:lnB w="12700" cap="flat" cmpd="sng" algn="ctr">
-                      <a:noFill/>
-                      <a:prstDash val="solid"/>
-                      <a:round/>
-                      <a:headEnd type="none" w="med" len="med"/>
-                      <a:tailEnd type="none" w="med" len="med"/>
-                    </a:lnB>
-                    <a:lnTlToBr w="12700" cmpd="sng">
-                      <a:noFill/>
-                      <a:prstDash val="solid"/>
-                    </a:lnTlToBr>
-                    <a:lnBlToTr w="12700" cmpd="sng">
-                      <a:noFill/>
-                      <a:prstDash val="solid"/>
-                    </a:lnBlToTr>
-                  </a:tcPr>
-                </a:tc>
-                <a:extLst>
-                  <a:ext uri="{0D108BD9-81ED-4DB2-BD59-A6C34878D82A}">
-                    <a16:rowId xmlns:a16="http://schemas.microsoft.com/office/drawing/2014/main" val="1492617219"/>
-                  </a:ext>
-                </a:extLst>
-              </a:tr>
-              <a:tr h="396976">
-                <a:tc>
-                  <a:txBody>
-                    <a:bodyPr/>
-                    <a:lstStyle/>
-                    <a:p>
-                      <a:pPr algn="ctr" latinLnBrk="1"/>
-                      <a:endParaRPr lang="en-US" altLang="ko-KR" sz="1200" dirty="0"/>
-                    </a:p>
-                  </a:txBody>
-                  <a:tcPr marL="81636" marR="81636" marT="40818" marB="40818" anchor="ctr" anchorCtr="1">
-                    <a:lnL w="12700" cap="flat" cmpd="sng" algn="ctr">
-                      <a:noFill/>
-                      <a:prstDash val="solid"/>
-                      <a:round/>
-                      <a:headEnd type="none" w="med" len="med"/>
-                      <a:tailEnd type="none" w="med" len="med"/>
-                    </a:lnL>
-                    <a:lnR w="12700" cap="flat" cmpd="sng" algn="ctr">
-                      <a:noFill/>
-                      <a:prstDash val="solid"/>
-                      <a:round/>
-                      <a:headEnd type="none" w="med" len="med"/>
-                      <a:tailEnd type="none" w="med" len="med"/>
-                    </a:lnR>
-                    <a:lnT w="12700" cap="flat" cmpd="sng" algn="ctr">
-                      <a:noFill/>
-                      <a:prstDash val="solid"/>
-                      <a:round/>
-                      <a:headEnd type="none" w="med" len="med"/>
-                      <a:tailEnd type="none" w="med" len="med"/>
-                    </a:lnT>
-                    <a:lnB w="12700" cap="flat" cmpd="sng" algn="ctr">
-                      <a:solidFill>
-                        <a:schemeClr val="tx1"/>
-                      </a:solidFill>
-                      <a:prstDash val="solid"/>
-                      <a:round/>
-                      <a:headEnd type="none" w="med" len="med"/>
-                      <a:tailEnd type="none" w="med" len="med"/>
-                    </a:lnB>
-                    <a:lnTlToBr w="12700" cmpd="sng">
-                      <a:noFill/>
-                      <a:prstDash val="solid"/>
-                    </a:lnTlToBr>
-                    <a:lnBlToTr w="12700" cmpd="sng">
-                      <a:noFill/>
-                      <a:prstDash val="solid"/>
-                    </a:lnBlToTr>
-                  </a:tcPr>
-                </a:tc>
-                <a:tc>
-                  <a:txBody>
-                    <a:bodyPr/>
-                    <a:lstStyle/>
-                    <a:p>
-                      <a:pPr algn="ctr" latinLnBrk="1"/>
-                      <a:endParaRPr lang="ko-KR" altLang="en-US" sz="1200" dirty="0"/>
-                    </a:p>
-                  </a:txBody>
-                  <a:tcPr marL="81636" marR="81636" marT="40818" marB="40818" anchor="ctr" anchorCtr="1">
-                    <a:lnL w="12700" cap="flat" cmpd="sng" algn="ctr">
-                      <a:noFill/>
-                      <a:prstDash val="solid"/>
-                      <a:round/>
-                      <a:headEnd type="none" w="med" len="med"/>
-                      <a:tailEnd type="none" w="med" len="med"/>
-                    </a:lnL>
-                    <a:lnR w="12700" cap="flat" cmpd="sng" algn="ctr">
-                      <a:noFill/>
-                      <a:prstDash val="solid"/>
-                      <a:round/>
-                      <a:headEnd type="none" w="med" len="med"/>
-                      <a:tailEnd type="none" w="med" len="med"/>
-                    </a:lnR>
-                    <a:lnT w="12700" cap="flat" cmpd="sng" algn="ctr">
-                      <a:noFill/>
-                      <a:prstDash val="solid"/>
-                      <a:round/>
-                      <a:headEnd type="none" w="med" len="med"/>
-                      <a:tailEnd type="none" w="med" len="med"/>
-                    </a:lnT>
-                    <a:lnB w="12700" cap="flat" cmpd="sng" algn="ctr">
-                      <a:solidFill>
-                        <a:schemeClr val="tx1"/>
-                      </a:solidFill>
-                      <a:prstDash val="solid"/>
-                      <a:round/>
-                      <a:headEnd type="none" w="med" len="med"/>
-                      <a:tailEnd type="none" w="med" len="med"/>
-                    </a:lnB>
-                    <a:lnTlToBr w="12700" cmpd="sng">
-                      <a:noFill/>
-                      <a:prstDash val="solid"/>
-                    </a:lnTlToBr>
-                    <a:lnBlToTr w="12700" cmpd="sng">
-                      <a:noFill/>
-                      <a:prstDash val="solid"/>
-                    </a:lnBlToTr>
-                  </a:tcPr>
-                </a:tc>
-                <a:extLst>
-                  <a:ext uri="{0D108BD9-81ED-4DB2-BD59-A6C34878D82A}">
-                    <a16:rowId xmlns:a16="http://schemas.microsoft.com/office/drawing/2014/main" val="2512852862"/>
-                  </a:ext>
-                </a:extLst>
-              </a:tr>
-            </a:tbl>
-          </a:graphicData>
-        </a:graphic>
-      </p:graphicFrame>
-      <p:sp>
-        <p:nvSpPr>
-          <p:cNvPr id="27" name="TextBox 26">
-            <a:extLst>
-              <a:ext uri="{FF2B5EF4-FFF2-40B4-BE49-F238E27FC236}">
-                <a16:creationId xmlns:a16="http://schemas.microsoft.com/office/drawing/2014/main" id="{CF203CCC-AE98-46CF-9FD1-33B93452DA8C}"/>
-              </a:ext>
-            </a:extLst>
-          </p:cNvPr>
-          <p:cNvSpPr txBox="1"/>
-          <p:nvPr/>
-        </p:nvSpPr>
-        <p:spPr>
-          <a:xfrm>
-            <a:off x="8208204" y="2458252"/>
-            <a:ext cx="2361306" cy="338554"/>
-          </a:xfrm>
-          <a:prstGeom prst="rect">
-            <a:avLst/>
-          </a:prstGeom>
-          <a:noFill/>
-        </p:spPr>
-        <p:txBody>
-          <a:bodyPr wrap="square" rtlCol="0">
-            <a:spAutoFit/>
-          </a:bodyPr>
-          <a:lstStyle/>
-          <a:p>
-            <a:r>
-              <a:rPr lang="ko-KR" altLang="en-US" sz="1600" b="1" dirty="0" err="1"/>
-              <a:t>실제값과</a:t>
-            </a:r>
-            <a:r>
-              <a:rPr lang="ko-KR" altLang="en-US" sz="1600" b="1" dirty="0"/>
-              <a:t> </a:t>
-            </a:r>
-            <a:r>
-              <a:rPr lang="ko-KR" altLang="en-US" sz="1600" b="1" dirty="0" err="1"/>
-              <a:t>예측값의</a:t>
-            </a:r>
-            <a:r>
-              <a:rPr lang="ko-KR" altLang="en-US" sz="1600" b="1" dirty="0"/>
-              <a:t> 차이</a:t>
-            </a:r>
-          </a:p>
-        </p:txBody>
-      </p:sp>
     </p:spTree>
     <p:extLst>
       <p:ext uri="{BB962C8B-B14F-4D97-AF65-F5344CB8AC3E}">
@@ -11563,16 +9968,7 @@
                 </a:solidFill>
                 <a:cs typeface="Malgun Gothic"/>
               </a:rPr>
-              <a:t>최근 정부에서는 온실가스 배출량을 줄이기 위해 신재생 에너지 발전의 중요성을 강조하며 에너지원별 발전 비중을 점차 </a:t>
-            </a:r>
-            <a:r>
-              <a:rPr lang="ko-KR" altLang="en-US" sz="2000" kern="0">
-                <a:solidFill>
-                  <a:sysClr val="windowText" lastClr="000000"/>
-                </a:solidFill>
-                <a:cs typeface="Malgun Gothic"/>
-              </a:rPr>
-              <a:t>늘리고 있음</a:t>
+              <a:t>최근 정부에서는 온실가스 배출량을 줄이기 위해 신재생 에너지 발전의 중요성을 강조하며 에너지원별 발전 비중을 점차 늘리고 있음</a:t>
             </a:r>
             <a:endParaRPr sz="2000" kern="0" dirty="0">
               <a:solidFill>
@@ -12196,6 +10592,13 @@
   <p:clrMapOvr>
     <a:masterClrMapping/>
   </p:clrMapOvr>
+  <p:timing>
+    <p:tnLst>
+      <p:par>
+        <p:cTn id="1" dur="indefinite" restart="never" nodeType="tmRoot"/>
+      </p:par>
+    </p:tnLst>
+  </p:timing>
 </p:sld>
 </file>
 
@@ -12735,6 +11138,13 @@
   <p:clrMapOvr>
     <a:masterClrMapping/>
   </p:clrMapOvr>
+  <p:timing>
+    <p:tnLst>
+      <p:par>
+        <p:cTn id="1" dur="indefinite" restart="never" nodeType="tmRoot"/>
+      </p:par>
+    </p:tnLst>
+  </p:timing>
 </p:sld>
 </file>
 
@@ -13067,13 +11477,13 @@
               <a:t> </a:t>
             </a:r>
             <a:r>
-              <a:rPr lang="ko-KR" altLang="en-US" sz="3200" kern="0" spc="-25" dirty="0">
+              <a:rPr lang="ko-KR" altLang="en-US" sz="3200" kern="0" spc="-25" dirty="0" smtClean="0">
                 <a:solidFill>
                   <a:srgbClr val="001F60"/>
                 </a:solidFill>
                 <a:ea typeface="맑은 고딕" panose="020B0503020000020004" pitchFamily="50" charset="-127"/>
               </a:rPr>
-              <a:t>목적</a:t>
+              <a:t>배경</a:t>
             </a:r>
             <a:endParaRPr kumimoji="0" lang="ko-KR" altLang="en-US" sz="3200" b="1" i="0" u="none" strike="noStrike" kern="0" cap="none" spc="0" normalizeH="0" baseline="0" noProof="0" dirty="0">
               <a:ln>
@@ -14631,6 +13041,13 @@
   <p:clrMapOvr>
     <a:masterClrMapping/>
   </p:clrMapOvr>
+  <p:timing>
+    <p:tnLst>
+      <p:par>
+        <p:cTn id="1" dur="indefinite" restart="never" nodeType="tmRoot"/>
+      </p:par>
+    </p:tnLst>
+  </p:timing>
 </p:sld>
 </file>
 
@@ -15424,16 +13841,16 @@
               <a:buChar char="§"/>
             </a:pPr>
             <a:r>
-              <a:rPr lang="ko-KR" altLang="en-US" sz="2000" kern="0" dirty="0">
+              <a:rPr lang="ko-KR" altLang="en-US" sz="2000" kern="0" dirty="0" smtClean="0">
                 <a:solidFill>
                   <a:sysClr val="windowText" lastClr="000000"/>
                 </a:solidFill>
                 <a:cs typeface="Malgun Gothic"/>
               </a:rPr>
-              <a:t>날짜</a:t>
-            </a:r>
-            <a:r>
-              <a:rPr lang="en-US" altLang="ko-KR" sz="2000" kern="0" dirty="0">
+              <a:t>날짜 </a:t>
+            </a:r>
+            <a:r>
+              <a:rPr lang="en-US" altLang="ko-KR" sz="2000" kern="0" dirty="0" smtClean="0">
                 <a:solidFill>
                   <a:sysClr val="windowText" lastClr="000000"/>
                 </a:solidFill>

--- a/KICS_PT/[KICS] 모델 poster.pptx
+++ b/KICS_PT/[KICS] 모델 poster.pptx
@@ -4092,15 +4092,7 @@
                   <a:schemeClr val="bg1"/>
                 </a:solidFill>
               </a:rPr>
-              <a:t>일사량 </a:t>
-            </a:r>
-            <a:r>
-              <a:rPr lang="ko-KR" altLang="en-US" sz="3600" b="1">
-                <a:solidFill>
-                  <a:schemeClr val="bg1"/>
-                </a:solidFill>
-              </a:rPr>
-              <a:t>예측 기법</a:t>
+              <a:t>일사량 예측 기법</a:t>
             </a:r>
             <a:r>
               <a:rPr lang="en-US" altLang="ko-KR" sz="3700" b="1" dirty="0">
@@ -4482,6 +4474,13 @@
   <p:clrMapOvr>
     <a:masterClrMapping/>
   </p:clrMapOvr>
+  <p:timing>
+    <p:tnLst>
+      <p:par>
+        <p:cTn id="1" dur="indefinite" restart="never" nodeType="tmRoot"/>
+      </p:par>
+    </p:tnLst>
+  </p:timing>
 </p:sld>
 </file>
 
@@ -5461,6 +5460,13 @@
   <p:clrMapOvr>
     <a:masterClrMapping/>
   </p:clrMapOvr>
+  <p:timing>
+    <p:tnLst>
+      <p:par>
+        <p:cTn id="1" dur="indefinite" restart="never" nodeType="tmRoot"/>
+      </p:par>
+    </p:tnLst>
+  </p:timing>
 </p:sld>
 </file>
 
@@ -6130,6 +6136,13 @@
   <p:clrMapOvr>
     <a:masterClrMapping/>
   </p:clrMapOvr>
+  <p:timing>
+    <p:tnLst>
+      <p:par>
+        <p:cTn id="1" dur="indefinite" restart="never" nodeType="tmRoot"/>
+      </p:par>
+    </p:tnLst>
+  </p:timing>
 </p:sld>
 </file>
 
@@ -7913,6 +7926,13 @@
   <p:clrMapOvr>
     <a:masterClrMapping/>
   </p:clrMapOvr>
+  <p:timing>
+    <p:tnLst>
+      <p:par>
+        <p:cTn id="1" dur="indefinite" restart="never" nodeType="tmRoot"/>
+      </p:par>
+    </p:tnLst>
+  </p:timing>
 </p:sld>
 </file>
 
@@ -8097,7 +8117,7 @@
         <p:spPr>
           <a:xfrm>
             <a:off x="508990" y="1263396"/>
-            <a:ext cx="11275060" cy="1579278"/>
+            <a:ext cx="11275060" cy="1209947"/>
           </a:xfrm>
           <a:prstGeom prst="rect">
             <a:avLst/>
@@ -8115,7 +8135,7 @@
               </a:spcBef>
             </a:pPr>
             <a:r>
-              <a:rPr lang="ko-KR" altLang="en-US" sz="2000" b="1" kern="0" dirty="0" smtClean="0">
+              <a:rPr lang="ko-KR" altLang="en-US" b="1" kern="0" dirty="0" smtClean="0">
                 <a:solidFill>
                   <a:sysClr val="windowText" lastClr="000000"/>
                 </a:solidFill>
@@ -8123,7 +8143,7 @@
               </a:rPr>
               <a:t>기계 학습 기반의 일사량 예측 모델의 예측 정확성 비교</a:t>
             </a:r>
-            <a:endParaRPr lang="en-US" altLang="ko-KR" sz="2000" b="1" kern="0" dirty="0">
+            <a:endParaRPr lang="en-US" altLang="ko-KR" b="1" kern="0" dirty="0">
               <a:solidFill>
                 <a:sysClr val="windowText" lastClr="000000"/>
               </a:solidFill>
@@ -8139,7 +8159,7 @@
               <a:buChar char="§"/>
             </a:pPr>
             <a:r>
-              <a:rPr lang="ko-KR" altLang="en-US" sz="2000" kern="0" dirty="0" smtClean="0">
+              <a:rPr lang="ko-KR" altLang="en-US" kern="0" dirty="0" smtClean="0">
                 <a:solidFill>
                   <a:sysClr val="windowText" lastClr="000000"/>
                 </a:solidFill>
@@ -8148,7 +8168,7 @@
               <a:t>본 </a:t>
             </a:r>
             <a:r>
-              <a:rPr lang="ko-KR" altLang="en-US" sz="2000" kern="0" dirty="0">
+              <a:rPr lang="ko-KR" altLang="en-US" kern="0" dirty="0">
                 <a:solidFill>
                   <a:sysClr val="windowText" lastClr="000000"/>
                 </a:solidFill>
@@ -8157,7 +8177,7 @@
               <a:t>논문에서 제시한 </a:t>
             </a:r>
             <a:r>
-              <a:rPr lang="ko-KR" altLang="en-US" sz="2000" kern="0" dirty="0" err="1">
+              <a:rPr lang="ko-KR" altLang="en-US" kern="0" dirty="0" err="1">
                 <a:solidFill>
                   <a:sysClr val="windowText" lastClr="000000"/>
                 </a:solidFill>
@@ -8166,7 +8186,7 @@
               <a:t>전이학습</a:t>
             </a:r>
             <a:r>
-              <a:rPr lang="ko-KR" altLang="en-US" sz="2000" kern="0" dirty="0">
+              <a:rPr lang="ko-KR" altLang="en-US" kern="0" dirty="0">
                 <a:solidFill>
                   <a:sysClr val="windowText" lastClr="000000"/>
                 </a:solidFill>
@@ -8175,7 +8195,7 @@
               <a:t> 기반의 모델 성능을 비교한 결과</a:t>
             </a:r>
             <a:r>
-              <a:rPr lang="en-US" altLang="ko-KR" sz="2000" kern="0" dirty="0" smtClean="0">
+              <a:rPr lang="en-US" altLang="ko-KR" kern="0" dirty="0" smtClean="0">
                 <a:solidFill>
                   <a:sysClr val="windowText" lastClr="000000"/>
                 </a:solidFill>
@@ -8184,7 +8204,7 @@
               <a:t>, </a:t>
             </a:r>
             <a:r>
-              <a:rPr lang="ko-KR" altLang="en-US" sz="2000" kern="0" dirty="0" smtClean="0">
+              <a:rPr lang="ko-KR" altLang="en-US" kern="0" dirty="0" smtClean="0">
                 <a:solidFill>
                   <a:sysClr val="windowText" lastClr="000000"/>
                 </a:solidFill>
@@ -8193,7 +8213,7 @@
               <a:t>기존 </a:t>
             </a:r>
             <a:r>
-              <a:rPr lang="ko-KR" altLang="en-US" sz="2000" kern="0" dirty="0">
+              <a:rPr lang="ko-KR" altLang="en-US" kern="0" dirty="0">
                 <a:solidFill>
                   <a:sysClr val="windowText" lastClr="000000"/>
                 </a:solidFill>
@@ -8333,7 +8353,7 @@
         </p:blipFill>
         <p:spPr>
           <a:xfrm>
-            <a:off x="891677" y="1694705"/>
+            <a:off x="3186204" y="2264340"/>
             <a:ext cx="5841892" cy="3608726"/>
           </a:xfrm>
           <a:prstGeom prst="rect">
@@ -8351,6 +8371,13 @@
   <p:clrMapOvr>
     <a:masterClrMapping/>
   </p:clrMapOvr>
+  <p:timing>
+    <p:tnLst>
+      <p:par>
+        <p:cTn id="1" dur="indefinite" restart="never" nodeType="tmRoot"/>
+      </p:par>
+    </p:tnLst>
+  </p:timing>
 </p:sld>
 </file>
 
@@ -8912,6 +8939,13 @@
   <p:clrMapOvr>
     <a:masterClrMapping/>
   </p:clrMapOvr>
+  <p:timing>
+    <p:tnLst>
+      <p:par>
+        <p:cTn id="1" dur="indefinite" restart="never" nodeType="tmRoot"/>
+      </p:par>
+    </p:tnLst>
+  </p:timing>
 </p:sld>
 </file>
 
@@ -9737,6 +9771,13 @@
   <p:clrMapOvr>
     <a:masterClrMapping/>
   </p:clrMapOvr>
+  <p:timing>
+    <p:tnLst>
+      <p:par>
+        <p:cTn id="1" dur="indefinite" restart="never" nodeType="tmRoot"/>
+      </p:par>
+    </p:tnLst>
+  </p:timing>
 </p:sld>
 </file>
 
@@ -10164,6 +10205,13 @@
   <p:clrMapOvr>
     <a:masterClrMapping/>
   </p:clrMapOvr>
+  <p:timing>
+    <p:tnLst>
+      <p:par>
+        <p:cTn id="1" dur="indefinite" restart="never" nodeType="tmRoot"/>
+      </p:par>
+    </p:tnLst>
+  </p:timing>
 </p:sld>
 </file>
 
@@ -13482,6 +13530,13 @@
   <p:clrMapOvr>
     <a:masterClrMapping/>
   </p:clrMapOvr>
+  <p:timing>
+    <p:tnLst>
+      <p:par>
+        <p:cTn id="1" dur="indefinite" restart="never" nodeType="tmRoot"/>
+      </p:par>
+    </p:tnLst>
+  </p:timing>
 </p:sld>
 </file>
 
@@ -14196,6 +14251,13 @@
   <p:clrMapOvr>
     <a:masterClrMapping/>
   </p:clrMapOvr>
+  <p:timing>
+    <p:tnLst>
+      <p:par>
+        <p:cTn id="1" dur="indefinite" restart="never" nodeType="tmRoot"/>
+      </p:par>
+    </p:tnLst>
+  </p:timing>
 </p:sld>
 </file>
 
@@ -15021,6 +15083,13 @@
   <p:clrMapOvr>
     <a:masterClrMapping/>
   </p:clrMapOvr>
+  <p:timing>
+    <p:tnLst>
+      <p:par>
+        <p:cTn id="1" dur="indefinite" restart="never" nodeType="tmRoot"/>
+      </p:par>
+    </p:tnLst>
+  </p:timing>
 </p:sld>
 </file>
 

--- a/KICS_PT/[KICS] 모델 poster.pptx
+++ b/KICS_PT/[KICS] 모델 poster.pptx
@@ -211,7 +211,7 @@
           <a:p>
             <a:fld id="{6F87F997-1D79-4E07-87A6-34279F62842B}" type="datetimeFigureOut">
               <a:rPr lang="ko-KR" altLang="en-US" smtClean="0"/>
-              <a:t>2022-11-09</a:t>
+              <a:t>2022-11-10</a:t>
             </a:fld>
             <a:endParaRPr lang="ko-KR" altLang="en-US"/>
           </a:p>
@@ -895,7 +895,7 @@
           <a:p>
             <a:fld id="{B1A85668-658F-4FC8-8F81-563F46575ADE}" type="datetimeFigureOut">
               <a:rPr lang="ko-KR" altLang="en-US" smtClean="0"/>
-              <a:t>2022-11-09</a:t>
+              <a:t>2022-11-10</a:t>
             </a:fld>
             <a:endParaRPr lang="ko-KR" altLang="en-US"/>
           </a:p>
@@ -1093,7 +1093,7 @@
           <a:p>
             <a:fld id="{B1A85668-658F-4FC8-8F81-563F46575ADE}" type="datetimeFigureOut">
               <a:rPr lang="ko-KR" altLang="en-US" smtClean="0"/>
-              <a:t>2022-11-09</a:t>
+              <a:t>2022-11-10</a:t>
             </a:fld>
             <a:endParaRPr lang="ko-KR" altLang="en-US"/>
           </a:p>
@@ -1301,7 +1301,7 @@
           <a:p>
             <a:fld id="{B1A85668-658F-4FC8-8F81-563F46575ADE}" type="datetimeFigureOut">
               <a:rPr lang="ko-KR" altLang="en-US" smtClean="0"/>
-              <a:t>2022-11-09</a:t>
+              <a:t>2022-11-10</a:t>
             </a:fld>
             <a:endParaRPr lang="ko-KR" altLang="en-US"/>
           </a:p>
@@ -1499,7 +1499,7 @@
           <a:p>
             <a:fld id="{B1A85668-658F-4FC8-8F81-563F46575ADE}" type="datetimeFigureOut">
               <a:rPr lang="ko-KR" altLang="en-US" smtClean="0"/>
-              <a:t>2022-11-09</a:t>
+              <a:t>2022-11-10</a:t>
             </a:fld>
             <a:endParaRPr lang="ko-KR" altLang="en-US"/>
           </a:p>
@@ -1774,7 +1774,7 @@
           <a:p>
             <a:fld id="{B1A85668-658F-4FC8-8F81-563F46575ADE}" type="datetimeFigureOut">
               <a:rPr lang="ko-KR" altLang="en-US" smtClean="0"/>
-              <a:t>2022-11-09</a:t>
+              <a:t>2022-11-10</a:t>
             </a:fld>
             <a:endParaRPr lang="ko-KR" altLang="en-US"/>
           </a:p>
@@ -2039,7 +2039,7 @@
           <a:p>
             <a:fld id="{B1A85668-658F-4FC8-8F81-563F46575ADE}" type="datetimeFigureOut">
               <a:rPr lang="ko-KR" altLang="en-US" smtClean="0"/>
-              <a:t>2022-11-09</a:t>
+              <a:t>2022-11-10</a:t>
             </a:fld>
             <a:endParaRPr lang="ko-KR" altLang="en-US"/>
           </a:p>
@@ -2451,7 +2451,7 @@
           <a:p>
             <a:fld id="{B1A85668-658F-4FC8-8F81-563F46575ADE}" type="datetimeFigureOut">
               <a:rPr lang="ko-KR" altLang="en-US" smtClean="0"/>
-              <a:t>2022-11-09</a:t>
+              <a:t>2022-11-10</a:t>
             </a:fld>
             <a:endParaRPr lang="ko-KR" altLang="en-US"/>
           </a:p>
@@ -2592,7 +2592,7 @@
           <a:p>
             <a:fld id="{B1A85668-658F-4FC8-8F81-563F46575ADE}" type="datetimeFigureOut">
               <a:rPr lang="ko-KR" altLang="en-US" smtClean="0"/>
-              <a:t>2022-11-09</a:t>
+              <a:t>2022-11-10</a:t>
             </a:fld>
             <a:endParaRPr lang="ko-KR" altLang="en-US"/>
           </a:p>
@@ -2705,7 +2705,7 @@
           <a:p>
             <a:fld id="{B1A85668-658F-4FC8-8F81-563F46575ADE}" type="datetimeFigureOut">
               <a:rPr lang="ko-KR" altLang="en-US" smtClean="0"/>
-              <a:t>2022-11-09</a:t>
+              <a:t>2022-11-10</a:t>
             </a:fld>
             <a:endParaRPr lang="ko-KR" altLang="en-US"/>
           </a:p>
@@ -3016,7 +3016,7 @@
           <a:p>
             <a:fld id="{B1A85668-658F-4FC8-8F81-563F46575ADE}" type="datetimeFigureOut">
               <a:rPr lang="ko-KR" altLang="en-US" smtClean="0"/>
-              <a:t>2022-11-09</a:t>
+              <a:t>2022-11-10</a:t>
             </a:fld>
             <a:endParaRPr lang="ko-KR" altLang="en-US"/>
           </a:p>
@@ -3304,7 +3304,7 @@
           <a:p>
             <a:fld id="{B1A85668-658F-4FC8-8F81-563F46575ADE}" type="datetimeFigureOut">
               <a:rPr lang="ko-KR" altLang="en-US" smtClean="0"/>
-              <a:t>2022-11-09</a:t>
+              <a:t>2022-11-10</a:t>
             </a:fld>
             <a:endParaRPr lang="ko-KR" altLang="en-US"/>
           </a:p>
@@ -3545,7 +3545,7 @@
           <a:p>
             <a:fld id="{B1A85668-658F-4FC8-8F81-563F46575ADE}" type="datetimeFigureOut">
               <a:rPr lang="ko-KR" altLang="en-US" smtClean="0"/>
-              <a:t>2022-11-09</a:t>
+              <a:t>2022-11-10</a:t>
             </a:fld>
             <a:endParaRPr lang="ko-KR" altLang="en-US"/>
           </a:p>
@@ -4071,14 +4071,6 @@
               </a:rPr>
               <a:t> 이용한 </a:t>
             </a:r>
-            <a:r>
-              <a:rPr lang="en-US" altLang="ko-KR" sz="3600" b="1" dirty="0">
-                <a:solidFill>
-                  <a:schemeClr val="bg1"/>
-                </a:solidFill>
-              </a:rPr>
-              <a:t/>
-            </a:r>
             <a:br>
               <a:rPr lang="en-US" altLang="ko-KR" sz="3600" b="1" dirty="0">
                 <a:solidFill>
@@ -4094,14 +4086,6 @@
               </a:rPr>
               <a:t>일사량 예측 기법</a:t>
             </a:r>
-            <a:r>
-              <a:rPr lang="en-US" altLang="ko-KR" sz="3700" b="1" dirty="0">
-                <a:solidFill>
-                  <a:schemeClr val="bg1"/>
-                </a:solidFill>
-              </a:rPr>
-              <a:t/>
-            </a:r>
             <a:br>
               <a:rPr lang="en-US" altLang="ko-KR" sz="3700" b="1" dirty="0">
                 <a:solidFill>
@@ -4116,14 +4100,6 @@
                 </a:solidFill>
               </a:rPr>
               <a:t>    </a:t>
-            </a:r>
-            <a:r>
-              <a:rPr lang="en-US" altLang="ko-KR" sz="4000" b="1" dirty="0">
-                <a:solidFill>
-                  <a:schemeClr val="bg1"/>
-                </a:solidFill>
-              </a:rPr>
-              <a:t/>
             </a:r>
             <a:br>
               <a:rPr lang="en-US" altLang="ko-KR" sz="4000" b="1" dirty="0">
@@ -4474,13 +4450,6 @@
   <p:clrMapOvr>
     <a:masterClrMapping/>
   </p:clrMapOvr>
-  <p:timing>
-    <p:tnLst>
-      <p:par>
-        <p:cTn id="1" dur="indefinite" restart="never" nodeType="tmRoot"/>
-      </p:par>
-    </p:tnLst>
-  </p:timing>
 </p:sld>
 </file>
 
@@ -4779,8 +4748,8 @@
               <a:spcBef>
                 <a:spcPts val="695"/>
               </a:spcBef>
-              <a:buFontTx/>
-              <a:buChar char="-"/>
+              <a:buFont typeface="Wingdings" panose="05000000000000000000" pitchFamily="2" charset="2"/>
+              <a:buChar char="§"/>
               <a:tabLst>
                 <a:tab pos="240665" algn="l"/>
               </a:tabLst>
@@ -4908,8 +4877,8 @@
               <a:spcBef>
                 <a:spcPts val="695"/>
               </a:spcBef>
-              <a:buFontTx/>
-              <a:buChar char="-"/>
+              <a:buFont typeface="Wingdings" panose="05000000000000000000" pitchFamily="2" charset="2"/>
+              <a:buChar char="§"/>
               <a:tabLst>
                 <a:tab pos="240665" algn="l"/>
               </a:tabLst>
@@ -5460,13 +5429,6 @@
   <p:clrMapOvr>
     <a:masterClrMapping/>
   </p:clrMapOvr>
-  <p:timing>
-    <p:tnLst>
-      <p:par>
-        <p:cTn id="1" dur="indefinite" restart="never" nodeType="tmRoot"/>
-      </p:par>
-    </p:tnLst>
-  </p:timing>
 </p:sld>
 </file>
 
@@ -5678,7 +5640,7 @@
         <p:spPr>
           <a:xfrm>
             <a:off x="508990" y="1263396"/>
-            <a:ext cx="11275060" cy="1694695"/>
+            <a:ext cx="11275060" cy="2117887"/>
           </a:xfrm>
           <a:prstGeom prst="rect">
             <a:avLst/>
@@ -5739,7 +5701,7 @@
             </a:endParaRPr>
           </a:p>
           <a:p>
-            <a:pPr marL="812800" lvl="1" indent="-342900" latinLnBrk="0">
+            <a:pPr marL="355600" indent="-342900" latinLnBrk="0">
               <a:spcBef>
                 <a:spcPts val="915"/>
               </a:spcBef>
@@ -5781,7 +5743,7 @@
             <a:endParaRPr lang="en-US" altLang="ko-KR" sz="2000" dirty="0"/>
           </a:p>
           <a:p>
-            <a:pPr marL="812800" lvl="1" indent="-342900" latinLnBrk="0">
+            <a:pPr marL="355600" indent="-342900" latinLnBrk="0">
               <a:spcBef>
                 <a:spcPts val="915"/>
               </a:spcBef>
@@ -5823,7 +5785,7 @@
             </a:endParaRPr>
           </a:p>
           <a:p>
-            <a:pPr marL="812800" lvl="1" indent="-342900" latinLnBrk="0">
+            <a:pPr marL="355600" indent="-342900" latinLnBrk="0">
               <a:spcBef>
                 <a:spcPts val="915"/>
               </a:spcBef>
@@ -5867,6 +5829,19 @@
               <a:t>방식을 사용해 모델링 수행</a:t>
             </a:r>
             <a:endParaRPr lang="en-US" altLang="ko-KR" sz="2000" kern="0" dirty="0">
+              <a:solidFill>
+                <a:sysClr val="windowText" lastClr="000000"/>
+              </a:solidFill>
+              <a:cs typeface="Malgun Gothic"/>
+            </a:endParaRPr>
+          </a:p>
+          <a:p>
+            <a:pPr marL="12700" latinLnBrk="0">
+              <a:spcBef>
+                <a:spcPts val="915"/>
+              </a:spcBef>
+            </a:pPr>
+            <a:endParaRPr lang="ko-KR" altLang="en-US" sz="2000" b="1" kern="0" dirty="0">
               <a:solidFill>
                 <a:sysClr val="windowText" lastClr="000000"/>
               </a:solidFill>
@@ -6136,13 +6111,6 @@
   <p:clrMapOvr>
     <a:masterClrMapping/>
   </p:clrMapOvr>
-  <p:timing>
-    <p:tnLst>
-      <p:par>
-        <p:cTn id="1" dur="indefinite" restart="never" nodeType="tmRoot"/>
-      </p:par>
-    </p:tnLst>
-  </p:timing>
 </p:sld>
 </file>
 
@@ -7926,13 +7894,6 @@
   <p:clrMapOvr>
     <a:masterClrMapping/>
   </p:clrMapOvr>
-  <p:timing>
-    <p:tnLst>
-      <p:par>
-        <p:cTn id="1" dur="indefinite" restart="never" nodeType="tmRoot"/>
-      </p:par>
-    </p:tnLst>
-  </p:timing>
 </p:sld>
 </file>
 
@@ -8135,7 +8096,7 @@
               </a:spcBef>
             </a:pPr>
             <a:r>
-              <a:rPr lang="ko-KR" altLang="en-US" b="1" kern="0" dirty="0" smtClean="0">
+              <a:rPr lang="ko-KR" altLang="en-US" b="1" kern="0" dirty="0">
                 <a:solidFill>
                   <a:sysClr val="windowText" lastClr="000000"/>
                 </a:solidFill>
@@ -8159,13 +8120,22 @@
               <a:buChar char="§"/>
             </a:pPr>
             <a:r>
-              <a:rPr lang="ko-KR" altLang="en-US" kern="0" dirty="0" smtClean="0">
+              <a:rPr lang="ko-KR" altLang="en-US" kern="0" dirty="0">
                 <a:solidFill>
                   <a:sysClr val="windowText" lastClr="000000"/>
                 </a:solidFill>
                 <a:cs typeface="Malgun Gothic"/>
               </a:rPr>
-              <a:t>본 </a:t>
+              <a:t>본 논문에서 제시한 </a:t>
+            </a:r>
+            <a:r>
+              <a:rPr lang="ko-KR" altLang="en-US" kern="0" dirty="0" err="1">
+                <a:solidFill>
+                  <a:sysClr val="windowText" lastClr="000000"/>
+                </a:solidFill>
+                <a:cs typeface="Malgun Gothic"/>
+              </a:rPr>
+              <a:t>전이학습</a:t>
             </a:r>
             <a:r>
               <a:rPr lang="ko-KR" altLang="en-US" kern="0" dirty="0">
@@ -8174,16 +8144,16 @@
                 </a:solidFill>
                 <a:cs typeface="Malgun Gothic"/>
               </a:rPr>
-              <a:t>논문에서 제시한 </a:t>
-            </a:r>
-            <a:r>
-              <a:rPr lang="ko-KR" altLang="en-US" kern="0" dirty="0" err="1">
+              <a:t> 기반의 모델 성능을 비교한 결과</a:t>
+            </a:r>
+            <a:r>
+              <a:rPr lang="en-US" altLang="ko-KR" kern="0" dirty="0">
                 <a:solidFill>
                   <a:sysClr val="windowText" lastClr="000000"/>
                 </a:solidFill>
                 <a:cs typeface="Malgun Gothic"/>
               </a:rPr>
-              <a:t>전이학습</a:t>
+              <a:t>, </a:t>
             </a:r>
             <a:r>
               <a:rPr lang="ko-KR" altLang="en-US" kern="0" dirty="0">
@@ -8192,34 +8162,7 @@
                 </a:solidFill>
                 <a:cs typeface="Malgun Gothic"/>
               </a:rPr>
-              <a:t> 기반의 모델 성능을 비교한 결과</a:t>
-            </a:r>
-            <a:r>
-              <a:rPr lang="en-US" altLang="ko-KR" kern="0" dirty="0" smtClean="0">
-                <a:solidFill>
-                  <a:sysClr val="windowText" lastClr="000000"/>
-                </a:solidFill>
-                <a:cs typeface="Malgun Gothic"/>
-              </a:rPr>
-              <a:t>, </a:t>
-            </a:r>
-            <a:r>
-              <a:rPr lang="ko-KR" altLang="en-US" kern="0" dirty="0" smtClean="0">
-                <a:solidFill>
-                  <a:sysClr val="windowText" lastClr="000000"/>
-                </a:solidFill>
-                <a:cs typeface="Malgun Gothic"/>
-              </a:rPr>
-              <a:t>기존 </a:t>
-            </a:r>
-            <a:r>
-              <a:rPr lang="ko-KR" altLang="en-US" kern="0" dirty="0">
-                <a:solidFill>
-                  <a:sysClr val="windowText" lastClr="000000"/>
-                </a:solidFill>
-                <a:cs typeface="Malgun Gothic"/>
-              </a:rPr>
-              <a:t>모델보다 오차율이 감소한 것을 확인</a:t>
+              <a:t>기존 모델보다 오차율이 감소한 것을 확인</a:t>
             </a:r>
           </a:p>
           <a:p>
@@ -8371,13 +8314,6 @@
   <p:clrMapOvr>
     <a:masterClrMapping/>
   </p:clrMapOvr>
-  <p:timing>
-    <p:tnLst>
-      <p:par>
-        <p:cTn id="1" dur="indefinite" restart="never" nodeType="tmRoot"/>
-      </p:par>
-    </p:tnLst>
-  </p:timing>
 </p:sld>
 </file>
 
@@ -8939,13 +8875,6 @@
   <p:clrMapOvr>
     <a:masterClrMapping/>
   </p:clrMapOvr>
-  <p:timing>
-    <p:tnLst>
-      <p:par>
-        <p:cTn id="1" dur="indefinite" restart="never" nodeType="tmRoot"/>
-      </p:par>
-    </p:tnLst>
-  </p:timing>
 </p:sld>
 </file>
 
@@ -9771,13 +9700,6 @@
   <p:clrMapOvr>
     <a:masterClrMapping/>
   </p:clrMapOvr>
-  <p:timing>
-    <p:tnLst>
-      <p:par>
-        <p:cTn id="1" dur="indefinite" restart="never" nodeType="tmRoot"/>
-      </p:par>
-    </p:tnLst>
-  </p:timing>
 </p:sld>
 </file>
 
@@ -10205,13 +10127,6 @@
   <p:clrMapOvr>
     <a:masterClrMapping/>
   </p:clrMapOvr>
-  <p:timing>
-    <p:tnLst>
-      <p:par>
-        <p:cTn id="1" dur="indefinite" restart="never" nodeType="tmRoot"/>
-      </p:par>
-    </p:tnLst>
-  </p:timing>
 </p:sld>
 </file>
 
@@ -10640,13 +10555,6 @@
   <p:clrMapOvr>
     <a:masterClrMapping/>
   </p:clrMapOvr>
-  <p:timing>
-    <p:tnLst>
-      <p:par>
-        <p:cTn id="1" dur="indefinite" restart="never" nodeType="tmRoot"/>
-      </p:par>
-    </p:tnLst>
-  </p:timing>
 </p:sld>
 </file>
 
@@ -11186,13 +11094,6 @@
   <p:clrMapOvr>
     <a:masterClrMapping/>
   </p:clrMapOvr>
-  <p:timing>
-    <p:tnLst>
-      <p:par>
-        <p:cTn id="1" dur="indefinite" restart="never" nodeType="tmRoot"/>
-      </p:par>
-    </p:tnLst>
-  </p:timing>
 </p:sld>
 </file>
 
@@ -11525,7 +11426,7 @@
               <a:t> </a:t>
             </a:r>
             <a:r>
-              <a:rPr lang="ko-KR" altLang="en-US" sz="3200" kern="0" spc="-25" dirty="0" smtClean="0">
+              <a:rPr lang="ko-KR" altLang="en-US" sz="3200" kern="0" spc="-25" dirty="0">
                 <a:solidFill>
                   <a:srgbClr val="001F60"/>
                 </a:solidFill>
@@ -13089,13 +12990,6 @@
   <p:clrMapOvr>
     <a:masterClrMapping/>
   </p:clrMapOvr>
-  <p:timing>
-    <p:tnLst>
-      <p:par>
-        <p:cTn id="1" dur="indefinite" restart="never" nodeType="tmRoot"/>
-      </p:par>
-    </p:tnLst>
-  </p:timing>
 </p:sld>
 </file>
 
@@ -13530,13 +13424,6 @@
   <p:clrMapOvr>
     <a:masterClrMapping/>
   </p:clrMapOvr>
-  <p:timing>
-    <p:tnLst>
-      <p:par>
-        <p:cTn id="1" dur="indefinite" restart="never" nodeType="tmRoot"/>
-      </p:par>
-    </p:tnLst>
-  </p:timing>
 </p:sld>
 </file>
 
@@ -13896,7 +13783,7 @@
               <a:buChar char="§"/>
             </a:pPr>
             <a:r>
-              <a:rPr lang="ko-KR" altLang="en-US" sz="2000" kern="0" dirty="0" smtClean="0">
+              <a:rPr lang="ko-KR" altLang="en-US" sz="2000" kern="0" dirty="0">
                 <a:solidFill>
                   <a:sysClr val="windowText" lastClr="000000"/>
                 </a:solidFill>
@@ -13905,7 +13792,7 @@
               <a:t>날짜 </a:t>
             </a:r>
             <a:r>
-              <a:rPr lang="en-US" altLang="ko-KR" sz="2000" kern="0" dirty="0" smtClean="0">
+              <a:rPr lang="en-US" altLang="ko-KR" sz="2000" kern="0" dirty="0">
                 <a:solidFill>
                   <a:sysClr val="windowText" lastClr="000000"/>
                 </a:solidFill>
@@ -14251,13 +14138,6 @@
   <p:clrMapOvr>
     <a:masterClrMapping/>
   </p:clrMapOvr>
-  <p:timing>
-    <p:tnLst>
-      <p:par>
-        <p:cTn id="1" dur="indefinite" restart="never" nodeType="tmRoot"/>
-      </p:par>
-    </p:tnLst>
-  </p:timing>
 </p:sld>
 </file>
 
@@ -14556,8 +14436,8 @@
               <a:spcBef>
                 <a:spcPts val="695"/>
               </a:spcBef>
-              <a:buFontTx/>
-              <a:buChar char="-"/>
+              <a:buFont typeface="Wingdings" panose="05000000000000000000" pitchFamily="2" charset="2"/>
+              <a:buChar char="§"/>
               <a:tabLst>
                 <a:tab pos="240665" algn="l"/>
               </a:tabLst>
@@ -14617,8 +14497,8 @@
               <a:spcBef>
                 <a:spcPts val="695"/>
               </a:spcBef>
-              <a:buFontTx/>
-              <a:buChar char="-"/>
+              <a:buFont typeface="Wingdings" panose="05000000000000000000" pitchFamily="2" charset="2"/>
+              <a:buChar char="§"/>
               <a:tabLst>
                 <a:tab pos="240665" algn="l"/>
               </a:tabLst>
@@ -14710,16 +14590,6 @@
                 <a:tab pos="240665" algn="l"/>
               </a:tabLst>
             </a:pPr>
-            <a:r>
-              <a:rPr lang="ko-KR" altLang="en-US" kern="0" spc="-50" dirty="0">
-                <a:solidFill>
-                  <a:sysClr val="windowText" lastClr="000000"/>
-                </a:solidFill>
-                <a:latin typeface="Calibri"/>
-                <a:cs typeface="Calibri"/>
-              </a:rPr>
-              <a:t> </a:t>
-            </a:r>
             <a:endParaRPr lang="en-US" altLang="ko-KR" kern="0" spc="-50" dirty="0">
               <a:solidFill>
                 <a:sysClr val="windowText" lastClr="000000"/>
@@ -15083,13 +14953,6 @@
   <p:clrMapOvr>
     <a:masterClrMapping/>
   </p:clrMapOvr>
-  <p:timing>
-    <p:tnLst>
-      <p:par>
-        <p:cTn id="1" dur="indefinite" restart="never" nodeType="tmRoot"/>
-      </p:par>
-    </p:tnLst>
-  </p:timing>
 </p:sld>
 </file>
 

--- a/KICS_PT/[KICS] 모델 poster.pptx
+++ b/KICS_PT/[KICS] 모델 poster.pptx
@@ -5419,6 +5419,51 @@
           </a:prstGeom>
         </p:spPr>
       </p:pic>
+      <p:sp>
+        <p:nvSpPr>
+          <p:cNvPr id="14" name="직사각형 13">
+            <a:extLst>
+              <a:ext uri="{FF2B5EF4-FFF2-40B4-BE49-F238E27FC236}">
+                <a16:creationId xmlns:a16="http://schemas.microsoft.com/office/drawing/2014/main" id="{E1EB7D54-E339-4A43-975D-6694001A5F41}"/>
+              </a:ext>
+            </a:extLst>
+          </p:cNvPr>
+          <p:cNvSpPr/>
+          <p:nvPr/>
+        </p:nvSpPr>
+        <p:spPr>
+          <a:xfrm>
+            <a:off x="508990" y="1751681"/>
+            <a:ext cx="11291475" cy="369332"/>
+          </a:xfrm>
+          <a:prstGeom prst="rect">
+            <a:avLst/>
+          </a:prstGeom>
+        </p:spPr>
+        <p:txBody>
+          <a:bodyPr wrap="square">
+            <a:spAutoFit/>
+          </a:bodyPr>
+          <a:lstStyle/>
+          <a:p>
+            <a:pPr marL="12700" latinLnBrk="0">
+              <a:spcBef>
+                <a:spcPts val="695"/>
+              </a:spcBef>
+              <a:tabLst>
+                <a:tab pos="240665" algn="l"/>
+              </a:tabLst>
+            </a:pPr>
+            <a:endParaRPr lang="en-US" altLang="ko-KR" kern="0" spc="-50" dirty="0">
+              <a:solidFill>
+                <a:sysClr val="windowText" lastClr="000000"/>
+              </a:solidFill>
+              <a:latin typeface="Calibri"/>
+              <a:cs typeface="Calibri"/>
+            </a:endParaRPr>
+          </a:p>
+        </p:txBody>
+      </p:sp>
     </p:spTree>
     <p:extLst>
       <p:ext uri="{BB962C8B-B14F-4D97-AF65-F5344CB8AC3E}">
@@ -5640,7 +5685,7 @@
         <p:spPr>
           <a:xfrm>
             <a:off x="508990" y="1263396"/>
-            <a:ext cx="11275060" cy="2117887"/>
+            <a:ext cx="11275060" cy="425116"/>
           </a:xfrm>
           <a:prstGeom prst="rect">
             <a:avLst/>
@@ -5694,154 +5739,6 @@
               <a:t>기반의 일사량 예측 모델링</a:t>
             </a:r>
             <a:endParaRPr lang="en-US" altLang="ko-KR" sz="2000" b="1" kern="0" dirty="0">
-              <a:solidFill>
-                <a:sysClr val="windowText" lastClr="000000"/>
-              </a:solidFill>
-              <a:cs typeface="Malgun Gothic"/>
-            </a:endParaRPr>
-          </a:p>
-          <a:p>
-            <a:pPr marL="355600" indent="-342900" latinLnBrk="0">
-              <a:spcBef>
-                <a:spcPts val="915"/>
-              </a:spcBef>
-              <a:buFont typeface="Wingdings" panose="05000000000000000000" pitchFamily="2" charset="2"/>
-              <a:buChar char="§"/>
-            </a:pPr>
-            <a:r>
-              <a:rPr lang="ko-KR" altLang="en-US" sz="2000" dirty="0" err="1"/>
-              <a:t>초매개변수인</a:t>
-            </a:r>
-            <a:r>
-              <a:rPr lang="ko-KR" altLang="en-US" sz="2000" dirty="0"/>
-              <a:t> 나무의 수는 </a:t>
-            </a:r>
-            <a:r>
-              <a:rPr lang="en-US" altLang="ko-KR" sz="2000" dirty="0"/>
-              <a:t>Oshiro </a:t>
-            </a:r>
-            <a:r>
-              <a:rPr lang="ko-KR" altLang="en-US" sz="2000" dirty="0"/>
-              <a:t>등</a:t>
-            </a:r>
-            <a:r>
-              <a:rPr lang="en-US" altLang="ko-KR" sz="2000" dirty="0"/>
-              <a:t>[5]</a:t>
-            </a:r>
-            <a:r>
-              <a:rPr lang="ko-KR" altLang="en-US" sz="2000" dirty="0"/>
-              <a:t>의 연구에서 제안한 값인 </a:t>
-            </a:r>
-            <a:r>
-              <a:rPr lang="en-US" altLang="ko-KR" sz="2000" dirty="0"/>
-              <a:t>128 </a:t>
-            </a:r>
-            <a:r>
-              <a:rPr lang="ko-KR" altLang="en-US" sz="2000" dirty="0"/>
-              <a:t>사용</a:t>
-            </a:r>
-            <a:endParaRPr lang="en-US" altLang="ko-KR" sz="2000" dirty="0"/>
-          </a:p>
-          <a:p>
-            <a:pPr marL="355600" indent="-342900" latinLnBrk="0">
-              <a:spcBef>
-                <a:spcPts val="915"/>
-              </a:spcBef>
-              <a:buFont typeface="Wingdings" panose="05000000000000000000" pitchFamily="2" charset="2"/>
-              <a:buChar char="§"/>
-            </a:pPr>
-            <a:r>
-              <a:rPr lang="ko-KR" altLang="en-US" sz="2000" kern="0" dirty="0">
-                <a:solidFill>
-                  <a:sysClr val="windowText" lastClr="000000"/>
-                </a:solidFill>
-                <a:cs typeface="Malgun Gothic"/>
-              </a:rPr>
-              <a:t>변수 중요도는 지니 불순도</a:t>
-            </a:r>
-            <a:r>
-              <a:rPr lang="en-US" altLang="ko-KR" sz="2000" kern="0" dirty="0">
-                <a:solidFill>
-                  <a:sysClr val="windowText" lastClr="000000"/>
-                </a:solidFill>
-                <a:cs typeface="Malgun Gothic"/>
-              </a:rPr>
-              <a:t>(impurity) </a:t>
-            </a:r>
-            <a:r>
-              <a:rPr lang="ko-KR" altLang="en-US" sz="2000" kern="0" dirty="0">
-                <a:solidFill>
-                  <a:sysClr val="windowText" lastClr="000000"/>
-                </a:solidFill>
-                <a:cs typeface="Malgun Gothic"/>
-              </a:rPr>
-              <a:t>사용</a:t>
-            </a:r>
-            <a:endParaRPr lang="en-US" altLang="ko-KR" sz="2000" kern="0" dirty="0">
-              <a:solidFill>
-                <a:sysClr val="windowText" lastClr="000000"/>
-              </a:solidFill>
-              <a:cs typeface="Malgun Gothic"/>
-            </a:endParaRPr>
-          </a:p>
-          <a:p>
-            <a:pPr marL="355600" indent="-342900" latinLnBrk="0">
-              <a:spcBef>
-                <a:spcPts val="915"/>
-              </a:spcBef>
-              <a:buFont typeface="Wingdings" panose="05000000000000000000" pitchFamily="2" charset="2"/>
-              <a:buChar char="§"/>
-            </a:pPr>
-            <a:r>
-              <a:rPr lang="ko-KR" altLang="en-US" sz="2000" kern="0" dirty="0">
-                <a:solidFill>
-                  <a:sysClr val="windowText" lastClr="000000"/>
-                </a:solidFill>
-                <a:cs typeface="Malgun Gothic"/>
-              </a:rPr>
-              <a:t>최근 추세를 반영하기 위해 </a:t>
-            </a:r>
-            <a:r>
-              <a:rPr lang="en-US" altLang="ko-KR" sz="2000" b="1" kern="0" dirty="0">
-                <a:solidFill>
-                  <a:srgbClr val="002060"/>
-                </a:solidFill>
-                <a:cs typeface="Malgun Gothic"/>
-              </a:rPr>
-              <a:t>Sliding Window</a:t>
-            </a:r>
-            <a:r>
-              <a:rPr lang="en-US" altLang="ko-KR" sz="2000" b="1" kern="0" dirty="0">
-                <a:solidFill>
-                  <a:sysClr val="windowText" lastClr="000000"/>
-                </a:solidFill>
-                <a:cs typeface="Malgun Gothic"/>
-              </a:rPr>
-              <a:t> </a:t>
-            </a:r>
-            <a:r>
-              <a:rPr lang="ko-KR" altLang="en-US" sz="2000" kern="0" dirty="0">
-                <a:solidFill>
-                  <a:sysClr val="windowText" lastClr="000000"/>
-                </a:solidFill>
-                <a:cs typeface="Malgun Gothic"/>
-              </a:rPr>
-              <a:t>방식을 사용해 모델링 수행</a:t>
-            </a:r>
-            <a:endParaRPr lang="en-US" altLang="ko-KR" sz="2000" kern="0" dirty="0">
-              <a:solidFill>
-                <a:sysClr val="windowText" lastClr="000000"/>
-              </a:solidFill>
-              <a:cs typeface="Malgun Gothic"/>
-            </a:endParaRPr>
-          </a:p>
-          <a:p>
-            <a:pPr marL="12700" latinLnBrk="0">
-              <a:spcBef>
-                <a:spcPts val="915"/>
-              </a:spcBef>
-            </a:pPr>
-            <a:endParaRPr lang="ko-KR" altLang="en-US" sz="2000" b="1" kern="0" dirty="0">
               <a:solidFill>
                 <a:sysClr val="windowText" lastClr="000000"/>
               </a:solidFill>
@@ -6098,6 +5995,210 @@
               <a:t>, “How Many Trees in a Random Forest?” In Proc. of the International Workshop on Machine Learning and Data Mining in Pattern Recognition, pp. 154-168, 2012. </a:t>
             </a:r>
             <a:endParaRPr lang="ko-KR" altLang="en-US" sz="800" dirty="0"/>
+          </a:p>
+        </p:txBody>
+      </p:sp>
+      <p:sp>
+        <p:nvSpPr>
+          <p:cNvPr id="18" name="직사각형 17">
+            <a:extLst>
+              <a:ext uri="{FF2B5EF4-FFF2-40B4-BE49-F238E27FC236}">
+                <a16:creationId xmlns:a16="http://schemas.microsoft.com/office/drawing/2014/main" id="{647BD39F-1B48-4CAE-83EA-F9188E8456C3}"/>
+              </a:ext>
+            </a:extLst>
+          </p:cNvPr>
+          <p:cNvSpPr/>
+          <p:nvPr/>
+        </p:nvSpPr>
+        <p:spPr>
+          <a:xfrm>
+            <a:off x="492575" y="1769352"/>
+            <a:ext cx="11291475" cy="1102866"/>
+          </a:xfrm>
+          <a:prstGeom prst="rect">
+            <a:avLst/>
+          </a:prstGeom>
+        </p:spPr>
+        <p:txBody>
+          <a:bodyPr wrap="square">
+            <a:spAutoFit/>
+          </a:bodyPr>
+          <a:lstStyle/>
+          <a:p>
+            <a:pPr marL="298450" indent="-285750" latinLnBrk="0">
+              <a:spcBef>
+                <a:spcPts val="695"/>
+              </a:spcBef>
+              <a:buFont typeface="Wingdings" panose="05000000000000000000" pitchFamily="2" charset="2"/>
+              <a:buChar char="§"/>
+              <a:tabLst>
+                <a:tab pos="240665" algn="l"/>
+              </a:tabLst>
+            </a:pPr>
+            <a:r>
+              <a:rPr lang="ko-KR" altLang="en-US" kern="0" spc="-50" dirty="0" err="1">
+                <a:solidFill>
+                  <a:sysClr val="windowText" lastClr="000000"/>
+                </a:solidFill>
+                <a:latin typeface="Calibri"/>
+                <a:cs typeface="Calibri"/>
+              </a:rPr>
+              <a:t>초매개변수인</a:t>
+            </a:r>
+            <a:r>
+              <a:rPr lang="ko-KR" altLang="en-US" kern="0" spc="-50" dirty="0">
+                <a:solidFill>
+                  <a:sysClr val="windowText" lastClr="000000"/>
+                </a:solidFill>
+                <a:latin typeface="Calibri"/>
+                <a:cs typeface="Calibri"/>
+              </a:rPr>
+              <a:t> 나무의 수는 </a:t>
+            </a:r>
+            <a:r>
+              <a:rPr lang="en-US" altLang="ko-KR" kern="0" spc="-50" dirty="0">
+                <a:solidFill>
+                  <a:sysClr val="windowText" lastClr="000000"/>
+                </a:solidFill>
+                <a:latin typeface="Calibri"/>
+                <a:cs typeface="Calibri"/>
+              </a:rPr>
+              <a:t>Oshiro </a:t>
+            </a:r>
+            <a:r>
+              <a:rPr lang="ko-KR" altLang="en-US" kern="0" spc="-50" dirty="0">
+                <a:solidFill>
+                  <a:sysClr val="windowText" lastClr="000000"/>
+                </a:solidFill>
+                <a:latin typeface="Calibri"/>
+                <a:cs typeface="Calibri"/>
+              </a:rPr>
+              <a:t>등</a:t>
+            </a:r>
+            <a:r>
+              <a:rPr lang="en-US" altLang="ko-KR" kern="0" spc="-50" dirty="0">
+                <a:solidFill>
+                  <a:sysClr val="windowText" lastClr="000000"/>
+                </a:solidFill>
+                <a:latin typeface="Calibri"/>
+                <a:cs typeface="Calibri"/>
+              </a:rPr>
+              <a:t>[5]</a:t>
+            </a:r>
+            <a:r>
+              <a:rPr lang="ko-KR" altLang="en-US" kern="0" spc="-50" dirty="0">
+                <a:solidFill>
+                  <a:sysClr val="windowText" lastClr="000000"/>
+                </a:solidFill>
+                <a:latin typeface="Calibri"/>
+                <a:cs typeface="Calibri"/>
+              </a:rPr>
+              <a:t>의 연구에서 제안한 값인 </a:t>
+            </a:r>
+            <a:r>
+              <a:rPr lang="en-US" altLang="ko-KR" kern="0" spc="-50" dirty="0">
+                <a:solidFill>
+                  <a:sysClr val="windowText" lastClr="000000"/>
+                </a:solidFill>
+                <a:latin typeface="Calibri"/>
+                <a:cs typeface="Calibri"/>
+              </a:rPr>
+              <a:t>128 </a:t>
+            </a:r>
+            <a:r>
+              <a:rPr lang="ko-KR" altLang="en-US" kern="0" spc="-50" dirty="0">
+                <a:solidFill>
+                  <a:sysClr val="windowText" lastClr="000000"/>
+                </a:solidFill>
+                <a:latin typeface="Calibri"/>
+                <a:cs typeface="Calibri"/>
+              </a:rPr>
+              <a:t>사용</a:t>
+            </a:r>
+          </a:p>
+          <a:p>
+            <a:pPr marL="298450" indent="-285750" latinLnBrk="0">
+              <a:spcBef>
+                <a:spcPts val="695"/>
+              </a:spcBef>
+              <a:buFont typeface="Wingdings" panose="05000000000000000000" pitchFamily="2" charset="2"/>
+              <a:buChar char="§"/>
+              <a:tabLst>
+                <a:tab pos="240665" algn="l"/>
+              </a:tabLst>
+            </a:pPr>
+            <a:r>
+              <a:rPr lang="ko-KR" altLang="en-US" kern="0" spc="-50" dirty="0">
+                <a:solidFill>
+                  <a:sysClr val="windowText" lastClr="000000"/>
+                </a:solidFill>
+                <a:latin typeface="Calibri"/>
+                <a:cs typeface="Calibri"/>
+              </a:rPr>
+              <a:t>변수 중요도는 지니 불순도</a:t>
+            </a:r>
+            <a:r>
+              <a:rPr lang="en-US" altLang="ko-KR" kern="0" spc="-50" dirty="0">
+                <a:solidFill>
+                  <a:sysClr val="windowText" lastClr="000000"/>
+                </a:solidFill>
+                <a:latin typeface="Calibri"/>
+                <a:cs typeface="Calibri"/>
+              </a:rPr>
+              <a:t>(impurity) </a:t>
+            </a:r>
+            <a:r>
+              <a:rPr lang="ko-KR" altLang="en-US" kern="0" spc="-50" dirty="0">
+                <a:solidFill>
+                  <a:sysClr val="windowText" lastClr="000000"/>
+                </a:solidFill>
+                <a:latin typeface="Calibri"/>
+                <a:cs typeface="Calibri"/>
+              </a:rPr>
+              <a:t>사용</a:t>
+            </a:r>
+          </a:p>
+          <a:p>
+            <a:pPr marL="298450" indent="-285750" latinLnBrk="0">
+              <a:spcBef>
+                <a:spcPts val="695"/>
+              </a:spcBef>
+              <a:buFont typeface="Wingdings" panose="05000000000000000000" pitchFamily="2" charset="2"/>
+              <a:buChar char="§"/>
+              <a:tabLst>
+                <a:tab pos="240665" algn="l"/>
+              </a:tabLst>
+            </a:pPr>
+            <a:r>
+              <a:rPr lang="ko-KR" altLang="en-US" kern="0" spc="-50" dirty="0">
+                <a:solidFill>
+                  <a:sysClr val="windowText" lastClr="000000"/>
+                </a:solidFill>
+                <a:latin typeface="Calibri"/>
+                <a:cs typeface="Calibri"/>
+              </a:rPr>
+              <a:t>최근 추세를 반영하기 위해 </a:t>
+            </a:r>
+            <a:r>
+              <a:rPr lang="en-US" altLang="ko-KR" kern="0" spc="-50" dirty="0">
+                <a:solidFill>
+                  <a:sysClr val="windowText" lastClr="000000"/>
+                </a:solidFill>
+                <a:latin typeface="Calibri"/>
+                <a:cs typeface="Calibri"/>
+              </a:rPr>
+              <a:t>Sliding Window </a:t>
+            </a:r>
+            <a:r>
+              <a:rPr lang="ko-KR" altLang="en-US" kern="0" spc="-50" dirty="0">
+                <a:solidFill>
+                  <a:sysClr val="windowText" lastClr="000000"/>
+                </a:solidFill>
+                <a:latin typeface="Calibri"/>
+                <a:cs typeface="Calibri"/>
+              </a:rPr>
+              <a:t>방식을 사용해 모델링 수행</a:t>
+            </a:r>
           </a:p>
         </p:txBody>
       </p:sp>
@@ -13012,6 +13113,82 @@
       </p:grpSpPr>
       <p:sp>
         <p:nvSpPr>
+          <p:cNvPr id="14" name="직사각형 13">
+            <a:extLst>
+              <a:ext uri="{FF2B5EF4-FFF2-40B4-BE49-F238E27FC236}">
+                <a16:creationId xmlns:a16="http://schemas.microsoft.com/office/drawing/2014/main" id="{562A9946-43B0-4EF5-9941-288BADA602A7}"/>
+              </a:ext>
+            </a:extLst>
+          </p:cNvPr>
+          <p:cNvSpPr/>
+          <p:nvPr/>
+        </p:nvSpPr>
+        <p:spPr>
+          <a:xfrm>
+            <a:off x="508990" y="1751681"/>
+            <a:ext cx="11291475" cy="1131079"/>
+          </a:xfrm>
+          <a:prstGeom prst="rect">
+            <a:avLst/>
+          </a:prstGeom>
+        </p:spPr>
+        <p:txBody>
+          <a:bodyPr wrap="square">
+            <a:spAutoFit/>
+          </a:bodyPr>
+          <a:lstStyle/>
+          <a:p>
+            <a:pPr marL="355600" indent="-342900" latinLnBrk="0">
+              <a:spcBef>
+                <a:spcPts val="915"/>
+              </a:spcBef>
+              <a:buFont typeface="Wingdings" panose="05000000000000000000" pitchFamily="2" charset="2"/>
+              <a:buChar char="§"/>
+            </a:pPr>
+            <a:r>
+              <a:rPr lang="ko-KR" altLang="en-US" sz="2000" kern="0" dirty="0">
+                <a:solidFill>
+                  <a:sysClr val="windowText" lastClr="000000"/>
+                </a:solidFill>
+                <a:cs typeface="Malgun Gothic"/>
+              </a:rPr>
+              <a:t>태양광 발전 시스템을 운영 계획을 효율적으로 세울 수 없음</a:t>
+            </a:r>
+            <a:endParaRPr lang="en-US" altLang="ko-KR" sz="2000" kern="0" dirty="0">
+              <a:solidFill>
+                <a:sysClr val="windowText" lastClr="000000"/>
+              </a:solidFill>
+              <a:cs typeface="Malgun Gothic"/>
+            </a:endParaRPr>
+          </a:p>
+          <a:p>
+            <a:pPr marL="355600" indent="-342900" latinLnBrk="0">
+              <a:spcBef>
+                <a:spcPts val="915"/>
+              </a:spcBef>
+              <a:buFont typeface="Wingdings" panose="05000000000000000000" pitchFamily="2" charset="2"/>
+              <a:buChar char="§"/>
+            </a:pPr>
+            <a:r>
+              <a:rPr lang="ko-KR" altLang="en-US" sz="2000" kern="0" dirty="0">
+                <a:solidFill>
+                  <a:sysClr val="windowText" lastClr="000000"/>
+                </a:solidFill>
+                <a:cs typeface="Malgun Gothic"/>
+              </a:rPr>
+              <a:t>본 논문은 예측 대상 지역에서 하루치의 일사량만 수집되었더라도 타 지역의 충분한 일사량 데이터를 활용해 전이학습 기반의 다단계 일사량 예측 모델을 제안함</a:t>
+            </a:r>
+            <a:endParaRPr lang="en-US" altLang="ko-KR" sz="2000" kern="0" dirty="0">
+              <a:solidFill>
+                <a:sysClr val="windowText" lastClr="000000"/>
+              </a:solidFill>
+              <a:cs typeface="Malgun Gothic"/>
+            </a:endParaRPr>
+          </a:p>
+        </p:txBody>
+      </p:sp>
+      <p:sp>
+        <p:nvSpPr>
           <p:cNvPr id="15" name="object 2">
             <a:extLst>
               <a:ext uri="{FF2B5EF4-FFF2-40B4-BE49-F238E27FC236}">
@@ -13296,10 +13473,10 @@
       </p:grpSp>
       <p:sp>
         <p:nvSpPr>
-          <p:cNvPr id="12" name="object 3">
+          <p:cNvPr id="13" name="object 3">
             <a:extLst>
               <a:ext uri="{FF2B5EF4-FFF2-40B4-BE49-F238E27FC236}">
-                <a16:creationId xmlns:a16="http://schemas.microsoft.com/office/drawing/2014/main" id="{A5B36F99-427B-4B54-BD8A-879C36920055}"/>
+                <a16:creationId xmlns:a16="http://schemas.microsoft.com/office/drawing/2014/main" id="{83B49716-0887-4538-AD48-111BCC7639AC}"/>
               </a:ext>
             </a:extLst>
           </p:cNvPr>
@@ -13309,7 +13486,7 @@
         <p:spPr>
           <a:xfrm>
             <a:off x="508990" y="1263396"/>
-            <a:ext cx="11195330" cy="2002471"/>
+            <a:ext cx="11275060" cy="425116"/>
           </a:xfrm>
           <a:prstGeom prst="rect">
             <a:avLst/>
@@ -13344,67 +13521,6 @@
               </a:rPr>
               <a:t>?</a:t>
             </a:r>
-            <a:endParaRPr lang="en-US" altLang="ko-KR" sz="2000" kern="0" dirty="0">
-              <a:solidFill>
-                <a:sysClr val="windowText" lastClr="000000"/>
-              </a:solidFill>
-              <a:cs typeface="Malgun Gothic"/>
-            </a:endParaRPr>
-          </a:p>
-          <a:p>
-            <a:pPr marL="355600" indent="-342900" latinLnBrk="0">
-              <a:spcBef>
-                <a:spcPts val="915"/>
-              </a:spcBef>
-              <a:buFont typeface="Wingdings" panose="05000000000000000000" pitchFamily="2" charset="2"/>
-              <a:buChar char="§"/>
-            </a:pPr>
-            <a:r>
-              <a:rPr lang="ko-KR" altLang="en-US" sz="2000" kern="0" dirty="0">
-                <a:solidFill>
-                  <a:sysClr val="windowText" lastClr="000000"/>
-                </a:solidFill>
-                <a:cs typeface="Malgun Gothic"/>
-              </a:rPr>
-              <a:t>태양광 발전 시스템을 운영 계획을 효율적으로 세울 수 없음</a:t>
-            </a:r>
-            <a:endParaRPr lang="en-US" altLang="ko-KR" sz="2000" kern="0" dirty="0">
-              <a:solidFill>
-                <a:sysClr val="windowText" lastClr="000000"/>
-              </a:solidFill>
-              <a:cs typeface="Malgun Gothic"/>
-            </a:endParaRPr>
-          </a:p>
-          <a:p>
-            <a:pPr marL="355600" indent="-342900" latinLnBrk="0">
-              <a:spcBef>
-                <a:spcPts val="915"/>
-              </a:spcBef>
-              <a:buFont typeface="Wingdings" panose="05000000000000000000" pitchFamily="2" charset="2"/>
-              <a:buChar char="§"/>
-            </a:pPr>
-            <a:r>
-              <a:rPr lang="ko-KR" altLang="en-US" sz="2000" kern="0" dirty="0">
-                <a:solidFill>
-                  <a:sysClr val="windowText" lastClr="000000"/>
-                </a:solidFill>
-                <a:cs typeface="Malgun Gothic"/>
-              </a:rPr>
-              <a:t>본 논문은 예측 대상 지역에서 하루치의 일사량만 수집되었더라도 타 지역의 충분한 일사량 데이터를 활용해 전이학습 기반의 다단계 일사량 예측 모델을 제안함</a:t>
-            </a:r>
-            <a:endParaRPr lang="en-US" altLang="ko-KR" sz="2000" kern="0" dirty="0">
-              <a:solidFill>
-                <a:sysClr val="windowText" lastClr="000000"/>
-              </a:solidFill>
-              <a:cs typeface="Malgun Gothic"/>
-            </a:endParaRPr>
-          </a:p>
-          <a:p>
-            <a:pPr marL="12700" latinLnBrk="0">
-              <a:spcBef>
-                <a:spcPts val="915"/>
-              </a:spcBef>
-            </a:pPr>
             <a:endParaRPr lang="en-US" altLang="ko-KR" sz="2000" kern="0" dirty="0">
               <a:solidFill>
                 <a:sysClr val="windowText" lastClr="000000"/>
@@ -13519,7 +13635,7 @@
         <p:spPr>
           <a:xfrm>
             <a:off x="508990" y="1263396"/>
-            <a:ext cx="11275060" cy="3387466"/>
+            <a:ext cx="11275060" cy="425116"/>
           </a:xfrm>
           <a:prstGeom prst="rect">
             <a:avLst/>
@@ -13573,378 +13689,6 @@
               <a:t>예측 모델 학습을 위한 입력 변수 구성</a:t>
             </a:r>
             <a:endParaRPr lang="en-US" altLang="ko-KR" sz="2000" b="1" kern="0" dirty="0">
-              <a:solidFill>
-                <a:sysClr val="windowText" lastClr="000000"/>
-              </a:solidFill>
-              <a:cs typeface="Malgun Gothic"/>
-            </a:endParaRPr>
-          </a:p>
-          <a:p>
-            <a:pPr marL="355600" indent="-342900" latinLnBrk="0">
-              <a:spcBef>
-                <a:spcPts val="915"/>
-              </a:spcBef>
-              <a:buFont typeface="Wingdings" panose="05000000000000000000" pitchFamily="2" charset="2"/>
-              <a:buChar char="§"/>
-            </a:pPr>
-            <a:r>
-              <a:rPr lang="ko-KR" altLang="en-US" sz="2000" kern="0" dirty="0">
-                <a:solidFill>
-                  <a:sysClr val="windowText" lastClr="000000"/>
-                </a:solidFill>
-                <a:cs typeface="Malgun Gothic"/>
-              </a:rPr>
-              <a:t>데이터 </a:t>
-            </a:r>
-            <a:r>
-              <a:rPr lang="en-US" altLang="ko-KR" sz="2000" kern="0" dirty="0">
-                <a:solidFill>
-                  <a:sysClr val="windowText" lastClr="000000"/>
-                </a:solidFill>
-                <a:cs typeface="Malgun Gothic"/>
-              </a:rPr>
-              <a:t>: </a:t>
-            </a:r>
-            <a:r>
-              <a:rPr lang="ko-KR" altLang="en-US" sz="2000" kern="0" dirty="0">
-                <a:solidFill>
-                  <a:sysClr val="windowText" lastClr="000000"/>
-                </a:solidFill>
-                <a:cs typeface="Malgun Gothic"/>
-              </a:rPr>
-              <a:t>기상청에서 제공하는 종관기상관측 데이터 </a:t>
-            </a:r>
-            <a:r>
-              <a:rPr lang="en-US" altLang="ko-KR" sz="2000" kern="0" dirty="0">
-                <a:solidFill>
-                  <a:sysClr val="windowText" lastClr="000000"/>
-                </a:solidFill>
-                <a:cs typeface="Malgun Gothic"/>
-              </a:rPr>
-              <a:t>(2016</a:t>
-            </a:r>
-            <a:r>
-              <a:rPr lang="ko-KR" altLang="en-US" sz="2000" kern="0" dirty="0">
-                <a:solidFill>
-                  <a:sysClr val="windowText" lastClr="000000"/>
-                </a:solidFill>
-                <a:cs typeface="Malgun Gothic"/>
-              </a:rPr>
-              <a:t>년 </a:t>
-            </a:r>
-            <a:r>
-              <a:rPr lang="en-US" altLang="ko-KR" sz="2000" kern="0" dirty="0">
-                <a:solidFill>
-                  <a:sysClr val="windowText" lastClr="000000"/>
-                </a:solidFill>
-                <a:cs typeface="Malgun Gothic"/>
-              </a:rPr>
-              <a:t>1</a:t>
-            </a:r>
-            <a:r>
-              <a:rPr lang="ko-KR" altLang="en-US" sz="2000" kern="0" dirty="0">
-                <a:solidFill>
-                  <a:sysClr val="windowText" lastClr="000000"/>
-                </a:solidFill>
-                <a:cs typeface="Malgun Gothic"/>
-              </a:rPr>
-              <a:t>월 </a:t>
-            </a:r>
-            <a:r>
-              <a:rPr lang="en-US" altLang="ko-KR" sz="2000" kern="0" dirty="0">
-                <a:solidFill>
-                  <a:sysClr val="windowText" lastClr="000000"/>
-                </a:solidFill>
-                <a:cs typeface="Malgun Gothic"/>
-              </a:rPr>
-              <a:t>1</a:t>
-            </a:r>
-            <a:r>
-              <a:rPr lang="ko-KR" altLang="en-US" sz="2000" kern="0" dirty="0">
-                <a:solidFill>
-                  <a:sysClr val="windowText" lastClr="000000"/>
-                </a:solidFill>
-                <a:cs typeface="Malgun Gothic"/>
-              </a:rPr>
-              <a:t>일 </a:t>
-            </a:r>
-            <a:r>
-              <a:rPr lang="en-US" altLang="ko-KR" sz="2000" kern="0" dirty="0">
-                <a:solidFill>
-                  <a:sysClr val="windowText" lastClr="000000"/>
-                </a:solidFill>
-                <a:cs typeface="Malgun Gothic"/>
-              </a:rPr>
-              <a:t>~ 2019</a:t>
-            </a:r>
-            <a:r>
-              <a:rPr lang="ko-KR" altLang="en-US" sz="2000" kern="0" dirty="0">
-                <a:solidFill>
-                  <a:sysClr val="windowText" lastClr="000000"/>
-                </a:solidFill>
-                <a:cs typeface="Malgun Gothic"/>
-              </a:rPr>
-              <a:t>년 </a:t>
-            </a:r>
-            <a:r>
-              <a:rPr lang="en-US" altLang="ko-KR" sz="2000" kern="0" dirty="0">
-                <a:solidFill>
-                  <a:sysClr val="windowText" lastClr="000000"/>
-                </a:solidFill>
-                <a:cs typeface="Malgun Gothic"/>
-              </a:rPr>
-              <a:t>12</a:t>
-            </a:r>
-            <a:r>
-              <a:rPr lang="ko-KR" altLang="en-US" sz="2000" kern="0" dirty="0">
-                <a:solidFill>
-                  <a:sysClr val="windowText" lastClr="000000"/>
-                </a:solidFill>
-                <a:cs typeface="Malgun Gothic"/>
-              </a:rPr>
-              <a:t>월 </a:t>
-            </a:r>
-            <a:r>
-              <a:rPr lang="en-US" altLang="ko-KR" sz="2000" kern="0" dirty="0">
-                <a:solidFill>
-                  <a:sysClr val="windowText" lastClr="000000"/>
-                </a:solidFill>
-                <a:cs typeface="Malgun Gothic"/>
-              </a:rPr>
-              <a:t>31</a:t>
-            </a:r>
-            <a:r>
-              <a:rPr lang="ko-KR" altLang="en-US" sz="2000" kern="0" dirty="0">
-                <a:solidFill>
-                  <a:sysClr val="windowText" lastClr="000000"/>
-                </a:solidFill>
-                <a:cs typeface="Malgun Gothic"/>
-              </a:rPr>
-              <a:t>일</a:t>
-            </a:r>
-            <a:r>
-              <a:rPr lang="en-US" altLang="ko-KR" sz="2000" kern="0" dirty="0">
-                <a:solidFill>
-                  <a:sysClr val="windowText" lastClr="000000"/>
-                </a:solidFill>
-                <a:cs typeface="Malgun Gothic"/>
-              </a:rPr>
-              <a:t>)</a:t>
-            </a:r>
-          </a:p>
-          <a:p>
-            <a:pPr marL="355600" indent="-342900" latinLnBrk="0">
-              <a:spcBef>
-                <a:spcPts val="915"/>
-              </a:spcBef>
-              <a:buFont typeface="Wingdings" panose="05000000000000000000" pitchFamily="2" charset="2"/>
-              <a:buChar char="§"/>
-            </a:pPr>
-            <a:r>
-              <a:rPr lang="ko-KR" altLang="en-US" sz="2000" kern="0" dirty="0">
-                <a:solidFill>
-                  <a:sysClr val="windowText" lastClr="000000"/>
-                </a:solidFill>
-                <a:cs typeface="Malgun Gothic"/>
-              </a:rPr>
-              <a:t>입력 변수 </a:t>
-            </a:r>
-            <a:r>
-              <a:rPr lang="en-US" altLang="ko-KR" sz="2000" kern="0" dirty="0">
-                <a:solidFill>
-                  <a:sysClr val="windowText" lastClr="000000"/>
-                </a:solidFill>
-                <a:cs typeface="Malgun Gothic"/>
-              </a:rPr>
-              <a:t>: 7</a:t>
-            </a:r>
-            <a:r>
-              <a:rPr lang="ko-KR" altLang="en-US" sz="2000" kern="0" dirty="0">
-                <a:solidFill>
-                  <a:sysClr val="windowText" lastClr="000000"/>
-                </a:solidFill>
-                <a:cs typeface="Malgun Gothic"/>
-              </a:rPr>
-              <a:t>개</a:t>
-            </a:r>
-            <a:endParaRPr lang="en-US" altLang="ko-KR" sz="2000" kern="0" dirty="0">
-              <a:solidFill>
-                <a:sysClr val="windowText" lastClr="000000"/>
-              </a:solidFill>
-              <a:cs typeface="Malgun Gothic"/>
-            </a:endParaRPr>
-          </a:p>
-          <a:p>
-            <a:pPr marL="812800" lvl="1" indent="-342900" latinLnBrk="0">
-              <a:spcBef>
-                <a:spcPts val="915"/>
-              </a:spcBef>
-              <a:buFont typeface="Wingdings" panose="05000000000000000000" pitchFamily="2" charset="2"/>
-              <a:buChar char="§"/>
-            </a:pPr>
-            <a:r>
-              <a:rPr lang="ko-KR" altLang="en-US" sz="2000" kern="0" dirty="0">
-                <a:solidFill>
-                  <a:sysClr val="windowText" lastClr="000000"/>
-                </a:solidFill>
-                <a:cs typeface="Malgun Gothic"/>
-              </a:rPr>
-              <a:t>날짜 </a:t>
-            </a:r>
-            <a:r>
-              <a:rPr lang="en-US" altLang="ko-KR" sz="2000" kern="0" dirty="0">
-                <a:solidFill>
-                  <a:sysClr val="windowText" lastClr="000000"/>
-                </a:solidFill>
-                <a:cs typeface="Malgun Gothic"/>
-              </a:rPr>
-              <a:t>(</a:t>
-            </a:r>
-            <a:r>
-              <a:rPr lang="ko-KR" altLang="en-US" sz="2000" kern="0" dirty="0">
-                <a:solidFill>
-                  <a:sysClr val="windowText" lastClr="000000"/>
-                </a:solidFill>
-                <a:cs typeface="Malgun Gothic"/>
-              </a:rPr>
-              <a:t>월</a:t>
-            </a:r>
-            <a:r>
-              <a:rPr lang="en-US" altLang="ko-KR" sz="2000" kern="0" dirty="0">
-                <a:solidFill>
-                  <a:sysClr val="windowText" lastClr="000000"/>
-                </a:solidFill>
-                <a:cs typeface="Malgun Gothic"/>
-              </a:rPr>
-              <a:t>, </a:t>
-            </a:r>
-            <a:r>
-              <a:rPr lang="ko-KR" altLang="en-US" sz="2000" kern="0" dirty="0">
-                <a:solidFill>
-                  <a:sysClr val="windowText" lastClr="000000"/>
-                </a:solidFill>
-                <a:cs typeface="Malgun Gothic"/>
-              </a:rPr>
-              <a:t>일</a:t>
-            </a:r>
-            <a:r>
-              <a:rPr lang="en-US" altLang="ko-KR" sz="2000" kern="0" dirty="0">
-                <a:solidFill>
-                  <a:sysClr val="windowText" lastClr="000000"/>
-                </a:solidFill>
-                <a:cs typeface="Malgun Gothic"/>
-              </a:rPr>
-              <a:t>, </a:t>
-            </a:r>
-            <a:r>
-              <a:rPr lang="ko-KR" altLang="en-US" sz="2000" kern="0" dirty="0">
-                <a:solidFill>
-                  <a:sysClr val="windowText" lastClr="000000"/>
-                </a:solidFill>
-                <a:cs typeface="Malgun Gothic"/>
-              </a:rPr>
-              <a:t>시간</a:t>
-            </a:r>
-            <a:r>
-              <a:rPr lang="en-US" altLang="ko-KR" sz="2000" kern="0" dirty="0">
-                <a:solidFill>
-                  <a:sysClr val="windowText" lastClr="000000"/>
-                </a:solidFill>
-                <a:cs typeface="Malgun Gothic"/>
-              </a:rPr>
-              <a:t>)  </a:t>
-            </a:r>
-          </a:p>
-          <a:p>
-            <a:pPr marL="812800" lvl="1" indent="-342900" latinLnBrk="0">
-              <a:spcBef>
-                <a:spcPts val="915"/>
-              </a:spcBef>
-              <a:buFont typeface="Wingdings" panose="05000000000000000000" pitchFamily="2" charset="2"/>
-              <a:buChar char="§"/>
-            </a:pPr>
-            <a:r>
-              <a:rPr lang="ko-KR" altLang="en-US" sz="2000" kern="0" dirty="0">
-                <a:solidFill>
-                  <a:sysClr val="windowText" lastClr="000000"/>
-                </a:solidFill>
-                <a:cs typeface="Malgun Gothic"/>
-              </a:rPr>
-              <a:t>기온</a:t>
-            </a:r>
-            <a:endParaRPr lang="en-US" altLang="ko-KR" sz="2000" kern="0" dirty="0">
-              <a:solidFill>
-                <a:sysClr val="windowText" lastClr="000000"/>
-              </a:solidFill>
-              <a:cs typeface="Malgun Gothic"/>
-            </a:endParaRPr>
-          </a:p>
-          <a:p>
-            <a:pPr marL="812800" lvl="1" indent="-342900" latinLnBrk="0">
-              <a:spcBef>
-                <a:spcPts val="915"/>
-              </a:spcBef>
-              <a:buFont typeface="Wingdings" panose="05000000000000000000" pitchFamily="2" charset="2"/>
-              <a:buChar char="§"/>
-            </a:pPr>
-            <a:r>
-              <a:rPr lang="ko-KR" altLang="en-US" sz="2000" kern="0" dirty="0">
-                <a:solidFill>
-                  <a:sysClr val="windowText" lastClr="000000"/>
-                </a:solidFill>
-                <a:cs typeface="Malgun Gothic"/>
-              </a:rPr>
-              <a:t>습도</a:t>
-            </a:r>
-            <a:endParaRPr lang="en-US" altLang="ko-KR" sz="2000" kern="0" dirty="0">
-              <a:solidFill>
-                <a:sysClr val="windowText" lastClr="000000"/>
-              </a:solidFill>
-              <a:cs typeface="Malgun Gothic"/>
-            </a:endParaRPr>
-          </a:p>
-          <a:p>
-            <a:pPr marL="812800" lvl="1" indent="-342900" latinLnBrk="0">
-              <a:spcBef>
-                <a:spcPts val="915"/>
-              </a:spcBef>
-              <a:buFont typeface="Wingdings" panose="05000000000000000000" pitchFamily="2" charset="2"/>
-              <a:buChar char="§"/>
-            </a:pPr>
-            <a:r>
-              <a:rPr lang="ko-KR" altLang="en-US" sz="2000" kern="0" dirty="0">
-                <a:solidFill>
-                  <a:sysClr val="windowText" lastClr="000000"/>
-                </a:solidFill>
-                <a:cs typeface="Malgun Gothic"/>
-              </a:rPr>
-              <a:t>풍속</a:t>
-            </a:r>
-            <a:endParaRPr lang="en-US" altLang="ko-KR" sz="2000" kern="0" dirty="0">
-              <a:solidFill>
-                <a:sysClr val="windowText" lastClr="000000"/>
-              </a:solidFill>
-              <a:cs typeface="Malgun Gothic"/>
-            </a:endParaRPr>
-          </a:p>
-          <a:p>
-            <a:pPr marL="812800" lvl="1" indent="-342900" latinLnBrk="0">
-              <a:spcBef>
-                <a:spcPts val="915"/>
-              </a:spcBef>
-              <a:buFont typeface="Wingdings" panose="05000000000000000000" pitchFamily="2" charset="2"/>
-              <a:buChar char="§"/>
-            </a:pPr>
-            <a:r>
-              <a:rPr lang="ko-KR" altLang="en-US" sz="2000" kern="0" dirty="0">
-                <a:solidFill>
-                  <a:sysClr val="windowText" lastClr="000000"/>
-                </a:solidFill>
-                <a:cs typeface="Malgun Gothic"/>
-              </a:rPr>
-              <a:t>풍향</a:t>
-            </a:r>
-            <a:endParaRPr lang="en-US" altLang="ko-KR" sz="2000" kern="0" dirty="0">
               <a:solidFill>
                 <a:sysClr val="windowText" lastClr="000000"/>
               </a:solidFill>
@@ -14128,6 +13872,406 @@
           </p:spPr>
         </p:pic>
       </p:grpSp>
+      <p:sp>
+        <p:nvSpPr>
+          <p:cNvPr id="10" name="직사각형 9">
+            <a:extLst>
+              <a:ext uri="{FF2B5EF4-FFF2-40B4-BE49-F238E27FC236}">
+                <a16:creationId xmlns:a16="http://schemas.microsoft.com/office/drawing/2014/main" id="{EB45A218-522B-413B-8E64-AFA3BC0197B5}"/>
+              </a:ext>
+            </a:extLst>
+          </p:cNvPr>
+          <p:cNvSpPr/>
+          <p:nvPr/>
+        </p:nvSpPr>
+        <p:spPr>
+          <a:xfrm>
+            <a:off x="508990" y="1751681"/>
+            <a:ext cx="11291475" cy="2939266"/>
+          </a:xfrm>
+          <a:prstGeom prst="rect">
+            <a:avLst/>
+          </a:prstGeom>
+        </p:spPr>
+        <p:txBody>
+          <a:bodyPr wrap="square">
+            <a:spAutoFit/>
+          </a:bodyPr>
+          <a:lstStyle/>
+          <a:p>
+            <a:pPr marL="355600" indent="-342900" latinLnBrk="0">
+              <a:spcBef>
+                <a:spcPts val="915"/>
+              </a:spcBef>
+              <a:buFont typeface="Wingdings" panose="05000000000000000000" pitchFamily="2" charset="2"/>
+              <a:buChar char="§"/>
+            </a:pPr>
+            <a:r>
+              <a:rPr lang="ko-KR" altLang="en-US" sz="2000" kern="0" dirty="0">
+                <a:solidFill>
+                  <a:sysClr val="windowText" lastClr="000000"/>
+                </a:solidFill>
+                <a:cs typeface="Malgun Gothic"/>
+              </a:rPr>
+              <a:t>데이터 </a:t>
+            </a:r>
+            <a:r>
+              <a:rPr lang="en-US" altLang="ko-KR" sz="2000" kern="0" dirty="0">
+                <a:solidFill>
+                  <a:sysClr val="windowText" lastClr="000000"/>
+                </a:solidFill>
+                <a:cs typeface="Malgun Gothic"/>
+              </a:rPr>
+              <a:t>: </a:t>
+            </a:r>
+            <a:r>
+              <a:rPr lang="ko-KR" altLang="en-US" sz="2000" kern="0" dirty="0">
+                <a:solidFill>
+                  <a:sysClr val="windowText" lastClr="000000"/>
+                </a:solidFill>
+                <a:cs typeface="Malgun Gothic"/>
+              </a:rPr>
+              <a:t>기상청에서 제공하는 종관기상관측 데이터 </a:t>
+            </a:r>
+            <a:r>
+              <a:rPr lang="en-US" altLang="ko-KR" sz="2000" kern="0" dirty="0">
+                <a:solidFill>
+                  <a:sysClr val="windowText" lastClr="000000"/>
+                </a:solidFill>
+                <a:cs typeface="Malgun Gothic"/>
+              </a:rPr>
+              <a:t>(2016</a:t>
+            </a:r>
+            <a:r>
+              <a:rPr lang="ko-KR" altLang="en-US" sz="2000" kern="0" dirty="0">
+                <a:solidFill>
+                  <a:sysClr val="windowText" lastClr="000000"/>
+                </a:solidFill>
+                <a:cs typeface="Malgun Gothic"/>
+              </a:rPr>
+              <a:t>년 </a:t>
+            </a:r>
+            <a:r>
+              <a:rPr lang="en-US" altLang="ko-KR" sz="2000" kern="0" dirty="0">
+                <a:solidFill>
+                  <a:sysClr val="windowText" lastClr="000000"/>
+                </a:solidFill>
+                <a:cs typeface="Malgun Gothic"/>
+              </a:rPr>
+              <a:t>1</a:t>
+            </a:r>
+            <a:r>
+              <a:rPr lang="ko-KR" altLang="en-US" sz="2000" kern="0" dirty="0">
+                <a:solidFill>
+                  <a:sysClr val="windowText" lastClr="000000"/>
+                </a:solidFill>
+                <a:cs typeface="Malgun Gothic"/>
+              </a:rPr>
+              <a:t>월 </a:t>
+            </a:r>
+            <a:r>
+              <a:rPr lang="en-US" altLang="ko-KR" sz="2000" kern="0" dirty="0">
+                <a:solidFill>
+                  <a:sysClr val="windowText" lastClr="000000"/>
+                </a:solidFill>
+                <a:cs typeface="Malgun Gothic"/>
+              </a:rPr>
+              <a:t>1</a:t>
+            </a:r>
+            <a:r>
+              <a:rPr lang="ko-KR" altLang="en-US" sz="2000" kern="0" dirty="0">
+                <a:solidFill>
+                  <a:sysClr val="windowText" lastClr="000000"/>
+                </a:solidFill>
+                <a:cs typeface="Malgun Gothic"/>
+              </a:rPr>
+              <a:t>일 </a:t>
+            </a:r>
+            <a:r>
+              <a:rPr lang="en-US" altLang="ko-KR" sz="2000" kern="0" dirty="0">
+                <a:solidFill>
+                  <a:sysClr val="windowText" lastClr="000000"/>
+                </a:solidFill>
+                <a:cs typeface="Malgun Gothic"/>
+              </a:rPr>
+              <a:t>~ 2019</a:t>
+            </a:r>
+            <a:r>
+              <a:rPr lang="ko-KR" altLang="en-US" sz="2000" kern="0" dirty="0">
+                <a:solidFill>
+                  <a:sysClr val="windowText" lastClr="000000"/>
+                </a:solidFill>
+                <a:cs typeface="Malgun Gothic"/>
+              </a:rPr>
+              <a:t>년 </a:t>
+            </a:r>
+            <a:r>
+              <a:rPr lang="en-US" altLang="ko-KR" sz="2000" kern="0" dirty="0">
+                <a:solidFill>
+                  <a:sysClr val="windowText" lastClr="000000"/>
+                </a:solidFill>
+                <a:cs typeface="Malgun Gothic"/>
+              </a:rPr>
+              <a:t>12</a:t>
+            </a:r>
+            <a:r>
+              <a:rPr lang="ko-KR" altLang="en-US" sz="2000" kern="0" dirty="0">
+                <a:solidFill>
+                  <a:sysClr val="windowText" lastClr="000000"/>
+                </a:solidFill>
+                <a:cs typeface="Malgun Gothic"/>
+              </a:rPr>
+              <a:t>월 </a:t>
+            </a:r>
+            <a:r>
+              <a:rPr lang="en-US" altLang="ko-KR" sz="2000" kern="0" dirty="0">
+                <a:solidFill>
+                  <a:sysClr val="windowText" lastClr="000000"/>
+                </a:solidFill>
+                <a:cs typeface="Malgun Gothic"/>
+              </a:rPr>
+              <a:t>31</a:t>
+            </a:r>
+            <a:r>
+              <a:rPr lang="ko-KR" altLang="en-US" sz="2000" kern="0" dirty="0">
+                <a:solidFill>
+                  <a:sysClr val="windowText" lastClr="000000"/>
+                </a:solidFill>
+                <a:cs typeface="Malgun Gothic"/>
+              </a:rPr>
+              <a:t>일</a:t>
+            </a:r>
+            <a:r>
+              <a:rPr lang="en-US" altLang="ko-KR" sz="2000" kern="0" dirty="0">
+                <a:solidFill>
+                  <a:sysClr val="windowText" lastClr="000000"/>
+                </a:solidFill>
+                <a:cs typeface="Malgun Gothic"/>
+              </a:rPr>
+              <a:t>)</a:t>
+            </a:r>
+          </a:p>
+          <a:p>
+            <a:pPr marL="355600" indent="-342900" latinLnBrk="0">
+              <a:spcBef>
+                <a:spcPts val="915"/>
+              </a:spcBef>
+              <a:buFont typeface="Wingdings" panose="05000000000000000000" pitchFamily="2" charset="2"/>
+              <a:buChar char="§"/>
+            </a:pPr>
+            <a:r>
+              <a:rPr lang="ko-KR" altLang="en-US" sz="2000" kern="0" dirty="0">
+                <a:solidFill>
+                  <a:sysClr val="windowText" lastClr="000000"/>
+                </a:solidFill>
+                <a:cs typeface="Malgun Gothic"/>
+              </a:rPr>
+              <a:t>입력 변수 </a:t>
+            </a:r>
+            <a:r>
+              <a:rPr lang="en-US" altLang="ko-KR" sz="2000" kern="0" dirty="0">
+                <a:solidFill>
+                  <a:sysClr val="windowText" lastClr="000000"/>
+                </a:solidFill>
+                <a:cs typeface="Malgun Gothic"/>
+              </a:rPr>
+              <a:t>: 7</a:t>
+            </a:r>
+            <a:r>
+              <a:rPr lang="ko-KR" altLang="en-US" sz="2000" kern="0" dirty="0">
+                <a:solidFill>
+                  <a:sysClr val="windowText" lastClr="000000"/>
+                </a:solidFill>
+                <a:cs typeface="Malgun Gothic"/>
+              </a:rPr>
+              <a:t>개</a:t>
+            </a:r>
+            <a:endParaRPr lang="en-US" altLang="ko-KR" sz="2000" kern="0" dirty="0">
+              <a:solidFill>
+                <a:sysClr val="windowText" lastClr="000000"/>
+              </a:solidFill>
+              <a:cs typeface="Malgun Gothic"/>
+            </a:endParaRPr>
+          </a:p>
+          <a:p>
+            <a:pPr marL="812800" lvl="1" indent="-342900" latinLnBrk="0">
+              <a:spcBef>
+                <a:spcPts val="915"/>
+              </a:spcBef>
+              <a:buFont typeface="Wingdings" panose="05000000000000000000" pitchFamily="2" charset="2"/>
+              <a:buChar char="§"/>
+            </a:pPr>
+            <a:r>
+              <a:rPr lang="ko-KR" altLang="en-US" sz="2000" kern="0" dirty="0">
+                <a:solidFill>
+                  <a:sysClr val="windowText" lastClr="000000"/>
+                </a:solidFill>
+                <a:cs typeface="Malgun Gothic"/>
+              </a:rPr>
+              <a:t>날짜 </a:t>
+            </a:r>
+            <a:r>
+              <a:rPr lang="en-US" altLang="ko-KR" sz="2000" kern="0" dirty="0">
+                <a:solidFill>
+                  <a:sysClr val="windowText" lastClr="000000"/>
+                </a:solidFill>
+                <a:cs typeface="Malgun Gothic"/>
+              </a:rPr>
+              <a:t>(</a:t>
+            </a:r>
+            <a:r>
+              <a:rPr lang="ko-KR" altLang="en-US" sz="2000" kern="0" dirty="0">
+                <a:solidFill>
+                  <a:sysClr val="windowText" lastClr="000000"/>
+                </a:solidFill>
+                <a:cs typeface="Malgun Gothic"/>
+              </a:rPr>
+              <a:t>월</a:t>
+            </a:r>
+            <a:r>
+              <a:rPr lang="en-US" altLang="ko-KR" sz="2000" kern="0" dirty="0">
+                <a:solidFill>
+                  <a:sysClr val="windowText" lastClr="000000"/>
+                </a:solidFill>
+                <a:cs typeface="Malgun Gothic"/>
+              </a:rPr>
+              <a:t>, </a:t>
+            </a:r>
+            <a:r>
+              <a:rPr lang="ko-KR" altLang="en-US" sz="2000" kern="0" dirty="0">
+                <a:solidFill>
+                  <a:sysClr val="windowText" lastClr="000000"/>
+                </a:solidFill>
+                <a:cs typeface="Malgun Gothic"/>
+              </a:rPr>
+              <a:t>일</a:t>
+            </a:r>
+            <a:r>
+              <a:rPr lang="en-US" altLang="ko-KR" sz="2000" kern="0" dirty="0">
+                <a:solidFill>
+                  <a:sysClr val="windowText" lastClr="000000"/>
+                </a:solidFill>
+                <a:cs typeface="Malgun Gothic"/>
+              </a:rPr>
+              <a:t>, </a:t>
+            </a:r>
+            <a:r>
+              <a:rPr lang="ko-KR" altLang="en-US" sz="2000" kern="0" dirty="0">
+                <a:solidFill>
+                  <a:sysClr val="windowText" lastClr="000000"/>
+                </a:solidFill>
+                <a:cs typeface="Malgun Gothic"/>
+              </a:rPr>
+              <a:t>시간</a:t>
+            </a:r>
+            <a:r>
+              <a:rPr lang="en-US" altLang="ko-KR" sz="2000" kern="0" dirty="0">
+                <a:solidFill>
+                  <a:sysClr val="windowText" lastClr="000000"/>
+                </a:solidFill>
+                <a:cs typeface="Malgun Gothic"/>
+              </a:rPr>
+              <a:t>)  </a:t>
+            </a:r>
+          </a:p>
+          <a:p>
+            <a:pPr marL="812800" lvl="1" indent="-342900" latinLnBrk="0">
+              <a:spcBef>
+                <a:spcPts val="915"/>
+              </a:spcBef>
+              <a:buFont typeface="Wingdings" panose="05000000000000000000" pitchFamily="2" charset="2"/>
+              <a:buChar char="§"/>
+            </a:pPr>
+            <a:r>
+              <a:rPr lang="ko-KR" altLang="en-US" sz="2000" kern="0" dirty="0">
+                <a:solidFill>
+                  <a:sysClr val="windowText" lastClr="000000"/>
+                </a:solidFill>
+                <a:cs typeface="Malgun Gothic"/>
+              </a:rPr>
+              <a:t>기온</a:t>
+            </a:r>
+            <a:endParaRPr lang="en-US" altLang="ko-KR" sz="2000" kern="0" dirty="0">
+              <a:solidFill>
+                <a:sysClr val="windowText" lastClr="000000"/>
+              </a:solidFill>
+              <a:cs typeface="Malgun Gothic"/>
+            </a:endParaRPr>
+          </a:p>
+          <a:p>
+            <a:pPr marL="812800" lvl="1" indent="-342900" latinLnBrk="0">
+              <a:spcBef>
+                <a:spcPts val="915"/>
+              </a:spcBef>
+              <a:buFont typeface="Wingdings" panose="05000000000000000000" pitchFamily="2" charset="2"/>
+              <a:buChar char="§"/>
+            </a:pPr>
+            <a:r>
+              <a:rPr lang="ko-KR" altLang="en-US" sz="2000" kern="0" dirty="0">
+                <a:solidFill>
+                  <a:sysClr val="windowText" lastClr="000000"/>
+                </a:solidFill>
+                <a:cs typeface="Malgun Gothic"/>
+              </a:rPr>
+              <a:t>습도</a:t>
+            </a:r>
+            <a:endParaRPr lang="en-US" altLang="ko-KR" sz="2000" kern="0" dirty="0">
+              <a:solidFill>
+                <a:sysClr val="windowText" lastClr="000000"/>
+              </a:solidFill>
+              <a:cs typeface="Malgun Gothic"/>
+            </a:endParaRPr>
+          </a:p>
+          <a:p>
+            <a:pPr marL="812800" lvl="1" indent="-342900" latinLnBrk="0">
+              <a:spcBef>
+                <a:spcPts val="915"/>
+              </a:spcBef>
+              <a:buFont typeface="Wingdings" panose="05000000000000000000" pitchFamily="2" charset="2"/>
+              <a:buChar char="§"/>
+            </a:pPr>
+            <a:r>
+              <a:rPr lang="ko-KR" altLang="en-US" sz="2000" kern="0" dirty="0">
+                <a:solidFill>
+                  <a:sysClr val="windowText" lastClr="000000"/>
+                </a:solidFill>
+                <a:cs typeface="Malgun Gothic"/>
+              </a:rPr>
+              <a:t>풍속</a:t>
+            </a:r>
+            <a:endParaRPr lang="en-US" altLang="ko-KR" sz="2000" kern="0" dirty="0">
+              <a:solidFill>
+                <a:sysClr val="windowText" lastClr="000000"/>
+              </a:solidFill>
+              <a:cs typeface="Malgun Gothic"/>
+            </a:endParaRPr>
+          </a:p>
+          <a:p>
+            <a:pPr marL="812800" lvl="1" indent="-342900" latinLnBrk="0">
+              <a:spcBef>
+                <a:spcPts val="915"/>
+              </a:spcBef>
+              <a:buFont typeface="Wingdings" panose="05000000000000000000" pitchFamily="2" charset="2"/>
+              <a:buChar char="§"/>
+            </a:pPr>
+            <a:r>
+              <a:rPr lang="ko-KR" altLang="en-US" sz="2000" kern="0" dirty="0">
+                <a:solidFill>
+                  <a:sysClr val="windowText" lastClr="000000"/>
+                </a:solidFill>
+                <a:cs typeface="Malgun Gothic"/>
+              </a:rPr>
+              <a:t>풍향</a:t>
+            </a:r>
+            <a:endParaRPr lang="en-US" altLang="ko-KR" sz="2000" kern="0" dirty="0">
+              <a:solidFill>
+                <a:sysClr val="windowText" lastClr="000000"/>
+              </a:solidFill>
+              <a:cs typeface="Malgun Gothic"/>
+            </a:endParaRPr>
+          </a:p>
+        </p:txBody>
+      </p:sp>
     </p:spTree>
     <p:extLst>
       <p:ext uri="{BB962C8B-B14F-4D97-AF65-F5344CB8AC3E}">
@@ -14407,195 +14551,6 @@
               <a:effectLst/>
               <a:uLnTx/>
               <a:uFillTx/>
-            </a:endParaRPr>
-          </a:p>
-        </p:txBody>
-      </p:sp>
-      <p:sp>
-        <p:nvSpPr>
-          <p:cNvPr id="8" name="직사각형 7"/>
-          <p:cNvSpPr/>
-          <p:nvPr/>
-        </p:nvSpPr>
-        <p:spPr>
-          <a:xfrm>
-            <a:off x="492575" y="1769352"/>
-            <a:ext cx="11291475" cy="1102866"/>
-          </a:xfrm>
-          <a:prstGeom prst="rect">
-            <a:avLst/>
-          </a:prstGeom>
-        </p:spPr>
-        <p:txBody>
-          <a:bodyPr wrap="square">
-            <a:spAutoFit/>
-          </a:bodyPr>
-          <a:lstStyle/>
-          <a:p>
-            <a:pPr marL="298450" indent="-285750" latinLnBrk="0">
-              <a:spcBef>
-                <a:spcPts val="695"/>
-              </a:spcBef>
-              <a:buFont typeface="Wingdings" panose="05000000000000000000" pitchFamily="2" charset="2"/>
-              <a:buChar char="§"/>
-              <a:tabLst>
-                <a:tab pos="240665" algn="l"/>
-              </a:tabLst>
-            </a:pPr>
-            <a:r>
-              <a:rPr lang="en-US" altLang="ko-KR" kern="0" spc="-50" dirty="0">
-                <a:solidFill>
-                  <a:sysClr val="windowText" lastClr="000000"/>
-                </a:solidFill>
-                <a:latin typeface="Calibri"/>
-                <a:cs typeface="Calibri"/>
-              </a:rPr>
-              <a:t>(</a:t>
-            </a:r>
-            <a:r>
-              <a:rPr lang="ko-KR" altLang="en-US" kern="0" spc="-50" dirty="0">
-                <a:solidFill>
-                  <a:sysClr val="windowText" lastClr="000000"/>
-                </a:solidFill>
-                <a:latin typeface="Calibri"/>
-                <a:cs typeface="Calibri"/>
-              </a:rPr>
-              <a:t>가정</a:t>
-            </a:r>
-            <a:r>
-              <a:rPr lang="en-US" altLang="ko-KR" kern="0" spc="-50" dirty="0">
-                <a:solidFill>
-                  <a:sysClr val="windowText" lastClr="000000"/>
-                </a:solidFill>
-                <a:latin typeface="Calibri"/>
-                <a:cs typeface="Calibri"/>
-              </a:rPr>
-              <a:t>) </a:t>
-            </a:r>
-            <a:r>
-              <a:rPr lang="ko-KR" altLang="en-US" dirty="0"/>
-              <a:t>태양광 발전 시스템이 하루만 운영되었으며</a:t>
-            </a:r>
-            <a:r>
-              <a:rPr lang="en-US" altLang="ko-KR" dirty="0"/>
-              <a:t>, </a:t>
-            </a:r>
-            <a:r>
-              <a:rPr lang="ko-KR" altLang="en-US" dirty="0"/>
-              <a:t>일사량 데이터도 하루치만 수집되었음</a:t>
-            </a:r>
-            <a:endParaRPr lang="en-US" altLang="ko-KR" kern="0" spc="-50" dirty="0">
-              <a:solidFill>
-                <a:sysClr val="windowText" lastClr="000000"/>
-              </a:solidFill>
-              <a:latin typeface="Calibri"/>
-              <a:cs typeface="Calibri"/>
-            </a:endParaRPr>
-          </a:p>
-          <a:p>
-            <a:pPr marL="298450" indent="-285750" latinLnBrk="0">
-              <a:spcBef>
-                <a:spcPts val="695"/>
-              </a:spcBef>
-              <a:buFont typeface="Wingdings" panose="05000000000000000000" pitchFamily="2" charset="2"/>
-              <a:buChar char="§"/>
-              <a:tabLst>
-                <a:tab pos="240665" algn="l"/>
-              </a:tabLst>
-            </a:pPr>
-            <a:r>
-              <a:rPr lang="ko-KR" altLang="en-US" kern="0" spc="-50" dirty="0">
-                <a:solidFill>
-                  <a:sysClr val="windowText" lastClr="000000"/>
-                </a:solidFill>
-                <a:latin typeface="Calibri"/>
-                <a:cs typeface="Calibri"/>
-              </a:rPr>
-              <a:t>다섯 군데 지역의 </a:t>
-            </a:r>
-            <a:r>
-              <a:rPr lang="en-US" altLang="ko-KR" kern="0" spc="-50" dirty="0">
-                <a:solidFill>
-                  <a:sysClr val="windowText" lastClr="000000"/>
-                </a:solidFill>
-                <a:latin typeface="Calibri"/>
-                <a:cs typeface="Calibri"/>
-              </a:rPr>
-              <a:t>4 </a:t>
-            </a:r>
-            <a:r>
-              <a:rPr lang="ko-KR" altLang="en-US" kern="0" spc="-50" dirty="0">
-                <a:solidFill>
-                  <a:sysClr val="windowText" lastClr="000000"/>
-                </a:solidFill>
-                <a:latin typeface="Calibri"/>
-                <a:cs typeface="Calibri"/>
-              </a:rPr>
-              <a:t>년치 데이터 셋 </a:t>
-            </a:r>
-            <a:r>
-              <a:rPr lang="en-US" altLang="ko-KR" kern="0" spc="-50" dirty="0">
-                <a:solidFill>
-                  <a:sysClr val="windowText" lastClr="000000"/>
-                </a:solidFill>
-                <a:latin typeface="Calibri"/>
-                <a:cs typeface="Calibri"/>
-              </a:rPr>
-              <a:t>+ </a:t>
-            </a:r>
-            <a:r>
-              <a:rPr lang="ko-KR" altLang="en-US" kern="0" spc="-50" dirty="0">
-                <a:solidFill>
-                  <a:sysClr val="windowText" lastClr="000000"/>
-                </a:solidFill>
-                <a:latin typeface="Calibri"/>
-                <a:cs typeface="Calibri"/>
-              </a:rPr>
-              <a:t>예측 대상 지역의 </a:t>
-            </a:r>
-            <a:r>
-              <a:rPr lang="en-US" altLang="ko-KR" kern="0" spc="-50" dirty="0">
-                <a:solidFill>
-                  <a:sysClr val="windowText" lastClr="000000"/>
-                </a:solidFill>
-                <a:latin typeface="Calibri"/>
-                <a:cs typeface="Calibri"/>
-              </a:rPr>
-              <a:t>1</a:t>
-            </a:r>
-            <a:r>
-              <a:rPr lang="ko-KR" altLang="en-US" kern="0" spc="-50" dirty="0">
-                <a:solidFill>
-                  <a:sysClr val="windowText" lastClr="000000"/>
-                </a:solidFill>
-                <a:latin typeface="Calibri"/>
-                <a:cs typeface="Calibri"/>
-              </a:rPr>
-              <a:t> 년치 데이터 셋을 결합해 학습 데이터 셋을 구성</a:t>
-            </a:r>
-            <a:endParaRPr lang="en-US" altLang="ko-KR" kern="0" spc="-50" dirty="0">
-              <a:solidFill>
-                <a:sysClr val="windowText" lastClr="000000"/>
-              </a:solidFill>
-              <a:latin typeface="Calibri"/>
-              <a:cs typeface="Calibri"/>
-            </a:endParaRPr>
-          </a:p>
-          <a:p>
-            <a:pPr marL="12700" latinLnBrk="0">
-              <a:spcBef>
-                <a:spcPts val="695"/>
-              </a:spcBef>
-              <a:tabLst>
-                <a:tab pos="240665" algn="l"/>
-              </a:tabLst>
-            </a:pPr>
-            <a:endParaRPr lang="en-US" altLang="ko-KR" kern="0" spc="-50" dirty="0">
-              <a:solidFill>
-                <a:sysClr val="windowText" lastClr="000000"/>
-              </a:solidFill>
-              <a:latin typeface="Calibri"/>
-              <a:cs typeface="Calibri"/>
             </a:endParaRPr>
           </a:p>
         </p:txBody>
@@ -14943,6 +14898,184 @@
           </p:spPr>
         </p:pic>
       </p:grpSp>
+      <p:sp>
+        <p:nvSpPr>
+          <p:cNvPr id="18" name="직사각형 17">
+            <a:extLst>
+              <a:ext uri="{FF2B5EF4-FFF2-40B4-BE49-F238E27FC236}">
+                <a16:creationId xmlns:a16="http://schemas.microsoft.com/office/drawing/2014/main" id="{C1719A49-03EC-4805-A079-BB7E70F8C6E2}"/>
+              </a:ext>
+            </a:extLst>
+          </p:cNvPr>
+          <p:cNvSpPr/>
+          <p:nvPr/>
+        </p:nvSpPr>
+        <p:spPr>
+          <a:xfrm>
+            <a:off x="492575" y="1769352"/>
+            <a:ext cx="11291475" cy="736099"/>
+          </a:xfrm>
+          <a:prstGeom prst="rect">
+            <a:avLst/>
+          </a:prstGeom>
+        </p:spPr>
+        <p:txBody>
+          <a:bodyPr wrap="square">
+            <a:spAutoFit/>
+          </a:bodyPr>
+          <a:lstStyle/>
+          <a:p>
+            <a:pPr marL="298450" indent="-285750" latinLnBrk="0">
+              <a:spcBef>
+                <a:spcPts val="695"/>
+              </a:spcBef>
+              <a:buFont typeface="Wingdings" panose="05000000000000000000" pitchFamily="2" charset="2"/>
+              <a:buChar char="§"/>
+              <a:tabLst>
+                <a:tab pos="240665" algn="l"/>
+              </a:tabLst>
+            </a:pPr>
+            <a:r>
+              <a:rPr lang="en-US" altLang="ko-KR" kern="0" spc="-50" dirty="0">
+                <a:solidFill>
+                  <a:sysClr val="windowText" lastClr="000000"/>
+                </a:solidFill>
+                <a:latin typeface="Calibri"/>
+                <a:cs typeface="Calibri"/>
+              </a:rPr>
+              <a:t>(</a:t>
+            </a:r>
+            <a:r>
+              <a:rPr lang="ko-KR" altLang="en-US" kern="0" spc="-50" dirty="0">
+                <a:solidFill>
+                  <a:sysClr val="windowText" lastClr="000000"/>
+                </a:solidFill>
+                <a:latin typeface="Calibri"/>
+                <a:cs typeface="Calibri"/>
+              </a:rPr>
+              <a:t>가정</a:t>
+            </a:r>
+            <a:r>
+              <a:rPr lang="en-US" altLang="ko-KR" kern="0" spc="-50" dirty="0">
+                <a:solidFill>
+                  <a:sysClr val="windowText" lastClr="000000"/>
+                </a:solidFill>
+                <a:latin typeface="Calibri"/>
+                <a:cs typeface="Calibri"/>
+              </a:rPr>
+              <a:t>) </a:t>
+            </a:r>
+            <a:r>
+              <a:rPr lang="ko-KR" altLang="en-US" dirty="0"/>
+              <a:t>태양광 발전 시스템이 하루만 운영되었으며</a:t>
+            </a:r>
+            <a:r>
+              <a:rPr lang="en-US" altLang="ko-KR" dirty="0"/>
+              <a:t>, </a:t>
+            </a:r>
+            <a:r>
+              <a:rPr lang="ko-KR" altLang="en-US" dirty="0"/>
+              <a:t>일사량 데이터도 하루치만 수집되었음</a:t>
+            </a:r>
+            <a:endParaRPr lang="en-US" altLang="ko-KR" kern="0" spc="-50" dirty="0">
+              <a:solidFill>
+                <a:sysClr val="windowText" lastClr="000000"/>
+              </a:solidFill>
+              <a:latin typeface="Calibri"/>
+              <a:cs typeface="Calibri"/>
+            </a:endParaRPr>
+          </a:p>
+          <a:p>
+            <a:pPr marL="298450" indent="-285750" latinLnBrk="0">
+              <a:spcBef>
+                <a:spcPts val="695"/>
+              </a:spcBef>
+              <a:buFont typeface="Wingdings" panose="05000000000000000000" pitchFamily="2" charset="2"/>
+              <a:buChar char="§"/>
+              <a:tabLst>
+                <a:tab pos="240665" algn="l"/>
+              </a:tabLst>
+            </a:pPr>
+            <a:r>
+              <a:rPr lang="ko-KR" altLang="en-US" kern="0" spc="-50" dirty="0">
+                <a:solidFill>
+                  <a:sysClr val="windowText" lastClr="000000"/>
+                </a:solidFill>
+                <a:latin typeface="Calibri"/>
+                <a:cs typeface="Calibri"/>
+              </a:rPr>
+              <a:t>다섯 군데 지역의 </a:t>
+            </a:r>
+            <a:r>
+              <a:rPr lang="en-US" altLang="ko-KR" kern="0" spc="-50" dirty="0">
+                <a:solidFill>
+                  <a:sysClr val="windowText" lastClr="000000"/>
+                </a:solidFill>
+                <a:latin typeface="Calibri"/>
+                <a:cs typeface="Calibri"/>
+              </a:rPr>
+              <a:t>4 </a:t>
+            </a:r>
+            <a:r>
+              <a:rPr lang="ko-KR" altLang="en-US" kern="0" spc="-50" dirty="0">
+                <a:solidFill>
+                  <a:sysClr val="windowText" lastClr="000000"/>
+                </a:solidFill>
+                <a:latin typeface="Calibri"/>
+                <a:cs typeface="Calibri"/>
+              </a:rPr>
+              <a:t>년치 데이터 셋 </a:t>
+            </a:r>
+            <a:r>
+              <a:rPr lang="en-US" altLang="ko-KR" kern="0" spc="-50" dirty="0">
+                <a:solidFill>
+                  <a:sysClr val="windowText" lastClr="000000"/>
+                </a:solidFill>
+                <a:latin typeface="Calibri"/>
+                <a:cs typeface="Calibri"/>
+              </a:rPr>
+              <a:t>+ </a:t>
+            </a:r>
+            <a:r>
+              <a:rPr lang="ko-KR" altLang="en-US" kern="0" spc="-50" dirty="0">
+                <a:solidFill>
+                  <a:sysClr val="windowText" lastClr="000000"/>
+                </a:solidFill>
+                <a:latin typeface="Calibri"/>
+                <a:cs typeface="Calibri"/>
+              </a:rPr>
+              <a:t>예측 대상 지역의 </a:t>
+            </a:r>
+            <a:r>
+              <a:rPr lang="en-US" altLang="ko-KR" kern="0" spc="-50" dirty="0">
+                <a:solidFill>
+                  <a:sysClr val="windowText" lastClr="000000"/>
+                </a:solidFill>
+                <a:latin typeface="Calibri"/>
+                <a:cs typeface="Calibri"/>
+              </a:rPr>
+              <a:t>1</a:t>
+            </a:r>
+            <a:r>
+              <a:rPr lang="ko-KR" altLang="en-US" kern="0" spc="-50" dirty="0">
+                <a:solidFill>
+                  <a:sysClr val="windowText" lastClr="000000"/>
+                </a:solidFill>
+                <a:latin typeface="Calibri"/>
+                <a:cs typeface="Calibri"/>
+              </a:rPr>
+              <a:t> 년치 데이터 셋을 결합해 학습 데이터 셋을 구성</a:t>
+            </a:r>
+            <a:endParaRPr lang="en-US" altLang="ko-KR" kern="0" spc="-50" dirty="0">
+              <a:solidFill>
+                <a:sysClr val="windowText" lastClr="000000"/>
+              </a:solidFill>
+              <a:latin typeface="Calibri"/>
+              <a:cs typeface="Calibri"/>
+            </a:endParaRPr>
+          </a:p>
+        </p:txBody>
+      </p:sp>
     </p:spTree>
     <p:extLst>
       <p:ext uri="{BB962C8B-B14F-4D97-AF65-F5344CB8AC3E}">

--- a/KICS_PT/[KICS] 모델 poster.pptx
+++ b/KICS_PT/[KICS] 모델 poster.pptx
@@ -5390,35 +5390,6 @@
           </p:spPr>
         </p:pic>
       </p:grpSp>
-      <p:pic>
-        <p:nvPicPr>
-          <p:cNvPr id="13" name="그림 12">
-            <a:extLst>
-              <a:ext uri="{FF2B5EF4-FFF2-40B4-BE49-F238E27FC236}">
-                <a16:creationId xmlns:a16="http://schemas.microsoft.com/office/drawing/2014/main" id="{E435B2D4-3A9E-426B-BBAC-17A5EA8A097F}"/>
-              </a:ext>
-            </a:extLst>
-          </p:cNvPr>
-          <p:cNvPicPr>
-            <a:picLocks noChangeAspect="1"/>
-          </p:cNvPicPr>
-          <p:nvPr/>
-        </p:nvPicPr>
-        <p:blipFill rotWithShape="1">
-          <a:blip r:embed="rId4"/>
-          <a:srcRect b="12612"/>
-          <a:stretch/>
-        </p:blipFill>
-        <p:spPr>
-          <a:xfrm>
-            <a:off x="3105047" y="2608710"/>
-            <a:ext cx="6066529" cy="3504346"/>
-          </a:xfrm>
-          <a:prstGeom prst="rect">
-            <a:avLst/>
-          </a:prstGeom>
-        </p:spPr>
-      </p:pic>
       <p:sp>
         <p:nvSpPr>
           <p:cNvPr id="14" name="직사각형 13">
@@ -5464,6 +5435,92 @@
           </a:p>
         </p:txBody>
       </p:sp>
+      <p:grpSp>
+        <p:nvGrpSpPr>
+          <p:cNvPr id="2" name="그룹 1">
+            <a:extLst>
+              <a:ext uri="{FF2B5EF4-FFF2-40B4-BE49-F238E27FC236}">
+                <a16:creationId xmlns:a16="http://schemas.microsoft.com/office/drawing/2014/main" id="{8A8FC27C-9E46-41FC-AE9F-AE636CB10B93}"/>
+              </a:ext>
+            </a:extLst>
+          </p:cNvPr>
+          <p:cNvGrpSpPr/>
+          <p:nvPr/>
+        </p:nvGrpSpPr>
+        <p:grpSpPr>
+          <a:xfrm>
+            <a:off x="3105047" y="2608710"/>
+            <a:ext cx="6066529" cy="3722004"/>
+            <a:chOff x="3105047" y="2608710"/>
+            <a:chExt cx="6066529" cy="3722004"/>
+          </a:xfrm>
+        </p:grpSpPr>
+        <p:pic>
+          <p:nvPicPr>
+            <p:cNvPr id="13" name="그림 12">
+              <a:extLst>
+                <a:ext uri="{FF2B5EF4-FFF2-40B4-BE49-F238E27FC236}">
+                  <a16:creationId xmlns:a16="http://schemas.microsoft.com/office/drawing/2014/main" id="{E435B2D4-3A9E-426B-BBAC-17A5EA8A097F}"/>
+                </a:ext>
+              </a:extLst>
+            </p:cNvPr>
+            <p:cNvPicPr>
+              <a:picLocks noChangeAspect="1"/>
+            </p:cNvPicPr>
+            <p:nvPr/>
+          </p:nvPicPr>
+          <p:blipFill rotWithShape="1">
+            <a:blip r:embed="rId4"/>
+            <a:srcRect b="12612"/>
+            <a:stretch/>
+          </p:blipFill>
+          <p:spPr>
+            <a:xfrm>
+              <a:off x="3105047" y="2608710"/>
+              <a:ext cx="6066529" cy="3504346"/>
+            </a:xfrm>
+            <a:prstGeom prst="rect">
+              <a:avLst/>
+            </a:prstGeom>
+          </p:spPr>
+        </p:pic>
+        <p:sp>
+          <p:nvSpPr>
+            <p:cNvPr id="17" name="TextBox 16">
+              <a:extLst>
+                <a:ext uri="{FF2B5EF4-FFF2-40B4-BE49-F238E27FC236}">
+                  <a16:creationId xmlns:a16="http://schemas.microsoft.com/office/drawing/2014/main" id="{8A5AAD85-AEA9-49BA-A267-3B0F01689AC3}"/>
+                </a:ext>
+              </a:extLst>
+            </p:cNvPr>
+            <p:cNvSpPr txBox="1"/>
+            <p:nvPr/>
+          </p:nvSpPr>
+          <p:spPr>
+            <a:xfrm>
+              <a:off x="5029525" y="6022937"/>
+              <a:ext cx="2285676" cy="307777"/>
+            </a:xfrm>
+            <a:prstGeom prst="rect">
+              <a:avLst/>
+            </a:prstGeom>
+            <a:noFill/>
+          </p:spPr>
+          <p:txBody>
+            <a:bodyPr wrap="square" rtlCol="0">
+              <a:spAutoFit/>
+            </a:bodyPr>
+            <a:lstStyle/>
+            <a:p>
+              <a:r>
+                <a:rPr lang="en-US" altLang="ko-KR" sz="1400" b="1" dirty="0"/>
+                <a:t>Figure1. Sliding Window </a:t>
+              </a:r>
+              <a:endParaRPr lang="ko-KR" altLang="en-US" sz="1400" b="1" dirty="0"/>
+            </a:p>
+          </p:txBody>
+        </p:sp>
+      </p:grpSp>
     </p:spTree>
     <p:extLst>
       <p:ext uri="{BB962C8B-B14F-4D97-AF65-F5344CB8AC3E}">
@@ -5749,121 +5806,6 @@
       </p:sp>
       <p:grpSp>
         <p:nvGrpSpPr>
-          <p:cNvPr id="5" name="그룹 4">
-            <a:extLst>
-              <a:ext uri="{FF2B5EF4-FFF2-40B4-BE49-F238E27FC236}">
-                <a16:creationId xmlns:a16="http://schemas.microsoft.com/office/drawing/2014/main" id="{F42C4D40-10CE-47F5-B8D5-759B277E3082}"/>
-              </a:ext>
-            </a:extLst>
-          </p:cNvPr>
-          <p:cNvGrpSpPr/>
-          <p:nvPr/>
-        </p:nvGrpSpPr>
-        <p:grpSpPr>
-          <a:xfrm>
-            <a:off x="879512" y="3381130"/>
-            <a:ext cx="10432975" cy="2622566"/>
-            <a:chOff x="956052" y="3252674"/>
-            <a:chExt cx="10432975" cy="2622566"/>
-          </a:xfrm>
-        </p:grpSpPr>
-        <p:pic>
-          <p:nvPicPr>
-            <p:cNvPr id="1026" name="Picture 2" descr="Random Forest Regression. Random Forest Regression is a… | by chaya | Level  Up Coding">
-              <a:extLst>
-                <a:ext uri="{FF2B5EF4-FFF2-40B4-BE49-F238E27FC236}">
-                  <a16:creationId xmlns:a16="http://schemas.microsoft.com/office/drawing/2014/main" id="{C4A2E2C3-031F-4D15-922E-75F2193B5AC6}"/>
-                </a:ext>
-              </a:extLst>
-            </p:cNvPr>
-            <p:cNvPicPr>
-              <a:picLocks noChangeAspect="1" noChangeArrowheads="1"/>
-            </p:cNvPicPr>
-            <p:nvPr/>
-          </p:nvPicPr>
-          <p:blipFill>
-            <a:blip r:embed="rId3">
-              <a:extLst>
-                <a:ext uri="{28A0092B-C50C-407E-A947-70E740481C1C}">
-                  <a14:useLocalDpi xmlns:a14="http://schemas.microsoft.com/office/drawing/2010/main" val="0"/>
-                </a:ext>
-              </a:extLst>
-            </a:blip>
-            <a:srcRect/>
-            <a:stretch>
-              <a:fillRect/>
-            </a:stretch>
-          </p:blipFill>
-          <p:spPr bwMode="auto">
-            <a:xfrm>
-              <a:off x="956052" y="3252674"/>
-              <a:ext cx="4529544" cy="2620265"/>
-            </a:xfrm>
-            <a:prstGeom prst="rect">
-              <a:avLst/>
-            </a:prstGeom>
-            <a:noFill/>
-            <a:extLst>
-              <a:ext uri="{909E8E84-426E-40DD-AFC4-6F175D3DCCD1}">
-                <a14:hiddenFill xmlns:a14="http://schemas.microsoft.com/office/drawing/2010/main">
-                  <a:solidFill>
-                    <a:srgbClr val="FFFFFF"/>
-                  </a:solidFill>
-                </a14:hiddenFill>
-              </a:ext>
-            </a:extLst>
-          </p:spPr>
-        </p:pic>
-        <p:pic>
-          <p:nvPicPr>
-            <p:cNvPr id="12" name="Picture 2" descr="Omphalos, Uber's Parallel and Language-Extensible Time Series Backtesting  Tool - 雷竞技电脑版,raybet雷电竞官网,雷电竞网页">
-              <a:extLst>
-                <a:ext uri="{FF2B5EF4-FFF2-40B4-BE49-F238E27FC236}">
-                  <a16:creationId xmlns:a16="http://schemas.microsoft.com/office/drawing/2014/main" id="{F9D413B2-0613-4B48-BFB8-27C8660BEF97}"/>
-                </a:ext>
-              </a:extLst>
-            </p:cNvPr>
-            <p:cNvPicPr>
-              <a:picLocks noChangeAspect="1" noChangeArrowheads="1"/>
-            </p:cNvPicPr>
-            <p:nvPr/>
-          </p:nvPicPr>
-          <p:blipFill>
-            <a:blip r:embed="rId4">
-              <a:extLst>
-                <a:ext uri="{28A0092B-C50C-407E-A947-70E740481C1C}">
-                  <a14:useLocalDpi xmlns:a14="http://schemas.microsoft.com/office/drawing/2010/main" val="0"/>
-                </a:ext>
-              </a:extLst>
-            </a:blip>
-            <a:srcRect/>
-            <a:stretch>
-              <a:fillRect/>
-            </a:stretch>
-          </p:blipFill>
-          <p:spPr bwMode="auto">
-            <a:xfrm>
-              <a:off x="6365209" y="3254975"/>
-              <a:ext cx="5023818" cy="2620265"/>
-            </a:xfrm>
-            <a:prstGeom prst="rect">
-              <a:avLst/>
-            </a:prstGeom>
-            <a:noFill/>
-            <a:extLst>
-              <a:ext uri="{909E8E84-426E-40DD-AFC4-6F175D3DCCD1}">
-                <a14:hiddenFill xmlns:a14="http://schemas.microsoft.com/office/drawing/2010/main">
-                  <a:solidFill>
-                    <a:srgbClr val="FFFFFF"/>
-                  </a:solidFill>
-                </a14:hiddenFill>
-              </a:ext>
-            </a:extLst>
-          </p:spPr>
-        </p:pic>
-      </p:grpSp>
-      <p:grpSp>
-        <p:nvGrpSpPr>
           <p:cNvPr id="13" name="그룹 12">
             <a:extLst>
               <a:ext uri="{FF2B5EF4-FFF2-40B4-BE49-F238E27FC236}">
@@ -5897,7 +5839,7 @@
             <p:nvPr/>
           </p:nvPicPr>
           <p:blipFill rotWithShape="1">
-            <a:blip r:embed="rId5">
+            <a:blip r:embed="rId3">
               <a:extLst>
                 <a:ext uri="{28A0092B-C50C-407E-A947-70E740481C1C}">
                   <a14:useLocalDpi xmlns:a14="http://schemas.microsoft.com/office/drawing/2010/main" val="0"/>
@@ -5932,7 +5874,7 @@
             <p:nvPr/>
           </p:nvPicPr>
           <p:blipFill>
-            <a:blip r:embed="rId6" cstate="hqprint">
+            <a:blip r:embed="rId4" cstate="hqprint">
               <a:extLst>
                 <a:ext uri="{28A0092B-C50C-407E-A947-70E740481C1C}">
                   <a14:useLocalDpi xmlns:a14="http://schemas.microsoft.com/office/drawing/2010/main" val="0"/>
@@ -6199,6 +6141,146 @@
               </a:rPr>
               <a:t>방식을 사용해 모델링 수행</a:t>
             </a:r>
+          </a:p>
+        </p:txBody>
+      </p:sp>
+      <p:grpSp>
+        <p:nvGrpSpPr>
+          <p:cNvPr id="4" name="그룹 3">
+            <a:extLst>
+              <a:ext uri="{FF2B5EF4-FFF2-40B4-BE49-F238E27FC236}">
+                <a16:creationId xmlns:a16="http://schemas.microsoft.com/office/drawing/2014/main" id="{FEE078E1-F60E-4A7E-A9A3-4B198D66C9F3}"/>
+              </a:ext>
+            </a:extLst>
+          </p:cNvPr>
+          <p:cNvGrpSpPr/>
+          <p:nvPr/>
+        </p:nvGrpSpPr>
+        <p:grpSpPr>
+          <a:xfrm>
+            <a:off x="3625100" y="2962374"/>
+            <a:ext cx="5026424" cy="3320101"/>
+            <a:chOff x="2948307" y="3220884"/>
+            <a:chExt cx="5026424" cy="3320101"/>
+          </a:xfrm>
+        </p:grpSpPr>
+        <p:pic>
+          <p:nvPicPr>
+            <p:cNvPr id="1026" name="Picture 2" descr="Random Forest Regression. Random Forest Regression is a… | by chaya | Level  Up Coding">
+              <a:extLst>
+                <a:ext uri="{FF2B5EF4-FFF2-40B4-BE49-F238E27FC236}">
+                  <a16:creationId xmlns:a16="http://schemas.microsoft.com/office/drawing/2014/main" id="{C4A2E2C3-031F-4D15-922E-75F2193B5AC6}"/>
+                </a:ext>
+              </a:extLst>
+            </p:cNvPr>
+            <p:cNvPicPr>
+              <a:picLocks noChangeAspect="1" noChangeArrowheads="1"/>
+            </p:cNvPicPr>
+            <p:nvPr/>
+          </p:nvPicPr>
+          <p:blipFill>
+            <a:blip r:embed="rId5">
+              <a:extLst>
+                <a:ext uri="{28A0092B-C50C-407E-A947-70E740481C1C}">
+                  <a14:useLocalDpi xmlns:a14="http://schemas.microsoft.com/office/drawing/2010/main" val="0"/>
+                </a:ext>
+              </a:extLst>
+            </a:blip>
+            <a:srcRect/>
+            <a:stretch>
+              <a:fillRect/>
+            </a:stretch>
+          </p:blipFill>
+          <p:spPr bwMode="auto">
+            <a:xfrm>
+              <a:off x="2948307" y="3220884"/>
+              <a:ext cx="5026424" cy="2907702"/>
+            </a:xfrm>
+            <a:prstGeom prst="rect">
+              <a:avLst/>
+            </a:prstGeom>
+            <a:noFill/>
+            <a:extLst>
+              <a:ext uri="{909E8E84-426E-40DD-AFC4-6F175D3DCCD1}">
+                <a14:hiddenFill xmlns:a14="http://schemas.microsoft.com/office/drawing/2010/main">
+                  <a:solidFill>
+                    <a:srgbClr val="FFFFFF"/>
+                  </a:solidFill>
+                </a14:hiddenFill>
+              </a:ext>
+            </a:extLst>
+          </p:spPr>
+        </p:pic>
+        <p:sp>
+          <p:nvSpPr>
+            <p:cNvPr id="3" name="TextBox 2">
+              <a:extLst>
+                <a:ext uri="{FF2B5EF4-FFF2-40B4-BE49-F238E27FC236}">
+                  <a16:creationId xmlns:a16="http://schemas.microsoft.com/office/drawing/2014/main" id="{CFC0A93C-CEAF-4167-9F41-DA1659C7FAF8}"/>
+                </a:ext>
+              </a:extLst>
+            </p:cNvPr>
+            <p:cNvSpPr txBox="1"/>
+            <p:nvPr/>
+          </p:nvSpPr>
+          <p:spPr>
+            <a:xfrm>
+              <a:off x="4310419" y="6233208"/>
+              <a:ext cx="2217575" cy="307777"/>
+            </a:xfrm>
+            <a:prstGeom prst="rect">
+              <a:avLst/>
+            </a:prstGeom>
+            <a:noFill/>
+          </p:spPr>
+          <p:txBody>
+            <a:bodyPr wrap="square" rtlCol="0">
+              <a:spAutoFit/>
+            </a:bodyPr>
+            <a:lstStyle/>
+            <a:p>
+              <a:r>
+                <a:rPr lang="en-US" altLang="ko-KR" sz="1400" b="1" dirty="0"/>
+                <a:t>Figure2. Random Forest </a:t>
+              </a:r>
+              <a:endParaRPr lang="ko-KR" altLang="en-US" sz="1400" b="1" dirty="0"/>
+            </a:p>
+          </p:txBody>
+        </p:sp>
+      </p:grpSp>
+      <p:sp>
+        <p:nvSpPr>
+          <p:cNvPr id="19" name="TextBox 18">
+            <a:extLst>
+              <a:ext uri="{FF2B5EF4-FFF2-40B4-BE49-F238E27FC236}">
+                <a16:creationId xmlns:a16="http://schemas.microsoft.com/office/drawing/2014/main" id="{1C6E87B7-8356-4133-BC49-9279914A2FFB}"/>
+              </a:ext>
+            </a:extLst>
+          </p:cNvPr>
+          <p:cNvSpPr txBox="1"/>
+          <p:nvPr/>
+        </p:nvSpPr>
+        <p:spPr>
+          <a:xfrm>
+            <a:off x="9564200" y="6022937"/>
+            <a:ext cx="2285676" cy="307777"/>
+          </a:xfrm>
+          <a:prstGeom prst="rect">
+            <a:avLst/>
+          </a:prstGeom>
+          <a:noFill/>
+        </p:spPr>
+        <p:txBody>
+          <a:bodyPr wrap="square" rtlCol="0">
+            <a:spAutoFit/>
+          </a:bodyPr>
+          <a:lstStyle/>
+          <a:p>
+            <a:r>
+              <a:rPr lang="en-US" altLang="ko-KR" sz="1400" b="1" dirty="0"/>
+              <a:t>Figure1. Sliding Window </a:t>
+            </a:r>
+            <a:endParaRPr lang="ko-KR" altLang="en-US" sz="1400" b="1" dirty="0"/>
           </a:p>
         </p:txBody>
       </p:sp>
@@ -7310,13 +7392,13 @@
           <p:nvPr>
             <p:extLst>
               <p:ext uri="{D42A27DB-BD31-4B8C-83A1-F6EECF244321}">
-                <p14:modId xmlns:p14="http://schemas.microsoft.com/office/powerpoint/2010/main" val="4232183508"/>
+                <p14:modId xmlns:p14="http://schemas.microsoft.com/office/powerpoint/2010/main" val="4043525887"/>
               </p:ext>
             </p:extLst>
           </p:nvPr>
         </p:nvGraphicFramePr>
         <p:xfrm>
-          <a:off x="2258556" y="4302353"/>
+          <a:off x="2258556" y="4275704"/>
           <a:ext cx="7775928" cy="1913969"/>
         </p:xfrm>
         <a:graphic>
@@ -7393,7 +7475,9 @@
                       <a:tailEnd type="none" w="med" len="med"/>
                     </a:lnT>
                     <a:lnB w="12700" cap="flat" cmpd="sng" algn="ctr">
-                      <a:noFill/>
+                      <a:solidFill>
+                        <a:schemeClr val="tx1"/>
+                      </a:solidFill>
                       <a:prstDash val="solid"/>
                       <a:round/>
                       <a:headEnd type="none" w="med" len="med"/>
@@ -7453,7 +7537,9 @@
                       <a:tailEnd type="none" w="med" len="med"/>
                     </a:lnT>
                     <a:lnB w="12700" cap="flat" cmpd="sng" algn="ctr">
-                      <a:noFill/>
+                      <a:solidFill>
+                        <a:schemeClr val="tx1"/>
+                      </a:solidFill>
                       <a:prstDash val="solid"/>
                       <a:round/>
                       <a:headEnd type="none" w="med" len="med"/>
@@ -7513,7 +7599,9 @@
                       <a:tailEnd type="none" w="med" len="med"/>
                     </a:lnT>
                     <a:lnB w="12700" cap="flat" cmpd="sng" algn="ctr">
-                      <a:noFill/>
+                      <a:solidFill>
+                        <a:schemeClr val="tx1"/>
+                      </a:solidFill>
                       <a:prstDash val="solid"/>
                       <a:round/>
                       <a:headEnd type="none" w="med" len="med"/>
@@ -7623,7 +7711,9 @@
                       <a:tailEnd type="none" w="med" len="med"/>
                     </a:lnR>
                     <a:lnT w="12700" cap="flat" cmpd="sng" algn="ctr">
-                      <a:noFill/>
+                      <a:solidFill>
+                        <a:schemeClr val="tx1"/>
+                      </a:solidFill>
                       <a:prstDash val="solid"/>
                       <a:round/>
                       <a:headEnd type="none" w="med" len="med"/>
@@ -7687,7 +7777,9 @@
                       <a:tailEnd type="none" w="med" len="med"/>
                     </a:lnR>
                     <a:lnT w="12700" cap="flat" cmpd="sng" algn="ctr">
-                      <a:noFill/>
+                      <a:solidFill>
+                        <a:schemeClr val="tx1"/>
+                      </a:solidFill>
                       <a:prstDash val="solid"/>
                       <a:round/>
                       <a:headEnd type="none" w="med" len="med"/>
@@ -7745,7 +7837,9 @@
                       <a:tailEnd type="none" w="med" len="med"/>
                     </a:lnR>
                     <a:lnT w="12700" cap="flat" cmpd="sng" algn="ctr">
-                      <a:noFill/>
+                      <a:solidFill>
+                        <a:schemeClr val="tx1"/>
+                      </a:solidFill>
                       <a:prstDash val="solid"/>
                       <a:round/>
                       <a:headEnd type="none" w="med" len="med"/>
@@ -10814,7 +10908,7 @@
         <p:spPr>
           <a:xfrm>
             <a:off x="508990" y="1263396"/>
-            <a:ext cx="11044835" cy="1879361"/>
+            <a:ext cx="12292610" cy="1994777"/>
           </a:xfrm>
           <a:prstGeom prst="rect">
             <a:avLst/>
@@ -10928,7 +11022,47 @@
                 </a:solidFill>
                 <a:cs typeface="Malgun Gothic"/>
               </a:rPr>
-              <a:t>일사량 예측 값은 제공하지 않음</a:t>
+              <a:t>일사량 예측 값은 </a:t>
+            </a:r>
+            <a:endParaRPr lang="en-US" altLang="ko-KR" kern="0" dirty="0">
+              <a:solidFill>
+                <a:sysClr val="windowText" lastClr="000000"/>
+              </a:solidFill>
+              <a:cs typeface="Malgun Gothic"/>
+            </a:endParaRPr>
+          </a:p>
+          <a:p>
+            <a:pPr marL="12700" latinLnBrk="0">
+              <a:spcBef>
+                <a:spcPts val="915"/>
+              </a:spcBef>
+            </a:pPr>
+            <a:r>
+              <a:rPr lang="en-US" altLang="ko-KR" kern="0" dirty="0">
+                <a:solidFill>
+                  <a:sysClr val="windowText" lastClr="000000"/>
+                </a:solidFill>
+                <a:cs typeface="Malgun Gothic"/>
+              </a:rPr>
+              <a:t>   </a:t>
+            </a:r>
+            <a:r>
+              <a:rPr lang="en-US" altLang="ko-KR" sz="1200" kern="0" dirty="0">
+                <a:solidFill>
+                  <a:sysClr val="windowText" lastClr="000000"/>
+                </a:solidFill>
+                <a:cs typeface="Malgun Gothic"/>
+              </a:rPr>
+              <a:t>    </a:t>
+            </a:r>
+            <a:r>
+              <a:rPr lang="ko-KR" altLang="en-US" kern="0" dirty="0">
+                <a:solidFill>
+                  <a:sysClr val="windowText" lastClr="000000"/>
+                </a:solidFill>
+                <a:cs typeface="Malgun Gothic"/>
+              </a:rPr>
+              <a:t>제공하지 않음</a:t>
             </a:r>
             <a:endParaRPr lang="en-US" altLang="ko-KR" kern="0" dirty="0">
               <a:solidFill>
@@ -10952,7 +11086,7 @@
                 </a:solidFill>
                 <a:cs typeface="Malgun Gothic"/>
               </a:rPr>
-              <a:t>따라서 기계학습을 기반으로 일사량 예측하는 연구가 활발하게 진행중</a:t>
+              <a:t>따라서 기계학습을 기반으로 일사량 예측하는 연구가 활발하게 진행 중</a:t>
             </a:r>
             <a:endParaRPr lang="en-US" altLang="ko-KR" kern="0" dirty="0">
               <a:solidFill>
@@ -11442,115 +11576,6 @@
           </p:spPr>
         </p:pic>
       </p:grpSp>
-      <p:sp>
-        <p:nvSpPr>
-          <p:cNvPr id="10" name="object 2">
-            <a:extLst>
-              <a:ext uri="{FF2B5EF4-FFF2-40B4-BE49-F238E27FC236}">
-                <a16:creationId xmlns:a16="http://schemas.microsoft.com/office/drawing/2014/main" id="{8CB99A9A-91C2-4C3A-9F5F-B2BD257A0303}"/>
-              </a:ext>
-            </a:extLst>
-          </p:cNvPr>
-          <p:cNvSpPr txBox="1">
-            <a:spLocks/>
-          </p:cNvSpPr>
-          <p:nvPr/>
-        </p:nvSpPr>
-        <p:spPr>
-          <a:xfrm>
-            <a:off x="492575" y="391668"/>
-            <a:ext cx="1793875" cy="513080"/>
-          </a:xfrm>
-          <a:prstGeom prst="rect">
-            <a:avLst/>
-          </a:prstGeom>
-        </p:spPr>
-        <p:txBody>
-          <a:bodyPr vert="horz" wrap="square" lIns="0" tIns="12700" rIns="0" bIns="0" rtlCol="0">
-            <a:spAutoFit/>
-          </a:bodyPr>
-          <a:lstStyle>
-            <a:lvl1pPr>
-              <a:defRPr sz="3600" b="1" i="0">
-                <a:solidFill>
-                  <a:schemeClr val="tx1"/>
-                </a:solidFill>
-                <a:latin typeface="Malgun Gothic"/>
-                <a:ea typeface="+mj-ea"/>
-                <a:cs typeface="Malgun Gothic"/>
-              </a:defRPr>
-            </a:lvl1pPr>
-          </a:lstStyle>
-          <a:p>
-            <a:pPr marL="12700" marR="0" lvl="0" indent="0" defTabSz="914400" eaLnBrk="1" fontAlgn="auto" latinLnBrk="0" hangingPunct="1">
-              <a:lnSpc>
-                <a:spcPct val="100000"/>
-              </a:lnSpc>
-              <a:spcBef>
-                <a:spcPts val="100"/>
-              </a:spcBef>
-              <a:spcAft>
-                <a:spcPts val="0"/>
-              </a:spcAft>
-              <a:buClrTx/>
-              <a:buSzTx/>
-              <a:buFontTx/>
-              <a:buNone/>
-              <a:tabLst>
-                <a:tab pos="967740" algn="l"/>
-              </a:tabLst>
-              <a:defRPr/>
-            </a:pPr>
-            <a:r>
-              <a:rPr kumimoji="0" lang="ko-KR" altLang="en-US" sz="3200" b="1" i="0" u="none" strike="noStrike" kern="0" cap="none" spc="-25" normalizeH="0" baseline="0" noProof="0" dirty="0">
-                <a:ln>
-                  <a:noFill/>
-                </a:ln>
-                <a:solidFill>
-                  <a:srgbClr val="001F60"/>
-                </a:solidFill>
-                <a:effectLst/>
-                <a:uLnTx/>
-                <a:uFillTx/>
-                <a:latin typeface="Malgun Gothic"/>
-                <a:ea typeface="맑은 고딕" panose="020B0503020000020004" pitchFamily="50" charset="-127"/>
-              </a:rPr>
-              <a:t>연구</a:t>
-            </a:r>
-            <a:r>
-              <a:rPr lang="ko-KR" altLang="en-US" sz="3200" kern="0" dirty="0">
-                <a:solidFill>
-                  <a:srgbClr val="001F60"/>
-                </a:solidFill>
-                <a:ea typeface="맑은 고딕" panose="020B0503020000020004" pitchFamily="50" charset="-127"/>
-              </a:rPr>
-              <a:t> </a:t>
-            </a:r>
-            <a:r>
-              <a:rPr lang="ko-KR" altLang="en-US" sz="3200" kern="0" spc="-25" dirty="0">
-                <a:solidFill>
-                  <a:srgbClr val="001F60"/>
-                </a:solidFill>
-                <a:ea typeface="맑은 고딕" panose="020B0503020000020004" pitchFamily="50" charset="-127"/>
-              </a:rPr>
-              <a:t>배경</a:t>
-            </a:r>
-            <a:endParaRPr kumimoji="0" lang="ko-KR" altLang="en-US" sz="3200" b="1" i="0" u="none" strike="noStrike" kern="0" cap="none" spc="0" normalizeH="0" baseline="0" noProof="0" dirty="0">
-              <a:ln>
-                <a:noFill/>
-              </a:ln>
-              <a:solidFill>
-                <a:sysClr val="windowText" lastClr="000000"/>
-              </a:solidFill>
-              <a:effectLst/>
-              <a:uLnTx/>
-              <a:uFillTx/>
-              <a:latin typeface="Malgun Gothic"/>
-              <a:ea typeface="맑은 고딕" panose="020B0503020000020004" pitchFamily="50" charset="-127"/>
-            </a:endParaRPr>
-          </a:p>
-        </p:txBody>
-      </p:sp>
       <p:graphicFrame>
         <p:nvGraphicFramePr>
           <p:cNvPr id="11" name="표 4">
@@ -11566,7 +11591,7 @@
           <p:nvPr>
             <p:extLst>
               <p:ext uri="{D42A27DB-BD31-4B8C-83A1-F6EECF244321}">
-                <p14:modId xmlns:p14="http://schemas.microsoft.com/office/powerpoint/2010/main" val="3356491054"/>
+                <p14:modId xmlns:p14="http://schemas.microsoft.com/office/powerpoint/2010/main" val="2390947104"/>
               </p:ext>
             </p:extLst>
           </p:nvPr>
@@ -11793,7 +11818,7 @@
                     <a:bodyPr/>
                     <a:lstStyle/>
                     <a:p>
-                      <a:pPr latinLnBrk="1"/>
+                      <a:pPr algn="ctr" latinLnBrk="1"/>
                       <a:r>
                         <a:rPr lang="en-US" altLang="ko-KR" sz="1200" dirty="0"/>
                         <a:t>I. Kim &amp; S. Lee(2019)</a:t>
@@ -11851,7 +11876,7 @@
                     <a:bodyPr/>
                     <a:lstStyle/>
                     <a:p>
-                      <a:pPr latinLnBrk="1"/>
+                      <a:pPr algn="ctr" latinLnBrk="1"/>
                       <a:r>
                         <a:rPr lang="en-US" altLang="ko-KR" sz="1200" dirty="0"/>
                         <a:t>A Study on the Design of Testable CAM using MTA code</a:t>
@@ -11911,7 +11936,7 @@
                     <a:bodyPr/>
                     <a:lstStyle/>
                     <a:p>
-                      <a:pPr latinLnBrk="1"/>
+                      <a:pPr algn="ctr" latinLnBrk="1"/>
                       <a:r>
                         <a:rPr lang="en-US" altLang="ko-KR" sz="1200" dirty="0"/>
                         <a:t>CNN</a:t>
@@ -11976,7 +12001,7 @@
                     <a:bodyPr/>
                     <a:lstStyle/>
                     <a:p>
-                      <a:pPr marL="0" marR="0" lvl="0" indent="0" algn="l" defTabSz="914400" rtl="0" eaLnBrk="1" fontAlgn="auto" latinLnBrk="1" hangingPunct="1">
+                      <a:pPr marL="0" marR="0" lvl="0" indent="0" algn="ctr" defTabSz="914400" rtl="0" eaLnBrk="1" fontAlgn="auto" latinLnBrk="1" hangingPunct="1">
                         <a:lnSpc>
                           <a:spcPct val="100000"/>
                         </a:lnSpc>
@@ -12050,7 +12075,7 @@
                     <a:bodyPr/>
                     <a:lstStyle/>
                     <a:p>
-                      <a:pPr latinLnBrk="1"/>
+                      <a:pPr algn="ctr" latinLnBrk="1"/>
                       <a:r>
                         <a:rPr lang="en-US" altLang="ko-KR" sz="1200" dirty="0"/>
                         <a:t>A Probabilistic Short-Term Solar Radiation Prediction Scheme Based on Attention Mechanism for Smart Island</a:t>
@@ -12110,7 +12135,7 @@
                     <a:bodyPr/>
                     <a:lstStyle/>
                     <a:p>
-                      <a:pPr marL="0" marR="0" lvl="0" indent="0" algn="l" defTabSz="914400" rtl="0" eaLnBrk="1" fontAlgn="auto" latinLnBrk="1" hangingPunct="1">
+                      <a:pPr marL="0" marR="0" lvl="0" indent="0" algn="ctr" defTabSz="914400" rtl="0" eaLnBrk="1" fontAlgn="auto" latinLnBrk="1" hangingPunct="1">
                         <a:lnSpc>
                           <a:spcPct val="100000"/>
                         </a:lnSpc>
@@ -12215,7 +12240,7 @@
                     <a:bodyPr/>
                     <a:lstStyle/>
                     <a:p>
-                      <a:pPr marL="0" marR="0" lvl="0" indent="0" algn="l" defTabSz="914400" rtl="0" eaLnBrk="1" fontAlgn="auto" latinLnBrk="1" hangingPunct="1">
+                      <a:pPr marL="0" marR="0" lvl="0" indent="0" algn="ctr" defTabSz="914400" rtl="0" eaLnBrk="1" fontAlgn="auto" latinLnBrk="1" hangingPunct="1">
                         <a:lnSpc>
                           <a:spcPct val="100000"/>
                         </a:lnSpc>
@@ -12289,7 +12314,7 @@
                     <a:bodyPr/>
                     <a:lstStyle/>
                     <a:p>
-                      <a:pPr latinLnBrk="1"/>
+                      <a:pPr algn="ctr" latinLnBrk="1"/>
                       <a:r>
                         <a:rPr lang="en-US" altLang="ko-KR" sz="1200" dirty="0"/>
                         <a:t>A Study on Artificial Neural Network-based Solar Radiation Forecasting for Efficient Solar Photovoltaic System</a:t>
@@ -12349,7 +12374,7 @@
                     <a:bodyPr/>
                     <a:lstStyle/>
                     <a:p>
-                      <a:pPr marL="0" marR="0" lvl="0" indent="0" algn="l" defTabSz="914400" rtl="0" eaLnBrk="1" fontAlgn="auto" latinLnBrk="1" hangingPunct="1">
+                      <a:pPr marL="0" marR="0" lvl="0" indent="0" algn="ctr" defTabSz="914400" rtl="0" eaLnBrk="1" fontAlgn="auto" latinLnBrk="1" hangingPunct="1">
                         <a:lnSpc>
                           <a:spcPct val="100000"/>
                         </a:lnSpc>
@@ -12430,7 +12455,7 @@
                     <a:bodyPr/>
                     <a:lstStyle/>
                     <a:p>
-                      <a:pPr marL="0" marR="0" lvl="0" indent="0" algn="l" defTabSz="914400" rtl="0" eaLnBrk="1" fontAlgn="auto" latinLnBrk="1" hangingPunct="1">
+                      <a:pPr marL="0" marR="0" lvl="0" indent="0" algn="ctr" defTabSz="914400" rtl="0" eaLnBrk="1" fontAlgn="auto" latinLnBrk="1" hangingPunct="1">
                         <a:lnSpc>
                           <a:spcPct val="100000"/>
                         </a:lnSpc>
@@ -12504,7 +12529,7 @@
                     <a:bodyPr/>
                     <a:lstStyle/>
                     <a:p>
-                      <a:pPr latinLnBrk="1"/>
+                      <a:pPr algn="ctr" latinLnBrk="1"/>
                       <a:r>
                         <a:rPr lang="en-US" altLang="ko-KR" sz="1200" dirty="0"/>
                         <a:t>Explainable Solar Irradiation Forecasting Based on Conditional Random Forests </a:t>
@@ -12564,7 +12589,7 @@
                     <a:bodyPr/>
                     <a:lstStyle/>
                     <a:p>
-                      <a:pPr marL="0" marR="0" lvl="0" indent="0" algn="l" defTabSz="914400" rtl="0" eaLnBrk="1" fontAlgn="auto" latinLnBrk="1" hangingPunct="1">
+                      <a:pPr marL="0" marR="0" lvl="0" indent="0" algn="ctr" defTabSz="914400" rtl="0" eaLnBrk="1" fontAlgn="auto" latinLnBrk="1" hangingPunct="1">
                         <a:lnSpc>
                           <a:spcPct val="100000"/>
                         </a:lnSpc>
@@ -12645,7 +12670,7 @@
                     <a:bodyPr/>
                     <a:lstStyle/>
                     <a:p>
-                      <a:pPr marL="0" marR="0" lvl="0" indent="0" algn="l" defTabSz="914400" rtl="0" eaLnBrk="1" fontAlgn="auto" latinLnBrk="1" hangingPunct="1">
+                      <a:pPr marL="0" marR="0" lvl="0" indent="0" algn="ctr" defTabSz="914400" rtl="0" eaLnBrk="1" fontAlgn="auto" latinLnBrk="1" hangingPunct="1">
                         <a:lnSpc>
                           <a:spcPct val="100000"/>
                         </a:lnSpc>
@@ -12719,7 +12744,7 @@
                     <a:bodyPr/>
                     <a:lstStyle/>
                     <a:p>
-                      <a:pPr latinLnBrk="1"/>
+                      <a:pPr algn="ctr" latinLnBrk="1"/>
                       <a:r>
                         <a:rPr lang="en-US" altLang="ko-KR" sz="1200" dirty="0"/>
                         <a:t>A Comparison of Machine Learning Models in Photovoltaic Power Generation Forecasting</a:t>
@@ -12779,7 +12804,7 @@
                     <a:bodyPr/>
                     <a:lstStyle/>
                     <a:p>
-                      <a:pPr marL="0" marR="0" lvl="0" indent="0" algn="l" defTabSz="914400" rtl="0" eaLnBrk="1" fontAlgn="auto" latinLnBrk="1" hangingPunct="1">
+                      <a:pPr marL="0" marR="0" lvl="0" indent="0" algn="ctr" defTabSz="914400" rtl="0" eaLnBrk="1" fontAlgn="auto" latinLnBrk="1" hangingPunct="1">
                         <a:lnSpc>
                           <a:spcPct val="100000"/>
                         </a:lnSpc>
@@ -12868,7 +12893,7 @@
                     <a:bodyPr/>
                     <a:lstStyle/>
                     <a:p>
-                      <a:pPr marL="0" marR="0" lvl="0" indent="0" algn="l" defTabSz="914400" rtl="0" eaLnBrk="1" fontAlgn="auto" latinLnBrk="1" hangingPunct="1">
+                      <a:pPr marL="0" marR="0" lvl="0" indent="0" algn="ctr" defTabSz="914400" rtl="0" eaLnBrk="1" fontAlgn="auto" latinLnBrk="1" hangingPunct="1">
                         <a:lnSpc>
                           <a:spcPct val="100000"/>
                         </a:lnSpc>
@@ -12942,7 +12967,7 @@
                     <a:bodyPr/>
                     <a:lstStyle/>
                     <a:p>
-                      <a:pPr latinLnBrk="1"/>
+                      <a:pPr algn="ctr" latinLnBrk="1"/>
                       <a:r>
                         <a:rPr lang="en-US" altLang="ko-KR" sz="1200" dirty="0"/>
                         <a:t>A Study on Solar Radiation Forecasting Based on Long Short-term Memory Considering Hourly Weather Changes</a:t>
@@ -13002,7 +13027,7 @@
                     <a:bodyPr/>
                     <a:lstStyle/>
                     <a:p>
-                      <a:pPr marL="0" marR="0" lvl="0" indent="0" algn="l" defTabSz="914400" rtl="0" eaLnBrk="1" fontAlgn="auto" latinLnBrk="1" hangingPunct="1">
+                      <a:pPr marL="0" marR="0" lvl="0" indent="0" algn="ctr" defTabSz="914400" rtl="0" eaLnBrk="1" fontAlgn="auto" latinLnBrk="1" hangingPunct="1">
                         <a:lnSpc>
                           <a:spcPct val="100000"/>
                         </a:lnSpc>
@@ -13081,6 +13106,129 @@
           </a:graphicData>
         </a:graphic>
       </p:graphicFrame>
+      <p:sp>
+        <p:nvSpPr>
+          <p:cNvPr id="12" name="object 2">
+            <a:extLst>
+              <a:ext uri="{FF2B5EF4-FFF2-40B4-BE49-F238E27FC236}">
+                <a16:creationId xmlns:a16="http://schemas.microsoft.com/office/drawing/2014/main" id="{9E5B0109-7C81-408A-ABD4-5B6C1C41CD69}"/>
+              </a:ext>
+            </a:extLst>
+          </p:cNvPr>
+          <p:cNvSpPr txBox="1">
+            <a:spLocks/>
+          </p:cNvSpPr>
+          <p:nvPr/>
+        </p:nvSpPr>
+        <p:spPr>
+          <a:xfrm>
+            <a:off x="492575" y="391668"/>
+            <a:ext cx="1793875" cy="513080"/>
+          </a:xfrm>
+          <a:prstGeom prst="rect">
+            <a:avLst/>
+          </a:prstGeom>
+        </p:spPr>
+        <p:txBody>
+          <a:bodyPr vert="horz" wrap="square" lIns="0" tIns="12700" rIns="0" bIns="0" rtlCol="0">
+            <a:spAutoFit/>
+          </a:bodyPr>
+          <a:lstStyle>
+            <a:lvl1pPr>
+              <a:defRPr sz="3600" b="1" i="0">
+                <a:solidFill>
+                  <a:schemeClr val="tx1"/>
+                </a:solidFill>
+                <a:latin typeface="Malgun Gothic"/>
+                <a:ea typeface="+mj-ea"/>
+                <a:cs typeface="Malgun Gothic"/>
+              </a:defRPr>
+            </a:lvl1pPr>
+          </a:lstStyle>
+          <a:p>
+            <a:pPr marL="12700" marR="0" lvl="0" indent="0" defTabSz="914400" eaLnBrk="1" fontAlgn="auto" latinLnBrk="0" hangingPunct="1">
+              <a:lnSpc>
+                <a:spcPct val="100000"/>
+              </a:lnSpc>
+              <a:spcBef>
+                <a:spcPts val="100"/>
+              </a:spcBef>
+              <a:spcAft>
+                <a:spcPts val="0"/>
+              </a:spcAft>
+              <a:buClrTx/>
+              <a:buSzTx/>
+              <a:buFontTx/>
+              <a:buNone/>
+              <a:tabLst>
+                <a:tab pos="967740" algn="l"/>
+              </a:tabLst>
+              <a:defRPr/>
+            </a:pPr>
+            <a:r>
+              <a:rPr kumimoji="0" lang="ko-KR" altLang="en-US" sz="3200" b="1" i="0" u="none" strike="noStrike" kern="0" cap="none" spc="-25" normalizeH="0" baseline="0" noProof="0" dirty="0">
+                <a:ln>
+                  <a:noFill/>
+                </a:ln>
+                <a:solidFill>
+                  <a:srgbClr val="001F60"/>
+                </a:solidFill>
+                <a:effectLst/>
+                <a:uLnTx/>
+                <a:uFillTx/>
+                <a:latin typeface="Malgun Gothic"/>
+                <a:ea typeface="맑은 고딕" panose="020B0503020000020004" pitchFamily="50" charset="-127"/>
+              </a:rPr>
+              <a:t>연구</a:t>
+            </a:r>
+            <a:r>
+              <a:rPr kumimoji="0" lang="ko-KR" altLang="en-US" sz="3200" b="1" i="0" u="none" strike="noStrike" kern="0" cap="none" spc="0" normalizeH="0" baseline="0" noProof="0" dirty="0">
+                <a:ln>
+                  <a:noFill/>
+                </a:ln>
+                <a:solidFill>
+                  <a:srgbClr val="001F60"/>
+                </a:solidFill>
+                <a:effectLst/>
+                <a:uLnTx/>
+                <a:uFillTx/>
+                <a:latin typeface="Malgun Gothic"/>
+                <a:ea typeface="맑은 고딕" panose="020B0503020000020004" pitchFamily="50" charset="-127"/>
+              </a:rPr>
+              <a:t>	</a:t>
+            </a:r>
+            <a:r>
+              <a:rPr kumimoji="0" lang="ko-KR" altLang="en-US" sz="3200" b="1" i="0" u="none" strike="noStrike" kern="0" cap="none" spc="-25" normalizeH="0" baseline="0" noProof="0" dirty="0">
+                <a:ln>
+                  <a:noFill/>
+                </a:ln>
+                <a:solidFill>
+                  <a:srgbClr val="001F60"/>
+                </a:solidFill>
+                <a:effectLst/>
+                <a:uLnTx/>
+                <a:uFillTx/>
+                <a:latin typeface="Malgun Gothic"/>
+                <a:ea typeface="맑은 고딕" panose="020B0503020000020004" pitchFamily="50" charset="-127"/>
+              </a:rPr>
+              <a:t>배경</a:t>
+            </a:r>
+            <a:endParaRPr kumimoji="0" lang="ko-KR" altLang="en-US" sz="3200" b="1" i="0" u="none" strike="noStrike" kern="0" cap="none" spc="0" normalizeH="0" baseline="0" noProof="0" dirty="0">
+              <a:ln>
+                <a:noFill/>
+              </a:ln>
+              <a:solidFill>
+                <a:sysClr val="windowText" lastClr="000000"/>
+              </a:solidFill>
+              <a:effectLst/>
+              <a:uLnTx/>
+              <a:uFillTx/>
+              <a:latin typeface="Malgun Gothic"/>
+              <a:ea typeface="맑은 고딕" panose="020B0503020000020004" pitchFamily="50" charset="-127"/>
+            </a:endParaRPr>
+          </a:p>
+        </p:txBody>
+      </p:sp>
     </p:spTree>
     <p:extLst>
       <p:ext uri="{BB962C8B-B14F-4D97-AF65-F5344CB8AC3E}">
@@ -14555,35 +14703,6 @@
           </a:p>
         </p:txBody>
       </p:sp>
-      <p:pic>
-        <p:nvPicPr>
-          <p:cNvPr id="10" name="그림 9">
-            <a:extLst>
-              <a:ext uri="{FF2B5EF4-FFF2-40B4-BE49-F238E27FC236}">
-                <a16:creationId xmlns:a16="http://schemas.microsoft.com/office/drawing/2014/main" id="{F01F0147-7E99-430A-BE8A-08C8C8B5C47B}"/>
-              </a:ext>
-            </a:extLst>
-          </p:cNvPr>
-          <p:cNvPicPr>
-            <a:picLocks noChangeAspect="1"/>
-          </p:cNvPicPr>
-          <p:nvPr/>
-        </p:nvPicPr>
-        <p:blipFill rotWithShape="1">
-          <a:blip r:embed="rId2"/>
-          <a:srcRect b="12612"/>
-          <a:stretch/>
-        </p:blipFill>
-        <p:spPr>
-          <a:xfrm>
-            <a:off x="3105047" y="2608710"/>
-            <a:ext cx="6066529" cy="3504346"/>
-          </a:xfrm>
-          <a:prstGeom prst="rect">
-            <a:avLst/>
-          </a:prstGeom>
-        </p:spPr>
-      </p:pic>
       <p:sp>
         <p:nvSpPr>
           <p:cNvPr id="11" name="직사각형 10">
@@ -14841,7 +14960,7 @@
             <p:nvPr/>
           </p:nvPicPr>
           <p:blipFill rotWithShape="1">
-            <a:blip r:embed="rId3">
+            <a:blip r:embed="rId2">
               <a:extLst>
                 <a:ext uri="{28A0092B-C50C-407E-A947-70E740481C1C}">
                   <a14:useLocalDpi xmlns:a14="http://schemas.microsoft.com/office/drawing/2010/main" val="0"/>
@@ -14876,7 +14995,7 @@
             <p:nvPr/>
           </p:nvPicPr>
           <p:blipFill>
-            <a:blip r:embed="rId4" cstate="hqprint">
+            <a:blip r:embed="rId3" cstate="hqprint">
               <a:extLst>
                 <a:ext uri="{28A0092B-C50C-407E-A947-70E740481C1C}">
                   <a14:useLocalDpi xmlns:a14="http://schemas.microsoft.com/office/drawing/2010/main" val="0"/>
@@ -15076,6 +15195,92 @@
           </a:p>
         </p:txBody>
       </p:sp>
+      <p:grpSp>
+        <p:nvGrpSpPr>
+          <p:cNvPr id="17" name="그룹 16">
+            <a:extLst>
+              <a:ext uri="{FF2B5EF4-FFF2-40B4-BE49-F238E27FC236}">
+                <a16:creationId xmlns:a16="http://schemas.microsoft.com/office/drawing/2014/main" id="{64824A77-08A5-4866-8DE6-58B0DB3EE876}"/>
+              </a:ext>
+            </a:extLst>
+          </p:cNvPr>
+          <p:cNvGrpSpPr/>
+          <p:nvPr/>
+        </p:nvGrpSpPr>
+        <p:grpSpPr>
+          <a:xfrm>
+            <a:off x="3105047" y="2608710"/>
+            <a:ext cx="6066529" cy="3722004"/>
+            <a:chOff x="3105047" y="2608710"/>
+            <a:chExt cx="6066529" cy="3722004"/>
+          </a:xfrm>
+        </p:grpSpPr>
+        <p:pic>
+          <p:nvPicPr>
+            <p:cNvPr id="20" name="그림 19">
+              <a:extLst>
+                <a:ext uri="{FF2B5EF4-FFF2-40B4-BE49-F238E27FC236}">
+                  <a16:creationId xmlns:a16="http://schemas.microsoft.com/office/drawing/2014/main" id="{1003943B-8FB7-40F2-82FC-F529FD6FF069}"/>
+                </a:ext>
+              </a:extLst>
+            </p:cNvPr>
+            <p:cNvPicPr>
+              <a:picLocks noChangeAspect="1"/>
+            </p:cNvPicPr>
+            <p:nvPr/>
+          </p:nvPicPr>
+          <p:blipFill rotWithShape="1">
+            <a:blip r:embed="rId4"/>
+            <a:srcRect b="12612"/>
+            <a:stretch/>
+          </p:blipFill>
+          <p:spPr>
+            <a:xfrm>
+              <a:off x="3105047" y="2608710"/>
+              <a:ext cx="6066529" cy="3504346"/>
+            </a:xfrm>
+            <a:prstGeom prst="rect">
+              <a:avLst/>
+            </a:prstGeom>
+          </p:spPr>
+        </p:pic>
+        <p:sp>
+          <p:nvSpPr>
+            <p:cNvPr id="21" name="TextBox 20">
+              <a:extLst>
+                <a:ext uri="{FF2B5EF4-FFF2-40B4-BE49-F238E27FC236}">
+                  <a16:creationId xmlns:a16="http://schemas.microsoft.com/office/drawing/2014/main" id="{C0C6C5BA-10A4-4E50-B798-2B68C6FE0B8B}"/>
+                </a:ext>
+              </a:extLst>
+            </p:cNvPr>
+            <p:cNvSpPr txBox="1"/>
+            <p:nvPr/>
+          </p:nvSpPr>
+          <p:spPr>
+            <a:xfrm>
+              <a:off x="5029525" y="6022937"/>
+              <a:ext cx="2285676" cy="307777"/>
+            </a:xfrm>
+            <a:prstGeom prst="rect">
+              <a:avLst/>
+            </a:prstGeom>
+            <a:noFill/>
+          </p:spPr>
+          <p:txBody>
+            <a:bodyPr wrap="square" rtlCol="0">
+              <a:spAutoFit/>
+            </a:bodyPr>
+            <a:lstStyle/>
+            <a:p>
+              <a:r>
+                <a:rPr lang="en-US" altLang="ko-KR" sz="1400" b="1" dirty="0"/>
+                <a:t>Figure1. Sliding Window </a:t>
+              </a:r>
+              <a:endParaRPr lang="ko-KR" altLang="en-US" sz="1400" b="1" dirty="0"/>
+            </a:p>
+          </p:txBody>
+        </p:sp>
+      </p:grpSp>
     </p:spTree>
     <p:extLst>
       <p:ext uri="{BB962C8B-B14F-4D97-AF65-F5344CB8AC3E}">

--- a/KICS_PT/[KICS] 모델 poster.pptx
+++ b/KICS_PT/[KICS] 모델 poster.pptx
@@ -211,7 +211,7 @@
           <a:p>
             <a:fld id="{6F87F997-1D79-4E07-87A6-34279F62842B}" type="datetimeFigureOut">
               <a:rPr lang="ko-KR" altLang="en-US" smtClean="0"/>
-              <a:t>2022-11-10</a:t>
+              <a:t>2022-11-11</a:t>
             </a:fld>
             <a:endParaRPr lang="ko-KR" altLang="en-US"/>
           </a:p>
@@ -895,7 +895,7 @@
           <a:p>
             <a:fld id="{B1A85668-658F-4FC8-8F81-563F46575ADE}" type="datetimeFigureOut">
               <a:rPr lang="ko-KR" altLang="en-US" smtClean="0"/>
-              <a:t>2022-11-10</a:t>
+              <a:t>2022-11-11</a:t>
             </a:fld>
             <a:endParaRPr lang="ko-KR" altLang="en-US"/>
           </a:p>
@@ -1093,7 +1093,7 @@
           <a:p>
             <a:fld id="{B1A85668-658F-4FC8-8F81-563F46575ADE}" type="datetimeFigureOut">
               <a:rPr lang="ko-KR" altLang="en-US" smtClean="0"/>
-              <a:t>2022-11-10</a:t>
+              <a:t>2022-11-11</a:t>
             </a:fld>
             <a:endParaRPr lang="ko-KR" altLang="en-US"/>
           </a:p>
@@ -1301,7 +1301,7 @@
           <a:p>
             <a:fld id="{B1A85668-658F-4FC8-8F81-563F46575ADE}" type="datetimeFigureOut">
               <a:rPr lang="ko-KR" altLang="en-US" smtClean="0"/>
-              <a:t>2022-11-10</a:t>
+              <a:t>2022-11-11</a:t>
             </a:fld>
             <a:endParaRPr lang="ko-KR" altLang="en-US"/>
           </a:p>
@@ -1499,7 +1499,7 @@
           <a:p>
             <a:fld id="{B1A85668-658F-4FC8-8F81-563F46575ADE}" type="datetimeFigureOut">
               <a:rPr lang="ko-KR" altLang="en-US" smtClean="0"/>
-              <a:t>2022-11-10</a:t>
+              <a:t>2022-11-11</a:t>
             </a:fld>
             <a:endParaRPr lang="ko-KR" altLang="en-US"/>
           </a:p>
@@ -1774,7 +1774,7 @@
           <a:p>
             <a:fld id="{B1A85668-658F-4FC8-8F81-563F46575ADE}" type="datetimeFigureOut">
               <a:rPr lang="ko-KR" altLang="en-US" smtClean="0"/>
-              <a:t>2022-11-10</a:t>
+              <a:t>2022-11-11</a:t>
             </a:fld>
             <a:endParaRPr lang="ko-KR" altLang="en-US"/>
           </a:p>
@@ -2039,7 +2039,7 @@
           <a:p>
             <a:fld id="{B1A85668-658F-4FC8-8F81-563F46575ADE}" type="datetimeFigureOut">
               <a:rPr lang="ko-KR" altLang="en-US" smtClean="0"/>
-              <a:t>2022-11-10</a:t>
+              <a:t>2022-11-11</a:t>
             </a:fld>
             <a:endParaRPr lang="ko-KR" altLang="en-US"/>
           </a:p>
@@ -2451,7 +2451,7 @@
           <a:p>
             <a:fld id="{B1A85668-658F-4FC8-8F81-563F46575ADE}" type="datetimeFigureOut">
               <a:rPr lang="ko-KR" altLang="en-US" smtClean="0"/>
-              <a:t>2022-11-10</a:t>
+              <a:t>2022-11-11</a:t>
             </a:fld>
             <a:endParaRPr lang="ko-KR" altLang="en-US"/>
           </a:p>
@@ -2592,7 +2592,7 @@
           <a:p>
             <a:fld id="{B1A85668-658F-4FC8-8F81-563F46575ADE}" type="datetimeFigureOut">
               <a:rPr lang="ko-KR" altLang="en-US" smtClean="0"/>
-              <a:t>2022-11-10</a:t>
+              <a:t>2022-11-11</a:t>
             </a:fld>
             <a:endParaRPr lang="ko-KR" altLang="en-US"/>
           </a:p>
@@ -2705,7 +2705,7 @@
           <a:p>
             <a:fld id="{B1A85668-658F-4FC8-8F81-563F46575ADE}" type="datetimeFigureOut">
               <a:rPr lang="ko-KR" altLang="en-US" smtClean="0"/>
-              <a:t>2022-11-10</a:t>
+              <a:t>2022-11-11</a:t>
             </a:fld>
             <a:endParaRPr lang="ko-KR" altLang="en-US"/>
           </a:p>
@@ -3016,7 +3016,7 @@
           <a:p>
             <a:fld id="{B1A85668-658F-4FC8-8F81-563F46575ADE}" type="datetimeFigureOut">
               <a:rPr lang="ko-KR" altLang="en-US" smtClean="0"/>
-              <a:t>2022-11-10</a:t>
+              <a:t>2022-11-11</a:t>
             </a:fld>
             <a:endParaRPr lang="ko-KR" altLang="en-US"/>
           </a:p>
@@ -3304,7 +3304,7 @@
           <a:p>
             <a:fld id="{B1A85668-658F-4FC8-8F81-563F46575ADE}" type="datetimeFigureOut">
               <a:rPr lang="ko-KR" altLang="en-US" smtClean="0"/>
-              <a:t>2022-11-10</a:t>
+              <a:t>2022-11-11</a:t>
             </a:fld>
             <a:endParaRPr lang="ko-KR" altLang="en-US"/>
           </a:p>
@@ -3545,7 +3545,7 @@
           <a:p>
             <a:fld id="{B1A85668-658F-4FC8-8F81-563F46575ADE}" type="datetimeFigureOut">
               <a:rPr lang="ko-KR" altLang="en-US" smtClean="0"/>
-              <a:t>2022-11-10</a:t>
+              <a:t>2022-11-11</a:t>
             </a:fld>
             <a:endParaRPr lang="ko-KR" altLang="en-US"/>
           </a:p>
@@ -6248,42 +6248,6 @@
           </p:txBody>
         </p:sp>
       </p:grpSp>
-      <p:sp>
-        <p:nvSpPr>
-          <p:cNvPr id="19" name="TextBox 18">
-            <a:extLst>
-              <a:ext uri="{FF2B5EF4-FFF2-40B4-BE49-F238E27FC236}">
-                <a16:creationId xmlns:a16="http://schemas.microsoft.com/office/drawing/2014/main" id="{1C6E87B7-8356-4133-BC49-9279914A2FFB}"/>
-              </a:ext>
-            </a:extLst>
-          </p:cNvPr>
-          <p:cNvSpPr txBox="1"/>
-          <p:nvPr/>
-        </p:nvSpPr>
-        <p:spPr>
-          <a:xfrm>
-            <a:off x="9564200" y="6022937"/>
-            <a:ext cx="2285676" cy="307777"/>
-          </a:xfrm>
-          <a:prstGeom prst="rect">
-            <a:avLst/>
-          </a:prstGeom>
-          <a:noFill/>
-        </p:spPr>
-        <p:txBody>
-          <a:bodyPr wrap="square" rtlCol="0">
-            <a:spAutoFit/>
-          </a:bodyPr>
-          <a:lstStyle/>
-          <a:p>
-            <a:r>
-              <a:rPr lang="en-US" altLang="ko-KR" sz="1400" b="1" dirty="0"/>
-              <a:t>Figure1. Sliding Window </a:t>
-            </a:r>
-            <a:endParaRPr lang="ko-KR" altLang="en-US" sz="1400" b="1" dirty="0"/>
-          </a:p>
-        </p:txBody>
-      </p:sp>
     </p:spTree>
     <p:extLst>
       <p:ext uri="{BB962C8B-B14F-4D97-AF65-F5344CB8AC3E}">
@@ -6488,8 +6452,8 @@
           </a:p>
         </p:txBody>
       </p:sp>
-      <mc:AlternateContent xmlns:mc="http://schemas.openxmlformats.org/markup-compatibility/2006" xmlns:a14="http://schemas.microsoft.com/office/drawing/2010/main">
-        <mc:Choice Requires="a14">
+      <mc:AlternateContent xmlns:mc="http://schemas.openxmlformats.org/markup-compatibility/2006">
+        <mc:Choice xmlns:a14="http://schemas.microsoft.com/office/drawing/2010/main" Requires="a14">
           <p:sp>
             <p:nvSpPr>
               <p:cNvPr id="11" name="object 3">
@@ -6560,7 +6524,7 @@
                     <a:ea typeface="Cambria Math" panose="02040503050406030204" pitchFamily="18" charset="0"/>
                     <a:cs typeface="Malgun Gothic"/>
                   </a:rPr>
-                  <a:t>RMSE(Root Mean Square Error)</a:t>
+                  <a:t>RMSE (Root Mean Square Error)</a:t>
                 </a:r>
               </a:p>
               <a:p>
@@ -6799,7 +6763,7 @@
             </p:txBody>
           </p:sp>
         </mc:Choice>
-        <mc:Fallback xmlns="">
+        <mc:Fallback>
           <p:sp>
             <p:nvSpPr>
               <p:cNvPr id="11" name="object 3">
@@ -6954,7 +6918,7 @@
                 </a:solidFill>
                 <a:latin typeface="+mj-lt"/>
               </a:rPr>
-              <a:t>타겟 지역의 </a:t>
+              <a:t>타겟 지역의 각 하루치 </a:t>
             </a:r>
             <a:r>
               <a:rPr lang="en-US" altLang="ko-KR" kern="0" dirty="0">
@@ -6963,7 +6927,7 @@
                 </a:solidFill>
                 <a:latin typeface="+mj-lt"/>
               </a:rPr>
-              <a:t>1</a:t>
+              <a:t>/ Test Set : </a:t>
             </a:r>
             <a:r>
               <a:rPr lang="ko-KR" altLang="en-US" kern="0" dirty="0">
@@ -6972,35 +6936,14 @@
                 </a:solidFill>
                 <a:latin typeface="+mj-lt"/>
               </a:rPr>
-              <a:t>년치</a:t>
-            </a:r>
-            <a:r>
-              <a:rPr lang="en-US" altLang="ko-KR" kern="0" dirty="0">
-                <a:solidFill>
-                  <a:sysClr val="windowText" lastClr="000000"/>
-                </a:solidFill>
-                <a:latin typeface="+mj-lt"/>
-              </a:rPr>
-              <a:t> / Test Set : </a:t>
-            </a:r>
-            <a:r>
-              <a:rPr lang="ko-KR" altLang="en-US" kern="0" dirty="0">
-                <a:solidFill>
-                  <a:sysClr val="windowText" lastClr="000000"/>
-                </a:solidFill>
-                <a:latin typeface="+mj-lt"/>
-              </a:rPr>
-              <a:t>대전시 </a:t>
-            </a:r>
-            <a:r>
-              <a:rPr lang="en-US" altLang="ko-KR" kern="0" dirty="0">
-                <a:solidFill>
-                  <a:sysClr val="windowText" lastClr="000000"/>
-                </a:solidFill>
-                <a:latin typeface="+mj-lt"/>
-              </a:rPr>
-              <a:t>1 Day </a:t>
-            </a:r>
+              <a:t>타겟 지역의 다음 날</a:t>
+            </a:r>
+            <a:endParaRPr lang="en-US" altLang="ko-KR" kern="0" dirty="0">
+              <a:solidFill>
+                <a:sysClr val="windowText" lastClr="000000"/>
+              </a:solidFill>
+              <a:latin typeface="+mj-lt"/>
+            </a:endParaRPr>
           </a:p>
         </p:txBody>
       </p:sp>

--- a/KICS_PT/[KICS] 모델 poster.pptx
+++ b/KICS_PT/[KICS] 모델 poster.pptx
@@ -211,7 +211,7 @@
           <a:p>
             <a:fld id="{6F87F997-1D79-4E07-87A6-34279F62842B}" type="datetimeFigureOut">
               <a:rPr lang="ko-KR" altLang="en-US" smtClean="0"/>
-              <a:t>2022-11-11</a:t>
+              <a:t>2022. 11. 12.</a:t>
             </a:fld>
             <a:endParaRPr lang="ko-KR" altLang="en-US"/>
           </a:p>
@@ -895,7 +895,7 @@
           <a:p>
             <a:fld id="{B1A85668-658F-4FC8-8F81-563F46575ADE}" type="datetimeFigureOut">
               <a:rPr lang="ko-KR" altLang="en-US" smtClean="0"/>
-              <a:t>2022-11-11</a:t>
+              <a:t>2022. 11. 12.</a:t>
             </a:fld>
             <a:endParaRPr lang="ko-KR" altLang="en-US"/>
           </a:p>
@@ -1093,7 +1093,7 @@
           <a:p>
             <a:fld id="{B1A85668-658F-4FC8-8F81-563F46575ADE}" type="datetimeFigureOut">
               <a:rPr lang="ko-KR" altLang="en-US" smtClean="0"/>
-              <a:t>2022-11-11</a:t>
+              <a:t>2022. 11. 12.</a:t>
             </a:fld>
             <a:endParaRPr lang="ko-KR" altLang="en-US"/>
           </a:p>
@@ -1301,7 +1301,7 @@
           <a:p>
             <a:fld id="{B1A85668-658F-4FC8-8F81-563F46575ADE}" type="datetimeFigureOut">
               <a:rPr lang="ko-KR" altLang="en-US" smtClean="0"/>
-              <a:t>2022-11-11</a:t>
+              <a:t>2022. 11. 12.</a:t>
             </a:fld>
             <a:endParaRPr lang="ko-KR" altLang="en-US"/>
           </a:p>
@@ -1499,7 +1499,7 @@
           <a:p>
             <a:fld id="{B1A85668-658F-4FC8-8F81-563F46575ADE}" type="datetimeFigureOut">
               <a:rPr lang="ko-KR" altLang="en-US" smtClean="0"/>
-              <a:t>2022-11-11</a:t>
+              <a:t>2022. 11. 12.</a:t>
             </a:fld>
             <a:endParaRPr lang="ko-KR" altLang="en-US"/>
           </a:p>
@@ -1774,7 +1774,7 @@
           <a:p>
             <a:fld id="{B1A85668-658F-4FC8-8F81-563F46575ADE}" type="datetimeFigureOut">
               <a:rPr lang="ko-KR" altLang="en-US" smtClean="0"/>
-              <a:t>2022-11-11</a:t>
+              <a:t>2022. 11. 12.</a:t>
             </a:fld>
             <a:endParaRPr lang="ko-KR" altLang="en-US"/>
           </a:p>
@@ -2039,7 +2039,7 @@
           <a:p>
             <a:fld id="{B1A85668-658F-4FC8-8F81-563F46575ADE}" type="datetimeFigureOut">
               <a:rPr lang="ko-KR" altLang="en-US" smtClean="0"/>
-              <a:t>2022-11-11</a:t>
+              <a:t>2022. 11. 12.</a:t>
             </a:fld>
             <a:endParaRPr lang="ko-KR" altLang="en-US"/>
           </a:p>
@@ -2451,7 +2451,7 @@
           <a:p>
             <a:fld id="{B1A85668-658F-4FC8-8F81-563F46575ADE}" type="datetimeFigureOut">
               <a:rPr lang="ko-KR" altLang="en-US" smtClean="0"/>
-              <a:t>2022-11-11</a:t>
+              <a:t>2022. 11. 12.</a:t>
             </a:fld>
             <a:endParaRPr lang="ko-KR" altLang="en-US"/>
           </a:p>
@@ -2592,7 +2592,7 @@
           <a:p>
             <a:fld id="{B1A85668-658F-4FC8-8F81-563F46575ADE}" type="datetimeFigureOut">
               <a:rPr lang="ko-KR" altLang="en-US" smtClean="0"/>
-              <a:t>2022-11-11</a:t>
+              <a:t>2022. 11. 12.</a:t>
             </a:fld>
             <a:endParaRPr lang="ko-KR" altLang="en-US"/>
           </a:p>
@@ -2705,7 +2705,7 @@
           <a:p>
             <a:fld id="{B1A85668-658F-4FC8-8F81-563F46575ADE}" type="datetimeFigureOut">
               <a:rPr lang="ko-KR" altLang="en-US" smtClean="0"/>
-              <a:t>2022-11-11</a:t>
+              <a:t>2022. 11. 12.</a:t>
             </a:fld>
             <a:endParaRPr lang="ko-KR" altLang="en-US"/>
           </a:p>
@@ -3016,7 +3016,7 @@
           <a:p>
             <a:fld id="{B1A85668-658F-4FC8-8F81-563F46575ADE}" type="datetimeFigureOut">
               <a:rPr lang="ko-KR" altLang="en-US" smtClean="0"/>
-              <a:t>2022-11-11</a:t>
+              <a:t>2022. 11. 12.</a:t>
             </a:fld>
             <a:endParaRPr lang="ko-KR" altLang="en-US"/>
           </a:p>
@@ -3304,7 +3304,7 @@
           <a:p>
             <a:fld id="{B1A85668-658F-4FC8-8F81-563F46575ADE}" type="datetimeFigureOut">
               <a:rPr lang="ko-KR" altLang="en-US" smtClean="0"/>
-              <a:t>2022-11-11</a:t>
+              <a:t>2022. 11. 12.</a:t>
             </a:fld>
             <a:endParaRPr lang="ko-KR" altLang="en-US"/>
           </a:p>
@@ -3545,7 +3545,7 @@
           <a:p>
             <a:fld id="{B1A85668-658F-4FC8-8F81-563F46575ADE}" type="datetimeFigureOut">
               <a:rPr lang="ko-KR" altLang="en-US" smtClean="0"/>
-              <a:t>2022-11-11</a:t>
+              <a:t>2022. 11. 12.</a:t>
             </a:fld>
             <a:endParaRPr lang="ko-KR" altLang="en-US"/>
           </a:p>
@@ -6452,8 +6452,8 @@
           </a:p>
         </p:txBody>
       </p:sp>
-      <mc:AlternateContent xmlns:mc="http://schemas.openxmlformats.org/markup-compatibility/2006">
-        <mc:Choice xmlns:a14="http://schemas.microsoft.com/office/drawing/2010/main" Requires="a14">
+      <mc:AlternateContent xmlns:mc="http://schemas.openxmlformats.org/markup-compatibility/2006" xmlns:a14="http://schemas.microsoft.com/office/drawing/2010/main">
+        <mc:Choice Requires="a14">
           <p:sp>
             <p:nvSpPr>
               <p:cNvPr id="11" name="object 3">
@@ -6763,7 +6763,7 @@
             </p:txBody>
           </p:sp>
         </mc:Choice>
-        <mc:Fallback>
+        <mc:Fallback xmlns="">
           <p:sp>
             <p:nvSpPr>
               <p:cNvPr id="11" name="object 3">

--- a/KICS_PT/[KICS] 모델 poster.pptx
+++ b/KICS_PT/[KICS] 모델 poster.pptx
@@ -211,7 +211,7 @@
           <a:p>
             <a:fld id="{6F87F997-1D79-4E07-87A6-34279F62842B}" type="datetimeFigureOut">
               <a:rPr lang="ko-KR" altLang="en-US" smtClean="0"/>
-              <a:t>2022. 11. 12.</a:t>
+              <a:t>2022-11-14</a:t>
             </a:fld>
             <a:endParaRPr lang="ko-KR" altLang="en-US"/>
           </a:p>
@@ -522,7 +522,40 @@
           <a:bodyPr/>
           <a:lstStyle/>
           <a:p>
-            <a:endParaRPr lang="ko-KR" altLang="en-US" dirty="0"/>
+            <a:r>
+              <a:rPr lang="ko-KR" altLang="en-US" dirty="0"/>
+              <a:t>네 안녕하세요 </a:t>
+            </a:r>
+            <a:endParaRPr lang="en-US" altLang="ko-KR" dirty="0"/>
+          </a:p>
+          <a:p>
+            <a:r>
+              <a:rPr lang="ko-KR" altLang="en-US" dirty="0"/>
+              <a:t>저는 순천향대학교 학부생 </a:t>
+            </a:r>
+            <a:r>
+              <a:rPr lang="ko-KR" altLang="en-US" dirty="0" err="1"/>
+              <a:t>소다영입니다</a:t>
+            </a:r>
+            <a:endParaRPr lang="en-US" altLang="ko-KR" dirty="0"/>
+          </a:p>
+          <a:p>
+            <a:endParaRPr lang="en-US" altLang="ko-KR" dirty="0"/>
+          </a:p>
+          <a:p>
+            <a:r>
+              <a:rPr lang="ko-KR" altLang="en-US" dirty="0"/>
+              <a:t>전이 학습 기반의 랜덤 </a:t>
+            </a:r>
+            <a:r>
+              <a:rPr lang="ko-KR" altLang="en-US" dirty="0" err="1"/>
+              <a:t>포레스트를</a:t>
+            </a:r>
+            <a:r>
+              <a:rPr lang="ko-KR" altLang="en-US" dirty="0"/>
+              <a:t> 이용한 일사량 예측 기법을 주제로 발표하겠습니다</a:t>
+            </a:r>
+            <a:endParaRPr lang="en-US" altLang="ko-KR" dirty="0"/>
           </a:p>
         </p:txBody>
       </p:sp>
@@ -553,6 +586,831 @@
     <p:extLst>
       <p:ext uri="{BB962C8B-B14F-4D97-AF65-F5344CB8AC3E}">
         <p14:creationId xmlns:p14="http://schemas.microsoft.com/office/powerpoint/2010/main" val="883350903"/>
+      </p:ext>
+    </p:extLst>
+  </p:cSld>
+  <p:clrMapOvr>
+    <a:masterClrMapping/>
+  </p:clrMapOvr>
+</p:notes>
+</file>
+
+<file path=ppt/notesSlides/notesSlide10.xml><?xml version="1.0" encoding="utf-8"?>
+<p:notes xmlns:a="http://schemas.openxmlformats.org/drawingml/2006/main" xmlns:r="http://schemas.openxmlformats.org/officeDocument/2006/relationships" xmlns:p="http://schemas.openxmlformats.org/presentationml/2006/main">
+  <p:cSld>
+    <p:spTree>
+      <p:nvGrpSpPr>
+        <p:cNvPr id="1" name=""/>
+        <p:cNvGrpSpPr/>
+        <p:nvPr/>
+      </p:nvGrpSpPr>
+      <p:grpSpPr>
+        <a:xfrm>
+          <a:off x="0" y="0"/>
+          <a:ext cx="0" cy="0"/>
+          <a:chOff x="0" y="0"/>
+          <a:chExt cx="0" cy="0"/>
+        </a:xfrm>
+      </p:grpSpPr>
+      <p:sp>
+        <p:nvSpPr>
+          <p:cNvPr id="2" name="슬라이드 이미지 개체 틀 1"/>
+          <p:cNvSpPr>
+            <a:spLocks noGrp="1" noRot="1" noChangeAspect="1"/>
+          </p:cNvSpPr>
+          <p:nvPr>
+            <p:ph type="sldImg"/>
+          </p:nvPr>
+        </p:nvSpPr>
+        <p:spPr/>
+      </p:sp>
+      <p:sp>
+        <p:nvSpPr>
+          <p:cNvPr id="3" name="슬라이드 노트 개체 틀 2"/>
+          <p:cNvSpPr>
+            <a:spLocks noGrp="1"/>
+          </p:cNvSpPr>
+          <p:nvPr>
+            <p:ph type="body" idx="1"/>
+          </p:nvPr>
+        </p:nvSpPr>
+        <p:spPr/>
+        <p:txBody>
+          <a:bodyPr/>
+          <a:lstStyle/>
+          <a:p>
+            <a:r>
+              <a:rPr lang="ko-KR" altLang="en-US" dirty="0"/>
+              <a:t>예를 들어 </a:t>
+            </a:r>
+            <a:r>
+              <a:rPr lang="en-US" altLang="ko-KR" dirty="0"/>
+              <a:t>2020</a:t>
+            </a:r>
+            <a:r>
+              <a:rPr lang="ko-KR" altLang="en-US" dirty="0"/>
+              <a:t>년 </a:t>
+            </a:r>
+            <a:r>
+              <a:rPr lang="en-US" altLang="ko-KR" dirty="0"/>
+              <a:t>3</a:t>
+            </a:r>
+            <a:r>
+              <a:rPr lang="ko-KR" altLang="en-US" dirty="0"/>
+              <a:t>월 </a:t>
+            </a:r>
+            <a:r>
+              <a:rPr lang="en-US" altLang="ko-KR" dirty="0"/>
+              <a:t>1</a:t>
+            </a:r>
+            <a:r>
+              <a:rPr lang="ko-KR" altLang="en-US" dirty="0"/>
+              <a:t>일 오전 </a:t>
+            </a:r>
+            <a:r>
+              <a:rPr lang="en-US" altLang="ko-KR" dirty="0"/>
+              <a:t>8</a:t>
+            </a:r>
+            <a:r>
+              <a:rPr lang="ko-KR" altLang="en-US" dirty="0"/>
+              <a:t>시부터 오후 </a:t>
+            </a:r>
+            <a:r>
+              <a:rPr lang="en-US" altLang="ko-KR" dirty="0"/>
+              <a:t>6</a:t>
+            </a:r>
+            <a:r>
+              <a:rPr lang="ko-KR" altLang="en-US" dirty="0"/>
+              <a:t>시 까지의 일사량을 예측하고 싶다면</a:t>
+            </a:r>
+            <a:r>
+              <a:rPr lang="en-US" altLang="ko-KR" dirty="0"/>
+              <a:t>, </a:t>
+            </a:r>
+          </a:p>
+          <a:p>
+            <a:r>
+              <a:rPr lang="en-US" altLang="ko-KR" dirty="0"/>
+              <a:t>2016</a:t>
+            </a:r>
+            <a:r>
+              <a:rPr lang="ko-KR" altLang="en-US" dirty="0"/>
+              <a:t>년부터 </a:t>
+            </a:r>
+            <a:r>
+              <a:rPr lang="en-US" altLang="ko-KR" dirty="0"/>
+              <a:t>2020</a:t>
+            </a:r>
+            <a:r>
+              <a:rPr lang="ko-KR" altLang="en-US" dirty="0"/>
+              <a:t>년까지의 타겟 지역을 제외한 </a:t>
+            </a:r>
+            <a:r>
+              <a:rPr lang="en-US" altLang="ko-KR" dirty="0"/>
+              <a:t>5</a:t>
+            </a:r>
+            <a:r>
+              <a:rPr lang="ko-KR" altLang="en-US" dirty="0"/>
+              <a:t>개 지역의 데이터와</a:t>
+            </a:r>
+            <a:r>
+              <a:rPr lang="en-US" altLang="ko-KR" dirty="0"/>
+              <a:t>, 2020</a:t>
+            </a:r>
+            <a:r>
+              <a:rPr lang="ko-KR" altLang="en-US" dirty="0"/>
+              <a:t>년 </a:t>
+            </a:r>
+            <a:r>
+              <a:rPr lang="en-US" altLang="ko-KR" dirty="0"/>
+              <a:t>2</a:t>
+            </a:r>
+            <a:r>
+              <a:rPr lang="ko-KR" altLang="en-US" dirty="0"/>
+              <a:t>월 </a:t>
+            </a:r>
+            <a:r>
+              <a:rPr lang="en-US" altLang="ko-KR" dirty="0"/>
+              <a:t>28</a:t>
+            </a:r>
+            <a:r>
+              <a:rPr lang="ko-KR" altLang="en-US" dirty="0"/>
+              <a:t>일 기상관측 데이터를 학습합니다</a:t>
+            </a:r>
+            <a:r>
+              <a:rPr lang="en-US" altLang="ko-KR" dirty="0"/>
+              <a:t>. </a:t>
+            </a:r>
+            <a:endParaRPr lang="ko-KR" altLang="en-US" dirty="0"/>
+          </a:p>
+        </p:txBody>
+      </p:sp>
+      <p:sp>
+        <p:nvSpPr>
+          <p:cNvPr id="4" name="슬라이드 번호 개체 틀 3"/>
+          <p:cNvSpPr>
+            <a:spLocks noGrp="1"/>
+          </p:cNvSpPr>
+          <p:nvPr>
+            <p:ph type="sldNum" sz="quarter" idx="5"/>
+          </p:nvPr>
+        </p:nvSpPr>
+        <p:spPr/>
+        <p:txBody>
+          <a:bodyPr/>
+          <a:lstStyle/>
+          <a:p>
+            <a:fld id="{3DA20865-045B-45A9-AC7A-AC77C3641144}" type="slidenum">
+              <a:rPr lang="ko-KR" altLang="en-US" smtClean="0"/>
+              <a:t>10</a:t>
+            </a:fld>
+            <a:endParaRPr lang="ko-KR" altLang="en-US"/>
+          </a:p>
+        </p:txBody>
+      </p:sp>
+    </p:spTree>
+    <p:extLst>
+      <p:ext uri="{BB962C8B-B14F-4D97-AF65-F5344CB8AC3E}">
+        <p14:creationId xmlns:p14="http://schemas.microsoft.com/office/powerpoint/2010/main" val="1576190753"/>
+      </p:ext>
+    </p:extLst>
+  </p:cSld>
+  <p:clrMapOvr>
+    <a:masterClrMapping/>
+  </p:clrMapOvr>
+</p:notes>
+</file>
+
+<file path=ppt/notesSlides/notesSlide11.xml><?xml version="1.0" encoding="utf-8"?>
+<p:notes xmlns:a="http://schemas.openxmlformats.org/drawingml/2006/main" xmlns:r="http://schemas.openxmlformats.org/officeDocument/2006/relationships" xmlns:p="http://schemas.openxmlformats.org/presentationml/2006/main">
+  <p:cSld>
+    <p:spTree>
+      <p:nvGrpSpPr>
+        <p:cNvPr id="1" name=""/>
+        <p:cNvGrpSpPr/>
+        <p:nvPr/>
+      </p:nvGrpSpPr>
+      <p:grpSpPr>
+        <a:xfrm>
+          <a:off x="0" y="0"/>
+          <a:ext cx="0" cy="0"/>
+          <a:chOff x="0" y="0"/>
+          <a:chExt cx="0" cy="0"/>
+        </a:xfrm>
+      </p:grpSpPr>
+      <p:sp>
+        <p:nvSpPr>
+          <p:cNvPr id="2" name="슬라이드 이미지 개체 틀 1"/>
+          <p:cNvSpPr>
+            <a:spLocks noGrp="1" noRot="1" noChangeAspect="1"/>
+          </p:cNvSpPr>
+          <p:nvPr>
+            <p:ph type="sldImg"/>
+          </p:nvPr>
+        </p:nvSpPr>
+        <p:spPr/>
+      </p:sp>
+      <p:sp>
+        <p:nvSpPr>
+          <p:cNvPr id="3" name="슬라이드 노트 개체 틀 2"/>
+          <p:cNvSpPr>
+            <a:spLocks noGrp="1"/>
+          </p:cNvSpPr>
+          <p:nvPr>
+            <p:ph type="body" idx="1"/>
+          </p:nvPr>
+        </p:nvSpPr>
+        <p:spPr/>
+        <p:txBody>
+          <a:bodyPr/>
+          <a:lstStyle/>
+          <a:p>
+            <a:r>
+              <a:rPr lang="en-US" altLang="ko-KR" dirty="0"/>
+              <a:t>3</a:t>
+            </a:r>
+            <a:r>
+              <a:rPr lang="ko-KR" altLang="en-US" dirty="0"/>
+              <a:t>단계 입니다</a:t>
+            </a:r>
+            <a:r>
+              <a:rPr lang="en-US" altLang="ko-KR" dirty="0"/>
+              <a:t>. </a:t>
+            </a:r>
+          </a:p>
+          <a:p>
+            <a:endParaRPr lang="en-US" altLang="ko-KR" dirty="0"/>
+          </a:p>
+          <a:p>
+            <a:r>
+              <a:rPr lang="ko-KR" altLang="en-US" dirty="0"/>
+              <a:t>저희 연구에서 사용한 모델은 </a:t>
+            </a:r>
+            <a:r>
+              <a:rPr lang="ko-KR" altLang="en-US" dirty="0" err="1"/>
+              <a:t>랜덤포레스트로</a:t>
+            </a:r>
+            <a:r>
+              <a:rPr lang="ko-KR" altLang="en-US" dirty="0"/>
+              <a:t> </a:t>
+            </a:r>
+            <a:endParaRPr lang="en-US" altLang="ko-KR" dirty="0"/>
+          </a:p>
+          <a:p>
+            <a:r>
+              <a:rPr lang="ko-KR" altLang="en-US" dirty="0"/>
+              <a:t>시계열 성분을 고려하지 않아</a:t>
+            </a:r>
+          </a:p>
+        </p:txBody>
+      </p:sp>
+      <p:sp>
+        <p:nvSpPr>
+          <p:cNvPr id="4" name="슬라이드 번호 개체 틀 3"/>
+          <p:cNvSpPr>
+            <a:spLocks noGrp="1"/>
+          </p:cNvSpPr>
+          <p:nvPr>
+            <p:ph type="sldNum" sz="quarter" idx="5"/>
+          </p:nvPr>
+        </p:nvSpPr>
+        <p:spPr/>
+        <p:txBody>
+          <a:bodyPr/>
+          <a:lstStyle/>
+          <a:p>
+            <a:fld id="{3DA20865-045B-45A9-AC7A-AC77C3641144}" type="slidenum">
+              <a:rPr lang="ko-KR" altLang="en-US" smtClean="0"/>
+              <a:t>11</a:t>
+            </a:fld>
+            <a:endParaRPr lang="ko-KR" altLang="en-US"/>
+          </a:p>
+        </p:txBody>
+      </p:sp>
+    </p:spTree>
+    <p:extLst>
+      <p:ext uri="{BB962C8B-B14F-4D97-AF65-F5344CB8AC3E}">
+        <p14:creationId xmlns:p14="http://schemas.microsoft.com/office/powerpoint/2010/main" val="85920766"/>
+      </p:ext>
+    </p:extLst>
+  </p:cSld>
+  <p:clrMapOvr>
+    <a:masterClrMapping/>
+  </p:clrMapOvr>
+</p:notes>
+</file>
+
+<file path=ppt/notesSlides/notesSlide12.xml><?xml version="1.0" encoding="utf-8"?>
+<p:notes xmlns:a="http://schemas.openxmlformats.org/drawingml/2006/main" xmlns:r="http://schemas.openxmlformats.org/officeDocument/2006/relationships" xmlns:p="http://schemas.openxmlformats.org/presentationml/2006/main">
+  <p:cSld>
+    <p:spTree>
+      <p:nvGrpSpPr>
+        <p:cNvPr id="1" name=""/>
+        <p:cNvGrpSpPr/>
+        <p:nvPr/>
+      </p:nvGrpSpPr>
+      <p:grpSpPr>
+        <a:xfrm>
+          <a:off x="0" y="0"/>
+          <a:ext cx="0" cy="0"/>
+          <a:chOff x="0" y="0"/>
+          <a:chExt cx="0" cy="0"/>
+        </a:xfrm>
+      </p:grpSpPr>
+      <p:sp>
+        <p:nvSpPr>
+          <p:cNvPr id="2" name="슬라이드 이미지 개체 틀 1"/>
+          <p:cNvSpPr>
+            <a:spLocks noGrp="1" noRot="1" noChangeAspect="1"/>
+          </p:cNvSpPr>
+          <p:nvPr>
+            <p:ph type="sldImg"/>
+          </p:nvPr>
+        </p:nvSpPr>
+        <p:spPr/>
+      </p:sp>
+      <p:sp>
+        <p:nvSpPr>
+          <p:cNvPr id="3" name="슬라이드 노트 개체 틀 2"/>
+          <p:cNvSpPr>
+            <a:spLocks noGrp="1"/>
+          </p:cNvSpPr>
+          <p:nvPr>
+            <p:ph type="body" idx="1"/>
+          </p:nvPr>
+        </p:nvSpPr>
+        <p:spPr/>
+        <p:txBody>
+          <a:bodyPr/>
+          <a:lstStyle/>
+          <a:p>
+            <a:r>
+              <a:rPr lang="ko-KR" altLang="en-US" dirty="0"/>
+              <a:t>예측 정확성 평가 지표에서 </a:t>
+            </a:r>
+            <a:endParaRPr lang="en-US" altLang="ko-KR" dirty="0"/>
+          </a:p>
+          <a:p>
+            <a:r>
+              <a:rPr lang="en-US" altLang="ko-KR" dirty="0"/>
+              <a:t>T</a:t>
+            </a:r>
+            <a:r>
+              <a:rPr lang="ko-KR" altLang="en-US" dirty="0"/>
+              <a:t>시점의 실제 일사량과</a:t>
+            </a:r>
+            <a:r>
+              <a:rPr lang="en-US" altLang="ko-KR" dirty="0"/>
+              <a:t> T</a:t>
+            </a:r>
+            <a:r>
+              <a:rPr lang="ko-KR" altLang="en-US" dirty="0"/>
+              <a:t>시점의 예측된 일사량 값의 차이를 고려하기 위해</a:t>
+            </a:r>
+            <a:r>
+              <a:rPr lang="en-US" altLang="ko-KR" dirty="0"/>
+              <a:t> RMSE</a:t>
+            </a:r>
+            <a:r>
+              <a:rPr lang="ko-KR" altLang="en-US" dirty="0"/>
+              <a:t>를 사용했고</a:t>
+            </a:r>
+            <a:r>
+              <a:rPr lang="en-US" altLang="ko-KR" dirty="0"/>
+              <a:t>, </a:t>
+            </a:r>
+            <a:r>
+              <a:rPr lang="ko-KR" altLang="en-US" dirty="0"/>
+              <a:t> </a:t>
+            </a:r>
+            <a:endParaRPr lang="en-US" altLang="ko-KR" dirty="0"/>
+          </a:p>
+          <a:p>
+            <a:endParaRPr lang="en-US" altLang="ko-KR" dirty="0"/>
+          </a:p>
+          <a:p>
+            <a:r>
+              <a:rPr lang="ko-KR" altLang="en-US" dirty="0"/>
+              <a:t>실험에 사용한 기상 데이터는 위 테이블과 같습니다</a:t>
+            </a:r>
+            <a:r>
+              <a:rPr lang="en-US" altLang="ko-KR" dirty="0"/>
+              <a:t>. </a:t>
+            </a:r>
+          </a:p>
+          <a:p>
+            <a:endParaRPr lang="ko-KR" altLang="en-US" dirty="0"/>
+          </a:p>
+        </p:txBody>
+      </p:sp>
+      <p:sp>
+        <p:nvSpPr>
+          <p:cNvPr id="4" name="슬라이드 번호 개체 틀 3"/>
+          <p:cNvSpPr>
+            <a:spLocks noGrp="1"/>
+          </p:cNvSpPr>
+          <p:nvPr>
+            <p:ph type="sldNum" sz="quarter" idx="5"/>
+          </p:nvPr>
+        </p:nvSpPr>
+        <p:spPr/>
+        <p:txBody>
+          <a:bodyPr/>
+          <a:lstStyle/>
+          <a:p>
+            <a:fld id="{3DA20865-045B-45A9-AC7A-AC77C3641144}" type="slidenum">
+              <a:rPr lang="ko-KR" altLang="en-US" smtClean="0"/>
+              <a:t>12</a:t>
+            </a:fld>
+            <a:endParaRPr lang="ko-KR" altLang="en-US"/>
+          </a:p>
+        </p:txBody>
+      </p:sp>
+    </p:spTree>
+    <p:extLst>
+      <p:ext uri="{BB962C8B-B14F-4D97-AF65-F5344CB8AC3E}">
+        <p14:creationId xmlns:p14="http://schemas.microsoft.com/office/powerpoint/2010/main" val="1460861864"/>
+      </p:ext>
+    </p:extLst>
+  </p:cSld>
+  <p:clrMapOvr>
+    <a:masterClrMapping/>
+  </p:clrMapOvr>
+</p:notes>
+</file>
+
+<file path=ppt/notesSlides/notesSlide13.xml><?xml version="1.0" encoding="utf-8"?>
+<p:notes xmlns:a="http://schemas.openxmlformats.org/drawingml/2006/main" xmlns:r="http://schemas.openxmlformats.org/officeDocument/2006/relationships" xmlns:p="http://schemas.openxmlformats.org/presentationml/2006/main">
+  <p:cSld>
+    <p:spTree>
+      <p:nvGrpSpPr>
+        <p:cNvPr id="1" name=""/>
+        <p:cNvGrpSpPr/>
+        <p:nvPr/>
+      </p:nvGrpSpPr>
+      <p:grpSpPr>
+        <a:xfrm>
+          <a:off x="0" y="0"/>
+          <a:ext cx="0" cy="0"/>
+          <a:chOff x="0" y="0"/>
+          <a:chExt cx="0" cy="0"/>
+        </a:xfrm>
+      </p:grpSpPr>
+      <p:sp>
+        <p:nvSpPr>
+          <p:cNvPr id="2" name="슬라이드 이미지 개체 틀 1"/>
+          <p:cNvSpPr>
+            <a:spLocks noGrp="1" noRot="1" noChangeAspect="1"/>
+          </p:cNvSpPr>
+          <p:nvPr>
+            <p:ph type="sldImg"/>
+          </p:nvPr>
+        </p:nvSpPr>
+        <p:spPr/>
+      </p:sp>
+      <p:sp>
+        <p:nvSpPr>
+          <p:cNvPr id="3" name="슬라이드 노트 개체 틀 2"/>
+          <p:cNvSpPr>
+            <a:spLocks noGrp="1"/>
+          </p:cNvSpPr>
+          <p:nvPr>
+            <p:ph type="body" idx="1"/>
+          </p:nvPr>
+        </p:nvSpPr>
+        <p:spPr/>
+        <p:txBody>
+          <a:bodyPr/>
+          <a:lstStyle/>
+          <a:p>
+            <a:r>
+              <a:rPr lang="ko-KR" altLang="en-US" dirty="0"/>
+              <a:t>실험 결과입니다</a:t>
+            </a:r>
+            <a:r>
+              <a:rPr lang="en-US" altLang="ko-KR" dirty="0"/>
+              <a:t>. </a:t>
+            </a:r>
+          </a:p>
+          <a:p>
+            <a:r>
+              <a:rPr lang="ko-KR" altLang="en-US" dirty="0"/>
+              <a:t>본 논문에서 제안한 전이 학습 기반의 모델 성능을 비교한 결과 </a:t>
+            </a:r>
+            <a:endParaRPr lang="en-US" altLang="ko-KR" dirty="0"/>
+          </a:p>
+          <a:p>
+            <a:r>
+              <a:rPr lang="ko-KR" altLang="en-US" dirty="0"/>
+              <a:t>기존 모델인 </a:t>
+            </a:r>
+            <a:endParaRPr lang="en-US" altLang="ko-KR" dirty="0"/>
+          </a:p>
+          <a:p>
+            <a:endParaRPr lang="ko-KR" altLang="en-US" dirty="0"/>
+          </a:p>
+        </p:txBody>
+      </p:sp>
+      <p:sp>
+        <p:nvSpPr>
+          <p:cNvPr id="4" name="슬라이드 번호 개체 틀 3"/>
+          <p:cNvSpPr>
+            <a:spLocks noGrp="1"/>
+          </p:cNvSpPr>
+          <p:nvPr>
+            <p:ph type="sldNum" sz="quarter" idx="5"/>
+          </p:nvPr>
+        </p:nvSpPr>
+        <p:spPr/>
+        <p:txBody>
+          <a:bodyPr/>
+          <a:lstStyle/>
+          <a:p>
+            <a:fld id="{3DA20865-045B-45A9-AC7A-AC77C3641144}" type="slidenum">
+              <a:rPr lang="ko-KR" altLang="en-US" smtClean="0"/>
+              <a:t>13</a:t>
+            </a:fld>
+            <a:endParaRPr lang="ko-KR" altLang="en-US"/>
+          </a:p>
+        </p:txBody>
+      </p:sp>
+    </p:spTree>
+    <p:extLst>
+      <p:ext uri="{BB962C8B-B14F-4D97-AF65-F5344CB8AC3E}">
+        <p14:creationId xmlns:p14="http://schemas.microsoft.com/office/powerpoint/2010/main" val="1837720588"/>
+      </p:ext>
+    </p:extLst>
+  </p:cSld>
+  <p:clrMapOvr>
+    <a:masterClrMapping/>
+  </p:clrMapOvr>
+</p:notes>
+</file>
+
+<file path=ppt/notesSlides/notesSlide14.xml><?xml version="1.0" encoding="utf-8"?>
+<p:notes xmlns:a="http://schemas.openxmlformats.org/drawingml/2006/main" xmlns:r="http://schemas.openxmlformats.org/officeDocument/2006/relationships" xmlns:p="http://schemas.openxmlformats.org/presentationml/2006/main">
+  <p:cSld>
+    <p:spTree>
+      <p:nvGrpSpPr>
+        <p:cNvPr id="1" name=""/>
+        <p:cNvGrpSpPr/>
+        <p:nvPr/>
+      </p:nvGrpSpPr>
+      <p:grpSpPr>
+        <a:xfrm>
+          <a:off x="0" y="0"/>
+          <a:ext cx="0" cy="0"/>
+          <a:chOff x="0" y="0"/>
+          <a:chExt cx="0" cy="0"/>
+        </a:xfrm>
+      </p:grpSpPr>
+      <p:sp>
+        <p:nvSpPr>
+          <p:cNvPr id="2" name="슬라이드 이미지 개체 틀 1"/>
+          <p:cNvSpPr>
+            <a:spLocks noGrp="1" noRot="1" noChangeAspect="1"/>
+          </p:cNvSpPr>
+          <p:nvPr>
+            <p:ph type="sldImg"/>
+          </p:nvPr>
+        </p:nvSpPr>
+        <p:spPr/>
+      </p:sp>
+      <p:sp>
+        <p:nvSpPr>
+          <p:cNvPr id="3" name="슬라이드 노트 개체 틀 2"/>
+          <p:cNvSpPr>
+            <a:spLocks noGrp="1"/>
+          </p:cNvSpPr>
+          <p:nvPr>
+            <p:ph type="body" idx="1"/>
+          </p:nvPr>
+        </p:nvSpPr>
+        <p:spPr/>
+        <p:txBody>
+          <a:bodyPr/>
+          <a:lstStyle/>
+          <a:p>
+            <a:r>
+              <a:rPr lang="ko-KR" altLang="en-US" dirty="0"/>
+              <a:t>마지막으로 결론과 향후 연구입니다</a:t>
+            </a:r>
+            <a:r>
+              <a:rPr lang="en-US" altLang="ko-KR" dirty="0"/>
+              <a:t>. </a:t>
+            </a:r>
+          </a:p>
+          <a:p>
+            <a:pPr marL="171450" indent="-171450">
+              <a:buFontTx/>
+              <a:buChar char="-"/>
+            </a:pPr>
+            <a:r>
+              <a:rPr lang="ko-KR" altLang="en-US" dirty="0"/>
+              <a:t>본 연구는 예측하고자 하는 지역에 일사량 정보가 부족하더라도 이를 보안할 수 있는 전이 학습 기반의 다단계 일사량 예측 모델을 </a:t>
+            </a:r>
+            <a:r>
+              <a:rPr lang="en-US" altLang="ko-KR" dirty="0"/>
+              <a:t>3</a:t>
+            </a:r>
+            <a:r>
+              <a:rPr lang="ko-KR" altLang="en-US" dirty="0"/>
+              <a:t>단계로 나눠 제안했습니다</a:t>
+            </a:r>
+            <a:r>
+              <a:rPr lang="en-US" altLang="ko-KR" dirty="0"/>
+              <a:t>. </a:t>
+            </a:r>
+          </a:p>
+          <a:p>
+            <a:pPr marL="171450" indent="-171450">
+              <a:buFontTx/>
+              <a:buChar char="-"/>
+            </a:pPr>
+            <a:r>
+              <a:rPr lang="ko-KR" altLang="en-US" dirty="0"/>
+              <a:t>실험 결과</a:t>
+            </a:r>
+            <a:r>
+              <a:rPr lang="en-US" altLang="ko-KR" dirty="0"/>
+              <a:t>, </a:t>
+            </a:r>
+            <a:r>
+              <a:rPr lang="ko-KR" altLang="en-US" dirty="0"/>
+              <a:t>본 연구에서 제안하는 전이 학습 기반의 다단계 일사량 예측 모델이 다른 지역의 충분한 기후 정보 데이터를 통해</a:t>
+            </a:r>
+            <a:r>
+              <a:rPr lang="en-US" altLang="ko-KR" dirty="0"/>
+              <a:t>, </a:t>
+            </a:r>
+            <a:r>
+              <a:rPr lang="ko-KR" altLang="en-US" dirty="0"/>
+              <a:t>초기 태양광 발전 시스템에서 제안한 모델의 적용 가능성을 확인할 수 있었습니다</a:t>
+            </a:r>
+            <a:r>
+              <a:rPr lang="en-US" altLang="ko-KR" dirty="0"/>
+              <a:t>. </a:t>
+            </a:r>
+          </a:p>
+          <a:p>
+            <a:pPr marL="171450" indent="-171450">
+              <a:buFontTx/>
+              <a:buChar char="-"/>
+            </a:pPr>
+            <a:r>
+              <a:rPr lang="ko-KR" altLang="en-US" dirty="0"/>
+              <a:t>향후 연구로는 타겟 지역을 바꿔보며 다양한 지역을 대상으로 본 연구에서 제안하는 모델의 범용성을 확인해볼 예정입니다</a:t>
+            </a:r>
+            <a:r>
+              <a:rPr lang="en-US" altLang="ko-KR" dirty="0"/>
+              <a:t>. </a:t>
+            </a:r>
+          </a:p>
+          <a:p>
+            <a:pPr marL="171450" indent="-171450">
+              <a:buFontTx/>
+              <a:buChar char="-"/>
+            </a:pPr>
+            <a:endParaRPr lang="en-US" altLang="ko-KR" dirty="0"/>
+          </a:p>
+          <a:p>
+            <a:pPr marL="171450" indent="-171450">
+              <a:buFontTx/>
+              <a:buChar char="-"/>
+            </a:pPr>
+            <a:endParaRPr lang="en-US" altLang="ko-KR" dirty="0"/>
+          </a:p>
+        </p:txBody>
+      </p:sp>
+      <p:sp>
+        <p:nvSpPr>
+          <p:cNvPr id="4" name="슬라이드 번호 개체 틀 3"/>
+          <p:cNvSpPr>
+            <a:spLocks noGrp="1"/>
+          </p:cNvSpPr>
+          <p:nvPr>
+            <p:ph type="sldNum" sz="quarter" idx="5"/>
+          </p:nvPr>
+        </p:nvSpPr>
+        <p:spPr/>
+        <p:txBody>
+          <a:bodyPr/>
+          <a:lstStyle/>
+          <a:p>
+            <a:fld id="{3DA20865-045B-45A9-AC7A-AC77C3641144}" type="slidenum">
+              <a:rPr lang="ko-KR" altLang="en-US" smtClean="0"/>
+              <a:t>14</a:t>
+            </a:fld>
+            <a:endParaRPr lang="ko-KR" altLang="en-US"/>
+          </a:p>
+        </p:txBody>
+      </p:sp>
+    </p:spTree>
+    <p:extLst>
+      <p:ext uri="{BB962C8B-B14F-4D97-AF65-F5344CB8AC3E}">
+        <p14:creationId xmlns:p14="http://schemas.microsoft.com/office/powerpoint/2010/main" val="1816154395"/>
+      </p:ext>
+    </p:extLst>
+  </p:cSld>
+  <p:clrMapOvr>
+    <a:masterClrMapping/>
+  </p:clrMapOvr>
+</p:notes>
+</file>
+
+<file path=ppt/notesSlides/notesSlide15.xml><?xml version="1.0" encoding="utf-8"?>
+<p:notes xmlns:a="http://schemas.openxmlformats.org/drawingml/2006/main" xmlns:r="http://schemas.openxmlformats.org/officeDocument/2006/relationships" xmlns:p="http://schemas.openxmlformats.org/presentationml/2006/main">
+  <p:cSld>
+    <p:spTree>
+      <p:nvGrpSpPr>
+        <p:cNvPr id="1" name=""/>
+        <p:cNvGrpSpPr/>
+        <p:nvPr/>
+      </p:nvGrpSpPr>
+      <p:grpSpPr>
+        <a:xfrm>
+          <a:off x="0" y="0"/>
+          <a:ext cx="0" cy="0"/>
+          <a:chOff x="0" y="0"/>
+          <a:chExt cx="0" cy="0"/>
+        </a:xfrm>
+      </p:grpSpPr>
+      <p:sp>
+        <p:nvSpPr>
+          <p:cNvPr id="2" name="슬라이드 이미지 개체 틀 1"/>
+          <p:cNvSpPr>
+            <a:spLocks noGrp="1" noRot="1" noChangeAspect="1"/>
+          </p:cNvSpPr>
+          <p:nvPr>
+            <p:ph type="sldImg"/>
+          </p:nvPr>
+        </p:nvSpPr>
+        <p:spPr/>
+      </p:sp>
+      <p:sp>
+        <p:nvSpPr>
+          <p:cNvPr id="3" name="슬라이드 노트 개체 틀 2"/>
+          <p:cNvSpPr>
+            <a:spLocks noGrp="1"/>
+          </p:cNvSpPr>
+          <p:nvPr>
+            <p:ph type="body" idx="1"/>
+          </p:nvPr>
+        </p:nvSpPr>
+        <p:spPr/>
+        <p:txBody>
+          <a:bodyPr/>
+          <a:lstStyle/>
+          <a:p>
+            <a:r>
+              <a:rPr lang="ko-KR" altLang="en-US" dirty="0"/>
+              <a:t>이상 발표를 마치겠습니다</a:t>
+            </a:r>
+            <a:r>
+              <a:rPr lang="en-US" altLang="ko-KR" dirty="0"/>
+              <a:t>. </a:t>
+            </a:r>
+          </a:p>
+          <a:p>
+            <a:r>
+              <a:rPr lang="ko-KR" altLang="en-US" dirty="0"/>
+              <a:t>감사합니다</a:t>
+            </a:r>
+            <a:r>
+              <a:rPr lang="en-US" altLang="ko-KR"/>
+              <a:t>. </a:t>
+            </a:r>
+            <a:endParaRPr lang="ko-KR" altLang="en-US"/>
+          </a:p>
+        </p:txBody>
+      </p:sp>
+      <p:sp>
+        <p:nvSpPr>
+          <p:cNvPr id="4" name="슬라이드 번호 개체 틀 3"/>
+          <p:cNvSpPr>
+            <a:spLocks noGrp="1"/>
+          </p:cNvSpPr>
+          <p:nvPr>
+            <p:ph type="sldNum" sz="quarter" idx="5"/>
+          </p:nvPr>
+        </p:nvSpPr>
+        <p:spPr/>
+        <p:txBody>
+          <a:bodyPr/>
+          <a:lstStyle/>
+          <a:p>
+            <a:fld id="{3DA20865-045B-45A9-AC7A-AC77C3641144}" type="slidenum">
+              <a:rPr lang="ko-KR" altLang="en-US" smtClean="0"/>
+              <a:t>15</a:t>
+            </a:fld>
+            <a:endParaRPr lang="ko-KR" altLang="en-US"/>
+          </a:p>
+        </p:txBody>
+      </p:sp>
+    </p:spTree>
+    <p:extLst>
+      <p:ext uri="{BB962C8B-B14F-4D97-AF65-F5344CB8AC3E}">
+        <p14:creationId xmlns:p14="http://schemas.microsoft.com/office/powerpoint/2010/main" val="3649216594"/>
       </p:ext>
     </p:extLst>
   </p:cSld>
@@ -607,22 +1465,51 @@
           <a:lstStyle/>
           <a:p>
             <a:r>
-              <a:rPr lang="ko-KR" altLang="en-US" kern="0">
-                <a:solidFill>
-                  <a:sysClr val="windowText" lastClr="000000"/>
-                </a:solidFill>
-                <a:cs typeface="Malgun Gothic"/>
-              </a:rPr>
-              <a:t>태양광 발전 시스템을 구축하기 이전에</a:t>
-            </a:r>
-            <a:r>
-              <a:rPr lang="en-US" altLang="ko-KR" kern="0">
-                <a:solidFill>
-                  <a:sysClr val="windowText" lastClr="000000"/>
-                </a:solidFill>
-                <a:cs typeface="Malgun Gothic"/>
-              </a:rPr>
+              <a:rPr lang="ko-KR" altLang="en-US" dirty="0"/>
+              <a:t>발표 순서는 다음과 같습니다</a:t>
+            </a:r>
+            <a:endParaRPr lang="en-US" altLang="ko-KR" dirty="0"/>
+          </a:p>
+          <a:p>
+            <a:r>
+              <a:rPr lang="ko-KR" altLang="en-US" dirty="0"/>
+              <a:t>먼저 연구 배경과 목적을 </a:t>
+            </a:r>
+            <a:r>
+              <a:rPr lang="ko-KR" altLang="en-US" dirty="0" err="1"/>
+              <a:t>설명드리고</a:t>
+            </a:r>
+            <a:r>
+              <a:rPr lang="en-US" altLang="ko-KR" dirty="0"/>
               <a:t>, </a:t>
+            </a:r>
+          </a:p>
+          <a:p>
+            <a:r>
+              <a:rPr lang="ko-KR" altLang="en-US" dirty="0"/>
+              <a:t>저희가 본 연구에서 제안하는 일사량 예측 모델링 방법을 세 단계로 나누어 소개하겠습니다</a:t>
+            </a:r>
+            <a:r>
+              <a:rPr lang="en-US" altLang="ko-KR" dirty="0"/>
+              <a:t>. </a:t>
+            </a:r>
+          </a:p>
+          <a:p>
+            <a:r>
+              <a:rPr lang="ko-KR" altLang="en-US" dirty="0"/>
+              <a:t>그리고 실험 결과와 결론</a:t>
+            </a:r>
+            <a:r>
+              <a:rPr lang="en-US" altLang="ko-KR" dirty="0"/>
+              <a:t>, </a:t>
+            </a:r>
+            <a:r>
+              <a:rPr lang="ko-KR" altLang="en-US" dirty="0"/>
+              <a:t>향후 연구 순으로 발표하겠습니다</a:t>
+            </a:r>
+            <a:r>
+              <a:rPr lang="en-US" altLang="ko-KR" dirty="0"/>
+              <a:t>. </a:t>
             </a:r>
             <a:endParaRPr lang="ko-KR" altLang="en-US" dirty="0"/>
           </a:p>
@@ -645,7 +1532,7 @@
           <a:p>
             <a:fld id="{3DA20865-045B-45A9-AC7A-AC77C3641144}" type="slidenum">
               <a:rPr lang="ko-KR" altLang="en-US" smtClean="0"/>
-              <a:t>7</a:t>
+              <a:t>2</a:t>
             </a:fld>
             <a:endParaRPr lang="ko-KR" altLang="en-US"/>
           </a:p>
@@ -654,7 +1541,7 @@
     </p:spTree>
     <p:extLst>
       <p:ext uri="{BB962C8B-B14F-4D97-AF65-F5344CB8AC3E}">
-        <p14:creationId xmlns:p14="http://schemas.microsoft.com/office/powerpoint/2010/main" val="1321639438"/>
+        <p14:creationId xmlns:p14="http://schemas.microsoft.com/office/powerpoint/2010/main" val="3261951724"/>
       </p:ext>
     </p:extLst>
   </p:cSld>
@@ -708,7 +1595,34 @@
           <a:bodyPr/>
           <a:lstStyle/>
           <a:p>
-            <a:endParaRPr lang="ko-KR" altLang="en-US" dirty="0"/>
+            <a:r>
+              <a:rPr lang="ko-KR" altLang="en-US" dirty="0"/>
+              <a:t>첫 번째로 연구 배경입니다</a:t>
+            </a:r>
+            <a:r>
+              <a:rPr lang="en-US" altLang="ko-KR" dirty="0"/>
+              <a:t>. </a:t>
+            </a:r>
+          </a:p>
+          <a:p>
+            <a:r>
+              <a:rPr lang="ko-KR" altLang="en-US" dirty="0"/>
+              <a:t>최근 화석연료 사용으로 인한 온실가스 배출량의 감소를 줄이기 위해 신재생 에너지 발전의 중요성이 강조되고 있고</a:t>
+            </a:r>
+            <a:r>
+              <a:rPr lang="en-US" altLang="ko-KR" dirty="0"/>
+              <a:t>, </a:t>
+            </a:r>
+          </a:p>
+          <a:p>
+            <a:r>
+              <a:rPr lang="ko-KR" altLang="en-US" dirty="0"/>
+              <a:t>이를 활용한 스마트 그리드 기술의 관심이 높아지고 있습니다</a:t>
+            </a:r>
+            <a:r>
+              <a:rPr lang="en-US" altLang="ko-KR" dirty="0"/>
+              <a:t>. </a:t>
+            </a:r>
           </a:p>
         </p:txBody>
       </p:sp>
@@ -729,7 +1643,7 @@
           <a:p>
             <a:fld id="{3DA20865-045B-45A9-AC7A-AC77C3641144}" type="slidenum">
               <a:rPr lang="ko-KR" altLang="en-US" smtClean="0"/>
-              <a:t>11</a:t>
+              <a:t>3</a:t>
             </a:fld>
             <a:endParaRPr lang="ko-KR" altLang="en-US"/>
           </a:p>
@@ -738,7 +1652,869 @@
     </p:spTree>
     <p:extLst>
       <p:ext uri="{BB962C8B-B14F-4D97-AF65-F5344CB8AC3E}">
-        <p14:creationId xmlns:p14="http://schemas.microsoft.com/office/powerpoint/2010/main" val="85920766"/>
+        <p14:creationId xmlns:p14="http://schemas.microsoft.com/office/powerpoint/2010/main" val="1961190020"/>
+      </p:ext>
+    </p:extLst>
+  </p:cSld>
+  <p:clrMapOvr>
+    <a:masterClrMapping/>
+  </p:clrMapOvr>
+</p:notes>
+</file>
+
+<file path=ppt/notesSlides/notesSlide4.xml><?xml version="1.0" encoding="utf-8"?>
+<p:notes xmlns:a="http://schemas.openxmlformats.org/drawingml/2006/main" xmlns:r="http://schemas.openxmlformats.org/officeDocument/2006/relationships" xmlns:p="http://schemas.openxmlformats.org/presentationml/2006/main">
+  <p:cSld>
+    <p:spTree>
+      <p:nvGrpSpPr>
+        <p:cNvPr id="1" name=""/>
+        <p:cNvGrpSpPr/>
+        <p:nvPr/>
+      </p:nvGrpSpPr>
+      <p:grpSpPr>
+        <a:xfrm>
+          <a:off x="0" y="0"/>
+          <a:ext cx="0" cy="0"/>
+          <a:chOff x="0" y="0"/>
+          <a:chExt cx="0" cy="0"/>
+        </a:xfrm>
+      </p:grpSpPr>
+      <p:sp>
+        <p:nvSpPr>
+          <p:cNvPr id="2" name="슬라이드 이미지 개체 틀 1"/>
+          <p:cNvSpPr>
+            <a:spLocks noGrp="1" noRot="1" noChangeAspect="1"/>
+          </p:cNvSpPr>
+          <p:nvPr>
+            <p:ph type="sldImg"/>
+          </p:nvPr>
+        </p:nvSpPr>
+        <p:spPr/>
+      </p:sp>
+      <p:sp>
+        <p:nvSpPr>
+          <p:cNvPr id="3" name="슬라이드 노트 개체 틀 2"/>
+          <p:cNvSpPr>
+            <a:spLocks noGrp="1"/>
+          </p:cNvSpPr>
+          <p:nvPr>
+            <p:ph type="body" idx="1"/>
+          </p:nvPr>
+        </p:nvSpPr>
+        <p:spPr/>
+        <p:txBody>
+          <a:bodyPr/>
+          <a:lstStyle/>
+          <a:p>
+            <a:r>
+              <a:rPr lang="ko-KR" altLang="en-US" dirty="0"/>
+              <a:t>특히 신재생 에너지 중에서도</a:t>
+            </a:r>
+            <a:r>
+              <a:rPr lang="en-US" altLang="ko-KR" dirty="0"/>
+              <a:t> </a:t>
+            </a:r>
+            <a:r>
+              <a:rPr lang="ko-KR" altLang="en-US" dirty="0"/>
+              <a:t>태양광 발전 시스템은 자연 친화적이며 재생가능한 에너지로 알려져 있습니다</a:t>
+            </a:r>
+            <a:r>
+              <a:rPr lang="en-US" altLang="ko-KR" dirty="0"/>
+              <a:t>. </a:t>
+            </a:r>
+          </a:p>
+          <a:p>
+            <a:endParaRPr lang="en-US" altLang="ko-KR" dirty="0"/>
+          </a:p>
+          <a:p>
+            <a:pPr marL="0" marR="0" lvl="0" indent="0" algn="l" defTabSz="914400" rtl="0" eaLnBrk="1" fontAlgn="auto" latinLnBrk="1" hangingPunct="1">
+              <a:lnSpc>
+                <a:spcPct val="100000"/>
+              </a:lnSpc>
+              <a:spcBef>
+                <a:spcPts val="0"/>
+              </a:spcBef>
+              <a:spcAft>
+                <a:spcPts val="0"/>
+              </a:spcAft>
+              <a:buClrTx/>
+              <a:buSzTx/>
+              <a:buFontTx/>
+              <a:buNone/>
+              <a:tabLst/>
+              <a:defRPr/>
+            </a:pPr>
+            <a:r>
+              <a:rPr lang="ko-KR" altLang="en-US" dirty="0"/>
+              <a:t>그리고 에너지업계 리서치 회사에 </a:t>
+            </a:r>
+            <a:r>
+              <a:rPr lang="en-US" altLang="ko-KR" dirty="0"/>
+              <a:t>BNEF</a:t>
+            </a:r>
+            <a:r>
+              <a:rPr lang="ko-KR" altLang="en-US" dirty="0"/>
+              <a:t>에 연구 조사에 따르면 세계적으로도 태양광 </a:t>
+            </a:r>
+            <a:r>
+              <a:rPr lang="ko-KR" altLang="en-US" dirty="0" err="1"/>
+              <a:t>설치량이</a:t>
+            </a:r>
+            <a:r>
+              <a:rPr lang="ko-KR" altLang="en-US" dirty="0"/>
+              <a:t> 증가되고 있는 추세로 확인됐습니다</a:t>
+            </a:r>
+            <a:r>
+              <a:rPr lang="en-US" altLang="ko-KR" dirty="0"/>
+              <a:t>. </a:t>
+            </a:r>
+          </a:p>
+          <a:p>
+            <a:endParaRPr lang="ko-KR" altLang="en-US" dirty="0"/>
+          </a:p>
+        </p:txBody>
+      </p:sp>
+      <p:sp>
+        <p:nvSpPr>
+          <p:cNvPr id="4" name="슬라이드 번호 개체 틀 3"/>
+          <p:cNvSpPr>
+            <a:spLocks noGrp="1"/>
+          </p:cNvSpPr>
+          <p:nvPr>
+            <p:ph type="sldNum" sz="quarter" idx="5"/>
+          </p:nvPr>
+        </p:nvSpPr>
+        <p:spPr/>
+        <p:txBody>
+          <a:bodyPr/>
+          <a:lstStyle/>
+          <a:p>
+            <a:fld id="{3DA20865-045B-45A9-AC7A-AC77C3641144}" type="slidenum">
+              <a:rPr lang="ko-KR" altLang="en-US" smtClean="0"/>
+              <a:t>4</a:t>
+            </a:fld>
+            <a:endParaRPr lang="ko-KR" altLang="en-US"/>
+          </a:p>
+        </p:txBody>
+      </p:sp>
+    </p:spTree>
+    <p:extLst>
+      <p:ext uri="{BB962C8B-B14F-4D97-AF65-F5344CB8AC3E}">
+        <p14:creationId xmlns:p14="http://schemas.microsoft.com/office/powerpoint/2010/main" val="3261614218"/>
+      </p:ext>
+    </p:extLst>
+  </p:cSld>
+  <p:clrMapOvr>
+    <a:masterClrMapping/>
+  </p:clrMapOvr>
+</p:notes>
+</file>
+
+<file path=ppt/notesSlides/notesSlide5.xml><?xml version="1.0" encoding="utf-8"?>
+<p:notes xmlns:a="http://schemas.openxmlformats.org/drawingml/2006/main" xmlns:r="http://schemas.openxmlformats.org/officeDocument/2006/relationships" xmlns:p="http://schemas.openxmlformats.org/presentationml/2006/main">
+  <p:cSld>
+    <p:spTree>
+      <p:nvGrpSpPr>
+        <p:cNvPr id="1" name=""/>
+        <p:cNvGrpSpPr/>
+        <p:nvPr/>
+      </p:nvGrpSpPr>
+      <p:grpSpPr>
+        <a:xfrm>
+          <a:off x="0" y="0"/>
+          <a:ext cx="0" cy="0"/>
+          <a:chOff x="0" y="0"/>
+          <a:chExt cx="0" cy="0"/>
+        </a:xfrm>
+      </p:grpSpPr>
+      <p:sp>
+        <p:nvSpPr>
+          <p:cNvPr id="2" name="슬라이드 이미지 개체 틀 1"/>
+          <p:cNvSpPr>
+            <a:spLocks noGrp="1" noRot="1" noChangeAspect="1"/>
+          </p:cNvSpPr>
+          <p:nvPr>
+            <p:ph type="sldImg"/>
+          </p:nvPr>
+        </p:nvSpPr>
+        <p:spPr/>
+      </p:sp>
+      <p:sp>
+        <p:nvSpPr>
+          <p:cNvPr id="3" name="슬라이드 노트 개체 틀 2"/>
+          <p:cNvSpPr>
+            <a:spLocks noGrp="1"/>
+          </p:cNvSpPr>
+          <p:nvPr>
+            <p:ph type="body" idx="1"/>
+          </p:nvPr>
+        </p:nvSpPr>
+        <p:spPr/>
+        <p:txBody>
+          <a:bodyPr/>
+          <a:lstStyle/>
+          <a:p>
+            <a:r>
+              <a:rPr lang="ko-KR" altLang="en-US" dirty="0"/>
+              <a:t>그래서 이 태양광 발전에 가장 중요한 에너지원은 일사량이며</a:t>
+            </a:r>
+            <a:r>
+              <a:rPr lang="en-US" altLang="ko-KR" dirty="0"/>
+              <a:t>, </a:t>
+            </a:r>
+          </a:p>
+          <a:p>
+            <a:r>
+              <a:rPr lang="ko-KR" altLang="en-US" dirty="0"/>
+              <a:t>태양광 발전 시스템은 미래 일사량 정보를 바탕으로 에너지 운영 계획을 수립하기 때문에 </a:t>
+            </a:r>
+            <a:endParaRPr lang="en-US" altLang="ko-KR" dirty="0"/>
+          </a:p>
+          <a:p>
+            <a:r>
+              <a:rPr lang="ko-KR" altLang="en-US" dirty="0"/>
+              <a:t>발전 시스템을 효율적으로 운영하기 위해서는 사전에 정확한 일사량을 예측하는 것이 중요합니다</a:t>
+            </a:r>
+            <a:r>
+              <a:rPr lang="en-US" altLang="ko-KR" dirty="0"/>
+              <a:t>.</a:t>
+            </a:r>
+          </a:p>
+          <a:p>
+            <a:r>
+              <a:rPr lang="en-US" altLang="ko-KR" dirty="0"/>
+              <a:t> </a:t>
+            </a:r>
+          </a:p>
+          <a:p>
+            <a:r>
+              <a:rPr lang="ko-KR" altLang="en-US" dirty="0"/>
+              <a:t>하지만 기상청에서는 일사량 정보를 제공하지 않아</a:t>
+            </a:r>
+            <a:r>
+              <a:rPr lang="en-US" altLang="ko-KR" dirty="0"/>
+              <a:t>, </a:t>
+            </a:r>
+            <a:r>
+              <a:rPr lang="ko-KR" altLang="en-US" dirty="0"/>
+              <a:t>이를 기계학습으로 예측하는 연구가 활발하게 진행중에 있습니다</a:t>
+            </a:r>
+            <a:r>
+              <a:rPr lang="en-US" altLang="ko-KR" dirty="0"/>
+              <a:t>. </a:t>
+            </a:r>
+          </a:p>
+          <a:p>
+            <a:endParaRPr lang="en-US" altLang="ko-KR" dirty="0"/>
+          </a:p>
+          <a:p>
+            <a:endParaRPr lang="ko-KR" altLang="en-US" dirty="0"/>
+          </a:p>
+        </p:txBody>
+      </p:sp>
+      <p:sp>
+        <p:nvSpPr>
+          <p:cNvPr id="4" name="슬라이드 번호 개체 틀 3"/>
+          <p:cNvSpPr>
+            <a:spLocks noGrp="1"/>
+          </p:cNvSpPr>
+          <p:nvPr>
+            <p:ph type="sldNum" sz="quarter" idx="5"/>
+          </p:nvPr>
+        </p:nvSpPr>
+        <p:spPr/>
+        <p:txBody>
+          <a:bodyPr/>
+          <a:lstStyle/>
+          <a:p>
+            <a:fld id="{3DA20865-045B-45A9-AC7A-AC77C3641144}" type="slidenum">
+              <a:rPr lang="ko-KR" altLang="en-US" smtClean="0"/>
+              <a:t>5</a:t>
+            </a:fld>
+            <a:endParaRPr lang="ko-KR" altLang="en-US"/>
+          </a:p>
+        </p:txBody>
+      </p:sp>
+    </p:spTree>
+    <p:extLst>
+      <p:ext uri="{BB962C8B-B14F-4D97-AF65-F5344CB8AC3E}">
+        <p14:creationId xmlns:p14="http://schemas.microsoft.com/office/powerpoint/2010/main" val="1301685664"/>
+      </p:ext>
+    </p:extLst>
+  </p:cSld>
+  <p:clrMapOvr>
+    <a:masterClrMapping/>
+  </p:clrMapOvr>
+</p:notes>
+</file>
+
+<file path=ppt/notesSlides/notesSlide6.xml><?xml version="1.0" encoding="utf-8"?>
+<p:notes xmlns:a="http://schemas.openxmlformats.org/drawingml/2006/main" xmlns:r="http://schemas.openxmlformats.org/officeDocument/2006/relationships" xmlns:p="http://schemas.openxmlformats.org/presentationml/2006/main">
+  <p:cSld>
+    <p:spTree>
+      <p:nvGrpSpPr>
+        <p:cNvPr id="1" name=""/>
+        <p:cNvGrpSpPr/>
+        <p:nvPr/>
+      </p:nvGrpSpPr>
+      <p:grpSpPr>
+        <a:xfrm>
+          <a:off x="0" y="0"/>
+          <a:ext cx="0" cy="0"/>
+          <a:chOff x="0" y="0"/>
+          <a:chExt cx="0" cy="0"/>
+        </a:xfrm>
+      </p:grpSpPr>
+      <p:sp>
+        <p:nvSpPr>
+          <p:cNvPr id="2" name="슬라이드 이미지 개체 틀 1"/>
+          <p:cNvSpPr>
+            <a:spLocks noGrp="1" noRot="1" noChangeAspect="1"/>
+          </p:cNvSpPr>
+          <p:nvPr>
+            <p:ph type="sldImg"/>
+          </p:nvPr>
+        </p:nvSpPr>
+        <p:spPr/>
+      </p:sp>
+      <p:sp>
+        <p:nvSpPr>
+          <p:cNvPr id="3" name="슬라이드 노트 개체 틀 2"/>
+          <p:cNvSpPr>
+            <a:spLocks noGrp="1"/>
+          </p:cNvSpPr>
+          <p:nvPr>
+            <p:ph type="body" idx="1"/>
+          </p:nvPr>
+        </p:nvSpPr>
+        <p:spPr/>
+        <p:txBody>
+          <a:bodyPr/>
+          <a:lstStyle/>
+          <a:p>
+            <a:r>
+              <a:rPr lang="ko-KR" altLang="en-US" dirty="0"/>
+              <a:t>위 표는 일사량 </a:t>
+            </a:r>
+            <a:r>
+              <a:rPr lang="ko-KR" altLang="en-US" dirty="0" err="1"/>
+              <a:t>일사량</a:t>
+            </a:r>
+            <a:r>
+              <a:rPr lang="ko-KR" altLang="en-US" dirty="0"/>
+              <a:t> 예측을 위한 </a:t>
+            </a:r>
+            <a:r>
+              <a:rPr lang="ko-KR" altLang="en-US" dirty="0" err="1"/>
+              <a:t>연구자료이며</a:t>
+            </a:r>
+            <a:r>
+              <a:rPr lang="ko-KR" altLang="en-US" dirty="0"/>
+              <a:t> </a:t>
+            </a:r>
+            <a:endParaRPr lang="en-US" altLang="ko-KR" dirty="0"/>
+          </a:p>
+          <a:p>
+            <a:r>
+              <a:rPr lang="ko-KR" altLang="en-US" dirty="0"/>
+              <a:t>정확한 단기 일사량을 예측하기 위한 연구가 활발히 진행됨을 알 수 있습니다</a:t>
+            </a:r>
+            <a:r>
+              <a:rPr lang="en-US" altLang="ko-KR" dirty="0"/>
+              <a:t>. </a:t>
+            </a:r>
+          </a:p>
+        </p:txBody>
+      </p:sp>
+      <p:sp>
+        <p:nvSpPr>
+          <p:cNvPr id="4" name="슬라이드 번호 개체 틀 3"/>
+          <p:cNvSpPr>
+            <a:spLocks noGrp="1"/>
+          </p:cNvSpPr>
+          <p:nvPr>
+            <p:ph type="sldNum" sz="quarter" idx="5"/>
+          </p:nvPr>
+        </p:nvSpPr>
+        <p:spPr/>
+        <p:txBody>
+          <a:bodyPr/>
+          <a:lstStyle/>
+          <a:p>
+            <a:fld id="{3DA20865-045B-45A9-AC7A-AC77C3641144}" type="slidenum">
+              <a:rPr lang="ko-KR" altLang="en-US" smtClean="0"/>
+              <a:t>6</a:t>
+            </a:fld>
+            <a:endParaRPr lang="ko-KR" altLang="en-US"/>
+          </a:p>
+        </p:txBody>
+      </p:sp>
+    </p:spTree>
+    <p:extLst>
+      <p:ext uri="{BB962C8B-B14F-4D97-AF65-F5344CB8AC3E}">
+        <p14:creationId xmlns:p14="http://schemas.microsoft.com/office/powerpoint/2010/main" val="2037303"/>
+      </p:ext>
+    </p:extLst>
+  </p:cSld>
+  <p:clrMapOvr>
+    <a:masterClrMapping/>
+  </p:clrMapOvr>
+</p:notes>
+</file>
+
+<file path=ppt/notesSlides/notesSlide7.xml><?xml version="1.0" encoding="utf-8"?>
+<p:notes xmlns:a="http://schemas.openxmlformats.org/drawingml/2006/main" xmlns:r="http://schemas.openxmlformats.org/officeDocument/2006/relationships" xmlns:p="http://schemas.openxmlformats.org/presentationml/2006/main">
+  <p:cSld>
+    <p:spTree>
+      <p:nvGrpSpPr>
+        <p:cNvPr id="1" name=""/>
+        <p:cNvGrpSpPr/>
+        <p:nvPr/>
+      </p:nvGrpSpPr>
+      <p:grpSpPr>
+        <a:xfrm>
+          <a:off x="0" y="0"/>
+          <a:ext cx="0" cy="0"/>
+          <a:chOff x="0" y="0"/>
+          <a:chExt cx="0" cy="0"/>
+        </a:xfrm>
+      </p:grpSpPr>
+      <p:sp>
+        <p:nvSpPr>
+          <p:cNvPr id="2" name="슬라이드 이미지 개체 틀 1"/>
+          <p:cNvSpPr>
+            <a:spLocks noGrp="1" noRot="1" noChangeAspect="1"/>
+          </p:cNvSpPr>
+          <p:nvPr>
+            <p:ph type="sldImg"/>
+          </p:nvPr>
+        </p:nvSpPr>
+        <p:spPr/>
+      </p:sp>
+      <p:sp>
+        <p:nvSpPr>
+          <p:cNvPr id="3" name="슬라이드 노트 개체 틀 2"/>
+          <p:cNvSpPr>
+            <a:spLocks noGrp="1"/>
+          </p:cNvSpPr>
+          <p:nvPr>
+            <p:ph type="body" idx="1"/>
+          </p:nvPr>
+        </p:nvSpPr>
+        <p:spPr/>
+        <p:txBody>
+          <a:bodyPr/>
+          <a:lstStyle/>
+          <a:p>
+            <a:r>
+              <a:rPr lang="ko-KR" altLang="en-US" dirty="0"/>
+              <a:t>다음으로 연구 목적입니다</a:t>
+            </a:r>
+            <a:r>
+              <a:rPr lang="en-US" altLang="ko-KR" dirty="0"/>
+              <a:t>. </a:t>
+            </a:r>
+          </a:p>
+          <a:p>
+            <a:endParaRPr lang="en-US" altLang="ko-KR" dirty="0"/>
+          </a:p>
+          <a:p>
+            <a:r>
+              <a:rPr lang="ko-KR" altLang="en-US" dirty="0"/>
+              <a:t>저희 연구에서는 초기 태양광 발전 시스템을 도입하는 지역에서 일사량 정보가 부족하다는 가정하에 진행됐습니다</a:t>
+            </a:r>
+            <a:r>
+              <a:rPr lang="en-US" altLang="ko-KR" dirty="0"/>
+              <a:t>. </a:t>
+            </a:r>
+          </a:p>
+          <a:p>
+            <a:r>
+              <a:rPr lang="ko-KR" altLang="en-US" dirty="0"/>
+              <a:t>이렇게 시스템을 설치하고자 하는 지역에 일사량 정보가 부족하다고 가정을 해보면</a:t>
+            </a:r>
+            <a:r>
+              <a:rPr lang="en-US" altLang="ko-KR" dirty="0"/>
+              <a:t>, </a:t>
+            </a:r>
+          </a:p>
+          <a:p>
+            <a:r>
+              <a:rPr lang="ko-KR" altLang="en-US" dirty="0"/>
+              <a:t>앞서 연구 배경에서 고려했던 시스템을 효율적으로 운영하지 못하는 문제가 생기게 됩니다</a:t>
+            </a:r>
+            <a:r>
+              <a:rPr lang="en-US" altLang="ko-KR" dirty="0"/>
+              <a:t>. </a:t>
+            </a:r>
+          </a:p>
+          <a:p>
+            <a:endParaRPr lang="en-US" altLang="ko-KR" dirty="0"/>
+          </a:p>
+          <a:p>
+            <a:r>
+              <a:rPr lang="ko-KR" altLang="en-US" dirty="0"/>
+              <a:t>따라서 본 연구에서는 예측 대상 지역에서 하루치의 일사량만 수집되었더라도 타 지역의 충분한 일사량 데이터를 활용해 </a:t>
+            </a:r>
+            <a:endParaRPr lang="en-US" altLang="ko-KR" dirty="0"/>
+          </a:p>
+          <a:p>
+            <a:r>
+              <a:rPr lang="ko-KR" altLang="en-US" dirty="0"/>
+              <a:t>전이학습 기반의 다단계 일사량 예측 모델을 제안합니다</a:t>
+            </a:r>
+            <a:r>
+              <a:rPr lang="en-US" altLang="ko-KR" dirty="0"/>
+              <a:t>. </a:t>
+            </a:r>
+            <a:endParaRPr lang="ko-KR" altLang="en-US" dirty="0"/>
+          </a:p>
+        </p:txBody>
+      </p:sp>
+      <p:sp>
+        <p:nvSpPr>
+          <p:cNvPr id="4" name="슬라이드 번호 개체 틀 3"/>
+          <p:cNvSpPr>
+            <a:spLocks noGrp="1"/>
+          </p:cNvSpPr>
+          <p:nvPr>
+            <p:ph type="sldNum" sz="quarter" idx="5"/>
+          </p:nvPr>
+        </p:nvSpPr>
+        <p:spPr/>
+        <p:txBody>
+          <a:bodyPr/>
+          <a:lstStyle/>
+          <a:p>
+            <a:fld id="{3DA20865-045B-45A9-AC7A-AC77C3641144}" type="slidenum">
+              <a:rPr lang="ko-KR" altLang="en-US" smtClean="0"/>
+              <a:t>7</a:t>
+            </a:fld>
+            <a:endParaRPr lang="ko-KR" altLang="en-US"/>
+          </a:p>
+        </p:txBody>
+      </p:sp>
+    </p:spTree>
+    <p:extLst>
+      <p:ext uri="{BB962C8B-B14F-4D97-AF65-F5344CB8AC3E}">
+        <p14:creationId xmlns:p14="http://schemas.microsoft.com/office/powerpoint/2010/main" val="1321639438"/>
+      </p:ext>
+    </p:extLst>
+  </p:cSld>
+  <p:clrMapOvr>
+    <a:masterClrMapping/>
+  </p:clrMapOvr>
+</p:notes>
+</file>
+
+<file path=ppt/notesSlides/notesSlide8.xml><?xml version="1.0" encoding="utf-8"?>
+<p:notes xmlns:a="http://schemas.openxmlformats.org/drawingml/2006/main" xmlns:r="http://schemas.openxmlformats.org/officeDocument/2006/relationships" xmlns:p="http://schemas.openxmlformats.org/presentationml/2006/main">
+  <p:cSld>
+    <p:spTree>
+      <p:nvGrpSpPr>
+        <p:cNvPr id="1" name=""/>
+        <p:cNvGrpSpPr/>
+        <p:nvPr/>
+      </p:nvGrpSpPr>
+      <p:grpSpPr>
+        <a:xfrm>
+          <a:off x="0" y="0"/>
+          <a:ext cx="0" cy="0"/>
+          <a:chOff x="0" y="0"/>
+          <a:chExt cx="0" cy="0"/>
+        </a:xfrm>
+      </p:grpSpPr>
+      <p:sp>
+        <p:nvSpPr>
+          <p:cNvPr id="2" name="슬라이드 이미지 개체 틀 1"/>
+          <p:cNvSpPr>
+            <a:spLocks noGrp="1" noRot="1" noChangeAspect="1"/>
+          </p:cNvSpPr>
+          <p:nvPr>
+            <p:ph type="sldImg"/>
+          </p:nvPr>
+        </p:nvSpPr>
+        <p:spPr/>
+      </p:sp>
+      <p:sp>
+        <p:nvSpPr>
+          <p:cNvPr id="3" name="슬라이드 노트 개체 틀 2"/>
+          <p:cNvSpPr>
+            <a:spLocks noGrp="1"/>
+          </p:cNvSpPr>
+          <p:nvPr>
+            <p:ph type="body" idx="1"/>
+          </p:nvPr>
+        </p:nvSpPr>
+        <p:spPr/>
+        <p:txBody>
+          <a:bodyPr/>
+          <a:lstStyle/>
+          <a:p>
+            <a:r>
+              <a:rPr lang="ko-KR" altLang="en-US" dirty="0"/>
+              <a:t>모델링 </a:t>
+            </a:r>
+            <a:r>
+              <a:rPr lang="en-US" altLang="ko-KR" dirty="0"/>
+              <a:t>1</a:t>
+            </a:r>
+            <a:r>
+              <a:rPr lang="ko-KR" altLang="en-US" dirty="0"/>
+              <a:t>단계 입니다</a:t>
+            </a:r>
+            <a:r>
+              <a:rPr lang="en-US" altLang="ko-KR" dirty="0"/>
+              <a:t>. </a:t>
+            </a:r>
+          </a:p>
+          <a:p>
+            <a:r>
+              <a:rPr lang="ko-KR" altLang="en-US" dirty="0"/>
+              <a:t>연구에 사용한 데이터는 </a:t>
+            </a:r>
+            <a:r>
+              <a:rPr lang="en-US" altLang="ko-KR" dirty="0"/>
+              <a:t>1</a:t>
+            </a:r>
+            <a:r>
+              <a:rPr lang="ko-KR" altLang="en-US" dirty="0"/>
+              <a:t>시간 단위로 수집된 기상청 종관기상관측 데이터이며</a:t>
+            </a:r>
+            <a:r>
+              <a:rPr lang="en-US" altLang="ko-KR" dirty="0"/>
+              <a:t>,</a:t>
+            </a:r>
+          </a:p>
+          <a:p>
+            <a:endParaRPr lang="en-US" altLang="ko-KR" dirty="0"/>
+          </a:p>
+          <a:p>
+            <a:r>
+              <a:rPr lang="ko-KR" altLang="en-US" dirty="0"/>
+              <a:t>타겟 지역을 제외한 </a:t>
+            </a:r>
+            <a:r>
+              <a:rPr lang="en-US" altLang="ko-KR" dirty="0"/>
+              <a:t>5</a:t>
+            </a:r>
+            <a:r>
+              <a:rPr lang="ko-KR" altLang="en-US" dirty="0"/>
+              <a:t>개 지역의 </a:t>
+            </a:r>
+            <a:r>
+              <a:rPr lang="en-US" altLang="ko-KR" dirty="0"/>
+              <a:t>4</a:t>
+            </a:r>
+            <a:r>
+              <a:rPr lang="ko-KR" altLang="en-US" dirty="0"/>
+              <a:t>년치 데이터를 사용했고</a:t>
+            </a:r>
+            <a:r>
+              <a:rPr lang="en-US" altLang="ko-KR" dirty="0"/>
+              <a:t>, </a:t>
+            </a:r>
+          </a:p>
+          <a:p>
+            <a:r>
+              <a:rPr lang="ko-KR" altLang="en-US" dirty="0"/>
+              <a:t>입력 변수는 타겟 변수인 일사량을 제외한 </a:t>
+            </a:r>
+            <a:r>
+              <a:rPr lang="en-US" altLang="ko-KR" dirty="0"/>
+              <a:t>7</a:t>
+            </a:r>
+            <a:r>
+              <a:rPr lang="ko-KR" altLang="en-US" dirty="0"/>
+              <a:t>개 변수로 입력 변수를 구성했습니다</a:t>
+            </a:r>
+            <a:r>
+              <a:rPr lang="en-US" altLang="ko-KR" dirty="0"/>
+              <a:t>. </a:t>
+            </a:r>
+          </a:p>
+        </p:txBody>
+      </p:sp>
+      <p:sp>
+        <p:nvSpPr>
+          <p:cNvPr id="4" name="슬라이드 번호 개체 틀 3"/>
+          <p:cNvSpPr>
+            <a:spLocks noGrp="1"/>
+          </p:cNvSpPr>
+          <p:nvPr>
+            <p:ph type="sldNum" sz="quarter" idx="5"/>
+          </p:nvPr>
+        </p:nvSpPr>
+        <p:spPr/>
+        <p:txBody>
+          <a:bodyPr/>
+          <a:lstStyle/>
+          <a:p>
+            <a:fld id="{3DA20865-045B-45A9-AC7A-AC77C3641144}" type="slidenum">
+              <a:rPr lang="ko-KR" altLang="en-US" smtClean="0"/>
+              <a:t>8</a:t>
+            </a:fld>
+            <a:endParaRPr lang="ko-KR" altLang="en-US"/>
+          </a:p>
+        </p:txBody>
+      </p:sp>
+    </p:spTree>
+    <p:extLst>
+      <p:ext uri="{BB962C8B-B14F-4D97-AF65-F5344CB8AC3E}">
+        <p14:creationId xmlns:p14="http://schemas.microsoft.com/office/powerpoint/2010/main" val="1675200216"/>
+      </p:ext>
+    </p:extLst>
+  </p:cSld>
+  <p:clrMapOvr>
+    <a:masterClrMapping/>
+  </p:clrMapOvr>
+</p:notes>
+</file>
+
+<file path=ppt/notesSlides/notesSlide9.xml><?xml version="1.0" encoding="utf-8"?>
+<p:notes xmlns:a="http://schemas.openxmlformats.org/drawingml/2006/main" xmlns:r="http://schemas.openxmlformats.org/officeDocument/2006/relationships" xmlns:p="http://schemas.openxmlformats.org/presentationml/2006/main">
+  <p:cSld>
+    <p:spTree>
+      <p:nvGrpSpPr>
+        <p:cNvPr id="1" name=""/>
+        <p:cNvGrpSpPr/>
+        <p:nvPr/>
+      </p:nvGrpSpPr>
+      <p:grpSpPr>
+        <a:xfrm>
+          <a:off x="0" y="0"/>
+          <a:ext cx="0" cy="0"/>
+          <a:chOff x="0" y="0"/>
+          <a:chExt cx="0" cy="0"/>
+        </a:xfrm>
+      </p:grpSpPr>
+      <p:sp>
+        <p:nvSpPr>
+          <p:cNvPr id="2" name="슬라이드 이미지 개체 틀 1"/>
+          <p:cNvSpPr>
+            <a:spLocks noGrp="1" noRot="1" noChangeAspect="1"/>
+          </p:cNvSpPr>
+          <p:nvPr>
+            <p:ph type="sldImg"/>
+          </p:nvPr>
+        </p:nvSpPr>
+        <p:spPr/>
+      </p:sp>
+      <p:sp>
+        <p:nvSpPr>
+          <p:cNvPr id="3" name="슬라이드 노트 개체 틀 2"/>
+          <p:cNvSpPr>
+            <a:spLocks noGrp="1"/>
+          </p:cNvSpPr>
+          <p:nvPr>
+            <p:ph type="body" idx="1"/>
+          </p:nvPr>
+        </p:nvSpPr>
+        <p:spPr/>
+        <p:txBody>
+          <a:bodyPr/>
+          <a:lstStyle/>
+          <a:p>
+            <a:r>
+              <a:rPr lang="en-US" altLang="ko-KR" dirty="0"/>
+              <a:t>2</a:t>
+            </a:r>
+            <a:r>
+              <a:rPr lang="ko-KR" altLang="en-US" dirty="0"/>
+              <a:t>단계 입니다</a:t>
+            </a:r>
+            <a:r>
+              <a:rPr lang="en-US" altLang="ko-KR" dirty="0"/>
+              <a:t>. </a:t>
+            </a:r>
+          </a:p>
+          <a:p>
+            <a:endParaRPr lang="en-US" altLang="ko-KR" dirty="0"/>
+          </a:p>
+          <a:p>
+            <a:r>
+              <a:rPr lang="ko-KR" altLang="en-US" dirty="0"/>
+              <a:t>전이 학습을 이용한 다단계 일사량 예측 방식 모델을 제안하기 위해 </a:t>
+            </a:r>
+            <a:endParaRPr lang="en-US" altLang="ko-KR" dirty="0"/>
+          </a:p>
+          <a:p>
+            <a:r>
+              <a:rPr lang="ko-KR" altLang="en-US" dirty="0"/>
+              <a:t>먼저 태양광 발전 시스템이 하루만 운영되었다고 가정하고</a:t>
+            </a:r>
+            <a:r>
+              <a:rPr lang="en-US" altLang="ko-KR" dirty="0"/>
+              <a:t>, </a:t>
+            </a:r>
+            <a:r>
+              <a:rPr lang="ko-KR" altLang="en-US" dirty="0"/>
+              <a:t>일사량 데이터 또한 하루치만 수집되었다고 가정했습니다</a:t>
+            </a:r>
+            <a:r>
+              <a:rPr lang="en-US" altLang="ko-KR" dirty="0"/>
+              <a:t>. </a:t>
+            </a:r>
+          </a:p>
+          <a:p>
+            <a:endParaRPr lang="en-US" altLang="ko-KR" dirty="0"/>
+          </a:p>
+          <a:p>
+            <a:r>
+              <a:rPr lang="ko-KR" altLang="en-US" dirty="0"/>
+              <a:t>그래서 전이 학습 모델링을 위해 다섯 군데 지역의 </a:t>
+            </a:r>
+            <a:r>
+              <a:rPr lang="en-US" altLang="ko-KR" dirty="0"/>
+              <a:t>4</a:t>
+            </a:r>
+            <a:r>
+              <a:rPr lang="ko-KR" altLang="en-US" dirty="0"/>
+              <a:t>년치 데이터 셋과 예측 대상 지역의 </a:t>
+            </a:r>
+            <a:r>
+              <a:rPr lang="en-US" altLang="ko-KR" dirty="0"/>
+              <a:t>1</a:t>
+            </a:r>
+            <a:r>
+              <a:rPr lang="ko-KR" altLang="en-US" dirty="0"/>
+              <a:t>년치 데이터 셋을 결합했습니다</a:t>
+            </a:r>
+            <a:r>
+              <a:rPr lang="en-US" altLang="ko-KR" dirty="0"/>
+              <a:t>. </a:t>
+            </a:r>
+            <a:endParaRPr lang="ko-KR" altLang="en-US" dirty="0"/>
+          </a:p>
+        </p:txBody>
+      </p:sp>
+      <p:sp>
+        <p:nvSpPr>
+          <p:cNvPr id="4" name="슬라이드 번호 개체 틀 3"/>
+          <p:cNvSpPr>
+            <a:spLocks noGrp="1"/>
+          </p:cNvSpPr>
+          <p:nvPr>
+            <p:ph type="sldNum" sz="quarter" idx="5"/>
+          </p:nvPr>
+        </p:nvSpPr>
+        <p:spPr/>
+        <p:txBody>
+          <a:bodyPr/>
+          <a:lstStyle/>
+          <a:p>
+            <a:fld id="{3DA20865-045B-45A9-AC7A-AC77C3641144}" type="slidenum">
+              <a:rPr lang="ko-KR" altLang="en-US" smtClean="0"/>
+              <a:t>9</a:t>
+            </a:fld>
+            <a:endParaRPr lang="ko-KR" altLang="en-US"/>
+          </a:p>
+        </p:txBody>
+      </p:sp>
+    </p:spTree>
+    <p:extLst>
+      <p:ext uri="{BB962C8B-B14F-4D97-AF65-F5344CB8AC3E}">
+        <p14:creationId xmlns:p14="http://schemas.microsoft.com/office/powerpoint/2010/main" val="3552520646"/>
       </p:ext>
     </p:extLst>
   </p:cSld>
@@ -895,7 +2671,7 @@
           <a:p>
             <a:fld id="{B1A85668-658F-4FC8-8F81-563F46575ADE}" type="datetimeFigureOut">
               <a:rPr lang="ko-KR" altLang="en-US" smtClean="0"/>
-              <a:t>2022. 11. 12.</a:t>
+              <a:t>2022-11-14</a:t>
             </a:fld>
             <a:endParaRPr lang="ko-KR" altLang="en-US"/>
           </a:p>
@@ -1093,7 +2869,7 @@
           <a:p>
             <a:fld id="{B1A85668-658F-4FC8-8F81-563F46575ADE}" type="datetimeFigureOut">
               <a:rPr lang="ko-KR" altLang="en-US" smtClean="0"/>
-              <a:t>2022. 11. 12.</a:t>
+              <a:t>2022-11-14</a:t>
             </a:fld>
             <a:endParaRPr lang="ko-KR" altLang="en-US"/>
           </a:p>
@@ -1301,7 +3077,7 @@
           <a:p>
             <a:fld id="{B1A85668-658F-4FC8-8F81-563F46575ADE}" type="datetimeFigureOut">
               <a:rPr lang="ko-KR" altLang="en-US" smtClean="0"/>
-              <a:t>2022. 11. 12.</a:t>
+              <a:t>2022-11-14</a:t>
             </a:fld>
             <a:endParaRPr lang="ko-KR" altLang="en-US"/>
           </a:p>
@@ -1499,7 +3275,7 @@
           <a:p>
             <a:fld id="{B1A85668-658F-4FC8-8F81-563F46575ADE}" type="datetimeFigureOut">
               <a:rPr lang="ko-KR" altLang="en-US" smtClean="0"/>
-              <a:t>2022. 11. 12.</a:t>
+              <a:t>2022-11-14</a:t>
             </a:fld>
             <a:endParaRPr lang="ko-KR" altLang="en-US"/>
           </a:p>
@@ -1774,7 +3550,7 @@
           <a:p>
             <a:fld id="{B1A85668-658F-4FC8-8F81-563F46575ADE}" type="datetimeFigureOut">
               <a:rPr lang="ko-KR" altLang="en-US" smtClean="0"/>
-              <a:t>2022. 11. 12.</a:t>
+              <a:t>2022-11-14</a:t>
             </a:fld>
             <a:endParaRPr lang="ko-KR" altLang="en-US"/>
           </a:p>
@@ -2039,7 +3815,7 @@
           <a:p>
             <a:fld id="{B1A85668-658F-4FC8-8F81-563F46575ADE}" type="datetimeFigureOut">
               <a:rPr lang="ko-KR" altLang="en-US" smtClean="0"/>
-              <a:t>2022. 11. 12.</a:t>
+              <a:t>2022-11-14</a:t>
             </a:fld>
             <a:endParaRPr lang="ko-KR" altLang="en-US"/>
           </a:p>
@@ -2451,7 +4227,7 @@
           <a:p>
             <a:fld id="{B1A85668-658F-4FC8-8F81-563F46575ADE}" type="datetimeFigureOut">
               <a:rPr lang="ko-KR" altLang="en-US" smtClean="0"/>
-              <a:t>2022. 11. 12.</a:t>
+              <a:t>2022-11-14</a:t>
             </a:fld>
             <a:endParaRPr lang="ko-KR" altLang="en-US"/>
           </a:p>
@@ -2592,7 +4368,7 @@
           <a:p>
             <a:fld id="{B1A85668-658F-4FC8-8F81-563F46575ADE}" type="datetimeFigureOut">
               <a:rPr lang="ko-KR" altLang="en-US" smtClean="0"/>
-              <a:t>2022. 11. 12.</a:t>
+              <a:t>2022-11-14</a:t>
             </a:fld>
             <a:endParaRPr lang="ko-KR" altLang="en-US"/>
           </a:p>
@@ -2705,7 +4481,7 @@
           <a:p>
             <a:fld id="{B1A85668-658F-4FC8-8F81-563F46575ADE}" type="datetimeFigureOut">
               <a:rPr lang="ko-KR" altLang="en-US" smtClean="0"/>
-              <a:t>2022. 11. 12.</a:t>
+              <a:t>2022-11-14</a:t>
             </a:fld>
             <a:endParaRPr lang="ko-KR" altLang="en-US"/>
           </a:p>
@@ -3016,7 +4792,7 @@
           <a:p>
             <a:fld id="{B1A85668-658F-4FC8-8F81-563F46575ADE}" type="datetimeFigureOut">
               <a:rPr lang="ko-KR" altLang="en-US" smtClean="0"/>
-              <a:t>2022. 11. 12.</a:t>
+              <a:t>2022-11-14</a:t>
             </a:fld>
             <a:endParaRPr lang="ko-KR" altLang="en-US"/>
           </a:p>
@@ -3304,7 +5080,7 @@
           <a:p>
             <a:fld id="{B1A85668-658F-4FC8-8F81-563F46575ADE}" type="datetimeFigureOut">
               <a:rPr lang="ko-KR" altLang="en-US" smtClean="0"/>
-              <a:t>2022. 11. 12.</a:t>
+              <a:t>2022-11-14</a:t>
             </a:fld>
             <a:endParaRPr lang="ko-KR" altLang="en-US"/>
           </a:p>
@@ -3545,7 +5321,7 @@
           <a:p>
             <a:fld id="{B1A85668-658F-4FC8-8F81-563F46575ADE}" type="datetimeFigureOut">
               <a:rPr lang="ko-KR" altLang="en-US" smtClean="0"/>
-              <a:t>2022. 11. 12.</a:t>
+              <a:t>2022-11-14</a:t>
             </a:fld>
             <a:endParaRPr lang="ko-KR" altLang="en-US"/>
           </a:p>
@@ -5333,7 +7109,7 @@
             <p:nvPr/>
           </p:nvPicPr>
           <p:blipFill rotWithShape="1">
-            <a:blip r:embed="rId2">
+            <a:blip r:embed="rId3">
               <a:extLst>
                 <a:ext uri="{28A0092B-C50C-407E-A947-70E740481C1C}">
                   <a14:useLocalDpi xmlns:a14="http://schemas.microsoft.com/office/drawing/2010/main" val="0"/>
@@ -5368,7 +7144,7 @@
             <p:nvPr/>
           </p:nvPicPr>
           <p:blipFill>
-            <a:blip r:embed="rId3" cstate="hqprint">
+            <a:blip r:embed="rId4" cstate="hqprint">
               <a:extLst>
                 <a:ext uri="{28A0092B-C50C-407E-A947-70E740481C1C}">
                   <a14:useLocalDpi xmlns:a14="http://schemas.microsoft.com/office/drawing/2010/main" val="0"/>
@@ -5470,7 +7246,7 @@
             <p:nvPr/>
           </p:nvPicPr>
           <p:blipFill rotWithShape="1">
-            <a:blip r:embed="rId4"/>
+            <a:blip r:embed="rId5"/>
             <a:srcRect b="12612"/>
             <a:stretch/>
           </p:blipFill>
@@ -6787,7 +8563,7 @@
                 <a:avLst/>
               </a:prstGeom>
               <a:blipFill>
-                <a:blip r:embed="rId2"/>
+                <a:blip r:embed="rId3"/>
                 <a:stretch>
                   <a:fillRect l="-1027" b="-17054"/>
                 </a:stretch>
@@ -7207,7 +8983,7 @@
                 <a:avLst/>
               </a:prstGeom>
               <a:blipFill>
-                <a:blip r:embed="rId3"/>
+                <a:blip r:embed="rId4"/>
                 <a:stretch>
                   <a:fillRect b="-565"/>
                 </a:stretch>
@@ -7263,7 +9039,7 @@
             <p:nvPr/>
           </p:nvPicPr>
           <p:blipFill rotWithShape="1">
-            <a:blip r:embed="rId4">
+            <a:blip r:embed="rId5">
               <a:extLst>
                 <a:ext uri="{28A0092B-C50C-407E-A947-70E740481C1C}">
                   <a14:useLocalDpi xmlns:a14="http://schemas.microsoft.com/office/drawing/2010/main" val="0"/>
@@ -7298,7 +9074,7 @@
             <p:nvPr/>
           </p:nvPicPr>
           <p:blipFill>
-            <a:blip r:embed="rId5" cstate="hqprint">
+            <a:blip r:embed="rId6" cstate="hqprint">
               <a:extLst>
                 <a:ext uri="{28A0092B-C50C-407E-A947-70E740481C1C}">
                   <a14:useLocalDpi xmlns:a14="http://schemas.microsoft.com/office/drawing/2010/main" val="0"/>
@@ -8264,25 +10040,7 @@
                 </a:solidFill>
                 <a:cs typeface="Malgun Gothic"/>
               </a:rPr>
-              <a:t>본 논문에서 제시한 </a:t>
-            </a:r>
-            <a:r>
-              <a:rPr lang="ko-KR" altLang="en-US" kern="0" dirty="0" err="1">
-                <a:solidFill>
-                  <a:sysClr val="windowText" lastClr="000000"/>
-                </a:solidFill>
-                <a:cs typeface="Malgun Gothic"/>
-              </a:rPr>
-              <a:t>전이학습</a:t>
-            </a:r>
-            <a:r>
-              <a:rPr lang="ko-KR" altLang="en-US" kern="0" dirty="0">
-                <a:solidFill>
-                  <a:sysClr val="windowText" lastClr="000000"/>
-                </a:solidFill>
-                <a:cs typeface="Malgun Gothic"/>
-              </a:rPr>
-              <a:t> 기반의 모델 성능을 비교한 결과</a:t>
+              <a:t>본 논문에서 제안한 전이 학습 기반의 모델 성능을 비교한 결과</a:t>
             </a:r>
             <a:r>
               <a:rPr lang="en-US" altLang="ko-KR" kern="0" dirty="0">
@@ -8355,7 +10113,7 @@
             <p:nvPr/>
           </p:nvPicPr>
           <p:blipFill rotWithShape="1">
-            <a:blip r:embed="rId2">
+            <a:blip r:embed="rId3">
               <a:extLst>
                 <a:ext uri="{28A0092B-C50C-407E-A947-70E740481C1C}">
                   <a14:useLocalDpi xmlns:a14="http://schemas.microsoft.com/office/drawing/2010/main" val="0"/>
@@ -8390,7 +10148,7 @@
             <p:nvPr/>
           </p:nvPicPr>
           <p:blipFill>
-            <a:blip r:embed="rId3" cstate="hqprint">
+            <a:blip r:embed="rId4" cstate="hqprint">
               <a:extLst>
                 <a:ext uri="{28A0092B-C50C-407E-A947-70E740481C1C}">
                   <a14:useLocalDpi xmlns:a14="http://schemas.microsoft.com/office/drawing/2010/main" val="0"/>
@@ -8427,7 +10185,7 @@
           <p:nvPr/>
         </p:nvPicPr>
         <p:blipFill>
-          <a:blip r:embed="rId4"/>
+          <a:blip r:embed="rId5"/>
           <a:stretch>
             <a:fillRect/>
           </a:stretch>
@@ -8684,7 +10442,7 @@
                 </a:solidFill>
                 <a:cs typeface="Malgun Gothic"/>
               </a:rPr>
-              <a:t>본 논문은 예측하고자 하는 지역의 일사량 정보가 부족할지라도 이를 보완할 수 있는 전이학습 기반의 다단계 일사량 예측 모델을 제안함</a:t>
+              <a:t>본 논문은 예측하고자 하는 지역의 일사량 정보가 부족할지라도 이를 보완할 수 있는 전이 학습 기반의 다단계 일사량 예측 모델을 제안함</a:t>
             </a:r>
             <a:endParaRPr lang="en-US" altLang="ko-KR" kern="0" dirty="0">
               <a:solidFill>
@@ -8819,7 +10577,7 @@
                 </a:solidFill>
                 <a:cs typeface="Malgun Gothic"/>
               </a:rPr>
-              <a:t>본 연구에서 제안한 전이학습 기반의 다단계 일사량 예측 모델이 다른 지역의 충분한 데이터를 통해 초기 태양광 발전 시스템에서 제안한 모델의 적용 가능성을 확인할 수 있었음</a:t>
+              <a:t>본 연구에서 제안한 전이 학습 기반의 다단계 일사량 예측 모델이 다른 지역의 충분한 데이터를 통해 초기 태양광 발전 시스템에서 제안한 모델의 적용 가능성을 확인할 수 있었음</a:t>
             </a:r>
             <a:endParaRPr lang="en-US" altLang="ko-KR" kern="0" dirty="0">
               <a:solidFill>
@@ -8946,7 +10704,7 @@
             <p:nvPr/>
           </p:nvPicPr>
           <p:blipFill rotWithShape="1">
-            <a:blip r:embed="rId2">
+            <a:blip r:embed="rId3">
               <a:extLst>
                 <a:ext uri="{28A0092B-C50C-407E-A947-70E740481C1C}">
                   <a14:useLocalDpi xmlns:a14="http://schemas.microsoft.com/office/drawing/2010/main" val="0"/>
@@ -8981,7 +10739,7 @@
             <p:nvPr/>
           </p:nvPicPr>
           <p:blipFill>
-            <a:blip r:embed="rId3" cstate="hqprint">
+            <a:blip r:embed="rId4" cstate="hqprint">
               <a:extLst>
                 <a:ext uri="{28A0092B-C50C-407E-A947-70E740481C1C}">
                   <a14:useLocalDpi xmlns:a14="http://schemas.microsoft.com/office/drawing/2010/main" val="0"/>
@@ -9192,7 +10950,7 @@
             <p:nvPr/>
           </p:nvPicPr>
           <p:blipFill rotWithShape="1">
-            <a:blip r:embed="rId2">
+            <a:blip r:embed="rId3">
               <a:extLst>
                 <a:ext uri="{28A0092B-C50C-407E-A947-70E740481C1C}">
                   <a14:useLocalDpi xmlns:a14="http://schemas.microsoft.com/office/drawing/2010/main" val="0"/>
@@ -9227,7 +10985,7 @@
             <p:nvPr/>
           </p:nvPicPr>
           <p:blipFill>
-            <a:blip r:embed="rId3" cstate="hqprint">
+            <a:blip r:embed="rId4" cstate="hqprint">
               <a:extLst>
                 <a:ext uri="{28A0092B-C50C-407E-A947-70E740481C1C}">
                   <a14:useLocalDpi xmlns:a14="http://schemas.microsoft.com/office/drawing/2010/main" val="0"/>
@@ -9771,7 +11529,7 @@
             <p:nvPr/>
           </p:nvPicPr>
           <p:blipFill rotWithShape="1">
-            <a:blip r:embed="rId2">
+            <a:blip r:embed="rId3">
               <a:extLst>
                 <a:ext uri="{28A0092B-C50C-407E-A947-70E740481C1C}">
                   <a14:useLocalDpi xmlns:a14="http://schemas.microsoft.com/office/drawing/2010/main" val="0"/>
@@ -9806,7 +11564,7 @@
             <p:nvPr/>
           </p:nvPicPr>
           <p:blipFill>
-            <a:blip r:embed="rId3" cstate="hqprint">
+            <a:blip r:embed="rId4" cstate="hqprint">
               <a:extLst>
                 <a:ext uri="{28A0092B-C50C-407E-A947-70E740481C1C}">
                   <a14:useLocalDpi xmlns:a14="http://schemas.microsoft.com/office/drawing/2010/main" val="0"/>
@@ -9873,7 +11631,7 @@
           <p:nvPr/>
         </p:nvPicPr>
         <p:blipFill>
-          <a:blip r:embed="rId2">
+          <a:blip r:embed="rId3">
             <a:extLst>
               <a:ext uri="{28A0092B-C50C-407E-A947-70E740481C1C}">
                 <a14:useLocalDpi xmlns:a14="http://schemas.microsoft.com/office/drawing/2010/main" val="0"/>
@@ -9922,7 +11680,7 @@
         <p:spPr>
           <a:xfrm>
             <a:off x="492575" y="391668"/>
-            <a:ext cx="1793875" cy="513080"/>
+            <a:ext cx="3042362" cy="505267"/>
           </a:xfrm>
           <a:prstGeom prst="rect">
             <a:avLst/>
@@ -10010,7 +11768,23 @@
                 <a:latin typeface="Malgun Gothic"/>
                 <a:ea typeface="맑은 고딕" panose="020B0503020000020004" pitchFamily="50" charset="-127"/>
               </a:rPr>
-              <a:t>배경</a:t>
+              <a:t>배경 </a:t>
+            </a:r>
+            <a:r>
+              <a:rPr kumimoji="0" lang="en-US" altLang="ko-KR" sz="3200" b="1" i="0" u="none" strike="noStrike" kern="0" cap="none" spc="-25" normalizeH="0" baseline="0" noProof="0" dirty="0">
+                <a:ln>
+                  <a:noFill/>
+                </a:ln>
+                <a:solidFill>
+                  <a:srgbClr val="001F60"/>
+                </a:solidFill>
+                <a:effectLst/>
+                <a:uLnTx/>
+                <a:uFillTx/>
+                <a:latin typeface="Malgun Gothic"/>
+                <a:ea typeface="맑은 고딕" panose="020B0503020000020004" pitchFamily="50" charset="-127"/>
+              </a:rPr>
+              <a:t>(1/4)</a:t>
             </a:r>
             <a:endParaRPr kumimoji="0" lang="ko-KR" altLang="en-US" sz="3200" b="1" i="0" u="none" strike="noStrike" kern="0" cap="none" spc="0" normalizeH="0" baseline="0" noProof="0" dirty="0">
               <a:ln>
@@ -10198,7 +11972,7 @@
             <p:nvPr/>
           </p:nvPicPr>
           <p:blipFill rotWithShape="1">
-            <a:blip r:embed="rId3">
+            <a:blip r:embed="rId4">
               <a:extLst>
                 <a:ext uri="{28A0092B-C50C-407E-A947-70E740481C1C}">
                   <a14:useLocalDpi xmlns:a14="http://schemas.microsoft.com/office/drawing/2010/main" val="0"/>
@@ -10233,7 +12007,7 @@
             <p:nvPr/>
           </p:nvPicPr>
           <p:blipFill>
-            <a:blip r:embed="rId4" cstate="hqprint">
+            <a:blip r:embed="rId5" cstate="hqprint">
               <a:extLst>
                 <a:ext uri="{28A0092B-C50C-407E-A947-70E740481C1C}">
                   <a14:useLocalDpi xmlns:a14="http://schemas.microsoft.com/office/drawing/2010/main" val="0"/>
@@ -10300,7 +12074,7 @@
           <p:nvPr/>
         </p:nvPicPr>
         <p:blipFill>
-          <a:blip r:embed="rId2"/>
+          <a:blip r:embed="rId3"/>
           <a:stretch>
             <a:fillRect/>
           </a:stretch>
@@ -10315,129 +12089,6 @@
           </a:prstGeom>
         </p:spPr>
       </p:pic>
-      <p:sp>
-        <p:nvSpPr>
-          <p:cNvPr id="15" name="object 2">
-            <a:extLst>
-              <a:ext uri="{FF2B5EF4-FFF2-40B4-BE49-F238E27FC236}">
-                <a16:creationId xmlns:a16="http://schemas.microsoft.com/office/drawing/2014/main" id="{63B42C9C-96BB-4869-81D8-DBA87F4A50BB}"/>
-              </a:ext>
-            </a:extLst>
-          </p:cNvPr>
-          <p:cNvSpPr txBox="1">
-            <a:spLocks/>
-          </p:cNvSpPr>
-          <p:nvPr/>
-        </p:nvSpPr>
-        <p:spPr>
-          <a:xfrm>
-            <a:off x="492575" y="391668"/>
-            <a:ext cx="1793875" cy="513080"/>
-          </a:xfrm>
-          <a:prstGeom prst="rect">
-            <a:avLst/>
-          </a:prstGeom>
-        </p:spPr>
-        <p:txBody>
-          <a:bodyPr vert="horz" wrap="square" lIns="0" tIns="12700" rIns="0" bIns="0" rtlCol="0">
-            <a:spAutoFit/>
-          </a:bodyPr>
-          <a:lstStyle>
-            <a:lvl1pPr>
-              <a:defRPr sz="3600" b="1" i="0">
-                <a:solidFill>
-                  <a:schemeClr val="tx1"/>
-                </a:solidFill>
-                <a:latin typeface="Malgun Gothic"/>
-                <a:ea typeface="+mj-ea"/>
-                <a:cs typeface="Malgun Gothic"/>
-              </a:defRPr>
-            </a:lvl1pPr>
-          </a:lstStyle>
-          <a:p>
-            <a:pPr marL="12700" marR="0" lvl="0" indent="0" defTabSz="914400" eaLnBrk="1" fontAlgn="auto" latinLnBrk="0" hangingPunct="1">
-              <a:lnSpc>
-                <a:spcPct val="100000"/>
-              </a:lnSpc>
-              <a:spcBef>
-                <a:spcPts val="100"/>
-              </a:spcBef>
-              <a:spcAft>
-                <a:spcPts val="0"/>
-              </a:spcAft>
-              <a:buClrTx/>
-              <a:buSzTx/>
-              <a:buFontTx/>
-              <a:buNone/>
-              <a:tabLst>
-                <a:tab pos="967740" algn="l"/>
-              </a:tabLst>
-              <a:defRPr/>
-            </a:pPr>
-            <a:r>
-              <a:rPr kumimoji="0" lang="ko-KR" altLang="en-US" sz="3200" b="1" i="0" u="none" strike="noStrike" kern="0" cap="none" spc="-25" normalizeH="0" baseline="0" noProof="0" dirty="0">
-                <a:ln>
-                  <a:noFill/>
-                </a:ln>
-                <a:solidFill>
-                  <a:srgbClr val="001F60"/>
-                </a:solidFill>
-                <a:effectLst/>
-                <a:uLnTx/>
-                <a:uFillTx/>
-                <a:latin typeface="Malgun Gothic"/>
-                <a:ea typeface="맑은 고딕" panose="020B0503020000020004" pitchFamily="50" charset="-127"/>
-              </a:rPr>
-              <a:t>연구</a:t>
-            </a:r>
-            <a:r>
-              <a:rPr kumimoji="0" lang="ko-KR" altLang="en-US" sz="3200" b="1" i="0" u="none" strike="noStrike" kern="0" cap="none" spc="0" normalizeH="0" baseline="0" noProof="0" dirty="0">
-                <a:ln>
-                  <a:noFill/>
-                </a:ln>
-                <a:solidFill>
-                  <a:srgbClr val="001F60"/>
-                </a:solidFill>
-                <a:effectLst/>
-                <a:uLnTx/>
-                <a:uFillTx/>
-                <a:latin typeface="Malgun Gothic"/>
-                <a:ea typeface="맑은 고딕" panose="020B0503020000020004" pitchFamily="50" charset="-127"/>
-              </a:rPr>
-              <a:t>	</a:t>
-            </a:r>
-            <a:r>
-              <a:rPr kumimoji="0" lang="ko-KR" altLang="en-US" sz="3200" b="1" i="0" u="none" strike="noStrike" kern="0" cap="none" spc="-25" normalizeH="0" baseline="0" noProof="0" dirty="0">
-                <a:ln>
-                  <a:noFill/>
-                </a:ln>
-                <a:solidFill>
-                  <a:srgbClr val="001F60"/>
-                </a:solidFill>
-                <a:effectLst/>
-                <a:uLnTx/>
-                <a:uFillTx/>
-                <a:latin typeface="Malgun Gothic"/>
-                <a:ea typeface="맑은 고딕" panose="020B0503020000020004" pitchFamily="50" charset="-127"/>
-              </a:rPr>
-              <a:t>배경</a:t>
-            </a:r>
-            <a:endParaRPr kumimoji="0" lang="ko-KR" altLang="en-US" sz="3200" b="1" i="0" u="none" strike="noStrike" kern="0" cap="none" spc="0" normalizeH="0" baseline="0" noProof="0" dirty="0">
-              <a:ln>
-                <a:noFill/>
-              </a:ln>
-              <a:solidFill>
-                <a:sysClr val="windowText" lastClr="000000"/>
-              </a:solidFill>
-              <a:effectLst/>
-              <a:uLnTx/>
-              <a:uFillTx/>
-              <a:latin typeface="Malgun Gothic"/>
-              <a:ea typeface="맑은 고딕" panose="020B0503020000020004" pitchFamily="50" charset="-127"/>
-            </a:endParaRPr>
-          </a:p>
-        </p:txBody>
-      </p:sp>
       <p:sp>
         <p:nvSpPr>
           <p:cNvPr id="16" name="object 3">
@@ -10626,7 +12277,7 @@
             <p:nvPr/>
           </p:nvPicPr>
           <p:blipFill rotWithShape="1">
-            <a:blip r:embed="rId3">
+            <a:blip r:embed="rId4">
               <a:extLst>
                 <a:ext uri="{28A0092B-C50C-407E-A947-70E740481C1C}">
                   <a14:useLocalDpi xmlns:a14="http://schemas.microsoft.com/office/drawing/2010/main" val="0"/>
@@ -10661,7 +12312,7 @@
             <p:nvPr/>
           </p:nvPicPr>
           <p:blipFill>
-            <a:blip r:embed="rId4" cstate="hqprint">
+            <a:blip r:embed="rId5" cstate="hqprint">
               <a:extLst>
                 <a:ext uri="{28A0092B-C50C-407E-A947-70E740481C1C}">
                   <a14:useLocalDpi xmlns:a14="http://schemas.microsoft.com/office/drawing/2010/main" val="0"/>
@@ -10683,6 +12334,145 @@
           </p:spPr>
         </p:pic>
       </p:grpSp>
+      <p:sp>
+        <p:nvSpPr>
+          <p:cNvPr id="12" name="object 2">
+            <a:extLst>
+              <a:ext uri="{FF2B5EF4-FFF2-40B4-BE49-F238E27FC236}">
+                <a16:creationId xmlns:a16="http://schemas.microsoft.com/office/drawing/2014/main" id="{8FB4A4B5-6FD3-49DB-BC37-70FBE3F5DAFF}"/>
+              </a:ext>
+            </a:extLst>
+          </p:cNvPr>
+          <p:cNvSpPr txBox="1">
+            <a:spLocks/>
+          </p:cNvSpPr>
+          <p:nvPr/>
+        </p:nvSpPr>
+        <p:spPr>
+          <a:xfrm>
+            <a:off x="492575" y="391668"/>
+            <a:ext cx="3042362" cy="505267"/>
+          </a:xfrm>
+          <a:prstGeom prst="rect">
+            <a:avLst/>
+          </a:prstGeom>
+        </p:spPr>
+        <p:txBody>
+          <a:bodyPr vert="horz" wrap="square" lIns="0" tIns="12700" rIns="0" bIns="0" rtlCol="0">
+            <a:spAutoFit/>
+          </a:bodyPr>
+          <a:lstStyle>
+            <a:lvl1pPr>
+              <a:defRPr sz="3600" b="1" i="0">
+                <a:solidFill>
+                  <a:schemeClr val="tx1"/>
+                </a:solidFill>
+                <a:latin typeface="Malgun Gothic"/>
+                <a:ea typeface="+mj-ea"/>
+                <a:cs typeface="Malgun Gothic"/>
+              </a:defRPr>
+            </a:lvl1pPr>
+          </a:lstStyle>
+          <a:p>
+            <a:pPr marL="12700" marR="0" lvl="0" indent="0" defTabSz="914400" eaLnBrk="1" fontAlgn="auto" latinLnBrk="0" hangingPunct="1">
+              <a:lnSpc>
+                <a:spcPct val="100000"/>
+              </a:lnSpc>
+              <a:spcBef>
+                <a:spcPts val="100"/>
+              </a:spcBef>
+              <a:spcAft>
+                <a:spcPts val="0"/>
+              </a:spcAft>
+              <a:buClrTx/>
+              <a:buSzTx/>
+              <a:buFontTx/>
+              <a:buNone/>
+              <a:tabLst>
+                <a:tab pos="967740" algn="l"/>
+              </a:tabLst>
+              <a:defRPr/>
+            </a:pPr>
+            <a:r>
+              <a:rPr kumimoji="0" lang="ko-KR" altLang="en-US" sz="3200" b="1" i="0" u="none" strike="noStrike" kern="0" cap="none" spc="-25" normalizeH="0" baseline="0" noProof="0" dirty="0">
+                <a:ln>
+                  <a:noFill/>
+                </a:ln>
+                <a:solidFill>
+                  <a:srgbClr val="001F60"/>
+                </a:solidFill>
+                <a:effectLst/>
+                <a:uLnTx/>
+                <a:uFillTx/>
+                <a:latin typeface="Malgun Gothic"/>
+                <a:ea typeface="맑은 고딕" panose="020B0503020000020004" pitchFamily="50" charset="-127"/>
+              </a:rPr>
+              <a:t>연구</a:t>
+            </a:r>
+            <a:r>
+              <a:rPr kumimoji="0" lang="ko-KR" altLang="en-US" sz="3200" b="1" i="0" u="none" strike="noStrike" kern="0" cap="none" spc="0" normalizeH="0" baseline="0" noProof="0" dirty="0">
+                <a:ln>
+                  <a:noFill/>
+                </a:ln>
+                <a:solidFill>
+                  <a:srgbClr val="001F60"/>
+                </a:solidFill>
+                <a:effectLst/>
+                <a:uLnTx/>
+                <a:uFillTx/>
+                <a:latin typeface="Malgun Gothic"/>
+                <a:ea typeface="맑은 고딕" panose="020B0503020000020004" pitchFamily="50" charset="-127"/>
+              </a:rPr>
+              <a:t>	</a:t>
+            </a:r>
+            <a:r>
+              <a:rPr kumimoji="0" lang="ko-KR" altLang="en-US" sz="3200" b="1" i="0" u="none" strike="noStrike" kern="0" cap="none" spc="-25" normalizeH="0" baseline="0" noProof="0" dirty="0">
+                <a:ln>
+                  <a:noFill/>
+                </a:ln>
+                <a:solidFill>
+                  <a:srgbClr val="001F60"/>
+                </a:solidFill>
+                <a:effectLst/>
+                <a:uLnTx/>
+                <a:uFillTx/>
+                <a:latin typeface="Malgun Gothic"/>
+                <a:ea typeface="맑은 고딕" panose="020B0503020000020004" pitchFamily="50" charset="-127"/>
+              </a:rPr>
+              <a:t>배경 </a:t>
+            </a:r>
+            <a:r>
+              <a:rPr kumimoji="0" lang="en-US" altLang="ko-KR" sz="3200" b="1" i="0" u="none" strike="noStrike" kern="0" cap="none" spc="-25" normalizeH="0" baseline="0" noProof="0" dirty="0">
+                <a:ln>
+                  <a:noFill/>
+                </a:ln>
+                <a:solidFill>
+                  <a:srgbClr val="001F60"/>
+                </a:solidFill>
+                <a:effectLst/>
+                <a:uLnTx/>
+                <a:uFillTx/>
+                <a:latin typeface="Malgun Gothic"/>
+                <a:ea typeface="맑은 고딕" panose="020B0503020000020004" pitchFamily="50" charset="-127"/>
+              </a:rPr>
+              <a:t>(2/4)</a:t>
+            </a:r>
+            <a:endParaRPr kumimoji="0" lang="ko-KR" altLang="en-US" sz="3200" b="1" i="0" u="none" strike="noStrike" kern="0" cap="none" spc="0" normalizeH="0" baseline="0" noProof="0" dirty="0">
+              <a:ln>
+                <a:noFill/>
+              </a:ln>
+              <a:solidFill>
+                <a:sysClr val="windowText" lastClr="000000"/>
+              </a:solidFill>
+              <a:effectLst/>
+              <a:uLnTx/>
+              <a:uFillTx/>
+              <a:latin typeface="Malgun Gothic"/>
+              <a:ea typeface="맑은 고딕" panose="020B0503020000020004" pitchFamily="50" charset="-127"/>
+            </a:endParaRPr>
+          </a:p>
+        </p:txBody>
+      </p:sp>
     </p:spTree>
     <p:extLst>
       <p:ext uri="{BB962C8B-B14F-4D97-AF65-F5344CB8AC3E}">
@@ -10713,129 +12503,6 @@
           <a:chExt cx="0" cy="0"/>
         </a:xfrm>
       </p:grpSpPr>
-      <p:sp>
-        <p:nvSpPr>
-          <p:cNvPr id="15" name="object 2">
-            <a:extLst>
-              <a:ext uri="{FF2B5EF4-FFF2-40B4-BE49-F238E27FC236}">
-                <a16:creationId xmlns:a16="http://schemas.microsoft.com/office/drawing/2014/main" id="{63B42C9C-96BB-4869-81D8-DBA87F4A50BB}"/>
-              </a:ext>
-            </a:extLst>
-          </p:cNvPr>
-          <p:cNvSpPr txBox="1">
-            <a:spLocks/>
-          </p:cNvSpPr>
-          <p:nvPr/>
-        </p:nvSpPr>
-        <p:spPr>
-          <a:xfrm>
-            <a:off x="492575" y="391668"/>
-            <a:ext cx="1793875" cy="513080"/>
-          </a:xfrm>
-          <a:prstGeom prst="rect">
-            <a:avLst/>
-          </a:prstGeom>
-        </p:spPr>
-        <p:txBody>
-          <a:bodyPr vert="horz" wrap="square" lIns="0" tIns="12700" rIns="0" bIns="0" rtlCol="0">
-            <a:spAutoFit/>
-          </a:bodyPr>
-          <a:lstStyle>
-            <a:lvl1pPr>
-              <a:defRPr sz="3600" b="1" i="0">
-                <a:solidFill>
-                  <a:schemeClr val="tx1"/>
-                </a:solidFill>
-                <a:latin typeface="Malgun Gothic"/>
-                <a:ea typeface="+mj-ea"/>
-                <a:cs typeface="Malgun Gothic"/>
-              </a:defRPr>
-            </a:lvl1pPr>
-          </a:lstStyle>
-          <a:p>
-            <a:pPr marL="12700" marR="0" lvl="0" indent="0" defTabSz="914400" eaLnBrk="1" fontAlgn="auto" latinLnBrk="0" hangingPunct="1">
-              <a:lnSpc>
-                <a:spcPct val="100000"/>
-              </a:lnSpc>
-              <a:spcBef>
-                <a:spcPts val="100"/>
-              </a:spcBef>
-              <a:spcAft>
-                <a:spcPts val="0"/>
-              </a:spcAft>
-              <a:buClrTx/>
-              <a:buSzTx/>
-              <a:buFontTx/>
-              <a:buNone/>
-              <a:tabLst>
-                <a:tab pos="967740" algn="l"/>
-              </a:tabLst>
-              <a:defRPr/>
-            </a:pPr>
-            <a:r>
-              <a:rPr kumimoji="0" lang="ko-KR" altLang="en-US" sz="3200" b="1" i="0" u="none" strike="noStrike" kern="0" cap="none" spc="-25" normalizeH="0" baseline="0" noProof="0" dirty="0">
-                <a:ln>
-                  <a:noFill/>
-                </a:ln>
-                <a:solidFill>
-                  <a:srgbClr val="001F60"/>
-                </a:solidFill>
-                <a:effectLst/>
-                <a:uLnTx/>
-                <a:uFillTx/>
-                <a:latin typeface="Malgun Gothic"/>
-                <a:ea typeface="맑은 고딕" panose="020B0503020000020004" pitchFamily="50" charset="-127"/>
-              </a:rPr>
-              <a:t>연구</a:t>
-            </a:r>
-            <a:r>
-              <a:rPr kumimoji="0" lang="ko-KR" altLang="en-US" sz="3200" b="1" i="0" u="none" strike="noStrike" kern="0" cap="none" spc="0" normalizeH="0" baseline="0" noProof="0" dirty="0">
-                <a:ln>
-                  <a:noFill/>
-                </a:ln>
-                <a:solidFill>
-                  <a:srgbClr val="001F60"/>
-                </a:solidFill>
-                <a:effectLst/>
-                <a:uLnTx/>
-                <a:uFillTx/>
-                <a:latin typeface="Malgun Gothic"/>
-                <a:ea typeface="맑은 고딕" panose="020B0503020000020004" pitchFamily="50" charset="-127"/>
-              </a:rPr>
-              <a:t>	</a:t>
-            </a:r>
-            <a:r>
-              <a:rPr kumimoji="0" lang="ko-KR" altLang="en-US" sz="3200" b="1" i="0" u="none" strike="noStrike" kern="0" cap="none" spc="-25" normalizeH="0" baseline="0" noProof="0" dirty="0">
-                <a:ln>
-                  <a:noFill/>
-                </a:ln>
-                <a:solidFill>
-                  <a:srgbClr val="001F60"/>
-                </a:solidFill>
-                <a:effectLst/>
-                <a:uLnTx/>
-                <a:uFillTx/>
-                <a:latin typeface="Malgun Gothic"/>
-                <a:ea typeface="맑은 고딕" panose="020B0503020000020004" pitchFamily="50" charset="-127"/>
-              </a:rPr>
-              <a:t>배경</a:t>
-            </a:r>
-            <a:endParaRPr kumimoji="0" lang="ko-KR" altLang="en-US" sz="3200" b="1" i="0" u="none" strike="noStrike" kern="0" cap="none" spc="0" normalizeH="0" baseline="0" noProof="0" dirty="0">
-              <a:ln>
-                <a:noFill/>
-              </a:ln>
-              <a:solidFill>
-                <a:sysClr val="windowText" lastClr="000000"/>
-              </a:solidFill>
-              <a:effectLst/>
-              <a:uLnTx/>
-              <a:uFillTx/>
-              <a:latin typeface="Malgun Gothic"/>
-              <a:ea typeface="맑은 고딕" panose="020B0503020000020004" pitchFamily="50" charset="-127"/>
-            </a:endParaRPr>
-          </a:p>
-        </p:txBody>
-      </p:sp>
       <p:sp>
         <p:nvSpPr>
           <p:cNvPr id="16" name="object 3">
@@ -11158,7 +12825,7 @@
             <p:nvPr/>
           </p:nvPicPr>
           <p:blipFill rotWithShape="1">
-            <a:blip r:embed="rId2">
+            <a:blip r:embed="rId3">
               <a:extLst>
                 <a:ext uri="{28A0092B-C50C-407E-A947-70E740481C1C}">
                   <a14:useLocalDpi xmlns:a14="http://schemas.microsoft.com/office/drawing/2010/main" val="0"/>
@@ -11193,7 +12860,7 @@
             <p:nvPr/>
           </p:nvPicPr>
           <p:blipFill>
-            <a:blip r:embed="rId3" cstate="hqprint">
+            <a:blip r:embed="rId4" cstate="hqprint">
               <a:extLst>
                 <a:ext uri="{28A0092B-C50C-407E-A947-70E740481C1C}">
                   <a14:useLocalDpi xmlns:a14="http://schemas.microsoft.com/office/drawing/2010/main" val="0"/>
@@ -11230,7 +12897,7 @@
           <p:nvPr/>
         </p:nvPicPr>
         <p:blipFill>
-          <a:blip r:embed="rId4">
+          <a:blip r:embed="rId5">
             <a:extLst>
               <a:ext uri="{28A0092B-C50C-407E-A947-70E740481C1C}">
                 <a14:useLocalDpi xmlns:a14="http://schemas.microsoft.com/office/drawing/2010/main" val="0"/>
@@ -11262,6 +12929,145 @@
           </a:extLst>
         </p:spPr>
       </p:pic>
+      <p:sp>
+        <p:nvSpPr>
+          <p:cNvPr id="11" name="object 2">
+            <a:extLst>
+              <a:ext uri="{FF2B5EF4-FFF2-40B4-BE49-F238E27FC236}">
+                <a16:creationId xmlns:a16="http://schemas.microsoft.com/office/drawing/2014/main" id="{0BCDD19C-6C3D-4C7E-839E-529889148078}"/>
+              </a:ext>
+            </a:extLst>
+          </p:cNvPr>
+          <p:cNvSpPr txBox="1">
+            <a:spLocks/>
+          </p:cNvSpPr>
+          <p:nvPr/>
+        </p:nvSpPr>
+        <p:spPr>
+          <a:xfrm>
+            <a:off x="492575" y="391668"/>
+            <a:ext cx="3042362" cy="505267"/>
+          </a:xfrm>
+          <a:prstGeom prst="rect">
+            <a:avLst/>
+          </a:prstGeom>
+        </p:spPr>
+        <p:txBody>
+          <a:bodyPr vert="horz" wrap="square" lIns="0" tIns="12700" rIns="0" bIns="0" rtlCol="0">
+            <a:spAutoFit/>
+          </a:bodyPr>
+          <a:lstStyle>
+            <a:lvl1pPr>
+              <a:defRPr sz="3600" b="1" i="0">
+                <a:solidFill>
+                  <a:schemeClr val="tx1"/>
+                </a:solidFill>
+                <a:latin typeface="Malgun Gothic"/>
+                <a:ea typeface="+mj-ea"/>
+                <a:cs typeface="Malgun Gothic"/>
+              </a:defRPr>
+            </a:lvl1pPr>
+          </a:lstStyle>
+          <a:p>
+            <a:pPr marL="12700" marR="0" lvl="0" indent="0" defTabSz="914400" eaLnBrk="1" fontAlgn="auto" latinLnBrk="0" hangingPunct="1">
+              <a:lnSpc>
+                <a:spcPct val="100000"/>
+              </a:lnSpc>
+              <a:spcBef>
+                <a:spcPts val="100"/>
+              </a:spcBef>
+              <a:spcAft>
+                <a:spcPts val="0"/>
+              </a:spcAft>
+              <a:buClrTx/>
+              <a:buSzTx/>
+              <a:buFontTx/>
+              <a:buNone/>
+              <a:tabLst>
+                <a:tab pos="967740" algn="l"/>
+              </a:tabLst>
+              <a:defRPr/>
+            </a:pPr>
+            <a:r>
+              <a:rPr kumimoji="0" lang="ko-KR" altLang="en-US" sz="3200" b="1" i="0" u="none" strike="noStrike" kern="0" cap="none" spc="-25" normalizeH="0" baseline="0" noProof="0" dirty="0">
+                <a:ln>
+                  <a:noFill/>
+                </a:ln>
+                <a:solidFill>
+                  <a:srgbClr val="001F60"/>
+                </a:solidFill>
+                <a:effectLst/>
+                <a:uLnTx/>
+                <a:uFillTx/>
+                <a:latin typeface="Malgun Gothic"/>
+                <a:ea typeface="맑은 고딕" panose="020B0503020000020004" pitchFamily="50" charset="-127"/>
+              </a:rPr>
+              <a:t>연구</a:t>
+            </a:r>
+            <a:r>
+              <a:rPr kumimoji="0" lang="ko-KR" altLang="en-US" sz="3200" b="1" i="0" u="none" strike="noStrike" kern="0" cap="none" spc="0" normalizeH="0" baseline="0" noProof="0" dirty="0">
+                <a:ln>
+                  <a:noFill/>
+                </a:ln>
+                <a:solidFill>
+                  <a:srgbClr val="001F60"/>
+                </a:solidFill>
+                <a:effectLst/>
+                <a:uLnTx/>
+                <a:uFillTx/>
+                <a:latin typeface="Malgun Gothic"/>
+                <a:ea typeface="맑은 고딕" panose="020B0503020000020004" pitchFamily="50" charset="-127"/>
+              </a:rPr>
+              <a:t>	</a:t>
+            </a:r>
+            <a:r>
+              <a:rPr kumimoji="0" lang="ko-KR" altLang="en-US" sz="3200" b="1" i="0" u="none" strike="noStrike" kern="0" cap="none" spc="-25" normalizeH="0" baseline="0" noProof="0" dirty="0">
+                <a:ln>
+                  <a:noFill/>
+                </a:ln>
+                <a:solidFill>
+                  <a:srgbClr val="001F60"/>
+                </a:solidFill>
+                <a:effectLst/>
+                <a:uLnTx/>
+                <a:uFillTx/>
+                <a:latin typeface="Malgun Gothic"/>
+                <a:ea typeface="맑은 고딕" panose="020B0503020000020004" pitchFamily="50" charset="-127"/>
+              </a:rPr>
+              <a:t>배경 </a:t>
+            </a:r>
+            <a:r>
+              <a:rPr kumimoji="0" lang="en-US" altLang="ko-KR" sz="3200" b="1" i="0" u="none" strike="noStrike" kern="0" cap="none" spc="-25" normalizeH="0" baseline="0" noProof="0" dirty="0">
+                <a:ln>
+                  <a:noFill/>
+                </a:ln>
+                <a:solidFill>
+                  <a:srgbClr val="001F60"/>
+                </a:solidFill>
+                <a:effectLst/>
+                <a:uLnTx/>
+                <a:uFillTx/>
+                <a:latin typeface="Malgun Gothic"/>
+                <a:ea typeface="맑은 고딕" panose="020B0503020000020004" pitchFamily="50" charset="-127"/>
+              </a:rPr>
+              <a:t>(3/4)</a:t>
+            </a:r>
+            <a:endParaRPr kumimoji="0" lang="ko-KR" altLang="en-US" sz="3200" b="1" i="0" u="none" strike="noStrike" kern="0" cap="none" spc="0" normalizeH="0" baseline="0" noProof="0" dirty="0">
+              <a:ln>
+                <a:noFill/>
+              </a:ln>
+              <a:solidFill>
+                <a:sysClr val="windowText" lastClr="000000"/>
+              </a:solidFill>
+              <a:effectLst/>
+              <a:uLnTx/>
+              <a:uFillTx/>
+              <a:latin typeface="Malgun Gothic"/>
+              <a:ea typeface="맑은 고딕" panose="020B0503020000020004" pitchFamily="50" charset="-127"/>
+            </a:endParaRPr>
+          </a:p>
+        </p:txBody>
+      </p:sp>
     </p:spTree>
     <p:extLst>
       <p:ext uri="{BB962C8B-B14F-4D97-AF65-F5344CB8AC3E}">
@@ -11462,7 +13268,7 @@
             <p:nvPr/>
           </p:nvPicPr>
           <p:blipFill rotWithShape="1">
-            <a:blip r:embed="rId2">
+            <a:blip r:embed="rId3">
               <a:extLst>
                 <a:ext uri="{28A0092B-C50C-407E-A947-70E740481C1C}">
                   <a14:useLocalDpi xmlns:a14="http://schemas.microsoft.com/office/drawing/2010/main" val="0"/>
@@ -11497,7 +13303,7 @@
             <p:nvPr/>
           </p:nvPicPr>
           <p:blipFill>
-            <a:blip r:embed="rId3" cstate="hqprint">
+            <a:blip r:embed="rId4" cstate="hqprint">
               <a:extLst>
                 <a:ext uri="{28A0092B-C50C-407E-A947-70E740481C1C}">
                   <a14:useLocalDpi xmlns:a14="http://schemas.microsoft.com/office/drawing/2010/main" val="0"/>
@@ -13051,10 +14857,10 @@
       </p:graphicFrame>
       <p:sp>
         <p:nvSpPr>
-          <p:cNvPr id="12" name="object 2">
+          <p:cNvPr id="10" name="object 2">
             <a:extLst>
               <a:ext uri="{FF2B5EF4-FFF2-40B4-BE49-F238E27FC236}">
-                <a16:creationId xmlns:a16="http://schemas.microsoft.com/office/drawing/2014/main" id="{9E5B0109-7C81-408A-ABD4-5B6C1C41CD69}"/>
+                <a16:creationId xmlns:a16="http://schemas.microsoft.com/office/drawing/2014/main" id="{9FF06612-694A-470C-B652-9BB9B7C0C847}"/>
               </a:ext>
             </a:extLst>
           </p:cNvPr>
@@ -13066,7 +14872,7 @@
         <p:spPr>
           <a:xfrm>
             <a:off x="492575" y="391668"/>
-            <a:ext cx="1793875" cy="513080"/>
+            <a:ext cx="3042362" cy="505267"/>
           </a:xfrm>
           <a:prstGeom prst="rect">
             <a:avLst/>
@@ -13154,7 +14960,23 @@
                 <a:latin typeface="Malgun Gothic"/>
                 <a:ea typeface="맑은 고딕" panose="020B0503020000020004" pitchFamily="50" charset="-127"/>
               </a:rPr>
-              <a:t>배경</a:t>
+              <a:t>배경 </a:t>
+            </a:r>
+            <a:r>
+              <a:rPr kumimoji="0" lang="en-US" altLang="ko-KR" sz="3200" b="1" i="0" u="none" strike="noStrike" kern="0" cap="none" spc="-25" normalizeH="0" baseline="0" noProof="0" dirty="0">
+                <a:ln>
+                  <a:noFill/>
+                </a:ln>
+                <a:solidFill>
+                  <a:srgbClr val="001F60"/>
+                </a:solidFill>
+                <a:effectLst/>
+                <a:uLnTx/>
+                <a:uFillTx/>
+                <a:latin typeface="Malgun Gothic"/>
+                <a:ea typeface="맑은 고딕" panose="020B0503020000020004" pitchFamily="50" charset="-127"/>
+              </a:rPr>
+              <a:t>(4/4)</a:t>
             </a:r>
             <a:endParaRPr kumimoji="0" lang="ko-KR" altLang="en-US" sz="3200" b="1" i="0" u="none" strike="noStrike" kern="0" cap="none" spc="0" normalizeH="0" baseline="0" noProof="0" dirty="0">
               <a:ln>
@@ -13267,7 +15089,7 @@
                 </a:solidFill>
                 <a:cs typeface="Malgun Gothic"/>
               </a:rPr>
-              <a:t>본 논문은 예측 대상 지역에서 하루치의 일사량만 수집되었더라도 타 지역의 충분한 일사량 데이터를 활용해 전이학습 기반의 다단계 일사량 예측 모델을 제안함</a:t>
+              <a:t>본 논문은 예측 대상 지역에서 하루치의 일사량만 수집되었더라도 타 지역의 충분한 일사량 데이터를 활용해 전이 학습 기반의 다단계 일사량 예측 모델을 제안함</a:t>
             </a:r>
             <a:endParaRPr lang="en-US" altLang="ko-KR" sz="2000" kern="0" dirty="0">
               <a:solidFill>
@@ -13906,7 +15728,7 @@
             <p:nvPr/>
           </p:nvPicPr>
           <p:blipFill rotWithShape="1">
-            <a:blip r:embed="rId2">
+            <a:blip r:embed="rId3">
               <a:extLst>
                 <a:ext uri="{28A0092B-C50C-407E-A947-70E740481C1C}">
                   <a14:useLocalDpi xmlns:a14="http://schemas.microsoft.com/office/drawing/2010/main" val="0"/>
@@ -13941,7 +15763,7 @@
             <p:nvPr/>
           </p:nvPicPr>
           <p:blipFill>
-            <a:blip r:embed="rId3" cstate="hqprint">
+            <a:blip r:embed="rId4" cstate="hqprint">
               <a:extLst>
                 <a:ext uri="{28A0092B-C50C-407E-A947-70E740481C1C}">
                   <a14:useLocalDpi xmlns:a14="http://schemas.microsoft.com/office/drawing/2010/main" val="0"/>
@@ -14359,6 +16181,91 @@
                 <a:sysClr val="windowText" lastClr="000000"/>
               </a:solidFill>
               <a:cs typeface="Malgun Gothic"/>
+            </a:endParaRPr>
+          </a:p>
+        </p:txBody>
+      </p:sp>
+      <p:sp>
+        <p:nvSpPr>
+          <p:cNvPr id="11" name="직사각형 10">
+            <a:extLst>
+              <a:ext uri="{FF2B5EF4-FFF2-40B4-BE49-F238E27FC236}">
+                <a16:creationId xmlns:a16="http://schemas.microsoft.com/office/drawing/2014/main" id="{CA6C4280-D4DB-4999-8C34-3CB9A5DE76CF}"/>
+              </a:ext>
+            </a:extLst>
+          </p:cNvPr>
+          <p:cNvSpPr/>
+          <p:nvPr/>
+        </p:nvSpPr>
+        <p:spPr>
+          <a:xfrm>
+            <a:off x="10354048" y="644301"/>
+            <a:ext cx="1430002" cy="276999"/>
+          </a:xfrm>
+          <a:prstGeom prst="rect">
+            <a:avLst/>
+          </a:prstGeom>
+        </p:spPr>
+        <p:txBody>
+          <a:bodyPr wrap="square">
+            <a:spAutoFit/>
+          </a:bodyPr>
+          <a:lstStyle/>
+          <a:p>
+            <a:pPr marL="12700" latinLnBrk="0">
+              <a:spcBef>
+                <a:spcPts val="695"/>
+              </a:spcBef>
+              <a:tabLst>
+                <a:tab pos="240665" algn="l"/>
+              </a:tabLst>
+            </a:pPr>
+            <a:r>
+              <a:rPr lang="en-US" altLang="ko-KR" sz="1200" b="1" kern="0" spc="-50" dirty="0">
+                <a:solidFill>
+                  <a:sysClr val="windowText" lastClr="000000"/>
+                </a:solidFill>
+                <a:latin typeface="Calibri"/>
+                <a:cs typeface="Calibri"/>
+              </a:rPr>
+              <a:t>* </a:t>
+            </a:r>
+            <a:r>
+              <a:rPr lang="ko-KR" altLang="en-US" sz="1200" b="1" kern="0" spc="-50" dirty="0">
+                <a:solidFill>
+                  <a:sysClr val="windowText" lastClr="000000"/>
+                </a:solidFill>
+                <a:latin typeface="Calibri"/>
+                <a:cs typeface="Calibri"/>
+              </a:rPr>
+              <a:t>수집 단위 </a:t>
+            </a:r>
+            <a:r>
+              <a:rPr lang="en-US" altLang="ko-KR" sz="1200" b="1" kern="0" spc="-50" dirty="0">
+                <a:solidFill>
+                  <a:sysClr val="windowText" lastClr="000000"/>
+                </a:solidFill>
+                <a:latin typeface="Calibri"/>
+                <a:cs typeface="Calibri"/>
+              </a:rPr>
+              <a:t>: 1</a:t>
+            </a:r>
+            <a:r>
+              <a:rPr lang="ko-KR" altLang="en-US" sz="1200" b="1" kern="0" spc="-50" dirty="0">
+                <a:solidFill>
+                  <a:sysClr val="windowText" lastClr="000000"/>
+                </a:solidFill>
+                <a:latin typeface="Calibri"/>
+                <a:cs typeface="Calibri"/>
+              </a:rPr>
+              <a:t>시간 </a:t>
+            </a:r>
+            <a:endParaRPr lang="en-US" altLang="ko-KR" sz="1200" b="1" kern="0" spc="-50" dirty="0">
+              <a:solidFill>
+                <a:sysClr val="windowText" lastClr="000000"/>
+              </a:solidFill>
+              <a:latin typeface="Calibri"/>
+              <a:cs typeface="Calibri"/>
             </a:endParaRPr>
           </a:p>
         </p:txBody>
@@ -14903,7 +16810,7 @@
             <p:nvPr/>
           </p:nvPicPr>
           <p:blipFill rotWithShape="1">
-            <a:blip r:embed="rId2">
+            <a:blip r:embed="rId3">
               <a:extLst>
                 <a:ext uri="{28A0092B-C50C-407E-A947-70E740481C1C}">
                   <a14:useLocalDpi xmlns:a14="http://schemas.microsoft.com/office/drawing/2010/main" val="0"/>
@@ -14938,7 +16845,7 @@
             <p:nvPr/>
           </p:nvPicPr>
           <p:blipFill>
-            <a:blip r:embed="rId3" cstate="hqprint">
+            <a:blip r:embed="rId4" cstate="hqprint">
               <a:extLst>
                 <a:ext uri="{28A0092B-C50C-407E-A947-70E740481C1C}">
                   <a14:useLocalDpi xmlns:a14="http://schemas.microsoft.com/office/drawing/2010/main" val="0"/>
@@ -15173,7 +17080,7 @@
             <p:nvPr/>
           </p:nvPicPr>
           <p:blipFill rotWithShape="1">
-            <a:blip r:embed="rId4"/>
+            <a:blip r:embed="rId5"/>
             <a:srcRect b="12612"/>
             <a:stretch/>
           </p:blipFill>

--- a/KICS_PT/[KICS] 모델 poster.pptx
+++ b/KICS_PT/[KICS] 모델 poster.pptx
@@ -211,7 +211,7 @@
           <a:p>
             <a:fld id="{6F87F997-1D79-4E07-87A6-34279F62842B}" type="datetimeFigureOut">
               <a:rPr lang="ko-KR" altLang="en-US" smtClean="0"/>
-              <a:t>2022-11-14</a:t>
+              <a:t>2022-11-15</a:t>
             </a:fld>
             <a:endParaRPr lang="ko-KR" altLang="en-US"/>
           </a:p>
@@ -1468,6 +1468,12 @@
               <a:rPr lang="ko-KR" altLang="en-US" dirty="0"/>
               <a:t>발표 순서는 다음과 같습니다</a:t>
             </a:r>
+            <a:r>
+              <a:rPr lang="en-US" altLang="ko-KR" dirty="0"/>
+              <a:t>.</a:t>
+            </a:r>
+          </a:p>
+          <a:p>
             <a:endParaRPr lang="en-US" altLang="ko-KR" dirty="0"/>
           </a:p>
           <a:p>
@@ -1505,7 +1511,7 @@
             </a:r>
             <a:r>
               <a:rPr lang="ko-KR" altLang="en-US" dirty="0"/>
-              <a:t>향후 연구 순으로 발표하겠습니다</a:t>
+              <a:t>향후 연구 순으로 발표 진행을 하겠습니다</a:t>
             </a:r>
             <a:r>
               <a:rPr lang="en-US" altLang="ko-KR" dirty="0"/>
@@ -1605,9 +1611,12 @@
             </a:r>
           </a:p>
           <a:p>
+            <a:endParaRPr lang="en-US" altLang="ko-KR" dirty="0"/>
+          </a:p>
+          <a:p>
             <a:r>
               <a:rPr lang="ko-KR" altLang="en-US" dirty="0"/>
-              <a:t>최근 화석연료 사용으로 인한 온실가스 배출량의 감소를 줄이기 위해 신재생 에너지 발전의 중요성이 강조되고 있고</a:t>
+              <a:t>최근 화석연료 사용으로 인한 온실가스 배출량의 감소를 줄이기 위해 신재생 에너지 발전의 중요성이 강조되고 있는 현황이며</a:t>
             </a:r>
             <a:r>
               <a:rPr lang="en-US" altLang="ko-KR" dirty="0"/>
@@ -1617,7 +1626,7 @@
           <a:p>
             <a:r>
               <a:rPr lang="ko-KR" altLang="en-US" dirty="0"/>
-              <a:t>이를 활용한 스마트 그리드 기술의 관심이 높아지고 있습니다</a:t>
+              <a:t>신재생 에너지를 활용한 스마트 그리드 기술의 관심도 높아지고 있습니다</a:t>
             </a:r>
             <a:r>
               <a:rPr lang="en-US" altLang="ko-KR" dirty="0"/>
@@ -2017,7 +2026,7 @@
           <a:p>
             <a:r>
               <a:rPr lang="ko-KR" altLang="en-US" dirty="0"/>
-              <a:t>정확한 단기 일사량을 예측하기 위한 연구가 활발히 진행됨을 알 수 있습니다</a:t>
+              <a:t>정확한 단기 일사량을 예측하기 위해 기계학습을 기반으로 한 연구가 활발히 진행되고 있음을 알 수 있습니다</a:t>
             </a:r>
             <a:r>
               <a:rPr lang="en-US" altLang="ko-KR" dirty="0"/>
@@ -2671,7 +2680,7 @@
           <a:p>
             <a:fld id="{B1A85668-658F-4FC8-8F81-563F46575ADE}" type="datetimeFigureOut">
               <a:rPr lang="ko-KR" altLang="en-US" smtClean="0"/>
-              <a:t>2022-11-14</a:t>
+              <a:t>2022-11-15</a:t>
             </a:fld>
             <a:endParaRPr lang="ko-KR" altLang="en-US"/>
           </a:p>
@@ -2869,7 +2878,7 @@
           <a:p>
             <a:fld id="{B1A85668-658F-4FC8-8F81-563F46575ADE}" type="datetimeFigureOut">
               <a:rPr lang="ko-KR" altLang="en-US" smtClean="0"/>
-              <a:t>2022-11-14</a:t>
+              <a:t>2022-11-15</a:t>
             </a:fld>
             <a:endParaRPr lang="ko-KR" altLang="en-US"/>
           </a:p>
@@ -3077,7 +3086,7 @@
           <a:p>
             <a:fld id="{B1A85668-658F-4FC8-8F81-563F46575ADE}" type="datetimeFigureOut">
               <a:rPr lang="ko-KR" altLang="en-US" smtClean="0"/>
-              <a:t>2022-11-14</a:t>
+              <a:t>2022-11-15</a:t>
             </a:fld>
             <a:endParaRPr lang="ko-KR" altLang="en-US"/>
           </a:p>
@@ -3275,7 +3284,7 @@
           <a:p>
             <a:fld id="{B1A85668-658F-4FC8-8F81-563F46575ADE}" type="datetimeFigureOut">
               <a:rPr lang="ko-KR" altLang="en-US" smtClean="0"/>
-              <a:t>2022-11-14</a:t>
+              <a:t>2022-11-15</a:t>
             </a:fld>
             <a:endParaRPr lang="ko-KR" altLang="en-US"/>
           </a:p>
@@ -3550,7 +3559,7 @@
           <a:p>
             <a:fld id="{B1A85668-658F-4FC8-8F81-563F46575ADE}" type="datetimeFigureOut">
               <a:rPr lang="ko-KR" altLang="en-US" smtClean="0"/>
-              <a:t>2022-11-14</a:t>
+              <a:t>2022-11-15</a:t>
             </a:fld>
             <a:endParaRPr lang="ko-KR" altLang="en-US"/>
           </a:p>
@@ -3815,7 +3824,7 @@
           <a:p>
             <a:fld id="{B1A85668-658F-4FC8-8F81-563F46575ADE}" type="datetimeFigureOut">
               <a:rPr lang="ko-KR" altLang="en-US" smtClean="0"/>
-              <a:t>2022-11-14</a:t>
+              <a:t>2022-11-15</a:t>
             </a:fld>
             <a:endParaRPr lang="ko-KR" altLang="en-US"/>
           </a:p>
@@ -4227,7 +4236,7 @@
           <a:p>
             <a:fld id="{B1A85668-658F-4FC8-8F81-563F46575ADE}" type="datetimeFigureOut">
               <a:rPr lang="ko-KR" altLang="en-US" smtClean="0"/>
-              <a:t>2022-11-14</a:t>
+              <a:t>2022-11-15</a:t>
             </a:fld>
             <a:endParaRPr lang="ko-KR" altLang="en-US"/>
           </a:p>
@@ -4368,7 +4377,7 @@
           <a:p>
             <a:fld id="{B1A85668-658F-4FC8-8F81-563F46575ADE}" type="datetimeFigureOut">
               <a:rPr lang="ko-KR" altLang="en-US" smtClean="0"/>
-              <a:t>2022-11-14</a:t>
+              <a:t>2022-11-15</a:t>
             </a:fld>
             <a:endParaRPr lang="ko-KR" altLang="en-US"/>
           </a:p>
@@ -4481,7 +4490,7 @@
           <a:p>
             <a:fld id="{B1A85668-658F-4FC8-8F81-563F46575ADE}" type="datetimeFigureOut">
               <a:rPr lang="ko-KR" altLang="en-US" smtClean="0"/>
-              <a:t>2022-11-14</a:t>
+              <a:t>2022-11-15</a:t>
             </a:fld>
             <a:endParaRPr lang="ko-KR" altLang="en-US"/>
           </a:p>
@@ -4792,7 +4801,7 @@
           <a:p>
             <a:fld id="{B1A85668-658F-4FC8-8F81-563F46575ADE}" type="datetimeFigureOut">
               <a:rPr lang="ko-KR" altLang="en-US" smtClean="0"/>
-              <a:t>2022-11-14</a:t>
+              <a:t>2022-11-15</a:t>
             </a:fld>
             <a:endParaRPr lang="ko-KR" altLang="en-US"/>
           </a:p>
@@ -5080,7 +5089,7 @@
           <a:p>
             <a:fld id="{B1A85668-658F-4FC8-8F81-563F46575ADE}" type="datetimeFigureOut">
               <a:rPr lang="ko-KR" altLang="en-US" smtClean="0"/>
-              <a:t>2022-11-14</a:t>
+              <a:t>2022-11-15</a:t>
             </a:fld>
             <a:endParaRPr lang="ko-KR" altLang="en-US"/>
           </a:p>
@@ -5321,7 +5330,7 @@
           <a:p>
             <a:fld id="{B1A85668-658F-4FC8-8F81-563F46575ADE}" type="datetimeFigureOut">
               <a:rPr lang="ko-KR" altLang="en-US" smtClean="0"/>
-              <a:t>2022-11-14</a:t>
+              <a:t>2022-11-15</a:t>
             </a:fld>
             <a:endParaRPr lang="ko-KR" altLang="en-US"/>
           </a:p>

--- a/KICS_PT/[KICS] 모델 poster.pptx
+++ b/KICS_PT/[KICS] 모델 poster.pptx
@@ -1,6 +1,6 @@
 
 <file path=ppt/presentation.xml><?xml version="1.0" encoding="utf-8"?>
-<p:presentation xmlns:a="http://schemas.openxmlformats.org/drawingml/2006/main" xmlns:r="http://schemas.openxmlformats.org/officeDocument/2006/relationships" xmlns:p="http://schemas.openxmlformats.org/presentationml/2006/main" saveSubsetFonts="1">
+<p:presentation xmlns:a="http://schemas.openxmlformats.org/drawingml/2006/main" xmlns:r="http://schemas.openxmlformats.org/officeDocument/2006/relationships" xmlns:p="http://schemas.openxmlformats.org/presentationml/2006/main" showSpecialPlsOnTitleSld="0" saveSubsetFonts="1">
   <p:sldMasterIdLst>
     <p:sldMasterId id="2147483648" r:id="rId1"/>
   </p:sldMasterIdLst>
@@ -991,7 +991,39 @@
           <a:p>
             <a:r>
               <a:rPr lang="ko-KR" altLang="en-US" dirty="0"/>
-              <a:t>실험에 사용한 기상 데이터는 위 테이블과 같습니다</a:t>
+              <a:t>실험에 사용한 데이터는 </a:t>
+            </a:r>
+            <a:r>
+              <a:rPr lang="en-US" altLang="ko-KR" dirty="0"/>
+              <a:t>5</a:t>
+            </a:r>
+            <a:r>
+              <a:rPr lang="ko-KR" altLang="en-US" dirty="0"/>
+              <a:t>개 지역의 </a:t>
+            </a:r>
+            <a:r>
+              <a:rPr lang="en-US" altLang="ko-KR" dirty="0"/>
+              <a:t>4</a:t>
+            </a:r>
+            <a:r>
+              <a:rPr lang="ko-KR" altLang="en-US" dirty="0"/>
+              <a:t>년</a:t>
+            </a:r>
+            <a:r>
+              <a:rPr lang="en-US" altLang="ko-KR" dirty="0"/>
+              <a:t>, </a:t>
+            </a:r>
+            <a:r>
+              <a:rPr lang="ko-KR" altLang="en-US" dirty="0"/>
+              <a:t>총 </a:t>
+            </a:r>
+            <a:r>
+              <a:rPr lang="en-US" altLang="ko-KR" dirty="0"/>
+              <a:t>20</a:t>
+            </a:r>
+            <a:r>
+              <a:rPr lang="ko-KR" altLang="en-US" dirty="0"/>
+              <a:t>년치 데이터와 타겟 지역으로 선정한 대전시의 각각 하루치 데이터를 사용했습니다</a:t>
             </a:r>
             <a:r>
               <a:rPr lang="en-US" altLang="ko-KR" dirty="0"/>
@@ -2678,7 +2710,7 @@
           <a:bodyPr/>
           <a:lstStyle/>
           <a:p>
-            <a:fld id="{B1A85668-658F-4FC8-8F81-563F46575ADE}" type="datetimeFigureOut">
+            <a:fld id="{4BC751A1-ECC2-4FC0-B302-F0851A2DAF96}" type="datetime1">
               <a:rPr lang="ko-KR" altLang="en-US" smtClean="0"/>
               <a:t>2022-11-15</a:t>
             </a:fld>
@@ -2876,7 +2908,7 @@
           <a:bodyPr/>
           <a:lstStyle/>
           <a:p>
-            <a:fld id="{B1A85668-658F-4FC8-8F81-563F46575ADE}" type="datetimeFigureOut">
+            <a:fld id="{423476F3-FA10-46FF-876F-FD661044B22A}" type="datetime1">
               <a:rPr lang="ko-KR" altLang="en-US" smtClean="0"/>
               <a:t>2022-11-15</a:t>
             </a:fld>
@@ -3084,7 +3116,7 @@
           <a:bodyPr/>
           <a:lstStyle/>
           <a:p>
-            <a:fld id="{B1A85668-658F-4FC8-8F81-563F46575ADE}" type="datetimeFigureOut">
+            <a:fld id="{89A2ADE5-D51E-4229-AB66-C7101E1152BA}" type="datetime1">
               <a:rPr lang="ko-KR" altLang="en-US" smtClean="0"/>
               <a:t>2022-11-15</a:t>
             </a:fld>
@@ -3282,7 +3314,7 @@
           <a:bodyPr/>
           <a:lstStyle/>
           <a:p>
-            <a:fld id="{B1A85668-658F-4FC8-8F81-563F46575ADE}" type="datetimeFigureOut">
+            <a:fld id="{45A19B69-5B14-4E78-BE7F-73BF55FD31EF}" type="datetime1">
               <a:rPr lang="ko-KR" altLang="en-US" smtClean="0"/>
               <a:t>2022-11-15</a:t>
             </a:fld>
@@ -3557,7 +3589,7 @@
           <a:bodyPr/>
           <a:lstStyle/>
           <a:p>
-            <a:fld id="{B1A85668-658F-4FC8-8F81-563F46575ADE}" type="datetimeFigureOut">
+            <a:fld id="{2A0D7CD2-5C3D-4F05-9F6B-B11A1D0D1083}" type="datetime1">
               <a:rPr lang="ko-KR" altLang="en-US" smtClean="0"/>
               <a:t>2022-11-15</a:t>
             </a:fld>
@@ -3822,7 +3854,7 @@
           <a:bodyPr/>
           <a:lstStyle/>
           <a:p>
-            <a:fld id="{B1A85668-658F-4FC8-8F81-563F46575ADE}" type="datetimeFigureOut">
+            <a:fld id="{A78D5097-A977-4D21-8664-50600180C781}" type="datetime1">
               <a:rPr lang="ko-KR" altLang="en-US" smtClean="0"/>
               <a:t>2022-11-15</a:t>
             </a:fld>
@@ -4234,7 +4266,7 @@
           <a:bodyPr/>
           <a:lstStyle/>
           <a:p>
-            <a:fld id="{B1A85668-658F-4FC8-8F81-563F46575ADE}" type="datetimeFigureOut">
+            <a:fld id="{BCF9796C-E5D2-4EC2-8E18-C90D3088C1BD}" type="datetime1">
               <a:rPr lang="ko-KR" altLang="en-US" smtClean="0"/>
               <a:t>2022-11-15</a:t>
             </a:fld>
@@ -4375,7 +4407,7 @@
           <a:bodyPr/>
           <a:lstStyle/>
           <a:p>
-            <a:fld id="{B1A85668-658F-4FC8-8F81-563F46575ADE}" type="datetimeFigureOut">
+            <a:fld id="{F7977E95-61EF-45FD-9014-3EEB368FD2B8}" type="datetime1">
               <a:rPr lang="ko-KR" altLang="en-US" smtClean="0"/>
               <a:t>2022-11-15</a:t>
             </a:fld>
@@ -4488,7 +4520,7 @@
           <a:bodyPr/>
           <a:lstStyle/>
           <a:p>
-            <a:fld id="{B1A85668-658F-4FC8-8F81-563F46575ADE}" type="datetimeFigureOut">
+            <a:fld id="{9EA81D6F-FB04-4E76-A8DA-5F8DE44FB36A}" type="datetime1">
               <a:rPr lang="ko-KR" altLang="en-US" smtClean="0"/>
               <a:t>2022-11-15</a:t>
             </a:fld>
@@ -4799,7 +4831,7 @@
           <a:bodyPr/>
           <a:lstStyle/>
           <a:p>
-            <a:fld id="{B1A85668-658F-4FC8-8F81-563F46575ADE}" type="datetimeFigureOut">
+            <a:fld id="{73EC2E60-9F20-4133-868F-E7C4E4BFBD57}" type="datetime1">
               <a:rPr lang="ko-KR" altLang="en-US" smtClean="0"/>
               <a:t>2022-11-15</a:t>
             </a:fld>
@@ -5087,7 +5119,7 @@
           <a:bodyPr/>
           <a:lstStyle/>
           <a:p>
-            <a:fld id="{B1A85668-658F-4FC8-8F81-563F46575ADE}" type="datetimeFigureOut">
+            <a:fld id="{3CB7E31E-FF16-4439-B212-AC7025F4AAB0}" type="datetime1">
               <a:rPr lang="ko-KR" altLang="en-US" smtClean="0"/>
               <a:t>2022-11-15</a:t>
             </a:fld>
@@ -5328,7 +5360,7 @@
             </a:lvl1pPr>
           </a:lstStyle>
           <a:p>
-            <a:fld id="{B1A85668-658F-4FC8-8F81-563F46575ADE}" type="datetimeFigureOut">
+            <a:fld id="{60352A02-A5CD-4786-B499-4F5D26E953F9}" type="datetime1">
               <a:rPr lang="ko-KR" altLang="en-US" smtClean="0"/>
               <a:t>2022-11-15</a:t>
             </a:fld>
@@ -5447,6 +5479,7 @@
     <p:sldLayoutId id="2147483658" r:id="rId10"/>
     <p:sldLayoutId id="2147483659" r:id="rId11"/>
   </p:sldLayoutIdLst>
+  <p:hf hdr="0" ftr="0" dt="0"/>
   <p:txStyles>
     <p:titleStyle>
       <a:lvl1pPr algn="l" defTabSz="914400" rtl="0" eaLnBrk="1" latinLnBrk="1" hangingPunct="1">
@@ -5817,8 +5850,8 @@
         </p:nvSpPr>
         <p:spPr>
           <a:xfrm>
-            <a:off x="1712348" y="1706312"/>
-            <a:ext cx="8934807" cy="2059898"/>
+            <a:off x="1701032" y="1665923"/>
+            <a:ext cx="8789935" cy="2059898"/>
           </a:xfrm>
         </p:spPr>
         <p:txBody>
@@ -6257,99 +6290,6 @@
       </p:grpSpPr>
       <p:sp>
         <p:nvSpPr>
-          <p:cNvPr id="15" name="object 2">
-            <a:extLst>
-              <a:ext uri="{FF2B5EF4-FFF2-40B4-BE49-F238E27FC236}">
-                <a16:creationId xmlns:a16="http://schemas.microsoft.com/office/drawing/2014/main" id="{63B42C9C-96BB-4869-81D8-DBA87F4A50BB}"/>
-              </a:ext>
-            </a:extLst>
-          </p:cNvPr>
-          <p:cNvSpPr txBox="1">
-            <a:spLocks/>
-          </p:cNvSpPr>
-          <p:nvPr/>
-        </p:nvSpPr>
-        <p:spPr>
-          <a:xfrm>
-            <a:off x="492575" y="391668"/>
-            <a:ext cx="3965125" cy="505267"/>
-          </a:xfrm>
-          <a:prstGeom prst="rect">
-            <a:avLst/>
-          </a:prstGeom>
-        </p:spPr>
-        <p:txBody>
-          <a:bodyPr vert="horz" wrap="square" lIns="0" tIns="12700" rIns="0" bIns="0" rtlCol="0">
-            <a:spAutoFit/>
-          </a:bodyPr>
-          <a:lstStyle>
-            <a:lvl1pPr>
-              <a:defRPr sz="3600" b="1" i="0">
-                <a:solidFill>
-                  <a:schemeClr val="tx1"/>
-                </a:solidFill>
-                <a:latin typeface="Malgun Gothic"/>
-                <a:ea typeface="+mj-ea"/>
-                <a:cs typeface="Malgun Gothic"/>
-              </a:defRPr>
-            </a:lvl1pPr>
-          </a:lstStyle>
-          <a:p>
-            <a:pPr marL="12700" marR="0" lvl="0" indent="0" defTabSz="914400" eaLnBrk="1" fontAlgn="auto" latinLnBrk="0" hangingPunct="1">
-              <a:lnSpc>
-                <a:spcPct val="100000"/>
-              </a:lnSpc>
-              <a:spcBef>
-                <a:spcPts val="100"/>
-              </a:spcBef>
-              <a:spcAft>
-                <a:spcPts val="0"/>
-              </a:spcAft>
-              <a:buClrTx/>
-              <a:buSzTx/>
-              <a:buFontTx/>
-              <a:buNone/>
-              <a:tabLst>
-                <a:tab pos="967740" algn="l"/>
-              </a:tabLst>
-              <a:defRPr/>
-            </a:pPr>
-            <a:r>
-              <a:rPr lang="ko-KR" altLang="en-US" sz="3200" kern="0" spc="-25" dirty="0">
-                <a:solidFill>
-                  <a:srgbClr val="001F60"/>
-                </a:solidFill>
-                <a:ea typeface="맑은 고딕" panose="020B0503020000020004" pitchFamily="50" charset="-127"/>
-              </a:rPr>
-              <a:t>일사량 </a:t>
-            </a:r>
-            <a:r>
-              <a:rPr lang="ko-KR" altLang="en-US" sz="3200" kern="0" spc="-25">
-                <a:solidFill>
-                  <a:srgbClr val="001F60"/>
-                </a:solidFill>
-                <a:ea typeface="맑은 고딕" panose="020B0503020000020004" pitchFamily="50" charset="-127"/>
-              </a:rPr>
-              <a:t>예측 모델링</a:t>
-            </a:r>
-            <a:endParaRPr kumimoji="0" lang="ko-KR" altLang="en-US" sz="3200" b="1" i="0" u="none" strike="noStrike" kern="0" cap="none" spc="0" normalizeH="0" baseline="0" noProof="0" dirty="0">
-              <a:ln>
-                <a:noFill/>
-              </a:ln>
-              <a:solidFill>
-                <a:sysClr val="windowText" lastClr="000000"/>
-              </a:solidFill>
-              <a:effectLst/>
-              <a:uLnTx/>
-              <a:uFillTx/>
-              <a:latin typeface="Malgun Gothic"/>
-              <a:ea typeface="맑은 고딕" panose="020B0503020000020004" pitchFamily="50" charset="-127"/>
-            </a:endParaRPr>
-          </a:p>
-        </p:txBody>
-      </p:sp>
-      <p:sp>
-        <p:nvSpPr>
           <p:cNvPr id="16" name="object 3">
             <a:extLst>
               <a:ext uri="{FF2B5EF4-FFF2-40B4-BE49-F238E27FC236}">
@@ -7083,98 +7023,6 @@
           </a:p>
         </p:txBody>
       </p:sp>
-      <p:grpSp>
-        <p:nvGrpSpPr>
-          <p:cNvPr id="10" name="그룹 9">
-            <a:extLst>
-              <a:ext uri="{FF2B5EF4-FFF2-40B4-BE49-F238E27FC236}">
-                <a16:creationId xmlns:a16="http://schemas.microsoft.com/office/drawing/2014/main" id="{44687AFC-8C0E-4232-8F5E-FC79411B00AC}"/>
-              </a:ext>
-            </a:extLst>
-          </p:cNvPr>
-          <p:cNvGrpSpPr/>
-          <p:nvPr/>
-        </p:nvGrpSpPr>
-        <p:grpSpPr>
-          <a:xfrm>
-            <a:off x="9250532" y="6219306"/>
-            <a:ext cx="2776842" cy="457642"/>
-            <a:chOff x="8473734" y="6091284"/>
-            <a:chExt cx="3553640" cy="585664"/>
-          </a:xfrm>
-        </p:grpSpPr>
-        <p:pic>
-          <p:nvPicPr>
-            <p:cNvPr id="11" name="그림 10">
-              <a:extLst>
-                <a:ext uri="{FF2B5EF4-FFF2-40B4-BE49-F238E27FC236}">
-                  <a16:creationId xmlns:a16="http://schemas.microsoft.com/office/drawing/2014/main" id="{33992F27-9FF3-4BD4-B717-E666388E2413}"/>
-                </a:ext>
-              </a:extLst>
-            </p:cNvPr>
-            <p:cNvPicPr>
-              <a:picLocks noChangeAspect="1"/>
-            </p:cNvPicPr>
-            <p:nvPr/>
-          </p:nvPicPr>
-          <p:blipFill rotWithShape="1">
-            <a:blip r:embed="rId3">
-              <a:extLst>
-                <a:ext uri="{28A0092B-C50C-407E-A947-70E740481C1C}">
-                  <a14:useLocalDpi xmlns:a14="http://schemas.microsoft.com/office/drawing/2010/main" val="0"/>
-                </a:ext>
-              </a:extLst>
-            </a:blip>
-            <a:srcRect l="74535" t="3851" r="5686" b="50143"/>
-            <a:stretch/>
-          </p:blipFill>
-          <p:spPr>
-            <a:xfrm>
-              <a:off x="8473734" y="6091284"/>
-              <a:ext cx="1353669" cy="585664"/>
-            </a:xfrm>
-            <a:prstGeom prst="rect">
-              <a:avLst/>
-            </a:prstGeom>
-          </p:spPr>
-        </p:pic>
-        <p:pic>
-          <p:nvPicPr>
-            <p:cNvPr id="12" name="그림 11">
-              <a:extLst>
-                <a:ext uri="{FF2B5EF4-FFF2-40B4-BE49-F238E27FC236}">
-                  <a16:creationId xmlns:a16="http://schemas.microsoft.com/office/drawing/2014/main" id="{960250D2-431D-4B42-BE6C-DB5F6242BA0F}"/>
-                </a:ext>
-              </a:extLst>
-            </p:cNvPr>
-            <p:cNvPicPr>
-              <a:picLocks noChangeAspect="1"/>
-            </p:cNvPicPr>
-            <p:nvPr/>
-          </p:nvPicPr>
-          <p:blipFill>
-            <a:blip r:embed="rId4" cstate="hqprint">
-              <a:extLst>
-                <a:ext uri="{28A0092B-C50C-407E-A947-70E740481C1C}">
-                  <a14:useLocalDpi xmlns:a14="http://schemas.microsoft.com/office/drawing/2010/main" val="0"/>
-                </a:ext>
-              </a:extLst>
-            </a:blip>
-            <a:stretch>
-              <a:fillRect/>
-            </a:stretch>
-          </p:blipFill>
-          <p:spPr>
-            <a:xfrm>
-              <a:off x="9827403" y="6172124"/>
-              <a:ext cx="2199971" cy="423985"/>
-            </a:xfrm>
-            <a:prstGeom prst="rect">
-              <a:avLst/>
-            </a:prstGeom>
-          </p:spPr>
-        </p:pic>
-      </p:grpSp>
       <p:sp>
         <p:nvSpPr>
           <p:cNvPr id="14" name="직사각형 13">
@@ -7255,7 +7103,7 @@
             <p:nvPr/>
           </p:nvPicPr>
           <p:blipFill rotWithShape="1">
-            <a:blip r:embed="rId5"/>
+            <a:blip r:embed="rId3"/>
             <a:srcRect b="12612"/>
             <a:stretch/>
           </p:blipFill>
@@ -7306,6 +7154,200 @@
           </p:txBody>
         </p:sp>
       </p:grpSp>
+      <p:sp>
+        <p:nvSpPr>
+          <p:cNvPr id="3" name="슬라이드 번호 개체 틀 2">
+            <a:extLst>
+              <a:ext uri="{FF2B5EF4-FFF2-40B4-BE49-F238E27FC236}">
+                <a16:creationId xmlns:a16="http://schemas.microsoft.com/office/drawing/2014/main" id="{77501185-FD66-4FE5-B10E-939BE738AC17}"/>
+              </a:ext>
+            </a:extLst>
+          </p:cNvPr>
+          <p:cNvSpPr>
+            <a:spLocks noGrp="1"/>
+          </p:cNvSpPr>
+          <p:nvPr>
+            <p:ph type="sldNum" sz="quarter" idx="12"/>
+          </p:nvPr>
+        </p:nvSpPr>
+        <p:spPr/>
+        <p:txBody>
+          <a:bodyPr/>
+          <a:lstStyle/>
+          <a:p>
+            <a:fld id="{03C1276A-B16E-4219-8EB0-2243FF9FC212}" type="slidenum">
+              <a:rPr lang="ko-KR" altLang="en-US" smtClean="0"/>
+              <a:t>10</a:t>
+            </a:fld>
+            <a:endParaRPr lang="ko-KR" altLang="en-US"/>
+          </a:p>
+        </p:txBody>
+      </p:sp>
+      <p:grpSp>
+        <p:nvGrpSpPr>
+          <p:cNvPr id="18" name="그룹 17">
+            <a:extLst>
+              <a:ext uri="{FF2B5EF4-FFF2-40B4-BE49-F238E27FC236}">
+                <a16:creationId xmlns:a16="http://schemas.microsoft.com/office/drawing/2014/main" id="{0729F0BD-83EF-48F5-9647-6917EAD4486F}"/>
+              </a:ext>
+            </a:extLst>
+          </p:cNvPr>
+          <p:cNvGrpSpPr/>
+          <p:nvPr/>
+        </p:nvGrpSpPr>
+        <p:grpSpPr>
+          <a:xfrm>
+            <a:off x="9250532" y="6093576"/>
+            <a:ext cx="2776842" cy="457642"/>
+            <a:chOff x="8473734" y="6091284"/>
+            <a:chExt cx="3553640" cy="585664"/>
+          </a:xfrm>
+        </p:grpSpPr>
+        <p:pic>
+          <p:nvPicPr>
+            <p:cNvPr id="20" name="그림 19">
+              <a:extLst>
+                <a:ext uri="{FF2B5EF4-FFF2-40B4-BE49-F238E27FC236}">
+                  <a16:creationId xmlns:a16="http://schemas.microsoft.com/office/drawing/2014/main" id="{8DBE0181-1158-490D-8B3E-1DF77A1604EF}"/>
+                </a:ext>
+              </a:extLst>
+            </p:cNvPr>
+            <p:cNvPicPr>
+              <a:picLocks noChangeAspect="1"/>
+            </p:cNvPicPr>
+            <p:nvPr/>
+          </p:nvPicPr>
+          <p:blipFill rotWithShape="1">
+            <a:blip r:embed="rId4">
+              <a:extLst>
+                <a:ext uri="{28A0092B-C50C-407E-A947-70E740481C1C}">
+                  <a14:useLocalDpi xmlns:a14="http://schemas.microsoft.com/office/drawing/2010/main" val="0"/>
+                </a:ext>
+              </a:extLst>
+            </a:blip>
+            <a:srcRect l="74535" t="3851" r="5686" b="50143"/>
+            <a:stretch/>
+          </p:blipFill>
+          <p:spPr>
+            <a:xfrm>
+              <a:off x="8473734" y="6091284"/>
+              <a:ext cx="1353669" cy="585664"/>
+            </a:xfrm>
+            <a:prstGeom prst="rect">
+              <a:avLst/>
+            </a:prstGeom>
+          </p:spPr>
+        </p:pic>
+        <p:pic>
+          <p:nvPicPr>
+            <p:cNvPr id="21" name="그림 20">
+              <a:extLst>
+                <a:ext uri="{FF2B5EF4-FFF2-40B4-BE49-F238E27FC236}">
+                  <a16:creationId xmlns:a16="http://schemas.microsoft.com/office/drawing/2014/main" id="{DD8F4D3B-38AB-488D-B3DF-66359577BB27}"/>
+                </a:ext>
+              </a:extLst>
+            </p:cNvPr>
+            <p:cNvPicPr>
+              <a:picLocks noChangeAspect="1"/>
+            </p:cNvPicPr>
+            <p:nvPr/>
+          </p:nvPicPr>
+          <p:blipFill>
+            <a:blip r:embed="rId5" cstate="hqprint">
+              <a:extLst>
+                <a:ext uri="{28A0092B-C50C-407E-A947-70E740481C1C}">
+                  <a14:useLocalDpi xmlns:a14="http://schemas.microsoft.com/office/drawing/2010/main" val="0"/>
+                </a:ext>
+              </a:extLst>
+            </a:blip>
+            <a:stretch>
+              <a:fillRect/>
+            </a:stretch>
+          </p:blipFill>
+          <p:spPr>
+            <a:xfrm>
+              <a:off x="9827403" y="6172124"/>
+              <a:ext cx="2199971" cy="423985"/>
+            </a:xfrm>
+            <a:prstGeom prst="rect">
+              <a:avLst/>
+            </a:prstGeom>
+          </p:spPr>
+        </p:pic>
+      </p:grpSp>
+      <p:sp>
+        <p:nvSpPr>
+          <p:cNvPr id="22" name="object 2">
+            <a:extLst>
+              <a:ext uri="{FF2B5EF4-FFF2-40B4-BE49-F238E27FC236}">
+                <a16:creationId xmlns:a16="http://schemas.microsoft.com/office/drawing/2014/main" id="{4949A076-FBAD-4D7E-983A-1A6AF8885CBF}"/>
+              </a:ext>
+            </a:extLst>
+          </p:cNvPr>
+          <p:cNvSpPr txBox="1">
+            <a:spLocks/>
+          </p:cNvSpPr>
+          <p:nvPr/>
+        </p:nvSpPr>
+        <p:spPr>
+          <a:xfrm>
+            <a:off x="492575" y="391668"/>
+            <a:ext cx="4638718" cy="505267"/>
+          </a:xfrm>
+          <a:prstGeom prst="rect">
+            <a:avLst/>
+          </a:prstGeom>
+        </p:spPr>
+        <p:txBody>
+          <a:bodyPr vert="horz" wrap="square" lIns="0" tIns="12700" rIns="0" bIns="0" rtlCol="0">
+            <a:spAutoFit/>
+          </a:bodyPr>
+          <a:lstStyle>
+            <a:lvl1pPr>
+              <a:defRPr sz="3600" b="1" i="0">
+                <a:solidFill>
+                  <a:schemeClr val="tx1"/>
+                </a:solidFill>
+                <a:latin typeface="Malgun Gothic"/>
+                <a:ea typeface="+mj-ea"/>
+                <a:cs typeface="Malgun Gothic"/>
+              </a:defRPr>
+            </a:lvl1pPr>
+          </a:lstStyle>
+          <a:p>
+            <a:pPr marL="12700" lvl="0" latinLnBrk="0">
+              <a:spcBef>
+                <a:spcPts val="100"/>
+              </a:spcBef>
+              <a:tabLst>
+                <a:tab pos="967740" algn="l"/>
+              </a:tabLst>
+              <a:defRPr/>
+            </a:pPr>
+            <a:r>
+              <a:rPr lang="ko-KR" altLang="en-US" sz="3200" kern="0" spc="-25" dirty="0">
+                <a:solidFill>
+                  <a:srgbClr val="001F60"/>
+                </a:solidFill>
+              </a:rPr>
+              <a:t>일사량 예측 모델링 </a:t>
+            </a:r>
+            <a:r>
+              <a:rPr lang="en-US" altLang="ko-KR" sz="3200" kern="0" spc="-25" dirty="0">
+                <a:solidFill>
+                  <a:srgbClr val="001F60"/>
+                </a:solidFill>
+              </a:rPr>
+              <a:t>(3/4)</a:t>
+            </a:r>
+            <a:endParaRPr lang="ko-KR" altLang="en-US" sz="3200" kern="0" spc="-25" dirty="0">
+              <a:solidFill>
+                <a:srgbClr val="001F60"/>
+              </a:solidFill>
+            </a:endParaRPr>
+          </a:p>
+        </p:txBody>
+      </p:sp>
     </p:spTree>
     <p:extLst>
       <p:ext uri="{BB962C8B-B14F-4D97-AF65-F5344CB8AC3E}">
@@ -7336,99 +7378,6 @@
           <a:chExt cx="0" cy="0"/>
         </a:xfrm>
       </p:grpSpPr>
-      <p:sp>
-        <p:nvSpPr>
-          <p:cNvPr id="9" name="object 2">
-            <a:extLst>
-              <a:ext uri="{FF2B5EF4-FFF2-40B4-BE49-F238E27FC236}">
-                <a16:creationId xmlns:a16="http://schemas.microsoft.com/office/drawing/2014/main" id="{6D7BD600-30F6-4170-B80C-852A785CE1AD}"/>
-              </a:ext>
-            </a:extLst>
-          </p:cNvPr>
-          <p:cNvSpPr txBox="1">
-            <a:spLocks/>
-          </p:cNvSpPr>
-          <p:nvPr/>
-        </p:nvSpPr>
-        <p:spPr>
-          <a:xfrm>
-            <a:off x="492575" y="391668"/>
-            <a:ext cx="3965125" cy="505267"/>
-          </a:xfrm>
-          <a:prstGeom prst="rect">
-            <a:avLst/>
-          </a:prstGeom>
-        </p:spPr>
-        <p:txBody>
-          <a:bodyPr vert="horz" wrap="square" lIns="0" tIns="12700" rIns="0" bIns="0" rtlCol="0">
-            <a:spAutoFit/>
-          </a:bodyPr>
-          <a:lstStyle>
-            <a:lvl1pPr>
-              <a:defRPr sz="3600" b="1" i="0">
-                <a:solidFill>
-                  <a:schemeClr val="tx1"/>
-                </a:solidFill>
-                <a:latin typeface="Malgun Gothic"/>
-                <a:ea typeface="+mj-ea"/>
-                <a:cs typeface="Malgun Gothic"/>
-              </a:defRPr>
-            </a:lvl1pPr>
-          </a:lstStyle>
-          <a:p>
-            <a:pPr marL="12700" marR="0" lvl="0" indent="0" defTabSz="914400" eaLnBrk="1" fontAlgn="auto" latinLnBrk="0" hangingPunct="1">
-              <a:lnSpc>
-                <a:spcPct val="100000"/>
-              </a:lnSpc>
-              <a:spcBef>
-                <a:spcPts val="100"/>
-              </a:spcBef>
-              <a:spcAft>
-                <a:spcPts val="0"/>
-              </a:spcAft>
-              <a:buClrTx/>
-              <a:buSzTx/>
-              <a:buFontTx/>
-              <a:buNone/>
-              <a:tabLst>
-                <a:tab pos="967740" algn="l"/>
-              </a:tabLst>
-              <a:defRPr/>
-            </a:pPr>
-            <a:r>
-              <a:rPr lang="ko-KR" altLang="en-US" sz="3200" kern="0" spc="-25" dirty="0">
-                <a:solidFill>
-                  <a:srgbClr val="001F60"/>
-                </a:solidFill>
-                <a:ea typeface="맑은 고딕" panose="020B0503020000020004" pitchFamily="50" charset="-127"/>
-              </a:rPr>
-              <a:t>일사량 </a:t>
-            </a:r>
-            <a:r>
-              <a:rPr lang="ko-KR" altLang="en-US" sz="3200" kern="0" spc="-25">
-                <a:solidFill>
-                  <a:srgbClr val="001F60"/>
-                </a:solidFill>
-                <a:ea typeface="맑은 고딕" panose="020B0503020000020004" pitchFamily="50" charset="-127"/>
-              </a:rPr>
-              <a:t>예측 모델링</a:t>
-            </a:r>
-            <a:endParaRPr kumimoji="0" lang="ko-KR" altLang="en-US" sz="3200" b="1" i="0" u="none" strike="noStrike" kern="0" cap="none" spc="0" normalizeH="0" baseline="0" noProof="0" dirty="0">
-              <a:ln>
-                <a:noFill/>
-              </a:ln>
-              <a:solidFill>
-                <a:sysClr val="windowText" lastClr="000000"/>
-              </a:solidFill>
-              <a:effectLst/>
-              <a:uLnTx/>
-              <a:uFillTx/>
-              <a:latin typeface="Malgun Gothic"/>
-              <a:ea typeface="맑은 고딕" panose="020B0503020000020004" pitchFamily="50" charset="-127"/>
-            </a:endParaRPr>
-          </a:p>
-        </p:txBody>
-      </p:sp>
       <p:sp>
         <p:nvSpPr>
           <p:cNvPr id="10" name="object 6">
@@ -7589,98 +7538,6 @@
           </a:p>
         </p:txBody>
       </p:sp>
-      <p:grpSp>
-        <p:nvGrpSpPr>
-          <p:cNvPr id="13" name="그룹 12">
-            <a:extLst>
-              <a:ext uri="{FF2B5EF4-FFF2-40B4-BE49-F238E27FC236}">
-                <a16:creationId xmlns:a16="http://schemas.microsoft.com/office/drawing/2014/main" id="{69C5AA96-16D6-4F35-9749-3DB555C04815}"/>
-              </a:ext>
-            </a:extLst>
-          </p:cNvPr>
-          <p:cNvGrpSpPr/>
-          <p:nvPr/>
-        </p:nvGrpSpPr>
-        <p:grpSpPr>
-          <a:xfrm>
-            <a:off x="9250532" y="6219306"/>
-            <a:ext cx="2776842" cy="457642"/>
-            <a:chOff x="8473734" y="6091284"/>
-            <a:chExt cx="3553640" cy="585664"/>
-          </a:xfrm>
-        </p:grpSpPr>
-        <p:pic>
-          <p:nvPicPr>
-            <p:cNvPr id="14" name="그림 13">
-              <a:extLst>
-                <a:ext uri="{FF2B5EF4-FFF2-40B4-BE49-F238E27FC236}">
-                  <a16:creationId xmlns:a16="http://schemas.microsoft.com/office/drawing/2014/main" id="{DD6C0931-0603-4DD0-91D1-00390C2BA799}"/>
-                </a:ext>
-              </a:extLst>
-            </p:cNvPr>
-            <p:cNvPicPr>
-              <a:picLocks noChangeAspect="1"/>
-            </p:cNvPicPr>
-            <p:nvPr/>
-          </p:nvPicPr>
-          <p:blipFill rotWithShape="1">
-            <a:blip r:embed="rId3">
-              <a:extLst>
-                <a:ext uri="{28A0092B-C50C-407E-A947-70E740481C1C}">
-                  <a14:useLocalDpi xmlns:a14="http://schemas.microsoft.com/office/drawing/2010/main" val="0"/>
-                </a:ext>
-              </a:extLst>
-            </a:blip>
-            <a:srcRect l="74535" t="3851" r="5686" b="50143"/>
-            <a:stretch/>
-          </p:blipFill>
-          <p:spPr>
-            <a:xfrm>
-              <a:off x="8473734" y="6091284"/>
-              <a:ext cx="1353669" cy="585664"/>
-            </a:xfrm>
-            <a:prstGeom prst="rect">
-              <a:avLst/>
-            </a:prstGeom>
-          </p:spPr>
-        </p:pic>
-        <p:pic>
-          <p:nvPicPr>
-            <p:cNvPr id="15" name="그림 14">
-              <a:extLst>
-                <a:ext uri="{FF2B5EF4-FFF2-40B4-BE49-F238E27FC236}">
-                  <a16:creationId xmlns:a16="http://schemas.microsoft.com/office/drawing/2014/main" id="{CC4A85D0-EC16-448D-BDB2-66760B3930E5}"/>
-                </a:ext>
-              </a:extLst>
-            </p:cNvPr>
-            <p:cNvPicPr>
-              <a:picLocks noChangeAspect="1"/>
-            </p:cNvPicPr>
-            <p:nvPr/>
-          </p:nvPicPr>
-          <p:blipFill>
-            <a:blip r:embed="rId4" cstate="hqprint">
-              <a:extLst>
-                <a:ext uri="{28A0092B-C50C-407E-A947-70E740481C1C}">
-                  <a14:useLocalDpi xmlns:a14="http://schemas.microsoft.com/office/drawing/2010/main" val="0"/>
-                </a:ext>
-              </a:extLst>
-            </a:blip>
-            <a:stretch>
-              <a:fillRect/>
-            </a:stretch>
-          </p:blipFill>
-          <p:spPr>
-            <a:xfrm>
-              <a:off x="9827403" y="6172124"/>
-              <a:ext cx="2199971" cy="423985"/>
-            </a:xfrm>
-            <a:prstGeom prst="rect">
-              <a:avLst/>
-            </a:prstGeom>
-          </p:spPr>
-        </p:pic>
-      </p:grpSp>
       <p:sp>
         <p:nvSpPr>
           <p:cNvPr id="2" name="TextBox 1">
@@ -7964,7 +7821,7 @@
             <p:nvPr/>
           </p:nvPicPr>
           <p:blipFill>
-            <a:blip r:embed="rId5">
+            <a:blip r:embed="rId3">
               <a:extLst>
                 <a:ext uri="{28A0092B-C50C-407E-A947-70E740481C1C}">
                   <a14:useLocalDpi xmlns:a14="http://schemas.microsoft.com/office/drawing/2010/main" val="0"/>
@@ -8033,6 +7890,200 @@
           </p:txBody>
         </p:sp>
       </p:grpSp>
+      <p:sp>
+        <p:nvSpPr>
+          <p:cNvPr id="5" name="슬라이드 번호 개체 틀 4">
+            <a:extLst>
+              <a:ext uri="{FF2B5EF4-FFF2-40B4-BE49-F238E27FC236}">
+                <a16:creationId xmlns:a16="http://schemas.microsoft.com/office/drawing/2014/main" id="{FBB48B4A-F649-4845-B4D2-44931DA63B0D}"/>
+              </a:ext>
+            </a:extLst>
+          </p:cNvPr>
+          <p:cNvSpPr>
+            <a:spLocks noGrp="1"/>
+          </p:cNvSpPr>
+          <p:nvPr>
+            <p:ph type="sldNum" sz="quarter" idx="12"/>
+          </p:nvPr>
+        </p:nvSpPr>
+        <p:spPr/>
+        <p:txBody>
+          <a:bodyPr/>
+          <a:lstStyle/>
+          <a:p>
+            <a:fld id="{03C1276A-B16E-4219-8EB0-2243FF9FC212}" type="slidenum">
+              <a:rPr lang="ko-KR" altLang="en-US" smtClean="0"/>
+              <a:t>11</a:t>
+            </a:fld>
+            <a:endParaRPr lang="ko-KR" altLang="en-US"/>
+          </a:p>
+        </p:txBody>
+      </p:sp>
+      <p:grpSp>
+        <p:nvGrpSpPr>
+          <p:cNvPr id="16" name="그룹 15">
+            <a:extLst>
+              <a:ext uri="{FF2B5EF4-FFF2-40B4-BE49-F238E27FC236}">
+                <a16:creationId xmlns:a16="http://schemas.microsoft.com/office/drawing/2014/main" id="{1F79CF86-B693-4BBB-82BD-A2BA9FF9C611}"/>
+              </a:ext>
+            </a:extLst>
+          </p:cNvPr>
+          <p:cNvGrpSpPr/>
+          <p:nvPr/>
+        </p:nvGrpSpPr>
+        <p:grpSpPr>
+          <a:xfrm>
+            <a:off x="9250532" y="6093576"/>
+            <a:ext cx="2776842" cy="457642"/>
+            <a:chOff x="8473734" y="6091284"/>
+            <a:chExt cx="3553640" cy="585664"/>
+          </a:xfrm>
+        </p:grpSpPr>
+        <p:pic>
+          <p:nvPicPr>
+            <p:cNvPr id="17" name="그림 16">
+              <a:extLst>
+                <a:ext uri="{FF2B5EF4-FFF2-40B4-BE49-F238E27FC236}">
+                  <a16:creationId xmlns:a16="http://schemas.microsoft.com/office/drawing/2014/main" id="{33280C9F-85EB-4D56-96E1-4376D39D95AC}"/>
+                </a:ext>
+              </a:extLst>
+            </p:cNvPr>
+            <p:cNvPicPr>
+              <a:picLocks noChangeAspect="1"/>
+            </p:cNvPicPr>
+            <p:nvPr/>
+          </p:nvPicPr>
+          <p:blipFill rotWithShape="1">
+            <a:blip r:embed="rId4">
+              <a:extLst>
+                <a:ext uri="{28A0092B-C50C-407E-A947-70E740481C1C}">
+                  <a14:useLocalDpi xmlns:a14="http://schemas.microsoft.com/office/drawing/2010/main" val="0"/>
+                </a:ext>
+              </a:extLst>
+            </a:blip>
+            <a:srcRect l="74535" t="3851" r="5686" b="50143"/>
+            <a:stretch/>
+          </p:blipFill>
+          <p:spPr>
+            <a:xfrm>
+              <a:off x="8473734" y="6091284"/>
+              <a:ext cx="1353669" cy="585664"/>
+            </a:xfrm>
+            <a:prstGeom prst="rect">
+              <a:avLst/>
+            </a:prstGeom>
+          </p:spPr>
+        </p:pic>
+        <p:pic>
+          <p:nvPicPr>
+            <p:cNvPr id="19" name="그림 18">
+              <a:extLst>
+                <a:ext uri="{FF2B5EF4-FFF2-40B4-BE49-F238E27FC236}">
+                  <a16:creationId xmlns:a16="http://schemas.microsoft.com/office/drawing/2014/main" id="{8C817776-6121-47DD-9AA3-83C99F934337}"/>
+                </a:ext>
+              </a:extLst>
+            </p:cNvPr>
+            <p:cNvPicPr>
+              <a:picLocks noChangeAspect="1"/>
+            </p:cNvPicPr>
+            <p:nvPr/>
+          </p:nvPicPr>
+          <p:blipFill>
+            <a:blip r:embed="rId5" cstate="hqprint">
+              <a:extLst>
+                <a:ext uri="{28A0092B-C50C-407E-A947-70E740481C1C}">
+                  <a14:useLocalDpi xmlns:a14="http://schemas.microsoft.com/office/drawing/2010/main" val="0"/>
+                </a:ext>
+              </a:extLst>
+            </a:blip>
+            <a:stretch>
+              <a:fillRect/>
+            </a:stretch>
+          </p:blipFill>
+          <p:spPr>
+            <a:xfrm>
+              <a:off x="9827403" y="6172124"/>
+              <a:ext cx="2199971" cy="423985"/>
+            </a:xfrm>
+            <a:prstGeom prst="rect">
+              <a:avLst/>
+            </a:prstGeom>
+          </p:spPr>
+        </p:pic>
+      </p:grpSp>
+      <p:sp>
+        <p:nvSpPr>
+          <p:cNvPr id="20" name="object 2">
+            <a:extLst>
+              <a:ext uri="{FF2B5EF4-FFF2-40B4-BE49-F238E27FC236}">
+                <a16:creationId xmlns:a16="http://schemas.microsoft.com/office/drawing/2014/main" id="{F2816C64-CDD8-4907-95C1-B3462515EC24}"/>
+              </a:ext>
+            </a:extLst>
+          </p:cNvPr>
+          <p:cNvSpPr txBox="1">
+            <a:spLocks/>
+          </p:cNvSpPr>
+          <p:nvPr/>
+        </p:nvSpPr>
+        <p:spPr>
+          <a:xfrm>
+            <a:off x="492575" y="391668"/>
+            <a:ext cx="4638718" cy="505267"/>
+          </a:xfrm>
+          <a:prstGeom prst="rect">
+            <a:avLst/>
+          </a:prstGeom>
+        </p:spPr>
+        <p:txBody>
+          <a:bodyPr vert="horz" wrap="square" lIns="0" tIns="12700" rIns="0" bIns="0" rtlCol="0">
+            <a:spAutoFit/>
+          </a:bodyPr>
+          <a:lstStyle>
+            <a:lvl1pPr>
+              <a:defRPr sz="3600" b="1" i="0">
+                <a:solidFill>
+                  <a:schemeClr val="tx1"/>
+                </a:solidFill>
+                <a:latin typeface="Malgun Gothic"/>
+                <a:ea typeface="+mj-ea"/>
+                <a:cs typeface="Malgun Gothic"/>
+              </a:defRPr>
+            </a:lvl1pPr>
+          </a:lstStyle>
+          <a:p>
+            <a:pPr marL="12700" lvl="0" latinLnBrk="0">
+              <a:spcBef>
+                <a:spcPts val="100"/>
+              </a:spcBef>
+              <a:tabLst>
+                <a:tab pos="967740" algn="l"/>
+              </a:tabLst>
+              <a:defRPr/>
+            </a:pPr>
+            <a:r>
+              <a:rPr lang="ko-KR" altLang="en-US" sz="3200" kern="0" spc="-25" dirty="0">
+                <a:solidFill>
+                  <a:srgbClr val="001F60"/>
+                </a:solidFill>
+              </a:rPr>
+              <a:t>일사량 예측 모델링 </a:t>
+            </a:r>
+            <a:r>
+              <a:rPr lang="en-US" altLang="ko-KR" sz="3200" kern="0" spc="-25" dirty="0">
+                <a:solidFill>
+                  <a:srgbClr val="001F60"/>
+                </a:solidFill>
+              </a:rPr>
+              <a:t>(4/4)</a:t>
+            </a:r>
+            <a:endParaRPr lang="ko-KR" altLang="en-US" sz="3200" kern="0" spc="-25" dirty="0">
+              <a:solidFill>
+                <a:srgbClr val="001F60"/>
+              </a:solidFill>
+            </a:endParaRPr>
+          </a:p>
+        </p:txBody>
+      </p:sp>
     </p:spTree>
     <p:extLst>
       <p:ext uri="{BB962C8B-B14F-4D97-AF65-F5344CB8AC3E}">
@@ -8136,7 +8187,23 @@
                 <a:latin typeface="맑은 고딕" panose="020B0503020000020004" pitchFamily="50" charset="-127"/>
                 <a:ea typeface="맑은 고딕" panose="020B0503020000020004" pitchFamily="50" charset="-127"/>
               </a:rPr>
-              <a:t>실험 및 결과</a:t>
+              <a:t>실험 및 결과 </a:t>
+            </a:r>
+            <a:r>
+              <a:rPr kumimoji="0" lang="en-US" altLang="ko-KR" sz="3200" b="1" i="0" u="none" strike="noStrike" kern="0" cap="none" spc="-25" normalizeH="0" baseline="0" noProof="0" dirty="0">
+                <a:ln>
+                  <a:noFill/>
+                </a:ln>
+                <a:solidFill>
+                  <a:srgbClr val="001F60"/>
+                </a:solidFill>
+                <a:effectLst/>
+                <a:uLnTx/>
+                <a:uFillTx/>
+                <a:latin typeface="맑은 고딕" panose="020B0503020000020004" pitchFamily="50" charset="-127"/>
+                <a:ea typeface="맑은 고딕" panose="020B0503020000020004" pitchFamily="50" charset="-127"/>
+              </a:rPr>
+              <a:t>(1/2)</a:t>
             </a:r>
             <a:endParaRPr kumimoji="0" lang="ko-KR" altLang="en-US" sz="3200" b="1" i="0" u="none" strike="noStrike" kern="0" cap="none" spc="0" normalizeH="0" baseline="0" noProof="0" dirty="0">
               <a:ln>
@@ -9013,98 +9080,6 @@
           </p:sp>
         </mc:Fallback>
       </mc:AlternateContent>
-      <p:grpSp>
-        <p:nvGrpSpPr>
-          <p:cNvPr id="13" name="그룹 12">
-            <a:extLst>
-              <a:ext uri="{FF2B5EF4-FFF2-40B4-BE49-F238E27FC236}">
-                <a16:creationId xmlns:a16="http://schemas.microsoft.com/office/drawing/2014/main" id="{0809CA87-6DC4-48D6-B475-6DFD6667769B}"/>
-              </a:ext>
-            </a:extLst>
-          </p:cNvPr>
-          <p:cNvGrpSpPr/>
-          <p:nvPr/>
-        </p:nvGrpSpPr>
-        <p:grpSpPr>
-          <a:xfrm>
-            <a:off x="9250532" y="6219306"/>
-            <a:ext cx="2776842" cy="457642"/>
-            <a:chOff x="8473734" y="6091284"/>
-            <a:chExt cx="3553640" cy="585664"/>
-          </a:xfrm>
-        </p:grpSpPr>
-        <p:pic>
-          <p:nvPicPr>
-            <p:cNvPr id="14" name="그림 13">
-              <a:extLst>
-                <a:ext uri="{FF2B5EF4-FFF2-40B4-BE49-F238E27FC236}">
-                  <a16:creationId xmlns:a16="http://schemas.microsoft.com/office/drawing/2014/main" id="{97E92FBF-E735-4F1A-9222-56A3851715B6}"/>
-                </a:ext>
-              </a:extLst>
-            </p:cNvPr>
-            <p:cNvPicPr>
-              <a:picLocks noChangeAspect="1"/>
-            </p:cNvPicPr>
-            <p:nvPr/>
-          </p:nvPicPr>
-          <p:blipFill rotWithShape="1">
-            <a:blip r:embed="rId5">
-              <a:extLst>
-                <a:ext uri="{28A0092B-C50C-407E-A947-70E740481C1C}">
-                  <a14:useLocalDpi xmlns:a14="http://schemas.microsoft.com/office/drawing/2010/main" val="0"/>
-                </a:ext>
-              </a:extLst>
-            </a:blip>
-            <a:srcRect l="74535" t="3851" r="5686" b="50143"/>
-            <a:stretch/>
-          </p:blipFill>
-          <p:spPr>
-            <a:xfrm>
-              <a:off x="8473734" y="6091284"/>
-              <a:ext cx="1353669" cy="585664"/>
-            </a:xfrm>
-            <a:prstGeom prst="rect">
-              <a:avLst/>
-            </a:prstGeom>
-          </p:spPr>
-        </p:pic>
-        <p:pic>
-          <p:nvPicPr>
-            <p:cNvPr id="15" name="그림 14">
-              <a:extLst>
-                <a:ext uri="{FF2B5EF4-FFF2-40B4-BE49-F238E27FC236}">
-                  <a16:creationId xmlns:a16="http://schemas.microsoft.com/office/drawing/2014/main" id="{7AB86DD4-452C-4EDF-85BF-94F16641F497}"/>
-                </a:ext>
-              </a:extLst>
-            </p:cNvPr>
-            <p:cNvPicPr>
-              <a:picLocks noChangeAspect="1"/>
-            </p:cNvPicPr>
-            <p:nvPr/>
-          </p:nvPicPr>
-          <p:blipFill>
-            <a:blip r:embed="rId6" cstate="hqprint">
-              <a:extLst>
-                <a:ext uri="{28A0092B-C50C-407E-A947-70E740481C1C}">
-                  <a14:useLocalDpi xmlns:a14="http://schemas.microsoft.com/office/drawing/2010/main" val="0"/>
-                </a:ext>
-              </a:extLst>
-            </a:blip>
-            <a:stretch>
-              <a:fillRect/>
-            </a:stretch>
-          </p:blipFill>
-          <p:spPr>
-            <a:xfrm>
-              <a:off x="9827403" y="6172124"/>
-              <a:ext cx="2199971" cy="423985"/>
-            </a:xfrm>
-            <a:prstGeom prst="rect">
-              <a:avLst/>
-            </a:prstGeom>
-          </p:spPr>
-        </p:pic>
-      </p:grpSp>
       <p:graphicFrame>
         <p:nvGraphicFramePr>
           <p:cNvPr id="17" name="표 4">
@@ -9120,14 +9095,14 @@
           <p:nvPr>
             <p:extLst>
               <p:ext uri="{D42A27DB-BD31-4B8C-83A1-F6EECF244321}">
-                <p14:modId xmlns:p14="http://schemas.microsoft.com/office/powerpoint/2010/main" val="4043525887"/>
+                <p14:modId xmlns:p14="http://schemas.microsoft.com/office/powerpoint/2010/main" val="28112504"/>
               </p:ext>
             </p:extLst>
           </p:nvPr>
         </p:nvGraphicFramePr>
         <p:xfrm>
-          <a:off x="2258556" y="4275704"/>
-          <a:ext cx="7775928" cy="1913969"/>
+          <a:off x="2258556" y="4275705"/>
+          <a:ext cx="7775928" cy="1817872"/>
         </p:xfrm>
         <a:graphic>
           <a:graphicData uri="http://schemas.openxmlformats.org/drawingml/2006/table">
@@ -9158,7 +9133,7 @@
                   </a:extLst>
                 </a:gridCol>
               </a:tblGrid>
-              <a:tr h="322215">
+              <a:tr h="306037">
                 <a:tc>
                   <a:txBody>
                     <a:bodyPr/>
@@ -9351,7 +9326,7 @@
                   </a:ext>
                 </a:extLst>
               </a:tr>
-              <a:tr h="818438">
+              <a:tr h="777346">
                 <a:tc>
                   <a:txBody>
                     <a:bodyPr/>
@@ -9596,7 +9571,7 @@
                   </a:ext>
                 </a:extLst>
               </a:tr>
-              <a:tr h="773316">
+              <a:tr h="734489">
                 <a:tc>
                   <a:txBody>
                     <a:bodyPr/>
@@ -9807,6 +9782,127 @@
           </a:graphicData>
         </a:graphic>
       </p:graphicFrame>
+      <p:sp>
+        <p:nvSpPr>
+          <p:cNvPr id="2" name="슬라이드 번호 개체 틀 1">
+            <a:extLst>
+              <a:ext uri="{FF2B5EF4-FFF2-40B4-BE49-F238E27FC236}">
+                <a16:creationId xmlns:a16="http://schemas.microsoft.com/office/drawing/2014/main" id="{2B3A86AB-7BE1-41B6-B7E7-ADE64CBF5E3C}"/>
+              </a:ext>
+            </a:extLst>
+          </p:cNvPr>
+          <p:cNvSpPr>
+            <a:spLocks noGrp="1"/>
+          </p:cNvSpPr>
+          <p:nvPr>
+            <p:ph type="sldNum" sz="quarter" idx="12"/>
+          </p:nvPr>
+        </p:nvSpPr>
+        <p:spPr/>
+        <p:txBody>
+          <a:bodyPr/>
+          <a:lstStyle/>
+          <a:p>
+            <a:fld id="{03C1276A-B16E-4219-8EB0-2243FF9FC212}" type="slidenum">
+              <a:rPr lang="ko-KR" altLang="en-US" smtClean="0"/>
+              <a:t>12</a:t>
+            </a:fld>
+            <a:endParaRPr lang="ko-KR" altLang="en-US"/>
+          </a:p>
+        </p:txBody>
+      </p:sp>
+      <p:grpSp>
+        <p:nvGrpSpPr>
+          <p:cNvPr id="16" name="그룹 15">
+            <a:extLst>
+              <a:ext uri="{FF2B5EF4-FFF2-40B4-BE49-F238E27FC236}">
+                <a16:creationId xmlns:a16="http://schemas.microsoft.com/office/drawing/2014/main" id="{49AB2C7C-EBAF-453A-875B-795087C6D271}"/>
+              </a:ext>
+            </a:extLst>
+          </p:cNvPr>
+          <p:cNvGrpSpPr/>
+          <p:nvPr/>
+        </p:nvGrpSpPr>
+        <p:grpSpPr>
+          <a:xfrm>
+            <a:off x="9250532" y="6093576"/>
+            <a:ext cx="2776842" cy="457642"/>
+            <a:chOff x="8473734" y="6091284"/>
+            <a:chExt cx="3553640" cy="585664"/>
+          </a:xfrm>
+        </p:grpSpPr>
+        <p:pic>
+          <p:nvPicPr>
+            <p:cNvPr id="18" name="그림 17">
+              <a:extLst>
+                <a:ext uri="{FF2B5EF4-FFF2-40B4-BE49-F238E27FC236}">
+                  <a16:creationId xmlns:a16="http://schemas.microsoft.com/office/drawing/2014/main" id="{DE2AD77F-EA93-4056-84C7-3AA0807DA485}"/>
+                </a:ext>
+              </a:extLst>
+            </p:cNvPr>
+            <p:cNvPicPr>
+              <a:picLocks noChangeAspect="1"/>
+            </p:cNvPicPr>
+            <p:nvPr/>
+          </p:nvPicPr>
+          <p:blipFill rotWithShape="1">
+            <a:blip r:embed="rId5">
+              <a:extLst>
+                <a:ext uri="{28A0092B-C50C-407E-A947-70E740481C1C}">
+                  <a14:useLocalDpi xmlns:a14="http://schemas.microsoft.com/office/drawing/2010/main" val="0"/>
+                </a:ext>
+              </a:extLst>
+            </a:blip>
+            <a:srcRect l="74535" t="3851" r="5686" b="50143"/>
+            <a:stretch/>
+          </p:blipFill>
+          <p:spPr>
+            <a:xfrm>
+              <a:off x="8473734" y="6091284"/>
+              <a:ext cx="1353669" cy="585664"/>
+            </a:xfrm>
+            <a:prstGeom prst="rect">
+              <a:avLst/>
+            </a:prstGeom>
+          </p:spPr>
+        </p:pic>
+        <p:pic>
+          <p:nvPicPr>
+            <p:cNvPr id="19" name="그림 18">
+              <a:extLst>
+                <a:ext uri="{FF2B5EF4-FFF2-40B4-BE49-F238E27FC236}">
+                  <a16:creationId xmlns:a16="http://schemas.microsoft.com/office/drawing/2014/main" id="{2D7BAA4C-8D1D-43F0-A611-50C3469A4DE4}"/>
+                </a:ext>
+              </a:extLst>
+            </p:cNvPr>
+            <p:cNvPicPr>
+              <a:picLocks noChangeAspect="1"/>
+            </p:cNvPicPr>
+            <p:nvPr/>
+          </p:nvPicPr>
+          <p:blipFill>
+            <a:blip r:embed="rId6" cstate="hqprint">
+              <a:extLst>
+                <a:ext uri="{28A0092B-C50C-407E-A947-70E740481C1C}">
+                  <a14:useLocalDpi xmlns:a14="http://schemas.microsoft.com/office/drawing/2010/main" val="0"/>
+                </a:ext>
+              </a:extLst>
+            </a:blip>
+            <a:stretch>
+              <a:fillRect/>
+            </a:stretch>
+          </p:blipFill>
+          <p:spPr>
+            <a:xfrm>
+              <a:off x="9827403" y="6172124"/>
+              <a:ext cx="2199971" cy="423985"/>
+            </a:xfrm>
+            <a:prstGeom prst="rect">
+              <a:avLst/>
+            </a:prstGeom>
+          </p:spPr>
+        </p:pic>
+      </p:grpSp>
     </p:spTree>
     <p:extLst>
       <p:ext uri="{BB962C8B-B14F-4D97-AF65-F5344CB8AC3E}">
@@ -9893,7 +9989,16 @@
                 </a:solidFill>
                 <a:latin typeface="맑은 고딕" panose="020B0503020000020004" pitchFamily="50" charset="-127"/>
               </a:rPr>
-              <a:t>실험 및 결과</a:t>
+              <a:t>실험 및 결과 </a:t>
+            </a:r>
+            <a:r>
+              <a:rPr lang="en-US" altLang="ko-KR" sz="3200" kern="0" spc="-25" dirty="0">
+                <a:solidFill>
+                  <a:srgbClr val="001F60"/>
+                </a:solidFill>
+                <a:latin typeface="맑은 고딕" panose="020B0503020000020004" pitchFamily="50" charset="-127"/>
+              </a:rPr>
+              <a:t>(2/2)</a:t>
             </a:r>
             <a:endParaRPr lang="ko-KR" altLang="en-US" sz="3200" kern="0" dirty="0">
               <a:solidFill>
@@ -10087,12 +10192,71 @@
           </a:p>
         </p:txBody>
       </p:sp>
+      <p:pic>
+        <p:nvPicPr>
+          <p:cNvPr id="17" name="그림 16">
+            <a:extLst>
+              <a:ext uri="{FF2B5EF4-FFF2-40B4-BE49-F238E27FC236}">
+                <a16:creationId xmlns:a16="http://schemas.microsoft.com/office/drawing/2014/main" id="{79AC04AA-E7CF-45BA-8710-0B384253F2DD}"/>
+              </a:ext>
+            </a:extLst>
+          </p:cNvPr>
+          <p:cNvPicPr>
+            <a:picLocks noChangeAspect="1"/>
+          </p:cNvPicPr>
+          <p:nvPr/>
+        </p:nvPicPr>
+        <p:blipFill>
+          <a:blip r:embed="rId3"/>
+          <a:stretch>
+            <a:fillRect/>
+          </a:stretch>
+        </p:blipFill>
+        <p:spPr>
+          <a:xfrm>
+            <a:off x="3186204" y="2264340"/>
+            <a:ext cx="5841892" cy="3608726"/>
+          </a:xfrm>
+          <a:prstGeom prst="rect">
+            <a:avLst/>
+          </a:prstGeom>
+        </p:spPr>
+      </p:pic>
+      <p:sp>
+        <p:nvSpPr>
+          <p:cNvPr id="2" name="슬라이드 번호 개체 틀 1">
+            <a:extLst>
+              <a:ext uri="{FF2B5EF4-FFF2-40B4-BE49-F238E27FC236}">
+                <a16:creationId xmlns:a16="http://schemas.microsoft.com/office/drawing/2014/main" id="{8E0067F0-B8D2-4329-9255-C52A79B78727}"/>
+              </a:ext>
+            </a:extLst>
+          </p:cNvPr>
+          <p:cNvSpPr>
+            <a:spLocks noGrp="1"/>
+          </p:cNvSpPr>
+          <p:nvPr>
+            <p:ph type="sldNum" sz="quarter" idx="12"/>
+          </p:nvPr>
+        </p:nvSpPr>
+        <p:spPr/>
+        <p:txBody>
+          <a:bodyPr/>
+          <a:lstStyle/>
+          <a:p>
+            <a:fld id="{03C1276A-B16E-4219-8EB0-2243FF9FC212}" type="slidenum">
+              <a:rPr lang="ko-KR" altLang="en-US" smtClean="0"/>
+              <a:t>13</a:t>
+            </a:fld>
+            <a:endParaRPr lang="ko-KR" altLang="en-US"/>
+          </a:p>
+        </p:txBody>
+      </p:sp>
       <p:grpSp>
         <p:nvGrpSpPr>
-          <p:cNvPr id="8" name="그룹 7">
+          <p:cNvPr id="14" name="그룹 13">
             <a:extLst>
               <a:ext uri="{FF2B5EF4-FFF2-40B4-BE49-F238E27FC236}">
-                <a16:creationId xmlns:a16="http://schemas.microsoft.com/office/drawing/2014/main" id="{668E7250-425D-4CBF-A95B-0548D9813C21}"/>
+                <a16:creationId xmlns:a16="http://schemas.microsoft.com/office/drawing/2014/main" id="{E19D7726-7245-4A1E-B439-A90C18E8E710}"/>
               </a:ext>
             </a:extLst>
           </p:cNvPr>
@@ -10101,7 +10265,7 @@
         </p:nvGrpSpPr>
         <p:grpSpPr>
           <a:xfrm>
-            <a:off x="9250532" y="6219306"/>
+            <a:off x="9250532" y="6093576"/>
             <a:ext cx="2776842" cy="457642"/>
             <a:chOff x="8473734" y="6091284"/>
             <a:chExt cx="3553640" cy="585664"/>
@@ -10109,10 +10273,10 @@
         </p:grpSpPr>
         <p:pic>
           <p:nvPicPr>
-            <p:cNvPr id="12" name="그림 11">
+            <p:cNvPr id="15" name="그림 14">
               <a:extLst>
                 <a:ext uri="{FF2B5EF4-FFF2-40B4-BE49-F238E27FC236}">
-                  <a16:creationId xmlns:a16="http://schemas.microsoft.com/office/drawing/2014/main" id="{4E57D731-B0D9-425E-8A4F-A0DD4C73FD0C}"/>
+                  <a16:creationId xmlns:a16="http://schemas.microsoft.com/office/drawing/2014/main" id="{45016FD7-F41E-4F8D-9FFC-B1C82FB3A7CD}"/>
                 </a:ext>
               </a:extLst>
             </p:cNvPr>
@@ -10122,7 +10286,7 @@
             <p:nvPr/>
           </p:nvPicPr>
           <p:blipFill rotWithShape="1">
-            <a:blip r:embed="rId3">
+            <a:blip r:embed="rId4">
               <a:extLst>
                 <a:ext uri="{28A0092B-C50C-407E-A947-70E740481C1C}">
                   <a14:useLocalDpi xmlns:a14="http://schemas.microsoft.com/office/drawing/2010/main" val="0"/>
@@ -10144,10 +10308,10 @@
         </p:pic>
         <p:pic>
           <p:nvPicPr>
-            <p:cNvPr id="13" name="그림 12">
+            <p:cNvPr id="16" name="그림 15">
               <a:extLst>
                 <a:ext uri="{FF2B5EF4-FFF2-40B4-BE49-F238E27FC236}">
-                  <a16:creationId xmlns:a16="http://schemas.microsoft.com/office/drawing/2014/main" id="{9CC09A94-CBA7-490A-B493-28422FEB0DEC}"/>
+                  <a16:creationId xmlns:a16="http://schemas.microsoft.com/office/drawing/2014/main" id="{2FCAD4B3-AC68-4E3C-96F2-A901BC06FEB3}"/>
                 </a:ext>
               </a:extLst>
             </p:cNvPr>
@@ -10157,7 +10321,7 @@
             <p:nvPr/>
           </p:nvPicPr>
           <p:blipFill>
-            <a:blip r:embed="rId4" cstate="hqprint">
+            <a:blip r:embed="rId5" cstate="hqprint">
               <a:extLst>
                 <a:ext uri="{28A0092B-C50C-407E-A947-70E740481C1C}">
                   <a14:useLocalDpi xmlns:a14="http://schemas.microsoft.com/office/drawing/2010/main" val="0"/>
@@ -10179,36 +10343,6 @@
           </p:spPr>
         </p:pic>
       </p:grpSp>
-      <p:pic>
-        <p:nvPicPr>
-          <p:cNvPr id="17" name="그림 16">
-            <a:extLst>
-              <a:ext uri="{FF2B5EF4-FFF2-40B4-BE49-F238E27FC236}">
-                <a16:creationId xmlns:a16="http://schemas.microsoft.com/office/drawing/2014/main" id="{79AC04AA-E7CF-45BA-8710-0B384253F2DD}"/>
-              </a:ext>
-            </a:extLst>
-          </p:cNvPr>
-          <p:cNvPicPr>
-            <a:picLocks noChangeAspect="1"/>
-          </p:cNvPicPr>
-          <p:nvPr/>
-        </p:nvPicPr>
-        <p:blipFill>
-          <a:blip r:embed="rId5"/>
-          <a:stretch>
-            <a:fillRect/>
-          </a:stretch>
-        </p:blipFill>
-        <p:spPr>
-          <a:xfrm>
-            <a:off x="3186204" y="2264340"/>
-            <a:ext cx="5841892" cy="3608726"/>
-          </a:xfrm>
-          <a:prstGeom prst="rect">
-            <a:avLst/>
-          </a:prstGeom>
-        </p:spPr>
-      </p:pic>
     </p:spTree>
     <p:extLst>
       <p:ext uri="{BB962C8B-B14F-4D97-AF65-F5344CB8AC3E}">
@@ -10678,12 +10812,41 @@
           </a:p>
         </p:txBody>
       </p:sp>
+      <p:sp>
+        <p:nvSpPr>
+          <p:cNvPr id="2" name="슬라이드 번호 개체 틀 1">
+            <a:extLst>
+              <a:ext uri="{FF2B5EF4-FFF2-40B4-BE49-F238E27FC236}">
+                <a16:creationId xmlns:a16="http://schemas.microsoft.com/office/drawing/2014/main" id="{983E53AA-8508-45D4-B0A1-B4E14FCDC830}"/>
+              </a:ext>
+            </a:extLst>
+          </p:cNvPr>
+          <p:cNvSpPr>
+            <a:spLocks noGrp="1"/>
+          </p:cNvSpPr>
+          <p:nvPr>
+            <p:ph type="sldNum" sz="quarter" idx="12"/>
+          </p:nvPr>
+        </p:nvSpPr>
+        <p:spPr/>
+        <p:txBody>
+          <a:bodyPr/>
+          <a:lstStyle/>
+          <a:p>
+            <a:fld id="{03C1276A-B16E-4219-8EB0-2243FF9FC212}" type="slidenum">
+              <a:rPr lang="ko-KR" altLang="en-US" smtClean="0"/>
+              <a:t>14</a:t>
+            </a:fld>
+            <a:endParaRPr lang="ko-KR" altLang="en-US"/>
+          </a:p>
+        </p:txBody>
+      </p:sp>
       <p:grpSp>
         <p:nvGrpSpPr>
-          <p:cNvPr id="7" name="그룹 6">
+          <p:cNvPr id="13" name="그룹 12">
             <a:extLst>
               <a:ext uri="{FF2B5EF4-FFF2-40B4-BE49-F238E27FC236}">
-                <a16:creationId xmlns:a16="http://schemas.microsoft.com/office/drawing/2014/main" id="{03FB5660-E702-46AE-AC53-7686FDB5B395}"/>
+                <a16:creationId xmlns:a16="http://schemas.microsoft.com/office/drawing/2014/main" id="{12D30972-30A6-4532-94CE-15D6481E0C00}"/>
               </a:ext>
             </a:extLst>
           </p:cNvPr>
@@ -10692,7 +10855,7 @@
         </p:nvGrpSpPr>
         <p:grpSpPr>
           <a:xfrm>
-            <a:off x="9250532" y="6219306"/>
+            <a:off x="9250532" y="6093576"/>
             <a:ext cx="2776842" cy="457642"/>
             <a:chOff x="8473734" y="6091284"/>
             <a:chExt cx="3553640" cy="585664"/>
@@ -10700,10 +10863,10 @@
         </p:grpSpPr>
         <p:pic>
           <p:nvPicPr>
-            <p:cNvPr id="8" name="그림 7">
+            <p:cNvPr id="14" name="그림 13">
               <a:extLst>
                 <a:ext uri="{FF2B5EF4-FFF2-40B4-BE49-F238E27FC236}">
-                  <a16:creationId xmlns:a16="http://schemas.microsoft.com/office/drawing/2014/main" id="{8A3DE8C6-951E-4895-9FE3-F76999926364}"/>
+                  <a16:creationId xmlns:a16="http://schemas.microsoft.com/office/drawing/2014/main" id="{05AB330B-C12C-4C77-AB2C-0894F53A27FE}"/>
                 </a:ext>
               </a:extLst>
             </p:cNvPr>
@@ -10735,10 +10898,10 @@
         </p:pic>
         <p:pic>
           <p:nvPicPr>
-            <p:cNvPr id="12" name="그림 11">
+            <p:cNvPr id="15" name="그림 14">
               <a:extLst>
                 <a:ext uri="{FF2B5EF4-FFF2-40B4-BE49-F238E27FC236}">
-                  <a16:creationId xmlns:a16="http://schemas.microsoft.com/office/drawing/2014/main" id="{F3A5AC1D-1FE2-43B5-8A82-0256447A07A5}"/>
+                  <a16:creationId xmlns:a16="http://schemas.microsoft.com/office/drawing/2014/main" id="{D8E6DBDD-5553-4E0A-8CFF-44EE5C6774C2}"/>
                 </a:ext>
               </a:extLst>
             </p:cNvPr>
@@ -10926,10 +11089,10 @@
       </p:sp>
       <p:grpSp>
         <p:nvGrpSpPr>
-          <p:cNvPr id="6" name="그룹 5">
+          <p:cNvPr id="7" name="그룹 6">
             <a:extLst>
               <a:ext uri="{FF2B5EF4-FFF2-40B4-BE49-F238E27FC236}">
-                <a16:creationId xmlns:a16="http://schemas.microsoft.com/office/drawing/2014/main" id="{41FB9A6A-537F-4C85-8D4B-D783C888B4FD}"/>
+                <a16:creationId xmlns:a16="http://schemas.microsoft.com/office/drawing/2014/main" id="{7960CA42-4A07-4571-BB24-C693341E19EE}"/>
               </a:ext>
             </a:extLst>
           </p:cNvPr>
@@ -10938,18 +11101,18 @@
         </p:nvGrpSpPr>
         <p:grpSpPr>
           <a:xfrm>
-            <a:off x="8433848" y="6084711"/>
-            <a:ext cx="3593526" cy="592237"/>
+            <a:off x="9250532" y="6093576"/>
+            <a:ext cx="2776842" cy="457642"/>
             <a:chOff x="8473734" y="6091284"/>
             <a:chExt cx="3553640" cy="585664"/>
           </a:xfrm>
         </p:grpSpPr>
         <p:pic>
           <p:nvPicPr>
-            <p:cNvPr id="8" name="그림 7">
+            <p:cNvPr id="9" name="그림 8">
               <a:extLst>
                 <a:ext uri="{FF2B5EF4-FFF2-40B4-BE49-F238E27FC236}">
-                  <a16:creationId xmlns:a16="http://schemas.microsoft.com/office/drawing/2014/main" id="{3176B1B9-91BA-4755-B56C-BC69CAD0EC0A}"/>
+                  <a16:creationId xmlns:a16="http://schemas.microsoft.com/office/drawing/2014/main" id="{70521F0B-906E-4D04-9790-C7099E5D18D0}"/>
                 </a:ext>
               </a:extLst>
             </p:cNvPr>
@@ -10981,10 +11144,10 @@
         </p:pic>
         <p:pic>
           <p:nvPicPr>
-            <p:cNvPr id="10" name="그림 9">
+            <p:cNvPr id="11" name="그림 10">
               <a:extLst>
                 <a:ext uri="{FF2B5EF4-FFF2-40B4-BE49-F238E27FC236}">
-                  <a16:creationId xmlns:a16="http://schemas.microsoft.com/office/drawing/2014/main" id="{1B7D3B8E-D8FD-458E-8DBA-B894C879C5E8}"/>
+                  <a16:creationId xmlns:a16="http://schemas.microsoft.com/office/drawing/2014/main" id="{E8FA4DE9-1A9F-4FB6-9EE7-4BBE2B437BB2}"/>
                 </a:ext>
               </a:extLst>
             </p:cNvPr>
@@ -11517,7 +11680,7 @@
         </p:nvGrpSpPr>
         <p:grpSpPr>
           <a:xfrm>
-            <a:off x="9250532" y="6219306"/>
+            <a:off x="9250532" y="6093576"/>
             <a:ext cx="2776842" cy="457642"/>
             <a:chOff x="8473734" y="6091284"/>
             <a:chExt cx="3553640" cy="585664"/>
@@ -11595,6 +11758,35 @@
           </p:spPr>
         </p:pic>
       </p:grpSp>
+      <p:sp>
+        <p:nvSpPr>
+          <p:cNvPr id="3" name="슬라이드 번호 개체 틀 2">
+            <a:extLst>
+              <a:ext uri="{FF2B5EF4-FFF2-40B4-BE49-F238E27FC236}">
+                <a16:creationId xmlns:a16="http://schemas.microsoft.com/office/drawing/2014/main" id="{1D695CD8-5F3F-45CF-8CE8-AEE84605F459}"/>
+              </a:ext>
+            </a:extLst>
+          </p:cNvPr>
+          <p:cNvSpPr>
+            <a:spLocks noGrp="1"/>
+          </p:cNvSpPr>
+          <p:nvPr>
+            <p:ph type="sldNum" sz="quarter" idx="12"/>
+          </p:nvPr>
+        </p:nvSpPr>
+        <p:spPr/>
+        <p:txBody>
+          <a:bodyPr/>
+          <a:lstStyle/>
+          <a:p>
+            <a:fld id="{03C1276A-B16E-4219-8EB0-2243FF9FC212}" type="slidenum">
+              <a:rPr lang="ko-KR" altLang="en-US" smtClean="0"/>
+              <a:t>2</a:t>
+            </a:fld>
+            <a:endParaRPr lang="ko-KR" altLang="en-US"/>
+          </a:p>
+        </p:txBody>
+      </p:sp>
     </p:spTree>
     <p:extLst>
       <p:ext uri="{BB962C8B-B14F-4D97-AF65-F5344CB8AC3E}">
@@ -11946,12 +12138,41 @@
           </a:p>
         </p:txBody>
       </p:sp>
+      <p:sp>
+        <p:nvSpPr>
+          <p:cNvPr id="2" name="슬라이드 번호 개체 틀 1">
+            <a:extLst>
+              <a:ext uri="{FF2B5EF4-FFF2-40B4-BE49-F238E27FC236}">
+                <a16:creationId xmlns:a16="http://schemas.microsoft.com/office/drawing/2014/main" id="{B61C9D6F-0094-4CC1-97C2-550122F41755}"/>
+              </a:ext>
+            </a:extLst>
+          </p:cNvPr>
+          <p:cNvSpPr>
+            <a:spLocks noGrp="1"/>
+          </p:cNvSpPr>
+          <p:nvPr>
+            <p:ph type="sldNum" sz="quarter" idx="12"/>
+          </p:nvPr>
+        </p:nvSpPr>
+        <p:spPr/>
+        <p:txBody>
+          <a:bodyPr/>
+          <a:lstStyle/>
+          <a:p>
+            <a:fld id="{03C1276A-B16E-4219-8EB0-2243FF9FC212}" type="slidenum">
+              <a:rPr lang="ko-KR" altLang="en-US" smtClean="0"/>
+              <a:t>3</a:t>
+            </a:fld>
+            <a:endParaRPr lang="ko-KR" altLang="en-US"/>
+          </a:p>
+        </p:txBody>
+      </p:sp>
       <p:grpSp>
         <p:nvGrpSpPr>
-          <p:cNvPr id="9" name="그룹 8">
+          <p:cNvPr id="12" name="그룹 11">
             <a:extLst>
               <a:ext uri="{FF2B5EF4-FFF2-40B4-BE49-F238E27FC236}">
-                <a16:creationId xmlns:a16="http://schemas.microsoft.com/office/drawing/2014/main" id="{11E4152E-20A9-481E-980D-6839B0FB11B6}"/>
+                <a16:creationId xmlns:a16="http://schemas.microsoft.com/office/drawing/2014/main" id="{8954F7AA-F428-47CC-A3E3-3BB51B79F7A3}"/>
               </a:ext>
             </a:extLst>
           </p:cNvPr>
@@ -11960,7 +12181,7 @@
         </p:nvGrpSpPr>
         <p:grpSpPr>
           <a:xfrm>
-            <a:off x="9250532" y="6219306"/>
+            <a:off x="9250532" y="6093576"/>
             <a:ext cx="2776842" cy="457642"/>
             <a:chOff x="8473734" y="6091284"/>
             <a:chExt cx="3553640" cy="585664"/>
@@ -11968,10 +12189,10 @@
         </p:grpSpPr>
         <p:pic>
           <p:nvPicPr>
-            <p:cNvPr id="10" name="그림 9">
+            <p:cNvPr id="13" name="그림 12">
               <a:extLst>
                 <a:ext uri="{FF2B5EF4-FFF2-40B4-BE49-F238E27FC236}">
-                  <a16:creationId xmlns:a16="http://schemas.microsoft.com/office/drawing/2014/main" id="{EC23857E-A1F0-4072-923B-4AA3924E7994}"/>
+                  <a16:creationId xmlns:a16="http://schemas.microsoft.com/office/drawing/2014/main" id="{70C2EE76-FE01-43DC-A894-8586555FFB88}"/>
                 </a:ext>
               </a:extLst>
             </p:cNvPr>
@@ -12003,10 +12224,10 @@
         </p:pic>
         <p:pic>
           <p:nvPicPr>
-            <p:cNvPr id="11" name="그림 10">
+            <p:cNvPr id="14" name="그림 13">
               <a:extLst>
                 <a:ext uri="{FF2B5EF4-FFF2-40B4-BE49-F238E27FC236}">
-                  <a16:creationId xmlns:a16="http://schemas.microsoft.com/office/drawing/2014/main" id="{10779464-688C-4EBA-BA1C-984E804D893C}"/>
+                  <a16:creationId xmlns:a16="http://schemas.microsoft.com/office/drawing/2014/main" id="{4BB0BD25-D208-49B8-A2A7-C1F83B832CB2}"/>
                 </a:ext>
               </a:extLst>
             </p:cNvPr>
@@ -12251,12 +12472,180 @@
           </a:p>
         </p:txBody>
       </p:sp>
+      <p:sp>
+        <p:nvSpPr>
+          <p:cNvPr id="12" name="object 2">
+            <a:extLst>
+              <a:ext uri="{FF2B5EF4-FFF2-40B4-BE49-F238E27FC236}">
+                <a16:creationId xmlns:a16="http://schemas.microsoft.com/office/drawing/2014/main" id="{8FB4A4B5-6FD3-49DB-BC37-70FBE3F5DAFF}"/>
+              </a:ext>
+            </a:extLst>
+          </p:cNvPr>
+          <p:cNvSpPr txBox="1">
+            <a:spLocks/>
+          </p:cNvSpPr>
+          <p:nvPr/>
+        </p:nvSpPr>
+        <p:spPr>
+          <a:xfrm>
+            <a:off x="492575" y="391668"/>
+            <a:ext cx="3042362" cy="505267"/>
+          </a:xfrm>
+          <a:prstGeom prst="rect">
+            <a:avLst/>
+          </a:prstGeom>
+        </p:spPr>
+        <p:txBody>
+          <a:bodyPr vert="horz" wrap="square" lIns="0" tIns="12700" rIns="0" bIns="0" rtlCol="0">
+            <a:spAutoFit/>
+          </a:bodyPr>
+          <a:lstStyle>
+            <a:lvl1pPr>
+              <a:defRPr sz="3600" b="1" i="0">
+                <a:solidFill>
+                  <a:schemeClr val="tx1"/>
+                </a:solidFill>
+                <a:latin typeface="Malgun Gothic"/>
+                <a:ea typeface="+mj-ea"/>
+                <a:cs typeface="Malgun Gothic"/>
+              </a:defRPr>
+            </a:lvl1pPr>
+          </a:lstStyle>
+          <a:p>
+            <a:pPr marL="12700" marR="0" lvl="0" indent="0" defTabSz="914400" eaLnBrk="1" fontAlgn="auto" latinLnBrk="0" hangingPunct="1">
+              <a:lnSpc>
+                <a:spcPct val="100000"/>
+              </a:lnSpc>
+              <a:spcBef>
+                <a:spcPts val="100"/>
+              </a:spcBef>
+              <a:spcAft>
+                <a:spcPts val="0"/>
+              </a:spcAft>
+              <a:buClrTx/>
+              <a:buSzTx/>
+              <a:buFontTx/>
+              <a:buNone/>
+              <a:tabLst>
+                <a:tab pos="967740" algn="l"/>
+              </a:tabLst>
+              <a:defRPr/>
+            </a:pPr>
+            <a:r>
+              <a:rPr kumimoji="0" lang="ko-KR" altLang="en-US" sz="3200" b="1" i="0" u="none" strike="noStrike" kern="0" cap="none" spc="-25" normalizeH="0" baseline="0" noProof="0" dirty="0">
+                <a:ln>
+                  <a:noFill/>
+                </a:ln>
+                <a:solidFill>
+                  <a:srgbClr val="001F60"/>
+                </a:solidFill>
+                <a:effectLst/>
+                <a:uLnTx/>
+                <a:uFillTx/>
+                <a:latin typeface="Malgun Gothic"/>
+                <a:ea typeface="맑은 고딕" panose="020B0503020000020004" pitchFamily="50" charset="-127"/>
+              </a:rPr>
+              <a:t>연구</a:t>
+            </a:r>
+            <a:r>
+              <a:rPr kumimoji="0" lang="ko-KR" altLang="en-US" sz="3200" b="1" i="0" u="none" strike="noStrike" kern="0" cap="none" spc="0" normalizeH="0" baseline="0" noProof="0" dirty="0">
+                <a:ln>
+                  <a:noFill/>
+                </a:ln>
+                <a:solidFill>
+                  <a:srgbClr val="001F60"/>
+                </a:solidFill>
+                <a:effectLst/>
+                <a:uLnTx/>
+                <a:uFillTx/>
+                <a:latin typeface="Malgun Gothic"/>
+                <a:ea typeface="맑은 고딕" panose="020B0503020000020004" pitchFamily="50" charset="-127"/>
+              </a:rPr>
+              <a:t>	</a:t>
+            </a:r>
+            <a:r>
+              <a:rPr kumimoji="0" lang="ko-KR" altLang="en-US" sz="3200" b="1" i="0" u="none" strike="noStrike" kern="0" cap="none" spc="-25" normalizeH="0" baseline="0" noProof="0" dirty="0">
+                <a:ln>
+                  <a:noFill/>
+                </a:ln>
+                <a:solidFill>
+                  <a:srgbClr val="001F60"/>
+                </a:solidFill>
+                <a:effectLst/>
+                <a:uLnTx/>
+                <a:uFillTx/>
+                <a:latin typeface="Malgun Gothic"/>
+                <a:ea typeface="맑은 고딕" panose="020B0503020000020004" pitchFamily="50" charset="-127"/>
+              </a:rPr>
+              <a:t>배경 </a:t>
+            </a:r>
+            <a:r>
+              <a:rPr kumimoji="0" lang="en-US" altLang="ko-KR" sz="3200" b="1" i="0" u="none" strike="noStrike" kern="0" cap="none" spc="-25" normalizeH="0" baseline="0" noProof="0" dirty="0">
+                <a:ln>
+                  <a:noFill/>
+                </a:ln>
+                <a:solidFill>
+                  <a:srgbClr val="001F60"/>
+                </a:solidFill>
+                <a:effectLst/>
+                <a:uLnTx/>
+                <a:uFillTx/>
+                <a:latin typeface="Malgun Gothic"/>
+                <a:ea typeface="맑은 고딕" panose="020B0503020000020004" pitchFamily="50" charset="-127"/>
+              </a:rPr>
+              <a:t>(2/4)</a:t>
+            </a:r>
+            <a:endParaRPr kumimoji="0" lang="ko-KR" altLang="en-US" sz="3200" b="1" i="0" u="none" strike="noStrike" kern="0" cap="none" spc="0" normalizeH="0" baseline="0" noProof="0" dirty="0">
+              <a:ln>
+                <a:noFill/>
+              </a:ln>
+              <a:solidFill>
+                <a:sysClr val="windowText" lastClr="000000"/>
+              </a:solidFill>
+              <a:effectLst/>
+              <a:uLnTx/>
+              <a:uFillTx/>
+              <a:latin typeface="Malgun Gothic"/>
+              <a:ea typeface="맑은 고딕" panose="020B0503020000020004" pitchFamily="50" charset="-127"/>
+            </a:endParaRPr>
+          </a:p>
+        </p:txBody>
+      </p:sp>
+      <p:sp>
+        <p:nvSpPr>
+          <p:cNvPr id="2" name="슬라이드 번호 개체 틀 1">
+            <a:extLst>
+              <a:ext uri="{FF2B5EF4-FFF2-40B4-BE49-F238E27FC236}">
+                <a16:creationId xmlns:a16="http://schemas.microsoft.com/office/drawing/2014/main" id="{E8B060DF-A3C8-4CD3-BAE6-E41814567598}"/>
+              </a:ext>
+            </a:extLst>
+          </p:cNvPr>
+          <p:cNvSpPr>
+            <a:spLocks noGrp="1"/>
+          </p:cNvSpPr>
+          <p:nvPr>
+            <p:ph type="sldNum" sz="quarter" idx="12"/>
+          </p:nvPr>
+        </p:nvSpPr>
+        <p:spPr/>
+        <p:txBody>
+          <a:bodyPr/>
+          <a:lstStyle/>
+          <a:p>
+            <a:fld id="{03C1276A-B16E-4219-8EB0-2243FF9FC212}" type="slidenum">
+              <a:rPr lang="ko-KR" altLang="en-US" smtClean="0"/>
+              <a:t>4</a:t>
+            </a:fld>
+            <a:endParaRPr lang="ko-KR" altLang="en-US"/>
+          </a:p>
+        </p:txBody>
+      </p:sp>
       <p:grpSp>
         <p:nvGrpSpPr>
-          <p:cNvPr id="9" name="그룹 8">
+          <p:cNvPr id="13" name="그룹 12">
             <a:extLst>
               <a:ext uri="{FF2B5EF4-FFF2-40B4-BE49-F238E27FC236}">
-                <a16:creationId xmlns:a16="http://schemas.microsoft.com/office/drawing/2014/main" id="{11E4152E-20A9-481E-980D-6839B0FB11B6}"/>
+                <a16:creationId xmlns:a16="http://schemas.microsoft.com/office/drawing/2014/main" id="{5F5079F5-092E-444E-86FB-55C20072681D}"/>
               </a:ext>
             </a:extLst>
           </p:cNvPr>
@@ -12265,7 +12654,7 @@
         </p:nvGrpSpPr>
         <p:grpSpPr>
           <a:xfrm>
-            <a:off x="9250532" y="6219306"/>
+            <a:off x="9250532" y="6093576"/>
             <a:ext cx="2776842" cy="457642"/>
             <a:chOff x="8473734" y="6091284"/>
             <a:chExt cx="3553640" cy="585664"/>
@@ -12273,10 +12662,10 @@
         </p:grpSpPr>
         <p:pic>
           <p:nvPicPr>
-            <p:cNvPr id="10" name="그림 9">
+            <p:cNvPr id="14" name="그림 13">
               <a:extLst>
                 <a:ext uri="{FF2B5EF4-FFF2-40B4-BE49-F238E27FC236}">
-                  <a16:creationId xmlns:a16="http://schemas.microsoft.com/office/drawing/2014/main" id="{EC23857E-A1F0-4072-923B-4AA3924E7994}"/>
+                  <a16:creationId xmlns:a16="http://schemas.microsoft.com/office/drawing/2014/main" id="{511CEBE6-325D-4C31-A647-1FFB019ECC94}"/>
                 </a:ext>
               </a:extLst>
             </p:cNvPr>
@@ -12308,10 +12697,10 @@
         </p:pic>
         <p:pic>
           <p:nvPicPr>
-            <p:cNvPr id="11" name="그림 10">
+            <p:cNvPr id="15" name="그림 14">
               <a:extLst>
                 <a:ext uri="{FF2B5EF4-FFF2-40B4-BE49-F238E27FC236}">
-                  <a16:creationId xmlns:a16="http://schemas.microsoft.com/office/drawing/2014/main" id="{10779464-688C-4EBA-BA1C-984E804D893C}"/>
+                  <a16:creationId xmlns:a16="http://schemas.microsoft.com/office/drawing/2014/main" id="{D8D757FD-6C72-4332-9633-C317E3139B59}"/>
                 </a:ext>
               </a:extLst>
             </p:cNvPr>
@@ -12343,145 +12732,6 @@
           </p:spPr>
         </p:pic>
       </p:grpSp>
-      <p:sp>
-        <p:nvSpPr>
-          <p:cNvPr id="12" name="object 2">
-            <a:extLst>
-              <a:ext uri="{FF2B5EF4-FFF2-40B4-BE49-F238E27FC236}">
-                <a16:creationId xmlns:a16="http://schemas.microsoft.com/office/drawing/2014/main" id="{8FB4A4B5-6FD3-49DB-BC37-70FBE3F5DAFF}"/>
-              </a:ext>
-            </a:extLst>
-          </p:cNvPr>
-          <p:cNvSpPr txBox="1">
-            <a:spLocks/>
-          </p:cNvSpPr>
-          <p:nvPr/>
-        </p:nvSpPr>
-        <p:spPr>
-          <a:xfrm>
-            <a:off x="492575" y="391668"/>
-            <a:ext cx="3042362" cy="505267"/>
-          </a:xfrm>
-          <a:prstGeom prst="rect">
-            <a:avLst/>
-          </a:prstGeom>
-        </p:spPr>
-        <p:txBody>
-          <a:bodyPr vert="horz" wrap="square" lIns="0" tIns="12700" rIns="0" bIns="0" rtlCol="0">
-            <a:spAutoFit/>
-          </a:bodyPr>
-          <a:lstStyle>
-            <a:lvl1pPr>
-              <a:defRPr sz="3600" b="1" i="0">
-                <a:solidFill>
-                  <a:schemeClr val="tx1"/>
-                </a:solidFill>
-                <a:latin typeface="Malgun Gothic"/>
-                <a:ea typeface="+mj-ea"/>
-                <a:cs typeface="Malgun Gothic"/>
-              </a:defRPr>
-            </a:lvl1pPr>
-          </a:lstStyle>
-          <a:p>
-            <a:pPr marL="12700" marR="0" lvl="0" indent="0" defTabSz="914400" eaLnBrk="1" fontAlgn="auto" latinLnBrk="0" hangingPunct="1">
-              <a:lnSpc>
-                <a:spcPct val="100000"/>
-              </a:lnSpc>
-              <a:spcBef>
-                <a:spcPts val="100"/>
-              </a:spcBef>
-              <a:spcAft>
-                <a:spcPts val="0"/>
-              </a:spcAft>
-              <a:buClrTx/>
-              <a:buSzTx/>
-              <a:buFontTx/>
-              <a:buNone/>
-              <a:tabLst>
-                <a:tab pos="967740" algn="l"/>
-              </a:tabLst>
-              <a:defRPr/>
-            </a:pPr>
-            <a:r>
-              <a:rPr kumimoji="0" lang="ko-KR" altLang="en-US" sz="3200" b="1" i="0" u="none" strike="noStrike" kern="0" cap="none" spc="-25" normalizeH="0" baseline="0" noProof="0" dirty="0">
-                <a:ln>
-                  <a:noFill/>
-                </a:ln>
-                <a:solidFill>
-                  <a:srgbClr val="001F60"/>
-                </a:solidFill>
-                <a:effectLst/>
-                <a:uLnTx/>
-                <a:uFillTx/>
-                <a:latin typeface="Malgun Gothic"/>
-                <a:ea typeface="맑은 고딕" panose="020B0503020000020004" pitchFamily="50" charset="-127"/>
-              </a:rPr>
-              <a:t>연구</a:t>
-            </a:r>
-            <a:r>
-              <a:rPr kumimoji="0" lang="ko-KR" altLang="en-US" sz="3200" b="1" i="0" u="none" strike="noStrike" kern="0" cap="none" spc="0" normalizeH="0" baseline="0" noProof="0" dirty="0">
-                <a:ln>
-                  <a:noFill/>
-                </a:ln>
-                <a:solidFill>
-                  <a:srgbClr val="001F60"/>
-                </a:solidFill>
-                <a:effectLst/>
-                <a:uLnTx/>
-                <a:uFillTx/>
-                <a:latin typeface="Malgun Gothic"/>
-                <a:ea typeface="맑은 고딕" panose="020B0503020000020004" pitchFamily="50" charset="-127"/>
-              </a:rPr>
-              <a:t>	</a:t>
-            </a:r>
-            <a:r>
-              <a:rPr kumimoji="0" lang="ko-KR" altLang="en-US" sz="3200" b="1" i="0" u="none" strike="noStrike" kern="0" cap="none" spc="-25" normalizeH="0" baseline="0" noProof="0" dirty="0">
-                <a:ln>
-                  <a:noFill/>
-                </a:ln>
-                <a:solidFill>
-                  <a:srgbClr val="001F60"/>
-                </a:solidFill>
-                <a:effectLst/>
-                <a:uLnTx/>
-                <a:uFillTx/>
-                <a:latin typeface="Malgun Gothic"/>
-                <a:ea typeface="맑은 고딕" panose="020B0503020000020004" pitchFamily="50" charset="-127"/>
-              </a:rPr>
-              <a:t>배경 </a:t>
-            </a:r>
-            <a:r>
-              <a:rPr kumimoji="0" lang="en-US" altLang="ko-KR" sz="3200" b="1" i="0" u="none" strike="noStrike" kern="0" cap="none" spc="-25" normalizeH="0" baseline="0" noProof="0" dirty="0">
-                <a:ln>
-                  <a:noFill/>
-                </a:ln>
-                <a:solidFill>
-                  <a:srgbClr val="001F60"/>
-                </a:solidFill>
-                <a:effectLst/>
-                <a:uLnTx/>
-                <a:uFillTx/>
-                <a:latin typeface="Malgun Gothic"/>
-                <a:ea typeface="맑은 고딕" panose="020B0503020000020004" pitchFamily="50" charset="-127"/>
-              </a:rPr>
-              <a:t>(2/4)</a:t>
-            </a:r>
-            <a:endParaRPr kumimoji="0" lang="ko-KR" altLang="en-US" sz="3200" b="1" i="0" u="none" strike="noStrike" kern="0" cap="none" spc="0" normalizeH="0" baseline="0" noProof="0" dirty="0">
-              <a:ln>
-                <a:noFill/>
-              </a:ln>
-              <a:solidFill>
-                <a:sysClr val="windowText" lastClr="000000"/>
-              </a:solidFill>
-              <a:effectLst/>
-              <a:uLnTx/>
-              <a:uFillTx/>
-              <a:latin typeface="Malgun Gothic"/>
-              <a:ea typeface="맑은 고딕" panose="020B0503020000020004" pitchFamily="50" charset="-127"/>
-            </a:endParaRPr>
-          </a:p>
-        </p:txBody>
-      </p:sp>
     </p:spTree>
     <p:extLst>
       <p:ext uri="{BB962C8B-B14F-4D97-AF65-F5344CB8AC3E}">
@@ -12799,98 +13049,6 @@
           </a:p>
         </p:txBody>
       </p:sp>
-      <p:grpSp>
-        <p:nvGrpSpPr>
-          <p:cNvPr id="8" name="그룹 7">
-            <a:extLst>
-              <a:ext uri="{FF2B5EF4-FFF2-40B4-BE49-F238E27FC236}">
-                <a16:creationId xmlns:a16="http://schemas.microsoft.com/office/drawing/2014/main" id="{805C8B75-0277-4711-8BD5-46D252D91661}"/>
-              </a:ext>
-            </a:extLst>
-          </p:cNvPr>
-          <p:cNvGrpSpPr/>
-          <p:nvPr/>
-        </p:nvGrpSpPr>
-        <p:grpSpPr>
-          <a:xfrm>
-            <a:off x="9250532" y="6219306"/>
-            <a:ext cx="2776842" cy="457642"/>
-            <a:chOff x="8473734" y="6091284"/>
-            <a:chExt cx="3553640" cy="585664"/>
-          </a:xfrm>
-        </p:grpSpPr>
-        <p:pic>
-          <p:nvPicPr>
-            <p:cNvPr id="9" name="그림 8">
-              <a:extLst>
-                <a:ext uri="{FF2B5EF4-FFF2-40B4-BE49-F238E27FC236}">
-                  <a16:creationId xmlns:a16="http://schemas.microsoft.com/office/drawing/2014/main" id="{6A98FBBB-1C7D-4E7B-92DE-EE6C5EBC55D1}"/>
-                </a:ext>
-              </a:extLst>
-            </p:cNvPr>
-            <p:cNvPicPr>
-              <a:picLocks noChangeAspect="1"/>
-            </p:cNvPicPr>
-            <p:nvPr/>
-          </p:nvPicPr>
-          <p:blipFill rotWithShape="1">
-            <a:blip r:embed="rId3">
-              <a:extLst>
-                <a:ext uri="{28A0092B-C50C-407E-A947-70E740481C1C}">
-                  <a14:useLocalDpi xmlns:a14="http://schemas.microsoft.com/office/drawing/2010/main" val="0"/>
-                </a:ext>
-              </a:extLst>
-            </a:blip>
-            <a:srcRect l="74535" t="3851" r="5686" b="50143"/>
-            <a:stretch/>
-          </p:blipFill>
-          <p:spPr>
-            <a:xfrm>
-              <a:off x="8473734" y="6091284"/>
-              <a:ext cx="1353669" cy="585664"/>
-            </a:xfrm>
-            <a:prstGeom prst="rect">
-              <a:avLst/>
-            </a:prstGeom>
-          </p:spPr>
-        </p:pic>
-        <p:pic>
-          <p:nvPicPr>
-            <p:cNvPr id="10" name="그림 9">
-              <a:extLst>
-                <a:ext uri="{FF2B5EF4-FFF2-40B4-BE49-F238E27FC236}">
-                  <a16:creationId xmlns:a16="http://schemas.microsoft.com/office/drawing/2014/main" id="{A8635494-DF36-4B9B-BA98-17DD7B6C5DCB}"/>
-                </a:ext>
-              </a:extLst>
-            </p:cNvPr>
-            <p:cNvPicPr>
-              <a:picLocks noChangeAspect="1"/>
-            </p:cNvPicPr>
-            <p:nvPr/>
-          </p:nvPicPr>
-          <p:blipFill>
-            <a:blip r:embed="rId4" cstate="hqprint">
-              <a:extLst>
-                <a:ext uri="{28A0092B-C50C-407E-A947-70E740481C1C}">
-                  <a14:useLocalDpi xmlns:a14="http://schemas.microsoft.com/office/drawing/2010/main" val="0"/>
-                </a:ext>
-              </a:extLst>
-            </a:blip>
-            <a:stretch>
-              <a:fillRect/>
-            </a:stretch>
-          </p:blipFill>
-          <p:spPr>
-            <a:xfrm>
-              <a:off x="9827403" y="6172124"/>
-              <a:ext cx="2199971" cy="423985"/>
-            </a:xfrm>
-            <a:prstGeom prst="rect">
-              <a:avLst/>
-            </a:prstGeom>
-          </p:spPr>
-        </p:pic>
-      </p:grpSp>
       <p:pic>
         <p:nvPicPr>
           <p:cNvPr id="1026" name="Picture 2" descr="태양광 발전">
@@ -12906,7 +13064,7 @@
           <p:nvPr/>
         </p:nvPicPr>
         <p:blipFill>
-          <a:blip r:embed="rId5">
+          <a:blip r:embed="rId3">
             <a:extLst>
               <a:ext uri="{28A0092B-C50C-407E-A947-70E740481C1C}">
                 <a14:useLocalDpi xmlns:a14="http://schemas.microsoft.com/office/drawing/2010/main" val="0"/>
@@ -13077,6 +13235,127 @@
           </a:p>
         </p:txBody>
       </p:sp>
+      <p:sp>
+        <p:nvSpPr>
+          <p:cNvPr id="2" name="슬라이드 번호 개체 틀 1">
+            <a:extLst>
+              <a:ext uri="{FF2B5EF4-FFF2-40B4-BE49-F238E27FC236}">
+                <a16:creationId xmlns:a16="http://schemas.microsoft.com/office/drawing/2014/main" id="{962AE747-C59C-4C4C-BF9C-C02E5D5AFF0E}"/>
+              </a:ext>
+            </a:extLst>
+          </p:cNvPr>
+          <p:cNvSpPr>
+            <a:spLocks noGrp="1"/>
+          </p:cNvSpPr>
+          <p:nvPr>
+            <p:ph type="sldNum" sz="quarter" idx="12"/>
+          </p:nvPr>
+        </p:nvSpPr>
+        <p:spPr/>
+        <p:txBody>
+          <a:bodyPr/>
+          <a:lstStyle/>
+          <a:p>
+            <a:fld id="{03C1276A-B16E-4219-8EB0-2243FF9FC212}" type="slidenum">
+              <a:rPr lang="ko-KR" altLang="en-US" smtClean="0"/>
+              <a:t>5</a:t>
+            </a:fld>
+            <a:endParaRPr lang="ko-KR" altLang="en-US"/>
+          </a:p>
+        </p:txBody>
+      </p:sp>
+      <p:grpSp>
+        <p:nvGrpSpPr>
+          <p:cNvPr id="12" name="그룹 11">
+            <a:extLst>
+              <a:ext uri="{FF2B5EF4-FFF2-40B4-BE49-F238E27FC236}">
+                <a16:creationId xmlns:a16="http://schemas.microsoft.com/office/drawing/2014/main" id="{42C9AD3D-C59A-4335-9356-313D6A17A54A}"/>
+              </a:ext>
+            </a:extLst>
+          </p:cNvPr>
+          <p:cNvGrpSpPr/>
+          <p:nvPr/>
+        </p:nvGrpSpPr>
+        <p:grpSpPr>
+          <a:xfrm>
+            <a:off x="9250532" y="6093576"/>
+            <a:ext cx="2776842" cy="457642"/>
+            <a:chOff x="8473734" y="6091284"/>
+            <a:chExt cx="3553640" cy="585664"/>
+          </a:xfrm>
+        </p:grpSpPr>
+        <p:pic>
+          <p:nvPicPr>
+            <p:cNvPr id="13" name="그림 12">
+              <a:extLst>
+                <a:ext uri="{FF2B5EF4-FFF2-40B4-BE49-F238E27FC236}">
+                  <a16:creationId xmlns:a16="http://schemas.microsoft.com/office/drawing/2014/main" id="{50292A9A-5FED-4F17-90EF-3343A904EED1}"/>
+                </a:ext>
+              </a:extLst>
+            </p:cNvPr>
+            <p:cNvPicPr>
+              <a:picLocks noChangeAspect="1"/>
+            </p:cNvPicPr>
+            <p:nvPr/>
+          </p:nvPicPr>
+          <p:blipFill rotWithShape="1">
+            <a:blip r:embed="rId4">
+              <a:extLst>
+                <a:ext uri="{28A0092B-C50C-407E-A947-70E740481C1C}">
+                  <a14:useLocalDpi xmlns:a14="http://schemas.microsoft.com/office/drawing/2010/main" val="0"/>
+                </a:ext>
+              </a:extLst>
+            </a:blip>
+            <a:srcRect l="74535" t="3851" r="5686" b="50143"/>
+            <a:stretch/>
+          </p:blipFill>
+          <p:spPr>
+            <a:xfrm>
+              <a:off x="8473734" y="6091284"/>
+              <a:ext cx="1353669" cy="585664"/>
+            </a:xfrm>
+            <a:prstGeom prst="rect">
+              <a:avLst/>
+            </a:prstGeom>
+          </p:spPr>
+        </p:pic>
+        <p:pic>
+          <p:nvPicPr>
+            <p:cNvPr id="14" name="그림 13">
+              <a:extLst>
+                <a:ext uri="{FF2B5EF4-FFF2-40B4-BE49-F238E27FC236}">
+                  <a16:creationId xmlns:a16="http://schemas.microsoft.com/office/drawing/2014/main" id="{59234BCB-E166-4F4D-9E53-FD7B7E2C144C}"/>
+                </a:ext>
+              </a:extLst>
+            </p:cNvPr>
+            <p:cNvPicPr>
+              <a:picLocks noChangeAspect="1"/>
+            </p:cNvPicPr>
+            <p:nvPr/>
+          </p:nvPicPr>
+          <p:blipFill>
+            <a:blip r:embed="rId5" cstate="hqprint">
+              <a:extLst>
+                <a:ext uri="{28A0092B-C50C-407E-A947-70E740481C1C}">
+                  <a14:useLocalDpi xmlns:a14="http://schemas.microsoft.com/office/drawing/2010/main" val="0"/>
+                </a:ext>
+              </a:extLst>
+            </a:blip>
+            <a:stretch>
+              <a:fillRect/>
+            </a:stretch>
+          </p:blipFill>
+          <p:spPr>
+            <a:xfrm>
+              <a:off x="9827403" y="6172124"/>
+              <a:ext cx="2199971" cy="423985"/>
+            </a:xfrm>
+            <a:prstGeom prst="rect">
+              <a:avLst/>
+            </a:prstGeom>
+          </p:spPr>
+        </p:pic>
+      </p:grpSp>
     </p:spTree>
     <p:extLst>
       <p:ext uri="{BB962C8B-B14F-4D97-AF65-F5344CB8AC3E}">
@@ -13242,98 +13521,6 @@
           </a:p>
         </p:txBody>
       </p:sp>
-      <p:grpSp>
-        <p:nvGrpSpPr>
-          <p:cNvPr id="7" name="그룹 6">
-            <a:extLst>
-              <a:ext uri="{FF2B5EF4-FFF2-40B4-BE49-F238E27FC236}">
-                <a16:creationId xmlns:a16="http://schemas.microsoft.com/office/drawing/2014/main" id="{F1DD6621-B9A5-4731-98E8-4755A8C8B117}"/>
-              </a:ext>
-            </a:extLst>
-          </p:cNvPr>
-          <p:cNvGrpSpPr/>
-          <p:nvPr/>
-        </p:nvGrpSpPr>
-        <p:grpSpPr>
-          <a:xfrm>
-            <a:off x="9250532" y="6219306"/>
-            <a:ext cx="2776842" cy="457642"/>
-            <a:chOff x="8473734" y="6091284"/>
-            <a:chExt cx="3553640" cy="585664"/>
-          </a:xfrm>
-        </p:grpSpPr>
-        <p:pic>
-          <p:nvPicPr>
-            <p:cNvPr id="8" name="그림 7">
-              <a:extLst>
-                <a:ext uri="{FF2B5EF4-FFF2-40B4-BE49-F238E27FC236}">
-                  <a16:creationId xmlns:a16="http://schemas.microsoft.com/office/drawing/2014/main" id="{0FC29E61-9F1E-408A-9BFC-2D93C28F985E}"/>
-                </a:ext>
-              </a:extLst>
-            </p:cNvPr>
-            <p:cNvPicPr>
-              <a:picLocks noChangeAspect="1"/>
-            </p:cNvPicPr>
-            <p:nvPr/>
-          </p:nvPicPr>
-          <p:blipFill rotWithShape="1">
-            <a:blip r:embed="rId3">
-              <a:extLst>
-                <a:ext uri="{28A0092B-C50C-407E-A947-70E740481C1C}">
-                  <a14:useLocalDpi xmlns:a14="http://schemas.microsoft.com/office/drawing/2010/main" val="0"/>
-                </a:ext>
-              </a:extLst>
-            </a:blip>
-            <a:srcRect l="74535" t="3851" r="5686" b="50143"/>
-            <a:stretch/>
-          </p:blipFill>
-          <p:spPr>
-            <a:xfrm>
-              <a:off x="8473734" y="6091284"/>
-              <a:ext cx="1353669" cy="585664"/>
-            </a:xfrm>
-            <a:prstGeom prst="rect">
-              <a:avLst/>
-            </a:prstGeom>
-          </p:spPr>
-        </p:pic>
-        <p:pic>
-          <p:nvPicPr>
-            <p:cNvPr id="9" name="그림 8">
-              <a:extLst>
-                <a:ext uri="{FF2B5EF4-FFF2-40B4-BE49-F238E27FC236}">
-                  <a16:creationId xmlns:a16="http://schemas.microsoft.com/office/drawing/2014/main" id="{06EF536C-0C14-4FED-B594-471A701EA897}"/>
-                </a:ext>
-              </a:extLst>
-            </p:cNvPr>
-            <p:cNvPicPr>
-              <a:picLocks noChangeAspect="1"/>
-            </p:cNvPicPr>
-            <p:nvPr/>
-          </p:nvPicPr>
-          <p:blipFill>
-            <a:blip r:embed="rId4" cstate="hqprint">
-              <a:extLst>
-                <a:ext uri="{28A0092B-C50C-407E-A947-70E740481C1C}">
-                  <a14:useLocalDpi xmlns:a14="http://schemas.microsoft.com/office/drawing/2010/main" val="0"/>
-                </a:ext>
-              </a:extLst>
-            </a:blip>
-            <a:stretch>
-              <a:fillRect/>
-            </a:stretch>
-          </p:blipFill>
-          <p:spPr>
-            <a:xfrm>
-              <a:off x="9827403" y="6172124"/>
-              <a:ext cx="2199971" cy="423985"/>
-            </a:xfrm>
-            <a:prstGeom prst="rect">
-              <a:avLst/>
-            </a:prstGeom>
-          </p:spPr>
-        </p:pic>
-      </p:grpSp>
       <p:graphicFrame>
         <p:nvGraphicFramePr>
           <p:cNvPr id="11" name="표 4">
@@ -15003,6 +15190,127 @@
           </a:p>
         </p:txBody>
       </p:sp>
+      <p:sp>
+        <p:nvSpPr>
+          <p:cNvPr id="2" name="슬라이드 번호 개체 틀 1">
+            <a:extLst>
+              <a:ext uri="{FF2B5EF4-FFF2-40B4-BE49-F238E27FC236}">
+                <a16:creationId xmlns:a16="http://schemas.microsoft.com/office/drawing/2014/main" id="{1DE637D7-6BB8-430B-9A50-4E3881CF0818}"/>
+              </a:ext>
+            </a:extLst>
+          </p:cNvPr>
+          <p:cNvSpPr>
+            <a:spLocks noGrp="1"/>
+          </p:cNvSpPr>
+          <p:nvPr>
+            <p:ph type="sldNum" sz="quarter" idx="12"/>
+          </p:nvPr>
+        </p:nvSpPr>
+        <p:spPr/>
+        <p:txBody>
+          <a:bodyPr/>
+          <a:lstStyle/>
+          <a:p>
+            <a:fld id="{03C1276A-B16E-4219-8EB0-2243FF9FC212}" type="slidenum">
+              <a:rPr lang="ko-KR" altLang="en-US" smtClean="0"/>
+              <a:t>6</a:t>
+            </a:fld>
+            <a:endParaRPr lang="ko-KR" altLang="en-US"/>
+          </a:p>
+        </p:txBody>
+      </p:sp>
+      <p:grpSp>
+        <p:nvGrpSpPr>
+          <p:cNvPr id="12" name="그룹 11">
+            <a:extLst>
+              <a:ext uri="{FF2B5EF4-FFF2-40B4-BE49-F238E27FC236}">
+                <a16:creationId xmlns:a16="http://schemas.microsoft.com/office/drawing/2014/main" id="{B63D9B35-6136-4F3A-A542-5D36A5CF8FC3}"/>
+              </a:ext>
+            </a:extLst>
+          </p:cNvPr>
+          <p:cNvGrpSpPr/>
+          <p:nvPr/>
+        </p:nvGrpSpPr>
+        <p:grpSpPr>
+          <a:xfrm>
+            <a:off x="9250532" y="6093576"/>
+            <a:ext cx="2776842" cy="457642"/>
+            <a:chOff x="8473734" y="6091284"/>
+            <a:chExt cx="3553640" cy="585664"/>
+          </a:xfrm>
+        </p:grpSpPr>
+        <p:pic>
+          <p:nvPicPr>
+            <p:cNvPr id="13" name="그림 12">
+              <a:extLst>
+                <a:ext uri="{FF2B5EF4-FFF2-40B4-BE49-F238E27FC236}">
+                  <a16:creationId xmlns:a16="http://schemas.microsoft.com/office/drawing/2014/main" id="{973356B5-8310-4BBB-94EB-42C690C4C292}"/>
+                </a:ext>
+              </a:extLst>
+            </p:cNvPr>
+            <p:cNvPicPr>
+              <a:picLocks noChangeAspect="1"/>
+            </p:cNvPicPr>
+            <p:nvPr/>
+          </p:nvPicPr>
+          <p:blipFill rotWithShape="1">
+            <a:blip r:embed="rId3">
+              <a:extLst>
+                <a:ext uri="{28A0092B-C50C-407E-A947-70E740481C1C}">
+                  <a14:useLocalDpi xmlns:a14="http://schemas.microsoft.com/office/drawing/2010/main" val="0"/>
+                </a:ext>
+              </a:extLst>
+            </a:blip>
+            <a:srcRect l="74535" t="3851" r="5686" b="50143"/>
+            <a:stretch/>
+          </p:blipFill>
+          <p:spPr>
+            <a:xfrm>
+              <a:off x="8473734" y="6091284"/>
+              <a:ext cx="1353669" cy="585664"/>
+            </a:xfrm>
+            <a:prstGeom prst="rect">
+              <a:avLst/>
+            </a:prstGeom>
+          </p:spPr>
+        </p:pic>
+        <p:pic>
+          <p:nvPicPr>
+            <p:cNvPr id="14" name="그림 13">
+              <a:extLst>
+                <a:ext uri="{FF2B5EF4-FFF2-40B4-BE49-F238E27FC236}">
+                  <a16:creationId xmlns:a16="http://schemas.microsoft.com/office/drawing/2014/main" id="{8A98E520-E8E3-48F3-8A3F-13F2DDE11BBF}"/>
+                </a:ext>
+              </a:extLst>
+            </p:cNvPr>
+            <p:cNvPicPr>
+              <a:picLocks noChangeAspect="1"/>
+            </p:cNvPicPr>
+            <p:nvPr/>
+          </p:nvPicPr>
+          <p:blipFill>
+            <a:blip r:embed="rId4" cstate="hqprint">
+              <a:extLst>
+                <a:ext uri="{28A0092B-C50C-407E-A947-70E740481C1C}">
+                  <a14:useLocalDpi xmlns:a14="http://schemas.microsoft.com/office/drawing/2010/main" val="0"/>
+                </a:ext>
+              </a:extLst>
+            </a:blip>
+            <a:stretch>
+              <a:fillRect/>
+            </a:stretch>
+          </p:blipFill>
+          <p:spPr>
+            <a:xfrm>
+              <a:off x="9827403" y="6172124"/>
+              <a:ext cx="2199971" cy="423985"/>
+            </a:xfrm>
+            <a:prstGeom prst="rect">
+              <a:avLst/>
+            </a:prstGeom>
+          </p:spPr>
+        </p:pic>
+      </p:grpSp>
     </p:spTree>
     <p:extLst>
       <p:ext uri="{BB962C8B-B14F-4D97-AF65-F5344CB8AC3E}">
@@ -15301,12 +15609,100 @@
           </a:p>
         </p:txBody>
       </p:sp>
+      <p:sp>
+        <p:nvSpPr>
+          <p:cNvPr id="13" name="object 3">
+            <a:extLst>
+              <a:ext uri="{FF2B5EF4-FFF2-40B4-BE49-F238E27FC236}">
+                <a16:creationId xmlns:a16="http://schemas.microsoft.com/office/drawing/2014/main" id="{83B49716-0887-4538-AD48-111BCC7639AC}"/>
+              </a:ext>
+            </a:extLst>
+          </p:cNvPr>
+          <p:cNvSpPr txBox="1"/>
+          <p:nvPr/>
+        </p:nvSpPr>
+        <p:spPr>
+          <a:xfrm>
+            <a:off x="508990" y="1263396"/>
+            <a:ext cx="11275060" cy="425116"/>
+          </a:xfrm>
+          <a:prstGeom prst="rect">
+            <a:avLst/>
+          </a:prstGeom>
+        </p:spPr>
+        <p:txBody>
+          <a:bodyPr vert="horz" wrap="square" lIns="0" tIns="116205" rIns="0" bIns="0" rtlCol="0">
+            <a:spAutoFit/>
+          </a:bodyPr>
+          <a:lstStyle/>
+          <a:p>
+            <a:pPr marL="12700" latinLnBrk="0">
+              <a:spcBef>
+                <a:spcPts val="915"/>
+              </a:spcBef>
+            </a:pPr>
+            <a:r>
+              <a:rPr lang="ko-KR" altLang="en-US" sz="2000" b="1" kern="0" dirty="0">
+                <a:solidFill>
+                  <a:sysClr val="windowText" lastClr="000000"/>
+                </a:solidFill>
+                <a:cs typeface="Malgun Gothic"/>
+              </a:rPr>
+              <a:t>초기 태양광 발전 시스템을 도입하는 지역에서 일사량 정보가 부족하다면</a:t>
+            </a:r>
+            <a:r>
+              <a:rPr lang="en-US" altLang="ko-KR" sz="2000" b="1" kern="0" dirty="0">
+                <a:solidFill>
+                  <a:sysClr val="windowText" lastClr="000000"/>
+                </a:solidFill>
+                <a:cs typeface="Malgun Gothic"/>
+              </a:rPr>
+              <a:t>?</a:t>
+            </a:r>
+            <a:endParaRPr lang="en-US" altLang="ko-KR" sz="2000" kern="0" dirty="0">
+              <a:solidFill>
+                <a:sysClr val="windowText" lastClr="000000"/>
+              </a:solidFill>
+              <a:cs typeface="Malgun Gothic"/>
+            </a:endParaRPr>
+          </a:p>
+        </p:txBody>
+      </p:sp>
+      <p:sp>
+        <p:nvSpPr>
+          <p:cNvPr id="2" name="슬라이드 번호 개체 틀 1">
+            <a:extLst>
+              <a:ext uri="{FF2B5EF4-FFF2-40B4-BE49-F238E27FC236}">
+                <a16:creationId xmlns:a16="http://schemas.microsoft.com/office/drawing/2014/main" id="{F77D43E1-DADC-4C68-AFA1-29D0472728BB}"/>
+              </a:ext>
+            </a:extLst>
+          </p:cNvPr>
+          <p:cNvSpPr>
+            <a:spLocks noGrp="1"/>
+          </p:cNvSpPr>
+          <p:nvPr>
+            <p:ph type="sldNum" sz="quarter" idx="12"/>
+          </p:nvPr>
+        </p:nvSpPr>
+        <p:spPr/>
+        <p:txBody>
+          <a:bodyPr/>
+          <a:lstStyle/>
+          <a:p>
+            <a:fld id="{03C1276A-B16E-4219-8EB0-2243FF9FC212}" type="slidenum">
+              <a:rPr lang="ko-KR" altLang="en-US" smtClean="0"/>
+              <a:t>7</a:t>
+            </a:fld>
+            <a:endParaRPr lang="ko-KR" altLang="en-US"/>
+          </a:p>
+        </p:txBody>
+      </p:sp>
       <p:grpSp>
         <p:nvGrpSpPr>
-          <p:cNvPr id="8" name="그룹 7">
+          <p:cNvPr id="11" name="그룹 10">
             <a:extLst>
               <a:ext uri="{FF2B5EF4-FFF2-40B4-BE49-F238E27FC236}">
-                <a16:creationId xmlns:a16="http://schemas.microsoft.com/office/drawing/2014/main" id="{D4B0F442-2EC1-47CB-9198-FCDFDF330FE7}"/>
+                <a16:creationId xmlns:a16="http://schemas.microsoft.com/office/drawing/2014/main" id="{48E04E9C-FD80-4993-A996-C101848D340D}"/>
               </a:ext>
             </a:extLst>
           </p:cNvPr>
@@ -15315,7 +15711,7 @@
         </p:nvGrpSpPr>
         <p:grpSpPr>
           <a:xfrm>
-            <a:off x="9250532" y="6219306"/>
+            <a:off x="9250532" y="6093576"/>
             <a:ext cx="2776842" cy="457642"/>
             <a:chOff x="8473734" y="6091284"/>
             <a:chExt cx="3553640" cy="585664"/>
@@ -15323,10 +15719,10 @@
         </p:grpSpPr>
         <p:pic>
           <p:nvPicPr>
-            <p:cNvPr id="9" name="그림 8">
+            <p:cNvPr id="12" name="그림 11">
               <a:extLst>
                 <a:ext uri="{FF2B5EF4-FFF2-40B4-BE49-F238E27FC236}">
-                  <a16:creationId xmlns:a16="http://schemas.microsoft.com/office/drawing/2014/main" id="{653C9ACE-11A3-4B66-A059-D760A7C4C5BB}"/>
+                  <a16:creationId xmlns:a16="http://schemas.microsoft.com/office/drawing/2014/main" id="{7D0BFCAC-C74B-4888-BBC5-1B3C6C1C52B7}"/>
                 </a:ext>
               </a:extLst>
             </p:cNvPr>
@@ -15358,10 +15754,10 @@
         </p:pic>
         <p:pic>
           <p:nvPicPr>
-            <p:cNvPr id="10" name="그림 9">
+            <p:cNvPr id="16" name="그림 15">
               <a:extLst>
                 <a:ext uri="{FF2B5EF4-FFF2-40B4-BE49-F238E27FC236}">
-                  <a16:creationId xmlns:a16="http://schemas.microsoft.com/office/drawing/2014/main" id="{6881A1EF-A009-4217-A520-3A74000D4A27}"/>
+                  <a16:creationId xmlns:a16="http://schemas.microsoft.com/office/drawing/2014/main" id="{E8FE382C-C5F6-4586-8931-A84122A48044}"/>
                 </a:ext>
               </a:extLst>
             </p:cNvPr>
@@ -15393,65 +15789,6 @@
           </p:spPr>
         </p:pic>
       </p:grpSp>
-      <p:sp>
-        <p:nvSpPr>
-          <p:cNvPr id="13" name="object 3">
-            <a:extLst>
-              <a:ext uri="{FF2B5EF4-FFF2-40B4-BE49-F238E27FC236}">
-                <a16:creationId xmlns:a16="http://schemas.microsoft.com/office/drawing/2014/main" id="{83B49716-0887-4538-AD48-111BCC7639AC}"/>
-              </a:ext>
-            </a:extLst>
-          </p:cNvPr>
-          <p:cNvSpPr txBox="1"/>
-          <p:nvPr/>
-        </p:nvSpPr>
-        <p:spPr>
-          <a:xfrm>
-            <a:off x="508990" y="1263396"/>
-            <a:ext cx="11275060" cy="425116"/>
-          </a:xfrm>
-          <a:prstGeom prst="rect">
-            <a:avLst/>
-          </a:prstGeom>
-        </p:spPr>
-        <p:txBody>
-          <a:bodyPr vert="horz" wrap="square" lIns="0" tIns="116205" rIns="0" bIns="0" rtlCol="0">
-            <a:spAutoFit/>
-          </a:bodyPr>
-          <a:lstStyle/>
-          <a:p>
-            <a:pPr marL="12700" latinLnBrk="0">
-              <a:spcBef>
-                <a:spcPts val="915"/>
-              </a:spcBef>
-            </a:pPr>
-            <a:r>
-              <a:rPr lang="ko-KR" altLang="en-US" sz="2000" b="1" kern="0" dirty="0">
-                <a:solidFill>
-                  <a:sysClr val="windowText" lastClr="000000"/>
-                </a:solidFill>
-                <a:cs typeface="Malgun Gothic"/>
-              </a:rPr>
-              <a:t>초기 태양광 발전 시스템을 도입하는 지역에서 일사량 정보가 부족하다면</a:t>
-            </a:r>
-            <a:r>
-              <a:rPr lang="en-US" altLang="ko-KR" sz="2000" b="1" kern="0" dirty="0">
-                <a:solidFill>
-                  <a:sysClr val="windowText" lastClr="000000"/>
-                </a:solidFill>
-                <a:cs typeface="Malgun Gothic"/>
-              </a:rPr>
-              <a:t>?</a:t>
-            </a:r>
-            <a:endParaRPr lang="en-US" altLang="ko-KR" sz="2000" kern="0" dirty="0">
-              <a:solidFill>
-                <a:sysClr val="windowText" lastClr="000000"/>
-              </a:solidFill>
-              <a:cs typeface="Malgun Gothic"/>
-            </a:endParaRPr>
-          </a:p>
-        </p:txBody>
-      </p:sp>
     </p:spTree>
     <p:extLst>
       <p:ext uri="{BB962C8B-B14F-4D97-AF65-F5344CB8AC3E}">
@@ -15499,7 +15836,7 @@
         <p:spPr>
           <a:xfrm>
             <a:off x="492575" y="391668"/>
-            <a:ext cx="3927025" cy="505267"/>
+            <a:ext cx="4638718" cy="505267"/>
           </a:xfrm>
           <a:prstGeom prst="rect">
             <a:avLst/>
@@ -15537,8 +15874,21 @@
                   <a:srgbClr val="001F60"/>
                 </a:solidFill>
               </a:rPr>
-              <a:t>일사량 예측 모델링</a:t>
-            </a:r>
+              <a:t>일사량 예측 모델링 </a:t>
+            </a:r>
+            <a:r>
+              <a:rPr lang="en-US" altLang="ko-KR" sz="3200" kern="0" spc="-25" dirty="0">
+                <a:solidFill>
+                  <a:srgbClr val="001F60"/>
+                </a:solidFill>
+              </a:rPr>
+              <a:t>(1/4)</a:t>
+            </a:r>
+            <a:endParaRPr lang="ko-KR" altLang="en-US" sz="3200" kern="0" spc="-25" dirty="0">
+              <a:solidFill>
+                <a:srgbClr val="001F60"/>
+              </a:solidFill>
+            </a:endParaRPr>
           </a:p>
         </p:txBody>
       </p:sp>
@@ -15702,12 +16052,526 @@
           </a:p>
         </p:txBody>
       </p:sp>
+      <p:sp>
+        <p:nvSpPr>
+          <p:cNvPr id="10" name="직사각형 9">
+            <a:extLst>
+              <a:ext uri="{FF2B5EF4-FFF2-40B4-BE49-F238E27FC236}">
+                <a16:creationId xmlns:a16="http://schemas.microsoft.com/office/drawing/2014/main" id="{EB45A218-522B-413B-8E64-AFA3BC0197B5}"/>
+              </a:ext>
+            </a:extLst>
+          </p:cNvPr>
+          <p:cNvSpPr/>
+          <p:nvPr/>
+        </p:nvSpPr>
+        <p:spPr>
+          <a:xfrm>
+            <a:off x="508990" y="1751681"/>
+            <a:ext cx="11291475" cy="2939266"/>
+          </a:xfrm>
+          <a:prstGeom prst="rect">
+            <a:avLst/>
+          </a:prstGeom>
+        </p:spPr>
+        <p:txBody>
+          <a:bodyPr wrap="square">
+            <a:spAutoFit/>
+          </a:bodyPr>
+          <a:lstStyle/>
+          <a:p>
+            <a:pPr marL="355600" indent="-342900" latinLnBrk="0">
+              <a:spcBef>
+                <a:spcPts val="915"/>
+              </a:spcBef>
+              <a:buFont typeface="Wingdings" panose="05000000000000000000" pitchFamily="2" charset="2"/>
+              <a:buChar char="§"/>
+            </a:pPr>
+            <a:r>
+              <a:rPr lang="ko-KR" altLang="en-US" sz="2000" kern="0" dirty="0">
+                <a:solidFill>
+                  <a:sysClr val="windowText" lastClr="000000"/>
+                </a:solidFill>
+                <a:cs typeface="Malgun Gothic"/>
+              </a:rPr>
+              <a:t>데이터 </a:t>
+            </a:r>
+            <a:r>
+              <a:rPr lang="en-US" altLang="ko-KR" sz="2000" kern="0" dirty="0">
+                <a:solidFill>
+                  <a:sysClr val="windowText" lastClr="000000"/>
+                </a:solidFill>
+                <a:cs typeface="Malgun Gothic"/>
+              </a:rPr>
+              <a:t>: </a:t>
+            </a:r>
+            <a:r>
+              <a:rPr lang="ko-KR" altLang="en-US" sz="2000" kern="0" dirty="0">
+                <a:solidFill>
+                  <a:sysClr val="windowText" lastClr="000000"/>
+                </a:solidFill>
+                <a:cs typeface="Malgun Gothic"/>
+              </a:rPr>
+              <a:t>기상청에서 제공하는 종관기상관측 데이터 </a:t>
+            </a:r>
+            <a:r>
+              <a:rPr lang="en-US" altLang="ko-KR" sz="2000" kern="0" dirty="0">
+                <a:solidFill>
+                  <a:sysClr val="windowText" lastClr="000000"/>
+                </a:solidFill>
+                <a:cs typeface="Malgun Gothic"/>
+              </a:rPr>
+              <a:t>(2016</a:t>
+            </a:r>
+            <a:r>
+              <a:rPr lang="ko-KR" altLang="en-US" sz="2000" kern="0" dirty="0">
+                <a:solidFill>
+                  <a:sysClr val="windowText" lastClr="000000"/>
+                </a:solidFill>
+                <a:cs typeface="Malgun Gothic"/>
+              </a:rPr>
+              <a:t>년 </a:t>
+            </a:r>
+            <a:r>
+              <a:rPr lang="en-US" altLang="ko-KR" sz="2000" kern="0" dirty="0">
+                <a:solidFill>
+                  <a:sysClr val="windowText" lastClr="000000"/>
+                </a:solidFill>
+                <a:cs typeface="Malgun Gothic"/>
+              </a:rPr>
+              <a:t>1</a:t>
+            </a:r>
+            <a:r>
+              <a:rPr lang="ko-KR" altLang="en-US" sz="2000" kern="0" dirty="0">
+                <a:solidFill>
+                  <a:sysClr val="windowText" lastClr="000000"/>
+                </a:solidFill>
+                <a:cs typeface="Malgun Gothic"/>
+              </a:rPr>
+              <a:t>월 </a:t>
+            </a:r>
+            <a:r>
+              <a:rPr lang="en-US" altLang="ko-KR" sz="2000" kern="0" dirty="0">
+                <a:solidFill>
+                  <a:sysClr val="windowText" lastClr="000000"/>
+                </a:solidFill>
+                <a:cs typeface="Malgun Gothic"/>
+              </a:rPr>
+              <a:t>1</a:t>
+            </a:r>
+            <a:r>
+              <a:rPr lang="ko-KR" altLang="en-US" sz="2000" kern="0" dirty="0">
+                <a:solidFill>
+                  <a:sysClr val="windowText" lastClr="000000"/>
+                </a:solidFill>
+                <a:cs typeface="Malgun Gothic"/>
+              </a:rPr>
+              <a:t>일 </a:t>
+            </a:r>
+            <a:r>
+              <a:rPr lang="en-US" altLang="ko-KR" sz="2000" kern="0" dirty="0">
+                <a:solidFill>
+                  <a:sysClr val="windowText" lastClr="000000"/>
+                </a:solidFill>
+                <a:cs typeface="Malgun Gothic"/>
+              </a:rPr>
+              <a:t>~ 2019</a:t>
+            </a:r>
+            <a:r>
+              <a:rPr lang="ko-KR" altLang="en-US" sz="2000" kern="0" dirty="0">
+                <a:solidFill>
+                  <a:sysClr val="windowText" lastClr="000000"/>
+                </a:solidFill>
+                <a:cs typeface="Malgun Gothic"/>
+              </a:rPr>
+              <a:t>년 </a:t>
+            </a:r>
+            <a:r>
+              <a:rPr lang="en-US" altLang="ko-KR" sz="2000" kern="0" dirty="0">
+                <a:solidFill>
+                  <a:sysClr val="windowText" lastClr="000000"/>
+                </a:solidFill>
+                <a:cs typeface="Malgun Gothic"/>
+              </a:rPr>
+              <a:t>12</a:t>
+            </a:r>
+            <a:r>
+              <a:rPr lang="ko-KR" altLang="en-US" sz="2000" kern="0" dirty="0">
+                <a:solidFill>
+                  <a:sysClr val="windowText" lastClr="000000"/>
+                </a:solidFill>
+                <a:cs typeface="Malgun Gothic"/>
+              </a:rPr>
+              <a:t>월 </a:t>
+            </a:r>
+            <a:r>
+              <a:rPr lang="en-US" altLang="ko-KR" sz="2000" kern="0" dirty="0">
+                <a:solidFill>
+                  <a:sysClr val="windowText" lastClr="000000"/>
+                </a:solidFill>
+                <a:cs typeface="Malgun Gothic"/>
+              </a:rPr>
+              <a:t>31</a:t>
+            </a:r>
+            <a:r>
+              <a:rPr lang="ko-KR" altLang="en-US" sz="2000" kern="0" dirty="0">
+                <a:solidFill>
+                  <a:sysClr val="windowText" lastClr="000000"/>
+                </a:solidFill>
+                <a:cs typeface="Malgun Gothic"/>
+              </a:rPr>
+              <a:t>일</a:t>
+            </a:r>
+            <a:r>
+              <a:rPr lang="en-US" altLang="ko-KR" sz="2000" kern="0" dirty="0">
+                <a:solidFill>
+                  <a:sysClr val="windowText" lastClr="000000"/>
+                </a:solidFill>
+                <a:cs typeface="Malgun Gothic"/>
+              </a:rPr>
+              <a:t>)</a:t>
+            </a:r>
+          </a:p>
+          <a:p>
+            <a:pPr marL="355600" indent="-342900" latinLnBrk="0">
+              <a:spcBef>
+                <a:spcPts val="915"/>
+              </a:spcBef>
+              <a:buFont typeface="Wingdings" panose="05000000000000000000" pitchFamily="2" charset="2"/>
+              <a:buChar char="§"/>
+            </a:pPr>
+            <a:r>
+              <a:rPr lang="ko-KR" altLang="en-US" sz="2000" kern="0" dirty="0">
+                <a:solidFill>
+                  <a:sysClr val="windowText" lastClr="000000"/>
+                </a:solidFill>
+                <a:cs typeface="Malgun Gothic"/>
+              </a:rPr>
+              <a:t>입력 변수 </a:t>
+            </a:r>
+            <a:r>
+              <a:rPr lang="en-US" altLang="ko-KR" sz="2000" kern="0" dirty="0">
+                <a:solidFill>
+                  <a:sysClr val="windowText" lastClr="000000"/>
+                </a:solidFill>
+                <a:cs typeface="Malgun Gothic"/>
+              </a:rPr>
+              <a:t>: 7</a:t>
+            </a:r>
+            <a:r>
+              <a:rPr lang="ko-KR" altLang="en-US" sz="2000" kern="0" dirty="0">
+                <a:solidFill>
+                  <a:sysClr val="windowText" lastClr="000000"/>
+                </a:solidFill>
+                <a:cs typeface="Malgun Gothic"/>
+              </a:rPr>
+              <a:t>개</a:t>
+            </a:r>
+            <a:endParaRPr lang="en-US" altLang="ko-KR" sz="2000" kern="0" dirty="0">
+              <a:solidFill>
+                <a:sysClr val="windowText" lastClr="000000"/>
+              </a:solidFill>
+              <a:cs typeface="Malgun Gothic"/>
+            </a:endParaRPr>
+          </a:p>
+          <a:p>
+            <a:pPr marL="812800" lvl="1" indent="-342900" latinLnBrk="0">
+              <a:spcBef>
+                <a:spcPts val="915"/>
+              </a:spcBef>
+              <a:buFont typeface="Wingdings" panose="05000000000000000000" pitchFamily="2" charset="2"/>
+              <a:buChar char="§"/>
+            </a:pPr>
+            <a:r>
+              <a:rPr lang="ko-KR" altLang="en-US" sz="2000" kern="0" dirty="0">
+                <a:solidFill>
+                  <a:sysClr val="windowText" lastClr="000000"/>
+                </a:solidFill>
+                <a:cs typeface="Malgun Gothic"/>
+              </a:rPr>
+              <a:t>날짜 </a:t>
+            </a:r>
+            <a:r>
+              <a:rPr lang="en-US" altLang="ko-KR" sz="2000" kern="0" dirty="0">
+                <a:solidFill>
+                  <a:sysClr val="windowText" lastClr="000000"/>
+                </a:solidFill>
+                <a:cs typeface="Malgun Gothic"/>
+              </a:rPr>
+              <a:t>(</a:t>
+            </a:r>
+            <a:r>
+              <a:rPr lang="ko-KR" altLang="en-US" sz="2000" kern="0" dirty="0">
+                <a:solidFill>
+                  <a:sysClr val="windowText" lastClr="000000"/>
+                </a:solidFill>
+                <a:cs typeface="Malgun Gothic"/>
+              </a:rPr>
+              <a:t>월</a:t>
+            </a:r>
+            <a:r>
+              <a:rPr lang="en-US" altLang="ko-KR" sz="2000" kern="0" dirty="0">
+                <a:solidFill>
+                  <a:sysClr val="windowText" lastClr="000000"/>
+                </a:solidFill>
+                <a:cs typeface="Malgun Gothic"/>
+              </a:rPr>
+              <a:t>, </a:t>
+            </a:r>
+            <a:r>
+              <a:rPr lang="ko-KR" altLang="en-US" sz="2000" kern="0" dirty="0">
+                <a:solidFill>
+                  <a:sysClr val="windowText" lastClr="000000"/>
+                </a:solidFill>
+                <a:cs typeface="Malgun Gothic"/>
+              </a:rPr>
+              <a:t>일</a:t>
+            </a:r>
+            <a:r>
+              <a:rPr lang="en-US" altLang="ko-KR" sz="2000" kern="0" dirty="0">
+                <a:solidFill>
+                  <a:sysClr val="windowText" lastClr="000000"/>
+                </a:solidFill>
+                <a:cs typeface="Malgun Gothic"/>
+              </a:rPr>
+              <a:t>, </a:t>
+            </a:r>
+            <a:r>
+              <a:rPr lang="ko-KR" altLang="en-US" sz="2000" kern="0" dirty="0">
+                <a:solidFill>
+                  <a:sysClr val="windowText" lastClr="000000"/>
+                </a:solidFill>
+                <a:cs typeface="Malgun Gothic"/>
+              </a:rPr>
+              <a:t>시간</a:t>
+            </a:r>
+            <a:r>
+              <a:rPr lang="en-US" altLang="ko-KR" sz="2000" kern="0" dirty="0">
+                <a:solidFill>
+                  <a:sysClr val="windowText" lastClr="000000"/>
+                </a:solidFill>
+                <a:cs typeface="Malgun Gothic"/>
+              </a:rPr>
+              <a:t>)  </a:t>
+            </a:r>
+          </a:p>
+          <a:p>
+            <a:pPr marL="812800" lvl="1" indent="-342900" latinLnBrk="0">
+              <a:spcBef>
+                <a:spcPts val="915"/>
+              </a:spcBef>
+              <a:buFont typeface="Wingdings" panose="05000000000000000000" pitchFamily="2" charset="2"/>
+              <a:buChar char="§"/>
+            </a:pPr>
+            <a:r>
+              <a:rPr lang="ko-KR" altLang="en-US" sz="2000" kern="0" dirty="0">
+                <a:solidFill>
+                  <a:sysClr val="windowText" lastClr="000000"/>
+                </a:solidFill>
+                <a:cs typeface="Malgun Gothic"/>
+              </a:rPr>
+              <a:t>기온</a:t>
+            </a:r>
+            <a:endParaRPr lang="en-US" altLang="ko-KR" sz="2000" kern="0" dirty="0">
+              <a:solidFill>
+                <a:sysClr val="windowText" lastClr="000000"/>
+              </a:solidFill>
+              <a:cs typeface="Malgun Gothic"/>
+            </a:endParaRPr>
+          </a:p>
+          <a:p>
+            <a:pPr marL="812800" lvl="1" indent="-342900" latinLnBrk="0">
+              <a:spcBef>
+                <a:spcPts val="915"/>
+              </a:spcBef>
+              <a:buFont typeface="Wingdings" panose="05000000000000000000" pitchFamily="2" charset="2"/>
+              <a:buChar char="§"/>
+            </a:pPr>
+            <a:r>
+              <a:rPr lang="ko-KR" altLang="en-US" sz="2000" kern="0" dirty="0">
+                <a:solidFill>
+                  <a:sysClr val="windowText" lastClr="000000"/>
+                </a:solidFill>
+                <a:cs typeface="Malgun Gothic"/>
+              </a:rPr>
+              <a:t>습도</a:t>
+            </a:r>
+            <a:endParaRPr lang="en-US" altLang="ko-KR" sz="2000" kern="0" dirty="0">
+              <a:solidFill>
+                <a:sysClr val="windowText" lastClr="000000"/>
+              </a:solidFill>
+              <a:cs typeface="Malgun Gothic"/>
+            </a:endParaRPr>
+          </a:p>
+          <a:p>
+            <a:pPr marL="812800" lvl="1" indent="-342900" latinLnBrk="0">
+              <a:spcBef>
+                <a:spcPts val="915"/>
+              </a:spcBef>
+              <a:buFont typeface="Wingdings" panose="05000000000000000000" pitchFamily="2" charset="2"/>
+              <a:buChar char="§"/>
+            </a:pPr>
+            <a:r>
+              <a:rPr lang="ko-KR" altLang="en-US" sz="2000" kern="0" dirty="0">
+                <a:solidFill>
+                  <a:sysClr val="windowText" lastClr="000000"/>
+                </a:solidFill>
+                <a:cs typeface="Malgun Gothic"/>
+              </a:rPr>
+              <a:t>풍속</a:t>
+            </a:r>
+            <a:endParaRPr lang="en-US" altLang="ko-KR" sz="2000" kern="0" dirty="0">
+              <a:solidFill>
+                <a:sysClr val="windowText" lastClr="000000"/>
+              </a:solidFill>
+              <a:cs typeface="Malgun Gothic"/>
+            </a:endParaRPr>
+          </a:p>
+          <a:p>
+            <a:pPr marL="812800" lvl="1" indent="-342900" latinLnBrk="0">
+              <a:spcBef>
+                <a:spcPts val="915"/>
+              </a:spcBef>
+              <a:buFont typeface="Wingdings" panose="05000000000000000000" pitchFamily="2" charset="2"/>
+              <a:buChar char="§"/>
+            </a:pPr>
+            <a:r>
+              <a:rPr lang="ko-KR" altLang="en-US" sz="2000" kern="0" dirty="0">
+                <a:solidFill>
+                  <a:sysClr val="windowText" lastClr="000000"/>
+                </a:solidFill>
+                <a:cs typeface="Malgun Gothic"/>
+              </a:rPr>
+              <a:t>풍향</a:t>
+            </a:r>
+            <a:endParaRPr lang="en-US" altLang="ko-KR" sz="2000" kern="0" dirty="0">
+              <a:solidFill>
+                <a:sysClr val="windowText" lastClr="000000"/>
+              </a:solidFill>
+              <a:cs typeface="Malgun Gothic"/>
+            </a:endParaRPr>
+          </a:p>
+        </p:txBody>
+      </p:sp>
+      <p:sp>
+        <p:nvSpPr>
+          <p:cNvPr id="11" name="직사각형 10">
+            <a:extLst>
+              <a:ext uri="{FF2B5EF4-FFF2-40B4-BE49-F238E27FC236}">
+                <a16:creationId xmlns:a16="http://schemas.microsoft.com/office/drawing/2014/main" id="{CA6C4280-D4DB-4999-8C34-3CB9A5DE76CF}"/>
+              </a:ext>
+            </a:extLst>
+          </p:cNvPr>
+          <p:cNvSpPr/>
+          <p:nvPr/>
+        </p:nvSpPr>
+        <p:spPr>
+          <a:xfrm>
+            <a:off x="10354048" y="644301"/>
+            <a:ext cx="1430002" cy="276999"/>
+          </a:xfrm>
+          <a:prstGeom prst="rect">
+            <a:avLst/>
+          </a:prstGeom>
+        </p:spPr>
+        <p:txBody>
+          <a:bodyPr wrap="square">
+            <a:spAutoFit/>
+          </a:bodyPr>
+          <a:lstStyle/>
+          <a:p>
+            <a:pPr marL="12700" latinLnBrk="0">
+              <a:spcBef>
+                <a:spcPts val="695"/>
+              </a:spcBef>
+              <a:tabLst>
+                <a:tab pos="240665" algn="l"/>
+              </a:tabLst>
+            </a:pPr>
+            <a:r>
+              <a:rPr lang="en-US" altLang="ko-KR" sz="1200" b="1" kern="0" spc="-50" dirty="0">
+                <a:solidFill>
+                  <a:sysClr val="windowText" lastClr="000000"/>
+                </a:solidFill>
+                <a:latin typeface="Calibri"/>
+                <a:cs typeface="Calibri"/>
+              </a:rPr>
+              <a:t>* </a:t>
+            </a:r>
+            <a:r>
+              <a:rPr lang="ko-KR" altLang="en-US" sz="1200" b="1" kern="0" spc="-50" dirty="0">
+                <a:solidFill>
+                  <a:sysClr val="windowText" lastClr="000000"/>
+                </a:solidFill>
+                <a:latin typeface="Calibri"/>
+                <a:cs typeface="Calibri"/>
+              </a:rPr>
+              <a:t>수집 단위 </a:t>
+            </a:r>
+            <a:r>
+              <a:rPr lang="en-US" altLang="ko-KR" sz="1200" b="1" kern="0" spc="-50" dirty="0">
+                <a:solidFill>
+                  <a:sysClr val="windowText" lastClr="000000"/>
+                </a:solidFill>
+                <a:latin typeface="Calibri"/>
+                <a:cs typeface="Calibri"/>
+              </a:rPr>
+              <a:t>: 1</a:t>
+            </a:r>
+            <a:r>
+              <a:rPr lang="ko-KR" altLang="en-US" sz="1200" b="1" kern="0" spc="-50" dirty="0">
+                <a:solidFill>
+                  <a:sysClr val="windowText" lastClr="000000"/>
+                </a:solidFill>
+                <a:latin typeface="Calibri"/>
+                <a:cs typeface="Calibri"/>
+              </a:rPr>
+              <a:t>시간 </a:t>
+            </a:r>
+            <a:endParaRPr lang="en-US" altLang="ko-KR" sz="1200" b="1" kern="0" spc="-50" dirty="0">
+              <a:solidFill>
+                <a:sysClr val="windowText" lastClr="000000"/>
+              </a:solidFill>
+              <a:latin typeface="Calibri"/>
+              <a:cs typeface="Calibri"/>
+            </a:endParaRPr>
+          </a:p>
+        </p:txBody>
+      </p:sp>
+      <p:sp>
+        <p:nvSpPr>
+          <p:cNvPr id="2" name="슬라이드 번호 개체 틀 1">
+            <a:extLst>
+              <a:ext uri="{FF2B5EF4-FFF2-40B4-BE49-F238E27FC236}">
+                <a16:creationId xmlns:a16="http://schemas.microsoft.com/office/drawing/2014/main" id="{BA01ECBD-1CED-44F1-A35C-43F10FB14680}"/>
+              </a:ext>
+            </a:extLst>
+          </p:cNvPr>
+          <p:cNvSpPr>
+            <a:spLocks noGrp="1"/>
+          </p:cNvSpPr>
+          <p:nvPr>
+            <p:ph type="sldNum" sz="quarter" idx="12"/>
+          </p:nvPr>
+        </p:nvSpPr>
+        <p:spPr/>
+        <p:txBody>
+          <a:bodyPr/>
+          <a:lstStyle/>
+          <a:p>
+            <a:fld id="{03C1276A-B16E-4219-8EB0-2243FF9FC212}" type="slidenum">
+              <a:rPr lang="ko-KR" altLang="en-US" smtClean="0"/>
+              <a:t>8</a:t>
+            </a:fld>
+            <a:endParaRPr lang="ko-KR" altLang="en-US"/>
+          </a:p>
+        </p:txBody>
+      </p:sp>
       <p:grpSp>
         <p:nvGrpSpPr>
-          <p:cNvPr id="7" name="그룹 6">
+          <p:cNvPr id="12" name="그룹 11">
             <a:extLst>
               <a:ext uri="{FF2B5EF4-FFF2-40B4-BE49-F238E27FC236}">
-                <a16:creationId xmlns:a16="http://schemas.microsoft.com/office/drawing/2014/main" id="{57FE92FB-9586-4E1A-BE8B-52DDA84D027A}"/>
+                <a16:creationId xmlns:a16="http://schemas.microsoft.com/office/drawing/2014/main" id="{0AAD90B1-B49D-4D59-8865-2C6502F0B149}"/>
               </a:ext>
             </a:extLst>
           </p:cNvPr>
@@ -15716,7 +16580,7 @@
         </p:nvGrpSpPr>
         <p:grpSpPr>
           <a:xfrm>
-            <a:off x="9250532" y="6219306"/>
+            <a:off x="9250532" y="6093576"/>
             <a:ext cx="2776842" cy="457642"/>
             <a:chOff x="8473734" y="6091284"/>
             <a:chExt cx="3553640" cy="585664"/>
@@ -15724,10 +16588,10 @@
         </p:grpSpPr>
         <p:pic>
           <p:nvPicPr>
-            <p:cNvPr id="8" name="그림 7">
+            <p:cNvPr id="13" name="그림 12">
               <a:extLst>
                 <a:ext uri="{FF2B5EF4-FFF2-40B4-BE49-F238E27FC236}">
-                  <a16:creationId xmlns:a16="http://schemas.microsoft.com/office/drawing/2014/main" id="{29DCE215-67EA-43B9-8581-2614C41349BB}"/>
+                  <a16:creationId xmlns:a16="http://schemas.microsoft.com/office/drawing/2014/main" id="{30F677AA-CC87-4544-B076-4351FB82EFD9}"/>
                 </a:ext>
               </a:extLst>
             </p:cNvPr>
@@ -15759,10 +16623,10 @@
         </p:pic>
         <p:pic>
           <p:nvPicPr>
-            <p:cNvPr id="9" name="그림 8">
+            <p:cNvPr id="14" name="그림 13">
               <a:extLst>
                 <a:ext uri="{FF2B5EF4-FFF2-40B4-BE49-F238E27FC236}">
-                  <a16:creationId xmlns:a16="http://schemas.microsoft.com/office/drawing/2014/main" id="{D739ACA8-4783-4963-86D3-339AD33C22FD}"/>
+                  <a16:creationId xmlns:a16="http://schemas.microsoft.com/office/drawing/2014/main" id="{A89EFAB4-4413-4BCC-B6CB-229D7F666947}"/>
                 </a:ext>
               </a:extLst>
             </p:cNvPr>
@@ -15794,491 +16658,6 @@
           </p:spPr>
         </p:pic>
       </p:grpSp>
-      <p:sp>
-        <p:nvSpPr>
-          <p:cNvPr id="10" name="직사각형 9">
-            <a:extLst>
-              <a:ext uri="{FF2B5EF4-FFF2-40B4-BE49-F238E27FC236}">
-                <a16:creationId xmlns:a16="http://schemas.microsoft.com/office/drawing/2014/main" id="{EB45A218-522B-413B-8E64-AFA3BC0197B5}"/>
-              </a:ext>
-            </a:extLst>
-          </p:cNvPr>
-          <p:cNvSpPr/>
-          <p:nvPr/>
-        </p:nvSpPr>
-        <p:spPr>
-          <a:xfrm>
-            <a:off x="508990" y="1751681"/>
-            <a:ext cx="11291475" cy="2939266"/>
-          </a:xfrm>
-          <a:prstGeom prst="rect">
-            <a:avLst/>
-          </a:prstGeom>
-        </p:spPr>
-        <p:txBody>
-          <a:bodyPr wrap="square">
-            <a:spAutoFit/>
-          </a:bodyPr>
-          <a:lstStyle/>
-          <a:p>
-            <a:pPr marL="355600" indent="-342900" latinLnBrk="0">
-              <a:spcBef>
-                <a:spcPts val="915"/>
-              </a:spcBef>
-              <a:buFont typeface="Wingdings" panose="05000000000000000000" pitchFamily="2" charset="2"/>
-              <a:buChar char="§"/>
-            </a:pPr>
-            <a:r>
-              <a:rPr lang="ko-KR" altLang="en-US" sz="2000" kern="0" dirty="0">
-                <a:solidFill>
-                  <a:sysClr val="windowText" lastClr="000000"/>
-                </a:solidFill>
-                <a:cs typeface="Malgun Gothic"/>
-              </a:rPr>
-              <a:t>데이터 </a:t>
-            </a:r>
-            <a:r>
-              <a:rPr lang="en-US" altLang="ko-KR" sz="2000" kern="0" dirty="0">
-                <a:solidFill>
-                  <a:sysClr val="windowText" lastClr="000000"/>
-                </a:solidFill>
-                <a:cs typeface="Malgun Gothic"/>
-              </a:rPr>
-              <a:t>: </a:t>
-            </a:r>
-            <a:r>
-              <a:rPr lang="ko-KR" altLang="en-US" sz="2000" kern="0" dirty="0">
-                <a:solidFill>
-                  <a:sysClr val="windowText" lastClr="000000"/>
-                </a:solidFill>
-                <a:cs typeface="Malgun Gothic"/>
-              </a:rPr>
-              <a:t>기상청에서 제공하는 종관기상관측 데이터 </a:t>
-            </a:r>
-            <a:r>
-              <a:rPr lang="en-US" altLang="ko-KR" sz="2000" kern="0" dirty="0">
-                <a:solidFill>
-                  <a:sysClr val="windowText" lastClr="000000"/>
-                </a:solidFill>
-                <a:cs typeface="Malgun Gothic"/>
-              </a:rPr>
-              <a:t>(2016</a:t>
-            </a:r>
-            <a:r>
-              <a:rPr lang="ko-KR" altLang="en-US" sz="2000" kern="0" dirty="0">
-                <a:solidFill>
-                  <a:sysClr val="windowText" lastClr="000000"/>
-                </a:solidFill>
-                <a:cs typeface="Malgun Gothic"/>
-              </a:rPr>
-              <a:t>년 </a:t>
-            </a:r>
-            <a:r>
-              <a:rPr lang="en-US" altLang="ko-KR" sz="2000" kern="0" dirty="0">
-                <a:solidFill>
-                  <a:sysClr val="windowText" lastClr="000000"/>
-                </a:solidFill>
-                <a:cs typeface="Malgun Gothic"/>
-              </a:rPr>
-              <a:t>1</a:t>
-            </a:r>
-            <a:r>
-              <a:rPr lang="ko-KR" altLang="en-US" sz="2000" kern="0" dirty="0">
-                <a:solidFill>
-                  <a:sysClr val="windowText" lastClr="000000"/>
-                </a:solidFill>
-                <a:cs typeface="Malgun Gothic"/>
-              </a:rPr>
-              <a:t>월 </a:t>
-            </a:r>
-            <a:r>
-              <a:rPr lang="en-US" altLang="ko-KR" sz="2000" kern="0" dirty="0">
-                <a:solidFill>
-                  <a:sysClr val="windowText" lastClr="000000"/>
-                </a:solidFill>
-                <a:cs typeface="Malgun Gothic"/>
-              </a:rPr>
-              <a:t>1</a:t>
-            </a:r>
-            <a:r>
-              <a:rPr lang="ko-KR" altLang="en-US" sz="2000" kern="0" dirty="0">
-                <a:solidFill>
-                  <a:sysClr val="windowText" lastClr="000000"/>
-                </a:solidFill>
-                <a:cs typeface="Malgun Gothic"/>
-              </a:rPr>
-              <a:t>일 </a:t>
-            </a:r>
-            <a:r>
-              <a:rPr lang="en-US" altLang="ko-KR" sz="2000" kern="0" dirty="0">
-                <a:solidFill>
-                  <a:sysClr val="windowText" lastClr="000000"/>
-                </a:solidFill>
-                <a:cs typeface="Malgun Gothic"/>
-              </a:rPr>
-              <a:t>~ 2019</a:t>
-            </a:r>
-            <a:r>
-              <a:rPr lang="ko-KR" altLang="en-US" sz="2000" kern="0" dirty="0">
-                <a:solidFill>
-                  <a:sysClr val="windowText" lastClr="000000"/>
-                </a:solidFill>
-                <a:cs typeface="Malgun Gothic"/>
-              </a:rPr>
-              <a:t>년 </a:t>
-            </a:r>
-            <a:r>
-              <a:rPr lang="en-US" altLang="ko-KR" sz="2000" kern="0" dirty="0">
-                <a:solidFill>
-                  <a:sysClr val="windowText" lastClr="000000"/>
-                </a:solidFill>
-                <a:cs typeface="Malgun Gothic"/>
-              </a:rPr>
-              <a:t>12</a:t>
-            </a:r>
-            <a:r>
-              <a:rPr lang="ko-KR" altLang="en-US" sz="2000" kern="0" dirty="0">
-                <a:solidFill>
-                  <a:sysClr val="windowText" lastClr="000000"/>
-                </a:solidFill>
-                <a:cs typeface="Malgun Gothic"/>
-              </a:rPr>
-              <a:t>월 </a:t>
-            </a:r>
-            <a:r>
-              <a:rPr lang="en-US" altLang="ko-KR" sz="2000" kern="0" dirty="0">
-                <a:solidFill>
-                  <a:sysClr val="windowText" lastClr="000000"/>
-                </a:solidFill>
-                <a:cs typeface="Malgun Gothic"/>
-              </a:rPr>
-              <a:t>31</a:t>
-            </a:r>
-            <a:r>
-              <a:rPr lang="ko-KR" altLang="en-US" sz="2000" kern="0" dirty="0">
-                <a:solidFill>
-                  <a:sysClr val="windowText" lastClr="000000"/>
-                </a:solidFill>
-                <a:cs typeface="Malgun Gothic"/>
-              </a:rPr>
-              <a:t>일</a:t>
-            </a:r>
-            <a:r>
-              <a:rPr lang="en-US" altLang="ko-KR" sz="2000" kern="0" dirty="0">
-                <a:solidFill>
-                  <a:sysClr val="windowText" lastClr="000000"/>
-                </a:solidFill>
-                <a:cs typeface="Malgun Gothic"/>
-              </a:rPr>
-              <a:t>)</a:t>
-            </a:r>
-          </a:p>
-          <a:p>
-            <a:pPr marL="355600" indent="-342900" latinLnBrk="0">
-              <a:spcBef>
-                <a:spcPts val="915"/>
-              </a:spcBef>
-              <a:buFont typeface="Wingdings" panose="05000000000000000000" pitchFamily="2" charset="2"/>
-              <a:buChar char="§"/>
-            </a:pPr>
-            <a:r>
-              <a:rPr lang="ko-KR" altLang="en-US" sz="2000" kern="0" dirty="0">
-                <a:solidFill>
-                  <a:sysClr val="windowText" lastClr="000000"/>
-                </a:solidFill>
-                <a:cs typeface="Malgun Gothic"/>
-              </a:rPr>
-              <a:t>입력 변수 </a:t>
-            </a:r>
-            <a:r>
-              <a:rPr lang="en-US" altLang="ko-KR" sz="2000" kern="0" dirty="0">
-                <a:solidFill>
-                  <a:sysClr val="windowText" lastClr="000000"/>
-                </a:solidFill>
-                <a:cs typeface="Malgun Gothic"/>
-              </a:rPr>
-              <a:t>: 7</a:t>
-            </a:r>
-            <a:r>
-              <a:rPr lang="ko-KR" altLang="en-US" sz="2000" kern="0" dirty="0">
-                <a:solidFill>
-                  <a:sysClr val="windowText" lastClr="000000"/>
-                </a:solidFill>
-                <a:cs typeface="Malgun Gothic"/>
-              </a:rPr>
-              <a:t>개</a:t>
-            </a:r>
-            <a:endParaRPr lang="en-US" altLang="ko-KR" sz="2000" kern="0" dirty="0">
-              <a:solidFill>
-                <a:sysClr val="windowText" lastClr="000000"/>
-              </a:solidFill>
-              <a:cs typeface="Malgun Gothic"/>
-            </a:endParaRPr>
-          </a:p>
-          <a:p>
-            <a:pPr marL="812800" lvl="1" indent="-342900" latinLnBrk="0">
-              <a:spcBef>
-                <a:spcPts val="915"/>
-              </a:spcBef>
-              <a:buFont typeface="Wingdings" panose="05000000000000000000" pitchFamily="2" charset="2"/>
-              <a:buChar char="§"/>
-            </a:pPr>
-            <a:r>
-              <a:rPr lang="ko-KR" altLang="en-US" sz="2000" kern="0" dirty="0">
-                <a:solidFill>
-                  <a:sysClr val="windowText" lastClr="000000"/>
-                </a:solidFill>
-                <a:cs typeface="Malgun Gothic"/>
-              </a:rPr>
-              <a:t>날짜 </a:t>
-            </a:r>
-            <a:r>
-              <a:rPr lang="en-US" altLang="ko-KR" sz="2000" kern="0" dirty="0">
-                <a:solidFill>
-                  <a:sysClr val="windowText" lastClr="000000"/>
-                </a:solidFill>
-                <a:cs typeface="Malgun Gothic"/>
-              </a:rPr>
-              <a:t>(</a:t>
-            </a:r>
-            <a:r>
-              <a:rPr lang="ko-KR" altLang="en-US" sz="2000" kern="0" dirty="0">
-                <a:solidFill>
-                  <a:sysClr val="windowText" lastClr="000000"/>
-                </a:solidFill>
-                <a:cs typeface="Malgun Gothic"/>
-              </a:rPr>
-              <a:t>월</a:t>
-            </a:r>
-            <a:r>
-              <a:rPr lang="en-US" altLang="ko-KR" sz="2000" kern="0" dirty="0">
-                <a:solidFill>
-                  <a:sysClr val="windowText" lastClr="000000"/>
-                </a:solidFill>
-                <a:cs typeface="Malgun Gothic"/>
-              </a:rPr>
-              <a:t>, </a:t>
-            </a:r>
-            <a:r>
-              <a:rPr lang="ko-KR" altLang="en-US" sz="2000" kern="0" dirty="0">
-                <a:solidFill>
-                  <a:sysClr val="windowText" lastClr="000000"/>
-                </a:solidFill>
-                <a:cs typeface="Malgun Gothic"/>
-              </a:rPr>
-              <a:t>일</a:t>
-            </a:r>
-            <a:r>
-              <a:rPr lang="en-US" altLang="ko-KR" sz="2000" kern="0" dirty="0">
-                <a:solidFill>
-                  <a:sysClr val="windowText" lastClr="000000"/>
-                </a:solidFill>
-                <a:cs typeface="Malgun Gothic"/>
-              </a:rPr>
-              <a:t>, </a:t>
-            </a:r>
-            <a:r>
-              <a:rPr lang="ko-KR" altLang="en-US" sz="2000" kern="0" dirty="0">
-                <a:solidFill>
-                  <a:sysClr val="windowText" lastClr="000000"/>
-                </a:solidFill>
-                <a:cs typeface="Malgun Gothic"/>
-              </a:rPr>
-              <a:t>시간</a:t>
-            </a:r>
-            <a:r>
-              <a:rPr lang="en-US" altLang="ko-KR" sz="2000" kern="0" dirty="0">
-                <a:solidFill>
-                  <a:sysClr val="windowText" lastClr="000000"/>
-                </a:solidFill>
-                <a:cs typeface="Malgun Gothic"/>
-              </a:rPr>
-              <a:t>)  </a:t>
-            </a:r>
-          </a:p>
-          <a:p>
-            <a:pPr marL="812800" lvl="1" indent="-342900" latinLnBrk="0">
-              <a:spcBef>
-                <a:spcPts val="915"/>
-              </a:spcBef>
-              <a:buFont typeface="Wingdings" panose="05000000000000000000" pitchFamily="2" charset="2"/>
-              <a:buChar char="§"/>
-            </a:pPr>
-            <a:r>
-              <a:rPr lang="ko-KR" altLang="en-US" sz="2000" kern="0" dirty="0">
-                <a:solidFill>
-                  <a:sysClr val="windowText" lastClr="000000"/>
-                </a:solidFill>
-                <a:cs typeface="Malgun Gothic"/>
-              </a:rPr>
-              <a:t>기온</a:t>
-            </a:r>
-            <a:endParaRPr lang="en-US" altLang="ko-KR" sz="2000" kern="0" dirty="0">
-              <a:solidFill>
-                <a:sysClr val="windowText" lastClr="000000"/>
-              </a:solidFill>
-              <a:cs typeface="Malgun Gothic"/>
-            </a:endParaRPr>
-          </a:p>
-          <a:p>
-            <a:pPr marL="812800" lvl="1" indent="-342900" latinLnBrk="0">
-              <a:spcBef>
-                <a:spcPts val="915"/>
-              </a:spcBef>
-              <a:buFont typeface="Wingdings" panose="05000000000000000000" pitchFamily="2" charset="2"/>
-              <a:buChar char="§"/>
-            </a:pPr>
-            <a:r>
-              <a:rPr lang="ko-KR" altLang="en-US" sz="2000" kern="0" dirty="0">
-                <a:solidFill>
-                  <a:sysClr val="windowText" lastClr="000000"/>
-                </a:solidFill>
-                <a:cs typeface="Malgun Gothic"/>
-              </a:rPr>
-              <a:t>습도</a:t>
-            </a:r>
-            <a:endParaRPr lang="en-US" altLang="ko-KR" sz="2000" kern="0" dirty="0">
-              <a:solidFill>
-                <a:sysClr val="windowText" lastClr="000000"/>
-              </a:solidFill>
-              <a:cs typeface="Malgun Gothic"/>
-            </a:endParaRPr>
-          </a:p>
-          <a:p>
-            <a:pPr marL="812800" lvl="1" indent="-342900" latinLnBrk="0">
-              <a:spcBef>
-                <a:spcPts val="915"/>
-              </a:spcBef>
-              <a:buFont typeface="Wingdings" panose="05000000000000000000" pitchFamily="2" charset="2"/>
-              <a:buChar char="§"/>
-            </a:pPr>
-            <a:r>
-              <a:rPr lang="ko-KR" altLang="en-US" sz="2000" kern="0" dirty="0">
-                <a:solidFill>
-                  <a:sysClr val="windowText" lastClr="000000"/>
-                </a:solidFill>
-                <a:cs typeface="Malgun Gothic"/>
-              </a:rPr>
-              <a:t>풍속</a:t>
-            </a:r>
-            <a:endParaRPr lang="en-US" altLang="ko-KR" sz="2000" kern="0" dirty="0">
-              <a:solidFill>
-                <a:sysClr val="windowText" lastClr="000000"/>
-              </a:solidFill>
-              <a:cs typeface="Malgun Gothic"/>
-            </a:endParaRPr>
-          </a:p>
-          <a:p>
-            <a:pPr marL="812800" lvl="1" indent="-342900" latinLnBrk="0">
-              <a:spcBef>
-                <a:spcPts val="915"/>
-              </a:spcBef>
-              <a:buFont typeface="Wingdings" panose="05000000000000000000" pitchFamily="2" charset="2"/>
-              <a:buChar char="§"/>
-            </a:pPr>
-            <a:r>
-              <a:rPr lang="ko-KR" altLang="en-US" sz="2000" kern="0" dirty="0">
-                <a:solidFill>
-                  <a:sysClr val="windowText" lastClr="000000"/>
-                </a:solidFill>
-                <a:cs typeface="Malgun Gothic"/>
-              </a:rPr>
-              <a:t>풍향</a:t>
-            </a:r>
-            <a:endParaRPr lang="en-US" altLang="ko-KR" sz="2000" kern="0" dirty="0">
-              <a:solidFill>
-                <a:sysClr val="windowText" lastClr="000000"/>
-              </a:solidFill>
-              <a:cs typeface="Malgun Gothic"/>
-            </a:endParaRPr>
-          </a:p>
-        </p:txBody>
-      </p:sp>
-      <p:sp>
-        <p:nvSpPr>
-          <p:cNvPr id="11" name="직사각형 10">
-            <a:extLst>
-              <a:ext uri="{FF2B5EF4-FFF2-40B4-BE49-F238E27FC236}">
-                <a16:creationId xmlns:a16="http://schemas.microsoft.com/office/drawing/2014/main" id="{CA6C4280-D4DB-4999-8C34-3CB9A5DE76CF}"/>
-              </a:ext>
-            </a:extLst>
-          </p:cNvPr>
-          <p:cNvSpPr/>
-          <p:nvPr/>
-        </p:nvSpPr>
-        <p:spPr>
-          <a:xfrm>
-            <a:off x="10354048" y="644301"/>
-            <a:ext cx="1430002" cy="276999"/>
-          </a:xfrm>
-          <a:prstGeom prst="rect">
-            <a:avLst/>
-          </a:prstGeom>
-        </p:spPr>
-        <p:txBody>
-          <a:bodyPr wrap="square">
-            <a:spAutoFit/>
-          </a:bodyPr>
-          <a:lstStyle/>
-          <a:p>
-            <a:pPr marL="12700" latinLnBrk="0">
-              <a:spcBef>
-                <a:spcPts val="695"/>
-              </a:spcBef>
-              <a:tabLst>
-                <a:tab pos="240665" algn="l"/>
-              </a:tabLst>
-            </a:pPr>
-            <a:r>
-              <a:rPr lang="en-US" altLang="ko-KR" sz="1200" b="1" kern="0" spc="-50" dirty="0">
-                <a:solidFill>
-                  <a:sysClr val="windowText" lastClr="000000"/>
-                </a:solidFill>
-                <a:latin typeface="Calibri"/>
-                <a:cs typeface="Calibri"/>
-              </a:rPr>
-              <a:t>* </a:t>
-            </a:r>
-            <a:r>
-              <a:rPr lang="ko-KR" altLang="en-US" sz="1200" b="1" kern="0" spc="-50" dirty="0">
-                <a:solidFill>
-                  <a:sysClr val="windowText" lastClr="000000"/>
-                </a:solidFill>
-                <a:latin typeface="Calibri"/>
-                <a:cs typeface="Calibri"/>
-              </a:rPr>
-              <a:t>수집 단위 </a:t>
-            </a:r>
-            <a:r>
-              <a:rPr lang="en-US" altLang="ko-KR" sz="1200" b="1" kern="0" spc="-50" dirty="0">
-                <a:solidFill>
-                  <a:sysClr val="windowText" lastClr="000000"/>
-                </a:solidFill>
-                <a:latin typeface="Calibri"/>
-                <a:cs typeface="Calibri"/>
-              </a:rPr>
-              <a:t>: 1</a:t>
-            </a:r>
-            <a:r>
-              <a:rPr lang="ko-KR" altLang="en-US" sz="1200" b="1" kern="0" spc="-50" dirty="0">
-                <a:solidFill>
-                  <a:sysClr val="windowText" lastClr="000000"/>
-                </a:solidFill>
-                <a:latin typeface="Calibri"/>
-                <a:cs typeface="Calibri"/>
-              </a:rPr>
-              <a:t>시간 </a:t>
-            </a:r>
-            <a:endParaRPr lang="en-US" altLang="ko-KR" sz="1200" b="1" kern="0" spc="-50" dirty="0">
-              <a:solidFill>
-                <a:sysClr val="windowText" lastClr="000000"/>
-              </a:solidFill>
-              <a:latin typeface="Calibri"/>
-              <a:cs typeface="Calibri"/>
-            </a:endParaRPr>
-          </a:p>
-        </p:txBody>
-      </p:sp>
     </p:spTree>
     <p:extLst>
       <p:ext uri="{BB962C8B-B14F-4D97-AF65-F5344CB8AC3E}">
@@ -16309,99 +16688,6 @@
           <a:chExt cx="0" cy="0"/>
         </a:xfrm>
       </p:grpSpPr>
-      <p:sp>
-        <p:nvSpPr>
-          <p:cNvPr id="15" name="object 2">
-            <a:extLst>
-              <a:ext uri="{FF2B5EF4-FFF2-40B4-BE49-F238E27FC236}">
-                <a16:creationId xmlns:a16="http://schemas.microsoft.com/office/drawing/2014/main" id="{63B42C9C-96BB-4869-81D8-DBA87F4A50BB}"/>
-              </a:ext>
-            </a:extLst>
-          </p:cNvPr>
-          <p:cNvSpPr txBox="1">
-            <a:spLocks/>
-          </p:cNvSpPr>
-          <p:nvPr/>
-        </p:nvSpPr>
-        <p:spPr>
-          <a:xfrm>
-            <a:off x="492575" y="391668"/>
-            <a:ext cx="3965125" cy="505267"/>
-          </a:xfrm>
-          <a:prstGeom prst="rect">
-            <a:avLst/>
-          </a:prstGeom>
-        </p:spPr>
-        <p:txBody>
-          <a:bodyPr vert="horz" wrap="square" lIns="0" tIns="12700" rIns="0" bIns="0" rtlCol="0">
-            <a:spAutoFit/>
-          </a:bodyPr>
-          <a:lstStyle>
-            <a:lvl1pPr>
-              <a:defRPr sz="3600" b="1" i="0">
-                <a:solidFill>
-                  <a:schemeClr val="tx1"/>
-                </a:solidFill>
-                <a:latin typeface="Malgun Gothic"/>
-                <a:ea typeface="+mj-ea"/>
-                <a:cs typeface="Malgun Gothic"/>
-              </a:defRPr>
-            </a:lvl1pPr>
-          </a:lstStyle>
-          <a:p>
-            <a:pPr marL="12700" marR="0" lvl="0" indent="0" defTabSz="914400" eaLnBrk="1" fontAlgn="auto" latinLnBrk="0" hangingPunct="1">
-              <a:lnSpc>
-                <a:spcPct val="100000"/>
-              </a:lnSpc>
-              <a:spcBef>
-                <a:spcPts val="100"/>
-              </a:spcBef>
-              <a:spcAft>
-                <a:spcPts val="0"/>
-              </a:spcAft>
-              <a:buClrTx/>
-              <a:buSzTx/>
-              <a:buFontTx/>
-              <a:buNone/>
-              <a:tabLst>
-                <a:tab pos="967740" algn="l"/>
-              </a:tabLst>
-              <a:defRPr/>
-            </a:pPr>
-            <a:r>
-              <a:rPr lang="ko-KR" altLang="en-US" sz="3200" kern="0" spc="-25" dirty="0">
-                <a:solidFill>
-                  <a:srgbClr val="001F60"/>
-                </a:solidFill>
-                <a:ea typeface="맑은 고딕" panose="020B0503020000020004" pitchFamily="50" charset="-127"/>
-              </a:rPr>
-              <a:t>일사량 </a:t>
-            </a:r>
-            <a:r>
-              <a:rPr lang="ko-KR" altLang="en-US" sz="3200" kern="0" spc="-25">
-                <a:solidFill>
-                  <a:srgbClr val="001F60"/>
-                </a:solidFill>
-                <a:ea typeface="맑은 고딕" panose="020B0503020000020004" pitchFamily="50" charset="-127"/>
-              </a:rPr>
-              <a:t>예측 모델링</a:t>
-            </a:r>
-            <a:endParaRPr kumimoji="0" lang="ko-KR" altLang="en-US" sz="3200" b="1" i="0" u="none" strike="noStrike" kern="0" cap="none" spc="0" normalizeH="0" baseline="0" noProof="0" dirty="0">
-              <a:ln>
-                <a:noFill/>
-              </a:ln>
-              <a:solidFill>
-                <a:sysClr val="windowText" lastClr="000000"/>
-              </a:solidFill>
-              <a:effectLst/>
-              <a:uLnTx/>
-              <a:uFillTx/>
-              <a:latin typeface="Malgun Gothic"/>
-              <a:ea typeface="맑은 고딕" panose="020B0503020000020004" pitchFamily="50" charset="-127"/>
-            </a:endParaRPr>
-          </a:p>
-        </p:txBody>
-      </p:sp>
       <p:sp>
         <p:nvSpPr>
           <p:cNvPr id="16" name="object 3">
@@ -16784,98 +17070,6 @@
           </a:p>
         </p:txBody>
       </p:sp>
-      <p:grpSp>
-        <p:nvGrpSpPr>
-          <p:cNvPr id="12" name="그룹 11">
-            <a:extLst>
-              <a:ext uri="{FF2B5EF4-FFF2-40B4-BE49-F238E27FC236}">
-                <a16:creationId xmlns:a16="http://schemas.microsoft.com/office/drawing/2014/main" id="{69A03454-59BD-4D91-98B6-E4A07A575B96}"/>
-              </a:ext>
-            </a:extLst>
-          </p:cNvPr>
-          <p:cNvGrpSpPr/>
-          <p:nvPr/>
-        </p:nvGrpSpPr>
-        <p:grpSpPr>
-          <a:xfrm>
-            <a:off x="9250532" y="6219306"/>
-            <a:ext cx="2776842" cy="457642"/>
-            <a:chOff x="8473734" y="6091284"/>
-            <a:chExt cx="3553640" cy="585664"/>
-          </a:xfrm>
-        </p:grpSpPr>
-        <p:pic>
-          <p:nvPicPr>
-            <p:cNvPr id="13" name="그림 12">
-              <a:extLst>
-                <a:ext uri="{FF2B5EF4-FFF2-40B4-BE49-F238E27FC236}">
-                  <a16:creationId xmlns:a16="http://schemas.microsoft.com/office/drawing/2014/main" id="{2A944B4D-367A-4D10-A6B4-49EBC050AA29}"/>
-                </a:ext>
-              </a:extLst>
-            </p:cNvPr>
-            <p:cNvPicPr>
-              <a:picLocks noChangeAspect="1"/>
-            </p:cNvPicPr>
-            <p:nvPr/>
-          </p:nvPicPr>
-          <p:blipFill rotWithShape="1">
-            <a:blip r:embed="rId3">
-              <a:extLst>
-                <a:ext uri="{28A0092B-C50C-407E-A947-70E740481C1C}">
-                  <a14:useLocalDpi xmlns:a14="http://schemas.microsoft.com/office/drawing/2010/main" val="0"/>
-                </a:ext>
-              </a:extLst>
-            </a:blip>
-            <a:srcRect l="74535" t="3851" r="5686" b="50143"/>
-            <a:stretch/>
-          </p:blipFill>
-          <p:spPr>
-            <a:xfrm>
-              <a:off x="8473734" y="6091284"/>
-              <a:ext cx="1353669" cy="585664"/>
-            </a:xfrm>
-            <a:prstGeom prst="rect">
-              <a:avLst/>
-            </a:prstGeom>
-          </p:spPr>
-        </p:pic>
-        <p:pic>
-          <p:nvPicPr>
-            <p:cNvPr id="14" name="그림 13">
-              <a:extLst>
-                <a:ext uri="{FF2B5EF4-FFF2-40B4-BE49-F238E27FC236}">
-                  <a16:creationId xmlns:a16="http://schemas.microsoft.com/office/drawing/2014/main" id="{FC4B0508-80C0-4FFE-90B4-7E66E11A74B4}"/>
-                </a:ext>
-              </a:extLst>
-            </p:cNvPr>
-            <p:cNvPicPr>
-              <a:picLocks noChangeAspect="1"/>
-            </p:cNvPicPr>
-            <p:nvPr/>
-          </p:nvPicPr>
-          <p:blipFill>
-            <a:blip r:embed="rId4" cstate="hqprint">
-              <a:extLst>
-                <a:ext uri="{28A0092B-C50C-407E-A947-70E740481C1C}">
-                  <a14:useLocalDpi xmlns:a14="http://schemas.microsoft.com/office/drawing/2010/main" val="0"/>
-                </a:ext>
-              </a:extLst>
-            </a:blip>
-            <a:stretch>
-              <a:fillRect/>
-            </a:stretch>
-          </p:blipFill>
-          <p:spPr>
-            <a:xfrm>
-              <a:off x="9827403" y="6172124"/>
-              <a:ext cx="2199971" cy="423985"/>
-            </a:xfrm>
-            <a:prstGeom prst="rect">
-              <a:avLst/>
-            </a:prstGeom>
-          </p:spPr>
-        </p:pic>
-      </p:grpSp>
       <p:sp>
         <p:nvSpPr>
           <p:cNvPr id="18" name="직사각형 17">
@@ -17089,7 +17283,7 @@
             <p:nvPr/>
           </p:nvPicPr>
           <p:blipFill rotWithShape="1">
-            <a:blip r:embed="rId5"/>
+            <a:blip r:embed="rId3"/>
             <a:srcRect b="12612"/>
             <a:stretch/>
           </p:blipFill>
@@ -17140,6 +17334,200 @@
           </p:txBody>
         </p:sp>
       </p:grpSp>
+      <p:sp>
+        <p:nvSpPr>
+          <p:cNvPr id="2" name="슬라이드 번호 개체 틀 1">
+            <a:extLst>
+              <a:ext uri="{FF2B5EF4-FFF2-40B4-BE49-F238E27FC236}">
+                <a16:creationId xmlns:a16="http://schemas.microsoft.com/office/drawing/2014/main" id="{C7B0EB81-A489-4104-9752-A006A23DB1C3}"/>
+              </a:ext>
+            </a:extLst>
+          </p:cNvPr>
+          <p:cNvSpPr>
+            <a:spLocks noGrp="1"/>
+          </p:cNvSpPr>
+          <p:nvPr>
+            <p:ph type="sldNum" sz="quarter" idx="12"/>
+          </p:nvPr>
+        </p:nvSpPr>
+        <p:spPr/>
+        <p:txBody>
+          <a:bodyPr/>
+          <a:lstStyle/>
+          <a:p>
+            <a:fld id="{03C1276A-B16E-4219-8EB0-2243FF9FC212}" type="slidenum">
+              <a:rPr lang="ko-KR" altLang="en-US" smtClean="0"/>
+              <a:t>9</a:t>
+            </a:fld>
+            <a:endParaRPr lang="ko-KR" altLang="en-US"/>
+          </a:p>
+        </p:txBody>
+      </p:sp>
+      <p:grpSp>
+        <p:nvGrpSpPr>
+          <p:cNvPr id="22" name="그룹 21">
+            <a:extLst>
+              <a:ext uri="{FF2B5EF4-FFF2-40B4-BE49-F238E27FC236}">
+                <a16:creationId xmlns:a16="http://schemas.microsoft.com/office/drawing/2014/main" id="{739FF9D7-1961-4E60-8E25-302787F79103}"/>
+              </a:ext>
+            </a:extLst>
+          </p:cNvPr>
+          <p:cNvGrpSpPr/>
+          <p:nvPr/>
+        </p:nvGrpSpPr>
+        <p:grpSpPr>
+          <a:xfrm>
+            <a:off x="9250532" y="6093576"/>
+            <a:ext cx="2776842" cy="457642"/>
+            <a:chOff x="8473734" y="6091284"/>
+            <a:chExt cx="3553640" cy="585664"/>
+          </a:xfrm>
+        </p:grpSpPr>
+        <p:pic>
+          <p:nvPicPr>
+            <p:cNvPr id="23" name="그림 22">
+              <a:extLst>
+                <a:ext uri="{FF2B5EF4-FFF2-40B4-BE49-F238E27FC236}">
+                  <a16:creationId xmlns:a16="http://schemas.microsoft.com/office/drawing/2014/main" id="{9834C8FC-5072-4124-8A37-C63812157C63}"/>
+                </a:ext>
+              </a:extLst>
+            </p:cNvPr>
+            <p:cNvPicPr>
+              <a:picLocks noChangeAspect="1"/>
+            </p:cNvPicPr>
+            <p:nvPr/>
+          </p:nvPicPr>
+          <p:blipFill rotWithShape="1">
+            <a:blip r:embed="rId4">
+              <a:extLst>
+                <a:ext uri="{28A0092B-C50C-407E-A947-70E740481C1C}">
+                  <a14:useLocalDpi xmlns:a14="http://schemas.microsoft.com/office/drawing/2010/main" val="0"/>
+                </a:ext>
+              </a:extLst>
+            </a:blip>
+            <a:srcRect l="74535" t="3851" r="5686" b="50143"/>
+            <a:stretch/>
+          </p:blipFill>
+          <p:spPr>
+            <a:xfrm>
+              <a:off x="8473734" y="6091284"/>
+              <a:ext cx="1353669" cy="585664"/>
+            </a:xfrm>
+            <a:prstGeom prst="rect">
+              <a:avLst/>
+            </a:prstGeom>
+          </p:spPr>
+        </p:pic>
+        <p:pic>
+          <p:nvPicPr>
+            <p:cNvPr id="24" name="그림 23">
+              <a:extLst>
+                <a:ext uri="{FF2B5EF4-FFF2-40B4-BE49-F238E27FC236}">
+                  <a16:creationId xmlns:a16="http://schemas.microsoft.com/office/drawing/2014/main" id="{011296EE-9E12-4788-B4C0-363C79658FD8}"/>
+                </a:ext>
+              </a:extLst>
+            </p:cNvPr>
+            <p:cNvPicPr>
+              <a:picLocks noChangeAspect="1"/>
+            </p:cNvPicPr>
+            <p:nvPr/>
+          </p:nvPicPr>
+          <p:blipFill>
+            <a:blip r:embed="rId5" cstate="hqprint">
+              <a:extLst>
+                <a:ext uri="{28A0092B-C50C-407E-A947-70E740481C1C}">
+                  <a14:useLocalDpi xmlns:a14="http://schemas.microsoft.com/office/drawing/2010/main" val="0"/>
+                </a:ext>
+              </a:extLst>
+            </a:blip>
+            <a:stretch>
+              <a:fillRect/>
+            </a:stretch>
+          </p:blipFill>
+          <p:spPr>
+            <a:xfrm>
+              <a:off x="9827403" y="6172124"/>
+              <a:ext cx="2199971" cy="423985"/>
+            </a:xfrm>
+            <a:prstGeom prst="rect">
+              <a:avLst/>
+            </a:prstGeom>
+          </p:spPr>
+        </p:pic>
+      </p:grpSp>
+      <p:sp>
+        <p:nvSpPr>
+          <p:cNvPr id="25" name="object 2">
+            <a:extLst>
+              <a:ext uri="{FF2B5EF4-FFF2-40B4-BE49-F238E27FC236}">
+                <a16:creationId xmlns:a16="http://schemas.microsoft.com/office/drawing/2014/main" id="{43C16904-9A99-4BD2-9F44-3E2B105B40E3}"/>
+              </a:ext>
+            </a:extLst>
+          </p:cNvPr>
+          <p:cNvSpPr txBox="1">
+            <a:spLocks/>
+          </p:cNvSpPr>
+          <p:nvPr/>
+        </p:nvSpPr>
+        <p:spPr>
+          <a:xfrm>
+            <a:off x="492575" y="391668"/>
+            <a:ext cx="4638718" cy="505267"/>
+          </a:xfrm>
+          <a:prstGeom prst="rect">
+            <a:avLst/>
+          </a:prstGeom>
+        </p:spPr>
+        <p:txBody>
+          <a:bodyPr vert="horz" wrap="square" lIns="0" tIns="12700" rIns="0" bIns="0" rtlCol="0">
+            <a:spAutoFit/>
+          </a:bodyPr>
+          <a:lstStyle>
+            <a:lvl1pPr>
+              <a:defRPr sz="3600" b="1" i="0">
+                <a:solidFill>
+                  <a:schemeClr val="tx1"/>
+                </a:solidFill>
+                <a:latin typeface="Malgun Gothic"/>
+                <a:ea typeface="+mj-ea"/>
+                <a:cs typeface="Malgun Gothic"/>
+              </a:defRPr>
+            </a:lvl1pPr>
+          </a:lstStyle>
+          <a:p>
+            <a:pPr marL="12700" lvl="0" latinLnBrk="0">
+              <a:spcBef>
+                <a:spcPts val="100"/>
+              </a:spcBef>
+              <a:tabLst>
+                <a:tab pos="967740" algn="l"/>
+              </a:tabLst>
+              <a:defRPr/>
+            </a:pPr>
+            <a:r>
+              <a:rPr lang="ko-KR" altLang="en-US" sz="3200" kern="0" spc="-25" dirty="0">
+                <a:solidFill>
+                  <a:srgbClr val="001F60"/>
+                </a:solidFill>
+              </a:rPr>
+              <a:t>일사량 예측 모델링 </a:t>
+            </a:r>
+            <a:r>
+              <a:rPr lang="en-US" altLang="ko-KR" sz="3200" kern="0" spc="-25" dirty="0">
+                <a:solidFill>
+                  <a:srgbClr val="001F60"/>
+                </a:solidFill>
+              </a:rPr>
+              <a:t>(2/4)</a:t>
+            </a:r>
+            <a:endParaRPr lang="ko-KR" altLang="en-US" sz="3200" kern="0" spc="-25" dirty="0">
+              <a:solidFill>
+                <a:srgbClr val="001F60"/>
+              </a:solidFill>
+            </a:endParaRPr>
+          </a:p>
+        </p:txBody>
+      </p:sp>
     </p:spTree>
     <p:extLst>
       <p:ext uri="{BB962C8B-B14F-4D97-AF65-F5344CB8AC3E}">

--- a/KICS_PT/[KICS] 모델 poster.pptx
+++ b/KICS_PT/[KICS] 모델 poster.pptx
@@ -699,7 +699,7 @@
             </a:r>
             <a:r>
               <a:rPr lang="en-US" altLang="ko-KR" dirty="0"/>
-              <a:t>2020</a:t>
+              <a:t>2019</a:t>
             </a:r>
             <a:r>
               <a:rPr lang="ko-KR" altLang="en-US" dirty="0"/>
@@ -844,22 +844,82 @@
           <a:p>
             <a:r>
               <a:rPr lang="ko-KR" altLang="en-US" dirty="0"/>
-              <a:t>저희 연구에서 사용한 모델은 </a:t>
+              <a:t>저희는 데이터에서 발생할 수 있는 시계열 성분을 </a:t>
             </a:r>
             <a:r>
               <a:rPr lang="ko-KR" altLang="en-US" dirty="0" err="1"/>
-              <a:t>랜덤포레스트로</a:t>
+              <a:t>랜덤포레스</a:t>
             </a:r>
             <a:r>
               <a:rPr lang="ko-KR" altLang="en-US" dirty="0"/>
+              <a:t> 모델을 사용해서 해결했습니다</a:t>
+            </a:r>
+            <a:r>
+              <a:rPr lang="en-US" altLang="ko-KR" dirty="0"/>
+              <a:t>.</a:t>
+            </a:r>
+          </a:p>
+          <a:p>
+            <a:endParaRPr lang="en-US" altLang="ko-KR" dirty="0"/>
+          </a:p>
+          <a:p>
+            <a:r>
+              <a:rPr lang="ko-KR" altLang="en-US" dirty="0"/>
+              <a:t>본 연구에서는 데이터에서 발생할 수 있는 계절적인 성분인 시계열 성분을 </a:t>
+            </a:r>
+            <a:r>
+              <a:rPr lang="ko-KR" altLang="en-US" dirty="0" err="1"/>
+              <a:t>랜덤포레스트</a:t>
+            </a:r>
+            <a:r>
+              <a:rPr lang="ko-KR" altLang="en-US" dirty="0"/>
+              <a:t> 모델을 사용해 고려하지 않도록 했고</a:t>
+            </a:r>
+            <a:r>
+              <a:rPr lang="en-US" altLang="ko-KR" dirty="0"/>
+              <a:t>, </a:t>
+            </a:r>
+          </a:p>
+          <a:p>
+            <a:r>
+              <a:rPr lang="ko-KR" altLang="en-US" dirty="0"/>
+              <a:t>변수 중요도는 지니 불순도로 분기되도록 했습니다</a:t>
+            </a:r>
+            <a:r>
+              <a:rPr lang="en-US" altLang="ko-KR" dirty="0"/>
+              <a:t>. </a:t>
+            </a:r>
+          </a:p>
+          <a:p>
+            <a:r>
+              <a:rPr lang="en-US" altLang="ko-KR" dirty="0"/>
               <a:t> </a:t>
             </a:r>
-            <a:endParaRPr lang="en-US" altLang="ko-KR" dirty="0"/>
           </a:p>
           <a:p>
             <a:r>
               <a:rPr lang="ko-KR" altLang="en-US" dirty="0"/>
-              <a:t>시계열 성분을 고려하지 않아</a:t>
+              <a:t>마지막으로 대전의 하루</a:t>
+            </a:r>
+            <a:r>
+              <a:rPr lang="en-US" altLang="ko-KR" dirty="0"/>
+              <a:t>. </a:t>
+            </a:r>
+            <a:r>
+              <a:rPr lang="ko-KR" altLang="en-US" dirty="0"/>
+              <a:t>원 </a:t>
+            </a:r>
+            <a:r>
+              <a:rPr lang="ko-KR" altLang="en-US" dirty="0" err="1"/>
+              <a:t>데이를</a:t>
+            </a:r>
+            <a:r>
+              <a:rPr lang="ko-KR" altLang="en-US" dirty="0"/>
+              <a:t> 정확하게 예측하기 위해서 슬라이딩 윈도우 방식을 사용했습니다</a:t>
+            </a:r>
+            <a:r>
+              <a:rPr lang="en-US" altLang="ko-KR" dirty="0"/>
+              <a:t>. </a:t>
             </a:r>
           </a:p>
         </p:txBody>
@@ -946,6 +1006,19 @@
           <a:p>
             <a:r>
               <a:rPr lang="ko-KR" altLang="en-US" dirty="0"/>
+              <a:t>실험 및 결과입니다</a:t>
+            </a:r>
+            <a:r>
+              <a:rPr lang="en-US" altLang="ko-KR" dirty="0"/>
+              <a:t>. </a:t>
+            </a:r>
+          </a:p>
+          <a:p>
+            <a:endParaRPr lang="en-US" altLang="ko-KR" dirty="0"/>
+          </a:p>
+          <a:p>
+            <a:r>
+              <a:rPr lang="ko-KR" altLang="en-US" dirty="0"/>
               <a:t>예측 정확성 평가 지표에서 </a:t>
             </a:r>
             <a:endParaRPr lang="en-US" altLang="ko-KR" dirty="0"/>
@@ -1511,11 +1584,7 @@
           <a:p>
             <a:r>
               <a:rPr lang="ko-KR" altLang="en-US" dirty="0"/>
-              <a:t>먼저 연구 배경과 목적을 </a:t>
-            </a:r>
-            <a:r>
-              <a:rPr lang="ko-KR" altLang="en-US" dirty="0" err="1"/>
-              <a:t>설명드리고</a:t>
+              <a:t>먼저 연구 배경과 목적을 설명하고</a:t>
             </a:r>
             <a:r>
               <a:rPr lang="en-US" altLang="ko-KR" dirty="0"/>
@@ -1648,7 +1717,7 @@
           <a:p>
             <a:r>
               <a:rPr lang="ko-KR" altLang="en-US" dirty="0"/>
-              <a:t>최근 화석연료 사용으로 인한 온실가스 배출량의 감소를 줄이기 위해 신재생 에너지 발전의 중요성이 강조되고 있는 현황이며</a:t>
+              <a:t>최근 화석연료 사용으로 온실가스 배출량을 줄이기 위해 신재생 에너지 발전의 중요성이 강조되고 있는 현황이며</a:t>
             </a:r>
             <a:r>
               <a:rPr lang="en-US" altLang="ko-KR" dirty="0"/>
@@ -1749,7 +1818,7 @@
           <a:p>
             <a:r>
               <a:rPr lang="ko-KR" altLang="en-US" dirty="0"/>
-              <a:t>특히 신재생 에너지 중에서도</a:t>
+              <a:t>특히 태양광 발전 시스템은 신재생 에너지 중에서도</a:t>
             </a:r>
             <a:r>
               <a:rPr lang="en-US" altLang="ko-KR" dirty="0"/>
@@ -1757,7 +1826,7 @@
             </a:r>
             <a:r>
               <a:rPr lang="ko-KR" altLang="en-US" dirty="0"/>
-              <a:t>태양광 발전 시스템은 자연 친화적이며 재생가능한 에너지로 알려져 있습니다</a:t>
+              <a:t>자연 친화적이며 재생가능한 에너지로 알려져 있습니다</a:t>
             </a:r>
             <a:r>
               <a:rPr lang="en-US" altLang="ko-KR" dirty="0"/>
@@ -1795,7 +1864,7 @@
             </a:r>
             <a:r>
               <a:rPr lang="ko-KR" altLang="en-US" dirty="0"/>
-              <a:t>에 연구 조사에 따르면 세계적으로도 태양광 </a:t>
+              <a:t> 연구 조사에 따르면 세계적으로도 태양광 </a:t>
             </a:r>
             <a:r>
               <a:rPr lang="ko-KR" altLang="en-US" dirty="0" err="1"/>
@@ -1905,16 +1974,36 @@
             </a:r>
           </a:p>
           <a:p>
+            <a:endParaRPr lang="en-US" altLang="ko-KR" dirty="0"/>
+          </a:p>
+          <a:p>
             <a:r>
               <a:rPr lang="ko-KR" altLang="en-US" dirty="0"/>
-              <a:t>태양광 발전 시스템은 미래 일사량 정보를 바탕으로 에너지 운영 계획을 수립하기 때문에 </a:t>
+              <a:t>태양광 발전 시스템은 미래 일사량 정보를 바탕으로 </a:t>
             </a:r>
             <a:endParaRPr lang="en-US" altLang="ko-KR" dirty="0"/>
           </a:p>
           <a:p>
             <a:r>
               <a:rPr lang="ko-KR" altLang="en-US" dirty="0"/>
-              <a:t>발전 시스템을 효율적으로 운영하기 위해서는 사전에 정확한 일사량을 예측하는 것이 중요합니다</a:t>
+              <a:t>에너지 운영 계획을 수립하기 때문에 </a:t>
+            </a:r>
+            <a:endParaRPr lang="en-US" altLang="ko-KR" dirty="0"/>
+          </a:p>
+          <a:p>
+            <a:endParaRPr lang="en-US" altLang="ko-KR" dirty="0"/>
+          </a:p>
+          <a:p>
+            <a:r>
+              <a:rPr lang="ko-KR" altLang="en-US" dirty="0"/>
+              <a:t>발전 시스템을 효율적으로 운영하기 위해서는  </a:t>
+            </a:r>
+            <a:endParaRPr lang="en-US" altLang="ko-KR" dirty="0"/>
+          </a:p>
+          <a:p>
+            <a:r>
+              <a:rPr lang="ko-KR" altLang="en-US" dirty="0"/>
+              <a:t>사전에 정확한 일사량을 예측하는 것이 중요합니다</a:t>
             </a:r>
             <a:r>
               <a:rPr lang="en-US" altLang="ko-KR" dirty="0"/>
@@ -1944,9 +2033,6 @@
               <a:rPr lang="en-US" altLang="ko-KR" dirty="0"/>
               <a:t>. </a:t>
             </a:r>
-          </a:p>
-          <a:p>
-            <a:endParaRPr lang="en-US" altLang="ko-KR" dirty="0"/>
           </a:p>
           <a:p>
             <a:endParaRPr lang="ko-KR" altLang="en-US" dirty="0"/>
@@ -2035,30 +2121,14 @@
           <a:p>
             <a:r>
               <a:rPr lang="ko-KR" altLang="en-US" dirty="0"/>
-              <a:t>위 표는 일사량 </a:t>
-            </a:r>
-            <a:r>
-              <a:rPr lang="ko-KR" altLang="en-US" dirty="0" err="1"/>
-              <a:t>일사량</a:t>
-            </a:r>
+              <a:t>위 표는 일사량을 예측한 연구논문으로 </a:t>
+            </a:r>
+            <a:endParaRPr lang="en-US" altLang="ko-KR" dirty="0"/>
+          </a:p>
+          <a:p>
             <a:r>
               <a:rPr lang="ko-KR" altLang="en-US" dirty="0"/>
-              <a:t> 예측을 위한 </a:t>
-            </a:r>
-            <a:r>
-              <a:rPr lang="ko-KR" altLang="en-US" dirty="0" err="1"/>
-              <a:t>연구자료이며</a:t>
-            </a:r>
-            <a:r>
-              <a:rPr lang="ko-KR" altLang="en-US" dirty="0"/>
-              <a:t> </a:t>
-            </a:r>
-            <a:endParaRPr lang="en-US" altLang="ko-KR" dirty="0"/>
-          </a:p>
-          <a:p>
-            <a:r>
-              <a:rPr lang="ko-KR" altLang="en-US" dirty="0"/>
-              <a:t>정확한 단기 일사량을 예측하기 위해 기계학습을 기반으로 한 연구가 활발히 진행되고 있음을 알 수 있습니다</a:t>
+              <a:t>정확한 단기 일사량을 예측하기 위해 기계학습을 기반으로 연구가 활발히 진행되고 있음을 알 수 있습니다</a:t>
             </a:r>
             <a:r>
               <a:rPr lang="en-US" altLang="ko-KR" dirty="0"/>
@@ -2162,7 +2232,7 @@
           <a:p>
             <a:r>
               <a:rPr lang="ko-KR" altLang="en-US" dirty="0"/>
-              <a:t>저희 연구에서는 초기 태양광 발전 시스템을 도입하는 지역에서 일사량 정보가 부족하다는 가정하에 진행됐습니다</a:t>
+              <a:t>저희 연구에서는 초기 태양광 발전 시스템을 도입하는 지역에 일사량 정보가 부족하다는 가정을 두고 진행했습니다</a:t>
             </a:r>
             <a:r>
               <a:rPr lang="en-US" altLang="ko-KR" dirty="0"/>
@@ -2176,7 +2246,7 @@
             </a:r>
             <a:r>
               <a:rPr lang="en-US" altLang="ko-KR" dirty="0"/>
-              <a:t>, </a:t>
+              <a:t>,</a:t>
             </a:r>
           </a:p>
           <a:p>
@@ -2475,7 +2545,14 @@
           <a:p>
             <a:r>
               <a:rPr lang="ko-KR" altLang="en-US" dirty="0"/>
-              <a:t>전이 학습을 이용한 다단계 일사량 예측 방식 모델을 제안하기 위해 </a:t>
+              <a:t>전이 학습을 이용한 </a:t>
+            </a:r>
+            <a:endParaRPr lang="en-US" altLang="ko-KR" dirty="0"/>
+          </a:p>
+          <a:p>
+            <a:r>
+              <a:rPr lang="ko-KR" altLang="en-US" dirty="0"/>
+              <a:t>다단계 일사량 예측 방식 모델을 제안하기 위해 </a:t>
             </a:r>
             <a:endParaRPr lang="en-US" altLang="ko-KR" dirty="0"/>
           </a:p>

--- a/KICS_PT/[KICS] 모델 poster.pptx
+++ b/KICS_PT/[KICS] 모델 poster.pptx
@@ -844,27 +844,6 @@
           <a:p>
             <a:r>
               <a:rPr lang="ko-KR" altLang="en-US" dirty="0"/>
-              <a:t>저희는 데이터에서 발생할 수 있는 시계열 성분을 </a:t>
-            </a:r>
-            <a:r>
-              <a:rPr lang="ko-KR" altLang="en-US" dirty="0" err="1"/>
-              <a:t>랜덤포레스</a:t>
-            </a:r>
-            <a:r>
-              <a:rPr lang="ko-KR" altLang="en-US" dirty="0"/>
-              <a:t> 모델을 사용해서 해결했습니다</a:t>
-            </a:r>
-            <a:r>
-              <a:rPr lang="en-US" altLang="ko-KR" dirty="0"/>
-              <a:t>.</a:t>
-            </a:r>
-          </a:p>
-          <a:p>
-            <a:endParaRPr lang="en-US" altLang="ko-KR" dirty="0"/>
-          </a:p>
-          <a:p>
-            <a:r>
-              <a:rPr lang="ko-KR" altLang="en-US" dirty="0"/>
               <a:t>본 연구에서는 데이터에서 발생할 수 있는 계절적인 성분인 시계열 성분을 </a:t>
             </a:r>
             <a:r>
@@ -1198,6 +1177,9 @@
             </a:r>
           </a:p>
           <a:p>
+            <a:endParaRPr lang="en-US" altLang="ko-KR" dirty="0"/>
+          </a:p>
+          <a:p>
             <a:r>
               <a:rPr lang="ko-KR" altLang="en-US" dirty="0"/>
               <a:t>본 논문에서 제안한 전이 학습 기반의 모델 성능을 비교한 결과 </a:t>
@@ -1207,12 +1189,53 @@
           <a:p>
             <a:r>
               <a:rPr lang="ko-KR" altLang="en-US" dirty="0"/>
-              <a:t>기존 모델인 </a:t>
-            </a:r>
+              <a:t>기존 타겟 데이터의 해당 시점과</a:t>
+            </a:r>
+            <a:r>
+              <a:rPr lang="en-US" altLang="ko-KR" dirty="0"/>
+              <a:t>/</a:t>
+            </a:r>
+            <a:r>
+              <a:rPr lang="ko-KR" altLang="en-US" dirty="0"/>
+              <a:t> 그 다음날의 시점이 동일하다고 가정한 비교모델 보다 </a:t>
+            </a:r>
+            <a:r>
+              <a:rPr lang="en-US" altLang="ko-KR" dirty="0"/>
+              <a:t>RMSE </a:t>
+            </a:r>
+            <a:r>
+              <a:rPr lang="ko-KR" altLang="en-US" dirty="0"/>
+              <a:t>수치가 작은 것을 확인할 수 있어</a:t>
+            </a:r>
+            <a:r>
+              <a:rPr lang="en-US" altLang="ko-KR" dirty="0"/>
+              <a:t>,</a:t>
+            </a:r>
+          </a:p>
+          <a:p>
+            <a:r>
+              <a:rPr lang="ko-KR" altLang="en-US" dirty="0"/>
+              <a:t>제안 모델의 적용 가능성을 확인할 수 있었습니다</a:t>
+            </a:r>
+            <a:r>
+              <a:rPr lang="en-US" altLang="ko-KR" dirty="0"/>
+              <a:t>. </a:t>
+            </a:r>
+          </a:p>
+          <a:p>
             <a:endParaRPr lang="en-US" altLang="ko-KR" dirty="0"/>
           </a:p>
           <a:p>
-            <a:endParaRPr lang="ko-KR" altLang="en-US" dirty="0"/>
+            <a:endParaRPr lang="en-US" altLang="ko-KR" dirty="0"/>
+          </a:p>
+          <a:p>
+            <a:endParaRPr lang="en-US" altLang="ko-KR" dirty="0"/>
+          </a:p>
+          <a:p>
+            <a:endParaRPr lang="en-US" altLang="ko-KR" dirty="0"/>
+          </a:p>
+          <a:p>
+            <a:endParaRPr lang="en-US" altLang="ko-KR" dirty="0"/>
           </a:p>
         </p:txBody>
       </p:sp>
@@ -2429,7 +2452,7 @@
           <a:p>
             <a:r>
               <a:rPr lang="ko-KR" altLang="en-US" dirty="0"/>
-              <a:t>입력 변수는 타겟 변수인 일사량을 제외한 </a:t>
+              <a:t>입력 변수는 타겟 변수인 일사량을 제외한 총 </a:t>
             </a:r>
             <a:r>
               <a:rPr lang="en-US" altLang="ko-KR" dirty="0"/>
@@ -2437,7 +2460,7 @@
             </a:r>
             <a:r>
               <a:rPr lang="ko-KR" altLang="en-US" dirty="0"/>
-              <a:t>개 변수로 입력 변수를 구성했습니다</a:t>
+              <a:t>개로 입력 변수를 구성했습니다</a:t>
             </a:r>
             <a:r>
               <a:rPr lang="en-US" altLang="ko-KR" dirty="0"/>
@@ -2552,7 +2575,7 @@
           <a:p>
             <a:r>
               <a:rPr lang="ko-KR" altLang="en-US" dirty="0"/>
-              <a:t>다단계 일사량 예측 방식 모델을 제안하기 위해 </a:t>
+              <a:t>다단계 일사량 예측 모델을 제안하기 위해 </a:t>
             </a:r>
             <a:endParaRPr lang="en-US" altLang="ko-KR" dirty="0"/>
           </a:p>

--- a/KICS_PT/[KICS] 모델 poster.pptx
+++ b/KICS_PT/[KICS] 모델 poster.pptx
@@ -211,7 +211,7 @@
           <a:p>
             <a:fld id="{6F87F997-1D79-4E07-87A6-34279F62842B}" type="datetimeFigureOut">
               <a:rPr lang="ko-KR" altLang="en-US" smtClean="0"/>
-              <a:t>2022-11-15</a:t>
+              <a:t>2022-11-16</a:t>
             </a:fld>
             <a:endParaRPr lang="ko-KR" altLang="en-US"/>
           </a:p>
@@ -681,7 +681,7 @@
             </a:r>
             <a:r>
               <a:rPr lang="ko-KR" altLang="en-US" dirty="0"/>
-              <a:t>시 까지의 일사량을 예측하고 싶다면</a:t>
+              <a:t>시 까지의 일사량을 예측한다 가정하면</a:t>
             </a:r>
             <a:r>
               <a:rPr lang="en-US" altLang="ko-KR" dirty="0"/>
@@ -844,7 +844,7 @@
           <a:p>
             <a:r>
               <a:rPr lang="ko-KR" altLang="en-US" dirty="0"/>
-              <a:t>본 연구에서는 데이터에서 발생할 수 있는 계절적인 성분인 시계열 성분을 </a:t>
+              <a:t>본 연구에서는 데이터에서 발생할 수 있는 계절성을 띄는 시계열 성분을 </a:t>
             </a:r>
             <a:r>
               <a:rPr lang="ko-KR" altLang="en-US" dirty="0" err="1"/>
@@ -1617,7 +1617,11 @@
           <a:p>
             <a:r>
               <a:rPr lang="ko-KR" altLang="en-US" dirty="0"/>
-              <a:t>저희가 본 연구에서 제안하는 일사량 예측 모델링 방법을 세 단계로 나누어 소개하겠습니다</a:t>
+              <a:t>본 연구에서 제안하는 일사량 예측 모델링 방법을 세 단계로 나누어 </a:t>
+            </a:r>
+            <a:r>
+              <a:rPr lang="ko-KR" altLang="en-US" dirty="0" err="1"/>
+              <a:t>설명드리겠습니다</a:t>
             </a:r>
             <a:r>
               <a:rPr lang="en-US" altLang="ko-KR" dirty="0"/>
@@ -2011,7 +2015,10 @@
               <a:rPr lang="ko-KR" altLang="en-US" dirty="0"/>
               <a:t>에너지 운영 계획을 수립하기 때문에 </a:t>
             </a:r>
-            <a:endParaRPr lang="en-US" altLang="ko-KR" dirty="0"/>
+            <a:r>
+              <a:rPr lang="en-US" altLang="ko-KR" dirty="0"/>
+              <a:t>,</a:t>
+            </a:r>
           </a:p>
           <a:p>
             <a:endParaRPr lang="en-US" altLang="ko-KR" dirty="0"/>
@@ -2031,12 +2038,6 @@
             <a:r>
               <a:rPr lang="en-US" altLang="ko-KR" dirty="0"/>
               <a:t>.</a:t>
-            </a:r>
-          </a:p>
-          <a:p>
-            <a:r>
-              <a:rPr lang="en-US" altLang="ko-KR" dirty="0"/>
-              <a:t> </a:t>
             </a:r>
           </a:p>
           <a:p>
@@ -2144,14 +2145,14 @@
           <a:p>
             <a:r>
               <a:rPr lang="ko-KR" altLang="en-US" dirty="0"/>
-              <a:t>위 표는 일사량을 예측한 연구논문으로 </a:t>
+              <a:t>위 표는 일사량을 예측하기 위한 연구논문으로 </a:t>
             </a:r>
             <a:endParaRPr lang="en-US" altLang="ko-KR" dirty="0"/>
           </a:p>
           <a:p>
             <a:r>
               <a:rPr lang="ko-KR" altLang="en-US" dirty="0"/>
-              <a:t>정확한 단기 일사량을 예측하기 위해 기계학습을 기반으로 연구가 활발히 진행되고 있음을 알 수 있습니다</a:t>
+              <a:t>정확한 단기 일사량을 예측하기 위해 기계학습 기반으로 선행 연구가 활발히 진행되고 있음을 알 수 있습니다</a:t>
             </a:r>
             <a:r>
               <a:rPr lang="en-US" altLang="ko-KR" dirty="0"/>
@@ -2619,11 +2620,11 @@
             </a:r>
             <a:r>
               <a:rPr lang="ko-KR" altLang="en-US" dirty="0"/>
-              <a:t>년치 데이터 셋을 결합했습니다</a:t>
+              <a:t>년치 데이터 셋을 결합해 학습 데이터 셋을 구성했습니다</a:t>
             </a:r>
             <a:r>
               <a:rPr lang="en-US" altLang="ko-KR" dirty="0"/>
-              <a:t>. </a:t>
+              <a:t>.</a:t>
             </a:r>
             <a:endParaRPr lang="ko-KR" altLang="en-US" dirty="0"/>
           </a:p>
@@ -2812,7 +2813,7 @@
           <a:p>
             <a:fld id="{4BC751A1-ECC2-4FC0-B302-F0851A2DAF96}" type="datetime1">
               <a:rPr lang="ko-KR" altLang="en-US" smtClean="0"/>
-              <a:t>2022-11-15</a:t>
+              <a:t>2022-11-16</a:t>
             </a:fld>
             <a:endParaRPr lang="ko-KR" altLang="en-US"/>
           </a:p>
@@ -3010,7 +3011,7 @@
           <a:p>
             <a:fld id="{423476F3-FA10-46FF-876F-FD661044B22A}" type="datetime1">
               <a:rPr lang="ko-KR" altLang="en-US" smtClean="0"/>
-              <a:t>2022-11-15</a:t>
+              <a:t>2022-11-16</a:t>
             </a:fld>
             <a:endParaRPr lang="ko-KR" altLang="en-US"/>
           </a:p>
@@ -3218,7 +3219,7 @@
           <a:p>
             <a:fld id="{89A2ADE5-D51E-4229-AB66-C7101E1152BA}" type="datetime1">
               <a:rPr lang="ko-KR" altLang="en-US" smtClean="0"/>
-              <a:t>2022-11-15</a:t>
+              <a:t>2022-11-16</a:t>
             </a:fld>
             <a:endParaRPr lang="ko-KR" altLang="en-US"/>
           </a:p>
@@ -3416,7 +3417,7 @@
           <a:p>
             <a:fld id="{45A19B69-5B14-4E78-BE7F-73BF55FD31EF}" type="datetime1">
               <a:rPr lang="ko-KR" altLang="en-US" smtClean="0"/>
-              <a:t>2022-11-15</a:t>
+              <a:t>2022-11-16</a:t>
             </a:fld>
             <a:endParaRPr lang="ko-KR" altLang="en-US"/>
           </a:p>
@@ -3691,7 +3692,7 @@
           <a:p>
             <a:fld id="{2A0D7CD2-5C3D-4F05-9F6B-B11A1D0D1083}" type="datetime1">
               <a:rPr lang="ko-KR" altLang="en-US" smtClean="0"/>
-              <a:t>2022-11-15</a:t>
+              <a:t>2022-11-16</a:t>
             </a:fld>
             <a:endParaRPr lang="ko-KR" altLang="en-US"/>
           </a:p>
@@ -3956,7 +3957,7 @@
           <a:p>
             <a:fld id="{A78D5097-A977-4D21-8664-50600180C781}" type="datetime1">
               <a:rPr lang="ko-KR" altLang="en-US" smtClean="0"/>
-              <a:t>2022-11-15</a:t>
+              <a:t>2022-11-16</a:t>
             </a:fld>
             <a:endParaRPr lang="ko-KR" altLang="en-US"/>
           </a:p>
@@ -4368,7 +4369,7 @@
           <a:p>
             <a:fld id="{BCF9796C-E5D2-4EC2-8E18-C90D3088C1BD}" type="datetime1">
               <a:rPr lang="ko-KR" altLang="en-US" smtClean="0"/>
-              <a:t>2022-11-15</a:t>
+              <a:t>2022-11-16</a:t>
             </a:fld>
             <a:endParaRPr lang="ko-KR" altLang="en-US"/>
           </a:p>
@@ -4509,7 +4510,7 @@
           <a:p>
             <a:fld id="{F7977E95-61EF-45FD-9014-3EEB368FD2B8}" type="datetime1">
               <a:rPr lang="ko-KR" altLang="en-US" smtClean="0"/>
-              <a:t>2022-11-15</a:t>
+              <a:t>2022-11-16</a:t>
             </a:fld>
             <a:endParaRPr lang="ko-KR" altLang="en-US"/>
           </a:p>
@@ -4622,7 +4623,7 @@
           <a:p>
             <a:fld id="{9EA81D6F-FB04-4E76-A8DA-5F8DE44FB36A}" type="datetime1">
               <a:rPr lang="ko-KR" altLang="en-US" smtClean="0"/>
-              <a:t>2022-11-15</a:t>
+              <a:t>2022-11-16</a:t>
             </a:fld>
             <a:endParaRPr lang="ko-KR" altLang="en-US"/>
           </a:p>
@@ -4933,7 +4934,7 @@
           <a:p>
             <a:fld id="{73EC2E60-9F20-4133-868F-E7C4E4BFBD57}" type="datetime1">
               <a:rPr lang="ko-KR" altLang="en-US" smtClean="0"/>
-              <a:t>2022-11-15</a:t>
+              <a:t>2022-11-16</a:t>
             </a:fld>
             <a:endParaRPr lang="ko-KR" altLang="en-US"/>
           </a:p>
@@ -5221,7 +5222,7 @@
           <a:p>
             <a:fld id="{3CB7E31E-FF16-4439-B212-AC7025F4AAB0}" type="datetime1">
               <a:rPr lang="ko-KR" altLang="en-US" smtClean="0"/>
-              <a:t>2022-11-15</a:t>
+              <a:t>2022-11-16</a:t>
             </a:fld>
             <a:endParaRPr lang="ko-KR" altLang="en-US"/>
           </a:p>
@@ -5462,7 +5463,7 @@
           <a:p>
             <a:fld id="{60352A02-A5CD-4786-B499-4F5D26E953F9}" type="datetime1">
               <a:rPr lang="ko-KR" altLang="en-US" smtClean="0"/>
-              <a:t>2022-11-15</a:t>
+              <a:t>2022-11-16</a:t>
             </a:fld>
             <a:endParaRPr lang="ko-KR" altLang="en-US"/>
           </a:p>
@@ -9195,13 +9196,13 @@
           <p:nvPr>
             <p:extLst>
               <p:ext uri="{D42A27DB-BD31-4B8C-83A1-F6EECF244321}">
-                <p14:modId xmlns:p14="http://schemas.microsoft.com/office/powerpoint/2010/main" val="28112504"/>
+                <p14:modId xmlns:p14="http://schemas.microsoft.com/office/powerpoint/2010/main" val="2045665582"/>
               </p:ext>
             </p:extLst>
           </p:nvPr>
         </p:nvGraphicFramePr>
         <p:xfrm>
-          <a:off x="2258556" y="4275705"/>
+          <a:off x="2258556" y="4252845"/>
           <a:ext cx="7775928" cy="1817872"/>
         </p:xfrm>
         <a:graphic>

--- a/KICS_PT/[KICS] 모델 poster.pptx
+++ b/KICS_PT/[KICS] 모델 poster.pptx
@@ -211,7 +211,7 @@
           <a:p>
             <a:fld id="{6F87F997-1D79-4E07-87A6-34279F62842B}" type="datetimeFigureOut">
               <a:rPr lang="ko-KR" altLang="en-US" smtClean="0"/>
-              <a:t>2022-11-16</a:t>
+              <a:t>2022-11-17</a:t>
             </a:fld>
             <a:endParaRPr lang="ko-KR" altLang="en-US"/>
           </a:p>
@@ -2813,7 +2813,7 @@
           <a:p>
             <a:fld id="{4BC751A1-ECC2-4FC0-B302-F0851A2DAF96}" type="datetime1">
               <a:rPr lang="ko-KR" altLang="en-US" smtClean="0"/>
-              <a:t>2022-11-16</a:t>
+              <a:t>2022-11-17</a:t>
             </a:fld>
             <a:endParaRPr lang="ko-KR" altLang="en-US"/>
           </a:p>
@@ -3011,7 +3011,7 @@
           <a:p>
             <a:fld id="{423476F3-FA10-46FF-876F-FD661044B22A}" type="datetime1">
               <a:rPr lang="ko-KR" altLang="en-US" smtClean="0"/>
-              <a:t>2022-11-16</a:t>
+              <a:t>2022-11-17</a:t>
             </a:fld>
             <a:endParaRPr lang="ko-KR" altLang="en-US"/>
           </a:p>
@@ -3219,7 +3219,7 @@
           <a:p>
             <a:fld id="{89A2ADE5-D51E-4229-AB66-C7101E1152BA}" type="datetime1">
               <a:rPr lang="ko-KR" altLang="en-US" smtClean="0"/>
-              <a:t>2022-11-16</a:t>
+              <a:t>2022-11-17</a:t>
             </a:fld>
             <a:endParaRPr lang="ko-KR" altLang="en-US"/>
           </a:p>
@@ -3417,7 +3417,7 @@
           <a:p>
             <a:fld id="{45A19B69-5B14-4E78-BE7F-73BF55FD31EF}" type="datetime1">
               <a:rPr lang="ko-KR" altLang="en-US" smtClean="0"/>
-              <a:t>2022-11-16</a:t>
+              <a:t>2022-11-17</a:t>
             </a:fld>
             <a:endParaRPr lang="ko-KR" altLang="en-US"/>
           </a:p>
@@ -3692,7 +3692,7 @@
           <a:p>
             <a:fld id="{2A0D7CD2-5C3D-4F05-9F6B-B11A1D0D1083}" type="datetime1">
               <a:rPr lang="ko-KR" altLang="en-US" smtClean="0"/>
-              <a:t>2022-11-16</a:t>
+              <a:t>2022-11-17</a:t>
             </a:fld>
             <a:endParaRPr lang="ko-KR" altLang="en-US"/>
           </a:p>
@@ -3957,7 +3957,7 @@
           <a:p>
             <a:fld id="{A78D5097-A977-4D21-8664-50600180C781}" type="datetime1">
               <a:rPr lang="ko-KR" altLang="en-US" smtClean="0"/>
-              <a:t>2022-11-16</a:t>
+              <a:t>2022-11-17</a:t>
             </a:fld>
             <a:endParaRPr lang="ko-KR" altLang="en-US"/>
           </a:p>
@@ -4369,7 +4369,7 @@
           <a:p>
             <a:fld id="{BCF9796C-E5D2-4EC2-8E18-C90D3088C1BD}" type="datetime1">
               <a:rPr lang="ko-KR" altLang="en-US" smtClean="0"/>
-              <a:t>2022-11-16</a:t>
+              <a:t>2022-11-17</a:t>
             </a:fld>
             <a:endParaRPr lang="ko-KR" altLang="en-US"/>
           </a:p>
@@ -4510,7 +4510,7 @@
           <a:p>
             <a:fld id="{F7977E95-61EF-45FD-9014-3EEB368FD2B8}" type="datetime1">
               <a:rPr lang="ko-KR" altLang="en-US" smtClean="0"/>
-              <a:t>2022-11-16</a:t>
+              <a:t>2022-11-17</a:t>
             </a:fld>
             <a:endParaRPr lang="ko-KR" altLang="en-US"/>
           </a:p>
@@ -4623,7 +4623,7 @@
           <a:p>
             <a:fld id="{9EA81D6F-FB04-4E76-A8DA-5F8DE44FB36A}" type="datetime1">
               <a:rPr lang="ko-KR" altLang="en-US" smtClean="0"/>
-              <a:t>2022-11-16</a:t>
+              <a:t>2022-11-17</a:t>
             </a:fld>
             <a:endParaRPr lang="ko-KR" altLang="en-US"/>
           </a:p>
@@ -4934,7 +4934,7 @@
           <a:p>
             <a:fld id="{73EC2E60-9F20-4133-868F-E7C4E4BFBD57}" type="datetime1">
               <a:rPr lang="ko-KR" altLang="en-US" smtClean="0"/>
-              <a:t>2022-11-16</a:t>
+              <a:t>2022-11-17</a:t>
             </a:fld>
             <a:endParaRPr lang="ko-KR" altLang="en-US"/>
           </a:p>
@@ -5222,7 +5222,7 @@
           <a:p>
             <a:fld id="{3CB7E31E-FF16-4439-B212-AC7025F4AAB0}" type="datetime1">
               <a:rPr lang="ko-KR" altLang="en-US" smtClean="0"/>
-              <a:t>2022-11-16</a:t>
+              <a:t>2022-11-17</a:t>
             </a:fld>
             <a:endParaRPr lang="ko-KR" altLang="en-US"/>
           </a:p>
@@ -5463,7 +5463,7 @@
           <a:p>
             <a:fld id="{60352A02-A5CD-4786-B499-4F5D26E953F9}" type="datetime1">
               <a:rPr lang="ko-KR" altLang="en-US" smtClean="0"/>
-              <a:t>2022-11-16</a:t>
+              <a:t>2022-11-17</a:t>
             </a:fld>
             <a:endParaRPr lang="ko-KR" altLang="en-US"/>
           </a:p>

--- a/KICS_PT/[KICS] 모델 poster.pptx
+++ b/KICS_PT/[KICS] 모델 poster.pptx
@@ -211,7 +211,7 @@
           <a:p>
             <a:fld id="{6F87F997-1D79-4E07-87A6-34279F62842B}" type="datetimeFigureOut">
               <a:rPr lang="ko-KR" altLang="en-US" smtClean="0"/>
-              <a:t>2022-11-17</a:t>
+              <a:t>2022-11-18</a:t>
             </a:fld>
             <a:endParaRPr lang="ko-KR" altLang="en-US"/>
           </a:p>
@@ -2813,7 +2813,7 @@
           <a:p>
             <a:fld id="{4BC751A1-ECC2-4FC0-B302-F0851A2DAF96}" type="datetime1">
               <a:rPr lang="ko-KR" altLang="en-US" smtClean="0"/>
-              <a:t>2022-11-17</a:t>
+              <a:t>2022-11-18</a:t>
             </a:fld>
             <a:endParaRPr lang="ko-KR" altLang="en-US"/>
           </a:p>
@@ -3011,7 +3011,7 @@
           <a:p>
             <a:fld id="{423476F3-FA10-46FF-876F-FD661044B22A}" type="datetime1">
               <a:rPr lang="ko-KR" altLang="en-US" smtClean="0"/>
-              <a:t>2022-11-17</a:t>
+              <a:t>2022-11-18</a:t>
             </a:fld>
             <a:endParaRPr lang="ko-KR" altLang="en-US"/>
           </a:p>
@@ -3219,7 +3219,7 @@
           <a:p>
             <a:fld id="{89A2ADE5-D51E-4229-AB66-C7101E1152BA}" type="datetime1">
               <a:rPr lang="ko-KR" altLang="en-US" smtClean="0"/>
-              <a:t>2022-11-17</a:t>
+              <a:t>2022-11-18</a:t>
             </a:fld>
             <a:endParaRPr lang="ko-KR" altLang="en-US"/>
           </a:p>
@@ -3417,7 +3417,7 @@
           <a:p>
             <a:fld id="{45A19B69-5B14-4E78-BE7F-73BF55FD31EF}" type="datetime1">
               <a:rPr lang="ko-KR" altLang="en-US" smtClean="0"/>
-              <a:t>2022-11-17</a:t>
+              <a:t>2022-11-18</a:t>
             </a:fld>
             <a:endParaRPr lang="ko-KR" altLang="en-US"/>
           </a:p>
@@ -3692,7 +3692,7 @@
           <a:p>
             <a:fld id="{2A0D7CD2-5C3D-4F05-9F6B-B11A1D0D1083}" type="datetime1">
               <a:rPr lang="ko-KR" altLang="en-US" smtClean="0"/>
-              <a:t>2022-11-17</a:t>
+              <a:t>2022-11-18</a:t>
             </a:fld>
             <a:endParaRPr lang="ko-KR" altLang="en-US"/>
           </a:p>
@@ -3957,7 +3957,7 @@
           <a:p>
             <a:fld id="{A78D5097-A977-4D21-8664-50600180C781}" type="datetime1">
               <a:rPr lang="ko-KR" altLang="en-US" smtClean="0"/>
-              <a:t>2022-11-17</a:t>
+              <a:t>2022-11-18</a:t>
             </a:fld>
             <a:endParaRPr lang="ko-KR" altLang="en-US"/>
           </a:p>
@@ -4369,7 +4369,7 @@
           <a:p>
             <a:fld id="{BCF9796C-E5D2-4EC2-8E18-C90D3088C1BD}" type="datetime1">
               <a:rPr lang="ko-KR" altLang="en-US" smtClean="0"/>
-              <a:t>2022-11-17</a:t>
+              <a:t>2022-11-18</a:t>
             </a:fld>
             <a:endParaRPr lang="ko-KR" altLang="en-US"/>
           </a:p>
@@ -4510,7 +4510,7 @@
           <a:p>
             <a:fld id="{F7977E95-61EF-45FD-9014-3EEB368FD2B8}" type="datetime1">
               <a:rPr lang="ko-KR" altLang="en-US" smtClean="0"/>
-              <a:t>2022-11-17</a:t>
+              <a:t>2022-11-18</a:t>
             </a:fld>
             <a:endParaRPr lang="ko-KR" altLang="en-US"/>
           </a:p>
@@ -4623,7 +4623,7 @@
           <a:p>
             <a:fld id="{9EA81D6F-FB04-4E76-A8DA-5F8DE44FB36A}" type="datetime1">
               <a:rPr lang="ko-KR" altLang="en-US" smtClean="0"/>
-              <a:t>2022-11-17</a:t>
+              <a:t>2022-11-18</a:t>
             </a:fld>
             <a:endParaRPr lang="ko-KR" altLang="en-US"/>
           </a:p>
@@ -4934,7 +4934,7 @@
           <a:p>
             <a:fld id="{73EC2E60-9F20-4133-868F-E7C4E4BFBD57}" type="datetime1">
               <a:rPr lang="ko-KR" altLang="en-US" smtClean="0"/>
-              <a:t>2022-11-17</a:t>
+              <a:t>2022-11-18</a:t>
             </a:fld>
             <a:endParaRPr lang="ko-KR" altLang="en-US"/>
           </a:p>
@@ -5222,7 +5222,7 @@
           <a:p>
             <a:fld id="{3CB7E31E-FF16-4439-B212-AC7025F4AAB0}" type="datetime1">
               <a:rPr lang="ko-KR" altLang="en-US" smtClean="0"/>
-              <a:t>2022-11-17</a:t>
+              <a:t>2022-11-18</a:t>
             </a:fld>
             <a:endParaRPr lang="ko-KR" altLang="en-US"/>
           </a:p>
@@ -5463,7 +5463,7 @@
           <a:p>
             <a:fld id="{60352A02-A5CD-4786-B499-4F5D26E953F9}" type="datetime1">
               <a:rPr lang="ko-KR" altLang="en-US" smtClean="0"/>
-              <a:t>2022-11-17</a:t>
+              <a:t>2022-11-18</a:t>
             </a:fld>
             <a:endParaRPr lang="ko-KR" altLang="en-US"/>
           </a:p>

--- a/KICS_PT/[KICS] 모델 poster.pptx
+++ b/KICS_PT/[KICS] 모델 poster.pptx
@@ -1371,9 +1371,23 @@
               <a:rPr lang="en-US" altLang="ko-KR" dirty="0"/>
               <a:t>, </a:t>
             </a:r>
+          </a:p>
+          <a:p>
+            <a:pPr marL="171450" indent="-171450">
+              <a:buFontTx/>
+              <a:buChar char="-"/>
+            </a:pPr>
             <a:r>
               <a:rPr lang="ko-KR" altLang="en-US" dirty="0"/>
-              <a:t>초기 태양광 발전 시스템에서 제안한 모델의 적용 가능성을 확인할 수 있었습니다</a:t>
+              <a:t>초기 태양광 발전 </a:t>
+            </a:r>
+            <a:r>
+              <a:rPr lang="ko-KR" altLang="en-US"/>
+              <a:t>시스템에서 제안하는 </a:t>
+            </a:r>
+            <a:r>
+              <a:rPr lang="ko-KR" altLang="en-US" dirty="0"/>
+              <a:t>모델의 적용 가능성을 확인할 수 있었습니다</a:t>
             </a:r>
             <a:r>
               <a:rPr lang="en-US" altLang="ko-KR" dirty="0"/>
@@ -2043,7 +2057,7 @@
           <a:p>
             <a:r>
               <a:rPr lang="ko-KR" altLang="en-US" dirty="0"/>
-              <a:t>하지만 기상청에서는 일사량 정보를 제공하지 않아</a:t>
+              <a:t>하지만 기상청에서는 일사량 예측 정보를 제공하지 않아</a:t>
             </a:r>
             <a:r>
               <a:rPr lang="en-US" altLang="ko-KR" dirty="0"/>
